--- a/lecture-3-recap-scope/scope.pptx
+++ b/lecture-3-recap-scope/scope.pptx
@@ -5,7 +5,7 @@
     <p:sldMasterId id="2147483936" r:id="rId1"/>
   </p:sldMasterIdLst>
   <p:notesMasterIdLst>
-    <p:notesMasterId r:id="rId35"/>
+    <p:notesMasterId r:id="rId37"/>
   </p:notesMasterIdLst>
   <p:sldIdLst>
     <p:sldId id="442" r:id="rId2"/>
@@ -36,11 +36,13 @@
     <p:sldId id="484" r:id="rId27"/>
     <p:sldId id="485" r:id="rId28"/>
     <p:sldId id="497" r:id="rId29"/>
-    <p:sldId id="486" r:id="rId30"/>
-    <p:sldId id="461" r:id="rId31"/>
-    <p:sldId id="507" r:id="rId32"/>
-    <p:sldId id="513" r:id="rId33"/>
-    <p:sldId id="305" r:id="rId34"/>
+    <p:sldId id="520" r:id="rId30"/>
+    <p:sldId id="486" r:id="rId31"/>
+    <p:sldId id="461" r:id="rId32"/>
+    <p:sldId id="507" r:id="rId33"/>
+    <p:sldId id="513" r:id="rId34"/>
+    <p:sldId id="521" r:id="rId35"/>
+    <p:sldId id="305" r:id="rId36"/>
   </p:sldIdLst>
   <p:sldSz cx="9144000" cy="6858000" type="screen4x3"/>
   <p:notesSz cx="6858000" cy="9144000"/>
@@ -241,7 +243,7 @@
             <a:fld id="{83C55866-C109-46F5-A1A5-A583FE70736B}" type="datetimeFigureOut">
               <a:rPr lang="be-BY" smtClean="0"/>
               <a:pPr/>
-              <a:t>01.09.2015</a:t>
+              <a:t>21.09.2015</a:t>
             </a:fld>
             <a:endParaRPr lang="be-BY"/>
           </a:p>
@@ -1023,7 +1025,7 @@
             <a:fld id="{B6DB43F0-FEFD-424B-AFAA-1D3C2B01CC9C}" type="slidenum">
               <a:rPr lang="be-BY" smtClean="0"/>
               <a:pPr/>
-              <a:t>29</a:t>
+              <a:t>30</a:t>
             </a:fld>
             <a:endParaRPr lang="be-BY"/>
           </a:p>
@@ -1120,7 +1122,7 @@
             <a:fld id="{B6DB43F0-FEFD-424B-AFAA-1D3C2B01CC9C}" type="slidenum">
               <a:rPr lang="be-BY" smtClean="0"/>
               <a:pPr/>
-              <a:t>30</a:t>
+              <a:t>31</a:t>
             </a:fld>
             <a:endParaRPr lang="be-BY"/>
           </a:p>
@@ -1207,7 +1209,7 @@
             <a:fld id="{B6DB43F0-FEFD-424B-AFAA-1D3C2B01CC9C}" type="slidenum">
               <a:rPr lang="be-BY" smtClean="0"/>
               <a:pPr/>
-              <a:t>32</a:t>
+              <a:t>33</a:t>
             </a:fld>
             <a:endParaRPr lang="be-BY"/>
           </a:p>
@@ -1292,7 +1294,7 @@
             <a:fld id="{B6DB43F0-FEFD-424B-AFAA-1D3C2B01CC9C}" type="slidenum">
               <a:rPr lang="be-BY" smtClean="0"/>
               <a:pPr/>
-              <a:t>33</a:t>
+              <a:t>35</a:t>
             </a:fld>
             <a:endParaRPr lang="be-BY"/>
           </a:p>
@@ -1493,7 +1495,7 @@
             <a:fld id="{ADF9D30C-D1AE-43D8-9AC8-81DD3F555E58}" type="datetimeFigureOut">
               <a:rPr lang="be-BY" smtClean="0"/>
               <a:pPr/>
-              <a:t>01.09.2015</a:t>
+              <a:t>21.09.2015</a:t>
             </a:fld>
             <a:endParaRPr lang="be-BY"/>
           </a:p>
@@ -1660,7 +1662,7 @@
             <a:fld id="{ADF9D30C-D1AE-43D8-9AC8-81DD3F555E58}" type="datetimeFigureOut">
               <a:rPr lang="be-BY" smtClean="0"/>
               <a:pPr/>
-              <a:t>01.09.2015</a:t>
+              <a:t>21.09.2015</a:t>
             </a:fld>
             <a:endParaRPr lang="be-BY"/>
           </a:p>
@@ -1837,7 +1839,7 @@
             <a:fld id="{ADF9D30C-D1AE-43D8-9AC8-81DD3F555E58}" type="datetimeFigureOut">
               <a:rPr lang="be-BY" smtClean="0"/>
               <a:pPr/>
-              <a:t>01.09.2015</a:t>
+              <a:t>21.09.2015</a:t>
             </a:fld>
             <a:endParaRPr lang="be-BY"/>
           </a:p>
@@ -2004,7 +2006,7 @@
             <a:fld id="{ADF9D30C-D1AE-43D8-9AC8-81DD3F555E58}" type="datetimeFigureOut">
               <a:rPr lang="be-BY" smtClean="0"/>
               <a:pPr/>
-              <a:t>01.09.2015</a:t>
+              <a:t>21.09.2015</a:t>
             </a:fld>
             <a:endParaRPr lang="be-BY"/>
           </a:p>
@@ -2247,7 +2249,7 @@
             <a:fld id="{ADF9D30C-D1AE-43D8-9AC8-81DD3F555E58}" type="datetimeFigureOut">
               <a:rPr lang="be-BY" smtClean="0"/>
               <a:pPr/>
-              <a:t>01.09.2015</a:t>
+              <a:t>21.09.2015</a:t>
             </a:fld>
             <a:endParaRPr lang="be-BY"/>
           </a:p>
@@ -2532,7 +2534,7 @@
             <a:fld id="{ADF9D30C-D1AE-43D8-9AC8-81DD3F555E58}" type="datetimeFigureOut">
               <a:rPr lang="be-BY" smtClean="0"/>
               <a:pPr/>
-              <a:t>01.09.2015</a:t>
+              <a:t>21.09.2015</a:t>
             </a:fld>
             <a:endParaRPr lang="be-BY"/>
           </a:p>
@@ -2951,7 +2953,7 @@
             <a:fld id="{ADF9D30C-D1AE-43D8-9AC8-81DD3F555E58}" type="datetimeFigureOut">
               <a:rPr lang="be-BY" smtClean="0"/>
               <a:pPr/>
-              <a:t>01.09.2015</a:t>
+              <a:t>21.09.2015</a:t>
             </a:fld>
             <a:endParaRPr lang="be-BY"/>
           </a:p>
@@ -3066,7 +3068,7 @@
             <a:fld id="{ADF9D30C-D1AE-43D8-9AC8-81DD3F555E58}" type="datetimeFigureOut">
               <a:rPr lang="be-BY" smtClean="0"/>
               <a:pPr/>
-              <a:t>01.09.2015</a:t>
+              <a:t>21.09.2015</a:t>
             </a:fld>
             <a:endParaRPr lang="be-BY"/>
           </a:p>
@@ -3158,7 +3160,7 @@
             <a:fld id="{ADF9D30C-D1AE-43D8-9AC8-81DD3F555E58}" type="datetimeFigureOut">
               <a:rPr lang="be-BY" smtClean="0"/>
               <a:pPr/>
-              <a:t>01.09.2015</a:t>
+              <a:t>21.09.2015</a:t>
             </a:fld>
             <a:endParaRPr lang="be-BY"/>
           </a:p>
@@ -3432,7 +3434,7 @@
             <a:fld id="{ADF9D30C-D1AE-43D8-9AC8-81DD3F555E58}" type="datetimeFigureOut">
               <a:rPr lang="be-BY" smtClean="0"/>
               <a:pPr/>
-              <a:t>01.09.2015</a:t>
+              <a:t>21.09.2015</a:t>
             </a:fld>
             <a:endParaRPr lang="be-BY"/>
           </a:p>
@@ -3682,7 +3684,7 @@
             <a:fld id="{ADF9D30C-D1AE-43D8-9AC8-81DD3F555E58}" type="datetimeFigureOut">
               <a:rPr lang="be-BY" smtClean="0"/>
               <a:pPr/>
-              <a:t>01.09.2015</a:t>
+              <a:t>21.09.2015</a:t>
             </a:fld>
             <a:endParaRPr lang="be-BY"/>
           </a:p>
@@ -3892,7 +3894,7 @@
             <a:fld id="{ADF9D30C-D1AE-43D8-9AC8-81DD3F555E58}" type="datetimeFigureOut">
               <a:rPr lang="be-BY" smtClean="0"/>
               <a:pPr/>
-              <a:t>01.09.2015</a:t>
+              <a:t>21.09.2015</a:t>
             </a:fld>
             <a:endParaRPr lang="be-BY"/>
           </a:p>
@@ -12474,34 +12476,6 @@
       </p:sp>
       <p:sp>
         <p:nvSpPr>
-          <p:cNvPr id="4" name="Rectangle 3"/>
-          <p:cNvSpPr/>
-          <p:nvPr/>
-        </p:nvSpPr>
-        <p:spPr>
-          <a:xfrm>
-            <a:off x="481141" y="3573016"/>
-            <a:ext cx="3996030" cy="553998"/>
-          </a:xfrm>
-          <a:prstGeom prst="rect">
-            <a:avLst/>
-          </a:prstGeom>
-        </p:spPr>
-        <p:txBody>
-          <a:bodyPr wrap="none">
-            <a:spAutoFit/>
-          </a:bodyPr>
-          <a:lstStyle/>
-          <a:p>
-            <a:r>
-              <a:rPr lang="en-US" sz="3000" b="1" dirty="0"/>
-              <a:t>Global variables are evil</a:t>
-            </a:r>
-          </a:p>
-        </p:txBody>
-      </p:sp>
-      <p:sp>
-        <p:nvSpPr>
           <p:cNvPr id="6" name="Rectangle 5"/>
           <p:cNvSpPr/>
           <p:nvPr/>
@@ -12712,80 +12686,9 @@
   <p:timing>
     <p:tnLst>
       <p:par>
-        <p:cTn id="1" dur="indefinite" restart="never" nodeType="tmRoot">
-          <p:childTnLst>
-            <p:seq concurrent="1" nextAc="seek">
-              <p:cTn id="2" dur="indefinite" nodeType="mainSeq">
-                <p:childTnLst>
-                  <p:par>
-                    <p:cTn id="3" fill="hold">
-                      <p:stCondLst>
-                        <p:cond delay="indefinite"/>
-                      </p:stCondLst>
-                      <p:childTnLst>
-                        <p:par>
-                          <p:cTn id="4" fill="hold">
-                            <p:stCondLst>
-                              <p:cond delay="0"/>
-                            </p:stCondLst>
-                            <p:childTnLst>
-                              <p:par>
-                                <p:cTn id="5" presetID="1" presetClass="entr" presetSubtype="0" fill="hold" grpId="0" nodeType="clickEffect">
-                                  <p:stCondLst>
-                                    <p:cond delay="0"/>
-                                  </p:stCondLst>
-                                  <p:childTnLst>
-                                    <p:set>
-                                      <p:cBhvr>
-                                        <p:cTn id="6" dur="1" fill="hold">
-                                          <p:stCondLst>
-                                            <p:cond delay="0"/>
-                                          </p:stCondLst>
-                                        </p:cTn>
-                                        <p:tgtEl>
-                                          <p:spTgt spid="4"/>
-                                        </p:tgtEl>
-                                        <p:attrNameLst>
-                                          <p:attrName>style.visibility</p:attrName>
-                                        </p:attrNameLst>
-                                      </p:cBhvr>
-                                      <p:to>
-                                        <p:strVal val="visible"/>
-                                      </p:to>
-                                    </p:set>
-                                  </p:childTnLst>
-                                </p:cTn>
-                              </p:par>
-                            </p:childTnLst>
-                          </p:cTn>
-                        </p:par>
-                      </p:childTnLst>
-                    </p:cTn>
-                  </p:par>
-                </p:childTnLst>
-              </p:cTn>
-              <p:prevCondLst>
-                <p:cond evt="onPrev" delay="0">
-                  <p:tgtEl>
-                    <p:sldTgt/>
-                  </p:tgtEl>
-                </p:cond>
-              </p:prevCondLst>
-              <p:nextCondLst>
-                <p:cond evt="onNext" delay="0">
-                  <p:tgtEl>
-                    <p:sldTgt/>
-                  </p:tgtEl>
-                </p:cond>
-              </p:nextCondLst>
-            </p:seq>
-          </p:childTnLst>
-        </p:cTn>
+        <p:cTn id="1" dur="indefinite" restart="never" nodeType="tmRoot"/>
       </p:par>
     </p:tnLst>
-    <p:bldLst>
-      <p:bldP spid="4" grpId="0"/>
-    </p:bldLst>
   </p:timing>
 </p:sld>
 </file>
@@ -12809,439 +12712,88 @@
       </p:grpSpPr>
       <p:sp>
         <p:nvSpPr>
-          <p:cNvPr id="2" name="Заголовок 1"/>
+          <p:cNvPr id="2" name="Title 1"/>
           <p:cNvSpPr>
             <a:spLocks noGrp="1"/>
           </p:cNvSpPr>
           <p:nvPr>
-            <p:ph type="ctrTitle"/>
+            <p:ph type="title"/>
           </p:nvPr>
         </p:nvSpPr>
-        <p:spPr>
-          <a:xfrm>
-            <a:off x="1625183" y="964389"/>
-            <a:ext cx="5829300" cy="396480"/>
-          </a:xfrm>
-        </p:spPr>
+        <p:spPr/>
         <p:txBody>
           <a:bodyPr>
-            <a:normAutofit fontScale="90000"/>
+            <a:normAutofit/>
           </a:bodyPr>
           <a:lstStyle/>
           <a:p>
             <a:r>
-              <a:rPr lang="en-US" b="1" dirty="0" err="1" smtClean="0">
-                <a:ea typeface="ＭＳ Ｐゴシック" pitchFamily="34" charset="-128"/>
-              </a:rPr>
-              <a:t>Globals</a:t>
-            </a:r>
-            <a:endParaRPr lang="en-US" b="1" dirty="0">
-              <a:solidFill>
-                <a:schemeClr val="tx1">
-                  <a:lumMod val="65000"/>
-                  <a:lumOff val="35000"/>
-                </a:schemeClr>
-              </a:solidFill>
-            </a:endParaRPr>
-          </a:p>
-        </p:txBody>
-      </p:sp>
-      <p:sp>
-        <p:nvSpPr>
-          <p:cNvPr id="6" name="Rectangle 5"/>
-          <p:cNvSpPr/>
-          <p:nvPr/>
-        </p:nvSpPr>
-        <p:spPr>
-          <a:xfrm>
-            <a:off x="1439652" y="1538791"/>
-            <a:ext cx="5994666" cy="4247317"/>
-          </a:xfrm>
-          <a:prstGeom prst="rect">
-            <a:avLst/>
-          </a:prstGeom>
-        </p:spPr>
-        <p:style>
-          <a:lnRef idx="1">
-            <a:schemeClr val="dk1"/>
-          </a:lnRef>
-          <a:fillRef idx="2">
-            <a:schemeClr val="dk1"/>
-          </a:fillRef>
-          <a:effectRef idx="1">
-            <a:schemeClr val="dk1"/>
-          </a:effectRef>
-          <a:fontRef idx="minor">
-            <a:schemeClr val="dk1"/>
-          </a:fontRef>
-        </p:style>
-        <p:txBody>
-          <a:bodyPr wrap="square">
-            <a:spAutoFit/>
-          </a:bodyPr>
+              <a:rPr lang="en-US" b="1" dirty="0"/>
+              <a:t>Global variables are </a:t>
+            </a:r>
+            <a:r>
+              <a:rPr lang="en-US" b="1" dirty="0" smtClean="0"/>
+              <a:t>evil</a:t>
+            </a:r>
+            <a:endParaRPr lang="en-US" dirty="0"/>
+          </a:p>
+        </p:txBody>
+      </p:sp>
+      <p:sp>
+        <p:nvSpPr>
+          <p:cNvPr id="3" name="Content Placeholder 2"/>
+          <p:cNvSpPr>
+            <a:spLocks noGrp="1"/>
+          </p:cNvSpPr>
+          <p:nvPr>
+            <p:ph idx="1"/>
+          </p:nvPr>
+        </p:nvSpPr>
+        <p:spPr/>
+        <p:txBody>
+          <a:bodyPr/>
           <a:lstStyle/>
           <a:p>
             <a:r>
-              <a:rPr lang="en-US" sz="1350" dirty="0">
-                <a:solidFill>
-                  <a:srgbClr val="006400"/>
-                </a:solidFill>
-                <a:latin typeface="Consolas"/>
-              </a:rPr>
-              <a:t>// </a:t>
-            </a:r>
-            <a:r>
-              <a:rPr lang="en-US" sz="1350" dirty="0" err="1">
-                <a:solidFill>
-                  <a:srgbClr val="006400"/>
-                </a:solidFill>
-                <a:latin typeface="Consolas"/>
-              </a:rPr>
-              <a:t>antipattern</a:t>
-            </a:r>
-            <a:endParaRPr lang="en-US" sz="1350" dirty="0">
-              <a:solidFill>
-                <a:srgbClr val="0000FF"/>
-              </a:solidFill>
-              <a:latin typeface="Consolas"/>
-            </a:endParaRPr>
-          </a:p>
-          <a:p>
-            <a:r>
-              <a:rPr lang="en-US" sz="1350" dirty="0">
-                <a:solidFill>
-                  <a:srgbClr val="0000FF"/>
-                </a:solidFill>
-                <a:latin typeface="Consolas"/>
-              </a:rPr>
-              <a:t>function</a:t>
-            </a:r>
-            <a:r>
-              <a:rPr lang="en-US" sz="1350" dirty="0">
-                <a:solidFill>
-                  <a:prstClr val="black"/>
-                </a:solidFill>
-                <a:latin typeface="Consolas"/>
-              </a:rPr>
-              <a:t> sum(x, y) {</a:t>
-            </a:r>
-          </a:p>
-          <a:p>
-            <a:pPr lvl="1"/>
-            <a:r>
-              <a:rPr lang="en-US" sz="1350" dirty="0">
-                <a:solidFill>
-                  <a:srgbClr val="006400"/>
-                </a:solidFill>
-                <a:latin typeface="Consolas"/>
-              </a:rPr>
-              <a:t>// implied global</a:t>
-            </a:r>
-            <a:endParaRPr lang="en-US" sz="1350" dirty="0">
-              <a:solidFill>
-                <a:prstClr val="black"/>
-              </a:solidFill>
-              <a:latin typeface="Consolas"/>
-            </a:endParaRPr>
-          </a:p>
-          <a:p>
-            <a:pPr lvl="1"/>
-            <a:r>
-              <a:rPr lang="en-US" sz="1350" dirty="0">
-                <a:solidFill>
-                  <a:prstClr val="black"/>
-                </a:solidFill>
-                <a:latin typeface="Consolas"/>
-              </a:rPr>
-              <a:t>result = x + y;</a:t>
-            </a:r>
-          </a:p>
-          <a:p>
-            <a:pPr lvl="1"/>
-            <a:r>
-              <a:rPr lang="en-US" sz="1350" dirty="0">
-                <a:solidFill>
-                  <a:srgbClr val="0000FF"/>
-                </a:solidFill>
-                <a:latin typeface="Consolas"/>
-              </a:rPr>
-              <a:t>return</a:t>
-            </a:r>
-            <a:r>
-              <a:rPr lang="en-US" sz="1350" dirty="0">
-                <a:solidFill>
-                  <a:prstClr val="black"/>
-                </a:solidFill>
-                <a:latin typeface="Consolas"/>
-              </a:rPr>
-              <a:t> result;</a:t>
-            </a:r>
-          </a:p>
-          <a:p>
-            <a:r>
-              <a:rPr lang="en-US" sz="1350" dirty="0">
-                <a:solidFill>
-                  <a:prstClr val="black"/>
-                </a:solidFill>
-                <a:latin typeface="Consolas"/>
-              </a:rPr>
-              <a:t>}</a:t>
-            </a:r>
-          </a:p>
-          <a:p>
-            <a:endParaRPr lang="en-US" sz="1350" dirty="0">
-              <a:solidFill>
-                <a:srgbClr val="006400"/>
-              </a:solidFill>
-              <a:latin typeface="Consolas"/>
-            </a:endParaRPr>
-          </a:p>
-          <a:p>
-            <a:endParaRPr lang="en-US" sz="1350" dirty="0">
-              <a:solidFill>
-                <a:srgbClr val="006400"/>
-              </a:solidFill>
-              <a:latin typeface="Consolas"/>
-            </a:endParaRPr>
-          </a:p>
-          <a:p>
-            <a:r>
-              <a:rPr lang="en-US" sz="1350" dirty="0">
-                <a:solidFill>
-                  <a:srgbClr val="006400"/>
-                </a:solidFill>
-                <a:latin typeface="Consolas"/>
-              </a:rPr>
-              <a:t>// </a:t>
-            </a:r>
-            <a:r>
-              <a:rPr lang="en-US" sz="1350" dirty="0" err="1">
-                <a:solidFill>
-                  <a:srgbClr val="006400"/>
-                </a:solidFill>
-                <a:latin typeface="Consolas"/>
-              </a:rPr>
-              <a:t>antipattern</a:t>
-            </a:r>
-            <a:endParaRPr lang="en-US" sz="1350" dirty="0">
-              <a:solidFill>
-                <a:prstClr val="black"/>
-              </a:solidFill>
-              <a:latin typeface="Consolas"/>
-            </a:endParaRPr>
-          </a:p>
-          <a:p>
-            <a:r>
-              <a:rPr lang="en-US" sz="1350" dirty="0">
-                <a:solidFill>
-                  <a:srgbClr val="0000FF"/>
-                </a:solidFill>
-                <a:latin typeface="Consolas"/>
-              </a:rPr>
-              <a:t>function</a:t>
-            </a:r>
-            <a:r>
-              <a:rPr lang="en-US" sz="1350" dirty="0">
-                <a:solidFill>
-                  <a:prstClr val="black"/>
-                </a:solidFill>
-                <a:latin typeface="Consolas"/>
-              </a:rPr>
-              <a:t> foo() {</a:t>
-            </a:r>
-          </a:p>
-          <a:p>
-            <a:pPr lvl="1"/>
-            <a:r>
-              <a:rPr lang="en-US" sz="1350" dirty="0" err="1">
-                <a:solidFill>
-                  <a:srgbClr val="0000FF"/>
-                </a:solidFill>
-                <a:latin typeface="Consolas"/>
-              </a:rPr>
-              <a:t>var</a:t>
-            </a:r>
-            <a:r>
-              <a:rPr lang="en-US" sz="1350" dirty="0">
-                <a:solidFill>
-                  <a:prstClr val="black"/>
-                </a:solidFill>
-                <a:latin typeface="Consolas"/>
-              </a:rPr>
-              <a:t> a = b = 0;</a:t>
-            </a:r>
-          </a:p>
-          <a:p>
-            <a:pPr lvl="1"/>
-            <a:r>
-              <a:rPr lang="en-US" sz="1350" dirty="0">
-                <a:solidFill>
-                  <a:srgbClr val="006400"/>
-                </a:solidFill>
-                <a:latin typeface="Consolas"/>
-              </a:rPr>
-              <a:t>// ...</a:t>
-            </a:r>
-            <a:endParaRPr lang="en-US" sz="1350" dirty="0">
-              <a:solidFill>
-                <a:prstClr val="black"/>
-              </a:solidFill>
-              <a:latin typeface="Consolas"/>
-            </a:endParaRPr>
-          </a:p>
-          <a:p>
-            <a:r>
-              <a:rPr lang="en-US" sz="1350" dirty="0">
-                <a:solidFill>
-                  <a:prstClr val="black"/>
-                </a:solidFill>
-                <a:latin typeface="Consolas"/>
-              </a:rPr>
-              <a:t>}</a:t>
-            </a:r>
-          </a:p>
-          <a:p>
-            <a:endParaRPr lang="en-US" sz="1350" dirty="0">
-              <a:solidFill>
-                <a:prstClr val="black"/>
-              </a:solidFill>
-              <a:latin typeface="Consolas"/>
-            </a:endParaRPr>
-          </a:p>
-          <a:p>
-            <a:r>
-              <a:rPr lang="en-US" sz="1350" dirty="0">
-                <a:solidFill>
-                  <a:srgbClr val="006400"/>
-                </a:solidFill>
-                <a:latin typeface="Consolas"/>
-              </a:rPr>
-              <a:t>// preferred</a:t>
-            </a:r>
-            <a:endParaRPr lang="en-US" sz="1350" dirty="0">
-              <a:solidFill>
-                <a:prstClr val="black"/>
-              </a:solidFill>
-              <a:latin typeface="Consolas"/>
-            </a:endParaRPr>
-          </a:p>
-          <a:p>
-            <a:r>
-              <a:rPr lang="en-US" sz="1350" dirty="0">
-                <a:solidFill>
-                  <a:srgbClr val="0000FF"/>
-                </a:solidFill>
-                <a:latin typeface="Consolas"/>
-              </a:rPr>
-              <a:t>function</a:t>
-            </a:r>
-            <a:r>
-              <a:rPr lang="en-US" sz="1350" dirty="0">
-                <a:solidFill>
-                  <a:prstClr val="black"/>
-                </a:solidFill>
-                <a:latin typeface="Consolas"/>
-              </a:rPr>
-              <a:t> foo() {</a:t>
-            </a:r>
-          </a:p>
-          <a:p>
-            <a:pPr lvl="1"/>
-            <a:r>
-              <a:rPr lang="en-US" sz="1350" dirty="0" err="1">
-                <a:solidFill>
-                  <a:srgbClr val="0000FF"/>
-                </a:solidFill>
-                <a:latin typeface="Consolas"/>
-              </a:rPr>
-              <a:t>var</a:t>
-            </a:r>
-            <a:r>
-              <a:rPr lang="en-US" sz="1350" dirty="0">
-                <a:solidFill>
-                  <a:prstClr val="black"/>
-                </a:solidFill>
-                <a:latin typeface="Consolas"/>
-              </a:rPr>
-              <a:t> a, b;</a:t>
-            </a:r>
-          </a:p>
-          <a:p>
-            <a:pPr lvl="1"/>
-            <a:r>
-              <a:rPr lang="en-US" sz="1350" dirty="0">
-                <a:solidFill>
-                  <a:srgbClr val="006400"/>
-                </a:solidFill>
-                <a:latin typeface="Consolas"/>
-              </a:rPr>
-              <a:t>// ...</a:t>
-            </a:r>
-            <a:endParaRPr lang="en-US" sz="1350" dirty="0">
-              <a:solidFill>
-                <a:prstClr val="black"/>
-              </a:solidFill>
-              <a:latin typeface="Consolas"/>
-            </a:endParaRPr>
-          </a:p>
-          <a:p>
-            <a:pPr lvl="1"/>
-            <a:r>
-              <a:rPr lang="en-US" sz="1350" dirty="0">
-                <a:solidFill>
-                  <a:prstClr val="black"/>
-                </a:solidFill>
-                <a:latin typeface="Consolas"/>
-              </a:rPr>
-              <a:t>a = b = 0; </a:t>
-            </a:r>
-            <a:r>
-              <a:rPr lang="en-US" sz="1350" dirty="0">
-                <a:solidFill>
-                  <a:srgbClr val="006400"/>
-                </a:solidFill>
-                <a:latin typeface="Consolas"/>
-              </a:rPr>
-              <a:t>// both local</a:t>
-            </a:r>
-            <a:endParaRPr lang="en-US" sz="1350" dirty="0">
-              <a:solidFill>
-                <a:prstClr val="black"/>
-              </a:solidFill>
-              <a:latin typeface="Consolas"/>
-            </a:endParaRPr>
-          </a:p>
-          <a:p>
-            <a:r>
-              <a:rPr lang="en-US" sz="1350" dirty="0">
-                <a:solidFill>
-                  <a:prstClr val="black"/>
-                </a:solidFill>
-                <a:latin typeface="Consolas"/>
-              </a:rPr>
-              <a:t>}</a:t>
-            </a:r>
+              <a:rPr lang="en-US" dirty="0" smtClean="0"/>
+              <a:t>They are less </a:t>
+            </a:r>
+            <a:r>
+              <a:rPr lang="en-US" dirty="0"/>
+              <a:t>robust, behave less predictably, and are less reusable</a:t>
+            </a:r>
+            <a:r>
+              <a:rPr lang="en-US" dirty="0" smtClean="0"/>
+              <a:t>.</a:t>
+            </a:r>
+          </a:p>
+          <a:p>
+            <a:r>
+              <a:rPr lang="en-US" dirty="0" smtClean="0"/>
+              <a:t>Name clashes. Your </a:t>
+            </a:r>
+            <a:r>
+              <a:rPr lang="en-US" dirty="0"/>
+              <a:t>code, built-ins, analytics code, social media </a:t>
+            </a:r>
+            <a:r>
+              <a:rPr lang="en-US" dirty="0" smtClean="0"/>
+              <a:t>buttons use the same global scope.</a:t>
+            </a:r>
+            <a:endParaRPr lang="en-US" dirty="0"/>
           </a:p>
         </p:txBody>
       </p:sp>
     </p:spTree>
     <p:extLst>
       <p:ext uri="{BB962C8B-B14F-4D97-AF65-F5344CB8AC3E}">
-        <p14:creationId xmlns:p14="http://schemas.microsoft.com/office/powerpoint/2010/main" val="578045096"/>
+        <p14:creationId xmlns:p14="http://schemas.microsoft.com/office/powerpoint/2010/main" val="704371220"/>
       </p:ext>
     </p:extLst>
   </p:cSld>
   <p:clrMapOvr>
     <a:masterClrMapping/>
   </p:clrMapOvr>
-  <p:transition/>
-  <p:timing>
-    <p:tnLst>
-      <p:par>
-        <p:cTn id="1" dur="indefinite" restart="never" nodeType="tmRoot"/>
-      </p:par>
-    </p:tnLst>
-  </p:timing>
 </p:sld>
 </file>
 
@@ -13403,19 +12955,72 @@
       </p:grpSpPr>
       <p:sp>
         <p:nvSpPr>
-          <p:cNvPr id="7" name="Rectangle 6"/>
+          <p:cNvPr id="2" name="Заголовок 1"/>
+          <p:cNvSpPr>
+            <a:spLocks noGrp="1"/>
+          </p:cNvSpPr>
+          <p:nvPr>
+            <p:ph type="ctrTitle"/>
+          </p:nvPr>
+        </p:nvSpPr>
+        <p:spPr>
+          <a:xfrm>
+            <a:off x="1625183" y="964389"/>
+            <a:ext cx="5829300" cy="396480"/>
+          </a:xfrm>
+        </p:spPr>
+        <p:txBody>
+          <a:bodyPr>
+            <a:normAutofit fontScale="90000"/>
+          </a:bodyPr>
+          <a:lstStyle/>
+          <a:p>
+            <a:r>
+              <a:rPr lang="en-US" b="1" dirty="0" err="1" smtClean="0">
+                <a:ea typeface="ＭＳ Ｐゴシック" pitchFamily="34" charset="-128"/>
+              </a:rPr>
+              <a:t>Globals</a:t>
+            </a:r>
+            <a:endParaRPr lang="en-US" b="1" dirty="0">
+              <a:solidFill>
+                <a:schemeClr val="tx1">
+                  <a:lumMod val="65000"/>
+                  <a:lumOff val="35000"/>
+                </a:schemeClr>
+              </a:solidFill>
+            </a:endParaRPr>
+          </a:p>
+        </p:txBody>
+      </p:sp>
+      <p:sp>
+        <p:nvSpPr>
+          <p:cNvPr id="6" name="Rectangle 5"/>
           <p:cNvSpPr/>
           <p:nvPr/>
         </p:nvSpPr>
         <p:spPr>
           <a:xfrm>
-            <a:off x="2357754" y="1714488"/>
-            <a:ext cx="4080516" cy="2031325"/>
+            <a:off x="1439652" y="1538791"/>
+            <a:ext cx="5994666" cy="4247317"/>
           </a:xfrm>
           <a:prstGeom prst="rect">
             <a:avLst/>
           </a:prstGeom>
         </p:spPr>
+        <p:style>
+          <a:lnRef idx="1">
+            <a:schemeClr val="dk1"/>
+          </a:lnRef>
+          <a:fillRef idx="2">
+            <a:schemeClr val="dk1"/>
+          </a:fillRef>
+          <a:effectRef idx="1">
+            <a:schemeClr val="dk1"/>
+          </a:effectRef>
+          <a:fontRef idx="minor">
+            <a:schemeClr val="dk1"/>
+          </a:fontRef>
+        </p:style>
         <p:txBody>
           <a:bodyPr wrap="square">
             <a:spAutoFit/>
@@ -13423,63 +13028,344 @@
           <a:lstStyle/>
           <a:p>
             <a:r>
-              <a:rPr lang="en-US" sz="2100" b="1" dirty="0">
-                <a:solidFill>
-                  <a:schemeClr val="bg1">
-                    <a:lumMod val="50000"/>
-                  </a:schemeClr>
-                </a:solidFill>
-              </a:rPr>
-              <a:t>&lt;script&gt;</a:t>
-            </a:r>
-            <a:endParaRPr lang="en-US" sz="2100" b="1" dirty="0"/>
+              <a:rPr lang="en-US" sz="1350" dirty="0">
+                <a:solidFill>
+                  <a:srgbClr val="006400"/>
+                </a:solidFill>
+                <a:latin typeface="Consolas"/>
+              </a:rPr>
+              <a:t>// </a:t>
+            </a:r>
+            <a:r>
+              <a:rPr lang="en-US" sz="1350" dirty="0" err="1">
+                <a:solidFill>
+                  <a:srgbClr val="006400"/>
+                </a:solidFill>
+                <a:latin typeface="Consolas"/>
+              </a:rPr>
+              <a:t>antipattern</a:t>
+            </a:r>
+            <a:endParaRPr lang="en-US" sz="1350" dirty="0">
+              <a:solidFill>
+                <a:srgbClr val="0000FF"/>
+              </a:solidFill>
+              <a:latin typeface="Consolas"/>
+            </a:endParaRPr>
+          </a:p>
+          <a:p>
+            <a:r>
+              <a:rPr lang="en-US" sz="1350" dirty="0">
+                <a:solidFill>
+                  <a:srgbClr val="0000FF"/>
+                </a:solidFill>
+                <a:latin typeface="Consolas"/>
+              </a:rPr>
+              <a:t>function</a:t>
+            </a:r>
+            <a:r>
+              <a:rPr lang="en-US" sz="1350" dirty="0">
+                <a:solidFill>
+                  <a:prstClr val="black"/>
+                </a:solidFill>
+                <a:latin typeface="Consolas"/>
+              </a:rPr>
+              <a:t> sum(x, y) {</a:t>
+            </a:r>
           </a:p>
           <a:p>
             <a:pPr lvl="1"/>
             <a:r>
-              <a:rPr lang="en-US" sz="2100" b="1" dirty="0"/>
-              <a:t>if (("a" in window) == false) {</a:t>
-            </a:r>
+              <a:rPr lang="en-US" sz="1350" dirty="0">
+                <a:solidFill>
+                  <a:srgbClr val="006400"/>
+                </a:solidFill>
+                <a:latin typeface="Consolas"/>
+              </a:rPr>
+              <a:t>// implied global</a:t>
+            </a:r>
+            <a:endParaRPr lang="en-US" sz="1350" dirty="0">
+              <a:solidFill>
+                <a:prstClr val="black"/>
+              </a:solidFill>
+              <a:latin typeface="Consolas"/>
+            </a:endParaRPr>
           </a:p>
           <a:p>
             <a:pPr lvl="1"/>
             <a:r>
-              <a:rPr lang="en-US" sz="2100" b="1" dirty="0"/>
-              <a:t>    </a:t>
-            </a:r>
-            <a:r>
-              <a:rPr lang="en-US" sz="2100" b="1" dirty="0" err="1"/>
+              <a:rPr lang="en-US" sz="1350" dirty="0">
+                <a:solidFill>
+                  <a:prstClr val="black"/>
+                </a:solidFill>
+                <a:latin typeface="Consolas"/>
+              </a:rPr>
+              <a:t>result = x + y;</a:t>
+            </a:r>
+          </a:p>
+          <a:p>
+            <a:pPr lvl="1"/>
+            <a:r>
+              <a:rPr lang="en-US" sz="1350" dirty="0">
+                <a:solidFill>
+                  <a:srgbClr val="0000FF"/>
+                </a:solidFill>
+                <a:latin typeface="Consolas"/>
+              </a:rPr>
+              <a:t>return</a:t>
+            </a:r>
+            <a:r>
+              <a:rPr lang="en-US" sz="1350" dirty="0">
+                <a:solidFill>
+                  <a:prstClr val="black"/>
+                </a:solidFill>
+                <a:latin typeface="Consolas"/>
+              </a:rPr>
+              <a:t> result;</a:t>
+            </a:r>
+          </a:p>
+          <a:p>
+            <a:r>
+              <a:rPr lang="en-US" sz="1350" dirty="0">
+                <a:solidFill>
+                  <a:prstClr val="black"/>
+                </a:solidFill>
+                <a:latin typeface="Consolas"/>
+              </a:rPr>
+              <a:t>}</a:t>
+            </a:r>
+          </a:p>
+          <a:p>
+            <a:endParaRPr lang="en-US" sz="1350" dirty="0">
+              <a:solidFill>
+                <a:srgbClr val="006400"/>
+              </a:solidFill>
+              <a:latin typeface="Consolas"/>
+            </a:endParaRPr>
+          </a:p>
+          <a:p>
+            <a:endParaRPr lang="en-US" sz="1350" dirty="0">
+              <a:solidFill>
+                <a:srgbClr val="006400"/>
+              </a:solidFill>
+              <a:latin typeface="Consolas"/>
+            </a:endParaRPr>
+          </a:p>
+          <a:p>
+            <a:r>
+              <a:rPr lang="en-US" sz="1350" dirty="0">
+                <a:solidFill>
+                  <a:srgbClr val="006400"/>
+                </a:solidFill>
+                <a:latin typeface="Consolas"/>
+              </a:rPr>
+              <a:t>// </a:t>
+            </a:r>
+            <a:r>
+              <a:rPr lang="en-US" sz="1350" dirty="0" err="1">
+                <a:solidFill>
+                  <a:srgbClr val="006400"/>
+                </a:solidFill>
+                <a:latin typeface="Consolas"/>
+              </a:rPr>
+              <a:t>antipattern</a:t>
+            </a:r>
+            <a:endParaRPr lang="en-US" sz="1350" dirty="0">
+              <a:solidFill>
+                <a:prstClr val="black"/>
+              </a:solidFill>
+              <a:latin typeface="Consolas"/>
+            </a:endParaRPr>
+          </a:p>
+          <a:p>
+            <a:r>
+              <a:rPr lang="en-US" sz="1350" dirty="0">
+                <a:solidFill>
+                  <a:srgbClr val="0000FF"/>
+                </a:solidFill>
+                <a:latin typeface="Consolas"/>
+              </a:rPr>
+              <a:t>function</a:t>
+            </a:r>
+            <a:r>
+              <a:rPr lang="en-US" sz="1350" dirty="0">
+                <a:solidFill>
+                  <a:prstClr val="black"/>
+                </a:solidFill>
+                <a:latin typeface="Consolas"/>
+              </a:rPr>
+              <a:t> foo() {</a:t>
+            </a:r>
+          </a:p>
+          <a:p>
+            <a:pPr lvl="1"/>
+            <a:r>
+              <a:rPr lang="en-US" sz="1350" dirty="0" err="1">
+                <a:solidFill>
+                  <a:srgbClr val="0000FF"/>
+                </a:solidFill>
+                <a:latin typeface="Consolas"/>
+              </a:rPr>
               <a:t>var</a:t>
             </a:r>
             <a:r>
-              <a:rPr lang="en-US" sz="2100" b="1" dirty="0"/>
-              <a:t> a = 1; </a:t>
+              <a:rPr lang="en-US" sz="1350" dirty="0">
+                <a:solidFill>
+                  <a:prstClr val="black"/>
+                </a:solidFill>
+                <a:latin typeface="Consolas"/>
+              </a:rPr>
+              <a:t> a = b = 0;</a:t>
             </a:r>
           </a:p>
           <a:p>
             <a:pPr lvl="1"/>
             <a:r>
-              <a:rPr lang="en-US" sz="2100" b="1" dirty="0"/>
+              <a:rPr lang="en-US" sz="1350" dirty="0">
+                <a:solidFill>
+                  <a:srgbClr val="006400"/>
+                </a:solidFill>
+                <a:latin typeface="Consolas"/>
+              </a:rPr>
+              <a:t>// ...</a:t>
+            </a:r>
+            <a:endParaRPr lang="en-US" sz="1350" dirty="0">
+              <a:solidFill>
+                <a:prstClr val="black"/>
+              </a:solidFill>
+              <a:latin typeface="Consolas"/>
+            </a:endParaRPr>
+          </a:p>
+          <a:p>
+            <a:r>
+              <a:rPr lang="en-US" sz="1350" dirty="0">
+                <a:solidFill>
+                  <a:prstClr val="black"/>
+                </a:solidFill>
+                <a:latin typeface="Consolas"/>
+              </a:rPr>
               <a:t>}</a:t>
             </a:r>
           </a:p>
           <a:p>
+            <a:endParaRPr lang="en-US" sz="1350" dirty="0">
+              <a:solidFill>
+                <a:prstClr val="black"/>
+              </a:solidFill>
+              <a:latin typeface="Consolas"/>
+            </a:endParaRPr>
+          </a:p>
+          <a:p>
+            <a:r>
+              <a:rPr lang="en-US" sz="1350" dirty="0">
+                <a:solidFill>
+                  <a:srgbClr val="006400"/>
+                </a:solidFill>
+                <a:latin typeface="Consolas"/>
+              </a:rPr>
+              <a:t>// preferred</a:t>
+            </a:r>
+            <a:endParaRPr lang="en-US" sz="1350" dirty="0">
+              <a:solidFill>
+                <a:prstClr val="black"/>
+              </a:solidFill>
+              <a:latin typeface="Consolas"/>
+            </a:endParaRPr>
+          </a:p>
+          <a:p>
+            <a:r>
+              <a:rPr lang="en-US" sz="1350" dirty="0">
+                <a:solidFill>
+                  <a:srgbClr val="0000FF"/>
+                </a:solidFill>
+                <a:latin typeface="Consolas"/>
+              </a:rPr>
+              <a:t>function</a:t>
+            </a:r>
+            <a:r>
+              <a:rPr lang="en-US" sz="1350" dirty="0">
+                <a:solidFill>
+                  <a:prstClr val="black"/>
+                </a:solidFill>
+                <a:latin typeface="Consolas"/>
+              </a:rPr>
+              <a:t> foo() {</a:t>
+            </a:r>
+          </a:p>
+          <a:p>
             <a:pPr lvl="1"/>
             <a:r>
-              <a:rPr lang="en-US" sz="2100" b="1" dirty="0"/>
-              <a:t>alert(a);</a:t>
-            </a:r>
-          </a:p>
-          <a:p>
-            <a:r>
-              <a:rPr lang="en-US" sz="2100" b="1" dirty="0">
-                <a:solidFill>
-                  <a:schemeClr val="bg1">
-                    <a:lumMod val="50000"/>
-                  </a:schemeClr>
-                </a:solidFill>
-              </a:rPr>
-              <a:t>&lt;/script&gt;</a:t>
+              <a:rPr lang="en-US" sz="1350" dirty="0" err="1">
+                <a:solidFill>
+                  <a:srgbClr val="0000FF"/>
+                </a:solidFill>
+                <a:latin typeface="Consolas"/>
+              </a:rPr>
+              <a:t>var</a:t>
+            </a:r>
+            <a:r>
+              <a:rPr lang="en-US" sz="1350" dirty="0">
+                <a:solidFill>
+                  <a:prstClr val="black"/>
+                </a:solidFill>
+                <a:latin typeface="Consolas"/>
+              </a:rPr>
+              <a:t> a, b;</a:t>
+            </a:r>
+          </a:p>
+          <a:p>
+            <a:pPr lvl="1"/>
+            <a:r>
+              <a:rPr lang="en-US" sz="1350" dirty="0">
+                <a:solidFill>
+                  <a:srgbClr val="006400"/>
+                </a:solidFill>
+                <a:latin typeface="Consolas"/>
+              </a:rPr>
+              <a:t>// ...</a:t>
+            </a:r>
+            <a:endParaRPr lang="en-US" sz="1350" dirty="0">
+              <a:solidFill>
+                <a:prstClr val="black"/>
+              </a:solidFill>
+              <a:latin typeface="Consolas"/>
+            </a:endParaRPr>
+          </a:p>
+          <a:p>
+            <a:pPr lvl="1"/>
+            <a:r>
+              <a:rPr lang="en-US" sz="1350" dirty="0">
+                <a:solidFill>
+                  <a:prstClr val="black"/>
+                </a:solidFill>
+                <a:latin typeface="Consolas"/>
+              </a:rPr>
+              <a:t>a = b = 0; </a:t>
+            </a:r>
+            <a:r>
+              <a:rPr lang="en-US" sz="1350" dirty="0">
+                <a:solidFill>
+                  <a:srgbClr val="006400"/>
+                </a:solidFill>
+                <a:latin typeface="Consolas"/>
+              </a:rPr>
+              <a:t>// both local</a:t>
+            </a:r>
+            <a:endParaRPr lang="en-US" sz="1350" dirty="0">
+              <a:solidFill>
+                <a:prstClr val="black"/>
+              </a:solidFill>
+              <a:latin typeface="Consolas"/>
+            </a:endParaRPr>
+          </a:p>
+          <a:p>
+            <a:r>
+              <a:rPr lang="en-US" sz="1350" dirty="0">
+                <a:solidFill>
+                  <a:prstClr val="black"/>
+                </a:solidFill>
+                <a:latin typeface="Consolas"/>
+              </a:rPr>
+              <a:t>}</a:t>
             </a:r>
           </a:p>
         </p:txBody>
@@ -13487,7 +13373,7 @@
     </p:spTree>
     <p:extLst>
       <p:ext uri="{BB962C8B-B14F-4D97-AF65-F5344CB8AC3E}">
-        <p14:creationId xmlns:p14="http://schemas.microsoft.com/office/powerpoint/2010/main" val="1403691241"/>
+        <p14:creationId xmlns:p14="http://schemas.microsoft.com/office/powerpoint/2010/main" val="578045096"/>
       </p:ext>
     </p:extLst>
   </p:cSld>
@@ -13524,387 +13410,98 @@
       </p:grpSpPr>
       <p:sp>
         <p:nvSpPr>
-          <p:cNvPr id="2" name="Title 1"/>
-          <p:cNvSpPr>
-            <a:spLocks noGrp="1"/>
-          </p:cNvSpPr>
-          <p:nvPr>
-            <p:ph type="title"/>
-          </p:nvPr>
-        </p:nvSpPr>
-        <p:spPr/>
-        <p:txBody>
-          <a:bodyPr/>
-          <a:lstStyle/>
-          <a:p>
-            <a:r>
-              <a:rPr lang="en-US" dirty="0" smtClean="0"/>
-              <a:t>Working with global</a:t>
-            </a:r>
-            <a:endParaRPr lang="en-US" dirty="0"/>
-          </a:p>
-        </p:txBody>
-      </p:sp>
-      <p:sp>
-        <p:nvSpPr>
-          <p:cNvPr id="4" name="Rectangle 1"/>
-          <p:cNvSpPr>
-            <a:spLocks noGrp="1" noChangeArrowheads="1"/>
-          </p:cNvSpPr>
-          <p:nvPr>
-            <p:ph idx="1"/>
-          </p:nvPr>
-        </p:nvSpPr>
-        <p:spPr bwMode="auto">
+          <p:cNvPr id="7" name="Rectangle 6"/>
+          <p:cNvSpPr/>
+          <p:nvPr/>
+        </p:nvSpPr>
+        <p:spPr>
           <a:xfrm>
-            <a:off x="251520" y="1556792"/>
-            <a:ext cx="4536504" cy="2769989"/>
+            <a:off x="2357754" y="1714488"/>
+            <a:ext cx="4080516" cy="2031325"/>
           </a:xfrm>
           <a:prstGeom prst="rect">
             <a:avLst/>
           </a:prstGeom>
-          <a:noFill/>
-          <a:ln>
-            <a:noFill/>
-          </a:ln>
-          <a:effectLst/>
-          <a:extLst>
-            <a:ext uri="{909E8E84-426E-40DD-AFC4-6F175D3DCCD1}">
-              <a14:hiddenFill xmlns:a14="http://schemas.microsoft.com/office/drawing/2010/main">
-                <a:solidFill>
-                  <a:schemeClr val="accent1"/>
-                </a:solidFill>
-              </a14:hiddenFill>
-            </a:ext>
-            <a:ext uri="{91240B29-F687-4F45-9708-019B960494DF}">
-              <a14:hiddenLine xmlns:a14="http://schemas.microsoft.com/office/drawing/2010/main" w="9525">
-                <a:solidFill>
-                  <a:schemeClr val="tx1"/>
-                </a:solidFill>
-                <a:miter lim="800000"/>
-                <a:headEnd/>
-                <a:tailEnd/>
-              </a14:hiddenLine>
-            </a:ext>
-            <a:ext uri="{AF507438-7753-43E0-B8FC-AC1667EBCBE1}">
-              <a14:hiddenEffects xmlns:a14="http://schemas.microsoft.com/office/drawing/2010/main">
-                <a:effectLst>
-                  <a:outerShdw dist="35921" dir="2700000" algn="ctr" rotWithShape="0">
-                    <a:schemeClr val="bg2"/>
-                  </a:outerShdw>
-                </a:effectLst>
-              </a14:hiddenEffects>
-            </a:ext>
-          </a:extLst>
         </p:spPr>
         <p:txBody>
-          <a:bodyPr vert="horz" wrap="square" lIns="0" tIns="0" rIns="0" bIns="0" numCol="1" anchor="ctr" anchorCtr="0" compatLnSpc="1">
-            <a:prstTxWarp prst="textNoShape">
-              <a:avLst/>
-            </a:prstTxWarp>
+          <a:bodyPr wrap="square">
             <a:spAutoFit/>
           </a:bodyPr>
           <a:lstStyle/>
           <a:p>
-            <a:pPr marL="0" marR="0" lvl="0" indent="0" algn="l" defTabSz="914400" rtl="0" eaLnBrk="0" fontAlgn="base" latinLnBrk="0" hangingPunct="0">
-              <a:lnSpc>
-                <a:spcPct val="100000"/>
-              </a:lnSpc>
-              <a:spcBef>
-                <a:spcPct val="0"/>
-              </a:spcBef>
-              <a:spcAft>
-                <a:spcPct val="0"/>
-              </a:spcAft>
-              <a:buClrTx/>
-              <a:buSzTx/>
-              <a:buFontTx/>
-              <a:buNone/>
-              <a:tabLst/>
-            </a:pPr>
-            <a:r>
-              <a:rPr kumimoji="0" lang="en-US" altLang="en-US" sz="2000" b="0" i="0" u="none" strike="noStrike" cap="none" normalizeH="0" baseline="0" dirty="0" err="1" smtClean="0">
-                <a:ln>
-                  <a:noFill/>
-                </a:ln>
-                <a:effectLst/>
-                <a:latin typeface="Ubuntu Mono"/>
-              </a:rPr>
-              <a:t>window.foo</a:t>
-            </a:r>
-            <a:endParaRPr kumimoji="0" lang="en-US" altLang="en-US" sz="2000" b="0" i="0" u="none" strike="noStrike" cap="none" normalizeH="0" baseline="0" dirty="0" smtClean="0">
-              <a:ln>
-                <a:noFill/>
-              </a:ln>
-              <a:effectLst/>
-              <a:latin typeface="Ubuntu Mono"/>
-            </a:endParaRPr>
-          </a:p>
-          <a:p>
-            <a:pPr marL="0" marR="0" lvl="0" indent="0" algn="l" defTabSz="914400" rtl="0" eaLnBrk="0" fontAlgn="base" latinLnBrk="0" hangingPunct="0">
-              <a:lnSpc>
-                <a:spcPct val="100000"/>
-              </a:lnSpc>
-              <a:spcBef>
-                <a:spcPct val="0"/>
-              </a:spcBef>
-              <a:spcAft>
-                <a:spcPct val="0"/>
-              </a:spcAft>
-              <a:buClrTx/>
-              <a:buSzTx/>
-              <a:buFontTx/>
-              <a:buNone/>
-              <a:tabLst/>
-            </a:pPr>
-            <a:endParaRPr lang="en-US" altLang="en-US" sz="2000" dirty="0">
-              <a:latin typeface="Ubuntu Mono"/>
-            </a:endParaRPr>
-          </a:p>
-          <a:p>
-            <a:pPr marL="0" marR="0" lvl="0" indent="0" algn="l" defTabSz="914400" rtl="0" eaLnBrk="0" fontAlgn="base" latinLnBrk="0" hangingPunct="0">
-              <a:lnSpc>
-                <a:spcPct val="100000"/>
-              </a:lnSpc>
-              <a:spcBef>
-                <a:spcPct val="0"/>
-              </a:spcBef>
-              <a:spcAft>
-                <a:spcPct val="0"/>
-              </a:spcAft>
-              <a:buClrTx/>
-              <a:buSzTx/>
-              <a:buFontTx/>
-              <a:buNone/>
-              <a:tabLst/>
-            </a:pPr>
-            <a:r>
-              <a:rPr lang="en-US" altLang="en-US" sz="2000" dirty="0">
-                <a:latin typeface="Ubuntu Mono"/>
-              </a:rPr>
-              <a:t>i</a:t>
-            </a:r>
-            <a:r>
-              <a:rPr kumimoji="0" lang="en-US" altLang="en-US" sz="2000" b="0" i="0" u="none" strike="noStrike" cap="none" normalizeH="0" baseline="0" dirty="0" smtClean="0">
-                <a:ln>
-                  <a:noFill/>
-                </a:ln>
-                <a:effectLst/>
-                <a:latin typeface="Ubuntu Mono"/>
-              </a:rPr>
-              <a:t>f (</a:t>
-            </a:r>
-            <a:r>
-              <a:rPr kumimoji="0" lang="en-US" altLang="en-US" sz="2000" b="0" i="0" u="none" strike="noStrike" cap="none" normalizeH="0" baseline="0" dirty="0" err="1" smtClean="0">
-                <a:ln>
-                  <a:noFill/>
-                </a:ln>
-                <a:effectLst/>
-                <a:latin typeface="Ubuntu Mono"/>
-              </a:rPr>
-              <a:t>window.foo</a:t>
-            </a:r>
-            <a:r>
-              <a:rPr kumimoji="0" lang="en-US" altLang="en-US" sz="2000" b="0" i="0" u="none" strike="noStrike" cap="none" normalizeH="0" baseline="0" dirty="0" smtClean="0">
-                <a:ln>
-                  <a:noFill/>
-                </a:ln>
-                <a:effectLst/>
-                <a:latin typeface="Ubuntu Mono"/>
-              </a:rPr>
-              <a:t>) { … }</a:t>
-            </a:r>
-          </a:p>
-          <a:p>
-            <a:pPr marL="0" indent="0" eaLnBrk="0" fontAlgn="base" hangingPunct="0">
-              <a:spcBef>
-                <a:spcPct val="0"/>
-              </a:spcBef>
-              <a:spcAft>
-                <a:spcPct val="0"/>
-              </a:spcAft>
-              <a:buNone/>
-            </a:pPr>
-            <a:r>
-              <a:rPr lang="en-US" altLang="en-US" sz="2000" dirty="0">
-                <a:latin typeface="Ubuntu Mono"/>
-              </a:rPr>
-              <a:t>if </a:t>
-            </a:r>
-            <a:r>
-              <a:rPr lang="en-US" altLang="en-US" sz="2000" dirty="0" smtClean="0">
-                <a:latin typeface="Ubuntu Mono"/>
-              </a:rPr>
-              <a:t>(“foo” in window) </a:t>
-            </a:r>
-            <a:r>
-              <a:rPr lang="en-US" altLang="en-US" sz="2000" dirty="0">
-                <a:latin typeface="Ubuntu Mono"/>
-              </a:rPr>
-              <a:t>{ … </a:t>
-            </a:r>
-            <a:r>
-              <a:rPr lang="en-US" altLang="en-US" sz="2000" dirty="0" smtClean="0">
-                <a:latin typeface="Ubuntu Mono"/>
-              </a:rPr>
+            <a:r>
+              <a:rPr lang="en-US" sz="2100" b="1" dirty="0">
+                <a:solidFill>
+                  <a:schemeClr val="bg1">
+                    <a:lumMod val="50000"/>
+                  </a:schemeClr>
+                </a:solidFill>
+              </a:rPr>
+              <a:t>&lt;script&gt;</a:t>
+            </a:r>
+            <a:endParaRPr lang="en-US" sz="2100" b="1" dirty="0"/>
+          </a:p>
+          <a:p>
+            <a:pPr lvl="1"/>
+            <a:r>
+              <a:rPr lang="en-US" sz="2100" b="1" dirty="0"/>
+              <a:t>if (("a" in window) == false) {</a:t>
+            </a:r>
+          </a:p>
+          <a:p>
+            <a:pPr lvl="1"/>
+            <a:r>
+              <a:rPr lang="en-US" sz="2100" b="1" dirty="0"/>
+              <a:t>    </a:t>
+            </a:r>
+            <a:r>
+              <a:rPr lang="en-US" sz="2100" b="1" dirty="0" err="1"/>
+              <a:t>var</a:t>
+            </a:r>
+            <a:r>
+              <a:rPr lang="en-US" sz="2100" b="1" dirty="0"/>
+              <a:t> a = 1; </a:t>
+            </a:r>
+          </a:p>
+          <a:p>
+            <a:pPr lvl="1"/>
+            <a:r>
+              <a:rPr lang="en-US" sz="2100" b="1" dirty="0"/>
               <a:t>}</a:t>
             </a:r>
           </a:p>
           <a:p>
-            <a:pPr marL="0" indent="0" eaLnBrk="0" fontAlgn="base" hangingPunct="0">
-              <a:spcBef>
-                <a:spcPct val="0"/>
-              </a:spcBef>
-              <a:spcAft>
-                <a:spcPct val="0"/>
-              </a:spcAft>
-              <a:buNone/>
-            </a:pPr>
-            <a:r>
-              <a:rPr lang="en-US" altLang="en-US" sz="2000" dirty="0">
-                <a:latin typeface="Ubuntu Mono"/>
-              </a:rPr>
-              <a:t>i</a:t>
-            </a:r>
-            <a:r>
-              <a:rPr lang="en-US" altLang="en-US" sz="2000" dirty="0" smtClean="0">
-                <a:latin typeface="Ubuntu Mono"/>
-              </a:rPr>
-              <a:t>f (</a:t>
-            </a:r>
-            <a:r>
-              <a:rPr lang="en-US" altLang="en-US" sz="2000" dirty="0" err="1" smtClean="0">
-                <a:latin typeface="Ubuntu Mono"/>
-              </a:rPr>
-              <a:t>typeof</a:t>
-            </a:r>
-            <a:r>
-              <a:rPr lang="en-US" altLang="en-US" sz="2000" dirty="0" smtClean="0">
-                <a:latin typeface="Ubuntu Mono"/>
-              </a:rPr>
-              <a:t> “foo” !== “undefined”) { … }</a:t>
-            </a:r>
-            <a:endParaRPr lang="en-US" altLang="en-US" sz="2000" dirty="0">
-              <a:latin typeface="Ubuntu Mono"/>
-            </a:endParaRPr>
-          </a:p>
-          <a:p>
-            <a:pPr marL="0" marR="0" lvl="0" indent="0" algn="l" defTabSz="914400" rtl="0" eaLnBrk="0" fontAlgn="base" latinLnBrk="0" hangingPunct="0">
-              <a:lnSpc>
-                <a:spcPct val="100000"/>
-              </a:lnSpc>
-              <a:spcBef>
-                <a:spcPct val="0"/>
-              </a:spcBef>
-              <a:spcAft>
-                <a:spcPct val="0"/>
-              </a:spcAft>
-              <a:buClrTx/>
-              <a:buSzTx/>
-              <a:buFontTx/>
-              <a:buNone/>
-              <a:tabLst/>
-            </a:pPr>
-            <a:endParaRPr kumimoji="0" lang="en-US" altLang="en-US" sz="2000" b="0" i="0" u="none" strike="noStrike" cap="none" normalizeH="0" baseline="0" dirty="0" smtClean="0">
-              <a:ln>
-                <a:noFill/>
-              </a:ln>
-              <a:effectLst/>
-              <a:latin typeface="Ubuntu Mono"/>
-            </a:endParaRPr>
-          </a:p>
-          <a:p>
-            <a:pPr marL="0" marR="0" lvl="0" indent="0" algn="l" defTabSz="914400" rtl="0" eaLnBrk="0" fontAlgn="base" latinLnBrk="0" hangingPunct="0">
-              <a:lnSpc>
-                <a:spcPct val="100000"/>
-              </a:lnSpc>
-              <a:spcBef>
-                <a:spcPct val="0"/>
-              </a:spcBef>
-              <a:spcAft>
-                <a:spcPct val="0"/>
-              </a:spcAft>
-              <a:buClrTx/>
-              <a:buSzTx/>
-              <a:buFontTx/>
-              <a:buNone/>
-              <a:tabLst/>
-            </a:pPr>
-            <a:endParaRPr kumimoji="0" lang="en-US" altLang="en-US" sz="2000" b="0" i="0" u="none" strike="noStrike" cap="none" normalizeH="0" baseline="0" dirty="0" smtClean="0">
-              <a:ln>
-                <a:noFill/>
-              </a:ln>
-              <a:effectLst/>
-              <a:latin typeface="Ubuntu Mono"/>
-            </a:endParaRPr>
-          </a:p>
-          <a:p>
-            <a:pPr marL="0" marR="0" lvl="0" indent="0" algn="l" defTabSz="914400" rtl="0" eaLnBrk="0" fontAlgn="base" latinLnBrk="0" hangingPunct="0">
-              <a:lnSpc>
-                <a:spcPct val="100000"/>
-              </a:lnSpc>
-              <a:spcBef>
-                <a:spcPct val="0"/>
-              </a:spcBef>
-              <a:spcAft>
-                <a:spcPct val="0"/>
-              </a:spcAft>
-              <a:buClrTx/>
-              <a:buSzTx/>
-              <a:buFontTx/>
-              <a:buNone/>
-              <a:tabLst/>
-            </a:pPr>
-            <a:endParaRPr lang="en-US" altLang="en-US" sz="2000" dirty="0">
-              <a:latin typeface="Ubuntu Mono"/>
-            </a:endParaRPr>
-          </a:p>
-          <a:p>
-            <a:pPr marL="0" marR="0" lvl="0" indent="0" algn="l" defTabSz="914400" rtl="0" eaLnBrk="0" fontAlgn="base" latinLnBrk="0" hangingPunct="0">
-              <a:lnSpc>
-                <a:spcPct val="100000"/>
-              </a:lnSpc>
-              <a:spcBef>
-                <a:spcPct val="0"/>
-              </a:spcBef>
-              <a:spcAft>
-                <a:spcPct val="0"/>
-              </a:spcAft>
-              <a:buClrTx/>
-              <a:buSzTx/>
-              <a:buFontTx/>
-              <a:buNone/>
-              <a:tabLst/>
-            </a:pPr>
-            <a:r>
-              <a:rPr kumimoji="0" lang="en-US" altLang="en-US" sz="2000" b="0" i="0" u="none" strike="noStrike" cap="none" normalizeH="0" baseline="0" dirty="0" smtClean="0">
-                <a:ln>
-                  <a:noFill/>
-                </a:ln>
-                <a:effectLst/>
-              </a:rPr>
-              <a:t> </a:t>
-            </a:r>
-            <a:endParaRPr kumimoji="0" lang="en-US" altLang="en-US" sz="2000" b="0" i="0" u="none" strike="noStrike" cap="none" normalizeH="0" baseline="0" dirty="0" smtClean="0">
-              <a:ln>
-                <a:noFill/>
-              </a:ln>
-              <a:effectLst/>
-              <a:latin typeface="Arial" panose="020B0604020202020204" pitchFamily="34" charset="0"/>
-            </a:endParaRPr>
+            <a:pPr lvl="1"/>
+            <a:r>
+              <a:rPr lang="en-US" sz="2100" b="1" dirty="0"/>
+              <a:t>alert(a);</a:t>
+            </a:r>
+          </a:p>
+          <a:p>
+            <a:r>
+              <a:rPr lang="en-US" sz="2100" b="1" dirty="0">
+                <a:solidFill>
+                  <a:schemeClr val="bg1">
+                    <a:lumMod val="50000"/>
+                  </a:schemeClr>
+                </a:solidFill>
+              </a:rPr>
+              <a:t>&lt;/script&gt;</a:t>
+            </a:r>
           </a:p>
         </p:txBody>
       </p:sp>
     </p:spTree>
     <p:extLst>
       <p:ext uri="{BB962C8B-B14F-4D97-AF65-F5344CB8AC3E}">
-        <p14:creationId xmlns:p14="http://schemas.microsoft.com/office/powerpoint/2010/main" val="91426937"/>
+        <p14:creationId xmlns:p14="http://schemas.microsoft.com/office/powerpoint/2010/main" val="1403691241"/>
       </p:ext>
     </p:extLst>
   </p:cSld>
   <p:clrMapOvr>
     <a:masterClrMapping/>
   </p:clrMapOvr>
+  <p:transition/>
   <p:timing>
     <p:tnLst>
       <p:par>
@@ -13934,6 +13531,416 @@
       </p:grpSpPr>
       <p:sp>
         <p:nvSpPr>
+          <p:cNvPr id="2" name="Title 1"/>
+          <p:cNvSpPr>
+            <a:spLocks noGrp="1"/>
+          </p:cNvSpPr>
+          <p:nvPr>
+            <p:ph type="title"/>
+          </p:nvPr>
+        </p:nvSpPr>
+        <p:spPr/>
+        <p:txBody>
+          <a:bodyPr/>
+          <a:lstStyle/>
+          <a:p>
+            <a:r>
+              <a:rPr lang="en-US" dirty="0" smtClean="0"/>
+              <a:t>Working with global</a:t>
+            </a:r>
+            <a:endParaRPr lang="en-US" dirty="0"/>
+          </a:p>
+        </p:txBody>
+      </p:sp>
+      <p:sp>
+        <p:nvSpPr>
+          <p:cNvPr id="4" name="Rectangle 1"/>
+          <p:cNvSpPr>
+            <a:spLocks noGrp="1" noChangeArrowheads="1"/>
+          </p:cNvSpPr>
+          <p:nvPr>
+            <p:ph idx="1"/>
+          </p:nvPr>
+        </p:nvSpPr>
+        <p:spPr bwMode="auto">
+          <a:xfrm>
+            <a:off x="251520" y="1556792"/>
+            <a:ext cx="4536504" cy="2769989"/>
+          </a:xfrm>
+          <a:prstGeom prst="rect">
+            <a:avLst/>
+          </a:prstGeom>
+          <a:noFill/>
+          <a:ln>
+            <a:noFill/>
+          </a:ln>
+          <a:effectLst/>
+          <a:extLst>
+            <a:ext uri="{909E8E84-426E-40DD-AFC4-6F175D3DCCD1}">
+              <a14:hiddenFill xmlns:a14="http://schemas.microsoft.com/office/drawing/2010/main">
+                <a:solidFill>
+                  <a:schemeClr val="accent1"/>
+                </a:solidFill>
+              </a14:hiddenFill>
+            </a:ext>
+            <a:ext uri="{91240B29-F687-4F45-9708-019B960494DF}">
+              <a14:hiddenLine xmlns:a14="http://schemas.microsoft.com/office/drawing/2010/main" w="9525">
+                <a:solidFill>
+                  <a:schemeClr val="tx1"/>
+                </a:solidFill>
+                <a:miter lim="800000"/>
+                <a:headEnd/>
+                <a:tailEnd/>
+              </a14:hiddenLine>
+            </a:ext>
+            <a:ext uri="{AF507438-7753-43E0-B8FC-AC1667EBCBE1}">
+              <a14:hiddenEffects xmlns:a14="http://schemas.microsoft.com/office/drawing/2010/main">
+                <a:effectLst>
+                  <a:outerShdw dist="35921" dir="2700000" algn="ctr" rotWithShape="0">
+                    <a:schemeClr val="bg2"/>
+                  </a:outerShdw>
+                </a:effectLst>
+              </a14:hiddenEffects>
+            </a:ext>
+          </a:extLst>
+        </p:spPr>
+        <p:txBody>
+          <a:bodyPr vert="horz" wrap="square" lIns="0" tIns="0" rIns="0" bIns="0" numCol="1" anchor="ctr" anchorCtr="0" compatLnSpc="1">
+            <a:prstTxWarp prst="textNoShape">
+              <a:avLst/>
+            </a:prstTxWarp>
+            <a:spAutoFit/>
+          </a:bodyPr>
+          <a:lstStyle/>
+          <a:p>
+            <a:pPr marL="0" marR="0" lvl="0" indent="0" algn="l" defTabSz="914400" rtl="0" eaLnBrk="0" fontAlgn="base" latinLnBrk="0" hangingPunct="0">
+              <a:lnSpc>
+                <a:spcPct val="100000"/>
+              </a:lnSpc>
+              <a:spcBef>
+                <a:spcPct val="0"/>
+              </a:spcBef>
+              <a:spcAft>
+                <a:spcPct val="0"/>
+              </a:spcAft>
+              <a:buClrTx/>
+              <a:buSzTx/>
+              <a:buFontTx/>
+              <a:buNone/>
+              <a:tabLst/>
+            </a:pPr>
+            <a:r>
+              <a:rPr kumimoji="0" lang="en-US" altLang="en-US" sz="2000" b="0" i="0" u="none" strike="noStrike" cap="none" normalizeH="0" baseline="0" dirty="0" err="1" smtClean="0">
+                <a:ln>
+                  <a:noFill/>
+                </a:ln>
+                <a:effectLst/>
+                <a:latin typeface="Ubuntu Mono"/>
+              </a:rPr>
+              <a:t>window.foo</a:t>
+            </a:r>
+            <a:endParaRPr kumimoji="0" lang="en-US" altLang="en-US" sz="2000" b="0" i="0" u="none" strike="noStrike" cap="none" normalizeH="0" baseline="0" dirty="0" smtClean="0">
+              <a:ln>
+                <a:noFill/>
+              </a:ln>
+              <a:effectLst/>
+              <a:latin typeface="Ubuntu Mono"/>
+            </a:endParaRPr>
+          </a:p>
+          <a:p>
+            <a:pPr marL="0" marR="0" lvl="0" indent="0" algn="l" defTabSz="914400" rtl="0" eaLnBrk="0" fontAlgn="base" latinLnBrk="0" hangingPunct="0">
+              <a:lnSpc>
+                <a:spcPct val="100000"/>
+              </a:lnSpc>
+              <a:spcBef>
+                <a:spcPct val="0"/>
+              </a:spcBef>
+              <a:spcAft>
+                <a:spcPct val="0"/>
+              </a:spcAft>
+              <a:buClrTx/>
+              <a:buSzTx/>
+              <a:buFontTx/>
+              <a:buNone/>
+              <a:tabLst/>
+            </a:pPr>
+            <a:endParaRPr lang="en-US" altLang="en-US" sz="2000" dirty="0">
+              <a:latin typeface="Ubuntu Mono"/>
+            </a:endParaRPr>
+          </a:p>
+          <a:p>
+            <a:pPr marL="0" marR="0" lvl="0" indent="0" algn="l" defTabSz="914400" rtl="0" eaLnBrk="0" fontAlgn="base" latinLnBrk="0" hangingPunct="0">
+              <a:lnSpc>
+                <a:spcPct val="100000"/>
+              </a:lnSpc>
+              <a:spcBef>
+                <a:spcPct val="0"/>
+              </a:spcBef>
+              <a:spcAft>
+                <a:spcPct val="0"/>
+              </a:spcAft>
+              <a:buClrTx/>
+              <a:buSzTx/>
+              <a:buFontTx/>
+              <a:buNone/>
+              <a:tabLst/>
+            </a:pPr>
+            <a:r>
+              <a:rPr lang="en-US" altLang="en-US" sz="2000" dirty="0">
+                <a:latin typeface="Ubuntu Mono"/>
+              </a:rPr>
+              <a:t>i</a:t>
+            </a:r>
+            <a:r>
+              <a:rPr kumimoji="0" lang="en-US" altLang="en-US" sz="2000" b="0" i="0" u="none" strike="noStrike" cap="none" normalizeH="0" baseline="0" dirty="0" smtClean="0">
+                <a:ln>
+                  <a:noFill/>
+                </a:ln>
+                <a:effectLst/>
+                <a:latin typeface="Ubuntu Mono"/>
+              </a:rPr>
+              <a:t>f (</a:t>
+            </a:r>
+            <a:r>
+              <a:rPr kumimoji="0" lang="en-US" altLang="en-US" sz="2000" b="0" i="0" u="none" strike="noStrike" cap="none" normalizeH="0" baseline="0" dirty="0" err="1" smtClean="0">
+                <a:ln>
+                  <a:noFill/>
+                </a:ln>
+                <a:effectLst/>
+                <a:latin typeface="Ubuntu Mono"/>
+              </a:rPr>
+              <a:t>window.foo</a:t>
+            </a:r>
+            <a:r>
+              <a:rPr kumimoji="0" lang="en-US" altLang="en-US" sz="2000" b="0" i="0" u="none" strike="noStrike" cap="none" normalizeH="0" baseline="0" dirty="0" smtClean="0">
+                <a:ln>
+                  <a:noFill/>
+                </a:ln>
+                <a:effectLst/>
+                <a:latin typeface="Ubuntu Mono"/>
+              </a:rPr>
+              <a:t>) { … }</a:t>
+            </a:r>
+          </a:p>
+          <a:p>
+            <a:pPr marL="0" indent="0" eaLnBrk="0" fontAlgn="base" hangingPunct="0">
+              <a:spcBef>
+                <a:spcPct val="0"/>
+              </a:spcBef>
+              <a:spcAft>
+                <a:spcPct val="0"/>
+              </a:spcAft>
+              <a:buNone/>
+            </a:pPr>
+            <a:r>
+              <a:rPr lang="en-US" altLang="en-US" sz="2000" dirty="0">
+                <a:latin typeface="Ubuntu Mono"/>
+              </a:rPr>
+              <a:t>if </a:t>
+            </a:r>
+            <a:r>
+              <a:rPr lang="en-US" altLang="en-US" sz="2000" dirty="0" smtClean="0">
+                <a:latin typeface="Ubuntu Mono"/>
+              </a:rPr>
+              <a:t>(“foo” in window) </a:t>
+            </a:r>
+            <a:r>
+              <a:rPr lang="en-US" altLang="en-US" sz="2000" dirty="0">
+                <a:latin typeface="Ubuntu Mono"/>
+              </a:rPr>
+              <a:t>{ … </a:t>
+            </a:r>
+            <a:r>
+              <a:rPr lang="en-US" altLang="en-US" sz="2000" dirty="0" smtClean="0">
+                <a:latin typeface="Ubuntu Mono"/>
+              </a:rPr>
+              <a:t>}</a:t>
+            </a:r>
+          </a:p>
+          <a:p>
+            <a:pPr marL="0" indent="0" eaLnBrk="0" fontAlgn="base" hangingPunct="0">
+              <a:spcBef>
+                <a:spcPct val="0"/>
+              </a:spcBef>
+              <a:spcAft>
+                <a:spcPct val="0"/>
+              </a:spcAft>
+              <a:buNone/>
+            </a:pPr>
+            <a:r>
+              <a:rPr lang="en-US" altLang="en-US" sz="2000" dirty="0">
+                <a:latin typeface="Ubuntu Mono"/>
+              </a:rPr>
+              <a:t>i</a:t>
+            </a:r>
+            <a:r>
+              <a:rPr lang="en-US" altLang="en-US" sz="2000" dirty="0" smtClean="0">
+                <a:latin typeface="Ubuntu Mono"/>
+              </a:rPr>
+              <a:t>f (</a:t>
+            </a:r>
+            <a:r>
+              <a:rPr lang="en-US" altLang="en-US" sz="2000" dirty="0" err="1" smtClean="0">
+                <a:latin typeface="Ubuntu Mono"/>
+              </a:rPr>
+              <a:t>typeof</a:t>
+            </a:r>
+            <a:r>
+              <a:rPr lang="en-US" altLang="en-US" sz="2000" dirty="0" smtClean="0">
+                <a:latin typeface="Ubuntu Mono"/>
+              </a:rPr>
+              <a:t> “foo” !== “undefined”) { … }</a:t>
+            </a:r>
+            <a:endParaRPr lang="en-US" altLang="en-US" sz="2000" dirty="0">
+              <a:latin typeface="Ubuntu Mono"/>
+            </a:endParaRPr>
+          </a:p>
+          <a:p>
+            <a:pPr marL="0" marR="0" lvl="0" indent="0" algn="l" defTabSz="914400" rtl="0" eaLnBrk="0" fontAlgn="base" latinLnBrk="0" hangingPunct="0">
+              <a:lnSpc>
+                <a:spcPct val="100000"/>
+              </a:lnSpc>
+              <a:spcBef>
+                <a:spcPct val="0"/>
+              </a:spcBef>
+              <a:spcAft>
+                <a:spcPct val="0"/>
+              </a:spcAft>
+              <a:buClrTx/>
+              <a:buSzTx/>
+              <a:buFontTx/>
+              <a:buNone/>
+              <a:tabLst/>
+            </a:pPr>
+            <a:endParaRPr kumimoji="0" lang="en-US" altLang="en-US" sz="2000" b="0" i="0" u="none" strike="noStrike" cap="none" normalizeH="0" baseline="0" dirty="0" smtClean="0">
+              <a:ln>
+                <a:noFill/>
+              </a:ln>
+              <a:effectLst/>
+              <a:latin typeface="Ubuntu Mono"/>
+            </a:endParaRPr>
+          </a:p>
+          <a:p>
+            <a:pPr marL="0" marR="0" lvl="0" indent="0" algn="l" defTabSz="914400" rtl="0" eaLnBrk="0" fontAlgn="base" latinLnBrk="0" hangingPunct="0">
+              <a:lnSpc>
+                <a:spcPct val="100000"/>
+              </a:lnSpc>
+              <a:spcBef>
+                <a:spcPct val="0"/>
+              </a:spcBef>
+              <a:spcAft>
+                <a:spcPct val="0"/>
+              </a:spcAft>
+              <a:buClrTx/>
+              <a:buSzTx/>
+              <a:buFontTx/>
+              <a:buNone/>
+              <a:tabLst/>
+            </a:pPr>
+            <a:endParaRPr kumimoji="0" lang="en-US" altLang="en-US" sz="2000" b="0" i="0" u="none" strike="noStrike" cap="none" normalizeH="0" baseline="0" dirty="0" smtClean="0">
+              <a:ln>
+                <a:noFill/>
+              </a:ln>
+              <a:effectLst/>
+              <a:latin typeface="Ubuntu Mono"/>
+            </a:endParaRPr>
+          </a:p>
+          <a:p>
+            <a:pPr marL="0" marR="0" lvl="0" indent="0" algn="l" defTabSz="914400" rtl="0" eaLnBrk="0" fontAlgn="base" latinLnBrk="0" hangingPunct="0">
+              <a:lnSpc>
+                <a:spcPct val="100000"/>
+              </a:lnSpc>
+              <a:spcBef>
+                <a:spcPct val="0"/>
+              </a:spcBef>
+              <a:spcAft>
+                <a:spcPct val="0"/>
+              </a:spcAft>
+              <a:buClrTx/>
+              <a:buSzTx/>
+              <a:buFontTx/>
+              <a:buNone/>
+              <a:tabLst/>
+            </a:pPr>
+            <a:endParaRPr lang="en-US" altLang="en-US" sz="2000" dirty="0">
+              <a:latin typeface="Ubuntu Mono"/>
+            </a:endParaRPr>
+          </a:p>
+          <a:p>
+            <a:pPr marL="0" marR="0" lvl="0" indent="0" algn="l" defTabSz="914400" rtl="0" eaLnBrk="0" fontAlgn="base" latinLnBrk="0" hangingPunct="0">
+              <a:lnSpc>
+                <a:spcPct val="100000"/>
+              </a:lnSpc>
+              <a:spcBef>
+                <a:spcPct val="0"/>
+              </a:spcBef>
+              <a:spcAft>
+                <a:spcPct val="0"/>
+              </a:spcAft>
+              <a:buClrTx/>
+              <a:buSzTx/>
+              <a:buFontTx/>
+              <a:buNone/>
+              <a:tabLst/>
+            </a:pPr>
+            <a:r>
+              <a:rPr kumimoji="0" lang="en-US" altLang="en-US" sz="2000" b="0" i="0" u="none" strike="noStrike" cap="none" normalizeH="0" baseline="0" dirty="0" smtClean="0">
+                <a:ln>
+                  <a:noFill/>
+                </a:ln>
+                <a:effectLst/>
+              </a:rPr>
+              <a:t> </a:t>
+            </a:r>
+            <a:endParaRPr kumimoji="0" lang="en-US" altLang="en-US" sz="2000" b="0" i="0" u="none" strike="noStrike" cap="none" normalizeH="0" baseline="0" dirty="0" smtClean="0">
+              <a:ln>
+                <a:noFill/>
+              </a:ln>
+              <a:effectLst/>
+              <a:latin typeface="Arial" panose="020B0604020202020204" pitchFamily="34" charset="0"/>
+            </a:endParaRPr>
+          </a:p>
+        </p:txBody>
+      </p:sp>
+    </p:spTree>
+    <p:extLst>
+      <p:ext uri="{BB962C8B-B14F-4D97-AF65-F5344CB8AC3E}">
+        <p14:creationId xmlns:p14="http://schemas.microsoft.com/office/powerpoint/2010/main" val="91426937"/>
+      </p:ext>
+    </p:extLst>
+  </p:cSld>
+  <p:clrMapOvr>
+    <a:masterClrMapping/>
+  </p:clrMapOvr>
+  <p:timing>
+    <p:tnLst>
+      <p:par>
+        <p:cTn id="1" dur="indefinite" restart="never" nodeType="tmRoot"/>
+      </p:par>
+    </p:tnLst>
+  </p:timing>
+</p:sld>
+</file>
+
+<file path=ppt/slides/slide33.xml><?xml version="1.0" encoding="utf-8"?>
+<p:sld xmlns:a="http://schemas.openxmlformats.org/drawingml/2006/main" xmlns:r="http://schemas.openxmlformats.org/officeDocument/2006/relationships" xmlns:p="http://schemas.openxmlformats.org/presentationml/2006/main">
+  <p:cSld>
+    <p:spTree>
+      <p:nvGrpSpPr>
+        <p:cNvPr id="1" name=""/>
+        <p:cNvGrpSpPr/>
+        <p:nvPr/>
+      </p:nvGrpSpPr>
+      <p:grpSpPr>
+        <a:xfrm>
+          <a:off x="0" y="0"/>
+          <a:ext cx="0" cy="0"/>
+          <a:chOff x="0" y="0"/>
+          <a:chExt cx="0" cy="0"/>
+        </a:xfrm>
+      </p:grpSpPr>
+      <p:sp>
+        <p:nvSpPr>
           <p:cNvPr id="2" name="Заголовок 1"/>
           <p:cNvSpPr>
             <a:spLocks noGrp="1"/>
@@ -14243,7 +14250,78 @@
 </p:sld>
 </file>
 
-<file path=ppt/slides/slide33.xml><?xml version="1.0" encoding="utf-8"?>
+<file path=ppt/slides/slide34.xml><?xml version="1.0" encoding="utf-8"?>
+<p:sld xmlns:a="http://schemas.openxmlformats.org/drawingml/2006/main" xmlns:r="http://schemas.openxmlformats.org/officeDocument/2006/relationships" xmlns:p="http://schemas.openxmlformats.org/presentationml/2006/main">
+  <p:cSld>
+    <p:spTree>
+      <p:nvGrpSpPr>
+        <p:cNvPr id="1" name=""/>
+        <p:cNvGrpSpPr/>
+        <p:nvPr/>
+      </p:nvGrpSpPr>
+      <p:grpSpPr>
+        <a:xfrm>
+          <a:off x="0" y="0"/>
+          <a:ext cx="0" cy="0"/>
+          <a:chOff x="0" y="0"/>
+          <a:chExt cx="0" cy="0"/>
+        </a:xfrm>
+      </p:grpSpPr>
+      <p:sp>
+        <p:nvSpPr>
+          <p:cNvPr id="2" name="Title 1"/>
+          <p:cNvSpPr>
+            <a:spLocks noGrp="1"/>
+          </p:cNvSpPr>
+          <p:nvPr>
+            <p:ph type="title"/>
+          </p:nvPr>
+        </p:nvSpPr>
+        <p:spPr>
+          <a:xfrm>
+            <a:off x="251520" y="2348880"/>
+            <a:ext cx="8229600" cy="1143000"/>
+          </a:xfrm>
+        </p:spPr>
+        <p:txBody>
+          <a:bodyPr>
+            <a:normAutofit fontScale="90000"/>
+          </a:bodyPr>
+          <a:lstStyle/>
+          <a:p>
+            <a:r>
+              <a:rPr lang="en-US" dirty="0"/>
+              <a:t>immediately invoked function </a:t>
+            </a:r>
+            <a:r>
+              <a:rPr lang="en-US" dirty="0" smtClean="0"/>
+              <a:t>expression</a:t>
+            </a:r>
+            <a:br>
+              <a:rPr lang="en-US" dirty="0" smtClean="0"/>
+            </a:br>
+            <a:r>
+              <a:rPr lang="en-US" dirty="0" smtClean="0"/>
+              <a:t>in next lecture</a:t>
+            </a:r>
+            <a:endParaRPr lang="en-US" dirty="0"/>
+          </a:p>
+        </p:txBody>
+      </p:sp>
+    </p:spTree>
+    <p:extLst>
+      <p:ext uri="{BB962C8B-B14F-4D97-AF65-F5344CB8AC3E}">
+        <p14:creationId xmlns:p14="http://schemas.microsoft.com/office/powerpoint/2010/main" val="1119315124"/>
+      </p:ext>
+    </p:extLst>
+  </p:cSld>
+  <p:clrMapOvr>
+    <a:masterClrMapping/>
+  </p:clrMapOvr>
+</p:sld>
+</file>
+
+<file path=ppt/slides/slide35.xml><?xml version="1.0" encoding="utf-8"?>
 <p:sld xmlns:a="http://schemas.openxmlformats.org/drawingml/2006/main" xmlns:r="http://schemas.openxmlformats.org/officeDocument/2006/relationships" xmlns:p="http://schemas.openxmlformats.org/presentationml/2006/main">
   <p:cSld>
     <p:spTree>

--- a/lecture-3-recap-scope/scope.pptx
+++ b/lecture-3-recap-scope/scope.pptx
@@ -5,7 +5,7 @@
     <p:sldMasterId id="2147483936" r:id="rId1"/>
   </p:sldMasterIdLst>
   <p:notesMasterIdLst>
-    <p:notesMasterId r:id="rId37"/>
+    <p:notesMasterId r:id="rId38"/>
   </p:notesMasterIdLst>
   <p:sldIdLst>
     <p:sldId id="442" r:id="rId2"/>
@@ -36,13 +36,14 @@
     <p:sldId id="484" r:id="rId27"/>
     <p:sldId id="485" r:id="rId28"/>
     <p:sldId id="497" r:id="rId29"/>
-    <p:sldId id="520" r:id="rId30"/>
-    <p:sldId id="486" r:id="rId31"/>
-    <p:sldId id="461" r:id="rId32"/>
-    <p:sldId id="507" r:id="rId33"/>
-    <p:sldId id="513" r:id="rId34"/>
-    <p:sldId id="521" r:id="rId35"/>
-    <p:sldId id="305" r:id="rId36"/>
+    <p:sldId id="522" r:id="rId30"/>
+    <p:sldId id="520" r:id="rId31"/>
+    <p:sldId id="486" r:id="rId32"/>
+    <p:sldId id="461" r:id="rId33"/>
+    <p:sldId id="507" r:id="rId34"/>
+    <p:sldId id="513" r:id="rId35"/>
+    <p:sldId id="521" r:id="rId36"/>
+    <p:sldId id="305" r:id="rId37"/>
   </p:sldIdLst>
   <p:sldSz cx="9144000" cy="6858000" type="screen4x3"/>
   <p:notesSz cx="6858000" cy="9144000"/>
@@ -1025,7 +1026,7 @@
             <a:fld id="{B6DB43F0-FEFD-424B-AFAA-1D3C2B01CC9C}" type="slidenum">
               <a:rPr lang="be-BY" smtClean="0"/>
               <a:pPr/>
-              <a:t>30</a:t>
+              <a:t>31</a:t>
             </a:fld>
             <a:endParaRPr lang="be-BY"/>
           </a:p>
@@ -1122,7 +1123,7 @@
             <a:fld id="{B6DB43F0-FEFD-424B-AFAA-1D3C2B01CC9C}" type="slidenum">
               <a:rPr lang="be-BY" smtClean="0"/>
               <a:pPr/>
-              <a:t>31</a:t>
+              <a:t>32</a:t>
             </a:fld>
             <a:endParaRPr lang="be-BY"/>
           </a:p>
@@ -1209,7 +1210,7 @@
             <a:fld id="{B6DB43F0-FEFD-424B-AFAA-1D3C2B01CC9C}" type="slidenum">
               <a:rPr lang="be-BY" smtClean="0"/>
               <a:pPr/>
-              <a:t>33</a:t>
+              <a:t>34</a:t>
             </a:fld>
             <a:endParaRPr lang="be-BY"/>
           </a:p>
@@ -1294,7 +1295,7 @@
             <a:fld id="{B6DB43F0-FEFD-424B-AFAA-1D3C2B01CC9C}" type="slidenum">
               <a:rPr lang="be-BY" smtClean="0"/>
               <a:pPr/>
-              <a:t>35</a:t>
+              <a:t>36</a:t>
             </a:fld>
             <a:endParaRPr lang="be-BY"/>
           </a:p>
@@ -12722,72 +12723,476 @@
         </p:nvSpPr>
         <p:spPr/>
         <p:txBody>
-          <a:bodyPr>
-            <a:normAutofit/>
-          </a:bodyPr>
+          <a:bodyPr/>
           <a:lstStyle/>
           <a:p>
-            <a:r>
-              <a:rPr lang="en-US" b="1" dirty="0"/>
-              <a:t>Global variables are </a:t>
-            </a:r>
-            <a:r>
-              <a:rPr lang="en-US" b="1" dirty="0" smtClean="0"/>
-              <a:t>evil</a:t>
-            </a:r>
-            <a:endParaRPr lang="en-US" dirty="0"/>
-          </a:p>
-        </p:txBody>
-      </p:sp>
-      <p:sp>
-        <p:nvSpPr>
-          <p:cNvPr id="3" name="Content Placeholder 2"/>
+            <a:endParaRPr lang="en-US"/>
+          </a:p>
+        </p:txBody>
+      </p:sp>
+      <p:sp>
+        <p:nvSpPr>
+          <p:cNvPr id="4" name="Rectangle 1"/>
           <p:cNvSpPr>
-            <a:spLocks noGrp="1"/>
+            <a:spLocks noGrp="1" noChangeArrowheads="1"/>
           </p:cNvSpPr>
           <p:nvPr>
             <p:ph idx="1"/>
           </p:nvPr>
         </p:nvSpPr>
-        <p:spPr/>
-        <p:txBody>
-          <a:bodyPr/>
+        <p:spPr bwMode="auto">
+          <a:xfrm>
+            <a:off x="457200" y="1916832"/>
+            <a:ext cx="5346015" cy="830997"/>
+          </a:xfrm>
+          <a:prstGeom prst="rect">
+            <a:avLst/>
+          </a:prstGeom>
+          <a:noFill/>
+          <a:ln>
+            <a:noFill/>
+          </a:ln>
+          <a:effectLst/>
+          <a:extLst>
+            <a:ext uri="{909E8E84-426E-40DD-AFC4-6F175D3DCCD1}">
+              <a14:hiddenFill xmlns:a14="http://schemas.microsoft.com/office/drawing/2010/main">
+                <a:solidFill>
+                  <a:schemeClr val="accent1"/>
+                </a:solidFill>
+              </a14:hiddenFill>
+            </a:ext>
+            <a:ext uri="{91240B29-F687-4F45-9708-019B960494DF}">
+              <a14:hiddenLine xmlns:a14="http://schemas.microsoft.com/office/drawing/2010/main" w="9525">
+                <a:solidFill>
+                  <a:schemeClr val="tx1"/>
+                </a:solidFill>
+                <a:miter lim="800000"/>
+                <a:headEnd/>
+                <a:tailEnd/>
+              </a14:hiddenLine>
+            </a:ext>
+            <a:ext uri="{AF507438-7753-43E0-B8FC-AC1667EBCBE1}">
+              <a14:hiddenEffects xmlns:a14="http://schemas.microsoft.com/office/drawing/2010/main">
+                <a:effectLst>
+                  <a:outerShdw dist="35921" dir="2700000" algn="ctr" rotWithShape="0">
+                    <a:schemeClr val="bg2"/>
+                  </a:outerShdw>
+                </a:effectLst>
+              </a14:hiddenEffects>
+            </a:ext>
+          </a:extLst>
+        </p:spPr>
+        <p:txBody>
+          <a:bodyPr vert="horz" wrap="none" lIns="0" tIns="0" rIns="0" bIns="0" numCol="1" anchor="ctr" anchorCtr="0" compatLnSpc="1">
+            <a:prstTxWarp prst="textNoShape">
+              <a:avLst/>
+            </a:prstTxWarp>
+            <a:spAutoFit/>
+          </a:bodyPr>
           <a:lstStyle/>
           <a:p>
-            <a:r>
-              <a:rPr lang="en-US" dirty="0" smtClean="0"/>
-              <a:t>They are less </a:t>
-            </a:r>
-            <a:r>
-              <a:rPr lang="en-US" dirty="0"/>
-              <a:t>robust, behave less predictably, and are less reusable</a:t>
-            </a:r>
-            <a:r>
-              <a:rPr lang="en-US" dirty="0" smtClean="0"/>
-              <a:t>.</a:t>
-            </a:r>
-          </a:p>
-          <a:p>
-            <a:r>
-              <a:rPr lang="en-US" dirty="0" smtClean="0"/>
-              <a:t>Name clashes. Your </a:t>
-            </a:r>
-            <a:r>
-              <a:rPr lang="en-US" dirty="0"/>
-              <a:t>code, built-ins, analytics code, social media </a:t>
-            </a:r>
-            <a:r>
-              <a:rPr lang="en-US" dirty="0" smtClean="0"/>
-              <a:t>buttons use the same global scope.</a:t>
-            </a:r>
-            <a:endParaRPr lang="en-US" dirty="0"/>
+            <a:pPr marL="0" marR="0" lvl="0" indent="0" algn="l" defTabSz="914400" rtl="0" eaLnBrk="0" fontAlgn="base" latinLnBrk="0" hangingPunct="0">
+              <a:lnSpc>
+                <a:spcPct val="100000"/>
+              </a:lnSpc>
+              <a:spcBef>
+                <a:spcPct val="0"/>
+              </a:spcBef>
+              <a:spcAft>
+                <a:spcPct val="0"/>
+              </a:spcAft>
+              <a:buClrTx/>
+              <a:buSzTx/>
+              <a:buFontTx/>
+              <a:buNone/>
+              <a:tabLst/>
+            </a:pPr>
+            <a:r>
+              <a:rPr kumimoji="0" lang="en-US" altLang="en-US" sz="1800" b="0" i="0" u="none" strike="noStrike" cap="none" normalizeH="0" baseline="0" dirty="0" smtClean="0">
+                <a:ln>
+                  <a:noFill/>
+                </a:ln>
+                <a:solidFill>
+                  <a:srgbClr val="000000"/>
+                </a:solidFill>
+                <a:effectLst/>
+                <a:latin typeface="Ubuntu Mono"/>
+              </a:rPr>
+              <a:t>(</a:t>
+            </a:r>
+            <a:r>
+              <a:rPr kumimoji="0" lang="en-US" altLang="en-US" sz="1800" b="1" i="0" u="none" strike="noStrike" cap="none" normalizeH="0" baseline="0" dirty="0" smtClean="0">
+                <a:ln>
+                  <a:noFill/>
+                </a:ln>
+                <a:solidFill>
+                  <a:srgbClr val="006699"/>
+                </a:solidFill>
+                <a:effectLst/>
+                <a:latin typeface="Ubuntu Mono"/>
+              </a:rPr>
+              <a:t>function</a:t>
+            </a:r>
+            <a:r>
+              <a:rPr kumimoji="0" lang="en-US" altLang="en-US" sz="1800" b="0" i="0" u="none" strike="noStrike" cap="none" normalizeH="0" baseline="0" dirty="0" smtClean="0">
+                <a:ln>
+                  <a:noFill/>
+                </a:ln>
+                <a:solidFill>
+                  <a:srgbClr val="000000"/>
+                </a:solidFill>
+                <a:effectLst/>
+                <a:latin typeface="Ubuntu Mono"/>
+              </a:rPr>
+              <a:t> (</a:t>
+            </a:r>
+            <a:r>
+              <a:rPr kumimoji="0" lang="en-US" altLang="en-US" sz="1800" b="0" i="0" u="none" strike="noStrike" cap="none" normalizeH="0" baseline="0" dirty="0" smtClean="0">
+                <a:ln>
+                  <a:noFill/>
+                </a:ln>
+                <a:solidFill>
+                  <a:srgbClr val="000088"/>
+                </a:solidFill>
+                <a:effectLst/>
+                <a:latin typeface="Ubuntu Mono"/>
+              </a:rPr>
+              <a:t>glob</a:t>
+            </a:r>
+            <a:r>
+              <a:rPr kumimoji="0" lang="en-US" altLang="en-US" sz="1800" b="0" i="0" u="none" strike="noStrike" cap="none" normalizeH="0" baseline="0" dirty="0" smtClean="0">
+                <a:ln>
+                  <a:noFill/>
+                </a:ln>
+                <a:solidFill>
+                  <a:srgbClr val="000000"/>
+                </a:solidFill>
+                <a:effectLst/>
+                <a:latin typeface="Ubuntu Mono"/>
+              </a:rPr>
+              <a:t>) { </a:t>
+            </a:r>
+          </a:p>
+          <a:p>
+            <a:pPr marL="0" marR="0" lvl="0" indent="0" algn="l" defTabSz="914400" rtl="0" eaLnBrk="0" fontAlgn="base" latinLnBrk="0" hangingPunct="0">
+              <a:lnSpc>
+                <a:spcPct val="100000"/>
+              </a:lnSpc>
+              <a:spcBef>
+                <a:spcPct val="0"/>
+              </a:spcBef>
+              <a:spcAft>
+                <a:spcPct val="0"/>
+              </a:spcAft>
+              <a:buClrTx/>
+              <a:buSzTx/>
+              <a:buFontTx/>
+              <a:buNone/>
+              <a:tabLst/>
+            </a:pPr>
+            <a:r>
+              <a:rPr lang="en-US" altLang="en-US" sz="1800" dirty="0">
+                <a:solidFill>
+                  <a:srgbClr val="000000"/>
+                </a:solidFill>
+                <a:latin typeface="Ubuntu Mono"/>
+              </a:rPr>
+              <a:t>	</a:t>
+            </a:r>
+            <a:r>
+              <a:rPr kumimoji="0" lang="en-US" altLang="en-US" sz="1800" b="0" i="1" u="none" strike="noStrike" cap="none" normalizeH="0" baseline="0" dirty="0" smtClean="0">
+                <a:ln>
+                  <a:noFill/>
+                </a:ln>
+                <a:solidFill>
+                  <a:srgbClr val="35586C"/>
+                </a:solidFill>
+                <a:effectLst/>
+                <a:latin typeface="Ubuntu Mono"/>
+              </a:rPr>
+              <a:t>// glob points to global object</a:t>
+            </a:r>
+            <a:r>
+              <a:rPr kumimoji="0" lang="en-US" altLang="en-US" sz="1800" b="0" i="0" u="none" strike="noStrike" cap="none" normalizeH="0" baseline="0" dirty="0" smtClean="0">
+                <a:ln>
+                  <a:noFill/>
+                </a:ln>
+                <a:solidFill>
+                  <a:srgbClr val="000000"/>
+                </a:solidFill>
+                <a:effectLst/>
+                <a:latin typeface="Ubuntu Mono"/>
+              </a:rPr>
+              <a:t> </a:t>
+            </a:r>
+          </a:p>
+          <a:p>
+            <a:pPr marL="0" marR="0" lvl="0" indent="0" algn="l" defTabSz="914400" rtl="0" eaLnBrk="0" fontAlgn="base" latinLnBrk="0" hangingPunct="0">
+              <a:lnSpc>
+                <a:spcPct val="100000"/>
+              </a:lnSpc>
+              <a:spcBef>
+                <a:spcPct val="0"/>
+              </a:spcBef>
+              <a:spcAft>
+                <a:spcPct val="0"/>
+              </a:spcAft>
+              <a:buClrTx/>
+              <a:buSzTx/>
+              <a:buFontTx/>
+              <a:buNone/>
+              <a:tabLst/>
+            </a:pPr>
+            <a:r>
+              <a:rPr kumimoji="0" lang="en-US" altLang="en-US" sz="1800" b="0" i="0" u="none" strike="noStrike" cap="none" normalizeH="0" baseline="0" dirty="0" smtClean="0">
+                <a:ln>
+                  <a:noFill/>
+                </a:ln>
+                <a:solidFill>
+                  <a:srgbClr val="000000"/>
+                </a:solidFill>
+                <a:effectLst/>
+                <a:latin typeface="Ubuntu Mono"/>
+              </a:rPr>
+              <a:t>}(</a:t>
+            </a:r>
+            <a:r>
+              <a:rPr kumimoji="0" lang="en-US" altLang="en-US" sz="1800" b="1" i="0" u="none" strike="noStrike" cap="none" normalizeH="0" baseline="0" dirty="0" err="1" smtClean="0">
+                <a:ln>
+                  <a:noFill/>
+                </a:ln>
+                <a:solidFill>
+                  <a:srgbClr val="006699"/>
+                </a:solidFill>
+                <a:effectLst/>
+                <a:latin typeface="Ubuntu Mono"/>
+              </a:rPr>
+              <a:t>typeof</a:t>
+            </a:r>
+            <a:r>
+              <a:rPr kumimoji="0" lang="en-US" altLang="en-US" sz="1800" b="0" i="0" u="none" strike="noStrike" cap="none" normalizeH="0" baseline="0" dirty="0" smtClean="0">
+                <a:ln>
+                  <a:noFill/>
+                </a:ln>
+                <a:solidFill>
+                  <a:srgbClr val="000000"/>
+                </a:solidFill>
+                <a:effectLst/>
+                <a:latin typeface="Ubuntu Mono"/>
+              </a:rPr>
+              <a:t> </a:t>
+            </a:r>
+            <a:r>
+              <a:rPr kumimoji="0" lang="en-US" altLang="en-US" sz="1800" b="0" i="0" u="none" strike="noStrike" cap="none" normalizeH="0" baseline="0" dirty="0" smtClean="0">
+                <a:ln>
+                  <a:noFill/>
+                </a:ln>
+                <a:solidFill>
+                  <a:srgbClr val="336666"/>
+                </a:solidFill>
+                <a:effectLst/>
+                <a:latin typeface="Ubuntu Mono"/>
+              </a:rPr>
+              <a:t>window</a:t>
+            </a:r>
+            <a:r>
+              <a:rPr kumimoji="0" lang="en-US" altLang="en-US" sz="1800" b="0" i="0" u="none" strike="noStrike" cap="none" normalizeH="0" baseline="0" dirty="0" smtClean="0">
+                <a:ln>
+                  <a:noFill/>
+                </a:ln>
+                <a:solidFill>
+                  <a:srgbClr val="000000"/>
+                </a:solidFill>
+                <a:effectLst/>
+                <a:latin typeface="Ubuntu Mono"/>
+              </a:rPr>
+              <a:t> </a:t>
+            </a:r>
+            <a:r>
+              <a:rPr kumimoji="0" lang="en-US" altLang="en-US" sz="1800" b="0" i="0" u="none" strike="noStrike" cap="none" normalizeH="0" baseline="0" dirty="0" smtClean="0">
+                <a:ln>
+                  <a:noFill/>
+                </a:ln>
+                <a:solidFill>
+                  <a:srgbClr val="555555"/>
+                </a:solidFill>
+                <a:effectLst/>
+                <a:latin typeface="Ubuntu Mono"/>
+              </a:rPr>
+              <a:t>!==</a:t>
+            </a:r>
+            <a:r>
+              <a:rPr kumimoji="0" lang="en-US" altLang="en-US" sz="1800" b="0" i="0" u="none" strike="noStrike" cap="none" normalizeH="0" baseline="0" dirty="0" smtClean="0">
+                <a:ln>
+                  <a:noFill/>
+                </a:ln>
+                <a:solidFill>
+                  <a:srgbClr val="000000"/>
+                </a:solidFill>
+                <a:effectLst/>
+                <a:latin typeface="Ubuntu Mono"/>
+              </a:rPr>
+              <a:t> </a:t>
+            </a:r>
+            <a:r>
+              <a:rPr kumimoji="0" lang="en-US" altLang="en-US" sz="1800" b="0" i="0" u="none" strike="noStrike" cap="none" normalizeH="0" baseline="0" dirty="0" smtClean="0">
+                <a:ln>
+                  <a:noFill/>
+                </a:ln>
+                <a:solidFill>
+                  <a:srgbClr val="CC3300"/>
+                </a:solidFill>
+                <a:effectLst/>
+                <a:latin typeface="Ubuntu Mono"/>
+              </a:rPr>
+              <a:t>'undefined'</a:t>
+            </a:r>
+            <a:r>
+              <a:rPr kumimoji="0" lang="en-US" altLang="en-US" sz="1800" b="0" i="0" u="none" strike="noStrike" cap="none" normalizeH="0" baseline="0" dirty="0" smtClean="0">
+                <a:ln>
+                  <a:noFill/>
+                </a:ln>
+                <a:solidFill>
+                  <a:srgbClr val="000000"/>
+                </a:solidFill>
+                <a:effectLst/>
+                <a:latin typeface="Ubuntu Mono"/>
+              </a:rPr>
+              <a:t> </a:t>
+            </a:r>
+            <a:r>
+              <a:rPr kumimoji="0" lang="en-US" altLang="en-US" sz="1800" b="0" i="0" u="none" strike="noStrike" cap="none" normalizeH="0" baseline="0" dirty="0" smtClean="0">
+                <a:ln>
+                  <a:noFill/>
+                </a:ln>
+                <a:solidFill>
+                  <a:srgbClr val="555555"/>
+                </a:solidFill>
+                <a:effectLst/>
+                <a:latin typeface="Ubuntu Mono"/>
+              </a:rPr>
+              <a:t>?</a:t>
+            </a:r>
+            <a:r>
+              <a:rPr kumimoji="0" lang="en-US" altLang="en-US" sz="1800" b="0" i="0" u="none" strike="noStrike" cap="none" normalizeH="0" baseline="0" dirty="0" smtClean="0">
+                <a:ln>
+                  <a:noFill/>
+                </a:ln>
+                <a:solidFill>
+                  <a:srgbClr val="000000"/>
+                </a:solidFill>
+                <a:effectLst/>
+                <a:latin typeface="Ubuntu Mono"/>
+              </a:rPr>
+              <a:t> </a:t>
+            </a:r>
+            <a:r>
+              <a:rPr kumimoji="0" lang="en-US" altLang="en-US" sz="1800" b="0" i="0" u="none" strike="noStrike" cap="none" normalizeH="0" baseline="0" dirty="0" smtClean="0">
+                <a:ln>
+                  <a:noFill/>
+                </a:ln>
+                <a:solidFill>
+                  <a:srgbClr val="336666"/>
+                </a:solidFill>
+                <a:effectLst/>
+                <a:latin typeface="Ubuntu Mono"/>
+              </a:rPr>
+              <a:t>window</a:t>
+            </a:r>
+            <a:r>
+              <a:rPr kumimoji="0" lang="en-US" altLang="en-US" sz="1800" b="0" i="0" u="none" strike="noStrike" cap="none" normalizeH="0" baseline="0" dirty="0" smtClean="0">
+                <a:ln>
+                  <a:noFill/>
+                </a:ln>
+                <a:solidFill>
+                  <a:srgbClr val="000000"/>
+                </a:solidFill>
+                <a:effectLst/>
+                <a:latin typeface="Ubuntu Mono"/>
+              </a:rPr>
+              <a:t> </a:t>
+            </a:r>
+            <a:r>
+              <a:rPr kumimoji="0" lang="en-US" altLang="en-US" sz="1800" b="0" i="0" u="none" strike="noStrike" cap="none" normalizeH="0" baseline="0" dirty="0" smtClean="0">
+                <a:ln>
+                  <a:noFill/>
+                </a:ln>
+                <a:solidFill>
+                  <a:srgbClr val="555555"/>
+                </a:solidFill>
+                <a:effectLst/>
+                <a:latin typeface="Ubuntu Mono"/>
+              </a:rPr>
+              <a:t>:</a:t>
+            </a:r>
+            <a:r>
+              <a:rPr kumimoji="0" lang="en-US" altLang="en-US" sz="1800" b="0" i="0" u="none" strike="noStrike" cap="none" normalizeH="0" baseline="0" dirty="0" smtClean="0">
+                <a:ln>
+                  <a:noFill/>
+                </a:ln>
+                <a:solidFill>
+                  <a:srgbClr val="000000"/>
+                </a:solidFill>
+                <a:effectLst/>
+                <a:latin typeface="Ubuntu Mono"/>
+              </a:rPr>
+              <a:t> </a:t>
+            </a:r>
+            <a:r>
+              <a:rPr kumimoji="0" lang="en-US" altLang="en-US" sz="1800" b="0" i="0" u="none" strike="noStrike" cap="none" normalizeH="0" baseline="0" dirty="0" smtClean="0">
+                <a:ln>
+                  <a:noFill/>
+                </a:ln>
+                <a:solidFill>
+                  <a:srgbClr val="000088"/>
+                </a:solidFill>
+                <a:effectLst/>
+                <a:latin typeface="Ubuntu Mono"/>
+              </a:rPr>
+              <a:t>global</a:t>
+            </a:r>
+            <a:r>
+              <a:rPr kumimoji="0" lang="en-US" altLang="en-US" sz="1800" b="0" i="0" u="none" strike="noStrike" cap="none" normalizeH="0" baseline="0" dirty="0" smtClean="0">
+                <a:ln>
+                  <a:noFill/>
+                </a:ln>
+                <a:solidFill>
+                  <a:srgbClr val="000000"/>
+                </a:solidFill>
+                <a:effectLst/>
+                <a:latin typeface="Ubuntu Mono"/>
+              </a:rPr>
+              <a:t>));</a:t>
+            </a:r>
+            <a:r>
+              <a:rPr kumimoji="0" lang="en-US" altLang="en-US" sz="1800" b="0" i="0" u="none" strike="noStrike" cap="none" normalizeH="0" baseline="0" dirty="0" smtClean="0">
+                <a:ln>
+                  <a:noFill/>
+                </a:ln>
+                <a:solidFill>
+                  <a:schemeClr val="tx1"/>
+                </a:solidFill>
+                <a:effectLst/>
+              </a:rPr>
+              <a:t> </a:t>
+            </a:r>
+            <a:endParaRPr kumimoji="0" lang="en-US" altLang="en-US" sz="1800" b="0" i="0" u="none" strike="noStrike" cap="none" normalizeH="0" baseline="0" dirty="0" smtClean="0">
+              <a:ln>
+                <a:noFill/>
+              </a:ln>
+              <a:solidFill>
+                <a:schemeClr val="tx1"/>
+              </a:solidFill>
+              <a:effectLst/>
+              <a:latin typeface="Arial" panose="020B0604020202020204" pitchFamily="34" charset="0"/>
+            </a:endParaRPr>
           </a:p>
         </p:txBody>
       </p:sp>
     </p:spTree>
     <p:extLst>
       <p:ext uri="{BB962C8B-B14F-4D97-AF65-F5344CB8AC3E}">
-        <p14:creationId xmlns:p14="http://schemas.microsoft.com/office/powerpoint/2010/main" val="704371220"/>
+        <p14:creationId xmlns:p14="http://schemas.microsoft.com/office/powerpoint/2010/main" val="1897574044"/>
       </p:ext>
     </p:extLst>
   </p:cSld>
@@ -12955,6 +13360,110 @@
       </p:grpSpPr>
       <p:sp>
         <p:nvSpPr>
+          <p:cNvPr id="2" name="Title 1"/>
+          <p:cNvSpPr>
+            <a:spLocks noGrp="1"/>
+          </p:cNvSpPr>
+          <p:nvPr>
+            <p:ph type="title"/>
+          </p:nvPr>
+        </p:nvSpPr>
+        <p:spPr/>
+        <p:txBody>
+          <a:bodyPr>
+            <a:normAutofit/>
+          </a:bodyPr>
+          <a:lstStyle/>
+          <a:p>
+            <a:r>
+              <a:rPr lang="en-US" b="1" dirty="0"/>
+              <a:t>Global variables are </a:t>
+            </a:r>
+            <a:r>
+              <a:rPr lang="en-US" b="1" dirty="0" smtClean="0"/>
+              <a:t>evil</a:t>
+            </a:r>
+            <a:endParaRPr lang="en-US" dirty="0"/>
+          </a:p>
+        </p:txBody>
+      </p:sp>
+      <p:sp>
+        <p:nvSpPr>
+          <p:cNvPr id="3" name="Content Placeholder 2"/>
+          <p:cNvSpPr>
+            <a:spLocks noGrp="1"/>
+          </p:cNvSpPr>
+          <p:nvPr>
+            <p:ph idx="1"/>
+          </p:nvPr>
+        </p:nvSpPr>
+        <p:spPr/>
+        <p:txBody>
+          <a:bodyPr/>
+          <a:lstStyle/>
+          <a:p>
+            <a:r>
+              <a:rPr lang="en-US" dirty="0" smtClean="0"/>
+              <a:t>They are less </a:t>
+            </a:r>
+            <a:r>
+              <a:rPr lang="en-US" dirty="0"/>
+              <a:t>robust, behave less predictably, and are less reusable</a:t>
+            </a:r>
+            <a:r>
+              <a:rPr lang="en-US" dirty="0" smtClean="0"/>
+              <a:t>.</a:t>
+            </a:r>
+          </a:p>
+          <a:p>
+            <a:r>
+              <a:rPr lang="en-US" dirty="0" smtClean="0"/>
+              <a:t>Name clashes. Your </a:t>
+            </a:r>
+            <a:r>
+              <a:rPr lang="en-US" dirty="0"/>
+              <a:t>code, built-ins, analytics code, social media </a:t>
+            </a:r>
+            <a:r>
+              <a:rPr lang="en-US" dirty="0" smtClean="0"/>
+              <a:t>buttons use the same global scope.</a:t>
+            </a:r>
+            <a:endParaRPr lang="en-US" dirty="0"/>
+          </a:p>
+        </p:txBody>
+      </p:sp>
+    </p:spTree>
+    <p:extLst>
+      <p:ext uri="{BB962C8B-B14F-4D97-AF65-F5344CB8AC3E}">
+        <p14:creationId xmlns:p14="http://schemas.microsoft.com/office/powerpoint/2010/main" val="704371220"/>
+      </p:ext>
+    </p:extLst>
+  </p:cSld>
+  <p:clrMapOvr>
+    <a:masterClrMapping/>
+  </p:clrMapOvr>
+</p:sld>
+</file>
+
+<file path=ppt/slides/slide31.xml><?xml version="1.0" encoding="utf-8"?>
+<p:sld xmlns:a="http://schemas.openxmlformats.org/drawingml/2006/main" xmlns:r="http://schemas.openxmlformats.org/officeDocument/2006/relationships" xmlns:p="http://schemas.openxmlformats.org/presentationml/2006/main">
+  <p:cSld>
+    <p:spTree>
+      <p:nvGrpSpPr>
+        <p:cNvPr id="1" name=""/>
+        <p:cNvGrpSpPr/>
+        <p:nvPr/>
+      </p:nvGrpSpPr>
+      <p:grpSpPr>
+        <a:xfrm>
+          <a:off x="0" y="0"/>
+          <a:ext cx="0" cy="0"/>
+          <a:chOff x="0" y="0"/>
+          <a:chExt cx="0" cy="0"/>
+        </a:xfrm>
+      </p:grpSpPr>
+      <p:sp>
+        <p:nvSpPr>
           <p:cNvPr id="2" name="Заголовок 1"/>
           <p:cNvSpPr>
             <a:spLocks noGrp="1"/>
@@ -13374,127 +13883,6 @@
     <p:extLst>
       <p:ext uri="{BB962C8B-B14F-4D97-AF65-F5344CB8AC3E}">
         <p14:creationId xmlns:p14="http://schemas.microsoft.com/office/powerpoint/2010/main" val="578045096"/>
-      </p:ext>
-    </p:extLst>
-  </p:cSld>
-  <p:clrMapOvr>
-    <a:masterClrMapping/>
-  </p:clrMapOvr>
-  <p:transition/>
-  <p:timing>
-    <p:tnLst>
-      <p:par>
-        <p:cTn id="1" dur="indefinite" restart="never" nodeType="tmRoot"/>
-      </p:par>
-    </p:tnLst>
-  </p:timing>
-</p:sld>
-</file>
-
-<file path=ppt/slides/slide31.xml><?xml version="1.0" encoding="utf-8"?>
-<p:sld xmlns:a="http://schemas.openxmlformats.org/drawingml/2006/main" xmlns:r="http://schemas.openxmlformats.org/officeDocument/2006/relationships" xmlns:p="http://schemas.openxmlformats.org/presentationml/2006/main">
-  <p:cSld>
-    <p:spTree>
-      <p:nvGrpSpPr>
-        <p:cNvPr id="1" name=""/>
-        <p:cNvGrpSpPr/>
-        <p:nvPr/>
-      </p:nvGrpSpPr>
-      <p:grpSpPr>
-        <a:xfrm>
-          <a:off x="0" y="0"/>
-          <a:ext cx="0" cy="0"/>
-          <a:chOff x="0" y="0"/>
-          <a:chExt cx="0" cy="0"/>
-        </a:xfrm>
-      </p:grpSpPr>
-      <p:sp>
-        <p:nvSpPr>
-          <p:cNvPr id="7" name="Rectangle 6"/>
-          <p:cNvSpPr/>
-          <p:nvPr/>
-        </p:nvSpPr>
-        <p:spPr>
-          <a:xfrm>
-            <a:off x="2357754" y="1714488"/>
-            <a:ext cx="4080516" cy="2031325"/>
-          </a:xfrm>
-          <a:prstGeom prst="rect">
-            <a:avLst/>
-          </a:prstGeom>
-        </p:spPr>
-        <p:txBody>
-          <a:bodyPr wrap="square">
-            <a:spAutoFit/>
-          </a:bodyPr>
-          <a:lstStyle/>
-          <a:p>
-            <a:r>
-              <a:rPr lang="en-US" sz="2100" b="1" dirty="0">
-                <a:solidFill>
-                  <a:schemeClr val="bg1">
-                    <a:lumMod val="50000"/>
-                  </a:schemeClr>
-                </a:solidFill>
-              </a:rPr>
-              <a:t>&lt;script&gt;</a:t>
-            </a:r>
-            <a:endParaRPr lang="en-US" sz="2100" b="1" dirty="0"/>
-          </a:p>
-          <a:p>
-            <a:pPr lvl="1"/>
-            <a:r>
-              <a:rPr lang="en-US" sz="2100" b="1" dirty="0"/>
-              <a:t>if (("a" in window) == false) {</a:t>
-            </a:r>
-          </a:p>
-          <a:p>
-            <a:pPr lvl="1"/>
-            <a:r>
-              <a:rPr lang="en-US" sz="2100" b="1" dirty="0"/>
-              <a:t>    </a:t>
-            </a:r>
-            <a:r>
-              <a:rPr lang="en-US" sz="2100" b="1" dirty="0" err="1"/>
-              <a:t>var</a:t>
-            </a:r>
-            <a:r>
-              <a:rPr lang="en-US" sz="2100" b="1" dirty="0"/>
-              <a:t> a = 1; </a:t>
-            </a:r>
-          </a:p>
-          <a:p>
-            <a:pPr lvl="1"/>
-            <a:r>
-              <a:rPr lang="en-US" sz="2100" b="1" dirty="0"/>
-              <a:t>}</a:t>
-            </a:r>
-          </a:p>
-          <a:p>
-            <a:pPr lvl="1"/>
-            <a:r>
-              <a:rPr lang="en-US" sz="2100" b="1" dirty="0"/>
-              <a:t>alert(a);</a:t>
-            </a:r>
-          </a:p>
-          <a:p>
-            <a:r>
-              <a:rPr lang="en-US" sz="2100" b="1" dirty="0">
-                <a:solidFill>
-                  <a:schemeClr val="bg1">
-                    <a:lumMod val="50000"/>
-                  </a:schemeClr>
-                </a:solidFill>
-              </a:rPr>
-              <a:t>&lt;/script&gt;</a:t>
-            </a:r>
-          </a:p>
-        </p:txBody>
-      </p:sp>
-    </p:spTree>
-    <p:extLst>
-      <p:ext uri="{BB962C8B-B14F-4D97-AF65-F5344CB8AC3E}">
-        <p14:creationId xmlns:p14="http://schemas.microsoft.com/office/powerpoint/2010/main" val="1403691241"/>
       </p:ext>
     </p:extLst>
   </p:cSld>
@@ -13531,387 +13919,98 @@
       </p:grpSpPr>
       <p:sp>
         <p:nvSpPr>
-          <p:cNvPr id="2" name="Title 1"/>
-          <p:cNvSpPr>
-            <a:spLocks noGrp="1"/>
-          </p:cNvSpPr>
-          <p:nvPr>
-            <p:ph type="title"/>
-          </p:nvPr>
-        </p:nvSpPr>
-        <p:spPr/>
-        <p:txBody>
-          <a:bodyPr/>
-          <a:lstStyle/>
-          <a:p>
-            <a:r>
-              <a:rPr lang="en-US" dirty="0" smtClean="0"/>
-              <a:t>Working with global</a:t>
-            </a:r>
-            <a:endParaRPr lang="en-US" dirty="0"/>
-          </a:p>
-        </p:txBody>
-      </p:sp>
-      <p:sp>
-        <p:nvSpPr>
-          <p:cNvPr id="4" name="Rectangle 1"/>
-          <p:cNvSpPr>
-            <a:spLocks noGrp="1" noChangeArrowheads="1"/>
-          </p:cNvSpPr>
-          <p:nvPr>
-            <p:ph idx="1"/>
-          </p:nvPr>
-        </p:nvSpPr>
-        <p:spPr bwMode="auto">
+          <p:cNvPr id="7" name="Rectangle 6"/>
+          <p:cNvSpPr/>
+          <p:nvPr/>
+        </p:nvSpPr>
+        <p:spPr>
           <a:xfrm>
-            <a:off x="251520" y="1556792"/>
-            <a:ext cx="4536504" cy="2769989"/>
+            <a:off x="2357754" y="1714488"/>
+            <a:ext cx="4080516" cy="2031325"/>
           </a:xfrm>
           <a:prstGeom prst="rect">
             <a:avLst/>
           </a:prstGeom>
-          <a:noFill/>
-          <a:ln>
-            <a:noFill/>
-          </a:ln>
-          <a:effectLst/>
-          <a:extLst>
-            <a:ext uri="{909E8E84-426E-40DD-AFC4-6F175D3DCCD1}">
-              <a14:hiddenFill xmlns:a14="http://schemas.microsoft.com/office/drawing/2010/main">
-                <a:solidFill>
-                  <a:schemeClr val="accent1"/>
-                </a:solidFill>
-              </a14:hiddenFill>
-            </a:ext>
-            <a:ext uri="{91240B29-F687-4F45-9708-019B960494DF}">
-              <a14:hiddenLine xmlns:a14="http://schemas.microsoft.com/office/drawing/2010/main" w="9525">
-                <a:solidFill>
-                  <a:schemeClr val="tx1"/>
-                </a:solidFill>
-                <a:miter lim="800000"/>
-                <a:headEnd/>
-                <a:tailEnd/>
-              </a14:hiddenLine>
-            </a:ext>
-            <a:ext uri="{AF507438-7753-43E0-B8FC-AC1667EBCBE1}">
-              <a14:hiddenEffects xmlns:a14="http://schemas.microsoft.com/office/drawing/2010/main">
-                <a:effectLst>
-                  <a:outerShdw dist="35921" dir="2700000" algn="ctr" rotWithShape="0">
-                    <a:schemeClr val="bg2"/>
-                  </a:outerShdw>
-                </a:effectLst>
-              </a14:hiddenEffects>
-            </a:ext>
-          </a:extLst>
         </p:spPr>
         <p:txBody>
-          <a:bodyPr vert="horz" wrap="square" lIns="0" tIns="0" rIns="0" bIns="0" numCol="1" anchor="ctr" anchorCtr="0" compatLnSpc="1">
-            <a:prstTxWarp prst="textNoShape">
-              <a:avLst/>
-            </a:prstTxWarp>
+          <a:bodyPr wrap="square">
             <a:spAutoFit/>
           </a:bodyPr>
           <a:lstStyle/>
           <a:p>
-            <a:pPr marL="0" marR="0" lvl="0" indent="0" algn="l" defTabSz="914400" rtl="0" eaLnBrk="0" fontAlgn="base" latinLnBrk="0" hangingPunct="0">
-              <a:lnSpc>
-                <a:spcPct val="100000"/>
-              </a:lnSpc>
-              <a:spcBef>
-                <a:spcPct val="0"/>
-              </a:spcBef>
-              <a:spcAft>
-                <a:spcPct val="0"/>
-              </a:spcAft>
-              <a:buClrTx/>
-              <a:buSzTx/>
-              <a:buFontTx/>
-              <a:buNone/>
-              <a:tabLst/>
-            </a:pPr>
-            <a:r>
-              <a:rPr kumimoji="0" lang="en-US" altLang="en-US" sz="2000" b="0" i="0" u="none" strike="noStrike" cap="none" normalizeH="0" baseline="0" dirty="0" err="1" smtClean="0">
-                <a:ln>
-                  <a:noFill/>
-                </a:ln>
-                <a:effectLst/>
-                <a:latin typeface="Ubuntu Mono"/>
-              </a:rPr>
-              <a:t>window.foo</a:t>
-            </a:r>
-            <a:endParaRPr kumimoji="0" lang="en-US" altLang="en-US" sz="2000" b="0" i="0" u="none" strike="noStrike" cap="none" normalizeH="0" baseline="0" dirty="0" smtClean="0">
-              <a:ln>
-                <a:noFill/>
-              </a:ln>
-              <a:effectLst/>
-              <a:latin typeface="Ubuntu Mono"/>
-            </a:endParaRPr>
-          </a:p>
-          <a:p>
-            <a:pPr marL="0" marR="0" lvl="0" indent="0" algn="l" defTabSz="914400" rtl="0" eaLnBrk="0" fontAlgn="base" latinLnBrk="0" hangingPunct="0">
-              <a:lnSpc>
-                <a:spcPct val="100000"/>
-              </a:lnSpc>
-              <a:spcBef>
-                <a:spcPct val="0"/>
-              </a:spcBef>
-              <a:spcAft>
-                <a:spcPct val="0"/>
-              </a:spcAft>
-              <a:buClrTx/>
-              <a:buSzTx/>
-              <a:buFontTx/>
-              <a:buNone/>
-              <a:tabLst/>
-            </a:pPr>
-            <a:endParaRPr lang="en-US" altLang="en-US" sz="2000" dirty="0">
-              <a:latin typeface="Ubuntu Mono"/>
-            </a:endParaRPr>
-          </a:p>
-          <a:p>
-            <a:pPr marL="0" marR="0" lvl="0" indent="0" algn="l" defTabSz="914400" rtl="0" eaLnBrk="0" fontAlgn="base" latinLnBrk="0" hangingPunct="0">
-              <a:lnSpc>
-                <a:spcPct val="100000"/>
-              </a:lnSpc>
-              <a:spcBef>
-                <a:spcPct val="0"/>
-              </a:spcBef>
-              <a:spcAft>
-                <a:spcPct val="0"/>
-              </a:spcAft>
-              <a:buClrTx/>
-              <a:buSzTx/>
-              <a:buFontTx/>
-              <a:buNone/>
-              <a:tabLst/>
-            </a:pPr>
-            <a:r>
-              <a:rPr lang="en-US" altLang="en-US" sz="2000" dirty="0">
-                <a:latin typeface="Ubuntu Mono"/>
-              </a:rPr>
-              <a:t>i</a:t>
-            </a:r>
-            <a:r>
-              <a:rPr kumimoji="0" lang="en-US" altLang="en-US" sz="2000" b="0" i="0" u="none" strike="noStrike" cap="none" normalizeH="0" baseline="0" dirty="0" smtClean="0">
-                <a:ln>
-                  <a:noFill/>
-                </a:ln>
-                <a:effectLst/>
-                <a:latin typeface="Ubuntu Mono"/>
-              </a:rPr>
-              <a:t>f (</a:t>
-            </a:r>
-            <a:r>
-              <a:rPr kumimoji="0" lang="en-US" altLang="en-US" sz="2000" b="0" i="0" u="none" strike="noStrike" cap="none" normalizeH="0" baseline="0" dirty="0" err="1" smtClean="0">
-                <a:ln>
-                  <a:noFill/>
-                </a:ln>
-                <a:effectLst/>
-                <a:latin typeface="Ubuntu Mono"/>
-              </a:rPr>
-              <a:t>window.foo</a:t>
-            </a:r>
-            <a:r>
-              <a:rPr kumimoji="0" lang="en-US" altLang="en-US" sz="2000" b="0" i="0" u="none" strike="noStrike" cap="none" normalizeH="0" baseline="0" dirty="0" smtClean="0">
-                <a:ln>
-                  <a:noFill/>
-                </a:ln>
-                <a:effectLst/>
-                <a:latin typeface="Ubuntu Mono"/>
-              </a:rPr>
-              <a:t>) { … }</a:t>
-            </a:r>
-          </a:p>
-          <a:p>
-            <a:pPr marL="0" indent="0" eaLnBrk="0" fontAlgn="base" hangingPunct="0">
-              <a:spcBef>
-                <a:spcPct val="0"/>
-              </a:spcBef>
-              <a:spcAft>
-                <a:spcPct val="0"/>
-              </a:spcAft>
-              <a:buNone/>
-            </a:pPr>
-            <a:r>
-              <a:rPr lang="en-US" altLang="en-US" sz="2000" dirty="0">
-                <a:latin typeface="Ubuntu Mono"/>
-              </a:rPr>
-              <a:t>if </a:t>
-            </a:r>
-            <a:r>
-              <a:rPr lang="en-US" altLang="en-US" sz="2000" dirty="0" smtClean="0">
-                <a:latin typeface="Ubuntu Mono"/>
-              </a:rPr>
-              <a:t>(“foo” in window) </a:t>
-            </a:r>
-            <a:r>
-              <a:rPr lang="en-US" altLang="en-US" sz="2000" dirty="0">
-                <a:latin typeface="Ubuntu Mono"/>
-              </a:rPr>
-              <a:t>{ … </a:t>
-            </a:r>
-            <a:r>
-              <a:rPr lang="en-US" altLang="en-US" sz="2000" dirty="0" smtClean="0">
-                <a:latin typeface="Ubuntu Mono"/>
-              </a:rPr>
+            <a:r>
+              <a:rPr lang="en-US" sz="2100" b="1" dirty="0">
+                <a:solidFill>
+                  <a:schemeClr val="bg1">
+                    <a:lumMod val="50000"/>
+                  </a:schemeClr>
+                </a:solidFill>
+              </a:rPr>
+              <a:t>&lt;script&gt;</a:t>
+            </a:r>
+            <a:endParaRPr lang="en-US" sz="2100" b="1" dirty="0"/>
+          </a:p>
+          <a:p>
+            <a:pPr lvl="1"/>
+            <a:r>
+              <a:rPr lang="en-US" sz="2100" b="1" dirty="0"/>
+              <a:t>if (("a" in window) == false) {</a:t>
+            </a:r>
+          </a:p>
+          <a:p>
+            <a:pPr lvl="1"/>
+            <a:r>
+              <a:rPr lang="en-US" sz="2100" b="1" dirty="0"/>
+              <a:t>    </a:t>
+            </a:r>
+            <a:r>
+              <a:rPr lang="en-US" sz="2100" b="1" dirty="0" err="1"/>
+              <a:t>var</a:t>
+            </a:r>
+            <a:r>
+              <a:rPr lang="en-US" sz="2100" b="1" dirty="0"/>
+              <a:t> a = 1; </a:t>
+            </a:r>
+          </a:p>
+          <a:p>
+            <a:pPr lvl="1"/>
+            <a:r>
+              <a:rPr lang="en-US" sz="2100" b="1" dirty="0"/>
               <a:t>}</a:t>
             </a:r>
           </a:p>
           <a:p>
-            <a:pPr marL="0" indent="0" eaLnBrk="0" fontAlgn="base" hangingPunct="0">
-              <a:spcBef>
-                <a:spcPct val="0"/>
-              </a:spcBef>
-              <a:spcAft>
-                <a:spcPct val="0"/>
-              </a:spcAft>
-              <a:buNone/>
-            </a:pPr>
-            <a:r>
-              <a:rPr lang="en-US" altLang="en-US" sz="2000" dirty="0">
-                <a:latin typeface="Ubuntu Mono"/>
-              </a:rPr>
-              <a:t>i</a:t>
-            </a:r>
-            <a:r>
-              <a:rPr lang="en-US" altLang="en-US" sz="2000" dirty="0" smtClean="0">
-                <a:latin typeface="Ubuntu Mono"/>
-              </a:rPr>
-              <a:t>f (</a:t>
-            </a:r>
-            <a:r>
-              <a:rPr lang="en-US" altLang="en-US" sz="2000" dirty="0" err="1" smtClean="0">
-                <a:latin typeface="Ubuntu Mono"/>
-              </a:rPr>
-              <a:t>typeof</a:t>
-            </a:r>
-            <a:r>
-              <a:rPr lang="en-US" altLang="en-US" sz="2000" dirty="0" smtClean="0">
-                <a:latin typeface="Ubuntu Mono"/>
-              </a:rPr>
-              <a:t> “foo” !== “undefined”) { … }</a:t>
-            </a:r>
-            <a:endParaRPr lang="en-US" altLang="en-US" sz="2000" dirty="0">
-              <a:latin typeface="Ubuntu Mono"/>
-            </a:endParaRPr>
-          </a:p>
-          <a:p>
-            <a:pPr marL="0" marR="0" lvl="0" indent="0" algn="l" defTabSz="914400" rtl="0" eaLnBrk="0" fontAlgn="base" latinLnBrk="0" hangingPunct="0">
-              <a:lnSpc>
-                <a:spcPct val="100000"/>
-              </a:lnSpc>
-              <a:spcBef>
-                <a:spcPct val="0"/>
-              </a:spcBef>
-              <a:spcAft>
-                <a:spcPct val="0"/>
-              </a:spcAft>
-              <a:buClrTx/>
-              <a:buSzTx/>
-              <a:buFontTx/>
-              <a:buNone/>
-              <a:tabLst/>
-            </a:pPr>
-            <a:endParaRPr kumimoji="0" lang="en-US" altLang="en-US" sz="2000" b="0" i="0" u="none" strike="noStrike" cap="none" normalizeH="0" baseline="0" dirty="0" smtClean="0">
-              <a:ln>
-                <a:noFill/>
-              </a:ln>
-              <a:effectLst/>
-              <a:latin typeface="Ubuntu Mono"/>
-            </a:endParaRPr>
-          </a:p>
-          <a:p>
-            <a:pPr marL="0" marR="0" lvl="0" indent="0" algn="l" defTabSz="914400" rtl="0" eaLnBrk="0" fontAlgn="base" latinLnBrk="0" hangingPunct="0">
-              <a:lnSpc>
-                <a:spcPct val="100000"/>
-              </a:lnSpc>
-              <a:spcBef>
-                <a:spcPct val="0"/>
-              </a:spcBef>
-              <a:spcAft>
-                <a:spcPct val="0"/>
-              </a:spcAft>
-              <a:buClrTx/>
-              <a:buSzTx/>
-              <a:buFontTx/>
-              <a:buNone/>
-              <a:tabLst/>
-            </a:pPr>
-            <a:endParaRPr kumimoji="0" lang="en-US" altLang="en-US" sz="2000" b="0" i="0" u="none" strike="noStrike" cap="none" normalizeH="0" baseline="0" dirty="0" smtClean="0">
-              <a:ln>
-                <a:noFill/>
-              </a:ln>
-              <a:effectLst/>
-              <a:latin typeface="Ubuntu Mono"/>
-            </a:endParaRPr>
-          </a:p>
-          <a:p>
-            <a:pPr marL="0" marR="0" lvl="0" indent="0" algn="l" defTabSz="914400" rtl="0" eaLnBrk="0" fontAlgn="base" latinLnBrk="0" hangingPunct="0">
-              <a:lnSpc>
-                <a:spcPct val="100000"/>
-              </a:lnSpc>
-              <a:spcBef>
-                <a:spcPct val="0"/>
-              </a:spcBef>
-              <a:spcAft>
-                <a:spcPct val="0"/>
-              </a:spcAft>
-              <a:buClrTx/>
-              <a:buSzTx/>
-              <a:buFontTx/>
-              <a:buNone/>
-              <a:tabLst/>
-            </a:pPr>
-            <a:endParaRPr lang="en-US" altLang="en-US" sz="2000" dirty="0">
-              <a:latin typeface="Ubuntu Mono"/>
-            </a:endParaRPr>
-          </a:p>
-          <a:p>
-            <a:pPr marL="0" marR="0" lvl="0" indent="0" algn="l" defTabSz="914400" rtl="0" eaLnBrk="0" fontAlgn="base" latinLnBrk="0" hangingPunct="0">
-              <a:lnSpc>
-                <a:spcPct val="100000"/>
-              </a:lnSpc>
-              <a:spcBef>
-                <a:spcPct val="0"/>
-              </a:spcBef>
-              <a:spcAft>
-                <a:spcPct val="0"/>
-              </a:spcAft>
-              <a:buClrTx/>
-              <a:buSzTx/>
-              <a:buFontTx/>
-              <a:buNone/>
-              <a:tabLst/>
-            </a:pPr>
-            <a:r>
-              <a:rPr kumimoji="0" lang="en-US" altLang="en-US" sz="2000" b="0" i="0" u="none" strike="noStrike" cap="none" normalizeH="0" baseline="0" dirty="0" smtClean="0">
-                <a:ln>
-                  <a:noFill/>
-                </a:ln>
-                <a:effectLst/>
-              </a:rPr>
-              <a:t> </a:t>
-            </a:r>
-            <a:endParaRPr kumimoji="0" lang="en-US" altLang="en-US" sz="2000" b="0" i="0" u="none" strike="noStrike" cap="none" normalizeH="0" baseline="0" dirty="0" smtClean="0">
-              <a:ln>
-                <a:noFill/>
-              </a:ln>
-              <a:effectLst/>
-              <a:latin typeface="Arial" panose="020B0604020202020204" pitchFamily="34" charset="0"/>
-            </a:endParaRPr>
+            <a:pPr lvl="1"/>
+            <a:r>
+              <a:rPr lang="en-US" sz="2100" b="1" dirty="0"/>
+              <a:t>alert(a);</a:t>
+            </a:r>
+          </a:p>
+          <a:p>
+            <a:r>
+              <a:rPr lang="en-US" sz="2100" b="1" dirty="0">
+                <a:solidFill>
+                  <a:schemeClr val="bg1">
+                    <a:lumMod val="50000"/>
+                  </a:schemeClr>
+                </a:solidFill>
+              </a:rPr>
+              <a:t>&lt;/script&gt;</a:t>
+            </a:r>
           </a:p>
         </p:txBody>
       </p:sp>
     </p:spTree>
     <p:extLst>
       <p:ext uri="{BB962C8B-B14F-4D97-AF65-F5344CB8AC3E}">
-        <p14:creationId xmlns:p14="http://schemas.microsoft.com/office/powerpoint/2010/main" val="91426937"/>
+        <p14:creationId xmlns:p14="http://schemas.microsoft.com/office/powerpoint/2010/main" val="1403691241"/>
       </p:ext>
     </p:extLst>
   </p:cSld>
   <p:clrMapOvr>
     <a:masterClrMapping/>
   </p:clrMapOvr>
+  <p:transition/>
   <p:timing>
     <p:tnLst>
       <p:par>
@@ -13941,305 +14040,387 @@
       </p:grpSpPr>
       <p:sp>
         <p:nvSpPr>
-          <p:cNvPr id="2" name="Заголовок 1"/>
+          <p:cNvPr id="2" name="Title 1"/>
           <p:cNvSpPr>
             <a:spLocks noGrp="1"/>
           </p:cNvSpPr>
           <p:nvPr>
-            <p:ph type="ctrTitle"/>
+            <p:ph type="title"/>
           </p:nvPr>
         </p:nvSpPr>
-        <p:spPr>
+        <p:spPr/>
+        <p:txBody>
+          <a:bodyPr/>
+          <a:lstStyle/>
+          <a:p>
+            <a:r>
+              <a:rPr lang="en-US" dirty="0" smtClean="0"/>
+              <a:t>Working with global</a:t>
+            </a:r>
+            <a:endParaRPr lang="en-US" dirty="0"/>
+          </a:p>
+        </p:txBody>
+      </p:sp>
+      <p:sp>
+        <p:nvSpPr>
+          <p:cNvPr id="4" name="Rectangle 1"/>
+          <p:cNvSpPr>
+            <a:spLocks noGrp="1" noChangeArrowheads="1"/>
+          </p:cNvSpPr>
+          <p:nvPr>
+            <p:ph idx="1"/>
+          </p:nvPr>
+        </p:nvSpPr>
+        <p:spPr bwMode="auto">
           <a:xfrm>
-            <a:off x="1625183" y="964389"/>
-            <a:ext cx="5829300" cy="396480"/>
-          </a:xfrm>
-        </p:spPr>
-        <p:txBody>
-          <a:bodyPr>
-            <a:normAutofit fontScale="90000"/>
-          </a:bodyPr>
-          <a:lstStyle/>
-          <a:p>
-            <a:r>
-              <a:rPr lang="en-US" b="1" dirty="0" smtClean="0">
-                <a:solidFill>
-                  <a:schemeClr val="tx1">
-                    <a:lumMod val="65000"/>
-                    <a:lumOff val="35000"/>
-                  </a:schemeClr>
-                </a:solidFill>
-              </a:rPr>
-              <a:t>Namespaces</a:t>
-            </a:r>
-            <a:endParaRPr lang="en-US" b="1" dirty="0">
-              <a:solidFill>
-                <a:schemeClr val="tx1">
-                  <a:lumMod val="65000"/>
-                  <a:lumOff val="35000"/>
-                </a:schemeClr>
-              </a:solidFill>
-            </a:endParaRPr>
-          </a:p>
-        </p:txBody>
-      </p:sp>
-      <p:sp>
-        <p:nvSpPr>
-          <p:cNvPr id="5" name="Заголовок 1"/>
-          <p:cNvSpPr txBox="1">
-            <a:spLocks/>
-          </p:cNvSpPr>
-          <p:nvPr/>
-        </p:nvSpPr>
-        <p:spPr>
-          <a:xfrm>
-            <a:off x="1571604" y="1821645"/>
-            <a:ext cx="5829300" cy="2839661"/>
+            <a:off x="251520" y="1556792"/>
+            <a:ext cx="4536504" cy="2769989"/>
           </a:xfrm>
           <a:prstGeom prst="rect">
             <a:avLst/>
           </a:prstGeom>
+          <a:noFill/>
+          <a:ln>
+            <a:noFill/>
+          </a:ln>
+          <a:effectLst/>
+          <a:extLst>
+            <a:ext uri="{909E8E84-426E-40DD-AFC4-6F175D3DCCD1}">
+              <a14:hiddenFill xmlns:a14="http://schemas.microsoft.com/office/drawing/2010/main">
+                <a:solidFill>
+                  <a:schemeClr val="accent1"/>
+                </a:solidFill>
+              </a14:hiddenFill>
+            </a:ext>
+            <a:ext uri="{91240B29-F687-4F45-9708-019B960494DF}">
+              <a14:hiddenLine xmlns:a14="http://schemas.microsoft.com/office/drawing/2010/main" w="9525">
+                <a:solidFill>
+                  <a:schemeClr val="tx1"/>
+                </a:solidFill>
+                <a:miter lim="800000"/>
+                <a:headEnd/>
+                <a:tailEnd/>
+              </a14:hiddenLine>
+            </a:ext>
+            <a:ext uri="{AF507438-7753-43E0-B8FC-AC1667EBCBE1}">
+              <a14:hiddenEffects xmlns:a14="http://schemas.microsoft.com/office/drawing/2010/main">
+                <a:effectLst>
+                  <a:outerShdw dist="35921" dir="2700000" algn="ctr" rotWithShape="0">
+                    <a:schemeClr val="bg2"/>
+                  </a:outerShdw>
+                </a:effectLst>
+              </a14:hiddenEffects>
+            </a:ext>
+          </a:extLst>
         </p:spPr>
         <p:txBody>
-          <a:bodyPr vert="horz" lIns="68580" tIns="34290" rIns="68580" bIns="34290" rtlCol="0" anchor="ctr">
-            <a:normAutofit/>
+          <a:bodyPr vert="horz" wrap="square" lIns="0" tIns="0" rIns="0" bIns="0" numCol="1" anchor="ctr" anchorCtr="0" compatLnSpc="1">
+            <a:prstTxWarp prst="textNoShape">
+              <a:avLst/>
+            </a:prstTxWarp>
+            <a:spAutoFit/>
           </a:bodyPr>
           <a:lstStyle/>
           <a:p>
-            <a:pPr>
+            <a:pPr marL="0" marR="0" lvl="0" indent="0" algn="l" defTabSz="914400" rtl="0" eaLnBrk="0" fontAlgn="base" latinLnBrk="0" hangingPunct="0">
+              <a:lnSpc>
+                <a:spcPct val="100000"/>
+              </a:lnSpc>
               <a:spcBef>
                 <a:spcPct val="0"/>
               </a:spcBef>
+              <a:spcAft>
+                <a:spcPct val="0"/>
+              </a:spcAft>
+              <a:buClrTx/>
+              <a:buSzTx/>
+              <a:buFontTx/>
+              <a:buNone/>
+              <a:tabLst/>
             </a:pPr>
-            <a:endParaRPr lang="be-BY" sz="1350"/>
-          </a:p>
-          <a:p>
-            <a:pPr>
+            <a:r>
+              <a:rPr kumimoji="0" lang="en-US" altLang="en-US" sz="2000" b="0" i="0" u="none" strike="noStrike" cap="none" normalizeH="0" baseline="0" dirty="0" err="1" smtClean="0">
+                <a:ln>
+                  <a:noFill/>
+                </a:ln>
+                <a:effectLst/>
+                <a:latin typeface="Ubuntu Mono"/>
+              </a:rPr>
+              <a:t>window.foo</a:t>
+            </a:r>
+            <a:endParaRPr kumimoji="0" lang="en-US" altLang="en-US" sz="2000" b="0" i="0" u="none" strike="noStrike" cap="none" normalizeH="0" baseline="0" dirty="0" smtClean="0">
+              <a:ln>
+                <a:noFill/>
+              </a:ln>
+              <a:effectLst/>
+              <a:latin typeface="Ubuntu Mono"/>
+            </a:endParaRPr>
+          </a:p>
+          <a:p>
+            <a:pPr marL="0" marR="0" lvl="0" indent="0" algn="l" defTabSz="914400" rtl="0" eaLnBrk="0" fontAlgn="base" latinLnBrk="0" hangingPunct="0">
+              <a:lnSpc>
+                <a:spcPct val="100000"/>
+              </a:lnSpc>
               <a:spcBef>
                 <a:spcPct val="0"/>
               </a:spcBef>
-              <a:defRPr/>
+              <a:spcAft>
+                <a:spcPct val="0"/>
+              </a:spcAft>
+              <a:buClrTx/>
+              <a:buSzTx/>
+              <a:buFontTx/>
+              <a:buNone/>
+              <a:tabLst/>
             </a:pPr>
-            <a:endParaRPr lang="be-BY" sz="3300" dirty="0">
-              <a:latin typeface="+mj-lt"/>
-              <a:ea typeface="+mj-ea"/>
-              <a:cs typeface="+mj-cs"/>
+            <a:endParaRPr lang="en-US" altLang="en-US" sz="2000" dirty="0">
+              <a:latin typeface="Ubuntu Mono"/>
             </a:endParaRPr>
           </a:p>
-        </p:txBody>
-      </p:sp>
-      <p:sp>
-        <p:nvSpPr>
-          <p:cNvPr id="10" name="Rectangle 9"/>
-          <p:cNvSpPr/>
-          <p:nvPr/>
-        </p:nvSpPr>
-        <p:spPr>
-          <a:xfrm>
-            <a:off x="1464447" y="1607332"/>
-            <a:ext cx="6375842" cy="1708160"/>
-          </a:xfrm>
-          <a:prstGeom prst="rect">
-            <a:avLst/>
-          </a:prstGeom>
-        </p:spPr>
-        <p:style>
-          <a:lnRef idx="1">
-            <a:schemeClr val="dk1"/>
-          </a:lnRef>
-          <a:fillRef idx="1001">
-            <a:schemeClr val="lt2"/>
-          </a:fillRef>
-          <a:effectRef idx="1">
-            <a:schemeClr val="dk1"/>
-          </a:effectRef>
-          <a:fontRef idx="minor">
-            <a:schemeClr val="dk1"/>
-          </a:fontRef>
-        </p:style>
-        <p:txBody>
-          <a:bodyPr wrap="square">
-            <a:spAutoFit/>
-          </a:bodyPr>
-          <a:lstStyle/>
-          <a:p>
-            <a:r>
-              <a:rPr lang="en-US" sz="1500" b="1" dirty="0"/>
-              <a:t>if (</a:t>
-            </a:r>
-            <a:r>
-              <a:rPr lang="en-US" sz="1500" b="1" dirty="0" err="1">
-                <a:solidFill>
-                  <a:srgbClr val="0070C0"/>
-                </a:solidFill>
-              </a:rPr>
-              <a:t>window</a:t>
-            </a:r>
-            <a:r>
-              <a:rPr lang="en-US" sz="1500" b="1" dirty="0" err="1"/>
-              <a:t>.</a:t>
-            </a:r>
-            <a:r>
-              <a:rPr lang="en-US" sz="1500" b="1" dirty="0" err="1">
-                <a:solidFill>
-                  <a:schemeClr val="accent6">
-                    <a:lumMod val="75000"/>
-                  </a:schemeClr>
-                </a:solidFill>
-              </a:rPr>
-              <a:t>myNamespace</a:t>
-            </a:r>
-            <a:r>
-              <a:rPr lang="en-US" sz="1500" b="1" dirty="0"/>
-              <a:t> == </a:t>
-            </a:r>
-            <a:r>
-              <a:rPr lang="en-US" sz="1500" b="1" dirty="0">
-                <a:solidFill>
-                  <a:srgbClr val="00B050"/>
-                </a:solidFill>
-              </a:rPr>
-              <a:t>null</a:t>
-            </a:r>
-            <a:r>
-              <a:rPr lang="en-US" sz="1500" b="1" dirty="0"/>
-              <a:t>){</a:t>
-            </a:r>
-          </a:p>
-          <a:p>
-            <a:r>
-              <a:rPr lang="en-US" sz="1500" b="1" dirty="0"/>
-              <a:t>	</a:t>
-            </a:r>
-            <a:r>
-              <a:rPr lang="en-US" sz="1500" b="1" dirty="0" err="1">
-                <a:solidFill>
-                  <a:srgbClr val="0070C0"/>
-                </a:solidFill>
-              </a:rPr>
-              <a:t>window</a:t>
-            </a:r>
-            <a:r>
-              <a:rPr lang="en-US" sz="1500" b="1" dirty="0" err="1"/>
-              <a:t>.</a:t>
-            </a:r>
-            <a:r>
-              <a:rPr lang="en-US" sz="1500" b="1" dirty="0" err="1">
-                <a:solidFill>
-                  <a:schemeClr val="accent6">
-                    <a:lumMod val="75000"/>
-                  </a:schemeClr>
-                </a:solidFill>
-              </a:rPr>
-              <a:t>myNamespace</a:t>
-            </a:r>
-            <a:r>
-              <a:rPr lang="en-US" sz="1500" b="1" dirty="0"/>
-              <a:t> = {}; 	</a:t>
-            </a:r>
-          </a:p>
-          <a:p>
-            <a:r>
-              <a:rPr lang="en-US" sz="1500" b="1" dirty="0"/>
+          <a:p>
+            <a:pPr marL="0" marR="0" lvl="0" indent="0" algn="l" defTabSz="914400" rtl="0" eaLnBrk="0" fontAlgn="base" latinLnBrk="0" hangingPunct="0">
+              <a:lnSpc>
+                <a:spcPct val="100000"/>
+              </a:lnSpc>
+              <a:spcBef>
+                <a:spcPct val="0"/>
+              </a:spcBef>
+              <a:spcAft>
+                <a:spcPct val="0"/>
+              </a:spcAft>
+              <a:buClrTx/>
+              <a:buSzTx/>
+              <a:buFontTx/>
+              <a:buNone/>
+              <a:tabLst/>
+            </a:pPr>
+            <a:r>
+              <a:rPr lang="en-US" altLang="en-US" sz="2000" dirty="0">
+                <a:latin typeface="Ubuntu Mono"/>
+              </a:rPr>
+              <a:t>i</a:t>
+            </a:r>
+            <a:r>
+              <a:rPr kumimoji="0" lang="en-US" altLang="en-US" sz="2000" b="0" i="0" u="none" strike="noStrike" cap="none" normalizeH="0" baseline="0" dirty="0" smtClean="0">
+                <a:ln>
+                  <a:noFill/>
+                </a:ln>
+                <a:effectLst/>
+                <a:latin typeface="Ubuntu Mono"/>
+              </a:rPr>
+              <a:t>f (</a:t>
+            </a:r>
+            <a:r>
+              <a:rPr kumimoji="0" lang="en-US" altLang="en-US" sz="2000" b="0" i="0" u="none" strike="noStrike" cap="none" normalizeH="0" baseline="0" dirty="0" err="1" smtClean="0">
+                <a:ln>
+                  <a:noFill/>
+                </a:ln>
+                <a:effectLst/>
+                <a:latin typeface="Ubuntu Mono"/>
+              </a:rPr>
+              <a:t>window.foo</a:t>
+            </a:r>
+            <a:r>
+              <a:rPr kumimoji="0" lang="en-US" altLang="en-US" sz="2000" b="0" i="0" u="none" strike="noStrike" cap="none" normalizeH="0" baseline="0" dirty="0" smtClean="0">
+                <a:ln>
+                  <a:noFill/>
+                </a:ln>
+                <a:effectLst/>
+                <a:latin typeface="Ubuntu Mono"/>
+              </a:rPr>
+              <a:t>) { … }</a:t>
+            </a:r>
+          </a:p>
+          <a:p>
+            <a:pPr marL="0" indent="0" eaLnBrk="0" fontAlgn="base" hangingPunct="0">
+              <a:spcBef>
+                <a:spcPct val="0"/>
+              </a:spcBef>
+              <a:spcAft>
+                <a:spcPct val="0"/>
+              </a:spcAft>
+              <a:buNone/>
+            </a:pPr>
+            <a:r>
+              <a:rPr lang="en-US" altLang="en-US" sz="2000" dirty="0">
+                <a:latin typeface="Ubuntu Mono"/>
+              </a:rPr>
+              <a:t>if </a:t>
+            </a:r>
+            <a:r>
+              <a:rPr lang="en-US" altLang="en-US" sz="2000" dirty="0" smtClean="0">
+                <a:latin typeface="Ubuntu Mono"/>
+              </a:rPr>
+              <a:t>(“foo” in window) </a:t>
+            </a:r>
+            <a:r>
+              <a:rPr lang="en-US" altLang="en-US" sz="2000" dirty="0">
+                <a:latin typeface="Ubuntu Mono"/>
+              </a:rPr>
+              <a:t>{ … </a:t>
+            </a:r>
+            <a:r>
+              <a:rPr lang="en-US" altLang="en-US" sz="2000" dirty="0" smtClean="0">
+                <a:latin typeface="Ubuntu Mono"/>
+              </a:rPr>
               <a:t>}</a:t>
             </a:r>
           </a:p>
           <a:p>
-            <a:endParaRPr lang="en-US" sz="1500" b="1" dirty="0"/>
-          </a:p>
-          <a:p>
-            <a:r>
-              <a:rPr lang="en-US" sz="1500" b="1" dirty="0" err="1">
-                <a:solidFill>
-                  <a:srgbClr val="0070C0"/>
-                </a:solidFill>
-              </a:rPr>
-              <a:t>window</a:t>
-            </a:r>
-            <a:r>
-              <a:rPr lang="en-US" sz="1500" b="1" dirty="0" err="1"/>
-              <a:t>.</a:t>
-            </a:r>
-            <a:r>
-              <a:rPr lang="en-US" sz="1500" b="1" dirty="0" err="1">
-                <a:solidFill>
-                  <a:schemeClr val="accent6">
-                    <a:lumMod val="75000"/>
-                  </a:schemeClr>
-                </a:solidFill>
-              </a:rPr>
-              <a:t>myNamespace</a:t>
-            </a:r>
-            <a:r>
-              <a:rPr lang="en-US" sz="1500" b="1" dirty="0" err="1"/>
-              <a:t>.</a:t>
-            </a:r>
-            <a:r>
-              <a:rPr lang="en-US" sz="1500" b="1" dirty="0" err="1">
-                <a:solidFill>
-                  <a:srgbClr val="0070C0"/>
-                </a:solidFill>
-              </a:rPr>
-              <a:t>myFunction</a:t>
-            </a:r>
-            <a:r>
-              <a:rPr lang="en-US" sz="1500" b="1" dirty="0">
-                <a:solidFill>
-                  <a:srgbClr val="0070C0"/>
-                </a:solidFill>
+            <a:pPr marL="0" indent="0" eaLnBrk="0" fontAlgn="base" hangingPunct="0">
+              <a:spcBef>
+                <a:spcPct val="0"/>
+              </a:spcBef>
+              <a:spcAft>
+                <a:spcPct val="0"/>
+              </a:spcAft>
+              <a:buNone/>
+            </a:pPr>
+            <a:r>
+              <a:rPr lang="en-US" altLang="en-US" sz="2000" dirty="0">
+                <a:latin typeface="Ubuntu Mono"/>
+              </a:rPr>
+              <a:t>i</a:t>
+            </a:r>
+            <a:r>
+              <a:rPr lang="en-US" altLang="en-US" sz="2000" dirty="0" smtClean="0">
+                <a:latin typeface="Ubuntu Mono"/>
+              </a:rPr>
+              <a:t>f (</a:t>
+            </a:r>
+            <a:r>
+              <a:rPr lang="en-US" altLang="en-US" sz="2000" dirty="0" err="1" smtClean="0">
+                <a:latin typeface="Ubuntu Mono"/>
+              </a:rPr>
+              <a:t>typeof</a:t>
+            </a:r>
+            <a:r>
+              <a:rPr lang="en-US" altLang="en-US" sz="2000" dirty="0" smtClean="0">
+                <a:latin typeface="Ubuntu Mono"/>
+              </a:rPr>
+              <a:t> “foo” !== “undefined”) { … }</a:t>
+            </a:r>
+            <a:endParaRPr lang="en-US" altLang="en-US" sz="2000" dirty="0">
+              <a:latin typeface="Ubuntu Mono"/>
+            </a:endParaRPr>
+          </a:p>
+          <a:p>
+            <a:pPr marL="0" marR="0" lvl="0" indent="0" algn="l" defTabSz="914400" rtl="0" eaLnBrk="0" fontAlgn="base" latinLnBrk="0" hangingPunct="0">
+              <a:lnSpc>
+                <a:spcPct val="100000"/>
+              </a:lnSpc>
+              <a:spcBef>
+                <a:spcPct val="0"/>
+              </a:spcBef>
+              <a:spcAft>
+                <a:spcPct val="0"/>
+              </a:spcAft>
+              <a:buClrTx/>
+              <a:buSzTx/>
+              <a:buFontTx/>
+              <a:buNone/>
+              <a:tabLst/>
+            </a:pPr>
+            <a:endParaRPr kumimoji="0" lang="en-US" altLang="en-US" sz="2000" b="0" i="0" u="none" strike="noStrike" cap="none" normalizeH="0" baseline="0" dirty="0" smtClean="0">
+              <a:ln>
+                <a:noFill/>
+              </a:ln>
+              <a:effectLst/>
+              <a:latin typeface="Ubuntu Mono"/>
+            </a:endParaRPr>
+          </a:p>
+          <a:p>
+            <a:pPr marL="0" marR="0" lvl="0" indent="0" algn="l" defTabSz="914400" rtl="0" eaLnBrk="0" fontAlgn="base" latinLnBrk="0" hangingPunct="0">
+              <a:lnSpc>
+                <a:spcPct val="100000"/>
+              </a:lnSpc>
+              <a:spcBef>
+                <a:spcPct val="0"/>
+              </a:spcBef>
+              <a:spcAft>
+                <a:spcPct val="0"/>
+              </a:spcAft>
+              <a:buClrTx/>
+              <a:buSzTx/>
+              <a:buFontTx/>
+              <a:buNone/>
+              <a:tabLst/>
+            </a:pPr>
+            <a:endParaRPr kumimoji="0" lang="en-US" altLang="en-US" sz="2000" b="0" i="0" u="none" strike="noStrike" cap="none" normalizeH="0" baseline="0" dirty="0" smtClean="0">
+              <a:ln>
+                <a:noFill/>
+              </a:ln>
+              <a:effectLst/>
+              <a:latin typeface="Ubuntu Mono"/>
+            </a:endParaRPr>
+          </a:p>
+          <a:p>
+            <a:pPr marL="0" marR="0" lvl="0" indent="0" algn="l" defTabSz="914400" rtl="0" eaLnBrk="0" fontAlgn="base" latinLnBrk="0" hangingPunct="0">
+              <a:lnSpc>
+                <a:spcPct val="100000"/>
+              </a:lnSpc>
+              <a:spcBef>
+                <a:spcPct val="0"/>
+              </a:spcBef>
+              <a:spcAft>
+                <a:spcPct val="0"/>
+              </a:spcAft>
+              <a:buClrTx/>
+              <a:buSzTx/>
+              <a:buFontTx/>
+              <a:buNone/>
+              <a:tabLst/>
+            </a:pPr>
+            <a:endParaRPr lang="en-US" altLang="en-US" sz="2000" dirty="0">
+              <a:latin typeface="Ubuntu Mono"/>
+            </a:endParaRPr>
+          </a:p>
+          <a:p>
+            <a:pPr marL="0" marR="0" lvl="0" indent="0" algn="l" defTabSz="914400" rtl="0" eaLnBrk="0" fontAlgn="base" latinLnBrk="0" hangingPunct="0">
+              <a:lnSpc>
+                <a:spcPct val="100000"/>
+              </a:lnSpc>
+              <a:spcBef>
+                <a:spcPct val="0"/>
+              </a:spcBef>
+              <a:spcAft>
+                <a:spcPct val="0"/>
+              </a:spcAft>
+              <a:buClrTx/>
+              <a:buSzTx/>
+              <a:buFontTx/>
+              <a:buNone/>
+              <a:tabLst/>
+            </a:pPr>
+            <a:r>
+              <a:rPr kumimoji="0" lang="en-US" altLang="en-US" sz="2000" b="0" i="0" u="none" strike="noStrike" cap="none" normalizeH="0" baseline="0" dirty="0" smtClean="0">
+                <a:ln>
+                  <a:noFill/>
+                </a:ln>
+                <a:effectLst/>
               </a:rPr>
               <a:t> </a:t>
             </a:r>
-            <a:r>
-              <a:rPr lang="en-US" sz="1500" b="1" dirty="0"/>
-              <a:t>= function(</a:t>
-            </a:r>
-            <a:r>
-              <a:rPr lang="en-US" sz="1500" dirty="0"/>
-              <a:t>/* </a:t>
-            </a:r>
-            <a:r>
-              <a:rPr lang="en-US" sz="1500" dirty="0" err="1"/>
-              <a:t>params</a:t>
-            </a:r>
-            <a:r>
-              <a:rPr lang="en-US" sz="1500" dirty="0"/>
-              <a:t>*/ </a:t>
-            </a:r>
-            <a:r>
-              <a:rPr lang="en-US" sz="1500" b="1" dirty="0"/>
-              <a:t>) {</a:t>
-            </a:r>
-          </a:p>
-          <a:p>
-            <a:r>
-              <a:rPr lang="en-US" sz="1500" b="1" dirty="0"/>
-              <a:t>	</a:t>
-            </a:r>
-            <a:r>
-              <a:rPr lang="en-US" sz="1500" dirty="0"/>
-              <a:t>/* code here */ </a:t>
-            </a:r>
-          </a:p>
-          <a:p>
-            <a:r>
-              <a:rPr lang="en-US" sz="1500" b="1" dirty="0"/>
-              <a:t>};</a:t>
-            </a:r>
+            <a:endParaRPr kumimoji="0" lang="en-US" altLang="en-US" sz="2000" b="0" i="0" u="none" strike="noStrike" cap="none" normalizeH="0" baseline="0" dirty="0" smtClean="0">
+              <a:ln>
+                <a:noFill/>
+              </a:ln>
+              <a:effectLst/>
+              <a:latin typeface="Arial" panose="020B0604020202020204" pitchFamily="34" charset="0"/>
+            </a:endParaRPr>
           </a:p>
         </p:txBody>
       </p:sp>
     </p:spTree>
     <p:extLst>
       <p:ext uri="{BB962C8B-B14F-4D97-AF65-F5344CB8AC3E}">
-        <p14:creationId xmlns:p14="http://schemas.microsoft.com/office/powerpoint/2010/main" val="3154139996"/>
+        <p14:creationId xmlns:p14="http://schemas.microsoft.com/office/powerpoint/2010/main" val="91426937"/>
       </p:ext>
     </p:extLst>
   </p:cSld>
   <p:clrMapOvr>
     <a:masterClrMapping/>
   </p:clrMapOvr>
-  <p:transition/>
   <p:timing>
     <p:tnLst>
       <p:par>
@@ -14269,6 +14450,334 @@
       </p:grpSpPr>
       <p:sp>
         <p:nvSpPr>
+          <p:cNvPr id="2" name="Заголовок 1"/>
+          <p:cNvSpPr>
+            <a:spLocks noGrp="1"/>
+          </p:cNvSpPr>
+          <p:nvPr>
+            <p:ph type="ctrTitle"/>
+          </p:nvPr>
+        </p:nvSpPr>
+        <p:spPr>
+          <a:xfrm>
+            <a:off x="1625183" y="964389"/>
+            <a:ext cx="5829300" cy="396480"/>
+          </a:xfrm>
+        </p:spPr>
+        <p:txBody>
+          <a:bodyPr>
+            <a:normAutofit fontScale="90000"/>
+          </a:bodyPr>
+          <a:lstStyle/>
+          <a:p>
+            <a:r>
+              <a:rPr lang="en-US" b="1" dirty="0" smtClean="0">
+                <a:solidFill>
+                  <a:schemeClr val="tx1">
+                    <a:lumMod val="65000"/>
+                    <a:lumOff val="35000"/>
+                  </a:schemeClr>
+                </a:solidFill>
+              </a:rPr>
+              <a:t>Namespaces</a:t>
+            </a:r>
+            <a:endParaRPr lang="en-US" b="1" dirty="0">
+              <a:solidFill>
+                <a:schemeClr val="tx1">
+                  <a:lumMod val="65000"/>
+                  <a:lumOff val="35000"/>
+                </a:schemeClr>
+              </a:solidFill>
+            </a:endParaRPr>
+          </a:p>
+        </p:txBody>
+      </p:sp>
+      <p:sp>
+        <p:nvSpPr>
+          <p:cNvPr id="5" name="Заголовок 1"/>
+          <p:cNvSpPr txBox="1">
+            <a:spLocks/>
+          </p:cNvSpPr>
+          <p:nvPr/>
+        </p:nvSpPr>
+        <p:spPr>
+          <a:xfrm>
+            <a:off x="1571604" y="1821645"/>
+            <a:ext cx="5829300" cy="2839661"/>
+          </a:xfrm>
+          <a:prstGeom prst="rect">
+            <a:avLst/>
+          </a:prstGeom>
+        </p:spPr>
+        <p:txBody>
+          <a:bodyPr vert="horz" lIns="68580" tIns="34290" rIns="68580" bIns="34290" rtlCol="0" anchor="ctr">
+            <a:normAutofit/>
+          </a:bodyPr>
+          <a:lstStyle/>
+          <a:p>
+            <a:pPr>
+              <a:spcBef>
+                <a:spcPct val="0"/>
+              </a:spcBef>
+            </a:pPr>
+            <a:endParaRPr lang="be-BY" sz="1350"/>
+          </a:p>
+          <a:p>
+            <a:pPr>
+              <a:spcBef>
+                <a:spcPct val="0"/>
+              </a:spcBef>
+              <a:defRPr/>
+            </a:pPr>
+            <a:endParaRPr lang="be-BY" sz="3300" dirty="0">
+              <a:latin typeface="+mj-lt"/>
+              <a:ea typeface="+mj-ea"/>
+              <a:cs typeface="+mj-cs"/>
+            </a:endParaRPr>
+          </a:p>
+        </p:txBody>
+      </p:sp>
+      <p:sp>
+        <p:nvSpPr>
+          <p:cNvPr id="10" name="Rectangle 9"/>
+          <p:cNvSpPr/>
+          <p:nvPr/>
+        </p:nvSpPr>
+        <p:spPr>
+          <a:xfrm>
+            <a:off x="1464447" y="1607332"/>
+            <a:ext cx="6375842" cy="1708160"/>
+          </a:xfrm>
+          <a:prstGeom prst="rect">
+            <a:avLst/>
+          </a:prstGeom>
+        </p:spPr>
+        <p:style>
+          <a:lnRef idx="1">
+            <a:schemeClr val="dk1"/>
+          </a:lnRef>
+          <a:fillRef idx="1001">
+            <a:schemeClr val="lt2"/>
+          </a:fillRef>
+          <a:effectRef idx="1">
+            <a:schemeClr val="dk1"/>
+          </a:effectRef>
+          <a:fontRef idx="minor">
+            <a:schemeClr val="dk1"/>
+          </a:fontRef>
+        </p:style>
+        <p:txBody>
+          <a:bodyPr wrap="square">
+            <a:spAutoFit/>
+          </a:bodyPr>
+          <a:lstStyle/>
+          <a:p>
+            <a:r>
+              <a:rPr lang="en-US" sz="1500" b="1" dirty="0"/>
+              <a:t>if (</a:t>
+            </a:r>
+            <a:r>
+              <a:rPr lang="en-US" sz="1500" b="1" dirty="0" err="1">
+                <a:solidFill>
+                  <a:srgbClr val="0070C0"/>
+                </a:solidFill>
+              </a:rPr>
+              <a:t>window</a:t>
+            </a:r>
+            <a:r>
+              <a:rPr lang="en-US" sz="1500" b="1" dirty="0" err="1"/>
+              <a:t>.</a:t>
+            </a:r>
+            <a:r>
+              <a:rPr lang="en-US" sz="1500" b="1" dirty="0" err="1">
+                <a:solidFill>
+                  <a:schemeClr val="accent6">
+                    <a:lumMod val="75000"/>
+                  </a:schemeClr>
+                </a:solidFill>
+              </a:rPr>
+              <a:t>myNamespace</a:t>
+            </a:r>
+            <a:r>
+              <a:rPr lang="en-US" sz="1500" b="1" dirty="0"/>
+              <a:t> == </a:t>
+            </a:r>
+            <a:r>
+              <a:rPr lang="en-US" sz="1500" b="1" dirty="0">
+                <a:solidFill>
+                  <a:srgbClr val="00B050"/>
+                </a:solidFill>
+              </a:rPr>
+              <a:t>null</a:t>
+            </a:r>
+            <a:r>
+              <a:rPr lang="en-US" sz="1500" b="1" dirty="0"/>
+              <a:t>){</a:t>
+            </a:r>
+          </a:p>
+          <a:p>
+            <a:r>
+              <a:rPr lang="en-US" sz="1500" b="1" dirty="0"/>
+              <a:t>	</a:t>
+            </a:r>
+            <a:r>
+              <a:rPr lang="en-US" sz="1500" b="1" dirty="0" err="1">
+                <a:solidFill>
+                  <a:srgbClr val="0070C0"/>
+                </a:solidFill>
+              </a:rPr>
+              <a:t>window</a:t>
+            </a:r>
+            <a:r>
+              <a:rPr lang="en-US" sz="1500" b="1" dirty="0" err="1"/>
+              <a:t>.</a:t>
+            </a:r>
+            <a:r>
+              <a:rPr lang="en-US" sz="1500" b="1" dirty="0" err="1">
+                <a:solidFill>
+                  <a:schemeClr val="accent6">
+                    <a:lumMod val="75000"/>
+                  </a:schemeClr>
+                </a:solidFill>
+              </a:rPr>
+              <a:t>myNamespace</a:t>
+            </a:r>
+            <a:r>
+              <a:rPr lang="en-US" sz="1500" b="1" dirty="0"/>
+              <a:t> = {}; 	</a:t>
+            </a:r>
+          </a:p>
+          <a:p>
+            <a:r>
+              <a:rPr lang="en-US" sz="1500" b="1" dirty="0"/>
+              <a:t>}</a:t>
+            </a:r>
+          </a:p>
+          <a:p>
+            <a:endParaRPr lang="en-US" sz="1500" b="1" dirty="0"/>
+          </a:p>
+          <a:p>
+            <a:r>
+              <a:rPr lang="en-US" sz="1500" b="1" dirty="0" err="1">
+                <a:solidFill>
+                  <a:srgbClr val="0070C0"/>
+                </a:solidFill>
+              </a:rPr>
+              <a:t>window</a:t>
+            </a:r>
+            <a:r>
+              <a:rPr lang="en-US" sz="1500" b="1" dirty="0" err="1"/>
+              <a:t>.</a:t>
+            </a:r>
+            <a:r>
+              <a:rPr lang="en-US" sz="1500" b="1" dirty="0" err="1">
+                <a:solidFill>
+                  <a:schemeClr val="accent6">
+                    <a:lumMod val="75000"/>
+                  </a:schemeClr>
+                </a:solidFill>
+              </a:rPr>
+              <a:t>myNamespace</a:t>
+            </a:r>
+            <a:r>
+              <a:rPr lang="en-US" sz="1500" b="1" dirty="0" err="1"/>
+              <a:t>.</a:t>
+            </a:r>
+            <a:r>
+              <a:rPr lang="en-US" sz="1500" b="1" dirty="0" err="1">
+                <a:solidFill>
+                  <a:srgbClr val="0070C0"/>
+                </a:solidFill>
+              </a:rPr>
+              <a:t>myFunction</a:t>
+            </a:r>
+            <a:r>
+              <a:rPr lang="en-US" sz="1500" b="1" dirty="0">
+                <a:solidFill>
+                  <a:srgbClr val="0070C0"/>
+                </a:solidFill>
+              </a:rPr>
+              <a:t> </a:t>
+            </a:r>
+            <a:r>
+              <a:rPr lang="en-US" sz="1500" b="1" dirty="0"/>
+              <a:t>= function(</a:t>
+            </a:r>
+            <a:r>
+              <a:rPr lang="en-US" sz="1500" dirty="0"/>
+              <a:t>/* </a:t>
+            </a:r>
+            <a:r>
+              <a:rPr lang="en-US" sz="1500" dirty="0" err="1"/>
+              <a:t>params</a:t>
+            </a:r>
+            <a:r>
+              <a:rPr lang="en-US" sz="1500" dirty="0"/>
+              <a:t>*/ </a:t>
+            </a:r>
+            <a:r>
+              <a:rPr lang="en-US" sz="1500" b="1" dirty="0"/>
+              <a:t>) {</a:t>
+            </a:r>
+          </a:p>
+          <a:p>
+            <a:r>
+              <a:rPr lang="en-US" sz="1500" b="1" dirty="0"/>
+              <a:t>	</a:t>
+            </a:r>
+            <a:r>
+              <a:rPr lang="en-US" sz="1500" dirty="0"/>
+              <a:t>/* code here */ </a:t>
+            </a:r>
+          </a:p>
+          <a:p>
+            <a:r>
+              <a:rPr lang="en-US" sz="1500" b="1" dirty="0"/>
+              <a:t>};</a:t>
+            </a:r>
+          </a:p>
+        </p:txBody>
+      </p:sp>
+    </p:spTree>
+    <p:extLst>
+      <p:ext uri="{BB962C8B-B14F-4D97-AF65-F5344CB8AC3E}">
+        <p14:creationId xmlns:p14="http://schemas.microsoft.com/office/powerpoint/2010/main" val="3154139996"/>
+      </p:ext>
+    </p:extLst>
+  </p:cSld>
+  <p:clrMapOvr>
+    <a:masterClrMapping/>
+  </p:clrMapOvr>
+  <p:transition/>
+  <p:timing>
+    <p:tnLst>
+      <p:par>
+        <p:cTn id="1" dur="indefinite" restart="never" nodeType="tmRoot"/>
+      </p:par>
+    </p:tnLst>
+  </p:timing>
+</p:sld>
+</file>
+
+<file path=ppt/slides/slide35.xml><?xml version="1.0" encoding="utf-8"?>
+<p:sld xmlns:a="http://schemas.openxmlformats.org/drawingml/2006/main" xmlns:r="http://schemas.openxmlformats.org/officeDocument/2006/relationships" xmlns:p="http://schemas.openxmlformats.org/presentationml/2006/main">
+  <p:cSld>
+    <p:spTree>
+      <p:nvGrpSpPr>
+        <p:cNvPr id="1" name=""/>
+        <p:cNvGrpSpPr/>
+        <p:nvPr/>
+      </p:nvGrpSpPr>
+      <p:grpSpPr>
+        <a:xfrm>
+          <a:off x="0" y="0"/>
+          <a:ext cx="0" cy="0"/>
+          <a:chOff x="0" y="0"/>
+          <a:chExt cx="0" cy="0"/>
+        </a:xfrm>
+      </p:grpSpPr>
+      <p:sp>
+        <p:nvSpPr>
           <p:cNvPr id="2" name="Title 1"/>
           <p:cNvSpPr>
             <a:spLocks noGrp="1"/>
@@ -14321,7 +14830,7 @@
 </p:sld>
 </file>
 
-<file path=ppt/slides/slide35.xml><?xml version="1.0" encoding="utf-8"?>
+<file path=ppt/slides/slide36.xml><?xml version="1.0" encoding="utf-8"?>
 <p:sld xmlns:a="http://schemas.openxmlformats.org/drawingml/2006/main" xmlns:r="http://schemas.openxmlformats.org/officeDocument/2006/relationships" xmlns:p="http://schemas.openxmlformats.org/presentationml/2006/main">
   <p:cSld>
     <p:spTree>

--- a/lecture-3-recap-scope/scope.pptx
+++ b/lecture-3-recap-scope/scope.pptx
@@ -5,7 +5,7 @@
     <p:sldMasterId id="2147483936" r:id="rId1"/>
   </p:sldMasterIdLst>
   <p:notesMasterIdLst>
-    <p:notesMasterId r:id="rId38"/>
+    <p:notesMasterId r:id="rId39"/>
   </p:notesMasterIdLst>
   <p:sldIdLst>
     <p:sldId id="442" r:id="rId2"/>
@@ -21,29 +21,30 @@
     <p:sldId id="449" r:id="rId12"/>
     <p:sldId id="514" r:id="rId13"/>
     <p:sldId id="450" r:id="rId14"/>
-    <p:sldId id="454" r:id="rId15"/>
-    <p:sldId id="453" r:id="rId16"/>
-    <p:sldId id="455" r:id="rId17"/>
-    <p:sldId id="456" r:id="rId18"/>
-    <p:sldId id="457" r:id="rId19"/>
-    <p:sldId id="515" r:id="rId20"/>
-    <p:sldId id="465" r:id="rId21"/>
-    <p:sldId id="463" r:id="rId22"/>
-    <p:sldId id="464" r:id="rId23"/>
-    <p:sldId id="458" r:id="rId24"/>
-    <p:sldId id="466" r:id="rId25"/>
-    <p:sldId id="462" r:id="rId26"/>
-    <p:sldId id="484" r:id="rId27"/>
-    <p:sldId id="485" r:id="rId28"/>
-    <p:sldId id="497" r:id="rId29"/>
-    <p:sldId id="522" r:id="rId30"/>
-    <p:sldId id="520" r:id="rId31"/>
-    <p:sldId id="486" r:id="rId32"/>
-    <p:sldId id="461" r:id="rId33"/>
-    <p:sldId id="507" r:id="rId34"/>
-    <p:sldId id="513" r:id="rId35"/>
-    <p:sldId id="521" r:id="rId36"/>
-    <p:sldId id="305" r:id="rId37"/>
+    <p:sldId id="523" r:id="rId15"/>
+    <p:sldId id="454" r:id="rId16"/>
+    <p:sldId id="453" r:id="rId17"/>
+    <p:sldId id="455" r:id="rId18"/>
+    <p:sldId id="456" r:id="rId19"/>
+    <p:sldId id="457" r:id="rId20"/>
+    <p:sldId id="515" r:id="rId21"/>
+    <p:sldId id="465" r:id="rId22"/>
+    <p:sldId id="463" r:id="rId23"/>
+    <p:sldId id="464" r:id="rId24"/>
+    <p:sldId id="458" r:id="rId25"/>
+    <p:sldId id="466" r:id="rId26"/>
+    <p:sldId id="462" r:id="rId27"/>
+    <p:sldId id="484" r:id="rId28"/>
+    <p:sldId id="485" r:id="rId29"/>
+    <p:sldId id="497" r:id="rId30"/>
+    <p:sldId id="522" r:id="rId31"/>
+    <p:sldId id="520" r:id="rId32"/>
+    <p:sldId id="486" r:id="rId33"/>
+    <p:sldId id="461" r:id="rId34"/>
+    <p:sldId id="507" r:id="rId35"/>
+    <p:sldId id="513" r:id="rId36"/>
+    <p:sldId id="521" r:id="rId37"/>
+    <p:sldId id="305" r:id="rId38"/>
   </p:sldIdLst>
   <p:sldSz cx="9144000" cy="6858000" type="screen4x3"/>
   <p:notesSz cx="6858000" cy="9144000"/>
@@ -244,7 +245,7 @@
             <a:fld id="{83C55866-C109-46F5-A1A5-A583FE70736B}" type="datetimeFigureOut">
               <a:rPr lang="be-BY" smtClean="0"/>
               <a:pPr/>
-              <a:t>21.09.2015</a:t>
+              <a:t>23.09.2015</a:t>
             </a:fld>
             <a:endParaRPr lang="be-BY"/>
           </a:p>
@@ -668,7 +669,7 @@
             <a:fld id="{B6DB43F0-FEFD-424B-AFAA-1D3C2B01CC9C}" type="slidenum">
               <a:rPr lang="be-BY" smtClean="0"/>
               <a:pPr/>
-              <a:t>24</a:t>
+              <a:t>25</a:t>
             </a:fld>
             <a:endParaRPr lang="be-BY"/>
           </a:p>
@@ -755,7 +756,7 @@
             <a:fld id="{B6DB43F0-FEFD-424B-AFAA-1D3C2B01CC9C}" type="slidenum">
               <a:rPr lang="be-BY" smtClean="0"/>
               <a:pPr/>
-              <a:t>25</a:t>
+              <a:t>26</a:t>
             </a:fld>
             <a:endParaRPr lang="be-BY"/>
           </a:p>
@@ -852,7 +853,7 @@
             <a:fld id="{B6DB43F0-FEFD-424B-AFAA-1D3C2B01CC9C}" type="slidenum">
               <a:rPr lang="be-BY" smtClean="0"/>
               <a:pPr/>
-              <a:t>26</a:t>
+              <a:t>27</a:t>
             </a:fld>
             <a:endParaRPr lang="be-BY"/>
           </a:p>
@@ -939,7 +940,7 @@
             <a:fld id="{B6DB43F0-FEFD-424B-AFAA-1D3C2B01CC9C}" type="slidenum">
               <a:rPr lang="be-BY" smtClean="0"/>
               <a:pPr/>
-              <a:t>27</a:t>
+              <a:t>28</a:t>
             </a:fld>
             <a:endParaRPr lang="be-BY"/>
           </a:p>
@@ -1026,7 +1027,7 @@
             <a:fld id="{B6DB43F0-FEFD-424B-AFAA-1D3C2B01CC9C}" type="slidenum">
               <a:rPr lang="be-BY" smtClean="0"/>
               <a:pPr/>
-              <a:t>31</a:t>
+              <a:t>32</a:t>
             </a:fld>
             <a:endParaRPr lang="be-BY"/>
           </a:p>
@@ -1123,7 +1124,7 @@
             <a:fld id="{B6DB43F0-FEFD-424B-AFAA-1D3C2B01CC9C}" type="slidenum">
               <a:rPr lang="be-BY" smtClean="0"/>
               <a:pPr/>
-              <a:t>32</a:t>
+              <a:t>33</a:t>
             </a:fld>
             <a:endParaRPr lang="be-BY"/>
           </a:p>
@@ -1210,7 +1211,7 @@
             <a:fld id="{B6DB43F0-FEFD-424B-AFAA-1D3C2B01CC9C}" type="slidenum">
               <a:rPr lang="be-BY" smtClean="0"/>
               <a:pPr/>
-              <a:t>34</a:t>
+              <a:t>35</a:t>
             </a:fld>
             <a:endParaRPr lang="be-BY"/>
           </a:p>
@@ -1295,7 +1296,7 @@
             <a:fld id="{B6DB43F0-FEFD-424B-AFAA-1D3C2B01CC9C}" type="slidenum">
               <a:rPr lang="be-BY" smtClean="0"/>
               <a:pPr/>
-              <a:t>36</a:t>
+              <a:t>37</a:t>
             </a:fld>
             <a:endParaRPr lang="be-BY"/>
           </a:p>
@@ -1496,7 +1497,7 @@
             <a:fld id="{ADF9D30C-D1AE-43D8-9AC8-81DD3F555E58}" type="datetimeFigureOut">
               <a:rPr lang="be-BY" smtClean="0"/>
               <a:pPr/>
-              <a:t>21.09.2015</a:t>
+              <a:t>23.09.2015</a:t>
             </a:fld>
             <a:endParaRPr lang="be-BY"/>
           </a:p>
@@ -1663,7 +1664,7 @@
             <a:fld id="{ADF9D30C-D1AE-43D8-9AC8-81DD3F555E58}" type="datetimeFigureOut">
               <a:rPr lang="be-BY" smtClean="0"/>
               <a:pPr/>
-              <a:t>21.09.2015</a:t>
+              <a:t>23.09.2015</a:t>
             </a:fld>
             <a:endParaRPr lang="be-BY"/>
           </a:p>
@@ -1840,7 +1841,7 @@
             <a:fld id="{ADF9D30C-D1AE-43D8-9AC8-81DD3F555E58}" type="datetimeFigureOut">
               <a:rPr lang="be-BY" smtClean="0"/>
               <a:pPr/>
-              <a:t>21.09.2015</a:t>
+              <a:t>23.09.2015</a:t>
             </a:fld>
             <a:endParaRPr lang="be-BY"/>
           </a:p>
@@ -2007,7 +2008,7 @@
             <a:fld id="{ADF9D30C-D1AE-43D8-9AC8-81DD3F555E58}" type="datetimeFigureOut">
               <a:rPr lang="be-BY" smtClean="0"/>
               <a:pPr/>
-              <a:t>21.09.2015</a:t>
+              <a:t>23.09.2015</a:t>
             </a:fld>
             <a:endParaRPr lang="be-BY"/>
           </a:p>
@@ -2250,7 +2251,7 @@
             <a:fld id="{ADF9D30C-D1AE-43D8-9AC8-81DD3F555E58}" type="datetimeFigureOut">
               <a:rPr lang="be-BY" smtClean="0"/>
               <a:pPr/>
-              <a:t>21.09.2015</a:t>
+              <a:t>23.09.2015</a:t>
             </a:fld>
             <a:endParaRPr lang="be-BY"/>
           </a:p>
@@ -2535,7 +2536,7 @@
             <a:fld id="{ADF9D30C-D1AE-43D8-9AC8-81DD3F555E58}" type="datetimeFigureOut">
               <a:rPr lang="be-BY" smtClean="0"/>
               <a:pPr/>
-              <a:t>21.09.2015</a:t>
+              <a:t>23.09.2015</a:t>
             </a:fld>
             <a:endParaRPr lang="be-BY"/>
           </a:p>
@@ -2954,7 +2955,7 @@
             <a:fld id="{ADF9D30C-D1AE-43D8-9AC8-81DD3F555E58}" type="datetimeFigureOut">
               <a:rPr lang="be-BY" smtClean="0"/>
               <a:pPr/>
-              <a:t>21.09.2015</a:t>
+              <a:t>23.09.2015</a:t>
             </a:fld>
             <a:endParaRPr lang="be-BY"/>
           </a:p>
@@ -3069,7 +3070,7 @@
             <a:fld id="{ADF9D30C-D1AE-43D8-9AC8-81DD3F555E58}" type="datetimeFigureOut">
               <a:rPr lang="be-BY" smtClean="0"/>
               <a:pPr/>
-              <a:t>21.09.2015</a:t>
+              <a:t>23.09.2015</a:t>
             </a:fld>
             <a:endParaRPr lang="be-BY"/>
           </a:p>
@@ -3161,7 +3162,7 @@
             <a:fld id="{ADF9D30C-D1AE-43D8-9AC8-81DD3F555E58}" type="datetimeFigureOut">
               <a:rPr lang="be-BY" smtClean="0"/>
               <a:pPr/>
-              <a:t>21.09.2015</a:t>
+              <a:t>23.09.2015</a:t>
             </a:fld>
             <a:endParaRPr lang="be-BY"/>
           </a:p>
@@ -3435,7 +3436,7 @@
             <a:fld id="{ADF9D30C-D1AE-43D8-9AC8-81DD3F555E58}" type="datetimeFigureOut">
               <a:rPr lang="be-BY" smtClean="0"/>
               <a:pPr/>
-              <a:t>21.09.2015</a:t>
+              <a:t>23.09.2015</a:t>
             </a:fld>
             <a:endParaRPr lang="be-BY"/>
           </a:p>
@@ -3685,7 +3686,7 @@
             <a:fld id="{ADF9D30C-D1AE-43D8-9AC8-81DD3F555E58}" type="datetimeFigureOut">
               <a:rPr lang="be-BY" smtClean="0"/>
               <a:pPr/>
-              <a:t>21.09.2015</a:t>
+              <a:t>23.09.2015</a:t>
             </a:fld>
             <a:endParaRPr lang="be-BY"/>
           </a:p>
@@ -3895,7 +3896,7 @@
             <a:fld id="{ADF9D30C-D1AE-43D8-9AC8-81DD3F555E58}" type="datetimeFigureOut">
               <a:rPr lang="be-BY" smtClean="0"/>
               <a:pPr/>
-              <a:t>21.09.2015</a:t>
+              <a:t>23.09.2015</a:t>
             </a:fld>
             <a:endParaRPr lang="be-BY"/>
           </a:p>
@@ -5008,503 +5009,92 @@
           <a:bodyPr/>
           <a:lstStyle/>
           <a:p>
+            <a:endParaRPr lang="en-US"/>
+          </a:p>
+        </p:txBody>
+      </p:sp>
+      <p:sp>
+        <p:nvSpPr>
+          <p:cNvPr id="3" name="Content Placeholder 2"/>
+          <p:cNvSpPr>
+            <a:spLocks noGrp="1"/>
+          </p:cNvSpPr>
+          <p:nvPr>
+            <p:ph idx="1"/>
+          </p:nvPr>
+        </p:nvSpPr>
+        <p:spPr/>
+        <p:txBody>
+          <a:bodyPr/>
+          <a:lstStyle/>
+          <a:p>
+            <a:pPr marL="0" indent="0">
+              <a:buNone/>
+            </a:pPr>
             <a:r>
               <a:rPr lang="en-US" dirty="0" smtClean="0"/>
-              <a:t>Nested Scope</a:t>
-            </a:r>
+              <a:t>	Scope </a:t>
+            </a:r>
+            <a:r>
+              <a:rPr lang="en-US" dirty="0"/>
+              <a:t>- is a logical boundaries in which a variable (or </a:t>
+            </a:r>
+            <a:r>
+              <a:rPr lang="en-US" dirty="0" smtClean="0"/>
+              <a:t>expression</a:t>
+            </a:r>
+            <a:r>
+              <a:rPr lang="en-US" dirty="0"/>
+              <a:t>) has its meaning. </a:t>
+            </a:r>
+          </a:p>
+          <a:p>
+            <a:pPr marL="0" indent="0">
+              <a:buNone/>
+            </a:pPr>
+            <a:r>
+              <a:rPr lang="en-US" dirty="0" smtClean="0"/>
+              <a:t>	For </a:t>
+            </a:r>
+            <a:r>
+              <a:rPr lang="en-US" dirty="0"/>
+              <a:t>example, a global variable, a local variable, </a:t>
+            </a:r>
+            <a:r>
+              <a:rPr lang="en-US" dirty="0" err="1"/>
+              <a:t>etc</a:t>
+            </a:r>
+            <a:r>
+              <a:rPr lang="en-US" dirty="0"/>
+              <a:t>, which generally reflects a logical range of a </a:t>
+            </a:r>
+            <a:r>
+              <a:rPr lang="en-US" dirty="0" smtClean="0"/>
+              <a:t>variable </a:t>
+            </a:r>
+            <a:r>
+              <a:rPr lang="en-US" dirty="0"/>
+              <a:t>lifetime.</a:t>
+            </a:r>
+          </a:p>
+          <a:p>
+            <a:pPr marL="0" indent="0">
+              <a:buNone/>
+            </a:pPr>
             <a:endParaRPr lang="en-US" dirty="0"/>
-          </a:p>
-        </p:txBody>
-      </p:sp>
-      <p:sp>
-        <p:nvSpPr>
-          <p:cNvPr id="4" name="Rectangle 1"/>
-          <p:cNvSpPr>
-            <a:spLocks noChangeArrowheads="1"/>
-          </p:cNvSpPr>
-          <p:nvPr/>
-        </p:nvSpPr>
-        <p:spPr bwMode="auto">
-          <a:xfrm>
-            <a:off x="3419872" y="1700808"/>
-            <a:ext cx="2220989" cy="2154436"/>
-          </a:xfrm>
-          <a:prstGeom prst="rect">
-            <a:avLst/>
-          </a:prstGeom>
-          <a:noFill/>
-          <a:ln>
-            <a:noFill/>
-          </a:ln>
-          <a:effectLst/>
-          <a:extLst>
-            <a:ext uri="{909E8E84-426E-40DD-AFC4-6F175D3DCCD1}">
-              <a14:hiddenFill xmlns:a14="http://schemas.microsoft.com/office/drawing/2010/main">
-                <a:solidFill>
-                  <a:schemeClr val="accent1"/>
-                </a:solidFill>
-              </a14:hiddenFill>
-            </a:ext>
-            <a:ext uri="{91240B29-F687-4F45-9708-019B960494DF}">
-              <a14:hiddenLine xmlns:a14="http://schemas.microsoft.com/office/drawing/2010/main" w="9525">
-                <a:solidFill>
-                  <a:schemeClr val="tx1"/>
-                </a:solidFill>
-                <a:miter lim="800000"/>
-                <a:headEnd/>
-                <a:tailEnd/>
-              </a14:hiddenLine>
-            </a:ext>
-            <a:ext uri="{AF507438-7753-43E0-B8FC-AC1667EBCBE1}">
-              <a14:hiddenEffects xmlns:a14="http://schemas.microsoft.com/office/drawing/2010/main">
-                <a:effectLst>
-                  <a:outerShdw dist="35921" dir="2700000" algn="ctr" rotWithShape="0">
-                    <a:schemeClr val="bg2"/>
-                  </a:outerShdw>
-                </a:effectLst>
-              </a14:hiddenEffects>
-            </a:ext>
-          </a:extLst>
-        </p:spPr>
-        <p:txBody>
-          <a:bodyPr vert="horz" wrap="square" lIns="0" tIns="0" rIns="0" bIns="0" numCol="1" anchor="ctr" anchorCtr="0" compatLnSpc="1">
-            <a:prstTxWarp prst="textNoShape">
-              <a:avLst/>
-            </a:prstTxWarp>
-            <a:spAutoFit/>
-          </a:bodyPr>
-          <a:lstStyle/>
-          <a:p>
-            <a:pPr marL="0" marR="0" lvl="0" indent="0" algn="l" defTabSz="914400" rtl="0" eaLnBrk="0" fontAlgn="base" latinLnBrk="0" hangingPunct="0">
-              <a:lnSpc>
-                <a:spcPct val="100000"/>
-              </a:lnSpc>
-              <a:spcBef>
-                <a:spcPct val="0"/>
-              </a:spcBef>
-              <a:spcAft>
-                <a:spcPct val="0"/>
-              </a:spcAft>
-              <a:buClrTx/>
-              <a:buSzTx/>
-              <a:buFontTx/>
-              <a:buNone/>
-              <a:tabLst/>
-            </a:pPr>
-            <a:r>
-              <a:rPr kumimoji="0" lang="en-US" altLang="en-US" sz="2000" b="1" i="0" u="none" strike="noStrike" cap="none" normalizeH="0" baseline="0" dirty="0" smtClean="0">
-                <a:ln>
-                  <a:noFill/>
-                </a:ln>
-                <a:solidFill>
-                  <a:srgbClr val="006699"/>
-                </a:solidFill>
-                <a:effectLst/>
-                <a:latin typeface="Ubuntu Mono"/>
-              </a:rPr>
-              <a:t>function</a:t>
-            </a:r>
-            <a:r>
-              <a:rPr kumimoji="0" lang="en-US" altLang="en-US" sz="2000" b="0" i="0" u="none" strike="noStrike" cap="none" normalizeH="0" baseline="0" dirty="0" smtClean="0">
-                <a:ln>
-                  <a:noFill/>
-                </a:ln>
-                <a:solidFill>
-                  <a:srgbClr val="000000"/>
-                </a:solidFill>
-                <a:effectLst/>
-                <a:latin typeface="Ubuntu Mono"/>
-              </a:rPr>
-              <a:t> </a:t>
-            </a:r>
-            <a:r>
-              <a:rPr kumimoji="0" lang="en-US" altLang="en-US" sz="2000" b="0" i="0" u="none" strike="noStrike" cap="none" normalizeH="0" baseline="0" dirty="0" smtClean="0">
-                <a:ln>
-                  <a:noFill/>
-                </a:ln>
-                <a:solidFill>
-                  <a:srgbClr val="000088"/>
-                </a:solidFill>
-                <a:effectLst/>
-                <a:latin typeface="Ubuntu Mono"/>
-              </a:rPr>
-              <a:t>f</a:t>
-            </a:r>
-            <a:r>
-              <a:rPr kumimoji="0" lang="en-US" altLang="en-US" sz="2000" b="0" i="0" u="none" strike="noStrike" cap="none" normalizeH="0" baseline="0" dirty="0" smtClean="0">
-                <a:ln>
-                  <a:noFill/>
-                </a:ln>
-                <a:solidFill>
-                  <a:srgbClr val="000000"/>
-                </a:solidFill>
-                <a:effectLst/>
-                <a:latin typeface="Ubuntu Mono"/>
-              </a:rPr>
-              <a:t>() {</a:t>
-            </a:r>
-          </a:p>
-          <a:p>
-            <a:pPr marL="0" marR="0" lvl="0" indent="0" algn="l" defTabSz="914400" rtl="0" eaLnBrk="0" fontAlgn="base" latinLnBrk="0" hangingPunct="0">
-              <a:lnSpc>
-                <a:spcPct val="100000"/>
-              </a:lnSpc>
-              <a:spcBef>
-                <a:spcPct val="0"/>
-              </a:spcBef>
-              <a:spcAft>
-                <a:spcPct val="0"/>
-              </a:spcAft>
-              <a:buClrTx/>
-              <a:buSzTx/>
-              <a:buFontTx/>
-              <a:buNone/>
-              <a:tabLst/>
-            </a:pPr>
-            <a:r>
-              <a:rPr lang="en-US" altLang="en-US" sz="2000" dirty="0">
-                <a:solidFill>
-                  <a:srgbClr val="000000"/>
-                </a:solidFill>
-                <a:latin typeface="Ubuntu Mono"/>
-              </a:rPr>
-              <a:t> </a:t>
-            </a:r>
-            <a:r>
-              <a:rPr lang="en-US" altLang="en-US" sz="2000" dirty="0" smtClean="0">
-                <a:solidFill>
-                  <a:srgbClr val="000000"/>
-                </a:solidFill>
-                <a:latin typeface="Ubuntu Mono"/>
-              </a:rPr>
-              <a:t>   </a:t>
-            </a:r>
-            <a:r>
-              <a:rPr lang="en-US" altLang="en-US" sz="2000" dirty="0" err="1" smtClean="0">
-                <a:solidFill>
-                  <a:srgbClr val="000000"/>
-                </a:solidFill>
-                <a:latin typeface="Ubuntu Mono"/>
-              </a:rPr>
-              <a:t>var</a:t>
-            </a:r>
-            <a:r>
-              <a:rPr lang="en-US" altLang="en-US" sz="2000" dirty="0" smtClean="0">
-                <a:solidFill>
-                  <a:srgbClr val="000000"/>
-                </a:solidFill>
-                <a:latin typeface="Ubuntu Mono"/>
-              </a:rPr>
-              <a:t> x = 2;</a:t>
-            </a:r>
-            <a:r>
-              <a:rPr kumimoji="0" lang="en-US" altLang="en-US" sz="2000" b="0" i="0" u="none" strike="noStrike" cap="none" normalizeH="0" baseline="0" dirty="0" smtClean="0">
-                <a:ln>
-                  <a:noFill/>
-                </a:ln>
-                <a:solidFill>
-                  <a:srgbClr val="000000"/>
-                </a:solidFill>
-                <a:effectLst/>
-                <a:latin typeface="Ubuntu Mono"/>
-              </a:rPr>
-              <a:t> </a:t>
-            </a:r>
-          </a:p>
-          <a:p>
-            <a:pPr marL="0" marR="0" lvl="0" indent="0" algn="l" defTabSz="914400" rtl="0" eaLnBrk="0" fontAlgn="base" latinLnBrk="0" hangingPunct="0">
-              <a:lnSpc>
-                <a:spcPct val="100000"/>
-              </a:lnSpc>
-              <a:spcBef>
-                <a:spcPct val="0"/>
-              </a:spcBef>
-              <a:spcAft>
-                <a:spcPct val="0"/>
-              </a:spcAft>
-              <a:buClrTx/>
-              <a:buSzTx/>
-              <a:buFontTx/>
-              <a:buNone/>
-              <a:tabLst/>
-            </a:pPr>
-            <a:r>
-              <a:rPr lang="en-US" altLang="en-US" sz="2000" dirty="0">
-                <a:solidFill>
-                  <a:srgbClr val="000000"/>
-                </a:solidFill>
-                <a:latin typeface="Ubuntu Mono"/>
-              </a:rPr>
-              <a:t> </a:t>
-            </a:r>
-            <a:r>
-              <a:rPr lang="en-US" altLang="en-US" sz="2000" dirty="0" smtClean="0">
-                <a:solidFill>
-                  <a:srgbClr val="000000"/>
-                </a:solidFill>
-                <a:latin typeface="Ubuntu Mono"/>
-              </a:rPr>
-              <a:t>   </a:t>
-            </a:r>
-            <a:r>
-              <a:rPr kumimoji="0" lang="en-US" altLang="en-US" sz="2000" b="1" i="0" u="none" strike="noStrike" cap="none" normalizeH="0" baseline="0" dirty="0" smtClean="0">
-                <a:ln>
-                  <a:noFill/>
-                </a:ln>
-                <a:solidFill>
-                  <a:srgbClr val="006699"/>
-                </a:solidFill>
-                <a:effectLst/>
-                <a:latin typeface="Ubuntu Mono"/>
-              </a:rPr>
-              <a:t>function</a:t>
-            </a:r>
-            <a:r>
-              <a:rPr kumimoji="0" lang="en-US" altLang="en-US" sz="2000" b="0" i="0" u="none" strike="noStrike" cap="none" normalizeH="0" baseline="0" dirty="0" smtClean="0">
-                <a:ln>
-                  <a:noFill/>
-                </a:ln>
-                <a:solidFill>
-                  <a:srgbClr val="000000"/>
-                </a:solidFill>
-                <a:effectLst/>
-                <a:latin typeface="Ubuntu Mono"/>
-              </a:rPr>
-              <a:t> </a:t>
-            </a:r>
-            <a:r>
-              <a:rPr kumimoji="0" lang="en-US" altLang="en-US" sz="2000" b="0" i="0" u="none" strike="noStrike" cap="none" normalizeH="0" baseline="0" dirty="0" smtClean="0">
-                <a:ln>
-                  <a:noFill/>
-                </a:ln>
-                <a:solidFill>
-                  <a:srgbClr val="000088"/>
-                </a:solidFill>
-                <a:effectLst/>
-                <a:latin typeface="Ubuntu Mono"/>
-              </a:rPr>
-              <a:t>g</a:t>
-            </a:r>
-            <a:r>
-              <a:rPr kumimoji="0" lang="en-US" altLang="en-US" sz="2000" b="0" i="0" u="none" strike="noStrike" cap="none" normalizeH="0" baseline="0" dirty="0" smtClean="0">
-                <a:ln>
-                  <a:noFill/>
-                </a:ln>
-                <a:solidFill>
-                  <a:srgbClr val="000000"/>
-                </a:solidFill>
-                <a:effectLst/>
-                <a:latin typeface="Ubuntu Mono"/>
-              </a:rPr>
-              <a:t>() {</a:t>
-            </a:r>
-          </a:p>
-          <a:p>
-            <a:pPr marL="0" marR="0" lvl="0" indent="0" algn="l" defTabSz="914400" rtl="0" eaLnBrk="0" fontAlgn="base" latinLnBrk="0" hangingPunct="0">
-              <a:lnSpc>
-                <a:spcPct val="100000"/>
-              </a:lnSpc>
-              <a:spcBef>
-                <a:spcPct val="0"/>
-              </a:spcBef>
-              <a:spcAft>
-                <a:spcPct val="0"/>
-              </a:spcAft>
-              <a:buClrTx/>
-              <a:buSzTx/>
-              <a:buFontTx/>
-              <a:buNone/>
-              <a:tabLst/>
-            </a:pPr>
-            <a:r>
-              <a:rPr lang="en-US" altLang="en-US" sz="2000" dirty="0">
-                <a:solidFill>
-                  <a:srgbClr val="000000"/>
-                </a:solidFill>
-                <a:latin typeface="Ubuntu Mono"/>
-              </a:rPr>
-              <a:t> </a:t>
-            </a:r>
-            <a:r>
-              <a:rPr lang="en-US" altLang="en-US" sz="2000" dirty="0" smtClean="0">
-                <a:solidFill>
-                  <a:srgbClr val="000000"/>
-                </a:solidFill>
-                <a:latin typeface="Ubuntu Mono"/>
-              </a:rPr>
-              <a:t>      </a:t>
-            </a:r>
-            <a:r>
-              <a:rPr lang="en-US" altLang="en-US" sz="2000" dirty="0" err="1" smtClean="0">
-                <a:solidFill>
-                  <a:srgbClr val="000000"/>
-                </a:solidFill>
-                <a:latin typeface="Ubuntu Mono"/>
-              </a:rPr>
-              <a:t>var</a:t>
-            </a:r>
-            <a:r>
-              <a:rPr lang="en-US" altLang="en-US" sz="2000" dirty="0" smtClean="0">
-                <a:solidFill>
-                  <a:srgbClr val="000000"/>
-                </a:solidFill>
-                <a:latin typeface="Ubuntu Mono"/>
-              </a:rPr>
-              <a:t> y = 3;</a:t>
-            </a:r>
-            <a:r>
-              <a:rPr kumimoji="0" lang="en-US" altLang="en-US" sz="2000" b="0" i="0" u="none" strike="noStrike" cap="none" normalizeH="0" baseline="0" dirty="0" smtClean="0">
-                <a:ln>
-                  <a:noFill/>
-                </a:ln>
-                <a:solidFill>
-                  <a:srgbClr val="000000"/>
-                </a:solidFill>
-                <a:effectLst/>
-                <a:latin typeface="Ubuntu Mono"/>
-              </a:rPr>
-              <a:t> </a:t>
-            </a:r>
-          </a:p>
-          <a:p>
-            <a:pPr marL="0" marR="0" lvl="0" indent="0" algn="l" defTabSz="914400" rtl="0" eaLnBrk="0" fontAlgn="base" latinLnBrk="0" hangingPunct="0">
-              <a:lnSpc>
-                <a:spcPct val="100000"/>
-              </a:lnSpc>
-              <a:spcBef>
-                <a:spcPct val="0"/>
-              </a:spcBef>
-              <a:spcAft>
-                <a:spcPct val="0"/>
-              </a:spcAft>
-              <a:buClrTx/>
-              <a:buSzTx/>
-              <a:buFontTx/>
-              <a:buNone/>
-              <a:tabLst/>
-            </a:pPr>
-            <a:r>
-              <a:rPr lang="en-US" altLang="en-US" sz="2000" dirty="0">
-                <a:solidFill>
-                  <a:srgbClr val="000000"/>
-                </a:solidFill>
-                <a:latin typeface="Ubuntu Mono"/>
-              </a:rPr>
-              <a:t> </a:t>
-            </a:r>
-            <a:r>
-              <a:rPr lang="en-US" altLang="en-US" sz="2000" dirty="0" smtClean="0">
-                <a:solidFill>
-                  <a:srgbClr val="000000"/>
-                </a:solidFill>
-                <a:latin typeface="Ubuntu Mono"/>
-              </a:rPr>
-              <a:t>      alert(x + y);</a:t>
-            </a:r>
-          </a:p>
-          <a:p>
-            <a:pPr marL="0" marR="0" lvl="0" indent="0" algn="l" defTabSz="914400" rtl="0" eaLnBrk="0" fontAlgn="base" latinLnBrk="0" hangingPunct="0">
-              <a:lnSpc>
-                <a:spcPct val="100000"/>
-              </a:lnSpc>
-              <a:spcBef>
-                <a:spcPct val="0"/>
-              </a:spcBef>
-              <a:spcAft>
-                <a:spcPct val="0"/>
-              </a:spcAft>
-              <a:buClrTx/>
-              <a:buSzTx/>
-              <a:buFontTx/>
-              <a:buNone/>
-              <a:tabLst/>
-            </a:pPr>
-            <a:r>
-              <a:rPr kumimoji="0" lang="en-US" altLang="en-US" sz="2000" b="0" i="0" u="none" strike="noStrike" cap="none" normalizeH="0" baseline="0" dirty="0" smtClean="0">
-                <a:ln>
-                  <a:noFill/>
-                </a:ln>
-                <a:solidFill>
-                  <a:srgbClr val="000000"/>
-                </a:solidFill>
-                <a:effectLst/>
-                <a:latin typeface="Ubuntu Mono"/>
-              </a:rPr>
-              <a:t>    } </a:t>
-            </a:r>
-          </a:p>
-          <a:p>
-            <a:pPr marL="0" marR="0" lvl="0" indent="0" algn="l" defTabSz="914400" rtl="0" eaLnBrk="0" fontAlgn="base" latinLnBrk="0" hangingPunct="0">
-              <a:lnSpc>
-                <a:spcPct val="100000"/>
-              </a:lnSpc>
-              <a:spcBef>
-                <a:spcPct val="0"/>
-              </a:spcBef>
-              <a:spcAft>
-                <a:spcPct val="0"/>
-              </a:spcAft>
-              <a:buClrTx/>
-              <a:buSzTx/>
-              <a:buFontTx/>
-              <a:buNone/>
-              <a:tabLst/>
-            </a:pPr>
-            <a:r>
-              <a:rPr kumimoji="0" lang="en-US" altLang="en-US" sz="2000" b="0" i="0" u="none" strike="noStrike" cap="none" normalizeH="0" baseline="0" dirty="0" smtClean="0">
-                <a:ln>
-                  <a:noFill/>
-                </a:ln>
-                <a:solidFill>
-                  <a:srgbClr val="000000"/>
-                </a:solidFill>
-                <a:effectLst/>
-                <a:latin typeface="Ubuntu Mono"/>
-              </a:rPr>
-              <a:t>}</a:t>
-            </a:r>
-            <a:r>
-              <a:rPr kumimoji="0" lang="en-US" altLang="en-US" sz="2000" b="0" i="0" u="none" strike="noStrike" cap="none" normalizeH="0" baseline="0" dirty="0" smtClean="0">
-                <a:ln>
-                  <a:noFill/>
-                </a:ln>
-                <a:solidFill>
-                  <a:schemeClr val="tx1"/>
-                </a:solidFill>
-                <a:effectLst/>
-              </a:rPr>
-              <a:t> </a:t>
-            </a:r>
-            <a:endParaRPr kumimoji="0" lang="en-US" altLang="en-US" sz="2000" b="0" i="0" u="none" strike="noStrike" cap="none" normalizeH="0" baseline="0" dirty="0" smtClean="0">
-              <a:ln>
-                <a:noFill/>
-              </a:ln>
-              <a:solidFill>
-                <a:schemeClr val="tx1"/>
-              </a:solidFill>
-              <a:effectLst/>
-              <a:latin typeface="Arial" panose="020B0604020202020204" pitchFamily="34" charset="0"/>
-            </a:endParaRPr>
           </a:p>
         </p:txBody>
       </p:sp>
     </p:spTree>
     <p:extLst>
       <p:ext uri="{BB962C8B-B14F-4D97-AF65-F5344CB8AC3E}">
-        <p14:creationId xmlns:p14="http://schemas.microsoft.com/office/powerpoint/2010/main" val="4153191648"/>
+        <p14:creationId xmlns:p14="http://schemas.microsoft.com/office/powerpoint/2010/main" val="915147315"/>
       </p:ext>
     </p:extLst>
   </p:cSld>
   <p:clrMapOvr>
     <a:masterClrMapping/>
   </p:clrMapOvr>
-  <p:timing>
-    <p:tnLst>
-      <p:par>
-        <p:cTn id="1" dur="indefinite" restart="never" nodeType="tmRoot"/>
-      </p:par>
-    </p:tnLst>
-  </p:timing>
 </p:sld>
 </file>
 
@@ -5541,10 +5131,9 @@
           <a:lstStyle/>
           <a:p>
             <a:r>
-              <a:rPr lang="en-US" dirty="0" smtClean="0"/>
-              <a:t>Nested Scope</a:t>
-            </a:r>
-            <a:endParaRPr lang="en-US" dirty="0"/>
+              <a:rPr lang="en-US" dirty="0"/>
+              <a:t>Scope can be nested </a:t>
+            </a:r>
           </a:p>
         </p:txBody>
       </p:sp>
@@ -6020,160 +5609,10 @@
           </a:p>
         </p:txBody>
       </p:sp>
-      <p:sp>
-        <p:nvSpPr>
-          <p:cNvPr id="3" name="Right Brace 2"/>
-          <p:cNvSpPr/>
-          <p:nvPr/>
-        </p:nvSpPr>
-        <p:spPr>
-          <a:xfrm>
-            <a:off x="5411657" y="2449488"/>
-            <a:ext cx="365760" cy="1005840"/>
-          </a:xfrm>
-          <a:prstGeom prst="rightBrace">
-            <a:avLst/>
-          </a:prstGeom>
-          <a:ln w="22225">
-            <a:solidFill>
-              <a:schemeClr val="tx1"/>
-            </a:solidFill>
-          </a:ln>
-        </p:spPr>
-        <p:style>
-          <a:lnRef idx="1">
-            <a:schemeClr val="accent1"/>
-          </a:lnRef>
-          <a:fillRef idx="0">
-            <a:schemeClr val="accent1"/>
-          </a:fillRef>
-          <a:effectRef idx="0">
-            <a:schemeClr val="accent1"/>
-          </a:effectRef>
-          <a:fontRef idx="minor">
-            <a:schemeClr val="tx1"/>
-          </a:fontRef>
-        </p:style>
-        <p:txBody>
-          <a:bodyPr rtlCol="0" anchor="ctr"/>
-          <a:lstStyle/>
-          <a:p>
-            <a:pPr algn="ctr"/>
-            <a:endParaRPr lang="en-US"/>
-          </a:p>
-        </p:txBody>
-      </p:sp>
-      <p:sp>
-        <p:nvSpPr>
-          <p:cNvPr id="5" name="TextBox 4"/>
-          <p:cNvSpPr txBox="1"/>
-          <p:nvPr/>
-        </p:nvSpPr>
-        <p:spPr>
-          <a:xfrm>
-            <a:off x="5915713" y="2767662"/>
-            <a:ext cx="1274388" cy="369332"/>
-          </a:xfrm>
-          <a:prstGeom prst="rect">
-            <a:avLst/>
-          </a:prstGeom>
-          <a:noFill/>
-        </p:spPr>
-        <p:txBody>
-          <a:bodyPr wrap="none" rtlCol="0">
-            <a:spAutoFit/>
-          </a:bodyPr>
-          <a:lstStyle/>
-          <a:p>
-            <a:r>
-              <a:rPr lang="en-US" dirty="0" smtClean="0"/>
-              <a:t>inner scope</a:t>
-            </a:r>
-            <a:endParaRPr lang="en-US" dirty="0"/>
-          </a:p>
-        </p:txBody>
-      </p:sp>
-      <p:sp>
-        <p:nvSpPr>
-          <p:cNvPr id="7" name="Right Brace 6"/>
-          <p:cNvSpPr/>
-          <p:nvPr/>
-        </p:nvSpPr>
-        <p:spPr>
-          <a:xfrm rot="10800000">
-            <a:off x="2627784" y="1844824"/>
-            <a:ext cx="444322" cy="1965312"/>
-          </a:xfrm>
-          <a:prstGeom prst="rightBrace">
-            <a:avLst/>
-          </a:prstGeom>
-          <a:ln w="22225">
-            <a:solidFill>
-              <a:schemeClr val="tx1"/>
-            </a:solidFill>
-          </a:ln>
-        </p:spPr>
-        <p:style>
-          <a:lnRef idx="1">
-            <a:schemeClr val="accent1"/>
-          </a:lnRef>
-          <a:fillRef idx="0">
-            <a:schemeClr val="accent1"/>
-          </a:fillRef>
-          <a:effectRef idx="0">
-            <a:schemeClr val="accent1"/>
-          </a:effectRef>
-          <a:fontRef idx="minor">
-            <a:schemeClr val="tx1"/>
-          </a:fontRef>
-        </p:style>
-        <p:txBody>
-          <a:bodyPr rtlCol="0" anchor="ctr"/>
-          <a:lstStyle/>
-          <a:p>
-            <a:pPr algn="ctr"/>
-            <a:endParaRPr lang="en-US"/>
-          </a:p>
-        </p:txBody>
-      </p:sp>
-      <p:sp>
-        <p:nvSpPr>
-          <p:cNvPr id="8" name="TextBox 7"/>
-          <p:cNvSpPr txBox="1"/>
-          <p:nvPr/>
-        </p:nvSpPr>
-        <p:spPr>
-          <a:xfrm>
-            <a:off x="1214539" y="2642814"/>
-            <a:ext cx="1295932" cy="369332"/>
-          </a:xfrm>
-          <a:prstGeom prst="rect">
-            <a:avLst/>
-          </a:prstGeom>
-          <a:noFill/>
-        </p:spPr>
-        <p:txBody>
-          <a:bodyPr wrap="none" rtlCol="0">
-            <a:spAutoFit/>
-          </a:bodyPr>
-          <a:lstStyle/>
-          <a:p>
-            <a:r>
-              <a:rPr lang="en-US" dirty="0"/>
-              <a:t>o</a:t>
-            </a:r>
-            <a:r>
-              <a:rPr lang="en-US" dirty="0" smtClean="0"/>
-              <a:t>uter scope</a:t>
-            </a:r>
-            <a:endParaRPr lang="en-US" dirty="0"/>
-          </a:p>
-        </p:txBody>
-      </p:sp>
     </p:spTree>
     <p:extLst>
       <p:ext uri="{BB962C8B-B14F-4D97-AF65-F5344CB8AC3E}">
-        <p14:creationId xmlns:p14="http://schemas.microsoft.com/office/powerpoint/2010/main" val="4069679040"/>
+        <p14:creationId xmlns:p14="http://schemas.microsoft.com/office/powerpoint/2010/main" val="4153191648"/>
       </p:ext>
     </p:extLst>
   </p:cSld>
@@ -6224,7 +5663,7 @@
           <a:p>
             <a:r>
               <a:rPr lang="en-US" dirty="0" smtClean="0"/>
-              <a:t>Shadowing</a:t>
+              <a:t>Nested Scope</a:t>
             </a:r>
             <a:endParaRPr lang="en-US" dirty="0"/>
           </a:p>
@@ -6232,339 +5671,630 @@
       </p:sp>
       <p:sp>
         <p:nvSpPr>
-          <p:cNvPr id="4" name="Rectangle 3"/>
-          <p:cNvSpPr/>
+          <p:cNvPr id="4" name="Rectangle 1"/>
+          <p:cNvSpPr>
+            <a:spLocks noChangeArrowheads="1"/>
+          </p:cNvSpPr>
           <p:nvPr/>
         </p:nvSpPr>
-        <p:spPr>
+        <p:spPr bwMode="auto">
           <a:xfrm>
-            <a:off x="457200" y="1556792"/>
-            <a:ext cx="8429684" cy="2862322"/>
+            <a:off x="3419872" y="1700808"/>
+            <a:ext cx="2220989" cy="2154436"/>
           </a:xfrm>
           <a:prstGeom prst="rect">
             <a:avLst/>
           </a:prstGeom>
+          <a:noFill/>
+          <a:ln>
+            <a:noFill/>
+          </a:ln>
+          <a:effectLst/>
+          <a:extLst>
+            <a:ext uri="{909E8E84-426E-40DD-AFC4-6F175D3DCCD1}">
+              <a14:hiddenFill xmlns:a14="http://schemas.microsoft.com/office/drawing/2010/main">
+                <a:solidFill>
+                  <a:schemeClr val="accent1"/>
+                </a:solidFill>
+              </a14:hiddenFill>
+            </a:ext>
+            <a:ext uri="{91240B29-F687-4F45-9708-019B960494DF}">
+              <a14:hiddenLine xmlns:a14="http://schemas.microsoft.com/office/drawing/2010/main" w="9525">
+                <a:solidFill>
+                  <a:schemeClr val="tx1"/>
+                </a:solidFill>
+                <a:miter lim="800000"/>
+                <a:headEnd/>
+                <a:tailEnd/>
+              </a14:hiddenLine>
+            </a:ext>
+            <a:ext uri="{AF507438-7753-43E0-B8FC-AC1667EBCBE1}">
+              <a14:hiddenEffects xmlns:a14="http://schemas.microsoft.com/office/drawing/2010/main">
+                <a:effectLst>
+                  <a:outerShdw dist="35921" dir="2700000" algn="ctr" rotWithShape="0">
+                    <a:schemeClr val="bg2"/>
+                  </a:outerShdw>
+                </a:effectLst>
+              </a14:hiddenEffects>
+            </a:ext>
+          </a:extLst>
+        </p:spPr>
+        <p:txBody>
+          <a:bodyPr vert="horz" wrap="square" lIns="0" tIns="0" rIns="0" bIns="0" numCol="1" anchor="ctr" anchorCtr="0" compatLnSpc="1">
+            <a:prstTxWarp prst="textNoShape">
+              <a:avLst/>
+            </a:prstTxWarp>
+            <a:spAutoFit/>
+          </a:bodyPr>
+          <a:lstStyle/>
+          <a:p>
+            <a:pPr marL="0" marR="0" lvl="0" indent="0" algn="l" defTabSz="914400" rtl="0" eaLnBrk="0" fontAlgn="base" latinLnBrk="0" hangingPunct="0">
+              <a:lnSpc>
+                <a:spcPct val="100000"/>
+              </a:lnSpc>
+              <a:spcBef>
+                <a:spcPct val="0"/>
+              </a:spcBef>
+              <a:spcAft>
+                <a:spcPct val="0"/>
+              </a:spcAft>
+              <a:buClrTx/>
+              <a:buSzTx/>
+              <a:buFontTx/>
+              <a:buNone/>
+              <a:tabLst/>
+            </a:pPr>
+            <a:r>
+              <a:rPr kumimoji="0" lang="en-US" altLang="en-US" sz="2000" b="1" i="0" u="none" strike="noStrike" cap="none" normalizeH="0" baseline="0" dirty="0" smtClean="0">
+                <a:ln>
+                  <a:noFill/>
+                </a:ln>
+                <a:solidFill>
+                  <a:srgbClr val="006699"/>
+                </a:solidFill>
+                <a:effectLst/>
+                <a:latin typeface="Ubuntu Mono"/>
+              </a:rPr>
+              <a:t>function</a:t>
+            </a:r>
+            <a:r>
+              <a:rPr kumimoji="0" lang="en-US" altLang="en-US" sz="2000" b="0" i="0" u="none" strike="noStrike" cap="none" normalizeH="0" baseline="0" dirty="0" smtClean="0">
+                <a:ln>
+                  <a:noFill/>
+                </a:ln>
+                <a:solidFill>
+                  <a:srgbClr val="000000"/>
+                </a:solidFill>
+                <a:effectLst/>
+                <a:latin typeface="Ubuntu Mono"/>
+              </a:rPr>
+              <a:t> </a:t>
+            </a:r>
+            <a:r>
+              <a:rPr kumimoji="0" lang="en-US" altLang="en-US" sz="2000" b="0" i="0" u="none" strike="noStrike" cap="none" normalizeH="0" baseline="0" dirty="0" smtClean="0">
+                <a:ln>
+                  <a:noFill/>
+                </a:ln>
+                <a:solidFill>
+                  <a:srgbClr val="000088"/>
+                </a:solidFill>
+                <a:effectLst/>
+                <a:latin typeface="Ubuntu Mono"/>
+              </a:rPr>
+              <a:t>f</a:t>
+            </a:r>
+            <a:r>
+              <a:rPr kumimoji="0" lang="en-US" altLang="en-US" sz="2000" b="0" i="0" u="none" strike="noStrike" cap="none" normalizeH="0" baseline="0" dirty="0" smtClean="0">
+                <a:ln>
+                  <a:noFill/>
+                </a:ln>
+                <a:solidFill>
+                  <a:srgbClr val="000000"/>
+                </a:solidFill>
+                <a:effectLst/>
+                <a:latin typeface="Ubuntu Mono"/>
+              </a:rPr>
+              <a:t>() {</a:t>
+            </a:r>
+          </a:p>
+          <a:p>
+            <a:pPr marL="0" marR="0" lvl="0" indent="0" algn="l" defTabSz="914400" rtl="0" eaLnBrk="0" fontAlgn="base" latinLnBrk="0" hangingPunct="0">
+              <a:lnSpc>
+                <a:spcPct val="100000"/>
+              </a:lnSpc>
+              <a:spcBef>
+                <a:spcPct val="0"/>
+              </a:spcBef>
+              <a:spcAft>
+                <a:spcPct val="0"/>
+              </a:spcAft>
+              <a:buClrTx/>
+              <a:buSzTx/>
+              <a:buFontTx/>
+              <a:buNone/>
+              <a:tabLst/>
+            </a:pPr>
+            <a:r>
+              <a:rPr lang="en-US" altLang="en-US" sz="2000" dirty="0">
+                <a:solidFill>
+                  <a:srgbClr val="000000"/>
+                </a:solidFill>
+                <a:latin typeface="Ubuntu Mono"/>
+              </a:rPr>
+              <a:t> </a:t>
+            </a:r>
+            <a:r>
+              <a:rPr lang="en-US" altLang="en-US" sz="2000" dirty="0" smtClean="0">
+                <a:solidFill>
+                  <a:srgbClr val="000000"/>
+                </a:solidFill>
+                <a:latin typeface="Ubuntu Mono"/>
+              </a:rPr>
+              <a:t>   </a:t>
+            </a:r>
+            <a:r>
+              <a:rPr lang="en-US" altLang="en-US" sz="2000" dirty="0" err="1" smtClean="0">
+                <a:solidFill>
+                  <a:srgbClr val="000000"/>
+                </a:solidFill>
+                <a:latin typeface="Ubuntu Mono"/>
+              </a:rPr>
+              <a:t>var</a:t>
+            </a:r>
+            <a:r>
+              <a:rPr lang="en-US" altLang="en-US" sz="2000" dirty="0" smtClean="0">
+                <a:solidFill>
+                  <a:srgbClr val="000000"/>
+                </a:solidFill>
+                <a:latin typeface="Ubuntu Mono"/>
+              </a:rPr>
+              <a:t> x = 2;</a:t>
+            </a:r>
+            <a:r>
+              <a:rPr kumimoji="0" lang="en-US" altLang="en-US" sz="2000" b="0" i="0" u="none" strike="noStrike" cap="none" normalizeH="0" baseline="0" dirty="0" smtClean="0">
+                <a:ln>
+                  <a:noFill/>
+                </a:ln>
+                <a:solidFill>
+                  <a:srgbClr val="000000"/>
+                </a:solidFill>
+                <a:effectLst/>
+                <a:latin typeface="Ubuntu Mono"/>
+              </a:rPr>
+              <a:t> </a:t>
+            </a:r>
+          </a:p>
+          <a:p>
+            <a:pPr marL="0" marR="0" lvl="0" indent="0" algn="l" defTabSz="914400" rtl="0" eaLnBrk="0" fontAlgn="base" latinLnBrk="0" hangingPunct="0">
+              <a:lnSpc>
+                <a:spcPct val="100000"/>
+              </a:lnSpc>
+              <a:spcBef>
+                <a:spcPct val="0"/>
+              </a:spcBef>
+              <a:spcAft>
+                <a:spcPct val="0"/>
+              </a:spcAft>
+              <a:buClrTx/>
+              <a:buSzTx/>
+              <a:buFontTx/>
+              <a:buNone/>
+              <a:tabLst/>
+            </a:pPr>
+            <a:r>
+              <a:rPr lang="en-US" altLang="en-US" sz="2000" dirty="0">
+                <a:solidFill>
+                  <a:srgbClr val="000000"/>
+                </a:solidFill>
+                <a:latin typeface="Ubuntu Mono"/>
+              </a:rPr>
+              <a:t> </a:t>
+            </a:r>
+            <a:r>
+              <a:rPr lang="en-US" altLang="en-US" sz="2000" dirty="0" smtClean="0">
+                <a:solidFill>
+                  <a:srgbClr val="000000"/>
+                </a:solidFill>
+                <a:latin typeface="Ubuntu Mono"/>
+              </a:rPr>
+              <a:t>   </a:t>
+            </a:r>
+            <a:r>
+              <a:rPr kumimoji="0" lang="en-US" altLang="en-US" sz="2000" b="1" i="0" u="none" strike="noStrike" cap="none" normalizeH="0" baseline="0" dirty="0" smtClean="0">
+                <a:ln>
+                  <a:noFill/>
+                </a:ln>
+                <a:solidFill>
+                  <a:srgbClr val="006699"/>
+                </a:solidFill>
+                <a:effectLst/>
+                <a:latin typeface="Ubuntu Mono"/>
+              </a:rPr>
+              <a:t>function</a:t>
+            </a:r>
+            <a:r>
+              <a:rPr kumimoji="0" lang="en-US" altLang="en-US" sz="2000" b="0" i="0" u="none" strike="noStrike" cap="none" normalizeH="0" baseline="0" dirty="0" smtClean="0">
+                <a:ln>
+                  <a:noFill/>
+                </a:ln>
+                <a:solidFill>
+                  <a:srgbClr val="000000"/>
+                </a:solidFill>
+                <a:effectLst/>
+                <a:latin typeface="Ubuntu Mono"/>
+              </a:rPr>
+              <a:t> </a:t>
+            </a:r>
+            <a:r>
+              <a:rPr kumimoji="0" lang="en-US" altLang="en-US" sz="2000" b="0" i="0" u="none" strike="noStrike" cap="none" normalizeH="0" baseline="0" dirty="0" smtClean="0">
+                <a:ln>
+                  <a:noFill/>
+                </a:ln>
+                <a:solidFill>
+                  <a:srgbClr val="000088"/>
+                </a:solidFill>
+                <a:effectLst/>
+                <a:latin typeface="Ubuntu Mono"/>
+              </a:rPr>
+              <a:t>g</a:t>
+            </a:r>
+            <a:r>
+              <a:rPr kumimoji="0" lang="en-US" altLang="en-US" sz="2000" b="0" i="0" u="none" strike="noStrike" cap="none" normalizeH="0" baseline="0" dirty="0" smtClean="0">
+                <a:ln>
+                  <a:noFill/>
+                </a:ln>
+                <a:solidFill>
+                  <a:srgbClr val="000000"/>
+                </a:solidFill>
+                <a:effectLst/>
+                <a:latin typeface="Ubuntu Mono"/>
+              </a:rPr>
+              <a:t>() {</a:t>
+            </a:r>
+          </a:p>
+          <a:p>
+            <a:pPr marL="0" marR="0" lvl="0" indent="0" algn="l" defTabSz="914400" rtl="0" eaLnBrk="0" fontAlgn="base" latinLnBrk="0" hangingPunct="0">
+              <a:lnSpc>
+                <a:spcPct val="100000"/>
+              </a:lnSpc>
+              <a:spcBef>
+                <a:spcPct val="0"/>
+              </a:spcBef>
+              <a:spcAft>
+                <a:spcPct val="0"/>
+              </a:spcAft>
+              <a:buClrTx/>
+              <a:buSzTx/>
+              <a:buFontTx/>
+              <a:buNone/>
+              <a:tabLst/>
+            </a:pPr>
+            <a:r>
+              <a:rPr lang="en-US" altLang="en-US" sz="2000" dirty="0">
+                <a:solidFill>
+                  <a:srgbClr val="000000"/>
+                </a:solidFill>
+                <a:latin typeface="Ubuntu Mono"/>
+              </a:rPr>
+              <a:t> </a:t>
+            </a:r>
+            <a:r>
+              <a:rPr lang="en-US" altLang="en-US" sz="2000" dirty="0" smtClean="0">
+                <a:solidFill>
+                  <a:srgbClr val="000000"/>
+                </a:solidFill>
+                <a:latin typeface="Ubuntu Mono"/>
+              </a:rPr>
+              <a:t>      </a:t>
+            </a:r>
+            <a:r>
+              <a:rPr lang="en-US" altLang="en-US" sz="2000" dirty="0" err="1" smtClean="0">
+                <a:solidFill>
+                  <a:srgbClr val="000000"/>
+                </a:solidFill>
+                <a:latin typeface="Ubuntu Mono"/>
+              </a:rPr>
+              <a:t>var</a:t>
+            </a:r>
+            <a:r>
+              <a:rPr lang="en-US" altLang="en-US" sz="2000" dirty="0" smtClean="0">
+                <a:solidFill>
+                  <a:srgbClr val="000000"/>
+                </a:solidFill>
+                <a:latin typeface="Ubuntu Mono"/>
+              </a:rPr>
+              <a:t> y = 3;</a:t>
+            </a:r>
+            <a:r>
+              <a:rPr kumimoji="0" lang="en-US" altLang="en-US" sz="2000" b="0" i="0" u="none" strike="noStrike" cap="none" normalizeH="0" baseline="0" dirty="0" smtClean="0">
+                <a:ln>
+                  <a:noFill/>
+                </a:ln>
+                <a:solidFill>
+                  <a:srgbClr val="000000"/>
+                </a:solidFill>
+                <a:effectLst/>
+                <a:latin typeface="Ubuntu Mono"/>
+              </a:rPr>
+              <a:t> </a:t>
+            </a:r>
+          </a:p>
+          <a:p>
+            <a:pPr marL="0" marR="0" lvl="0" indent="0" algn="l" defTabSz="914400" rtl="0" eaLnBrk="0" fontAlgn="base" latinLnBrk="0" hangingPunct="0">
+              <a:lnSpc>
+                <a:spcPct val="100000"/>
+              </a:lnSpc>
+              <a:spcBef>
+                <a:spcPct val="0"/>
+              </a:spcBef>
+              <a:spcAft>
+                <a:spcPct val="0"/>
+              </a:spcAft>
+              <a:buClrTx/>
+              <a:buSzTx/>
+              <a:buFontTx/>
+              <a:buNone/>
+              <a:tabLst/>
+            </a:pPr>
+            <a:r>
+              <a:rPr lang="en-US" altLang="en-US" sz="2000" dirty="0">
+                <a:solidFill>
+                  <a:srgbClr val="000000"/>
+                </a:solidFill>
+                <a:latin typeface="Ubuntu Mono"/>
+              </a:rPr>
+              <a:t> </a:t>
+            </a:r>
+            <a:r>
+              <a:rPr lang="en-US" altLang="en-US" sz="2000" dirty="0" smtClean="0">
+                <a:solidFill>
+                  <a:srgbClr val="000000"/>
+                </a:solidFill>
+                <a:latin typeface="Ubuntu Mono"/>
+              </a:rPr>
+              <a:t>      alert(x + y);</a:t>
+            </a:r>
+          </a:p>
+          <a:p>
+            <a:pPr marL="0" marR="0" lvl="0" indent="0" algn="l" defTabSz="914400" rtl="0" eaLnBrk="0" fontAlgn="base" latinLnBrk="0" hangingPunct="0">
+              <a:lnSpc>
+                <a:spcPct val="100000"/>
+              </a:lnSpc>
+              <a:spcBef>
+                <a:spcPct val="0"/>
+              </a:spcBef>
+              <a:spcAft>
+                <a:spcPct val="0"/>
+              </a:spcAft>
+              <a:buClrTx/>
+              <a:buSzTx/>
+              <a:buFontTx/>
+              <a:buNone/>
+              <a:tabLst/>
+            </a:pPr>
+            <a:r>
+              <a:rPr kumimoji="0" lang="en-US" altLang="en-US" sz="2000" b="0" i="0" u="none" strike="noStrike" cap="none" normalizeH="0" baseline="0" dirty="0" smtClean="0">
+                <a:ln>
+                  <a:noFill/>
+                </a:ln>
+                <a:solidFill>
+                  <a:srgbClr val="000000"/>
+                </a:solidFill>
+                <a:effectLst/>
+                <a:latin typeface="Ubuntu Mono"/>
+              </a:rPr>
+              <a:t>    } </a:t>
+            </a:r>
+          </a:p>
+          <a:p>
+            <a:pPr marL="0" marR="0" lvl="0" indent="0" algn="l" defTabSz="914400" rtl="0" eaLnBrk="0" fontAlgn="base" latinLnBrk="0" hangingPunct="0">
+              <a:lnSpc>
+                <a:spcPct val="100000"/>
+              </a:lnSpc>
+              <a:spcBef>
+                <a:spcPct val="0"/>
+              </a:spcBef>
+              <a:spcAft>
+                <a:spcPct val="0"/>
+              </a:spcAft>
+              <a:buClrTx/>
+              <a:buSzTx/>
+              <a:buFontTx/>
+              <a:buNone/>
+              <a:tabLst/>
+            </a:pPr>
+            <a:r>
+              <a:rPr kumimoji="0" lang="en-US" altLang="en-US" sz="2000" b="0" i="0" u="none" strike="noStrike" cap="none" normalizeH="0" baseline="0" dirty="0" smtClean="0">
+                <a:ln>
+                  <a:noFill/>
+                </a:ln>
+                <a:solidFill>
+                  <a:srgbClr val="000000"/>
+                </a:solidFill>
+                <a:effectLst/>
+                <a:latin typeface="Ubuntu Mono"/>
+              </a:rPr>
+              <a:t>}</a:t>
+            </a:r>
+            <a:r>
+              <a:rPr kumimoji="0" lang="en-US" altLang="en-US" sz="2000" b="0" i="0" u="none" strike="noStrike" cap="none" normalizeH="0" baseline="0" dirty="0" smtClean="0">
+                <a:ln>
+                  <a:noFill/>
+                </a:ln>
+                <a:solidFill>
+                  <a:schemeClr val="tx1"/>
+                </a:solidFill>
+                <a:effectLst/>
+              </a:rPr>
+              <a:t> </a:t>
+            </a:r>
+            <a:endParaRPr kumimoji="0" lang="en-US" altLang="en-US" sz="2000" b="0" i="0" u="none" strike="noStrike" cap="none" normalizeH="0" baseline="0" dirty="0" smtClean="0">
+              <a:ln>
+                <a:noFill/>
+              </a:ln>
+              <a:solidFill>
+                <a:schemeClr val="tx1"/>
+              </a:solidFill>
+              <a:effectLst/>
+              <a:latin typeface="Arial" panose="020B0604020202020204" pitchFamily="34" charset="0"/>
+            </a:endParaRPr>
+          </a:p>
+        </p:txBody>
+      </p:sp>
+      <p:sp>
+        <p:nvSpPr>
+          <p:cNvPr id="3" name="Right Brace 2"/>
+          <p:cNvSpPr/>
+          <p:nvPr/>
+        </p:nvSpPr>
+        <p:spPr>
+          <a:xfrm>
+            <a:off x="5411657" y="2449488"/>
+            <a:ext cx="365760" cy="1005840"/>
+          </a:xfrm>
+          <a:prstGeom prst="rightBrace">
+            <a:avLst/>
+          </a:prstGeom>
+          <a:ln w="22225">
+            <a:solidFill>
+              <a:schemeClr val="tx1"/>
+            </a:solidFill>
+          </a:ln>
         </p:spPr>
         <p:style>
           <a:lnRef idx="1">
-            <a:schemeClr val="dk1"/>
+            <a:schemeClr val="accent1"/>
           </a:lnRef>
-          <a:fillRef idx="1001">
-            <a:schemeClr val="lt2"/>
+          <a:fillRef idx="0">
+            <a:schemeClr val="accent1"/>
           </a:fillRef>
-          <a:effectRef idx="1">
-            <a:schemeClr val="dk1"/>
+          <a:effectRef idx="0">
+            <a:schemeClr val="accent1"/>
           </a:effectRef>
           <a:fontRef idx="minor">
-            <a:schemeClr val="dk1"/>
+            <a:schemeClr val="tx1"/>
           </a:fontRef>
         </p:style>
         <p:txBody>
-          <a:bodyPr wrap="square">
+          <a:bodyPr rtlCol="0" anchor="ctr"/>
+          <a:lstStyle/>
+          <a:p>
+            <a:pPr algn="ctr"/>
+            <a:endParaRPr lang="en-US"/>
+          </a:p>
+        </p:txBody>
+      </p:sp>
+      <p:sp>
+        <p:nvSpPr>
+          <p:cNvPr id="5" name="TextBox 4"/>
+          <p:cNvSpPr txBox="1"/>
+          <p:nvPr/>
+        </p:nvSpPr>
+        <p:spPr>
+          <a:xfrm>
+            <a:off x="5915713" y="2767662"/>
+            <a:ext cx="1274388" cy="369332"/>
+          </a:xfrm>
+          <a:prstGeom prst="rect">
+            <a:avLst/>
+          </a:prstGeom>
+          <a:noFill/>
+        </p:spPr>
+        <p:txBody>
+          <a:bodyPr wrap="none" rtlCol="0">
             <a:spAutoFit/>
           </a:bodyPr>
           <a:lstStyle/>
           <a:p>
             <a:r>
-              <a:rPr lang="en-US" b="1" dirty="0" err="1">
-                <a:solidFill>
-                  <a:srgbClr val="0070C0"/>
-                </a:solidFill>
-              </a:rPr>
-              <a:t>var</a:t>
-            </a:r>
-            <a:r>
-              <a:rPr lang="en-US" b="1" dirty="0"/>
-              <a:t> </a:t>
-            </a:r>
-            <a:r>
-              <a:rPr lang="en-US" b="1" dirty="0">
-                <a:solidFill>
-                  <a:schemeClr val="accent6">
-                    <a:lumMod val="75000"/>
-                  </a:schemeClr>
-                </a:solidFill>
-              </a:rPr>
-              <a:t>scope</a:t>
-            </a:r>
-            <a:r>
-              <a:rPr lang="en-US" b="1" dirty="0"/>
-              <a:t> = </a:t>
-            </a:r>
-            <a:r>
-              <a:rPr lang="en-US" b="1" dirty="0">
-                <a:solidFill>
-                  <a:srgbClr val="00B050"/>
-                </a:solidFill>
-              </a:rPr>
-              <a:t>"global "</a:t>
-            </a:r>
-            <a:r>
-              <a:rPr lang="en-US" b="1" dirty="0"/>
-              <a:t>;          // A global variable</a:t>
-            </a:r>
-          </a:p>
-          <a:p>
-            <a:r>
-              <a:rPr lang="en-US" b="1" dirty="0">
-                <a:solidFill>
-                  <a:srgbClr val="0070C0"/>
-                </a:solidFill>
-              </a:rPr>
-              <a:t>function</a:t>
-            </a:r>
-            <a:r>
-              <a:rPr lang="en-US" b="1" dirty="0"/>
-              <a:t> </a:t>
-            </a:r>
-            <a:r>
-              <a:rPr lang="en-US" b="1" dirty="0">
-                <a:solidFill>
-                  <a:schemeClr val="accent6">
-                    <a:lumMod val="75000"/>
-                  </a:schemeClr>
-                </a:solidFill>
-              </a:rPr>
-              <a:t>outer</a:t>
-            </a:r>
-            <a:r>
-              <a:rPr lang="en-US" b="1" dirty="0"/>
-              <a:t>() {</a:t>
-            </a:r>
-          </a:p>
-          <a:p>
-            <a:r>
-              <a:rPr lang="en-US" b="1" dirty="0"/>
-              <a:t>	</a:t>
-            </a:r>
-            <a:r>
-              <a:rPr lang="en-US" b="1" dirty="0" err="1">
-                <a:solidFill>
-                  <a:srgbClr val="0070C0"/>
-                </a:solidFill>
-              </a:rPr>
-              <a:t>var</a:t>
-            </a:r>
-            <a:r>
-              <a:rPr lang="en-US" b="1" dirty="0"/>
-              <a:t> </a:t>
-            </a:r>
-            <a:r>
-              <a:rPr lang="en-US" b="1" dirty="0">
-                <a:solidFill>
-                  <a:schemeClr val="accent6">
-                    <a:lumMod val="75000"/>
-                  </a:schemeClr>
-                </a:solidFill>
-              </a:rPr>
-              <a:t>scope</a:t>
-            </a:r>
-            <a:r>
-              <a:rPr lang="en-US" b="1" dirty="0"/>
-              <a:t> = </a:t>
-            </a:r>
-            <a:r>
-              <a:rPr lang="en-US" b="1" dirty="0" smtClean="0">
-                <a:solidFill>
-                  <a:srgbClr val="00B050"/>
-                </a:solidFill>
-              </a:rPr>
-              <a:t>“outer”</a:t>
-            </a:r>
-            <a:r>
-              <a:rPr lang="en-US" b="1" dirty="0" smtClean="0"/>
-              <a:t>;       </a:t>
-            </a:r>
-            <a:r>
-              <a:rPr lang="en-US" b="1" dirty="0"/>
-              <a:t>// A </a:t>
-            </a:r>
-            <a:r>
-              <a:rPr lang="en-US" b="1" dirty="0" smtClean="0"/>
-              <a:t>outer variable</a:t>
-            </a:r>
-            <a:endParaRPr lang="en-US" b="1" dirty="0"/>
-          </a:p>
-          <a:p>
-            <a:r>
-              <a:rPr lang="en-US" b="1" dirty="0"/>
-              <a:t>	</a:t>
-            </a:r>
-            <a:r>
-              <a:rPr lang="en-US" b="1" dirty="0">
-                <a:solidFill>
-                  <a:srgbClr val="0070C0"/>
-                </a:solidFill>
-              </a:rPr>
-              <a:t>function</a:t>
-            </a:r>
-            <a:r>
-              <a:rPr lang="en-US" b="1" dirty="0"/>
-              <a:t> </a:t>
-            </a:r>
-            <a:r>
-              <a:rPr lang="en-US" b="1" dirty="0">
-                <a:solidFill>
-                  <a:schemeClr val="accent6">
-                    <a:lumMod val="75000"/>
-                  </a:schemeClr>
-                </a:solidFill>
-              </a:rPr>
-              <a:t>inner</a:t>
-            </a:r>
-            <a:r>
-              <a:rPr lang="en-US" b="1" dirty="0"/>
-              <a:t>() {</a:t>
-            </a:r>
-          </a:p>
-          <a:p>
-            <a:r>
-              <a:rPr lang="en-US" b="1" dirty="0"/>
-              <a:t>		</a:t>
-            </a:r>
-            <a:r>
-              <a:rPr lang="en-US" b="1" dirty="0" err="1">
-                <a:solidFill>
-                  <a:srgbClr val="0070C0"/>
-                </a:solidFill>
-              </a:rPr>
-              <a:t>var</a:t>
-            </a:r>
-            <a:r>
-              <a:rPr lang="en-US" b="1" dirty="0"/>
-              <a:t> </a:t>
-            </a:r>
-            <a:r>
-              <a:rPr lang="en-US" b="1" dirty="0">
-                <a:solidFill>
-                  <a:schemeClr val="accent6">
-                    <a:lumMod val="75000"/>
-                  </a:schemeClr>
-                </a:solidFill>
-              </a:rPr>
-              <a:t>scope</a:t>
-            </a:r>
-            <a:r>
-              <a:rPr lang="en-US" b="1" dirty="0"/>
-              <a:t> = </a:t>
-            </a:r>
-            <a:r>
-              <a:rPr lang="en-US" b="1" dirty="0" smtClean="0">
-                <a:solidFill>
-                  <a:srgbClr val="00B050"/>
-                </a:solidFill>
-              </a:rPr>
-              <a:t>“inner"</a:t>
-            </a:r>
-            <a:r>
-              <a:rPr lang="en-US" b="1" dirty="0" smtClean="0"/>
-              <a:t>; </a:t>
-            </a:r>
-          </a:p>
-          <a:p>
-            <a:r>
-              <a:rPr lang="en-US" b="1" dirty="0" smtClean="0"/>
-              <a:t>		</a:t>
-            </a:r>
-            <a:r>
-              <a:rPr lang="en-US" b="1" dirty="0" err="1" smtClean="0">
-                <a:solidFill>
-                  <a:schemeClr val="accent6">
-                    <a:lumMod val="75000"/>
-                  </a:schemeClr>
-                </a:solidFill>
-              </a:rPr>
-              <a:t>document</a:t>
-            </a:r>
-            <a:r>
-              <a:rPr lang="en-US" b="1" dirty="0" err="1" smtClean="0"/>
-              <a:t>.</a:t>
-            </a:r>
-            <a:r>
-              <a:rPr lang="en-US" b="1" dirty="0" err="1" smtClean="0">
-                <a:solidFill>
-                  <a:srgbClr val="0070C0"/>
-                </a:solidFill>
-              </a:rPr>
-              <a:t>write</a:t>
-            </a:r>
-            <a:r>
-              <a:rPr lang="en-US" b="1" dirty="0" smtClean="0"/>
-              <a:t>(</a:t>
-            </a:r>
-            <a:r>
-              <a:rPr lang="en-US" b="1" dirty="0" smtClean="0">
-                <a:solidFill>
-                  <a:schemeClr val="accent6">
-                    <a:lumMod val="75000"/>
-                  </a:schemeClr>
-                </a:solidFill>
-              </a:rPr>
-              <a:t>scope</a:t>
-            </a:r>
-            <a:r>
-              <a:rPr lang="en-US" b="1" dirty="0" smtClean="0"/>
-              <a:t>);       // </a:t>
-            </a:r>
-            <a:r>
-              <a:rPr lang="en-US" b="1" dirty="0"/>
-              <a:t>Prints </a:t>
-            </a:r>
-            <a:r>
-              <a:rPr lang="en-US" b="1" dirty="0" smtClean="0"/>
-              <a:t>"inner"</a:t>
-            </a:r>
-          </a:p>
-          <a:p>
-            <a:r>
-              <a:rPr lang="en-US" b="1" dirty="0"/>
-              <a:t>	}</a:t>
-            </a:r>
-          </a:p>
-          <a:p>
-            <a:r>
-              <a:rPr lang="en-US" b="1" dirty="0"/>
-              <a:t>	</a:t>
-            </a:r>
-            <a:r>
-              <a:rPr lang="en-US" b="1" dirty="0">
-                <a:solidFill>
-                  <a:srgbClr val="0070C0"/>
-                </a:solidFill>
-              </a:rPr>
-              <a:t>inner</a:t>
-            </a:r>
-            <a:r>
-              <a:rPr lang="en-US" b="1" dirty="0"/>
-              <a:t>();</a:t>
-            </a:r>
-          </a:p>
-          <a:p>
-            <a:r>
-              <a:rPr lang="en-US" b="1" dirty="0"/>
-              <a:t>}</a:t>
-            </a:r>
-          </a:p>
-          <a:p>
-            <a:r>
-              <a:rPr lang="en-US" b="1" dirty="0">
-                <a:solidFill>
-                  <a:srgbClr val="0070C0"/>
-                </a:solidFill>
-              </a:rPr>
-              <a:t>outer</a:t>
-            </a:r>
-            <a:r>
-              <a:rPr lang="en-US" b="1" dirty="0"/>
-              <a:t>();</a:t>
-            </a:r>
+              <a:rPr lang="en-US" dirty="0" smtClean="0"/>
+              <a:t>inner scope</a:t>
+            </a:r>
+            <a:endParaRPr lang="en-US" dirty="0"/>
+          </a:p>
+        </p:txBody>
+      </p:sp>
+      <p:sp>
+        <p:nvSpPr>
+          <p:cNvPr id="7" name="Right Brace 6"/>
+          <p:cNvSpPr/>
+          <p:nvPr/>
+        </p:nvSpPr>
+        <p:spPr>
+          <a:xfrm rot="10800000">
+            <a:off x="2627784" y="1844824"/>
+            <a:ext cx="444322" cy="1965312"/>
+          </a:xfrm>
+          <a:prstGeom prst="rightBrace">
+            <a:avLst/>
+          </a:prstGeom>
+          <a:ln w="22225">
+            <a:solidFill>
+              <a:schemeClr val="tx1"/>
+            </a:solidFill>
+          </a:ln>
+        </p:spPr>
+        <p:style>
+          <a:lnRef idx="1">
+            <a:schemeClr val="accent1"/>
+          </a:lnRef>
+          <a:fillRef idx="0">
+            <a:schemeClr val="accent1"/>
+          </a:fillRef>
+          <a:effectRef idx="0">
+            <a:schemeClr val="accent1"/>
+          </a:effectRef>
+          <a:fontRef idx="minor">
+            <a:schemeClr val="tx1"/>
+          </a:fontRef>
+        </p:style>
+        <p:txBody>
+          <a:bodyPr rtlCol="0" anchor="ctr"/>
+          <a:lstStyle/>
+          <a:p>
+            <a:pPr algn="ctr"/>
+            <a:endParaRPr lang="en-US"/>
+          </a:p>
+        </p:txBody>
+      </p:sp>
+      <p:sp>
+        <p:nvSpPr>
+          <p:cNvPr id="8" name="TextBox 7"/>
+          <p:cNvSpPr txBox="1"/>
+          <p:nvPr/>
+        </p:nvSpPr>
+        <p:spPr>
+          <a:xfrm>
+            <a:off x="1214539" y="2642814"/>
+            <a:ext cx="1295932" cy="369332"/>
+          </a:xfrm>
+          <a:prstGeom prst="rect">
+            <a:avLst/>
+          </a:prstGeom>
+          <a:noFill/>
+        </p:spPr>
+        <p:txBody>
+          <a:bodyPr wrap="none" rtlCol="0">
+            <a:spAutoFit/>
+          </a:bodyPr>
+          <a:lstStyle/>
+          <a:p>
+            <a:r>
+              <a:rPr lang="en-US" dirty="0"/>
+              <a:t>o</a:t>
+            </a:r>
+            <a:r>
+              <a:rPr lang="en-US" dirty="0" smtClean="0"/>
+              <a:t>uter scope</a:t>
+            </a:r>
+            <a:endParaRPr lang="en-US" dirty="0"/>
           </a:p>
         </p:txBody>
       </p:sp>
     </p:spTree>
     <p:extLst>
       <p:ext uri="{BB962C8B-B14F-4D97-AF65-F5344CB8AC3E}">
-        <p14:creationId xmlns:p14="http://schemas.microsoft.com/office/powerpoint/2010/main" val="3390367152"/>
+        <p14:creationId xmlns:p14="http://schemas.microsoft.com/office/powerpoint/2010/main" val="4069679040"/>
       </p:ext>
     </p:extLst>
   </p:cSld>
@@ -6630,7 +6360,7 @@
         <p:spPr>
           <a:xfrm>
             <a:off x="457200" y="1556792"/>
-            <a:ext cx="8429684" cy="2585323"/>
+            <a:ext cx="8429684" cy="2862322"/>
           </a:xfrm>
           <a:prstGeom prst="rect">
             <a:avLst/>
@@ -6810,43 +6540,87 @@
           </a:p>
           <a:p>
             <a:r>
-              <a:rPr lang="en-US" b="1" dirty="0" smtClean="0"/>
+              <a:rPr lang="en-US" b="1" dirty="0"/>
               <a:t>		</a:t>
             </a:r>
             <a:r>
-              <a:rPr lang="en-US" b="1" dirty="0" err="1" smtClean="0">
+              <a:rPr lang="en-US" b="1" dirty="0" err="1">
+                <a:solidFill>
+                  <a:srgbClr val="0070C0"/>
+                </a:solidFill>
+              </a:rPr>
+              <a:t>var</a:t>
+            </a:r>
+            <a:r>
+              <a:rPr lang="en-US" b="1" dirty="0"/>
+              <a:t> </a:t>
+            </a:r>
+            <a:r>
+              <a:rPr lang="en-US" b="1" dirty="0">
                 <a:solidFill>
                   <a:schemeClr val="accent6">
                     <a:lumMod val="75000"/>
                   </a:schemeClr>
                 </a:solidFill>
               </a:rPr>
-              <a:t>document</a:t>
-            </a:r>
-            <a:r>
-              <a:rPr lang="en-US" b="1" dirty="0" err="1" smtClean="0"/>
-              <a:t>.</a:t>
+              <a:t>scope</a:t>
+            </a:r>
+            <a:r>
+              <a:rPr lang="en-US" b="1" dirty="0"/>
+              <a:t> = </a:t>
+            </a:r>
+            <a:r>
+              <a:rPr lang="en-US" b="1" dirty="0" smtClean="0">
+                <a:solidFill>
+                  <a:srgbClr val="00B050"/>
+                </a:solidFill>
+              </a:rPr>
+              <a:t>“inner"</a:t>
+            </a:r>
+            <a:r>
+              <a:rPr lang="en-US" b="1" dirty="0" smtClean="0"/>
+              <a:t>; </a:t>
+            </a:r>
+          </a:p>
+          <a:p>
+            <a:r>
+              <a:rPr lang="en-US" b="1" dirty="0" smtClean="0"/>
+              <a:t>		</a:t>
             </a:r>
             <a:r>
               <a:rPr lang="en-US" b="1" dirty="0" err="1" smtClean="0">
-                <a:solidFill>
-                  <a:srgbClr val="0070C0"/>
-                </a:solidFill>
-              </a:rPr>
-              <a:t>write</a:t>
-            </a:r>
-            <a:r>
-              <a:rPr lang="en-US" b="1" dirty="0" smtClean="0"/>
-              <a:t>(</a:t>
-            </a:r>
-            <a:r>
-              <a:rPr lang="en-US" b="1" dirty="0" smtClean="0">
                 <a:solidFill>
                   <a:schemeClr val="accent6">
                     <a:lumMod val="75000"/>
                   </a:schemeClr>
                 </a:solidFill>
               </a:rPr>
+              <a:t>document</a:t>
+            </a:r>
+            <a:r>
+              <a:rPr lang="en-US" b="1" dirty="0" err="1" smtClean="0"/>
+              <a:t>.</a:t>
+            </a:r>
+            <a:r>
+              <a:rPr lang="en-US" b="1" dirty="0" err="1" smtClean="0">
+                <a:solidFill>
+                  <a:srgbClr val="0070C0"/>
+                </a:solidFill>
+              </a:rPr>
+              <a:t>write</a:t>
+            </a:r>
+            <a:r>
+              <a:rPr lang="en-US" b="1" dirty="0" smtClean="0"/>
+              <a:t>(</a:t>
+            </a:r>
+            <a:r>
+              <a:rPr lang="en-US" b="1" dirty="0" smtClean="0">
+                <a:solidFill>
+                  <a:schemeClr val="accent6">
+                    <a:lumMod val="75000"/>
+                  </a:schemeClr>
+                </a:solidFill>
+              </a:rPr>
               <a:t>scope</a:t>
             </a:r>
             <a:r>
@@ -6859,7 +6633,7 @@
             </a:r>
             <a:r>
               <a:rPr lang="en-US" b="1" dirty="0" smtClean="0"/>
-              <a:t>"outer"</a:t>
+              <a:t>"inner"</a:t>
             </a:r>
           </a:p>
           <a:p>
@@ -6911,7 +6685,7 @@
     </p:spTree>
     <p:extLst>
       <p:ext uri="{BB962C8B-B14F-4D97-AF65-F5344CB8AC3E}">
-        <p14:creationId xmlns:p14="http://schemas.microsoft.com/office/powerpoint/2010/main" val="1503776533"/>
+        <p14:creationId xmlns:p14="http://schemas.microsoft.com/office/powerpoint/2010/main" val="3390367152"/>
       </p:ext>
     </p:extLst>
   </p:cSld>
@@ -6977,7 +6751,7 @@
         <p:spPr>
           <a:xfrm>
             <a:off x="457200" y="1556792"/>
-            <a:ext cx="8429684" cy="2308324"/>
+            <a:ext cx="8429684" cy="2585323"/>
           </a:xfrm>
           <a:prstGeom prst="rect">
             <a:avLst/>
@@ -7076,12 +6850,12 @@
               <a:t>	</a:t>
             </a:r>
             <a:r>
-              <a:rPr lang="en-US" b="1" dirty="0">
+              <a:rPr lang="en-US" b="1" dirty="0" err="1">
                 <a:solidFill>
                   <a:srgbClr val="0070C0"/>
                 </a:solidFill>
               </a:rPr>
-              <a:t>function</a:t>
+              <a:t>var</a:t>
             </a:r>
             <a:r>
               <a:rPr lang="en-US" b="1" dirty="0"/>
@@ -7095,52 +6869,105 @@
                   </a:schemeClr>
                 </a:solidFill>
               </a:rPr>
-              <a:t>inner</a:t>
+              <a:t>scope</a:t>
             </a:r>
             <a:r>
               <a:rPr lang="en-US" b="1" dirty="0"/>
-              <a:t>() {</a:t>
-            </a:r>
-          </a:p>
-          <a:p>
+              <a:t> = </a:t>
+            </a:r>
+            <a:r>
+              <a:rPr lang="en-US" b="1" dirty="0" smtClean="0">
+                <a:solidFill>
+                  <a:srgbClr val="00B050"/>
+                </a:solidFill>
+              </a:rPr>
+              <a:t>“outer”</a:t>
+            </a:r>
             <a:r>
               <a:rPr lang="en-US" b="1" dirty="0" smtClean="0"/>
-              <a:t>		</a:t>
-            </a:r>
-            <a:r>
-              <a:rPr lang="en-US" b="1" dirty="0" err="1" smtClean="0">
+              <a:t>;       </a:t>
+            </a:r>
+            <a:r>
+              <a:rPr lang="en-US" b="1" dirty="0"/>
+              <a:t>// A </a:t>
+            </a:r>
+            <a:r>
+              <a:rPr lang="en-US" b="1" dirty="0" smtClean="0"/>
+              <a:t>outer variable</a:t>
+            </a:r>
+            <a:endParaRPr lang="en-US" b="1" dirty="0"/>
+          </a:p>
+          <a:p>
+            <a:r>
+              <a:rPr lang="en-US" b="1" dirty="0"/>
+              <a:t>	</a:t>
+            </a:r>
+            <a:r>
+              <a:rPr lang="en-US" b="1" dirty="0">
+                <a:solidFill>
+                  <a:srgbClr val="0070C0"/>
+                </a:solidFill>
+              </a:rPr>
+              <a:t>function</a:t>
+            </a:r>
+            <a:r>
+              <a:rPr lang="en-US" b="1" dirty="0"/>
+              <a:t> </a:t>
+            </a:r>
+            <a:r>
+              <a:rPr lang="en-US" b="1" dirty="0">
                 <a:solidFill>
                   <a:schemeClr val="accent6">
                     <a:lumMod val="75000"/>
                   </a:schemeClr>
                 </a:solidFill>
               </a:rPr>
-              <a:t>document</a:t>
-            </a:r>
-            <a:r>
-              <a:rPr lang="en-US" b="1" dirty="0" err="1" smtClean="0"/>
-              <a:t>.</a:t>
+              <a:t>inner</a:t>
+            </a:r>
+            <a:r>
+              <a:rPr lang="en-US" b="1" dirty="0"/>
+              <a:t>() {</a:t>
+            </a:r>
+          </a:p>
+          <a:p>
+            <a:r>
+              <a:rPr lang="en-US" b="1" dirty="0" smtClean="0"/>
+              <a:t>		</a:t>
             </a:r>
             <a:r>
               <a:rPr lang="en-US" b="1" dirty="0" err="1" smtClean="0">
-                <a:solidFill>
-                  <a:srgbClr val="0070C0"/>
-                </a:solidFill>
-              </a:rPr>
-              <a:t>write</a:t>
-            </a:r>
-            <a:r>
-              <a:rPr lang="en-US" b="1" dirty="0" smtClean="0"/>
-              <a:t>(</a:t>
-            </a:r>
-            <a:r>
-              <a:rPr lang="en-US" b="1" dirty="0" smtClean="0">
                 <a:solidFill>
                   <a:schemeClr val="accent6">
                     <a:lumMod val="75000"/>
                   </a:schemeClr>
                 </a:solidFill>
               </a:rPr>
+              <a:t>document</a:t>
+            </a:r>
+            <a:r>
+              <a:rPr lang="en-US" b="1" dirty="0" err="1" smtClean="0"/>
+              <a:t>.</a:t>
+            </a:r>
+            <a:r>
+              <a:rPr lang="en-US" b="1" dirty="0" err="1" smtClean="0">
+                <a:solidFill>
+                  <a:srgbClr val="0070C0"/>
+                </a:solidFill>
+              </a:rPr>
+              <a:t>write</a:t>
+            </a:r>
+            <a:r>
+              <a:rPr lang="en-US" b="1" dirty="0" smtClean="0"/>
+              <a:t>(</a:t>
+            </a:r>
+            <a:r>
+              <a:rPr lang="en-US" b="1" dirty="0" smtClean="0">
+                <a:solidFill>
+                  <a:schemeClr val="accent6">
+                    <a:lumMod val="75000"/>
+                  </a:schemeClr>
+                </a:solidFill>
+              </a:rPr>
               <a:t>scope</a:t>
             </a:r>
             <a:r>
@@ -7153,7 +6980,7 @@
             </a:r>
             <a:r>
               <a:rPr lang="en-US" b="1" dirty="0" smtClean="0"/>
-              <a:t>"global"</a:t>
+              <a:t>"outer"</a:t>
             </a:r>
           </a:p>
           <a:p>
@@ -7205,7 +7032,7 @@
     </p:spTree>
     <p:extLst>
       <p:ext uri="{BB962C8B-B14F-4D97-AF65-F5344CB8AC3E}">
-        <p14:creationId xmlns:p14="http://schemas.microsoft.com/office/powerpoint/2010/main" val="231034487"/>
+        <p14:creationId xmlns:p14="http://schemas.microsoft.com/office/powerpoint/2010/main" val="1503776533"/>
       </p:ext>
     </p:extLst>
   </p:cSld>
@@ -7241,14 +7068,37 @@
       </p:grpSpPr>
       <p:sp>
         <p:nvSpPr>
+          <p:cNvPr id="2" name="Title 1"/>
+          <p:cNvSpPr>
+            <a:spLocks noGrp="1"/>
+          </p:cNvSpPr>
+          <p:nvPr>
+            <p:ph type="title"/>
+          </p:nvPr>
+        </p:nvSpPr>
+        <p:spPr/>
+        <p:txBody>
+          <a:bodyPr/>
+          <a:lstStyle/>
+          <a:p>
+            <a:r>
+              <a:rPr lang="en-US" dirty="0" smtClean="0"/>
+              <a:t>Shadowing</a:t>
+            </a:r>
+            <a:endParaRPr lang="en-US" dirty="0"/>
+          </a:p>
+        </p:txBody>
+      </p:sp>
+      <p:sp>
+        <p:nvSpPr>
           <p:cNvPr id="4" name="Rectangle 3"/>
           <p:cNvSpPr/>
           <p:nvPr/>
         </p:nvSpPr>
         <p:spPr>
           <a:xfrm>
-            <a:off x="1678761" y="1268760"/>
-            <a:ext cx="6000792" cy="2862322"/>
+            <a:off x="457200" y="1556792"/>
+            <a:ext cx="8429684" cy="2308324"/>
           </a:xfrm>
           <a:prstGeom prst="rect">
             <a:avLst/>
@@ -7275,12 +7125,16 @@
           <a:lstStyle/>
           <a:p>
             <a:r>
-              <a:rPr lang="en-US" b="1" dirty="0">
+              <a:rPr lang="en-US" b="1" dirty="0" err="1">
                 <a:solidFill>
                   <a:srgbClr val="0070C0"/>
                 </a:solidFill>
               </a:rPr>
-              <a:t>function </a:t>
+              <a:t>var</a:t>
+            </a:r>
+            <a:r>
+              <a:rPr lang="en-US" b="1" dirty="0"/>
+              <a:t> </a:t>
             </a:r>
             <a:r>
               <a:rPr lang="en-US" b="1" dirty="0">
@@ -7290,25 +7144,33 @@
                   </a:schemeClr>
                 </a:solidFill>
               </a:rPr>
-              <a:t>X</a:t>
+              <a:t>scope</a:t>
             </a:r>
             <a:r>
               <a:rPr lang="en-US" b="1" dirty="0"/>
-              <a:t>() {</a:t>
-            </a:r>
-          </a:p>
-          <a:p>
+              <a:t> = </a:t>
+            </a:r>
+            <a:r>
+              <a:rPr lang="en-US" b="1" dirty="0">
+                <a:solidFill>
+                  <a:srgbClr val="00B050"/>
+                </a:solidFill>
+              </a:rPr>
+              <a:t>"global "</a:t>
+            </a:r>
             <a:r>
               <a:rPr lang="en-US" b="1" dirty="0"/>
-              <a:t>	</a:t>
-            </a:r>
-            <a:r>
-              <a:rPr lang="en-US" b="1" dirty="0" err="1">
+              <a:t>;          // A global variable</a:t>
+            </a:r>
+          </a:p>
+          <a:p>
+            <a:r>
+              <a:rPr lang="en-US" b="1" dirty="0">
                 <a:solidFill>
                   <a:srgbClr val="0070C0"/>
                 </a:solidFill>
               </a:rPr>
-              <a:t>var</a:t>
+              <a:t>function</a:t>
             </a:r>
             <a:r>
               <a:rPr lang="en-US" b="1" dirty="0"/>
@@ -7322,23 +7184,29 @@
                   </a:schemeClr>
                 </a:solidFill>
               </a:rPr>
-              <a:t>a</a:t>
+              <a:t>outer</a:t>
             </a:r>
             <a:r>
               <a:rPr lang="en-US" b="1" dirty="0"/>
-              <a:t> = </a:t>
+              <a:t>() {</a:t>
+            </a:r>
+          </a:p>
+          <a:p>
+            <a:r>
+              <a:rPr lang="en-US" b="1" dirty="0"/>
+              <a:t>	</a:t>
             </a:r>
             <a:r>
               <a:rPr lang="en-US" b="1" dirty="0">
                 <a:solidFill>
-                  <a:srgbClr val="00B050"/>
-                </a:solidFill>
-              </a:rPr>
-              <a:t>3</a:t>
+                  <a:srgbClr val="0070C0"/>
+                </a:solidFill>
+              </a:rPr>
+              <a:t>function</a:t>
             </a:r>
             <a:r>
               <a:rPr lang="en-US" b="1" dirty="0"/>
-              <a:t>, </a:t>
+              <a:t> </a:t>
             </a:r>
             <a:r>
               <a:rPr lang="en-US" b="1" dirty="0">
@@ -7348,175 +7216,71 @@
                   </a:schemeClr>
                 </a:solidFill>
               </a:rPr>
-              <a:t>b</a:t>
+              <a:t>inner</a:t>
             </a:r>
             <a:r>
               <a:rPr lang="en-US" b="1" dirty="0"/>
-              <a:t> = </a:t>
-            </a:r>
-            <a:r>
-              <a:rPr lang="en-US" b="1" dirty="0">
-                <a:solidFill>
-                  <a:srgbClr val="00B050"/>
-                </a:solidFill>
-              </a:rPr>
-              <a:t>5</a:t>
-            </a:r>
-            <a:r>
-              <a:rPr lang="en-US" b="1" dirty="0"/>
-              <a:t>;</a:t>
-            </a:r>
-          </a:p>
-          <a:p>
-            <a:r>
-              <a:rPr lang="en-US" b="1" dirty="0"/>
-              <a:t>	</a:t>
-            </a:r>
-            <a:r>
-              <a:rPr lang="en-US" b="1" dirty="0">
-                <a:solidFill>
-                  <a:srgbClr val="0070C0"/>
-                </a:solidFill>
-              </a:rPr>
-              <a:t>function </a:t>
-            </a:r>
-            <a:r>
-              <a:rPr lang="en-US" b="1" dirty="0">
+              <a:t>() {</a:t>
+            </a:r>
+          </a:p>
+          <a:p>
+            <a:r>
+              <a:rPr lang="en-US" b="1" dirty="0" smtClean="0"/>
+              <a:t>		</a:t>
+            </a:r>
+            <a:r>
+              <a:rPr lang="en-US" b="1" dirty="0" err="1" smtClean="0">
                 <a:solidFill>
                   <a:schemeClr val="accent6">
                     <a:lumMod val="75000"/>
                   </a:schemeClr>
                 </a:solidFill>
               </a:rPr>
-              <a:t>foo</a:t>
-            </a:r>
-            <a:r>
-              <a:rPr lang="en-US" b="1" dirty="0"/>
-              <a:t> () {</a:t>
-            </a:r>
-          </a:p>
-          <a:p>
-            <a:r>
-              <a:rPr lang="en-US" b="1" dirty="0"/>
-              <a:t>		</a:t>
-            </a:r>
-            <a:r>
-              <a:rPr lang="en-US" b="1" dirty="0" err="1">
+              <a:t>document</a:t>
+            </a:r>
+            <a:r>
+              <a:rPr lang="en-US" b="1" dirty="0" err="1" smtClean="0"/>
+              <a:t>.</a:t>
+            </a:r>
+            <a:r>
+              <a:rPr lang="en-US" b="1" dirty="0" err="1" smtClean="0">
                 <a:solidFill>
                   <a:srgbClr val="0070C0"/>
                 </a:solidFill>
               </a:rPr>
-              <a:t>var</a:t>
-            </a:r>
-            <a:r>
-              <a:rPr lang="en-US" b="1" dirty="0"/>
-              <a:t> </a:t>
-            </a:r>
-            <a:r>
-              <a:rPr lang="en-US" b="1" dirty="0">
+              <a:t>write</a:t>
+            </a:r>
+            <a:r>
+              <a:rPr lang="en-US" b="1" dirty="0" smtClean="0"/>
+              <a:t>(</a:t>
+            </a:r>
+            <a:r>
+              <a:rPr lang="en-US" b="1" dirty="0" smtClean="0">
                 <a:solidFill>
                   <a:schemeClr val="accent6">
                     <a:lumMod val="75000"/>
                   </a:schemeClr>
                 </a:solidFill>
               </a:rPr>
-              <a:t>b</a:t>
+              <a:t>scope</a:t>
+            </a:r>
+            <a:r>
+              <a:rPr lang="en-US" b="1" dirty="0" smtClean="0"/>
+              <a:t>);       // </a:t>
             </a:r>
             <a:r>
               <a:rPr lang="en-US" b="1" dirty="0"/>
-              <a:t> = </a:t>
-            </a:r>
-            <a:r>
-              <a:rPr lang="en-US" b="1" dirty="0">
-                <a:solidFill>
-                  <a:srgbClr val="00B050"/>
-                </a:solidFill>
-              </a:rPr>
-              <a:t>7</a:t>
-            </a:r>
+              <a:t>Prints </a:t>
+            </a:r>
+            <a:r>
+              <a:rPr lang="en-US" b="1" dirty="0" smtClean="0"/>
+              <a:t>"global"</a:t>
+            </a:r>
+          </a:p>
+          <a:p>
             <a:r>
               <a:rPr lang="en-US" b="1" dirty="0"/>
-              <a:t>, </a:t>
-            </a:r>
-            <a:r>
-              <a:rPr lang="en-US" b="1" dirty="0">
-                <a:solidFill>
-                  <a:schemeClr val="accent6">
-                    <a:lumMod val="75000"/>
-                  </a:schemeClr>
-                </a:solidFill>
-              </a:rPr>
-              <a:t>c</a:t>
-            </a:r>
-            <a:r>
-              <a:rPr lang="en-US" b="1" dirty="0"/>
-              <a:t> = </a:t>
-            </a:r>
-            <a:r>
-              <a:rPr lang="en-US" b="1" dirty="0">
-                <a:solidFill>
-                  <a:srgbClr val="00B050"/>
-                </a:solidFill>
-              </a:rPr>
-              <a:t>11</a:t>
-            </a:r>
-            <a:r>
-              <a:rPr lang="en-US" b="1" dirty="0"/>
-              <a:t>;</a:t>
-            </a:r>
-          </a:p>
-          <a:p>
-            <a:r>
-              <a:rPr lang="en-US" b="1" dirty="0"/>
-              <a:t>		</a:t>
-            </a:r>
-            <a:r>
-              <a:rPr lang="en-US" b="1" dirty="0">
-                <a:solidFill>
-                  <a:schemeClr val="accent6">
-                    <a:lumMod val="75000"/>
-                  </a:schemeClr>
-                </a:solidFill>
-              </a:rPr>
-              <a:t>a</a:t>
-            </a:r>
-            <a:r>
-              <a:rPr lang="en-US" b="1" dirty="0"/>
-              <a:t> += </a:t>
-            </a:r>
-            <a:r>
-              <a:rPr lang="en-US" b="1" dirty="0">
-                <a:solidFill>
-                  <a:schemeClr val="accent6">
-                    <a:lumMod val="75000"/>
-                  </a:schemeClr>
-                </a:solidFill>
-              </a:rPr>
-              <a:t>b</a:t>
-            </a:r>
-            <a:r>
-              <a:rPr lang="en-US" b="1" dirty="0"/>
-              <a:t> + </a:t>
-            </a:r>
-            <a:r>
-              <a:rPr lang="en-US" b="1" dirty="0">
-                <a:solidFill>
-                  <a:schemeClr val="accent6">
-                    <a:lumMod val="75000"/>
-                  </a:schemeClr>
-                </a:solidFill>
-              </a:rPr>
-              <a:t>c</a:t>
-            </a:r>
-            <a:r>
-              <a:rPr lang="en-US" b="1" dirty="0"/>
-              <a:t>;</a:t>
-            </a:r>
-          </a:p>
-          <a:p>
-            <a:r>
-              <a:rPr lang="en-US" b="1" dirty="0"/>
-              <a:t>	};</a:t>
+              <a:t>	}</a:t>
             </a:r>
           </a:p>
           <a:p>
@@ -7527,12 +7291,10 @@
             <a:r>
               <a:rPr lang="en-US" b="1" dirty="0">
                 <a:solidFill>
-                  <a:schemeClr val="accent6">
-                    <a:lumMod val="75000"/>
-                  </a:schemeClr>
-                </a:solidFill>
-              </a:rPr>
-              <a:t>foo</a:t>
+                  <a:srgbClr val="0070C0"/>
+                </a:solidFill>
+              </a:rPr>
+              <a:t>inner</a:t>
             </a:r>
             <a:r>
               <a:rPr lang="en-US" b="1" dirty="0"/>
@@ -7542,231 +7304,17 @@
           <a:p>
             <a:r>
               <a:rPr lang="en-US" b="1" dirty="0"/>
-              <a:t>	</a:t>
-            </a:r>
+              <a:t>}</a:t>
+            </a:r>
+          </a:p>
+          <a:p>
             <a:r>
               <a:rPr lang="en-US" b="1" dirty="0">
                 <a:solidFill>
                   <a:srgbClr val="0070C0"/>
                 </a:solidFill>
               </a:rPr>
-              <a:t>alert</a:t>
-            </a:r>
-            <a:r>
-              <a:rPr lang="en-US" b="1" dirty="0"/>
-              <a:t>(</a:t>
-            </a:r>
-            <a:r>
-              <a:rPr lang="en-US" b="1" dirty="0">
-                <a:solidFill>
-                  <a:srgbClr val="00B050"/>
-                </a:solidFill>
-              </a:rPr>
-              <a:t>"a = "</a:t>
-            </a:r>
-            <a:r>
-              <a:rPr lang="en-US" b="1" dirty="0"/>
-              <a:t> + </a:t>
-            </a:r>
-            <a:r>
-              <a:rPr lang="en-US" b="1" dirty="0">
-                <a:solidFill>
-                  <a:schemeClr val="accent6">
-                    <a:lumMod val="75000"/>
-                  </a:schemeClr>
-                </a:solidFill>
-              </a:rPr>
-              <a:t>a</a:t>
-            </a:r>
-            <a:r>
-              <a:rPr lang="en-US" b="1" dirty="0"/>
-              <a:t> + </a:t>
-            </a:r>
-            <a:r>
-              <a:rPr lang="en-US" b="1" dirty="0">
-                <a:solidFill>
-                  <a:srgbClr val="00B050"/>
-                </a:solidFill>
-              </a:rPr>
-              <a:t>"; b = "</a:t>
-            </a:r>
-            <a:r>
-              <a:rPr lang="en-US" b="1" dirty="0"/>
-              <a:t> + </a:t>
-            </a:r>
-            <a:r>
-              <a:rPr lang="en-US" b="1" dirty="0">
-                <a:solidFill>
-                  <a:schemeClr val="accent6">
-                    <a:lumMod val="75000"/>
-                  </a:schemeClr>
-                </a:solidFill>
-              </a:rPr>
-              <a:t>b</a:t>
-            </a:r>
-            <a:r>
-              <a:rPr lang="en-US" b="1" dirty="0"/>
-              <a:t>);</a:t>
-            </a:r>
-          </a:p>
-          <a:p>
-            <a:r>
-              <a:rPr lang="en-US" b="1" dirty="0"/>
-              <a:t>}</a:t>
-            </a:r>
-          </a:p>
-          <a:p>
-            <a:r>
-              <a:rPr lang="en-US" b="1" dirty="0">
-                <a:solidFill>
-                  <a:schemeClr val="accent6">
-                    <a:lumMod val="75000"/>
-                  </a:schemeClr>
-                </a:solidFill>
-              </a:rPr>
-              <a:t>X</a:t>
-            </a:r>
-            <a:r>
-              <a:rPr lang="en-US" b="1" dirty="0"/>
-              <a:t>();</a:t>
-            </a:r>
-          </a:p>
-        </p:txBody>
-      </p:sp>
-      <p:sp>
-        <p:nvSpPr>
-          <p:cNvPr id="6" name="Rectangle 5"/>
-          <p:cNvSpPr/>
-          <p:nvPr/>
-        </p:nvSpPr>
-        <p:spPr>
-          <a:xfrm>
-            <a:off x="1678761" y="4394895"/>
-            <a:ext cx="3429000" cy="1200329"/>
-          </a:xfrm>
-          <a:prstGeom prst="rect">
-            <a:avLst/>
-          </a:prstGeom>
-        </p:spPr>
-        <p:style>
-          <a:lnRef idx="1">
-            <a:schemeClr val="dk1"/>
-          </a:lnRef>
-          <a:fillRef idx="1001">
-            <a:schemeClr val="lt2"/>
-          </a:fillRef>
-          <a:effectRef idx="1">
-            <a:schemeClr val="dk1"/>
-          </a:effectRef>
-          <a:fontRef idx="minor">
-            <a:schemeClr val="dk1"/>
-          </a:fontRef>
-        </p:style>
-        <p:txBody>
-          <a:bodyPr>
-            <a:spAutoFit/>
-          </a:bodyPr>
-          <a:lstStyle/>
-          <a:p>
-            <a:r>
-              <a:rPr lang="en-US" b="1" dirty="0" err="1">
-                <a:solidFill>
-                  <a:srgbClr val="0070C0"/>
-                </a:solidFill>
-              </a:rPr>
-              <a:t>var</a:t>
-            </a:r>
-            <a:r>
-              <a:rPr lang="en-US" b="1" dirty="0"/>
-              <a:t> </a:t>
-            </a:r>
-            <a:r>
-              <a:rPr lang="en-US" b="1" dirty="0">
-                <a:solidFill>
-                  <a:schemeClr val="accent6">
-                    <a:lumMod val="75000"/>
-                  </a:schemeClr>
-                </a:solidFill>
-              </a:rPr>
-              <a:t>x</a:t>
-            </a:r>
-            <a:r>
-              <a:rPr lang="en-US" b="1" dirty="0"/>
-              <a:t> = </a:t>
-            </a:r>
-            <a:r>
-              <a:rPr lang="en-US" b="1" dirty="0">
-                <a:solidFill>
-                  <a:srgbClr val="0070C0"/>
-                </a:solidFill>
-              </a:rPr>
-              <a:t>function</a:t>
-            </a:r>
-            <a:r>
-              <a:rPr lang="en-US" b="1" dirty="0"/>
-              <a:t>(){</a:t>
-            </a:r>
-          </a:p>
-          <a:p>
-            <a:r>
-              <a:rPr lang="en-US" b="1" dirty="0"/>
-              <a:t>    </a:t>
-            </a:r>
-            <a:r>
-              <a:rPr lang="en-US" b="1" dirty="0">
-                <a:solidFill>
-                  <a:srgbClr val="0070C0"/>
-                </a:solidFill>
-              </a:rPr>
-              <a:t>alert</a:t>
-            </a:r>
-            <a:r>
-              <a:rPr lang="en-US" b="1" dirty="0"/>
-              <a:t>(</a:t>
-            </a:r>
-            <a:r>
-              <a:rPr lang="en-US" b="1" dirty="0" err="1">
-                <a:solidFill>
-                  <a:schemeClr val="accent6">
-                    <a:lumMod val="75000"/>
-                  </a:schemeClr>
-                </a:solidFill>
-              </a:rPr>
-              <a:t>x</a:t>
-            </a:r>
-            <a:r>
-              <a:rPr lang="en-US" b="1" dirty="0" err="1"/>
-              <a:t>.</a:t>
-            </a:r>
-            <a:r>
-              <a:rPr lang="en-US" b="1" dirty="0" err="1">
-                <a:solidFill>
-                  <a:srgbClr val="0070C0"/>
-                </a:solidFill>
-              </a:rPr>
-              <a:t>toString</a:t>
-            </a:r>
-            <a:r>
-              <a:rPr lang="en-US" b="1" dirty="0"/>
-              <a:t>());</a:t>
-            </a:r>
-          </a:p>
-          <a:p>
-            <a:r>
-              <a:rPr lang="en-US" b="1" dirty="0"/>
-              <a:t>}</a:t>
-            </a:r>
-          </a:p>
-          <a:p>
-            <a:r>
-              <a:rPr lang="en-US" b="1" dirty="0">
-                <a:solidFill>
-                  <a:schemeClr val="accent6">
-                    <a:lumMod val="75000"/>
-                  </a:schemeClr>
-                </a:solidFill>
-              </a:rPr>
-              <a:t>x</a:t>
+              <a:t>outer</a:t>
             </a:r>
             <a:r>
               <a:rPr lang="en-US" b="1" dirty="0"/>
@@ -7778,99 +7326,19 @@
     </p:spTree>
     <p:extLst>
       <p:ext uri="{BB962C8B-B14F-4D97-AF65-F5344CB8AC3E}">
-        <p14:creationId xmlns:p14="http://schemas.microsoft.com/office/powerpoint/2010/main" val="3851129123"/>
+        <p14:creationId xmlns:p14="http://schemas.microsoft.com/office/powerpoint/2010/main" val="231034487"/>
       </p:ext>
     </p:extLst>
   </p:cSld>
   <p:clrMapOvr>
     <a:masterClrMapping/>
   </p:clrMapOvr>
-  <p:transition/>
   <p:timing>
     <p:tnLst>
       <p:par>
-        <p:cTn id="1" dur="indefinite" restart="never" nodeType="tmRoot">
-          <p:childTnLst>
-            <p:seq concurrent="1" nextAc="seek">
-              <p:cTn id="2" dur="indefinite" nodeType="mainSeq">
-                <p:childTnLst>
-                  <p:par>
-                    <p:cTn id="3" fill="hold">
-                      <p:stCondLst>
-                        <p:cond delay="indefinite"/>
-                      </p:stCondLst>
-                      <p:childTnLst>
-                        <p:par>
-                          <p:cTn id="4" fill="hold">
-                            <p:stCondLst>
-                              <p:cond delay="0"/>
-                            </p:stCondLst>
-                            <p:childTnLst>
-                              <p:par>
-                                <p:cTn id="5" presetID="9" presetClass="entr" presetSubtype="0" fill="hold" grpId="0" nodeType="clickEffect">
-                                  <p:stCondLst>
-                                    <p:cond delay="0"/>
-                                  </p:stCondLst>
-                                  <p:childTnLst>
-                                    <p:set>
-                                      <p:cBhvr>
-                                        <p:cTn id="6" dur="1" fill="hold">
-                                          <p:stCondLst>
-                                            <p:cond delay="0"/>
-                                          </p:stCondLst>
-                                        </p:cTn>
-                                        <p:tgtEl>
-                                          <p:spTgt spid="6"/>
-                                        </p:tgtEl>
-                                        <p:attrNameLst>
-                                          <p:attrName>style.visibility</p:attrName>
-                                        </p:attrNameLst>
-                                      </p:cBhvr>
-                                      <p:to>
-                                        <p:strVal val="visible"/>
-                                      </p:to>
-                                    </p:set>
-                                    <p:animEffect transition="in" filter="dissolve">
-                                      <p:cBhvr>
-                                        <p:cTn id="7" dur="500"/>
-                                        <p:tgtEl>
-                                          <p:spTgt spid="6"/>
-                                        </p:tgtEl>
-                                      </p:cBhvr>
-                                    </p:animEffect>
-                                  </p:childTnLst>
-                                </p:cTn>
-                              </p:par>
-                            </p:childTnLst>
-                          </p:cTn>
-                        </p:par>
-                      </p:childTnLst>
-                    </p:cTn>
-                  </p:par>
-                </p:childTnLst>
-              </p:cTn>
-              <p:prevCondLst>
-                <p:cond evt="onPrev" delay="0">
-                  <p:tgtEl>
-                    <p:sldTgt/>
-                  </p:tgtEl>
-                </p:cond>
-              </p:prevCondLst>
-              <p:nextCondLst>
-                <p:cond evt="onNext" delay="0">
-                  <p:tgtEl>
-                    <p:sldTgt/>
-                  </p:tgtEl>
-                </p:cond>
-              </p:nextCondLst>
-            </p:seq>
-          </p:childTnLst>
-        </p:cTn>
+        <p:cTn id="1" dur="indefinite" restart="never" nodeType="tmRoot"/>
       </p:par>
     </p:tnLst>
-    <p:bldLst>
-      <p:bldP spid="6" grpId="0" animBg="1"/>
-    </p:bldLst>
   </p:timing>
 </p:sld>
 </file>
@@ -8204,6 +7672,659 @@
       </p:grpSpPr>
       <p:sp>
         <p:nvSpPr>
+          <p:cNvPr id="4" name="Rectangle 3"/>
+          <p:cNvSpPr/>
+          <p:nvPr/>
+        </p:nvSpPr>
+        <p:spPr>
+          <a:xfrm>
+            <a:off x="1678761" y="1268760"/>
+            <a:ext cx="6000792" cy="2862322"/>
+          </a:xfrm>
+          <a:prstGeom prst="rect">
+            <a:avLst/>
+          </a:prstGeom>
+        </p:spPr>
+        <p:style>
+          <a:lnRef idx="1">
+            <a:schemeClr val="dk1"/>
+          </a:lnRef>
+          <a:fillRef idx="1001">
+            <a:schemeClr val="lt2"/>
+          </a:fillRef>
+          <a:effectRef idx="1">
+            <a:schemeClr val="dk1"/>
+          </a:effectRef>
+          <a:fontRef idx="minor">
+            <a:schemeClr val="dk1"/>
+          </a:fontRef>
+        </p:style>
+        <p:txBody>
+          <a:bodyPr wrap="square">
+            <a:spAutoFit/>
+          </a:bodyPr>
+          <a:lstStyle/>
+          <a:p>
+            <a:r>
+              <a:rPr lang="en-US" b="1" dirty="0">
+                <a:solidFill>
+                  <a:srgbClr val="0070C0"/>
+                </a:solidFill>
+              </a:rPr>
+              <a:t>function </a:t>
+            </a:r>
+            <a:r>
+              <a:rPr lang="en-US" b="1" dirty="0">
+                <a:solidFill>
+                  <a:schemeClr val="accent6">
+                    <a:lumMod val="75000"/>
+                  </a:schemeClr>
+                </a:solidFill>
+              </a:rPr>
+              <a:t>X</a:t>
+            </a:r>
+            <a:r>
+              <a:rPr lang="en-US" b="1" dirty="0"/>
+              <a:t>() {</a:t>
+            </a:r>
+          </a:p>
+          <a:p>
+            <a:r>
+              <a:rPr lang="en-US" b="1" dirty="0"/>
+              <a:t>	</a:t>
+            </a:r>
+            <a:r>
+              <a:rPr lang="en-US" b="1" dirty="0" err="1">
+                <a:solidFill>
+                  <a:srgbClr val="0070C0"/>
+                </a:solidFill>
+              </a:rPr>
+              <a:t>var</a:t>
+            </a:r>
+            <a:r>
+              <a:rPr lang="en-US" b="1" dirty="0"/>
+              <a:t> </a:t>
+            </a:r>
+            <a:r>
+              <a:rPr lang="en-US" b="1" dirty="0">
+                <a:solidFill>
+                  <a:schemeClr val="accent6">
+                    <a:lumMod val="75000"/>
+                  </a:schemeClr>
+                </a:solidFill>
+              </a:rPr>
+              <a:t>a</a:t>
+            </a:r>
+            <a:r>
+              <a:rPr lang="en-US" b="1" dirty="0"/>
+              <a:t> = </a:t>
+            </a:r>
+            <a:r>
+              <a:rPr lang="en-US" b="1" dirty="0">
+                <a:solidFill>
+                  <a:srgbClr val="00B050"/>
+                </a:solidFill>
+              </a:rPr>
+              <a:t>3</a:t>
+            </a:r>
+            <a:r>
+              <a:rPr lang="en-US" b="1" dirty="0"/>
+              <a:t>, </a:t>
+            </a:r>
+            <a:r>
+              <a:rPr lang="en-US" b="1" dirty="0">
+                <a:solidFill>
+                  <a:schemeClr val="accent6">
+                    <a:lumMod val="75000"/>
+                  </a:schemeClr>
+                </a:solidFill>
+              </a:rPr>
+              <a:t>b</a:t>
+            </a:r>
+            <a:r>
+              <a:rPr lang="en-US" b="1" dirty="0"/>
+              <a:t> = </a:t>
+            </a:r>
+            <a:r>
+              <a:rPr lang="en-US" b="1" dirty="0">
+                <a:solidFill>
+                  <a:srgbClr val="00B050"/>
+                </a:solidFill>
+              </a:rPr>
+              <a:t>5</a:t>
+            </a:r>
+            <a:r>
+              <a:rPr lang="en-US" b="1" dirty="0"/>
+              <a:t>;</a:t>
+            </a:r>
+          </a:p>
+          <a:p>
+            <a:r>
+              <a:rPr lang="en-US" b="1" dirty="0"/>
+              <a:t>	</a:t>
+            </a:r>
+            <a:r>
+              <a:rPr lang="en-US" b="1" dirty="0">
+                <a:solidFill>
+                  <a:srgbClr val="0070C0"/>
+                </a:solidFill>
+              </a:rPr>
+              <a:t>function </a:t>
+            </a:r>
+            <a:r>
+              <a:rPr lang="en-US" b="1" dirty="0">
+                <a:solidFill>
+                  <a:schemeClr val="accent6">
+                    <a:lumMod val="75000"/>
+                  </a:schemeClr>
+                </a:solidFill>
+              </a:rPr>
+              <a:t>foo</a:t>
+            </a:r>
+            <a:r>
+              <a:rPr lang="en-US" b="1" dirty="0"/>
+              <a:t> () {</a:t>
+            </a:r>
+          </a:p>
+          <a:p>
+            <a:r>
+              <a:rPr lang="en-US" b="1" dirty="0"/>
+              <a:t>		</a:t>
+            </a:r>
+            <a:r>
+              <a:rPr lang="en-US" b="1" dirty="0" err="1">
+                <a:solidFill>
+                  <a:srgbClr val="0070C0"/>
+                </a:solidFill>
+              </a:rPr>
+              <a:t>var</a:t>
+            </a:r>
+            <a:r>
+              <a:rPr lang="en-US" b="1" dirty="0"/>
+              <a:t> </a:t>
+            </a:r>
+            <a:r>
+              <a:rPr lang="en-US" b="1" dirty="0">
+                <a:solidFill>
+                  <a:schemeClr val="accent6">
+                    <a:lumMod val="75000"/>
+                  </a:schemeClr>
+                </a:solidFill>
+              </a:rPr>
+              <a:t>b</a:t>
+            </a:r>
+            <a:r>
+              <a:rPr lang="en-US" b="1" dirty="0"/>
+              <a:t> = </a:t>
+            </a:r>
+            <a:r>
+              <a:rPr lang="en-US" b="1" dirty="0">
+                <a:solidFill>
+                  <a:srgbClr val="00B050"/>
+                </a:solidFill>
+              </a:rPr>
+              <a:t>7</a:t>
+            </a:r>
+            <a:r>
+              <a:rPr lang="en-US" b="1" dirty="0"/>
+              <a:t>, </a:t>
+            </a:r>
+            <a:r>
+              <a:rPr lang="en-US" b="1" dirty="0">
+                <a:solidFill>
+                  <a:schemeClr val="accent6">
+                    <a:lumMod val="75000"/>
+                  </a:schemeClr>
+                </a:solidFill>
+              </a:rPr>
+              <a:t>c</a:t>
+            </a:r>
+            <a:r>
+              <a:rPr lang="en-US" b="1" dirty="0"/>
+              <a:t> = </a:t>
+            </a:r>
+            <a:r>
+              <a:rPr lang="en-US" b="1" dirty="0">
+                <a:solidFill>
+                  <a:srgbClr val="00B050"/>
+                </a:solidFill>
+              </a:rPr>
+              <a:t>11</a:t>
+            </a:r>
+            <a:r>
+              <a:rPr lang="en-US" b="1" dirty="0"/>
+              <a:t>;</a:t>
+            </a:r>
+          </a:p>
+          <a:p>
+            <a:r>
+              <a:rPr lang="en-US" b="1" dirty="0"/>
+              <a:t>		</a:t>
+            </a:r>
+            <a:r>
+              <a:rPr lang="en-US" b="1" dirty="0">
+                <a:solidFill>
+                  <a:schemeClr val="accent6">
+                    <a:lumMod val="75000"/>
+                  </a:schemeClr>
+                </a:solidFill>
+              </a:rPr>
+              <a:t>a</a:t>
+            </a:r>
+            <a:r>
+              <a:rPr lang="en-US" b="1" dirty="0"/>
+              <a:t> += </a:t>
+            </a:r>
+            <a:r>
+              <a:rPr lang="en-US" b="1" dirty="0">
+                <a:solidFill>
+                  <a:schemeClr val="accent6">
+                    <a:lumMod val="75000"/>
+                  </a:schemeClr>
+                </a:solidFill>
+              </a:rPr>
+              <a:t>b</a:t>
+            </a:r>
+            <a:r>
+              <a:rPr lang="en-US" b="1" dirty="0"/>
+              <a:t> + </a:t>
+            </a:r>
+            <a:r>
+              <a:rPr lang="en-US" b="1" dirty="0">
+                <a:solidFill>
+                  <a:schemeClr val="accent6">
+                    <a:lumMod val="75000"/>
+                  </a:schemeClr>
+                </a:solidFill>
+              </a:rPr>
+              <a:t>c</a:t>
+            </a:r>
+            <a:r>
+              <a:rPr lang="en-US" b="1" dirty="0"/>
+              <a:t>;</a:t>
+            </a:r>
+          </a:p>
+          <a:p>
+            <a:r>
+              <a:rPr lang="en-US" b="1" dirty="0"/>
+              <a:t>	};</a:t>
+            </a:r>
+          </a:p>
+          <a:p>
+            <a:r>
+              <a:rPr lang="en-US" b="1" dirty="0"/>
+              <a:t>	</a:t>
+            </a:r>
+            <a:r>
+              <a:rPr lang="en-US" b="1" dirty="0">
+                <a:solidFill>
+                  <a:schemeClr val="accent6">
+                    <a:lumMod val="75000"/>
+                  </a:schemeClr>
+                </a:solidFill>
+              </a:rPr>
+              <a:t>foo</a:t>
+            </a:r>
+            <a:r>
+              <a:rPr lang="en-US" b="1" dirty="0"/>
+              <a:t>();</a:t>
+            </a:r>
+          </a:p>
+          <a:p>
+            <a:r>
+              <a:rPr lang="en-US" b="1" dirty="0"/>
+              <a:t>	</a:t>
+            </a:r>
+            <a:r>
+              <a:rPr lang="en-US" b="1" dirty="0">
+                <a:solidFill>
+                  <a:srgbClr val="0070C0"/>
+                </a:solidFill>
+              </a:rPr>
+              <a:t>alert</a:t>
+            </a:r>
+            <a:r>
+              <a:rPr lang="en-US" b="1" dirty="0"/>
+              <a:t>(</a:t>
+            </a:r>
+            <a:r>
+              <a:rPr lang="en-US" b="1" dirty="0">
+                <a:solidFill>
+                  <a:srgbClr val="00B050"/>
+                </a:solidFill>
+              </a:rPr>
+              <a:t>"a = "</a:t>
+            </a:r>
+            <a:r>
+              <a:rPr lang="en-US" b="1" dirty="0"/>
+              <a:t> + </a:t>
+            </a:r>
+            <a:r>
+              <a:rPr lang="en-US" b="1" dirty="0">
+                <a:solidFill>
+                  <a:schemeClr val="accent6">
+                    <a:lumMod val="75000"/>
+                  </a:schemeClr>
+                </a:solidFill>
+              </a:rPr>
+              <a:t>a</a:t>
+            </a:r>
+            <a:r>
+              <a:rPr lang="en-US" b="1" dirty="0"/>
+              <a:t> + </a:t>
+            </a:r>
+            <a:r>
+              <a:rPr lang="en-US" b="1" dirty="0">
+                <a:solidFill>
+                  <a:srgbClr val="00B050"/>
+                </a:solidFill>
+              </a:rPr>
+              <a:t>"; b = "</a:t>
+            </a:r>
+            <a:r>
+              <a:rPr lang="en-US" b="1" dirty="0"/>
+              <a:t> + </a:t>
+            </a:r>
+            <a:r>
+              <a:rPr lang="en-US" b="1" dirty="0">
+                <a:solidFill>
+                  <a:schemeClr val="accent6">
+                    <a:lumMod val="75000"/>
+                  </a:schemeClr>
+                </a:solidFill>
+              </a:rPr>
+              <a:t>b</a:t>
+            </a:r>
+            <a:r>
+              <a:rPr lang="en-US" b="1" dirty="0"/>
+              <a:t>);</a:t>
+            </a:r>
+          </a:p>
+          <a:p>
+            <a:r>
+              <a:rPr lang="en-US" b="1" dirty="0"/>
+              <a:t>}</a:t>
+            </a:r>
+          </a:p>
+          <a:p>
+            <a:r>
+              <a:rPr lang="en-US" b="1" dirty="0">
+                <a:solidFill>
+                  <a:schemeClr val="accent6">
+                    <a:lumMod val="75000"/>
+                  </a:schemeClr>
+                </a:solidFill>
+              </a:rPr>
+              <a:t>X</a:t>
+            </a:r>
+            <a:r>
+              <a:rPr lang="en-US" b="1" dirty="0"/>
+              <a:t>();</a:t>
+            </a:r>
+          </a:p>
+        </p:txBody>
+      </p:sp>
+      <p:sp>
+        <p:nvSpPr>
+          <p:cNvPr id="6" name="Rectangle 5"/>
+          <p:cNvSpPr/>
+          <p:nvPr/>
+        </p:nvSpPr>
+        <p:spPr>
+          <a:xfrm>
+            <a:off x="1678761" y="4394895"/>
+            <a:ext cx="3429000" cy="1200329"/>
+          </a:xfrm>
+          <a:prstGeom prst="rect">
+            <a:avLst/>
+          </a:prstGeom>
+        </p:spPr>
+        <p:style>
+          <a:lnRef idx="1">
+            <a:schemeClr val="dk1"/>
+          </a:lnRef>
+          <a:fillRef idx="1001">
+            <a:schemeClr val="lt2"/>
+          </a:fillRef>
+          <a:effectRef idx="1">
+            <a:schemeClr val="dk1"/>
+          </a:effectRef>
+          <a:fontRef idx="minor">
+            <a:schemeClr val="dk1"/>
+          </a:fontRef>
+        </p:style>
+        <p:txBody>
+          <a:bodyPr>
+            <a:spAutoFit/>
+          </a:bodyPr>
+          <a:lstStyle/>
+          <a:p>
+            <a:r>
+              <a:rPr lang="en-US" b="1" dirty="0" err="1">
+                <a:solidFill>
+                  <a:srgbClr val="0070C0"/>
+                </a:solidFill>
+              </a:rPr>
+              <a:t>var</a:t>
+            </a:r>
+            <a:r>
+              <a:rPr lang="en-US" b="1" dirty="0"/>
+              <a:t> </a:t>
+            </a:r>
+            <a:r>
+              <a:rPr lang="en-US" b="1" dirty="0">
+                <a:solidFill>
+                  <a:schemeClr val="accent6">
+                    <a:lumMod val="75000"/>
+                  </a:schemeClr>
+                </a:solidFill>
+              </a:rPr>
+              <a:t>x</a:t>
+            </a:r>
+            <a:r>
+              <a:rPr lang="en-US" b="1" dirty="0"/>
+              <a:t> = </a:t>
+            </a:r>
+            <a:r>
+              <a:rPr lang="en-US" b="1" dirty="0">
+                <a:solidFill>
+                  <a:srgbClr val="0070C0"/>
+                </a:solidFill>
+              </a:rPr>
+              <a:t>function</a:t>
+            </a:r>
+            <a:r>
+              <a:rPr lang="en-US" b="1" dirty="0"/>
+              <a:t>(){</a:t>
+            </a:r>
+          </a:p>
+          <a:p>
+            <a:r>
+              <a:rPr lang="en-US" b="1" dirty="0"/>
+              <a:t>    </a:t>
+            </a:r>
+            <a:r>
+              <a:rPr lang="en-US" b="1" dirty="0">
+                <a:solidFill>
+                  <a:srgbClr val="0070C0"/>
+                </a:solidFill>
+              </a:rPr>
+              <a:t>alert</a:t>
+            </a:r>
+            <a:r>
+              <a:rPr lang="en-US" b="1" dirty="0"/>
+              <a:t>(</a:t>
+            </a:r>
+            <a:r>
+              <a:rPr lang="en-US" b="1" dirty="0" err="1">
+                <a:solidFill>
+                  <a:schemeClr val="accent6">
+                    <a:lumMod val="75000"/>
+                  </a:schemeClr>
+                </a:solidFill>
+              </a:rPr>
+              <a:t>x</a:t>
+            </a:r>
+            <a:r>
+              <a:rPr lang="en-US" b="1" dirty="0" err="1"/>
+              <a:t>.</a:t>
+            </a:r>
+            <a:r>
+              <a:rPr lang="en-US" b="1" dirty="0" err="1">
+                <a:solidFill>
+                  <a:srgbClr val="0070C0"/>
+                </a:solidFill>
+              </a:rPr>
+              <a:t>toString</a:t>
+            </a:r>
+            <a:r>
+              <a:rPr lang="en-US" b="1" dirty="0"/>
+              <a:t>());</a:t>
+            </a:r>
+          </a:p>
+          <a:p>
+            <a:r>
+              <a:rPr lang="en-US" b="1" dirty="0"/>
+              <a:t>}</a:t>
+            </a:r>
+          </a:p>
+          <a:p>
+            <a:r>
+              <a:rPr lang="en-US" b="1" dirty="0">
+                <a:solidFill>
+                  <a:schemeClr val="accent6">
+                    <a:lumMod val="75000"/>
+                  </a:schemeClr>
+                </a:solidFill>
+              </a:rPr>
+              <a:t>x</a:t>
+            </a:r>
+            <a:r>
+              <a:rPr lang="en-US" b="1" dirty="0"/>
+              <a:t>();</a:t>
+            </a:r>
+          </a:p>
+        </p:txBody>
+      </p:sp>
+    </p:spTree>
+    <p:extLst>
+      <p:ext uri="{BB962C8B-B14F-4D97-AF65-F5344CB8AC3E}">
+        <p14:creationId xmlns:p14="http://schemas.microsoft.com/office/powerpoint/2010/main" val="3851129123"/>
+      </p:ext>
+    </p:extLst>
+  </p:cSld>
+  <p:clrMapOvr>
+    <a:masterClrMapping/>
+  </p:clrMapOvr>
+  <p:transition/>
+  <p:timing>
+    <p:tnLst>
+      <p:par>
+        <p:cTn id="1" dur="indefinite" restart="never" nodeType="tmRoot">
+          <p:childTnLst>
+            <p:seq concurrent="1" nextAc="seek">
+              <p:cTn id="2" dur="indefinite" nodeType="mainSeq">
+                <p:childTnLst>
+                  <p:par>
+                    <p:cTn id="3" fill="hold">
+                      <p:stCondLst>
+                        <p:cond delay="indefinite"/>
+                      </p:stCondLst>
+                      <p:childTnLst>
+                        <p:par>
+                          <p:cTn id="4" fill="hold">
+                            <p:stCondLst>
+                              <p:cond delay="0"/>
+                            </p:stCondLst>
+                            <p:childTnLst>
+                              <p:par>
+                                <p:cTn id="5" presetID="9" presetClass="entr" presetSubtype="0" fill="hold" grpId="0" nodeType="clickEffect">
+                                  <p:stCondLst>
+                                    <p:cond delay="0"/>
+                                  </p:stCondLst>
+                                  <p:childTnLst>
+                                    <p:set>
+                                      <p:cBhvr>
+                                        <p:cTn id="6" dur="1" fill="hold">
+                                          <p:stCondLst>
+                                            <p:cond delay="0"/>
+                                          </p:stCondLst>
+                                        </p:cTn>
+                                        <p:tgtEl>
+                                          <p:spTgt spid="6"/>
+                                        </p:tgtEl>
+                                        <p:attrNameLst>
+                                          <p:attrName>style.visibility</p:attrName>
+                                        </p:attrNameLst>
+                                      </p:cBhvr>
+                                      <p:to>
+                                        <p:strVal val="visible"/>
+                                      </p:to>
+                                    </p:set>
+                                    <p:animEffect transition="in" filter="dissolve">
+                                      <p:cBhvr>
+                                        <p:cTn id="7" dur="500"/>
+                                        <p:tgtEl>
+                                          <p:spTgt spid="6"/>
+                                        </p:tgtEl>
+                                      </p:cBhvr>
+                                    </p:animEffect>
+                                  </p:childTnLst>
+                                </p:cTn>
+                              </p:par>
+                            </p:childTnLst>
+                          </p:cTn>
+                        </p:par>
+                      </p:childTnLst>
+                    </p:cTn>
+                  </p:par>
+                </p:childTnLst>
+              </p:cTn>
+              <p:prevCondLst>
+                <p:cond evt="onPrev" delay="0">
+                  <p:tgtEl>
+                    <p:sldTgt/>
+                  </p:tgtEl>
+                </p:cond>
+              </p:prevCondLst>
+              <p:nextCondLst>
+                <p:cond evt="onNext" delay="0">
+                  <p:tgtEl>
+                    <p:sldTgt/>
+                  </p:tgtEl>
+                </p:cond>
+              </p:nextCondLst>
+            </p:seq>
+          </p:childTnLst>
+        </p:cTn>
+      </p:par>
+    </p:tnLst>
+    <p:bldLst>
+      <p:bldP spid="6" grpId="0" animBg="1"/>
+    </p:bldLst>
+  </p:timing>
+</p:sld>
+</file>
+
+<file path=ppt/slides/slide21.xml><?xml version="1.0" encoding="utf-8"?>
+<p:sld xmlns:a="http://schemas.openxmlformats.org/drawingml/2006/main" xmlns:r="http://schemas.openxmlformats.org/officeDocument/2006/relationships" xmlns:p="http://schemas.openxmlformats.org/presentationml/2006/main">
+  <p:cSld>
+    <p:spTree>
+      <p:nvGrpSpPr>
+        <p:cNvPr id="1" name=""/>
+        <p:cNvGrpSpPr/>
+        <p:nvPr/>
+      </p:nvGrpSpPr>
+      <p:grpSpPr>
+        <a:xfrm>
+          <a:off x="0" y="0"/>
+          <a:ext cx="0" cy="0"/>
+          <a:chOff x="0" y="0"/>
+          <a:chExt cx="0" cy="0"/>
+        </a:xfrm>
+      </p:grpSpPr>
+      <p:sp>
+        <p:nvSpPr>
           <p:cNvPr id="2" name="Title 1"/>
           <p:cNvSpPr>
             <a:spLocks noGrp="1"/>
@@ -8278,7 +8399,7 @@
 </p:sld>
 </file>
 
-<file path=ppt/slides/slide21.xml><?xml version="1.0" encoding="utf-8"?>
+<file path=ppt/slides/slide22.xml><?xml version="1.0" encoding="utf-8"?>
 <p:sld xmlns:a="http://schemas.openxmlformats.org/drawingml/2006/main" xmlns:r="http://schemas.openxmlformats.org/officeDocument/2006/relationships" xmlns:p="http://schemas.openxmlformats.org/presentationml/2006/main">
   <p:cSld>
     <p:spTree>
@@ -8848,7 +8969,7 @@
 </p:sld>
 </file>
 
-<file path=ppt/slides/slide22.xml><?xml version="1.0" encoding="utf-8"?>
+<file path=ppt/slides/slide23.xml><?xml version="1.0" encoding="utf-8"?>
 <p:sld xmlns:a="http://schemas.openxmlformats.org/drawingml/2006/main" xmlns:r="http://schemas.openxmlformats.org/officeDocument/2006/relationships" xmlns:p="http://schemas.openxmlformats.org/presentationml/2006/main">
   <p:cSld>
     <p:spTree>
@@ -9487,718 +9608,6 @@
 </p:sld>
 </file>
 
-<file path=ppt/slides/slide23.xml><?xml version="1.0" encoding="utf-8"?>
-<p:sld xmlns:a="http://schemas.openxmlformats.org/drawingml/2006/main" xmlns:r="http://schemas.openxmlformats.org/officeDocument/2006/relationships" xmlns:p="http://schemas.openxmlformats.org/presentationml/2006/main">
-  <p:cSld>
-    <p:spTree>
-      <p:nvGrpSpPr>
-        <p:cNvPr id="1" name=""/>
-        <p:cNvGrpSpPr/>
-        <p:nvPr/>
-      </p:nvGrpSpPr>
-      <p:grpSpPr>
-        <a:xfrm>
-          <a:off x="0" y="0"/>
-          <a:ext cx="0" cy="0"/>
-          <a:chOff x="0" y="0"/>
-          <a:chExt cx="0" cy="0"/>
-        </a:xfrm>
-      </p:grpSpPr>
-      <p:sp>
-        <p:nvSpPr>
-          <p:cNvPr id="2" name="Title 1"/>
-          <p:cNvSpPr>
-            <a:spLocks noGrp="1"/>
-          </p:cNvSpPr>
-          <p:nvPr>
-            <p:ph type="title"/>
-          </p:nvPr>
-        </p:nvSpPr>
-        <p:spPr/>
-        <p:txBody>
-          <a:bodyPr>
-            <a:normAutofit fontScale="90000"/>
-          </a:bodyPr>
-          <a:lstStyle/>
-          <a:p>
-            <a:r>
-              <a:rPr lang="en-US" dirty="0" smtClean="0"/>
-              <a:t>Only </a:t>
-            </a:r>
-            <a:r>
-              <a:rPr lang="en-US" dirty="0"/>
-              <a:t>functions introduce new scopes</a:t>
-            </a:r>
-          </a:p>
-        </p:txBody>
-      </p:sp>
-      <p:sp>
-        <p:nvSpPr>
-          <p:cNvPr id="3" name="Content Placeholder 2"/>
-          <p:cNvSpPr>
-            <a:spLocks noGrp="1"/>
-          </p:cNvSpPr>
-          <p:nvPr>
-            <p:ph idx="1"/>
-          </p:nvPr>
-        </p:nvSpPr>
-        <p:spPr/>
-        <p:txBody>
-          <a:bodyPr/>
-          <a:lstStyle/>
-          <a:p>
-            <a:pPr marL="0" indent="0">
-              <a:buNone/>
-            </a:pPr>
-            <a:r>
-              <a:rPr lang="en-US" dirty="0" smtClean="0">
-                <a:solidFill>
-                  <a:srgbClr val="FF0000"/>
-                </a:solidFill>
-              </a:rPr>
-              <a:t>No block scope</a:t>
-            </a:r>
-            <a:endParaRPr lang="en-US" dirty="0">
-              <a:solidFill>
-                <a:srgbClr val="FF0000"/>
-              </a:solidFill>
-            </a:endParaRPr>
-          </a:p>
-        </p:txBody>
-      </p:sp>
-      <p:sp>
-        <p:nvSpPr>
-          <p:cNvPr id="4" name="Rectangle 1"/>
-          <p:cNvSpPr>
-            <a:spLocks noChangeArrowheads="1"/>
-          </p:cNvSpPr>
-          <p:nvPr/>
-        </p:nvSpPr>
-        <p:spPr bwMode="auto">
-          <a:xfrm>
-            <a:off x="611560" y="2348880"/>
-            <a:ext cx="3214021" cy="2215991"/>
-          </a:xfrm>
-          <a:prstGeom prst="rect">
-            <a:avLst/>
-          </a:prstGeom>
-          <a:noFill/>
-          <a:ln>
-            <a:noFill/>
-          </a:ln>
-          <a:effectLst/>
-          <a:extLst>
-            <a:ext uri="{909E8E84-426E-40DD-AFC4-6F175D3DCCD1}">
-              <a14:hiddenFill xmlns:a14="http://schemas.microsoft.com/office/drawing/2010/main">
-                <a:solidFill>
-                  <a:schemeClr val="accent1"/>
-                </a:solidFill>
-              </a14:hiddenFill>
-            </a:ext>
-            <a:ext uri="{91240B29-F687-4F45-9708-019B960494DF}">
-              <a14:hiddenLine xmlns:a14="http://schemas.microsoft.com/office/drawing/2010/main" w="9525">
-                <a:solidFill>
-                  <a:schemeClr val="tx1"/>
-                </a:solidFill>
-                <a:miter lim="800000"/>
-                <a:headEnd/>
-                <a:tailEnd/>
-              </a14:hiddenLine>
-            </a:ext>
-            <a:ext uri="{AF507438-7753-43E0-B8FC-AC1667EBCBE1}">
-              <a14:hiddenEffects xmlns:a14="http://schemas.microsoft.com/office/drawing/2010/main">
-                <a:effectLst>
-                  <a:outerShdw dist="35921" dir="2700000" algn="ctr" rotWithShape="0">
-                    <a:schemeClr val="bg2"/>
-                  </a:outerShdw>
-                </a:effectLst>
-              </a14:hiddenEffects>
-            </a:ext>
-          </a:extLst>
-        </p:spPr>
-        <p:txBody>
-          <a:bodyPr vert="horz" wrap="none" lIns="0" tIns="0" rIns="0" bIns="0" numCol="1" anchor="ctr" anchorCtr="0" compatLnSpc="1">
-            <a:prstTxWarp prst="textNoShape">
-              <a:avLst/>
-            </a:prstTxWarp>
-            <a:spAutoFit/>
-          </a:bodyPr>
-          <a:lstStyle/>
-          <a:p>
-            <a:pPr marL="0" marR="0" lvl="0" indent="0" algn="l" defTabSz="914400" rtl="0" eaLnBrk="0" fontAlgn="base" latinLnBrk="0" hangingPunct="0">
-              <a:lnSpc>
-                <a:spcPct val="100000"/>
-              </a:lnSpc>
-              <a:spcBef>
-                <a:spcPct val="0"/>
-              </a:spcBef>
-              <a:spcAft>
-                <a:spcPct val="0"/>
-              </a:spcAft>
-              <a:buClrTx/>
-              <a:buSzTx/>
-              <a:buFontTx/>
-              <a:buNone/>
-              <a:tabLst/>
-            </a:pPr>
-            <a:r>
-              <a:rPr kumimoji="0" lang="en-US" altLang="en-US" sz="2400" b="1" i="0" u="none" strike="noStrike" cap="none" normalizeH="0" baseline="0" dirty="0" smtClean="0">
-                <a:ln>
-                  <a:noFill/>
-                </a:ln>
-                <a:solidFill>
-                  <a:srgbClr val="006699"/>
-                </a:solidFill>
-                <a:effectLst/>
-                <a:latin typeface="Ubuntu Mono"/>
-              </a:rPr>
-              <a:t>function</a:t>
-            </a:r>
-            <a:r>
-              <a:rPr kumimoji="0" lang="en-US" altLang="en-US" sz="2400" b="0" i="0" u="none" strike="noStrike" cap="none" normalizeH="0" baseline="0" dirty="0" smtClean="0">
-                <a:ln>
-                  <a:noFill/>
-                </a:ln>
-                <a:solidFill>
-                  <a:srgbClr val="000000"/>
-                </a:solidFill>
-                <a:effectLst/>
-                <a:latin typeface="Ubuntu Mono"/>
-              </a:rPr>
-              <a:t> </a:t>
-            </a:r>
-            <a:r>
-              <a:rPr kumimoji="0" lang="en-US" altLang="en-US" sz="2400" b="0" i="0" u="none" strike="noStrike" cap="none" normalizeH="0" baseline="0" dirty="0" smtClean="0">
-                <a:ln>
-                  <a:noFill/>
-                </a:ln>
-                <a:solidFill>
-                  <a:srgbClr val="000088"/>
-                </a:solidFill>
-                <a:effectLst/>
-                <a:latin typeface="Ubuntu Mono"/>
-              </a:rPr>
-              <a:t>f</a:t>
-            </a:r>
-            <a:r>
-              <a:rPr kumimoji="0" lang="en-US" altLang="en-US" sz="2400" b="0" i="0" u="none" strike="noStrike" cap="none" normalizeH="0" baseline="0" dirty="0" smtClean="0">
-                <a:ln>
-                  <a:noFill/>
-                </a:ln>
-                <a:solidFill>
-                  <a:srgbClr val="000000"/>
-                </a:solidFill>
-                <a:effectLst/>
-                <a:latin typeface="Ubuntu Mono"/>
-              </a:rPr>
-              <a:t>() { </a:t>
-            </a:r>
-          </a:p>
-          <a:p>
-            <a:pPr marL="0" marR="0" lvl="0" indent="0" algn="l" defTabSz="914400" rtl="0" eaLnBrk="0" fontAlgn="base" latinLnBrk="0" hangingPunct="0">
-              <a:lnSpc>
-                <a:spcPct val="100000"/>
-              </a:lnSpc>
-              <a:spcBef>
-                <a:spcPct val="0"/>
-              </a:spcBef>
-              <a:spcAft>
-                <a:spcPct val="0"/>
-              </a:spcAft>
-              <a:buClrTx/>
-              <a:buSzTx/>
-              <a:buFontTx/>
-              <a:buNone/>
-              <a:tabLst/>
-            </a:pPr>
-            <a:r>
-              <a:rPr lang="en-US" altLang="en-US" sz="2400" dirty="0">
-                <a:solidFill>
-                  <a:srgbClr val="000000"/>
-                </a:solidFill>
-                <a:latin typeface="Ubuntu Mono"/>
-              </a:rPr>
-              <a:t> </a:t>
-            </a:r>
-            <a:r>
-              <a:rPr lang="en-US" altLang="en-US" sz="2400" dirty="0" smtClean="0">
-                <a:solidFill>
-                  <a:srgbClr val="000000"/>
-                </a:solidFill>
-                <a:latin typeface="Ubuntu Mono"/>
-              </a:rPr>
-              <a:t>   </a:t>
-            </a:r>
-            <a:r>
-              <a:rPr kumimoji="0" lang="en-US" altLang="en-US" sz="2400" b="0" i="0" u="none" strike="noStrike" cap="none" normalizeH="0" baseline="0" dirty="0" smtClean="0">
-                <a:ln>
-                  <a:noFill/>
-                </a:ln>
-                <a:solidFill>
-                  <a:srgbClr val="000000"/>
-                </a:solidFill>
-                <a:effectLst/>
-                <a:latin typeface="Ubuntu Mono"/>
-              </a:rPr>
-              <a:t>{ </a:t>
-            </a:r>
-            <a:r>
-              <a:rPr kumimoji="0" lang="en-US" altLang="en-US" sz="2400" b="0" i="1" u="none" strike="noStrike" cap="none" normalizeH="0" baseline="0" dirty="0" smtClean="0">
-                <a:ln>
-                  <a:noFill/>
-                </a:ln>
-                <a:solidFill>
-                  <a:srgbClr val="35586C"/>
-                </a:solidFill>
-                <a:effectLst/>
-                <a:latin typeface="Ubuntu Mono"/>
-              </a:rPr>
-              <a:t>// block starts</a:t>
-            </a:r>
-            <a:r>
-              <a:rPr kumimoji="0" lang="en-US" altLang="en-US" sz="2400" b="0" i="0" u="none" strike="noStrike" cap="none" normalizeH="0" baseline="0" dirty="0" smtClean="0">
-                <a:ln>
-                  <a:noFill/>
-                </a:ln>
-                <a:solidFill>
-                  <a:srgbClr val="000000"/>
-                </a:solidFill>
-                <a:effectLst/>
-                <a:latin typeface="Ubuntu Mono"/>
-              </a:rPr>
-              <a:t> </a:t>
-            </a:r>
-          </a:p>
-          <a:p>
-            <a:pPr marL="0" marR="0" lvl="0" indent="0" algn="l" defTabSz="914400" rtl="0" eaLnBrk="0" fontAlgn="base" latinLnBrk="0" hangingPunct="0">
-              <a:lnSpc>
-                <a:spcPct val="100000"/>
-              </a:lnSpc>
-              <a:spcBef>
-                <a:spcPct val="0"/>
-              </a:spcBef>
-              <a:spcAft>
-                <a:spcPct val="0"/>
-              </a:spcAft>
-              <a:buClrTx/>
-              <a:buSzTx/>
-              <a:buFontTx/>
-              <a:buNone/>
-              <a:tabLst/>
-            </a:pPr>
-            <a:r>
-              <a:rPr lang="en-US" altLang="en-US" sz="2400" dirty="0">
-                <a:solidFill>
-                  <a:srgbClr val="000000"/>
-                </a:solidFill>
-                <a:latin typeface="Ubuntu Mono"/>
-              </a:rPr>
-              <a:t> </a:t>
-            </a:r>
-            <a:r>
-              <a:rPr lang="en-US" altLang="en-US" sz="2400" dirty="0" smtClean="0">
-                <a:solidFill>
-                  <a:srgbClr val="000000"/>
-                </a:solidFill>
-                <a:latin typeface="Ubuntu Mono"/>
-              </a:rPr>
-              <a:t>       </a:t>
-            </a:r>
-            <a:r>
-              <a:rPr kumimoji="0" lang="en-US" altLang="en-US" sz="2400" b="1" i="0" u="none" strike="noStrike" cap="none" normalizeH="0" baseline="0" dirty="0" err="1" smtClean="0">
-                <a:ln>
-                  <a:noFill/>
-                </a:ln>
-                <a:solidFill>
-                  <a:srgbClr val="006699"/>
-                </a:solidFill>
-                <a:effectLst/>
-                <a:latin typeface="Ubuntu Mono"/>
-              </a:rPr>
-              <a:t>var</a:t>
-            </a:r>
-            <a:r>
-              <a:rPr kumimoji="0" lang="en-US" altLang="en-US" sz="2400" b="0" i="0" u="none" strike="noStrike" cap="none" normalizeH="0" baseline="0" dirty="0" smtClean="0">
-                <a:ln>
-                  <a:noFill/>
-                </a:ln>
-                <a:solidFill>
-                  <a:srgbClr val="000000"/>
-                </a:solidFill>
-                <a:effectLst/>
-                <a:latin typeface="Ubuntu Mono"/>
-              </a:rPr>
-              <a:t> </a:t>
-            </a:r>
-            <a:r>
-              <a:rPr kumimoji="0" lang="en-US" altLang="en-US" sz="2400" b="0" i="0" u="none" strike="noStrike" cap="none" normalizeH="0" baseline="0" dirty="0" smtClean="0">
-                <a:ln>
-                  <a:noFill/>
-                </a:ln>
-                <a:solidFill>
-                  <a:srgbClr val="000088"/>
-                </a:solidFill>
-                <a:effectLst/>
-                <a:latin typeface="Ubuntu Mono"/>
-              </a:rPr>
-              <a:t>foo</a:t>
-            </a:r>
-            <a:r>
-              <a:rPr kumimoji="0" lang="en-US" altLang="en-US" sz="2400" b="0" i="0" u="none" strike="noStrike" cap="none" normalizeH="0" baseline="0" dirty="0" smtClean="0">
-                <a:ln>
-                  <a:noFill/>
-                </a:ln>
-                <a:solidFill>
-                  <a:srgbClr val="000000"/>
-                </a:solidFill>
-                <a:effectLst/>
-                <a:latin typeface="Ubuntu Mono"/>
-              </a:rPr>
-              <a:t> </a:t>
-            </a:r>
-            <a:r>
-              <a:rPr kumimoji="0" lang="en-US" altLang="en-US" sz="2400" b="0" i="0" u="none" strike="noStrike" cap="none" normalizeH="0" baseline="0" dirty="0" smtClean="0">
-                <a:ln>
-                  <a:noFill/>
-                </a:ln>
-                <a:solidFill>
-                  <a:srgbClr val="555555"/>
-                </a:solidFill>
-                <a:effectLst/>
-                <a:latin typeface="Ubuntu Mono"/>
-              </a:rPr>
-              <a:t>=</a:t>
-            </a:r>
-            <a:r>
-              <a:rPr kumimoji="0" lang="en-US" altLang="en-US" sz="2400" b="0" i="0" u="none" strike="noStrike" cap="none" normalizeH="0" baseline="0" dirty="0" smtClean="0">
-                <a:ln>
-                  <a:noFill/>
-                </a:ln>
-                <a:solidFill>
-                  <a:srgbClr val="000000"/>
-                </a:solidFill>
-                <a:effectLst/>
-                <a:latin typeface="Ubuntu Mono"/>
-              </a:rPr>
-              <a:t> </a:t>
-            </a:r>
-            <a:r>
-              <a:rPr kumimoji="0" lang="en-US" altLang="en-US" sz="2400" b="0" i="0" u="none" strike="noStrike" cap="none" normalizeH="0" baseline="0" dirty="0" smtClean="0">
-                <a:ln>
-                  <a:noFill/>
-                </a:ln>
-                <a:solidFill>
-                  <a:srgbClr val="FF6600"/>
-                </a:solidFill>
-                <a:effectLst/>
-                <a:latin typeface="Ubuntu Mono"/>
-              </a:rPr>
-              <a:t>4</a:t>
-            </a:r>
-            <a:r>
-              <a:rPr kumimoji="0" lang="en-US" altLang="en-US" sz="2400" b="0" i="0" u="none" strike="noStrike" cap="none" normalizeH="0" baseline="0" dirty="0" smtClean="0">
-                <a:ln>
-                  <a:noFill/>
-                </a:ln>
-                <a:solidFill>
-                  <a:srgbClr val="000000"/>
-                </a:solidFill>
-                <a:effectLst/>
-                <a:latin typeface="Ubuntu Mono"/>
-              </a:rPr>
-              <a:t>; </a:t>
-            </a:r>
-          </a:p>
-          <a:p>
-            <a:pPr marL="0" marR="0" lvl="0" indent="0" algn="l" defTabSz="914400" rtl="0" eaLnBrk="0" fontAlgn="base" latinLnBrk="0" hangingPunct="0">
-              <a:lnSpc>
-                <a:spcPct val="100000"/>
-              </a:lnSpc>
-              <a:spcBef>
-                <a:spcPct val="0"/>
-              </a:spcBef>
-              <a:spcAft>
-                <a:spcPct val="0"/>
-              </a:spcAft>
-              <a:buClrTx/>
-              <a:buSzTx/>
-              <a:buFontTx/>
-              <a:buNone/>
-              <a:tabLst/>
-            </a:pPr>
-            <a:r>
-              <a:rPr lang="en-US" altLang="en-US" sz="2400" dirty="0">
-                <a:solidFill>
-                  <a:srgbClr val="000000"/>
-                </a:solidFill>
-                <a:latin typeface="Ubuntu Mono"/>
-              </a:rPr>
-              <a:t> </a:t>
-            </a:r>
-            <a:r>
-              <a:rPr lang="en-US" altLang="en-US" sz="2400" dirty="0" smtClean="0">
-                <a:solidFill>
-                  <a:srgbClr val="000000"/>
-                </a:solidFill>
-                <a:latin typeface="Ubuntu Mono"/>
-              </a:rPr>
-              <a:t>   </a:t>
-            </a:r>
-            <a:r>
-              <a:rPr kumimoji="0" lang="en-US" altLang="en-US" sz="2400" b="0" i="0" u="none" strike="noStrike" cap="none" normalizeH="0" baseline="0" dirty="0" smtClean="0">
-                <a:ln>
-                  <a:noFill/>
-                </a:ln>
-                <a:solidFill>
-                  <a:srgbClr val="000000"/>
-                </a:solidFill>
-                <a:effectLst/>
-                <a:latin typeface="Ubuntu Mono"/>
-              </a:rPr>
-              <a:t>} </a:t>
-            </a:r>
-            <a:r>
-              <a:rPr kumimoji="0" lang="en-US" altLang="en-US" sz="2400" b="0" i="1" u="none" strike="noStrike" cap="none" normalizeH="0" baseline="0" dirty="0" smtClean="0">
-                <a:ln>
-                  <a:noFill/>
-                </a:ln>
-                <a:solidFill>
-                  <a:srgbClr val="35586C"/>
-                </a:solidFill>
-                <a:effectLst/>
-                <a:latin typeface="Ubuntu Mono"/>
-              </a:rPr>
-              <a:t>// block ends</a:t>
-            </a:r>
-            <a:r>
-              <a:rPr kumimoji="0" lang="en-US" altLang="en-US" sz="2400" b="0" i="0" u="none" strike="noStrike" cap="none" normalizeH="0" baseline="0" dirty="0" smtClean="0">
-                <a:ln>
-                  <a:noFill/>
-                </a:ln>
-                <a:solidFill>
-                  <a:srgbClr val="000000"/>
-                </a:solidFill>
-                <a:effectLst/>
-                <a:latin typeface="Ubuntu Mono"/>
-              </a:rPr>
-              <a:t> </a:t>
-            </a:r>
-          </a:p>
-          <a:p>
-            <a:pPr marL="0" marR="0" lvl="0" indent="0" algn="l" defTabSz="914400" rtl="0" eaLnBrk="0" fontAlgn="base" latinLnBrk="0" hangingPunct="0">
-              <a:lnSpc>
-                <a:spcPct val="100000"/>
-              </a:lnSpc>
-              <a:spcBef>
-                <a:spcPct val="0"/>
-              </a:spcBef>
-              <a:spcAft>
-                <a:spcPct val="0"/>
-              </a:spcAft>
-              <a:buClrTx/>
-              <a:buSzTx/>
-              <a:buFontTx/>
-              <a:buNone/>
-              <a:tabLst/>
-            </a:pPr>
-            <a:r>
-              <a:rPr lang="en-US" altLang="en-US" sz="2400" dirty="0">
-                <a:solidFill>
-                  <a:srgbClr val="000000"/>
-                </a:solidFill>
-                <a:latin typeface="Ubuntu Mono"/>
-              </a:rPr>
-              <a:t> </a:t>
-            </a:r>
-            <a:r>
-              <a:rPr lang="en-US" altLang="en-US" sz="2400" dirty="0" smtClean="0">
-                <a:solidFill>
-                  <a:srgbClr val="000000"/>
-                </a:solidFill>
-                <a:latin typeface="Ubuntu Mono"/>
-              </a:rPr>
-              <a:t>   </a:t>
-            </a:r>
-            <a:r>
-              <a:rPr kumimoji="0" lang="en-US" altLang="en-US" sz="2400" b="0" i="0" u="none" strike="noStrike" cap="none" normalizeH="0" baseline="0" dirty="0" smtClean="0">
-                <a:ln>
-                  <a:noFill/>
-                </a:ln>
-                <a:solidFill>
-                  <a:srgbClr val="000088"/>
-                </a:solidFill>
-                <a:effectLst/>
-                <a:latin typeface="Ubuntu Mono"/>
-              </a:rPr>
-              <a:t>console</a:t>
-            </a:r>
-            <a:r>
-              <a:rPr kumimoji="0" lang="en-US" altLang="en-US" sz="2400" b="0" i="0" u="none" strike="noStrike" cap="none" normalizeH="0" baseline="0" dirty="0" smtClean="0">
-                <a:ln>
-                  <a:noFill/>
-                </a:ln>
-                <a:solidFill>
-                  <a:srgbClr val="000000"/>
-                </a:solidFill>
-                <a:effectLst/>
-                <a:latin typeface="Ubuntu Mono"/>
-              </a:rPr>
-              <a:t>.</a:t>
-            </a:r>
-            <a:r>
-              <a:rPr kumimoji="0" lang="en-US" altLang="en-US" sz="2400" b="0" i="0" u="none" strike="noStrike" cap="none" normalizeH="0" baseline="0" dirty="0" smtClean="0">
-                <a:ln>
-                  <a:noFill/>
-                </a:ln>
-                <a:solidFill>
-                  <a:srgbClr val="000088"/>
-                </a:solidFill>
-                <a:effectLst/>
-                <a:latin typeface="Ubuntu Mono"/>
-              </a:rPr>
-              <a:t>log</a:t>
-            </a:r>
-            <a:r>
-              <a:rPr kumimoji="0" lang="en-US" altLang="en-US" sz="2400" b="0" i="0" u="none" strike="noStrike" cap="none" normalizeH="0" baseline="0" dirty="0" smtClean="0">
-                <a:ln>
-                  <a:noFill/>
-                </a:ln>
-                <a:solidFill>
-                  <a:srgbClr val="000000"/>
-                </a:solidFill>
-                <a:effectLst/>
-                <a:latin typeface="Ubuntu Mono"/>
-              </a:rPr>
-              <a:t>(</a:t>
-            </a:r>
-            <a:r>
-              <a:rPr kumimoji="0" lang="en-US" altLang="en-US" sz="2400" b="0" i="0" u="none" strike="noStrike" cap="none" normalizeH="0" baseline="0" dirty="0" smtClean="0">
-                <a:ln>
-                  <a:noFill/>
-                </a:ln>
-                <a:solidFill>
-                  <a:srgbClr val="000088"/>
-                </a:solidFill>
-                <a:effectLst/>
-                <a:latin typeface="Ubuntu Mono"/>
-              </a:rPr>
-              <a:t>foo</a:t>
-            </a:r>
-            <a:r>
-              <a:rPr kumimoji="0" lang="en-US" altLang="en-US" sz="2400" b="0" i="0" u="none" strike="noStrike" cap="none" normalizeH="0" baseline="0" dirty="0" smtClean="0">
-                <a:ln>
-                  <a:noFill/>
-                </a:ln>
-                <a:solidFill>
-                  <a:srgbClr val="000000"/>
-                </a:solidFill>
-                <a:effectLst/>
-                <a:latin typeface="Ubuntu Mono"/>
-              </a:rPr>
-              <a:t>); </a:t>
-            </a:r>
-            <a:r>
-              <a:rPr kumimoji="0" lang="en-US" altLang="en-US" sz="2400" b="0" i="1" u="none" strike="noStrike" cap="none" normalizeH="0" baseline="0" dirty="0" smtClean="0">
-                <a:ln>
-                  <a:noFill/>
-                </a:ln>
-                <a:solidFill>
-                  <a:srgbClr val="35586C"/>
-                </a:solidFill>
-                <a:effectLst/>
-                <a:latin typeface="Ubuntu Mono"/>
-              </a:rPr>
-              <a:t>// 4</a:t>
-            </a:r>
-            <a:r>
-              <a:rPr kumimoji="0" lang="en-US" altLang="en-US" sz="2400" b="0" i="0" u="none" strike="noStrike" cap="none" normalizeH="0" baseline="0" dirty="0" smtClean="0">
-                <a:ln>
-                  <a:noFill/>
-                </a:ln>
-                <a:solidFill>
-                  <a:srgbClr val="000000"/>
-                </a:solidFill>
-                <a:effectLst/>
-                <a:latin typeface="Ubuntu Mono"/>
-              </a:rPr>
-              <a:t> </a:t>
-            </a:r>
-          </a:p>
-          <a:p>
-            <a:pPr marL="0" marR="0" lvl="0" indent="0" algn="l" defTabSz="914400" rtl="0" eaLnBrk="0" fontAlgn="base" latinLnBrk="0" hangingPunct="0">
-              <a:lnSpc>
-                <a:spcPct val="100000"/>
-              </a:lnSpc>
-              <a:spcBef>
-                <a:spcPct val="0"/>
-              </a:spcBef>
-              <a:spcAft>
-                <a:spcPct val="0"/>
-              </a:spcAft>
-              <a:buClrTx/>
-              <a:buSzTx/>
-              <a:buFontTx/>
-              <a:buNone/>
-              <a:tabLst/>
-            </a:pPr>
-            <a:r>
-              <a:rPr kumimoji="0" lang="en-US" altLang="en-US" sz="2400" b="0" i="0" u="none" strike="noStrike" cap="none" normalizeH="0" baseline="0" dirty="0" smtClean="0">
-                <a:ln>
-                  <a:noFill/>
-                </a:ln>
-                <a:solidFill>
-                  <a:srgbClr val="000000"/>
-                </a:solidFill>
-                <a:effectLst/>
-                <a:latin typeface="Ubuntu Mono"/>
-              </a:rPr>
-              <a:t>}</a:t>
-            </a:r>
-            <a:r>
-              <a:rPr kumimoji="0" lang="en-US" altLang="en-US" sz="2400" b="0" i="0" u="none" strike="noStrike" cap="none" normalizeH="0" baseline="0" dirty="0" smtClean="0">
-                <a:ln>
-                  <a:noFill/>
-                </a:ln>
-                <a:solidFill>
-                  <a:schemeClr val="tx1"/>
-                </a:solidFill>
-                <a:effectLst/>
-              </a:rPr>
-              <a:t> </a:t>
-            </a:r>
-            <a:endParaRPr kumimoji="0" lang="en-US" altLang="en-US" sz="2400" b="0" i="0" u="none" strike="noStrike" cap="none" normalizeH="0" baseline="0" dirty="0" smtClean="0">
-              <a:ln>
-                <a:noFill/>
-              </a:ln>
-              <a:solidFill>
-                <a:schemeClr val="tx1"/>
-              </a:solidFill>
-              <a:effectLst/>
-              <a:latin typeface="Arial" panose="020B0604020202020204" pitchFamily="34" charset="0"/>
-            </a:endParaRPr>
-          </a:p>
-        </p:txBody>
-      </p:sp>
-    </p:spTree>
-    <p:extLst>
-      <p:ext uri="{BB962C8B-B14F-4D97-AF65-F5344CB8AC3E}">
-        <p14:creationId xmlns:p14="http://schemas.microsoft.com/office/powerpoint/2010/main" val="4066509814"/>
-      </p:ext>
-    </p:extLst>
-  </p:cSld>
-  <p:clrMapOvr>
-    <a:masterClrMapping/>
-  </p:clrMapOvr>
-  <p:timing>
-    <p:tnLst>
-      <p:par>
-        <p:cTn id="1" dur="indefinite" restart="never" nodeType="tmRoot"/>
-      </p:par>
-    </p:tnLst>
-  </p:timing>
-</p:sld>
-</file>
-
 <file path=ppt/slides/slide24.xml><?xml version="1.0" encoding="utf-8"?>
 <p:sld xmlns:a="http://schemas.openxmlformats.org/drawingml/2006/main" xmlns:r="http://schemas.openxmlformats.org/officeDocument/2006/relationships" xmlns:p="http://schemas.openxmlformats.org/presentationml/2006/main">
   <p:cSld>
@@ -10218,545 +9627,689 @@
       </p:grpSpPr>
       <p:sp>
         <p:nvSpPr>
-          <p:cNvPr id="6" name="Rectangle 5"/>
-          <p:cNvSpPr/>
+          <p:cNvPr id="2" name="Title 1"/>
+          <p:cNvSpPr>
+            <a:spLocks noGrp="1"/>
+          </p:cNvSpPr>
+          <p:nvPr>
+            <p:ph type="title"/>
+          </p:nvPr>
+        </p:nvSpPr>
+        <p:spPr/>
+        <p:txBody>
+          <a:bodyPr>
+            <a:normAutofit fontScale="90000"/>
+          </a:bodyPr>
+          <a:lstStyle/>
+          <a:p>
+            <a:r>
+              <a:rPr lang="en-US" dirty="0" smtClean="0"/>
+              <a:t>Only </a:t>
+            </a:r>
+            <a:r>
+              <a:rPr lang="en-US" dirty="0"/>
+              <a:t>functions introduce new scopes</a:t>
+            </a:r>
+          </a:p>
+        </p:txBody>
+      </p:sp>
+      <p:sp>
+        <p:nvSpPr>
+          <p:cNvPr id="3" name="Content Placeholder 2"/>
+          <p:cNvSpPr>
+            <a:spLocks noGrp="1"/>
+          </p:cNvSpPr>
+          <p:nvPr>
+            <p:ph idx="1"/>
+          </p:nvPr>
+        </p:nvSpPr>
+        <p:spPr/>
+        <p:txBody>
+          <a:bodyPr/>
+          <a:lstStyle/>
+          <a:p>
+            <a:pPr marL="0" indent="0">
+              <a:buNone/>
+            </a:pPr>
+            <a:r>
+              <a:rPr lang="en-US" dirty="0" smtClean="0">
+                <a:solidFill>
+                  <a:srgbClr val="FF0000"/>
+                </a:solidFill>
+              </a:rPr>
+              <a:t>No block scope</a:t>
+            </a:r>
+            <a:endParaRPr lang="en-US" dirty="0">
+              <a:solidFill>
+                <a:srgbClr val="FF0000"/>
+              </a:solidFill>
+            </a:endParaRPr>
+          </a:p>
+        </p:txBody>
+      </p:sp>
+      <p:sp>
+        <p:nvSpPr>
+          <p:cNvPr id="4" name="Rectangle 1"/>
+          <p:cNvSpPr>
+            <a:spLocks noChangeArrowheads="1"/>
+          </p:cNvSpPr>
           <p:nvPr/>
         </p:nvSpPr>
-        <p:spPr>
+        <p:spPr bwMode="auto">
           <a:xfrm>
-            <a:off x="1410868" y="1700808"/>
-            <a:ext cx="6322263" cy="2793072"/>
+            <a:off x="611560" y="2348880"/>
+            <a:ext cx="3214021" cy="2215991"/>
           </a:xfrm>
           <a:prstGeom prst="rect">
             <a:avLst/>
           </a:prstGeom>
+          <a:noFill/>
+          <a:ln>
+            <a:noFill/>
+          </a:ln>
+          <a:effectLst/>
+          <a:extLst>
+            <a:ext uri="{909E8E84-426E-40DD-AFC4-6F175D3DCCD1}">
+              <a14:hiddenFill xmlns:a14="http://schemas.microsoft.com/office/drawing/2010/main">
+                <a:solidFill>
+                  <a:schemeClr val="accent1"/>
+                </a:solidFill>
+              </a14:hiddenFill>
+            </a:ext>
+            <a:ext uri="{91240B29-F687-4F45-9708-019B960494DF}">
+              <a14:hiddenLine xmlns:a14="http://schemas.microsoft.com/office/drawing/2010/main" w="9525">
+                <a:solidFill>
+                  <a:schemeClr val="tx1"/>
+                </a:solidFill>
+                <a:miter lim="800000"/>
+                <a:headEnd/>
+                <a:tailEnd/>
+              </a14:hiddenLine>
+            </a:ext>
+            <a:ext uri="{AF507438-7753-43E0-B8FC-AC1667EBCBE1}">
+              <a14:hiddenEffects xmlns:a14="http://schemas.microsoft.com/office/drawing/2010/main">
+                <a:effectLst>
+                  <a:outerShdw dist="35921" dir="2700000" algn="ctr" rotWithShape="0">
+                    <a:schemeClr val="bg2"/>
+                  </a:outerShdw>
+                </a:effectLst>
+              </a14:hiddenEffects>
+            </a:ext>
+          </a:extLst>
         </p:spPr>
-        <p:style>
-          <a:lnRef idx="1">
-            <a:schemeClr val="dk1"/>
-          </a:lnRef>
-          <a:fillRef idx="1001">
-            <a:schemeClr val="lt2"/>
-          </a:fillRef>
-          <a:effectRef idx="1">
-            <a:schemeClr val="dk1"/>
-          </a:effectRef>
-          <a:fontRef idx="minor">
-            <a:schemeClr val="dk1"/>
-          </a:fontRef>
-        </p:style>
-        <p:txBody>
-          <a:bodyPr wrap="square">
+        <p:txBody>
+          <a:bodyPr vert="horz" wrap="none" lIns="0" tIns="0" rIns="0" bIns="0" numCol="1" anchor="ctr" anchorCtr="0" compatLnSpc="1">
+            <a:prstTxWarp prst="textNoShape">
+              <a:avLst/>
+            </a:prstTxWarp>
             <a:spAutoFit/>
           </a:bodyPr>
           <a:lstStyle/>
           <a:p>
-            <a:r>
-              <a:rPr lang="en-US" sz="1350" b="1" dirty="0">
-                <a:solidFill>
-                  <a:srgbClr val="0070C0"/>
-                </a:solidFill>
-              </a:rPr>
-              <a:t>function</a:t>
-            </a:r>
-            <a:r>
-              <a:rPr lang="en-US" sz="1350" b="1" dirty="0"/>
-              <a:t> </a:t>
-            </a:r>
-            <a:r>
-              <a:rPr lang="en-US" sz="1350" b="1" dirty="0">
-                <a:solidFill>
-                  <a:schemeClr val="accent6">
-                    <a:lumMod val="75000"/>
-                  </a:schemeClr>
-                </a:solidFill>
-              </a:rPr>
-              <a:t>test</a:t>
-            </a:r>
-            <a:r>
-              <a:rPr lang="en-US" sz="1350" b="1" dirty="0"/>
-              <a:t>(</a:t>
-            </a:r>
-            <a:r>
-              <a:rPr lang="en-US" sz="1350" b="1" dirty="0">
-                <a:solidFill>
-                  <a:schemeClr val="accent6">
-                    <a:lumMod val="75000"/>
-                  </a:schemeClr>
-                </a:solidFill>
-              </a:rPr>
-              <a:t>o</a:t>
-            </a:r>
-            <a:r>
-              <a:rPr lang="en-US" sz="1350" b="1" dirty="0"/>
-              <a:t>) {</a:t>
-            </a:r>
-          </a:p>
-          <a:p>
-            <a:r>
-              <a:rPr lang="en-US" sz="1350" b="1" dirty="0"/>
-              <a:t>        </a:t>
-            </a:r>
-            <a:r>
-              <a:rPr lang="en-US" sz="1350" b="1" dirty="0" err="1">
-                <a:solidFill>
-                  <a:srgbClr val="0070C0"/>
-                </a:solidFill>
-              </a:rPr>
-              <a:t>var</a:t>
-            </a:r>
-            <a:r>
-              <a:rPr lang="en-US" sz="1350" b="1" dirty="0"/>
-              <a:t> </a:t>
-            </a:r>
-            <a:r>
-              <a:rPr lang="en-US" sz="1350" b="1" dirty="0" err="1">
-                <a:solidFill>
-                  <a:schemeClr val="accent6">
-                    <a:lumMod val="75000"/>
-                  </a:schemeClr>
-                </a:solidFill>
-              </a:rPr>
-              <a:t>i</a:t>
-            </a:r>
-            <a:r>
-              <a:rPr lang="en-US" sz="1350" b="1" dirty="0"/>
-              <a:t> = </a:t>
-            </a:r>
-            <a:r>
-              <a:rPr lang="en-US" sz="1350" b="1" dirty="0">
-                <a:solidFill>
-                  <a:srgbClr val="00B050"/>
-                </a:solidFill>
-              </a:rPr>
-              <a:t>0</a:t>
-            </a:r>
-            <a:r>
-              <a:rPr lang="en-US" sz="1350" b="1" dirty="0"/>
-              <a:t>;       // </a:t>
-            </a:r>
-            <a:r>
-              <a:rPr lang="en-US" sz="1350" b="1" dirty="0" err="1"/>
-              <a:t>i</a:t>
-            </a:r>
-            <a:r>
-              <a:rPr lang="en-US" sz="1350" b="1" dirty="0"/>
-              <a:t> is defined throughout function </a:t>
-            </a:r>
-          </a:p>
-          <a:p>
-            <a:r>
-              <a:rPr lang="en-US" sz="1350" b="1" dirty="0"/>
-              <a:t>        </a:t>
-            </a:r>
-            <a:r>
-              <a:rPr lang="en-US" sz="1350" b="1" dirty="0">
-                <a:solidFill>
-                  <a:srgbClr val="0070C0"/>
-                </a:solidFill>
-              </a:rPr>
-              <a:t>if</a:t>
-            </a:r>
-            <a:r>
-              <a:rPr lang="en-US" sz="1350" b="1" dirty="0"/>
-              <a:t> (</a:t>
-            </a:r>
-            <a:r>
-              <a:rPr lang="en-US" sz="1350" b="1" dirty="0" err="1">
-                <a:solidFill>
-                  <a:srgbClr val="0070C0"/>
-                </a:solidFill>
-              </a:rPr>
-              <a:t>typeof</a:t>
-            </a:r>
-            <a:r>
-              <a:rPr lang="en-US" sz="1350" b="1" dirty="0"/>
-              <a:t> </a:t>
-            </a:r>
-            <a:r>
-              <a:rPr lang="en-US" sz="1350" b="1" dirty="0">
-                <a:solidFill>
-                  <a:schemeClr val="accent6">
-                    <a:lumMod val="75000"/>
-                  </a:schemeClr>
-                </a:solidFill>
-              </a:rPr>
-              <a:t>o</a:t>
-            </a:r>
-            <a:r>
-              <a:rPr lang="en-US" sz="1350" b="1" dirty="0"/>
-              <a:t> == "</a:t>
-            </a:r>
-            <a:r>
-              <a:rPr lang="en-US" sz="1350" b="1" dirty="0">
-                <a:solidFill>
-                  <a:srgbClr val="00B050"/>
-                </a:solidFill>
-              </a:rPr>
-              <a:t>object</a:t>
-            </a:r>
-            <a:r>
-              <a:rPr lang="en-US" sz="1350" b="1" dirty="0"/>
-              <a:t>") { </a:t>
-            </a:r>
-          </a:p>
-          <a:p>
-            <a:r>
-              <a:rPr lang="en-US" sz="1350" b="1" dirty="0"/>
-              <a:t>                </a:t>
-            </a:r>
-            <a:r>
-              <a:rPr lang="en-US" sz="1350" b="1" dirty="0" err="1">
-                <a:solidFill>
-                  <a:srgbClr val="0070C0"/>
-                </a:solidFill>
-              </a:rPr>
-              <a:t>var</a:t>
-            </a:r>
-            <a:r>
-              <a:rPr lang="en-US" sz="1350" b="1" dirty="0"/>
-              <a:t> </a:t>
-            </a:r>
-            <a:r>
-              <a:rPr lang="en-US" sz="1350" b="1" dirty="0">
-                <a:solidFill>
-                  <a:schemeClr val="accent6">
-                    <a:lumMod val="75000"/>
-                  </a:schemeClr>
-                </a:solidFill>
-              </a:rPr>
-              <a:t>j</a:t>
-            </a:r>
-            <a:r>
-              <a:rPr lang="en-US" sz="1350" b="1" dirty="0"/>
-              <a:t> = </a:t>
-            </a:r>
-            <a:r>
-              <a:rPr lang="en-US" sz="1350" b="1" dirty="0">
-                <a:solidFill>
-                  <a:srgbClr val="00B050"/>
-                </a:solidFill>
-              </a:rPr>
-              <a:t>0</a:t>
-            </a:r>
-            <a:r>
-              <a:rPr lang="en-US" sz="1350" b="1" dirty="0"/>
-              <a:t>;     // j is defined everywhere, not just block </a:t>
-            </a:r>
-          </a:p>
-          <a:p>
-            <a:endParaRPr lang="en-US" sz="1350" b="1" dirty="0"/>
-          </a:p>
-          <a:p>
-            <a:r>
-              <a:rPr lang="en-US" sz="1350" b="1" dirty="0"/>
-              <a:t>                </a:t>
-            </a:r>
-            <a:r>
-              <a:rPr lang="en-US" sz="1350" b="1" dirty="0">
-                <a:solidFill>
-                  <a:srgbClr val="0070C0"/>
-                </a:solidFill>
-              </a:rPr>
-              <a:t>for(</a:t>
-            </a:r>
-            <a:r>
-              <a:rPr lang="en-US" sz="1350" b="1" dirty="0" err="1">
-                <a:solidFill>
-                  <a:srgbClr val="0070C0"/>
-                </a:solidFill>
-              </a:rPr>
-              <a:t>var</a:t>
-            </a:r>
-            <a:r>
-              <a:rPr lang="en-US" sz="1350" b="1" dirty="0"/>
-              <a:t> </a:t>
-            </a:r>
-            <a:r>
-              <a:rPr lang="en-US" sz="1350" b="1" dirty="0">
-                <a:solidFill>
-                  <a:schemeClr val="accent6">
-                    <a:lumMod val="75000"/>
-                  </a:schemeClr>
-                </a:solidFill>
-              </a:rPr>
-              <a:t>k</a:t>
-            </a:r>
-            <a:r>
-              <a:rPr lang="en-US" sz="1350" b="1" dirty="0"/>
-              <a:t>=</a:t>
-            </a:r>
-            <a:r>
-              <a:rPr lang="en-US" sz="1350" b="1" dirty="0">
-                <a:solidFill>
-                  <a:srgbClr val="00B050"/>
-                </a:solidFill>
-              </a:rPr>
-              <a:t>0</a:t>
-            </a:r>
-            <a:r>
-              <a:rPr lang="en-US" sz="1350" b="1" dirty="0"/>
-              <a:t>; </a:t>
-            </a:r>
-            <a:r>
-              <a:rPr lang="en-US" sz="1350" b="1" dirty="0">
-                <a:solidFill>
-                  <a:schemeClr val="accent6">
-                    <a:lumMod val="75000"/>
-                  </a:schemeClr>
-                </a:solidFill>
-              </a:rPr>
-              <a:t>k</a:t>
-            </a:r>
-            <a:r>
-              <a:rPr lang="en-US" sz="1350" b="1" dirty="0"/>
-              <a:t> &lt; </a:t>
-            </a:r>
-            <a:r>
-              <a:rPr lang="en-US" sz="1350" b="1" dirty="0">
-                <a:solidFill>
-                  <a:srgbClr val="00B050"/>
-                </a:solidFill>
-              </a:rPr>
-              <a:t>10</a:t>
-            </a:r>
-            <a:r>
-              <a:rPr lang="en-US" sz="1350" b="1" dirty="0"/>
-              <a:t>; </a:t>
-            </a:r>
-            <a:r>
-              <a:rPr lang="en-US" sz="1350" b="1" dirty="0">
-                <a:solidFill>
-                  <a:schemeClr val="accent6">
-                    <a:lumMod val="75000"/>
-                  </a:schemeClr>
-                </a:solidFill>
-              </a:rPr>
-              <a:t>k</a:t>
-            </a:r>
-            <a:r>
-              <a:rPr lang="en-US" sz="1350" b="1" dirty="0"/>
-              <a:t>++) {    // k is defined everywhere, not just loop </a:t>
-            </a:r>
-          </a:p>
-          <a:p>
-            <a:r>
-              <a:rPr lang="en-US" sz="1350" b="1" dirty="0"/>
-              <a:t>                      </a:t>
-            </a:r>
-            <a:r>
-              <a:rPr lang="en-US" sz="1350" b="1" dirty="0" err="1">
-                <a:solidFill>
-                  <a:schemeClr val="accent6">
-                    <a:lumMod val="75000"/>
-                  </a:schemeClr>
-                </a:solidFill>
-              </a:rPr>
-              <a:t>document</a:t>
-            </a:r>
-            <a:r>
-              <a:rPr lang="en-US" sz="1350" b="1" dirty="0" err="1"/>
-              <a:t>.</a:t>
-            </a:r>
-            <a:r>
-              <a:rPr lang="en-US" sz="1350" b="1" dirty="0" err="1">
-                <a:solidFill>
-                  <a:srgbClr val="0070C0"/>
-                </a:solidFill>
-              </a:rPr>
-              <a:t>write</a:t>
-            </a:r>
-            <a:r>
-              <a:rPr lang="en-US" sz="1350" b="1" dirty="0"/>
-              <a:t>(</a:t>
-            </a:r>
-            <a:r>
-              <a:rPr lang="en-US" sz="1350" b="1" dirty="0">
-                <a:solidFill>
-                  <a:schemeClr val="accent6">
-                    <a:lumMod val="75000"/>
-                  </a:schemeClr>
-                </a:solidFill>
-              </a:rPr>
-              <a:t>k</a:t>
-            </a:r>
-            <a:r>
-              <a:rPr lang="en-US" sz="1350" b="1" dirty="0"/>
-              <a:t>); </a:t>
-            </a:r>
-          </a:p>
-          <a:p>
-            <a:r>
-              <a:rPr lang="en-US" sz="1350" b="1" dirty="0"/>
-              <a:t>                } </a:t>
-            </a:r>
-          </a:p>
-          <a:p>
-            <a:endParaRPr lang="en-US" sz="1350" b="1" dirty="0"/>
-          </a:p>
-          <a:p>
-            <a:r>
-              <a:rPr lang="en-US" sz="1350" b="1" dirty="0"/>
-              <a:t>                </a:t>
-            </a:r>
-            <a:r>
-              <a:rPr lang="en-US" sz="1350" b="1" dirty="0" err="1">
-                <a:solidFill>
-                  <a:schemeClr val="accent6">
-                    <a:lumMod val="75000"/>
-                  </a:schemeClr>
-                </a:solidFill>
-              </a:rPr>
-              <a:t>document</a:t>
-            </a:r>
-            <a:r>
-              <a:rPr lang="en-US" sz="1350" b="1" dirty="0" err="1"/>
-              <a:t>.</a:t>
-            </a:r>
-            <a:r>
-              <a:rPr lang="en-US" sz="1350" b="1" dirty="0" err="1">
-                <a:solidFill>
-                  <a:srgbClr val="0070C0"/>
-                </a:solidFill>
-              </a:rPr>
-              <a:t>write</a:t>
-            </a:r>
-            <a:r>
-              <a:rPr lang="en-US" sz="1350" b="1" dirty="0"/>
-              <a:t>(</a:t>
-            </a:r>
-            <a:r>
-              <a:rPr lang="en-US" sz="1350" b="1" dirty="0">
-                <a:solidFill>
-                  <a:schemeClr val="accent6">
-                    <a:lumMod val="75000"/>
-                  </a:schemeClr>
-                </a:solidFill>
-              </a:rPr>
-              <a:t>k</a:t>
-            </a:r>
-            <a:r>
-              <a:rPr lang="en-US" sz="1350" b="1" dirty="0"/>
-              <a:t>);   // k is still defined: prints 10 </a:t>
-            </a:r>
-          </a:p>
-          <a:p>
-            <a:r>
-              <a:rPr lang="en-US" sz="1350" b="1" dirty="0"/>
-              <a:t>       } </a:t>
-            </a:r>
-          </a:p>
-          <a:p>
-            <a:r>
-              <a:rPr lang="en-US" sz="1350" b="1" dirty="0"/>
-              <a:t>       </a:t>
-            </a:r>
-            <a:r>
-              <a:rPr lang="en-US" sz="1350" b="1" dirty="0" err="1">
-                <a:solidFill>
-                  <a:schemeClr val="accent6">
-                    <a:lumMod val="75000"/>
-                  </a:schemeClr>
-                </a:solidFill>
-              </a:rPr>
-              <a:t>document</a:t>
-            </a:r>
-            <a:r>
-              <a:rPr lang="en-US" sz="1350" b="1" dirty="0" err="1"/>
-              <a:t>.</a:t>
-            </a:r>
-            <a:r>
-              <a:rPr lang="en-US" sz="1350" b="1" dirty="0" err="1">
-                <a:solidFill>
-                  <a:srgbClr val="0070C0"/>
-                </a:solidFill>
-              </a:rPr>
-              <a:t>write</a:t>
-            </a:r>
-            <a:r>
-              <a:rPr lang="en-US" sz="1350" b="1" dirty="0"/>
-              <a:t>(</a:t>
-            </a:r>
-            <a:r>
-              <a:rPr lang="en-US" sz="1350" b="1" dirty="0">
-                <a:solidFill>
-                  <a:schemeClr val="accent6">
-                    <a:lumMod val="75000"/>
-                  </a:schemeClr>
-                </a:solidFill>
-              </a:rPr>
-              <a:t>j</a:t>
-            </a:r>
-            <a:r>
-              <a:rPr lang="en-US" sz="1350" b="1" dirty="0"/>
-              <a:t>);    // j is defined, but may not be initialized </a:t>
-            </a:r>
-          </a:p>
-          <a:p>
-            <a:r>
-              <a:rPr lang="en-US" sz="1350" b="1" dirty="0"/>
-              <a:t>} </a:t>
-            </a:r>
-          </a:p>
-        </p:txBody>
-      </p:sp>
-      <p:sp>
-        <p:nvSpPr>
-          <p:cNvPr id="8" name="Title 1"/>
-          <p:cNvSpPr txBox="1">
-            <a:spLocks/>
-          </p:cNvSpPr>
-          <p:nvPr/>
-        </p:nvSpPr>
-        <p:spPr>
-          <a:xfrm>
-            <a:off x="457200" y="274638"/>
-            <a:ext cx="8229600" cy="1143000"/>
-          </a:xfrm>
-          <a:prstGeom prst="rect">
-            <a:avLst/>
-          </a:prstGeom>
-        </p:spPr>
-        <p:txBody>
-          <a:bodyPr vert="horz" lIns="91440" tIns="45720" rIns="91440" bIns="45720" rtlCol="0" anchor="ctr">
-            <a:normAutofit fontScale="97500"/>
-          </a:bodyPr>
-          <a:lstStyle>
-            <a:lvl1pPr algn="ctr" defTabSz="914400" rtl="0" eaLnBrk="1" latinLnBrk="0" hangingPunct="1">
+            <a:pPr marL="0" marR="0" lvl="0" indent="0" algn="l" defTabSz="914400" rtl="0" eaLnBrk="0" fontAlgn="base" latinLnBrk="0" hangingPunct="0">
+              <a:lnSpc>
+                <a:spcPct val="100000"/>
+              </a:lnSpc>
               <a:spcBef>
                 <a:spcPct val="0"/>
               </a:spcBef>
+              <a:spcAft>
+                <a:spcPct val="0"/>
+              </a:spcAft>
+              <a:buClrTx/>
+              <a:buSzTx/>
+              <a:buFontTx/>
               <a:buNone/>
-              <a:defRPr sz="4400" kern="1200">
+              <a:tabLst/>
+            </a:pPr>
+            <a:r>
+              <a:rPr kumimoji="0" lang="en-US" altLang="en-US" sz="2400" b="1" i="0" u="none" strike="noStrike" cap="none" normalizeH="0" baseline="0" dirty="0" smtClean="0">
+                <a:ln>
+                  <a:noFill/>
+                </a:ln>
+                <a:solidFill>
+                  <a:srgbClr val="006699"/>
+                </a:solidFill>
+                <a:effectLst/>
+                <a:latin typeface="Ubuntu Mono"/>
+              </a:rPr>
+              <a:t>function</a:t>
+            </a:r>
+            <a:r>
+              <a:rPr kumimoji="0" lang="en-US" altLang="en-US" sz="2400" b="0" i="0" u="none" strike="noStrike" cap="none" normalizeH="0" baseline="0" dirty="0" smtClean="0">
+                <a:ln>
+                  <a:noFill/>
+                </a:ln>
+                <a:solidFill>
+                  <a:srgbClr val="000000"/>
+                </a:solidFill>
+                <a:effectLst/>
+                <a:latin typeface="Ubuntu Mono"/>
+              </a:rPr>
+              <a:t> </a:t>
+            </a:r>
+            <a:r>
+              <a:rPr kumimoji="0" lang="en-US" altLang="en-US" sz="2400" b="0" i="0" u="none" strike="noStrike" cap="none" normalizeH="0" baseline="0" dirty="0" smtClean="0">
+                <a:ln>
+                  <a:noFill/>
+                </a:ln>
+                <a:solidFill>
+                  <a:srgbClr val="000088"/>
+                </a:solidFill>
+                <a:effectLst/>
+                <a:latin typeface="Ubuntu Mono"/>
+              </a:rPr>
+              <a:t>f</a:t>
+            </a:r>
+            <a:r>
+              <a:rPr kumimoji="0" lang="en-US" altLang="en-US" sz="2400" b="0" i="0" u="none" strike="noStrike" cap="none" normalizeH="0" baseline="0" dirty="0" smtClean="0">
+                <a:ln>
+                  <a:noFill/>
+                </a:ln>
+                <a:solidFill>
+                  <a:srgbClr val="000000"/>
+                </a:solidFill>
+                <a:effectLst/>
+                <a:latin typeface="Ubuntu Mono"/>
+              </a:rPr>
+              <a:t>() { </a:t>
+            </a:r>
+          </a:p>
+          <a:p>
+            <a:pPr marL="0" marR="0" lvl="0" indent="0" algn="l" defTabSz="914400" rtl="0" eaLnBrk="0" fontAlgn="base" latinLnBrk="0" hangingPunct="0">
+              <a:lnSpc>
+                <a:spcPct val="100000"/>
+              </a:lnSpc>
+              <a:spcBef>
+                <a:spcPct val="0"/>
+              </a:spcBef>
+              <a:spcAft>
+                <a:spcPct val="0"/>
+              </a:spcAft>
+              <a:buClrTx/>
+              <a:buSzTx/>
+              <a:buFontTx/>
+              <a:buNone/>
+              <a:tabLst/>
+            </a:pPr>
+            <a:r>
+              <a:rPr lang="en-US" altLang="en-US" sz="2400" dirty="0">
+                <a:solidFill>
+                  <a:srgbClr val="000000"/>
+                </a:solidFill>
+                <a:latin typeface="Ubuntu Mono"/>
+              </a:rPr>
+              <a:t> </a:t>
+            </a:r>
+            <a:r>
+              <a:rPr lang="en-US" altLang="en-US" sz="2400" dirty="0" smtClean="0">
+                <a:solidFill>
+                  <a:srgbClr val="000000"/>
+                </a:solidFill>
+                <a:latin typeface="Ubuntu Mono"/>
+              </a:rPr>
+              <a:t>   </a:t>
+            </a:r>
+            <a:r>
+              <a:rPr kumimoji="0" lang="en-US" altLang="en-US" sz="2400" b="0" i="0" u="none" strike="noStrike" cap="none" normalizeH="0" baseline="0" dirty="0" smtClean="0">
+                <a:ln>
+                  <a:noFill/>
+                </a:ln>
+                <a:solidFill>
+                  <a:srgbClr val="000000"/>
+                </a:solidFill>
+                <a:effectLst/>
+                <a:latin typeface="Ubuntu Mono"/>
+              </a:rPr>
+              <a:t>{ </a:t>
+            </a:r>
+            <a:r>
+              <a:rPr kumimoji="0" lang="en-US" altLang="en-US" sz="2400" b="0" i="1" u="none" strike="noStrike" cap="none" normalizeH="0" baseline="0" dirty="0" smtClean="0">
+                <a:ln>
+                  <a:noFill/>
+                </a:ln>
+                <a:solidFill>
+                  <a:srgbClr val="35586C"/>
+                </a:solidFill>
+                <a:effectLst/>
+                <a:latin typeface="Ubuntu Mono"/>
+              </a:rPr>
+              <a:t>// block starts</a:t>
+            </a:r>
+            <a:r>
+              <a:rPr kumimoji="0" lang="en-US" altLang="en-US" sz="2400" b="0" i="0" u="none" strike="noStrike" cap="none" normalizeH="0" baseline="0" dirty="0" smtClean="0">
+                <a:ln>
+                  <a:noFill/>
+                </a:ln>
+                <a:solidFill>
+                  <a:srgbClr val="000000"/>
+                </a:solidFill>
+                <a:effectLst/>
+                <a:latin typeface="Ubuntu Mono"/>
+              </a:rPr>
+              <a:t> </a:t>
+            </a:r>
+          </a:p>
+          <a:p>
+            <a:pPr marL="0" marR="0" lvl="0" indent="0" algn="l" defTabSz="914400" rtl="0" eaLnBrk="0" fontAlgn="base" latinLnBrk="0" hangingPunct="0">
+              <a:lnSpc>
+                <a:spcPct val="100000"/>
+              </a:lnSpc>
+              <a:spcBef>
+                <a:spcPct val="0"/>
+              </a:spcBef>
+              <a:spcAft>
+                <a:spcPct val="0"/>
+              </a:spcAft>
+              <a:buClrTx/>
+              <a:buSzTx/>
+              <a:buFontTx/>
+              <a:buNone/>
+              <a:tabLst/>
+            </a:pPr>
+            <a:r>
+              <a:rPr lang="en-US" altLang="en-US" sz="2400" dirty="0">
+                <a:solidFill>
+                  <a:srgbClr val="000000"/>
+                </a:solidFill>
+                <a:latin typeface="Ubuntu Mono"/>
+              </a:rPr>
+              <a:t> </a:t>
+            </a:r>
+            <a:r>
+              <a:rPr lang="en-US" altLang="en-US" sz="2400" dirty="0" smtClean="0">
+                <a:solidFill>
+                  <a:srgbClr val="000000"/>
+                </a:solidFill>
+                <a:latin typeface="Ubuntu Mono"/>
+              </a:rPr>
+              <a:t>       </a:t>
+            </a:r>
+            <a:r>
+              <a:rPr kumimoji="0" lang="en-US" altLang="en-US" sz="2400" b="1" i="0" u="none" strike="noStrike" cap="none" normalizeH="0" baseline="0" dirty="0" err="1" smtClean="0">
+                <a:ln>
+                  <a:noFill/>
+                </a:ln>
+                <a:solidFill>
+                  <a:srgbClr val="006699"/>
+                </a:solidFill>
+                <a:effectLst/>
+                <a:latin typeface="Ubuntu Mono"/>
+              </a:rPr>
+              <a:t>var</a:t>
+            </a:r>
+            <a:r>
+              <a:rPr kumimoji="0" lang="en-US" altLang="en-US" sz="2400" b="0" i="0" u="none" strike="noStrike" cap="none" normalizeH="0" baseline="0" dirty="0" smtClean="0">
+                <a:ln>
+                  <a:noFill/>
+                </a:ln>
+                <a:solidFill>
+                  <a:srgbClr val="000000"/>
+                </a:solidFill>
+                <a:effectLst/>
+                <a:latin typeface="Ubuntu Mono"/>
+              </a:rPr>
+              <a:t> </a:t>
+            </a:r>
+            <a:r>
+              <a:rPr kumimoji="0" lang="en-US" altLang="en-US" sz="2400" b="0" i="0" u="none" strike="noStrike" cap="none" normalizeH="0" baseline="0" dirty="0" smtClean="0">
+                <a:ln>
+                  <a:noFill/>
+                </a:ln>
+                <a:solidFill>
+                  <a:srgbClr val="000088"/>
+                </a:solidFill>
+                <a:effectLst/>
+                <a:latin typeface="Ubuntu Mono"/>
+              </a:rPr>
+              <a:t>foo</a:t>
+            </a:r>
+            <a:r>
+              <a:rPr kumimoji="0" lang="en-US" altLang="en-US" sz="2400" b="0" i="0" u="none" strike="noStrike" cap="none" normalizeH="0" baseline="0" dirty="0" smtClean="0">
+                <a:ln>
+                  <a:noFill/>
+                </a:ln>
+                <a:solidFill>
+                  <a:srgbClr val="000000"/>
+                </a:solidFill>
+                <a:effectLst/>
+                <a:latin typeface="Ubuntu Mono"/>
+              </a:rPr>
+              <a:t> </a:t>
+            </a:r>
+            <a:r>
+              <a:rPr kumimoji="0" lang="en-US" altLang="en-US" sz="2400" b="0" i="0" u="none" strike="noStrike" cap="none" normalizeH="0" baseline="0" dirty="0" smtClean="0">
+                <a:ln>
+                  <a:noFill/>
+                </a:ln>
+                <a:solidFill>
+                  <a:srgbClr val="555555"/>
+                </a:solidFill>
+                <a:effectLst/>
+                <a:latin typeface="Ubuntu Mono"/>
+              </a:rPr>
+              <a:t>=</a:t>
+            </a:r>
+            <a:r>
+              <a:rPr kumimoji="0" lang="en-US" altLang="en-US" sz="2400" b="0" i="0" u="none" strike="noStrike" cap="none" normalizeH="0" baseline="0" dirty="0" smtClean="0">
+                <a:ln>
+                  <a:noFill/>
+                </a:ln>
+                <a:solidFill>
+                  <a:srgbClr val="000000"/>
+                </a:solidFill>
+                <a:effectLst/>
+                <a:latin typeface="Ubuntu Mono"/>
+              </a:rPr>
+              <a:t> </a:t>
+            </a:r>
+            <a:r>
+              <a:rPr kumimoji="0" lang="en-US" altLang="en-US" sz="2400" b="0" i="0" u="none" strike="noStrike" cap="none" normalizeH="0" baseline="0" dirty="0" smtClean="0">
+                <a:ln>
+                  <a:noFill/>
+                </a:ln>
+                <a:solidFill>
+                  <a:srgbClr val="FF6600"/>
+                </a:solidFill>
+                <a:effectLst/>
+                <a:latin typeface="Ubuntu Mono"/>
+              </a:rPr>
+              <a:t>4</a:t>
+            </a:r>
+            <a:r>
+              <a:rPr kumimoji="0" lang="en-US" altLang="en-US" sz="2400" b="0" i="0" u="none" strike="noStrike" cap="none" normalizeH="0" baseline="0" dirty="0" smtClean="0">
+                <a:ln>
+                  <a:noFill/>
+                </a:ln>
+                <a:solidFill>
+                  <a:srgbClr val="000000"/>
+                </a:solidFill>
+                <a:effectLst/>
+                <a:latin typeface="Ubuntu Mono"/>
+              </a:rPr>
+              <a:t>; </a:t>
+            </a:r>
+          </a:p>
+          <a:p>
+            <a:pPr marL="0" marR="0" lvl="0" indent="0" algn="l" defTabSz="914400" rtl="0" eaLnBrk="0" fontAlgn="base" latinLnBrk="0" hangingPunct="0">
+              <a:lnSpc>
+                <a:spcPct val="100000"/>
+              </a:lnSpc>
+              <a:spcBef>
+                <a:spcPct val="0"/>
+              </a:spcBef>
+              <a:spcAft>
+                <a:spcPct val="0"/>
+              </a:spcAft>
+              <a:buClrTx/>
+              <a:buSzTx/>
+              <a:buFontTx/>
+              <a:buNone/>
+              <a:tabLst/>
+            </a:pPr>
+            <a:r>
+              <a:rPr lang="en-US" altLang="en-US" sz="2400" dirty="0">
+                <a:solidFill>
+                  <a:srgbClr val="000000"/>
+                </a:solidFill>
+                <a:latin typeface="Ubuntu Mono"/>
+              </a:rPr>
+              <a:t> </a:t>
+            </a:r>
+            <a:r>
+              <a:rPr lang="en-US" altLang="en-US" sz="2400" dirty="0" smtClean="0">
+                <a:solidFill>
+                  <a:srgbClr val="000000"/>
+                </a:solidFill>
+                <a:latin typeface="Ubuntu Mono"/>
+              </a:rPr>
+              <a:t>   </a:t>
+            </a:r>
+            <a:r>
+              <a:rPr kumimoji="0" lang="en-US" altLang="en-US" sz="2400" b="0" i="0" u="none" strike="noStrike" cap="none" normalizeH="0" baseline="0" dirty="0" smtClean="0">
+                <a:ln>
+                  <a:noFill/>
+                </a:ln>
+                <a:solidFill>
+                  <a:srgbClr val="000000"/>
+                </a:solidFill>
+                <a:effectLst/>
+                <a:latin typeface="Ubuntu Mono"/>
+              </a:rPr>
+              <a:t>} </a:t>
+            </a:r>
+            <a:r>
+              <a:rPr kumimoji="0" lang="en-US" altLang="en-US" sz="2400" b="0" i="1" u="none" strike="noStrike" cap="none" normalizeH="0" baseline="0" dirty="0" smtClean="0">
+                <a:ln>
+                  <a:noFill/>
+                </a:ln>
+                <a:solidFill>
+                  <a:srgbClr val="35586C"/>
+                </a:solidFill>
+                <a:effectLst/>
+                <a:latin typeface="Ubuntu Mono"/>
+              </a:rPr>
+              <a:t>// block ends</a:t>
+            </a:r>
+            <a:r>
+              <a:rPr kumimoji="0" lang="en-US" altLang="en-US" sz="2400" b="0" i="0" u="none" strike="noStrike" cap="none" normalizeH="0" baseline="0" dirty="0" smtClean="0">
+                <a:ln>
+                  <a:noFill/>
+                </a:ln>
+                <a:solidFill>
+                  <a:srgbClr val="000000"/>
+                </a:solidFill>
+                <a:effectLst/>
+                <a:latin typeface="Ubuntu Mono"/>
+              </a:rPr>
+              <a:t> </a:t>
+            </a:r>
+          </a:p>
+          <a:p>
+            <a:pPr marL="0" marR="0" lvl="0" indent="0" algn="l" defTabSz="914400" rtl="0" eaLnBrk="0" fontAlgn="base" latinLnBrk="0" hangingPunct="0">
+              <a:lnSpc>
+                <a:spcPct val="100000"/>
+              </a:lnSpc>
+              <a:spcBef>
+                <a:spcPct val="0"/>
+              </a:spcBef>
+              <a:spcAft>
+                <a:spcPct val="0"/>
+              </a:spcAft>
+              <a:buClrTx/>
+              <a:buSzTx/>
+              <a:buFontTx/>
+              <a:buNone/>
+              <a:tabLst/>
+            </a:pPr>
+            <a:r>
+              <a:rPr lang="en-US" altLang="en-US" sz="2400" dirty="0">
+                <a:solidFill>
+                  <a:srgbClr val="000000"/>
+                </a:solidFill>
+                <a:latin typeface="Ubuntu Mono"/>
+              </a:rPr>
+              <a:t> </a:t>
+            </a:r>
+            <a:r>
+              <a:rPr lang="en-US" altLang="en-US" sz="2400" dirty="0" smtClean="0">
+                <a:solidFill>
+                  <a:srgbClr val="000000"/>
+                </a:solidFill>
+                <a:latin typeface="Ubuntu Mono"/>
+              </a:rPr>
+              <a:t>   </a:t>
+            </a:r>
+            <a:r>
+              <a:rPr kumimoji="0" lang="en-US" altLang="en-US" sz="2400" b="0" i="0" u="none" strike="noStrike" cap="none" normalizeH="0" baseline="0" dirty="0" smtClean="0">
+                <a:ln>
+                  <a:noFill/>
+                </a:ln>
+                <a:solidFill>
+                  <a:srgbClr val="000088"/>
+                </a:solidFill>
+                <a:effectLst/>
+                <a:latin typeface="Ubuntu Mono"/>
+              </a:rPr>
+              <a:t>console</a:t>
+            </a:r>
+            <a:r>
+              <a:rPr kumimoji="0" lang="en-US" altLang="en-US" sz="2400" b="0" i="0" u="none" strike="noStrike" cap="none" normalizeH="0" baseline="0" dirty="0" smtClean="0">
+                <a:ln>
+                  <a:noFill/>
+                </a:ln>
+                <a:solidFill>
+                  <a:srgbClr val="000000"/>
+                </a:solidFill>
+                <a:effectLst/>
+                <a:latin typeface="Ubuntu Mono"/>
+              </a:rPr>
+              <a:t>.</a:t>
+            </a:r>
+            <a:r>
+              <a:rPr kumimoji="0" lang="en-US" altLang="en-US" sz="2400" b="0" i="0" u="none" strike="noStrike" cap="none" normalizeH="0" baseline="0" dirty="0" smtClean="0">
+                <a:ln>
+                  <a:noFill/>
+                </a:ln>
+                <a:solidFill>
+                  <a:srgbClr val="000088"/>
+                </a:solidFill>
+                <a:effectLst/>
+                <a:latin typeface="Ubuntu Mono"/>
+              </a:rPr>
+              <a:t>log</a:t>
+            </a:r>
+            <a:r>
+              <a:rPr kumimoji="0" lang="en-US" altLang="en-US" sz="2400" b="0" i="0" u="none" strike="noStrike" cap="none" normalizeH="0" baseline="0" dirty="0" smtClean="0">
+                <a:ln>
+                  <a:noFill/>
+                </a:ln>
+                <a:solidFill>
+                  <a:srgbClr val="000000"/>
+                </a:solidFill>
+                <a:effectLst/>
+                <a:latin typeface="Ubuntu Mono"/>
+              </a:rPr>
+              <a:t>(</a:t>
+            </a:r>
+            <a:r>
+              <a:rPr kumimoji="0" lang="en-US" altLang="en-US" sz="2400" b="0" i="0" u="none" strike="noStrike" cap="none" normalizeH="0" baseline="0" dirty="0" smtClean="0">
+                <a:ln>
+                  <a:noFill/>
+                </a:ln>
+                <a:solidFill>
+                  <a:srgbClr val="000088"/>
+                </a:solidFill>
+                <a:effectLst/>
+                <a:latin typeface="Ubuntu Mono"/>
+              </a:rPr>
+              <a:t>foo</a:t>
+            </a:r>
+            <a:r>
+              <a:rPr kumimoji="0" lang="en-US" altLang="en-US" sz="2400" b="0" i="0" u="none" strike="noStrike" cap="none" normalizeH="0" baseline="0" dirty="0" smtClean="0">
+                <a:ln>
+                  <a:noFill/>
+                </a:ln>
+                <a:solidFill>
+                  <a:srgbClr val="000000"/>
+                </a:solidFill>
+                <a:effectLst/>
+                <a:latin typeface="Ubuntu Mono"/>
+              </a:rPr>
+              <a:t>); </a:t>
+            </a:r>
+            <a:r>
+              <a:rPr kumimoji="0" lang="en-US" altLang="en-US" sz="2400" b="0" i="1" u="none" strike="noStrike" cap="none" normalizeH="0" baseline="0" dirty="0" smtClean="0">
+                <a:ln>
+                  <a:noFill/>
+                </a:ln>
+                <a:solidFill>
+                  <a:srgbClr val="35586C"/>
+                </a:solidFill>
+                <a:effectLst/>
+                <a:latin typeface="Ubuntu Mono"/>
+              </a:rPr>
+              <a:t>// 4</a:t>
+            </a:r>
+            <a:r>
+              <a:rPr kumimoji="0" lang="en-US" altLang="en-US" sz="2400" b="0" i="0" u="none" strike="noStrike" cap="none" normalizeH="0" baseline="0" dirty="0" smtClean="0">
+                <a:ln>
+                  <a:noFill/>
+                </a:ln>
+                <a:solidFill>
+                  <a:srgbClr val="000000"/>
+                </a:solidFill>
+                <a:effectLst/>
+                <a:latin typeface="Ubuntu Mono"/>
+              </a:rPr>
+              <a:t> </a:t>
+            </a:r>
+          </a:p>
+          <a:p>
+            <a:pPr marL="0" marR="0" lvl="0" indent="0" algn="l" defTabSz="914400" rtl="0" eaLnBrk="0" fontAlgn="base" latinLnBrk="0" hangingPunct="0">
+              <a:lnSpc>
+                <a:spcPct val="100000"/>
+              </a:lnSpc>
+              <a:spcBef>
+                <a:spcPct val="0"/>
+              </a:spcBef>
+              <a:spcAft>
+                <a:spcPct val="0"/>
+              </a:spcAft>
+              <a:buClrTx/>
+              <a:buSzTx/>
+              <a:buFontTx/>
+              <a:buNone/>
+              <a:tabLst/>
+            </a:pPr>
+            <a:r>
+              <a:rPr kumimoji="0" lang="en-US" altLang="en-US" sz="2400" b="0" i="0" u="none" strike="noStrike" cap="none" normalizeH="0" baseline="0" dirty="0" smtClean="0">
+                <a:ln>
+                  <a:noFill/>
+                </a:ln>
+                <a:solidFill>
+                  <a:srgbClr val="000000"/>
+                </a:solidFill>
+                <a:effectLst/>
+                <a:latin typeface="Ubuntu Mono"/>
+              </a:rPr>
+              <a:t>}</a:t>
+            </a:r>
+            <a:r>
+              <a:rPr kumimoji="0" lang="en-US" altLang="en-US" sz="2400" b="0" i="0" u="none" strike="noStrike" cap="none" normalizeH="0" baseline="0" dirty="0" smtClean="0">
+                <a:ln>
+                  <a:noFill/>
+                </a:ln>
                 <a:solidFill>
                   <a:schemeClr val="tx1"/>
                 </a:solidFill>
-                <a:latin typeface="+mj-lt"/>
-                <a:ea typeface="+mj-ea"/>
-                <a:cs typeface="+mj-cs"/>
-              </a:defRPr>
-            </a:lvl1pPr>
-          </a:lstStyle>
-          <a:p>
-            <a:r>
-              <a:rPr lang="en-US" dirty="0" smtClean="0"/>
-              <a:t>No block scope!</a:t>
-            </a:r>
-            <a:endParaRPr lang="en-US" dirty="0"/>
+                <a:effectLst/>
+              </a:rPr>
+              <a:t> </a:t>
+            </a:r>
+            <a:endParaRPr kumimoji="0" lang="en-US" altLang="en-US" sz="2400" b="0" i="0" u="none" strike="noStrike" cap="none" normalizeH="0" baseline="0" dirty="0" smtClean="0">
+              <a:ln>
+                <a:noFill/>
+              </a:ln>
+              <a:solidFill>
+                <a:schemeClr val="tx1"/>
+              </a:solidFill>
+              <a:effectLst/>
+              <a:latin typeface="Arial" panose="020B0604020202020204" pitchFamily="34" charset="0"/>
+            </a:endParaRPr>
           </a:p>
         </p:txBody>
       </p:sp>
     </p:spTree>
     <p:extLst>
       <p:ext uri="{BB962C8B-B14F-4D97-AF65-F5344CB8AC3E}">
-        <p14:creationId xmlns:p14="http://schemas.microsoft.com/office/powerpoint/2010/main" val="4086197798"/>
+        <p14:creationId xmlns:p14="http://schemas.microsoft.com/office/powerpoint/2010/main" val="4066509814"/>
       </p:ext>
     </p:extLst>
   </p:cSld>
   <p:clrMapOvr>
     <a:masterClrMapping/>
   </p:clrMapOvr>
-  <p:transition/>
   <p:timing>
     <p:tnLst>
       <p:par>
@@ -10786,6 +10339,574 @@
       </p:grpSpPr>
       <p:sp>
         <p:nvSpPr>
+          <p:cNvPr id="6" name="Rectangle 5"/>
+          <p:cNvSpPr/>
+          <p:nvPr/>
+        </p:nvSpPr>
+        <p:spPr>
+          <a:xfrm>
+            <a:off x="1410868" y="1700808"/>
+            <a:ext cx="6322263" cy="2793072"/>
+          </a:xfrm>
+          <a:prstGeom prst="rect">
+            <a:avLst/>
+          </a:prstGeom>
+        </p:spPr>
+        <p:style>
+          <a:lnRef idx="1">
+            <a:schemeClr val="dk1"/>
+          </a:lnRef>
+          <a:fillRef idx="1001">
+            <a:schemeClr val="lt2"/>
+          </a:fillRef>
+          <a:effectRef idx="1">
+            <a:schemeClr val="dk1"/>
+          </a:effectRef>
+          <a:fontRef idx="minor">
+            <a:schemeClr val="dk1"/>
+          </a:fontRef>
+        </p:style>
+        <p:txBody>
+          <a:bodyPr wrap="square">
+            <a:spAutoFit/>
+          </a:bodyPr>
+          <a:lstStyle/>
+          <a:p>
+            <a:r>
+              <a:rPr lang="en-US" sz="1350" b="1" dirty="0">
+                <a:solidFill>
+                  <a:srgbClr val="0070C0"/>
+                </a:solidFill>
+              </a:rPr>
+              <a:t>function</a:t>
+            </a:r>
+            <a:r>
+              <a:rPr lang="en-US" sz="1350" b="1" dirty="0"/>
+              <a:t> </a:t>
+            </a:r>
+            <a:r>
+              <a:rPr lang="en-US" sz="1350" b="1" dirty="0">
+                <a:solidFill>
+                  <a:schemeClr val="accent6">
+                    <a:lumMod val="75000"/>
+                  </a:schemeClr>
+                </a:solidFill>
+              </a:rPr>
+              <a:t>test</a:t>
+            </a:r>
+            <a:r>
+              <a:rPr lang="en-US" sz="1350" b="1" dirty="0"/>
+              <a:t>(</a:t>
+            </a:r>
+            <a:r>
+              <a:rPr lang="en-US" sz="1350" b="1" dirty="0">
+                <a:solidFill>
+                  <a:schemeClr val="accent6">
+                    <a:lumMod val="75000"/>
+                  </a:schemeClr>
+                </a:solidFill>
+              </a:rPr>
+              <a:t>o</a:t>
+            </a:r>
+            <a:r>
+              <a:rPr lang="en-US" sz="1350" b="1" dirty="0"/>
+              <a:t>) {</a:t>
+            </a:r>
+          </a:p>
+          <a:p>
+            <a:r>
+              <a:rPr lang="en-US" sz="1350" b="1" dirty="0"/>
+              <a:t>        </a:t>
+            </a:r>
+            <a:r>
+              <a:rPr lang="en-US" sz="1350" b="1" dirty="0" err="1">
+                <a:solidFill>
+                  <a:srgbClr val="0070C0"/>
+                </a:solidFill>
+              </a:rPr>
+              <a:t>var</a:t>
+            </a:r>
+            <a:r>
+              <a:rPr lang="en-US" sz="1350" b="1" dirty="0"/>
+              <a:t> </a:t>
+            </a:r>
+            <a:r>
+              <a:rPr lang="en-US" sz="1350" b="1" dirty="0" err="1">
+                <a:solidFill>
+                  <a:schemeClr val="accent6">
+                    <a:lumMod val="75000"/>
+                  </a:schemeClr>
+                </a:solidFill>
+              </a:rPr>
+              <a:t>i</a:t>
+            </a:r>
+            <a:r>
+              <a:rPr lang="en-US" sz="1350" b="1" dirty="0"/>
+              <a:t> = </a:t>
+            </a:r>
+            <a:r>
+              <a:rPr lang="en-US" sz="1350" b="1" dirty="0">
+                <a:solidFill>
+                  <a:srgbClr val="00B050"/>
+                </a:solidFill>
+              </a:rPr>
+              <a:t>0</a:t>
+            </a:r>
+            <a:r>
+              <a:rPr lang="en-US" sz="1350" b="1" dirty="0"/>
+              <a:t>;       // </a:t>
+            </a:r>
+            <a:r>
+              <a:rPr lang="en-US" sz="1350" b="1" dirty="0" err="1"/>
+              <a:t>i</a:t>
+            </a:r>
+            <a:r>
+              <a:rPr lang="en-US" sz="1350" b="1" dirty="0"/>
+              <a:t> is defined throughout function </a:t>
+            </a:r>
+          </a:p>
+          <a:p>
+            <a:r>
+              <a:rPr lang="en-US" sz="1350" b="1" dirty="0"/>
+              <a:t>        </a:t>
+            </a:r>
+            <a:r>
+              <a:rPr lang="en-US" sz="1350" b="1" dirty="0">
+                <a:solidFill>
+                  <a:srgbClr val="0070C0"/>
+                </a:solidFill>
+              </a:rPr>
+              <a:t>if</a:t>
+            </a:r>
+            <a:r>
+              <a:rPr lang="en-US" sz="1350" b="1" dirty="0"/>
+              <a:t> (</a:t>
+            </a:r>
+            <a:r>
+              <a:rPr lang="en-US" sz="1350" b="1" dirty="0" err="1">
+                <a:solidFill>
+                  <a:srgbClr val="0070C0"/>
+                </a:solidFill>
+              </a:rPr>
+              <a:t>typeof</a:t>
+            </a:r>
+            <a:r>
+              <a:rPr lang="en-US" sz="1350" b="1" dirty="0"/>
+              <a:t> </a:t>
+            </a:r>
+            <a:r>
+              <a:rPr lang="en-US" sz="1350" b="1" dirty="0">
+                <a:solidFill>
+                  <a:schemeClr val="accent6">
+                    <a:lumMod val="75000"/>
+                  </a:schemeClr>
+                </a:solidFill>
+              </a:rPr>
+              <a:t>o</a:t>
+            </a:r>
+            <a:r>
+              <a:rPr lang="en-US" sz="1350" b="1" dirty="0"/>
+              <a:t> == "</a:t>
+            </a:r>
+            <a:r>
+              <a:rPr lang="en-US" sz="1350" b="1" dirty="0">
+                <a:solidFill>
+                  <a:srgbClr val="00B050"/>
+                </a:solidFill>
+              </a:rPr>
+              <a:t>object</a:t>
+            </a:r>
+            <a:r>
+              <a:rPr lang="en-US" sz="1350" b="1" dirty="0"/>
+              <a:t>") { </a:t>
+            </a:r>
+          </a:p>
+          <a:p>
+            <a:r>
+              <a:rPr lang="en-US" sz="1350" b="1" dirty="0"/>
+              <a:t>                </a:t>
+            </a:r>
+            <a:r>
+              <a:rPr lang="en-US" sz="1350" b="1" dirty="0" err="1">
+                <a:solidFill>
+                  <a:srgbClr val="0070C0"/>
+                </a:solidFill>
+              </a:rPr>
+              <a:t>var</a:t>
+            </a:r>
+            <a:r>
+              <a:rPr lang="en-US" sz="1350" b="1" dirty="0"/>
+              <a:t> </a:t>
+            </a:r>
+            <a:r>
+              <a:rPr lang="en-US" sz="1350" b="1" dirty="0">
+                <a:solidFill>
+                  <a:schemeClr val="accent6">
+                    <a:lumMod val="75000"/>
+                  </a:schemeClr>
+                </a:solidFill>
+              </a:rPr>
+              <a:t>j</a:t>
+            </a:r>
+            <a:r>
+              <a:rPr lang="en-US" sz="1350" b="1" dirty="0"/>
+              <a:t> = </a:t>
+            </a:r>
+            <a:r>
+              <a:rPr lang="en-US" sz="1350" b="1" dirty="0">
+                <a:solidFill>
+                  <a:srgbClr val="00B050"/>
+                </a:solidFill>
+              </a:rPr>
+              <a:t>0</a:t>
+            </a:r>
+            <a:r>
+              <a:rPr lang="en-US" sz="1350" b="1" dirty="0"/>
+              <a:t>;     // j is defined everywhere, not just block </a:t>
+            </a:r>
+          </a:p>
+          <a:p>
+            <a:endParaRPr lang="en-US" sz="1350" b="1" dirty="0"/>
+          </a:p>
+          <a:p>
+            <a:r>
+              <a:rPr lang="en-US" sz="1350" b="1" dirty="0"/>
+              <a:t>                </a:t>
+            </a:r>
+            <a:r>
+              <a:rPr lang="en-US" sz="1350" b="1" dirty="0">
+                <a:solidFill>
+                  <a:srgbClr val="0070C0"/>
+                </a:solidFill>
+              </a:rPr>
+              <a:t>for(</a:t>
+            </a:r>
+            <a:r>
+              <a:rPr lang="en-US" sz="1350" b="1" dirty="0" err="1">
+                <a:solidFill>
+                  <a:srgbClr val="0070C0"/>
+                </a:solidFill>
+              </a:rPr>
+              <a:t>var</a:t>
+            </a:r>
+            <a:r>
+              <a:rPr lang="en-US" sz="1350" b="1" dirty="0"/>
+              <a:t> </a:t>
+            </a:r>
+            <a:r>
+              <a:rPr lang="en-US" sz="1350" b="1" dirty="0">
+                <a:solidFill>
+                  <a:schemeClr val="accent6">
+                    <a:lumMod val="75000"/>
+                  </a:schemeClr>
+                </a:solidFill>
+              </a:rPr>
+              <a:t>k</a:t>
+            </a:r>
+            <a:r>
+              <a:rPr lang="en-US" sz="1350" b="1" dirty="0"/>
+              <a:t>=</a:t>
+            </a:r>
+            <a:r>
+              <a:rPr lang="en-US" sz="1350" b="1" dirty="0">
+                <a:solidFill>
+                  <a:srgbClr val="00B050"/>
+                </a:solidFill>
+              </a:rPr>
+              <a:t>0</a:t>
+            </a:r>
+            <a:r>
+              <a:rPr lang="en-US" sz="1350" b="1" dirty="0"/>
+              <a:t>; </a:t>
+            </a:r>
+            <a:r>
+              <a:rPr lang="en-US" sz="1350" b="1" dirty="0">
+                <a:solidFill>
+                  <a:schemeClr val="accent6">
+                    <a:lumMod val="75000"/>
+                  </a:schemeClr>
+                </a:solidFill>
+              </a:rPr>
+              <a:t>k</a:t>
+            </a:r>
+            <a:r>
+              <a:rPr lang="en-US" sz="1350" b="1" dirty="0"/>
+              <a:t> &lt; </a:t>
+            </a:r>
+            <a:r>
+              <a:rPr lang="en-US" sz="1350" b="1" dirty="0">
+                <a:solidFill>
+                  <a:srgbClr val="00B050"/>
+                </a:solidFill>
+              </a:rPr>
+              <a:t>10</a:t>
+            </a:r>
+            <a:r>
+              <a:rPr lang="en-US" sz="1350" b="1" dirty="0"/>
+              <a:t>; </a:t>
+            </a:r>
+            <a:r>
+              <a:rPr lang="en-US" sz="1350" b="1" dirty="0">
+                <a:solidFill>
+                  <a:schemeClr val="accent6">
+                    <a:lumMod val="75000"/>
+                  </a:schemeClr>
+                </a:solidFill>
+              </a:rPr>
+              <a:t>k</a:t>
+            </a:r>
+            <a:r>
+              <a:rPr lang="en-US" sz="1350" b="1" dirty="0"/>
+              <a:t>++) {    // k is defined everywhere, not just loop </a:t>
+            </a:r>
+          </a:p>
+          <a:p>
+            <a:r>
+              <a:rPr lang="en-US" sz="1350" b="1" dirty="0"/>
+              <a:t>                      </a:t>
+            </a:r>
+            <a:r>
+              <a:rPr lang="en-US" sz="1350" b="1" dirty="0" err="1">
+                <a:solidFill>
+                  <a:schemeClr val="accent6">
+                    <a:lumMod val="75000"/>
+                  </a:schemeClr>
+                </a:solidFill>
+              </a:rPr>
+              <a:t>document</a:t>
+            </a:r>
+            <a:r>
+              <a:rPr lang="en-US" sz="1350" b="1" dirty="0" err="1"/>
+              <a:t>.</a:t>
+            </a:r>
+            <a:r>
+              <a:rPr lang="en-US" sz="1350" b="1" dirty="0" err="1">
+                <a:solidFill>
+                  <a:srgbClr val="0070C0"/>
+                </a:solidFill>
+              </a:rPr>
+              <a:t>write</a:t>
+            </a:r>
+            <a:r>
+              <a:rPr lang="en-US" sz="1350" b="1" dirty="0"/>
+              <a:t>(</a:t>
+            </a:r>
+            <a:r>
+              <a:rPr lang="en-US" sz="1350" b="1" dirty="0">
+                <a:solidFill>
+                  <a:schemeClr val="accent6">
+                    <a:lumMod val="75000"/>
+                  </a:schemeClr>
+                </a:solidFill>
+              </a:rPr>
+              <a:t>k</a:t>
+            </a:r>
+            <a:r>
+              <a:rPr lang="en-US" sz="1350" b="1" dirty="0"/>
+              <a:t>); </a:t>
+            </a:r>
+          </a:p>
+          <a:p>
+            <a:r>
+              <a:rPr lang="en-US" sz="1350" b="1" dirty="0"/>
+              <a:t>                } </a:t>
+            </a:r>
+          </a:p>
+          <a:p>
+            <a:endParaRPr lang="en-US" sz="1350" b="1" dirty="0"/>
+          </a:p>
+          <a:p>
+            <a:r>
+              <a:rPr lang="en-US" sz="1350" b="1" dirty="0"/>
+              <a:t>                </a:t>
+            </a:r>
+            <a:r>
+              <a:rPr lang="en-US" sz="1350" b="1" dirty="0" err="1">
+                <a:solidFill>
+                  <a:schemeClr val="accent6">
+                    <a:lumMod val="75000"/>
+                  </a:schemeClr>
+                </a:solidFill>
+              </a:rPr>
+              <a:t>document</a:t>
+            </a:r>
+            <a:r>
+              <a:rPr lang="en-US" sz="1350" b="1" dirty="0" err="1"/>
+              <a:t>.</a:t>
+            </a:r>
+            <a:r>
+              <a:rPr lang="en-US" sz="1350" b="1" dirty="0" err="1">
+                <a:solidFill>
+                  <a:srgbClr val="0070C0"/>
+                </a:solidFill>
+              </a:rPr>
+              <a:t>write</a:t>
+            </a:r>
+            <a:r>
+              <a:rPr lang="en-US" sz="1350" b="1" dirty="0"/>
+              <a:t>(</a:t>
+            </a:r>
+            <a:r>
+              <a:rPr lang="en-US" sz="1350" b="1" dirty="0">
+                <a:solidFill>
+                  <a:schemeClr val="accent6">
+                    <a:lumMod val="75000"/>
+                  </a:schemeClr>
+                </a:solidFill>
+              </a:rPr>
+              <a:t>k</a:t>
+            </a:r>
+            <a:r>
+              <a:rPr lang="en-US" sz="1350" b="1" dirty="0"/>
+              <a:t>);   // k is still defined: prints 10 </a:t>
+            </a:r>
+          </a:p>
+          <a:p>
+            <a:r>
+              <a:rPr lang="en-US" sz="1350" b="1" dirty="0"/>
+              <a:t>       } </a:t>
+            </a:r>
+          </a:p>
+          <a:p>
+            <a:r>
+              <a:rPr lang="en-US" sz="1350" b="1" dirty="0"/>
+              <a:t>       </a:t>
+            </a:r>
+            <a:r>
+              <a:rPr lang="en-US" sz="1350" b="1" dirty="0" err="1">
+                <a:solidFill>
+                  <a:schemeClr val="accent6">
+                    <a:lumMod val="75000"/>
+                  </a:schemeClr>
+                </a:solidFill>
+              </a:rPr>
+              <a:t>document</a:t>
+            </a:r>
+            <a:r>
+              <a:rPr lang="en-US" sz="1350" b="1" dirty="0" err="1"/>
+              <a:t>.</a:t>
+            </a:r>
+            <a:r>
+              <a:rPr lang="en-US" sz="1350" b="1" dirty="0" err="1">
+                <a:solidFill>
+                  <a:srgbClr val="0070C0"/>
+                </a:solidFill>
+              </a:rPr>
+              <a:t>write</a:t>
+            </a:r>
+            <a:r>
+              <a:rPr lang="en-US" sz="1350" b="1" dirty="0"/>
+              <a:t>(</a:t>
+            </a:r>
+            <a:r>
+              <a:rPr lang="en-US" sz="1350" b="1" dirty="0">
+                <a:solidFill>
+                  <a:schemeClr val="accent6">
+                    <a:lumMod val="75000"/>
+                  </a:schemeClr>
+                </a:solidFill>
+              </a:rPr>
+              <a:t>j</a:t>
+            </a:r>
+            <a:r>
+              <a:rPr lang="en-US" sz="1350" b="1" dirty="0"/>
+              <a:t>);    // j is defined, but may not be initialized </a:t>
+            </a:r>
+          </a:p>
+          <a:p>
+            <a:r>
+              <a:rPr lang="en-US" sz="1350" b="1" dirty="0"/>
+              <a:t>} </a:t>
+            </a:r>
+          </a:p>
+        </p:txBody>
+      </p:sp>
+      <p:sp>
+        <p:nvSpPr>
+          <p:cNvPr id="8" name="Title 1"/>
+          <p:cNvSpPr txBox="1">
+            <a:spLocks/>
+          </p:cNvSpPr>
+          <p:nvPr/>
+        </p:nvSpPr>
+        <p:spPr>
+          <a:xfrm>
+            <a:off x="457200" y="274638"/>
+            <a:ext cx="8229600" cy="1143000"/>
+          </a:xfrm>
+          <a:prstGeom prst="rect">
+            <a:avLst/>
+          </a:prstGeom>
+        </p:spPr>
+        <p:txBody>
+          <a:bodyPr vert="horz" lIns="91440" tIns="45720" rIns="91440" bIns="45720" rtlCol="0" anchor="ctr">
+            <a:normAutofit fontScale="97500"/>
+          </a:bodyPr>
+          <a:lstStyle>
+            <a:lvl1pPr algn="ctr" defTabSz="914400" rtl="0" eaLnBrk="1" latinLnBrk="0" hangingPunct="1">
+              <a:spcBef>
+                <a:spcPct val="0"/>
+              </a:spcBef>
+              <a:buNone/>
+              <a:defRPr sz="4400" kern="1200">
+                <a:solidFill>
+                  <a:schemeClr val="tx1"/>
+                </a:solidFill>
+                <a:latin typeface="+mj-lt"/>
+                <a:ea typeface="+mj-ea"/>
+                <a:cs typeface="+mj-cs"/>
+              </a:defRPr>
+            </a:lvl1pPr>
+          </a:lstStyle>
+          <a:p>
+            <a:r>
+              <a:rPr lang="en-US" dirty="0" smtClean="0"/>
+              <a:t>No block scope!</a:t>
+            </a:r>
+            <a:endParaRPr lang="en-US" dirty="0"/>
+          </a:p>
+        </p:txBody>
+      </p:sp>
+    </p:spTree>
+    <p:extLst>
+      <p:ext uri="{BB962C8B-B14F-4D97-AF65-F5344CB8AC3E}">
+        <p14:creationId xmlns:p14="http://schemas.microsoft.com/office/powerpoint/2010/main" val="4086197798"/>
+      </p:ext>
+    </p:extLst>
+  </p:cSld>
+  <p:clrMapOvr>
+    <a:masterClrMapping/>
+  </p:clrMapOvr>
+  <p:transition/>
+  <p:timing>
+    <p:tnLst>
+      <p:par>
+        <p:cTn id="1" dur="indefinite" restart="never" nodeType="tmRoot"/>
+      </p:par>
+    </p:tnLst>
+  </p:timing>
+</p:sld>
+</file>
+
+<file path=ppt/slides/slide26.xml><?xml version="1.0" encoding="utf-8"?>
+<p:sld xmlns:a="http://schemas.openxmlformats.org/drawingml/2006/main" xmlns:r="http://schemas.openxmlformats.org/officeDocument/2006/relationships" xmlns:p="http://schemas.openxmlformats.org/presentationml/2006/main">
+  <p:cSld>
+    <p:spTree>
+      <p:nvGrpSpPr>
+        <p:cNvPr id="1" name=""/>
+        <p:cNvGrpSpPr/>
+        <p:nvPr/>
+      </p:nvGrpSpPr>
+      <p:grpSpPr>
+        <a:xfrm>
+          <a:off x="0" y="0"/>
+          <a:ext cx="0" cy="0"/>
+          <a:chOff x="0" y="0"/>
+          <a:chExt cx="0" cy="0"/>
+        </a:xfrm>
+      </p:grpSpPr>
+      <p:sp>
+        <p:nvSpPr>
           <p:cNvPr id="5" name="Rectangle 4"/>
           <p:cNvSpPr/>
           <p:nvPr/>
@@ -11036,7 +11157,7 @@
 </p:sld>
 </file>
 
-<file path=ppt/slides/slide26.xml><?xml version="1.0" encoding="utf-8"?>
+<file path=ppt/slides/slide27.xml><?xml version="1.0" encoding="utf-8"?>
 <p:sld xmlns:a="http://schemas.openxmlformats.org/drawingml/2006/main" xmlns:r="http://schemas.openxmlformats.org/officeDocument/2006/relationships" xmlns:p="http://schemas.openxmlformats.org/presentationml/2006/main">
   <p:cSld>
     <p:spTree>
@@ -12169,7 +12290,7 @@
 </p:sld>
 </file>
 
-<file path=ppt/slides/slide27.xml><?xml version="1.0" encoding="utf-8"?>
+<file path=ppt/slides/slide28.xml><?xml version="1.0" encoding="utf-8"?>
 <p:sld xmlns:a="http://schemas.openxmlformats.org/drawingml/2006/main" xmlns:r="http://schemas.openxmlformats.org/officeDocument/2006/relationships" xmlns:p="http://schemas.openxmlformats.org/presentationml/2006/main">
   <p:cSld>
     <p:spTree>
@@ -12425,265 +12546,6 @@
     <a:masterClrMapping/>
   </p:clrMapOvr>
   <p:transition/>
-  <p:timing>
-    <p:tnLst>
-      <p:par>
-        <p:cTn id="1" dur="indefinite" restart="never" nodeType="tmRoot"/>
-      </p:par>
-    </p:tnLst>
-  </p:timing>
-</p:sld>
-</file>
-
-<file path=ppt/slides/slide28.xml><?xml version="1.0" encoding="utf-8"?>
-<p:sld xmlns:a="http://schemas.openxmlformats.org/drawingml/2006/main" xmlns:r="http://schemas.openxmlformats.org/officeDocument/2006/relationships" xmlns:p="http://schemas.openxmlformats.org/presentationml/2006/main">
-  <p:cSld>
-    <p:spTree>
-      <p:nvGrpSpPr>
-        <p:cNvPr id="1" name=""/>
-        <p:cNvGrpSpPr/>
-        <p:nvPr/>
-      </p:nvGrpSpPr>
-      <p:grpSpPr>
-        <a:xfrm>
-          <a:off x="0" y="0"/>
-          <a:ext cx="0" cy="0"/>
-          <a:chOff x="0" y="0"/>
-          <a:chExt cx="0" cy="0"/>
-        </a:xfrm>
-      </p:grpSpPr>
-      <p:sp>
-        <p:nvSpPr>
-          <p:cNvPr id="2" name="Title 1"/>
-          <p:cNvSpPr>
-            <a:spLocks noGrp="1"/>
-          </p:cNvSpPr>
-          <p:nvPr>
-            <p:ph type="title"/>
-          </p:nvPr>
-        </p:nvSpPr>
-        <p:spPr/>
-        <p:txBody>
-          <a:bodyPr/>
-          <a:lstStyle/>
-          <a:p>
-            <a:r>
-              <a:rPr lang="en-US" dirty="0" smtClean="0"/>
-              <a:t>Global object (WAT)</a:t>
-            </a:r>
-            <a:endParaRPr lang="en-US" dirty="0"/>
-          </a:p>
-        </p:txBody>
-      </p:sp>
-      <p:sp>
-        <p:nvSpPr>
-          <p:cNvPr id="6" name="Rectangle 5"/>
-          <p:cNvSpPr/>
-          <p:nvPr/>
-        </p:nvSpPr>
-        <p:spPr>
-          <a:xfrm>
-            <a:off x="481141" y="1548526"/>
-            <a:ext cx="7259211" cy="1754326"/>
-          </a:xfrm>
-          <a:prstGeom prst="rect">
-            <a:avLst/>
-          </a:prstGeom>
-        </p:spPr>
-        <p:style>
-          <a:lnRef idx="1">
-            <a:schemeClr val="dk1"/>
-          </a:lnRef>
-          <a:fillRef idx="1001">
-            <a:schemeClr val="lt2"/>
-          </a:fillRef>
-          <a:effectRef idx="1">
-            <a:schemeClr val="dk1"/>
-          </a:effectRef>
-          <a:fontRef idx="minor">
-            <a:schemeClr val="dk1"/>
-          </a:fontRef>
-        </p:style>
-        <p:txBody>
-          <a:bodyPr wrap="square">
-            <a:spAutoFit/>
-          </a:bodyPr>
-          <a:lstStyle/>
-          <a:p>
-            <a:r>
-              <a:rPr lang="en-US" b="1" dirty="0" smtClean="0">
-                <a:solidFill>
-                  <a:srgbClr val="0070C0"/>
-                </a:solidFill>
-              </a:rPr>
-              <a:t>function </a:t>
-            </a:r>
-            <a:r>
-              <a:rPr lang="en-US" b="1" dirty="0">
-                <a:solidFill>
-                  <a:schemeClr val="tx1"/>
-                </a:solidFill>
-              </a:rPr>
-              <a:t>f</a:t>
-            </a:r>
-            <a:r>
-              <a:rPr lang="en-US" b="1" dirty="0" smtClean="0"/>
-              <a:t>(){</a:t>
-            </a:r>
-            <a:endParaRPr lang="en-US" b="1" dirty="0"/>
-          </a:p>
-          <a:p>
-            <a:r>
-              <a:rPr lang="en-US" b="1" dirty="0" smtClean="0"/>
-              <a:t>     x = </a:t>
-            </a:r>
-            <a:r>
-              <a:rPr lang="en-US" b="1" dirty="0"/>
-              <a:t>“</a:t>
-            </a:r>
-            <a:r>
-              <a:rPr lang="en-US" b="1" dirty="0" smtClean="0"/>
-              <a:t>global variable</a:t>
-            </a:r>
-            <a:r>
-              <a:rPr lang="en-US" b="1" dirty="0"/>
-              <a:t>”; </a:t>
-            </a:r>
-            <a:r>
-              <a:rPr lang="en-US" b="1" dirty="0">
-                <a:solidFill>
-                  <a:schemeClr val="bg1">
-                    <a:lumMod val="50000"/>
-                  </a:schemeClr>
-                </a:solidFill>
-              </a:rPr>
-              <a:t>// </a:t>
-            </a:r>
-            <a:r>
-              <a:rPr lang="en-US" b="1" dirty="0" err="1">
-                <a:solidFill>
-                  <a:schemeClr val="bg1">
-                    <a:lumMod val="50000"/>
-                  </a:schemeClr>
-                </a:solidFill>
-              </a:rPr>
-              <a:t>var</a:t>
-            </a:r>
-            <a:r>
-              <a:rPr lang="en-US" b="1" dirty="0">
-                <a:solidFill>
-                  <a:schemeClr val="bg1">
-                    <a:lumMod val="50000"/>
-                  </a:schemeClr>
-                </a:solidFill>
-              </a:rPr>
-              <a:t> </a:t>
-            </a:r>
-            <a:r>
-              <a:rPr lang="en-US" b="1" dirty="0" smtClean="0">
-                <a:solidFill>
-                  <a:schemeClr val="bg1">
-                    <a:lumMod val="50000"/>
-                  </a:schemeClr>
-                </a:solidFill>
-              </a:rPr>
-              <a:t>is missed</a:t>
-            </a:r>
-            <a:endParaRPr lang="en-US" b="1" dirty="0">
-              <a:solidFill>
-                <a:schemeClr val="bg1">
-                  <a:lumMod val="50000"/>
-                </a:schemeClr>
-              </a:solidFill>
-            </a:endParaRPr>
-          </a:p>
-          <a:p>
-            <a:r>
-              <a:rPr lang="en-US" b="1" dirty="0"/>
-              <a:t>}</a:t>
-            </a:r>
-          </a:p>
-          <a:p>
-            <a:r>
-              <a:rPr lang="en-US" b="1" dirty="0">
-                <a:solidFill>
-                  <a:schemeClr val="tx1"/>
-                </a:solidFill>
-              </a:rPr>
-              <a:t>f</a:t>
-            </a:r>
-            <a:r>
-              <a:rPr lang="en-US" b="1" dirty="0" smtClean="0"/>
-              <a:t>();</a:t>
-            </a:r>
-          </a:p>
-          <a:p>
-            <a:r>
-              <a:rPr lang="en-US" b="1" dirty="0" err="1" smtClean="0">
-                <a:solidFill>
-                  <a:srgbClr val="FF0000"/>
-                </a:solidFill>
-              </a:rPr>
-              <a:t>this</a:t>
-            </a:r>
-            <a:r>
-              <a:rPr lang="en-US" b="1" dirty="0" err="1" smtClean="0"/>
-              <a:t>.x</a:t>
-            </a:r>
-            <a:r>
-              <a:rPr lang="en-US" b="1" dirty="0" smtClean="0"/>
-              <a:t> === “global variable”;</a:t>
-            </a:r>
-          </a:p>
-          <a:p>
-            <a:r>
-              <a:rPr lang="en-US" b="1" dirty="0" err="1" smtClean="0">
-                <a:solidFill>
-                  <a:srgbClr val="FF0000"/>
-                </a:solidFill>
-              </a:rPr>
-              <a:t>window</a:t>
-            </a:r>
-            <a:r>
-              <a:rPr lang="en-US" b="1" dirty="0" err="1" smtClean="0"/>
-              <a:t>.x</a:t>
-            </a:r>
-            <a:r>
-              <a:rPr lang="en-US" b="1" dirty="0" smtClean="0"/>
-              <a:t> </a:t>
-            </a:r>
-            <a:r>
-              <a:rPr lang="en-US" b="1" dirty="0"/>
-              <a:t>===  “global variable</a:t>
-            </a:r>
-            <a:r>
-              <a:rPr lang="en-US" b="1" dirty="0" smtClean="0"/>
-              <a:t>”; </a:t>
-            </a:r>
-            <a:r>
-              <a:rPr lang="en-US" dirty="0">
-                <a:solidFill>
-                  <a:schemeClr val="bg1">
-                    <a:lumMod val="50000"/>
-                  </a:schemeClr>
-                </a:solidFill>
-              </a:rPr>
-              <a:t>// true for browsers</a:t>
-            </a:r>
-            <a:endParaRPr lang="en-US" b="1" dirty="0"/>
-          </a:p>
-        </p:txBody>
-      </p:sp>
-    </p:spTree>
-    <p:extLst>
-      <p:ext uri="{BB962C8B-B14F-4D97-AF65-F5344CB8AC3E}">
-        <p14:creationId xmlns:p14="http://schemas.microsoft.com/office/powerpoint/2010/main" val="2973190636"/>
-      </p:ext>
-    </p:extLst>
-  </p:cSld>
-  <p:clrMapOvr>
-    <a:masterClrMapping/>
-  </p:clrMapOvr>
   <p:timing>
     <p:tnLst>
       <p:par>
@@ -12726,479 +12588,230 @@
           <a:bodyPr/>
           <a:lstStyle/>
           <a:p>
-            <a:endParaRPr lang="en-US"/>
-          </a:p>
-        </p:txBody>
-      </p:sp>
-      <p:sp>
-        <p:nvSpPr>
-          <p:cNvPr id="4" name="Rectangle 1"/>
-          <p:cNvSpPr>
-            <a:spLocks noGrp="1" noChangeArrowheads="1"/>
-          </p:cNvSpPr>
-          <p:nvPr>
-            <p:ph idx="1"/>
-          </p:nvPr>
-        </p:nvSpPr>
-        <p:spPr bwMode="auto">
+            <a:r>
+              <a:rPr lang="en-US" dirty="0" smtClean="0"/>
+              <a:t>Global object (WAT)</a:t>
+            </a:r>
+            <a:endParaRPr lang="en-US" dirty="0"/>
+          </a:p>
+        </p:txBody>
+      </p:sp>
+      <p:sp>
+        <p:nvSpPr>
+          <p:cNvPr id="6" name="Rectangle 5"/>
+          <p:cNvSpPr/>
+          <p:nvPr/>
+        </p:nvSpPr>
+        <p:spPr>
           <a:xfrm>
-            <a:off x="457200" y="1916832"/>
-            <a:ext cx="5346015" cy="830997"/>
+            <a:off x="481141" y="1548526"/>
+            <a:ext cx="7259211" cy="1754326"/>
           </a:xfrm>
           <a:prstGeom prst="rect">
             <a:avLst/>
           </a:prstGeom>
-          <a:noFill/>
-          <a:ln>
-            <a:noFill/>
-          </a:ln>
-          <a:effectLst/>
-          <a:extLst>
-            <a:ext uri="{909E8E84-426E-40DD-AFC4-6F175D3DCCD1}">
-              <a14:hiddenFill xmlns:a14="http://schemas.microsoft.com/office/drawing/2010/main">
-                <a:solidFill>
-                  <a:schemeClr val="accent1"/>
-                </a:solidFill>
-              </a14:hiddenFill>
-            </a:ext>
-            <a:ext uri="{91240B29-F687-4F45-9708-019B960494DF}">
-              <a14:hiddenLine xmlns:a14="http://schemas.microsoft.com/office/drawing/2010/main" w="9525">
-                <a:solidFill>
-                  <a:schemeClr val="tx1"/>
-                </a:solidFill>
-                <a:miter lim="800000"/>
-                <a:headEnd/>
-                <a:tailEnd/>
-              </a14:hiddenLine>
-            </a:ext>
-            <a:ext uri="{AF507438-7753-43E0-B8FC-AC1667EBCBE1}">
-              <a14:hiddenEffects xmlns:a14="http://schemas.microsoft.com/office/drawing/2010/main">
-                <a:effectLst>
-                  <a:outerShdw dist="35921" dir="2700000" algn="ctr" rotWithShape="0">
-                    <a:schemeClr val="bg2"/>
-                  </a:outerShdw>
-                </a:effectLst>
-              </a14:hiddenEffects>
-            </a:ext>
-          </a:extLst>
         </p:spPr>
-        <p:txBody>
-          <a:bodyPr vert="horz" wrap="none" lIns="0" tIns="0" rIns="0" bIns="0" numCol="1" anchor="ctr" anchorCtr="0" compatLnSpc="1">
-            <a:prstTxWarp prst="textNoShape">
-              <a:avLst/>
-            </a:prstTxWarp>
+        <p:style>
+          <a:lnRef idx="1">
+            <a:schemeClr val="dk1"/>
+          </a:lnRef>
+          <a:fillRef idx="1001">
+            <a:schemeClr val="lt2"/>
+          </a:fillRef>
+          <a:effectRef idx="1">
+            <a:schemeClr val="dk1"/>
+          </a:effectRef>
+          <a:fontRef idx="minor">
+            <a:schemeClr val="dk1"/>
+          </a:fontRef>
+        </p:style>
+        <p:txBody>
+          <a:bodyPr wrap="square">
             <a:spAutoFit/>
           </a:bodyPr>
           <a:lstStyle/>
           <a:p>
-            <a:pPr marL="0" marR="0" lvl="0" indent="0" algn="l" defTabSz="914400" rtl="0" eaLnBrk="0" fontAlgn="base" latinLnBrk="0" hangingPunct="0">
-              <a:lnSpc>
-                <a:spcPct val="100000"/>
-              </a:lnSpc>
-              <a:spcBef>
-                <a:spcPct val="0"/>
-              </a:spcBef>
-              <a:spcAft>
-                <a:spcPct val="0"/>
-              </a:spcAft>
-              <a:buClrTx/>
-              <a:buSzTx/>
-              <a:buFontTx/>
-              <a:buNone/>
-              <a:tabLst/>
-            </a:pPr>
-            <a:r>
-              <a:rPr kumimoji="0" lang="en-US" altLang="en-US" sz="1800" b="0" i="0" u="none" strike="noStrike" cap="none" normalizeH="0" baseline="0" dirty="0" smtClean="0">
-                <a:ln>
-                  <a:noFill/>
-                </a:ln>
-                <a:solidFill>
-                  <a:srgbClr val="000000"/>
-                </a:solidFill>
-                <a:effectLst/>
-                <a:latin typeface="Ubuntu Mono"/>
-              </a:rPr>
-              <a:t>(</a:t>
-            </a:r>
-            <a:r>
-              <a:rPr kumimoji="0" lang="en-US" altLang="en-US" sz="1800" b="1" i="0" u="none" strike="noStrike" cap="none" normalizeH="0" baseline="0" dirty="0" smtClean="0">
-                <a:ln>
-                  <a:noFill/>
-                </a:ln>
-                <a:solidFill>
-                  <a:srgbClr val="006699"/>
-                </a:solidFill>
-                <a:effectLst/>
-                <a:latin typeface="Ubuntu Mono"/>
-              </a:rPr>
-              <a:t>function</a:t>
-            </a:r>
-            <a:r>
-              <a:rPr kumimoji="0" lang="en-US" altLang="en-US" sz="1800" b="0" i="0" u="none" strike="noStrike" cap="none" normalizeH="0" baseline="0" dirty="0" smtClean="0">
-                <a:ln>
-                  <a:noFill/>
-                </a:ln>
-                <a:solidFill>
-                  <a:srgbClr val="000000"/>
-                </a:solidFill>
-                <a:effectLst/>
-                <a:latin typeface="Ubuntu Mono"/>
-              </a:rPr>
-              <a:t> (</a:t>
-            </a:r>
-            <a:r>
-              <a:rPr kumimoji="0" lang="en-US" altLang="en-US" sz="1800" b="0" i="0" u="none" strike="noStrike" cap="none" normalizeH="0" baseline="0" dirty="0" smtClean="0">
-                <a:ln>
-                  <a:noFill/>
-                </a:ln>
-                <a:solidFill>
-                  <a:srgbClr val="000088"/>
-                </a:solidFill>
-                <a:effectLst/>
-                <a:latin typeface="Ubuntu Mono"/>
-              </a:rPr>
-              <a:t>glob</a:t>
-            </a:r>
-            <a:r>
-              <a:rPr kumimoji="0" lang="en-US" altLang="en-US" sz="1800" b="0" i="0" u="none" strike="noStrike" cap="none" normalizeH="0" baseline="0" dirty="0" smtClean="0">
-                <a:ln>
-                  <a:noFill/>
-                </a:ln>
-                <a:solidFill>
-                  <a:srgbClr val="000000"/>
-                </a:solidFill>
-                <a:effectLst/>
-                <a:latin typeface="Ubuntu Mono"/>
-              </a:rPr>
-              <a:t>) { </a:t>
-            </a:r>
-          </a:p>
-          <a:p>
-            <a:pPr marL="0" marR="0" lvl="0" indent="0" algn="l" defTabSz="914400" rtl="0" eaLnBrk="0" fontAlgn="base" latinLnBrk="0" hangingPunct="0">
-              <a:lnSpc>
-                <a:spcPct val="100000"/>
-              </a:lnSpc>
-              <a:spcBef>
-                <a:spcPct val="0"/>
-              </a:spcBef>
-              <a:spcAft>
-                <a:spcPct val="0"/>
-              </a:spcAft>
-              <a:buClrTx/>
-              <a:buSzTx/>
-              <a:buFontTx/>
-              <a:buNone/>
-              <a:tabLst/>
-            </a:pPr>
-            <a:r>
-              <a:rPr lang="en-US" altLang="en-US" sz="1800" dirty="0">
-                <a:solidFill>
-                  <a:srgbClr val="000000"/>
-                </a:solidFill>
-                <a:latin typeface="Ubuntu Mono"/>
-              </a:rPr>
-              <a:t>	</a:t>
-            </a:r>
-            <a:r>
-              <a:rPr kumimoji="0" lang="en-US" altLang="en-US" sz="1800" b="0" i="1" u="none" strike="noStrike" cap="none" normalizeH="0" baseline="0" dirty="0" smtClean="0">
-                <a:ln>
-                  <a:noFill/>
-                </a:ln>
-                <a:solidFill>
-                  <a:srgbClr val="35586C"/>
-                </a:solidFill>
-                <a:effectLst/>
-                <a:latin typeface="Ubuntu Mono"/>
-              </a:rPr>
-              <a:t>// glob points to global object</a:t>
-            </a:r>
-            <a:r>
-              <a:rPr kumimoji="0" lang="en-US" altLang="en-US" sz="1800" b="0" i="0" u="none" strike="noStrike" cap="none" normalizeH="0" baseline="0" dirty="0" smtClean="0">
-                <a:ln>
-                  <a:noFill/>
-                </a:ln>
-                <a:solidFill>
-                  <a:srgbClr val="000000"/>
-                </a:solidFill>
-                <a:effectLst/>
-                <a:latin typeface="Ubuntu Mono"/>
+            <a:r>
+              <a:rPr lang="en-US" b="1" dirty="0" smtClean="0">
+                <a:solidFill>
+                  <a:srgbClr val="0070C0"/>
+                </a:solidFill>
+              </a:rPr>
+              <a:t>function </a:t>
+            </a:r>
+            <a:r>
+              <a:rPr lang="en-US" b="1" dirty="0">
+                <a:solidFill>
+                  <a:schemeClr val="tx1"/>
+                </a:solidFill>
+              </a:rPr>
+              <a:t>f</a:t>
+            </a:r>
+            <a:r>
+              <a:rPr lang="en-US" b="1" dirty="0" smtClean="0"/>
+              <a:t>(){</a:t>
+            </a:r>
+            <a:endParaRPr lang="en-US" b="1" dirty="0"/>
+          </a:p>
+          <a:p>
+            <a:r>
+              <a:rPr lang="en-US" b="1" dirty="0" smtClean="0"/>
+              <a:t>     x = </a:t>
+            </a:r>
+            <a:r>
+              <a:rPr lang="en-US" b="1" dirty="0"/>
+              <a:t>“</a:t>
+            </a:r>
+            <a:r>
+              <a:rPr lang="en-US" b="1" dirty="0" smtClean="0"/>
+              <a:t>global variable</a:t>
+            </a:r>
+            <a:r>
+              <a:rPr lang="en-US" b="1" dirty="0"/>
+              <a:t>”; </a:t>
+            </a:r>
+            <a:r>
+              <a:rPr lang="en-US" b="1" dirty="0">
+                <a:solidFill>
+                  <a:schemeClr val="bg1">
+                    <a:lumMod val="50000"/>
+                  </a:schemeClr>
+                </a:solidFill>
+              </a:rPr>
+              <a:t>// </a:t>
+            </a:r>
+            <a:r>
+              <a:rPr lang="en-US" b="1" dirty="0" err="1">
+                <a:solidFill>
+                  <a:schemeClr val="bg1">
+                    <a:lumMod val="50000"/>
+                  </a:schemeClr>
+                </a:solidFill>
+              </a:rPr>
+              <a:t>var</a:t>
+            </a:r>
+            <a:r>
+              <a:rPr lang="en-US" b="1" dirty="0">
+                <a:solidFill>
+                  <a:schemeClr val="bg1">
+                    <a:lumMod val="50000"/>
+                  </a:schemeClr>
+                </a:solidFill>
               </a:rPr>
               <a:t> </a:t>
             </a:r>
-          </a:p>
-          <a:p>
-            <a:pPr marL="0" marR="0" lvl="0" indent="0" algn="l" defTabSz="914400" rtl="0" eaLnBrk="0" fontAlgn="base" latinLnBrk="0" hangingPunct="0">
-              <a:lnSpc>
-                <a:spcPct val="100000"/>
-              </a:lnSpc>
-              <a:spcBef>
-                <a:spcPct val="0"/>
-              </a:spcBef>
-              <a:spcAft>
-                <a:spcPct val="0"/>
-              </a:spcAft>
-              <a:buClrTx/>
-              <a:buSzTx/>
-              <a:buFontTx/>
-              <a:buNone/>
-              <a:tabLst/>
-            </a:pPr>
-            <a:r>
-              <a:rPr kumimoji="0" lang="en-US" altLang="en-US" sz="1800" b="0" i="0" u="none" strike="noStrike" cap="none" normalizeH="0" baseline="0" dirty="0" smtClean="0">
-                <a:ln>
-                  <a:noFill/>
-                </a:ln>
-                <a:solidFill>
-                  <a:srgbClr val="000000"/>
-                </a:solidFill>
-                <a:effectLst/>
-                <a:latin typeface="Ubuntu Mono"/>
-              </a:rPr>
-              <a:t>}(</a:t>
-            </a:r>
-            <a:r>
-              <a:rPr kumimoji="0" lang="en-US" altLang="en-US" sz="1800" b="1" i="0" u="none" strike="noStrike" cap="none" normalizeH="0" baseline="0" dirty="0" err="1" smtClean="0">
-                <a:ln>
-                  <a:noFill/>
-                </a:ln>
-                <a:solidFill>
-                  <a:srgbClr val="006699"/>
-                </a:solidFill>
-                <a:effectLst/>
-                <a:latin typeface="Ubuntu Mono"/>
-              </a:rPr>
-              <a:t>typeof</a:t>
-            </a:r>
-            <a:r>
-              <a:rPr kumimoji="0" lang="en-US" altLang="en-US" sz="1800" b="0" i="0" u="none" strike="noStrike" cap="none" normalizeH="0" baseline="0" dirty="0" smtClean="0">
-                <a:ln>
-                  <a:noFill/>
-                </a:ln>
-                <a:solidFill>
-                  <a:srgbClr val="000000"/>
-                </a:solidFill>
-                <a:effectLst/>
-                <a:latin typeface="Ubuntu Mono"/>
-              </a:rPr>
+            <a:r>
+              <a:rPr lang="en-US" b="1" dirty="0" smtClean="0">
+                <a:solidFill>
+                  <a:schemeClr val="bg1">
+                    <a:lumMod val="50000"/>
+                  </a:schemeClr>
+                </a:solidFill>
+              </a:rPr>
+              <a:t>is missed</a:t>
+            </a:r>
+            <a:endParaRPr lang="en-US" b="1" dirty="0">
+              <a:solidFill>
+                <a:schemeClr val="bg1">
+                  <a:lumMod val="50000"/>
+                </a:schemeClr>
+              </a:solidFill>
+            </a:endParaRPr>
+          </a:p>
+          <a:p>
+            <a:r>
+              <a:rPr lang="en-US" b="1" dirty="0"/>
+              <a:t>}</a:t>
+            </a:r>
+          </a:p>
+          <a:p>
+            <a:r>
+              <a:rPr lang="en-US" b="1" dirty="0">
+                <a:solidFill>
+                  <a:schemeClr val="tx1"/>
+                </a:solidFill>
+              </a:rPr>
+              <a:t>f</a:t>
+            </a:r>
+            <a:r>
+              <a:rPr lang="en-US" b="1" dirty="0" smtClean="0"/>
+              <a:t>();</a:t>
+            </a:r>
+          </a:p>
+          <a:p>
+            <a:r>
+              <a:rPr lang="en-US" b="1" dirty="0" err="1" smtClean="0">
+                <a:solidFill>
+                  <a:srgbClr val="FF0000"/>
+                </a:solidFill>
+              </a:rPr>
+              <a:t>this</a:t>
+            </a:r>
+            <a:r>
+              <a:rPr lang="en-US" b="1" dirty="0" err="1" smtClean="0"/>
+              <a:t>.x</a:t>
+            </a:r>
+            <a:r>
+              <a:rPr lang="en-US" b="1" dirty="0" smtClean="0"/>
+              <a:t> === “global variable”;</a:t>
+            </a:r>
+          </a:p>
+          <a:p>
+            <a:r>
+              <a:rPr lang="en-US" b="1" dirty="0" err="1" smtClean="0">
+                <a:solidFill>
+                  <a:srgbClr val="FF0000"/>
+                </a:solidFill>
+              </a:rPr>
+              <a:t>window</a:t>
+            </a:r>
+            <a:r>
+              <a:rPr lang="en-US" b="1" dirty="0" err="1" smtClean="0"/>
+              <a:t>.x</a:t>
+            </a:r>
+            <a:r>
+              <a:rPr lang="en-US" b="1" dirty="0" smtClean="0"/>
               <a:t> </a:t>
             </a:r>
             <a:r>
-              <a:rPr kumimoji="0" lang="en-US" altLang="en-US" sz="1800" b="0" i="0" u="none" strike="noStrike" cap="none" normalizeH="0" baseline="0" dirty="0" smtClean="0">
-                <a:ln>
-                  <a:noFill/>
-                </a:ln>
-                <a:solidFill>
-                  <a:srgbClr val="336666"/>
-                </a:solidFill>
-                <a:effectLst/>
-                <a:latin typeface="Ubuntu Mono"/>
-              </a:rPr>
-              <a:t>window</a:t>
-            </a:r>
-            <a:r>
-              <a:rPr kumimoji="0" lang="en-US" altLang="en-US" sz="1800" b="0" i="0" u="none" strike="noStrike" cap="none" normalizeH="0" baseline="0" dirty="0" smtClean="0">
-                <a:ln>
-                  <a:noFill/>
-                </a:ln>
-                <a:solidFill>
-                  <a:srgbClr val="000000"/>
-                </a:solidFill>
-                <a:effectLst/>
-                <a:latin typeface="Ubuntu Mono"/>
-              </a:rPr>
-              <a:t> </a:t>
-            </a:r>
-            <a:r>
-              <a:rPr kumimoji="0" lang="en-US" altLang="en-US" sz="1800" b="0" i="0" u="none" strike="noStrike" cap="none" normalizeH="0" baseline="0" dirty="0" smtClean="0">
-                <a:ln>
-                  <a:noFill/>
-                </a:ln>
-                <a:solidFill>
-                  <a:srgbClr val="555555"/>
-                </a:solidFill>
-                <a:effectLst/>
-                <a:latin typeface="Ubuntu Mono"/>
-              </a:rPr>
-              <a:t>!==</a:t>
-            </a:r>
-            <a:r>
-              <a:rPr kumimoji="0" lang="en-US" altLang="en-US" sz="1800" b="0" i="0" u="none" strike="noStrike" cap="none" normalizeH="0" baseline="0" dirty="0" smtClean="0">
-                <a:ln>
-                  <a:noFill/>
-                </a:ln>
-                <a:solidFill>
-                  <a:srgbClr val="000000"/>
-                </a:solidFill>
-                <a:effectLst/>
-                <a:latin typeface="Ubuntu Mono"/>
-              </a:rPr>
-              <a:t> </a:t>
-            </a:r>
-            <a:r>
-              <a:rPr kumimoji="0" lang="en-US" altLang="en-US" sz="1800" b="0" i="0" u="none" strike="noStrike" cap="none" normalizeH="0" baseline="0" dirty="0" smtClean="0">
-                <a:ln>
-                  <a:noFill/>
-                </a:ln>
-                <a:solidFill>
-                  <a:srgbClr val="CC3300"/>
-                </a:solidFill>
-                <a:effectLst/>
-                <a:latin typeface="Ubuntu Mono"/>
-              </a:rPr>
-              <a:t>'undefined'</a:t>
-            </a:r>
-            <a:r>
-              <a:rPr kumimoji="0" lang="en-US" altLang="en-US" sz="1800" b="0" i="0" u="none" strike="noStrike" cap="none" normalizeH="0" baseline="0" dirty="0" smtClean="0">
-                <a:ln>
-                  <a:noFill/>
-                </a:ln>
-                <a:solidFill>
-                  <a:srgbClr val="000000"/>
-                </a:solidFill>
-                <a:effectLst/>
-                <a:latin typeface="Ubuntu Mono"/>
-              </a:rPr>
-              <a:t> </a:t>
-            </a:r>
-            <a:r>
-              <a:rPr kumimoji="0" lang="en-US" altLang="en-US" sz="1800" b="0" i="0" u="none" strike="noStrike" cap="none" normalizeH="0" baseline="0" dirty="0" smtClean="0">
-                <a:ln>
-                  <a:noFill/>
-                </a:ln>
-                <a:solidFill>
-                  <a:srgbClr val="555555"/>
-                </a:solidFill>
-                <a:effectLst/>
-                <a:latin typeface="Ubuntu Mono"/>
-              </a:rPr>
-              <a:t>?</a:t>
-            </a:r>
-            <a:r>
-              <a:rPr kumimoji="0" lang="en-US" altLang="en-US" sz="1800" b="0" i="0" u="none" strike="noStrike" cap="none" normalizeH="0" baseline="0" dirty="0" smtClean="0">
-                <a:ln>
-                  <a:noFill/>
-                </a:ln>
-                <a:solidFill>
-                  <a:srgbClr val="000000"/>
-                </a:solidFill>
-                <a:effectLst/>
-                <a:latin typeface="Ubuntu Mono"/>
-              </a:rPr>
-              <a:t> </a:t>
-            </a:r>
-            <a:r>
-              <a:rPr kumimoji="0" lang="en-US" altLang="en-US" sz="1800" b="0" i="0" u="none" strike="noStrike" cap="none" normalizeH="0" baseline="0" dirty="0" smtClean="0">
-                <a:ln>
-                  <a:noFill/>
-                </a:ln>
-                <a:solidFill>
-                  <a:srgbClr val="336666"/>
-                </a:solidFill>
-                <a:effectLst/>
-                <a:latin typeface="Ubuntu Mono"/>
-              </a:rPr>
-              <a:t>window</a:t>
-            </a:r>
-            <a:r>
-              <a:rPr kumimoji="0" lang="en-US" altLang="en-US" sz="1800" b="0" i="0" u="none" strike="noStrike" cap="none" normalizeH="0" baseline="0" dirty="0" smtClean="0">
-                <a:ln>
-                  <a:noFill/>
-                </a:ln>
-                <a:solidFill>
-                  <a:srgbClr val="000000"/>
-                </a:solidFill>
-                <a:effectLst/>
-                <a:latin typeface="Ubuntu Mono"/>
-              </a:rPr>
-              <a:t> </a:t>
-            </a:r>
-            <a:r>
-              <a:rPr kumimoji="0" lang="en-US" altLang="en-US" sz="1800" b="0" i="0" u="none" strike="noStrike" cap="none" normalizeH="0" baseline="0" dirty="0" smtClean="0">
-                <a:ln>
-                  <a:noFill/>
-                </a:ln>
-                <a:solidFill>
-                  <a:srgbClr val="555555"/>
-                </a:solidFill>
-                <a:effectLst/>
-                <a:latin typeface="Ubuntu Mono"/>
-              </a:rPr>
-              <a:t>:</a:t>
-            </a:r>
-            <a:r>
-              <a:rPr kumimoji="0" lang="en-US" altLang="en-US" sz="1800" b="0" i="0" u="none" strike="noStrike" cap="none" normalizeH="0" baseline="0" dirty="0" smtClean="0">
-                <a:ln>
-                  <a:noFill/>
-                </a:ln>
-                <a:solidFill>
-                  <a:srgbClr val="000000"/>
-                </a:solidFill>
-                <a:effectLst/>
-                <a:latin typeface="Ubuntu Mono"/>
-              </a:rPr>
-              <a:t> </a:t>
-            </a:r>
-            <a:r>
-              <a:rPr kumimoji="0" lang="en-US" altLang="en-US" sz="1800" b="0" i="0" u="none" strike="noStrike" cap="none" normalizeH="0" baseline="0" dirty="0" smtClean="0">
-                <a:ln>
-                  <a:noFill/>
-                </a:ln>
-                <a:solidFill>
-                  <a:srgbClr val="000088"/>
-                </a:solidFill>
-                <a:effectLst/>
-                <a:latin typeface="Ubuntu Mono"/>
-              </a:rPr>
-              <a:t>global</a:t>
-            </a:r>
-            <a:r>
-              <a:rPr kumimoji="0" lang="en-US" altLang="en-US" sz="1800" b="0" i="0" u="none" strike="noStrike" cap="none" normalizeH="0" baseline="0" dirty="0" smtClean="0">
-                <a:ln>
-                  <a:noFill/>
-                </a:ln>
-                <a:solidFill>
-                  <a:srgbClr val="000000"/>
-                </a:solidFill>
-                <a:effectLst/>
-                <a:latin typeface="Ubuntu Mono"/>
-              </a:rPr>
-              <a:t>));</a:t>
-            </a:r>
-            <a:r>
-              <a:rPr kumimoji="0" lang="en-US" altLang="en-US" sz="1800" b="0" i="0" u="none" strike="noStrike" cap="none" normalizeH="0" baseline="0" dirty="0" smtClean="0">
-                <a:ln>
-                  <a:noFill/>
-                </a:ln>
-                <a:solidFill>
-                  <a:schemeClr val="tx1"/>
-                </a:solidFill>
-                <a:effectLst/>
-              </a:rPr>
-              <a:t> </a:t>
-            </a:r>
-            <a:endParaRPr kumimoji="0" lang="en-US" altLang="en-US" sz="1800" b="0" i="0" u="none" strike="noStrike" cap="none" normalizeH="0" baseline="0" dirty="0" smtClean="0">
-              <a:ln>
-                <a:noFill/>
-              </a:ln>
-              <a:solidFill>
-                <a:schemeClr val="tx1"/>
-              </a:solidFill>
-              <a:effectLst/>
-              <a:latin typeface="Arial" panose="020B0604020202020204" pitchFamily="34" charset="0"/>
-            </a:endParaRPr>
+              <a:rPr lang="en-US" b="1" dirty="0"/>
+              <a:t>===  “global variable</a:t>
+            </a:r>
+            <a:r>
+              <a:rPr lang="en-US" b="1" dirty="0" smtClean="0"/>
+              <a:t>”; </a:t>
+            </a:r>
+            <a:r>
+              <a:rPr lang="en-US" dirty="0">
+                <a:solidFill>
+                  <a:schemeClr val="bg1">
+                    <a:lumMod val="50000"/>
+                  </a:schemeClr>
+                </a:solidFill>
+              </a:rPr>
+              <a:t>// true for browsers</a:t>
+            </a:r>
+            <a:endParaRPr lang="en-US" b="1" dirty="0"/>
           </a:p>
         </p:txBody>
       </p:sp>
     </p:spTree>
     <p:extLst>
       <p:ext uri="{BB962C8B-B14F-4D97-AF65-F5344CB8AC3E}">
-        <p14:creationId xmlns:p14="http://schemas.microsoft.com/office/powerpoint/2010/main" val="1897574044"/>
+        <p14:creationId xmlns:p14="http://schemas.microsoft.com/office/powerpoint/2010/main" val="2973190636"/>
       </p:ext>
     </p:extLst>
   </p:cSld>
   <p:clrMapOvr>
     <a:masterClrMapping/>
   </p:clrMapOvr>
+  <p:timing>
+    <p:tnLst>
+      <p:par>
+        <p:cTn id="1" dur="indefinite" restart="never" nodeType="tmRoot"/>
+      </p:par>
+    </p:tnLst>
+  </p:timing>
 </p:sld>
 </file>
 
@@ -13370,18 +12983,20 @@
         </p:nvSpPr>
         <p:spPr/>
         <p:txBody>
-          <a:bodyPr>
-            <a:normAutofit/>
-          </a:bodyPr>
+          <a:bodyPr/>
           <a:lstStyle/>
           <a:p>
             <a:r>
-              <a:rPr lang="en-US" b="1" dirty="0"/>
-              <a:t>Global variables are </a:t>
-            </a:r>
-            <a:r>
-              <a:rPr lang="en-US" b="1" dirty="0" smtClean="0"/>
-              <a:t>evil</a:t>
+              <a:rPr lang="en-US"/>
+              <a:t>w</a:t>
+            </a:r>
+            <a:r>
+              <a:rPr lang="en-US" smtClean="0"/>
+              <a:t>indow </a:t>
+            </a:r>
+            <a:r>
+              <a:rPr lang="en-US" dirty="0" smtClean="0"/>
+              <a:t>vs global</a:t>
             </a:r>
             <a:endParaRPr lang="en-US" dirty="0"/>
           </a:p>
@@ -13389,53 +13004,467 @@
       </p:sp>
       <p:sp>
         <p:nvSpPr>
-          <p:cNvPr id="3" name="Content Placeholder 2"/>
+          <p:cNvPr id="4" name="Rectangle 1"/>
           <p:cNvSpPr>
-            <a:spLocks noGrp="1"/>
+            <a:spLocks noGrp="1" noChangeArrowheads="1"/>
           </p:cNvSpPr>
           <p:nvPr>
             <p:ph idx="1"/>
           </p:nvPr>
         </p:nvSpPr>
-        <p:spPr/>
-        <p:txBody>
-          <a:bodyPr/>
+        <p:spPr bwMode="auto">
+          <a:xfrm>
+            <a:off x="457200" y="1916832"/>
+            <a:ext cx="5346015" cy="830997"/>
+          </a:xfrm>
+          <a:prstGeom prst="rect">
+            <a:avLst/>
+          </a:prstGeom>
+          <a:noFill/>
+          <a:ln>
+            <a:noFill/>
+          </a:ln>
+          <a:effectLst/>
+          <a:extLst>
+            <a:ext uri="{909E8E84-426E-40DD-AFC4-6F175D3DCCD1}">
+              <a14:hiddenFill xmlns:a14="http://schemas.microsoft.com/office/drawing/2010/main">
+                <a:solidFill>
+                  <a:schemeClr val="accent1"/>
+                </a:solidFill>
+              </a14:hiddenFill>
+            </a:ext>
+            <a:ext uri="{91240B29-F687-4F45-9708-019B960494DF}">
+              <a14:hiddenLine xmlns:a14="http://schemas.microsoft.com/office/drawing/2010/main" w="9525">
+                <a:solidFill>
+                  <a:schemeClr val="tx1"/>
+                </a:solidFill>
+                <a:miter lim="800000"/>
+                <a:headEnd/>
+                <a:tailEnd/>
+              </a14:hiddenLine>
+            </a:ext>
+            <a:ext uri="{AF507438-7753-43E0-B8FC-AC1667EBCBE1}">
+              <a14:hiddenEffects xmlns:a14="http://schemas.microsoft.com/office/drawing/2010/main">
+                <a:effectLst>
+                  <a:outerShdw dist="35921" dir="2700000" algn="ctr" rotWithShape="0">
+                    <a:schemeClr val="bg2"/>
+                  </a:outerShdw>
+                </a:effectLst>
+              </a14:hiddenEffects>
+            </a:ext>
+          </a:extLst>
+        </p:spPr>
+        <p:txBody>
+          <a:bodyPr vert="horz" wrap="none" lIns="0" tIns="0" rIns="0" bIns="0" numCol="1" anchor="ctr" anchorCtr="0" compatLnSpc="1">
+            <a:prstTxWarp prst="textNoShape">
+              <a:avLst/>
+            </a:prstTxWarp>
+            <a:spAutoFit/>
+          </a:bodyPr>
           <a:lstStyle/>
           <a:p>
-            <a:r>
-              <a:rPr lang="en-US" dirty="0" smtClean="0"/>
-              <a:t>They are less </a:t>
-            </a:r>
-            <a:r>
-              <a:rPr lang="en-US" dirty="0"/>
-              <a:t>robust, behave less predictably, and are less reusable</a:t>
-            </a:r>
-            <a:r>
-              <a:rPr lang="en-US" dirty="0" smtClean="0"/>
-              <a:t>.</a:t>
-            </a:r>
-          </a:p>
-          <a:p>
-            <a:r>
-              <a:rPr lang="en-US" dirty="0" smtClean="0"/>
-              <a:t>Name clashes. Your </a:t>
-            </a:r>
-            <a:r>
-              <a:rPr lang="en-US" dirty="0"/>
-              <a:t>code, built-ins, analytics code, social media </a:t>
-            </a:r>
-            <a:r>
-              <a:rPr lang="en-US" dirty="0" smtClean="0"/>
-              <a:t>buttons use the same global scope.</a:t>
-            </a:r>
-            <a:endParaRPr lang="en-US" dirty="0"/>
+            <a:pPr marL="0" marR="0" lvl="0" indent="0" algn="l" defTabSz="914400" rtl="0" eaLnBrk="0" fontAlgn="base" latinLnBrk="0" hangingPunct="0">
+              <a:lnSpc>
+                <a:spcPct val="100000"/>
+              </a:lnSpc>
+              <a:spcBef>
+                <a:spcPct val="0"/>
+              </a:spcBef>
+              <a:spcAft>
+                <a:spcPct val="0"/>
+              </a:spcAft>
+              <a:buClrTx/>
+              <a:buSzTx/>
+              <a:buFontTx/>
+              <a:buNone/>
+              <a:tabLst/>
+            </a:pPr>
+            <a:r>
+              <a:rPr kumimoji="0" lang="en-US" altLang="en-US" sz="1800" b="0" i="0" u="none" strike="noStrike" cap="none" normalizeH="0" baseline="0" dirty="0" smtClean="0">
+                <a:ln>
+                  <a:noFill/>
+                </a:ln>
+                <a:solidFill>
+                  <a:srgbClr val="000000"/>
+                </a:solidFill>
+                <a:effectLst/>
+                <a:latin typeface="Ubuntu Mono"/>
+              </a:rPr>
+              <a:t>(</a:t>
+            </a:r>
+            <a:r>
+              <a:rPr kumimoji="0" lang="en-US" altLang="en-US" sz="1800" b="1" i="0" u="none" strike="noStrike" cap="none" normalizeH="0" baseline="0" dirty="0" smtClean="0">
+                <a:ln>
+                  <a:noFill/>
+                </a:ln>
+                <a:solidFill>
+                  <a:srgbClr val="006699"/>
+                </a:solidFill>
+                <a:effectLst/>
+                <a:latin typeface="Ubuntu Mono"/>
+              </a:rPr>
+              <a:t>function</a:t>
+            </a:r>
+            <a:r>
+              <a:rPr kumimoji="0" lang="en-US" altLang="en-US" sz="1800" b="0" i="0" u="none" strike="noStrike" cap="none" normalizeH="0" baseline="0" dirty="0" smtClean="0">
+                <a:ln>
+                  <a:noFill/>
+                </a:ln>
+                <a:solidFill>
+                  <a:srgbClr val="000000"/>
+                </a:solidFill>
+                <a:effectLst/>
+                <a:latin typeface="Ubuntu Mono"/>
+              </a:rPr>
+              <a:t> (</a:t>
+            </a:r>
+            <a:r>
+              <a:rPr kumimoji="0" lang="en-US" altLang="en-US" sz="1800" b="0" i="0" u="none" strike="noStrike" cap="none" normalizeH="0" baseline="0" dirty="0" smtClean="0">
+                <a:ln>
+                  <a:noFill/>
+                </a:ln>
+                <a:solidFill>
+                  <a:srgbClr val="000088"/>
+                </a:solidFill>
+                <a:effectLst/>
+                <a:latin typeface="Ubuntu Mono"/>
+              </a:rPr>
+              <a:t>glob</a:t>
+            </a:r>
+            <a:r>
+              <a:rPr kumimoji="0" lang="en-US" altLang="en-US" sz="1800" b="0" i="0" u="none" strike="noStrike" cap="none" normalizeH="0" baseline="0" dirty="0" smtClean="0">
+                <a:ln>
+                  <a:noFill/>
+                </a:ln>
+                <a:solidFill>
+                  <a:srgbClr val="000000"/>
+                </a:solidFill>
+                <a:effectLst/>
+                <a:latin typeface="Ubuntu Mono"/>
+              </a:rPr>
+              <a:t>) { </a:t>
+            </a:r>
+          </a:p>
+          <a:p>
+            <a:pPr marL="0" marR="0" lvl="0" indent="0" algn="l" defTabSz="914400" rtl="0" eaLnBrk="0" fontAlgn="base" latinLnBrk="0" hangingPunct="0">
+              <a:lnSpc>
+                <a:spcPct val="100000"/>
+              </a:lnSpc>
+              <a:spcBef>
+                <a:spcPct val="0"/>
+              </a:spcBef>
+              <a:spcAft>
+                <a:spcPct val="0"/>
+              </a:spcAft>
+              <a:buClrTx/>
+              <a:buSzTx/>
+              <a:buFontTx/>
+              <a:buNone/>
+              <a:tabLst/>
+            </a:pPr>
+            <a:r>
+              <a:rPr lang="en-US" altLang="en-US" sz="1800" dirty="0">
+                <a:solidFill>
+                  <a:srgbClr val="000000"/>
+                </a:solidFill>
+                <a:latin typeface="Ubuntu Mono"/>
+              </a:rPr>
+              <a:t>	</a:t>
+            </a:r>
+            <a:r>
+              <a:rPr kumimoji="0" lang="en-US" altLang="en-US" sz="1800" b="0" i="1" u="none" strike="noStrike" cap="none" normalizeH="0" baseline="0" dirty="0" smtClean="0">
+                <a:ln>
+                  <a:noFill/>
+                </a:ln>
+                <a:solidFill>
+                  <a:srgbClr val="35586C"/>
+                </a:solidFill>
+                <a:effectLst/>
+                <a:latin typeface="Ubuntu Mono"/>
+              </a:rPr>
+              <a:t>// glob points to global object</a:t>
+            </a:r>
+            <a:r>
+              <a:rPr kumimoji="0" lang="en-US" altLang="en-US" sz="1800" b="0" i="0" u="none" strike="noStrike" cap="none" normalizeH="0" baseline="0" dirty="0" smtClean="0">
+                <a:ln>
+                  <a:noFill/>
+                </a:ln>
+                <a:solidFill>
+                  <a:srgbClr val="000000"/>
+                </a:solidFill>
+                <a:effectLst/>
+                <a:latin typeface="Ubuntu Mono"/>
+              </a:rPr>
+              <a:t> </a:t>
+            </a:r>
+          </a:p>
+          <a:p>
+            <a:pPr marL="0" marR="0" lvl="0" indent="0" algn="l" defTabSz="914400" rtl="0" eaLnBrk="0" fontAlgn="base" latinLnBrk="0" hangingPunct="0">
+              <a:lnSpc>
+                <a:spcPct val="100000"/>
+              </a:lnSpc>
+              <a:spcBef>
+                <a:spcPct val="0"/>
+              </a:spcBef>
+              <a:spcAft>
+                <a:spcPct val="0"/>
+              </a:spcAft>
+              <a:buClrTx/>
+              <a:buSzTx/>
+              <a:buFontTx/>
+              <a:buNone/>
+              <a:tabLst/>
+            </a:pPr>
+            <a:r>
+              <a:rPr kumimoji="0" lang="en-US" altLang="en-US" sz="1800" b="0" i="0" u="none" strike="noStrike" cap="none" normalizeH="0" baseline="0" dirty="0" smtClean="0">
+                <a:ln>
+                  <a:noFill/>
+                </a:ln>
+                <a:solidFill>
+                  <a:srgbClr val="000000"/>
+                </a:solidFill>
+                <a:effectLst/>
+                <a:latin typeface="Ubuntu Mono"/>
+              </a:rPr>
+              <a:t>}(</a:t>
+            </a:r>
+            <a:r>
+              <a:rPr kumimoji="0" lang="en-US" altLang="en-US" sz="1800" b="1" i="0" u="none" strike="noStrike" cap="none" normalizeH="0" baseline="0" dirty="0" err="1" smtClean="0">
+                <a:ln>
+                  <a:noFill/>
+                </a:ln>
+                <a:solidFill>
+                  <a:srgbClr val="006699"/>
+                </a:solidFill>
+                <a:effectLst/>
+                <a:latin typeface="Ubuntu Mono"/>
+              </a:rPr>
+              <a:t>typeof</a:t>
+            </a:r>
+            <a:r>
+              <a:rPr kumimoji="0" lang="en-US" altLang="en-US" sz="1800" b="0" i="0" u="none" strike="noStrike" cap="none" normalizeH="0" baseline="0" dirty="0" smtClean="0">
+                <a:ln>
+                  <a:noFill/>
+                </a:ln>
+                <a:solidFill>
+                  <a:srgbClr val="000000"/>
+                </a:solidFill>
+                <a:effectLst/>
+                <a:latin typeface="Ubuntu Mono"/>
+              </a:rPr>
+              <a:t> </a:t>
+            </a:r>
+            <a:r>
+              <a:rPr kumimoji="0" lang="en-US" altLang="en-US" sz="1800" b="0" i="0" u="none" strike="noStrike" cap="none" normalizeH="0" baseline="0" dirty="0" smtClean="0">
+                <a:ln>
+                  <a:noFill/>
+                </a:ln>
+                <a:solidFill>
+                  <a:srgbClr val="336666"/>
+                </a:solidFill>
+                <a:effectLst/>
+                <a:latin typeface="Ubuntu Mono"/>
+              </a:rPr>
+              <a:t>window</a:t>
+            </a:r>
+            <a:r>
+              <a:rPr kumimoji="0" lang="en-US" altLang="en-US" sz="1800" b="0" i="0" u="none" strike="noStrike" cap="none" normalizeH="0" baseline="0" dirty="0" smtClean="0">
+                <a:ln>
+                  <a:noFill/>
+                </a:ln>
+                <a:solidFill>
+                  <a:srgbClr val="000000"/>
+                </a:solidFill>
+                <a:effectLst/>
+                <a:latin typeface="Ubuntu Mono"/>
+              </a:rPr>
+              <a:t> </a:t>
+            </a:r>
+            <a:r>
+              <a:rPr kumimoji="0" lang="en-US" altLang="en-US" sz="1800" b="0" i="0" u="none" strike="noStrike" cap="none" normalizeH="0" baseline="0" dirty="0" smtClean="0">
+                <a:ln>
+                  <a:noFill/>
+                </a:ln>
+                <a:solidFill>
+                  <a:srgbClr val="555555"/>
+                </a:solidFill>
+                <a:effectLst/>
+                <a:latin typeface="Ubuntu Mono"/>
+              </a:rPr>
+              <a:t>!==</a:t>
+            </a:r>
+            <a:r>
+              <a:rPr kumimoji="0" lang="en-US" altLang="en-US" sz="1800" b="0" i="0" u="none" strike="noStrike" cap="none" normalizeH="0" baseline="0" dirty="0" smtClean="0">
+                <a:ln>
+                  <a:noFill/>
+                </a:ln>
+                <a:solidFill>
+                  <a:srgbClr val="000000"/>
+                </a:solidFill>
+                <a:effectLst/>
+                <a:latin typeface="Ubuntu Mono"/>
+              </a:rPr>
+              <a:t> </a:t>
+            </a:r>
+            <a:r>
+              <a:rPr kumimoji="0" lang="en-US" altLang="en-US" sz="1800" b="0" i="0" u="none" strike="noStrike" cap="none" normalizeH="0" baseline="0" dirty="0" smtClean="0">
+                <a:ln>
+                  <a:noFill/>
+                </a:ln>
+                <a:solidFill>
+                  <a:srgbClr val="CC3300"/>
+                </a:solidFill>
+                <a:effectLst/>
+                <a:latin typeface="Ubuntu Mono"/>
+              </a:rPr>
+              <a:t>'undefined'</a:t>
+            </a:r>
+            <a:r>
+              <a:rPr kumimoji="0" lang="en-US" altLang="en-US" sz="1800" b="0" i="0" u="none" strike="noStrike" cap="none" normalizeH="0" baseline="0" dirty="0" smtClean="0">
+                <a:ln>
+                  <a:noFill/>
+                </a:ln>
+                <a:solidFill>
+                  <a:srgbClr val="000000"/>
+                </a:solidFill>
+                <a:effectLst/>
+                <a:latin typeface="Ubuntu Mono"/>
+              </a:rPr>
+              <a:t> </a:t>
+            </a:r>
+            <a:r>
+              <a:rPr kumimoji="0" lang="en-US" altLang="en-US" sz="1800" b="0" i="0" u="none" strike="noStrike" cap="none" normalizeH="0" baseline="0" dirty="0" smtClean="0">
+                <a:ln>
+                  <a:noFill/>
+                </a:ln>
+                <a:solidFill>
+                  <a:srgbClr val="555555"/>
+                </a:solidFill>
+                <a:effectLst/>
+                <a:latin typeface="Ubuntu Mono"/>
+              </a:rPr>
+              <a:t>?</a:t>
+            </a:r>
+            <a:r>
+              <a:rPr kumimoji="0" lang="en-US" altLang="en-US" sz="1800" b="0" i="0" u="none" strike="noStrike" cap="none" normalizeH="0" baseline="0" dirty="0" smtClean="0">
+                <a:ln>
+                  <a:noFill/>
+                </a:ln>
+                <a:solidFill>
+                  <a:srgbClr val="000000"/>
+                </a:solidFill>
+                <a:effectLst/>
+                <a:latin typeface="Ubuntu Mono"/>
+              </a:rPr>
+              <a:t> </a:t>
+            </a:r>
+            <a:r>
+              <a:rPr kumimoji="0" lang="en-US" altLang="en-US" sz="1800" b="0" i="0" u="none" strike="noStrike" cap="none" normalizeH="0" baseline="0" dirty="0" smtClean="0">
+                <a:ln>
+                  <a:noFill/>
+                </a:ln>
+                <a:solidFill>
+                  <a:srgbClr val="336666"/>
+                </a:solidFill>
+                <a:effectLst/>
+                <a:latin typeface="Ubuntu Mono"/>
+              </a:rPr>
+              <a:t>window</a:t>
+            </a:r>
+            <a:r>
+              <a:rPr kumimoji="0" lang="en-US" altLang="en-US" sz="1800" b="0" i="0" u="none" strike="noStrike" cap="none" normalizeH="0" baseline="0" dirty="0" smtClean="0">
+                <a:ln>
+                  <a:noFill/>
+                </a:ln>
+                <a:solidFill>
+                  <a:srgbClr val="000000"/>
+                </a:solidFill>
+                <a:effectLst/>
+                <a:latin typeface="Ubuntu Mono"/>
+              </a:rPr>
+              <a:t> </a:t>
+            </a:r>
+            <a:r>
+              <a:rPr kumimoji="0" lang="en-US" altLang="en-US" sz="1800" b="0" i="0" u="none" strike="noStrike" cap="none" normalizeH="0" baseline="0" dirty="0" smtClean="0">
+                <a:ln>
+                  <a:noFill/>
+                </a:ln>
+                <a:solidFill>
+                  <a:srgbClr val="555555"/>
+                </a:solidFill>
+                <a:effectLst/>
+                <a:latin typeface="Ubuntu Mono"/>
+              </a:rPr>
+              <a:t>:</a:t>
+            </a:r>
+            <a:r>
+              <a:rPr kumimoji="0" lang="en-US" altLang="en-US" sz="1800" b="0" i="0" u="none" strike="noStrike" cap="none" normalizeH="0" baseline="0" dirty="0" smtClean="0">
+                <a:ln>
+                  <a:noFill/>
+                </a:ln>
+                <a:solidFill>
+                  <a:srgbClr val="000000"/>
+                </a:solidFill>
+                <a:effectLst/>
+                <a:latin typeface="Ubuntu Mono"/>
+              </a:rPr>
+              <a:t> </a:t>
+            </a:r>
+            <a:r>
+              <a:rPr kumimoji="0" lang="en-US" altLang="en-US" sz="1800" b="0" i="0" u="none" strike="noStrike" cap="none" normalizeH="0" baseline="0" dirty="0" smtClean="0">
+                <a:ln>
+                  <a:noFill/>
+                </a:ln>
+                <a:solidFill>
+                  <a:srgbClr val="000088"/>
+                </a:solidFill>
+                <a:effectLst/>
+                <a:latin typeface="Ubuntu Mono"/>
+              </a:rPr>
+              <a:t>global</a:t>
+            </a:r>
+            <a:r>
+              <a:rPr kumimoji="0" lang="en-US" altLang="en-US" sz="1800" b="0" i="0" u="none" strike="noStrike" cap="none" normalizeH="0" baseline="0" dirty="0" smtClean="0">
+                <a:ln>
+                  <a:noFill/>
+                </a:ln>
+                <a:solidFill>
+                  <a:srgbClr val="000000"/>
+                </a:solidFill>
+                <a:effectLst/>
+                <a:latin typeface="Ubuntu Mono"/>
+              </a:rPr>
+              <a:t>));</a:t>
+            </a:r>
+            <a:r>
+              <a:rPr kumimoji="0" lang="en-US" altLang="en-US" sz="1800" b="0" i="0" u="none" strike="noStrike" cap="none" normalizeH="0" baseline="0" dirty="0" smtClean="0">
+                <a:ln>
+                  <a:noFill/>
+                </a:ln>
+                <a:solidFill>
+                  <a:schemeClr val="tx1"/>
+                </a:solidFill>
+                <a:effectLst/>
+              </a:rPr>
+              <a:t> </a:t>
+            </a:r>
+            <a:endParaRPr kumimoji="0" lang="en-US" altLang="en-US" sz="1800" b="0" i="0" u="none" strike="noStrike" cap="none" normalizeH="0" baseline="0" dirty="0" smtClean="0">
+              <a:ln>
+                <a:noFill/>
+              </a:ln>
+              <a:solidFill>
+                <a:schemeClr val="tx1"/>
+              </a:solidFill>
+              <a:effectLst/>
+              <a:latin typeface="Arial" panose="020B0604020202020204" pitchFamily="34" charset="0"/>
+            </a:endParaRPr>
           </a:p>
         </p:txBody>
       </p:sp>
     </p:spTree>
     <p:extLst>
       <p:ext uri="{BB962C8B-B14F-4D97-AF65-F5344CB8AC3E}">
-        <p14:creationId xmlns:p14="http://schemas.microsoft.com/office/powerpoint/2010/main" val="704371220"/>
+        <p14:creationId xmlns:p14="http://schemas.microsoft.com/office/powerpoint/2010/main" val="1897574044"/>
       </p:ext>
     </p:extLst>
   </p:cSld>
@@ -13464,6 +13493,110 @@
       </p:grpSpPr>
       <p:sp>
         <p:nvSpPr>
+          <p:cNvPr id="2" name="Title 1"/>
+          <p:cNvSpPr>
+            <a:spLocks noGrp="1"/>
+          </p:cNvSpPr>
+          <p:nvPr>
+            <p:ph type="title"/>
+          </p:nvPr>
+        </p:nvSpPr>
+        <p:spPr/>
+        <p:txBody>
+          <a:bodyPr>
+            <a:normAutofit/>
+          </a:bodyPr>
+          <a:lstStyle/>
+          <a:p>
+            <a:r>
+              <a:rPr lang="en-US" b="1" dirty="0"/>
+              <a:t>Global variables are </a:t>
+            </a:r>
+            <a:r>
+              <a:rPr lang="en-US" b="1" dirty="0" smtClean="0"/>
+              <a:t>evil</a:t>
+            </a:r>
+            <a:endParaRPr lang="en-US" dirty="0"/>
+          </a:p>
+        </p:txBody>
+      </p:sp>
+      <p:sp>
+        <p:nvSpPr>
+          <p:cNvPr id="3" name="Content Placeholder 2"/>
+          <p:cNvSpPr>
+            <a:spLocks noGrp="1"/>
+          </p:cNvSpPr>
+          <p:nvPr>
+            <p:ph idx="1"/>
+          </p:nvPr>
+        </p:nvSpPr>
+        <p:spPr/>
+        <p:txBody>
+          <a:bodyPr/>
+          <a:lstStyle/>
+          <a:p>
+            <a:r>
+              <a:rPr lang="en-US" dirty="0" smtClean="0"/>
+              <a:t>They are less </a:t>
+            </a:r>
+            <a:r>
+              <a:rPr lang="en-US" dirty="0"/>
+              <a:t>robust, behave less predictably, and are less reusable</a:t>
+            </a:r>
+            <a:r>
+              <a:rPr lang="en-US" dirty="0" smtClean="0"/>
+              <a:t>.</a:t>
+            </a:r>
+          </a:p>
+          <a:p>
+            <a:r>
+              <a:rPr lang="en-US" dirty="0" smtClean="0"/>
+              <a:t>Name clashes. Your </a:t>
+            </a:r>
+            <a:r>
+              <a:rPr lang="en-US" dirty="0"/>
+              <a:t>code, built-ins, analytics code, social media </a:t>
+            </a:r>
+            <a:r>
+              <a:rPr lang="en-US" dirty="0" smtClean="0"/>
+              <a:t>buttons use the same global scope.</a:t>
+            </a:r>
+            <a:endParaRPr lang="en-US" dirty="0"/>
+          </a:p>
+        </p:txBody>
+      </p:sp>
+    </p:spTree>
+    <p:extLst>
+      <p:ext uri="{BB962C8B-B14F-4D97-AF65-F5344CB8AC3E}">
+        <p14:creationId xmlns:p14="http://schemas.microsoft.com/office/powerpoint/2010/main" val="704371220"/>
+      </p:ext>
+    </p:extLst>
+  </p:cSld>
+  <p:clrMapOvr>
+    <a:masterClrMapping/>
+  </p:clrMapOvr>
+</p:sld>
+</file>
+
+<file path=ppt/slides/slide32.xml><?xml version="1.0" encoding="utf-8"?>
+<p:sld xmlns:a="http://schemas.openxmlformats.org/drawingml/2006/main" xmlns:r="http://schemas.openxmlformats.org/officeDocument/2006/relationships" xmlns:p="http://schemas.openxmlformats.org/presentationml/2006/main">
+  <p:cSld>
+    <p:spTree>
+      <p:nvGrpSpPr>
+        <p:cNvPr id="1" name=""/>
+        <p:cNvGrpSpPr/>
+        <p:nvPr/>
+      </p:nvGrpSpPr>
+      <p:grpSpPr>
+        <a:xfrm>
+          <a:off x="0" y="0"/>
+          <a:ext cx="0" cy="0"/>
+          <a:chOff x="0" y="0"/>
+          <a:chExt cx="0" cy="0"/>
+        </a:xfrm>
+      </p:grpSpPr>
+      <p:sp>
+        <p:nvSpPr>
           <p:cNvPr id="2" name="Заголовок 1"/>
           <p:cNvSpPr>
             <a:spLocks noGrp="1"/>
@@ -13883,127 +14016,6 @@
     <p:extLst>
       <p:ext uri="{BB962C8B-B14F-4D97-AF65-F5344CB8AC3E}">
         <p14:creationId xmlns:p14="http://schemas.microsoft.com/office/powerpoint/2010/main" val="578045096"/>
-      </p:ext>
-    </p:extLst>
-  </p:cSld>
-  <p:clrMapOvr>
-    <a:masterClrMapping/>
-  </p:clrMapOvr>
-  <p:transition/>
-  <p:timing>
-    <p:tnLst>
-      <p:par>
-        <p:cTn id="1" dur="indefinite" restart="never" nodeType="tmRoot"/>
-      </p:par>
-    </p:tnLst>
-  </p:timing>
-</p:sld>
-</file>
-
-<file path=ppt/slides/slide32.xml><?xml version="1.0" encoding="utf-8"?>
-<p:sld xmlns:a="http://schemas.openxmlformats.org/drawingml/2006/main" xmlns:r="http://schemas.openxmlformats.org/officeDocument/2006/relationships" xmlns:p="http://schemas.openxmlformats.org/presentationml/2006/main">
-  <p:cSld>
-    <p:spTree>
-      <p:nvGrpSpPr>
-        <p:cNvPr id="1" name=""/>
-        <p:cNvGrpSpPr/>
-        <p:nvPr/>
-      </p:nvGrpSpPr>
-      <p:grpSpPr>
-        <a:xfrm>
-          <a:off x="0" y="0"/>
-          <a:ext cx="0" cy="0"/>
-          <a:chOff x="0" y="0"/>
-          <a:chExt cx="0" cy="0"/>
-        </a:xfrm>
-      </p:grpSpPr>
-      <p:sp>
-        <p:nvSpPr>
-          <p:cNvPr id="7" name="Rectangle 6"/>
-          <p:cNvSpPr/>
-          <p:nvPr/>
-        </p:nvSpPr>
-        <p:spPr>
-          <a:xfrm>
-            <a:off x="2357754" y="1714488"/>
-            <a:ext cx="4080516" cy="2031325"/>
-          </a:xfrm>
-          <a:prstGeom prst="rect">
-            <a:avLst/>
-          </a:prstGeom>
-        </p:spPr>
-        <p:txBody>
-          <a:bodyPr wrap="square">
-            <a:spAutoFit/>
-          </a:bodyPr>
-          <a:lstStyle/>
-          <a:p>
-            <a:r>
-              <a:rPr lang="en-US" sz="2100" b="1" dirty="0">
-                <a:solidFill>
-                  <a:schemeClr val="bg1">
-                    <a:lumMod val="50000"/>
-                  </a:schemeClr>
-                </a:solidFill>
-              </a:rPr>
-              <a:t>&lt;script&gt;</a:t>
-            </a:r>
-            <a:endParaRPr lang="en-US" sz="2100" b="1" dirty="0"/>
-          </a:p>
-          <a:p>
-            <a:pPr lvl="1"/>
-            <a:r>
-              <a:rPr lang="en-US" sz="2100" b="1" dirty="0"/>
-              <a:t>if (("a" in window) == false) {</a:t>
-            </a:r>
-          </a:p>
-          <a:p>
-            <a:pPr lvl="1"/>
-            <a:r>
-              <a:rPr lang="en-US" sz="2100" b="1" dirty="0"/>
-              <a:t>    </a:t>
-            </a:r>
-            <a:r>
-              <a:rPr lang="en-US" sz="2100" b="1" dirty="0" err="1"/>
-              <a:t>var</a:t>
-            </a:r>
-            <a:r>
-              <a:rPr lang="en-US" sz="2100" b="1" dirty="0"/>
-              <a:t> a = 1; </a:t>
-            </a:r>
-          </a:p>
-          <a:p>
-            <a:pPr lvl="1"/>
-            <a:r>
-              <a:rPr lang="en-US" sz="2100" b="1" dirty="0"/>
-              <a:t>}</a:t>
-            </a:r>
-          </a:p>
-          <a:p>
-            <a:pPr lvl="1"/>
-            <a:r>
-              <a:rPr lang="en-US" sz="2100" b="1" dirty="0"/>
-              <a:t>alert(a);</a:t>
-            </a:r>
-          </a:p>
-          <a:p>
-            <a:r>
-              <a:rPr lang="en-US" sz="2100" b="1" dirty="0">
-                <a:solidFill>
-                  <a:schemeClr val="bg1">
-                    <a:lumMod val="50000"/>
-                  </a:schemeClr>
-                </a:solidFill>
-              </a:rPr>
-              <a:t>&lt;/script&gt;</a:t>
-            </a:r>
-          </a:p>
-        </p:txBody>
-      </p:sp>
-    </p:spTree>
-    <p:extLst>
-      <p:ext uri="{BB962C8B-B14F-4D97-AF65-F5344CB8AC3E}">
-        <p14:creationId xmlns:p14="http://schemas.microsoft.com/office/powerpoint/2010/main" val="1403691241"/>
       </p:ext>
     </p:extLst>
   </p:cSld>
@@ -14040,387 +14052,98 @@
       </p:grpSpPr>
       <p:sp>
         <p:nvSpPr>
-          <p:cNvPr id="2" name="Title 1"/>
-          <p:cNvSpPr>
-            <a:spLocks noGrp="1"/>
-          </p:cNvSpPr>
-          <p:nvPr>
-            <p:ph type="title"/>
-          </p:nvPr>
-        </p:nvSpPr>
-        <p:spPr/>
-        <p:txBody>
-          <a:bodyPr/>
-          <a:lstStyle/>
-          <a:p>
-            <a:r>
-              <a:rPr lang="en-US" dirty="0" smtClean="0"/>
-              <a:t>Working with global</a:t>
-            </a:r>
-            <a:endParaRPr lang="en-US" dirty="0"/>
-          </a:p>
-        </p:txBody>
-      </p:sp>
-      <p:sp>
-        <p:nvSpPr>
-          <p:cNvPr id="4" name="Rectangle 1"/>
-          <p:cNvSpPr>
-            <a:spLocks noGrp="1" noChangeArrowheads="1"/>
-          </p:cNvSpPr>
-          <p:nvPr>
-            <p:ph idx="1"/>
-          </p:nvPr>
-        </p:nvSpPr>
-        <p:spPr bwMode="auto">
+          <p:cNvPr id="7" name="Rectangle 6"/>
+          <p:cNvSpPr/>
+          <p:nvPr/>
+        </p:nvSpPr>
+        <p:spPr>
           <a:xfrm>
-            <a:off x="251520" y="1556792"/>
-            <a:ext cx="4536504" cy="2769989"/>
+            <a:off x="2357754" y="1714488"/>
+            <a:ext cx="4080516" cy="2031325"/>
           </a:xfrm>
           <a:prstGeom prst="rect">
             <a:avLst/>
           </a:prstGeom>
-          <a:noFill/>
-          <a:ln>
-            <a:noFill/>
-          </a:ln>
-          <a:effectLst/>
-          <a:extLst>
-            <a:ext uri="{909E8E84-426E-40DD-AFC4-6F175D3DCCD1}">
-              <a14:hiddenFill xmlns:a14="http://schemas.microsoft.com/office/drawing/2010/main">
-                <a:solidFill>
-                  <a:schemeClr val="accent1"/>
-                </a:solidFill>
-              </a14:hiddenFill>
-            </a:ext>
-            <a:ext uri="{91240B29-F687-4F45-9708-019B960494DF}">
-              <a14:hiddenLine xmlns:a14="http://schemas.microsoft.com/office/drawing/2010/main" w="9525">
-                <a:solidFill>
-                  <a:schemeClr val="tx1"/>
-                </a:solidFill>
-                <a:miter lim="800000"/>
-                <a:headEnd/>
-                <a:tailEnd/>
-              </a14:hiddenLine>
-            </a:ext>
-            <a:ext uri="{AF507438-7753-43E0-B8FC-AC1667EBCBE1}">
-              <a14:hiddenEffects xmlns:a14="http://schemas.microsoft.com/office/drawing/2010/main">
-                <a:effectLst>
-                  <a:outerShdw dist="35921" dir="2700000" algn="ctr" rotWithShape="0">
-                    <a:schemeClr val="bg2"/>
-                  </a:outerShdw>
-                </a:effectLst>
-              </a14:hiddenEffects>
-            </a:ext>
-          </a:extLst>
         </p:spPr>
         <p:txBody>
-          <a:bodyPr vert="horz" wrap="square" lIns="0" tIns="0" rIns="0" bIns="0" numCol="1" anchor="ctr" anchorCtr="0" compatLnSpc="1">
-            <a:prstTxWarp prst="textNoShape">
-              <a:avLst/>
-            </a:prstTxWarp>
+          <a:bodyPr wrap="square">
             <a:spAutoFit/>
           </a:bodyPr>
           <a:lstStyle/>
           <a:p>
-            <a:pPr marL="0" marR="0" lvl="0" indent="0" algn="l" defTabSz="914400" rtl="0" eaLnBrk="0" fontAlgn="base" latinLnBrk="0" hangingPunct="0">
-              <a:lnSpc>
-                <a:spcPct val="100000"/>
-              </a:lnSpc>
-              <a:spcBef>
-                <a:spcPct val="0"/>
-              </a:spcBef>
-              <a:spcAft>
-                <a:spcPct val="0"/>
-              </a:spcAft>
-              <a:buClrTx/>
-              <a:buSzTx/>
-              <a:buFontTx/>
-              <a:buNone/>
-              <a:tabLst/>
-            </a:pPr>
-            <a:r>
-              <a:rPr kumimoji="0" lang="en-US" altLang="en-US" sz="2000" b="0" i="0" u="none" strike="noStrike" cap="none" normalizeH="0" baseline="0" dirty="0" err="1" smtClean="0">
-                <a:ln>
-                  <a:noFill/>
-                </a:ln>
-                <a:effectLst/>
-                <a:latin typeface="Ubuntu Mono"/>
-              </a:rPr>
-              <a:t>window.foo</a:t>
-            </a:r>
-            <a:endParaRPr kumimoji="0" lang="en-US" altLang="en-US" sz="2000" b="0" i="0" u="none" strike="noStrike" cap="none" normalizeH="0" baseline="0" dirty="0" smtClean="0">
-              <a:ln>
-                <a:noFill/>
-              </a:ln>
-              <a:effectLst/>
-              <a:latin typeface="Ubuntu Mono"/>
-            </a:endParaRPr>
-          </a:p>
-          <a:p>
-            <a:pPr marL="0" marR="0" lvl="0" indent="0" algn="l" defTabSz="914400" rtl="0" eaLnBrk="0" fontAlgn="base" latinLnBrk="0" hangingPunct="0">
-              <a:lnSpc>
-                <a:spcPct val="100000"/>
-              </a:lnSpc>
-              <a:spcBef>
-                <a:spcPct val="0"/>
-              </a:spcBef>
-              <a:spcAft>
-                <a:spcPct val="0"/>
-              </a:spcAft>
-              <a:buClrTx/>
-              <a:buSzTx/>
-              <a:buFontTx/>
-              <a:buNone/>
-              <a:tabLst/>
-            </a:pPr>
-            <a:endParaRPr lang="en-US" altLang="en-US" sz="2000" dirty="0">
-              <a:latin typeface="Ubuntu Mono"/>
-            </a:endParaRPr>
-          </a:p>
-          <a:p>
-            <a:pPr marL="0" marR="0" lvl="0" indent="0" algn="l" defTabSz="914400" rtl="0" eaLnBrk="0" fontAlgn="base" latinLnBrk="0" hangingPunct="0">
-              <a:lnSpc>
-                <a:spcPct val="100000"/>
-              </a:lnSpc>
-              <a:spcBef>
-                <a:spcPct val="0"/>
-              </a:spcBef>
-              <a:spcAft>
-                <a:spcPct val="0"/>
-              </a:spcAft>
-              <a:buClrTx/>
-              <a:buSzTx/>
-              <a:buFontTx/>
-              <a:buNone/>
-              <a:tabLst/>
-            </a:pPr>
-            <a:r>
-              <a:rPr lang="en-US" altLang="en-US" sz="2000" dirty="0">
-                <a:latin typeface="Ubuntu Mono"/>
-              </a:rPr>
-              <a:t>i</a:t>
-            </a:r>
-            <a:r>
-              <a:rPr kumimoji="0" lang="en-US" altLang="en-US" sz="2000" b="0" i="0" u="none" strike="noStrike" cap="none" normalizeH="0" baseline="0" dirty="0" smtClean="0">
-                <a:ln>
-                  <a:noFill/>
-                </a:ln>
-                <a:effectLst/>
-                <a:latin typeface="Ubuntu Mono"/>
-              </a:rPr>
-              <a:t>f (</a:t>
-            </a:r>
-            <a:r>
-              <a:rPr kumimoji="0" lang="en-US" altLang="en-US" sz="2000" b="0" i="0" u="none" strike="noStrike" cap="none" normalizeH="0" baseline="0" dirty="0" err="1" smtClean="0">
-                <a:ln>
-                  <a:noFill/>
-                </a:ln>
-                <a:effectLst/>
-                <a:latin typeface="Ubuntu Mono"/>
-              </a:rPr>
-              <a:t>window.foo</a:t>
-            </a:r>
-            <a:r>
-              <a:rPr kumimoji="0" lang="en-US" altLang="en-US" sz="2000" b="0" i="0" u="none" strike="noStrike" cap="none" normalizeH="0" baseline="0" dirty="0" smtClean="0">
-                <a:ln>
-                  <a:noFill/>
-                </a:ln>
-                <a:effectLst/>
-                <a:latin typeface="Ubuntu Mono"/>
-              </a:rPr>
-              <a:t>) { … }</a:t>
-            </a:r>
-          </a:p>
-          <a:p>
-            <a:pPr marL="0" indent="0" eaLnBrk="0" fontAlgn="base" hangingPunct="0">
-              <a:spcBef>
-                <a:spcPct val="0"/>
-              </a:spcBef>
-              <a:spcAft>
-                <a:spcPct val="0"/>
-              </a:spcAft>
-              <a:buNone/>
-            </a:pPr>
-            <a:r>
-              <a:rPr lang="en-US" altLang="en-US" sz="2000" dirty="0">
-                <a:latin typeface="Ubuntu Mono"/>
-              </a:rPr>
-              <a:t>if </a:t>
-            </a:r>
-            <a:r>
-              <a:rPr lang="en-US" altLang="en-US" sz="2000" dirty="0" smtClean="0">
-                <a:latin typeface="Ubuntu Mono"/>
-              </a:rPr>
-              <a:t>(“foo” in window) </a:t>
-            </a:r>
-            <a:r>
-              <a:rPr lang="en-US" altLang="en-US" sz="2000" dirty="0">
-                <a:latin typeface="Ubuntu Mono"/>
-              </a:rPr>
-              <a:t>{ … </a:t>
-            </a:r>
-            <a:r>
-              <a:rPr lang="en-US" altLang="en-US" sz="2000" dirty="0" smtClean="0">
-                <a:latin typeface="Ubuntu Mono"/>
-              </a:rPr>
+            <a:r>
+              <a:rPr lang="en-US" sz="2100" b="1" dirty="0">
+                <a:solidFill>
+                  <a:schemeClr val="bg1">
+                    <a:lumMod val="50000"/>
+                  </a:schemeClr>
+                </a:solidFill>
+              </a:rPr>
+              <a:t>&lt;script&gt;</a:t>
+            </a:r>
+            <a:endParaRPr lang="en-US" sz="2100" b="1" dirty="0"/>
+          </a:p>
+          <a:p>
+            <a:pPr lvl="1"/>
+            <a:r>
+              <a:rPr lang="en-US" sz="2100" b="1" dirty="0"/>
+              <a:t>if (("a" in window) == false) {</a:t>
+            </a:r>
+          </a:p>
+          <a:p>
+            <a:pPr lvl="1"/>
+            <a:r>
+              <a:rPr lang="en-US" sz="2100" b="1" dirty="0"/>
+              <a:t>    </a:t>
+            </a:r>
+            <a:r>
+              <a:rPr lang="en-US" sz="2100" b="1" dirty="0" err="1"/>
+              <a:t>var</a:t>
+            </a:r>
+            <a:r>
+              <a:rPr lang="en-US" sz="2100" b="1" dirty="0"/>
+              <a:t> a = 1; </a:t>
+            </a:r>
+          </a:p>
+          <a:p>
+            <a:pPr lvl="1"/>
+            <a:r>
+              <a:rPr lang="en-US" sz="2100" b="1" dirty="0"/>
               <a:t>}</a:t>
             </a:r>
           </a:p>
           <a:p>
-            <a:pPr marL="0" indent="0" eaLnBrk="0" fontAlgn="base" hangingPunct="0">
-              <a:spcBef>
-                <a:spcPct val="0"/>
-              </a:spcBef>
-              <a:spcAft>
-                <a:spcPct val="0"/>
-              </a:spcAft>
-              <a:buNone/>
-            </a:pPr>
-            <a:r>
-              <a:rPr lang="en-US" altLang="en-US" sz="2000" dirty="0">
-                <a:latin typeface="Ubuntu Mono"/>
-              </a:rPr>
-              <a:t>i</a:t>
-            </a:r>
-            <a:r>
-              <a:rPr lang="en-US" altLang="en-US" sz="2000" dirty="0" smtClean="0">
-                <a:latin typeface="Ubuntu Mono"/>
-              </a:rPr>
-              <a:t>f (</a:t>
-            </a:r>
-            <a:r>
-              <a:rPr lang="en-US" altLang="en-US" sz="2000" dirty="0" err="1" smtClean="0">
-                <a:latin typeface="Ubuntu Mono"/>
-              </a:rPr>
-              <a:t>typeof</a:t>
-            </a:r>
-            <a:r>
-              <a:rPr lang="en-US" altLang="en-US" sz="2000" dirty="0" smtClean="0">
-                <a:latin typeface="Ubuntu Mono"/>
-              </a:rPr>
-              <a:t> “foo” !== “undefined”) { … }</a:t>
-            </a:r>
-            <a:endParaRPr lang="en-US" altLang="en-US" sz="2000" dirty="0">
-              <a:latin typeface="Ubuntu Mono"/>
-            </a:endParaRPr>
-          </a:p>
-          <a:p>
-            <a:pPr marL="0" marR="0" lvl="0" indent="0" algn="l" defTabSz="914400" rtl="0" eaLnBrk="0" fontAlgn="base" latinLnBrk="0" hangingPunct="0">
-              <a:lnSpc>
-                <a:spcPct val="100000"/>
-              </a:lnSpc>
-              <a:spcBef>
-                <a:spcPct val="0"/>
-              </a:spcBef>
-              <a:spcAft>
-                <a:spcPct val="0"/>
-              </a:spcAft>
-              <a:buClrTx/>
-              <a:buSzTx/>
-              <a:buFontTx/>
-              <a:buNone/>
-              <a:tabLst/>
-            </a:pPr>
-            <a:endParaRPr kumimoji="0" lang="en-US" altLang="en-US" sz="2000" b="0" i="0" u="none" strike="noStrike" cap="none" normalizeH="0" baseline="0" dirty="0" smtClean="0">
-              <a:ln>
-                <a:noFill/>
-              </a:ln>
-              <a:effectLst/>
-              <a:latin typeface="Ubuntu Mono"/>
-            </a:endParaRPr>
-          </a:p>
-          <a:p>
-            <a:pPr marL="0" marR="0" lvl="0" indent="0" algn="l" defTabSz="914400" rtl="0" eaLnBrk="0" fontAlgn="base" latinLnBrk="0" hangingPunct="0">
-              <a:lnSpc>
-                <a:spcPct val="100000"/>
-              </a:lnSpc>
-              <a:spcBef>
-                <a:spcPct val="0"/>
-              </a:spcBef>
-              <a:spcAft>
-                <a:spcPct val="0"/>
-              </a:spcAft>
-              <a:buClrTx/>
-              <a:buSzTx/>
-              <a:buFontTx/>
-              <a:buNone/>
-              <a:tabLst/>
-            </a:pPr>
-            <a:endParaRPr kumimoji="0" lang="en-US" altLang="en-US" sz="2000" b="0" i="0" u="none" strike="noStrike" cap="none" normalizeH="0" baseline="0" dirty="0" smtClean="0">
-              <a:ln>
-                <a:noFill/>
-              </a:ln>
-              <a:effectLst/>
-              <a:latin typeface="Ubuntu Mono"/>
-            </a:endParaRPr>
-          </a:p>
-          <a:p>
-            <a:pPr marL="0" marR="0" lvl="0" indent="0" algn="l" defTabSz="914400" rtl="0" eaLnBrk="0" fontAlgn="base" latinLnBrk="0" hangingPunct="0">
-              <a:lnSpc>
-                <a:spcPct val="100000"/>
-              </a:lnSpc>
-              <a:spcBef>
-                <a:spcPct val="0"/>
-              </a:spcBef>
-              <a:spcAft>
-                <a:spcPct val="0"/>
-              </a:spcAft>
-              <a:buClrTx/>
-              <a:buSzTx/>
-              <a:buFontTx/>
-              <a:buNone/>
-              <a:tabLst/>
-            </a:pPr>
-            <a:endParaRPr lang="en-US" altLang="en-US" sz="2000" dirty="0">
-              <a:latin typeface="Ubuntu Mono"/>
-            </a:endParaRPr>
-          </a:p>
-          <a:p>
-            <a:pPr marL="0" marR="0" lvl="0" indent="0" algn="l" defTabSz="914400" rtl="0" eaLnBrk="0" fontAlgn="base" latinLnBrk="0" hangingPunct="0">
-              <a:lnSpc>
-                <a:spcPct val="100000"/>
-              </a:lnSpc>
-              <a:spcBef>
-                <a:spcPct val="0"/>
-              </a:spcBef>
-              <a:spcAft>
-                <a:spcPct val="0"/>
-              </a:spcAft>
-              <a:buClrTx/>
-              <a:buSzTx/>
-              <a:buFontTx/>
-              <a:buNone/>
-              <a:tabLst/>
-            </a:pPr>
-            <a:r>
-              <a:rPr kumimoji="0" lang="en-US" altLang="en-US" sz="2000" b="0" i="0" u="none" strike="noStrike" cap="none" normalizeH="0" baseline="0" dirty="0" smtClean="0">
-                <a:ln>
-                  <a:noFill/>
-                </a:ln>
-                <a:effectLst/>
-              </a:rPr>
-              <a:t> </a:t>
-            </a:r>
-            <a:endParaRPr kumimoji="0" lang="en-US" altLang="en-US" sz="2000" b="0" i="0" u="none" strike="noStrike" cap="none" normalizeH="0" baseline="0" dirty="0" smtClean="0">
-              <a:ln>
-                <a:noFill/>
-              </a:ln>
-              <a:effectLst/>
-              <a:latin typeface="Arial" panose="020B0604020202020204" pitchFamily="34" charset="0"/>
-            </a:endParaRPr>
+            <a:pPr lvl="1"/>
+            <a:r>
+              <a:rPr lang="en-US" sz="2100" b="1" dirty="0"/>
+              <a:t>alert(a);</a:t>
+            </a:r>
+          </a:p>
+          <a:p>
+            <a:r>
+              <a:rPr lang="en-US" sz="2100" b="1" dirty="0">
+                <a:solidFill>
+                  <a:schemeClr val="bg1">
+                    <a:lumMod val="50000"/>
+                  </a:schemeClr>
+                </a:solidFill>
+              </a:rPr>
+              <a:t>&lt;/script&gt;</a:t>
+            </a:r>
           </a:p>
         </p:txBody>
       </p:sp>
     </p:spTree>
     <p:extLst>
       <p:ext uri="{BB962C8B-B14F-4D97-AF65-F5344CB8AC3E}">
-        <p14:creationId xmlns:p14="http://schemas.microsoft.com/office/powerpoint/2010/main" val="91426937"/>
+        <p14:creationId xmlns:p14="http://schemas.microsoft.com/office/powerpoint/2010/main" val="1403691241"/>
       </p:ext>
     </p:extLst>
   </p:cSld>
   <p:clrMapOvr>
     <a:masterClrMapping/>
   </p:clrMapOvr>
+  <p:transition/>
   <p:timing>
     <p:tnLst>
       <p:par>
@@ -14450,305 +14173,387 @@
       </p:grpSpPr>
       <p:sp>
         <p:nvSpPr>
-          <p:cNvPr id="2" name="Заголовок 1"/>
+          <p:cNvPr id="2" name="Title 1"/>
           <p:cNvSpPr>
             <a:spLocks noGrp="1"/>
           </p:cNvSpPr>
           <p:nvPr>
-            <p:ph type="ctrTitle"/>
+            <p:ph type="title"/>
           </p:nvPr>
         </p:nvSpPr>
-        <p:spPr>
+        <p:spPr/>
+        <p:txBody>
+          <a:bodyPr/>
+          <a:lstStyle/>
+          <a:p>
+            <a:r>
+              <a:rPr lang="en-US" dirty="0" smtClean="0"/>
+              <a:t>Working with global</a:t>
+            </a:r>
+            <a:endParaRPr lang="en-US" dirty="0"/>
+          </a:p>
+        </p:txBody>
+      </p:sp>
+      <p:sp>
+        <p:nvSpPr>
+          <p:cNvPr id="4" name="Rectangle 1"/>
+          <p:cNvSpPr>
+            <a:spLocks noGrp="1" noChangeArrowheads="1"/>
+          </p:cNvSpPr>
+          <p:nvPr>
+            <p:ph idx="1"/>
+          </p:nvPr>
+        </p:nvSpPr>
+        <p:spPr bwMode="auto">
           <a:xfrm>
-            <a:off x="1625183" y="964389"/>
-            <a:ext cx="5829300" cy="396480"/>
-          </a:xfrm>
-        </p:spPr>
-        <p:txBody>
-          <a:bodyPr>
-            <a:normAutofit fontScale="90000"/>
-          </a:bodyPr>
-          <a:lstStyle/>
-          <a:p>
-            <a:r>
-              <a:rPr lang="en-US" b="1" dirty="0" smtClean="0">
-                <a:solidFill>
-                  <a:schemeClr val="tx1">
-                    <a:lumMod val="65000"/>
-                    <a:lumOff val="35000"/>
-                  </a:schemeClr>
-                </a:solidFill>
-              </a:rPr>
-              <a:t>Namespaces</a:t>
-            </a:r>
-            <a:endParaRPr lang="en-US" b="1" dirty="0">
-              <a:solidFill>
-                <a:schemeClr val="tx1">
-                  <a:lumMod val="65000"/>
-                  <a:lumOff val="35000"/>
-                </a:schemeClr>
-              </a:solidFill>
-            </a:endParaRPr>
-          </a:p>
-        </p:txBody>
-      </p:sp>
-      <p:sp>
-        <p:nvSpPr>
-          <p:cNvPr id="5" name="Заголовок 1"/>
-          <p:cNvSpPr txBox="1">
-            <a:spLocks/>
-          </p:cNvSpPr>
-          <p:nvPr/>
-        </p:nvSpPr>
-        <p:spPr>
-          <a:xfrm>
-            <a:off x="1571604" y="1821645"/>
-            <a:ext cx="5829300" cy="2839661"/>
+            <a:off x="251520" y="1556792"/>
+            <a:ext cx="4536504" cy="2769989"/>
           </a:xfrm>
           <a:prstGeom prst="rect">
             <a:avLst/>
           </a:prstGeom>
+          <a:noFill/>
+          <a:ln>
+            <a:noFill/>
+          </a:ln>
+          <a:effectLst/>
+          <a:extLst>
+            <a:ext uri="{909E8E84-426E-40DD-AFC4-6F175D3DCCD1}">
+              <a14:hiddenFill xmlns:a14="http://schemas.microsoft.com/office/drawing/2010/main">
+                <a:solidFill>
+                  <a:schemeClr val="accent1"/>
+                </a:solidFill>
+              </a14:hiddenFill>
+            </a:ext>
+            <a:ext uri="{91240B29-F687-4F45-9708-019B960494DF}">
+              <a14:hiddenLine xmlns:a14="http://schemas.microsoft.com/office/drawing/2010/main" w="9525">
+                <a:solidFill>
+                  <a:schemeClr val="tx1"/>
+                </a:solidFill>
+                <a:miter lim="800000"/>
+                <a:headEnd/>
+                <a:tailEnd/>
+              </a14:hiddenLine>
+            </a:ext>
+            <a:ext uri="{AF507438-7753-43E0-B8FC-AC1667EBCBE1}">
+              <a14:hiddenEffects xmlns:a14="http://schemas.microsoft.com/office/drawing/2010/main">
+                <a:effectLst>
+                  <a:outerShdw dist="35921" dir="2700000" algn="ctr" rotWithShape="0">
+                    <a:schemeClr val="bg2"/>
+                  </a:outerShdw>
+                </a:effectLst>
+              </a14:hiddenEffects>
+            </a:ext>
+          </a:extLst>
         </p:spPr>
         <p:txBody>
-          <a:bodyPr vert="horz" lIns="68580" tIns="34290" rIns="68580" bIns="34290" rtlCol="0" anchor="ctr">
-            <a:normAutofit/>
+          <a:bodyPr vert="horz" wrap="square" lIns="0" tIns="0" rIns="0" bIns="0" numCol="1" anchor="ctr" anchorCtr="0" compatLnSpc="1">
+            <a:prstTxWarp prst="textNoShape">
+              <a:avLst/>
+            </a:prstTxWarp>
+            <a:spAutoFit/>
           </a:bodyPr>
           <a:lstStyle/>
           <a:p>
-            <a:pPr>
+            <a:pPr marL="0" marR="0" lvl="0" indent="0" algn="l" defTabSz="914400" rtl="0" eaLnBrk="0" fontAlgn="base" latinLnBrk="0" hangingPunct="0">
+              <a:lnSpc>
+                <a:spcPct val="100000"/>
+              </a:lnSpc>
               <a:spcBef>
                 <a:spcPct val="0"/>
               </a:spcBef>
+              <a:spcAft>
+                <a:spcPct val="0"/>
+              </a:spcAft>
+              <a:buClrTx/>
+              <a:buSzTx/>
+              <a:buFontTx/>
+              <a:buNone/>
+              <a:tabLst/>
             </a:pPr>
-            <a:endParaRPr lang="be-BY" sz="1350"/>
-          </a:p>
-          <a:p>
-            <a:pPr>
+            <a:r>
+              <a:rPr kumimoji="0" lang="en-US" altLang="en-US" sz="2000" b="0" i="0" u="none" strike="noStrike" cap="none" normalizeH="0" baseline="0" dirty="0" err="1" smtClean="0">
+                <a:ln>
+                  <a:noFill/>
+                </a:ln>
+                <a:effectLst/>
+                <a:latin typeface="Ubuntu Mono"/>
+              </a:rPr>
+              <a:t>window.foo</a:t>
+            </a:r>
+            <a:endParaRPr kumimoji="0" lang="en-US" altLang="en-US" sz="2000" b="0" i="0" u="none" strike="noStrike" cap="none" normalizeH="0" baseline="0" dirty="0" smtClean="0">
+              <a:ln>
+                <a:noFill/>
+              </a:ln>
+              <a:effectLst/>
+              <a:latin typeface="Ubuntu Mono"/>
+            </a:endParaRPr>
+          </a:p>
+          <a:p>
+            <a:pPr marL="0" marR="0" lvl="0" indent="0" algn="l" defTabSz="914400" rtl="0" eaLnBrk="0" fontAlgn="base" latinLnBrk="0" hangingPunct="0">
+              <a:lnSpc>
+                <a:spcPct val="100000"/>
+              </a:lnSpc>
               <a:spcBef>
                 <a:spcPct val="0"/>
               </a:spcBef>
-              <a:defRPr/>
+              <a:spcAft>
+                <a:spcPct val="0"/>
+              </a:spcAft>
+              <a:buClrTx/>
+              <a:buSzTx/>
+              <a:buFontTx/>
+              <a:buNone/>
+              <a:tabLst/>
             </a:pPr>
-            <a:endParaRPr lang="be-BY" sz="3300" dirty="0">
-              <a:latin typeface="+mj-lt"/>
-              <a:ea typeface="+mj-ea"/>
-              <a:cs typeface="+mj-cs"/>
+            <a:endParaRPr lang="en-US" altLang="en-US" sz="2000" dirty="0">
+              <a:latin typeface="Ubuntu Mono"/>
             </a:endParaRPr>
           </a:p>
-        </p:txBody>
-      </p:sp>
-      <p:sp>
-        <p:nvSpPr>
-          <p:cNvPr id="10" name="Rectangle 9"/>
-          <p:cNvSpPr/>
-          <p:nvPr/>
-        </p:nvSpPr>
-        <p:spPr>
-          <a:xfrm>
-            <a:off x="1464447" y="1607332"/>
-            <a:ext cx="6375842" cy="1708160"/>
-          </a:xfrm>
-          <a:prstGeom prst="rect">
-            <a:avLst/>
-          </a:prstGeom>
-        </p:spPr>
-        <p:style>
-          <a:lnRef idx="1">
-            <a:schemeClr val="dk1"/>
-          </a:lnRef>
-          <a:fillRef idx="1001">
-            <a:schemeClr val="lt2"/>
-          </a:fillRef>
-          <a:effectRef idx="1">
-            <a:schemeClr val="dk1"/>
-          </a:effectRef>
-          <a:fontRef idx="minor">
-            <a:schemeClr val="dk1"/>
-          </a:fontRef>
-        </p:style>
-        <p:txBody>
-          <a:bodyPr wrap="square">
-            <a:spAutoFit/>
-          </a:bodyPr>
-          <a:lstStyle/>
-          <a:p>
-            <a:r>
-              <a:rPr lang="en-US" sz="1500" b="1" dirty="0"/>
-              <a:t>if (</a:t>
-            </a:r>
-            <a:r>
-              <a:rPr lang="en-US" sz="1500" b="1" dirty="0" err="1">
-                <a:solidFill>
-                  <a:srgbClr val="0070C0"/>
-                </a:solidFill>
-              </a:rPr>
-              <a:t>window</a:t>
-            </a:r>
-            <a:r>
-              <a:rPr lang="en-US" sz="1500" b="1" dirty="0" err="1"/>
-              <a:t>.</a:t>
-            </a:r>
-            <a:r>
-              <a:rPr lang="en-US" sz="1500" b="1" dirty="0" err="1">
-                <a:solidFill>
-                  <a:schemeClr val="accent6">
-                    <a:lumMod val="75000"/>
-                  </a:schemeClr>
-                </a:solidFill>
-              </a:rPr>
-              <a:t>myNamespace</a:t>
-            </a:r>
-            <a:r>
-              <a:rPr lang="en-US" sz="1500" b="1" dirty="0"/>
-              <a:t> == </a:t>
-            </a:r>
-            <a:r>
-              <a:rPr lang="en-US" sz="1500" b="1" dirty="0">
-                <a:solidFill>
-                  <a:srgbClr val="00B050"/>
-                </a:solidFill>
-              </a:rPr>
-              <a:t>null</a:t>
-            </a:r>
-            <a:r>
-              <a:rPr lang="en-US" sz="1500" b="1" dirty="0"/>
-              <a:t>){</a:t>
-            </a:r>
-          </a:p>
-          <a:p>
-            <a:r>
-              <a:rPr lang="en-US" sz="1500" b="1" dirty="0"/>
-              <a:t>	</a:t>
-            </a:r>
-            <a:r>
-              <a:rPr lang="en-US" sz="1500" b="1" dirty="0" err="1">
-                <a:solidFill>
-                  <a:srgbClr val="0070C0"/>
-                </a:solidFill>
-              </a:rPr>
-              <a:t>window</a:t>
-            </a:r>
-            <a:r>
-              <a:rPr lang="en-US" sz="1500" b="1" dirty="0" err="1"/>
-              <a:t>.</a:t>
-            </a:r>
-            <a:r>
-              <a:rPr lang="en-US" sz="1500" b="1" dirty="0" err="1">
-                <a:solidFill>
-                  <a:schemeClr val="accent6">
-                    <a:lumMod val="75000"/>
-                  </a:schemeClr>
-                </a:solidFill>
-              </a:rPr>
-              <a:t>myNamespace</a:t>
-            </a:r>
-            <a:r>
-              <a:rPr lang="en-US" sz="1500" b="1" dirty="0"/>
-              <a:t> = {}; 	</a:t>
-            </a:r>
-          </a:p>
-          <a:p>
-            <a:r>
-              <a:rPr lang="en-US" sz="1500" b="1" dirty="0"/>
+          <a:p>
+            <a:pPr marL="0" marR="0" lvl="0" indent="0" algn="l" defTabSz="914400" rtl="0" eaLnBrk="0" fontAlgn="base" latinLnBrk="0" hangingPunct="0">
+              <a:lnSpc>
+                <a:spcPct val="100000"/>
+              </a:lnSpc>
+              <a:spcBef>
+                <a:spcPct val="0"/>
+              </a:spcBef>
+              <a:spcAft>
+                <a:spcPct val="0"/>
+              </a:spcAft>
+              <a:buClrTx/>
+              <a:buSzTx/>
+              <a:buFontTx/>
+              <a:buNone/>
+              <a:tabLst/>
+            </a:pPr>
+            <a:r>
+              <a:rPr lang="en-US" altLang="en-US" sz="2000" dirty="0">
+                <a:latin typeface="Ubuntu Mono"/>
+              </a:rPr>
+              <a:t>i</a:t>
+            </a:r>
+            <a:r>
+              <a:rPr kumimoji="0" lang="en-US" altLang="en-US" sz="2000" b="0" i="0" u="none" strike="noStrike" cap="none" normalizeH="0" baseline="0" dirty="0" smtClean="0">
+                <a:ln>
+                  <a:noFill/>
+                </a:ln>
+                <a:effectLst/>
+                <a:latin typeface="Ubuntu Mono"/>
+              </a:rPr>
+              <a:t>f (</a:t>
+            </a:r>
+            <a:r>
+              <a:rPr kumimoji="0" lang="en-US" altLang="en-US" sz="2000" b="0" i="0" u="none" strike="noStrike" cap="none" normalizeH="0" baseline="0" dirty="0" err="1" smtClean="0">
+                <a:ln>
+                  <a:noFill/>
+                </a:ln>
+                <a:effectLst/>
+                <a:latin typeface="Ubuntu Mono"/>
+              </a:rPr>
+              <a:t>window.foo</a:t>
+            </a:r>
+            <a:r>
+              <a:rPr kumimoji="0" lang="en-US" altLang="en-US" sz="2000" b="0" i="0" u="none" strike="noStrike" cap="none" normalizeH="0" baseline="0" dirty="0" smtClean="0">
+                <a:ln>
+                  <a:noFill/>
+                </a:ln>
+                <a:effectLst/>
+                <a:latin typeface="Ubuntu Mono"/>
+              </a:rPr>
+              <a:t>) { … }</a:t>
+            </a:r>
+          </a:p>
+          <a:p>
+            <a:pPr marL="0" indent="0" eaLnBrk="0" fontAlgn="base" hangingPunct="0">
+              <a:spcBef>
+                <a:spcPct val="0"/>
+              </a:spcBef>
+              <a:spcAft>
+                <a:spcPct val="0"/>
+              </a:spcAft>
+              <a:buNone/>
+            </a:pPr>
+            <a:r>
+              <a:rPr lang="en-US" altLang="en-US" sz="2000" dirty="0">
+                <a:latin typeface="Ubuntu Mono"/>
+              </a:rPr>
+              <a:t>if </a:t>
+            </a:r>
+            <a:r>
+              <a:rPr lang="en-US" altLang="en-US" sz="2000" dirty="0" smtClean="0">
+                <a:latin typeface="Ubuntu Mono"/>
+              </a:rPr>
+              <a:t>(“foo” in window) </a:t>
+            </a:r>
+            <a:r>
+              <a:rPr lang="en-US" altLang="en-US" sz="2000" dirty="0">
+                <a:latin typeface="Ubuntu Mono"/>
+              </a:rPr>
+              <a:t>{ … </a:t>
+            </a:r>
+            <a:r>
+              <a:rPr lang="en-US" altLang="en-US" sz="2000" dirty="0" smtClean="0">
+                <a:latin typeface="Ubuntu Mono"/>
+              </a:rPr>
               <a:t>}</a:t>
             </a:r>
           </a:p>
           <a:p>
-            <a:endParaRPr lang="en-US" sz="1500" b="1" dirty="0"/>
-          </a:p>
-          <a:p>
-            <a:r>
-              <a:rPr lang="en-US" sz="1500" b="1" dirty="0" err="1">
-                <a:solidFill>
-                  <a:srgbClr val="0070C0"/>
-                </a:solidFill>
-              </a:rPr>
-              <a:t>window</a:t>
-            </a:r>
-            <a:r>
-              <a:rPr lang="en-US" sz="1500" b="1" dirty="0" err="1"/>
-              <a:t>.</a:t>
-            </a:r>
-            <a:r>
-              <a:rPr lang="en-US" sz="1500" b="1" dirty="0" err="1">
-                <a:solidFill>
-                  <a:schemeClr val="accent6">
-                    <a:lumMod val="75000"/>
-                  </a:schemeClr>
-                </a:solidFill>
-              </a:rPr>
-              <a:t>myNamespace</a:t>
-            </a:r>
-            <a:r>
-              <a:rPr lang="en-US" sz="1500" b="1" dirty="0" err="1"/>
-              <a:t>.</a:t>
-            </a:r>
-            <a:r>
-              <a:rPr lang="en-US" sz="1500" b="1" dirty="0" err="1">
-                <a:solidFill>
-                  <a:srgbClr val="0070C0"/>
-                </a:solidFill>
-              </a:rPr>
-              <a:t>myFunction</a:t>
-            </a:r>
-            <a:r>
-              <a:rPr lang="en-US" sz="1500" b="1" dirty="0">
-                <a:solidFill>
-                  <a:srgbClr val="0070C0"/>
-                </a:solidFill>
+            <a:pPr marL="0" indent="0" eaLnBrk="0" fontAlgn="base" hangingPunct="0">
+              <a:spcBef>
+                <a:spcPct val="0"/>
+              </a:spcBef>
+              <a:spcAft>
+                <a:spcPct val="0"/>
+              </a:spcAft>
+              <a:buNone/>
+            </a:pPr>
+            <a:r>
+              <a:rPr lang="en-US" altLang="en-US" sz="2000" dirty="0">
+                <a:latin typeface="Ubuntu Mono"/>
+              </a:rPr>
+              <a:t>i</a:t>
+            </a:r>
+            <a:r>
+              <a:rPr lang="en-US" altLang="en-US" sz="2000" dirty="0" smtClean="0">
+                <a:latin typeface="Ubuntu Mono"/>
+              </a:rPr>
+              <a:t>f (</a:t>
+            </a:r>
+            <a:r>
+              <a:rPr lang="en-US" altLang="en-US" sz="2000" dirty="0" err="1" smtClean="0">
+                <a:latin typeface="Ubuntu Mono"/>
+              </a:rPr>
+              <a:t>typeof</a:t>
+            </a:r>
+            <a:r>
+              <a:rPr lang="en-US" altLang="en-US" sz="2000" dirty="0" smtClean="0">
+                <a:latin typeface="Ubuntu Mono"/>
+              </a:rPr>
+              <a:t> “foo” !== “undefined”) { … }</a:t>
+            </a:r>
+            <a:endParaRPr lang="en-US" altLang="en-US" sz="2000" dirty="0">
+              <a:latin typeface="Ubuntu Mono"/>
+            </a:endParaRPr>
+          </a:p>
+          <a:p>
+            <a:pPr marL="0" marR="0" lvl="0" indent="0" algn="l" defTabSz="914400" rtl="0" eaLnBrk="0" fontAlgn="base" latinLnBrk="0" hangingPunct="0">
+              <a:lnSpc>
+                <a:spcPct val="100000"/>
+              </a:lnSpc>
+              <a:spcBef>
+                <a:spcPct val="0"/>
+              </a:spcBef>
+              <a:spcAft>
+                <a:spcPct val="0"/>
+              </a:spcAft>
+              <a:buClrTx/>
+              <a:buSzTx/>
+              <a:buFontTx/>
+              <a:buNone/>
+              <a:tabLst/>
+            </a:pPr>
+            <a:endParaRPr kumimoji="0" lang="en-US" altLang="en-US" sz="2000" b="0" i="0" u="none" strike="noStrike" cap="none" normalizeH="0" baseline="0" dirty="0" smtClean="0">
+              <a:ln>
+                <a:noFill/>
+              </a:ln>
+              <a:effectLst/>
+              <a:latin typeface="Ubuntu Mono"/>
+            </a:endParaRPr>
+          </a:p>
+          <a:p>
+            <a:pPr marL="0" marR="0" lvl="0" indent="0" algn="l" defTabSz="914400" rtl="0" eaLnBrk="0" fontAlgn="base" latinLnBrk="0" hangingPunct="0">
+              <a:lnSpc>
+                <a:spcPct val="100000"/>
+              </a:lnSpc>
+              <a:spcBef>
+                <a:spcPct val="0"/>
+              </a:spcBef>
+              <a:spcAft>
+                <a:spcPct val="0"/>
+              </a:spcAft>
+              <a:buClrTx/>
+              <a:buSzTx/>
+              <a:buFontTx/>
+              <a:buNone/>
+              <a:tabLst/>
+            </a:pPr>
+            <a:endParaRPr kumimoji="0" lang="en-US" altLang="en-US" sz="2000" b="0" i="0" u="none" strike="noStrike" cap="none" normalizeH="0" baseline="0" dirty="0" smtClean="0">
+              <a:ln>
+                <a:noFill/>
+              </a:ln>
+              <a:effectLst/>
+              <a:latin typeface="Ubuntu Mono"/>
+            </a:endParaRPr>
+          </a:p>
+          <a:p>
+            <a:pPr marL="0" marR="0" lvl="0" indent="0" algn="l" defTabSz="914400" rtl="0" eaLnBrk="0" fontAlgn="base" latinLnBrk="0" hangingPunct="0">
+              <a:lnSpc>
+                <a:spcPct val="100000"/>
+              </a:lnSpc>
+              <a:spcBef>
+                <a:spcPct val="0"/>
+              </a:spcBef>
+              <a:spcAft>
+                <a:spcPct val="0"/>
+              </a:spcAft>
+              <a:buClrTx/>
+              <a:buSzTx/>
+              <a:buFontTx/>
+              <a:buNone/>
+              <a:tabLst/>
+            </a:pPr>
+            <a:endParaRPr lang="en-US" altLang="en-US" sz="2000" dirty="0">
+              <a:latin typeface="Ubuntu Mono"/>
+            </a:endParaRPr>
+          </a:p>
+          <a:p>
+            <a:pPr marL="0" marR="0" lvl="0" indent="0" algn="l" defTabSz="914400" rtl="0" eaLnBrk="0" fontAlgn="base" latinLnBrk="0" hangingPunct="0">
+              <a:lnSpc>
+                <a:spcPct val="100000"/>
+              </a:lnSpc>
+              <a:spcBef>
+                <a:spcPct val="0"/>
+              </a:spcBef>
+              <a:spcAft>
+                <a:spcPct val="0"/>
+              </a:spcAft>
+              <a:buClrTx/>
+              <a:buSzTx/>
+              <a:buFontTx/>
+              <a:buNone/>
+              <a:tabLst/>
+            </a:pPr>
+            <a:r>
+              <a:rPr kumimoji="0" lang="en-US" altLang="en-US" sz="2000" b="0" i="0" u="none" strike="noStrike" cap="none" normalizeH="0" baseline="0" dirty="0" smtClean="0">
+                <a:ln>
+                  <a:noFill/>
+                </a:ln>
+                <a:effectLst/>
               </a:rPr>
               <a:t> </a:t>
             </a:r>
-            <a:r>
-              <a:rPr lang="en-US" sz="1500" b="1" dirty="0"/>
-              <a:t>= function(</a:t>
-            </a:r>
-            <a:r>
-              <a:rPr lang="en-US" sz="1500" dirty="0"/>
-              <a:t>/* </a:t>
-            </a:r>
-            <a:r>
-              <a:rPr lang="en-US" sz="1500" dirty="0" err="1"/>
-              <a:t>params</a:t>
-            </a:r>
-            <a:r>
-              <a:rPr lang="en-US" sz="1500" dirty="0"/>
-              <a:t>*/ </a:t>
-            </a:r>
-            <a:r>
-              <a:rPr lang="en-US" sz="1500" b="1" dirty="0"/>
-              <a:t>) {</a:t>
-            </a:r>
-          </a:p>
-          <a:p>
-            <a:r>
-              <a:rPr lang="en-US" sz="1500" b="1" dirty="0"/>
-              <a:t>	</a:t>
-            </a:r>
-            <a:r>
-              <a:rPr lang="en-US" sz="1500" dirty="0"/>
-              <a:t>/* code here */ </a:t>
-            </a:r>
-          </a:p>
-          <a:p>
-            <a:r>
-              <a:rPr lang="en-US" sz="1500" b="1" dirty="0"/>
-              <a:t>};</a:t>
-            </a:r>
+            <a:endParaRPr kumimoji="0" lang="en-US" altLang="en-US" sz="2000" b="0" i="0" u="none" strike="noStrike" cap="none" normalizeH="0" baseline="0" dirty="0" smtClean="0">
+              <a:ln>
+                <a:noFill/>
+              </a:ln>
+              <a:effectLst/>
+              <a:latin typeface="Arial" panose="020B0604020202020204" pitchFamily="34" charset="0"/>
+            </a:endParaRPr>
           </a:p>
         </p:txBody>
       </p:sp>
     </p:spTree>
     <p:extLst>
       <p:ext uri="{BB962C8B-B14F-4D97-AF65-F5344CB8AC3E}">
-        <p14:creationId xmlns:p14="http://schemas.microsoft.com/office/powerpoint/2010/main" val="3154139996"/>
+        <p14:creationId xmlns:p14="http://schemas.microsoft.com/office/powerpoint/2010/main" val="91426937"/>
       </p:ext>
     </p:extLst>
   </p:cSld>
   <p:clrMapOvr>
     <a:masterClrMapping/>
   </p:clrMapOvr>
-  <p:transition/>
   <p:timing>
     <p:tnLst>
       <p:par>
@@ -14778,6 +14583,334 @@
       </p:grpSpPr>
       <p:sp>
         <p:nvSpPr>
+          <p:cNvPr id="2" name="Заголовок 1"/>
+          <p:cNvSpPr>
+            <a:spLocks noGrp="1"/>
+          </p:cNvSpPr>
+          <p:nvPr>
+            <p:ph type="ctrTitle"/>
+          </p:nvPr>
+        </p:nvSpPr>
+        <p:spPr>
+          <a:xfrm>
+            <a:off x="1625183" y="964389"/>
+            <a:ext cx="5829300" cy="396480"/>
+          </a:xfrm>
+        </p:spPr>
+        <p:txBody>
+          <a:bodyPr>
+            <a:normAutofit fontScale="90000"/>
+          </a:bodyPr>
+          <a:lstStyle/>
+          <a:p>
+            <a:r>
+              <a:rPr lang="en-US" b="1" dirty="0" smtClean="0">
+                <a:solidFill>
+                  <a:schemeClr val="tx1">
+                    <a:lumMod val="65000"/>
+                    <a:lumOff val="35000"/>
+                  </a:schemeClr>
+                </a:solidFill>
+              </a:rPr>
+              <a:t>Namespaces</a:t>
+            </a:r>
+            <a:endParaRPr lang="en-US" b="1" dirty="0">
+              <a:solidFill>
+                <a:schemeClr val="tx1">
+                  <a:lumMod val="65000"/>
+                  <a:lumOff val="35000"/>
+                </a:schemeClr>
+              </a:solidFill>
+            </a:endParaRPr>
+          </a:p>
+        </p:txBody>
+      </p:sp>
+      <p:sp>
+        <p:nvSpPr>
+          <p:cNvPr id="5" name="Заголовок 1"/>
+          <p:cNvSpPr txBox="1">
+            <a:spLocks/>
+          </p:cNvSpPr>
+          <p:nvPr/>
+        </p:nvSpPr>
+        <p:spPr>
+          <a:xfrm>
+            <a:off x="1571604" y="1821645"/>
+            <a:ext cx="5829300" cy="2839661"/>
+          </a:xfrm>
+          <a:prstGeom prst="rect">
+            <a:avLst/>
+          </a:prstGeom>
+        </p:spPr>
+        <p:txBody>
+          <a:bodyPr vert="horz" lIns="68580" tIns="34290" rIns="68580" bIns="34290" rtlCol="0" anchor="ctr">
+            <a:normAutofit/>
+          </a:bodyPr>
+          <a:lstStyle/>
+          <a:p>
+            <a:pPr>
+              <a:spcBef>
+                <a:spcPct val="0"/>
+              </a:spcBef>
+            </a:pPr>
+            <a:endParaRPr lang="be-BY" sz="1350"/>
+          </a:p>
+          <a:p>
+            <a:pPr>
+              <a:spcBef>
+                <a:spcPct val="0"/>
+              </a:spcBef>
+              <a:defRPr/>
+            </a:pPr>
+            <a:endParaRPr lang="be-BY" sz="3300" dirty="0">
+              <a:latin typeface="+mj-lt"/>
+              <a:ea typeface="+mj-ea"/>
+              <a:cs typeface="+mj-cs"/>
+            </a:endParaRPr>
+          </a:p>
+        </p:txBody>
+      </p:sp>
+      <p:sp>
+        <p:nvSpPr>
+          <p:cNvPr id="10" name="Rectangle 9"/>
+          <p:cNvSpPr/>
+          <p:nvPr/>
+        </p:nvSpPr>
+        <p:spPr>
+          <a:xfrm>
+            <a:off x="1464447" y="1607332"/>
+            <a:ext cx="6375842" cy="1708160"/>
+          </a:xfrm>
+          <a:prstGeom prst="rect">
+            <a:avLst/>
+          </a:prstGeom>
+        </p:spPr>
+        <p:style>
+          <a:lnRef idx="1">
+            <a:schemeClr val="dk1"/>
+          </a:lnRef>
+          <a:fillRef idx="1001">
+            <a:schemeClr val="lt2"/>
+          </a:fillRef>
+          <a:effectRef idx="1">
+            <a:schemeClr val="dk1"/>
+          </a:effectRef>
+          <a:fontRef idx="minor">
+            <a:schemeClr val="dk1"/>
+          </a:fontRef>
+        </p:style>
+        <p:txBody>
+          <a:bodyPr wrap="square">
+            <a:spAutoFit/>
+          </a:bodyPr>
+          <a:lstStyle/>
+          <a:p>
+            <a:r>
+              <a:rPr lang="en-US" sz="1500" b="1" dirty="0"/>
+              <a:t>if (</a:t>
+            </a:r>
+            <a:r>
+              <a:rPr lang="en-US" sz="1500" b="1" dirty="0" err="1">
+                <a:solidFill>
+                  <a:srgbClr val="0070C0"/>
+                </a:solidFill>
+              </a:rPr>
+              <a:t>window</a:t>
+            </a:r>
+            <a:r>
+              <a:rPr lang="en-US" sz="1500" b="1" dirty="0" err="1"/>
+              <a:t>.</a:t>
+            </a:r>
+            <a:r>
+              <a:rPr lang="en-US" sz="1500" b="1" dirty="0" err="1">
+                <a:solidFill>
+                  <a:schemeClr val="accent6">
+                    <a:lumMod val="75000"/>
+                  </a:schemeClr>
+                </a:solidFill>
+              </a:rPr>
+              <a:t>myNamespace</a:t>
+            </a:r>
+            <a:r>
+              <a:rPr lang="en-US" sz="1500" b="1" dirty="0"/>
+              <a:t> == </a:t>
+            </a:r>
+            <a:r>
+              <a:rPr lang="en-US" sz="1500" b="1" dirty="0">
+                <a:solidFill>
+                  <a:srgbClr val="00B050"/>
+                </a:solidFill>
+              </a:rPr>
+              <a:t>null</a:t>
+            </a:r>
+            <a:r>
+              <a:rPr lang="en-US" sz="1500" b="1" dirty="0"/>
+              <a:t>){</a:t>
+            </a:r>
+          </a:p>
+          <a:p>
+            <a:r>
+              <a:rPr lang="en-US" sz="1500" b="1" dirty="0"/>
+              <a:t>	</a:t>
+            </a:r>
+            <a:r>
+              <a:rPr lang="en-US" sz="1500" b="1" dirty="0" err="1">
+                <a:solidFill>
+                  <a:srgbClr val="0070C0"/>
+                </a:solidFill>
+              </a:rPr>
+              <a:t>window</a:t>
+            </a:r>
+            <a:r>
+              <a:rPr lang="en-US" sz="1500" b="1" dirty="0" err="1"/>
+              <a:t>.</a:t>
+            </a:r>
+            <a:r>
+              <a:rPr lang="en-US" sz="1500" b="1" dirty="0" err="1">
+                <a:solidFill>
+                  <a:schemeClr val="accent6">
+                    <a:lumMod val="75000"/>
+                  </a:schemeClr>
+                </a:solidFill>
+              </a:rPr>
+              <a:t>myNamespace</a:t>
+            </a:r>
+            <a:r>
+              <a:rPr lang="en-US" sz="1500" b="1" dirty="0"/>
+              <a:t> = {}; 	</a:t>
+            </a:r>
+          </a:p>
+          <a:p>
+            <a:r>
+              <a:rPr lang="en-US" sz="1500" b="1" dirty="0"/>
+              <a:t>}</a:t>
+            </a:r>
+          </a:p>
+          <a:p>
+            <a:endParaRPr lang="en-US" sz="1500" b="1" dirty="0"/>
+          </a:p>
+          <a:p>
+            <a:r>
+              <a:rPr lang="en-US" sz="1500" b="1" dirty="0" err="1">
+                <a:solidFill>
+                  <a:srgbClr val="0070C0"/>
+                </a:solidFill>
+              </a:rPr>
+              <a:t>window</a:t>
+            </a:r>
+            <a:r>
+              <a:rPr lang="en-US" sz="1500" b="1" dirty="0" err="1"/>
+              <a:t>.</a:t>
+            </a:r>
+            <a:r>
+              <a:rPr lang="en-US" sz="1500" b="1" dirty="0" err="1">
+                <a:solidFill>
+                  <a:schemeClr val="accent6">
+                    <a:lumMod val="75000"/>
+                  </a:schemeClr>
+                </a:solidFill>
+              </a:rPr>
+              <a:t>myNamespace</a:t>
+            </a:r>
+            <a:r>
+              <a:rPr lang="en-US" sz="1500" b="1" dirty="0" err="1"/>
+              <a:t>.</a:t>
+            </a:r>
+            <a:r>
+              <a:rPr lang="en-US" sz="1500" b="1" dirty="0" err="1">
+                <a:solidFill>
+                  <a:srgbClr val="0070C0"/>
+                </a:solidFill>
+              </a:rPr>
+              <a:t>myFunction</a:t>
+            </a:r>
+            <a:r>
+              <a:rPr lang="en-US" sz="1500" b="1" dirty="0">
+                <a:solidFill>
+                  <a:srgbClr val="0070C0"/>
+                </a:solidFill>
+              </a:rPr>
+              <a:t> </a:t>
+            </a:r>
+            <a:r>
+              <a:rPr lang="en-US" sz="1500" b="1" dirty="0"/>
+              <a:t>= function(</a:t>
+            </a:r>
+            <a:r>
+              <a:rPr lang="en-US" sz="1500" dirty="0"/>
+              <a:t>/* </a:t>
+            </a:r>
+            <a:r>
+              <a:rPr lang="en-US" sz="1500" dirty="0" err="1"/>
+              <a:t>params</a:t>
+            </a:r>
+            <a:r>
+              <a:rPr lang="en-US" sz="1500" dirty="0"/>
+              <a:t>*/ </a:t>
+            </a:r>
+            <a:r>
+              <a:rPr lang="en-US" sz="1500" b="1" dirty="0"/>
+              <a:t>) {</a:t>
+            </a:r>
+          </a:p>
+          <a:p>
+            <a:r>
+              <a:rPr lang="en-US" sz="1500" b="1" dirty="0"/>
+              <a:t>	</a:t>
+            </a:r>
+            <a:r>
+              <a:rPr lang="en-US" sz="1500" dirty="0"/>
+              <a:t>/* code here */ </a:t>
+            </a:r>
+          </a:p>
+          <a:p>
+            <a:r>
+              <a:rPr lang="en-US" sz="1500" b="1" dirty="0"/>
+              <a:t>};</a:t>
+            </a:r>
+          </a:p>
+        </p:txBody>
+      </p:sp>
+    </p:spTree>
+    <p:extLst>
+      <p:ext uri="{BB962C8B-B14F-4D97-AF65-F5344CB8AC3E}">
+        <p14:creationId xmlns:p14="http://schemas.microsoft.com/office/powerpoint/2010/main" val="3154139996"/>
+      </p:ext>
+    </p:extLst>
+  </p:cSld>
+  <p:clrMapOvr>
+    <a:masterClrMapping/>
+  </p:clrMapOvr>
+  <p:transition/>
+  <p:timing>
+    <p:tnLst>
+      <p:par>
+        <p:cTn id="1" dur="indefinite" restart="never" nodeType="tmRoot"/>
+      </p:par>
+    </p:tnLst>
+  </p:timing>
+</p:sld>
+</file>
+
+<file path=ppt/slides/slide36.xml><?xml version="1.0" encoding="utf-8"?>
+<p:sld xmlns:a="http://schemas.openxmlformats.org/drawingml/2006/main" xmlns:r="http://schemas.openxmlformats.org/officeDocument/2006/relationships" xmlns:p="http://schemas.openxmlformats.org/presentationml/2006/main">
+  <p:cSld>
+    <p:spTree>
+      <p:nvGrpSpPr>
+        <p:cNvPr id="1" name=""/>
+        <p:cNvGrpSpPr/>
+        <p:nvPr/>
+      </p:nvGrpSpPr>
+      <p:grpSpPr>
+        <a:xfrm>
+          <a:off x="0" y="0"/>
+          <a:ext cx="0" cy="0"/>
+          <a:chOff x="0" y="0"/>
+          <a:chExt cx="0" cy="0"/>
+        </a:xfrm>
+      </p:grpSpPr>
+      <p:sp>
+        <p:nvSpPr>
           <p:cNvPr id="2" name="Title 1"/>
           <p:cNvSpPr>
             <a:spLocks noGrp="1"/>
@@ -14830,7 +14963,7 @@
 </p:sld>
 </file>
 
-<file path=ppt/slides/slide36.xml><?xml version="1.0" encoding="utf-8"?>
+<file path=ppt/slides/slide37.xml><?xml version="1.0" encoding="utf-8"?>
 <p:sld xmlns:a="http://schemas.openxmlformats.org/drawingml/2006/main" xmlns:r="http://schemas.openxmlformats.org/officeDocument/2006/relationships" xmlns:p="http://schemas.openxmlformats.org/presentationml/2006/main">
   <p:cSld>
     <p:spTree>

--- a/lecture-3-recap-scope/scope.pptx
+++ b/lecture-3-recap-scope/scope.pptx
@@ -5,45 +5,41 @@
     <p:sldMasterId id="2147483936" r:id="rId1"/>
   </p:sldMasterIdLst>
   <p:notesMasterIdLst>
-    <p:notesMasterId r:id="rId38"/>
+    <p:notesMasterId r:id="rId34"/>
   </p:notesMasterIdLst>
   <p:sldIdLst>
     <p:sldId id="442" r:id="rId2"/>
-    <p:sldId id="516" r:id="rId3"/>
-    <p:sldId id="519" r:id="rId4"/>
-    <p:sldId id="518" r:id="rId5"/>
-    <p:sldId id="508" r:id="rId6"/>
-    <p:sldId id="509" r:id="rId7"/>
-    <p:sldId id="510" r:id="rId8"/>
-    <p:sldId id="511" r:id="rId9"/>
-    <p:sldId id="512" r:id="rId10"/>
-    <p:sldId id="449" r:id="rId11"/>
-    <p:sldId id="514" r:id="rId12"/>
-    <p:sldId id="450" r:id="rId13"/>
-    <p:sldId id="523" r:id="rId14"/>
-    <p:sldId id="454" r:id="rId15"/>
-    <p:sldId id="453" r:id="rId16"/>
-    <p:sldId id="455" r:id="rId17"/>
-    <p:sldId id="456" r:id="rId18"/>
-    <p:sldId id="457" r:id="rId19"/>
-    <p:sldId id="515" r:id="rId20"/>
-    <p:sldId id="465" r:id="rId21"/>
-    <p:sldId id="463" r:id="rId22"/>
-    <p:sldId id="464" r:id="rId23"/>
-    <p:sldId id="458" r:id="rId24"/>
-    <p:sldId id="466" r:id="rId25"/>
-    <p:sldId id="462" r:id="rId26"/>
-    <p:sldId id="484" r:id="rId27"/>
-    <p:sldId id="485" r:id="rId28"/>
-    <p:sldId id="497" r:id="rId29"/>
-    <p:sldId id="522" r:id="rId30"/>
-    <p:sldId id="520" r:id="rId31"/>
-    <p:sldId id="486" r:id="rId32"/>
-    <p:sldId id="461" r:id="rId33"/>
-    <p:sldId id="507" r:id="rId34"/>
-    <p:sldId id="513" r:id="rId35"/>
-    <p:sldId id="521" r:id="rId36"/>
-    <p:sldId id="305" r:id="rId37"/>
+    <p:sldId id="509" r:id="rId3"/>
+    <p:sldId id="510" r:id="rId4"/>
+    <p:sldId id="511" r:id="rId5"/>
+    <p:sldId id="512" r:id="rId6"/>
+    <p:sldId id="524" r:id="rId7"/>
+    <p:sldId id="514" r:id="rId8"/>
+    <p:sldId id="450" r:id="rId9"/>
+    <p:sldId id="523" r:id="rId10"/>
+    <p:sldId id="454" r:id="rId11"/>
+    <p:sldId id="453" r:id="rId12"/>
+    <p:sldId id="455" r:id="rId13"/>
+    <p:sldId id="456" r:id="rId14"/>
+    <p:sldId id="457" r:id="rId15"/>
+    <p:sldId id="515" r:id="rId16"/>
+    <p:sldId id="465" r:id="rId17"/>
+    <p:sldId id="463" r:id="rId18"/>
+    <p:sldId id="464" r:id="rId19"/>
+    <p:sldId id="458" r:id="rId20"/>
+    <p:sldId id="466" r:id="rId21"/>
+    <p:sldId id="462" r:id="rId22"/>
+    <p:sldId id="484" r:id="rId23"/>
+    <p:sldId id="485" r:id="rId24"/>
+    <p:sldId id="497" r:id="rId25"/>
+    <p:sldId id="522" r:id="rId26"/>
+    <p:sldId id="520" r:id="rId27"/>
+    <p:sldId id="486" r:id="rId28"/>
+    <p:sldId id="461" r:id="rId29"/>
+    <p:sldId id="507" r:id="rId30"/>
+    <p:sldId id="513" r:id="rId31"/>
+    <p:sldId id="521" r:id="rId32"/>
+    <p:sldId id="305" r:id="rId33"/>
   </p:sldIdLst>
   <p:sldSz cx="9144000" cy="6858000" type="screen4x3"/>
   <p:notesSz cx="6858000" cy="9144000"/>
@@ -668,7 +664,7 @@
             <a:fld id="{B6DB43F0-FEFD-424B-AFAA-1D3C2B01CC9C}" type="slidenum">
               <a:rPr lang="be-BY" smtClean="0"/>
               <a:pPr/>
-              <a:t>24</a:t>
+              <a:t>20</a:t>
             </a:fld>
             <a:endParaRPr lang="be-BY"/>
           </a:p>
@@ -755,7 +751,7 @@
             <a:fld id="{B6DB43F0-FEFD-424B-AFAA-1D3C2B01CC9C}" type="slidenum">
               <a:rPr lang="be-BY" smtClean="0"/>
               <a:pPr/>
-              <a:t>25</a:t>
+              <a:t>21</a:t>
             </a:fld>
             <a:endParaRPr lang="be-BY"/>
           </a:p>
@@ -852,7 +848,7 @@
             <a:fld id="{B6DB43F0-FEFD-424B-AFAA-1D3C2B01CC9C}" type="slidenum">
               <a:rPr lang="be-BY" smtClean="0"/>
               <a:pPr/>
-              <a:t>26</a:t>
+              <a:t>22</a:t>
             </a:fld>
             <a:endParaRPr lang="be-BY"/>
           </a:p>
@@ -939,7 +935,7 @@
             <a:fld id="{B6DB43F0-FEFD-424B-AFAA-1D3C2B01CC9C}" type="slidenum">
               <a:rPr lang="be-BY" smtClean="0"/>
               <a:pPr/>
-              <a:t>27</a:t>
+              <a:t>23</a:t>
             </a:fld>
             <a:endParaRPr lang="be-BY"/>
           </a:p>
@@ -1026,7 +1022,7 @@
             <a:fld id="{B6DB43F0-FEFD-424B-AFAA-1D3C2B01CC9C}" type="slidenum">
               <a:rPr lang="be-BY" smtClean="0"/>
               <a:pPr/>
-              <a:t>31</a:t>
+              <a:t>27</a:t>
             </a:fld>
             <a:endParaRPr lang="be-BY"/>
           </a:p>
@@ -1123,7 +1119,7 @@
             <a:fld id="{B6DB43F0-FEFD-424B-AFAA-1D3C2B01CC9C}" type="slidenum">
               <a:rPr lang="be-BY" smtClean="0"/>
               <a:pPr/>
-              <a:t>32</a:t>
+              <a:t>28</a:t>
             </a:fld>
             <a:endParaRPr lang="be-BY"/>
           </a:p>
@@ -1210,7 +1206,7 @@
             <a:fld id="{B6DB43F0-FEFD-424B-AFAA-1D3C2B01CC9C}" type="slidenum">
               <a:rPr lang="be-BY" smtClean="0"/>
               <a:pPr/>
-              <a:t>34</a:t>
+              <a:t>30</a:t>
             </a:fld>
             <a:endParaRPr lang="be-BY"/>
           </a:p>
@@ -1295,7 +1291,7 @@
             <a:fld id="{B6DB43F0-FEFD-424B-AFAA-1D3C2B01CC9C}" type="slidenum">
               <a:rPr lang="be-BY" smtClean="0"/>
               <a:pPr/>
-              <a:t>36</a:t>
+              <a:t>32</a:t>
             </a:fld>
             <a:endParaRPr lang="be-BY"/>
           </a:p>
@@ -4347,54 +4343,502 @@
       </p:grpSpPr>
       <p:sp>
         <p:nvSpPr>
-          <p:cNvPr id="4" name="Title 1"/>
-          <p:cNvSpPr txBox="1">
-            <a:spLocks/>
+          <p:cNvPr id="2" name="Title 1"/>
+          <p:cNvSpPr>
+            <a:spLocks noGrp="1"/>
+          </p:cNvSpPr>
+          <p:nvPr>
+            <p:ph type="title"/>
+          </p:nvPr>
+        </p:nvSpPr>
+        <p:spPr/>
+        <p:txBody>
+          <a:bodyPr/>
+          <a:lstStyle/>
+          <a:p>
+            <a:r>
+              <a:rPr lang="en-US" dirty="0"/>
+              <a:t>Scope can be nested </a:t>
+            </a:r>
+          </a:p>
+        </p:txBody>
+      </p:sp>
+      <p:sp>
+        <p:nvSpPr>
+          <p:cNvPr id="4" name="Rectangle 1"/>
+          <p:cNvSpPr>
+            <a:spLocks noChangeArrowheads="1"/>
           </p:cNvSpPr>
           <p:nvPr/>
         </p:nvSpPr>
-        <p:spPr>
+        <p:spPr bwMode="auto">
           <a:xfrm>
-            <a:off x="685800" y="2130425"/>
-            <a:ext cx="7772400" cy="1470025"/>
+            <a:off x="3419872" y="1700808"/>
+            <a:ext cx="2220989" cy="2154436"/>
           </a:xfrm>
           <a:prstGeom prst="rect">
             <a:avLst/>
           </a:prstGeom>
+          <a:noFill/>
+          <a:ln>
+            <a:noFill/>
+          </a:ln>
+          <a:effectLst/>
+          <a:extLst>
+            <a:ext uri="{909E8E84-426E-40DD-AFC4-6F175D3DCCD1}">
+              <a14:hiddenFill xmlns:a14="http://schemas.microsoft.com/office/drawing/2010/main">
+                <a:solidFill>
+                  <a:schemeClr val="accent1"/>
+                </a:solidFill>
+              </a14:hiddenFill>
+            </a:ext>
+            <a:ext uri="{91240B29-F687-4F45-9708-019B960494DF}">
+              <a14:hiddenLine xmlns:a14="http://schemas.microsoft.com/office/drawing/2010/main" w="9525">
+                <a:solidFill>
+                  <a:schemeClr val="tx1"/>
+                </a:solidFill>
+                <a:miter lim="800000"/>
+                <a:headEnd/>
+                <a:tailEnd/>
+              </a14:hiddenLine>
+            </a:ext>
+            <a:ext uri="{AF507438-7753-43E0-B8FC-AC1667EBCBE1}">
+              <a14:hiddenEffects xmlns:a14="http://schemas.microsoft.com/office/drawing/2010/main">
+                <a:effectLst>
+                  <a:outerShdw dist="35921" dir="2700000" algn="ctr" rotWithShape="0">
+                    <a:schemeClr val="bg2"/>
+                  </a:outerShdw>
+                </a:effectLst>
+              </a14:hiddenEffects>
+            </a:ext>
+          </a:extLst>
         </p:spPr>
         <p:txBody>
-          <a:bodyPr vert="horz" lIns="91440" tIns="45720" rIns="91440" bIns="45720" rtlCol="0" anchor="ctr">
-            <a:normAutofit/>
+          <a:bodyPr vert="horz" wrap="square" lIns="0" tIns="0" rIns="0" bIns="0" numCol="1" anchor="ctr" anchorCtr="0" compatLnSpc="1">
+            <a:prstTxWarp prst="textNoShape">
+              <a:avLst/>
+            </a:prstTxWarp>
+            <a:spAutoFit/>
           </a:bodyPr>
-          <a:lstStyle>
-            <a:lvl1pPr algn="ctr" defTabSz="914400" rtl="0" eaLnBrk="1" latinLnBrk="0" hangingPunct="1">
+          <a:lstStyle/>
+          <a:p>
+            <a:pPr marL="0" marR="0" lvl="0" indent="0" algn="l" defTabSz="914400" rtl="0" eaLnBrk="0" fontAlgn="base" latinLnBrk="0" hangingPunct="0">
+              <a:lnSpc>
+                <a:spcPct val="100000"/>
+              </a:lnSpc>
               <a:spcBef>
                 <a:spcPct val="0"/>
               </a:spcBef>
+              <a:spcAft>
+                <a:spcPct val="0"/>
+              </a:spcAft>
+              <a:buClrTx/>
+              <a:buSzTx/>
+              <a:buFontTx/>
               <a:buNone/>
-              <a:defRPr sz="4400" kern="1200">
+              <a:tabLst/>
+            </a:pPr>
+            <a:r>
+              <a:rPr kumimoji="0" lang="en-US" altLang="en-US" sz="2000" b="1" i="0" u="none" strike="noStrike" cap="none" normalizeH="0" baseline="0" dirty="0" smtClean="0">
+                <a:ln>
+                  <a:noFill/>
+                </a:ln>
+                <a:solidFill>
+                  <a:srgbClr val="006699"/>
+                </a:solidFill>
+                <a:effectLst/>
+                <a:latin typeface="Ubuntu Mono"/>
+              </a:rPr>
+              <a:t>function</a:t>
+            </a:r>
+            <a:r>
+              <a:rPr kumimoji="0" lang="en-US" altLang="en-US" sz="2000" b="0" i="0" u="none" strike="noStrike" cap="none" normalizeH="0" baseline="0" dirty="0" smtClean="0">
+                <a:ln>
+                  <a:noFill/>
+                </a:ln>
+                <a:solidFill>
+                  <a:srgbClr val="000000"/>
+                </a:solidFill>
+                <a:effectLst/>
+                <a:latin typeface="Ubuntu Mono"/>
+              </a:rPr>
+              <a:t> </a:t>
+            </a:r>
+            <a:r>
+              <a:rPr kumimoji="0" lang="en-US" altLang="en-US" sz="2000" b="0" i="0" u="none" strike="noStrike" cap="none" normalizeH="0" baseline="0" dirty="0" smtClean="0">
+                <a:ln>
+                  <a:noFill/>
+                </a:ln>
+                <a:solidFill>
+                  <a:srgbClr val="000088"/>
+                </a:solidFill>
+                <a:effectLst/>
+                <a:latin typeface="Ubuntu Mono"/>
+              </a:rPr>
+              <a:t>f</a:t>
+            </a:r>
+            <a:r>
+              <a:rPr kumimoji="0" lang="en-US" altLang="en-US" sz="2000" b="0" i="0" u="none" strike="noStrike" cap="none" normalizeH="0" baseline="0" dirty="0" smtClean="0">
+                <a:ln>
+                  <a:noFill/>
+                </a:ln>
+                <a:solidFill>
+                  <a:srgbClr val="000000"/>
+                </a:solidFill>
+                <a:effectLst/>
+                <a:latin typeface="Ubuntu Mono"/>
+              </a:rPr>
+              <a:t>() {</a:t>
+            </a:r>
+          </a:p>
+          <a:p>
+            <a:pPr marL="0" marR="0" lvl="0" indent="0" algn="l" defTabSz="914400" rtl="0" eaLnBrk="0" fontAlgn="base" latinLnBrk="0" hangingPunct="0">
+              <a:lnSpc>
+                <a:spcPct val="100000"/>
+              </a:lnSpc>
+              <a:spcBef>
+                <a:spcPct val="0"/>
+              </a:spcBef>
+              <a:spcAft>
+                <a:spcPct val="0"/>
+              </a:spcAft>
+              <a:buClrTx/>
+              <a:buSzTx/>
+              <a:buFontTx/>
+              <a:buNone/>
+              <a:tabLst/>
+            </a:pPr>
+            <a:r>
+              <a:rPr lang="en-US" altLang="en-US" sz="2000" dirty="0">
+                <a:solidFill>
+                  <a:srgbClr val="000000"/>
+                </a:solidFill>
+                <a:latin typeface="Ubuntu Mono"/>
+              </a:rPr>
+              <a:t> </a:t>
+            </a:r>
+            <a:r>
+              <a:rPr lang="en-US" altLang="en-US" sz="2000" dirty="0" smtClean="0">
+                <a:solidFill>
+                  <a:srgbClr val="000000"/>
+                </a:solidFill>
+                <a:latin typeface="Ubuntu Mono"/>
+              </a:rPr>
+              <a:t>   </a:t>
+            </a:r>
+            <a:r>
+              <a:rPr lang="en-US" altLang="en-US" sz="2000" dirty="0" err="1" smtClean="0">
+                <a:solidFill>
+                  <a:srgbClr val="000000"/>
+                </a:solidFill>
+                <a:latin typeface="Ubuntu Mono"/>
+              </a:rPr>
+              <a:t>var</a:t>
+            </a:r>
+            <a:r>
+              <a:rPr lang="en-US" altLang="en-US" sz="2000" dirty="0" smtClean="0">
+                <a:solidFill>
+                  <a:srgbClr val="000000"/>
+                </a:solidFill>
+                <a:latin typeface="Ubuntu Mono"/>
+              </a:rPr>
+              <a:t> x = 2;</a:t>
+            </a:r>
+            <a:r>
+              <a:rPr kumimoji="0" lang="en-US" altLang="en-US" sz="2000" b="0" i="0" u="none" strike="noStrike" cap="none" normalizeH="0" baseline="0" dirty="0" smtClean="0">
+                <a:ln>
+                  <a:noFill/>
+                </a:ln>
+                <a:solidFill>
+                  <a:srgbClr val="000000"/>
+                </a:solidFill>
+                <a:effectLst/>
+                <a:latin typeface="Ubuntu Mono"/>
+              </a:rPr>
+              <a:t> </a:t>
+            </a:r>
+          </a:p>
+          <a:p>
+            <a:pPr marL="0" marR="0" lvl="0" indent="0" algn="l" defTabSz="914400" rtl="0" eaLnBrk="0" fontAlgn="base" latinLnBrk="0" hangingPunct="0">
+              <a:lnSpc>
+                <a:spcPct val="100000"/>
+              </a:lnSpc>
+              <a:spcBef>
+                <a:spcPct val="0"/>
+              </a:spcBef>
+              <a:spcAft>
+                <a:spcPct val="0"/>
+              </a:spcAft>
+              <a:buClrTx/>
+              <a:buSzTx/>
+              <a:buFontTx/>
+              <a:buNone/>
+              <a:tabLst/>
+            </a:pPr>
+            <a:r>
+              <a:rPr lang="en-US" altLang="en-US" sz="2000" dirty="0">
+                <a:solidFill>
+                  <a:srgbClr val="000000"/>
+                </a:solidFill>
+                <a:latin typeface="Ubuntu Mono"/>
+              </a:rPr>
+              <a:t> </a:t>
+            </a:r>
+            <a:r>
+              <a:rPr lang="en-US" altLang="en-US" sz="2000" dirty="0" smtClean="0">
+                <a:solidFill>
+                  <a:srgbClr val="000000"/>
+                </a:solidFill>
+                <a:latin typeface="Ubuntu Mono"/>
+              </a:rPr>
+              <a:t>   </a:t>
+            </a:r>
+            <a:r>
+              <a:rPr kumimoji="0" lang="en-US" altLang="en-US" sz="2000" b="1" i="0" u="none" strike="noStrike" cap="none" normalizeH="0" baseline="0" dirty="0" smtClean="0">
+                <a:ln>
+                  <a:noFill/>
+                </a:ln>
+                <a:solidFill>
+                  <a:srgbClr val="006699"/>
+                </a:solidFill>
+                <a:effectLst/>
+                <a:latin typeface="Ubuntu Mono"/>
+              </a:rPr>
+              <a:t>function</a:t>
+            </a:r>
+            <a:r>
+              <a:rPr kumimoji="0" lang="en-US" altLang="en-US" sz="2000" b="0" i="0" u="none" strike="noStrike" cap="none" normalizeH="0" baseline="0" dirty="0" smtClean="0">
+                <a:ln>
+                  <a:noFill/>
+                </a:ln>
+                <a:solidFill>
+                  <a:srgbClr val="000000"/>
+                </a:solidFill>
+                <a:effectLst/>
+                <a:latin typeface="Ubuntu Mono"/>
+              </a:rPr>
+              <a:t> </a:t>
+            </a:r>
+            <a:r>
+              <a:rPr kumimoji="0" lang="en-US" altLang="en-US" sz="2000" b="0" i="0" u="none" strike="noStrike" cap="none" normalizeH="0" baseline="0" dirty="0" smtClean="0">
+                <a:ln>
+                  <a:noFill/>
+                </a:ln>
+                <a:solidFill>
+                  <a:srgbClr val="000088"/>
+                </a:solidFill>
+                <a:effectLst/>
+                <a:latin typeface="Ubuntu Mono"/>
+              </a:rPr>
+              <a:t>g</a:t>
+            </a:r>
+            <a:r>
+              <a:rPr kumimoji="0" lang="en-US" altLang="en-US" sz="2000" b="0" i="0" u="none" strike="noStrike" cap="none" normalizeH="0" baseline="0" dirty="0" smtClean="0">
+                <a:ln>
+                  <a:noFill/>
+                </a:ln>
+                <a:solidFill>
+                  <a:srgbClr val="000000"/>
+                </a:solidFill>
+                <a:effectLst/>
+                <a:latin typeface="Ubuntu Mono"/>
+              </a:rPr>
+              <a:t>() {</a:t>
+            </a:r>
+          </a:p>
+          <a:p>
+            <a:pPr marL="0" marR="0" lvl="0" indent="0" algn="l" defTabSz="914400" rtl="0" eaLnBrk="0" fontAlgn="base" latinLnBrk="0" hangingPunct="0">
+              <a:lnSpc>
+                <a:spcPct val="100000"/>
+              </a:lnSpc>
+              <a:spcBef>
+                <a:spcPct val="0"/>
+              </a:spcBef>
+              <a:spcAft>
+                <a:spcPct val="0"/>
+              </a:spcAft>
+              <a:buClrTx/>
+              <a:buSzTx/>
+              <a:buFontTx/>
+              <a:buNone/>
+              <a:tabLst/>
+            </a:pPr>
+            <a:r>
+              <a:rPr lang="en-US" altLang="en-US" sz="2000" dirty="0">
+                <a:solidFill>
+                  <a:srgbClr val="000000"/>
+                </a:solidFill>
+                <a:latin typeface="Ubuntu Mono"/>
+              </a:rPr>
+              <a:t> </a:t>
+            </a:r>
+            <a:r>
+              <a:rPr lang="en-US" altLang="en-US" sz="2000" dirty="0" smtClean="0">
+                <a:solidFill>
+                  <a:srgbClr val="000000"/>
+                </a:solidFill>
+                <a:latin typeface="Ubuntu Mono"/>
+              </a:rPr>
+              <a:t>      </a:t>
+            </a:r>
+            <a:r>
+              <a:rPr lang="en-US" altLang="en-US" sz="2000" dirty="0" err="1" smtClean="0">
+                <a:solidFill>
+                  <a:srgbClr val="000000"/>
+                </a:solidFill>
+                <a:latin typeface="Ubuntu Mono"/>
+              </a:rPr>
+              <a:t>var</a:t>
+            </a:r>
+            <a:r>
+              <a:rPr lang="en-US" altLang="en-US" sz="2000" dirty="0" smtClean="0">
+                <a:solidFill>
+                  <a:srgbClr val="000000"/>
+                </a:solidFill>
+                <a:latin typeface="Ubuntu Mono"/>
+              </a:rPr>
+              <a:t> y = 3;</a:t>
+            </a:r>
+            <a:r>
+              <a:rPr kumimoji="0" lang="en-US" altLang="en-US" sz="2000" b="0" i="0" u="none" strike="noStrike" cap="none" normalizeH="0" baseline="0" dirty="0" smtClean="0">
+                <a:ln>
+                  <a:noFill/>
+                </a:ln>
+                <a:solidFill>
+                  <a:srgbClr val="000000"/>
+                </a:solidFill>
+                <a:effectLst/>
+                <a:latin typeface="Ubuntu Mono"/>
+              </a:rPr>
+              <a:t> </a:t>
+            </a:r>
+          </a:p>
+          <a:p>
+            <a:pPr marL="0" marR="0" lvl="0" indent="0" algn="l" defTabSz="914400" rtl="0" eaLnBrk="0" fontAlgn="base" latinLnBrk="0" hangingPunct="0">
+              <a:lnSpc>
+                <a:spcPct val="100000"/>
+              </a:lnSpc>
+              <a:spcBef>
+                <a:spcPct val="0"/>
+              </a:spcBef>
+              <a:spcAft>
+                <a:spcPct val="0"/>
+              </a:spcAft>
+              <a:buClrTx/>
+              <a:buSzTx/>
+              <a:buFontTx/>
+              <a:buNone/>
+              <a:tabLst/>
+            </a:pPr>
+            <a:r>
+              <a:rPr lang="en-US" altLang="en-US" sz="2000" dirty="0">
+                <a:solidFill>
+                  <a:srgbClr val="000000"/>
+                </a:solidFill>
+                <a:latin typeface="Ubuntu Mono"/>
+              </a:rPr>
+              <a:t> </a:t>
+            </a:r>
+            <a:r>
+              <a:rPr lang="en-US" altLang="en-US" sz="2000" dirty="0" smtClean="0">
+                <a:solidFill>
+                  <a:srgbClr val="000000"/>
+                </a:solidFill>
+                <a:latin typeface="Ubuntu Mono"/>
+              </a:rPr>
+              <a:t>      alert(x + y);</a:t>
+            </a:r>
+          </a:p>
+          <a:p>
+            <a:pPr marL="0" marR="0" lvl="0" indent="0" algn="l" defTabSz="914400" rtl="0" eaLnBrk="0" fontAlgn="base" latinLnBrk="0" hangingPunct="0">
+              <a:lnSpc>
+                <a:spcPct val="100000"/>
+              </a:lnSpc>
+              <a:spcBef>
+                <a:spcPct val="0"/>
+              </a:spcBef>
+              <a:spcAft>
+                <a:spcPct val="0"/>
+              </a:spcAft>
+              <a:buClrTx/>
+              <a:buSzTx/>
+              <a:buFontTx/>
+              <a:buNone/>
+              <a:tabLst/>
+            </a:pPr>
+            <a:r>
+              <a:rPr kumimoji="0" lang="en-US" altLang="en-US" sz="2000" b="0" i="0" u="none" strike="noStrike" cap="none" normalizeH="0" baseline="0" dirty="0" smtClean="0">
+                <a:ln>
+                  <a:noFill/>
+                </a:ln>
+                <a:solidFill>
+                  <a:srgbClr val="000000"/>
+                </a:solidFill>
+                <a:effectLst/>
+                <a:latin typeface="Ubuntu Mono"/>
+              </a:rPr>
+              <a:t>    } </a:t>
+            </a:r>
+          </a:p>
+          <a:p>
+            <a:pPr marL="0" marR="0" lvl="0" indent="0" algn="l" defTabSz="914400" rtl="0" eaLnBrk="0" fontAlgn="base" latinLnBrk="0" hangingPunct="0">
+              <a:lnSpc>
+                <a:spcPct val="100000"/>
+              </a:lnSpc>
+              <a:spcBef>
+                <a:spcPct val="0"/>
+              </a:spcBef>
+              <a:spcAft>
+                <a:spcPct val="0"/>
+              </a:spcAft>
+              <a:buClrTx/>
+              <a:buSzTx/>
+              <a:buFontTx/>
+              <a:buNone/>
+              <a:tabLst/>
+            </a:pPr>
+            <a:r>
+              <a:rPr kumimoji="0" lang="en-US" altLang="en-US" sz="2000" b="0" i="0" u="none" strike="noStrike" cap="none" normalizeH="0" baseline="0" dirty="0" smtClean="0">
+                <a:ln>
+                  <a:noFill/>
+                </a:ln>
+                <a:solidFill>
+                  <a:srgbClr val="000000"/>
+                </a:solidFill>
+                <a:effectLst/>
+                <a:latin typeface="Ubuntu Mono"/>
+              </a:rPr>
+              <a:t>}</a:t>
+            </a:r>
+            <a:r>
+              <a:rPr kumimoji="0" lang="en-US" altLang="en-US" sz="2000" b="0" i="0" u="none" strike="noStrike" cap="none" normalizeH="0" baseline="0" dirty="0" smtClean="0">
+                <a:ln>
+                  <a:noFill/>
+                </a:ln>
                 <a:solidFill>
                   <a:schemeClr val="tx1"/>
                 </a:solidFill>
-                <a:latin typeface="+mj-lt"/>
-                <a:ea typeface="+mj-ea"/>
-                <a:cs typeface="+mj-cs"/>
-              </a:defRPr>
-            </a:lvl1pPr>
-          </a:lstStyle>
-          <a:p>
-            <a:r>
-              <a:rPr lang="en-US" dirty="0" smtClean="0"/>
-              <a:t>Scope</a:t>
-            </a:r>
-            <a:endParaRPr lang="en-US" dirty="0"/>
+                <a:effectLst/>
+              </a:rPr>
+              <a:t> </a:t>
+            </a:r>
+            <a:endParaRPr kumimoji="0" lang="en-US" altLang="en-US" sz="2000" b="0" i="0" u="none" strike="noStrike" cap="none" normalizeH="0" baseline="0" dirty="0" smtClean="0">
+              <a:ln>
+                <a:noFill/>
+              </a:ln>
+              <a:solidFill>
+                <a:schemeClr val="tx1"/>
+              </a:solidFill>
+              <a:effectLst/>
+              <a:latin typeface="Arial" panose="020B0604020202020204" pitchFamily="34" charset="0"/>
+            </a:endParaRPr>
           </a:p>
         </p:txBody>
       </p:sp>
     </p:spTree>
     <p:extLst>
       <p:ext uri="{BB962C8B-B14F-4D97-AF65-F5344CB8AC3E}">
-        <p14:creationId xmlns:p14="http://schemas.microsoft.com/office/powerpoint/2010/main" val="1557040200"/>
+        <p14:creationId xmlns:p14="http://schemas.microsoft.com/office/powerpoint/2010/main" val="4153191648"/>
       </p:ext>
     </p:extLst>
   </p:cSld>
@@ -4438,19 +4882,636 @@
             <p:ph type="title"/>
           </p:nvPr>
         </p:nvSpPr>
+        <p:spPr/>
+        <p:txBody>
+          <a:bodyPr/>
+          <a:lstStyle/>
+          <a:p>
+            <a:r>
+              <a:rPr lang="en-US" dirty="0" smtClean="0"/>
+              <a:t>Nested Scope</a:t>
+            </a:r>
+            <a:endParaRPr lang="en-US" dirty="0"/>
+          </a:p>
+        </p:txBody>
+      </p:sp>
+      <p:sp>
+        <p:nvSpPr>
+          <p:cNvPr id="4" name="Rectangle 1"/>
+          <p:cNvSpPr>
+            <a:spLocks noChangeArrowheads="1"/>
+          </p:cNvSpPr>
+          <p:nvPr/>
+        </p:nvSpPr>
+        <p:spPr bwMode="auto">
+          <a:xfrm>
+            <a:off x="3419872" y="1700808"/>
+            <a:ext cx="2220989" cy="2154436"/>
+          </a:xfrm>
+          <a:prstGeom prst="rect">
+            <a:avLst/>
+          </a:prstGeom>
+          <a:noFill/>
+          <a:ln>
+            <a:noFill/>
+          </a:ln>
+          <a:effectLst/>
+          <a:extLst>
+            <a:ext uri="{909E8E84-426E-40DD-AFC4-6F175D3DCCD1}">
+              <a14:hiddenFill xmlns:a14="http://schemas.microsoft.com/office/drawing/2010/main">
+                <a:solidFill>
+                  <a:schemeClr val="accent1"/>
+                </a:solidFill>
+              </a14:hiddenFill>
+            </a:ext>
+            <a:ext uri="{91240B29-F687-4F45-9708-019B960494DF}">
+              <a14:hiddenLine xmlns:a14="http://schemas.microsoft.com/office/drawing/2010/main" w="9525">
+                <a:solidFill>
+                  <a:schemeClr val="tx1"/>
+                </a:solidFill>
+                <a:miter lim="800000"/>
+                <a:headEnd/>
+                <a:tailEnd/>
+              </a14:hiddenLine>
+            </a:ext>
+            <a:ext uri="{AF507438-7753-43E0-B8FC-AC1667EBCBE1}">
+              <a14:hiddenEffects xmlns:a14="http://schemas.microsoft.com/office/drawing/2010/main">
+                <a:effectLst>
+                  <a:outerShdw dist="35921" dir="2700000" algn="ctr" rotWithShape="0">
+                    <a:schemeClr val="bg2"/>
+                  </a:outerShdw>
+                </a:effectLst>
+              </a14:hiddenEffects>
+            </a:ext>
+          </a:extLst>
+        </p:spPr>
+        <p:txBody>
+          <a:bodyPr vert="horz" wrap="square" lIns="0" tIns="0" rIns="0" bIns="0" numCol="1" anchor="ctr" anchorCtr="0" compatLnSpc="1">
+            <a:prstTxWarp prst="textNoShape">
+              <a:avLst/>
+            </a:prstTxWarp>
+            <a:spAutoFit/>
+          </a:bodyPr>
+          <a:lstStyle/>
+          <a:p>
+            <a:pPr marL="0" marR="0" lvl="0" indent="0" algn="l" defTabSz="914400" rtl="0" eaLnBrk="0" fontAlgn="base" latinLnBrk="0" hangingPunct="0">
+              <a:lnSpc>
+                <a:spcPct val="100000"/>
+              </a:lnSpc>
+              <a:spcBef>
+                <a:spcPct val="0"/>
+              </a:spcBef>
+              <a:spcAft>
+                <a:spcPct val="0"/>
+              </a:spcAft>
+              <a:buClrTx/>
+              <a:buSzTx/>
+              <a:buFontTx/>
+              <a:buNone/>
+              <a:tabLst/>
+            </a:pPr>
+            <a:r>
+              <a:rPr kumimoji="0" lang="en-US" altLang="en-US" sz="2000" b="1" i="0" u="none" strike="noStrike" cap="none" normalizeH="0" baseline="0" dirty="0" smtClean="0">
+                <a:ln>
+                  <a:noFill/>
+                </a:ln>
+                <a:solidFill>
+                  <a:srgbClr val="006699"/>
+                </a:solidFill>
+                <a:effectLst/>
+                <a:latin typeface="Ubuntu Mono"/>
+              </a:rPr>
+              <a:t>function</a:t>
+            </a:r>
+            <a:r>
+              <a:rPr kumimoji="0" lang="en-US" altLang="en-US" sz="2000" b="0" i="0" u="none" strike="noStrike" cap="none" normalizeH="0" baseline="0" dirty="0" smtClean="0">
+                <a:ln>
+                  <a:noFill/>
+                </a:ln>
+                <a:solidFill>
+                  <a:srgbClr val="000000"/>
+                </a:solidFill>
+                <a:effectLst/>
+                <a:latin typeface="Ubuntu Mono"/>
+              </a:rPr>
+              <a:t> </a:t>
+            </a:r>
+            <a:r>
+              <a:rPr kumimoji="0" lang="en-US" altLang="en-US" sz="2000" b="0" i="0" u="none" strike="noStrike" cap="none" normalizeH="0" baseline="0" dirty="0" smtClean="0">
+                <a:ln>
+                  <a:noFill/>
+                </a:ln>
+                <a:solidFill>
+                  <a:srgbClr val="000088"/>
+                </a:solidFill>
+                <a:effectLst/>
+                <a:latin typeface="Ubuntu Mono"/>
+              </a:rPr>
+              <a:t>f</a:t>
+            </a:r>
+            <a:r>
+              <a:rPr kumimoji="0" lang="en-US" altLang="en-US" sz="2000" b="0" i="0" u="none" strike="noStrike" cap="none" normalizeH="0" baseline="0" dirty="0" smtClean="0">
+                <a:ln>
+                  <a:noFill/>
+                </a:ln>
+                <a:solidFill>
+                  <a:srgbClr val="000000"/>
+                </a:solidFill>
+                <a:effectLst/>
+                <a:latin typeface="Ubuntu Mono"/>
+              </a:rPr>
+              <a:t>() {</a:t>
+            </a:r>
+          </a:p>
+          <a:p>
+            <a:pPr marL="0" marR="0" lvl="0" indent="0" algn="l" defTabSz="914400" rtl="0" eaLnBrk="0" fontAlgn="base" latinLnBrk="0" hangingPunct="0">
+              <a:lnSpc>
+                <a:spcPct val="100000"/>
+              </a:lnSpc>
+              <a:spcBef>
+                <a:spcPct val="0"/>
+              </a:spcBef>
+              <a:spcAft>
+                <a:spcPct val="0"/>
+              </a:spcAft>
+              <a:buClrTx/>
+              <a:buSzTx/>
+              <a:buFontTx/>
+              <a:buNone/>
+              <a:tabLst/>
+            </a:pPr>
+            <a:r>
+              <a:rPr lang="en-US" altLang="en-US" sz="2000" dirty="0">
+                <a:solidFill>
+                  <a:srgbClr val="000000"/>
+                </a:solidFill>
+                <a:latin typeface="Ubuntu Mono"/>
+              </a:rPr>
+              <a:t> </a:t>
+            </a:r>
+            <a:r>
+              <a:rPr lang="en-US" altLang="en-US" sz="2000" dirty="0" smtClean="0">
+                <a:solidFill>
+                  <a:srgbClr val="000000"/>
+                </a:solidFill>
+                <a:latin typeface="Ubuntu Mono"/>
+              </a:rPr>
+              <a:t>   </a:t>
+            </a:r>
+            <a:r>
+              <a:rPr lang="en-US" altLang="en-US" sz="2000" dirty="0" err="1" smtClean="0">
+                <a:solidFill>
+                  <a:srgbClr val="000000"/>
+                </a:solidFill>
+                <a:latin typeface="Ubuntu Mono"/>
+              </a:rPr>
+              <a:t>var</a:t>
+            </a:r>
+            <a:r>
+              <a:rPr lang="en-US" altLang="en-US" sz="2000" dirty="0" smtClean="0">
+                <a:solidFill>
+                  <a:srgbClr val="000000"/>
+                </a:solidFill>
+                <a:latin typeface="Ubuntu Mono"/>
+              </a:rPr>
+              <a:t> x = 2;</a:t>
+            </a:r>
+            <a:r>
+              <a:rPr kumimoji="0" lang="en-US" altLang="en-US" sz="2000" b="0" i="0" u="none" strike="noStrike" cap="none" normalizeH="0" baseline="0" dirty="0" smtClean="0">
+                <a:ln>
+                  <a:noFill/>
+                </a:ln>
+                <a:solidFill>
+                  <a:srgbClr val="000000"/>
+                </a:solidFill>
+                <a:effectLst/>
+                <a:latin typeface="Ubuntu Mono"/>
+              </a:rPr>
+              <a:t> </a:t>
+            </a:r>
+          </a:p>
+          <a:p>
+            <a:pPr marL="0" marR="0" lvl="0" indent="0" algn="l" defTabSz="914400" rtl="0" eaLnBrk="0" fontAlgn="base" latinLnBrk="0" hangingPunct="0">
+              <a:lnSpc>
+                <a:spcPct val="100000"/>
+              </a:lnSpc>
+              <a:spcBef>
+                <a:spcPct val="0"/>
+              </a:spcBef>
+              <a:spcAft>
+                <a:spcPct val="0"/>
+              </a:spcAft>
+              <a:buClrTx/>
+              <a:buSzTx/>
+              <a:buFontTx/>
+              <a:buNone/>
+              <a:tabLst/>
+            </a:pPr>
+            <a:r>
+              <a:rPr lang="en-US" altLang="en-US" sz="2000" dirty="0">
+                <a:solidFill>
+                  <a:srgbClr val="000000"/>
+                </a:solidFill>
+                <a:latin typeface="Ubuntu Mono"/>
+              </a:rPr>
+              <a:t> </a:t>
+            </a:r>
+            <a:r>
+              <a:rPr lang="en-US" altLang="en-US" sz="2000" dirty="0" smtClean="0">
+                <a:solidFill>
+                  <a:srgbClr val="000000"/>
+                </a:solidFill>
+                <a:latin typeface="Ubuntu Mono"/>
+              </a:rPr>
+              <a:t>   </a:t>
+            </a:r>
+            <a:r>
+              <a:rPr kumimoji="0" lang="en-US" altLang="en-US" sz="2000" b="1" i="0" u="none" strike="noStrike" cap="none" normalizeH="0" baseline="0" dirty="0" smtClean="0">
+                <a:ln>
+                  <a:noFill/>
+                </a:ln>
+                <a:solidFill>
+                  <a:srgbClr val="006699"/>
+                </a:solidFill>
+                <a:effectLst/>
+                <a:latin typeface="Ubuntu Mono"/>
+              </a:rPr>
+              <a:t>function</a:t>
+            </a:r>
+            <a:r>
+              <a:rPr kumimoji="0" lang="en-US" altLang="en-US" sz="2000" b="0" i="0" u="none" strike="noStrike" cap="none" normalizeH="0" baseline="0" dirty="0" smtClean="0">
+                <a:ln>
+                  <a:noFill/>
+                </a:ln>
+                <a:solidFill>
+                  <a:srgbClr val="000000"/>
+                </a:solidFill>
+                <a:effectLst/>
+                <a:latin typeface="Ubuntu Mono"/>
+              </a:rPr>
+              <a:t> </a:t>
+            </a:r>
+            <a:r>
+              <a:rPr kumimoji="0" lang="en-US" altLang="en-US" sz="2000" b="0" i="0" u="none" strike="noStrike" cap="none" normalizeH="0" baseline="0" dirty="0" smtClean="0">
+                <a:ln>
+                  <a:noFill/>
+                </a:ln>
+                <a:solidFill>
+                  <a:srgbClr val="000088"/>
+                </a:solidFill>
+                <a:effectLst/>
+                <a:latin typeface="Ubuntu Mono"/>
+              </a:rPr>
+              <a:t>g</a:t>
+            </a:r>
+            <a:r>
+              <a:rPr kumimoji="0" lang="en-US" altLang="en-US" sz="2000" b="0" i="0" u="none" strike="noStrike" cap="none" normalizeH="0" baseline="0" dirty="0" smtClean="0">
+                <a:ln>
+                  <a:noFill/>
+                </a:ln>
+                <a:solidFill>
+                  <a:srgbClr val="000000"/>
+                </a:solidFill>
+                <a:effectLst/>
+                <a:latin typeface="Ubuntu Mono"/>
+              </a:rPr>
+              <a:t>() {</a:t>
+            </a:r>
+          </a:p>
+          <a:p>
+            <a:pPr marL="0" marR="0" lvl="0" indent="0" algn="l" defTabSz="914400" rtl="0" eaLnBrk="0" fontAlgn="base" latinLnBrk="0" hangingPunct="0">
+              <a:lnSpc>
+                <a:spcPct val="100000"/>
+              </a:lnSpc>
+              <a:spcBef>
+                <a:spcPct val="0"/>
+              </a:spcBef>
+              <a:spcAft>
+                <a:spcPct val="0"/>
+              </a:spcAft>
+              <a:buClrTx/>
+              <a:buSzTx/>
+              <a:buFontTx/>
+              <a:buNone/>
+              <a:tabLst/>
+            </a:pPr>
+            <a:r>
+              <a:rPr lang="en-US" altLang="en-US" sz="2000" dirty="0">
+                <a:solidFill>
+                  <a:srgbClr val="000000"/>
+                </a:solidFill>
+                <a:latin typeface="Ubuntu Mono"/>
+              </a:rPr>
+              <a:t> </a:t>
+            </a:r>
+            <a:r>
+              <a:rPr lang="en-US" altLang="en-US" sz="2000" dirty="0" smtClean="0">
+                <a:solidFill>
+                  <a:srgbClr val="000000"/>
+                </a:solidFill>
+                <a:latin typeface="Ubuntu Mono"/>
+              </a:rPr>
+              <a:t>      </a:t>
+            </a:r>
+            <a:r>
+              <a:rPr lang="en-US" altLang="en-US" sz="2000" dirty="0" err="1" smtClean="0">
+                <a:solidFill>
+                  <a:srgbClr val="000000"/>
+                </a:solidFill>
+                <a:latin typeface="Ubuntu Mono"/>
+              </a:rPr>
+              <a:t>var</a:t>
+            </a:r>
+            <a:r>
+              <a:rPr lang="en-US" altLang="en-US" sz="2000" dirty="0" smtClean="0">
+                <a:solidFill>
+                  <a:srgbClr val="000000"/>
+                </a:solidFill>
+                <a:latin typeface="Ubuntu Mono"/>
+              </a:rPr>
+              <a:t> y = 3;</a:t>
+            </a:r>
+            <a:r>
+              <a:rPr kumimoji="0" lang="en-US" altLang="en-US" sz="2000" b="0" i="0" u="none" strike="noStrike" cap="none" normalizeH="0" baseline="0" dirty="0" smtClean="0">
+                <a:ln>
+                  <a:noFill/>
+                </a:ln>
+                <a:solidFill>
+                  <a:srgbClr val="000000"/>
+                </a:solidFill>
+                <a:effectLst/>
+                <a:latin typeface="Ubuntu Mono"/>
+              </a:rPr>
+              <a:t> </a:t>
+            </a:r>
+          </a:p>
+          <a:p>
+            <a:pPr marL="0" marR="0" lvl="0" indent="0" algn="l" defTabSz="914400" rtl="0" eaLnBrk="0" fontAlgn="base" latinLnBrk="0" hangingPunct="0">
+              <a:lnSpc>
+                <a:spcPct val="100000"/>
+              </a:lnSpc>
+              <a:spcBef>
+                <a:spcPct val="0"/>
+              </a:spcBef>
+              <a:spcAft>
+                <a:spcPct val="0"/>
+              </a:spcAft>
+              <a:buClrTx/>
+              <a:buSzTx/>
+              <a:buFontTx/>
+              <a:buNone/>
+              <a:tabLst/>
+            </a:pPr>
+            <a:r>
+              <a:rPr lang="en-US" altLang="en-US" sz="2000" dirty="0">
+                <a:solidFill>
+                  <a:srgbClr val="000000"/>
+                </a:solidFill>
+                <a:latin typeface="Ubuntu Mono"/>
+              </a:rPr>
+              <a:t> </a:t>
+            </a:r>
+            <a:r>
+              <a:rPr lang="en-US" altLang="en-US" sz="2000" dirty="0" smtClean="0">
+                <a:solidFill>
+                  <a:srgbClr val="000000"/>
+                </a:solidFill>
+                <a:latin typeface="Ubuntu Mono"/>
+              </a:rPr>
+              <a:t>      alert(x + y);</a:t>
+            </a:r>
+          </a:p>
+          <a:p>
+            <a:pPr marL="0" marR="0" lvl="0" indent="0" algn="l" defTabSz="914400" rtl="0" eaLnBrk="0" fontAlgn="base" latinLnBrk="0" hangingPunct="0">
+              <a:lnSpc>
+                <a:spcPct val="100000"/>
+              </a:lnSpc>
+              <a:spcBef>
+                <a:spcPct val="0"/>
+              </a:spcBef>
+              <a:spcAft>
+                <a:spcPct val="0"/>
+              </a:spcAft>
+              <a:buClrTx/>
+              <a:buSzTx/>
+              <a:buFontTx/>
+              <a:buNone/>
+              <a:tabLst/>
+            </a:pPr>
+            <a:r>
+              <a:rPr kumimoji="0" lang="en-US" altLang="en-US" sz="2000" b="0" i="0" u="none" strike="noStrike" cap="none" normalizeH="0" baseline="0" dirty="0" smtClean="0">
+                <a:ln>
+                  <a:noFill/>
+                </a:ln>
+                <a:solidFill>
+                  <a:srgbClr val="000000"/>
+                </a:solidFill>
+                <a:effectLst/>
+                <a:latin typeface="Ubuntu Mono"/>
+              </a:rPr>
+              <a:t>    } </a:t>
+            </a:r>
+          </a:p>
+          <a:p>
+            <a:pPr marL="0" marR="0" lvl="0" indent="0" algn="l" defTabSz="914400" rtl="0" eaLnBrk="0" fontAlgn="base" latinLnBrk="0" hangingPunct="0">
+              <a:lnSpc>
+                <a:spcPct val="100000"/>
+              </a:lnSpc>
+              <a:spcBef>
+                <a:spcPct val="0"/>
+              </a:spcBef>
+              <a:spcAft>
+                <a:spcPct val="0"/>
+              </a:spcAft>
+              <a:buClrTx/>
+              <a:buSzTx/>
+              <a:buFontTx/>
+              <a:buNone/>
+              <a:tabLst/>
+            </a:pPr>
+            <a:r>
+              <a:rPr kumimoji="0" lang="en-US" altLang="en-US" sz="2000" b="0" i="0" u="none" strike="noStrike" cap="none" normalizeH="0" baseline="0" dirty="0" smtClean="0">
+                <a:ln>
+                  <a:noFill/>
+                </a:ln>
+                <a:solidFill>
+                  <a:srgbClr val="000000"/>
+                </a:solidFill>
+                <a:effectLst/>
+                <a:latin typeface="Ubuntu Mono"/>
+              </a:rPr>
+              <a:t>}</a:t>
+            </a:r>
+            <a:r>
+              <a:rPr kumimoji="0" lang="en-US" altLang="en-US" sz="2000" b="0" i="0" u="none" strike="noStrike" cap="none" normalizeH="0" baseline="0" dirty="0" smtClean="0">
+                <a:ln>
+                  <a:noFill/>
+                </a:ln>
+                <a:solidFill>
+                  <a:schemeClr val="tx1"/>
+                </a:solidFill>
+                <a:effectLst/>
+              </a:rPr>
+              <a:t> </a:t>
+            </a:r>
+            <a:endParaRPr kumimoji="0" lang="en-US" altLang="en-US" sz="2000" b="0" i="0" u="none" strike="noStrike" cap="none" normalizeH="0" baseline="0" dirty="0" smtClean="0">
+              <a:ln>
+                <a:noFill/>
+              </a:ln>
+              <a:solidFill>
+                <a:schemeClr val="tx1"/>
+              </a:solidFill>
+              <a:effectLst/>
+              <a:latin typeface="Arial" panose="020B0604020202020204" pitchFamily="34" charset="0"/>
+            </a:endParaRPr>
+          </a:p>
+        </p:txBody>
+      </p:sp>
+      <p:sp>
+        <p:nvSpPr>
+          <p:cNvPr id="3" name="Right Brace 2"/>
+          <p:cNvSpPr/>
+          <p:nvPr/>
+        </p:nvSpPr>
         <p:spPr>
           <a:xfrm>
-            <a:off x="395536" y="2636912"/>
-            <a:ext cx="8229600" cy="1143000"/>
+            <a:off x="5411657" y="2449488"/>
+            <a:ext cx="365760" cy="1005840"/>
           </a:xfrm>
+          <a:prstGeom prst="rightBrace">
+            <a:avLst/>
+          </a:prstGeom>
+          <a:ln w="22225">
+            <a:solidFill>
+              <a:schemeClr val="tx1"/>
+            </a:solidFill>
+          </a:ln>
         </p:spPr>
-        <p:txBody>
-          <a:bodyPr/>
+        <p:style>
+          <a:lnRef idx="1">
+            <a:schemeClr val="accent1"/>
+          </a:lnRef>
+          <a:fillRef idx="0">
+            <a:schemeClr val="accent1"/>
+          </a:fillRef>
+          <a:effectRef idx="0">
+            <a:schemeClr val="accent1"/>
+          </a:effectRef>
+          <a:fontRef idx="minor">
+            <a:schemeClr val="tx1"/>
+          </a:fontRef>
+        </p:style>
+        <p:txBody>
+          <a:bodyPr rtlCol="0" anchor="ctr"/>
           <a:lstStyle/>
           <a:p>
+            <a:pPr algn="ctr"/>
+            <a:endParaRPr lang="en-US"/>
+          </a:p>
+        </p:txBody>
+      </p:sp>
+      <p:sp>
+        <p:nvSpPr>
+          <p:cNvPr id="5" name="TextBox 4"/>
+          <p:cNvSpPr txBox="1"/>
+          <p:nvPr/>
+        </p:nvSpPr>
+        <p:spPr>
+          <a:xfrm>
+            <a:off x="5915713" y="2767662"/>
+            <a:ext cx="1274388" cy="369332"/>
+          </a:xfrm>
+          <a:prstGeom prst="rect">
+            <a:avLst/>
+          </a:prstGeom>
+          <a:noFill/>
+        </p:spPr>
+        <p:txBody>
+          <a:bodyPr wrap="none" rtlCol="0">
+            <a:spAutoFit/>
+          </a:bodyPr>
+          <a:lstStyle/>
+          <a:p>
             <a:r>
               <a:rPr lang="en-US" dirty="0" smtClean="0"/>
-              <a:t>ES 3</a:t>
+              <a:t>inner scope</a:t>
+            </a:r>
+            <a:endParaRPr lang="en-US" dirty="0"/>
+          </a:p>
+        </p:txBody>
+      </p:sp>
+      <p:sp>
+        <p:nvSpPr>
+          <p:cNvPr id="7" name="Right Brace 6"/>
+          <p:cNvSpPr/>
+          <p:nvPr/>
+        </p:nvSpPr>
+        <p:spPr>
+          <a:xfrm rot="10800000">
+            <a:off x="2627784" y="1844824"/>
+            <a:ext cx="444322" cy="1965312"/>
+          </a:xfrm>
+          <a:prstGeom prst="rightBrace">
+            <a:avLst/>
+          </a:prstGeom>
+          <a:ln w="22225">
+            <a:solidFill>
+              <a:schemeClr val="tx1"/>
+            </a:solidFill>
+          </a:ln>
+        </p:spPr>
+        <p:style>
+          <a:lnRef idx="1">
+            <a:schemeClr val="accent1"/>
+          </a:lnRef>
+          <a:fillRef idx="0">
+            <a:schemeClr val="accent1"/>
+          </a:fillRef>
+          <a:effectRef idx="0">
+            <a:schemeClr val="accent1"/>
+          </a:effectRef>
+          <a:fontRef idx="minor">
+            <a:schemeClr val="tx1"/>
+          </a:fontRef>
+        </p:style>
+        <p:txBody>
+          <a:bodyPr rtlCol="0" anchor="ctr"/>
+          <a:lstStyle/>
+          <a:p>
+            <a:pPr algn="ctr"/>
+            <a:endParaRPr lang="en-US"/>
+          </a:p>
+        </p:txBody>
+      </p:sp>
+      <p:sp>
+        <p:nvSpPr>
+          <p:cNvPr id="8" name="TextBox 7"/>
+          <p:cNvSpPr txBox="1"/>
+          <p:nvPr/>
+        </p:nvSpPr>
+        <p:spPr>
+          <a:xfrm>
+            <a:off x="1214539" y="2642814"/>
+            <a:ext cx="1295932" cy="369332"/>
+          </a:xfrm>
+          <a:prstGeom prst="rect">
+            <a:avLst/>
+          </a:prstGeom>
+          <a:noFill/>
+        </p:spPr>
+        <p:txBody>
+          <a:bodyPr wrap="none" rtlCol="0">
+            <a:spAutoFit/>
+          </a:bodyPr>
+          <a:lstStyle/>
+          <a:p>
+            <a:r>
+              <a:rPr lang="en-US" dirty="0"/>
+              <a:t>o</a:t>
+            </a:r>
+            <a:r>
+              <a:rPr lang="en-US" dirty="0" smtClean="0"/>
+              <a:t>uter scope</a:t>
             </a:r>
             <a:endParaRPr lang="en-US" dirty="0"/>
           </a:p>
@@ -4459,7 +5520,7 @@
     </p:spTree>
     <p:extLst>
       <p:ext uri="{BB962C8B-B14F-4D97-AF65-F5344CB8AC3E}">
-        <p14:creationId xmlns:p14="http://schemas.microsoft.com/office/powerpoint/2010/main" val="229889959"/>
+        <p14:creationId xmlns:p14="http://schemas.microsoft.com/office/powerpoint/2010/main" val="4069679040"/>
       </p:ext>
     </p:extLst>
   </p:cSld>
@@ -4509,12 +5570,8 @@
           <a:lstStyle/>
           <a:p>
             <a:r>
-              <a:rPr lang="en-US" dirty="0"/>
-              <a:t>The Scope of a </a:t>
-            </a:r>
-            <a:r>
               <a:rPr lang="en-US" dirty="0" smtClean="0"/>
-              <a:t>Variable</a:t>
+              <a:t>Shadowing</a:t>
             </a:r>
             <a:endParaRPr lang="en-US" dirty="0"/>
           </a:p>
@@ -4522,332 +5579,339 @@
       </p:sp>
       <p:sp>
         <p:nvSpPr>
-          <p:cNvPr id="4" name="Rectangle 1"/>
-          <p:cNvSpPr>
-            <a:spLocks noGrp="1" noChangeArrowheads="1"/>
-          </p:cNvSpPr>
-          <p:nvPr>
-            <p:ph idx="1"/>
-          </p:nvPr>
-        </p:nvSpPr>
-        <p:spPr bwMode="auto">
+          <p:cNvPr id="4" name="Rectangle 3"/>
+          <p:cNvSpPr/>
+          <p:nvPr/>
+        </p:nvSpPr>
+        <p:spPr>
           <a:xfrm>
-            <a:off x="484630" y="1196752"/>
-            <a:ext cx="6336704" cy="2708434"/>
+            <a:off x="457200" y="1556792"/>
+            <a:ext cx="8429684" cy="2862322"/>
           </a:xfrm>
           <a:prstGeom prst="rect">
             <a:avLst/>
           </a:prstGeom>
-          <a:noFill/>
-          <a:ln>
-            <a:noFill/>
-          </a:ln>
-          <a:effectLst/>
-          <a:extLst>
-            <a:ext uri="{909E8E84-426E-40DD-AFC4-6F175D3DCCD1}">
-              <a14:hiddenFill xmlns:a14="http://schemas.microsoft.com/office/drawing/2010/main">
-                <a:solidFill>
-                  <a:schemeClr val="accent1"/>
-                </a:solidFill>
-              </a14:hiddenFill>
-            </a:ext>
-            <a:ext uri="{91240B29-F687-4F45-9708-019B960494DF}">
-              <a14:hiddenLine xmlns:a14="http://schemas.microsoft.com/office/drawing/2010/main" w="9525">
-                <a:solidFill>
-                  <a:schemeClr val="tx1"/>
-                </a:solidFill>
-                <a:miter lim="800000"/>
-                <a:headEnd/>
-                <a:tailEnd/>
-              </a14:hiddenLine>
-            </a:ext>
-            <a:ext uri="{AF507438-7753-43E0-B8FC-AC1667EBCBE1}">
-              <a14:hiddenEffects xmlns:a14="http://schemas.microsoft.com/office/drawing/2010/main">
-                <a:effectLst>
-                  <a:outerShdw dist="35921" dir="2700000" algn="ctr" rotWithShape="0">
-                    <a:schemeClr val="bg2"/>
-                  </a:outerShdw>
-                </a:effectLst>
-              </a14:hiddenEffects>
-            </a:ext>
-          </a:extLst>
         </p:spPr>
-        <p:txBody>
-          <a:bodyPr vert="horz" wrap="square" lIns="0" tIns="0" rIns="0" bIns="0" numCol="1" rtlCol="0" anchor="ctr" anchorCtr="0" compatLnSpc="1">
-            <a:prstTxWarp prst="textNoShape">
-              <a:avLst/>
-            </a:prstTxWarp>
+        <p:style>
+          <a:lnRef idx="1">
+            <a:schemeClr val="dk1"/>
+          </a:lnRef>
+          <a:fillRef idx="1001">
+            <a:schemeClr val="lt2"/>
+          </a:fillRef>
+          <a:effectRef idx="1">
+            <a:schemeClr val="dk1"/>
+          </a:effectRef>
+          <a:fontRef idx="minor">
+            <a:schemeClr val="dk1"/>
+          </a:fontRef>
+        </p:style>
+        <p:txBody>
+          <a:bodyPr wrap="square">
             <a:spAutoFit/>
           </a:bodyPr>
           <a:lstStyle/>
           <a:p>
-            <a:pPr marL="0" indent="0" defTabSz="685800" eaLnBrk="0" fontAlgn="base" hangingPunct="0">
-              <a:spcBef>
-                <a:spcPct val="0"/>
-              </a:spcBef>
-              <a:spcAft>
-                <a:spcPct val="0"/>
-              </a:spcAft>
-              <a:buNone/>
-            </a:pPr>
-            <a:r>
-              <a:rPr kumimoji="0" lang="en-US" altLang="en-US" sz="2400" b="0" i="0" u="none" strike="noStrike" cap="none" normalizeH="0" baseline="0" dirty="0" smtClean="0">
-                <a:ln>
-                  <a:noFill/>
-                </a:ln>
-                <a:solidFill>
-                  <a:srgbClr val="000000"/>
-                </a:solidFill>
-                <a:effectLst/>
-                <a:latin typeface="Arial" panose="020B0604020202020204" pitchFamily="34" charset="0"/>
-                <a:cs typeface="Arial" panose="020B0604020202020204" pitchFamily="34" charset="0"/>
-              </a:rPr>
-              <a:t>The scope of a variable are the locations </a:t>
-            </a:r>
-          </a:p>
-          <a:p>
-            <a:pPr marL="0" indent="0" defTabSz="685800" eaLnBrk="0" fontAlgn="base" hangingPunct="0">
-              <a:spcBef>
-                <a:spcPct val="0"/>
-              </a:spcBef>
-              <a:spcAft>
-                <a:spcPct val="0"/>
-              </a:spcAft>
-              <a:buNone/>
-            </a:pPr>
-            <a:r>
-              <a:rPr kumimoji="0" lang="en-US" altLang="en-US" sz="2400" b="0" i="0" u="none" strike="noStrike" cap="none" normalizeH="0" baseline="0" dirty="0" smtClean="0">
-                <a:ln>
-                  <a:noFill/>
-                </a:ln>
-                <a:solidFill>
-                  <a:srgbClr val="000000"/>
-                </a:solidFill>
-                <a:effectLst/>
-                <a:latin typeface="Arial" panose="020B0604020202020204" pitchFamily="34" charset="0"/>
-                <a:cs typeface="Arial" panose="020B0604020202020204" pitchFamily="34" charset="0"/>
-              </a:rPr>
-              <a:t>where it is accessible.</a:t>
-            </a:r>
-          </a:p>
-          <a:p>
-            <a:pPr marL="0" indent="0" defTabSz="685800" eaLnBrk="0" fontAlgn="base" hangingPunct="0">
-              <a:spcBef>
-                <a:spcPct val="0"/>
-              </a:spcBef>
-              <a:spcAft>
-                <a:spcPct val="0"/>
-              </a:spcAft>
-              <a:buNone/>
-            </a:pPr>
-            <a:r>
-              <a:rPr kumimoji="0" lang="en-US" altLang="en-US" sz="2400" b="0" i="0" u="none" strike="noStrike" cap="none" normalizeH="0" baseline="0" dirty="0" smtClean="0">
-                <a:ln>
-                  <a:noFill/>
-                </a:ln>
-                <a:solidFill>
-                  <a:srgbClr val="000000"/>
-                </a:solidFill>
-                <a:effectLst/>
-                <a:latin typeface="Arial" panose="020B0604020202020204" pitchFamily="34" charset="0"/>
-                <a:cs typeface="Arial" panose="020B0604020202020204" pitchFamily="34" charset="0"/>
-              </a:rPr>
+            <a:r>
+              <a:rPr lang="en-US" b="1" dirty="0" err="1">
+                <a:solidFill>
+                  <a:srgbClr val="0070C0"/>
+                </a:solidFill>
+              </a:rPr>
+              <a:t>var</a:t>
+            </a:r>
+            <a:r>
+              <a:rPr lang="en-US" b="1" dirty="0"/>
               <a:t> </a:t>
             </a:r>
-          </a:p>
-          <a:p>
-            <a:pPr marL="0" indent="0" defTabSz="685800" eaLnBrk="0" fontAlgn="base" hangingPunct="0">
-              <a:spcBef>
-                <a:spcPct val="0"/>
-              </a:spcBef>
-              <a:spcAft>
-                <a:spcPct val="0"/>
-              </a:spcAft>
-              <a:buNone/>
-            </a:pPr>
-            <a:r>
-              <a:rPr kumimoji="0" lang="en-US" altLang="en-US" sz="2400" b="0" i="0" u="none" strike="noStrike" cap="none" normalizeH="0" baseline="0" dirty="0" smtClean="0">
-                <a:ln>
-                  <a:noFill/>
-                </a:ln>
-                <a:solidFill>
-                  <a:srgbClr val="000000"/>
-                </a:solidFill>
-                <a:effectLst/>
-                <a:latin typeface="Arial" panose="020B0604020202020204" pitchFamily="34" charset="0"/>
-                <a:cs typeface="Arial" panose="020B0604020202020204" pitchFamily="34" charset="0"/>
-              </a:rPr>
-              <a:t>For example:</a:t>
-            </a:r>
-          </a:p>
-          <a:p>
-            <a:pPr marL="0" indent="0" defTabSz="685800" eaLnBrk="0" fontAlgn="base" hangingPunct="0">
-              <a:spcBef>
-                <a:spcPct val="0"/>
-              </a:spcBef>
-              <a:spcAft>
-                <a:spcPct val="0"/>
-              </a:spcAft>
-              <a:buNone/>
-            </a:pPr>
-            <a:endParaRPr lang="en-US" altLang="en-US" sz="2000" b="1" dirty="0">
-              <a:solidFill>
-                <a:srgbClr val="006699"/>
-              </a:solidFill>
-              <a:latin typeface="Ubuntu Mono"/>
-            </a:endParaRPr>
-          </a:p>
-          <a:p>
-            <a:pPr marL="0" indent="0" defTabSz="685800" eaLnBrk="0" fontAlgn="base" hangingPunct="0">
-              <a:spcBef>
-                <a:spcPct val="0"/>
-              </a:spcBef>
-              <a:spcAft>
-                <a:spcPct val="0"/>
-              </a:spcAft>
-              <a:buNone/>
-            </a:pPr>
-            <a:r>
-              <a:rPr lang="en-US" altLang="en-US" sz="2000" b="1" dirty="0">
-                <a:solidFill>
-                  <a:srgbClr val="006699"/>
-                </a:solidFill>
-                <a:latin typeface="Ubuntu Mono"/>
+            <a:r>
+              <a:rPr lang="en-US" b="1" dirty="0">
+                <a:solidFill>
+                  <a:schemeClr val="accent6">
+                    <a:lumMod val="75000"/>
+                  </a:schemeClr>
+                </a:solidFill>
+              </a:rPr>
+              <a:t>scope</a:t>
+            </a:r>
+            <a:r>
+              <a:rPr lang="en-US" b="1" dirty="0"/>
+              <a:t> = </a:t>
+            </a:r>
+            <a:r>
+              <a:rPr lang="en-US" b="1" dirty="0">
+                <a:solidFill>
+                  <a:srgbClr val="00B050"/>
+                </a:solidFill>
+              </a:rPr>
+              <a:t>"global "</a:t>
+            </a:r>
+            <a:r>
+              <a:rPr lang="en-US" b="1" dirty="0"/>
+              <a:t>;          // A global variable</a:t>
+            </a:r>
+          </a:p>
+          <a:p>
+            <a:r>
+              <a:rPr lang="en-US" b="1" dirty="0">
+                <a:solidFill>
+                  <a:srgbClr val="0070C0"/>
+                </a:solidFill>
               </a:rPr>
               <a:t>function</a:t>
             </a:r>
             <a:r>
-              <a:rPr lang="en-US" altLang="en-US" sz="2000" dirty="0">
-                <a:solidFill>
-                  <a:srgbClr val="000000"/>
-                </a:solidFill>
-                <a:latin typeface="Ubuntu Mono"/>
-              </a:rPr>
+              <a:rPr lang="en-US" b="1" dirty="0"/>
               <a:t> </a:t>
             </a:r>
             <a:r>
-              <a:rPr lang="en-US" altLang="en-US" sz="2000" dirty="0">
-                <a:solidFill>
-                  <a:srgbClr val="000088"/>
-                </a:solidFill>
-                <a:latin typeface="Ubuntu Mono"/>
-              </a:rPr>
-              <a:t>foo</a:t>
-            </a:r>
-            <a:r>
-              <a:rPr lang="en-US" altLang="en-US" sz="2000" dirty="0">
-                <a:solidFill>
-                  <a:srgbClr val="000000"/>
-                </a:solidFill>
-                <a:latin typeface="Ubuntu Mono"/>
-              </a:rPr>
-              <a:t>() { </a:t>
-            </a:r>
-            <a:endParaRPr lang="en-US" altLang="en-US" sz="2000" dirty="0" smtClean="0">
-              <a:solidFill>
-                <a:srgbClr val="000000"/>
-              </a:solidFill>
-              <a:latin typeface="Ubuntu Mono"/>
-            </a:endParaRPr>
-          </a:p>
-          <a:p>
-            <a:pPr marL="0" indent="0" defTabSz="685800" eaLnBrk="0" fontAlgn="base" hangingPunct="0">
-              <a:spcBef>
-                <a:spcPct val="0"/>
-              </a:spcBef>
-              <a:spcAft>
-                <a:spcPct val="0"/>
-              </a:spcAft>
-              <a:buNone/>
-            </a:pPr>
-            <a:r>
-              <a:rPr lang="en-US" altLang="en-US" sz="2000" b="1" dirty="0">
-                <a:solidFill>
-                  <a:srgbClr val="000000"/>
-                </a:solidFill>
-                <a:latin typeface="Ubuntu Mono"/>
-              </a:rPr>
+              <a:rPr lang="en-US" b="1" dirty="0">
+                <a:solidFill>
+                  <a:schemeClr val="accent6">
+                    <a:lumMod val="75000"/>
+                  </a:schemeClr>
+                </a:solidFill>
+              </a:rPr>
+              <a:t>outer</a:t>
+            </a:r>
+            <a:r>
+              <a:rPr lang="en-US" b="1" dirty="0"/>
+              <a:t>() {</a:t>
+            </a:r>
+          </a:p>
+          <a:p>
+            <a:r>
+              <a:rPr lang="en-US" b="1" dirty="0"/>
+              <a:t>	</a:t>
+            </a:r>
+            <a:r>
+              <a:rPr lang="en-US" b="1" dirty="0" err="1">
+                <a:solidFill>
+                  <a:srgbClr val="0070C0"/>
+                </a:solidFill>
+              </a:rPr>
+              <a:t>var</a:t>
+            </a:r>
+            <a:r>
+              <a:rPr lang="en-US" b="1" dirty="0"/>
               <a:t> </a:t>
             </a:r>
             <a:r>
-              <a:rPr lang="en-US" altLang="en-US" sz="2000" b="1" dirty="0" smtClean="0">
-                <a:solidFill>
-                  <a:srgbClr val="000000"/>
-                </a:solidFill>
-                <a:latin typeface="Ubuntu Mono"/>
-              </a:rPr>
-              <a:t>  </a:t>
-            </a:r>
-            <a:r>
-              <a:rPr lang="en-US" altLang="en-US" sz="2000" b="1" dirty="0" err="1" smtClean="0">
-                <a:solidFill>
-                  <a:srgbClr val="006699"/>
-                </a:solidFill>
-                <a:latin typeface="Ubuntu Mono"/>
+              <a:rPr lang="en-US" b="1" dirty="0">
+                <a:solidFill>
+                  <a:schemeClr val="accent6">
+                    <a:lumMod val="75000"/>
+                  </a:schemeClr>
+                </a:solidFill>
+              </a:rPr>
+              <a:t>scope</a:t>
+            </a:r>
+            <a:r>
+              <a:rPr lang="en-US" b="1" dirty="0"/>
+              <a:t> = </a:t>
+            </a:r>
+            <a:r>
+              <a:rPr lang="en-US" b="1" dirty="0" smtClean="0">
+                <a:solidFill>
+                  <a:srgbClr val="00B050"/>
+                </a:solidFill>
+              </a:rPr>
+              <a:t>“outer”</a:t>
+            </a:r>
+            <a:r>
+              <a:rPr lang="en-US" b="1" dirty="0" smtClean="0"/>
+              <a:t>;       </a:t>
+            </a:r>
+            <a:r>
+              <a:rPr lang="en-US" b="1" dirty="0"/>
+              <a:t>// A </a:t>
+            </a:r>
+            <a:r>
+              <a:rPr lang="en-US" b="1" dirty="0" smtClean="0"/>
+              <a:t>outer variable</a:t>
+            </a:r>
+            <a:endParaRPr lang="en-US" b="1" dirty="0"/>
+          </a:p>
+          <a:p>
+            <a:r>
+              <a:rPr lang="en-US" b="1" dirty="0"/>
+              <a:t>	</a:t>
+            </a:r>
+            <a:r>
+              <a:rPr lang="en-US" b="1" dirty="0">
+                <a:solidFill>
+                  <a:srgbClr val="0070C0"/>
+                </a:solidFill>
+              </a:rPr>
+              <a:t>function</a:t>
+            </a:r>
+            <a:r>
+              <a:rPr lang="en-US" b="1" dirty="0"/>
+              <a:t> </a:t>
+            </a:r>
+            <a:r>
+              <a:rPr lang="en-US" b="1" dirty="0">
+                <a:solidFill>
+                  <a:schemeClr val="accent6">
+                    <a:lumMod val="75000"/>
+                  </a:schemeClr>
+                </a:solidFill>
+              </a:rPr>
+              <a:t>inner</a:t>
+            </a:r>
+            <a:r>
+              <a:rPr lang="en-US" b="1" dirty="0"/>
+              <a:t>() {</a:t>
+            </a:r>
+          </a:p>
+          <a:p>
+            <a:r>
+              <a:rPr lang="en-US" b="1" dirty="0"/>
+              <a:t>		</a:t>
+            </a:r>
+            <a:r>
+              <a:rPr lang="en-US" b="1" dirty="0" err="1">
+                <a:solidFill>
+                  <a:srgbClr val="0070C0"/>
+                </a:solidFill>
               </a:rPr>
               <a:t>var</a:t>
             </a:r>
             <a:r>
-              <a:rPr lang="en-US" altLang="en-US" sz="2000" dirty="0" smtClean="0">
-                <a:solidFill>
-                  <a:srgbClr val="000000"/>
-                </a:solidFill>
-                <a:latin typeface="Ubuntu Mono"/>
-              </a:rPr>
+              <a:rPr lang="en-US" b="1" dirty="0"/>
               <a:t> </a:t>
             </a:r>
             <a:r>
-              <a:rPr lang="en-US" altLang="en-US" sz="2000" dirty="0">
-                <a:solidFill>
-                  <a:srgbClr val="000088"/>
-                </a:solidFill>
-                <a:latin typeface="Ubuntu Mono"/>
-              </a:rPr>
-              <a:t>x</a:t>
-            </a:r>
-            <a:r>
-              <a:rPr lang="en-US" altLang="en-US" sz="2000" dirty="0" smtClean="0">
-                <a:solidFill>
-                  <a:srgbClr val="000000"/>
-                </a:solidFill>
-                <a:latin typeface="Ubuntu Mono"/>
-              </a:rPr>
-              <a:t>;</a:t>
-            </a:r>
-          </a:p>
-          <a:p>
-            <a:pPr marL="0" indent="0" defTabSz="685800" eaLnBrk="0" fontAlgn="base" hangingPunct="0">
-              <a:spcBef>
-                <a:spcPct val="0"/>
-              </a:spcBef>
-              <a:spcAft>
-                <a:spcPct val="0"/>
-              </a:spcAft>
-              <a:buNone/>
-            </a:pPr>
-            <a:r>
-              <a:rPr lang="en-US" altLang="en-US" sz="2000" dirty="0" smtClean="0">
-                <a:solidFill>
-                  <a:srgbClr val="000000"/>
-                </a:solidFill>
-                <a:latin typeface="Ubuntu Mono"/>
-              </a:rPr>
+              <a:rPr lang="en-US" b="1" dirty="0">
+                <a:solidFill>
+                  <a:schemeClr val="accent6">
+                    <a:lumMod val="75000"/>
+                  </a:schemeClr>
+                </a:solidFill>
+              </a:rPr>
+              <a:t>scope</a:t>
+            </a:r>
+            <a:r>
+              <a:rPr lang="en-US" b="1" dirty="0"/>
+              <a:t> = </a:t>
+            </a:r>
+            <a:r>
+              <a:rPr lang="en-US" b="1" dirty="0" smtClean="0">
+                <a:solidFill>
+                  <a:srgbClr val="00B050"/>
+                </a:solidFill>
+              </a:rPr>
+              <a:t>“inner"</a:t>
+            </a:r>
+            <a:r>
+              <a:rPr lang="en-US" b="1" dirty="0" smtClean="0"/>
+              <a:t>; </a:t>
+            </a:r>
+          </a:p>
+          <a:p>
+            <a:r>
+              <a:rPr lang="en-US" b="1" dirty="0" smtClean="0"/>
+              <a:t>		</a:t>
+            </a:r>
+            <a:r>
+              <a:rPr lang="en-US" b="1" dirty="0" err="1" smtClean="0">
+                <a:solidFill>
+                  <a:schemeClr val="accent6">
+                    <a:lumMod val="75000"/>
+                  </a:schemeClr>
+                </a:solidFill>
+              </a:rPr>
+              <a:t>document</a:t>
+            </a:r>
+            <a:r>
+              <a:rPr lang="en-US" b="1" dirty="0" err="1" smtClean="0"/>
+              <a:t>.</a:t>
+            </a:r>
+            <a:r>
+              <a:rPr lang="en-US" b="1" dirty="0" err="1" smtClean="0">
+                <a:solidFill>
+                  <a:srgbClr val="0070C0"/>
+                </a:solidFill>
+              </a:rPr>
+              <a:t>write</a:t>
+            </a:r>
+            <a:r>
+              <a:rPr lang="en-US" b="1" dirty="0" smtClean="0"/>
+              <a:t>(</a:t>
+            </a:r>
+            <a:r>
+              <a:rPr lang="en-US" b="1" dirty="0" smtClean="0">
+                <a:solidFill>
+                  <a:schemeClr val="accent6">
+                    <a:lumMod val="75000"/>
+                  </a:schemeClr>
+                </a:solidFill>
+              </a:rPr>
+              <a:t>scope</a:t>
+            </a:r>
+            <a:r>
+              <a:rPr lang="en-US" b="1" dirty="0" smtClean="0"/>
+              <a:t>);       // </a:t>
+            </a:r>
+            <a:r>
+              <a:rPr lang="en-US" b="1" dirty="0"/>
+              <a:t>Prints </a:t>
+            </a:r>
+            <a:r>
+              <a:rPr lang="en-US" b="1" dirty="0" smtClean="0"/>
+              <a:t>"inner"</a:t>
+            </a:r>
+          </a:p>
+          <a:p>
+            <a:r>
+              <a:rPr lang="en-US" b="1" dirty="0"/>
+              <a:t>	}</a:t>
+            </a:r>
+          </a:p>
+          <a:p>
+            <a:r>
+              <a:rPr lang="en-US" b="1" dirty="0"/>
+              <a:t>	</a:t>
+            </a:r>
+            <a:r>
+              <a:rPr lang="en-US" b="1" dirty="0">
+                <a:solidFill>
+                  <a:srgbClr val="0070C0"/>
+                </a:solidFill>
+              </a:rPr>
+              <a:t>inner</a:t>
+            </a:r>
+            <a:r>
+              <a:rPr lang="en-US" b="1" dirty="0"/>
+              <a:t>();</a:t>
+            </a:r>
+          </a:p>
+          <a:p>
+            <a:r>
+              <a:rPr lang="en-US" b="1" dirty="0"/>
               <a:t>}</a:t>
             </a:r>
-            <a:r>
-              <a:rPr lang="en-US" altLang="en-US" sz="2000" dirty="0" smtClean="0"/>
-              <a:t> </a:t>
-            </a:r>
-            <a:endParaRPr lang="en-US" altLang="en-US" sz="2000" dirty="0">
-              <a:latin typeface="Arial" panose="020B0604020202020204" pitchFamily="34" charset="0"/>
-            </a:endParaRPr>
+          </a:p>
+          <a:p>
+            <a:r>
+              <a:rPr lang="en-US" b="1" dirty="0">
+                <a:solidFill>
+                  <a:srgbClr val="0070C0"/>
+                </a:solidFill>
+              </a:rPr>
+              <a:t>outer</a:t>
+            </a:r>
+            <a:r>
+              <a:rPr lang="en-US" b="1" dirty="0"/>
+              <a:t>();</a:t>
+            </a:r>
           </a:p>
         </p:txBody>
       </p:sp>
     </p:spTree>
     <p:extLst>
       <p:ext uri="{BB962C8B-B14F-4D97-AF65-F5344CB8AC3E}">
-        <p14:creationId xmlns:p14="http://schemas.microsoft.com/office/powerpoint/2010/main" val="3487932277"/>
+        <p14:creationId xmlns:p14="http://schemas.microsoft.com/office/powerpoint/2010/main" val="3390367152"/>
       </p:ext>
     </p:extLst>
   </p:cSld>
@@ -4896,1731 +5960,6 @@
           <a:bodyPr/>
           <a:lstStyle/>
           <a:p>
-            <a:endParaRPr lang="en-US"/>
-          </a:p>
-        </p:txBody>
-      </p:sp>
-      <p:sp>
-        <p:nvSpPr>
-          <p:cNvPr id="3" name="Content Placeholder 2"/>
-          <p:cNvSpPr>
-            <a:spLocks noGrp="1"/>
-          </p:cNvSpPr>
-          <p:nvPr>
-            <p:ph idx="1"/>
-          </p:nvPr>
-        </p:nvSpPr>
-        <p:spPr/>
-        <p:txBody>
-          <a:bodyPr/>
-          <a:lstStyle/>
-          <a:p>
-            <a:pPr marL="0" indent="0">
-              <a:buNone/>
-            </a:pPr>
-            <a:r>
-              <a:rPr lang="en-US" dirty="0" smtClean="0"/>
-              <a:t>	Scope </a:t>
-            </a:r>
-            <a:r>
-              <a:rPr lang="en-US" dirty="0"/>
-              <a:t>- is a logical boundaries in which a variable (or </a:t>
-            </a:r>
-            <a:r>
-              <a:rPr lang="en-US" dirty="0" smtClean="0"/>
-              <a:t>expression</a:t>
-            </a:r>
-            <a:r>
-              <a:rPr lang="en-US" dirty="0"/>
-              <a:t>) has its meaning. </a:t>
-            </a:r>
-          </a:p>
-          <a:p>
-            <a:pPr marL="0" indent="0">
-              <a:buNone/>
-            </a:pPr>
-            <a:r>
-              <a:rPr lang="en-US" dirty="0" smtClean="0"/>
-              <a:t>	For </a:t>
-            </a:r>
-            <a:r>
-              <a:rPr lang="en-US" dirty="0"/>
-              <a:t>example, a global variable, a local variable, </a:t>
-            </a:r>
-            <a:r>
-              <a:rPr lang="en-US" dirty="0" err="1"/>
-              <a:t>etc</a:t>
-            </a:r>
-            <a:r>
-              <a:rPr lang="en-US" dirty="0"/>
-              <a:t>, which generally reflects a logical range of a </a:t>
-            </a:r>
-            <a:r>
-              <a:rPr lang="en-US" dirty="0" smtClean="0"/>
-              <a:t>variable </a:t>
-            </a:r>
-            <a:r>
-              <a:rPr lang="en-US" dirty="0"/>
-              <a:t>lifetime.</a:t>
-            </a:r>
-          </a:p>
-          <a:p>
-            <a:pPr marL="0" indent="0">
-              <a:buNone/>
-            </a:pPr>
-            <a:endParaRPr lang="en-US" dirty="0"/>
-          </a:p>
-        </p:txBody>
-      </p:sp>
-    </p:spTree>
-    <p:extLst>
-      <p:ext uri="{BB962C8B-B14F-4D97-AF65-F5344CB8AC3E}">
-        <p14:creationId xmlns:p14="http://schemas.microsoft.com/office/powerpoint/2010/main" val="915147315"/>
-      </p:ext>
-    </p:extLst>
-  </p:cSld>
-  <p:clrMapOvr>
-    <a:masterClrMapping/>
-  </p:clrMapOvr>
-</p:sld>
-</file>
-
-<file path=ppt/slides/slide14.xml><?xml version="1.0" encoding="utf-8"?>
-<p:sld xmlns:a="http://schemas.openxmlformats.org/drawingml/2006/main" xmlns:r="http://schemas.openxmlformats.org/officeDocument/2006/relationships" xmlns:p="http://schemas.openxmlformats.org/presentationml/2006/main">
-  <p:cSld>
-    <p:spTree>
-      <p:nvGrpSpPr>
-        <p:cNvPr id="1" name=""/>
-        <p:cNvGrpSpPr/>
-        <p:nvPr/>
-      </p:nvGrpSpPr>
-      <p:grpSpPr>
-        <a:xfrm>
-          <a:off x="0" y="0"/>
-          <a:ext cx="0" cy="0"/>
-          <a:chOff x="0" y="0"/>
-          <a:chExt cx="0" cy="0"/>
-        </a:xfrm>
-      </p:grpSpPr>
-      <p:sp>
-        <p:nvSpPr>
-          <p:cNvPr id="2" name="Title 1"/>
-          <p:cNvSpPr>
-            <a:spLocks noGrp="1"/>
-          </p:cNvSpPr>
-          <p:nvPr>
-            <p:ph type="title"/>
-          </p:nvPr>
-        </p:nvSpPr>
-        <p:spPr/>
-        <p:txBody>
-          <a:bodyPr/>
-          <a:lstStyle/>
-          <a:p>
-            <a:r>
-              <a:rPr lang="en-US" dirty="0"/>
-              <a:t>Scope can be nested </a:t>
-            </a:r>
-          </a:p>
-        </p:txBody>
-      </p:sp>
-      <p:sp>
-        <p:nvSpPr>
-          <p:cNvPr id="4" name="Rectangle 1"/>
-          <p:cNvSpPr>
-            <a:spLocks noChangeArrowheads="1"/>
-          </p:cNvSpPr>
-          <p:nvPr/>
-        </p:nvSpPr>
-        <p:spPr bwMode="auto">
-          <a:xfrm>
-            <a:off x="3419872" y="1700808"/>
-            <a:ext cx="2220989" cy="2154436"/>
-          </a:xfrm>
-          <a:prstGeom prst="rect">
-            <a:avLst/>
-          </a:prstGeom>
-          <a:noFill/>
-          <a:ln>
-            <a:noFill/>
-          </a:ln>
-          <a:effectLst/>
-          <a:extLst>
-            <a:ext uri="{909E8E84-426E-40DD-AFC4-6F175D3DCCD1}">
-              <a14:hiddenFill xmlns:a14="http://schemas.microsoft.com/office/drawing/2010/main">
-                <a:solidFill>
-                  <a:schemeClr val="accent1"/>
-                </a:solidFill>
-              </a14:hiddenFill>
-            </a:ext>
-            <a:ext uri="{91240B29-F687-4F45-9708-019B960494DF}">
-              <a14:hiddenLine xmlns:a14="http://schemas.microsoft.com/office/drawing/2010/main" w="9525">
-                <a:solidFill>
-                  <a:schemeClr val="tx1"/>
-                </a:solidFill>
-                <a:miter lim="800000"/>
-                <a:headEnd/>
-                <a:tailEnd/>
-              </a14:hiddenLine>
-            </a:ext>
-            <a:ext uri="{AF507438-7753-43E0-B8FC-AC1667EBCBE1}">
-              <a14:hiddenEffects xmlns:a14="http://schemas.microsoft.com/office/drawing/2010/main">
-                <a:effectLst>
-                  <a:outerShdw dist="35921" dir="2700000" algn="ctr" rotWithShape="0">
-                    <a:schemeClr val="bg2"/>
-                  </a:outerShdw>
-                </a:effectLst>
-              </a14:hiddenEffects>
-            </a:ext>
-          </a:extLst>
-        </p:spPr>
-        <p:txBody>
-          <a:bodyPr vert="horz" wrap="square" lIns="0" tIns="0" rIns="0" bIns="0" numCol="1" anchor="ctr" anchorCtr="0" compatLnSpc="1">
-            <a:prstTxWarp prst="textNoShape">
-              <a:avLst/>
-            </a:prstTxWarp>
-            <a:spAutoFit/>
-          </a:bodyPr>
-          <a:lstStyle/>
-          <a:p>
-            <a:pPr marL="0" marR="0" lvl="0" indent="0" algn="l" defTabSz="914400" rtl="0" eaLnBrk="0" fontAlgn="base" latinLnBrk="0" hangingPunct="0">
-              <a:lnSpc>
-                <a:spcPct val="100000"/>
-              </a:lnSpc>
-              <a:spcBef>
-                <a:spcPct val="0"/>
-              </a:spcBef>
-              <a:spcAft>
-                <a:spcPct val="0"/>
-              </a:spcAft>
-              <a:buClrTx/>
-              <a:buSzTx/>
-              <a:buFontTx/>
-              <a:buNone/>
-              <a:tabLst/>
-            </a:pPr>
-            <a:r>
-              <a:rPr kumimoji="0" lang="en-US" altLang="en-US" sz="2000" b="1" i="0" u="none" strike="noStrike" cap="none" normalizeH="0" baseline="0" dirty="0" smtClean="0">
-                <a:ln>
-                  <a:noFill/>
-                </a:ln>
-                <a:solidFill>
-                  <a:srgbClr val="006699"/>
-                </a:solidFill>
-                <a:effectLst/>
-                <a:latin typeface="Ubuntu Mono"/>
-              </a:rPr>
-              <a:t>function</a:t>
-            </a:r>
-            <a:r>
-              <a:rPr kumimoji="0" lang="en-US" altLang="en-US" sz="2000" b="0" i="0" u="none" strike="noStrike" cap="none" normalizeH="0" baseline="0" dirty="0" smtClean="0">
-                <a:ln>
-                  <a:noFill/>
-                </a:ln>
-                <a:solidFill>
-                  <a:srgbClr val="000000"/>
-                </a:solidFill>
-                <a:effectLst/>
-                <a:latin typeface="Ubuntu Mono"/>
-              </a:rPr>
-              <a:t> </a:t>
-            </a:r>
-            <a:r>
-              <a:rPr kumimoji="0" lang="en-US" altLang="en-US" sz="2000" b="0" i="0" u="none" strike="noStrike" cap="none" normalizeH="0" baseline="0" dirty="0" smtClean="0">
-                <a:ln>
-                  <a:noFill/>
-                </a:ln>
-                <a:solidFill>
-                  <a:srgbClr val="000088"/>
-                </a:solidFill>
-                <a:effectLst/>
-                <a:latin typeface="Ubuntu Mono"/>
-              </a:rPr>
-              <a:t>f</a:t>
-            </a:r>
-            <a:r>
-              <a:rPr kumimoji="0" lang="en-US" altLang="en-US" sz="2000" b="0" i="0" u="none" strike="noStrike" cap="none" normalizeH="0" baseline="0" dirty="0" smtClean="0">
-                <a:ln>
-                  <a:noFill/>
-                </a:ln>
-                <a:solidFill>
-                  <a:srgbClr val="000000"/>
-                </a:solidFill>
-                <a:effectLst/>
-                <a:latin typeface="Ubuntu Mono"/>
-              </a:rPr>
-              <a:t>() {</a:t>
-            </a:r>
-          </a:p>
-          <a:p>
-            <a:pPr marL="0" marR="0" lvl="0" indent="0" algn="l" defTabSz="914400" rtl="0" eaLnBrk="0" fontAlgn="base" latinLnBrk="0" hangingPunct="0">
-              <a:lnSpc>
-                <a:spcPct val="100000"/>
-              </a:lnSpc>
-              <a:spcBef>
-                <a:spcPct val="0"/>
-              </a:spcBef>
-              <a:spcAft>
-                <a:spcPct val="0"/>
-              </a:spcAft>
-              <a:buClrTx/>
-              <a:buSzTx/>
-              <a:buFontTx/>
-              <a:buNone/>
-              <a:tabLst/>
-            </a:pPr>
-            <a:r>
-              <a:rPr lang="en-US" altLang="en-US" sz="2000" dirty="0">
-                <a:solidFill>
-                  <a:srgbClr val="000000"/>
-                </a:solidFill>
-                <a:latin typeface="Ubuntu Mono"/>
-              </a:rPr>
-              <a:t> </a:t>
-            </a:r>
-            <a:r>
-              <a:rPr lang="en-US" altLang="en-US" sz="2000" dirty="0" smtClean="0">
-                <a:solidFill>
-                  <a:srgbClr val="000000"/>
-                </a:solidFill>
-                <a:latin typeface="Ubuntu Mono"/>
-              </a:rPr>
-              <a:t>   </a:t>
-            </a:r>
-            <a:r>
-              <a:rPr lang="en-US" altLang="en-US" sz="2000" dirty="0" err="1" smtClean="0">
-                <a:solidFill>
-                  <a:srgbClr val="000000"/>
-                </a:solidFill>
-                <a:latin typeface="Ubuntu Mono"/>
-              </a:rPr>
-              <a:t>var</a:t>
-            </a:r>
-            <a:r>
-              <a:rPr lang="en-US" altLang="en-US" sz="2000" dirty="0" smtClean="0">
-                <a:solidFill>
-                  <a:srgbClr val="000000"/>
-                </a:solidFill>
-                <a:latin typeface="Ubuntu Mono"/>
-              </a:rPr>
-              <a:t> x = 2;</a:t>
-            </a:r>
-            <a:r>
-              <a:rPr kumimoji="0" lang="en-US" altLang="en-US" sz="2000" b="0" i="0" u="none" strike="noStrike" cap="none" normalizeH="0" baseline="0" dirty="0" smtClean="0">
-                <a:ln>
-                  <a:noFill/>
-                </a:ln>
-                <a:solidFill>
-                  <a:srgbClr val="000000"/>
-                </a:solidFill>
-                <a:effectLst/>
-                <a:latin typeface="Ubuntu Mono"/>
-              </a:rPr>
-              <a:t> </a:t>
-            </a:r>
-          </a:p>
-          <a:p>
-            <a:pPr marL="0" marR="0" lvl="0" indent="0" algn="l" defTabSz="914400" rtl="0" eaLnBrk="0" fontAlgn="base" latinLnBrk="0" hangingPunct="0">
-              <a:lnSpc>
-                <a:spcPct val="100000"/>
-              </a:lnSpc>
-              <a:spcBef>
-                <a:spcPct val="0"/>
-              </a:spcBef>
-              <a:spcAft>
-                <a:spcPct val="0"/>
-              </a:spcAft>
-              <a:buClrTx/>
-              <a:buSzTx/>
-              <a:buFontTx/>
-              <a:buNone/>
-              <a:tabLst/>
-            </a:pPr>
-            <a:r>
-              <a:rPr lang="en-US" altLang="en-US" sz="2000" dirty="0">
-                <a:solidFill>
-                  <a:srgbClr val="000000"/>
-                </a:solidFill>
-                <a:latin typeface="Ubuntu Mono"/>
-              </a:rPr>
-              <a:t> </a:t>
-            </a:r>
-            <a:r>
-              <a:rPr lang="en-US" altLang="en-US" sz="2000" dirty="0" smtClean="0">
-                <a:solidFill>
-                  <a:srgbClr val="000000"/>
-                </a:solidFill>
-                <a:latin typeface="Ubuntu Mono"/>
-              </a:rPr>
-              <a:t>   </a:t>
-            </a:r>
-            <a:r>
-              <a:rPr kumimoji="0" lang="en-US" altLang="en-US" sz="2000" b="1" i="0" u="none" strike="noStrike" cap="none" normalizeH="0" baseline="0" dirty="0" smtClean="0">
-                <a:ln>
-                  <a:noFill/>
-                </a:ln>
-                <a:solidFill>
-                  <a:srgbClr val="006699"/>
-                </a:solidFill>
-                <a:effectLst/>
-                <a:latin typeface="Ubuntu Mono"/>
-              </a:rPr>
-              <a:t>function</a:t>
-            </a:r>
-            <a:r>
-              <a:rPr kumimoji="0" lang="en-US" altLang="en-US" sz="2000" b="0" i="0" u="none" strike="noStrike" cap="none" normalizeH="0" baseline="0" dirty="0" smtClean="0">
-                <a:ln>
-                  <a:noFill/>
-                </a:ln>
-                <a:solidFill>
-                  <a:srgbClr val="000000"/>
-                </a:solidFill>
-                <a:effectLst/>
-                <a:latin typeface="Ubuntu Mono"/>
-              </a:rPr>
-              <a:t> </a:t>
-            </a:r>
-            <a:r>
-              <a:rPr kumimoji="0" lang="en-US" altLang="en-US" sz="2000" b="0" i="0" u="none" strike="noStrike" cap="none" normalizeH="0" baseline="0" dirty="0" smtClean="0">
-                <a:ln>
-                  <a:noFill/>
-                </a:ln>
-                <a:solidFill>
-                  <a:srgbClr val="000088"/>
-                </a:solidFill>
-                <a:effectLst/>
-                <a:latin typeface="Ubuntu Mono"/>
-              </a:rPr>
-              <a:t>g</a:t>
-            </a:r>
-            <a:r>
-              <a:rPr kumimoji="0" lang="en-US" altLang="en-US" sz="2000" b="0" i="0" u="none" strike="noStrike" cap="none" normalizeH="0" baseline="0" dirty="0" smtClean="0">
-                <a:ln>
-                  <a:noFill/>
-                </a:ln>
-                <a:solidFill>
-                  <a:srgbClr val="000000"/>
-                </a:solidFill>
-                <a:effectLst/>
-                <a:latin typeface="Ubuntu Mono"/>
-              </a:rPr>
-              <a:t>() {</a:t>
-            </a:r>
-          </a:p>
-          <a:p>
-            <a:pPr marL="0" marR="0" lvl="0" indent="0" algn="l" defTabSz="914400" rtl="0" eaLnBrk="0" fontAlgn="base" latinLnBrk="0" hangingPunct="0">
-              <a:lnSpc>
-                <a:spcPct val="100000"/>
-              </a:lnSpc>
-              <a:spcBef>
-                <a:spcPct val="0"/>
-              </a:spcBef>
-              <a:spcAft>
-                <a:spcPct val="0"/>
-              </a:spcAft>
-              <a:buClrTx/>
-              <a:buSzTx/>
-              <a:buFontTx/>
-              <a:buNone/>
-              <a:tabLst/>
-            </a:pPr>
-            <a:r>
-              <a:rPr lang="en-US" altLang="en-US" sz="2000" dirty="0">
-                <a:solidFill>
-                  <a:srgbClr val="000000"/>
-                </a:solidFill>
-                <a:latin typeface="Ubuntu Mono"/>
-              </a:rPr>
-              <a:t> </a:t>
-            </a:r>
-            <a:r>
-              <a:rPr lang="en-US" altLang="en-US" sz="2000" dirty="0" smtClean="0">
-                <a:solidFill>
-                  <a:srgbClr val="000000"/>
-                </a:solidFill>
-                <a:latin typeface="Ubuntu Mono"/>
-              </a:rPr>
-              <a:t>      </a:t>
-            </a:r>
-            <a:r>
-              <a:rPr lang="en-US" altLang="en-US" sz="2000" dirty="0" err="1" smtClean="0">
-                <a:solidFill>
-                  <a:srgbClr val="000000"/>
-                </a:solidFill>
-                <a:latin typeface="Ubuntu Mono"/>
-              </a:rPr>
-              <a:t>var</a:t>
-            </a:r>
-            <a:r>
-              <a:rPr lang="en-US" altLang="en-US" sz="2000" dirty="0" smtClean="0">
-                <a:solidFill>
-                  <a:srgbClr val="000000"/>
-                </a:solidFill>
-                <a:latin typeface="Ubuntu Mono"/>
-              </a:rPr>
-              <a:t> y = 3;</a:t>
-            </a:r>
-            <a:r>
-              <a:rPr kumimoji="0" lang="en-US" altLang="en-US" sz="2000" b="0" i="0" u="none" strike="noStrike" cap="none" normalizeH="0" baseline="0" dirty="0" smtClean="0">
-                <a:ln>
-                  <a:noFill/>
-                </a:ln>
-                <a:solidFill>
-                  <a:srgbClr val="000000"/>
-                </a:solidFill>
-                <a:effectLst/>
-                <a:latin typeface="Ubuntu Mono"/>
-              </a:rPr>
-              <a:t> </a:t>
-            </a:r>
-          </a:p>
-          <a:p>
-            <a:pPr marL="0" marR="0" lvl="0" indent="0" algn="l" defTabSz="914400" rtl="0" eaLnBrk="0" fontAlgn="base" latinLnBrk="0" hangingPunct="0">
-              <a:lnSpc>
-                <a:spcPct val="100000"/>
-              </a:lnSpc>
-              <a:spcBef>
-                <a:spcPct val="0"/>
-              </a:spcBef>
-              <a:spcAft>
-                <a:spcPct val="0"/>
-              </a:spcAft>
-              <a:buClrTx/>
-              <a:buSzTx/>
-              <a:buFontTx/>
-              <a:buNone/>
-              <a:tabLst/>
-            </a:pPr>
-            <a:r>
-              <a:rPr lang="en-US" altLang="en-US" sz="2000" dirty="0">
-                <a:solidFill>
-                  <a:srgbClr val="000000"/>
-                </a:solidFill>
-                <a:latin typeface="Ubuntu Mono"/>
-              </a:rPr>
-              <a:t> </a:t>
-            </a:r>
-            <a:r>
-              <a:rPr lang="en-US" altLang="en-US" sz="2000" dirty="0" smtClean="0">
-                <a:solidFill>
-                  <a:srgbClr val="000000"/>
-                </a:solidFill>
-                <a:latin typeface="Ubuntu Mono"/>
-              </a:rPr>
-              <a:t>      alert(x + y);</a:t>
-            </a:r>
-          </a:p>
-          <a:p>
-            <a:pPr marL="0" marR="0" lvl="0" indent="0" algn="l" defTabSz="914400" rtl="0" eaLnBrk="0" fontAlgn="base" latinLnBrk="0" hangingPunct="0">
-              <a:lnSpc>
-                <a:spcPct val="100000"/>
-              </a:lnSpc>
-              <a:spcBef>
-                <a:spcPct val="0"/>
-              </a:spcBef>
-              <a:spcAft>
-                <a:spcPct val="0"/>
-              </a:spcAft>
-              <a:buClrTx/>
-              <a:buSzTx/>
-              <a:buFontTx/>
-              <a:buNone/>
-              <a:tabLst/>
-            </a:pPr>
-            <a:r>
-              <a:rPr kumimoji="0" lang="en-US" altLang="en-US" sz="2000" b="0" i="0" u="none" strike="noStrike" cap="none" normalizeH="0" baseline="0" dirty="0" smtClean="0">
-                <a:ln>
-                  <a:noFill/>
-                </a:ln>
-                <a:solidFill>
-                  <a:srgbClr val="000000"/>
-                </a:solidFill>
-                <a:effectLst/>
-                <a:latin typeface="Ubuntu Mono"/>
-              </a:rPr>
-              <a:t>    } </a:t>
-            </a:r>
-          </a:p>
-          <a:p>
-            <a:pPr marL="0" marR="0" lvl="0" indent="0" algn="l" defTabSz="914400" rtl="0" eaLnBrk="0" fontAlgn="base" latinLnBrk="0" hangingPunct="0">
-              <a:lnSpc>
-                <a:spcPct val="100000"/>
-              </a:lnSpc>
-              <a:spcBef>
-                <a:spcPct val="0"/>
-              </a:spcBef>
-              <a:spcAft>
-                <a:spcPct val="0"/>
-              </a:spcAft>
-              <a:buClrTx/>
-              <a:buSzTx/>
-              <a:buFontTx/>
-              <a:buNone/>
-              <a:tabLst/>
-            </a:pPr>
-            <a:r>
-              <a:rPr kumimoji="0" lang="en-US" altLang="en-US" sz="2000" b="0" i="0" u="none" strike="noStrike" cap="none" normalizeH="0" baseline="0" dirty="0" smtClean="0">
-                <a:ln>
-                  <a:noFill/>
-                </a:ln>
-                <a:solidFill>
-                  <a:srgbClr val="000000"/>
-                </a:solidFill>
-                <a:effectLst/>
-                <a:latin typeface="Ubuntu Mono"/>
-              </a:rPr>
-              <a:t>}</a:t>
-            </a:r>
-            <a:r>
-              <a:rPr kumimoji="0" lang="en-US" altLang="en-US" sz="2000" b="0" i="0" u="none" strike="noStrike" cap="none" normalizeH="0" baseline="0" dirty="0" smtClean="0">
-                <a:ln>
-                  <a:noFill/>
-                </a:ln>
-                <a:solidFill>
-                  <a:schemeClr val="tx1"/>
-                </a:solidFill>
-                <a:effectLst/>
-              </a:rPr>
-              <a:t> </a:t>
-            </a:r>
-            <a:endParaRPr kumimoji="0" lang="en-US" altLang="en-US" sz="2000" b="0" i="0" u="none" strike="noStrike" cap="none" normalizeH="0" baseline="0" dirty="0" smtClean="0">
-              <a:ln>
-                <a:noFill/>
-              </a:ln>
-              <a:solidFill>
-                <a:schemeClr val="tx1"/>
-              </a:solidFill>
-              <a:effectLst/>
-              <a:latin typeface="Arial" panose="020B0604020202020204" pitchFamily="34" charset="0"/>
-            </a:endParaRPr>
-          </a:p>
-        </p:txBody>
-      </p:sp>
-    </p:spTree>
-    <p:extLst>
-      <p:ext uri="{BB962C8B-B14F-4D97-AF65-F5344CB8AC3E}">
-        <p14:creationId xmlns:p14="http://schemas.microsoft.com/office/powerpoint/2010/main" val="4153191648"/>
-      </p:ext>
-    </p:extLst>
-  </p:cSld>
-  <p:clrMapOvr>
-    <a:masterClrMapping/>
-  </p:clrMapOvr>
-  <p:timing>
-    <p:tnLst>
-      <p:par>
-        <p:cTn id="1" dur="indefinite" restart="never" nodeType="tmRoot"/>
-      </p:par>
-    </p:tnLst>
-  </p:timing>
-</p:sld>
-</file>
-
-<file path=ppt/slides/slide15.xml><?xml version="1.0" encoding="utf-8"?>
-<p:sld xmlns:a="http://schemas.openxmlformats.org/drawingml/2006/main" xmlns:r="http://schemas.openxmlformats.org/officeDocument/2006/relationships" xmlns:p="http://schemas.openxmlformats.org/presentationml/2006/main">
-  <p:cSld>
-    <p:spTree>
-      <p:nvGrpSpPr>
-        <p:cNvPr id="1" name=""/>
-        <p:cNvGrpSpPr/>
-        <p:nvPr/>
-      </p:nvGrpSpPr>
-      <p:grpSpPr>
-        <a:xfrm>
-          <a:off x="0" y="0"/>
-          <a:ext cx="0" cy="0"/>
-          <a:chOff x="0" y="0"/>
-          <a:chExt cx="0" cy="0"/>
-        </a:xfrm>
-      </p:grpSpPr>
-      <p:sp>
-        <p:nvSpPr>
-          <p:cNvPr id="2" name="Title 1"/>
-          <p:cNvSpPr>
-            <a:spLocks noGrp="1"/>
-          </p:cNvSpPr>
-          <p:nvPr>
-            <p:ph type="title"/>
-          </p:nvPr>
-        </p:nvSpPr>
-        <p:spPr/>
-        <p:txBody>
-          <a:bodyPr/>
-          <a:lstStyle/>
-          <a:p>
-            <a:r>
-              <a:rPr lang="en-US" dirty="0" smtClean="0"/>
-              <a:t>Nested Scope</a:t>
-            </a:r>
-            <a:endParaRPr lang="en-US" dirty="0"/>
-          </a:p>
-        </p:txBody>
-      </p:sp>
-      <p:sp>
-        <p:nvSpPr>
-          <p:cNvPr id="4" name="Rectangle 1"/>
-          <p:cNvSpPr>
-            <a:spLocks noChangeArrowheads="1"/>
-          </p:cNvSpPr>
-          <p:nvPr/>
-        </p:nvSpPr>
-        <p:spPr bwMode="auto">
-          <a:xfrm>
-            <a:off x="3419872" y="1700808"/>
-            <a:ext cx="2220989" cy="2154436"/>
-          </a:xfrm>
-          <a:prstGeom prst="rect">
-            <a:avLst/>
-          </a:prstGeom>
-          <a:noFill/>
-          <a:ln>
-            <a:noFill/>
-          </a:ln>
-          <a:effectLst/>
-          <a:extLst>
-            <a:ext uri="{909E8E84-426E-40DD-AFC4-6F175D3DCCD1}">
-              <a14:hiddenFill xmlns:a14="http://schemas.microsoft.com/office/drawing/2010/main">
-                <a:solidFill>
-                  <a:schemeClr val="accent1"/>
-                </a:solidFill>
-              </a14:hiddenFill>
-            </a:ext>
-            <a:ext uri="{91240B29-F687-4F45-9708-019B960494DF}">
-              <a14:hiddenLine xmlns:a14="http://schemas.microsoft.com/office/drawing/2010/main" w="9525">
-                <a:solidFill>
-                  <a:schemeClr val="tx1"/>
-                </a:solidFill>
-                <a:miter lim="800000"/>
-                <a:headEnd/>
-                <a:tailEnd/>
-              </a14:hiddenLine>
-            </a:ext>
-            <a:ext uri="{AF507438-7753-43E0-B8FC-AC1667EBCBE1}">
-              <a14:hiddenEffects xmlns:a14="http://schemas.microsoft.com/office/drawing/2010/main">
-                <a:effectLst>
-                  <a:outerShdw dist="35921" dir="2700000" algn="ctr" rotWithShape="0">
-                    <a:schemeClr val="bg2"/>
-                  </a:outerShdw>
-                </a:effectLst>
-              </a14:hiddenEffects>
-            </a:ext>
-          </a:extLst>
-        </p:spPr>
-        <p:txBody>
-          <a:bodyPr vert="horz" wrap="square" lIns="0" tIns="0" rIns="0" bIns="0" numCol="1" anchor="ctr" anchorCtr="0" compatLnSpc="1">
-            <a:prstTxWarp prst="textNoShape">
-              <a:avLst/>
-            </a:prstTxWarp>
-            <a:spAutoFit/>
-          </a:bodyPr>
-          <a:lstStyle/>
-          <a:p>
-            <a:pPr marL="0" marR="0" lvl="0" indent="0" algn="l" defTabSz="914400" rtl="0" eaLnBrk="0" fontAlgn="base" latinLnBrk="0" hangingPunct="0">
-              <a:lnSpc>
-                <a:spcPct val="100000"/>
-              </a:lnSpc>
-              <a:spcBef>
-                <a:spcPct val="0"/>
-              </a:spcBef>
-              <a:spcAft>
-                <a:spcPct val="0"/>
-              </a:spcAft>
-              <a:buClrTx/>
-              <a:buSzTx/>
-              <a:buFontTx/>
-              <a:buNone/>
-              <a:tabLst/>
-            </a:pPr>
-            <a:r>
-              <a:rPr kumimoji="0" lang="en-US" altLang="en-US" sz="2000" b="1" i="0" u="none" strike="noStrike" cap="none" normalizeH="0" baseline="0" dirty="0" smtClean="0">
-                <a:ln>
-                  <a:noFill/>
-                </a:ln>
-                <a:solidFill>
-                  <a:srgbClr val="006699"/>
-                </a:solidFill>
-                <a:effectLst/>
-                <a:latin typeface="Ubuntu Mono"/>
-              </a:rPr>
-              <a:t>function</a:t>
-            </a:r>
-            <a:r>
-              <a:rPr kumimoji="0" lang="en-US" altLang="en-US" sz="2000" b="0" i="0" u="none" strike="noStrike" cap="none" normalizeH="0" baseline="0" dirty="0" smtClean="0">
-                <a:ln>
-                  <a:noFill/>
-                </a:ln>
-                <a:solidFill>
-                  <a:srgbClr val="000000"/>
-                </a:solidFill>
-                <a:effectLst/>
-                <a:latin typeface="Ubuntu Mono"/>
-              </a:rPr>
-              <a:t> </a:t>
-            </a:r>
-            <a:r>
-              <a:rPr kumimoji="0" lang="en-US" altLang="en-US" sz="2000" b="0" i="0" u="none" strike="noStrike" cap="none" normalizeH="0" baseline="0" dirty="0" smtClean="0">
-                <a:ln>
-                  <a:noFill/>
-                </a:ln>
-                <a:solidFill>
-                  <a:srgbClr val="000088"/>
-                </a:solidFill>
-                <a:effectLst/>
-                <a:latin typeface="Ubuntu Mono"/>
-              </a:rPr>
-              <a:t>f</a:t>
-            </a:r>
-            <a:r>
-              <a:rPr kumimoji="0" lang="en-US" altLang="en-US" sz="2000" b="0" i="0" u="none" strike="noStrike" cap="none" normalizeH="0" baseline="0" dirty="0" smtClean="0">
-                <a:ln>
-                  <a:noFill/>
-                </a:ln>
-                <a:solidFill>
-                  <a:srgbClr val="000000"/>
-                </a:solidFill>
-                <a:effectLst/>
-                <a:latin typeface="Ubuntu Mono"/>
-              </a:rPr>
-              <a:t>() {</a:t>
-            </a:r>
-          </a:p>
-          <a:p>
-            <a:pPr marL="0" marR="0" lvl="0" indent="0" algn="l" defTabSz="914400" rtl="0" eaLnBrk="0" fontAlgn="base" latinLnBrk="0" hangingPunct="0">
-              <a:lnSpc>
-                <a:spcPct val="100000"/>
-              </a:lnSpc>
-              <a:spcBef>
-                <a:spcPct val="0"/>
-              </a:spcBef>
-              <a:spcAft>
-                <a:spcPct val="0"/>
-              </a:spcAft>
-              <a:buClrTx/>
-              <a:buSzTx/>
-              <a:buFontTx/>
-              <a:buNone/>
-              <a:tabLst/>
-            </a:pPr>
-            <a:r>
-              <a:rPr lang="en-US" altLang="en-US" sz="2000" dirty="0">
-                <a:solidFill>
-                  <a:srgbClr val="000000"/>
-                </a:solidFill>
-                <a:latin typeface="Ubuntu Mono"/>
-              </a:rPr>
-              <a:t> </a:t>
-            </a:r>
-            <a:r>
-              <a:rPr lang="en-US" altLang="en-US" sz="2000" dirty="0" smtClean="0">
-                <a:solidFill>
-                  <a:srgbClr val="000000"/>
-                </a:solidFill>
-                <a:latin typeface="Ubuntu Mono"/>
-              </a:rPr>
-              <a:t>   </a:t>
-            </a:r>
-            <a:r>
-              <a:rPr lang="en-US" altLang="en-US" sz="2000" dirty="0" err="1" smtClean="0">
-                <a:solidFill>
-                  <a:srgbClr val="000000"/>
-                </a:solidFill>
-                <a:latin typeface="Ubuntu Mono"/>
-              </a:rPr>
-              <a:t>var</a:t>
-            </a:r>
-            <a:r>
-              <a:rPr lang="en-US" altLang="en-US" sz="2000" dirty="0" smtClean="0">
-                <a:solidFill>
-                  <a:srgbClr val="000000"/>
-                </a:solidFill>
-                <a:latin typeface="Ubuntu Mono"/>
-              </a:rPr>
-              <a:t> x = 2;</a:t>
-            </a:r>
-            <a:r>
-              <a:rPr kumimoji="0" lang="en-US" altLang="en-US" sz="2000" b="0" i="0" u="none" strike="noStrike" cap="none" normalizeH="0" baseline="0" dirty="0" smtClean="0">
-                <a:ln>
-                  <a:noFill/>
-                </a:ln>
-                <a:solidFill>
-                  <a:srgbClr val="000000"/>
-                </a:solidFill>
-                <a:effectLst/>
-                <a:latin typeface="Ubuntu Mono"/>
-              </a:rPr>
-              <a:t> </a:t>
-            </a:r>
-          </a:p>
-          <a:p>
-            <a:pPr marL="0" marR="0" lvl="0" indent="0" algn="l" defTabSz="914400" rtl="0" eaLnBrk="0" fontAlgn="base" latinLnBrk="0" hangingPunct="0">
-              <a:lnSpc>
-                <a:spcPct val="100000"/>
-              </a:lnSpc>
-              <a:spcBef>
-                <a:spcPct val="0"/>
-              </a:spcBef>
-              <a:spcAft>
-                <a:spcPct val="0"/>
-              </a:spcAft>
-              <a:buClrTx/>
-              <a:buSzTx/>
-              <a:buFontTx/>
-              <a:buNone/>
-              <a:tabLst/>
-            </a:pPr>
-            <a:r>
-              <a:rPr lang="en-US" altLang="en-US" sz="2000" dirty="0">
-                <a:solidFill>
-                  <a:srgbClr val="000000"/>
-                </a:solidFill>
-                <a:latin typeface="Ubuntu Mono"/>
-              </a:rPr>
-              <a:t> </a:t>
-            </a:r>
-            <a:r>
-              <a:rPr lang="en-US" altLang="en-US" sz="2000" dirty="0" smtClean="0">
-                <a:solidFill>
-                  <a:srgbClr val="000000"/>
-                </a:solidFill>
-                <a:latin typeface="Ubuntu Mono"/>
-              </a:rPr>
-              <a:t>   </a:t>
-            </a:r>
-            <a:r>
-              <a:rPr kumimoji="0" lang="en-US" altLang="en-US" sz="2000" b="1" i="0" u="none" strike="noStrike" cap="none" normalizeH="0" baseline="0" dirty="0" smtClean="0">
-                <a:ln>
-                  <a:noFill/>
-                </a:ln>
-                <a:solidFill>
-                  <a:srgbClr val="006699"/>
-                </a:solidFill>
-                <a:effectLst/>
-                <a:latin typeface="Ubuntu Mono"/>
-              </a:rPr>
-              <a:t>function</a:t>
-            </a:r>
-            <a:r>
-              <a:rPr kumimoji="0" lang="en-US" altLang="en-US" sz="2000" b="0" i="0" u="none" strike="noStrike" cap="none" normalizeH="0" baseline="0" dirty="0" smtClean="0">
-                <a:ln>
-                  <a:noFill/>
-                </a:ln>
-                <a:solidFill>
-                  <a:srgbClr val="000000"/>
-                </a:solidFill>
-                <a:effectLst/>
-                <a:latin typeface="Ubuntu Mono"/>
-              </a:rPr>
-              <a:t> </a:t>
-            </a:r>
-            <a:r>
-              <a:rPr kumimoji="0" lang="en-US" altLang="en-US" sz="2000" b="0" i="0" u="none" strike="noStrike" cap="none" normalizeH="0" baseline="0" dirty="0" smtClean="0">
-                <a:ln>
-                  <a:noFill/>
-                </a:ln>
-                <a:solidFill>
-                  <a:srgbClr val="000088"/>
-                </a:solidFill>
-                <a:effectLst/>
-                <a:latin typeface="Ubuntu Mono"/>
-              </a:rPr>
-              <a:t>g</a:t>
-            </a:r>
-            <a:r>
-              <a:rPr kumimoji="0" lang="en-US" altLang="en-US" sz="2000" b="0" i="0" u="none" strike="noStrike" cap="none" normalizeH="0" baseline="0" dirty="0" smtClean="0">
-                <a:ln>
-                  <a:noFill/>
-                </a:ln>
-                <a:solidFill>
-                  <a:srgbClr val="000000"/>
-                </a:solidFill>
-                <a:effectLst/>
-                <a:latin typeface="Ubuntu Mono"/>
-              </a:rPr>
-              <a:t>() {</a:t>
-            </a:r>
-          </a:p>
-          <a:p>
-            <a:pPr marL="0" marR="0" lvl="0" indent="0" algn="l" defTabSz="914400" rtl="0" eaLnBrk="0" fontAlgn="base" latinLnBrk="0" hangingPunct="0">
-              <a:lnSpc>
-                <a:spcPct val="100000"/>
-              </a:lnSpc>
-              <a:spcBef>
-                <a:spcPct val="0"/>
-              </a:spcBef>
-              <a:spcAft>
-                <a:spcPct val="0"/>
-              </a:spcAft>
-              <a:buClrTx/>
-              <a:buSzTx/>
-              <a:buFontTx/>
-              <a:buNone/>
-              <a:tabLst/>
-            </a:pPr>
-            <a:r>
-              <a:rPr lang="en-US" altLang="en-US" sz="2000" dirty="0">
-                <a:solidFill>
-                  <a:srgbClr val="000000"/>
-                </a:solidFill>
-                <a:latin typeface="Ubuntu Mono"/>
-              </a:rPr>
-              <a:t> </a:t>
-            </a:r>
-            <a:r>
-              <a:rPr lang="en-US" altLang="en-US" sz="2000" dirty="0" smtClean="0">
-                <a:solidFill>
-                  <a:srgbClr val="000000"/>
-                </a:solidFill>
-                <a:latin typeface="Ubuntu Mono"/>
-              </a:rPr>
-              <a:t>      </a:t>
-            </a:r>
-            <a:r>
-              <a:rPr lang="en-US" altLang="en-US" sz="2000" dirty="0" err="1" smtClean="0">
-                <a:solidFill>
-                  <a:srgbClr val="000000"/>
-                </a:solidFill>
-                <a:latin typeface="Ubuntu Mono"/>
-              </a:rPr>
-              <a:t>var</a:t>
-            </a:r>
-            <a:r>
-              <a:rPr lang="en-US" altLang="en-US" sz="2000" dirty="0" smtClean="0">
-                <a:solidFill>
-                  <a:srgbClr val="000000"/>
-                </a:solidFill>
-                <a:latin typeface="Ubuntu Mono"/>
-              </a:rPr>
-              <a:t> y = 3;</a:t>
-            </a:r>
-            <a:r>
-              <a:rPr kumimoji="0" lang="en-US" altLang="en-US" sz="2000" b="0" i="0" u="none" strike="noStrike" cap="none" normalizeH="0" baseline="0" dirty="0" smtClean="0">
-                <a:ln>
-                  <a:noFill/>
-                </a:ln>
-                <a:solidFill>
-                  <a:srgbClr val="000000"/>
-                </a:solidFill>
-                <a:effectLst/>
-                <a:latin typeface="Ubuntu Mono"/>
-              </a:rPr>
-              <a:t> </a:t>
-            </a:r>
-          </a:p>
-          <a:p>
-            <a:pPr marL="0" marR="0" lvl="0" indent="0" algn="l" defTabSz="914400" rtl="0" eaLnBrk="0" fontAlgn="base" latinLnBrk="0" hangingPunct="0">
-              <a:lnSpc>
-                <a:spcPct val="100000"/>
-              </a:lnSpc>
-              <a:spcBef>
-                <a:spcPct val="0"/>
-              </a:spcBef>
-              <a:spcAft>
-                <a:spcPct val="0"/>
-              </a:spcAft>
-              <a:buClrTx/>
-              <a:buSzTx/>
-              <a:buFontTx/>
-              <a:buNone/>
-              <a:tabLst/>
-            </a:pPr>
-            <a:r>
-              <a:rPr lang="en-US" altLang="en-US" sz="2000" dirty="0">
-                <a:solidFill>
-                  <a:srgbClr val="000000"/>
-                </a:solidFill>
-                <a:latin typeface="Ubuntu Mono"/>
-              </a:rPr>
-              <a:t> </a:t>
-            </a:r>
-            <a:r>
-              <a:rPr lang="en-US" altLang="en-US" sz="2000" dirty="0" smtClean="0">
-                <a:solidFill>
-                  <a:srgbClr val="000000"/>
-                </a:solidFill>
-                <a:latin typeface="Ubuntu Mono"/>
-              </a:rPr>
-              <a:t>      alert(x + y);</a:t>
-            </a:r>
-          </a:p>
-          <a:p>
-            <a:pPr marL="0" marR="0" lvl="0" indent="0" algn="l" defTabSz="914400" rtl="0" eaLnBrk="0" fontAlgn="base" latinLnBrk="0" hangingPunct="0">
-              <a:lnSpc>
-                <a:spcPct val="100000"/>
-              </a:lnSpc>
-              <a:spcBef>
-                <a:spcPct val="0"/>
-              </a:spcBef>
-              <a:spcAft>
-                <a:spcPct val="0"/>
-              </a:spcAft>
-              <a:buClrTx/>
-              <a:buSzTx/>
-              <a:buFontTx/>
-              <a:buNone/>
-              <a:tabLst/>
-            </a:pPr>
-            <a:r>
-              <a:rPr kumimoji="0" lang="en-US" altLang="en-US" sz="2000" b="0" i="0" u="none" strike="noStrike" cap="none" normalizeH="0" baseline="0" dirty="0" smtClean="0">
-                <a:ln>
-                  <a:noFill/>
-                </a:ln>
-                <a:solidFill>
-                  <a:srgbClr val="000000"/>
-                </a:solidFill>
-                <a:effectLst/>
-                <a:latin typeface="Ubuntu Mono"/>
-              </a:rPr>
-              <a:t>    } </a:t>
-            </a:r>
-          </a:p>
-          <a:p>
-            <a:pPr marL="0" marR="0" lvl="0" indent="0" algn="l" defTabSz="914400" rtl="0" eaLnBrk="0" fontAlgn="base" latinLnBrk="0" hangingPunct="0">
-              <a:lnSpc>
-                <a:spcPct val="100000"/>
-              </a:lnSpc>
-              <a:spcBef>
-                <a:spcPct val="0"/>
-              </a:spcBef>
-              <a:spcAft>
-                <a:spcPct val="0"/>
-              </a:spcAft>
-              <a:buClrTx/>
-              <a:buSzTx/>
-              <a:buFontTx/>
-              <a:buNone/>
-              <a:tabLst/>
-            </a:pPr>
-            <a:r>
-              <a:rPr kumimoji="0" lang="en-US" altLang="en-US" sz="2000" b="0" i="0" u="none" strike="noStrike" cap="none" normalizeH="0" baseline="0" dirty="0" smtClean="0">
-                <a:ln>
-                  <a:noFill/>
-                </a:ln>
-                <a:solidFill>
-                  <a:srgbClr val="000000"/>
-                </a:solidFill>
-                <a:effectLst/>
-                <a:latin typeface="Ubuntu Mono"/>
-              </a:rPr>
-              <a:t>}</a:t>
-            </a:r>
-            <a:r>
-              <a:rPr kumimoji="0" lang="en-US" altLang="en-US" sz="2000" b="0" i="0" u="none" strike="noStrike" cap="none" normalizeH="0" baseline="0" dirty="0" smtClean="0">
-                <a:ln>
-                  <a:noFill/>
-                </a:ln>
-                <a:solidFill>
-                  <a:schemeClr val="tx1"/>
-                </a:solidFill>
-                <a:effectLst/>
-              </a:rPr>
-              <a:t> </a:t>
-            </a:r>
-            <a:endParaRPr kumimoji="0" lang="en-US" altLang="en-US" sz="2000" b="0" i="0" u="none" strike="noStrike" cap="none" normalizeH="0" baseline="0" dirty="0" smtClean="0">
-              <a:ln>
-                <a:noFill/>
-              </a:ln>
-              <a:solidFill>
-                <a:schemeClr val="tx1"/>
-              </a:solidFill>
-              <a:effectLst/>
-              <a:latin typeface="Arial" panose="020B0604020202020204" pitchFamily="34" charset="0"/>
-            </a:endParaRPr>
-          </a:p>
-        </p:txBody>
-      </p:sp>
-      <p:sp>
-        <p:nvSpPr>
-          <p:cNvPr id="3" name="Right Brace 2"/>
-          <p:cNvSpPr/>
-          <p:nvPr/>
-        </p:nvSpPr>
-        <p:spPr>
-          <a:xfrm>
-            <a:off x="5411657" y="2449488"/>
-            <a:ext cx="365760" cy="1005840"/>
-          </a:xfrm>
-          <a:prstGeom prst="rightBrace">
-            <a:avLst/>
-          </a:prstGeom>
-          <a:ln w="22225">
-            <a:solidFill>
-              <a:schemeClr val="tx1"/>
-            </a:solidFill>
-          </a:ln>
-        </p:spPr>
-        <p:style>
-          <a:lnRef idx="1">
-            <a:schemeClr val="accent1"/>
-          </a:lnRef>
-          <a:fillRef idx="0">
-            <a:schemeClr val="accent1"/>
-          </a:fillRef>
-          <a:effectRef idx="0">
-            <a:schemeClr val="accent1"/>
-          </a:effectRef>
-          <a:fontRef idx="minor">
-            <a:schemeClr val="tx1"/>
-          </a:fontRef>
-        </p:style>
-        <p:txBody>
-          <a:bodyPr rtlCol="0" anchor="ctr"/>
-          <a:lstStyle/>
-          <a:p>
-            <a:pPr algn="ctr"/>
-            <a:endParaRPr lang="en-US"/>
-          </a:p>
-        </p:txBody>
-      </p:sp>
-      <p:sp>
-        <p:nvSpPr>
-          <p:cNvPr id="5" name="TextBox 4"/>
-          <p:cNvSpPr txBox="1"/>
-          <p:nvPr/>
-        </p:nvSpPr>
-        <p:spPr>
-          <a:xfrm>
-            <a:off x="5915713" y="2767662"/>
-            <a:ext cx="1274388" cy="369332"/>
-          </a:xfrm>
-          <a:prstGeom prst="rect">
-            <a:avLst/>
-          </a:prstGeom>
-          <a:noFill/>
-        </p:spPr>
-        <p:txBody>
-          <a:bodyPr wrap="none" rtlCol="0">
-            <a:spAutoFit/>
-          </a:bodyPr>
-          <a:lstStyle/>
-          <a:p>
-            <a:r>
-              <a:rPr lang="en-US" dirty="0" smtClean="0"/>
-              <a:t>inner scope</a:t>
-            </a:r>
-            <a:endParaRPr lang="en-US" dirty="0"/>
-          </a:p>
-        </p:txBody>
-      </p:sp>
-      <p:sp>
-        <p:nvSpPr>
-          <p:cNvPr id="7" name="Right Brace 6"/>
-          <p:cNvSpPr/>
-          <p:nvPr/>
-        </p:nvSpPr>
-        <p:spPr>
-          <a:xfrm rot="10800000">
-            <a:off x="2627784" y="1844824"/>
-            <a:ext cx="444322" cy="1965312"/>
-          </a:xfrm>
-          <a:prstGeom prst="rightBrace">
-            <a:avLst/>
-          </a:prstGeom>
-          <a:ln w="22225">
-            <a:solidFill>
-              <a:schemeClr val="tx1"/>
-            </a:solidFill>
-          </a:ln>
-        </p:spPr>
-        <p:style>
-          <a:lnRef idx="1">
-            <a:schemeClr val="accent1"/>
-          </a:lnRef>
-          <a:fillRef idx="0">
-            <a:schemeClr val="accent1"/>
-          </a:fillRef>
-          <a:effectRef idx="0">
-            <a:schemeClr val="accent1"/>
-          </a:effectRef>
-          <a:fontRef idx="minor">
-            <a:schemeClr val="tx1"/>
-          </a:fontRef>
-        </p:style>
-        <p:txBody>
-          <a:bodyPr rtlCol="0" anchor="ctr"/>
-          <a:lstStyle/>
-          <a:p>
-            <a:pPr algn="ctr"/>
-            <a:endParaRPr lang="en-US"/>
-          </a:p>
-        </p:txBody>
-      </p:sp>
-      <p:sp>
-        <p:nvSpPr>
-          <p:cNvPr id="8" name="TextBox 7"/>
-          <p:cNvSpPr txBox="1"/>
-          <p:nvPr/>
-        </p:nvSpPr>
-        <p:spPr>
-          <a:xfrm>
-            <a:off x="1214539" y="2642814"/>
-            <a:ext cx="1295932" cy="369332"/>
-          </a:xfrm>
-          <a:prstGeom prst="rect">
-            <a:avLst/>
-          </a:prstGeom>
-          <a:noFill/>
-        </p:spPr>
-        <p:txBody>
-          <a:bodyPr wrap="none" rtlCol="0">
-            <a:spAutoFit/>
-          </a:bodyPr>
-          <a:lstStyle/>
-          <a:p>
-            <a:r>
-              <a:rPr lang="en-US" dirty="0"/>
-              <a:t>o</a:t>
-            </a:r>
-            <a:r>
-              <a:rPr lang="en-US" dirty="0" smtClean="0"/>
-              <a:t>uter scope</a:t>
-            </a:r>
-            <a:endParaRPr lang="en-US" dirty="0"/>
-          </a:p>
-        </p:txBody>
-      </p:sp>
-    </p:spTree>
-    <p:extLst>
-      <p:ext uri="{BB962C8B-B14F-4D97-AF65-F5344CB8AC3E}">
-        <p14:creationId xmlns:p14="http://schemas.microsoft.com/office/powerpoint/2010/main" val="4069679040"/>
-      </p:ext>
-    </p:extLst>
-  </p:cSld>
-  <p:clrMapOvr>
-    <a:masterClrMapping/>
-  </p:clrMapOvr>
-  <p:timing>
-    <p:tnLst>
-      <p:par>
-        <p:cTn id="1" dur="indefinite" restart="never" nodeType="tmRoot"/>
-      </p:par>
-    </p:tnLst>
-  </p:timing>
-</p:sld>
-</file>
-
-<file path=ppt/slides/slide16.xml><?xml version="1.0" encoding="utf-8"?>
-<p:sld xmlns:a="http://schemas.openxmlformats.org/drawingml/2006/main" xmlns:r="http://schemas.openxmlformats.org/officeDocument/2006/relationships" xmlns:p="http://schemas.openxmlformats.org/presentationml/2006/main">
-  <p:cSld>
-    <p:spTree>
-      <p:nvGrpSpPr>
-        <p:cNvPr id="1" name=""/>
-        <p:cNvGrpSpPr/>
-        <p:nvPr/>
-      </p:nvGrpSpPr>
-      <p:grpSpPr>
-        <a:xfrm>
-          <a:off x="0" y="0"/>
-          <a:ext cx="0" cy="0"/>
-          <a:chOff x="0" y="0"/>
-          <a:chExt cx="0" cy="0"/>
-        </a:xfrm>
-      </p:grpSpPr>
-      <p:sp>
-        <p:nvSpPr>
-          <p:cNvPr id="2" name="Title 1"/>
-          <p:cNvSpPr>
-            <a:spLocks noGrp="1"/>
-          </p:cNvSpPr>
-          <p:nvPr>
-            <p:ph type="title"/>
-          </p:nvPr>
-        </p:nvSpPr>
-        <p:spPr/>
-        <p:txBody>
-          <a:bodyPr/>
-          <a:lstStyle/>
-          <a:p>
-            <a:r>
-              <a:rPr lang="en-US" dirty="0" smtClean="0"/>
-              <a:t>Shadowing</a:t>
-            </a:r>
-            <a:endParaRPr lang="en-US" dirty="0"/>
-          </a:p>
-        </p:txBody>
-      </p:sp>
-      <p:sp>
-        <p:nvSpPr>
-          <p:cNvPr id="4" name="Rectangle 3"/>
-          <p:cNvSpPr/>
-          <p:nvPr/>
-        </p:nvSpPr>
-        <p:spPr>
-          <a:xfrm>
-            <a:off x="457200" y="1556792"/>
-            <a:ext cx="8429684" cy="2862322"/>
-          </a:xfrm>
-          <a:prstGeom prst="rect">
-            <a:avLst/>
-          </a:prstGeom>
-        </p:spPr>
-        <p:style>
-          <a:lnRef idx="1">
-            <a:schemeClr val="dk1"/>
-          </a:lnRef>
-          <a:fillRef idx="1001">
-            <a:schemeClr val="lt2"/>
-          </a:fillRef>
-          <a:effectRef idx="1">
-            <a:schemeClr val="dk1"/>
-          </a:effectRef>
-          <a:fontRef idx="minor">
-            <a:schemeClr val="dk1"/>
-          </a:fontRef>
-        </p:style>
-        <p:txBody>
-          <a:bodyPr wrap="square">
-            <a:spAutoFit/>
-          </a:bodyPr>
-          <a:lstStyle/>
-          <a:p>
-            <a:r>
-              <a:rPr lang="en-US" b="1" dirty="0" err="1">
-                <a:solidFill>
-                  <a:srgbClr val="0070C0"/>
-                </a:solidFill>
-              </a:rPr>
-              <a:t>var</a:t>
-            </a:r>
-            <a:r>
-              <a:rPr lang="en-US" b="1" dirty="0"/>
-              <a:t> </a:t>
-            </a:r>
-            <a:r>
-              <a:rPr lang="en-US" b="1" dirty="0">
-                <a:solidFill>
-                  <a:schemeClr val="accent6">
-                    <a:lumMod val="75000"/>
-                  </a:schemeClr>
-                </a:solidFill>
-              </a:rPr>
-              <a:t>scope</a:t>
-            </a:r>
-            <a:r>
-              <a:rPr lang="en-US" b="1" dirty="0"/>
-              <a:t> = </a:t>
-            </a:r>
-            <a:r>
-              <a:rPr lang="en-US" b="1" dirty="0">
-                <a:solidFill>
-                  <a:srgbClr val="00B050"/>
-                </a:solidFill>
-              </a:rPr>
-              <a:t>"global "</a:t>
-            </a:r>
-            <a:r>
-              <a:rPr lang="en-US" b="1" dirty="0"/>
-              <a:t>;          // A global variable</a:t>
-            </a:r>
-          </a:p>
-          <a:p>
-            <a:r>
-              <a:rPr lang="en-US" b="1" dirty="0">
-                <a:solidFill>
-                  <a:srgbClr val="0070C0"/>
-                </a:solidFill>
-              </a:rPr>
-              <a:t>function</a:t>
-            </a:r>
-            <a:r>
-              <a:rPr lang="en-US" b="1" dirty="0"/>
-              <a:t> </a:t>
-            </a:r>
-            <a:r>
-              <a:rPr lang="en-US" b="1" dirty="0">
-                <a:solidFill>
-                  <a:schemeClr val="accent6">
-                    <a:lumMod val="75000"/>
-                  </a:schemeClr>
-                </a:solidFill>
-              </a:rPr>
-              <a:t>outer</a:t>
-            </a:r>
-            <a:r>
-              <a:rPr lang="en-US" b="1" dirty="0"/>
-              <a:t>() {</a:t>
-            </a:r>
-          </a:p>
-          <a:p>
-            <a:r>
-              <a:rPr lang="en-US" b="1" dirty="0"/>
-              <a:t>	</a:t>
-            </a:r>
-            <a:r>
-              <a:rPr lang="en-US" b="1" dirty="0" err="1">
-                <a:solidFill>
-                  <a:srgbClr val="0070C0"/>
-                </a:solidFill>
-              </a:rPr>
-              <a:t>var</a:t>
-            </a:r>
-            <a:r>
-              <a:rPr lang="en-US" b="1" dirty="0"/>
-              <a:t> </a:t>
-            </a:r>
-            <a:r>
-              <a:rPr lang="en-US" b="1" dirty="0">
-                <a:solidFill>
-                  <a:schemeClr val="accent6">
-                    <a:lumMod val="75000"/>
-                  </a:schemeClr>
-                </a:solidFill>
-              </a:rPr>
-              <a:t>scope</a:t>
-            </a:r>
-            <a:r>
-              <a:rPr lang="en-US" b="1" dirty="0"/>
-              <a:t> = </a:t>
-            </a:r>
-            <a:r>
-              <a:rPr lang="en-US" b="1" dirty="0" smtClean="0">
-                <a:solidFill>
-                  <a:srgbClr val="00B050"/>
-                </a:solidFill>
-              </a:rPr>
-              <a:t>“outer”</a:t>
-            </a:r>
-            <a:r>
-              <a:rPr lang="en-US" b="1" dirty="0" smtClean="0"/>
-              <a:t>;       </a:t>
-            </a:r>
-            <a:r>
-              <a:rPr lang="en-US" b="1" dirty="0"/>
-              <a:t>// A </a:t>
-            </a:r>
-            <a:r>
-              <a:rPr lang="en-US" b="1" dirty="0" smtClean="0"/>
-              <a:t>outer variable</a:t>
-            </a:r>
-            <a:endParaRPr lang="en-US" b="1" dirty="0"/>
-          </a:p>
-          <a:p>
-            <a:r>
-              <a:rPr lang="en-US" b="1" dirty="0"/>
-              <a:t>	</a:t>
-            </a:r>
-            <a:r>
-              <a:rPr lang="en-US" b="1" dirty="0">
-                <a:solidFill>
-                  <a:srgbClr val="0070C0"/>
-                </a:solidFill>
-              </a:rPr>
-              <a:t>function</a:t>
-            </a:r>
-            <a:r>
-              <a:rPr lang="en-US" b="1" dirty="0"/>
-              <a:t> </a:t>
-            </a:r>
-            <a:r>
-              <a:rPr lang="en-US" b="1" dirty="0">
-                <a:solidFill>
-                  <a:schemeClr val="accent6">
-                    <a:lumMod val="75000"/>
-                  </a:schemeClr>
-                </a:solidFill>
-              </a:rPr>
-              <a:t>inner</a:t>
-            </a:r>
-            <a:r>
-              <a:rPr lang="en-US" b="1" dirty="0"/>
-              <a:t>() {</a:t>
-            </a:r>
-          </a:p>
-          <a:p>
-            <a:r>
-              <a:rPr lang="en-US" b="1" dirty="0"/>
-              <a:t>		</a:t>
-            </a:r>
-            <a:r>
-              <a:rPr lang="en-US" b="1" dirty="0" err="1">
-                <a:solidFill>
-                  <a:srgbClr val="0070C0"/>
-                </a:solidFill>
-              </a:rPr>
-              <a:t>var</a:t>
-            </a:r>
-            <a:r>
-              <a:rPr lang="en-US" b="1" dirty="0"/>
-              <a:t> </a:t>
-            </a:r>
-            <a:r>
-              <a:rPr lang="en-US" b="1" dirty="0">
-                <a:solidFill>
-                  <a:schemeClr val="accent6">
-                    <a:lumMod val="75000"/>
-                  </a:schemeClr>
-                </a:solidFill>
-              </a:rPr>
-              <a:t>scope</a:t>
-            </a:r>
-            <a:r>
-              <a:rPr lang="en-US" b="1" dirty="0"/>
-              <a:t> = </a:t>
-            </a:r>
-            <a:r>
-              <a:rPr lang="en-US" b="1" dirty="0" smtClean="0">
-                <a:solidFill>
-                  <a:srgbClr val="00B050"/>
-                </a:solidFill>
-              </a:rPr>
-              <a:t>“inner"</a:t>
-            </a:r>
-            <a:r>
-              <a:rPr lang="en-US" b="1" dirty="0" smtClean="0"/>
-              <a:t>; </a:t>
-            </a:r>
-          </a:p>
-          <a:p>
-            <a:r>
-              <a:rPr lang="en-US" b="1" dirty="0" smtClean="0"/>
-              <a:t>		</a:t>
-            </a:r>
-            <a:r>
-              <a:rPr lang="en-US" b="1" dirty="0" err="1" smtClean="0">
-                <a:solidFill>
-                  <a:schemeClr val="accent6">
-                    <a:lumMod val="75000"/>
-                  </a:schemeClr>
-                </a:solidFill>
-              </a:rPr>
-              <a:t>document</a:t>
-            </a:r>
-            <a:r>
-              <a:rPr lang="en-US" b="1" dirty="0" err="1" smtClean="0"/>
-              <a:t>.</a:t>
-            </a:r>
-            <a:r>
-              <a:rPr lang="en-US" b="1" dirty="0" err="1" smtClean="0">
-                <a:solidFill>
-                  <a:srgbClr val="0070C0"/>
-                </a:solidFill>
-              </a:rPr>
-              <a:t>write</a:t>
-            </a:r>
-            <a:r>
-              <a:rPr lang="en-US" b="1" dirty="0" smtClean="0"/>
-              <a:t>(</a:t>
-            </a:r>
-            <a:r>
-              <a:rPr lang="en-US" b="1" dirty="0" smtClean="0">
-                <a:solidFill>
-                  <a:schemeClr val="accent6">
-                    <a:lumMod val="75000"/>
-                  </a:schemeClr>
-                </a:solidFill>
-              </a:rPr>
-              <a:t>scope</a:t>
-            </a:r>
-            <a:r>
-              <a:rPr lang="en-US" b="1" dirty="0" smtClean="0"/>
-              <a:t>);       // </a:t>
-            </a:r>
-            <a:r>
-              <a:rPr lang="en-US" b="1" dirty="0"/>
-              <a:t>Prints </a:t>
-            </a:r>
-            <a:r>
-              <a:rPr lang="en-US" b="1" dirty="0" smtClean="0"/>
-              <a:t>"inner"</a:t>
-            </a:r>
-          </a:p>
-          <a:p>
-            <a:r>
-              <a:rPr lang="en-US" b="1" dirty="0"/>
-              <a:t>	}</a:t>
-            </a:r>
-          </a:p>
-          <a:p>
-            <a:r>
-              <a:rPr lang="en-US" b="1" dirty="0"/>
-              <a:t>	</a:t>
-            </a:r>
-            <a:r>
-              <a:rPr lang="en-US" b="1" dirty="0">
-                <a:solidFill>
-                  <a:srgbClr val="0070C0"/>
-                </a:solidFill>
-              </a:rPr>
-              <a:t>inner</a:t>
-            </a:r>
-            <a:r>
-              <a:rPr lang="en-US" b="1" dirty="0"/>
-              <a:t>();</a:t>
-            </a:r>
-          </a:p>
-          <a:p>
-            <a:r>
-              <a:rPr lang="en-US" b="1" dirty="0"/>
-              <a:t>}</a:t>
-            </a:r>
-          </a:p>
-          <a:p>
-            <a:r>
-              <a:rPr lang="en-US" b="1" dirty="0">
-                <a:solidFill>
-                  <a:srgbClr val="0070C0"/>
-                </a:solidFill>
-              </a:rPr>
-              <a:t>outer</a:t>
-            </a:r>
-            <a:r>
-              <a:rPr lang="en-US" b="1" dirty="0"/>
-              <a:t>();</a:t>
-            </a:r>
-          </a:p>
-        </p:txBody>
-      </p:sp>
-    </p:spTree>
-    <p:extLst>
-      <p:ext uri="{BB962C8B-B14F-4D97-AF65-F5344CB8AC3E}">
-        <p14:creationId xmlns:p14="http://schemas.microsoft.com/office/powerpoint/2010/main" val="3390367152"/>
-      </p:ext>
-    </p:extLst>
-  </p:cSld>
-  <p:clrMapOvr>
-    <a:masterClrMapping/>
-  </p:clrMapOvr>
-  <p:timing>
-    <p:tnLst>
-      <p:par>
-        <p:cTn id="1" dur="indefinite" restart="never" nodeType="tmRoot"/>
-      </p:par>
-    </p:tnLst>
-  </p:timing>
-</p:sld>
-</file>
-
-<file path=ppt/slides/slide17.xml><?xml version="1.0" encoding="utf-8"?>
-<p:sld xmlns:a="http://schemas.openxmlformats.org/drawingml/2006/main" xmlns:r="http://schemas.openxmlformats.org/officeDocument/2006/relationships" xmlns:p="http://schemas.openxmlformats.org/presentationml/2006/main">
-  <p:cSld>
-    <p:spTree>
-      <p:nvGrpSpPr>
-        <p:cNvPr id="1" name=""/>
-        <p:cNvGrpSpPr/>
-        <p:nvPr/>
-      </p:nvGrpSpPr>
-      <p:grpSpPr>
-        <a:xfrm>
-          <a:off x="0" y="0"/>
-          <a:ext cx="0" cy="0"/>
-          <a:chOff x="0" y="0"/>
-          <a:chExt cx="0" cy="0"/>
-        </a:xfrm>
-      </p:grpSpPr>
-      <p:sp>
-        <p:nvSpPr>
-          <p:cNvPr id="2" name="Title 1"/>
-          <p:cNvSpPr>
-            <a:spLocks noGrp="1"/>
-          </p:cNvSpPr>
-          <p:nvPr>
-            <p:ph type="title"/>
-          </p:nvPr>
-        </p:nvSpPr>
-        <p:spPr/>
-        <p:txBody>
-          <a:bodyPr/>
-          <a:lstStyle/>
-          <a:p>
             <a:r>
               <a:rPr lang="en-US" dirty="0" smtClean="0"/>
               <a:t>Shadowing</a:t>
@@ -6936,7 +6275,7 @@
 </p:sld>
 </file>
 
-<file path=ppt/slides/slide18.xml><?xml version="1.0" encoding="utf-8"?>
+<file path=ppt/slides/slide14.xml><?xml version="1.0" encoding="utf-8"?>
 <p:sld xmlns:a="http://schemas.openxmlformats.org/drawingml/2006/main" xmlns:r="http://schemas.openxmlformats.org/officeDocument/2006/relationships" xmlns:p="http://schemas.openxmlformats.org/presentationml/2006/main">
   <p:cSld>
     <p:spTree>
@@ -7230,7 +6569,7 @@
 </p:sld>
 </file>
 
-<file path=ppt/slides/slide19.xml><?xml version="1.0" encoding="utf-8"?>
+<file path=ppt/slides/slide15.xml><?xml version="1.0" encoding="utf-8"?>
 <p:sld xmlns:a="http://schemas.openxmlformats.org/drawingml/2006/main" xmlns:r="http://schemas.openxmlformats.org/officeDocument/2006/relationships" xmlns:p="http://schemas.openxmlformats.org/presentationml/2006/main">
   <p:cSld>
     <p:spTree>
@@ -7883,146 +7222,7 @@
 </p:sld>
 </file>
 
-<file path=ppt/slides/slide2.xml><?xml version="1.0" encoding="utf-8"?>
-<p:sld xmlns:a="http://schemas.openxmlformats.org/drawingml/2006/main" xmlns:r="http://schemas.openxmlformats.org/officeDocument/2006/relationships" xmlns:p="http://schemas.openxmlformats.org/presentationml/2006/main">
-  <p:cSld>
-    <p:spTree>
-      <p:nvGrpSpPr>
-        <p:cNvPr id="1" name=""/>
-        <p:cNvGrpSpPr/>
-        <p:nvPr/>
-      </p:nvGrpSpPr>
-      <p:grpSpPr>
-        <a:xfrm>
-          <a:off x="0" y="0"/>
-          <a:ext cx="0" cy="0"/>
-          <a:chOff x="0" y="0"/>
-          <a:chExt cx="0" cy="0"/>
-        </a:xfrm>
-      </p:grpSpPr>
-      <p:sp>
-        <p:nvSpPr>
-          <p:cNvPr id="2" name="Title 1"/>
-          <p:cNvSpPr>
-            <a:spLocks noGrp="1"/>
-          </p:cNvSpPr>
-          <p:nvPr>
-            <p:ph type="title"/>
-          </p:nvPr>
-        </p:nvSpPr>
-        <p:spPr/>
-        <p:txBody>
-          <a:bodyPr>
-            <a:normAutofit fontScale="90000"/>
-          </a:bodyPr>
-          <a:lstStyle/>
-          <a:p>
-            <a:r>
-              <a:rPr lang="en-US" dirty="0"/>
-              <a:t>ECMAScript </a:t>
-            </a:r>
-            <a:r>
-              <a:rPr lang="en-US" dirty="0" smtClean="0"/>
-              <a:t>versions and our course</a:t>
-            </a:r>
-            <a:endParaRPr lang="en-US" dirty="0"/>
-          </a:p>
-        </p:txBody>
-      </p:sp>
-      <p:sp>
-        <p:nvSpPr>
-          <p:cNvPr id="3" name="Content Placeholder 2"/>
-          <p:cNvSpPr>
-            <a:spLocks noGrp="1"/>
-          </p:cNvSpPr>
-          <p:nvPr>
-            <p:ph idx="1"/>
-          </p:nvPr>
-        </p:nvSpPr>
-        <p:spPr/>
-        <p:txBody>
-          <a:bodyPr/>
-          <a:lstStyle/>
-          <a:p>
-            <a:pPr marL="0" indent="0">
-              <a:buNone/>
-            </a:pPr>
-            <a:r>
-              <a:rPr lang="en-US" dirty="0" smtClean="0"/>
-              <a:t>ES3 (</a:t>
-            </a:r>
-            <a:r>
-              <a:rPr lang="en-US" i="1" dirty="0" smtClean="0"/>
-              <a:t>1999</a:t>
-            </a:r>
-            <a:r>
-              <a:rPr lang="en-US" dirty="0" smtClean="0"/>
-              <a:t>)</a:t>
-            </a:r>
-          </a:p>
-          <a:p>
-            <a:pPr marL="0" indent="0">
-              <a:buNone/>
-            </a:pPr>
-            <a:r>
-              <a:rPr lang="en-US" i="1" strike="sngStrike" dirty="0" smtClean="0"/>
-              <a:t>ES4</a:t>
-            </a:r>
-            <a:r>
-              <a:rPr lang="en-US" i="1" strike="sngStrike" dirty="0"/>
-              <a:t> </a:t>
-            </a:r>
-            <a:r>
-              <a:rPr lang="en-US" i="1" strike="sngStrike" dirty="0" smtClean="0"/>
-              <a:t>(2008)</a:t>
-            </a:r>
-            <a:br>
-              <a:rPr lang="en-US" i="1" strike="sngStrike" dirty="0" smtClean="0"/>
-            </a:br>
-            <a:r>
-              <a:rPr lang="en-US" i="1" dirty="0" smtClean="0"/>
-              <a:t>ES5 or ES3.1 (2009)</a:t>
-            </a:r>
-          </a:p>
-          <a:p>
-            <a:pPr marL="0" indent="0">
-              <a:buNone/>
-            </a:pPr>
-            <a:r>
-              <a:rPr lang="en-US" i="1" dirty="0" smtClean="0"/>
-              <a:t>ES6 (2015)</a:t>
-            </a:r>
-            <a:endParaRPr lang="en-US" dirty="0" smtClean="0"/>
-          </a:p>
-          <a:p>
-            <a:pPr marL="0" indent="0">
-              <a:buNone/>
-            </a:pPr>
-            <a:endParaRPr lang="en-US" dirty="0" smtClean="0"/>
-          </a:p>
-        </p:txBody>
-      </p:sp>
-    </p:spTree>
-    <p:extLst>
-      <p:ext uri="{BB962C8B-B14F-4D97-AF65-F5344CB8AC3E}">
-        <p14:creationId xmlns:p14="http://schemas.microsoft.com/office/powerpoint/2010/main" val="4111666403"/>
-      </p:ext>
-    </p:extLst>
-  </p:cSld>
-  <p:clrMapOvr>
-    <a:masterClrMapping/>
-  </p:clrMapOvr>
-  <p:timing>
-    <p:tnLst>
-      <p:par>
-        <p:cTn id="1" dur="indefinite" restart="never" nodeType="tmRoot"/>
-      </p:par>
-    </p:tnLst>
-  </p:timing>
-</p:sld>
-</file>
-
-<file path=ppt/slides/slide20.xml><?xml version="1.0" encoding="utf-8"?>
+<file path=ppt/slides/slide16.xml><?xml version="1.0" encoding="utf-8"?>
 <p:sld xmlns:a="http://schemas.openxmlformats.org/drawingml/2006/main" xmlns:r="http://schemas.openxmlformats.org/officeDocument/2006/relationships" xmlns:p="http://schemas.openxmlformats.org/presentationml/2006/main">
   <p:cSld>
     <p:spTree>
@@ -8115,7 +7315,7 @@
 </p:sld>
 </file>
 
-<file path=ppt/slides/slide21.xml><?xml version="1.0" encoding="utf-8"?>
+<file path=ppt/slides/slide17.xml><?xml version="1.0" encoding="utf-8"?>
 <p:sld xmlns:a="http://schemas.openxmlformats.org/drawingml/2006/main" xmlns:r="http://schemas.openxmlformats.org/officeDocument/2006/relationships" xmlns:p="http://schemas.openxmlformats.org/presentationml/2006/main">
   <p:cSld>
     <p:spTree>
@@ -8685,7 +7885,7 @@
 </p:sld>
 </file>
 
-<file path=ppt/slides/slide22.xml><?xml version="1.0" encoding="utf-8"?>
+<file path=ppt/slides/slide18.xml><?xml version="1.0" encoding="utf-8"?>
 <p:sld xmlns:a="http://schemas.openxmlformats.org/drawingml/2006/main" xmlns:r="http://schemas.openxmlformats.org/officeDocument/2006/relationships" xmlns:p="http://schemas.openxmlformats.org/presentationml/2006/main">
   <p:cSld>
     <p:spTree>
@@ -9324,7 +8524,7 @@
 </p:sld>
 </file>
 
-<file path=ppt/slides/slide23.xml><?xml version="1.0" encoding="utf-8"?>
+<file path=ppt/slides/slide19.xml><?xml version="1.0" encoding="utf-8"?>
 <p:sld xmlns:a="http://schemas.openxmlformats.org/drawingml/2006/main" xmlns:r="http://schemas.openxmlformats.org/officeDocument/2006/relationships" xmlns:p="http://schemas.openxmlformats.org/presentationml/2006/main">
   <p:cSld>
     <p:spTree>
@@ -10036,7 +9236,92 @@
 </p:sld>
 </file>
 
-<file path=ppt/slides/slide24.xml><?xml version="1.0" encoding="utf-8"?>
+<file path=ppt/slides/slide2.xml><?xml version="1.0" encoding="utf-8"?>
+<p:sld xmlns:a="http://schemas.openxmlformats.org/drawingml/2006/main" xmlns:r="http://schemas.openxmlformats.org/officeDocument/2006/relationships" xmlns:p="http://schemas.openxmlformats.org/presentationml/2006/main">
+  <p:cSld>
+    <p:spTree>
+      <p:nvGrpSpPr>
+        <p:cNvPr id="1" name=""/>
+        <p:cNvGrpSpPr/>
+        <p:nvPr/>
+      </p:nvGrpSpPr>
+      <p:grpSpPr>
+        <a:xfrm>
+          <a:off x="0" y="0"/>
+          <a:ext cx="0" cy="0"/>
+          <a:chOff x="0" y="0"/>
+          <a:chExt cx="0" cy="0"/>
+        </a:xfrm>
+      </p:grpSpPr>
+      <p:sp>
+        <p:nvSpPr>
+          <p:cNvPr id="2" name="Title 1"/>
+          <p:cNvSpPr>
+            <a:spLocks noGrp="1"/>
+          </p:cNvSpPr>
+          <p:nvPr>
+            <p:ph type="title"/>
+          </p:nvPr>
+        </p:nvSpPr>
+        <p:spPr/>
+        <p:txBody>
+          <a:bodyPr/>
+          <a:lstStyle/>
+          <a:p>
+            <a:endParaRPr lang="en-US"/>
+          </a:p>
+        </p:txBody>
+      </p:sp>
+      <p:pic>
+        <p:nvPicPr>
+          <p:cNvPr id="4" name="Content Placeholder 3"/>
+          <p:cNvPicPr>
+            <a:picLocks noGrp="1" noChangeAspect="1"/>
+          </p:cNvPicPr>
+          <p:nvPr>
+            <p:ph idx="1"/>
+          </p:nvPr>
+        </p:nvPicPr>
+        <p:blipFill>
+          <a:blip r:embed="rId2" cstate="print">
+            <a:extLst>
+              <a:ext uri="{28A0092B-C50C-407E-A947-70E740481C1C}">
+                <a14:useLocalDpi xmlns:a14="http://schemas.microsoft.com/office/drawing/2010/main" val="0"/>
+              </a:ext>
+            </a:extLst>
+          </a:blip>
+          <a:stretch>
+            <a:fillRect/>
+          </a:stretch>
+        </p:blipFill>
+        <p:spPr>
+          <a:xfrm>
+            <a:off x="2555776" y="161255"/>
+            <a:ext cx="4464496" cy="6696745"/>
+          </a:xfrm>
+        </p:spPr>
+      </p:pic>
+    </p:spTree>
+    <p:extLst>
+      <p:ext uri="{BB962C8B-B14F-4D97-AF65-F5344CB8AC3E}">
+        <p14:creationId xmlns:p14="http://schemas.microsoft.com/office/powerpoint/2010/main" val="1870532998"/>
+      </p:ext>
+    </p:extLst>
+  </p:cSld>
+  <p:clrMapOvr>
+    <a:masterClrMapping/>
+  </p:clrMapOvr>
+  <p:timing>
+    <p:tnLst>
+      <p:par>
+        <p:cTn id="1" dur="indefinite" restart="never" nodeType="tmRoot"/>
+      </p:par>
+    </p:tnLst>
+  </p:timing>
+</p:sld>
+</file>
+
+<file path=ppt/slides/slide20.xml><?xml version="1.0" encoding="utf-8"?>
 <p:sld xmlns:a="http://schemas.openxmlformats.org/drawingml/2006/main" xmlns:r="http://schemas.openxmlformats.org/officeDocument/2006/relationships" xmlns:p="http://schemas.openxmlformats.org/presentationml/2006/main">
   <p:cSld>
     <p:spTree>
@@ -10604,7 +9889,7 @@
 </p:sld>
 </file>
 
-<file path=ppt/slides/slide25.xml><?xml version="1.0" encoding="utf-8"?>
+<file path=ppt/slides/slide21.xml><?xml version="1.0" encoding="utf-8"?>
 <p:sld xmlns:a="http://schemas.openxmlformats.org/drawingml/2006/main" xmlns:r="http://schemas.openxmlformats.org/officeDocument/2006/relationships" xmlns:p="http://schemas.openxmlformats.org/presentationml/2006/main">
   <p:cSld>
     <p:spTree>
@@ -10873,7 +10158,7 @@
 </p:sld>
 </file>
 
-<file path=ppt/slides/slide26.xml><?xml version="1.0" encoding="utf-8"?>
+<file path=ppt/slides/slide22.xml><?xml version="1.0" encoding="utf-8"?>
 <p:sld xmlns:a="http://schemas.openxmlformats.org/drawingml/2006/main" xmlns:r="http://schemas.openxmlformats.org/officeDocument/2006/relationships" xmlns:p="http://schemas.openxmlformats.org/presentationml/2006/main">
   <p:cSld>
     <p:spTree>
@@ -12006,7 +11291,7 @@
 </p:sld>
 </file>
 
-<file path=ppt/slides/slide27.xml><?xml version="1.0" encoding="utf-8"?>
+<file path=ppt/slides/slide23.xml><?xml version="1.0" encoding="utf-8"?>
 <p:sld xmlns:a="http://schemas.openxmlformats.org/drawingml/2006/main" xmlns:r="http://schemas.openxmlformats.org/officeDocument/2006/relationships" xmlns:p="http://schemas.openxmlformats.org/presentationml/2006/main">
   <p:cSld>
     <p:spTree>
@@ -12255,6 +11540,1344 @@
     <p:extLst>
       <p:ext uri="{BB962C8B-B14F-4D97-AF65-F5344CB8AC3E}">
         <p14:creationId xmlns:p14="http://schemas.microsoft.com/office/powerpoint/2010/main" val="4081271682"/>
+      </p:ext>
+    </p:extLst>
+  </p:cSld>
+  <p:clrMapOvr>
+    <a:masterClrMapping/>
+  </p:clrMapOvr>
+  <p:transition/>
+  <p:timing>
+    <p:tnLst>
+      <p:par>
+        <p:cTn id="1" dur="indefinite" restart="never" nodeType="tmRoot"/>
+      </p:par>
+    </p:tnLst>
+  </p:timing>
+</p:sld>
+</file>
+
+<file path=ppt/slides/slide24.xml><?xml version="1.0" encoding="utf-8"?>
+<p:sld xmlns:a="http://schemas.openxmlformats.org/drawingml/2006/main" xmlns:r="http://schemas.openxmlformats.org/officeDocument/2006/relationships" xmlns:p="http://schemas.openxmlformats.org/presentationml/2006/main">
+  <p:cSld>
+    <p:spTree>
+      <p:nvGrpSpPr>
+        <p:cNvPr id="1" name=""/>
+        <p:cNvGrpSpPr/>
+        <p:nvPr/>
+      </p:nvGrpSpPr>
+      <p:grpSpPr>
+        <a:xfrm>
+          <a:off x="0" y="0"/>
+          <a:ext cx="0" cy="0"/>
+          <a:chOff x="0" y="0"/>
+          <a:chExt cx="0" cy="0"/>
+        </a:xfrm>
+      </p:grpSpPr>
+      <p:sp>
+        <p:nvSpPr>
+          <p:cNvPr id="2" name="Title 1"/>
+          <p:cNvSpPr>
+            <a:spLocks noGrp="1"/>
+          </p:cNvSpPr>
+          <p:nvPr>
+            <p:ph type="title"/>
+          </p:nvPr>
+        </p:nvSpPr>
+        <p:spPr/>
+        <p:txBody>
+          <a:bodyPr/>
+          <a:lstStyle/>
+          <a:p>
+            <a:r>
+              <a:rPr lang="en-US" dirty="0" smtClean="0"/>
+              <a:t>Global object (WAT)</a:t>
+            </a:r>
+            <a:endParaRPr lang="en-US" dirty="0"/>
+          </a:p>
+        </p:txBody>
+      </p:sp>
+      <p:sp>
+        <p:nvSpPr>
+          <p:cNvPr id="6" name="Rectangle 5"/>
+          <p:cNvSpPr/>
+          <p:nvPr/>
+        </p:nvSpPr>
+        <p:spPr>
+          <a:xfrm>
+            <a:off x="481141" y="1548526"/>
+            <a:ext cx="7259211" cy="1754326"/>
+          </a:xfrm>
+          <a:prstGeom prst="rect">
+            <a:avLst/>
+          </a:prstGeom>
+        </p:spPr>
+        <p:style>
+          <a:lnRef idx="1">
+            <a:schemeClr val="dk1"/>
+          </a:lnRef>
+          <a:fillRef idx="1001">
+            <a:schemeClr val="lt2"/>
+          </a:fillRef>
+          <a:effectRef idx="1">
+            <a:schemeClr val="dk1"/>
+          </a:effectRef>
+          <a:fontRef idx="minor">
+            <a:schemeClr val="dk1"/>
+          </a:fontRef>
+        </p:style>
+        <p:txBody>
+          <a:bodyPr wrap="square">
+            <a:spAutoFit/>
+          </a:bodyPr>
+          <a:lstStyle/>
+          <a:p>
+            <a:r>
+              <a:rPr lang="en-US" b="1" dirty="0" smtClean="0">
+                <a:solidFill>
+                  <a:srgbClr val="0070C0"/>
+                </a:solidFill>
+              </a:rPr>
+              <a:t>function </a:t>
+            </a:r>
+            <a:r>
+              <a:rPr lang="en-US" b="1" dirty="0">
+                <a:solidFill>
+                  <a:schemeClr val="tx1"/>
+                </a:solidFill>
+              </a:rPr>
+              <a:t>f</a:t>
+            </a:r>
+            <a:r>
+              <a:rPr lang="en-US" b="1" dirty="0" smtClean="0"/>
+              <a:t>(){</a:t>
+            </a:r>
+            <a:endParaRPr lang="en-US" b="1" dirty="0"/>
+          </a:p>
+          <a:p>
+            <a:r>
+              <a:rPr lang="en-US" b="1" dirty="0" smtClean="0"/>
+              <a:t>     x = </a:t>
+            </a:r>
+            <a:r>
+              <a:rPr lang="en-US" b="1" dirty="0"/>
+              <a:t>“</a:t>
+            </a:r>
+            <a:r>
+              <a:rPr lang="en-US" b="1" dirty="0" smtClean="0"/>
+              <a:t>global variable</a:t>
+            </a:r>
+            <a:r>
+              <a:rPr lang="en-US" b="1" dirty="0"/>
+              <a:t>”; </a:t>
+            </a:r>
+            <a:r>
+              <a:rPr lang="en-US" b="1" dirty="0">
+                <a:solidFill>
+                  <a:schemeClr val="bg1">
+                    <a:lumMod val="50000"/>
+                  </a:schemeClr>
+                </a:solidFill>
+              </a:rPr>
+              <a:t>// </a:t>
+            </a:r>
+            <a:r>
+              <a:rPr lang="en-US" b="1" dirty="0" err="1">
+                <a:solidFill>
+                  <a:schemeClr val="bg1">
+                    <a:lumMod val="50000"/>
+                  </a:schemeClr>
+                </a:solidFill>
+              </a:rPr>
+              <a:t>var</a:t>
+            </a:r>
+            <a:r>
+              <a:rPr lang="en-US" b="1" dirty="0">
+                <a:solidFill>
+                  <a:schemeClr val="bg1">
+                    <a:lumMod val="50000"/>
+                  </a:schemeClr>
+                </a:solidFill>
+              </a:rPr>
+              <a:t> </a:t>
+            </a:r>
+            <a:r>
+              <a:rPr lang="en-US" b="1" dirty="0" smtClean="0">
+                <a:solidFill>
+                  <a:schemeClr val="bg1">
+                    <a:lumMod val="50000"/>
+                  </a:schemeClr>
+                </a:solidFill>
+              </a:rPr>
+              <a:t>is missed</a:t>
+            </a:r>
+            <a:endParaRPr lang="en-US" b="1" dirty="0">
+              <a:solidFill>
+                <a:schemeClr val="bg1">
+                  <a:lumMod val="50000"/>
+                </a:schemeClr>
+              </a:solidFill>
+            </a:endParaRPr>
+          </a:p>
+          <a:p>
+            <a:r>
+              <a:rPr lang="en-US" b="1" dirty="0"/>
+              <a:t>}</a:t>
+            </a:r>
+          </a:p>
+          <a:p>
+            <a:r>
+              <a:rPr lang="en-US" b="1" dirty="0">
+                <a:solidFill>
+                  <a:schemeClr val="tx1"/>
+                </a:solidFill>
+              </a:rPr>
+              <a:t>f</a:t>
+            </a:r>
+            <a:r>
+              <a:rPr lang="en-US" b="1" dirty="0" smtClean="0"/>
+              <a:t>();</a:t>
+            </a:r>
+          </a:p>
+          <a:p>
+            <a:r>
+              <a:rPr lang="en-US" b="1" dirty="0" err="1" smtClean="0">
+                <a:solidFill>
+                  <a:srgbClr val="FF0000"/>
+                </a:solidFill>
+              </a:rPr>
+              <a:t>this</a:t>
+            </a:r>
+            <a:r>
+              <a:rPr lang="en-US" b="1" dirty="0" err="1" smtClean="0"/>
+              <a:t>.x</a:t>
+            </a:r>
+            <a:r>
+              <a:rPr lang="en-US" b="1" dirty="0" smtClean="0"/>
+              <a:t> === “global variable”;</a:t>
+            </a:r>
+          </a:p>
+          <a:p>
+            <a:r>
+              <a:rPr lang="en-US" b="1" dirty="0" err="1" smtClean="0">
+                <a:solidFill>
+                  <a:srgbClr val="FF0000"/>
+                </a:solidFill>
+              </a:rPr>
+              <a:t>window</a:t>
+            </a:r>
+            <a:r>
+              <a:rPr lang="en-US" b="1" dirty="0" err="1" smtClean="0"/>
+              <a:t>.x</a:t>
+            </a:r>
+            <a:r>
+              <a:rPr lang="en-US" b="1" dirty="0" smtClean="0"/>
+              <a:t> </a:t>
+            </a:r>
+            <a:r>
+              <a:rPr lang="en-US" b="1" dirty="0"/>
+              <a:t>===  “global variable</a:t>
+            </a:r>
+            <a:r>
+              <a:rPr lang="en-US" b="1" dirty="0" smtClean="0"/>
+              <a:t>”; </a:t>
+            </a:r>
+            <a:r>
+              <a:rPr lang="en-US" dirty="0">
+                <a:solidFill>
+                  <a:schemeClr val="bg1">
+                    <a:lumMod val="50000"/>
+                  </a:schemeClr>
+                </a:solidFill>
+              </a:rPr>
+              <a:t>// true for browsers</a:t>
+            </a:r>
+            <a:endParaRPr lang="en-US" b="1" dirty="0"/>
+          </a:p>
+        </p:txBody>
+      </p:sp>
+    </p:spTree>
+    <p:extLst>
+      <p:ext uri="{BB962C8B-B14F-4D97-AF65-F5344CB8AC3E}">
+        <p14:creationId xmlns:p14="http://schemas.microsoft.com/office/powerpoint/2010/main" val="2973190636"/>
+      </p:ext>
+    </p:extLst>
+  </p:cSld>
+  <p:clrMapOvr>
+    <a:masterClrMapping/>
+  </p:clrMapOvr>
+  <p:timing>
+    <p:tnLst>
+      <p:par>
+        <p:cTn id="1" dur="indefinite" restart="never" nodeType="tmRoot"/>
+      </p:par>
+    </p:tnLst>
+  </p:timing>
+</p:sld>
+</file>
+
+<file path=ppt/slides/slide25.xml><?xml version="1.0" encoding="utf-8"?>
+<p:sld xmlns:a="http://schemas.openxmlformats.org/drawingml/2006/main" xmlns:r="http://schemas.openxmlformats.org/officeDocument/2006/relationships" xmlns:p="http://schemas.openxmlformats.org/presentationml/2006/main">
+  <p:cSld>
+    <p:spTree>
+      <p:nvGrpSpPr>
+        <p:cNvPr id="1" name=""/>
+        <p:cNvGrpSpPr/>
+        <p:nvPr/>
+      </p:nvGrpSpPr>
+      <p:grpSpPr>
+        <a:xfrm>
+          <a:off x="0" y="0"/>
+          <a:ext cx="0" cy="0"/>
+          <a:chOff x="0" y="0"/>
+          <a:chExt cx="0" cy="0"/>
+        </a:xfrm>
+      </p:grpSpPr>
+      <p:sp>
+        <p:nvSpPr>
+          <p:cNvPr id="2" name="Title 1"/>
+          <p:cNvSpPr>
+            <a:spLocks noGrp="1"/>
+          </p:cNvSpPr>
+          <p:nvPr>
+            <p:ph type="title"/>
+          </p:nvPr>
+        </p:nvSpPr>
+        <p:spPr/>
+        <p:txBody>
+          <a:bodyPr/>
+          <a:lstStyle/>
+          <a:p>
+            <a:r>
+              <a:rPr lang="en-US"/>
+              <a:t>w</a:t>
+            </a:r>
+            <a:r>
+              <a:rPr lang="en-US" smtClean="0"/>
+              <a:t>indow </a:t>
+            </a:r>
+            <a:r>
+              <a:rPr lang="en-US" dirty="0" smtClean="0"/>
+              <a:t>vs global</a:t>
+            </a:r>
+            <a:endParaRPr lang="en-US" dirty="0"/>
+          </a:p>
+        </p:txBody>
+      </p:sp>
+      <p:sp>
+        <p:nvSpPr>
+          <p:cNvPr id="4" name="Rectangle 1"/>
+          <p:cNvSpPr>
+            <a:spLocks noGrp="1" noChangeArrowheads="1"/>
+          </p:cNvSpPr>
+          <p:nvPr>
+            <p:ph idx="1"/>
+          </p:nvPr>
+        </p:nvSpPr>
+        <p:spPr bwMode="auto">
+          <a:xfrm>
+            <a:off x="457200" y="1916832"/>
+            <a:ext cx="5346015" cy="830997"/>
+          </a:xfrm>
+          <a:prstGeom prst="rect">
+            <a:avLst/>
+          </a:prstGeom>
+          <a:noFill/>
+          <a:ln>
+            <a:noFill/>
+          </a:ln>
+          <a:effectLst/>
+          <a:extLst>
+            <a:ext uri="{909E8E84-426E-40DD-AFC4-6F175D3DCCD1}">
+              <a14:hiddenFill xmlns:a14="http://schemas.microsoft.com/office/drawing/2010/main">
+                <a:solidFill>
+                  <a:schemeClr val="accent1"/>
+                </a:solidFill>
+              </a14:hiddenFill>
+            </a:ext>
+            <a:ext uri="{91240B29-F687-4F45-9708-019B960494DF}">
+              <a14:hiddenLine xmlns:a14="http://schemas.microsoft.com/office/drawing/2010/main" w="9525">
+                <a:solidFill>
+                  <a:schemeClr val="tx1"/>
+                </a:solidFill>
+                <a:miter lim="800000"/>
+                <a:headEnd/>
+                <a:tailEnd/>
+              </a14:hiddenLine>
+            </a:ext>
+            <a:ext uri="{AF507438-7753-43E0-B8FC-AC1667EBCBE1}">
+              <a14:hiddenEffects xmlns:a14="http://schemas.microsoft.com/office/drawing/2010/main">
+                <a:effectLst>
+                  <a:outerShdw dist="35921" dir="2700000" algn="ctr" rotWithShape="0">
+                    <a:schemeClr val="bg2"/>
+                  </a:outerShdw>
+                </a:effectLst>
+              </a14:hiddenEffects>
+            </a:ext>
+          </a:extLst>
+        </p:spPr>
+        <p:txBody>
+          <a:bodyPr vert="horz" wrap="none" lIns="0" tIns="0" rIns="0" bIns="0" numCol="1" anchor="ctr" anchorCtr="0" compatLnSpc="1">
+            <a:prstTxWarp prst="textNoShape">
+              <a:avLst/>
+            </a:prstTxWarp>
+            <a:spAutoFit/>
+          </a:bodyPr>
+          <a:lstStyle/>
+          <a:p>
+            <a:pPr marL="0" marR="0" lvl="0" indent="0" algn="l" defTabSz="914400" rtl="0" eaLnBrk="0" fontAlgn="base" latinLnBrk="0" hangingPunct="0">
+              <a:lnSpc>
+                <a:spcPct val="100000"/>
+              </a:lnSpc>
+              <a:spcBef>
+                <a:spcPct val="0"/>
+              </a:spcBef>
+              <a:spcAft>
+                <a:spcPct val="0"/>
+              </a:spcAft>
+              <a:buClrTx/>
+              <a:buSzTx/>
+              <a:buFontTx/>
+              <a:buNone/>
+              <a:tabLst/>
+            </a:pPr>
+            <a:r>
+              <a:rPr kumimoji="0" lang="en-US" altLang="en-US" sz="1800" b="0" i="0" u="none" strike="noStrike" cap="none" normalizeH="0" baseline="0" dirty="0" smtClean="0">
+                <a:ln>
+                  <a:noFill/>
+                </a:ln>
+                <a:solidFill>
+                  <a:srgbClr val="000000"/>
+                </a:solidFill>
+                <a:effectLst/>
+                <a:latin typeface="Ubuntu Mono"/>
+              </a:rPr>
+              <a:t>(</a:t>
+            </a:r>
+            <a:r>
+              <a:rPr kumimoji="0" lang="en-US" altLang="en-US" sz="1800" b="1" i="0" u="none" strike="noStrike" cap="none" normalizeH="0" baseline="0" dirty="0" smtClean="0">
+                <a:ln>
+                  <a:noFill/>
+                </a:ln>
+                <a:solidFill>
+                  <a:srgbClr val="006699"/>
+                </a:solidFill>
+                <a:effectLst/>
+                <a:latin typeface="Ubuntu Mono"/>
+              </a:rPr>
+              <a:t>function</a:t>
+            </a:r>
+            <a:r>
+              <a:rPr kumimoji="0" lang="en-US" altLang="en-US" sz="1800" b="0" i="0" u="none" strike="noStrike" cap="none" normalizeH="0" baseline="0" dirty="0" smtClean="0">
+                <a:ln>
+                  <a:noFill/>
+                </a:ln>
+                <a:solidFill>
+                  <a:srgbClr val="000000"/>
+                </a:solidFill>
+                <a:effectLst/>
+                <a:latin typeface="Ubuntu Mono"/>
+              </a:rPr>
+              <a:t> (</a:t>
+            </a:r>
+            <a:r>
+              <a:rPr kumimoji="0" lang="en-US" altLang="en-US" sz="1800" b="0" i="0" u="none" strike="noStrike" cap="none" normalizeH="0" baseline="0" dirty="0" smtClean="0">
+                <a:ln>
+                  <a:noFill/>
+                </a:ln>
+                <a:solidFill>
+                  <a:srgbClr val="000088"/>
+                </a:solidFill>
+                <a:effectLst/>
+                <a:latin typeface="Ubuntu Mono"/>
+              </a:rPr>
+              <a:t>glob</a:t>
+            </a:r>
+            <a:r>
+              <a:rPr kumimoji="0" lang="en-US" altLang="en-US" sz="1800" b="0" i="0" u="none" strike="noStrike" cap="none" normalizeH="0" baseline="0" dirty="0" smtClean="0">
+                <a:ln>
+                  <a:noFill/>
+                </a:ln>
+                <a:solidFill>
+                  <a:srgbClr val="000000"/>
+                </a:solidFill>
+                <a:effectLst/>
+                <a:latin typeface="Ubuntu Mono"/>
+              </a:rPr>
+              <a:t>) { </a:t>
+            </a:r>
+          </a:p>
+          <a:p>
+            <a:pPr marL="0" marR="0" lvl="0" indent="0" algn="l" defTabSz="914400" rtl="0" eaLnBrk="0" fontAlgn="base" latinLnBrk="0" hangingPunct="0">
+              <a:lnSpc>
+                <a:spcPct val="100000"/>
+              </a:lnSpc>
+              <a:spcBef>
+                <a:spcPct val="0"/>
+              </a:spcBef>
+              <a:spcAft>
+                <a:spcPct val="0"/>
+              </a:spcAft>
+              <a:buClrTx/>
+              <a:buSzTx/>
+              <a:buFontTx/>
+              <a:buNone/>
+              <a:tabLst/>
+            </a:pPr>
+            <a:r>
+              <a:rPr lang="en-US" altLang="en-US" sz="1800" dirty="0">
+                <a:solidFill>
+                  <a:srgbClr val="000000"/>
+                </a:solidFill>
+                <a:latin typeface="Ubuntu Mono"/>
+              </a:rPr>
+              <a:t>	</a:t>
+            </a:r>
+            <a:r>
+              <a:rPr kumimoji="0" lang="en-US" altLang="en-US" sz="1800" b="0" i="1" u="none" strike="noStrike" cap="none" normalizeH="0" baseline="0" dirty="0" smtClean="0">
+                <a:ln>
+                  <a:noFill/>
+                </a:ln>
+                <a:solidFill>
+                  <a:srgbClr val="35586C"/>
+                </a:solidFill>
+                <a:effectLst/>
+                <a:latin typeface="Ubuntu Mono"/>
+              </a:rPr>
+              <a:t>// glob points to global object</a:t>
+            </a:r>
+            <a:r>
+              <a:rPr kumimoji="0" lang="en-US" altLang="en-US" sz="1800" b="0" i="0" u="none" strike="noStrike" cap="none" normalizeH="0" baseline="0" dirty="0" smtClean="0">
+                <a:ln>
+                  <a:noFill/>
+                </a:ln>
+                <a:solidFill>
+                  <a:srgbClr val="000000"/>
+                </a:solidFill>
+                <a:effectLst/>
+                <a:latin typeface="Ubuntu Mono"/>
+              </a:rPr>
+              <a:t> </a:t>
+            </a:r>
+          </a:p>
+          <a:p>
+            <a:pPr marL="0" marR="0" lvl="0" indent="0" algn="l" defTabSz="914400" rtl="0" eaLnBrk="0" fontAlgn="base" latinLnBrk="0" hangingPunct="0">
+              <a:lnSpc>
+                <a:spcPct val="100000"/>
+              </a:lnSpc>
+              <a:spcBef>
+                <a:spcPct val="0"/>
+              </a:spcBef>
+              <a:spcAft>
+                <a:spcPct val="0"/>
+              </a:spcAft>
+              <a:buClrTx/>
+              <a:buSzTx/>
+              <a:buFontTx/>
+              <a:buNone/>
+              <a:tabLst/>
+            </a:pPr>
+            <a:r>
+              <a:rPr kumimoji="0" lang="en-US" altLang="en-US" sz="1800" b="0" i="0" u="none" strike="noStrike" cap="none" normalizeH="0" baseline="0" dirty="0" smtClean="0">
+                <a:ln>
+                  <a:noFill/>
+                </a:ln>
+                <a:solidFill>
+                  <a:srgbClr val="000000"/>
+                </a:solidFill>
+                <a:effectLst/>
+                <a:latin typeface="Ubuntu Mono"/>
+              </a:rPr>
+              <a:t>}(</a:t>
+            </a:r>
+            <a:r>
+              <a:rPr kumimoji="0" lang="en-US" altLang="en-US" sz="1800" b="1" i="0" u="none" strike="noStrike" cap="none" normalizeH="0" baseline="0" dirty="0" err="1" smtClean="0">
+                <a:ln>
+                  <a:noFill/>
+                </a:ln>
+                <a:solidFill>
+                  <a:srgbClr val="006699"/>
+                </a:solidFill>
+                <a:effectLst/>
+                <a:latin typeface="Ubuntu Mono"/>
+              </a:rPr>
+              <a:t>typeof</a:t>
+            </a:r>
+            <a:r>
+              <a:rPr kumimoji="0" lang="en-US" altLang="en-US" sz="1800" b="0" i="0" u="none" strike="noStrike" cap="none" normalizeH="0" baseline="0" dirty="0" smtClean="0">
+                <a:ln>
+                  <a:noFill/>
+                </a:ln>
+                <a:solidFill>
+                  <a:srgbClr val="000000"/>
+                </a:solidFill>
+                <a:effectLst/>
+                <a:latin typeface="Ubuntu Mono"/>
+              </a:rPr>
+              <a:t> </a:t>
+            </a:r>
+            <a:r>
+              <a:rPr kumimoji="0" lang="en-US" altLang="en-US" sz="1800" b="0" i="0" u="none" strike="noStrike" cap="none" normalizeH="0" baseline="0" dirty="0" smtClean="0">
+                <a:ln>
+                  <a:noFill/>
+                </a:ln>
+                <a:solidFill>
+                  <a:srgbClr val="336666"/>
+                </a:solidFill>
+                <a:effectLst/>
+                <a:latin typeface="Ubuntu Mono"/>
+              </a:rPr>
+              <a:t>window</a:t>
+            </a:r>
+            <a:r>
+              <a:rPr kumimoji="0" lang="en-US" altLang="en-US" sz="1800" b="0" i="0" u="none" strike="noStrike" cap="none" normalizeH="0" baseline="0" dirty="0" smtClean="0">
+                <a:ln>
+                  <a:noFill/>
+                </a:ln>
+                <a:solidFill>
+                  <a:srgbClr val="000000"/>
+                </a:solidFill>
+                <a:effectLst/>
+                <a:latin typeface="Ubuntu Mono"/>
+              </a:rPr>
+              <a:t> </a:t>
+            </a:r>
+            <a:r>
+              <a:rPr kumimoji="0" lang="en-US" altLang="en-US" sz="1800" b="0" i="0" u="none" strike="noStrike" cap="none" normalizeH="0" baseline="0" dirty="0" smtClean="0">
+                <a:ln>
+                  <a:noFill/>
+                </a:ln>
+                <a:solidFill>
+                  <a:srgbClr val="555555"/>
+                </a:solidFill>
+                <a:effectLst/>
+                <a:latin typeface="Ubuntu Mono"/>
+              </a:rPr>
+              <a:t>!==</a:t>
+            </a:r>
+            <a:r>
+              <a:rPr kumimoji="0" lang="en-US" altLang="en-US" sz="1800" b="0" i="0" u="none" strike="noStrike" cap="none" normalizeH="0" baseline="0" dirty="0" smtClean="0">
+                <a:ln>
+                  <a:noFill/>
+                </a:ln>
+                <a:solidFill>
+                  <a:srgbClr val="000000"/>
+                </a:solidFill>
+                <a:effectLst/>
+                <a:latin typeface="Ubuntu Mono"/>
+              </a:rPr>
+              <a:t> </a:t>
+            </a:r>
+            <a:r>
+              <a:rPr kumimoji="0" lang="en-US" altLang="en-US" sz="1800" b="0" i="0" u="none" strike="noStrike" cap="none" normalizeH="0" baseline="0" dirty="0" smtClean="0">
+                <a:ln>
+                  <a:noFill/>
+                </a:ln>
+                <a:solidFill>
+                  <a:srgbClr val="CC3300"/>
+                </a:solidFill>
+                <a:effectLst/>
+                <a:latin typeface="Ubuntu Mono"/>
+              </a:rPr>
+              <a:t>'undefined'</a:t>
+            </a:r>
+            <a:r>
+              <a:rPr kumimoji="0" lang="en-US" altLang="en-US" sz="1800" b="0" i="0" u="none" strike="noStrike" cap="none" normalizeH="0" baseline="0" dirty="0" smtClean="0">
+                <a:ln>
+                  <a:noFill/>
+                </a:ln>
+                <a:solidFill>
+                  <a:srgbClr val="000000"/>
+                </a:solidFill>
+                <a:effectLst/>
+                <a:latin typeface="Ubuntu Mono"/>
+              </a:rPr>
+              <a:t> </a:t>
+            </a:r>
+            <a:r>
+              <a:rPr kumimoji="0" lang="en-US" altLang="en-US" sz="1800" b="0" i="0" u="none" strike="noStrike" cap="none" normalizeH="0" baseline="0" dirty="0" smtClean="0">
+                <a:ln>
+                  <a:noFill/>
+                </a:ln>
+                <a:solidFill>
+                  <a:srgbClr val="555555"/>
+                </a:solidFill>
+                <a:effectLst/>
+                <a:latin typeface="Ubuntu Mono"/>
+              </a:rPr>
+              <a:t>?</a:t>
+            </a:r>
+            <a:r>
+              <a:rPr kumimoji="0" lang="en-US" altLang="en-US" sz="1800" b="0" i="0" u="none" strike="noStrike" cap="none" normalizeH="0" baseline="0" dirty="0" smtClean="0">
+                <a:ln>
+                  <a:noFill/>
+                </a:ln>
+                <a:solidFill>
+                  <a:srgbClr val="000000"/>
+                </a:solidFill>
+                <a:effectLst/>
+                <a:latin typeface="Ubuntu Mono"/>
+              </a:rPr>
+              <a:t> </a:t>
+            </a:r>
+            <a:r>
+              <a:rPr kumimoji="0" lang="en-US" altLang="en-US" sz="1800" b="0" i="0" u="none" strike="noStrike" cap="none" normalizeH="0" baseline="0" dirty="0" smtClean="0">
+                <a:ln>
+                  <a:noFill/>
+                </a:ln>
+                <a:solidFill>
+                  <a:srgbClr val="336666"/>
+                </a:solidFill>
+                <a:effectLst/>
+                <a:latin typeface="Ubuntu Mono"/>
+              </a:rPr>
+              <a:t>window</a:t>
+            </a:r>
+            <a:r>
+              <a:rPr kumimoji="0" lang="en-US" altLang="en-US" sz="1800" b="0" i="0" u="none" strike="noStrike" cap="none" normalizeH="0" baseline="0" dirty="0" smtClean="0">
+                <a:ln>
+                  <a:noFill/>
+                </a:ln>
+                <a:solidFill>
+                  <a:srgbClr val="000000"/>
+                </a:solidFill>
+                <a:effectLst/>
+                <a:latin typeface="Ubuntu Mono"/>
+              </a:rPr>
+              <a:t> </a:t>
+            </a:r>
+            <a:r>
+              <a:rPr kumimoji="0" lang="en-US" altLang="en-US" sz="1800" b="0" i="0" u="none" strike="noStrike" cap="none" normalizeH="0" baseline="0" dirty="0" smtClean="0">
+                <a:ln>
+                  <a:noFill/>
+                </a:ln>
+                <a:solidFill>
+                  <a:srgbClr val="555555"/>
+                </a:solidFill>
+                <a:effectLst/>
+                <a:latin typeface="Ubuntu Mono"/>
+              </a:rPr>
+              <a:t>:</a:t>
+            </a:r>
+            <a:r>
+              <a:rPr kumimoji="0" lang="en-US" altLang="en-US" sz="1800" b="0" i="0" u="none" strike="noStrike" cap="none" normalizeH="0" baseline="0" dirty="0" smtClean="0">
+                <a:ln>
+                  <a:noFill/>
+                </a:ln>
+                <a:solidFill>
+                  <a:srgbClr val="000000"/>
+                </a:solidFill>
+                <a:effectLst/>
+                <a:latin typeface="Ubuntu Mono"/>
+              </a:rPr>
+              <a:t> </a:t>
+            </a:r>
+            <a:r>
+              <a:rPr kumimoji="0" lang="en-US" altLang="en-US" sz="1800" b="0" i="0" u="none" strike="noStrike" cap="none" normalizeH="0" baseline="0" dirty="0" smtClean="0">
+                <a:ln>
+                  <a:noFill/>
+                </a:ln>
+                <a:solidFill>
+                  <a:srgbClr val="000088"/>
+                </a:solidFill>
+                <a:effectLst/>
+                <a:latin typeface="Ubuntu Mono"/>
+              </a:rPr>
+              <a:t>global</a:t>
+            </a:r>
+            <a:r>
+              <a:rPr kumimoji="0" lang="en-US" altLang="en-US" sz="1800" b="0" i="0" u="none" strike="noStrike" cap="none" normalizeH="0" baseline="0" dirty="0" smtClean="0">
+                <a:ln>
+                  <a:noFill/>
+                </a:ln>
+                <a:solidFill>
+                  <a:srgbClr val="000000"/>
+                </a:solidFill>
+                <a:effectLst/>
+                <a:latin typeface="Ubuntu Mono"/>
+              </a:rPr>
+              <a:t>));</a:t>
+            </a:r>
+            <a:r>
+              <a:rPr kumimoji="0" lang="en-US" altLang="en-US" sz="1800" b="0" i="0" u="none" strike="noStrike" cap="none" normalizeH="0" baseline="0" dirty="0" smtClean="0">
+                <a:ln>
+                  <a:noFill/>
+                </a:ln>
+                <a:solidFill>
+                  <a:schemeClr val="tx1"/>
+                </a:solidFill>
+                <a:effectLst/>
+              </a:rPr>
+              <a:t> </a:t>
+            </a:r>
+            <a:endParaRPr kumimoji="0" lang="en-US" altLang="en-US" sz="1800" b="0" i="0" u="none" strike="noStrike" cap="none" normalizeH="0" baseline="0" dirty="0" smtClean="0">
+              <a:ln>
+                <a:noFill/>
+              </a:ln>
+              <a:solidFill>
+                <a:schemeClr val="tx1"/>
+              </a:solidFill>
+              <a:effectLst/>
+              <a:latin typeface="Arial" panose="020B0604020202020204" pitchFamily="34" charset="0"/>
+            </a:endParaRPr>
+          </a:p>
+        </p:txBody>
+      </p:sp>
+    </p:spTree>
+    <p:extLst>
+      <p:ext uri="{BB962C8B-B14F-4D97-AF65-F5344CB8AC3E}">
+        <p14:creationId xmlns:p14="http://schemas.microsoft.com/office/powerpoint/2010/main" val="1897574044"/>
+      </p:ext>
+    </p:extLst>
+  </p:cSld>
+  <p:clrMapOvr>
+    <a:masterClrMapping/>
+  </p:clrMapOvr>
+</p:sld>
+</file>
+
+<file path=ppt/slides/slide26.xml><?xml version="1.0" encoding="utf-8"?>
+<p:sld xmlns:a="http://schemas.openxmlformats.org/drawingml/2006/main" xmlns:r="http://schemas.openxmlformats.org/officeDocument/2006/relationships" xmlns:p="http://schemas.openxmlformats.org/presentationml/2006/main">
+  <p:cSld>
+    <p:spTree>
+      <p:nvGrpSpPr>
+        <p:cNvPr id="1" name=""/>
+        <p:cNvGrpSpPr/>
+        <p:nvPr/>
+      </p:nvGrpSpPr>
+      <p:grpSpPr>
+        <a:xfrm>
+          <a:off x="0" y="0"/>
+          <a:ext cx="0" cy="0"/>
+          <a:chOff x="0" y="0"/>
+          <a:chExt cx="0" cy="0"/>
+        </a:xfrm>
+      </p:grpSpPr>
+      <p:sp>
+        <p:nvSpPr>
+          <p:cNvPr id="2" name="Title 1"/>
+          <p:cNvSpPr>
+            <a:spLocks noGrp="1"/>
+          </p:cNvSpPr>
+          <p:nvPr>
+            <p:ph type="title"/>
+          </p:nvPr>
+        </p:nvSpPr>
+        <p:spPr/>
+        <p:txBody>
+          <a:bodyPr>
+            <a:normAutofit/>
+          </a:bodyPr>
+          <a:lstStyle/>
+          <a:p>
+            <a:r>
+              <a:rPr lang="en-US" b="1" dirty="0"/>
+              <a:t>Global variables are </a:t>
+            </a:r>
+            <a:r>
+              <a:rPr lang="en-US" b="1" dirty="0" smtClean="0"/>
+              <a:t>evil</a:t>
+            </a:r>
+            <a:endParaRPr lang="en-US" dirty="0"/>
+          </a:p>
+        </p:txBody>
+      </p:sp>
+      <p:sp>
+        <p:nvSpPr>
+          <p:cNvPr id="3" name="Content Placeholder 2"/>
+          <p:cNvSpPr>
+            <a:spLocks noGrp="1"/>
+          </p:cNvSpPr>
+          <p:nvPr>
+            <p:ph idx="1"/>
+          </p:nvPr>
+        </p:nvSpPr>
+        <p:spPr/>
+        <p:txBody>
+          <a:bodyPr/>
+          <a:lstStyle/>
+          <a:p>
+            <a:r>
+              <a:rPr lang="en-US" dirty="0" smtClean="0"/>
+              <a:t>They are less </a:t>
+            </a:r>
+            <a:r>
+              <a:rPr lang="en-US" dirty="0"/>
+              <a:t>robust, behave less predictably, and are less reusable</a:t>
+            </a:r>
+            <a:r>
+              <a:rPr lang="en-US" dirty="0" smtClean="0"/>
+              <a:t>.</a:t>
+            </a:r>
+          </a:p>
+          <a:p>
+            <a:r>
+              <a:rPr lang="en-US" dirty="0" smtClean="0"/>
+              <a:t>Name clashes. Your </a:t>
+            </a:r>
+            <a:r>
+              <a:rPr lang="en-US" dirty="0"/>
+              <a:t>code, built-ins, analytics code, social media </a:t>
+            </a:r>
+            <a:r>
+              <a:rPr lang="en-US" dirty="0" smtClean="0"/>
+              <a:t>buttons use the same global scope.</a:t>
+            </a:r>
+            <a:endParaRPr lang="en-US" dirty="0"/>
+          </a:p>
+        </p:txBody>
+      </p:sp>
+    </p:spTree>
+    <p:extLst>
+      <p:ext uri="{BB962C8B-B14F-4D97-AF65-F5344CB8AC3E}">
+        <p14:creationId xmlns:p14="http://schemas.microsoft.com/office/powerpoint/2010/main" val="704371220"/>
+      </p:ext>
+    </p:extLst>
+  </p:cSld>
+  <p:clrMapOvr>
+    <a:masterClrMapping/>
+  </p:clrMapOvr>
+</p:sld>
+</file>
+
+<file path=ppt/slides/slide27.xml><?xml version="1.0" encoding="utf-8"?>
+<p:sld xmlns:a="http://schemas.openxmlformats.org/drawingml/2006/main" xmlns:r="http://schemas.openxmlformats.org/officeDocument/2006/relationships" xmlns:p="http://schemas.openxmlformats.org/presentationml/2006/main">
+  <p:cSld>
+    <p:spTree>
+      <p:nvGrpSpPr>
+        <p:cNvPr id="1" name=""/>
+        <p:cNvGrpSpPr/>
+        <p:nvPr/>
+      </p:nvGrpSpPr>
+      <p:grpSpPr>
+        <a:xfrm>
+          <a:off x="0" y="0"/>
+          <a:ext cx="0" cy="0"/>
+          <a:chOff x="0" y="0"/>
+          <a:chExt cx="0" cy="0"/>
+        </a:xfrm>
+      </p:grpSpPr>
+      <p:sp>
+        <p:nvSpPr>
+          <p:cNvPr id="2" name="Заголовок 1"/>
+          <p:cNvSpPr>
+            <a:spLocks noGrp="1"/>
+          </p:cNvSpPr>
+          <p:nvPr>
+            <p:ph type="ctrTitle"/>
+          </p:nvPr>
+        </p:nvSpPr>
+        <p:spPr>
+          <a:xfrm>
+            <a:off x="1625183" y="964389"/>
+            <a:ext cx="5829300" cy="396480"/>
+          </a:xfrm>
+        </p:spPr>
+        <p:txBody>
+          <a:bodyPr>
+            <a:normAutofit fontScale="90000"/>
+          </a:bodyPr>
+          <a:lstStyle/>
+          <a:p>
+            <a:r>
+              <a:rPr lang="en-US" b="1" dirty="0" err="1" smtClean="0">
+                <a:ea typeface="ＭＳ Ｐゴシック" pitchFamily="34" charset="-128"/>
+              </a:rPr>
+              <a:t>Globals</a:t>
+            </a:r>
+            <a:endParaRPr lang="en-US" b="1" dirty="0">
+              <a:solidFill>
+                <a:schemeClr val="tx1">
+                  <a:lumMod val="65000"/>
+                  <a:lumOff val="35000"/>
+                </a:schemeClr>
+              </a:solidFill>
+            </a:endParaRPr>
+          </a:p>
+        </p:txBody>
+      </p:sp>
+      <p:sp>
+        <p:nvSpPr>
+          <p:cNvPr id="6" name="Rectangle 5"/>
+          <p:cNvSpPr/>
+          <p:nvPr/>
+        </p:nvSpPr>
+        <p:spPr>
+          <a:xfrm>
+            <a:off x="1439652" y="1538791"/>
+            <a:ext cx="5994666" cy="4247317"/>
+          </a:xfrm>
+          <a:prstGeom prst="rect">
+            <a:avLst/>
+          </a:prstGeom>
+        </p:spPr>
+        <p:style>
+          <a:lnRef idx="1">
+            <a:schemeClr val="dk1"/>
+          </a:lnRef>
+          <a:fillRef idx="2">
+            <a:schemeClr val="dk1"/>
+          </a:fillRef>
+          <a:effectRef idx="1">
+            <a:schemeClr val="dk1"/>
+          </a:effectRef>
+          <a:fontRef idx="minor">
+            <a:schemeClr val="dk1"/>
+          </a:fontRef>
+        </p:style>
+        <p:txBody>
+          <a:bodyPr wrap="square">
+            <a:spAutoFit/>
+          </a:bodyPr>
+          <a:lstStyle/>
+          <a:p>
+            <a:r>
+              <a:rPr lang="en-US" sz="1350" dirty="0">
+                <a:solidFill>
+                  <a:srgbClr val="006400"/>
+                </a:solidFill>
+                <a:latin typeface="Consolas"/>
+              </a:rPr>
+              <a:t>// </a:t>
+            </a:r>
+            <a:r>
+              <a:rPr lang="en-US" sz="1350" dirty="0" err="1">
+                <a:solidFill>
+                  <a:srgbClr val="006400"/>
+                </a:solidFill>
+                <a:latin typeface="Consolas"/>
+              </a:rPr>
+              <a:t>antipattern</a:t>
+            </a:r>
+            <a:endParaRPr lang="en-US" sz="1350" dirty="0">
+              <a:solidFill>
+                <a:srgbClr val="0000FF"/>
+              </a:solidFill>
+              <a:latin typeface="Consolas"/>
+            </a:endParaRPr>
+          </a:p>
+          <a:p>
+            <a:r>
+              <a:rPr lang="en-US" sz="1350" dirty="0">
+                <a:solidFill>
+                  <a:srgbClr val="0000FF"/>
+                </a:solidFill>
+                <a:latin typeface="Consolas"/>
+              </a:rPr>
+              <a:t>function</a:t>
+            </a:r>
+            <a:r>
+              <a:rPr lang="en-US" sz="1350" dirty="0">
+                <a:solidFill>
+                  <a:prstClr val="black"/>
+                </a:solidFill>
+                <a:latin typeface="Consolas"/>
+              </a:rPr>
+              <a:t> sum(x, y) {</a:t>
+            </a:r>
+          </a:p>
+          <a:p>
+            <a:pPr lvl="1"/>
+            <a:r>
+              <a:rPr lang="en-US" sz="1350" dirty="0">
+                <a:solidFill>
+                  <a:srgbClr val="006400"/>
+                </a:solidFill>
+                <a:latin typeface="Consolas"/>
+              </a:rPr>
+              <a:t>// implied global</a:t>
+            </a:r>
+            <a:endParaRPr lang="en-US" sz="1350" dirty="0">
+              <a:solidFill>
+                <a:prstClr val="black"/>
+              </a:solidFill>
+              <a:latin typeface="Consolas"/>
+            </a:endParaRPr>
+          </a:p>
+          <a:p>
+            <a:pPr lvl="1"/>
+            <a:r>
+              <a:rPr lang="en-US" sz="1350" dirty="0">
+                <a:solidFill>
+                  <a:prstClr val="black"/>
+                </a:solidFill>
+                <a:latin typeface="Consolas"/>
+              </a:rPr>
+              <a:t>result = x + y;</a:t>
+            </a:r>
+          </a:p>
+          <a:p>
+            <a:pPr lvl="1"/>
+            <a:r>
+              <a:rPr lang="en-US" sz="1350" dirty="0">
+                <a:solidFill>
+                  <a:srgbClr val="0000FF"/>
+                </a:solidFill>
+                <a:latin typeface="Consolas"/>
+              </a:rPr>
+              <a:t>return</a:t>
+            </a:r>
+            <a:r>
+              <a:rPr lang="en-US" sz="1350" dirty="0">
+                <a:solidFill>
+                  <a:prstClr val="black"/>
+                </a:solidFill>
+                <a:latin typeface="Consolas"/>
+              </a:rPr>
+              <a:t> result;</a:t>
+            </a:r>
+          </a:p>
+          <a:p>
+            <a:r>
+              <a:rPr lang="en-US" sz="1350" dirty="0">
+                <a:solidFill>
+                  <a:prstClr val="black"/>
+                </a:solidFill>
+                <a:latin typeface="Consolas"/>
+              </a:rPr>
+              <a:t>}</a:t>
+            </a:r>
+          </a:p>
+          <a:p>
+            <a:endParaRPr lang="en-US" sz="1350" dirty="0">
+              <a:solidFill>
+                <a:srgbClr val="006400"/>
+              </a:solidFill>
+              <a:latin typeface="Consolas"/>
+            </a:endParaRPr>
+          </a:p>
+          <a:p>
+            <a:endParaRPr lang="en-US" sz="1350" dirty="0">
+              <a:solidFill>
+                <a:srgbClr val="006400"/>
+              </a:solidFill>
+              <a:latin typeface="Consolas"/>
+            </a:endParaRPr>
+          </a:p>
+          <a:p>
+            <a:r>
+              <a:rPr lang="en-US" sz="1350" dirty="0">
+                <a:solidFill>
+                  <a:srgbClr val="006400"/>
+                </a:solidFill>
+                <a:latin typeface="Consolas"/>
+              </a:rPr>
+              <a:t>// </a:t>
+            </a:r>
+            <a:r>
+              <a:rPr lang="en-US" sz="1350" dirty="0" err="1">
+                <a:solidFill>
+                  <a:srgbClr val="006400"/>
+                </a:solidFill>
+                <a:latin typeface="Consolas"/>
+              </a:rPr>
+              <a:t>antipattern</a:t>
+            </a:r>
+            <a:endParaRPr lang="en-US" sz="1350" dirty="0">
+              <a:solidFill>
+                <a:prstClr val="black"/>
+              </a:solidFill>
+              <a:latin typeface="Consolas"/>
+            </a:endParaRPr>
+          </a:p>
+          <a:p>
+            <a:r>
+              <a:rPr lang="en-US" sz="1350" dirty="0">
+                <a:solidFill>
+                  <a:srgbClr val="0000FF"/>
+                </a:solidFill>
+                <a:latin typeface="Consolas"/>
+              </a:rPr>
+              <a:t>function</a:t>
+            </a:r>
+            <a:r>
+              <a:rPr lang="en-US" sz="1350" dirty="0">
+                <a:solidFill>
+                  <a:prstClr val="black"/>
+                </a:solidFill>
+                <a:latin typeface="Consolas"/>
+              </a:rPr>
+              <a:t> foo() {</a:t>
+            </a:r>
+          </a:p>
+          <a:p>
+            <a:pPr lvl="1"/>
+            <a:r>
+              <a:rPr lang="en-US" sz="1350" dirty="0" err="1">
+                <a:solidFill>
+                  <a:srgbClr val="0000FF"/>
+                </a:solidFill>
+                <a:latin typeface="Consolas"/>
+              </a:rPr>
+              <a:t>var</a:t>
+            </a:r>
+            <a:r>
+              <a:rPr lang="en-US" sz="1350" dirty="0">
+                <a:solidFill>
+                  <a:prstClr val="black"/>
+                </a:solidFill>
+                <a:latin typeface="Consolas"/>
+              </a:rPr>
+              <a:t> a = b = 0;</a:t>
+            </a:r>
+          </a:p>
+          <a:p>
+            <a:pPr lvl="1"/>
+            <a:r>
+              <a:rPr lang="en-US" sz="1350" dirty="0">
+                <a:solidFill>
+                  <a:srgbClr val="006400"/>
+                </a:solidFill>
+                <a:latin typeface="Consolas"/>
+              </a:rPr>
+              <a:t>// ...</a:t>
+            </a:r>
+            <a:endParaRPr lang="en-US" sz="1350" dirty="0">
+              <a:solidFill>
+                <a:prstClr val="black"/>
+              </a:solidFill>
+              <a:latin typeface="Consolas"/>
+            </a:endParaRPr>
+          </a:p>
+          <a:p>
+            <a:r>
+              <a:rPr lang="en-US" sz="1350" dirty="0">
+                <a:solidFill>
+                  <a:prstClr val="black"/>
+                </a:solidFill>
+                <a:latin typeface="Consolas"/>
+              </a:rPr>
+              <a:t>}</a:t>
+            </a:r>
+          </a:p>
+          <a:p>
+            <a:endParaRPr lang="en-US" sz="1350" dirty="0">
+              <a:solidFill>
+                <a:prstClr val="black"/>
+              </a:solidFill>
+              <a:latin typeface="Consolas"/>
+            </a:endParaRPr>
+          </a:p>
+          <a:p>
+            <a:r>
+              <a:rPr lang="en-US" sz="1350" dirty="0">
+                <a:solidFill>
+                  <a:srgbClr val="006400"/>
+                </a:solidFill>
+                <a:latin typeface="Consolas"/>
+              </a:rPr>
+              <a:t>// preferred</a:t>
+            </a:r>
+            <a:endParaRPr lang="en-US" sz="1350" dirty="0">
+              <a:solidFill>
+                <a:prstClr val="black"/>
+              </a:solidFill>
+              <a:latin typeface="Consolas"/>
+            </a:endParaRPr>
+          </a:p>
+          <a:p>
+            <a:r>
+              <a:rPr lang="en-US" sz="1350" dirty="0">
+                <a:solidFill>
+                  <a:srgbClr val="0000FF"/>
+                </a:solidFill>
+                <a:latin typeface="Consolas"/>
+              </a:rPr>
+              <a:t>function</a:t>
+            </a:r>
+            <a:r>
+              <a:rPr lang="en-US" sz="1350" dirty="0">
+                <a:solidFill>
+                  <a:prstClr val="black"/>
+                </a:solidFill>
+                <a:latin typeface="Consolas"/>
+              </a:rPr>
+              <a:t> foo() {</a:t>
+            </a:r>
+          </a:p>
+          <a:p>
+            <a:pPr lvl="1"/>
+            <a:r>
+              <a:rPr lang="en-US" sz="1350" dirty="0" err="1">
+                <a:solidFill>
+                  <a:srgbClr val="0000FF"/>
+                </a:solidFill>
+                <a:latin typeface="Consolas"/>
+              </a:rPr>
+              <a:t>var</a:t>
+            </a:r>
+            <a:r>
+              <a:rPr lang="en-US" sz="1350" dirty="0">
+                <a:solidFill>
+                  <a:prstClr val="black"/>
+                </a:solidFill>
+                <a:latin typeface="Consolas"/>
+              </a:rPr>
+              <a:t> a, b;</a:t>
+            </a:r>
+          </a:p>
+          <a:p>
+            <a:pPr lvl="1"/>
+            <a:r>
+              <a:rPr lang="en-US" sz="1350" dirty="0">
+                <a:solidFill>
+                  <a:srgbClr val="006400"/>
+                </a:solidFill>
+                <a:latin typeface="Consolas"/>
+              </a:rPr>
+              <a:t>// ...</a:t>
+            </a:r>
+            <a:endParaRPr lang="en-US" sz="1350" dirty="0">
+              <a:solidFill>
+                <a:prstClr val="black"/>
+              </a:solidFill>
+              <a:latin typeface="Consolas"/>
+            </a:endParaRPr>
+          </a:p>
+          <a:p>
+            <a:pPr lvl="1"/>
+            <a:r>
+              <a:rPr lang="en-US" sz="1350" dirty="0">
+                <a:solidFill>
+                  <a:prstClr val="black"/>
+                </a:solidFill>
+                <a:latin typeface="Consolas"/>
+              </a:rPr>
+              <a:t>a = b = 0; </a:t>
+            </a:r>
+            <a:r>
+              <a:rPr lang="en-US" sz="1350" dirty="0">
+                <a:solidFill>
+                  <a:srgbClr val="006400"/>
+                </a:solidFill>
+                <a:latin typeface="Consolas"/>
+              </a:rPr>
+              <a:t>// both local</a:t>
+            </a:r>
+            <a:endParaRPr lang="en-US" sz="1350" dirty="0">
+              <a:solidFill>
+                <a:prstClr val="black"/>
+              </a:solidFill>
+              <a:latin typeface="Consolas"/>
+            </a:endParaRPr>
+          </a:p>
+          <a:p>
+            <a:r>
+              <a:rPr lang="en-US" sz="1350" dirty="0">
+                <a:solidFill>
+                  <a:prstClr val="black"/>
+                </a:solidFill>
+                <a:latin typeface="Consolas"/>
+              </a:rPr>
+              <a:t>}</a:t>
+            </a:r>
+          </a:p>
+        </p:txBody>
+      </p:sp>
+    </p:spTree>
+    <p:extLst>
+      <p:ext uri="{BB962C8B-B14F-4D97-AF65-F5344CB8AC3E}">
+        <p14:creationId xmlns:p14="http://schemas.microsoft.com/office/powerpoint/2010/main" val="578045096"/>
       </p:ext>
     </p:extLst>
   </p:cSld>
@@ -12291,56 +12914,19 @@
       </p:grpSpPr>
       <p:sp>
         <p:nvSpPr>
-          <p:cNvPr id="2" name="Title 1"/>
-          <p:cNvSpPr>
-            <a:spLocks noGrp="1"/>
-          </p:cNvSpPr>
-          <p:nvPr>
-            <p:ph type="title"/>
-          </p:nvPr>
-        </p:nvSpPr>
-        <p:spPr/>
-        <p:txBody>
-          <a:bodyPr/>
-          <a:lstStyle/>
-          <a:p>
-            <a:r>
-              <a:rPr lang="en-US" dirty="0" smtClean="0"/>
-              <a:t>Global object (WAT)</a:t>
-            </a:r>
-            <a:endParaRPr lang="en-US" dirty="0"/>
-          </a:p>
-        </p:txBody>
-      </p:sp>
-      <p:sp>
-        <p:nvSpPr>
-          <p:cNvPr id="6" name="Rectangle 5"/>
+          <p:cNvPr id="7" name="Rectangle 6"/>
           <p:cNvSpPr/>
           <p:nvPr/>
         </p:nvSpPr>
         <p:spPr>
           <a:xfrm>
-            <a:off x="481141" y="1548526"/>
-            <a:ext cx="7259211" cy="1754326"/>
+            <a:off x="2357754" y="1714488"/>
+            <a:ext cx="4080516" cy="2031325"/>
           </a:xfrm>
           <a:prstGeom prst="rect">
             <a:avLst/>
           </a:prstGeom>
         </p:spPr>
-        <p:style>
-          <a:lnRef idx="1">
-            <a:schemeClr val="dk1"/>
-          </a:lnRef>
-          <a:fillRef idx="1001">
-            <a:schemeClr val="lt2"/>
-          </a:fillRef>
-          <a:effectRef idx="1">
-            <a:schemeClr val="dk1"/>
-          </a:effectRef>
-          <a:fontRef idx="minor">
-            <a:schemeClr val="dk1"/>
-          </a:fontRef>
-        </p:style>
         <p:txBody>
           <a:bodyPr wrap="square">
             <a:spAutoFit/>
@@ -12348,179 +12934,78 @@
           <a:lstStyle/>
           <a:p>
             <a:r>
-              <a:rPr lang="en-US" b="1" dirty="0" smtClean="0">
-                <a:solidFill>
-                  <a:srgbClr val="0070C0"/>
-                </a:solidFill>
-              </a:rPr>
-              <a:t>function </a:t>
-            </a:r>
-            <a:r>
-              <a:rPr lang="en-US" b="1" dirty="0">
-                <a:solidFill>
-                  <a:schemeClr val="tx1"/>
-                </a:solidFill>
-              </a:rPr>
-              <a:t>f</a:t>
-            </a:r>
-            <a:r>
-              <a:rPr lang="en-US" b="1" dirty="0" smtClean="0"/>
-              <a:t>(){</a:t>
-            </a:r>
-            <a:endParaRPr lang="en-US" b="1" dirty="0"/>
-          </a:p>
-          <a:p>
-            <a:r>
-              <a:rPr lang="en-US" b="1" dirty="0" smtClean="0"/>
-              <a:t>     x = </a:t>
-            </a:r>
-            <a:r>
-              <a:rPr lang="en-US" b="1" dirty="0"/>
-              <a:t>“</a:t>
-            </a:r>
-            <a:r>
-              <a:rPr lang="en-US" b="1" dirty="0" smtClean="0"/>
-              <a:t>global variable</a:t>
-            </a:r>
-            <a:r>
-              <a:rPr lang="en-US" b="1" dirty="0"/>
-              <a:t>”; </a:t>
-            </a:r>
-            <a:r>
-              <a:rPr lang="en-US" b="1" dirty="0">
+              <a:rPr lang="en-US" sz="2100" b="1" dirty="0">
                 <a:solidFill>
                   <a:schemeClr val="bg1">
                     <a:lumMod val="50000"/>
                   </a:schemeClr>
                 </a:solidFill>
               </a:rPr>
-              <a:t>// </a:t>
-            </a:r>
-            <a:r>
-              <a:rPr lang="en-US" b="1" dirty="0" err="1">
+              <a:t>&lt;script&gt;</a:t>
+            </a:r>
+            <a:endParaRPr lang="en-US" sz="2100" b="1" dirty="0"/>
+          </a:p>
+          <a:p>
+            <a:pPr lvl="1"/>
+            <a:r>
+              <a:rPr lang="en-US" sz="2100" b="1" dirty="0"/>
+              <a:t>if (("a" in window) == false) {</a:t>
+            </a:r>
+          </a:p>
+          <a:p>
+            <a:pPr lvl="1"/>
+            <a:r>
+              <a:rPr lang="en-US" sz="2100" b="1" dirty="0"/>
+              <a:t>    </a:t>
+            </a:r>
+            <a:r>
+              <a:rPr lang="en-US" sz="2100" b="1" dirty="0" err="1"/>
+              <a:t>var</a:t>
+            </a:r>
+            <a:r>
+              <a:rPr lang="en-US" sz="2100" b="1" dirty="0"/>
+              <a:t> a = 1; </a:t>
+            </a:r>
+          </a:p>
+          <a:p>
+            <a:pPr lvl="1"/>
+            <a:r>
+              <a:rPr lang="en-US" sz="2100" b="1" dirty="0"/>
+              <a:t>}</a:t>
+            </a:r>
+          </a:p>
+          <a:p>
+            <a:pPr lvl="1"/>
+            <a:r>
+              <a:rPr lang="en-US" sz="2100" b="1" dirty="0"/>
+              <a:t>alert(a);</a:t>
+            </a:r>
+          </a:p>
+          <a:p>
+            <a:r>
+              <a:rPr lang="en-US" sz="2100" b="1" dirty="0">
                 <a:solidFill>
                   <a:schemeClr val="bg1">
                     <a:lumMod val="50000"/>
                   </a:schemeClr>
                 </a:solidFill>
               </a:rPr>
-              <a:t>var</a:t>
-            </a:r>
-            <a:r>
-              <a:rPr lang="en-US" b="1" dirty="0">
-                <a:solidFill>
-                  <a:schemeClr val="bg1">
-                    <a:lumMod val="50000"/>
-                  </a:schemeClr>
-                </a:solidFill>
-              </a:rPr>
-              <a:t> </a:t>
-            </a:r>
-            <a:r>
-              <a:rPr lang="en-US" b="1" dirty="0" smtClean="0">
-                <a:solidFill>
-                  <a:schemeClr val="bg1">
-                    <a:lumMod val="50000"/>
-                  </a:schemeClr>
-                </a:solidFill>
-              </a:rPr>
-              <a:t>is missed</a:t>
-            </a:r>
-            <a:endParaRPr lang="en-US" b="1" dirty="0">
-              <a:solidFill>
-                <a:schemeClr val="bg1">
-                  <a:lumMod val="50000"/>
-                </a:schemeClr>
-              </a:solidFill>
-            </a:endParaRPr>
-          </a:p>
-          <a:p>
-            <a:r>
-              <a:rPr lang="en-US" b="1" dirty="0"/>
-              <a:t>}</a:t>
-            </a:r>
-          </a:p>
-          <a:p>
-            <a:r>
-              <a:rPr lang="en-US" b="1" dirty="0">
-                <a:solidFill>
-                  <a:schemeClr val="tx1"/>
-                </a:solidFill>
-              </a:rPr>
-              <a:t>f</a:t>
-            </a:r>
-            <a:r>
-              <a:rPr lang="en-US" b="1" dirty="0" smtClean="0"/>
-              <a:t>();</a:t>
-            </a:r>
-          </a:p>
-          <a:p>
-            <a:r>
-              <a:rPr lang="en-US" b="1" dirty="0" err="1" smtClean="0">
-                <a:solidFill>
-                  <a:srgbClr val="FF0000"/>
-                </a:solidFill>
-              </a:rPr>
-              <a:t>this</a:t>
-            </a:r>
-            <a:r>
-              <a:rPr lang="en-US" b="1" dirty="0" err="1" smtClean="0"/>
-              <a:t>.x</a:t>
-            </a:r>
-            <a:r>
-              <a:rPr lang="en-US" b="1" dirty="0" smtClean="0"/>
-              <a:t> === “global variable”;</a:t>
-            </a:r>
-          </a:p>
-          <a:p>
-            <a:r>
-              <a:rPr lang="en-US" b="1" dirty="0" err="1" smtClean="0">
-                <a:solidFill>
-                  <a:srgbClr val="FF0000"/>
-                </a:solidFill>
-              </a:rPr>
-              <a:t>window</a:t>
-            </a:r>
-            <a:r>
-              <a:rPr lang="en-US" b="1" dirty="0" err="1" smtClean="0"/>
-              <a:t>.x</a:t>
-            </a:r>
-            <a:r>
-              <a:rPr lang="en-US" b="1" dirty="0" smtClean="0"/>
-              <a:t> </a:t>
-            </a:r>
-            <a:r>
-              <a:rPr lang="en-US" b="1" dirty="0"/>
-              <a:t>===  “global variable</a:t>
-            </a:r>
-            <a:r>
-              <a:rPr lang="en-US" b="1" dirty="0" smtClean="0"/>
-              <a:t>”; </a:t>
-            </a:r>
-            <a:r>
-              <a:rPr lang="en-US" dirty="0">
-                <a:solidFill>
-                  <a:schemeClr val="bg1">
-                    <a:lumMod val="50000"/>
-                  </a:schemeClr>
-                </a:solidFill>
-              </a:rPr>
-              <a:t>// true for browsers</a:t>
-            </a:r>
-            <a:endParaRPr lang="en-US" b="1" dirty="0"/>
+              <a:t>&lt;/script&gt;</a:t>
+            </a:r>
           </a:p>
         </p:txBody>
       </p:sp>
     </p:spTree>
     <p:extLst>
       <p:ext uri="{BB962C8B-B14F-4D97-AF65-F5344CB8AC3E}">
-        <p14:creationId xmlns:p14="http://schemas.microsoft.com/office/powerpoint/2010/main" val="2973190636"/>
+        <p14:creationId xmlns:p14="http://schemas.microsoft.com/office/powerpoint/2010/main" val="1403691241"/>
       </p:ext>
     </p:extLst>
   </p:cSld>
   <p:clrMapOvr>
     <a:masterClrMapping/>
   </p:clrMapOvr>
+  <p:transition/>
   <p:timing>
     <p:tnLst>
       <p:par>
@@ -12564,1309 +13049,6 @@
           <a:lstStyle/>
           <a:p>
             <a:r>
-              <a:rPr lang="en-US"/>
-              <a:t>w</a:t>
-            </a:r>
-            <a:r>
-              <a:rPr lang="en-US" smtClean="0"/>
-              <a:t>indow </a:t>
-            </a:r>
-            <a:r>
-              <a:rPr lang="en-US" dirty="0" smtClean="0"/>
-              <a:t>vs global</a:t>
-            </a:r>
-            <a:endParaRPr lang="en-US" dirty="0"/>
-          </a:p>
-        </p:txBody>
-      </p:sp>
-      <p:sp>
-        <p:nvSpPr>
-          <p:cNvPr id="4" name="Rectangle 1"/>
-          <p:cNvSpPr>
-            <a:spLocks noGrp="1" noChangeArrowheads="1"/>
-          </p:cNvSpPr>
-          <p:nvPr>
-            <p:ph idx="1"/>
-          </p:nvPr>
-        </p:nvSpPr>
-        <p:spPr bwMode="auto">
-          <a:xfrm>
-            <a:off x="457200" y="1916832"/>
-            <a:ext cx="5346015" cy="830997"/>
-          </a:xfrm>
-          <a:prstGeom prst="rect">
-            <a:avLst/>
-          </a:prstGeom>
-          <a:noFill/>
-          <a:ln>
-            <a:noFill/>
-          </a:ln>
-          <a:effectLst/>
-          <a:extLst>
-            <a:ext uri="{909E8E84-426E-40DD-AFC4-6F175D3DCCD1}">
-              <a14:hiddenFill xmlns:a14="http://schemas.microsoft.com/office/drawing/2010/main">
-                <a:solidFill>
-                  <a:schemeClr val="accent1"/>
-                </a:solidFill>
-              </a14:hiddenFill>
-            </a:ext>
-            <a:ext uri="{91240B29-F687-4F45-9708-019B960494DF}">
-              <a14:hiddenLine xmlns:a14="http://schemas.microsoft.com/office/drawing/2010/main" w="9525">
-                <a:solidFill>
-                  <a:schemeClr val="tx1"/>
-                </a:solidFill>
-                <a:miter lim="800000"/>
-                <a:headEnd/>
-                <a:tailEnd/>
-              </a14:hiddenLine>
-            </a:ext>
-            <a:ext uri="{AF507438-7753-43E0-B8FC-AC1667EBCBE1}">
-              <a14:hiddenEffects xmlns:a14="http://schemas.microsoft.com/office/drawing/2010/main">
-                <a:effectLst>
-                  <a:outerShdw dist="35921" dir="2700000" algn="ctr" rotWithShape="0">
-                    <a:schemeClr val="bg2"/>
-                  </a:outerShdw>
-                </a:effectLst>
-              </a14:hiddenEffects>
-            </a:ext>
-          </a:extLst>
-        </p:spPr>
-        <p:txBody>
-          <a:bodyPr vert="horz" wrap="none" lIns="0" tIns="0" rIns="0" bIns="0" numCol="1" anchor="ctr" anchorCtr="0" compatLnSpc="1">
-            <a:prstTxWarp prst="textNoShape">
-              <a:avLst/>
-            </a:prstTxWarp>
-            <a:spAutoFit/>
-          </a:bodyPr>
-          <a:lstStyle/>
-          <a:p>
-            <a:pPr marL="0" marR="0" lvl="0" indent="0" algn="l" defTabSz="914400" rtl="0" eaLnBrk="0" fontAlgn="base" latinLnBrk="0" hangingPunct="0">
-              <a:lnSpc>
-                <a:spcPct val="100000"/>
-              </a:lnSpc>
-              <a:spcBef>
-                <a:spcPct val="0"/>
-              </a:spcBef>
-              <a:spcAft>
-                <a:spcPct val="0"/>
-              </a:spcAft>
-              <a:buClrTx/>
-              <a:buSzTx/>
-              <a:buFontTx/>
-              <a:buNone/>
-              <a:tabLst/>
-            </a:pPr>
-            <a:r>
-              <a:rPr kumimoji="0" lang="en-US" altLang="en-US" sz="1800" b="0" i="0" u="none" strike="noStrike" cap="none" normalizeH="0" baseline="0" dirty="0" smtClean="0">
-                <a:ln>
-                  <a:noFill/>
-                </a:ln>
-                <a:solidFill>
-                  <a:srgbClr val="000000"/>
-                </a:solidFill>
-                <a:effectLst/>
-                <a:latin typeface="Ubuntu Mono"/>
-              </a:rPr>
-              <a:t>(</a:t>
-            </a:r>
-            <a:r>
-              <a:rPr kumimoji="0" lang="en-US" altLang="en-US" sz="1800" b="1" i="0" u="none" strike="noStrike" cap="none" normalizeH="0" baseline="0" dirty="0" smtClean="0">
-                <a:ln>
-                  <a:noFill/>
-                </a:ln>
-                <a:solidFill>
-                  <a:srgbClr val="006699"/>
-                </a:solidFill>
-                <a:effectLst/>
-                <a:latin typeface="Ubuntu Mono"/>
-              </a:rPr>
-              <a:t>function</a:t>
-            </a:r>
-            <a:r>
-              <a:rPr kumimoji="0" lang="en-US" altLang="en-US" sz="1800" b="0" i="0" u="none" strike="noStrike" cap="none" normalizeH="0" baseline="0" dirty="0" smtClean="0">
-                <a:ln>
-                  <a:noFill/>
-                </a:ln>
-                <a:solidFill>
-                  <a:srgbClr val="000000"/>
-                </a:solidFill>
-                <a:effectLst/>
-                <a:latin typeface="Ubuntu Mono"/>
-              </a:rPr>
-              <a:t> (</a:t>
-            </a:r>
-            <a:r>
-              <a:rPr kumimoji="0" lang="en-US" altLang="en-US" sz="1800" b="0" i="0" u="none" strike="noStrike" cap="none" normalizeH="0" baseline="0" dirty="0" smtClean="0">
-                <a:ln>
-                  <a:noFill/>
-                </a:ln>
-                <a:solidFill>
-                  <a:srgbClr val="000088"/>
-                </a:solidFill>
-                <a:effectLst/>
-                <a:latin typeface="Ubuntu Mono"/>
-              </a:rPr>
-              <a:t>glob</a:t>
-            </a:r>
-            <a:r>
-              <a:rPr kumimoji="0" lang="en-US" altLang="en-US" sz="1800" b="0" i="0" u="none" strike="noStrike" cap="none" normalizeH="0" baseline="0" dirty="0" smtClean="0">
-                <a:ln>
-                  <a:noFill/>
-                </a:ln>
-                <a:solidFill>
-                  <a:srgbClr val="000000"/>
-                </a:solidFill>
-                <a:effectLst/>
-                <a:latin typeface="Ubuntu Mono"/>
-              </a:rPr>
-              <a:t>) { </a:t>
-            </a:r>
-          </a:p>
-          <a:p>
-            <a:pPr marL="0" marR="0" lvl="0" indent="0" algn="l" defTabSz="914400" rtl="0" eaLnBrk="0" fontAlgn="base" latinLnBrk="0" hangingPunct="0">
-              <a:lnSpc>
-                <a:spcPct val="100000"/>
-              </a:lnSpc>
-              <a:spcBef>
-                <a:spcPct val="0"/>
-              </a:spcBef>
-              <a:spcAft>
-                <a:spcPct val="0"/>
-              </a:spcAft>
-              <a:buClrTx/>
-              <a:buSzTx/>
-              <a:buFontTx/>
-              <a:buNone/>
-              <a:tabLst/>
-            </a:pPr>
-            <a:r>
-              <a:rPr lang="en-US" altLang="en-US" sz="1800" dirty="0">
-                <a:solidFill>
-                  <a:srgbClr val="000000"/>
-                </a:solidFill>
-                <a:latin typeface="Ubuntu Mono"/>
-              </a:rPr>
-              <a:t>	</a:t>
-            </a:r>
-            <a:r>
-              <a:rPr kumimoji="0" lang="en-US" altLang="en-US" sz="1800" b="0" i="1" u="none" strike="noStrike" cap="none" normalizeH="0" baseline="0" dirty="0" smtClean="0">
-                <a:ln>
-                  <a:noFill/>
-                </a:ln>
-                <a:solidFill>
-                  <a:srgbClr val="35586C"/>
-                </a:solidFill>
-                <a:effectLst/>
-                <a:latin typeface="Ubuntu Mono"/>
-              </a:rPr>
-              <a:t>// glob points to global object</a:t>
-            </a:r>
-            <a:r>
-              <a:rPr kumimoji="0" lang="en-US" altLang="en-US" sz="1800" b="0" i="0" u="none" strike="noStrike" cap="none" normalizeH="0" baseline="0" dirty="0" smtClean="0">
-                <a:ln>
-                  <a:noFill/>
-                </a:ln>
-                <a:solidFill>
-                  <a:srgbClr val="000000"/>
-                </a:solidFill>
-                <a:effectLst/>
-                <a:latin typeface="Ubuntu Mono"/>
-              </a:rPr>
-              <a:t> </a:t>
-            </a:r>
-          </a:p>
-          <a:p>
-            <a:pPr marL="0" marR="0" lvl="0" indent="0" algn="l" defTabSz="914400" rtl="0" eaLnBrk="0" fontAlgn="base" latinLnBrk="0" hangingPunct="0">
-              <a:lnSpc>
-                <a:spcPct val="100000"/>
-              </a:lnSpc>
-              <a:spcBef>
-                <a:spcPct val="0"/>
-              </a:spcBef>
-              <a:spcAft>
-                <a:spcPct val="0"/>
-              </a:spcAft>
-              <a:buClrTx/>
-              <a:buSzTx/>
-              <a:buFontTx/>
-              <a:buNone/>
-              <a:tabLst/>
-            </a:pPr>
-            <a:r>
-              <a:rPr kumimoji="0" lang="en-US" altLang="en-US" sz="1800" b="0" i="0" u="none" strike="noStrike" cap="none" normalizeH="0" baseline="0" dirty="0" smtClean="0">
-                <a:ln>
-                  <a:noFill/>
-                </a:ln>
-                <a:solidFill>
-                  <a:srgbClr val="000000"/>
-                </a:solidFill>
-                <a:effectLst/>
-                <a:latin typeface="Ubuntu Mono"/>
-              </a:rPr>
-              <a:t>}(</a:t>
-            </a:r>
-            <a:r>
-              <a:rPr kumimoji="0" lang="en-US" altLang="en-US" sz="1800" b="1" i="0" u="none" strike="noStrike" cap="none" normalizeH="0" baseline="0" dirty="0" err="1" smtClean="0">
-                <a:ln>
-                  <a:noFill/>
-                </a:ln>
-                <a:solidFill>
-                  <a:srgbClr val="006699"/>
-                </a:solidFill>
-                <a:effectLst/>
-                <a:latin typeface="Ubuntu Mono"/>
-              </a:rPr>
-              <a:t>typeof</a:t>
-            </a:r>
-            <a:r>
-              <a:rPr kumimoji="0" lang="en-US" altLang="en-US" sz="1800" b="0" i="0" u="none" strike="noStrike" cap="none" normalizeH="0" baseline="0" dirty="0" smtClean="0">
-                <a:ln>
-                  <a:noFill/>
-                </a:ln>
-                <a:solidFill>
-                  <a:srgbClr val="000000"/>
-                </a:solidFill>
-                <a:effectLst/>
-                <a:latin typeface="Ubuntu Mono"/>
-              </a:rPr>
-              <a:t> </a:t>
-            </a:r>
-            <a:r>
-              <a:rPr kumimoji="0" lang="en-US" altLang="en-US" sz="1800" b="0" i="0" u="none" strike="noStrike" cap="none" normalizeH="0" baseline="0" dirty="0" smtClean="0">
-                <a:ln>
-                  <a:noFill/>
-                </a:ln>
-                <a:solidFill>
-                  <a:srgbClr val="336666"/>
-                </a:solidFill>
-                <a:effectLst/>
-                <a:latin typeface="Ubuntu Mono"/>
-              </a:rPr>
-              <a:t>window</a:t>
-            </a:r>
-            <a:r>
-              <a:rPr kumimoji="0" lang="en-US" altLang="en-US" sz="1800" b="0" i="0" u="none" strike="noStrike" cap="none" normalizeH="0" baseline="0" dirty="0" smtClean="0">
-                <a:ln>
-                  <a:noFill/>
-                </a:ln>
-                <a:solidFill>
-                  <a:srgbClr val="000000"/>
-                </a:solidFill>
-                <a:effectLst/>
-                <a:latin typeface="Ubuntu Mono"/>
-              </a:rPr>
-              <a:t> </a:t>
-            </a:r>
-            <a:r>
-              <a:rPr kumimoji="0" lang="en-US" altLang="en-US" sz="1800" b="0" i="0" u="none" strike="noStrike" cap="none" normalizeH="0" baseline="0" dirty="0" smtClean="0">
-                <a:ln>
-                  <a:noFill/>
-                </a:ln>
-                <a:solidFill>
-                  <a:srgbClr val="555555"/>
-                </a:solidFill>
-                <a:effectLst/>
-                <a:latin typeface="Ubuntu Mono"/>
-              </a:rPr>
-              <a:t>!==</a:t>
-            </a:r>
-            <a:r>
-              <a:rPr kumimoji="0" lang="en-US" altLang="en-US" sz="1800" b="0" i="0" u="none" strike="noStrike" cap="none" normalizeH="0" baseline="0" dirty="0" smtClean="0">
-                <a:ln>
-                  <a:noFill/>
-                </a:ln>
-                <a:solidFill>
-                  <a:srgbClr val="000000"/>
-                </a:solidFill>
-                <a:effectLst/>
-                <a:latin typeface="Ubuntu Mono"/>
-              </a:rPr>
-              <a:t> </a:t>
-            </a:r>
-            <a:r>
-              <a:rPr kumimoji="0" lang="en-US" altLang="en-US" sz="1800" b="0" i="0" u="none" strike="noStrike" cap="none" normalizeH="0" baseline="0" dirty="0" smtClean="0">
-                <a:ln>
-                  <a:noFill/>
-                </a:ln>
-                <a:solidFill>
-                  <a:srgbClr val="CC3300"/>
-                </a:solidFill>
-                <a:effectLst/>
-                <a:latin typeface="Ubuntu Mono"/>
-              </a:rPr>
-              <a:t>'undefined'</a:t>
-            </a:r>
-            <a:r>
-              <a:rPr kumimoji="0" lang="en-US" altLang="en-US" sz="1800" b="0" i="0" u="none" strike="noStrike" cap="none" normalizeH="0" baseline="0" dirty="0" smtClean="0">
-                <a:ln>
-                  <a:noFill/>
-                </a:ln>
-                <a:solidFill>
-                  <a:srgbClr val="000000"/>
-                </a:solidFill>
-                <a:effectLst/>
-                <a:latin typeface="Ubuntu Mono"/>
-              </a:rPr>
-              <a:t> </a:t>
-            </a:r>
-            <a:r>
-              <a:rPr kumimoji="0" lang="en-US" altLang="en-US" sz="1800" b="0" i="0" u="none" strike="noStrike" cap="none" normalizeH="0" baseline="0" dirty="0" smtClean="0">
-                <a:ln>
-                  <a:noFill/>
-                </a:ln>
-                <a:solidFill>
-                  <a:srgbClr val="555555"/>
-                </a:solidFill>
-                <a:effectLst/>
-                <a:latin typeface="Ubuntu Mono"/>
-              </a:rPr>
-              <a:t>?</a:t>
-            </a:r>
-            <a:r>
-              <a:rPr kumimoji="0" lang="en-US" altLang="en-US" sz="1800" b="0" i="0" u="none" strike="noStrike" cap="none" normalizeH="0" baseline="0" dirty="0" smtClean="0">
-                <a:ln>
-                  <a:noFill/>
-                </a:ln>
-                <a:solidFill>
-                  <a:srgbClr val="000000"/>
-                </a:solidFill>
-                <a:effectLst/>
-                <a:latin typeface="Ubuntu Mono"/>
-              </a:rPr>
-              <a:t> </a:t>
-            </a:r>
-            <a:r>
-              <a:rPr kumimoji="0" lang="en-US" altLang="en-US" sz="1800" b="0" i="0" u="none" strike="noStrike" cap="none" normalizeH="0" baseline="0" dirty="0" smtClean="0">
-                <a:ln>
-                  <a:noFill/>
-                </a:ln>
-                <a:solidFill>
-                  <a:srgbClr val="336666"/>
-                </a:solidFill>
-                <a:effectLst/>
-                <a:latin typeface="Ubuntu Mono"/>
-              </a:rPr>
-              <a:t>window</a:t>
-            </a:r>
-            <a:r>
-              <a:rPr kumimoji="0" lang="en-US" altLang="en-US" sz="1800" b="0" i="0" u="none" strike="noStrike" cap="none" normalizeH="0" baseline="0" dirty="0" smtClean="0">
-                <a:ln>
-                  <a:noFill/>
-                </a:ln>
-                <a:solidFill>
-                  <a:srgbClr val="000000"/>
-                </a:solidFill>
-                <a:effectLst/>
-                <a:latin typeface="Ubuntu Mono"/>
-              </a:rPr>
-              <a:t> </a:t>
-            </a:r>
-            <a:r>
-              <a:rPr kumimoji="0" lang="en-US" altLang="en-US" sz="1800" b="0" i="0" u="none" strike="noStrike" cap="none" normalizeH="0" baseline="0" dirty="0" smtClean="0">
-                <a:ln>
-                  <a:noFill/>
-                </a:ln>
-                <a:solidFill>
-                  <a:srgbClr val="555555"/>
-                </a:solidFill>
-                <a:effectLst/>
-                <a:latin typeface="Ubuntu Mono"/>
-              </a:rPr>
-              <a:t>:</a:t>
-            </a:r>
-            <a:r>
-              <a:rPr kumimoji="0" lang="en-US" altLang="en-US" sz="1800" b="0" i="0" u="none" strike="noStrike" cap="none" normalizeH="0" baseline="0" dirty="0" smtClean="0">
-                <a:ln>
-                  <a:noFill/>
-                </a:ln>
-                <a:solidFill>
-                  <a:srgbClr val="000000"/>
-                </a:solidFill>
-                <a:effectLst/>
-                <a:latin typeface="Ubuntu Mono"/>
-              </a:rPr>
-              <a:t> </a:t>
-            </a:r>
-            <a:r>
-              <a:rPr kumimoji="0" lang="en-US" altLang="en-US" sz="1800" b="0" i="0" u="none" strike="noStrike" cap="none" normalizeH="0" baseline="0" dirty="0" smtClean="0">
-                <a:ln>
-                  <a:noFill/>
-                </a:ln>
-                <a:solidFill>
-                  <a:srgbClr val="000088"/>
-                </a:solidFill>
-                <a:effectLst/>
-                <a:latin typeface="Ubuntu Mono"/>
-              </a:rPr>
-              <a:t>global</a:t>
-            </a:r>
-            <a:r>
-              <a:rPr kumimoji="0" lang="en-US" altLang="en-US" sz="1800" b="0" i="0" u="none" strike="noStrike" cap="none" normalizeH="0" baseline="0" dirty="0" smtClean="0">
-                <a:ln>
-                  <a:noFill/>
-                </a:ln>
-                <a:solidFill>
-                  <a:srgbClr val="000000"/>
-                </a:solidFill>
-                <a:effectLst/>
-                <a:latin typeface="Ubuntu Mono"/>
-              </a:rPr>
-              <a:t>));</a:t>
-            </a:r>
-            <a:r>
-              <a:rPr kumimoji="0" lang="en-US" altLang="en-US" sz="1800" b="0" i="0" u="none" strike="noStrike" cap="none" normalizeH="0" baseline="0" dirty="0" smtClean="0">
-                <a:ln>
-                  <a:noFill/>
-                </a:ln>
-                <a:solidFill>
-                  <a:schemeClr val="tx1"/>
-                </a:solidFill>
-                <a:effectLst/>
-              </a:rPr>
-              <a:t> </a:t>
-            </a:r>
-            <a:endParaRPr kumimoji="0" lang="en-US" altLang="en-US" sz="1800" b="0" i="0" u="none" strike="noStrike" cap="none" normalizeH="0" baseline="0" dirty="0" smtClean="0">
-              <a:ln>
-                <a:noFill/>
-              </a:ln>
-              <a:solidFill>
-                <a:schemeClr val="tx1"/>
-              </a:solidFill>
-              <a:effectLst/>
-              <a:latin typeface="Arial" panose="020B0604020202020204" pitchFamily="34" charset="0"/>
-            </a:endParaRPr>
-          </a:p>
-        </p:txBody>
-      </p:sp>
-    </p:spTree>
-    <p:extLst>
-      <p:ext uri="{BB962C8B-B14F-4D97-AF65-F5344CB8AC3E}">
-        <p14:creationId xmlns:p14="http://schemas.microsoft.com/office/powerpoint/2010/main" val="1897574044"/>
-      </p:ext>
-    </p:extLst>
-  </p:cSld>
-  <p:clrMapOvr>
-    <a:masterClrMapping/>
-  </p:clrMapOvr>
-</p:sld>
-</file>
-
-<file path=ppt/slides/slide3.xml><?xml version="1.0" encoding="utf-8"?>
-<p:sld xmlns:a="http://schemas.openxmlformats.org/drawingml/2006/main" xmlns:r="http://schemas.openxmlformats.org/officeDocument/2006/relationships" xmlns:p="http://schemas.openxmlformats.org/presentationml/2006/main">
-  <p:cSld>
-    <p:spTree>
-      <p:nvGrpSpPr>
-        <p:cNvPr id="1" name=""/>
-        <p:cNvGrpSpPr/>
-        <p:nvPr/>
-      </p:nvGrpSpPr>
-      <p:grpSpPr>
-        <a:xfrm>
-          <a:off x="0" y="0"/>
-          <a:ext cx="0" cy="0"/>
-          <a:chOff x="0" y="0"/>
-          <a:chExt cx="0" cy="0"/>
-        </a:xfrm>
-      </p:grpSpPr>
-      <p:sp>
-        <p:nvSpPr>
-          <p:cNvPr id="2" name="Title 1"/>
-          <p:cNvSpPr>
-            <a:spLocks noGrp="1"/>
-          </p:cNvSpPr>
-          <p:nvPr>
-            <p:ph type="ctrTitle"/>
-          </p:nvPr>
-        </p:nvSpPr>
-        <p:spPr>
-          <a:xfrm>
-            <a:off x="1163574" y="2254520"/>
-            <a:ext cx="6858000" cy="1790700"/>
-          </a:xfrm>
-        </p:spPr>
-        <p:txBody>
-          <a:bodyPr>
-            <a:normAutofit fontScale="90000"/>
-          </a:bodyPr>
-          <a:lstStyle/>
-          <a:p>
-            <a:r>
-              <a:rPr lang="en-US" dirty="0"/>
-              <a:t>ECMAScript </a:t>
-            </a:r>
-            <a:r>
-              <a:rPr lang="en-US" dirty="0" smtClean="0"/>
-              <a:t>Harmony</a:t>
-            </a:r>
-            <a:br>
-              <a:rPr lang="en-US" dirty="0" smtClean="0"/>
-            </a:br>
-            <a:r>
-              <a:rPr lang="en-US" dirty="0" err="1"/>
-              <a:t>ECMAScript.next</a:t>
-            </a:r>
-            <a:r>
-              <a:rPr lang="en-US" dirty="0" smtClean="0"/>
-              <a:t/>
-            </a:r>
-            <a:br>
-              <a:rPr lang="en-US" dirty="0" smtClean="0"/>
-            </a:br>
-            <a:r>
-              <a:rPr lang="en-US" dirty="0" smtClean="0"/>
-              <a:t>ECMAScript 6 (or </a:t>
-            </a:r>
-            <a:r>
-              <a:rPr lang="en-US" dirty="0"/>
-              <a:t>ES6</a:t>
-            </a:r>
-            <a:r>
-              <a:rPr lang="en-US" dirty="0" smtClean="0"/>
-              <a:t>)</a:t>
-            </a:r>
-            <a:br>
-              <a:rPr lang="en-US" dirty="0" smtClean="0"/>
-            </a:br>
-            <a:r>
-              <a:rPr lang="en-US" dirty="0"/>
-              <a:t> ECMAScript 2015</a:t>
-            </a:r>
-          </a:p>
-        </p:txBody>
-      </p:sp>
-    </p:spTree>
-    <p:extLst>
-      <p:ext uri="{BB962C8B-B14F-4D97-AF65-F5344CB8AC3E}">
-        <p14:creationId xmlns:p14="http://schemas.microsoft.com/office/powerpoint/2010/main" val="1200944097"/>
-      </p:ext>
-    </p:extLst>
-  </p:cSld>
-  <p:clrMapOvr>
-    <a:masterClrMapping/>
-  </p:clrMapOvr>
-  <p:timing>
-    <p:tnLst>
-      <p:par>
-        <p:cTn id="1" dur="indefinite" restart="never" nodeType="tmRoot"/>
-      </p:par>
-    </p:tnLst>
-  </p:timing>
-</p:sld>
-</file>
-
-<file path=ppt/slides/slide30.xml><?xml version="1.0" encoding="utf-8"?>
-<p:sld xmlns:a="http://schemas.openxmlformats.org/drawingml/2006/main" xmlns:r="http://schemas.openxmlformats.org/officeDocument/2006/relationships" xmlns:p="http://schemas.openxmlformats.org/presentationml/2006/main">
-  <p:cSld>
-    <p:spTree>
-      <p:nvGrpSpPr>
-        <p:cNvPr id="1" name=""/>
-        <p:cNvGrpSpPr/>
-        <p:nvPr/>
-      </p:nvGrpSpPr>
-      <p:grpSpPr>
-        <a:xfrm>
-          <a:off x="0" y="0"/>
-          <a:ext cx="0" cy="0"/>
-          <a:chOff x="0" y="0"/>
-          <a:chExt cx="0" cy="0"/>
-        </a:xfrm>
-      </p:grpSpPr>
-      <p:sp>
-        <p:nvSpPr>
-          <p:cNvPr id="2" name="Title 1"/>
-          <p:cNvSpPr>
-            <a:spLocks noGrp="1"/>
-          </p:cNvSpPr>
-          <p:nvPr>
-            <p:ph type="title"/>
-          </p:nvPr>
-        </p:nvSpPr>
-        <p:spPr/>
-        <p:txBody>
-          <a:bodyPr>
-            <a:normAutofit/>
-          </a:bodyPr>
-          <a:lstStyle/>
-          <a:p>
-            <a:r>
-              <a:rPr lang="en-US" b="1" dirty="0"/>
-              <a:t>Global variables are </a:t>
-            </a:r>
-            <a:r>
-              <a:rPr lang="en-US" b="1" dirty="0" smtClean="0"/>
-              <a:t>evil</a:t>
-            </a:r>
-            <a:endParaRPr lang="en-US" dirty="0"/>
-          </a:p>
-        </p:txBody>
-      </p:sp>
-      <p:sp>
-        <p:nvSpPr>
-          <p:cNvPr id="3" name="Content Placeholder 2"/>
-          <p:cNvSpPr>
-            <a:spLocks noGrp="1"/>
-          </p:cNvSpPr>
-          <p:nvPr>
-            <p:ph idx="1"/>
-          </p:nvPr>
-        </p:nvSpPr>
-        <p:spPr/>
-        <p:txBody>
-          <a:bodyPr/>
-          <a:lstStyle/>
-          <a:p>
-            <a:r>
-              <a:rPr lang="en-US" dirty="0" smtClean="0"/>
-              <a:t>They are less </a:t>
-            </a:r>
-            <a:r>
-              <a:rPr lang="en-US" dirty="0"/>
-              <a:t>robust, behave less predictably, and are less reusable</a:t>
-            </a:r>
-            <a:r>
-              <a:rPr lang="en-US" dirty="0" smtClean="0"/>
-              <a:t>.</a:t>
-            </a:r>
-          </a:p>
-          <a:p>
-            <a:r>
-              <a:rPr lang="en-US" dirty="0" smtClean="0"/>
-              <a:t>Name clashes. Your </a:t>
-            </a:r>
-            <a:r>
-              <a:rPr lang="en-US" dirty="0"/>
-              <a:t>code, built-ins, analytics code, social media </a:t>
-            </a:r>
-            <a:r>
-              <a:rPr lang="en-US" dirty="0" smtClean="0"/>
-              <a:t>buttons use the same global scope.</a:t>
-            </a:r>
-            <a:endParaRPr lang="en-US" dirty="0"/>
-          </a:p>
-        </p:txBody>
-      </p:sp>
-    </p:spTree>
-    <p:extLst>
-      <p:ext uri="{BB962C8B-B14F-4D97-AF65-F5344CB8AC3E}">
-        <p14:creationId xmlns:p14="http://schemas.microsoft.com/office/powerpoint/2010/main" val="704371220"/>
-      </p:ext>
-    </p:extLst>
-  </p:cSld>
-  <p:clrMapOvr>
-    <a:masterClrMapping/>
-  </p:clrMapOvr>
-</p:sld>
-</file>
-
-<file path=ppt/slides/slide31.xml><?xml version="1.0" encoding="utf-8"?>
-<p:sld xmlns:a="http://schemas.openxmlformats.org/drawingml/2006/main" xmlns:r="http://schemas.openxmlformats.org/officeDocument/2006/relationships" xmlns:p="http://schemas.openxmlformats.org/presentationml/2006/main">
-  <p:cSld>
-    <p:spTree>
-      <p:nvGrpSpPr>
-        <p:cNvPr id="1" name=""/>
-        <p:cNvGrpSpPr/>
-        <p:nvPr/>
-      </p:nvGrpSpPr>
-      <p:grpSpPr>
-        <a:xfrm>
-          <a:off x="0" y="0"/>
-          <a:ext cx="0" cy="0"/>
-          <a:chOff x="0" y="0"/>
-          <a:chExt cx="0" cy="0"/>
-        </a:xfrm>
-      </p:grpSpPr>
-      <p:sp>
-        <p:nvSpPr>
-          <p:cNvPr id="2" name="Заголовок 1"/>
-          <p:cNvSpPr>
-            <a:spLocks noGrp="1"/>
-          </p:cNvSpPr>
-          <p:nvPr>
-            <p:ph type="ctrTitle"/>
-          </p:nvPr>
-        </p:nvSpPr>
-        <p:spPr>
-          <a:xfrm>
-            <a:off x="1625183" y="964389"/>
-            <a:ext cx="5829300" cy="396480"/>
-          </a:xfrm>
-        </p:spPr>
-        <p:txBody>
-          <a:bodyPr>
-            <a:normAutofit fontScale="90000"/>
-          </a:bodyPr>
-          <a:lstStyle/>
-          <a:p>
-            <a:r>
-              <a:rPr lang="en-US" b="1" dirty="0" err="1" smtClean="0">
-                <a:ea typeface="ＭＳ Ｐゴシック" pitchFamily="34" charset="-128"/>
-              </a:rPr>
-              <a:t>Globals</a:t>
-            </a:r>
-            <a:endParaRPr lang="en-US" b="1" dirty="0">
-              <a:solidFill>
-                <a:schemeClr val="tx1">
-                  <a:lumMod val="65000"/>
-                  <a:lumOff val="35000"/>
-                </a:schemeClr>
-              </a:solidFill>
-            </a:endParaRPr>
-          </a:p>
-        </p:txBody>
-      </p:sp>
-      <p:sp>
-        <p:nvSpPr>
-          <p:cNvPr id="6" name="Rectangle 5"/>
-          <p:cNvSpPr/>
-          <p:nvPr/>
-        </p:nvSpPr>
-        <p:spPr>
-          <a:xfrm>
-            <a:off x="1439652" y="1538791"/>
-            <a:ext cx="5994666" cy="4247317"/>
-          </a:xfrm>
-          <a:prstGeom prst="rect">
-            <a:avLst/>
-          </a:prstGeom>
-        </p:spPr>
-        <p:style>
-          <a:lnRef idx="1">
-            <a:schemeClr val="dk1"/>
-          </a:lnRef>
-          <a:fillRef idx="2">
-            <a:schemeClr val="dk1"/>
-          </a:fillRef>
-          <a:effectRef idx="1">
-            <a:schemeClr val="dk1"/>
-          </a:effectRef>
-          <a:fontRef idx="minor">
-            <a:schemeClr val="dk1"/>
-          </a:fontRef>
-        </p:style>
-        <p:txBody>
-          <a:bodyPr wrap="square">
-            <a:spAutoFit/>
-          </a:bodyPr>
-          <a:lstStyle/>
-          <a:p>
-            <a:r>
-              <a:rPr lang="en-US" sz="1350" dirty="0">
-                <a:solidFill>
-                  <a:srgbClr val="006400"/>
-                </a:solidFill>
-                <a:latin typeface="Consolas"/>
-              </a:rPr>
-              <a:t>// </a:t>
-            </a:r>
-            <a:r>
-              <a:rPr lang="en-US" sz="1350" dirty="0" err="1">
-                <a:solidFill>
-                  <a:srgbClr val="006400"/>
-                </a:solidFill>
-                <a:latin typeface="Consolas"/>
-              </a:rPr>
-              <a:t>antipattern</a:t>
-            </a:r>
-            <a:endParaRPr lang="en-US" sz="1350" dirty="0">
-              <a:solidFill>
-                <a:srgbClr val="0000FF"/>
-              </a:solidFill>
-              <a:latin typeface="Consolas"/>
-            </a:endParaRPr>
-          </a:p>
-          <a:p>
-            <a:r>
-              <a:rPr lang="en-US" sz="1350" dirty="0">
-                <a:solidFill>
-                  <a:srgbClr val="0000FF"/>
-                </a:solidFill>
-                <a:latin typeface="Consolas"/>
-              </a:rPr>
-              <a:t>function</a:t>
-            </a:r>
-            <a:r>
-              <a:rPr lang="en-US" sz="1350" dirty="0">
-                <a:solidFill>
-                  <a:prstClr val="black"/>
-                </a:solidFill>
-                <a:latin typeface="Consolas"/>
-              </a:rPr>
-              <a:t> sum(x, y) {</a:t>
-            </a:r>
-          </a:p>
-          <a:p>
-            <a:pPr lvl="1"/>
-            <a:r>
-              <a:rPr lang="en-US" sz="1350" dirty="0">
-                <a:solidFill>
-                  <a:srgbClr val="006400"/>
-                </a:solidFill>
-                <a:latin typeface="Consolas"/>
-              </a:rPr>
-              <a:t>// implied global</a:t>
-            </a:r>
-            <a:endParaRPr lang="en-US" sz="1350" dirty="0">
-              <a:solidFill>
-                <a:prstClr val="black"/>
-              </a:solidFill>
-              <a:latin typeface="Consolas"/>
-            </a:endParaRPr>
-          </a:p>
-          <a:p>
-            <a:pPr lvl="1"/>
-            <a:r>
-              <a:rPr lang="en-US" sz="1350" dirty="0">
-                <a:solidFill>
-                  <a:prstClr val="black"/>
-                </a:solidFill>
-                <a:latin typeface="Consolas"/>
-              </a:rPr>
-              <a:t>result = x + y;</a:t>
-            </a:r>
-          </a:p>
-          <a:p>
-            <a:pPr lvl="1"/>
-            <a:r>
-              <a:rPr lang="en-US" sz="1350" dirty="0">
-                <a:solidFill>
-                  <a:srgbClr val="0000FF"/>
-                </a:solidFill>
-                <a:latin typeface="Consolas"/>
-              </a:rPr>
-              <a:t>return</a:t>
-            </a:r>
-            <a:r>
-              <a:rPr lang="en-US" sz="1350" dirty="0">
-                <a:solidFill>
-                  <a:prstClr val="black"/>
-                </a:solidFill>
-                <a:latin typeface="Consolas"/>
-              </a:rPr>
-              <a:t> result;</a:t>
-            </a:r>
-          </a:p>
-          <a:p>
-            <a:r>
-              <a:rPr lang="en-US" sz="1350" dirty="0">
-                <a:solidFill>
-                  <a:prstClr val="black"/>
-                </a:solidFill>
-                <a:latin typeface="Consolas"/>
-              </a:rPr>
-              <a:t>}</a:t>
-            </a:r>
-          </a:p>
-          <a:p>
-            <a:endParaRPr lang="en-US" sz="1350" dirty="0">
-              <a:solidFill>
-                <a:srgbClr val="006400"/>
-              </a:solidFill>
-              <a:latin typeface="Consolas"/>
-            </a:endParaRPr>
-          </a:p>
-          <a:p>
-            <a:endParaRPr lang="en-US" sz="1350" dirty="0">
-              <a:solidFill>
-                <a:srgbClr val="006400"/>
-              </a:solidFill>
-              <a:latin typeface="Consolas"/>
-            </a:endParaRPr>
-          </a:p>
-          <a:p>
-            <a:r>
-              <a:rPr lang="en-US" sz="1350" dirty="0">
-                <a:solidFill>
-                  <a:srgbClr val="006400"/>
-                </a:solidFill>
-                <a:latin typeface="Consolas"/>
-              </a:rPr>
-              <a:t>// </a:t>
-            </a:r>
-            <a:r>
-              <a:rPr lang="en-US" sz="1350" dirty="0" err="1">
-                <a:solidFill>
-                  <a:srgbClr val="006400"/>
-                </a:solidFill>
-                <a:latin typeface="Consolas"/>
-              </a:rPr>
-              <a:t>antipattern</a:t>
-            </a:r>
-            <a:endParaRPr lang="en-US" sz="1350" dirty="0">
-              <a:solidFill>
-                <a:prstClr val="black"/>
-              </a:solidFill>
-              <a:latin typeface="Consolas"/>
-            </a:endParaRPr>
-          </a:p>
-          <a:p>
-            <a:r>
-              <a:rPr lang="en-US" sz="1350" dirty="0">
-                <a:solidFill>
-                  <a:srgbClr val="0000FF"/>
-                </a:solidFill>
-                <a:latin typeface="Consolas"/>
-              </a:rPr>
-              <a:t>function</a:t>
-            </a:r>
-            <a:r>
-              <a:rPr lang="en-US" sz="1350" dirty="0">
-                <a:solidFill>
-                  <a:prstClr val="black"/>
-                </a:solidFill>
-                <a:latin typeface="Consolas"/>
-              </a:rPr>
-              <a:t> foo() {</a:t>
-            </a:r>
-          </a:p>
-          <a:p>
-            <a:pPr lvl="1"/>
-            <a:r>
-              <a:rPr lang="en-US" sz="1350" dirty="0" err="1">
-                <a:solidFill>
-                  <a:srgbClr val="0000FF"/>
-                </a:solidFill>
-                <a:latin typeface="Consolas"/>
-              </a:rPr>
-              <a:t>var</a:t>
-            </a:r>
-            <a:r>
-              <a:rPr lang="en-US" sz="1350" dirty="0">
-                <a:solidFill>
-                  <a:prstClr val="black"/>
-                </a:solidFill>
-                <a:latin typeface="Consolas"/>
-              </a:rPr>
-              <a:t> a = b = 0;</a:t>
-            </a:r>
-          </a:p>
-          <a:p>
-            <a:pPr lvl="1"/>
-            <a:r>
-              <a:rPr lang="en-US" sz="1350" dirty="0">
-                <a:solidFill>
-                  <a:srgbClr val="006400"/>
-                </a:solidFill>
-                <a:latin typeface="Consolas"/>
-              </a:rPr>
-              <a:t>// ...</a:t>
-            </a:r>
-            <a:endParaRPr lang="en-US" sz="1350" dirty="0">
-              <a:solidFill>
-                <a:prstClr val="black"/>
-              </a:solidFill>
-              <a:latin typeface="Consolas"/>
-            </a:endParaRPr>
-          </a:p>
-          <a:p>
-            <a:r>
-              <a:rPr lang="en-US" sz="1350" dirty="0">
-                <a:solidFill>
-                  <a:prstClr val="black"/>
-                </a:solidFill>
-                <a:latin typeface="Consolas"/>
-              </a:rPr>
-              <a:t>}</a:t>
-            </a:r>
-          </a:p>
-          <a:p>
-            <a:endParaRPr lang="en-US" sz="1350" dirty="0">
-              <a:solidFill>
-                <a:prstClr val="black"/>
-              </a:solidFill>
-              <a:latin typeface="Consolas"/>
-            </a:endParaRPr>
-          </a:p>
-          <a:p>
-            <a:r>
-              <a:rPr lang="en-US" sz="1350" dirty="0">
-                <a:solidFill>
-                  <a:srgbClr val="006400"/>
-                </a:solidFill>
-                <a:latin typeface="Consolas"/>
-              </a:rPr>
-              <a:t>// preferred</a:t>
-            </a:r>
-            <a:endParaRPr lang="en-US" sz="1350" dirty="0">
-              <a:solidFill>
-                <a:prstClr val="black"/>
-              </a:solidFill>
-              <a:latin typeface="Consolas"/>
-            </a:endParaRPr>
-          </a:p>
-          <a:p>
-            <a:r>
-              <a:rPr lang="en-US" sz="1350" dirty="0">
-                <a:solidFill>
-                  <a:srgbClr val="0000FF"/>
-                </a:solidFill>
-                <a:latin typeface="Consolas"/>
-              </a:rPr>
-              <a:t>function</a:t>
-            </a:r>
-            <a:r>
-              <a:rPr lang="en-US" sz="1350" dirty="0">
-                <a:solidFill>
-                  <a:prstClr val="black"/>
-                </a:solidFill>
-                <a:latin typeface="Consolas"/>
-              </a:rPr>
-              <a:t> foo() {</a:t>
-            </a:r>
-          </a:p>
-          <a:p>
-            <a:pPr lvl="1"/>
-            <a:r>
-              <a:rPr lang="en-US" sz="1350" dirty="0" err="1">
-                <a:solidFill>
-                  <a:srgbClr val="0000FF"/>
-                </a:solidFill>
-                <a:latin typeface="Consolas"/>
-              </a:rPr>
-              <a:t>var</a:t>
-            </a:r>
-            <a:r>
-              <a:rPr lang="en-US" sz="1350" dirty="0">
-                <a:solidFill>
-                  <a:prstClr val="black"/>
-                </a:solidFill>
-                <a:latin typeface="Consolas"/>
-              </a:rPr>
-              <a:t> a, b;</a:t>
-            </a:r>
-          </a:p>
-          <a:p>
-            <a:pPr lvl="1"/>
-            <a:r>
-              <a:rPr lang="en-US" sz="1350" dirty="0">
-                <a:solidFill>
-                  <a:srgbClr val="006400"/>
-                </a:solidFill>
-                <a:latin typeface="Consolas"/>
-              </a:rPr>
-              <a:t>// ...</a:t>
-            </a:r>
-            <a:endParaRPr lang="en-US" sz="1350" dirty="0">
-              <a:solidFill>
-                <a:prstClr val="black"/>
-              </a:solidFill>
-              <a:latin typeface="Consolas"/>
-            </a:endParaRPr>
-          </a:p>
-          <a:p>
-            <a:pPr lvl="1"/>
-            <a:r>
-              <a:rPr lang="en-US" sz="1350" dirty="0">
-                <a:solidFill>
-                  <a:prstClr val="black"/>
-                </a:solidFill>
-                <a:latin typeface="Consolas"/>
-              </a:rPr>
-              <a:t>a = b = 0; </a:t>
-            </a:r>
-            <a:r>
-              <a:rPr lang="en-US" sz="1350" dirty="0">
-                <a:solidFill>
-                  <a:srgbClr val="006400"/>
-                </a:solidFill>
-                <a:latin typeface="Consolas"/>
-              </a:rPr>
-              <a:t>// both local</a:t>
-            </a:r>
-            <a:endParaRPr lang="en-US" sz="1350" dirty="0">
-              <a:solidFill>
-                <a:prstClr val="black"/>
-              </a:solidFill>
-              <a:latin typeface="Consolas"/>
-            </a:endParaRPr>
-          </a:p>
-          <a:p>
-            <a:r>
-              <a:rPr lang="en-US" sz="1350" dirty="0">
-                <a:solidFill>
-                  <a:prstClr val="black"/>
-                </a:solidFill>
-                <a:latin typeface="Consolas"/>
-              </a:rPr>
-              <a:t>}</a:t>
-            </a:r>
-          </a:p>
-        </p:txBody>
-      </p:sp>
-    </p:spTree>
-    <p:extLst>
-      <p:ext uri="{BB962C8B-B14F-4D97-AF65-F5344CB8AC3E}">
-        <p14:creationId xmlns:p14="http://schemas.microsoft.com/office/powerpoint/2010/main" val="578045096"/>
-      </p:ext>
-    </p:extLst>
-  </p:cSld>
-  <p:clrMapOvr>
-    <a:masterClrMapping/>
-  </p:clrMapOvr>
-  <p:transition/>
-  <p:timing>
-    <p:tnLst>
-      <p:par>
-        <p:cTn id="1" dur="indefinite" restart="never" nodeType="tmRoot"/>
-      </p:par>
-    </p:tnLst>
-  </p:timing>
-</p:sld>
-</file>
-
-<file path=ppt/slides/slide32.xml><?xml version="1.0" encoding="utf-8"?>
-<p:sld xmlns:a="http://schemas.openxmlformats.org/drawingml/2006/main" xmlns:r="http://schemas.openxmlformats.org/officeDocument/2006/relationships" xmlns:p="http://schemas.openxmlformats.org/presentationml/2006/main">
-  <p:cSld>
-    <p:spTree>
-      <p:nvGrpSpPr>
-        <p:cNvPr id="1" name=""/>
-        <p:cNvGrpSpPr/>
-        <p:nvPr/>
-      </p:nvGrpSpPr>
-      <p:grpSpPr>
-        <a:xfrm>
-          <a:off x="0" y="0"/>
-          <a:ext cx="0" cy="0"/>
-          <a:chOff x="0" y="0"/>
-          <a:chExt cx="0" cy="0"/>
-        </a:xfrm>
-      </p:grpSpPr>
-      <p:sp>
-        <p:nvSpPr>
-          <p:cNvPr id="7" name="Rectangle 6"/>
-          <p:cNvSpPr/>
-          <p:nvPr/>
-        </p:nvSpPr>
-        <p:spPr>
-          <a:xfrm>
-            <a:off x="2357754" y="1714488"/>
-            <a:ext cx="4080516" cy="2031325"/>
-          </a:xfrm>
-          <a:prstGeom prst="rect">
-            <a:avLst/>
-          </a:prstGeom>
-        </p:spPr>
-        <p:txBody>
-          <a:bodyPr wrap="square">
-            <a:spAutoFit/>
-          </a:bodyPr>
-          <a:lstStyle/>
-          <a:p>
-            <a:r>
-              <a:rPr lang="en-US" sz="2100" b="1" dirty="0">
-                <a:solidFill>
-                  <a:schemeClr val="bg1">
-                    <a:lumMod val="50000"/>
-                  </a:schemeClr>
-                </a:solidFill>
-              </a:rPr>
-              <a:t>&lt;script&gt;</a:t>
-            </a:r>
-            <a:endParaRPr lang="en-US" sz="2100" b="1" dirty="0"/>
-          </a:p>
-          <a:p>
-            <a:pPr lvl="1"/>
-            <a:r>
-              <a:rPr lang="en-US" sz="2100" b="1" dirty="0"/>
-              <a:t>if (("a" in window) == false) {</a:t>
-            </a:r>
-          </a:p>
-          <a:p>
-            <a:pPr lvl="1"/>
-            <a:r>
-              <a:rPr lang="en-US" sz="2100" b="1" dirty="0"/>
-              <a:t>    </a:t>
-            </a:r>
-            <a:r>
-              <a:rPr lang="en-US" sz="2100" b="1" dirty="0" err="1"/>
-              <a:t>var</a:t>
-            </a:r>
-            <a:r>
-              <a:rPr lang="en-US" sz="2100" b="1" dirty="0"/>
-              <a:t> a = 1; </a:t>
-            </a:r>
-          </a:p>
-          <a:p>
-            <a:pPr lvl="1"/>
-            <a:r>
-              <a:rPr lang="en-US" sz="2100" b="1" dirty="0"/>
-              <a:t>}</a:t>
-            </a:r>
-          </a:p>
-          <a:p>
-            <a:pPr lvl="1"/>
-            <a:r>
-              <a:rPr lang="en-US" sz="2100" b="1" dirty="0"/>
-              <a:t>alert(a);</a:t>
-            </a:r>
-          </a:p>
-          <a:p>
-            <a:r>
-              <a:rPr lang="en-US" sz="2100" b="1" dirty="0">
-                <a:solidFill>
-                  <a:schemeClr val="bg1">
-                    <a:lumMod val="50000"/>
-                  </a:schemeClr>
-                </a:solidFill>
-              </a:rPr>
-              <a:t>&lt;/script&gt;</a:t>
-            </a:r>
-          </a:p>
-        </p:txBody>
-      </p:sp>
-    </p:spTree>
-    <p:extLst>
-      <p:ext uri="{BB962C8B-B14F-4D97-AF65-F5344CB8AC3E}">
-        <p14:creationId xmlns:p14="http://schemas.microsoft.com/office/powerpoint/2010/main" val="1403691241"/>
-      </p:ext>
-    </p:extLst>
-  </p:cSld>
-  <p:clrMapOvr>
-    <a:masterClrMapping/>
-  </p:clrMapOvr>
-  <p:transition/>
-  <p:timing>
-    <p:tnLst>
-      <p:par>
-        <p:cTn id="1" dur="indefinite" restart="never" nodeType="tmRoot"/>
-      </p:par>
-    </p:tnLst>
-  </p:timing>
-</p:sld>
-</file>
-
-<file path=ppt/slides/slide33.xml><?xml version="1.0" encoding="utf-8"?>
-<p:sld xmlns:a="http://schemas.openxmlformats.org/drawingml/2006/main" xmlns:r="http://schemas.openxmlformats.org/officeDocument/2006/relationships" xmlns:p="http://schemas.openxmlformats.org/presentationml/2006/main">
-  <p:cSld>
-    <p:spTree>
-      <p:nvGrpSpPr>
-        <p:cNvPr id="1" name=""/>
-        <p:cNvGrpSpPr/>
-        <p:nvPr/>
-      </p:nvGrpSpPr>
-      <p:grpSpPr>
-        <a:xfrm>
-          <a:off x="0" y="0"/>
-          <a:ext cx="0" cy="0"/>
-          <a:chOff x="0" y="0"/>
-          <a:chExt cx="0" cy="0"/>
-        </a:xfrm>
-      </p:grpSpPr>
-      <p:sp>
-        <p:nvSpPr>
-          <p:cNvPr id="2" name="Title 1"/>
-          <p:cNvSpPr>
-            <a:spLocks noGrp="1"/>
-          </p:cNvSpPr>
-          <p:nvPr>
-            <p:ph type="title"/>
-          </p:nvPr>
-        </p:nvSpPr>
-        <p:spPr/>
-        <p:txBody>
-          <a:bodyPr/>
-          <a:lstStyle/>
-          <a:p>
-            <a:r>
               <a:rPr lang="en-US" dirty="0" smtClean="0"/>
               <a:t>Working with global</a:t>
             </a:r>
@@ -14244,1034 +13426,7 @@
 </p:sld>
 </file>
 
-<file path=ppt/slides/slide34.xml><?xml version="1.0" encoding="utf-8"?>
-<p:sld xmlns:a="http://schemas.openxmlformats.org/drawingml/2006/main" xmlns:r="http://schemas.openxmlformats.org/officeDocument/2006/relationships" xmlns:p="http://schemas.openxmlformats.org/presentationml/2006/main">
-  <p:cSld>
-    <p:spTree>
-      <p:nvGrpSpPr>
-        <p:cNvPr id="1" name=""/>
-        <p:cNvGrpSpPr/>
-        <p:nvPr/>
-      </p:nvGrpSpPr>
-      <p:grpSpPr>
-        <a:xfrm>
-          <a:off x="0" y="0"/>
-          <a:ext cx="0" cy="0"/>
-          <a:chOff x="0" y="0"/>
-          <a:chExt cx="0" cy="0"/>
-        </a:xfrm>
-      </p:grpSpPr>
-      <p:sp>
-        <p:nvSpPr>
-          <p:cNvPr id="2" name="Заголовок 1"/>
-          <p:cNvSpPr>
-            <a:spLocks noGrp="1"/>
-          </p:cNvSpPr>
-          <p:nvPr>
-            <p:ph type="ctrTitle"/>
-          </p:nvPr>
-        </p:nvSpPr>
-        <p:spPr>
-          <a:xfrm>
-            <a:off x="1625183" y="964389"/>
-            <a:ext cx="5829300" cy="396480"/>
-          </a:xfrm>
-        </p:spPr>
-        <p:txBody>
-          <a:bodyPr>
-            <a:normAutofit fontScale="90000"/>
-          </a:bodyPr>
-          <a:lstStyle/>
-          <a:p>
-            <a:r>
-              <a:rPr lang="en-US" b="1" dirty="0" smtClean="0">
-                <a:solidFill>
-                  <a:schemeClr val="tx1">
-                    <a:lumMod val="65000"/>
-                    <a:lumOff val="35000"/>
-                  </a:schemeClr>
-                </a:solidFill>
-              </a:rPr>
-              <a:t>Namespaces</a:t>
-            </a:r>
-            <a:endParaRPr lang="en-US" b="1" dirty="0">
-              <a:solidFill>
-                <a:schemeClr val="tx1">
-                  <a:lumMod val="65000"/>
-                  <a:lumOff val="35000"/>
-                </a:schemeClr>
-              </a:solidFill>
-            </a:endParaRPr>
-          </a:p>
-        </p:txBody>
-      </p:sp>
-      <p:sp>
-        <p:nvSpPr>
-          <p:cNvPr id="5" name="Заголовок 1"/>
-          <p:cNvSpPr txBox="1">
-            <a:spLocks/>
-          </p:cNvSpPr>
-          <p:nvPr/>
-        </p:nvSpPr>
-        <p:spPr>
-          <a:xfrm>
-            <a:off x="1571604" y="1821645"/>
-            <a:ext cx="5829300" cy="2839661"/>
-          </a:xfrm>
-          <a:prstGeom prst="rect">
-            <a:avLst/>
-          </a:prstGeom>
-        </p:spPr>
-        <p:txBody>
-          <a:bodyPr vert="horz" lIns="68580" tIns="34290" rIns="68580" bIns="34290" rtlCol="0" anchor="ctr">
-            <a:normAutofit/>
-          </a:bodyPr>
-          <a:lstStyle/>
-          <a:p>
-            <a:pPr>
-              <a:spcBef>
-                <a:spcPct val="0"/>
-              </a:spcBef>
-            </a:pPr>
-            <a:endParaRPr lang="be-BY" sz="1350"/>
-          </a:p>
-          <a:p>
-            <a:pPr>
-              <a:spcBef>
-                <a:spcPct val="0"/>
-              </a:spcBef>
-              <a:defRPr/>
-            </a:pPr>
-            <a:endParaRPr lang="be-BY" sz="3300" dirty="0">
-              <a:latin typeface="+mj-lt"/>
-              <a:ea typeface="+mj-ea"/>
-              <a:cs typeface="+mj-cs"/>
-            </a:endParaRPr>
-          </a:p>
-        </p:txBody>
-      </p:sp>
-      <p:sp>
-        <p:nvSpPr>
-          <p:cNvPr id="10" name="Rectangle 9"/>
-          <p:cNvSpPr/>
-          <p:nvPr/>
-        </p:nvSpPr>
-        <p:spPr>
-          <a:xfrm>
-            <a:off x="1464447" y="1607332"/>
-            <a:ext cx="6375842" cy="1708160"/>
-          </a:xfrm>
-          <a:prstGeom prst="rect">
-            <a:avLst/>
-          </a:prstGeom>
-        </p:spPr>
-        <p:style>
-          <a:lnRef idx="1">
-            <a:schemeClr val="dk1"/>
-          </a:lnRef>
-          <a:fillRef idx="1001">
-            <a:schemeClr val="lt2"/>
-          </a:fillRef>
-          <a:effectRef idx="1">
-            <a:schemeClr val="dk1"/>
-          </a:effectRef>
-          <a:fontRef idx="minor">
-            <a:schemeClr val="dk1"/>
-          </a:fontRef>
-        </p:style>
-        <p:txBody>
-          <a:bodyPr wrap="square">
-            <a:spAutoFit/>
-          </a:bodyPr>
-          <a:lstStyle/>
-          <a:p>
-            <a:r>
-              <a:rPr lang="en-US" sz="1500" b="1" dirty="0"/>
-              <a:t>if (</a:t>
-            </a:r>
-            <a:r>
-              <a:rPr lang="en-US" sz="1500" b="1" dirty="0" err="1">
-                <a:solidFill>
-                  <a:srgbClr val="0070C0"/>
-                </a:solidFill>
-              </a:rPr>
-              <a:t>window</a:t>
-            </a:r>
-            <a:r>
-              <a:rPr lang="en-US" sz="1500" b="1" dirty="0" err="1"/>
-              <a:t>.</a:t>
-            </a:r>
-            <a:r>
-              <a:rPr lang="en-US" sz="1500" b="1" dirty="0" err="1">
-                <a:solidFill>
-                  <a:schemeClr val="accent6">
-                    <a:lumMod val="75000"/>
-                  </a:schemeClr>
-                </a:solidFill>
-              </a:rPr>
-              <a:t>myNamespace</a:t>
-            </a:r>
-            <a:r>
-              <a:rPr lang="en-US" sz="1500" b="1" dirty="0"/>
-              <a:t> == </a:t>
-            </a:r>
-            <a:r>
-              <a:rPr lang="en-US" sz="1500" b="1" dirty="0">
-                <a:solidFill>
-                  <a:srgbClr val="00B050"/>
-                </a:solidFill>
-              </a:rPr>
-              <a:t>null</a:t>
-            </a:r>
-            <a:r>
-              <a:rPr lang="en-US" sz="1500" b="1" dirty="0"/>
-              <a:t>){</a:t>
-            </a:r>
-          </a:p>
-          <a:p>
-            <a:r>
-              <a:rPr lang="en-US" sz="1500" b="1" dirty="0"/>
-              <a:t>	</a:t>
-            </a:r>
-            <a:r>
-              <a:rPr lang="en-US" sz="1500" b="1" dirty="0" err="1">
-                <a:solidFill>
-                  <a:srgbClr val="0070C0"/>
-                </a:solidFill>
-              </a:rPr>
-              <a:t>window</a:t>
-            </a:r>
-            <a:r>
-              <a:rPr lang="en-US" sz="1500" b="1" dirty="0" err="1"/>
-              <a:t>.</a:t>
-            </a:r>
-            <a:r>
-              <a:rPr lang="en-US" sz="1500" b="1" dirty="0" err="1">
-                <a:solidFill>
-                  <a:schemeClr val="accent6">
-                    <a:lumMod val="75000"/>
-                  </a:schemeClr>
-                </a:solidFill>
-              </a:rPr>
-              <a:t>myNamespace</a:t>
-            </a:r>
-            <a:r>
-              <a:rPr lang="en-US" sz="1500" b="1" dirty="0"/>
-              <a:t> = {}; 	</a:t>
-            </a:r>
-          </a:p>
-          <a:p>
-            <a:r>
-              <a:rPr lang="en-US" sz="1500" b="1" dirty="0"/>
-              <a:t>}</a:t>
-            </a:r>
-          </a:p>
-          <a:p>
-            <a:endParaRPr lang="en-US" sz="1500" b="1" dirty="0"/>
-          </a:p>
-          <a:p>
-            <a:r>
-              <a:rPr lang="en-US" sz="1500" b="1" dirty="0" err="1">
-                <a:solidFill>
-                  <a:srgbClr val="0070C0"/>
-                </a:solidFill>
-              </a:rPr>
-              <a:t>window</a:t>
-            </a:r>
-            <a:r>
-              <a:rPr lang="en-US" sz="1500" b="1" dirty="0" err="1"/>
-              <a:t>.</a:t>
-            </a:r>
-            <a:r>
-              <a:rPr lang="en-US" sz="1500" b="1" dirty="0" err="1">
-                <a:solidFill>
-                  <a:schemeClr val="accent6">
-                    <a:lumMod val="75000"/>
-                  </a:schemeClr>
-                </a:solidFill>
-              </a:rPr>
-              <a:t>myNamespace</a:t>
-            </a:r>
-            <a:r>
-              <a:rPr lang="en-US" sz="1500" b="1" dirty="0" err="1"/>
-              <a:t>.</a:t>
-            </a:r>
-            <a:r>
-              <a:rPr lang="en-US" sz="1500" b="1" dirty="0" err="1">
-                <a:solidFill>
-                  <a:srgbClr val="0070C0"/>
-                </a:solidFill>
-              </a:rPr>
-              <a:t>myFunction</a:t>
-            </a:r>
-            <a:r>
-              <a:rPr lang="en-US" sz="1500" b="1" dirty="0">
-                <a:solidFill>
-                  <a:srgbClr val="0070C0"/>
-                </a:solidFill>
-              </a:rPr>
-              <a:t> </a:t>
-            </a:r>
-            <a:r>
-              <a:rPr lang="en-US" sz="1500" b="1" dirty="0"/>
-              <a:t>= function(</a:t>
-            </a:r>
-            <a:r>
-              <a:rPr lang="en-US" sz="1500" dirty="0"/>
-              <a:t>/* </a:t>
-            </a:r>
-            <a:r>
-              <a:rPr lang="en-US" sz="1500" dirty="0" err="1"/>
-              <a:t>params</a:t>
-            </a:r>
-            <a:r>
-              <a:rPr lang="en-US" sz="1500" dirty="0"/>
-              <a:t>*/ </a:t>
-            </a:r>
-            <a:r>
-              <a:rPr lang="en-US" sz="1500" b="1" dirty="0"/>
-              <a:t>) {</a:t>
-            </a:r>
-          </a:p>
-          <a:p>
-            <a:r>
-              <a:rPr lang="en-US" sz="1500" b="1" dirty="0"/>
-              <a:t>	</a:t>
-            </a:r>
-            <a:r>
-              <a:rPr lang="en-US" sz="1500" dirty="0"/>
-              <a:t>/* code here */ </a:t>
-            </a:r>
-          </a:p>
-          <a:p>
-            <a:r>
-              <a:rPr lang="en-US" sz="1500" b="1" dirty="0"/>
-              <a:t>};</a:t>
-            </a:r>
-          </a:p>
-        </p:txBody>
-      </p:sp>
-    </p:spTree>
-    <p:extLst>
-      <p:ext uri="{BB962C8B-B14F-4D97-AF65-F5344CB8AC3E}">
-        <p14:creationId xmlns:p14="http://schemas.microsoft.com/office/powerpoint/2010/main" val="3154139996"/>
-      </p:ext>
-    </p:extLst>
-  </p:cSld>
-  <p:clrMapOvr>
-    <a:masterClrMapping/>
-  </p:clrMapOvr>
-  <p:transition/>
-  <p:timing>
-    <p:tnLst>
-      <p:par>
-        <p:cTn id="1" dur="indefinite" restart="never" nodeType="tmRoot"/>
-      </p:par>
-    </p:tnLst>
-  </p:timing>
-</p:sld>
-</file>
-
-<file path=ppt/slides/slide35.xml><?xml version="1.0" encoding="utf-8"?>
-<p:sld xmlns:a="http://schemas.openxmlformats.org/drawingml/2006/main" xmlns:r="http://schemas.openxmlformats.org/officeDocument/2006/relationships" xmlns:p="http://schemas.openxmlformats.org/presentationml/2006/main">
-  <p:cSld>
-    <p:spTree>
-      <p:nvGrpSpPr>
-        <p:cNvPr id="1" name=""/>
-        <p:cNvGrpSpPr/>
-        <p:nvPr/>
-      </p:nvGrpSpPr>
-      <p:grpSpPr>
-        <a:xfrm>
-          <a:off x="0" y="0"/>
-          <a:ext cx="0" cy="0"/>
-          <a:chOff x="0" y="0"/>
-          <a:chExt cx="0" cy="0"/>
-        </a:xfrm>
-      </p:grpSpPr>
-      <p:sp>
-        <p:nvSpPr>
-          <p:cNvPr id="2" name="Title 1"/>
-          <p:cNvSpPr>
-            <a:spLocks noGrp="1"/>
-          </p:cNvSpPr>
-          <p:nvPr>
-            <p:ph type="title"/>
-          </p:nvPr>
-        </p:nvSpPr>
-        <p:spPr>
-          <a:xfrm>
-            <a:off x="251520" y="2348880"/>
-            <a:ext cx="8229600" cy="1143000"/>
-          </a:xfrm>
-        </p:spPr>
-        <p:txBody>
-          <a:bodyPr>
-            <a:normAutofit fontScale="90000"/>
-          </a:bodyPr>
-          <a:lstStyle/>
-          <a:p>
-            <a:r>
-              <a:rPr lang="en-US" dirty="0"/>
-              <a:t>immediately invoked function </a:t>
-            </a:r>
-            <a:r>
-              <a:rPr lang="en-US" dirty="0" smtClean="0"/>
-              <a:t>expression</a:t>
-            </a:r>
-            <a:br>
-              <a:rPr lang="en-US" dirty="0" smtClean="0"/>
-            </a:br>
-            <a:r>
-              <a:rPr lang="en-US" dirty="0" smtClean="0"/>
-              <a:t>in next lecture</a:t>
-            </a:r>
-            <a:endParaRPr lang="en-US" dirty="0"/>
-          </a:p>
-        </p:txBody>
-      </p:sp>
-    </p:spTree>
-    <p:extLst>
-      <p:ext uri="{BB962C8B-B14F-4D97-AF65-F5344CB8AC3E}">
-        <p14:creationId xmlns:p14="http://schemas.microsoft.com/office/powerpoint/2010/main" val="1119315124"/>
-      </p:ext>
-    </p:extLst>
-  </p:cSld>
-  <p:clrMapOvr>
-    <a:masterClrMapping/>
-  </p:clrMapOvr>
-</p:sld>
-</file>
-
-<file path=ppt/slides/slide36.xml><?xml version="1.0" encoding="utf-8"?>
-<p:sld xmlns:a="http://schemas.openxmlformats.org/drawingml/2006/main" xmlns:r="http://schemas.openxmlformats.org/officeDocument/2006/relationships" xmlns:p="http://schemas.openxmlformats.org/presentationml/2006/main">
-  <p:cSld>
-    <p:spTree>
-      <p:nvGrpSpPr>
-        <p:cNvPr id="1" name=""/>
-        <p:cNvGrpSpPr/>
-        <p:nvPr/>
-      </p:nvGrpSpPr>
-      <p:grpSpPr>
-        <a:xfrm>
-          <a:off x="0" y="0"/>
-          <a:ext cx="0" cy="0"/>
-          <a:chOff x="0" y="0"/>
-          <a:chExt cx="0" cy="0"/>
-        </a:xfrm>
-      </p:grpSpPr>
-      <p:sp>
-        <p:nvSpPr>
-          <p:cNvPr id="2" name="Заголовок 1"/>
-          <p:cNvSpPr>
-            <a:spLocks noGrp="1"/>
-          </p:cNvSpPr>
-          <p:nvPr>
-            <p:ph type="ctrTitle"/>
-          </p:nvPr>
-        </p:nvSpPr>
-        <p:spPr>
-          <a:xfrm>
-            <a:off x="642910" y="142852"/>
-            <a:ext cx="7772400" cy="528640"/>
-          </a:xfrm>
-        </p:spPr>
-        <p:txBody>
-          <a:bodyPr>
-            <a:normAutofit fontScale="90000"/>
-          </a:bodyPr>
-          <a:lstStyle/>
-          <a:p>
-            <a:r>
-              <a:rPr lang="en-US" b="1" dirty="0" smtClean="0">
-                <a:solidFill>
-                  <a:schemeClr val="tx1">
-                    <a:lumMod val="65000"/>
-                    <a:lumOff val="35000"/>
-                  </a:schemeClr>
-                </a:solidFill>
-              </a:rPr>
-              <a:t>REFERENCES </a:t>
-            </a:r>
-            <a:endParaRPr lang="be-BY" b="1" dirty="0">
-              <a:solidFill>
-                <a:schemeClr val="tx1">
-                  <a:lumMod val="65000"/>
-                  <a:lumOff val="35000"/>
-                </a:schemeClr>
-              </a:solidFill>
-            </a:endParaRPr>
-          </a:p>
-        </p:txBody>
-      </p:sp>
-      <p:sp>
-        <p:nvSpPr>
-          <p:cNvPr id="5" name="Заголовок 1"/>
-          <p:cNvSpPr txBox="1">
-            <a:spLocks/>
-          </p:cNvSpPr>
-          <p:nvPr/>
-        </p:nvSpPr>
-        <p:spPr>
-          <a:xfrm>
-            <a:off x="354901" y="714356"/>
-            <a:ext cx="8286808" cy="5286412"/>
-          </a:xfrm>
-          <a:prstGeom prst="rect">
-            <a:avLst/>
-          </a:prstGeom>
-        </p:spPr>
-        <p:txBody>
-          <a:bodyPr vert="horz" lIns="91440" tIns="45720" rIns="91440" bIns="45720" rtlCol="0" anchor="ctr">
-            <a:normAutofit/>
-          </a:bodyPr>
-          <a:lstStyle/>
-          <a:p>
-            <a:pPr lvl="0">
-              <a:spcBef>
-                <a:spcPct val="0"/>
-              </a:spcBef>
-              <a:defRPr/>
-            </a:pPr>
-            <a:endParaRPr lang="en-US" sz="2400" b="1" dirty="0" smtClean="0"/>
-          </a:p>
-          <a:p>
-            <a:pPr lvl="0">
-              <a:spcBef>
-                <a:spcPct val="0"/>
-              </a:spcBef>
-              <a:defRPr/>
-            </a:pPr>
-            <a:endParaRPr lang="be-BY" dirty="0"/>
-          </a:p>
-        </p:txBody>
-      </p:sp>
-      <p:pic>
-        <p:nvPicPr>
-          <p:cNvPr id="1026" name="Picture 2"/>
-          <p:cNvPicPr>
-            <a:picLocks noChangeAspect="1" noChangeArrowheads="1"/>
-          </p:cNvPicPr>
-          <p:nvPr/>
-        </p:nvPicPr>
-        <p:blipFill>
-          <a:blip r:embed="rId3" cstate="print"/>
-          <a:srcRect/>
-          <a:stretch>
-            <a:fillRect/>
-          </a:stretch>
-        </p:blipFill>
-        <p:spPr bwMode="auto">
-          <a:xfrm>
-            <a:off x="6156176" y="1196752"/>
-            <a:ext cx="2686867" cy="3524914"/>
-          </a:xfrm>
-          <a:prstGeom prst="rect">
-            <a:avLst/>
-          </a:prstGeom>
-          <a:noFill/>
-          <a:ln w="9525">
-            <a:noFill/>
-            <a:miter lim="800000"/>
-            <a:headEnd/>
-            <a:tailEnd/>
-          </a:ln>
-        </p:spPr>
-      </p:pic>
-      <p:sp>
-        <p:nvSpPr>
-          <p:cNvPr id="4" name="Rectangle 3"/>
-          <p:cNvSpPr/>
-          <p:nvPr/>
-        </p:nvSpPr>
-        <p:spPr>
-          <a:xfrm>
-            <a:off x="299686" y="1510902"/>
-            <a:ext cx="8275044" cy="2585323"/>
-          </a:xfrm>
-          <a:prstGeom prst="rect">
-            <a:avLst/>
-          </a:prstGeom>
-        </p:spPr>
-        <p:txBody>
-          <a:bodyPr wrap="square">
-            <a:spAutoFit/>
-          </a:bodyPr>
-          <a:lstStyle/>
-          <a:p>
-            <a:pPr>
-              <a:spcBef>
-                <a:spcPct val="0"/>
-              </a:spcBef>
-              <a:defRPr/>
-            </a:pPr>
-            <a:r>
-              <a:rPr lang="en-US" b="1" dirty="0"/>
-              <a:t>JavaScript: The Definitive Guide, </a:t>
-            </a:r>
-            <a:r>
-              <a:rPr lang="en-US" b="1" dirty="0" smtClean="0"/>
-              <a:t>Six </a:t>
-            </a:r>
-            <a:r>
-              <a:rPr lang="en-US" b="1" dirty="0"/>
-              <a:t>Edition</a:t>
-            </a:r>
-          </a:p>
-          <a:p>
-            <a:pPr>
-              <a:spcBef>
-                <a:spcPct val="0"/>
-              </a:spcBef>
-              <a:defRPr/>
-            </a:pPr>
-            <a:r>
-              <a:rPr lang="en-US" b="1" dirty="0"/>
-              <a:t>by David Flanagan </a:t>
-            </a:r>
-            <a:endParaRPr lang="en-US" b="1" dirty="0" smtClean="0"/>
-          </a:p>
-          <a:p>
-            <a:pPr>
-              <a:spcBef>
-                <a:spcPct val="0"/>
-              </a:spcBef>
-              <a:defRPr/>
-            </a:pPr>
-            <a:endParaRPr lang="en-US" b="1" dirty="0"/>
-          </a:p>
-          <a:p>
-            <a:pPr>
-              <a:spcBef>
-                <a:spcPct val="0"/>
-              </a:spcBef>
-              <a:defRPr/>
-            </a:pPr>
-            <a:r>
-              <a:rPr lang="en-US" b="1" dirty="0"/>
-              <a:t>Speaking JavaScript: An In-Depth Guide for Programmers</a:t>
-            </a:r>
-          </a:p>
-          <a:p>
-            <a:pPr>
-              <a:spcBef>
-                <a:spcPct val="0"/>
-              </a:spcBef>
-              <a:defRPr/>
-            </a:pPr>
-            <a:r>
-              <a:rPr lang="en-US" b="1" dirty="0" smtClean="0"/>
-              <a:t>by </a:t>
-            </a:r>
-            <a:r>
-              <a:rPr lang="en-US" b="1" dirty="0"/>
-              <a:t>Dr. Axel </a:t>
-            </a:r>
-            <a:r>
-              <a:rPr lang="en-US" b="1" dirty="0" err="1"/>
-              <a:t>Rauschmayer</a:t>
-            </a:r>
-            <a:r>
-              <a:rPr lang="en-US" b="1" dirty="0" smtClean="0"/>
-              <a:t> </a:t>
-            </a:r>
-          </a:p>
-          <a:p>
-            <a:pPr>
-              <a:spcBef>
-                <a:spcPct val="0"/>
-              </a:spcBef>
-              <a:defRPr/>
-            </a:pPr>
-            <a:endParaRPr lang="en-US" dirty="0" smtClean="0">
-              <a:hlinkClick r:id="rId4"/>
-            </a:endParaRPr>
-          </a:p>
-          <a:p>
-            <a:pPr>
-              <a:spcBef>
-                <a:spcPct val="0"/>
-              </a:spcBef>
-              <a:defRPr/>
-            </a:pPr>
-            <a:r>
-              <a:rPr lang="en-US" b="1" dirty="0" smtClean="0">
-                <a:hlinkClick r:id="rId4"/>
-              </a:rPr>
-              <a:t>http</a:t>
-            </a:r>
-            <a:r>
-              <a:rPr lang="en-US" b="1" dirty="0">
-                <a:hlinkClick r:id="rId4"/>
-              </a:rPr>
-              <a:t>://dmitrysoshnikov.com</a:t>
-            </a:r>
-            <a:endParaRPr lang="en-US" b="1" dirty="0"/>
-          </a:p>
-          <a:p>
-            <a:pPr>
-              <a:spcBef>
-                <a:spcPct val="0"/>
-              </a:spcBef>
-              <a:defRPr/>
-            </a:pPr>
-            <a:endParaRPr lang="fr-FR" b="1" dirty="0"/>
-          </a:p>
-          <a:p>
-            <a:pPr lvl="0">
-              <a:spcBef>
-                <a:spcPct val="0"/>
-              </a:spcBef>
-              <a:defRPr/>
-            </a:pPr>
-            <a:r>
-              <a:rPr lang="en-US" b="1" dirty="0">
-                <a:hlinkClick r:id="rId5"/>
-              </a:rPr>
-              <a:t>http</a:t>
-            </a:r>
-            <a:r>
-              <a:rPr lang="en-US" b="1" dirty="0" smtClean="0">
-                <a:hlinkClick r:id="rId5"/>
-              </a:rPr>
-              <a:t>://learn.j</a:t>
-            </a:r>
-            <a:r>
-              <a:rPr lang="fr-FR" b="1" dirty="0" smtClean="0">
-                <a:hlinkClick r:id="rId5"/>
-              </a:rPr>
-              <a:t>avascript.ru</a:t>
-            </a:r>
-            <a:endParaRPr lang="fr-FR" b="1" dirty="0" smtClean="0"/>
-          </a:p>
-        </p:txBody>
-      </p:sp>
-    </p:spTree>
-  </p:cSld>
-  <p:clrMapOvr>
-    <a:masterClrMapping/>
-  </p:clrMapOvr>
-  <p:timing>
-    <p:tnLst>
-      <p:par>
-        <p:cTn id="1" dur="indefinite" restart="never" nodeType="tmRoot"/>
-      </p:par>
-    </p:tnLst>
-  </p:timing>
-</p:sld>
-</file>
-
-<file path=ppt/slides/slide4.xml><?xml version="1.0" encoding="utf-8"?>
-<p:sld xmlns:a="http://schemas.openxmlformats.org/drawingml/2006/main" xmlns:r="http://schemas.openxmlformats.org/officeDocument/2006/relationships" xmlns:p="http://schemas.openxmlformats.org/presentationml/2006/main">
-  <p:cSld>
-    <p:spTree>
-      <p:nvGrpSpPr>
-        <p:cNvPr id="1" name=""/>
-        <p:cNvGrpSpPr/>
-        <p:nvPr/>
-      </p:nvGrpSpPr>
-      <p:grpSpPr>
-        <a:xfrm>
-          <a:off x="0" y="0"/>
-          <a:ext cx="0" cy="0"/>
-          <a:chOff x="0" y="0"/>
-          <a:chExt cx="0" cy="0"/>
-        </a:xfrm>
-      </p:grpSpPr>
-      <p:sp>
-        <p:nvSpPr>
-          <p:cNvPr id="2" name="Title 1"/>
-          <p:cNvSpPr>
-            <a:spLocks noGrp="1"/>
-          </p:cNvSpPr>
-          <p:nvPr>
-            <p:ph type="title"/>
-          </p:nvPr>
-        </p:nvSpPr>
-        <p:spPr/>
-        <p:txBody>
-          <a:bodyPr/>
-          <a:lstStyle/>
-          <a:p>
-            <a:r>
-              <a:rPr lang="en-US" dirty="0" smtClean="0"/>
-              <a:t>Current state</a:t>
-            </a:r>
-            <a:endParaRPr lang="en-US" dirty="0"/>
-          </a:p>
-        </p:txBody>
-      </p:sp>
-      <p:sp>
-        <p:nvSpPr>
-          <p:cNvPr id="3" name="Content Placeholder 2"/>
-          <p:cNvSpPr>
-            <a:spLocks noGrp="1"/>
-          </p:cNvSpPr>
-          <p:nvPr>
-            <p:ph idx="1"/>
-          </p:nvPr>
-        </p:nvSpPr>
-        <p:spPr/>
-        <p:txBody>
-          <a:bodyPr/>
-          <a:lstStyle/>
-          <a:p>
-            <a:pPr marL="0" indent="0">
-              <a:buNone/>
-            </a:pPr>
-            <a:r>
-              <a:rPr lang="en-US" dirty="0">
-                <a:hlinkClick r:id="rId2"/>
-              </a:rPr>
-              <a:t>http://kangax.github.io/compat-table/es5</a:t>
-            </a:r>
-            <a:r>
-              <a:rPr lang="en-US" dirty="0" smtClean="0">
-                <a:hlinkClick r:id="rId2"/>
-              </a:rPr>
-              <a:t>/</a:t>
-            </a:r>
-            <a:endParaRPr lang="en-US" dirty="0" smtClean="0"/>
-          </a:p>
-          <a:p>
-            <a:pPr marL="0" indent="0">
-              <a:buNone/>
-            </a:pPr>
-            <a:r>
-              <a:rPr lang="en-US" dirty="0">
-                <a:hlinkClick r:id="rId3"/>
-              </a:rPr>
-              <a:t>http://kangax.github.io/compat-table/es6</a:t>
-            </a:r>
-            <a:r>
-              <a:rPr lang="en-US" dirty="0" smtClean="0">
-                <a:hlinkClick r:id="rId3"/>
-              </a:rPr>
-              <a:t>/</a:t>
-            </a:r>
-            <a:endParaRPr lang="en-US" dirty="0" smtClean="0"/>
-          </a:p>
-          <a:p>
-            <a:pPr marL="0" indent="0">
-              <a:buNone/>
-            </a:pPr>
-            <a:r>
-              <a:rPr lang="en-US" dirty="0">
-                <a:hlinkClick r:id="rId4"/>
-              </a:rPr>
-              <a:t>http://caniuse.com</a:t>
-            </a:r>
-            <a:r>
-              <a:rPr lang="en-US" dirty="0" smtClean="0">
-                <a:hlinkClick r:id="rId4"/>
-              </a:rPr>
-              <a:t>/</a:t>
-            </a:r>
-            <a:endParaRPr lang="en-US" dirty="0" smtClean="0"/>
-          </a:p>
-          <a:p>
-            <a:pPr marL="0" indent="0">
-              <a:buNone/>
-            </a:pPr>
-            <a:endParaRPr lang="en-US" dirty="0" smtClean="0"/>
-          </a:p>
-          <a:p>
-            <a:pPr marL="0" indent="0">
-              <a:buNone/>
-            </a:pPr>
-            <a:endParaRPr lang="en-US" dirty="0"/>
-          </a:p>
-        </p:txBody>
-      </p:sp>
-    </p:spTree>
-    <p:extLst>
-      <p:ext uri="{BB962C8B-B14F-4D97-AF65-F5344CB8AC3E}">
-        <p14:creationId xmlns:p14="http://schemas.microsoft.com/office/powerpoint/2010/main" val="3025020695"/>
-      </p:ext>
-    </p:extLst>
-  </p:cSld>
-  <p:clrMapOvr>
-    <a:masterClrMapping/>
-  </p:clrMapOvr>
-  <p:timing>
-    <p:tnLst>
-      <p:par>
-        <p:cTn id="1" dur="indefinite" restart="never" nodeType="tmRoot"/>
-      </p:par>
-    </p:tnLst>
-  </p:timing>
-</p:sld>
-</file>
-
-<file path=ppt/slides/slide5.xml><?xml version="1.0" encoding="utf-8"?>
-<p:sld xmlns:a="http://schemas.openxmlformats.org/drawingml/2006/main" xmlns:r="http://schemas.openxmlformats.org/officeDocument/2006/relationships" xmlns:p="http://schemas.openxmlformats.org/presentationml/2006/main">
-  <p:cSld>
-    <p:spTree>
-      <p:nvGrpSpPr>
-        <p:cNvPr id="1" name=""/>
-        <p:cNvGrpSpPr/>
-        <p:nvPr/>
-      </p:nvGrpSpPr>
-      <p:grpSpPr>
-        <a:xfrm>
-          <a:off x="0" y="0"/>
-          <a:ext cx="0" cy="0"/>
-          <a:chOff x="0" y="0"/>
-          <a:chExt cx="0" cy="0"/>
-        </a:xfrm>
-      </p:grpSpPr>
-      <p:sp>
-        <p:nvSpPr>
-          <p:cNvPr id="2" name="Title 1"/>
-          <p:cNvSpPr>
-            <a:spLocks noGrp="1"/>
-          </p:cNvSpPr>
-          <p:nvPr>
-            <p:ph type="title"/>
-          </p:nvPr>
-        </p:nvSpPr>
-        <p:spPr/>
-        <p:txBody>
-          <a:bodyPr/>
-          <a:lstStyle/>
-          <a:p>
-            <a:r>
-              <a:rPr lang="en-US" dirty="0" smtClean="0"/>
-              <a:t>Recap </a:t>
-            </a:r>
-            <a:r>
-              <a:rPr lang="en-US" smtClean="0"/>
-              <a:t>of lecture II</a:t>
-            </a:r>
-            <a:endParaRPr lang="en-US" dirty="0"/>
-          </a:p>
-        </p:txBody>
-      </p:sp>
-      <p:sp>
-        <p:nvSpPr>
-          <p:cNvPr id="3" name="Content Placeholder 2"/>
-          <p:cNvSpPr>
-            <a:spLocks noGrp="1"/>
-          </p:cNvSpPr>
-          <p:nvPr>
-            <p:ph idx="1"/>
-          </p:nvPr>
-        </p:nvSpPr>
-        <p:spPr/>
-        <p:txBody>
-          <a:bodyPr/>
-          <a:lstStyle/>
-          <a:p>
-            <a:endParaRPr lang="en-US"/>
-          </a:p>
-        </p:txBody>
-      </p:sp>
-    </p:spTree>
-    <p:extLst>
-      <p:ext uri="{BB962C8B-B14F-4D97-AF65-F5344CB8AC3E}">
-        <p14:creationId xmlns:p14="http://schemas.microsoft.com/office/powerpoint/2010/main" val="2256422403"/>
-      </p:ext>
-    </p:extLst>
-  </p:cSld>
-  <p:clrMapOvr>
-    <a:masterClrMapping/>
-  </p:clrMapOvr>
-  <p:timing>
-    <p:tnLst>
-      <p:par>
-        <p:cTn id="1" dur="indefinite" restart="never" nodeType="tmRoot"/>
-      </p:par>
-    </p:tnLst>
-  </p:timing>
-</p:sld>
-</file>
-
-<file path=ppt/slides/slide6.xml><?xml version="1.0" encoding="utf-8"?>
-<p:sld xmlns:a="http://schemas.openxmlformats.org/drawingml/2006/main" xmlns:r="http://schemas.openxmlformats.org/officeDocument/2006/relationships" xmlns:p="http://schemas.openxmlformats.org/presentationml/2006/main">
-  <p:cSld>
-    <p:spTree>
-      <p:nvGrpSpPr>
-        <p:cNvPr id="1" name=""/>
-        <p:cNvGrpSpPr/>
-        <p:nvPr/>
-      </p:nvGrpSpPr>
-      <p:grpSpPr>
-        <a:xfrm>
-          <a:off x="0" y="0"/>
-          <a:ext cx="0" cy="0"/>
-          <a:chOff x="0" y="0"/>
-          <a:chExt cx="0" cy="0"/>
-        </a:xfrm>
-      </p:grpSpPr>
-      <p:sp>
-        <p:nvSpPr>
-          <p:cNvPr id="2" name="Title 1"/>
-          <p:cNvSpPr>
-            <a:spLocks noGrp="1"/>
-          </p:cNvSpPr>
-          <p:nvPr>
-            <p:ph type="title"/>
-          </p:nvPr>
-        </p:nvSpPr>
-        <p:spPr/>
-        <p:txBody>
-          <a:bodyPr/>
-          <a:lstStyle/>
-          <a:p>
-            <a:endParaRPr lang="en-US"/>
-          </a:p>
-        </p:txBody>
-      </p:sp>
-      <p:pic>
-        <p:nvPicPr>
-          <p:cNvPr id="4" name="Content Placeholder 3"/>
-          <p:cNvPicPr>
-            <a:picLocks noGrp="1" noChangeAspect="1"/>
-          </p:cNvPicPr>
-          <p:nvPr>
-            <p:ph idx="1"/>
-          </p:nvPr>
-        </p:nvPicPr>
-        <p:blipFill>
-          <a:blip r:embed="rId2" cstate="print">
-            <a:extLst>
-              <a:ext uri="{28A0092B-C50C-407E-A947-70E740481C1C}">
-                <a14:useLocalDpi xmlns:a14="http://schemas.microsoft.com/office/drawing/2010/main" val="0"/>
-              </a:ext>
-            </a:extLst>
-          </a:blip>
-          <a:stretch>
-            <a:fillRect/>
-          </a:stretch>
-        </p:blipFill>
-        <p:spPr>
-          <a:xfrm>
-            <a:off x="2555776" y="161255"/>
-            <a:ext cx="4464496" cy="6696745"/>
-          </a:xfrm>
-        </p:spPr>
-      </p:pic>
-    </p:spTree>
-    <p:extLst>
-      <p:ext uri="{BB962C8B-B14F-4D97-AF65-F5344CB8AC3E}">
-        <p14:creationId xmlns:p14="http://schemas.microsoft.com/office/powerpoint/2010/main" val="1870532998"/>
-      </p:ext>
-    </p:extLst>
-  </p:cSld>
-  <p:clrMapOvr>
-    <a:masterClrMapping/>
-  </p:clrMapOvr>
-  <p:timing>
-    <p:tnLst>
-      <p:par>
-        <p:cTn id="1" dur="indefinite" restart="never" nodeType="tmRoot"/>
-      </p:par>
-    </p:tnLst>
-  </p:timing>
-</p:sld>
-</file>
-
-<file path=ppt/slides/slide7.xml><?xml version="1.0" encoding="utf-8"?>
+<file path=ppt/slides/slide3.xml><?xml version="1.0" encoding="utf-8"?>
 <p:sld xmlns:a="http://schemas.openxmlformats.org/drawingml/2006/main" xmlns:r="http://schemas.openxmlformats.org/officeDocument/2006/relationships" xmlns:p="http://schemas.openxmlformats.org/presentationml/2006/main">
   <p:cSld>
     <p:spTree>
@@ -15356,7 +13511,724 @@
 </p:sld>
 </file>
 
-<file path=ppt/slides/slide8.xml><?xml version="1.0" encoding="utf-8"?>
+<file path=ppt/slides/slide30.xml><?xml version="1.0" encoding="utf-8"?>
+<p:sld xmlns:a="http://schemas.openxmlformats.org/drawingml/2006/main" xmlns:r="http://schemas.openxmlformats.org/officeDocument/2006/relationships" xmlns:p="http://schemas.openxmlformats.org/presentationml/2006/main">
+  <p:cSld>
+    <p:spTree>
+      <p:nvGrpSpPr>
+        <p:cNvPr id="1" name=""/>
+        <p:cNvGrpSpPr/>
+        <p:nvPr/>
+      </p:nvGrpSpPr>
+      <p:grpSpPr>
+        <a:xfrm>
+          <a:off x="0" y="0"/>
+          <a:ext cx="0" cy="0"/>
+          <a:chOff x="0" y="0"/>
+          <a:chExt cx="0" cy="0"/>
+        </a:xfrm>
+      </p:grpSpPr>
+      <p:sp>
+        <p:nvSpPr>
+          <p:cNvPr id="2" name="Заголовок 1"/>
+          <p:cNvSpPr>
+            <a:spLocks noGrp="1"/>
+          </p:cNvSpPr>
+          <p:nvPr>
+            <p:ph type="ctrTitle"/>
+          </p:nvPr>
+        </p:nvSpPr>
+        <p:spPr>
+          <a:xfrm>
+            <a:off x="1625183" y="964389"/>
+            <a:ext cx="5829300" cy="396480"/>
+          </a:xfrm>
+        </p:spPr>
+        <p:txBody>
+          <a:bodyPr>
+            <a:normAutofit fontScale="90000"/>
+          </a:bodyPr>
+          <a:lstStyle/>
+          <a:p>
+            <a:r>
+              <a:rPr lang="en-US" b="1" dirty="0" smtClean="0">
+                <a:solidFill>
+                  <a:schemeClr val="tx1">
+                    <a:lumMod val="65000"/>
+                    <a:lumOff val="35000"/>
+                  </a:schemeClr>
+                </a:solidFill>
+              </a:rPr>
+              <a:t>Namespaces</a:t>
+            </a:r>
+            <a:endParaRPr lang="en-US" b="1" dirty="0">
+              <a:solidFill>
+                <a:schemeClr val="tx1">
+                  <a:lumMod val="65000"/>
+                  <a:lumOff val="35000"/>
+                </a:schemeClr>
+              </a:solidFill>
+            </a:endParaRPr>
+          </a:p>
+        </p:txBody>
+      </p:sp>
+      <p:sp>
+        <p:nvSpPr>
+          <p:cNvPr id="5" name="Заголовок 1"/>
+          <p:cNvSpPr txBox="1">
+            <a:spLocks/>
+          </p:cNvSpPr>
+          <p:nvPr/>
+        </p:nvSpPr>
+        <p:spPr>
+          <a:xfrm>
+            <a:off x="1571604" y="1821645"/>
+            <a:ext cx="5829300" cy="2839661"/>
+          </a:xfrm>
+          <a:prstGeom prst="rect">
+            <a:avLst/>
+          </a:prstGeom>
+        </p:spPr>
+        <p:txBody>
+          <a:bodyPr vert="horz" lIns="68580" tIns="34290" rIns="68580" bIns="34290" rtlCol="0" anchor="ctr">
+            <a:normAutofit/>
+          </a:bodyPr>
+          <a:lstStyle/>
+          <a:p>
+            <a:pPr>
+              <a:spcBef>
+                <a:spcPct val="0"/>
+              </a:spcBef>
+            </a:pPr>
+            <a:endParaRPr lang="be-BY" sz="1350"/>
+          </a:p>
+          <a:p>
+            <a:pPr>
+              <a:spcBef>
+                <a:spcPct val="0"/>
+              </a:spcBef>
+              <a:defRPr/>
+            </a:pPr>
+            <a:endParaRPr lang="be-BY" sz="3300" dirty="0">
+              <a:latin typeface="+mj-lt"/>
+              <a:ea typeface="+mj-ea"/>
+              <a:cs typeface="+mj-cs"/>
+            </a:endParaRPr>
+          </a:p>
+        </p:txBody>
+      </p:sp>
+      <p:sp>
+        <p:nvSpPr>
+          <p:cNvPr id="10" name="Rectangle 9"/>
+          <p:cNvSpPr/>
+          <p:nvPr/>
+        </p:nvSpPr>
+        <p:spPr>
+          <a:xfrm>
+            <a:off x="1464447" y="1607332"/>
+            <a:ext cx="6375842" cy="1708160"/>
+          </a:xfrm>
+          <a:prstGeom prst="rect">
+            <a:avLst/>
+          </a:prstGeom>
+        </p:spPr>
+        <p:style>
+          <a:lnRef idx="1">
+            <a:schemeClr val="dk1"/>
+          </a:lnRef>
+          <a:fillRef idx="1001">
+            <a:schemeClr val="lt2"/>
+          </a:fillRef>
+          <a:effectRef idx="1">
+            <a:schemeClr val="dk1"/>
+          </a:effectRef>
+          <a:fontRef idx="minor">
+            <a:schemeClr val="dk1"/>
+          </a:fontRef>
+        </p:style>
+        <p:txBody>
+          <a:bodyPr wrap="square">
+            <a:spAutoFit/>
+          </a:bodyPr>
+          <a:lstStyle/>
+          <a:p>
+            <a:r>
+              <a:rPr lang="en-US" sz="1500" b="1" dirty="0"/>
+              <a:t>if (</a:t>
+            </a:r>
+            <a:r>
+              <a:rPr lang="en-US" sz="1500" b="1" dirty="0" err="1">
+                <a:solidFill>
+                  <a:srgbClr val="0070C0"/>
+                </a:solidFill>
+              </a:rPr>
+              <a:t>window</a:t>
+            </a:r>
+            <a:r>
+              <a:rPr lang="en-US" sz="1500" b="1" dirty="0" err="1"/>
+              <a:t>.</a:t>
+            </a:r>
+            <a:r>
+              <a:rPr lang="en-US" sz="1500" b="1" dirty="0" err="1">
+                <a:solidFill>
+                  <a:schemeClr val="accent6">
+                    <a:lumMod val="75000"/>
+                  </a:schemeClr>
+                </a:solidFill>
+              </a:rPr>
+              <a:t>myNamespace</a:t>
+            </a:r>
+            <a:r>
+              <a:rPr lang="en-US" sz="1500" b="1" dirty="0"/>
+              <a:t> == </a:t>
+            </a:r>
+            <a:r>
+              <a:rPr lang="en-US" sz="1500" b="1" dirty="0">
+                <a:solidFill>
+                  <a:srgbClr val="00B050"/>
+                </a:solidFill>
+              </a:rPr>
+              <a:t>null</a:t>
+            </a:r>
+            <a:r>
+              <a:rPr lang="en-US" sz="1500" b="1" dirty="0"/>
+              <a:t>){</a:t>
+            </a:r>
+          </a:p>
+          <a:p>
+            <a:r>
+              <a:rPr lang="en-US" sz="1500" b="1" dirty="0"/>
+              <a:t>	</a:t>
+            </a:r>
+            <a:r>
+              <a:rPr lang="en-US" sz="1500" b="1" dirty="0" err="1">
+                <a:solidFill>
+                  <a:srgbClr val="0070C0"/>
+                </a:solidFill>
+              </a:rPr>
+              <a:t>window</a:t>
+            </a:r>
+            <a:r>
+              <a:rPr lang="en-US" sz="1500" b="1" dirty="0" err="1"/>
+              <a:t>.</a:t>
+            </a:r>
+            <a:r>
+              <a:rPr lang="en-US" sz="1500" b="1" dirty="0" err="1">
+                <a:solidFill>
+                  <a:schemeClr val="accent6">
+                    <a:lumMod val="75000"/>
+                  </a:schemeClr>
+                </a:solidFill>
+              </a:rPr>
+              <a:t>myNamespace</a:t>
+            </a:r>
+            <a:r>
+              <a:rPr lang="en-US" sz="1500" b="1" dirty="0"/>
+              <a:t> = {}; 	</a:t>
+            </a:r>
+          </a:p>
+          <a:p>
+            <a:r>
+              <a:rPr lang="en-US" sz="1500" b="1" dirty="0"/>
+              <a:t>}</a:t>
+            </a:r>
+          </a:p>
+          <a:p>
+            <a:endParaRPr lang="en-US" sz="1500" b="1" dirty="0"/>
+          </a:p>
+          <a:p>
+            <a:r>
+              <a:rPr lang="en-US" sz="1500" b="1" dirty="0" err="1">
+                <a:solidFill>
+                  <a:srgbClr val="0070C0"/>
+                </a:solidFill>
+              </a:rPr>
+              <a:t>window</a:t>
+            </a:r>
+            <a:r>
+              <a:rPr lang="en-US" sz="1500" b="1" dirty="0" err="1"/>
+              <a:t>.</a:t>
+            </a:r>
+            <a:r>
+              <a:rPr lang="en-US" sz="1500" b="1" dirty="0" err="1">
+                <a:solidFill>
+                  <a:schemeClr val="accent6">
+                    <a:lumMod val="75000"/>
+                  </a:schemeClr>
+                </a:solidFill>
+              </a:rPr>
+              <a:t>myNamespace</a:t>
+            </a:r>
+            <a:r>
+              <a:rPr lang="en-US" sz="1500" b="1" dirty="0" err="1"/>
+              <a:t>.</a:t>
+            </a:r>
+            <a:r>
+              <a:rPr lang="en-US" sz="1500" b="1" dirty="0" err="1">
+                <a:solidFill>
+                  <a:srgbClr val="0070C0"/>
+                </a:solidFill>
+              </a:rPr>
+              <a:t>myFunction</a:t>
+            </a:r>
+            <a:r>
+              <a:rPr lang="en-US" sz="1500" b="1" dirty="0">
+                <a:solidFill>
+                  <a:srgbClr val="0070C0"/>
+                </a:solidFill>
+              </a:rPr>
+              <a:t> </a:t>
+            </a:r>
+            <a:r>
+              <a:rPr lang="en-US" sz="1500" b="1" dirty="0"/>
+              <a:t>= function(</a:t>
+            </a:r>
+            <a:r>
+              <a:rPr lang="en-US" sz="1500" dirty="0"/>
+              <a:t>/* </a:t>
+            </a:r>
+            <a:r>
+              <a:rPr lang="en-US" sz="1500" dirty="0" err="1"/>
+              <a:t>params</a:t>
+            </a:r>
+            <a:r>
+              <a:rPr lang="en-US" sz="1500" dirty="0"/>
+              <a:t>*/ </a:t>
+            </a:r>
+            <a:r>
+              <a:rPr lang="en-US" sz="1500" b="1" dirty="0"/>
+              <a:t>) {</a:t>
+            </a:r>
+          </a:p>
+          <a:p>
+            <a:r>
+              <a:rPr lang="en-US" sz="1500" b="1" dirty="0"/>
+              <a:t>	</a:t>
+            </a:r>
+            <a:r>
+              <a:rPr lang="en-US" sz="1500" dirty="0"/>
+              <a:t>/* code here */ </a:t>
+            </a:r>
+          </a:p>
+          <a:p>
+            <a:r>
+              <a:rPr lang="en-US" sz="1500" b="1" dirty="0"/>
+              <a:t>};</a:t>
+            </a:r>
+          </a:p>
+        </p:txBody>
+      </p:sp>
+    </p:spTree>
+    <p:extLst>
+      <p:ext uri="{BB962C8B-B14F-4D97-AF65-F5344CB8AC3E}">
+        <p14:creationId xmlns:p14="http://schemas.microsoft.com/office/powerpoint/2010/main" val="3154139996"/>
+      </p:ext>
+    </p:extLst>
+  </p:cSld>
+  <p:clrMapOvr>
+    <a:masterClrMapping/>
+  </p:clrMapOvr>
+  <p:transition/>
+  <p:timing>
+    <p:tnLst>
+      <p:par>
+        <p:cTn id="1" dur="indefinite" restart="never" nodeType="tmRoot"/>
+      </p:par>
+    </p:tnLst>
+  </p:timing>
+</p:sld>
+</file>
+
+<file path=ppt/slides/slide31.xml><?xml version="1.0" encoding="utf-8"?>
+<p:sld xmlns:a="http://schemas.openxmlformats.org/drawingml/2006/main" xmlns:r="http://schemas.openxmlformats.org/officeDocument/2006/relationships" xmlns:p="http://schemas.openxmlformats.org/presentationml/2006/main">
+  <p:cSld>
+    <p:spTree>
+      <p:nvGrpSpPr>
+        <p:cNvPr id="1" name=""/>
+        <p:cNvGrpSpPr/>
+        <p:nvPr/>
+      </p:nvGrpSpPr>
+      <p:grpSpPr>
+        <a:xfrm>
+          <a:off x="0" y="0"/>
+          <a:ext cx="0" cy="0"/>
+          <a:chOff x="0" y="0"/>
+          <a:chExt cx="0" cy="0"/>
+        </a:xfrm>
+      </p:grpSpPr>
+      <p:sp>
+        <p:nvSpPr>
+          <p:cNvPr id="2" name="Title 1"/>
+          <p:cNvSpPr>
+            <a:spLocks noGrp="1"/>
+          </p:cNvSpPr>
+          <p:nvPr>
+            <p:ph type="title"/>
+          </p:nvPr>
+        </p:nvSpPr>
+        <p:spPr>
+          <a:xfrm>
+            <a:off x="251520" y="2348880"/>
+            <a:ext cx="8229600" cy="1143000"/>
+          </a:xfrm>
+        </p:spPr>
+        <p:txBody>
+          <a:bodyPr>
+            <a:normAutofit fontScale="90000"/>
+          </a:bodyPr>
+          <a:lstStyle/>
+          <a:p>
+            <a:r>
+              <a:rPr lang="en-US" dirty="0"/>
+              <a:t>immediately invoked function </a:t>
+            </a:r>
+            <a:r>
+              <a:rPr lang="en-US" dirty="0" smtClean="0"/>
+              <a:t>expression</a:t>
+            </a:r>
+            <a:br>
+              <a:rPr lang="en-US" dirty="0" smtClean="0"/>
+            </a:br>
+            <a:r>
+              <a:rPr lang="en-US" dirty="0" smtClean="0"/>
+              <a:t>in next lecture</a:t>
+            </a:r>
+            <a:endParaRPr lang="en-US" dirty="0"/>
+          </a:p>
+        </p:txBody>
+      </p:sp>
+    </p:spTree>
+    <p:extLst>
+      <p:ext uri="{BB962C8B-B14F-4D97-AF65-F5344CB8AC3E}">
+        <p14:creationId xmlns:p14="http://schemas.microsoft.com/office/powerpoint/2010/main" val="1119315124"/>
+      </p:ext>
+    </p:extLst>
+  </p:cSld>
+  <p:clrMapOvr>
+    <a:masterClrMapping/>
+  </p:clrMapOvr>
+</p:sld>
+</file>
+
+<file path=ppt/slides/slide32.xml><?xml version="1.0" encoding="utf-8"?>
+<p:sld xmlns:a="http://schemas.openxmlformats.org/drawingml/2006/main" xmlns:r="http://schemas.openxmlformats.org/officeDocument/2006/relationships" xmlns:p="http://schemas.openxmlformats.org/presentationml/2006/main">
+  <p:cSld>
+    <p:spTree>
+      <p:nvGrpSpPr>
+        <p:cNvPr id="1" name=""/>
+        <p:cNvGrpSpPr/>
+        <p:nvPr/>
+      </p:nvGrpSpPr>
+      <p:grpSpPr>
+        <a:xfrm>
+          <a:off x="0" y="0"/>
+          <a:ext cx="0" cy="0"/>
+          <a:chOff x="0" y="0"/>
+          <a:chExt cx="0" cy="0"/>
+        </a:xfrm>
+      </p:grpSpPr>
+      <p:sp>
+        <p:nvSpPr>
+          <p:cNvPr id="2" name="Заголовок 1"/>
+          <p:cNvSpPr>
+            <a:spLocks noGrp="1"/>
+          </p:cNvSpPr>
+          <p:nvPr>
+            <p:ph type="ctrTitle"/>
+          </p:nvPr>
+        </p:nvSpPr>
+        <p:spPr>
+          <a:xfrm>
+            <a:off x="642910" y="142852"/>
+            <a:ext cx="7772400" cy="528640"/>
+          </a:xfrm>
+        </p:spPr>
+        <p:txBody>
+          <a:bodyPr>
+            <a:normAutofit fontScale="90000"/>
+          </a:bodyPr>
+          <a:lstStyle/>
+          <a:p>
+            <a:r>
+              <a:rPr lang="en-US" b="1" dirty="0" smtClean="0">
+                <a:solidFill>
+                  <a:schemeClr val="tx1">
+                    <a:lumMod val="65000"/>
+                    <a:lumOff val="35000"/>
+                  </a:schemeClr>
+                </a:solidFill>
+              </a:rPr>
+              <a:t>REFERENCES </a:t>
+            </a:r>
+            <a:endParaRPr lang="be-BY" b="1" dirty="0">
+              <a:solidFill>
+                <a:schemeClr val="tx1">
+                  <a:lumMod val="65000"/>
+                  <a:lumOff val="35000"/>
+                </a:schemeClr>
+              </a:solidFill>
+            </a:endParaRPr>
+          </a:p>
+        </p:txBody>
+      </p:sp>
+      <p:sp>
+        <p:nvSpPr>
+          <p:cNvPr id="5" name="Заголовок 1"/>
+          <p:cNvSpPr txBox="1">
+            <a:spLocks/>
+          </p:cNvSpPr>
+          <p:nvPr/>
+        </p:nvSpPr>
+        <p:spPr>
+          <a:xfrm>
+            <a:off x="354901" y="714356"/>
+            <a:ext cx="8286808" cy="5286412"/>
+          </a:xfrm>
+          <a:prstGeom prst="rect">
+            <a:avLst/>
+          </a:prstGeom>
+        </p:spPr>
+        <p:txBody>
+          <a:bodyPr vert="horz" lIns="91440" tIns="45720" rIns="91440" bIns="45720" rtlCol="0" anchor="ctr">
+            <a:normAutofit/>
+          </a:bodyPr>
+          <a:lstStyle/>
+          <a:p>
+            <a:pPr lvl="0">
+              <a:spcBef>
+                <a:spcPct val="0"/>
+              </a:spcBef>
+              <a:defRPr/>
+            </a:pPr>
+            <a:endParaRPr lang="en-US" sz="2400" b="1" dirty="0" smtClean="0"/>
+          </a:p>
+          <a:p>
+            <a:pPr lvl="0">
+              <a:spcBef>
+                <a:spcPct val="0"/>
+              </a:spcBef>
+              <a:defRPr/>
+            </a:pPr>
+            <a:endParaRPr lang="be-BY" dirty="0"/>
+          </a:p>
+        </p:txBody>
+      </p:sp>
+      <p:pic>
+        <p:nvPicPr>
+          <p:cNvPr id="1026" name="Picture 2"/>
+          <p:cNvPicPr>
+            <a:picLocks noChangeAspect="1" noChangeArrowheads="1"/>
+          </p:cNvPicPr>
+          <p:nvPr/>
+        </p:nvPicPr>
+        <p:blipFill>
+          <a:blip r:embed="rId3" cstate="print"/>
+          <a:srcRect/>
+          <a:stretch>
+            <a:fillRect/>
+          </a:stretch>
+        </p:blipFill>
+        <p:spPr bwMode="auto">
+          <a:xfrm>
+            <a:off x="6156176" y="1196752"/>
+            <a:ext cx="2686867" cy="3524914"/>
+          </a:xfrm>
+          <a:prstGeom prst="rect">
+            <a:avLst/>
+          </a:prstGeom>
+          <a:noFill/>
+          <a:ln w="9525">
+            <a:noFill/>
+            <a:miter lim="800000"/>
+            <a:headEnd/>
+            <a:tailEnd/>
+          </a:ln>
+        </p:spPr>
+      </p:pic>
+      <p:sp>
+        <p:nvSpPr>
+          <p:cNvPr id="4" name="Rectangle 3"/>
+          <p:cNvSpPr/>
+          <p:nvPr/>
+        </p:nvSpPr>
+        <p:spPr>
+          <a:xfrm>
+            <a:off x="299686" y="1510902"/>
+            <a:ext cx="8275044" cy="2585323"/>
+          </a:xfrm>
+          <a:prstGeom prst="rect">
+            <a:avLst/>
+          </a:prstGeom>
+        </p:spPr>
+        <p:txBody>
+          <a:bodyPr wrap="square">
+            <a:spAutoFit/>
+          </a:bodyPr>
+          <a:lstStyle/>
+          <a:p>
+            <a:pPr>
+              <a:spcBef>
+                <a:spcPct val="0"/>
+              </a:spcBef>
+              <a:defRPr/>
+            </a:pPr>
+            <a:r>
+              <a:rPr lang="en-US" b="1" dirty="0"/>
+              <a:t>JavaScript: The Definitive Guide, </a:t>
+            </a:r>
+            <a:r>
+              <a:rPr lang="en-US" b="1" dirty="0" smtClean="0"/>
+              <a:t>Six </a:t>
+            </a:r>
+            <a:r>
+              <a:rPr lang="en-US" b="1" dirty="0"/>
+              <a:t>Edition</a:t>
+            </a:r>
+          </a:p>
+          <a:p>
+            <a:pPr>
+              <a:spcBef>
+                <a:spcPct val="0"/>
+              </a:spcBef>
+              <a:defRPr/>
+            </a:pPr>
+            <a:r>
+              <a:rPr lang="en-US" b="1" dirty="0"/>
+              <a:t>by David Flanagan </a:t>
+            </a:r>
+            <a:endParaRPr lang="en-US" b="1" dirty="0" smtClean="0"/>
+          </a:p>
+          <a:p>
+            <a:pPr>
+              <a:spcBef>
+                <a:spcPct val="0"/>
+              </a:spcBef>
+              <a:defRPr/>
+            </a:pPr>
+            <a:endParaRPr lang="en-US" b="1" dirty="0"/>
+          </a:p>
+          <a:p>
+            <a:pPr>
+              <a:spcBef>
+                <a:spcPct val="0"/>
+              </a:spcBef>
+              <a:defRPr/>
+            </a:pPr>
+            <a:r>
+              <a:rPr lang="en-US" b="1" dirty="0"/>
+              <a:t>Speaking JavaScript: An In-Depth Guide for Programmers</a:t>
+            </a:r>
+          </a:p>
+          <a:p>
+            <a:pPr>
+              <a:spcBef>
+                <a:spcPct val="0"/>
+              </a:spcBef>
+              <a:defRPr/>
+            </a:pPr>
+            <a:r>
+              <a:rPr lang="en-US" b="1" dirty="0" smtClean="0"/>
+              <a:t>by </a:t>
+            </a:r>
+            <a:r>
+              <a:rPr lang="en-US" b="1" dirty="0"/>
+              <a:t>Dr. Axel </a:t>
+            </a:r>
+            <a:r>
+              <a:rPr lang="en-US" b="1" dirty="0" err="1"/>
+              <a:t>Rauschmayer</a:t>
+            </a:r>
+            <a:r>
+              <a:rPr lang="en-US" b="1" dirty="0" smtClean="0"/>
+              <a:t> </a:t>
+            </a:r>
+          </a:p>
+          <a:p>
+            <a:pPr>
+              <a:spcBef>
+                <a:spcPct val="0"/>
+              </a:spcBef>
+              <a:defRPr/>
+            </a:pPr>
+            <a:endParaRPr lang="en-US" dirty="0" smtClean="0">
+              <a:hlinkClick r:id="rId4"/>
+            </a:endParaRPr>
+          </a:p>
+          <a:p>
+            <a:pPr>
+              <a:spcBef>
+                <a:spcPct val="0"/>
+              </a:spcBef>
+              <a:defRPr/>
+            </a:pPr>
+            <a:r>
+              <a:rPr lang="en-US" b="1" dirty="0" smtClean="0">
+                <a:hlinkClick r:id="rId4"/>
+              </a:rPr>
+              <a:t>http</a:t>
+            </a:r>
+            <a:r>
+              <a:rPr lang="en-US" b="1" dirty="0">
+                <a:hlinkClick r:id="rId4"/>
+              </a:rPr>
+              <a:t>://dmitrysoshnikov.com</a:t>
+            </a:r>
+            <a:endParaRPr lang="en-US" b="1" dirty="0"/>
+          </a:p>
+          <a:p>
+            <a:pPr>
+              <a:spcBef>
+                <a:spcPct val="0"/>
+              </a:spcBef>
+              <a:defRPr/>
+            </a:pPr>
+            <a:endParaRPr lang="fr-FR" b="1" dirty="0"/>
+          </a:p>
+          <a:p>
+            <a:pPr lvl="0">
+              <a:spcBef>
+                <a:spcPct val="0"/>
+              </a:spcBef>
+              <a:defRPr/>
+            </a:pPr>
+            <a:r>
+              <a:rPr lang="en-US" b="1" dirty="0">
+                <a:hlinkClick r:id="rId5"/>
+              </a:rPr>
+              <a:t>http</a:t>
+            </a:r>
+            <a:r>
+              <a:rPr lang="en-US" b="1" dirty="0" smtClean="0">
+                <a:hlinkClick r:id="rId5"/>
+              </a:rPr>
+              <a:t>://learn.j</a:t>
+            </a:r>
+            <a:r>
+              <a:rPr lang="fr-FR" b="1" dirty="0" smtClean="0">
+                <a:hlinkClick r:id="rId5"/>
+              </a:rPr>
+              <a:t>avascript.ru</a:t>
+            </a:r>
+            <a:endParaRPr lang="fr-FR" b="1" dirty="0" smtClean="0"/>
+          </a:p>
+        </p:txBody>
+      </p:sp>
+    </p:spTree>
+  </p:cSld>
+  <p:clrMapOvr>
+    <a:masterClrMapping/>
+  </p:clrMapOvr>
+  <p:timing>
+    <p:tnLst>
+      <p:par>
+        <p:cTn id="1" dur="indefinite" restart="never" nodeType="tmRoot"/>
+      </p:par>
+    </p:tnLst>
+  </p:timing>
+</p:sld>
+</file>
+
+<file path=ppt/slides/slide4.xml><?xml version="1.0" encoding="utf-8"?>
 <p:sld xmlns:a="http://schemas.openxmlformats.org/drawingml/2006/main" xmlns:r="http://schemas.openxmlformats.org/officeDocument/2006/relationships" xmlns:p="http://schemas.openxmlformats.org/presentationml/2006/main">
   <p:cSld>
     <p:spTree>
@@ -15441,6 +14313,642 @@
 </p:sld>
 </file>
 
+<file path=ppt/slides/slide5.xml><?xml version="1.0" encoding="utf-8"?>
+<p:sld xmlns:a="http://schemas.openxmlformats.org/drawingml/2006/main" xmlns:r="http://schemas.openxmlformats.org/officeDocument/2006/relationships" xmlns:p="http://schemas.openxmlformats.org/presentationml/2006/main">
+  <p:cSld>
+    <p:spTree>
+      <p:nvGrpSpPr>
+        <p:cNvPr id="1" name=""/>
+        <p:cNvGrpSpPr/>
+        <p:nvPr/>
+      </p:nvGrpSpPr>
+      <p:grpSpPr>
+        <a:xfrm>
+          <a:off x="0" y="0"/>
+          <a:ext cx="0" cy="0"/>
+          <a:chOff x="0" y="0"/>
+          <a:chExt cx="0" cy="0"/>
+        </a:xfrm>
+      </p:grpSpPr>
+      <p:sp>
+        <p:nvSpPr>
+          <p:cNvPr id="2" name="Title 1"/>
+          <p:cNvSpPr>
+            <a:spLocks noGrp="1"/>
+          </p:cNvSpPr>
+          <p:nvPr>
+            <p:ph type="title"/>
+          </p:nvPr>
+        </p:nvSpPr>
+        <p:spPr/>
+        <p:txBody>
+          <a:bodyPr/>
+          <a:lstStyle/>
+          <a:p>
+            <a:r>
+              <a:rPr lang="en-US" dirty="0" smtClean="0"/>
+              <a:t>Example</a:t>
+            </a:r>
+            <a:endParaRPr lang="en-US" dirty="0"/>
+          </a:p>
+        </p:txBody>
+      </p:sp>
+      <p:sp>
+        <p:nvSpPr>
+          <p:cNvPr id="3" name="Content Placeholder 2"/>
+          <p:cNvSpPr>
+            <a:spLocks noGrp="1"/>
+          </p:cNvSpPr>
+          <p:nvPr>
+            <p:ph idx="1"/>
+          </p:nvPr>
+        </p:nvSpPr>
+        <p:spPr/>
+        <p:txBody>
+          <a:bodyPr/>
+          <a:lstStyle/>
+          <a:p>
+            <a:pPr marL="0" indent="0">
+              <a:buNone/>
+            </a:pPr>
+            <a:r>
+              <a:rPr lang="en-US" dirty="0" err="1" smtClean="0"/>
+              <a:t>var</a:t>
+            </a:r>
+            <a:r>
+              <a:rPr lang="en-US" dirty="0" smtClean="0"/>
+              <a:t> a = 2;</a:t>
+            </a:r>
+          </a:p>
+          <a:p>
+            <a:pPr marL="0" indent="0">
+              <a:buNone/>
+            </a:pPr>
+            <a:r>
+              <a:rPr lang="en-US" dirty="0" err="1" smtClean="0"/>
+              <a:t>var</a:t>
+            </a:r>
+            <a:r>
+              <a:rPr lang="en-US" dirty="0" smtClean="0"/>
+              <a:t> b = 2;</a:t>
+            </a:r>
+          </a:p>
+          <a:p>
+            <a:pPr marL="0" indent="0">
+              <a:buNone/>
+            </a:pPr>
+            <a:r>
+              <a:rPr lang="en-US" smtClean="0"/>
+              <a:t>console.log(a + b);</a:t>
+            </a:r>
+            <a:endParaRPr lang="en-US" dirty="0"/>
+          </a:p>
+        </p:txBody>
+      </p:sp>
+    </p:spTree>
+    <p:extLst>
+      <p:ext uri="{BB962C8B-B14F-4D97-AF65-F5344CB8AC3E}">
+        <p14:creationId xmlns:p14="http://schemas.microsoft.com/office/powerpoint/2010/main" val="3039457878"/>
+      </p:ext>
+    </p:extLst>
+  </p:cSld>
+  <p:clrMapOvr>
+    <a:masterClrMapping/>
+  </p:clrMapOvr>
+  <p:timing>
+    <p:tnLst>
+      <p:par>
+        <p:cTn id="1" dur="indefinite" restart="never" nodeType="tmRoot"/>
+      </p:par>
+    </p:tnLst>
+  </p:timing>
+</p:sld>
+</file>
+
+<file path=ppt/slides/slide6.xml><?xml version="1.0" encoding="utf-8"?>
+<p:sld xmlns:a="http://schemas.openxmlformats.org/drawingml/2006/main" xmlns:r="http://schemas.openxmlformats.org/officeDocument/2006/relationships" xmlns:p="http://schemas.openxmlformats.org/presentationml/2006/main">
+  <p:cSld>
+    <p:spTree>
+      <p:nvGrpSpPr>
+        <p:cNvPr id="1" name=""/>
+        <p:cNvGrpSpPr/>
+        <p:nvPr/>
+      </p:nvGrpSpPr>
+      <p:grpSpPr>
+        <a:xfrm>
+          <a:off x="0" y="0"/>
+          <a:ext cx="0" cy="0"/>
+          <a:chOff x="0" y="0"/>
+          <a:chExt cx="0" cy="0"/>
+        </a:xfrm>
+      </p:grpSpPr>
+      <p:sp>
+        <p:nvSpPr>
+          <p:cNvPr id="2" name="Title 1"/>
+          <p:cNvSpPr>
+            <a:spLocks noGrp="1"/>
+          </p:cNvSpPr>
+          <p:nvPr>
+            <p:ph type="title"/>
+          </p:nvPr>
+        </p:nvSpPr>
+        <p:spPr/>
+        <p:txBody>
+          <a:bodyPr/>
+          <a:lstStyle/>
+          <a:p>
+            <a:r>
+              <a:rPr lang="en-US" dirty="0"/>
+              <a:t>Recap of the previous lecture</a:t>
+            </a:r>
+          </a:p>
+        </p:txBody>
+      </p:sp>
+      <p:sp>
+        <p:nvSpPr>
+          <p:cNvPr id="3" name="Content Placeholder 2"/>
+          <p:cNvSpPr>
+            <a:spLocks noGrp="1"/>
+          </p:cNvSpPr>
+          <p:nvPr>
+            <p:ph idx="1"/>
+          </p:nvPr>
+        </p:nvSpPr>
+        <p:spPr/>
+        <p:txBody>
+          <a:bodyPr/>
+          <a:lstStyle/>
+          <a:p>
+            <a:endParaRPr lang="en-US"/>
+          </a:p>
+        </p:txBody>
+      </p:sp>
+    </p:spTree>
+    <p:extLst>
+      <p:ext uri="{BB962C8B-B14F-4D97-AF65-F5344CB8AC3E}">
+        <p14:creationId xmlns:p14="http://schemas.microsoft.com/office/powerpoint/2010/main" val="2577566049"/>
+      </p:ext>
+    </p:extLst>
+  </p:cSld>
+  <p:clrMapOvr>
+    <a:masterClrMapping/>
+  </p:clrMapOvr>
+</p:sld>
+</file>
+
+<file path=ppt/slides/slide7.xml><?xml version="1.0" encoding="utf-8"?>
+<p:sld xmlns:a="http://schemas.openxmlformats.org/drawingml/2006/main" xmlns:r="http://schemas.openxmlformats.org/officeDocument/2006/relationships" xmlns:p="http://schemas.openxmlformats.org/presentationml/2006/main">
+  <p:cSld>
+    <p:spTree>
+      <p:nvGrpSpPr>
+        <p:cNvPr id="1" name=""/>
+        <p:cNvGrpSpPr/>
+        <p:nvPr/>
+      </p:nvGrpSpPr>
+      <p:grpSpPr>
+        <a:xfrm>
+          <a:off x="0" y="0"/>
+          <a:ext cx="0" cy="0"/>
+          <a:chOff x="0" y="0"/>
+          <a:chExt cx="0" cy="0"/>
+        </a:xfrm>
+      </p:grpSpPr>
+      <p:sp>
+        <p:nvSpPr>
+          <p:cNvPr id="2" name="Title 1"/>
+          <p:cNvSpPr>
+            <a:spLocks noGrp="1"/>
+          </p:cNvSpPr>
+          <p:nvPr>
+            <p:ph type="title"/>
+          </p:nvPr>
+        </p:nvSpPr>
+        <p:spPr>
+          <a:xfrm>
+            <a:off x="395536" y="2636912"/>
+            <a:ext cx="8229600" cy="1143000"/>
+          </a:xfrm>
+        </p:spPr>
+        <p:txBody>
+          <a:bodyPr/>
+          <a:lstStyle/>
+          <a:p>
+            <a:r>
+              <a:rPr lang="en-US" dirty="0" smtClean="0"/>
+              <a:t>Scope in ES3 World</a:t>
+            </a:r>
+            <a:endParaRPr lang="en-US" dirty="0"/>
+          </a:p>
+        </p:txBody>
+      </p:sp>
+    </p:spTree>
+    <p:extLst>
+      <p:ext uri="{BB962C8B-B14F-4D97-AF65-F5344CB8AC3E}">
+        <p14:creationId xmlns:p14="http://schemas.microsoft.com/office/powerpoint/2010/main" val="229889959"/>
+      </p:ext>
+    </p:extLst>
+  </p:cSld>
+  <p:clrMapOvr>
+    <a:masterClrMapping/>
+  </p:clrMapOvr>
+  <p:timing>
+    <p:tnLst>
+      <p:par>
+        <p:cTn id="1" dur="indefinite" restart="never" nodeType="tmRoot"/>
+      </p:par>
+    </p:tnLst>
+  </p:timing>
+</p:sld>
+</file>
+
+<file path=ppt/slides/slide8.xml><?xml version="1.0" encoding="utf-8"?>
+<p:sld xmlns:a="http://schemas.openxmlformats.org/drawingml/2006/main" xmlns:r="http://schemas.openxmlformats.org/officeDocument/2006/relationships" xmlns:p="http://schemas.openxmlformats.org/presentationml/2006/main">
+  <p:cSld>
+    <p:spTree>
+      <p:nvGrpSpPr>
+        <p:cNvPr id="1" name=""/>
+        <p:cNvGrpSpPr/>
+        <p:nvPr/>
+      </p:nvGrpSpPr>
+      <p:grpSpPr>
+        <a:xfrm>
+          <a:off x="0" y="0"/>
+          <a:ext cx="0" cy="0"/>
+          <a:chOff x="0" y="0"/>
+          <a:chExt cx="0" cy="0"/>
+        </a:xfrm>
+      </p:grpSpPr>
+      <p:sp>
+        <p:nvSpPr>
+          <p:cNvPr id="2" name="Title 1"/>
+          <p:cNvSpPr>
+            <a:spLocks noGrp="1"/>
+          </p:cNvSpPr>
+          <p:nvPr>
+            <p:ph type="title"/>
+          </p:nvPr>
+        </p:nvSpPr>
+        <p:spPr/>
+        <p:txBody>
+          <a:bodyPr/>
+          <a:lstStyle/>
+          <a:p>
+            <a:r>
+              <a:rPr lang="en-US" dirty="0"/>
+              <a:t>The Scope of a </a:t>
+            </a:r>
+            <a:r>
+              <a:rPr lang="en-US" dirty="0" smtClean="0"/>
+              <a:t>Variable</a:t>
+            </a:r>
+            <a:endParaRPr lang="en-US" dirty="0"/>
+          </a:p>
+        </p:txBody>
+      </p:sp>
+      <p:sp>
+        <p:nvSpPr>
+          <p:cNvPr id="4" name="Rectangle 1"/>
+          <p:cNvSpPr>
+            <a:spLocks noGrp="1" noChangeArrowheads="1"/>
+          </p:cNvSpPr>
+          <p:nvPr>
+            <p:ph idx="1"/>
+          </p:nvPr>
+        </p:nvSpPr>
+        <p:spPr bwMode="auto">
+          <a:xfrm>
+            <a:off x="484630" y="1196752"/>
+            <a:ext cx="6336704" cy="2708434"/>
+          </a:xfrm>
+          <a:prstGeom prst="rect">
+            <a:avLst/>
+          </a:prstGeom>
+          <a:noFill/>
+          <a:ln>
+            <a:noFill/>
+          </a:ln>
+          <a:effectLst/>
+          <a:extLst>
+            <a:ext uri="{909E8E84-426E-40DD-AFC4-6F175D3DCCD1}">
+              <a14:hiddenFill xmlns:a14="http://schemas.microsoft.com/office/drawing/2010/main">
+                <a:solidFill>
+                  <a:schemeClr val="accent1"/>
+                </a:solidFill>
+              </a14:hiddenFill>
+            </a:ext>
+            <a:ext uri="{91240B29-F687-4F45-9708-019B960494DF}">
+              <a14:hiddenLine xmlns:a14="http://schemas.microsoft.com/office/drawing/2010/main" w="9525">
+                <a:solidFill>
+                  <a:schemeClr val="tx1"/>
+                </a:solidFill>
+                <a:miter lim="800000"/>
+                <a:headEnd/>
+                <a:tailEnd/>
+              </a14:hiddenLine>
+            </a:ext>
+            <a:ext uri="{AF507438-7753-43E0-B8FC-AC1667EBCBE1}">
+              <a14:hiddenEffects xmlns:a14="http://schemas.microsoft.com/office/drawing/2010/main">
+                <a:effectLst>
+                  <a:outerShdw dist="35921" dir="2700000" algn="ctr" rotWithShape="0">
+                    <a:schemeClr val="bg2"/>
+                  </a:outerShdw>
+                </a:effectLst>
+              </a14:hiddenEffects>
+            </a:ext>
+          </a:extLst>
+        </p:spPr>
+        <p:txBody>
+          <a:bodyPr vert="horz" wrap="square" lIns="0" tIns="0" rIns="0" bIns="0" numCol="1" rtlCol="0" anchor="ctr" anchorCtr="0" compatLnSpc="1">
+            <a:prstTxWarp prst="textNoShape">
+              <a:avLst/>
+            </a:prstTxWarp>
+            <a:spAutoFit/>
+          </a:bodyPr>
+          <a:lstStyle/>
+          <a:p>
+            <a:pPr marL="0" indent="0" defTabSz="685800" eaLnBrk="0" fontAlgn="base" hangingPunct="0">
+              <a:spcBef>
+                <a:spcPct val="0"/>
+              </a:spcBef>
+              <a:spcAft>
+                <a:spcPct val="0"/>
+              </a:spcAft>
+              <a:buNone/>
+            </a:pPr>
+            <a:r>
+              <a:rPr kumimoji="0" lang="en-US" altLang="en-US" sz="2400" b="0" i="0" u="none" strike="noStrike" cap="none" normalizeH="0" baseline="0" dirty="0" smtClean="0">
+                <a:ln>
+                  <a:noFill/>
+                </a:ln>
+                <a:solidFill>
+                  <a:srgbClr val="000000"/>
+                </a:solidFill>
+                <a:effectLst/>
+                <a:latin typeface="Arial" panose="020B0604020202020204" pitchFamily="34" charset="0"/>
+                <a:cs typeface="Arial" panose="020B0604020202020204" pitchFamily="34" charset="0"/>
+              </a:rPr>
+              <a:t>The scope of a variable are the locations </a:t>
+            </a:r>
+          </a:p>
+          <a:p>
+            <a:pPr marL="0" indent="0" defTabSz="685800" eaLnBrk="0" fontAlgn="base" hangingPunct="0">
+              <a:spcBef>
+                <a:spcPct val="0"/>
+              </a:spcBef>
+              <a:spcAft>
+                <a:spcPct val="0"/>
+              </a:spcAft>
+              <a:buNone/>
+            </a:pPr>
+            <a:r>
+              <a:rPr kumimoji="0" lang="en-US" altLang="en-US" sz="2400" b="0" i="0" u="none" strike="noStrike" cap="none" normalizeH="0" baseline="0" dirty="0" smtClean="0">
+                <a:ln>
+                  <a:noFill/>
+                </a:ln>
+                <a:solidFill>
+                  <a:srgbClr val="000000"/>
+                </a:solidFill>
+                <a:effectLst/>
+                <a:latin typeface="Arial" panose="020B0604020202020204" pitchFamily="34" charset="0"/>
+                <a:cs typeface="Arial" panose="020B0604020202020204" pitchFamily="34" charset="0"/>
+              </a:rPr>
+              <a:t>where it is accessible.</a:t>
+            </a:r>
+          </a:p>
+          <a:p>
+            <a:pPr marL="0" indent="0" defTabSz="685800" eaLnBrk="0" fontAlgn="base" hangingPunct="0">
+              <a:spcBef>
+                <a:spcPct val="0"/>
+              </a:spcBef>
+              <a:spcAft>
+                <a:spcPct val="0"/>
+              </a:spcAft>
+              <a:buNone/>
+            </a:pPr>
+            <a:r>
+              <a:rPr kumimoji="0" lang="en-US" altLang="en-US" sz="2400" b="0" i="0" u="none" strike="noStrike" cap="none" normalizeH="0" baseline="0" dirty="0" smtClean="0">
+                <a:ln>
+                  <a:noFill/>
+                </a:ln>
+                <a:solidFill>
+                  <a:srgbClr val="000000"/>
+                </a:solidFill>
+                <a:effectLst/>
+                <a:latin typeface="Arial" panose="020B0604020202020204" pitchFamily="34" charset="0"/>
+                <a:cs typeface="Arial" panose="020B0604020202020204" pitchFamily="34" charset="0"/>
+              </a:rPr>
+              <a:t> </a:t>
+            </a:r>
+          </a:p>
+          <a:p>
+            <a:pPr marL="0" indent="0" defTabSz="685800" eaLnBrk="0" fontAlgn="base" hangingPunct="0">
+              <a:spcBef>
+                <a:spcPct val="0"/>
+              </a:spcBef>
+              <a:spcAft>
+                <a:spcPct val="0"/>
+              </a:spcAft>
+              <a:buNone/>
+            </a:pPr>
+            <a:r>
+              <a:rPr kumimoji="0" lang="en-US" altLang="en-US" sz="2400" b="0" i="0" u="none" strike="noStrike" cap="none" normalizeH="0" baseline="0" dirty="0" smtClean="0">
+                <a:ln>
+                  <a:noFill/>
+                </a:ln>
+                <a:solidFill>
+                  <a:srgbClr val="000000"/>
+                </a:solidFill>
+                <a:effectLst/>
+                <a:latin typeface="Arial" panose="020B0604020202020204" pitchFamily="34" charset="0"/>
+                <a:cs typeface="Arial" panose="020B0604020202020204" pitchFamily="34" charset="0"/>
+              </a:rPr>
+              <a:t>For example:</a:t>
+            </a:r>
+          </a:p>
+          <a:p>
+            <a:pPr marL="0" indent="0" defTabSz="685800" eaLnBrk="0" fontAlgn="base" hangingPunct="0">
+              <a:spcBef>
+                <a:spcPct val="0"/>
+              </a:spcBef>
+              <a:spcAft>
+                <a:spcPct val="0"/>
+              </a:spcAft>
+              <a:buNone/>
+            </a:pPr>
+            <a:endParaRPr lang="en-US" altLang="en-US" sz="2000" b="1" dirty="0">
+              <a:solidFill>
+                <a:srgbClr val="006699"/>
+              </a:solidFill>
+              <a:latin typeface="Ubuntu Mono"/>
+            </a:endParaRPr>
+          </a:p>
+          <a:p>
+            <a:pPr marL="0" indent="0" defTabSz="685800" eaLnBrk="0" fontAlgn="base" hangingPunct="0">
+              <a:spcBef>
+                <a:spcPct val="0"/>
+              </a:spcBef>
+              <a:spcAft>
+                <a:spcPct val="0"/>
+              </a:spcAft>
+              <a:buNone/>
+            </a:pPr>
+            <a:r>
+              <a:rPr lang="en-US" altLang="en-US" sz="2000" b="1" dirty="0">
+                <a:solidFill>
+                  <a:srgbClr val="006699"/>
+                </a:solidFill>
+                <a:latin typeface="Ubuntu Mono"/>
+              </a:rPr>
+              <a:t>function</a:t>
+            </a:r>
+            <a:r>
+              <a:rPr lang="en-US" altLang="en-US" sz="2000" dirty="0">
+                <a:solidFill>
+                  <a:srgbClr val="000000"/>
+                </a:solidFill>
+                <a:latin typeface="Ubuntu Mono"/>
+              </a:rPr>
+              <a:t> </a:t>
+            </a:r>
+            <a:r>
+              <a:rPr lang="en-US" altLang="en-US" sz="2000" dirty="0">
+                <a:solidFill>
+                  <a:srgbClr val="000088"/>
+                </a:solidFill>
+                <a:latin typeface="Ubuntu Mono"/>
+              </a:rPr>
+              <a:t>foo</a:t>
+            </a:r>
+            <a:r>
+              <a:rPr lang="en-US" altLang="en-US" sz="2000" dirty="0">
+                <a:solidFill>
+                  <a:srgbClr val="000000"/>
+                </a:solidFill>
+                <a:latin typeface="Ubuntu Mono"/>
+              </a:rPr>
+              <a:t>() { </a:t>
+            </a:r>
+            <a:endParaRPr lang="en-US" altLang="en-US" sz="2000" dirty="0" smtClean="0">
+              <a:solidFill>
+                <a:srgbClr val="000000"/>
+              </a:solidFill>
+              <a:latin typeface="Ubuntu Mono"/>
+            </a:endParaRPr>
+          </a:p>
+          <a:p>
+            <a:pPr marL="0" indent="0" defTabSz="685800" eaLnBrk="0" fontAlgn="base" hangingPunct="0">
+              <a:spcBef>
+                <a:spcPct val="0"/>
+              </a:spcBef>
+              <a:spcAft>
+                <a:spcPct val="0"/>
+              </a:spcAft>
+              <a:buNone/>
+            </a:pPr>
+            <a:r>
+              <a:rPr lang="en-US" altLang="en-US" sz="2000" b="1" dirty="0">
+                <a:solidFill>
+                  <a:srgbClr val="000000"/>
+                </a:solidFill>
+                <a:latin typeface="Ubuntu Mono"/>
+              </a:rPr>
+              <a:t> </a:t>
+            </a:r>
+            <a:r>
+              <a:rPr lang="en-US" altLang="en-US" sz="2000" b="1" dirty="0" smtClean="0">
+                <a:solidFill>
+                  <a:srgbClr val="000000"/>
+                </a:solidFill>
+                <a:latin typeface="Ubuntu Mono"/>
+              </a:rPr>
+              <a:t>  </a:t>
+            </a:r>
+            <a:r>
+              <a:rPr lang="en-US" altLang="en-US" sz="2000" b="1" dirty="0" err="1" smtClean="0">
+                <a:solidFill>
+                  <a:srgbClr val="006699"/>
+                </a:solidFill>
+                <a:latin typeface="Ubuntu Mono"/>
+              </a:rPr>
+              <a:t>var</a:t>
+            </a:r>
+            <a:r>
+              <a:rPr lang="en-US" altLang="en-US" sz="2000" dirty="0" smtClean="0">
+                <a:solidFill>
+                  <a:srgbClr val="000000"/>
+                </a:solidFill>
+                <a:latin typeface="Ubuntu Mono"/>
+              </a:rPr>
+              <a:t> </a:t>
+            </a:r>
+            <a:r>
+              <a:rPr lang="en-US" altLang="en-US" sz="2000" dirty="0">
+                <a:solidFill>
+                  <a:srgbClr val="000088"/>
+                </a:solidFill>
+                <a:latin typeface="Ubuntu Mono"/>
+              </a:rPr>
+              <a:t>x</a:t>
+            </a:r>
+            <a:r>
+              <a:rPr lang="en-US" altLang="en-US" sz="2000" dirty="0" smtClean="0">
+                <a:solidFill>
+                  <a:srgbClr val="000000"/>
+                </a:solidFill>
+                <a:latin typeface="Ubuntu Mono"/>
+              </a:rPr>
+              <a:t>;</a:t>
+            </a:r>
+          </a:p>
+          <a:p>
+            <a:pPr marL="0" indent="0" defTabSz="685800" eaLnBrk="0" fontAlgn="base" hangingPunct="0">
+              <a:spcBef>
+                <a:spcPct val="0"/>
+              </a:spcBef>
+              <a:spcAft>
+                <a:spcPct val="0"/>
+              </a:spcAft>
+              <a:buNone/>
+            </a:pPr>
+            <a:r>
+              <a:rPr lang="en-US" altLang="en-US" sz="2000" dirty="0" smtClean="0">
+                <a:solidFill>
+                  <a:srgbClr val="000000"/>
+                </a:solidFill>
+                <a:latin typeface="Ubuntu Mono"/>
+              </a:rPr>
+              <a:t>}</a:t>
+            </a:r>
+            <a:r>
+              <a:rPr lang="en-US" altLang="en-US" sz="2000" dirty="0" smtClean="0"/>
+              <a:t> </a:t>
+            </a:r>
+            <a:endParaRPr lang="en-US" altLang="en-US" sz="2000" dirty="0">
+              <a:latin typeface="Arial" panose="020B0604020202020204" pitchFamily="34" charset="0"/>
+            </a:endParaRPr>
+          </a:p>
+        </p:txBody>
+      </p:sp>
+    </p:spTree>
+    <p:extLst>
+      <p:ext uri="{BB962C8B-B14F-4D97-AF65-F5344CB8AC3E}">
+        <p14:creationId xmlns:p14="http://schemas.microsoft.com/office/powerpoint/2010/main" val="3487932277"/>
+      </p:ext>
+    </p:extLst>
+  </p:cSld>
+  <p:clrMapOvr>
+    <a:masterClrMapping/>
+  </p:clrMapOvr>
+  <p:timing>
+    <p:tnLst>
+      <p:par>
+        <p:cTn id="1" dur="indefinite" restart="never" nodeType="tmRoot"/>
+      </p:par>
+    </p:tnLst>
+  </p:timing>
+</p:sld>
+</file>
+
 <file path=ppt/slides/slide9.xml><?xml version="1.0" encoding="utf-8"?>
 <p:sld xmlns:a="http://schemas.openxmlformats.org/drawingml/2006/main" xmlns:r="http://schemas.openxmlformats.org/officeDocument/2006/relationships" xmlns:p="http://schemas.openxmlformats.org/presentationml/2006/main">
   <p:cSld>
@@ -15473,11 +14981,7 @@
           <a:bodyPr/>
           <a:lstStyle/>
           <a:p>
-            <a:r>
-              <a:rPr lang="en-US" dirty="0" smtClean="0"/>
-              <a:t>Example</a:t>
-            </a:r>
-            <a:endParaRPr lang="en-US" dirty="0"/>
+            <a:endParaRPr lang="en-US"/>
           </a:p>
         </p:txBody>
       </p:sp>
@@ -15500,12 +15004,20 @@
               <a:buNone/>
             </a:pPr>
             <a:r>
-              <a:rPr lang="en-US" dirty="0" err="1" smtClean="0"/>
-              <a:t>var</a:t>
-            </a:r>
-            <a:r>
               <a:rPr lang="en-US" dirty="0" smtClean="0"/>
-              <a:t> a = 2;</a:t>
+              <a:t>	Scope </a:t>
+            </a:r>
+            <a:r>
+              <a:rPr lang="en-US" dirty="0"/>
+              <a:t>- is a logical boundaries in which a variable (or </a:t>
+            </a:r>
+            <a:r>
+              <a:rPr lang="en-US" dirty="0" smtClean="0"/>
+              <a:t>expression</a:t>
+            </a:r>
+            <a:r>
+              <a:rPr lang="en-US" dirty="0"/>
+              <a:t>) has its meaning. </a:t>
             </a:r>
           </a:p>
           <a:p>
@@ -15513,22 +15025,34 @@
               <a:buNone/>
             </a:pPr>
             <a:r>
-              <a:rPr lang="en-US" dirty="0" err="1" smtClean="0"/>
-              <a:t>var</a:t>
-            </a:r>
-            <a:r>
               <a:rPr lang="en-US" dirty="0" smtClean="0"/>
-              <a:t> b = 2;</a:t>
+              <a:t>	For </a:t>
+            </a:r>
+            <a:r>
+              <a:rPr lang="en-US" dirty="0"/>
+              <a:t>example, a global variable, a local variable, </a:t>
+            </a:r>
+            <a:r>
+              <a:rPr lang="en-US" dirty="0" err="1"/>
+              <a:t>etc</a:t>
+            </a:r>
+            <a:r>
+              <a:rPr lang="en-US" dirty="0"/>
+              <a:t>, which generally reflects a logical range of a </a:t>
+            </a:r>
+            <a:r>
+              <a:rPr lang="en-US" dirty="0" smtClean="0"/>
+              <a:t>variable </a:t>
+            </a:r>
+            <a:r>
+              <a:rPr lang="en-US" dirty="0"/>
+              <a:t>lifetime.</a:t>
             </a:r>
           </a:p>
           <a:p>
             <a:pPr marL="0" indent="0">
               <a:buNone/>
             </a:pPr>
-            <a:r>
-              <a:rPr lang="en-US" smtClean="0"/>
-              <a:t>console.log(a + b);</a:t>
-            </a:r>
             <a:endParaRPr lang="en-US" dirty="0"/>
           </a:p>
         </p:txBody>
@@ -15536,20 +15060,13 @@
     </p:spTree>
     <p:extLst>
       <p:ext uri="{BB962C8B-B14F-4D97-AF65-F5344CB8AC3E}">
-        <p14:creationId xmlns:p14="http://schemas.microsoft.com/office/powerpoint/2010/main" val="3039457878"/>
+        <p14:creationId xmlns:p14="http://schemas.microsoft.com/office/powerpoint/2010/main" val="915147315"/>
       </p:ext>
     </p:extLst>
   </p:cSld>
   <p:clrMapOvr>
     <a:masterClrMapping/>
   </p:clrMapOvr>
-  <p:timing>
-    <p:tnLst>
-      <p:par>
-        <p:cTn id="1" dur="indefinite" restart="never" nodeType="tmRoot"/>
-      </p:par>
-    </p:tnLst>
-  </p:timing>
 </p:sld>
 </file>
 

--- a/lecture-3-recap-scope/scope.pptx
+++ b/lecture-3-recap-scope/scope.pptx
@@ -5,7 +5,7 @@
     <p:sldMasterId id="2147483936" r:id="rId1"/>
   </p:sldMasterIdLst>
   <p:notesMasterIdLst>
-    <p:notesMasterId r:id="rId34"/>
+    <p:notesMasterId r:id="rId35"/>
   </p:notesMasterIdLst>
   <p:sldIdLst>
     <p:sldId id="442" r:id="rId2"/>
@@ -16,30 +16,31 @@
     <p:sldId id="524" r:id="rId7"/>
     <p:sldId id="514" r:id="rId8"/>
     <p:sldId id="450" r:id="rId9"/>
-    <p:sldId id="523" r:id="rId10"/>
-    <p:sldId id="454" r:id="rId11"/>
-    <p:sldId id="453" r:id="rId12"/>
-    <p:sldId id="455" r:id="rId13"/>
-    <p:sldId id="456" r:id="rId14"/>
-    <p:sldId id="457" r:id="rId15"/>
-    <p:sldId id="515" r:id="rId16"/>
-    <p:sldId id="465" r:id="rId17"/>
-    <p:sldId id="463" r:id="rId18"/>
-    <p:sldId id="464" r:id="rId19"/>
-    <p:sldId id="458" r:id="rId20"/>
-    <p:sldId id="466" r:id="rId21"/>
-    <p:sldId id="462" r:id="rId22"/>
-    <p:sldId id="484" r:id="rId23"/>
-    <p:sldId id="485" r:id="rId24"/>
-    <p:sldId id="497" r:id="rId25"/>
-    <p:sldId id="522" r:id="rId26"/>
-    <p:sldId id="520" r:id="rId27"/>
-    <p:sldId id="486" r:id="rId28"/>
-    <p:sldId id="461" r:id="rId29"/>
-    <p:sldId id="507" r:id="rId30"/>
-    <p:sldId id="513" r:id="rId31"/>
-    <p:sldId id="521" r:id="rId32"/>
-    <p:sldId id="305" r:id="rId33"/>
+    <p:sldId id="526" r:id="rId10"/>
+    <p:sldId id="523" r:id="rId11"/>
+    <p:sldId id="454" r:id="rId12"/>
+    <p:sldId id="453" r:id="rId13"/>
+    <p:sldId id="455" r:id="rId14"/>
+    <p:sldId id="456" r:id="rId15"/>
+    <p:sldId id="457" r:id="rId16"/>
+    <p:sldId id="515" r:id="rId17"/>
+    <p:sldId id="465" r:id="rId18"/>
+    <p:sldId id="463" r:id="rId19"/>
+    <p:sldId id="464" r:id="rId20"/>
+    <p:sldId id="458" r:id="rId21"/>
+    <p:sldId id="466" r:id="rId22"/>
+    <p:sldId id="462" r:id="rId23"/>
+    <p:sldId id="484" r:id="rId24"/>
+    <p:sldId id="485" r:id="rId25"/>
+    <p:sldId id="497" r:id="rId26"/>
+    <p:sldId id="522" r:id="rId27"/>
+    <p:sldId id="520" r:id="rId28"/>
+    <p:sldId id="486" r:id="rId29"/>
+    <p:sldId id="461" r:id="rId30"/>
+    <p:sldId id="507" r:id="rId31"/>
+    <p:sldId id="513" r:id="rId32"/>
+    <p:sldId id="521" r:id="rId33"/>
+    <p:sldId id="305" r:id="rId34"/>
   </p:sldIdLst>
   <p:sldSz cx="9144000" cy="6858000" type="screen4x3"/>
   <p:notesSz cx="6858000" cy="9144000"/>
@@ -240,7 +241,7 @@
             <a:fld id="{83C55866-C109-46F5-A1A5-A583FE70736B}" type="datetimeFigureOut">
               <a:rPr lang="be-BY" smtClean="0"/>
               <a:pPr/>
-              <a:t>12.10.2015</a:t>
+              <a:t>13.10.2015</a:t>
             </a:fld>
             <a:endParaRPr lang="be-BY"/>
           </a:p>
@@ -664,7 +665,7 @@
             <a:fld id="{B6DB43F0-FEFD-424B-AFAA-1D3C2B01CC9C}" type="slidenum">
               <a:rPr lang="be-BY" smtClean="0"/>
               <a:pPr/>
-              <a:t>20</a:t>
+              <a:t>21</a:t>
             </a:fld>
             <a:endParaRPr lang="be-BY"/>
           </a:p>
@@ -751,7 +752,7 @@
             <a:fld id="{B6DB43F0-FEFD-424B-AFAA-1D3C2B01CC9C}" type="slidenum">
               <a:rPr lang="be-BY" smtClean="0"/>
               <a:pPr/>
-              <a:t>21</a:t>
+              <a:t>22</a:t>
             </a:fld>
             <a:endParaRPr lang="be-BY"/>
           </a:p>
@@ -848,7 +849,7 @@
             <a:fld id="{B6DB43F0-FEFD-424B-AFAA-1D3C2B01CC9C}" type="slidenum">
               <a:rPr lang="be-BY" smtClean="0"/>
               <a:pPr/>
-              <a:t>22</a:t>
+              <a:t>23</a:t>
             </a:fld>
             <a:endParaRPr lang="be-BY"/>
           </a:p>
@@ -935,7 +936,7 @@
             <a:fld id="{B6DB43F0-FEFD-424B-AFAA-1D3C2B01CC9C}" type="slidenum">
               <a:rPr lang="be-BY" smtClean="0"/>
               <a:pPr/>
-              <a:t>23</a:t>
+              <a:t>24</a:t>
             </a:fld>
             <a:endParaRPr lang="be-BY"/>
           </a:p>
@@ -1022,7 +1023,7 @@
             <a:fld id="{B6DB43F0-FEFD-424B-AFAA-1D3C2B01CC9C}" type="slidenum">
               <a:rPr lang="be-BY" smtClean="0"/>
               <a:pPr/>
-              <a:t>27</a:t>
+              <a:t>28</a:t>
             </a:fld>
             <a:endParaRPr lang="be-BY"/>
           </a:p>
@@ -1119,7 +1120,7 @@
             <a:fld id="{B6DB43F0-FEFD-424B-AFAA-1D3C2B01CC9C}" type="slidenum">
               <a:rPr lang="be-BY" smtClean="0"/>
               <a:pPr/>
-              <a:t>28</a:t>
+              <a:t>29</a:t>
             </a:fld>
             <a:endParaRPr lang="be-BY"/>
           </a:p>
@@ -1206,7 +1207,7 @@
             <a:fld id="{B6DB43F0-FEFD-424B-AFAA-1D3C2B01CC9C}" type="slidenum">
               <a:rPr lang="be-BY" smtClean="0"/>
               <a:pPr/>
-              <a:t>30</a:t>
+              <a:t>31</a:t>
             </a:fld>
             <a:endParaRPr lang="be-BY"/>
           </a:p>
@@ -1291,7 +1292,7 @@
             <a:fld id="{B6DB43F0-FEFD-424B-AFAA-1D3C2B01CC9C}" type="slidenum">
               <a:rPr lang="be-BY" smtClean="0"/>
               <a:pPr/>
-              <a:t>32</a:t>
+              <a:t>33</a:t>
             </a:fld>
             <a:endParaRPr lang="be-BY"/>
           </a:p>
@@ -1492,7 +1493,7 @@
             <a:fld id="{ADF9D30C-D1AE-43D8-9AC8-81DD3F555E58}" type="datetimeFigureOut">
               <a:rPr lang="be-BY" smtClean="0"/>
               <a:pPr/>
-              <a:t>12.10.2015</a:t>
+              <a:t>13.10.2015</a:t>
             </a:fld>
             <a:endParaRPr lang="be-BY"/>
           </a:p>
@@ -1659,7 +1660,7 @@
             <a:fld id="{ADF9D30C-D1AE-43D8-9AC8-81DD3F555E58}" type="datetimeFigureOut">
               <a:rPr lang="be-BY" smtClean="0"/>
               <a:pPr/>
-              <a:t>12.10.2015</a:t>
+              <a:t>13.10.2015</a:t>
             </a:fld>
             <a:endParaRPr lang="be-BY"/>
           </a:p>
@@ -1836,7 +1837,7 @@
             <a:fld id="{ADF9D30C-D1AE-43D8-9AC8-81DD3F555E58}" type="datetimeFigureOut">
               <a:rPr lang="be-BY" smtClean="0"/>
               <a:pPr/>
-              <a:t>12.10.2015</a:t>
+              <a:t>13.10.2015</a:t>
             </a:fld>
             <a:endParaRPr lang="be-BY"/>
           </a:p>
@@ -2003,7 +2004,7 @@
             <a:fld id="{ADF9D30C-D1AE-43D8-9AC8-81DD3F555E58}" type="datetimeFigureOut">
               <a:rPr lang="be-BY" smtClean="0"/>
               <a:pPr/>
-              <a:t>12.10.2015</a:t>
+              <a:t>13.10.2015</a:t>
             </a:fld>
             <a:endParaRPr lang="be-BY"/>
           </a:p>
@@ -2246,7 +2247,7 @@
             <a:fld id="{ADF9D30C-D1AE-43D8-9AC8-81DD3F555E58}" type="datetimeFigureOut">
               <a:rPr lang="be-BY" smtClean="0"/>
               <a:pPr/>
-              <a:t>12.10.2015</a:t>
+              <a:t>13.10.2015</a:t>
             </a:fld>
             <a:endParaRPr lang="be-BY"/>
           </a:p>
@@ -2531,7 +2532,7 @@
             <a:fld id="{ADF9D30C-D1AE-43D8-9AC8-81DD3F555E58}" type="datetimeFigureOut">
               <a:rPr lang="be-BY" smtClean="0"/>
               <a:pPr/>
-              <a:t>12.10.2015</a:t>
+              <a:t>13.10.2015</a:t>
             </a:fld>
             <a:endParaRPr lang="be-BY"/>
           </a:p>
@@ -2950,7 +2951,7 @@
             <a:fld id="{ADF9D30C-D1AE-43D8-9AC8-81DD3F555E58}" type="datetimeFigureOut">
               <a:rPr lang="be-BY" smtClean="0"/>
               <a:pPr/>
-              <a:t>12.10.2015</a:t>
+              <a:t>13.10.2015</a:t>
             </a:fld>
             <a:endParaRPr lang="be-BY"/>
           </a:p>
@@ -3065,7 +3066,7 @@
             <a:fld id="{ADF9D30C-D1AE-43D8-9AC8-81DD3F555E58}" type="datetimeFigureOut">
               <a:rPr lang="be-BY" smtClean="0"/>
               <a:pPr/>
-              <a:t>12.10.2015</a:t>
+              <a:t>13.10.2015</a:t>
             </a:fld>
             <a:endParaRPr lang="be-BY"/>
           </a:p>
@@ -3157,7 +3158,7 @@
             <a:fld id="{ADF9D30C-D1AE-43D8-9AC8-81DD3F555E58}" type="datetimeFigureOut">
               <a:rPr lang="be-BY" smtClean="0"/>
               <a:pPr/>
-              <a:t>12.10.2015</a:t>
+              <a:t>13.10.2015</a:t>
             </a:fld>
             <a:endParaRPr lang="be-BY"/>
           </a:p>
@@ -3431,7 +3432,7 @@
             <a:fld id="{ADF9D30C-D1AE-43D8-9AC8-81DD3F555E58}" type="datetimeFigureOut">
               <a:rPr lang="be-BY" smtClean="0"/>
               <a:pPr/>
-              <a:t>12.10.2015</a:t>
+              <a:t>13.10.2015</a:t>
             </a:fld>
             <a:endParaRPr lang="be-BY"/>
           </a:p>
@@ -3681,7 +3682,7 @@
             <a:fld id="{ADF9D30C-D1AE-43D8-9AC8-81DD3F555E58}" type="datetimeFigureOut">
               <a:rPr lang="be-BY" smtClean="0"/>
               <a:pPr/>
-              <a:t>12.10.2015</a:t>
+              <a:t>13.10.2015</a:t>
             </a:fld>
             <a:endParaRPr lang="be-BY"/>
           </a:p>
@@ -3891,7 +3892,7 @@
             <a:fld id="{ADF9D30C-D1AE-43D8-9AC8-81DD3F555E58}" type="datetimeFigureOut">
               <a:rPr lang="be-BY" smtClean="0"/>
               <a:pPr/>
-              <a:t>12.10.2015</a:t>
+              <a:t>13.10.2015</a:t>
             </a:fld>
             <a:endParaRPr lang="be-BY"/>
           </a:p>
@@ -4356,502 +4357,92 @@
           <a:bodyPr/>
           <a:lstStyle/>
           <a:p>
+            <a:endParaRPr lang="en-US"/>
+          </a:p>
+        </p:txBody>
+      </p:sp>
+      <p:sp>
+        <p:nvSpPr>
+          <p:cNvPr id="3" name="Content Placeholder 2"/>
+          <p:cNvSpPr>
+            <a:spLocks noGrp="1"/>
+          </p:cNvSpPr>
+          <p:nvPr>
+            <p:ph idx="1"/>
+          </p:nvPr>
+        </p:nvSpPr>
+        <p:spPr/>
+        <p:txBody>
+          <a:bodyPr/>
+          <a:lstStyle/>
+          <a:p>
+            <a:pPr marL="0" indent="0">
+              <a:buNone/>
+            </a:pPr>
+            <a:r>
+              <a:rPr lang="en-US" dirty="0" smtClean="0"/>
+              <a:t>	Scope </a:t>
+            </a:r>
             <a:r>
               <a:rPr lang="en-US" dirty="0"/>
-              <a:t>Scope can be nested </a:t>
-            </a:r>
-          </a:p>
-        </p:txBody>
-      </p:sp>
-      <p:sp>
-        <p:nvSpPr>
-          <p:cNvPr id="4" name="Rectangle 1"/>
-          <p:cNvSpPr>
-            <a:spLocks noChangeArrowheads="1"/>
-          </p:cNvSpPr>
-          <p:nvPr/>
-        </p:nvSpPr>
-        <p:spPr bwMode="auto">
-          <a:xfrm>
-            <a:off x="3419872" y="1700808"/>
-            <a:ext cx="2220989" cy="2154436"/>
-          </a:xfrm>
-          <a:prstGeom prst="rect">
-            <a:avLst/>
-          </a:prstGeom>
-          <a:noFill/>
-          <a:ln>
-            <a:noFill/>
-          </a:ln>
-          <a:effectLst/>
-          <a:extLst>
-            <a:ext uri="{909E8E84-426E-40DD-AFC4-6F175D3DCCD1}">
-              <a14:hiddenFill xmlns:a14="http://schemas.microsoft.com/office/drawing/2010/main">
-                <a:solidFill>
-                  <a:schemeClr val="accent1"/>
-                </a:solidFill>
-              </a14:hiddenFill>
-            </a:ext>
-            <a:ext uri="{91240B29-F687-4F45-9708-019B960494DF}">
-              <a14:hiddenLine xmlns:a14="http://schemas.microsoft.com/office/drawing/2010/main" w="9525">
-                <a:solidFill>
-                  <a:schemeClr val="tx1"/>
-                </a:solidFill>
-                <a:miter lim="800000"/>
-                <a:headEnd/>
-                <a:tailEnd/>
-              </a14:hiddenLine>
-            </a:ext>
-            <a:ext uri="{AF507438-7753-43E0-B8FC-AC1667EBCBE1}">
-              <a14:hiddenEffects xmlns:a14="http://schemas.microsoft.com/office/drawing/2010/main">
-                <a:effectLst>
-                  <a:outerShdw dist="35921" dir="2700000" algn="ctr" rotWithShape="0">
-                    <a:schemeClr val="bg2"/>
-                  </a:outerShdw>
-                </a:effectLst>
-              </a14:hiddenEffects>
-            </a:ext>
-          </a:extLst>
-        </p:spPr>
-        <p:txBody>
-          <a:bodyPr vert="horz" wrap="square" lIns="0" tIns="0" rIns="0" bIns="0" numCol="1" anchor="ctr" anchorCtr="0" compatLnSpc="1">
-            <a:prstTxWarp prst="textNoShape">
-              <a:avLst/>
-            </a:prstTxWarp>
-            <a:spAutoFit/>
-          </a:bodyPr>
-          <a:lstStyle/>
-          <a:p>
-            <a:pPr marL="0" marR="0" lvl="0" indent="0" algn="l" defTabSz="914400" rtl="0" eaLnBrk="0" fontAlgn="base" latinLnBrk="0" hangingPunct="0">
-              <a:lnSpc>
-                <a:spcPct val="100000"/>
-              </a:lnSpc>
-              <a:spcBef>
-                <a:spcPct val="0"/>
-              </a:spcBef>
-              <a:spcAft>
-                <a:spcPct val="0"/>
-              </a:spcAft>
-              <a:buClrTx/>
-              <a:buSzTx/>
-              <a:buFontTx/>
+              <a:t>- is a logical boundaries in which a variable (or </a:t>
+            </a:r>
+            <a:r>
+              <a:rPr lang="en-US" dirty="0" smtClean="0"/>
+              <a:t>expression</a:t>
+            </a:r>
+            <a:r>
+              <a:rPr lang="en-US" dirty="0"/>
+              <a:t>) has its meaning. </a:t>
+            </a:r>
+          </a:p>
+          <a:p>
+            <a:pPr marL="0" indent="0">
               <a:buNone/>
-              <a:tabLst/>
             </a:pPr>
             <a:r>
-              <a:rPr kumimoji="0" lang="en-US" altLang="en-US" sz="2000" b="1" i="0" u="none" strike="noStrike" cap="none" normalizeH="0" baseline="0" dirty="0" smtClean="0">
-                <a:ln>
-                  <a:noFill/>
-                </a:ln>
-                <a:solidFill>
-                  <a:srgbClr val="006699"/>
-                </a:solidFill>
-                <a:effectLst/>
-                <a:latin typeface="Ubuntu Mono"/>
-              </a:rPr>
-              <a:t>function</a:t>
-            </a:r>
-            <a:r>
-              <a:rPr kumimoji="0" lang="en-US" altLang="en-US" sz="2000" b="0" i="0" u="none" strike="noStrike" cap="none" normalizeH="0" baseline="0" dirty="0" smtClean="0">
-                <a:ln>
-                  <a:noFill/>
-                </a:ln>
-                <a:solidFill>
-                  <a:srgbClr val="000000"/>
-                </a:solidFill>
-                <a:effectLst/>
-                <a:latin typeface="Ubuntu Mono"/>
-              </a:rPr>
-              <a:t> </a:t>
-            </a:r>
-            <a:r>
-              <a:rPr kumimoji="0" lang="en-US" altLang="en-US" sz="2000" b="0" i="0" u="none" strike="noStrike" cap="none" normalizeH="0" baseline="0" dirty="0" smtClean="0">
-                <a:ln>
-                  <a:noFill/>
-                </a:ln>
-                <a:solidFill>
-                  <a:srgbClr val="000088"/>
-                </a:solidFill>
-                <a:effectLst/>
-                <a:latin typeface="Ubuntu Mono"/>
-              </a:rPr>
-              <a:t>f</a:t>
-            </a:r>
-            <a:r>
-              <a:rPr kumimoji="0" lang="en-US" altLang="en-US" sz="2000" b="0" i="0" u="none" strike="noStrike" cap="none" normalizeH="0" baseline="0" dirty="0" smtClean="0">
-                <a:ln>
-                  <a:noFill/>
-                </a:ln>
-                <a:solidFill>
-                  <a:srgbClr val="000000"/>
-                </a:solidFill>
-                <a:effectLst/>
-                <a:latin typeface="Ubuntu Mono"/>
-              </a:rPr>
-              <a:t>() {</a:t>
-            </a:r>
-          </a:p>
-          <a:p>
-            <a:pPr marL="0" marR="0" lvl="0" indent="0" algn="l" defTabSz="914400" rtl="0" eaLnBrk="0" fontAlgn="base" latinLnBrk="0" hangingPunct="0">
-              <a:lnSpc>
-                <a:spcPct val="100000"/>
-              </a:lnSpc>
-              <a:spcBef>
-                <a:spcPct val="0"/>
-              </a:spcBef>
-              <a:spcAft>
-                <a:spcPct val="0"/>
-              </a:spcAft>
-              <a:buClrTx/>
-              <a:buSzTx/>
-              <a:buFontTx/>
+              <a:rPr lang="en-US" dirty="0" smtClean="0"/>
+              <a:t>	For </a:t>
+            </a:r>
+            <a:r>
+              <a:rPr lang="en-US" dirty="0"/>
+              <a:t>example, a global variable, a local variable, </a:t>
+            </a:r>
+            <a:r>
+              <a:rPr lang="en-US" dirty="0" err="1"/>
+              <a:t>etc</a:t>
+            </a:r>
+            <a:r>
+              <a:rPr lang="en-US" dirty="0"/>
+              <a:t>, which generally reflects a logical range of a </a:t>
+            </a:r>
+            <a:r>
+              <a:rPr lang="en-US" dirty="0" smtClean="0"/>
+              <a:t>variable </a:t>
+            </a:r>
+            <a:r>
+              <a:rPr lang="en-US" dirty="0"/>
+              <a:t>lifetime.</a:t>
+            </a:r>
+          </a:p>
+          <a:p>
+            <a:pPr marL="0" indent="0">
               <a:buNone/>
-              <a:tabLst/>
             </a:pPr>
-            <a:r>
-              <a:rPr lang="en-US" altLang="en-US" sz="2000" dirty="0">
-                <a:solidFill>
-                  <a:srgbClr val="000000"/>
-                </a:solidFill>
-                <a:latin typeface="Ubuntu Mono"/>
-              </a:rPr>
-              <a:t> </a:t>
-            </a:r>
-            <a:r>
-              <a:rPr lang="en-US" altLang="en-US" sz="2000" dirty="0" smtClean="0">
-                <a:solidFill>
-                  <a:srgbClr val="000000"/>
-                </a:solidFill>
-                <a:latin typeface="Ubuntu Mono"/>
-              </a:rPr>
-              <a:t>   </a:t>
-            </a:r>
-            <a:r>
-              <a:rPr lang="en-US" altLang="en-US" sz="2000" dirty="0" err="1" smtClean="0">
-                <a:solidFill>
-                  <a:srgbClr val="000000"/>
-                </a:solidFill>
-                <a:latin typeface="Ubuntu Mono"/>
-              </a:rPr>
-              <a:t>var</a:t>
-            </a:r>
-            <a:r>
-              <a:rPr lang="en-US" altLang="en-US" sz="2000" dirty="0" smtClean="0">
-                <a:solidFill>
-                  <a:srgbClr val="000000"/>
-                </a:solidFill>
-                <a:latin typeface="Ubuntu Mono"/>
-              </a:rPr>
-              <a:t> x = 2;</a:t>
-            </a:r>
-            <a:r>
-              <a:rPr kumimoji="0" lang="en-US" altLang="en-US" sz="2000" b="0" i="0" u="none" strike="noStrike" cap="none" normalizeH="0" baseline="0" dirty="0" smtClean="0">
-                <a:ln>
-                  <a:noFill/>
-                </a:ln>
-                <a:solidFill>
-                  <a:srgbClr val="000000"/>
-                </a:solidFill>
-                <a:effectLst/>
-                <a:latin typeface="Ubuntu Mono"/>
-              </a:rPr>
-              <a:t> </a:t>
-            </a:r>
-          </a:p>
-          <a:p>
-            <a:pPr marL="0" marR="0" lvl="0" indent="0" algn="l" defTabSz="914400" rtl="0" eaLnBrk="0" fontAlgn="base" latinLnBrk="0" hangingPunct="0">
-              <a:lnSpc>
-                <a:spcPct val="100000"/>
-              </a:lnSpc>
-              <a:spcBef>
-                <a:spcPct val="0"/>
-              </a:spcBef>
-              <a:spcAft>
-                <a:spcPct val="0"/>
-              </a:spcAft>
-              <a:buClrTx/>
-              <a:buSzTx/>
-              <a:buFontTx/>
-              <a:buNone/>
-              <a:tabLst/>
-            </a:pPr>
-            <a:r>
-              <a:rPr lang="en-US" altLang="en-US" sz="2000" dirty="0">
-                <a:solidFill>
-                  <a:srgbClr val="000000"/>
-                </a:solidFill>
-                <a:latin typeface="Ubuntu Mono"/>
-              </a:rPr>
-              <a:t> </a:t>
-            </a:r>
-            <a:r>
-              <a:rPr lang="en-US" altLang="en-US" sz="2000" dirty="0" smtClean="0">
-                <a:solidFill>
-                  <a:srgbClr val="000000"/>
-                </a:solidFill>
-                <a:latin typeface="Ubuntu Mono"/>
-              </a:rPr>
-              <a:t>   </a:t>
-            </a:r>
-            <a:r>
-              <a:rPr kumimoji="0" lang="en-US" altLang="en-US" sz="2000" b="1" i="0" u="none" strike="noStrike" cap="none" normalizeH="0" baseline="0" dirty="0" smtClean="0">
-                <a:ln>
-                  <a:noFill/>
-                </a:ln>
-                <a:solidFill>
-                  <a:srgbClr val="006699"/>
-                </a:solidFill>
-                <a:effectLst/>
-                <a:latin typeface="Ubuntu Mono"/>
-              </a:rPr>
-              <a:t>function</a:t>
-            </a:r>
-            <a:r>
-              <a:rPr kumimoji="0" lang="en-US" altLang="en-US" sz="2000" b="0" i="0" u="none" strike="noStrike" cap="none" normalizeH="0" baseline="0" dirty="0" smtClean="0">
-                <a:ln>
-                  <a:noFill/>
-                </a:ln>
-                <a:solidFill>
-                  <a:srgbClr val="000000"/>
-                </a:solidFill>
-                <a:effectLst/>
-                <a:latin typeface="Ubuntu Mono"/>
-              </a:rPr>
-              <a:t> </a:t>
-            </a:r>
-            <a:r>
-              <a:rPr kumimoji="0" lang="en-US" altLang="en-US" sz="2000" b="0" i="0" u="none" strike="noStrike" cap="none" normalizeH="0" baseline="0" dirty="0" smtClean="0">
-                <a:ln>
-                  <a:noFill/>
-                </a:ln>
-                <a:solidFill>
-                  <a:srgbClr val="000088"/>
-                </a:solidFill>
-                <a:effectLst/>
-                <a:latin typeface="Ubuntu Mono"/>
-              </a:rPr>
-              <a:t>g</a:t>
-            </a:r>
-            <a:r>
-              <a:rPr kumimoji="0" lang="en-US" altLang="en-US" sz="2000" b="0" i="0" u="none" strike="noStrike" cap="none" normalizeH="0" baseline="0" dirty="0" smtClean="0">
-                <a:ln>
-                  <a:noFill/>
-                </a:ln>
-                <a:solidFill>
-                  <a:srgbClr val="000000"/>
-                </a:solidFill>
-                <a:effectLst/>
-                <a:latin typeface="Ubuntu Mono"/>
-              </a:rPr>
-              <a:t>() {</a:t>
-            </a:r>
-          </a:p>
-          <a:p>
-            <a:pPr marL="0" marR="0" lvl="0" indent="0" algn="l" defTabSz="914400" rtl="0" eaLnBrk="0" fontAlgn="base" latinLnBrk="0" hangingPunct="0">
-              <a:lnSpc>
-                <a:spcPct val="100000"/>
-              </a:lnSpc>
-              <a:spcBef>
-                <a:spcPct val="0"/>
-              </a:spcBef>
-              <a:spcAft>
-                <a:spcPct val="0"/>
-              </a:spcAft>
-              <a:buClrTx/>
-              <a:buSzTx/>
-              <a:buFontTx/>
-              <a:buNone/>
-              <a:tabLst/>
-            </a:pPr>
-            <a:r>
-              <a:rPr lang="en-US" altLang="en-US" sz="2000" dirty="0">
-                <a:solidFill>
-                  <a:srgbClr val="000000"/>
-                </a:solidFill>
-                <a:latin typeface="Ubuntu Mono"/>
-              </a:rPr>
-              <a:t> </a:t>
-            </a:r>
-            <a:r>
-              <a:rPr lang="en-US" altLang="en-US" sz="2000" dirty="0" smtClean="0">
-                <a:solidFill>
-                  <a:srgbClr val="000000"/>
-                </a:solidFill>
-                <a:latin typeface="Ubuntu Mono"/>
-              </a:rPr>
-              <a:t>      </a:t>
-            </a:r>
-            <a:r>
-              <a:rPr lang="en-US" altLang="en-US" sz="2000" dirty="0" err="1" smtClean="0">
-                <a:solidFill>
-                  <a:srgbClr val="000000"/>
-                </a:solidFill>
-                <a:latin typeface="Ubuntu Mono"/>
-              </a:rPr>
-              <a:t>var</a:t>
-            </a:r>
-            <a:r>
-              <a:rPr lang="en-US" altLang="en-US" sz="2000" dirty="0" smtClean="0">
-                <a:solidFill>
-                  <a:srgbClr val="000000"/>
-                </a:solidFill>
-                <a:latin typeface="Ubuntu Mono"/>
-              </a:rPr>
-              <a:t> y = 3;</a:t>
-            </a:r>
-            <a:r>
-              <a:rPr kumimoji="0" lang="en-US" altLang="en-US" sz="2000" b="0" i="0" u="none" strike="noStrike" cap="none" normalizeH="0" baseline="0" dirty="0" smtClean="0">
-                <a:ln>
-                  <a:noFill/>
-                </a:ln>
-                <a:solidFill>
-                  <a:srgbClr val="000000"/>
-                </a:solidFill>
-                <a:effectLst/>
-                <a:latin typeface="Ubuntu Mono"/>
-              </a:rPr>
-              <a:t> </a:t>
-            </a:r>
-          </a:p>
-          <a:p>
-            <a:pPr marL="0" marR="0" lvl="0" indent="0" algn="l" defTabSz="914400" rtl="0" eaLnBrk="0" fontAlgn="base" latinLnBrk="0" hangingPunct="0">
-              <a:lnSpc>
-                <a:spcPct val="100000"/>
-              </a:lnSpc>
-              <a:spcBef>
-                <a:spcPct val="0"/>
-              </a:spcBef>
-              <a:spcAft>
-                <a:spcPct val="0"/>
-              </a:spcAft>
-              <a:buClrTx/>
-              <a:buSzTx/>
-              <a:buFontTx/>
-              <a:buNone/>
-              <a:tabLst/>
-            </a:pPr>
-            <a:r>
-              <a:rPr lang="en-US" altLang="en-US" sz="2000" dirty="0">
-                <a:solidFill>
-                  <a:srgbClr val="000000"/>
-                </a:solidFill>
-                <a:latin typeface="Ubuntu Mono"/>
-              </a:rPr>
-              <a:t> </a:t>
-            </a:r>
-            <a:r>
-              <a:rPr lang="en-US" altLang="en-US" sz="2000" dirty="0" smtClean="0">
-                <a:solidFill>
-                  <a:srgbClr val="000000"/>
-                </a:solidFill>
-                <a:latin typeface="Ubuntu Mono"/>
-              </a:rPr>
-              <a:t>      alert(x + y);</a:t>
-            </a:r>
-          </a:p>
-          <a:p>
-            <a:pPr marL="0" marR="0" lvl="0" indent="0" algn="l" defTabSz="914400" rtl="0" eaLnBrk="0" fontAlgn="base" latinLnBrk="0" hangingPunct="0">
-              <a:lnSpc>
-                <a:spcPct val="100000"/>
-              </a:lnSpc>
-              <a:spcBef>
-                <a:spcPct val="0"/>
-              </a:spcBef>
-              <a:spcAft>
-                <a:spcPct val="0"/>
-              </a:spcAft>
-              <a:buClrTx/>
-              <a:buSzTx/>
-              <a:buFontTx/>
-              <a:buNone/>
-              <a:tabLst/>
-            </a:pPr>
-            <a:r>
-              <a:rPr kumimoji="0" lang="en-US" altLang="en-US" sz="2000" b="0" i="0" u="none" strike="noStrike" cap="none" normalizeH="0" baseline="0" dirty="0" smtClean="0">
-                <a:ln>
-                  <a:noFill/>
-                </a:ln>
-                <a:solidFill>
-                  <a:srgbClr val="000000"/>
-                </a:solidFill>
-                <a:effectLst/>
-                <a:latin typeface="Ubuntu Mono"/>
-              </a:rPr>
-              <a:t>    } </a:t>
-            </a:r>
-          </a:p>
-          <a:p>
-            <a:pPr marL="0" marR="0" lvl="0" indent="0" algn="l" defTabSz="914400" rtl="0" eaLnBrk="0" fontAlgn="base" latinLnBrk="0" hangingPunct="0">
-              <a:lnSpc>
-                <a:spcPct val="100000"/>
-              </a:lnSpc>
-              <a:spcBef>
-                <a:spcPct val="0"/>
-              </a:spcBef>
-              <a:spcAft>
-                <a:spcPct val="0"/>
-              </a:spcAft>
-              <a:buClrTx/>
-              <a:buSzTx/>
-              <a:buFontTx/>
-              <a:buNone/>
-              <a:tabLst/>
-            </a:pPr>
-            <a:r>
-              <a:rPr kumimoji="0" lang="en-US" altLang="en-US" sz="2000" b="0" i="0" u="none" strike="noStrike" cap="none" normalizeH="0" baseline="0" dirty="0" smtClean="0">
-                <a:ln>
-                  <a:noFill/>
-                </a:ln>
-                <a:solidFill>
-                  <a:srgbClr val="000000"/>
-                </a:solidFill>
-                <a:effectLst/>
-                <a:latin typeface="Ubuntu Mono"/>
-              </a:rPr>
-              <a:t>}</a:t>
-            </a:r>
-            <a:r>
-              <a:rPr kumimoji="0" lang="en-US" altLang="en-US" sz="2000" b="0" i="0" u="none" strike="noStrike" cap="none" normalizeH="0" baseline="0" dirty="0" smtClean="0">
-                <a:ln>
-                  <a:noFill/>
-                </a:ln>
-                <a:solidFill>
-                  <a:schemeClr val="tx1"/>
-                </a:solidFill>
-                <a:effectLst/>
-              </a:rPr>
-              <a:t> </a:t>
-            </a:r>
-            <a:endParaRPr kumimoji="0" lang="en-US" altLang="en-US" sz="2000" b="0" i="0" u="none" strike="noStrike" cap="none" normalizeH="0" baseline="0" dirty="0" smtClean="0">
-              <a:ln>
-                <a:noFill/>
-              </a:ln>
-              <a:solidFill>
-                <a:schemeClr val="tx1"/>
-              </a:solidFill>
-              <a:effectLst/>
-              <a:latin typeface="Arial" panose="020B0604020202020204" pitchFamily="34" charset="0"/>
-            </a:endParaRPr>
+            <a:endParaRPr lang="en-US" dirty="0"/>
           </a:p>
         </p:txBody>
       </p:sp>
     </p:spTree>
     <p:extLst>
       <p:ext uri="{BB962C8B-B14F-4D97-AF65-F5344CB8AC3E}">
-        <p14:creationId xmlns:p14="http://schemas.microsoft.com/office/powerpoint/2010/main" val="4153191648"/>
+        <p14:creationId xmlns:p14="http://schemas.microsoft.com/office/powerpoint/2010/main" val="915147315"/>
       </p:ext>
     </p:extLst>
   </p:cSld>
   <p:clrMapOvr>
     <a:masterClrMapping/>
   </p:clrMapOvr>
-  <p:timing>
-    <p:tnLst>
-      <p:par>
-        <p:cTn id="1" dur="indefinite" restart="never" nodeType="tmRoot"/>
-      </p:par>
-    </p:tnLst>
-  </p:timing>
 </p:sld>
 </file>
 
@@ -4888,10 +4479,9 @@
           <a:lstStyle/>
           <a:p>
             <a:r>
-              <a:rPr lang="en-US" dirty="0" smtClean="0"/>
-              <a:t>Nested Scope</a:t>
-            </a:r>
-            <a:endParaRPr lang="en-US" dirty="0"/>
+              <a:rPr lang="en-US" dirty="0"/>
+              <a:t>Scope can be nested </a:t>
+            </a:r>
           </a:p>
         </p:txBody>
       </p:sp>
@@ -5367,160 +4957,10 @@
           </a:p>
         </p:txBody>
       </p:sp>
-      <p:sp>
-        <p:nvSpPr>
-          <p:cNvPr id="3" name="Right Brace 2"/>
-          <p:cNvSpPr/>
-          <p:nvPr/>
-        </p:nvSpPr>
-        <p:spPr>
-          <a:xfrm>
-            <a:off x="5411657" y="2449488"/>
-            <a:ext cx="365760" cy="1005840"/>
-          </a:xfrm>
-          <a:prstGeom prst="rightBrace">
-            <a:avLst/>
-          </a:prstGeom>
-          <a:ln w="22225">
-            <a:solidFill>
-              <a:schemeClr val="tx1"/>
-            </a:solidFill>
-          </a:ln>
-        </p:spPr>
-        <p:style>
-          <a:lnRef idx="1">
-            <a:schemeClr val="accent1"/>
-          </a:lnRef>
-          <a:fillRef idx="0">
-            <a:schemeClr val="accent1"/>
-          </a:fillRef>
-          <a:effectRef idx="0">
-            <a:schemeClr val="accent1"/>
-          </a:effectRef>
-          <a:fontRef idx="minor">
-            <a:schemeClr val="tx1"/>
-          </a:fontRef>
-        </p:style>
-        <p:txBody>
-          <a:bodyPr rtlCol="0" anchor="ctr"/>
-          <a:lstStyle/>
-          <a:p>
-            <a:pPr algn="ctr"/>
-            <a:endParaRPr lang="en-US"/>
-          </a:p>
-        </p:txBody>
-      </p:sp>
-      <p:sp>
-        <p:nvSpPr>
-          <p:cNvPr id="5" name="TextBox 4"/>
-          <p:cNvSpPr txBox="1"/>
-          <p:nvPr/>
-        </p:nvSpPr>
-        <p:spPr>
-          <a:xfrm>
-            <a:off x="5915713" y="2767662"/>
-            <a:ext cx="1274388" cy="369332"/>
-          </a:xfrm>
-          <a:prstGeom prst="rect">
-            <a:avLst/>
-          </a:prstGeom>
-          <a:noFill/>
-        </p:spPr>
-        <p:txBody>
-          <a:bodyPr wrap="none" rtlCol="0">
-            <a:spAutoFit/>
-          </a:bodyPr>
-          <a:lstStyle/>
-          <a:p>
-            <a:r>
-              <a:rPr lang="en-US" dirty="0" smtClean="0"/>
-              <a:t>inner scope</a:t>
-            </a:r>
-            <a:endParaRPr lang="en-US" dirty="0"/>
-          </a:p>
-        </p:txBody>
-      </p:sp>
-      <p:sp>
-        <p:nvSpPr>
-          <p:cNvPr id="7" name="Right Brace 6"/>
-          <p:cNvSpPr/>
-          <p:nvPr/>
-        </p:nvSpPr>
-        <p:spPr>
-          <a:xfrm rot="10800000">
-            <a:off x="2627784" y="1844824"/>
-            <a:ext cx="444322" cy="1965312"/>
-          </a:xfrm>
-          <a:prstGeom prst="rightBrace">
-            <a:avLst/>
-          </a:prstGeom>
-          <a:ln w="22225">
-            <a:solidFill>
-              <a:schemeClr val="tx1"/>
-            </a:solidFill>
-          </a:ln>
-        </p:spPr>
-        <p:style>
-          <a:lnRef idx="1">
-            <a:schemeClr val="accent1"/>
-          </a:lnRef>
-          <a:fillRef idx="0">
-            <a:schemeClr val="accent1"/>
-          </a:fillRef>
-          <a:effectRef idx="0">
-            <a:schemeClr val="accent1"/>
-          </a:effectRef>
-          <a:fontRef idx="minor">
-            <a:schemeClr val="tx1"/>
-          </a:fontRef>
-        </p:style>
-        <p:txBody>
-          <a:bodyPr rtlCol="0" anchor="ctr"/>
-          <a:lstStyle/>
-          <a:p>
-            <a:pPr algn="ctr"/>
-            <a:endParaRPr lang="en-US"/>
-          </a:p>
-        </p:txBody>
-      </p:sp>
-      <p:sp>
-        <p:nvSpPr>
-          <p:cNvPr id="8" name="TextBox 7"/>
-          <p:cNvSpPr txBox="1"/>
-          <p:nvPr/>
-        </p:nvSpPr>
-        <p:spPr>
-          <a:xfrm>
-            <a:off x="1214539" y="2642814"/>
-            <a:ext cx="1295932" cy="369332"/>
-          </a:xfrm>
-          <a:prstGeom prst="rect">
-            <a:avLst/>
-          </a:prstGeom>
-          <a:noFill/>
-        </p:spPr>
-        <p:txBody>
-          <a:bodyPr wrap="none" rtlCol="0">
-            <a:spAutoFit/>
-          </a:bodyPr>
-          <a:lstStyle/>
-          <a:p>
-            <a:r>
-              <a:rPr lang="en-US" dirty="0"/>
-              <a:t>o</a:t>
-            </a:r>
-            <a:r>
-              <a:rPr lang="en-US" dirty="0" smtClean="0"/>
-              <a:t>uter scope</a:t>
-            </a:r>
-            <a:endParaRPr lang="en-US" dirty="0"/>
-          </a:p>
-        </p:txBody>
-      </p:sp>
     </p:spTree>
     <p:extLst>
       <p:ext uri="{BB962C8B-B14F-4D97-AF65-F5344CB8AC3E}">
-        <p14:creationId xmlns:p14="http://schemas.microsoft.com/office/powerpoint/2010/main" val="4069679040"/>
+        <p14:creationId xmlns:p14="http://schemas.microsoft.com/office/powerpoint/2010/main" val="4153191648"/>
       </p:ext>
     </p:extLst>
   </p:cSld>
@@ -5571,7 +5011,7 @@
           <a:p>
             <a:r>
               <a:rPr lang="en-US" dirty="0" smtClean="0"/>
-              <a:t>Shadowing</a:t>
+              <a:t>Nested Scope</a:t>
             </a:r>
             <a:endParaRPr lang="en-US" dirty="0"/>
           </a:p>
@@ -5579,339 +5019,630 @@
       </p:sp>
       <p:sp>
         <p:nvSpPr>
-          <p:cNvPr id="4" name="Rectangle 3"/>
-          <p:cNvSpPr/>
+          <p:cNvPr id="4" name="Rectangle 1"/>
+          <p:cNvSpPr>
+            <a:spLocks noChangeArrowheads="1"/>
+          </p:cNvSpPr>
           <p:nvPr/>
         </p:nvSpPr>
-        <p:spPr>
+        <p:spPr bwMode="auto">
           <a:xfrm>
-            <a:off x="457200" y="1556792"/>
-            <a:ext cx="8429684" cy="2862322"/>
+            <a:off x="3419872" y="1700808"/>
+            <a:ext cx="2220989" cy="2154436"/>
           </a:xfrm>
           <a:prstGeom prst="rect">
             <a:avLst/>
           </a:prstGeom>
+          <a:noFill/>
+          <a:ln>
+            <a:noFill/>
+          </a:ln>
+          <a:effectLst/>
+          <a:extLst>
+            <a:ext uri="{909E8E84-426E-40DD-AFC4-6F175D3DCCD1}">
+              <a14:hiddenFill xmlns:a14="http://schemas.microsoft.com/office/drawing/2010/main">
+                <a:solidFill>
+                  <a:schemeClr val="accent1"/>
+                </a:solidFill>
+              </a14:hiddenFill>
+            </a:ext>
+            <a:ext uri="{91240B29-F687-4F45-9708-019B960494DF}">
+              <a14:hiddenLine xmlns:a14="http://schemas.microsoft.com/office/drawing/2010/main" w="9525">
+                <a:solidFill>
+                  <a:schemeClr val="tx1"/>
+                </a:solidFill>
+                <a:miter lim="800000"/>
+                <a:headEnd/>
+                <a:tailEnd/>
+              </a14:hiddenLine>
+            </a:ext>
+            <a:ext uri="{AF507438-7753-43E0-B8FC-AC1667EBCBE1}">
+              <a14:hiddenEffects xmlns:a14="http://schemas.microsoft.com/office/drawing/2010/main">
+                <a:effectLst>
+                  <a:outerShdw dist="35921" dir="2700000" algn="ctr" rotWithShape="0">
+                    <a:schemeClr val="bg2"/>
+                  </a:outerShdw>
+                </a:effectLst>
+              </a14:hiddenEffects>
+            </a:ext>
+          </a:extLst>
+        </p:spPr>
+        <p:txBody>
+          <a:bodyPr vert="horz" wrap="square" lIns="0" tIns="0" rIns="0" bIns="0" numCol="1" anchor="ctr" anchorCtr="0" compatLnSpc="1">
+            <a:prstTxWarp prst="textNoShape">
+              <a:avLst/>
+            </a:prstTxWarp>
+            <a:spAutoFit/>
+          </a:bodyPr>
+          <a:lstStyle/>
+          <a:p>
+            <a:pPr marL="0" marR="0" lvl="0" indent="0" algn="l" defTabSz="914400" rtl="0" eaLnBrk="0" fontAlgn="base" latinLnBrk="0" hangingPunct="0">
+              <a:lnSpc>
+                <a:spcPct val="100000"/>
+              </a:lnSpc>
+              <a:spcBef>
+                <a:spcPct val="0"/>
+              </a:spcBef>
+              <a:spcAft>
+                <a:spcPct val="0"/>
+              </a:spcAft>
+              <a:buClrTx/>
+              <a:buSzTx/>
+              <a:buFontTx/>
+              <a:buNone/>
+              <a:tabLst/>
+            </a:pPr>
+            <a:r>
+              <a:rPr kumimoji="0" lang="en-US" altLang="en-US" sz="2000" b="1" i="0" u="none" strike="noStrike" cap="none" normalizeH="0" baseline="0" dirty="0" smtClean="0">
+                <a:ln>
+                  <a:noFill/>
+                </a:ln>
+                <a:solidFill>
+                  <a:srgbClr val="006699"/>
+                </a:solidFill>
+                <a:effectLst/>
+                <a:latin typeface="Ubuntu Mono"/>
+              </a:rPr>
+              <a:t>function</a:t>
+            </a:r>
+            <a:r>
+              <a:rPr kumimoji="0" lang="en-US" altLang="en-US" sz="2000" b="0" i="0" u="none" strike="noStrike" cap="none" normalizeH="0" baseline="0" dirty="0" smtClean="0">
+                <a:ln>
+                  <a:noFill/>
+                </a:ln>
+                <a:solidFill>
+                  <a:srgbClr val="000000"/>
+                </a:solidFill>
+                <a:effectLst/>
+                <a:latin typeface="Ubuntu Mono"/>
+              </a:rPr>
+              <a:t> </a:t>
+            </a:r>
+            <a:r>
+              <a:rPr kumimoji="0" lang="en-US" altLang="en-US" sz="2000" b="0" i="0" u="none" strike="noStrike" cap="none" normalizeH="0" baseline="0" dirty="0" smtClean="0">
+                <a:ln>
+                  <a:noFill/>
+                </a:ln>
+                <a:solidFill>
+                  <a:srgbClr val="000088"/>
+                </a:solidFill>
+                <a:effectLst/>
+                <a:latin typeface="Ubuntu Mono"/>
+              </a:rPr>
+              <a:t>f</a:t>
+            </a:r>
+            <a:r>
+              <a:rPr kumimoji="0" lang="en-US" altLang="en-US" sz="2000" b="0" i="0" u="none" strike="noStrike" cap="none" normalizeH="0" baseline="0" dirty="0" smtClean="0">
+                <a:ln>
+                  <a:noFill/>
+                </a:ln>
+                <a:solidFill>
+                  <a:srgbClr val="000000"/>
+                </a:solidFill>
+                <a:effectLst/>
+                <a:latin typeface="Ubuntu Mono"/>
+              </a:rPr>
+              <a:t>() {</a:t>
+            </a:r>
+          </a:p>
+          <a:p>
+            <a:pPr marL="0" marR="0" lvl="0" indent="0" algn="l" defTabSz="914400" rtl="0" eaLnBrk="0" fontAlgn="base" latinLnBrk="0" hangingPunct="0">
+              <a:lnSpc>
+                <a:spcPct val="100000"/>
+              </a:lnSpc>
+              <a:spcBef>
+                <a:spcPct val="0"/>
+              </a:spcBef>
+              <a:spcAft>
+                <a:spcPct val="0"/>
+              </a:spcAft>
+              <a:buClrTx/>
+              <a:buSzTx/>
+              <a:buFontTx/>
+              <a:buNone/>
+              <a:tabLst/>
+            </a:pPr>
+            <a:r>
+              <a:rPr lang="en-US" altLang="en-US" sz="2000" dirty="0">
+                <a:solidFill>
+                  <a:srgbClr val="000000"/>
+                </a:solidFill>
+                <a:latin typeface="Ubuntu Mono"/>
+              </a:rPr>
+              <a:t> </a:t>
+            </a:r>
+            <a:r>
+              <a:rPr lang="en-US" altLang="en-US" sz="2000" dirty="0" smtClean="0">
+                <a:solidFill>
+                  <a:srgbClr val="000000"/>
+                </a:solidFill>
+                <a:latin typeface="Ubuntu Mono"/>
+              </a:rPr>
+              <a:t>   </a:t>
+            </a:r>
+            <a:r>
+              <a:rPr lang="en-US" altLang="en-US" sz="2000" dirty="0" err="1" smtClean="0">
+                <a:solidFill>
+                  <a:srgbClr val="000000"/>
+                </a:solidFill>
+                <a:latin typeface="Ubuntu Mono"/>
+              </a:rPr>
+              <a:t>var</a:t>
+            </a:r>
+            <a:r>
+              <a:rPr lang="en-US" altLang="en-US" sz="2000" dirty="0" smtClean="0">
+                <a:solidFill>
+                  <a:srgbClr val="000000"/>
+                </a:solidFill>
+                <a:latin typeface="Ubuntu Mono"/>
+              </a:rPr>
+              <a:t> x = 2;</a:t>
+            </a:r>
+            <a:r>
+              <a:rPr kumimoji="0" lang="en-US" altLang="en-US" sz="2000" b="0" i="0" u="none" strike="noStrike" cap="none" normalizeH="0" baseline="0" dirty="0" smtClean="0">
+                <a:ln>
+                  <a:noFill/>
+                </a:ln>
+                <a:solidFill>
+                  <a:srgbClr val="000000"/>
+                </a:solidFill>
+                <a:effectLst/>
+                <a:latin typeface="Ubuntu Mono"/>
+              </a:rPr>
+              <a:t> </a:t>
+            </a:r>
+          </a:p>
+          <a:p>
+            <a:pPr marL="0" marR="0" lvl="0" indent="0" algn="l" defTabSz="914400" rtl="0" eaLnBrk="0" fontAlgn="base" latinLnBrk="0" hangingPunct="0">
+              <a:lnSpc>
+                <a:spcPct val="100000"/>
+              </a:lnSpc>
+              <a:spcBef>
+                <a:spcPct val="0"/>
+              </a:spcBef>
+              <a:spcAft>
+                <a:spcPct val="0"/>
+              </a:spcAft>
+              <a:buClrTx/>
+              <a:buSzTx/>
+              <a:buFontTx/>
+              <a:buNone/>
+              <a:tabLst/>
+            </a:pPr>
+            <a:r>
+              <a:rPr lang="en-US" altLang="en-US" sz="2000" dirty="0">
+                <a:solidFill>
+                  <a:srgbClr val="000000"/>
+                </a:solidFill>
+                <a:latin typeface="Ubuntu Mono"/>
+              </a:rPr>
+              <a:t> </a:t>
+            </a:r>
+            <a:r>
+              <a:rPr lang="en-US" altLang="en-US" sz="2000" dirty="0" smtClean="0">
+                <a:solidFill>
+                  <a:srgbClr val="000000"/>
+                </a:solidFill>
+                <a:latin typeface="Ubuntu Mono"/>
+              </a:rPr>
+              <a:t>   </a:t>
+            </a:r>
+            <a:r>
+              <a:rPr kumimoji="0" lang="en-US" altLang="en-US" sz="2000" b="1" i="0" u="none" strike="noStrike" cap="none" normalizeH="0" baseline="0" dirty="0" smtClean="0">
+                <a:ln>
+                  <a:noFill/>
+                </a:ln>
+                <a:solidFill>
+                  <a:srgbClr val="006699"/>
+                </a:solidFill>
+                <a:effectLst/>
+                <a:latin typeface="Ubuntu Mono"/>
+              </a:rPr>
+              <a:t>function</a:t>
+            </a:r>
+            <a:r>
+              <a:rPr kumimoji="0" lang="en-US" altLang="en-US" sz="2000" b="0" i="0" u="none" strike="noStrike" cap="none" normalizeH="0" baseline="0" dirty="0" smtClean="0">
+                <a:ln>
+                  <a:noFill/>
+                </a:ln>
+                <a:solidFill>
+                  <a:srgbClr val="000000"/>
+                </a:solidFill>
+                <a:effectLst/>
+                <a:latin typeface="Ubuntu Mono"/>
+              </a:rPr>
+              <a:t> </a:t>
+            </a:r>
+            <a:r>
+              <a:rPr kumimoji="0" lang="en-US" altLang="en-US" sz="2000" b="0" i="0" u="none" strike="noStrike" cap="none" normalizeH="0" baseline="0" dirty="0" smtClean="0">
+                <a:ln>
+                  <a:noFill/>
+                </a:ln>
+                <a:solidFill>
+                  <a:srgbClr val="000088"/>
+                </a:solidFill>
+                <a:effectLst/>
+                <a:latin typeface="Ubuntu Mono"/>
+              </a:rPr>
+              <a:t>g</a:t>
+            </a:r>
+            <a:r>
+              <a:rPr kumimoji="0" lang="en-US" altLang="en-US" sz="2000" b="0" i="0" u="none" strike="noStrike" cap="none" normalizeH="0" baseline="0" dirty="0" smtClean="0">
+                <a:ln>
+                  <a:noFill/>
+                </a:ln>
+                <a:solidFill>
+                  <a:srgbClr val="000000"/>
+                </a:solidFill>
+                <a:effectLst/>
+                <a:latin typeface="Ubuntu Mono"/>
+              </a:rPr>
+              <a:t>() {</a:t>
+            </a:r>
+          </a:p>
+          <a:p>
+            <a:pPr marL="0" marR="0" lvl="0" indent="0" algn="l" defTabSz="914400" rtl="0" eaLnBrk="0" fontAlgn="base" latinLnBrk="0" hangingPunct="0">
+              <a:lnSpc>
+                <a:spcPct val="100000"/>
+              </a:lnSpc>
+              <a:spcBef>
+                <a:spcPct val="0"/>
+              </a:spcBef>
+              <a:spcAft>
+                <a:spcPct val="0"/>
+              </a:spcAft>
+              <a:buClrTx/>
+              <a:buSzTx/>
+              <a:buFontTx/>
+              <a:buNone/>
+              <a:tabLst/>
+            </a:pPr>
+            <a:r>
+              <a:rPr lang="en-US" altLang="en-US" sz="2000" dirty="0">
+                <a:solidFill>
+                  <a:srgbClr val="000000"/>
+                </a:solidFill>
+                <a:latin typeface="Ubuntu Mono"/>
+              </a:rPr>
+              <a:t> </a:t>
+            </a:r>
+            <a:r>
+              <a:rPr lang="en-US" altLang="en-US" sz="2000" dirty="0" smtClean="0">
+                <a:solidFill>
+                  <a:srgbClr val="000000"/>
+                </a:solidFill>
+                <a:latin typeface="Ubuntu Mono"/>
+              </a:rPr>
+              <a:t>      </a:t>
+            </a:r>
+            <a:r>
+              <a:rPr lang="en-US" altLang="en-US" sz="2000" dirty="0" err="1" smtClean="0">
+                <a:solidFill>
+                  <a:srgbClr val="000000"/>
+                </a:solidFill>
+                <a:latin typeface="Ubuntu Mono"/>
+              </a:rPr>
+              <a:t>var</a:t>
+            </a:r>
+            <a:r>
+              <a:rPr lang="en-US" altLang="en-US" sz="2000" dirty="0" smtClean="0">
+                <a:solidFill>
+                  <a:srgbClr val="000000"/>
+                </a:solidFill>
+                <a:latin typeface="Ubuntu Mono"/>
+              </a:rPr>
+              <a:t> y = 3;</a:t>
+            </a:r>
+            <a:r>
+              <a:rPr kumimoji="0" lang="en-US" altLang="en-US" sz="2000" b="0" i="0" u="none" strike="noStrike" cap="none" normalizeH="0" baseline="0" dirty="0" smtClean="0">
+                <a:ln>
+                  <a:noFill/>
+                </a:ln>
+                <a:solidFill>
+                  <a:srgbClr val="000000"/>
+                </a:solidFill>
+                <a:effectLst/>
+                <a:latin typeface="Ubuntu Mono"/>
+              </a:rPr>
+              <a:t> </a:t>
+            </a:r>
+          </a:p>
+          <a:p>
+            <a:pPr marL="0" marR="0" lvl="0" indent="0" algn="l" defTabSz="914400" rtl="0" eaLnBrk="0" fontAlgn="base" latinLnBrk="0" hangingPunct="0">
+              <a:lnSpc>
+                <a:spcPct val="100000"/>
+              </a:lnSpc>
+              <a:spcBef>
+                <a:spcPct val="0"/>
+              </a:spcBef>
+              <a:spcAft>
+                <a:spcPct val="0"/>
+              </a:spcAft>
+              <a:buClrTx/>
+              <a:buSzTx/>
+              <a:buFontTx/>
+              <a:buNone/>
+              <a:tabLst/>
+            </a:pPr>
+            <a:r>
+              <a:rPr lang="en-US" altLang="en-US" sz="2000" dirty="0">
+                <a:solidFill>
+                  <a:srgbClr val="000000"/>
+                </a:solidFill>
+                <a:latin typeface="Ubuntu Mono"/>
+              </a:rPr>
+              <a:t> </a:t>
+            </a:r>
+            <a:r>
+              <a:rPr lang="en-US" altLang="en-US" sz="2000" dirty="0" smtClean="0">
+                <a:solidFill>
+                  <a:srgbClr val="000000"/>
+                </a:solidFill>
+                <a:latin typeface="Ubuntu Mono"/>
+              </a:rPr>
+              <a:t>      alert(x + y);</a:t>
+            </a:r>
+          </a:p>
+          <a:p>
+            <a:pPr marL="0" marR="0" lvl="0" indent="0" algn="l" defTabSz="914400" rtl="0" eaLnBrk="0" fontAlgn="base" latinLnBrk="0" hangingPunct="0">
+              <a:lnSpc>
+                <a:spcPct val="100000"/>
+              </a:lnSpc>
+              <a:spcBef>
+                <a:spcPct val="0"/>
+              </a:spcBef>
+              <a:spcAft>
+                <a:spcPct val="0"/>
+              </a:spcAft>
+              <a:buClrTx/>
+              <a:buSzTx/>
+              <a:buFontTx/>
+              <a:buNone/>
+              <a:tabLst/>
+            </a:pPr>
+            <a:r>
+              <a:rPr kumimoji="0" lang="en-US" altLang="en-US" sz="2000" b="0" i="0" u="none" strike="noStrike" cap="none" normalizeH="0" baseline="0" dirty="0" smtClean="0">
+                <a:ln>
+                  <a:noFill/>
+                </a:ln>
+                <a:solidFill>
+                  <a:srgbClr val="000000"/>
+                </a:solidFill>
+                <a:effectLst/>
+                <a:latin typeface="Ubuntu Mono"/>
+              </a:rPr>
+              <a:t>    } </a:t>
+            </a:r>
+          </a:p>
+          <a:p>
+            <a:pPr marL="0" marR="0" lvl="0" indent="0" algn="l" defTabSz="914400" rtl="0" eaLnBrk="0" fontAlgn="base" latinLnBrk="0" hangingPunct="0">
+              <a:lnSpc>
+                <a:spcPct val="100000"/>
+              </a:lnSpc>
+              <a:spcBef>
+                <a:spcPct val="0"/>
+              </a:spcBef>
+              <a:spcAft>
+                <a:spcPct val="0"/>
+              </a:spcAft>
+              <a:buClrTx/>
+              <a:buSzTx/>
+              <a:buFontTx/>
+              <a:buNone/>
+              <a:tabLst/>
+            </a:pPr>
+            <a:r>
+              <a:rPr kumimoji="0" lang="en-US" altLang="en-US" sz="2000" b="0" i="0" u="none" strike="noStrike" cap="none" normalizeH="0" baseline="0" dirty="0" smtClean="0">
+                <a:ln>
+                  <a:noFill/>
+                </a:ln>
+                <a:solidFill>
+                  <a:srgbClr val="000000"/>
+                </a:solidFill>
+                <a:effectLst/>
+                <a:latin typeface="Ubuntu Mono"/>
+              </a:rPr>
+              <a:t>}</a:t>
+            </a:r>
+            <a:r>
+              <a:rPr kumimoji="0" lang="en-US" altLang="en-US" sz="2000" b="0" i="0" u="none" strike="noStrike" cap="none" normalizeH="0" baseline="0" dirty="0" smtClean="0">
+                <a:ln>
+                  <a:noFill/>
+                </a:ln>
+                <a:solidFill>
+                  <a:schemeClr val="tx1"/>
+                </a:solidFill>
+                <a:effectLst/>
+              </a:rPr>
+              <a:t> </a:t>
+            </a:r>
+            <a:endParaRPr kumimoji="0" lang="en-US" altLang="en-US" sz="2000" b="0" i="0" u="none" strike="noStrike" cap="none" normalizeH="0" baseline="0" dirty="0" smtClean="0">
+              <a:ln>
+                <a:noFill/>
+              </a:ln>
+              <a:solidFill>
+                <a:schemeClr val="tx1"/>
+              </a:solidFill>
+              <a:effectLst/>
+              <a:latin typeface="Arial" panose="020B0604020202020204" pitchFamily="34" charset="0"/>
+            </a:endParaRPr>
+          </a:p>
+        </p:txBody>
+      </p:sp>
+      <p:sp>
+        <p:nvSpPr>
+          <p:cNvPr id="3" name="Right Brace 2"/>
+          <p:cNvSpPr/>
+          <p:nvPr/>
+        </p:nvSpPr>
+        <p:spPr>
+          <a:xfrm>
+            <a:off x="5411657" y="2449488"/>
+            <a:ext cx="365760" cy="1005840"/>
+          </a:xfrm>
+          <a:prstGeom prst="rightBrace">
+            <a:avLst/>
+          </a:prstGeom>
+          <a:ln w="22225">
+            <a:solidFill>
+              <a:schemeClr val="tx1"/>
+            </a:solidFill>
+          </a:ln>
         </p:spPr>
         <p:style>
           <a:lnRef idx="1">
-            <a:schemeClr val="dk1"/>
+            <a:schemeClr val="accent1"/>
           </a:lnRef>
-          <a:fillRef idx="1001">
-            <a:schemeClr val="lt2"/>
+          <a:fillRef idx="0">
+            <a:schemeClr val="accent1"/>
           </a:fillRef>
-          <a:effectRef idx="1">
-            <a:schemeClr val="dk1"/>
+          <a:effectRef idx="0">
+            <a:schemeClr val="accent1"/>
           </a:effectRef>
           <a:fontRef idx="minor">
-            <a:schemeClr val="dk1"/>
+            <a:schemeClr val="tx1"/>
           </a:fontRef>
         </p:style>
         <p:txBody>
-          <a:bodyPr wrap="square">
+          <a:bodyPr rtlCol="0" anchor="ctr"/>
+          <a:lstStyle/>
+          <a:p>
+            <a:pPr algn="ctr"/>
+            <a:endParaRPr lang="en-US"/>
+          </a:p>
+        </p:txBody>
+      </p:sp>
+      <p:sp>
+        <p:nvSpPr>
+          <p:cNvPr id="5" name="TextBox 4"/>
+          <p:cNvSpPr txBox="1"/>
+          <p:nvPr/>
+        </p:nvSpPr>
+        <p:spPr>
+          <a:xfrm>
+            <a:off x="5915713" y="2767662"/>
+            <a:ext cx="1274388" cy="369332"/>
+          </a:xfrm>
+          <a:prstGeom prst="rect">
+            <a:avLst/>
+          </a:prstGeom>
+          <a:noFill/>
+        </p:spPr>
+        <p:txBody>
+          <a:bodyPr wrap="none" rtlCol="0">
             <a:spAutoFit/>
           </a:bodyPr>
           <a:lstStyle/>
           <a:p>
             <a:r>
-              <a:rPr lang="en-US" b="1" dirty="0" err="1">
-                <a:solidFill>
-                  <a:srgbClr val="0070C0"/>
-                </a:solidFill>
-              </a:rPr>
-              <a:t>var</a:t>
-            </a:r>
-            <a:r>
-              <a:rPr lang="en-US" b="1" dirty="0"/>
-              <a:t> </a:t>
-            </a:r>
-            <a:r>
-              <a:rPr lang="en-US" b="1" dirty="0">
-                <a:solidFill>
-                  <a:schemeClr val="accent6">
-                    <a:lumMod val="75000"/>
-                  </a:schemeClr>
-                </a:solidFill>
-              </a:rPr>
-              <a:t>scope</a:t>
-            </a:r>
-            <a:r>
-              <a:rPr lang="en-US" b="1" dirty="0"/>
-              <a:t> = </a:t>
-            </a:r>
-            <a:r>
-              <a:rPr lang="en-US" b="1" dirty="0">
-                <a:solidFill>
-                  <a:srgbClr val="00B050"/>
-                </a:solidFill>
-              </a:rPr>
-              <a:t>"global "</a:t>
-            </a:r>
-            <a:r>
-              <a:rPr lang="en-US" b="1" dirty="0"/>
-              <a:t>;          // A global variable</a:t>
-            </a:r>
-          </a:p>
-          <a:p>
-            <a:r>
-              <a:rPr lang="en-US" b="1" dirty="0">
-                <a:solidFill>
-                  <a:srgbClr val="0070C0"/>
-                </a:solidFill>
-              </a:rPr>
-              <a:t>function</a:t>
-            </a:r>
-            <a:r>
-              <a:rPr lang="en-US" b="1" dirty="0"/>
-              <a:t> </a:t>
-            </a:r>
-            <a:r>
-              <a:rPr lang="en-US" b="1" dirty="0">
-                <a:solidFill>
-                  <a:schemeClr val="accent6">
-                    <a:lumMod val="75000"/>
-                  </a:schemeClr>
-                </a:solidFill>
-              </a:rPr>
-              <a:t>outer</a:t>
-            </a:r>
-            <a:r>
-              <a:rPr lang="en-US" b="1" dirty="0"/>
-              <a:t>() {</a:t>
-            </a:r>
-          </a:p>
-          <a:p>
-            <a:r>
-              <a:rPr lang="en-US" b="1" dirty="0"/>
-              <a:t>	</a:t>
-            </a:r>
-            <a:r>
-              <a:rPr lang="en-US" b="1" dirty="0" err="1">
-                <a:solidFill>
-                  <a:srgbClr val="0070C0"/>
-                </a:solidFill>
-              </a:rPr>
-              <a:t>var</a:t>
-            </a:r>
-            <a:r>
-              <a:rPr lang="en-US" b="1" dirty="0"/>
-              <a:t> </a:t>
-            </a:r>
-            <a:r>
-              <a:rPr lang="en-US" b="1" dirty="0">
-                <a:solidFill>
-                  <a:schemeClr val="accent6">
-                    <a:lumMod val="75000"/>
-                  </a:schemeClr>
-                </a:solidFill>
-              </a:rPr>
-              <a:t>scope</a:t>
-            </a:r>
-            <a:r>
-              <a:rPr lang="en-US" b="1" dirty="0"/>
-              <a:t> = </a:t>
-            </a:r>
-            <a:r>
-              <a:rPr lang="en-US" b="1" dirty="0" smtClean="0">
-                <a:solidFill>
-                  <a:srgbClr val="00B050"/>
-                </a:solidFill>
-              </a:rPr>
-              <a:t>“outer”</a:t>
-            </a:r>
-            <a:r>
-              <a:rPr lang="en-US" b="1" dirty="0" smtClean="0"/>
-              <a:t>;       </a:t>
-            </a:r>
-            <a:r>
-              <a:rPr lang="en-US" b="1" dirty="0"/>
-              <a:t>// A </a:t>
-            </a:r>
-            <a:r>
-              <a:rPr lang="en-US" b="1" dirty="0" smtClean="0"/>
-              <a:t>outer variable</a:t>
-            </a:r>
-            <a:endParaRPr lang="en-US" b="1" dirty="0"/>
-          </a:p>
-          <a:p>
-            <a:r>
-              <a:rPr lang="en-US" b="1" dirty="0"/>
-              <a:t>	</a:t>
-            </a:r>
-            <a:r>
-              <a:rPr lang="en-US" b="1" dirty="0">
-                <a:solidFill>
-                  <a:srgbClr val="0070C0"/>
-                </a:solidFill>
-              </a:rPr>
-              <a:t>function</a:t>
-            </a:r>
-            <a:r>
-              <a:rPr lang="en-US" b="1" dirty="0"/>
-              <a:t> </a:t>
-            </a:r>
-            <a:r>
-              <a:rPr lang="en-US" b="1" dirty="0">
-                <a:solidFill>
-                  <a:schemeClr val="accent6">
-                    <a:lumMod val="75000"/>
-                  </a:schemeClr>
-                </a:solidFill>
-              </a:rPr>
-              <a:t>inner</a:t>
-            </a:r>
-            <a:r>
-              <a:rPr lang="en-US" b="1" dirty="0"/>
-              <a:t>() {</a:t>
-            </a:r>
-          </a:p>
-          <a:p>
-            <a:r>
-              <a:rPr lang="en-US" b="1" dirty="0"/>
-              <a:t>		</a:t>
-            </a:r>
-            <a:r>
-              <a:rPr lang="en-US" b="1" dirty="0" err="1">
-                <a:solidFill>
-                  <a:srgbClr val="0070C0"/>
-                </a:solidFill>
-              </a:rPr>
-              <a:t>var</a:t>
-            </a:r>
-            <a:r>
-              <a:rPr lang="en-US" b="1" dirty="0"/>
-              <a:t> </a:t>
-            </a:r>
-            <a:r>
-              <a:rPr lang="en-US" b="1" dirty="0">
-                <a:solidFill>
-                  <a:schemeClr val="accent6">
-                    <a:lumMod val="75000"/>
-                  </a:schemeClr>
-                </a:solidFill>
-              </a:rPr>
-              <a:t>scope</a:t>
-            </a:r>
-            <a:r>
-              <a:rPr lang="en-US" b="1" dirty="0"/>
-              <a:t> = </a:t>
-            </a:r>
-            <a:r>
-              <a:rPr lang="en-US" b="1" dirty="0" smtClean="0">
-                <a:solidFill>
-                  <a:srgbClr val="00B050"/>
-                </a:solidFill>
-              </a:rPr>
-              <a:t>“inner"</a:t>
-            </a:r>
-            <a:r>
-              <a:rPr lang="en-US" b="1" dirty="0" smtClean="0"/>
-              <a:t>; </a:t>
-            </a:r>
-          </a:p>
-          <a:p>
-            <a:r>
-              <a:rPr lang="en-US" b="1" dirty="0" smtClean="0"/>
-              <a:t>		</a:t>
-            </a:r>
-            <a:r>
-              <a:rPr lang="en-US" b="1" dirty="0" err="1" smtClean="0">
-                <a:solidFill>
-                  <a:schemeClr val="accent6">
-                    <a:lumMod val="75000"/>
-                  </a:schemeClr>
-                </a:solidFill>
-              </a:rPr>
-              <a:t>document</a:t>
-            </a:r>
-            <a:r>
-              <a:rPr lang="en-US" b="1" dirty="0" err="1" smtClean="0"/>
-              <a:t>.</a:t>
-            </a:r>
-            <a:r>
-              <a:rPr lang="en-US" b="1" dirty="0" err="1" smtClean="0">
-                <a:solidFill>
-                  <a:srgbClr val="0070C0"/>
-                </a:solidFill>
-              </a:rPr>
-              <a:t>write</a:t>
-            </a:r>
-            <a:r>
-              <a:rPr lang="en-US" b="1" dirty="0" smtClean="0"/>
-              <a:t>(</a:t>
-            </a:r>
-            <a:r>
-              <a:rPr lang="en-US" b="1" dirty="0" smtClean="0">
-                <a:solidFill>
-                  <a:schemeClr val="accent6">
-                    <a:lumMod val="75000"/>
-                  </a:schemeClr>
-                </a:solidFill>
-              </a:rPr>
-              <a:t>scope</a:t>
-            </a:r>
-            <a:r>
-              <a:rPr lang="en-US" b="1" dirty="0" smtClean="0"/>
-              <a:t>);       // </a:t>
-            </a:r>
-            <a:r>
-              <a:rPr lang="en-US" b="1" dirty="0"/>
-              <a:t>Prints </a:t>
-            </a:r>
-            <a:r>
-              <a:rPr lang="en-US" b="1" dirty="0" smtClean="0"/>
-              <a:t>"inner"</a:t>
-            </a:r>
-          </a:p>
-          <a:p>
-            <a:r>
-              <a:rPr lang="en-US" b="1" dirty="0"/>
-              <a:t>	}</a:t>
-            </a:r>
-          </a:p>
-          <a:p>
-            <a:r>
-              <a:rPr lang="en-US" b="1" dirty="0"/>
-              <a:t>	</a:t>
-            </a:r>
-            <a:r>
-              <a:rPr lang="en-US" b="1" dirty="0">
-                <a:solidFill>
-                  <a:srgbClr val="0070C0"/>
-                </a:solidFill>
-              </a:rPr>
-              <a:t>inner</a:t>
-            </a:r>
-            <a:r>
-              <a:rPr lang="en-US" b="1" dirty="0"/>
-              <a:t>();</a:t>
-            </a:r>
-          </a:p>
-          <a:p>
-            <a:r>
-              <a:rPr lang="en-US" b="1" dirty="0"/>
-              <a:t>}</a:t>
-            </a:r>
-          </a:p>
-          <a:p>
-            <a:r>
-              <a:rPr lang="en-US" b="1" dirty="0">
-                <a:solidFill>
-                  <a:srgbClr val="0070C0"/>
-                </a:solidFill>
-              </a:rPr>
-              <a:t>outer</a:t>
-            </a:r>
-            <a:r>
-              <a:rPr lang="en-US" b="1" dirty="0"/>
-              <a:t>();</a:t>
-            </a:r>
+              <a:rPr lang="en-US" dirty="0" smtClean="0"/>
+              <a:t>inner scope</a:t>
+            </a:r>
+            <a:endParaRPr lang="en-US" dirty="0"/>
+          </a:p>
+        </p:txBody>
+      </p:sp>
+      <p:sp>
+        <p:nvSpPr>
+          <p:cNvPr id="7" name="Right Brace 6"/>
+          <p:cNvSpPr/>
+          <p:nvPr/>
+        </p:nvSpPr>
+        <p:spPr>
+          <a:xfrm rot="10800000">
+            <a:off x="2627784" y="1844824"/>
+            <a:ext cx="444322" cy="1965312"/>
+          </a:xfrm>
+          <a:prstGeom prst="rightBrace">
+            <a:avLst/>
+          </a:prstGeom>
+          <a:ln w="22225">
+            <a:solidFill>
+              <a:schemeClr val="tx1"/>
+            </a:solidFill>
+          </a:ln>
+        </p:spPr>
+        <p:style>
+          <a:lnRef idx="1">
+            <a:schemeClr val="accent1"/>
+          </a:lnRef>
+          <a:fillRef idx="0">
+            <a:schemeClr val="accent1"/>
+          </a:fillRef>
+          <a:effectRef idx="0">
+            <a:schemeClr val="accent1"/>
+          </a:effectRef>
+          <a:fontRef idx="minor">
+            <a:schemeClr val="tx1"/>
+          </a:fontRef>
+        </p:style>
+        <p:txBody>
+          <a:bodyPr rtlCol="0" anchor="ctr"/>
+          <a:lstStyle/>
+          <a:p>
+            <a:pPr algn="ctr"/>
+            <a:endParaRPr lang="en-US"/>
+          </a:p>
+        </p:txBody>
+      </p:sp>
+      <p:sp>
+        <p:nvSpPr>
+          <p:cNvPr id="8" name="TextBox 7"/>
+          <p:cNvSpPr txBox="1"/>
+          <p:nvPr/>
+        </p:nvSpPr>
+        <p:spPr>
+          <a:xfrm>
+            <a:off x="1214539" y="2642814"/>
+            <a:ext cx="1295932" cy="369332"/>
+          </a:xfrm>
+          <a:prstGeom prst="rect">
+            <a:avLst/>
+          </a:prstGeom>
+          <a:noFill/>
+        </p:spPr>
+        <p:txBody>
+          <a:bodyPr wrap="none" rtlCol="0">
+            <a:spAutoFit/>
+          </a:bodyPr>
+          <a:lstStyle/>
+          <a:p>
+            <a:r>
+              <a:rPr lang="en-US" dirty="0"/>
+              <a:t>o</a:t>
+            </a:r>
+            <a:r>
+              <a:rPr lang="en-US" dirty="0" smtClean="0"/>
+              <a:t>uter scope</a:t>
+            </a:r>
+            <a:endParaRPr lang="en-US" dirty="0"/>
           </a:p>
         </p:txBody>
       </p:sp>
     </p:spTree>
     <p:extLst>
       <p:ext uri="{BB962C8B-B14F-4D97-AF65-F5344CB8AC3E}">
-        <p14:creationId xmlns:p14="http://schemas.microsoft.com/office/powerpoint/2010/main" val="3390367152"/>
+        <p14:creationId xmlns:p14="http://schemas.microsoft.com/office/powerpoint/2010/main" val="4069679040"/>
       </p:ext>
     </p:extLst>
   </p:cSld>
@@ -5977,7 +5708,7 @@
         <p:spPr>
           <a:xfrm>
             <a:off x="457200" y="1556792"/>
-            <a:ext cx="8429684" cy="2585323"/>
+            <a:ext cx="8429684" cy="2862322"/>
           </a:xfrm>
           <a:prstGeom prst="rect">
             <a:avLst/>
@@ -6157,43 +5888,87 @@
           </a:p>
           <a:p>
             <a:r>
-              <a:rPr lang="en-US" b="1" dirty="0" smtClean="0"/>
+              <a:rPr lang="en-US" b="1" dirty="0"/>
               <a:t>		</a:t>
             </a:r>
             <a:r>
-              <a:rPr lang="en-US" b="1" dirty="0" err="1" smtClean="0">
+              <a:rPr lang="en-US" b="1" dirty="0" err="1">
+                <a:solidFill>
+                  <a:srgbClr val="0070C0"/>
+                </a:solidFill>
+              </a:rPr>
+              <a:t>var</a:t>
+            </a:r>
+            <a:r>
+              <a:rPr lang="en-US" b="1" dirty="0"/>
+              <a:t> </a:t>
+            </a:r>
+            <a:r>
+              <a:rPr lang="en-US" b="1" dirty="0">
                 <a:solidFill>
                   <a:schemeClr val="accent6">
                     <a:lumMod val="75000"/>
                   </a:schemeClr>
                 </a:solidFill>
               </a:rPr>
-              <a:t>document</a:t>
-            </a:r>
-            <a:r>
-              <a:rPr lang="en-US" b="1" dirty="0" err="1" smtClean="0"/>
-              <a:t>.</a:t>
+              <a:t>scope</a:t>
+            </a:r>
+            <a:r>
+              <a:rPr lang="en-US" b="1" dirty="0"/>
+              <a:t> = </a:t>
+            </a:r>
+            <a:r>
+              <a:rPr lang="en-US" b="1" dirty="0" smtClean="0">
+                <a:solidFill>
+                  <a:srgbClr val="00B050"/>
+                </a:solidFill>
+              </a:rPr>
+              <a:t>“inner"</a:t>
+            </a:r>
+            <a:r>
+              <a:rPr lang="en-US" b="1" dirty="0" smtClean="0"/>
+              <a:t>; </a:t>
+            </a:r>
+          </a:p>
+          <a:p>
+            <a:r>
+              <a:rPr lang="en-US" b="1" dirty="0" smtClean="0"/>
+              <a:t>		</a:t>
             </a:r>
             <a:r>
               <a:rPr lang="en-US" b="1" dirty="0" err="1" smtClean="0">
-                <a:solidFill>
-                  <a:srgbClr val="0070C0"/>
-                </a:solidFill>
-              </a:rPr>
-              <a:t>write</a:t>
-            </a:r>
-            <a:r>
-              <a:rPr lang="en-US" b="1" dirty="0" smtClean="0"/>
-              <a:t>(</a:t>
-            </a:r>
-            <a:r>
-              <a:rPr lang="en-US" b="1" dirty="0" smtClean="0">
                 <a:solidFill>
                   <a:schemeClr val="accent6">
                     <a:lumMod val="75000"/>
                   </a:schemeClr>
                 </a:solidFill>
               </a:rPr>
+              <a:t>document</a:t>
+            </a:r>
+            <a:r>
+              <a:rPr lang="en-US" b="1" dirty="0" err="1" smtClean="0"/>
+              <a:t>.</a:t>
+            </a:r>
+            <a:r>
+              <a:rPr lang="en-US" b="1" dirty="0" err="1" smtClean="0">
+                <a:solidFill>
+                  <a:srgbClr val="0070C0"/>
+                </a:solidFill>
+              </a:rPr>
+              <a:t>write</a:t>
+            </a:r>
+            <a:r>
+              <a:rPr lang="en-US" b="1" dirty="0" smtClean="0"/>
+              <a:t>(</a:t>
+            </a:r>
+            <a:r>
+              <a:rPr lang="en-US" b="1" dirty="0" smtClean="0">
+                <a:solidFill>
+                  <a:schemeClr val="accent6">
+                    <a:lumMod val="75000"/>
+                  </a:schemeClr>
+                </a:solidFill>
+              </a:rPr>
               <a:t>scope</a:t>
             </a:r>
             <a:r>
@@ -6206,7 +5981,7 @@
             </a:r>
             <a:r>
               <a:rPr lang="en-US" b="1" dirty="0" smtClean="0"/>
-              <a:t>"outer"</a:t>
+              <a:t>"inner"</a:t>
             </a:r>
           </a:p>
           <a:p>
@@ -6258,7 +6033,7 @@
     </p:spTree>
     <p:extLst>
       <p:ext uri="{BB962C8B-B14F-4D97-AF65-F5344CB8AC3E}">
-        <p14:creationId xmlns:p14="http://schemas.microsoft.com/office/powerpoint/2010/main" val="1503776533"/>
+        <p14:creationId xmlns:p14="http://schemas.microsoft.com/office/powerpoint/2010/main" val="3390367152"/>
       </p:ext>
     </p:extLst>
   </p:cSld>
@@ -6324,6 +6099,353 @@
         <p:spPr>
           <a:xfrm>
             <a:off x="457200" y="1556792"/>
+            <a:ext cx="8429684" cy="2585323"/>
+          </a:xfrm>
+          <a:prstGeom prst="rect">
+            <a:avLst/>
+          </a:prstGeom>
+        </p:spPr>
+        <p:style>
+          <a:lnRef idx="1">
+            <a:schemeClr val="dk1"/>
+          </a:lnRef>
+          <a:fillRef idx="1001">
+            <a:schemeClr val="lt2"/>
+          </a:fillRef>
+          <a:effectRef idx="1">
+            <a:schemeClr val="dk1"/>
+          </a:effectRef>
+          <a:fontRef idx="minor">
+            <a:schemeClr val="dk1"/>
+          </a:fontRef>
+        </p:style>
+        <p:txBody>
+          <a:bodyPr wrap="square">
+            <a:spAutoFit/>
+          </a:bodyPr>
+          <a:lstStyle/>
+          <a:p>
+            <a:r>
+              <a:rPr lang="en-US" b="1" dirty="0" err="1">
+                <a:solidFill>
+                  <a:srgbClr val="0070C0"/>
+                </a:solidFill>
+              </a:rPr>
+              <a:t>var</a:t>
+            </a:r>
+            <a:r>
+              <a:rPr lang="en-US" b="1" dirty="0"/>
+              <a:t> </a:t>
+            </a:r>
+            <a:r>
+              <a:rPr lang="en-US" b="1" dirty="0">
+                <a:solidFill>
+                  <a:schemeClr val="accent6">
+                    <a:lumMod val="75000"/>
+                  </a:schemeClr>
+                </a:solidFill>
+              </a:rPr>
+              <a:t>scope</a:t>
+            </a:r>
+            <a:r>
+              <a:rPr lang="en-US" b="1" dirty="0"/>
+              <a:t> = </a:t>
+            </a:r>
+            <a:r>
+              <a:rPr lang="en-US" b="1" dirty="0">
+                <a:solidFill>
+                  <a:srgbClr val="00B050"/>
+                </a:solidFill>
+              </a:rPr>
+              <a:t>"global "</a:t>
+            </a:r>
+            <a:r>
+              <a:rPr lang="en-US" b="1" dirty="0"/>
+              <a:t>;          // A global variable</a:t>
+            </a:r>
+          </a:p>
+          <a:p>
+            <a:r>
+              <a:rPr lang="en-US" b="1" dirty="0">
+                <a:solidFill>
+                  <a:srgbClr val="0070C0"/>
+                </a:solidFill>
+              </a:rPr>
+              <a:t>function</a:t>
+            </a:r>
+            <a:r>
+              <a:rPr lang="en-US" b="1" dirty="0"/>
+              <a:t> </a:t>
+            </a:r>
+            <a:r>
+              <a:rPr lang="en-US" b="1" dirty="0">
+                <a:solidFill>
+                  <a:schemeClr val="accent6">
+                    <a:lumMod val="75000"/>
+                  </a:schemeClr>
+                </a:solidFill>
+              </a:rPr>
+              <a:t>outer</a:t>
+            </a:r>
+            <a:r>
+              <a:rPr lang="en-US" b="1" dirty="0"/>
+              <a:t>() {</a:t>
+            </a:r>
+          </a:p>
+          <a:p>
+            <a:r>
+              <a:rPr lang="en-US" b="1" dirty="0"/>
+              <a:t>	</a:t>
+            </a:r>
+            <a:r>
+              <a:rPr lang="en-US" b="1" dirty="0" err="1">
+                <a:solidFill>
+                  <a:srgbClr val="0070C0"/>
+                </a:solidFill>
+              </a:rPr>
+              <a:t>var</a:t>
+            </a:r>
+            <a:r>
+              <a:rPr lang="en-US" b="1" dirty="0"/>
+              <a:t> </a:t>
+            </a:r>
+            <a:r>
+              <a:rPr lang="en-US" b="1" dirty="0">
+                <a:solidFill>
+                  <a:schemeClr val="accent6">
+                    <a:lumMod val="75000"/>
+                  </a:schemeClr>
+                </a:solidFill>
+              </a:rPr>
+              <a:t>scope</a:t>
+            </a:r>
+            <a:r>
+              <a:rPr lang="en-US" b="1" dirty="0"/>
+              <a:t> = </a:t>
+            </a:r>
+            <a:r>
+              <a:rPr lang="en-US" b="1" dirty="0" smtClean="0">
+                <a:solidFill>
+                  <a:srgbClr val="00B050"/>
+                </a:solidFill>
+              </a:rPr>
+              <a:t>“outer”</a:t>
+            </a:r>
+            <a:r>
+              <a:rPr lang="en-US" b="1" dirty="0" smtClean="0"/>
+              <a:t>;       </a:t>
+            </a:r>
+            <a:r>
+              <a:rPr lang="en-US" b="1" dirty="0"/>
+              <a:t>// A </a:t>
+            </a:r>
+            <a:r>
+              <a:rPr lang="en-US" b="1" dirty="0" smtClean="0"/>
+              <a:t>outer variable</a:t>
+            </a:r>
+            <a:endParaRPr lang="en-US" b="1" dirty="0"/>
+          </a:p>
+          <a:p>
+            <a:r>
+              <a:rPr lang="en-US" b="1" dirty="0"/>
+              <a:t>	</a:t>
+            </a:r>
+            <a:r>
+              <a:rPr lang="en-US" b="1" dirty="0">
+                <a:solidFill>
+                  <a:srgbClr val="0070C0"/>
+                </a:solidFill>
+              </a:rPr>
+              <a:t>function</a:t>
+            </a:r>
+            <a:r>
+              <a:rPr lang="en-US" b="1" dirty="0"/>
+              <a:t> </a:t>
+            </a:r>
+            <a:r>
+              <a:rPr lang="en-US" b="1" dirty="0">
+                <a:solidFill>
+                  <a:schemeClr val="accent6">
+                    <a:lumMod val="75000"/>
+                  </a:schemeClr>
+                </a:solidFill>
+              </a:rPr>
+              <a:t>inner</a:t>
+            </a:r>
+            <a:r>
+              <a:rPr lang="en-US" b="1" dirty="0"/>
+              <a:t>() {</a:t>
+            </a:r>
+          </a:p>
+          <a:p>
+            <a:r>
+              <a:rPr lang="en-US" b="1" dirty="0" smtClean="0"/>
+              <a:t>		</a:t>
+            </a:r>
+            <a:r>
+              <a:rPr lang="en-US" b="1" dirty="0" err="1" smtClean="0">
+                <a:solidFill>
+                  <a:schemeClr val="accent6">
+                    <a:lumMod val="75000"/>
+                  </a:schemeClr>
+                </a:solidFill>
+              </a:rPr>
+              <a:t>document</a:t>
+            </a:r>
+            <a:r>
+              <a:rPr lang="en-US" b="1" dirty="0" err="1" smtClean="0"/>
+              <a:t>.</a:t>
+            </a:r>
+            <a:r>
+              <a:rPr lang="en-US" b="1" dirty="0" err="1" smtClean="0">
+                <a:solidFill>
+                  <a:srgbClr val="0070C0"/>
+                </a:solidFill>
+              </a:rPr>
+              <a:t>write</a:t>
+            </a:r>
+            <a:r>
+              <a:rPr lang="en-US" b="1" dirty="0" smtClean="0"/>
+              <a:t>(</a:t>
+            </a:r>
+            <a:r>
+              <a:rPr lang="en-US" b="1" dirty="0" smtClean="0">
+                <a:solidFill>
+                  <a:schemeClr val="accent6">
+                    <a:lumMod val="75000"/>
+                  </a:schemeClr>
+                </a:solidFill>
+              </a:rPr>
+              <a:t>scope</a:t>
+            </a:r>
+            <a:r>
+              <a:rPr lang="en-US" b="1" dirty="0" smtClean="0"/>
+              <a:t>);       // </a:t>
+            </a:r>
+            <a:r>
+              <a:rPr lang="en-US" b="1" dirty="0"/>
+              <a:t>Prints </a:t>
+            </a:r>
+            <a:r>
+              <a:rPr lang="en-US" b="1" dirty="0" smtClean="0"/>
+              <a:t>"outer"</a:t>
+            </a:r>
+          </a:p>
+          <a:p>
+            <a:r>
+              <a:rPr lang="en-US" b="1" dirty="0"/>
+              <a:t>	}</a:t>
+            </a:r>
+          </a:p>
+          <a:p>
+            <a:r>
+              <a:rPr lang="en-US" b="1" dirty="0"/>
+              <a:t>	</a:t>
+            </a:r>
+            <a:r>
+              <a:rPr lang="en-US" b="1" dirty="0">
+                <a:solidFill>
+                  <a:srgbClr val="0070C0"/>
+                </a:solidFill>
+              </a:rPr>
+              <a:t>inner</a:t>
+            </a:r>
+            <a:r>
+              <a:rPr lang="en-US" b="1" dirty="0"/>
+              <a:t>();</a:t>
+            </a:r>
+          </a:p>
+          <a:p>
+            <a:r>
+              <a:rPr lang="en-US" b="1" dirty="0"/>
+              <a:t>}</a:t>
+            </a:r>
+          </a:p>
+          <a:p>
+            <a:r>
+              <a:rPr lang="en-US" b="1" dirty="0">
+                <a:solidFill>
+                  <a:srgbClr val="0070C0"/>
+                </a:solidFill>
+              </a:rPr>
+              <a:t>outer</a:t>
+            </a:r>
+            <a:r>
+              <a:rPr lang="en-US" b="1" dirty="0"/>
+              <a:t>();</a:t>
+            </a:r>
+          </a:p>
+        </p:txBody>
+      </p:sp>
+    </p:spTree>
+    <p:extLst>
+      <p:ext uri="{BB962C8B-B14F-4D97-AF65-F5344CB8AC3E}">
+        <p14:creationId xmlns:p14="http://schemas.microsoft.com/office/powerpoint/2010/main" val="1503776533"/>
+      </p:ext>
+    </p:extLst>
+  </p:cSld>
+  <p:clrMapOvr>
+    <a:masterClrMapping/>
+  </p:clrMapOvr>
+  <p:timing>
+    <p:tnLst>
+      <p:par>
+        <p:cTn id="1" dur="indefinite" restart="never" nodeType="tmRoot"/>
+      </p:par>
+    </p:tnLst>
+  </p:timing>
+</p:sld>
+</file>
+
+<file path=ppt/slides/slide15.xml><?xml version="1.0" encoding="utf-8"?>
+<p:sld xmlns:a="http://schemas.openxmlformats.org/drawingml/2006/main" xmlns:r="http://schemas.openxmlformats.org/officeDocument/2006/relationships" xmlns:p="http://schemas.openxmlformats.org/presentationml/2006/main">
+  <p:cSld>
+    <p:spTree>
+      <p:nvGrpSpPr>
+        <p:cNvPr id="1" name=""/>
+        <p:cNvGrpSpPr/>
+        <p:nvPr/>
+      </p:nvGrpSpPr>
+      <p:grpSpPr>
+        <a:xfrm>
+          <a:off x="0" y="0"/>
+          <a:ext cx="0" cy="0"/>
+          <a:chOff x="0" y="0"/>
+          <a:chExt cx="0" cy="0"/>
+        </a:xfrm>
+      </p:grpSpPr>
+      <p:sp>
+        <p:nvSpPr>
+          <p:cNvPr id="2" name="Title 1"/>
+          <p:cNvSpPr>
+            <a:spLocks noGrp="1"/>
+          </p:cNvSpPr>
+          <p:nvPr>
+            <p:ph type="title"/>
+          </p:nvPr>
+        </p:nvSpPr>
+        <p:spPr/>
+        <p:txBody>
+          <a:bodyPr/>
+          <a:lstStyle/>
+          <a:p>
+            <a:r>
+              <a:rPr lang="en-US" dirty="0" smtClean="0"/>
+              <a:t>Shadowing</a:t>
+            </a:r>
+            <a:endParaRPr lang="en-US" dirty="0"/>
+          </a:p>
+        </p:txBody>
+      </p:sp>
+      <p:sp>
+        <p:nvSpPr>
+          <p:cNvPr id="4" name="Rectangle 3"/>
+          <p:cNvSpPr/>
+          <p:nvPr/>
+        </p:nvSpPr>
+        <p:spPr>
+          <a:xfrm>
+            <a:off x="457200" y="1556792"/>
             <a:ext cx="8429684" cy="2308324"/>
           </a:xfrm>
           <a:prstGeom prst="rect">
@@ -6569,7 +6691,7 @@
 </p:sld>
 </file>
 
-<file path=ppt/slides/slide15.xml><?xml version="1.0" encoding="utf-8"?>
+<file path=ppt/slides/slide16.xml><?xml version="1.0" encoding="utf-8"?>
 <p:sld xmlns:a="http://schemas.openxmlformats.org/drawingml/2006/main" xmlns:r="http://schemas.openxmlformats.org/officeDocument/2006/relationships" xmlns:p="http://schemas.openxmlformats.org/presentationml/2006/main">
   <p:cSld>
     <p:spTree>
@@ -7222,7 +7344,7 @@
 </p:sld>
 </file>
 
-<file path=ppt/slides/slide16.xml><?xml version="1.0" encoding="utf-8"?>
+<file path=ppt/slides/slide17.xml><?xml version="1.0" encoding="utf-8"?>
 <p:sld xmlns:a="http://schemas.openxmlformats.org/drawingml/2006/main" xmlns:r="http://schemas.openxmlformats.org/officeDocument/2006/relationships" xmlns:p="http://schemas.openxmlformats.org/presentationml/2006/main">
   <p:cSld>
     <p:spTree>
@@ -7315,7 +7437,7 @@
 </p:sld>
 </file>
 
-<file path=ppt/slides/slide17.xml><?xml version="1.0" encoding="utf-8"?>
+<file path=ppt/slides/slide18.xml><?xml version="1.0" encoding="utf-8"?>
 <p:sld xmlns:a="http://schemas.openxmlformats.org/drawingml/2006/main" xmlns:r="http://schemas.openxmlformats.org/officeDocument/2006/relationships" xmlns:p="http://schemas.openxmlformats.org/presentationml/2006/main">
   <p:cSld>
     <p:spTree>
@@ -7885,7 +8007,7 @@
 </p:sld>
 </file>
 
-<file path=ppt/slides/slide18.xml><?xml version="1.0" encoding="utf-8"?>
+<file path=ppt/slides/slide19.xml><?xml version="1.0" encoding="utf-8"?>
 <p:sld xmlns:a="http://schemas.openxmlformats.org/drawingml/2006/main" xmlns:r="http://schemas.openxmlformats.org/officeDocument/2006/relationships" xmlns:p="http://schemas.openxmlformats.org/presentationml/2006/main">
   <p:cSld>
     <p:spTree>
@@ -8524,718 +8646,6 @@
 </p:sld>
 </file>
 
-<file path=ppt/slides/slide19.xml><?xml version="1.0" encoding="utf-8"?>
-<p:sld xmlns:a="http://schemas.openxmlformats.org/drawingml/2006/main" xmlns:r="http://schemas.openxmlformats.org/officeDocument/2006/relationships" xmlns:p="http://schemas.openxmlformats.org/presentationml/2006/main">
-  <p:cSld>
-    <p:spTree>
-      <p:nvGrpSpPr>
-        <p:cNvPr id="1" name=""/>
-        <p:cNvGrpSpPr/>
-        <p:nvPr/>
-      </p:nvGrpSpPr>
-      <p:grpSpPr>
-        <a:xfrm>
-          <a:off x="0" y="0"/>
-          <a:ext cx="0" cy="0"/>
-          <a:chOff x="0" y="0"/>
-          <a:chExt cx="0" cy="0"/>
-        </a:xfrm>
-      </p:grpSpPr>
-      <p:sp>
-        <p:nvSpPr>
-          <p:cNvPr id="2" name="Title 1"/>
-          <p:cNvSpPr>
-            <a:spLocks noGrp="1"/>
-          </p:cNvSpPr>
-          <p:nvPr>
-            <p:ph type="title"/>
-          </p:nvPr>
-        </p:nvSpPr>
-        <p:spPr/>
-        <p:txBody>
-          <a:bodyPr>
-            <a:normAutofit fontScale="90000"/>
-          </a:bodyPr>
-          <a:lstStyle/>
-          <a:p>
-            <a:r>
-              <a:rPr lang="en-US" dirty="0" smtClean="0"/>
-              <a:t>Only </a:t>
-            </a:r>
-            <a:r>
-              <a:rPr lang="en-US" dirty="0"/>
-              <a:t>functions introduce new scopes</a:t>
-            </a:r>
-          </a:p>
-        </p:txBody>
-      </p:sp>
-      <p:sp>
-        <p:nvSpPr>
-          <p:cNvPr id="3" name="Content Placeholder 2"/>
-          <p:cNvSpPr>
-            <a:spLocks noGrp="1"/>
-          </p:cNvSpPr>
-          <p:nvPr>
-            <p:ph idx="1"/>
-          </p:nvPr>
-        </p:nvSpPr>
-        <p:spPr/>
-        <p:txBody>
-          <a:bodyPr/>
-          <a:lstStyle/>
-          <a:p>
-            <a:pPr marL="0" indent="0">
-              <a:buNone/>
-            </a:pPr>
-            <a:r>
-              <a:rPr lang="en-US" dirty="0" smtClean="0">
-                <a:solidFill>
-                  <a:srgbClr val="FF0000"/>
-                </a:solidFill>
-              </a:rPr>
-              <a:t>No block scope</a:t>
-            </a:r>
-            <a:endParaRPr lang="en-US" dirty="0">
-              <a:solidFill>
-                <a:srgbClr val="FF0000"/>
-              </a:solidFill>
-            </a:endParaRPr>
-          </a:p>
-        </p:txBody>
-      </p:sp>
-      <p:sp>
-        <p:nvSpPr>
-          <p:cNvPr id="4" name="Rectangle 1"/>
-          <p:cNvSpPr>
-            <a:spLocks noChangeArrowheads="1"/>
-          </p:cNvSpPr>
-          <p:nvPr/>
-        </p:nvSpPr>
-        <p:spPr bwMode="auto">
-          <a:xfrm>
-            <a:off x="611560" y="2348880"/>
-            <a:ext cx="3214021" cy="2215991"/>
-          </a:xfrm>
-          <a:prstGeom prst="rect">
-            <a:avLst/>
-          </a:prstGeom>
-          <a:noFill/>
-          <a:ln>
-            <a:noFill/>
-          </a:ln>
-          <a:effectLst/>
-          <a:extLst>
-            <a:ext uri="{909E8E84-426E-40DD-AFC4-6F175D3DCCD1}">
-              <a14:hiddenFill xmlns:a14="http://schemas.microsoft.com/office/drawing/2010/main">
-                <a:solidFill>
-                  <a:schemeClr val="accent1"/>
-                </a:solidFill>
-              </a14:hiddenFill>
-            </a:ext>
-            <a:ext uri="{91240B29-F687-4F45-9708-019B960494DF}">
-              <a14:hiddenLine xmlns:a14="http://schemas.microsoft.com/office/drawing/2010/main" w="9525">
-                <a:solidFill>
-                  <a:schemeClr val="tx1"/>
-                </a:solidFill>
-                <a:miter lim="800000"/>
-                <a:headEnd/>
-                <a:tailEnd/>
-              </a14:hiddenLine>
-            </a:ext>
-            <a:ext uri="{AF507438-7753-43E0-B8FC-AC1667EBCBE1}">
-              <a14:hiddenEffects xmlns:a14="http://schemas.microsoft.com/office/drawing/2010/main">
-                <a:effectLst>
-                  <a:outerShdw dist="35921" dir="2700000" algn="ctr" rotWithShape="0">
-                    <a:schemeClr val="bg2"/>
-                  </a:outerShdw>
-                </a:effectLst>
-              </a14:hiddenEffects>
-            </a:ext>
-          </a:extLst>
-        </p:spPr>
-        <p:txBody>
-          <a:bodyPr vert="horz" wrap="none" lIns="0" tIns="0" rIns="0" bIns="0" numCol="1" anchor="ctr" anchorCtr="0" compatLnSpc="1">
-            <a:prstTxWarp prst="textNoShape">
-              <a:avLst/>
-            </a:prstTxWarp>
-            <a:spAutoFit/>
-          </a:bodyPr>
-          <a:lstStyle/>
-          <a:p>
-            <a:pPr marL="0" marR="0" lvl="0" indent="0" algn="l" defTabSz="914400" rtl="0" eaLnBrk="0" fontAlgn="base" latinLnBrk="0" hangingPunct="0">
-              <a:lnSpc>
-                <a:spcPct val="100000"/>
-              </a:lnSpc>
-              <a:spcBef>
-                <a:spcPct val="0"/>
-              </a:spcBef>
-              <a:spcAft>
-                <a:spcPct val="0"/>
-              </a:spcAft>
-              <a:buClrTx/>
-              <a:buSzTx/>
-              <a:buFontTx/>
-              <a:buNone/>
-              <a:tabLst/>
-            </a:pPr>
-            <a:r>
-              <a:rPr kumimoji="0" lang="en-US" altLang="en-US" sz="2400" b="1" i="0" u="none" strike="noStrike" cap="none" normalizeH="0" baseline="0" dirty="0" smtClean="0">
-                <a:ln>
-                  <a:noFill/>
-                </a:ln>
-                <a:solidFill>
-                  <a:srgbClr val="006699"/>
-                </a:solidFill>
-                <a:effectLst/>
-                <a:latin typeface="Ubuntu Mono"/>
-              </a:rPr>
-              <a:t>function</a:t>
-            </a:r>
-            <a:r>
-              <a:rPr kumimoji="0" lang="en-US" altLang="en-US" sz="2400" b="0" i="0" u="none" strike="noStrike" cap="none" normalizeH="0" baseline="0" dirty="0" smtClean="0">
-                <a:ln>
-                  <a:noFill/>
-                </a:ln>
-                <a:solidFill>
-                  <a:srgbClr val="000000"/>
-                </a:solidFill>
-                <a:effectLst/>
-                <a:latin typeface="Ubuntu Mono"/>
-              </a:rPr>
-              <a:t> </a:t>
-            </a:r>
-            <a:r>
-              <a:rPr kumimoji="0" lang="en-US" altLang="en-US" sz="2400" b="0" i="0" u="none" strike="noStrike" cap="none" normalizeH="0" baseline="0" dirty="0" smtClean="0">
-                <a:ln>
-                  <a:noFill/>
-                </a:ln>
-                <a:solidFill>
-                  <a:srgbClr val="000088"/>
-                </a:solidFill>
-                <a:effectLst/>
-                <a:latin typeface="Ubuntu Mono"/>
-              </a:rPr>
-              <a:t>f</a:t>
-            </a:r>
-            <a:r>
-              <a:rPr kumimoji="0" lang="en-US" altLang="en-US" sz="2400" b="0" i="0" u="none" strike="noStrike" cap="none" normalizeH="0" baseline="0" dirty="0" smtClean="0">
-                <a:ln>
-                  <a:noFill/>
-                </a:ln>
-                <a:solidFill>
-                  <a:srgbClr val="000000"/>
-                </a:solidFill>
-                <a:effectLst/>
-                <a:latin typeface="Ubuntu Mono"/>
-              </a:rPr>
-              <a:t>() { </a:t>
-            </a:r>
-          </a:p>
-          <a:p>
-            <a:pPr marL="0" marR="0" lvl="0" indent="0" algn="l" defTabSz="914400" rtl="0" eaLnBrk="0" fontAlgn="base" latinLnBrk="0" hangingPunct="0">
-              <a:lnSpc>
-                <a:spcPct val="100000"/>
-              </a:lnSpc>
-              <a:spcBef>
-                <a:spcPct val="0"/>
-              </a:spcBef>
-              <a:spcAft>
-                <a:spcPct val="0"/>
-              </a:spcAft>
-              <a:buClrTx/>
-              <a:buSzTx/>
-              <a:buFontTx/>
-              <a:buNone/>
-              <a:tabLst/>
-            </a:pPr>
-            <a:r>
-              <a:rPr lang="en-US" altLang="en-US" sz="2400" dirty="0">
-                <a:solidFill>
-                  <a:srgbClr val="000000"/>
-                </a:solidFill>
-                <a:latin typeface="Ubuntu Mono"/>
-              </a:rPr>
-              <a:t> </a:t>
-            </a:r>
-            <a:r>
-              <a:rPr lang="en-US" altLang="en-US" sz="2400" dirty="0" smtClean="0">
-                <a:solidFill>
-                  <a:srgbClr val="000000"/>
-                </a:solidFill>
-                <a:latin typeface="Ubuntu Mono"/>
-              </a:rPr>
-              <a:t>   </a:t>
-            </a:r>
-            <a:r>
-              <a:rPr kumimoji="0" lang="en-US" altLang="en-US" sz="2400" b="0" i="0" u="none" strike="noStrike" cap="none" normalizeH="0" baseline="0" dirty="0" smtClean="0">
-                <a:ln>
-                  <a:noFill/>
-                </a:ln>
-                <a:solidFill>
-                  <a:srgbClr val="000000"/>
-                </a:solidFill>
-                <a:effectLst/>
-                <a:latin typeface="Ubuntu Mono"/>
-              </a:rPr>
-              <a:t>{ </a:t>
-            </a:r>
-            <a:r>
-              <a:rPr kumimoji="0" lang="en-US" altLang="en-US" sz="2400" b="0" i="1" u="none" strike="noStrike" cap="none" normalizeH="0" baseline="0" dirty="0" smtClean="0">
-                <a:ln>
-                  <a:noFill/>
-                </a:ln>
-                <a:solidFill>
-                  <a:srgbClr val="35586C"/>
-                </a:solidFill>
-                <a:effectLst/>
-                <a:latin typeface="Ubuntu Mono"/>
-              </a:rPr>
-              <a:t>// block starts</a:t>
-            </a:r>
-            <a:r>
-              <a:rPr kumimoji="0" lang="en-US" altLang="en-US" sz="2400" b="0" i="0" u="none" strike="noStrike" cap="none" normalizeH="0" baseline="0" dirty="0" smtClean="0">
-                <a:ln>
-                  <a:noFill/>
-                </a:ln>
-                <a:solidFill>
-                  <a:srgbClr val="000000"/>
-                </a:solidFill>
-                <a:effectLst/>
-                <a:latin typeface="Ubuntu Mono"/>
-              </a:rPr>
-              <a:t> </a:t>
-            </a:r>
-          </a:p>
-          <a:p>
-            <a:pPr marL="0" marR="0" lvl="0" indent="0" algn="l" defTabSz="914400" rtl="0" eaLnBrk="0" fontAlgn="base" latinLnBrk="0" hangingPunct="0">
-              <a:lnSpc>
-                <a:spcPct val="100000"/>
-              </a:lnSpc>
-              <a:spcBef>
-                <a:spcPct val="0"/>
-              </a:spcBef>
-              <a:spcAft>
-                <a:spcPct val="0"/>
-              </a:spcAft>
-              <a:buClrTx/>
-              <a:buSzTx/>
-              <a:buFontTx/>
-              <a:buNone/>
-              <a:tabLst/>
-            </a:pPr>
-            <a:r>
-              <a:rPr lang="en-US" altLang="en-US" sz="2400" dirty="0">
-                <a:solidFill>
-                  <a:srgbClr val="000000"/>
-                </a:solidFill>
-                <a:latin typeface="Ubuntu Mono"/>
-              </a:rPr>
-              <a:t> </a:t>
-            </a:r>
-            <a:r>
-              <a:rPr lang="en-US" altLang="en-US" sz="2400" dirty="0" smtClean="0">
-                <a:solidFill>
-                  <a:srgbClr val="000000"/>
-                </a:solidFill>
-                <a:latin typeface="Ubuntu Mono"/>
-              </a:rPr>
-              <a:t>       </a:t>
-            </a:r>
-            <a:r>
-              <a:rPr kumimoji="0" lang="en-US" altLang="en-US" sz="2400" b="1" i="0" u="none" strike="noStrike" cap="none" normalizeH="0" baseline="0" dirty="0" err="1" smtClean="0">
-                <a:ln>
-                  <a:noFill/>
-                </a:ln>
-                <a:solidFill>
-                  <a:srgbClr val="006699"/>
-                </a:solidFill>
-                <a:effectLst/>
-                <a:latin typeface="Ubuntu Mono"/>
-              </a:rPr>
-              <a:t>var</a:t>
-            </a:r>
-            <a:r>
-              <a:rPr kumimoji="0" lang="en-US" altLang="en-US" sz="2400" b="0" i="0" u="none" strike="noStrike" cap="none" normalizeH="0" baseline="0" dirty="0" smtClean="0">
-                <a:ln>
-                  <a:noFill/>
-                </a:ln>
-                <a:solidFill>
-                  <a:srgbClr val="000000"/>
-                </a:solidFill>
-                <a:effectLst/>
-                <a:latin typeface="Ubuntu Mono"/>
-              </a:rPr>
-              <a:t> </a:t>
-            </a:r>
-            <a:r>
-              <a:rPr kumimoji="0" lang="en-US" altLang="en-US" sz="2400" b="0" i="0" u="none" strike="noStrike" cap="none" normalizeH="0" baseline="0" dirty="0" smtClean="0">
-                <a:ln>
-                  <a:noFill/>
-                </a:ln>
-                <a:solidFill>
-                  <a:srgbClr val="000088"/>
-                </a:solidFill>
-                <a:effectLst/>
-                <a:latin typeface="Ubuntu Mono"/>
-              </a:rPr>
-              <a:t>foo</a:t>
-            </a:r>
-            <a:r>
-              <a:rPr kumimoji="0" lang="en-US" altLang="en-US" sz="2400" b="0" i="0" u="none" strike="noStrike" cap="none" normalizeH="0" baseline="0" dirty="0" smtClean="0">
-                <a:ln>
-                  <a:noFill/>
-                </a:ln>
-                <a:solidFill>
-                  <a:srgbClr val="000000"/>
-                </a:solidFill>
-                <a:effectLst/>
-                <a:latin typeface="Ubuntu Mono"/>
-              </a:rPr>
-              <a:t> </a:t>
-            </a:r>
-            <a:r>
-              <a:rPr kumimoji="0" lang="en-US" altLang="en-US" sz="2400" b="0" i="0" u="none" strike="noStrike" cap="none" normalizeH="0" baseline="0" dirty="0" smtClean="0">
-                <a:ln>
-                  <a:noFill/>
-                </a:ln>
-                <a:solidFill>
-                  <a:srgbClr val="555555"/>
-                </a:solidFill>
-                <a:effectLst/>
-                <a:latin typeface="Ubuntu Mono"/>
-              </a:rPr>
-              <a:t>=</a:t>
-            </a:r>
-            <a:r>
-              <a:rPr kumimoji="0" lang="en-US" altLang="en-US" sz="2400" b="0" i="0" u="none" strike="noStrike" cap="none" normalizeH="0" baseline="0" dirty="0" smtClean="0">
-                <a:ln>
-                  <a:noFill/>
-                </a:ln>
-                <a:solidFill>
-                  <a:srgbClr val="000000"/>
-                </a:solidFill>
-                <a:effectLst/>
-                <a:latin typeface="Ubuntu Mono"/>
-              </a:rPr>
-              <a:t> </a:t>
-            </a:r>
-            <a:r>
-              <a:rPr kumimoji="0" lang="en-US" altLang="en-US" sz="2400" b="0" i="0" u="none" strike="noStrike" cap="none" normalizeH="0" baseline="0" dirty="0" smtClean="0">
-                <a:ln>
-                  <a:noFill/>
-                </a:ln>
-                <a:solidFill>
-                  <a:srgbClr val="FF6600"/>
-                </a:solidFill>
-                <a:effectLst/>
-                <a:latin typeface="Ubuntu Mono"/>
-              </a:rPr>
-              <a:t>4</a:t>
-            </a:r>
-            <a:r>
-              <a:rPr kumimoji="0" lang="en-US" altLang="en-US" sz="2400" b="0" i="0" u="none" strike="noStrike" cap="none" normalizeH="0" baseline="0" dirty="0" smtClean="0">
-                <a:ln>
-                  <a:noFill/>
-                </a:ln>
-                <a:solidFill>
-                  <a:srgbClr val="000000"/>
-                </a:solidFill>
-                <a:effectLst/>
-                <a:latin typeface="Ubuntu Mono"/>
-              </a:rPr>
-              <a:t>; </a:t>
-            </a:r>
-          </a:p>
-          <a:p>
-            <a:pPr marL="0" marR="0" lvl="0" indent="0" algn="l" defTabSz="914400" rtl="0" eaLnBrk="0" fontAlgn="base" latinLnBrk="0" hangingPunct="0">
-              <a:lnSpc>
-                <a:spcPct val="100000"/>
-              </a:lnSpc>
-              <a:spcBef>
-                <a:spcPct val="0"/>
-              </a:spcBef>
-              <a:spcAft>
-                <a:spcPct val="0"/>
-              </a:spcAft>
-              <a:buClrTx/>
-              <a:buSzTx/>
-              <a:buFontTx/>
-              <a:buNone/>
-              <a:tabLst/>
-            </a:pPr>
-            <a:r>
-              <a:rPr lang="en-US" altLang="en-US" sz="2400" dirty="0">
-                <a:solidFill>
-                  <a:srgbClr val="000000"/>
-                </a:solidFill>
-                <a:latin typeface="Ubuntu Mono"/>
-              </a:rPr>
-              <a:t> </a:t>
-            </a:r>
-            <a:r>
-              <a:rPr lang="en-US" altLang="en-US" sz="2400" dirty="0" smtClean="0">
-                <a:solidFill>
-                  <a:srgbClr val="000000"/>
-                </a:solidFill>
-                <a:latin typeface="Ubuntu Mono"/>
-              </a:rPr>
-              <a:t>   </a:t>
-            </a:r>
-            <a:r>
-              <a:rPr kumimoji="0" lang="en-US" altLang="en-US" sz="2400" b="0" i="0" u="none" strike="noStrike" cap="none" normalizeH="0" baseline="0" dirty="0" smtClean="0">
-                <a:ln>
-                  <a:noFill/>
-                </a:ln>
-                <a:solidFill>
-                  <a:srgbClr val="000000"/>
-                </a:solidFill>
-                <a:effectLst/>
-                <a:latin typeface="Ubuntu Mono"/>
-              </a:rPr>
-              <a:t>} </a:t>
-            </a:r>
-            <a:r>
-              <a:rPr kumimoji="0" lang="en-US" altLang="en-US" sz="2400" b="0" i="1" u="none" strike="noStrike" cap="none" normalizeH="0" baseline="0" dirty="0" smtClean="0">
-                <a:ln>
-                  <a:noFill/>
-                </a:ln>
-                <a:solidFill>
-                  <a:srgbClr val="35586C"/>
-                </a:solidFill>
-                <a:effectLst/>
-                <a:latin typeface="Ubuntu Mono"/>
-              </a:rPr>
-              <a:t>// block ends</a:t>
-            </a:r>
-            <a:r>
-              <a:rPr kumimoji="0" lang="en-US" altLang="en-US" sz="2400" b="0" i="0" u="none" strike="noStrike" cap="none" normalizeH="0" baseline="0" dirty="0" smtClean="0">
-                <a:ln>
-                  <a:noFill/>
-                </a:ln>
-                <a:solidFill>
-                  <a:srgbClr val="000000"/>
-                </a:solidFill>
-                <a:effectLst/>
-                <a:latin typeface="Ubuntu Mono"/>
-              </a:rPr>
-              <a:t> </a:t>
-            </a:r>
-          </a:p>
-          <a:p>
-            <a:pPr marL="0" marR="0" lvl="0" indent="0" algn="l" defTabSz="914400" rtl="0" eaLnBrk="0" fontAlgn="base" latinLnBrk="0" hangingPunct="0">
-              <a:lnSpc>
-                <a:spcPct val="100000"/>
-              </a:lnSpc>
-              <a:spcBef>
-                <a:spcPct val="0"/>
-              </a:spcBef>
-              <a:spcAft>
-                <a:spcPct val="0"/>
-              </a:spcAft>
-              <a:buClrTx/>
-              <a:buSzTx/>
-              <a:buFontTx/>
-              <a:buNone/>
-              <a:tabLst/>
-            </a:pPr>
-            <a:r>
-              <a:rPr lang="en-US" altLang="en-US" sz="2400" dirty="0">
-                <a:solidFill>
-                  <a:srgbClr val="000000"/>
-                </a:solidFill>
-                <a:latin typeface="Ubuntu Mono"/>
-              </a:rPr>
-              <a:t> </a:t>
-            </a:r>
-            <a:r>
-              <a:rPr lang="en-US" altLang="en-US" sz="2400" dirty="0" smtClean="0">
-                <a:solidFill>
-                  <a:srgbClr val="000000"/>
-                </a:solidFill>
-                <a:latin typeface="Ubuntu Mono"/>
-              </a:rPr>
-              <a:t>   </a:t>
-            </a:r>
-            <a:r>
-              <a:rPr kumimoji="0" lang="en-US" altLang="en-US" sz="2400" b="0" i="0" u="none" strike="noStrike" cap="none" normalizeH="0" baseline="0" dirty="0" smtClean="0">
-                <a:ln>
-                  <a:noFill/>
-                </a:ln>
-                <a:solidFill>
-                  <a:srgbClr val="000088"/>
-                </a:solidFill>
-                <a:effectLst/>
-                <a:latin typeface="Ubuntu Mono"/>
-              </a:rPr>
-              <a:t>console</a:t>
-            </a:r>
-            <a:r>
-              <a:rPr kumimoji="0" lang="en-US" altLang="en-US" sz="2400" b="0" i="0" u="none" strike="noStrike" cap="none" normalizeH="0" baseline="0" dirty="0" smtClean="0">
-                <a:ln>
-                  <a:noFill/>
-                </a:ln>
-                <a:solidFill>
-                  <a:srgbClr val="000000"/>
-                </a:solidFill>
-                <a:effectLst/>
-                <a:latin typeface="Ubuntu Mono"/>
-              </a:rPr>
-              <a:t>.</a:t>
-            </a:r>
-            <a:r>
-              <a:rPr kumimoji="0" lang="en-US" altLang="en-US" sz="2400" b="0" i="0" u="none" strike="noStrike" cap="none" normalizeH="0" baseline="0" dirty="0" smtClean="0">
-                <a:ln>
-                  <a:noFill/>
-                </a:ln>
-                <a:solidFill>
-                  <a:srgbClr val="000088"/>
-                </a:solidFill>
-                <a:effectLst/>
-                <a:latin typeface="Ubuntu Mono"/>
-              </a:rPr>
-              <a:t>log</a:t>
-            </a:r>
-            <a:r>
-              <a:rPr kumimoji="0" lang="en-US" altLang="en-US" sz="2400" b="0" i="0" u="none" strike="noStrike" cap="none" normalizeH="0" baseline="0" dirty="0" smtClean="0">
-                <a:ln>
-                  <a:noFill/>
-                </a:ln>
-                <a:solidFill>
-                  <a:srgbClr val="000000"/>
-                </a:solidFill>
-                <a:effectLst/>
-                <a:latin typeface="Ubuntu Mono"/>
-              </a:rPr>
-              <a:t>(</a:t>
-            </a:r>
-            <a:r>
-              <a:rPr kumimoji="0" lang="en-US" altLang="en-US" sz="2400" b="0" i="0" u="none" strike="noStrike" cap="none" normalizeH="0" baseline="0" dirty="0" smtClean="0">
-                <a:ln>
-                  <a:noFill/>
-                </a:ln>
-                <a:solidFill>
-                  <a:srgbClr val="000088"/>
-                </a:solidFill>
-                <a:effectLst/>
-                <a:latin typeface="Ubuntu Mono"/>
-              </a:rPr>
-              <a:t>foo</a:t>
-            </a:r>
-            <a:r>
-              <a:rPr kumimoji="0" lang="en-US" altLang="en-US" sz="2400" b="0" i="0" u="none" strike="noStrike" cap="none" normalizeH="0" baseline="0" dirty="0" smtClean="0">
-                <a:ln>
-                  <a:noFill/>
-                </a:ln>
-                <a:solidFill>
-                  <a:srgbClr val="000000"/>
-                </a:solidFill>
-                <a:effectLst/>
-                <a:latin typeface="Ubuntu Mono"/>
-              </a:rPr>
-              <a:t>); </a:t>
-            </a:r>
-            <a:r>
-              <a:rPr kumimoji="0" lang="en-US" altLang="en-US" sz="2400" b="0" i="1" u="none" strike="noStrike" cap="none" normalizeH="0" baseline="0" dirty="0" smtClean="0">
-                <a:ln>
-                  <a:noFill/>
-                </a:ln>
-                <a:solidFill>
-                  <a:srgbClr val="35586C"/>
-                </a:solidFill>
-                <a:effectLst/>
-                <a:latin typeface="Ubuntu Mono"/>
-              </a:rPr>
-              <a:t>// 4</a:t>
-            </a:r>
-            <a:r>
-              <a:rPr kumimoji="0" lang="en-US" altLang="en-US" sz="2400" b="0" i="0" u="none" strike="noStrike" cap="none" normalizeH="0" baseline="0" dirty="0" smtClean="0">
-                <a:ln>
-                  <a:noFill/>
-                </a:ln>
-                <a:solidFill>
-                  <a:srgbClr val="000000"/>
-                </a:solidFill>
-                <a:effectLst/>
-                <a:latin typeface="Ubuntu Mono"/>
-              </a:rPr>
-              <a:t> </a:t>
-            </a:r>
-          </a:p>
-          <a:p>
-            <a:pPr marL="0" marR="0" lvl="0" indent="0" algn="l" defTabSz="914400" rtl="0" eaLnBrk="0" fontAlgn="base" latinLnBrk="0" hangingPunct="0">
-              <a:lnSpc>
-                <a:spcPct val="100000"/>
-              </a:lnSpc>
-              <a:spcBef>
-                <a:spcPct val="0"/>
-              </a:spcBef>
-              <a:spcAft>
-                <a:spcPct val="0"/>
-              </a:spcAft>
-              <a:buClrTx/>
-              <a:buSzTx/>
-              <a:buFontTx/>
-              <a:buNone/>
-              <a:tabLst/>
-            </a:pPr>
-            <a:r>
-              <a:rPr kumimoji="0" lang="en-US" altLang="en-US" sz="2400" b="0" i="0" u="none" strike="noStrike" cap="none" normalizeH="0" baseline="0" dirty="0" smtClean="0">
-                <a:ln>
-                  <a:noFill/>
-                </a:ln>
-                <a:solidFill>
-                  <a:srgbClr val="000000"/>
-                </a:solidFill>
-                <a:effectLst/>
-                <a:latin typeface="Ubuntu Mono"/>
-              </a:rPr>
-              <a:t>}</a:t>
-            </a:r>
-            <a:r>
-              <a:rPr kumimoji="0" lang="en-US" altLang="en-US" sz="2400" b="0" i="0" u="none" strike="noStrike" cap="none" normalizeH="0" baseline="0" dirty="0" smtClean="0">
-                <a:ln>
-                  <a:noFill/>
-                </a:ln>
-                <a:solidFill>
-                  <a:schemeClr val="tx1"/>
-                </a:solidFill>
-                <a:effectLst/>
-              </a:rPr>
-              <a:t> </a:t>
-            </a:r>
-            <a:endParaRPr kumimoji="0" lang="en-US" altLang="en-US" sz="2400" b="0" i="0" u="none" strike="noStrike" cap="none" normalizeH="0" baseline="0" dirty="0" smtClean="0">
-              <a:ln>
-                <a:noFill/>
-              </a:ln>
-              <a:solidFill>
-                <a:schemeClr val="tx1"/>
-              </a:solidFill>
-              <a:effectLst/>
-              <a:latin typeface="Arial" panose="020B0604020202020204" pitchFamily="34" charset="0"/>
-            </a:endParaRPr>
-          </a:p>
-        </p:txBody>
-      </p:sp>
-    </p:spTree>
-    <p:extLst>
-      <p:ext uri="{BB962C8B-B14F-4D97-AF65-F5344CB8AC3E}">
-        <p14:creationId xmlns:p14="http://schemas.microsoft.com/office/powerpoint/2010/main" val="4066509814"/>
-      </p:ext>
-    </p:extLst>
-  </p:cSld>
-  <p:clrMapOvr>
-    <a:masterClrMapping/>
-  </p:clrMapOvr>
-  <p:timing>
-    <p:tnLst>
-      <p:par>
-        <p:cTn id="1" dur="indefinite" restart="never" nodeType="tmRoot"/>
-      </p:par>
-    </p:tnLst>
-  </p:timing>
-</p:sld>
-</file>
-
 <file path=ppt/slides/slide2.xml><?xml version="1.0" encoding="utf-8"?>
 <p:sld xmlns:a="http://schemas.openxmlformats.org/drawingml/2006/main" xmlns:r="http://schemas.openxmlformats.org/officeDocument/2006/relationships" xmlns:p="http://schemas.openxmlformats.org/presentationml/2006/main">
   <p:cSld>
@@ -9340,545 +8750,689 @@
       </p:grpSpPr>
       <p:sp>
         <p:nvSpPr>
-          <p:cNvPr id="6" name="Rectangle 5"/>
-          <p:cNvSpPr/>
+          <p:cNvPr id="2" name="Title 1"/>
+          <p:cNvSpPr>
+            <a:spLocks noGrp="1"/>
+          </p:cNvSpPr>
+          <p:nvPr>
+            <p:ph type="title"/>
+          </p:nvPr>
+        </p:nvSpPr>
+        <p:spPr/>
+        <p:txBody>
+          <a:bodyPr>
+            <a:normAutofit fontScale="90000"/>
+          </a:bodyPr>
+          <a:lstStyle/>
+          <a:p>
+            <a:r>
+              <a:rPr lang="en-US" dirty="0" smtClean="0"/>
+              <a:t>Only </a:t>
+            </a:r>
+            <a:r>
+              <a:rPr lang="en-US" dirty="0"/>
+              <a:t>functions introduce new scopes</a:t>
+            </a:r>
+          </a:p>
+        </p:txBody>
+      </p:sp>
+      <p:sp>
+        <p:nvSpPr>
+          <p:cNvPr id="3" name="Content Placeholder 2"/>
+          <p:cNvSpPr>
+            <a:spLocks noGrp="1"/>
+          </p:cNvSpPr>
+          <p:nvPr>
+            <p:ph idx="1"/>
+          </p:nvPr>
+        </p:nvSpPr>
+        <p:spPr/>
+        <p:txBody>
+          <a:bodyPr/>
+          <a:lstStyle/>
+          <a:p>
+            <a:pPr marL="0" indent="0">
+              <a:buNone/>
+            </a:pPr>
+            <a:r>
+              <a:rPr lang="en-US" dirty="0" smtClean="0">
+                <a:solidFill>
+                  <a:srgbClr val="FF0000"/>
+                </a:solidFill>
+              </a:rPr>
+              <a:t>No block scope</a:t>
+            </a:r>
+            <a:endParaRPr lang="en-US" dirty="0">
+              <a:solidFill>
+                <a:srgbClr val="FF0000"/>
+              </a:solidFill>
+            </a:endParaRPr>
+          </a:p>
+        </p:txBody>
+      </p:sp>
+      <p:sp>
+        <p:nvSpPr>
+          <p:cNvPr id="4" name="Rectangle 1"/>
+          <p:cNvSpPr>
+            <a:spLocks noChangeArrowheads="1"/>
+          </p:cNvSpPr>
           <p:nvPr/>
         </p:nvSpPr>
-        <p:spPr>
+        <p:spPr bwMode="auto">
           <a:xfrm>
-            <a:off x="1410868" y="1700808"/>
-            <a:ext cx="6322263" cy="2793072"/>
+            <a:off x="611560" y="2348880"/>
+            <a:ext cx="3214021" cy="2215991"/>
           </a:xfrm>
           <a:prstGeom prst="rect">
             <a:avLst/>
           </a:prstGeom>
+          <a:noFill/>
+          <a:ln>
+            <a:noFill/>
+          </a:ln>
+          <a:effectLst/>
+          <a:extLst>
+            <a:ext uri="{909E8E84-426E-40DD-AFC4-6F175D3DCCD1}">
+              <a14:hiddenFill xmlns:a14="http://schemas.microsoft.com/office/drawing/2010/main">
+                <a:solidFill>
+                  <a:schemeClr val="accent1"/>
+                </a:solidFill>
+              </a14:hiddenFill>
+            </a:ext>
+            <a:ext uri="{91240B29-F687-4F45-9708-019B960494DF}">
+              <a14:hiddenLine xmlns:a14="http://schemas.microsoft.com/office/drawing/2010/main" w="9525">
+                <a:solidFill>
+                  <a:schemeClr val="tx1"/>
+                </a:solidFill>
+                <a:miter lim="800000"/>
+                <a:headEnd/>
+                <a:tailEnd/>
+              </a14:hiddenLine>
+            </a:ext>
+            <a:ext uri="{AF507438-7753-43E0-B8FC-AC1667EBCBE1}">
+              <a14:hiddenEffects xmlns:a14="http://schemas.microsoft.com/office/drawing/2010/main">
+                <a:effectLst>
+                  <a:outerShdw dist="35921" dir="2700000" algn="ctr" rotWithShape="0">
+                    <a:schemeClr val="bg2"/>
+                  </a:outerShdw>
+                </a:effectLst>
+              </a14:hiddenEffects>
+            </a:ext>
+          </a:extLst>
         </p:spPr>
-        <p:style>
-          <a:lnRef idx="1">
-            <a:schemeClr val="dk1"/>
-          </a:lnRef>
-          <a:fillRef idx="1001">
-            <a:schemeClr val="lt2"/>
-          </a:fillRef>
-          <a:effectRef idx="1">
-            <a:schemeClr val="dk1"/>
-          </a:effectRef>
-          <a:fontRef idx="minor">
-            <a:schemeClr val="dk1"/>
-          </a:fontRef>
-        </p:style>
-        <p:txBody>
-          <a:bodyPr wrap="square">
+        <p:txBody>
+          <a:bodyPr vert="horz" wrap="none" lIns="0" tIns="0" rIns="0" bIns="0" numCol="1" anchor="ctr" anchorCtr="0" compatLnSpc="1">
+            <a:prstTxWarp prst="textNoShape">
+              <a:avLst/>
+            </a:prstTxWarp>
             <a:spAutoFit/>
           </a:bodyPr>
           <a:lstStyle/>
           <a:p>
-            <a:r>
-              <a:rPr lang="en-US" sz="1350" b="1" dirty="0">
-                <a:solidFill>
-                  <a:srgbClr val="0070C0"/>
-                </a:solidFill>
-              </a:rPr>
-              <a:t>function</a:t>
-            </a:r>
-            <a:r>
-              <a:rPr lang="en-US" sz="1350" b="1" dirty="0"/>
-              <a:t> </a:t>
-            </a:r>
-            <a:r>
-              <a:rPr lang="en-US" sz="1350" b="1" dirty="0">
-                <a:solidFill>
-                  <a:schemeClr val="accent6">
-                    <a:lumMod val="75000"/>
-                  </a:schemeClr>
-                </a:solidFill>
-              </a:rPr>
-              <a:t>test</a:t>
-            </a:r>
-            <a:r>
-              <a:rPr lang="en-US" sz="1350" b="1" dirty="0"/>
-              <a:t>(</a:t>
-            </a:r>
-            <a:r>
-              <a:rPr lang="en-US" sz="1350" b="1" dirty="0">
-                <a:solidFill>
-                  <a:schemeClr val="accent6">
-                    <a:lumMod val="75000"/>
-                  </a:schemeClr>
-                </a:solidFill>
-              </a:rPr>
-              <a:t>o</a:t>
-            </a:r>
-            <a:r>
-              <a:rPr lang="en-US" sz="1350" b="1" dirty="0"/>
-              <a:t>) {</a:t>
-            </a:r>
-          </a:p>
-          <a:p>
-            <a:r>
-              <a:rPr lang="en-US" sz="1350" b="1" dirty="0"/>
-              <a:t>        </a:t>
-            </a:r>
-            <a:r>
-              <a:rPr lang="en-US" sz="1350" b="1" dirty="0" err="1">
-                <a:solidFill>
-                  <a:srgbClr val="0070C0"/>
-                </a:solidFill>
-              </a:rPr>
-              <a:t>var</a:t>
-            </a:r>
-            <a:r>
-              <a:rPr lang="en-US" sz="1350" b="1" dirty="0"/>
-              <a:t> </a:t>
-            </a:r>
-            <a:r>
-              <a:rPr lang="en-US" sz="1350" b="1" dirty="0" err="1">
-                <a:solidFill>
-                  <a:schemeClr val="accent6">
-                    <a:lumMod val="75000"/>
-                  </a:schemeClr>
-                </a:solidFill>
-              </a:rPr>
-              <a:t>i</a:t>
-            </a:r>
-            <a:r>
-              <a:rPr lang="en-US" sz="1350" b="1" dirty="0"/>
-              <a:t> = </a:t>
-            </a:r>
-            <a:r>
-              <a:rPr lang="en-US" sz="1350" b="1" dirty="0">
-                <a:solidFill>
-                  <a:srgbClr val="00B050"/>
-                </a:solidFill>
-              </a:rPr>
-              <a:t>0</a:t>
-            </a:r>
-            <a:r>
-              <a:rPr lang="en-US" sz="1350" b="1" dirty="0"/>
-              <a:t>;       // </a:t>
-            </a:r>
-            <a:r>
-              <a:rPr lang="en-US" sz="1350" b="1" dirty="0" err="1"/>
-              <a:t>i</a:t>
-            </a:r>
-            <a:r>
-              <a:rPr lang="en-US" sz="1350" b="1" dirty="0"/>
-              <a:t> is defined throughout function </a:t>
-            </a:r>
-          </a:p>
-          <a:p>
-            <a:r>
-              <a:rPr lang="en-US" sz="1350" b="1" dirty="0"/>
-              <a:t>        </a:t>
-            </a:r>
-            <a:r>
-              <a:rPr lang="en-US" sz="1350" b="1" dirty="0">
-                <a:solidFill>
-                  <a:srgbClr val="0070C0"/>
-                </a:solidFill>
-              </a:rPr>
-              <a:t>if</a:t>
-            </a:r>
-            <a:r>
-              <a:rPr lang="en-US" sz="1350" b="1" dirty="0"/>
-              <a:t> (</a:t>
-            </a:r>
-            <a:r>
-              <a:rPr lang="en-US" sz="1350" b="1" dirty="0" err="1">
-                <a:solidFill>
-                  <a:srgbClr val="0070C0"/>
-                </a:solidFill>
-              </a:rPr>
-              <a:t>typeof</a:t>
-            </a:r>
-            <a:r>
-              <a:rPr lang="en-US" sz="1350" b="1" dirty="0"/>
-              <a:t> </a:t>
-            </a:r>
-            <a:r>
-              <a:rPr lang="en-US" sz="1350" b="1" dirty="0">
-                <a:solidFill>
-                  <a:schemeClr val="accent6">
-                    <a:lumMod val="75000"/>
-                  </a:schemeClr>
-                </a:solidFill>
-              </a:rPr>
-              <a:t>o</a:t>
-            </a:r>
-            <a:r>
-              <a:rPr lang="en-US" sz="1350" b="1" dirty="0"/>
-              <a:t> == "</a:t>
-            </a:r>
-            <a:r>
-              <a:rPr lang="en-US" sz="1350" b="1" dirty="0">
-                <a:solidFill>
-                  <a:srgbClr val="00B050"/>
-                </a:solidFill>
-              </a:rPr>
-              <a:t>object</a:t>
-            </a:r>
-            <a:r>
-              <a:rPr lang="en-US" sz="1350" b="1" dirty="0"/>
-              <a:t>") { </a:t>
-            </a:r>
-          </a:p>
-          <a:p>
-            <a:r>
-              <a:rPr lang="en-US" sz="1350" b="1" dirty="0"/>
-              <a:t>                </a:t>
-            </a:r>
-            <a:r>
-              <a:rPr lang="en-US" sz="1350" b="1" dirty="0" err="1">
-                <a:solidFill>
-                  <a:srgbClr val="0070C0"/>
-                </a:solidFill>
-              </a:rPr>
-              <a:t>var</a:t>
-            </a:r>
-            <a:r>
-              <a:rPr lang="en-US" sz="1350" b="1" dirty="0"/>
-              <a:t> </a:t>
-            </a:r>
-            <a:r>
-              <a:rPr lang="en-US" sz="1350" b="1" dirty="0">
-                <a:solidFill>
-                  <a:schemeClr val="accent6">
-                    <a:lumMod val="75000"/>
-                  </a:schemeClr>
-                </a:solidFill>
-              </a:rPr>
-              <a:t>j</a:t>
-            </a:r>
-            <a:r>
-              <a:rPr lang="en-US" sz="1350" b="1" dirty="0"/>
-              <a:t> = </a:t>
-            </a:r>
-            <a:r>
-              <a:rPr lang="en-US" sz="1350" b="1" dirty="0">
-                <a:solidFill>
-                  <a:srgbClr val="00B050"/>
-                </a:solidFill>
-              </a:rPr>
-              <a:t>0</a:t>
-            </a:r>
-            <a:r>
-              <a:rPr lang="en-US" sz="1350" b="1" dirty="0"/>
-              <a:t>;     // j is defined everywhere, not just block </a:t>
-            </a:r>
-          </a:p>
-          <a:p>
-            <a:endParaRPr lang="en-US" sz="1350" b="1" dirty="0"/>
-          </a:p>
-          <a:p>
-            <a:r>
-              <a:rPr lang="en-US" sz="1350" b="1" dirty="0"/>
-              <a:t>                </a:t>
-            </a:r>
-            <a:r>
-              <a:rPr lang="en-US" sz="1350" b="1" dirty="0">
-                <a:solidFill>
-                  <a:srgbClr val="0070C0"/>
-                </a:solidFill>
-              </a:rPr>
-              <a:t>for(</a:t>
-            </a:r>
-            <a:r>
-              <a:rPr lang="en-US" sz="1350" b="1" dirty="0" err="1">
-                <a:solidFill>
-                  <a:srgbClr val="0070C0"/>
-                </a:solidFill>
-              </a:rPr>
-              <a:t>var</a:t>
-            </a:r>
-            <a:r>
-              <a:rPr lang="en-US" sz="1350" b="1" dirty="0"/>
-              <a:t> </a:t>
-            </a:r>
-            <a:r>
-              <a:rPr lang="en-US" sz="1350" b="1" dirty="0">
-                <a:solidFill>
-                  <a:schemeClr val="accent6">
-                    <a:lumMod val="75000"/>
-                  </a:schemeClr>
-                </a:solidFill>
-              </a:rPr>
-              <a:t>k</a:t>
-            </a:r>
-            <a:r>
-              <a:rPr lang="en-US" sz="1350" b="1" dirty="0"/>
-              <a:t>=</a:t>
-            </a:r>
-            <a:r>
-              <a:rPr lang="en-US" sz="1350" b="1" dirty="0">
-                <a:solidFill>
-                  <a:srgbClr val="00B050"/>
-                </a:solidFill>
-              </a:rPr>
-              <a:t>0</a:t>
-            </a:r>
-            <a:r>
-              <a:rPr lang="en-US" sz="1350" b="1" dirty="0"/>
-              <a:t>; </a:t>
-            </a:r>
-            <a:r>
-              <a:rPr lang="en-US" sz="1350" b="1" dirty="0">
-                <a:solidFill>
-                  <a:schemeClr val="accent6">
-                    <a:lumMod val="75000"/>
-                  </a:schemeClr>
-                </a:solidFill>
-              </a:rPr>
-              <a:t>k</a:t>
-            </a:r>
-            <a:r>
-              <a:rPr lang="en-US" sz="1350" b="1" dirty="0"/>
-              <a:t> &lt; </a:t>
-            </a:r>
-            <a:r>
-              <a:rPr lang="en-US" sz="1350" b="1" dirty="0">
-                <a:solidFill>
-                  <a:srgbClr val="00B050"/>
-                </a:solidFill>
-              </a:rPr>
-              <a:t>10</a:t>
-            </a:r>
-            <a:r>
-              <a:rPr lang="en-US" sz="1350" b="1" dirty="0"/>
-              <a:t>; </a:t>
-            </a:r>
-            <a:r>
-              <a:rPr lang="en-US" sz="1350" b="1" dirty="0">
-                <a:solidFill>
-                  <a:schemeClr val="accent6">
-                    <a:lumMod val="75000"/>
-                  </a:schemeClr>
-                </a:solidFill>
-              </a:rPr>
-              <a:t>k</a:t>
-            </a:r>
-            <a:r>
-              <a:rPr lang="en-US" sz="1350" b="1" dirty="0"/>
-              <a:t>++) {    // k is defined everywhere, not just loop </a:t>
-            </a:r>
-          </a:p>
-          <a:p>
-            <a:r>
-              <a:rPr lang="en-US" sz="1350" b="1" dirty="0"/>
-              <a:t>                      </a:t>
-            </a:r>
-            <a:r>
-              <a:rPr lang="en-US" sz="1350" b="1" dirty="0" err="1">
-                <a:solidFill>
-                  <a:schemeClr val="accent6">
-                    <a:lumMod val="75000"/>
-                  </a:schemeClr>
-                </a:solidFill>
-              </a:rPr>
-              <a:t>document</a:t>
-            </a:r>
-            <a:r>
-              <a:rPr lang="en-US" sz="1350" b="1" dirty="0" err="1"/>
-              <a:t>.</a:t>
-            </a:r>
-            <a:r>
-              <a:rPr lang="en-US" sz="1350" b="1" dirty="0" err="1">
-                <a:solidFill>
-                  <a:srgbClr val="0070C0"/>
-                </a:solidFill>
-              </a:rPr>
-              <a:t>write</a:t>
-            </a:r>
-            <a:r>
-              <a:rPr lang="en-US" sz="1350" b="1" dirty="0"/>
-              <a:t>(</a:t>
-            </a:r>
-            <a:r>
-              <a:rPr lang="en-US" sz="1350" b="1" dirty="0">
-                <a:solidFill>
-                  <a:schemeClr val="accent6">
-                    <a:lumMod val="75000"/>
-                  </a:schemeClr>
-                </a:solidFill>
-              </a:rPr>
-              <a:t>k</a:t>
-            </a:r>
-            <a:r>
-              <a:rPr lang="en-US" sz="1350" b="1" dirty="0"/>
-              <a:t>); </a:t>
-            </a:r>
-          </a:p>
-          <a:p>
-            <a:r>
-              <a:rPr lang="en-US" sz="1350" b="1" dirty="0"/>
-              <a:t>                } </a:t>
-            </a:r>
-          </a:p>
-          <a:p>
-            <a:endParaRPr lang="en-US" sz="1350" b="1" dirty="0"/>
-          </a:p>
-          <a:p>
-            <a:r>
-              <a:rPr lang="en-US" sz="1350" b="1" dirty="0"/>
-              <a:t>                </a:t>
-            </a:r>
-            <a:r>
-              <a:rPr lang="en-US" sz="1350" b="1" dirty="0" err="1">
-                <a:solidFill>
-                  <a:schemeClr val="accent6">
-                    <a:lumMod val="75000"/>
-                  </a:schemeClr>
-                </a:solidFill>
-              </a:rPr>
-              <a:t>document</a:t>
-            </a:r>
-            <a:r>
-              <a:rPr lang="en-US" sz="1350" b="1" dirty="0" err="1"/>
-              <a:t>.</a:t>
-            </a:r>
-            <a:r>
-              <a:rPr lang="en-US" sz="1350" b="1" dirty="0" err="1">
-                <a:solidFill>
-                  <a:srgbClr val="0070C0"/>
-                </a:solidFill>
-              </a:rPr>
-              <a:t>write</a:t>
-            </a:r>
-            <a:r>
-              <a:rPr lang="en-US" sz="1350" b="1" dirty="0"/>
-              <a:t>(</a:t>
-            </a:r>
-            <a:r>
-              <a:rPr lang="en-US" sz="1350" b="1" dirty="0">
-                <a:solidFill>
-                  <a:schemeClr val="accent6">
-                    <a:lumMod val="75000"/>
-                  </a:schemeClr>
-                </a:solidFill>
-              </a:rPr>
-              <a:t>k</a:t>
-            </a:r>
-            <a:r>
-              <a:rPr lang="en-US" sz="1350" b="1" dirty="0"/>
-              <a:t>);   // k is still defined: prints 10 </a:t>
-            </a:r>
-          </a:p>
-          <a:p>
-            <a:r>
-              <a:rPr lang="en-US" sz="1350" b="1" dirty="0"/>
-              <a:t>       } </a:t>
-            </a:r>
-          </a:p>
-          <a:p>
-            <a:r>
-              <a:rPr lang="en-US" sz="1350" b="1" dirty="0"/>
-              <a:t>       </a:t>
-            </a:r>
-            <a:r>
-              <a:rPr lang="en-US" sz="1350" b="1" dirty="0" err="1">
-                <a:solidFill>
-                  <a:schemeClr val="accent6">
-                    <a:lumMod val="75000"/>
-                  </a:schemeClr>
-                </a:solidFill>
-              </a:rPr>
-              <a:t>document</a:t>
-            </a:r>
-            <a:r>
-              <a:rPr lang="en-US" sz="1350" b="1" dirty="0" err="1"/>
-              <a:t>.</a:t>
-            </a:r>
-            <a:r>
-              <a:rPr lang="en-US" sz="1350" b="1" dirty="0" err="1">
-                <a:solidFill>
-                  <a:srgbClr val="0070C0"/>
-                </a:solidFill>
-              </a:rPr>
-              <a:t>write</a:t>
-            </a:r>
-            <a:r>
-              <a:rPr lang="en-US" sz="1350" b="1" dirty="0"/>
-              <a:t>(</a:t>
-            </a:r>
-            <a:r>
-              <a:rPr lang="en-US" sz="1350" b="1" dirty="0">
-                <a:solidFill>
-                  <a:schemeClr val="accent6">
-                    <a:lumMod val="75000"/>
-                  </a:schemeClr>
-                </a:solidFill>
-              </a:rPr>
-              <a:t>j</a:t>
-            </a:r>
-            <a:r>
-              <a:rPr lang="en-US" sz="1350" b="1" dirty="0"/>
-              <a:t>);    // j is defined, but may not be initialized </a:t>
-            </a:r>
-          </a:p>
-          <a:p>
-            <a:r>
-              <a:rPr lang="en-US" sz="1350" b="1" dirty="0"/>
-              <a:t>} </a:t>
-            </a:r>
-          </a:p>
-        </p:txBody>
-      </p:sp>
-      <p:sp>
-        <p:nvSpPr>
-          <p:cNvPr id="8" name="Title 1"/>
-          <p:cNvSpPr txBox="1">
-            <a:spLocks/>
-          </p:cNvSpPr>
-          <p:nvPr/>
-        </p:nvSpPr>
-        <p:spPr>
-          <a:xfrm>
-            <a:off x="457200" y="274638"/>
-            <a:ext cx="8229600" cy="1143000"/>
-          </a:xfrm>
-          <a:prstGeom prst="rect">
-            <a:avLst/>
-          </a:prstGeom>
-        </p:spPr>
-        <p:txBody>
-          <a:bodyPr vert="horz" lIns="91440" tIns="45720" rIns="91440" bIns="45720" rtlCol="0" anchor="ctr">
-            <a:normAutofit fontScale="97500"/>
-          </a:bodyPr>
-          <a:lstStyle>
-            <a:lvl1pPr algn="ctr" defTabSz="914400" rtl="0" eaLnBrk="1" latinLnBrk="0" hangingPunct="1">
+            <a:pPr marL="0" marR="0" lvl="0" indent="0" algn="l" defTabSz="914400" rtl="0" eaLnBrk="0" fontAlgn="base" latinLnBrk="0" hangingPunct="0">
+              <a:lnSpc>
+                <a:spcPct val="100000"/>
+              </a:lnSpc>
               <a:spcBef>
                 <a:spcPct val="0"/>
               </a:spcBef>
+              <a:spcAft>
+                <a:spcPct val="0"/>
+              </a:spcAft>
+              <a:buClrTx/>
+              <a:buSzTx/>
+              <a:buFontTx/>
               <a:buNone/>
-              <a:defRPr sz="4400" kern="1200">
+              <a:tabLst/>
+            </a:pPr>
+            <a:r>
+              <a:rPr kumimoji="0" lang="en-US" altLang="en-US" sz="2400" b="1" i="0" u="none" strike="noStrike" cap="none" normalizeH="0" baseline="0" dirty="0" smtClean="0">
+                <a:ln>
+                  <a:noFill/>
+                </a:ln>
+                <a:solidFill>
+                  <a:srgbClr val="006699"/>
+                </a:solidFill>
+                <a:effectLst/>
+                <a:latin typeface="Ubuntu Mono"/>
+              </a:rPr>
+              <a:t>function</a:t>
+            </a:r>
+            <a:r>
+              <a:rPr kumimoji="0" lang="en-US" altLang="en-US" sz="2400" b="0" i="0" u="none" strike="noStrike" cap="none" normalizeH="0" baseline="0" dirty="0" smtClean="0">
+                <a:ln>
+                  <a:noFill/>
+                </a:ln>
+                <a:solidFill>
+                  <a:srgbClr val="000000"/>
+                </a:solidFill>
+                <a:effectLst/>
+                <a:latin typeface="Ubuntu Mono"/>
+              </a:rPr>
+              <a:t> </a:t>
+            </a:r>
+            <a:r>
+              <a:rPr kumimoji="0" lang="en-US" altLang="en-US" sz="2400" b="0" i="0" u="none" strike="noStrike" cap="none" normalizeH="0" baseline="0" dirty="0" smtClean="0">
+                <a:ln>
+                  <a:noFill/>
+                </a:ln>
+                <a:solidFill>
+                  <a:srgbClr val="000088"/>
+                </a:solidFill>
+                <a:effectLst/>
+                <a:latin typeface="Ubuntu Mono"/>
+              </a:rPr>
+              <a:t>f</a:t>
+            </a:r>
+            <a:r>
+              <a:rPr kumimoji="0" lang="en-US" altLang="en-US" sz="2400" b="0" i="0" u="none" strike="noStrike" cap="none" normalizeH="0" baseline="0" dirty="0" smtClean="0">
+                <a:ln>
+                  <a:noFill/>
+                </a:ln>
+                <a:solidFill>
+                  <a:srgbClr val="000000"/>
+                </a:solidFill>
+                <a:effectLst/>
+                <a:latin typeface="Ubuntu Mono"/>
+              </a:rPr>
+              <a:t>() { </a:t>
+            </a:r>
+          </a:p>
+          <a:p>
+            <a:pPr marL="0" marR="0" lvl="0" indent="0" algn="l" defTabSz="914400" rtl="0" eaLnBrk="0" fontAlgn="base" latinLnBrk="0" hangingPunct="0">
+              <a:lnSpc>
+                <a:spcPct val="100000"/>
+              </a:lnSpc>
+              <a:spcBef>
+                <a:spcPct val="0"/>
+              </a:spcBef>
+              <a:spcAft>
+                <a:spcPct val="0"/>
+              </a:spcAft>
+              <a:buClrTx/>
+              <a:buSzTx/>
+              <a:buFontTx/>
+              <a:buNone/>
+              <a:tabLst/>
+            </a:pPr>
+            <a:r>
+              <a:rPr lang="en-US" altLang="en-US" sz="2400" dirty="0">
+                <a:solidFill>
+                  <a:srgbClr val="000000"/>
+                </a:solidFill>
+                <a:latin typeface="Ubuntu Mono"/>
+              </a:rPr>
+              <a:t> </a:t>
+            </a:r>
+            <a:r>
+              <a:rPr lang="en-US" altLang="en-US" sz="2400" dirty="0" smtClean="0">
+                <a:solidFill>
+                  <a:srgbClr val="000000"/>
+                </a:solidFill>
+                <a:latin typeface="Ubuntu Mono"/>
+              </a:rPr>
+              <a:t>   </a:t>
+            </a:r>
+            <a:r>
+              <a:rPr kumimoji="0" lang="en-US" altLang="en-US" sz="2400" b="0" i="0" u="none" strike="noStrike" cap="none" normalizeH="0" baseline="0" dirty="0" smtClean="0">
+                <a:ln>
+                  <a:noFill/>
+                </a:ln>
+                <a:solidFill>
+                  <a:srgbClr val="000000"/>
+                </a:solidFill>
+                <a:effectLst/>
+                <a:latin typeface="Ubuntu Mono"/>
+              </a:rPr>
+              <a:t>{ </a:t>
+            </a:r>
+            <a:r>
+              <a:rPr kumimoji="0" lang="en-US" altLang="en-US" sz="2400" b="0" i="1" u="none" strike="noStrike" cap="none" normalizeH="0" baseline="0" dirty="0" smtClean="0">
+                <a:ln>
+                  <a:noFill/>
+                </a:ln>
+                <a:solidFill>
+                  <a:srgbClr val="35586C"/>
+                </a:solidFill>
+                <a:effectLst/>
+                <a:latin typeface="Ubuntu Mono"/>
+              </a:rPr>
+              <a:t>// block starts</a:t>
+            </a:r>
+            <a:r>
+              <a:rPr kumimoji="0" lang="en-US" altLang="en-US" sz="2400" b="0" i="0" u="none" strike="noStrike" cap="none" normalizeH="0" baseline="0" dirty="0" smtClean="0">
+                <a:ln>
+                  <a:noFill/>
+                </a:ln>
+                <a:solidFill>
+                  <a:srgbClr val="000000"/>
+                </a:solidFill>
+                <a:effectLst/>
+                <a:latin typeface="Ubuntu Mono"/>
+              </a:rPr>
+              <a:t> </a:t>
+            </a:r>
+          </a:p>
+          <a:p>
+            <a:pPr marL="0" marR="0" lvl="0" indent="0" algn="l" defTabSz="914400" rtl="0" eaLnBrk="0" fontAlgn="base" latinLnBrk="0" hangingPunct="0">
+              <a:lnSpc>
+                <a:spcPct val="100000"/>
+              </a:lnSpc>
+              <a:spcBef>
+                <a:spcPct val="0"/>
+              </a:spcBef>
+              <a:spcAft>
+                <a:spcPct val="0"/>
+              </a:spcAft>
+              <a:buClrTx/>
+              <a:buSzTx/>
+              <a:buFontTx/>
+              <a:buNone/>
+              <a:tabLst/>
+            </a:pPr>
+            <a:r>
+              <a:rPr lang="en-US" altLang="en-US" sz="2400" dirty="0">
+                <a:solidFill>
+                  <a:srgbClr val="000000"/>
+                </a:solidFill>
+                <a:latin typeface="Ubuntu Mono"/>
+              </a:rPr>
+              <a:t> </a:t>
+            </a:r>
+            <a:r>
+              <a:rPr lang="en-US" altLang="en-US" sz="2400" dirty="0" smtClean="0">
+                <a:solidFill>
+                  <a:srgbClr val="000000"/>
+                </a:solidFill>
+                <a:latin typeface="Ubuntu Mono"/>
+              </a:rPr>
+              <a:t>       </a:t>
+            </a:r>
+            <a:r>
+              <a:rPr kumimoji="0" lang="en-US" altLang="en-US" sz="2400" b="1" i="0" u="none" strike="noStrike" cap="none" normalizeH="0" baseline="0" dirty="0" err="1" smtClean="0">
+                <a:ln>
+                  <a:noFill/>
+                </a:ln>
+                <a:solidFill>
+                  <a:srgbClr val="006699"/>
+                </a:solidFill>
+                <a:effectLst/>
+                <a:latin typeface="Ubuntu Mono"/>
+              </a:rPr>
+              <a:t>var</a:t>
+            </a:r>
+            <a:r>
+              <a:rPr kumimoji="0" lang="en-US" altLang="en-US" sz="2400" b="0" i="0" u="none" strike="noStrike" cap="none" normalizeH="0" baseline="0" dirty="0" smtClean="0">
+                <a:ln>
+                  <a:noFill/>
+                </a:ln>
+                <a:solidFill>
+                  <a:srgbClr val="000000"/>
+                </a:solidFill>
+                <a:effectLst/>
+                <a:latin typeface="Ubuntu Mono"/>
+              </a:rPr>
+              <a:t> </a:t>
+            </a:r>
+            <a:r>
+              <a:rPr kumimoji="0" lang="en-US" altLang="en-US" sz="2400" b="0" i="0" u="none" strike="noStrike" cap="none" normalizeH="0" baseline="0" dirty="0" smtClean="0">
+                <a:ln>
+                  <a:noFill/>
+                </a:ln>
+                <a:solidFill>
+                  <a:srgbClr val="000088"/>
+                </a:solidFill>
+                <a:effectLst/>
+                <a:latin typeface="Ubuntu Mono"/>
+              </a:rPr>
+              <a:t>foo</a:t>
+            </a:r>
+            <a:r>
+              <a:rPr kumimoji="0" lang="en-US" altLang="en-US" sz="2400" b="0" i="0" u="none" strike="noStrike" cap="none" normalizeH="0" baseline="0" dirty="0" smtClean="0">
+                <a:ln>
+                  <a:noFill/>
+                </a:ln>
+                <a:solidFill>
+                  <a:srgbClr val="000000"/>
+                </a:solidFill>
+                <a:effectLst/>
+                <a:latin typeface="Ubuntu Mono"/>
+              </a:rPr>
+              <a:t> </a:t>
+            </a:r>
+            <a:r>
+              <a:rPr kumimoji="0" lang="en-US" altLang="en-US" sz="2400" b="0" i="0" u="none" strike="noStrike" cap="none" normalizeH="0" baseline="0" dirty="0" smtClean="0">
+                <a:ln>
+                  <a:noFill/>
+                </a:ln>
+                <a:solidFill>
+                  <a:srgbClr val="555555"/>
+                </a:solidFill>
+                <a:effectLst/>
+                <a:latin typeface="Ubuntu Mono"/>
+              </a:rPr>
+              <a:t>=</a:t>
+            </a:r>
+            <a:r>
+              <a:rPr kumimoji="0" lang="en-US" altLang="en-US" sz="2400" b="0" i="0" u="none" strike="noStrike" cap="none" normalizeH="0" baseline="0" dirty="0" smtClean="0">
+                <a:ln>
+                  <a:noFill/>
+                </a:ln>
+                <a:solidFill>
+                  <a:srgbClr val="000000"/>
+                </a:solidFill>
+                <a:effectLst/>
+                <a:latin typeface="Ubuntu Mono"/>
+              </a:rPr>
+              <a:t> </a:t>
+            </a:r>
+            <a:r>
+              <a:rPr kumimoji="0" lang="en-US" altLang="en-US" sz="2400" b="0" i="0" u="none" strike="noStrike" cap="none" normalizeH="0" baseline="0" dirty="0" smtClean="0">
+                <a:ln>
+                  <a:noFill/>
+                </a:ln>
+                <a:solidFill>
+                  <a:srgbClr val="FF6600"/>
+                </a:solidFill>
+                <a:effectLst/>
+                <a:latin typeface="Ubuntu Mono"/>
+              </a:rPr>
+              <a:t>4</a:t>
+            </a:r>
+            <a:r>
+              <a:rPr kumimoji="0" lang="en-US" altLang="en-US" sz="2400" b="0" i="0" u="none" strike="noStrike" cap="none" normalizeH="0" baseline="0" dirty="0" smtClean="0">
+                <a:ln>
+                  <a:noFill/>
+                </a:ln>
+                <a:solidFill>
+                  <a:srgbClr val="000000"/>
+                </a:solidFill>
+                <a:effectLst/>
+                <a:latin typeface="Ubuntu Mono"/>
+              </a:rPr>
+              <a:t>; </a:t>
+            </a:r>
+          </a:p>
+          <a:p>
+            <a:pPr marL="0" marR="0" lvl="0" indent="0" algn="l" defTabSz="914400" rtl="0" eaLnBrk="0" fontAlgn="base" latinLnBrk="0" hangingPunct="0">
+              <a:lnSpc>
+                <a:spcPct val="100000"/>
+              </a:lnSpc>
+              <a:spcBef>
+                <a:spcPct val="0"/>
+              </a:spcBef>
+              <a:spcAft>
+                <a:spcPct val="0"/>
+              </a:spcAft>
+              <a:buClrTx/>
+              <a:buSzTx/>
+              <a:buFontTx/>
+              <a:buNone/>
+              <a:tabLst/>
+            </a:pPr>
+            <a:r>
+              <a:rPr lang="en-US" altLang="en-US" sz="2400" dirty="0">
+                <a:solidFill>
+                  <a:srgbClr val="000000"/>
+                </a:solidFill>
+                <a:latin typeface="Ubuntu Mono"/>
+              </a:rPr>
+              <a:t> </a:t>
+            </a:r>
+            <a:r>
+              <a:rPr lang="en-US" altLang="en-US" sz="2400" dirty="0" smtClean="0">
+                <a:solidFill>
+                  <a:srgbClr val="000000"/>
+                </a:solidFill>
+                <a:latin typeface="Ubuntu Mono"/>
+              </a:rPr>
+              <a:t>   </a:t>
+            </a:r>
+            <a:r>
+              <a:rPr kumimoji="0" lang="en-US" altLang="en-US" sz="2400" b="0" i="0" u="none" strike="noStrike" cap="none" normalizeH="0" baseline="0" dirty="0" smtClean="0">
+                <a:ln>
+                  <a:noFill/>
+                </a:ln>
+                <a:solidFill>
+                  <a:srgbClr val="000000"/>
+                </a:solidFill>
+                <a:effectLst/>
+                <a:latin typeface="Ubuntu Mono"/>
+              </a:rPr>
+              <a:t>} </a:t>
+            </a:r>
+            <a:r>
+              <a:rPr kumimoji="0" lang="en-US" altLang="en-US" sz="2400" b="0" i="1" u="none" strike="noStrike" cap="none" normalizeH="0" baseline="0" dirty="0" smtClean="0">
+                <a:ln>
+                  <a:noFill/>
+                </a:ln>
+                <a:solidFill>
+                  <a:srgbClr val="35586C"/>
+                </a:solidFill>
+                <a:effectLst/>
+                <a:latin typeface="Ubuntu Mono"/>
+              </a:rPr>
+              <a:t>// block ends</a:t>
+            </a:r>
+            <a:r>
+              <a:rPr kumimoji="0" lang="en-US" altLang="en-US" sz="2400" b="0" i="0" u="none" strike="noStrike" cap="none" normalizeH="0" baseline="0" dirty="0" smtClean="0">
+                <a:ln>
+                  <a:noFill/>
+                </a:ln>
+                <a:solidFill>
+                  <a:srgbClr val="000000"/>
+                </a:solidFill>
+                <a:effectLst/>
+                <a:latin typeface="Ubuntu Mono"/>
+              </a:rPr>
+              <a:t> </a:t>
+            </a:r>
+          </a:p>
+          <a:p>
+            <a:pPr marL="0" marR="0" lvl="0" indent="0" algn="l" defTabSz="914400" rtl="0" eaLnBrk="0" fontAlgn="base" latinLnBrk="0" hangingPunct="0">
+              <a:lnSpc>
+                <a:spcPct val="100000"/>
+              </a:lnSpc>
+              <a:spcBef>
+                <a:spcPct val="0"/>
+              </a:spcBef>
+              <a:spcAft>
+                <a:spcPct val="0"/>
+              </a:spcAft>
+              <a:buClrTx/>
+              <a:buSzTx/>
+              <a:buFontTx/>
+              <a:buNone/>
+              <a:tabLst/>
+            </a:pPr>
+            <a:r>
+              <a:rPr lang="en-US" altLang="en-US" sz="2400" dirty="0">
+                <a:solidFill>
+                  <a:srgbClr val="000000"/>
+                </a:solidFill>
+                <a:latin typeface="Ubuntu Mono"/>
+              </a:rPr>
+              <a:t> </a:t>
+            </a:r>
+            <a:r>
+              <a:rPr lang="en-US" altLang="en-US" sz="2400" dirty="0" smtClean="0">
+                <a:solidFill>
+                  <a:srgbClr val="000000"/>
+                </a:solidFill>
+                <a:latin typeface="Ubuntu Mono"/>
+              </a:rPr>
+              <a:t>   </a:t>
+            </a:r>
+            <a:r>
+              <a:rPr kumimoji="0" lang="en-US" altLang="en-US" sz="2400" b="0" i="0" u="none" strike="noStrike" cap="none" normalizeH="0" baseline="0" dirty="0" smtClean="0">
+                <a:ln>
+                  <a:noFill/>
+                </a:ln>
+                <a:solidFill>
+                  <a:srgbClr val="000088"/>
+                </a:solidFill>
+                <a:effectLst/>
+                <a:latin typeface="Ubuntu Mono"/>
+              </a:rPr>
+              <a:t>console</a:t>
+            </a:r>
+            <a:r>
+              <a:rPr kumimoji="0" lang="en-US" altLang="en-US" sz="2400" b="0" i="0" u="none" strike="noStrike" cap="none" normalizeH="0" baseline="0" dirty="0" smtClean="0">
+                <a:ln>
+                  <a:noFill/>
+                </a:ln>
+                <a:solidFill>
+                  <a:srgbClr val="000000"/>
+                </a:solidFill>
+                <a:effectLst/>
+                <a:latin typeface="Ubuntu Mono"/>
+              </a:rPr>
+              <a:t>.</a:t>
+            </a:r>
+            <a:r>
+              <a:rPr kumimoji="0" lang="en-US" altLang="en-US" sz="2400" b="0" i="0" u="none" strike="noStrike" cap="none" normalizeH="0" baseline="0" dirty="0" smtClean="0">
+                <a:ln>
+                  <a:noFill/>
+                </a:ln>
+                <a:solidFill>
+                  <a:srgbClr val="000088"/>
+                </a:solidFill>
+                <a:effectLst/>
+                <a:latin typeface="Ubuntu Mono"/>
+              </a:rPr>
+              <a:t>log</a:t>
+            </a:r>
+            <a:r>
+              <a:rPr kumimoji="0" lang="en-US" altLang="en-US" sz="2400" b="0" i="0" u="none" strike="noStrike" cap="none" normalizeH="0" baseline="0" dirty="0" smtClean="0">
+                <a:ln>
+                  <a:noFill/>
+                </a:ln>
+                <a:solidFill>
+                  <a:srgbClr val="000000"/>
+                </a:solidFill>
+                <a:effectLst/>
+                <a:latin typeface="Ubuntu Mono"/>
+              </a:rPr>
+              <a:t>(</a:t>
+            </a:r>
+            <a:r>
+              <a:rPr kumimoji="0" lang="en-US" altLang="en-US" sz="2400" b="0" i="0" u="none" strike="noStrike" cap="none" normalizeH="0" baseline="0" dirty="0" smtClean="0">
+                <a:ln>
+                  <a:noFill/>
+                </a:ln>
+                <a:solidFill>
+                  <a:srgbClr val="000088"/>
+                </a:solidFill>
+                <a:effectLst/>
+                <a:latin typeface="Ubuntu Mono"/>
+              </a:rPr>
+              <a:t>foo</a:t>
+            </a:r>
+            <a:r>
+              <a:rPr kumimoji="0" lang="en-US" altLang="en-US" sz="2400" b="0" i="0" u="none" strike="noStrike" cap="none" normalizeH="0" baseline="0" dirty="0" smtClean="0">
+                <a:ln>
+                  <a:noFill/>
+                </a:ln>
+                <a:solidFill>
+                  <a:srgbClr val="000000"/>
+                </a:solidFill>
+                <a:effectLst/>
+                <a:latin typeface="Ubuntu Mono"/>
+              </a:rPr>
+              <a:t>); </a:t>
+            </a:r>
+            <a:r>
+              <a:rPr kumimoji="0" lang="en-US" altLang="en-US" sz="2400" b="0" i="1" u="none" strike="noStrike" cap="none" normalizeH="0" baseline="0" dirty="0" smtClean="0">
+                <a:ln>
+                  <a:noFill/>
+                </a:ln>
+                <a:solidFill>
+                  <a:srgbClr val="35586C"/>
+                </a:solidFill>
+                <a:effectLst/>
+                <a:latin typeface="Ubuntu Mono"/>
+              </a:rPr>
+              <a:t>// 4</a:t>
+            </a:r>
+            <a:r>
+              <a:rPr kumimoji="0" lang="en-US" altLang="en-US" sz="2400" b="0" i="0" u="none" strike="noStrike" cap="none" normalizeH="0" baseline="0" dirty="0" smtClean="0">
+                <a:ln>
+                  <a:noFill/>
+                </a:ln>
+                <a:solidFill>
+                  <a:srgbClr val="000000"/>
+                </a:solidFill>
+                <a:effectLst/>
+                <a:latin typeface="Ubuntu Mono"/>
+              </a:rPr>
+              <a:t> </a:t>
+            </a:r>
+          </a:p>
+          <a:p>
+            <a:pPr marL="0" marR="0" lvl="0" indent="0" algn="l" defTabSz="914400" rtl="0" eaLnBrk="0" fontAlgn="base" latinLnBrk="0" hangingPunct="0">
+              <a:lnSpc>
+                <a:spcPct val="100000"/>
+              </a:lnSpc>
+              <a:spcBef>
+                <a:spcPct val="0"/>
+              </a:spcBef>
+              <a:spcAft>
+                <a:spcPct val="0"/>
+              </a:spcAft>
+              <a:buClrTx/>
+              <a:buSzTx/>
+              <a:buFontTx/>
+              <a:buNone/>
+              <a:tabLst/>
+            </a:pPr>
+            <a:r>
+              <a:rPr kumimoji="0" lang="en-US" altLang="en-US" sz="2400" b="0" i="0" u="none" strike="noStrike" cap="none" normalizeH="0" baseline="0" dirty="0" smtClean="0">
+                <a:ln>
+                  <a:noFill/>
+                </a:ln>
+                <a:solidFill>
+                  <a:srgbClr val="000000"/>
+                </a:solidFill>
+                <a:effectLst/>
+                <a:latin typeface="Ubuntu Mono"/>
+              </a:rPr>
+              <a:t>}</a:t>
+            </a:r>
+            <a:r>
+              <a:rPr kumimoji="0" lang="en-US" altLang="en-US" sz="2400" b="0" i="0" u="none" strike="noStrike" cap="none" normalizeH="0" baseline="0" dirty="0" smtClean="0">
+                <a:ln>
+                  <a:noFill/>
+                </a:ln>
                 <a:solidFill>
                   <a:schemeClr val="tx1"/>
                 </a:solidFill>
-                <a:latin typeface="+mj-lt"/>
-                <a:ea typeface="+mj-ea"/>
-                <a:cs typeface="+mj-cs"/>
-              </a:defRPr>
-            </a:lvl1pPr>
-          </a:lstStyle>
-          <a:p>
-            <a:r>
-              <a:rPr lang="en-US" dirty="0" smtClean="0"/>
-              <a:t>No block scope!</a:t>
-            </a:r>
-            <a:endParaRPr lang="en-US" dirty="0"/>
+                <a:effectLst/>
+              </a:rPr>
+              <a:t> </a:t>
+            </a:r>
+            <a:endParaRPr kumimoji="0" lang="en-US" altLang="en-US" sz="2400" b="0" i="0" u="none" strike="noStrike" cap="none" normalizeH="0" baseline="0" dirty="0" smtClean="0">
+              <a:ln>
+                <a:noFill/>
+              </a:ln>
+              <a:solidFill>
+                <a:schemeClr val="tx1"/>
+              </a:solidFill>
+              <a:effectLst/>
+              <a:latin typeface="Arial" panose="020B0604020202020204" pitchFamily="34" charset="0"/>
+            </a:endParaRPr>
           </a:p>
         </p:txBody>
       </p:sp>
     </p:spTree>
     <p:extLst>
       <p:ext uri="{BB962C8B-B14F-4D97-AF65-F5344CB8AC3E}">
-        <p14:creationId xmlns:p14="http://schemas.microsoft.com/office/powerpoint/2010/main" val="4086197798"/>
+        <p14:creationId xmlns:p14="http://schemas.microsoft.com/office/powerpoint/2010/main" val="4066509814"/>
       </p:ext>
     </p:extLst>
   </p:cSld>
   <p:clrMapOvr>
     <a:masterClrMapping/>
   </p:clrMapOvr>
-  <p:transition/>
   <p:timing>
     <p:tnLst>
       <p:par>
@@ -9908,6 +9462,574 @@
       </p:grpSpPr>
       <p:sp>
         <p:nvSpPr>
+          <p:cNvPr id="6" name="Rectangle 5"/>
+          <p:cNvSpPr/>
+          <p:nvPr/>
+        </p:nvSpPr>
+        <p:spPr>
+          <a:xfrm>
+            <a:off x="1410868" y="1700808"/>
+            <a:ext cx="6322263" cy="2793072"/>
+          </a:xfrm>
+          <a:prstGeom prst="rect">
+            <a:avLst/>
+          </a:prstGeom>
+        </p:spPr>
+        <p:style>
+          <a:lnRef idx="1">
+            <a:schemeClr val="dk1"/>
+          </a:lnRef>
+          <a:fillRef idx="1001">
+            <a:schemeClr val="lt2"/>
+          </a:fillRef>
+          <a:effectRef idx="1">
+            <a:schemeClr val="dk1"/>
+          </a:effectRef>
+          <a:fontRef idx="minor">
+            <a:schemeClr val="dk1"/>
+          </a:fontRef>
+        </p:style>
+        <p:txBody>
+          <a:bodyPr wrap="square">
+            <a:spAutoFit/>
+          </a:bodyPr>
+          <a:lstStyle/>
+          <a:p>
+            <a:r>
+              <a:rPr lang="en-US" sz="1350" b="1" dirty="0">
+                <a:solidFill>
+                  <a:srgbClr val="0070C0"/>
+                </a:solidFill>
+              </a:rPr>
+              <a:t>function</a:t>
+            </a:r>
+            <a:r>
+              <a:rPr lang="en-US" sz="1350" b="1" dirty="0"/>
+              <a:t> </a:t>
+            </a:r>
+            <a:r>
+              <a:rPr lang="en-US" sz="1350" b="1" dirty="0">
+                <a:solidFill>
+                  <a:schemeClr val="accent6">
+                    <a:lumMod val="75000"/>
+                  </a:schemeClr>
+                </a:solidFill>
+              </a:rPr>
+              <a:t>test</a:t>
+            </a:r>
+            <a:r>
+              <a:rPr lang="en-US" sz="1350" b="1" dirty="0"/>
+              <a:t>(</a:t>
+            </a:r>
+            <a:r>
+              <a:rPr lang="en-US" sz="1350" b="1" dirty="0">
+                <a:solidFill>
+                  <a:schemeClr val="accent6">
+                    <a:lumMod val="75000"/>
+                  </a:schemeClr>
+                </a:solidFill>
+              </a:rPr>
+              <a:t>o</a:t>
+            </a:r>
+            <a:r>
+              <a:rPr lang="en-US" sz="1350" b="1" dirty="0"/>
+              <a:t>) {</a:t>
+            </a:r>
+          </a:p>
+          <a:p>
+            <a:r>
+              <a:rPr lang="en-US" sz="1350" b="1" dirty="0"/>
+              <a:t>        </a:t>
+            </a:r>
+            <a:r>
+              <a:rPr lang="en-US" sz="1350" b="1" dirty="0" err="1">
+                <a:solidFill>
+                  <a:srgbClr val="0070C0"/>
+                </a:solidFill>
+              </a:rPr>
+              <a:t>var</a:t>
+            </a:r>
+            <a:r>
+              <a:rPr lang="en-US" sz="1350" b="1" dirty="0"/>
+              <a:t> </a:t>
+            </a:r>
+            <a:r>
+              <a:rPr lang="en-US" sz="1350" b="1" dirty="0" err="1">
+                <a:solidFill>
+                  <a:schemeClr val="accent6">
+                    <a:lumMod val="75000"/>
+                  </a:schemeClr>
+                </a:solidFill>
+              </a:rPr>
+              <a:t>i</a:t>
+            </a:r>
+            <a:r>
+              <a:rPr lang="en-US" sz="1350" b="1" dirty="0"/>
+              <a:t> = </a:t>
+            </a:r>
+            <a:r>
+              <a:rPr lang="en-US" sz="1350" b="1" dirty="0">
+                <a:solidFill>
+                  <a:srgbClr val="00B050"/>
+                </a:solidFill>
+              </a:rPr>
+              <a:t>0</a:t>
+            </a:r>
+            <a:r>
+              <a:rPr lang="en-US" sz="1350" b="1" dirty="0"/>
+              <a:t>;       // </a:t>
+            </a:r>
+            <a:r>
+              <a:rPr lang="en-US" sz="1350" b="1" dirty="0" err="1"/>
+              <a:t>i</a:t>
+            </a:r>
+            <a:r>
+              <a:rPr lang="en-US" sz="1350" b="1" dirty="0"/>
+              <a:t> is defined throughout function </a:t>
+            </a:r>
+          </a:p>
+          <a:p>
+            <a:r>
+              <a:rPr lang="en-US" sz="1350" b="1" dirty="0"/>
+              <a:t>        </a:t>
+            </a:r>
+            <a:r>
+              <a:rPr lang="en-US" sz="1350" b="1" dirty="0">
+                <a:solidFill>
+                  <a:srgbClr val="0070C0"/>
+                </a:solidFill>
+              </a:rPr>
+              <a:t>if</a:t>
+            </a:r>
+            <a:r>
+              <a:rPr lang="en-US" sz="1350" b="1" dirty="0"/>
+              <a:t> (</a:t>
+            </a:r>
+            <a:r>
+              <a:rPr lang="en-US" sz="1350" b="1" dirty="0" err="1">
+                <a:solidFill>
+                  <a:srgbClr val="0070C0"/>
+                </a:solidFill>
+              </a:rPr>
+              <a:t>typeof</a:t>
+            </a:r>
+            <a:r>
+              <a:rPr lang="en-US" sz="1350" b="1" dirty="0"/>
+              <a:t> </a:t>
+            </a:r>
+            <a:r>
+              <a:rPr lang="en-US" sz="1350" b="1" dirty="0">
+                <a:solidFill>
+                  <a:schemeClr val="accent6">
+                    <a:lumMod val="75000"/>
+                  </a:schemeClr>
+                </a:solidFill>
+              </a:rPr>
+              <a:t>o</a:t>
+            </a:r>
+            <a:r>
+              <a:rPr lang="en-US" sz="1350" b="1" dirty="0"/>
+              <a:t> == "</a:t>
+            </a:r>
+            <a:r>
+              <a:rPr lang="en-US" sz="1350" b="1" dirty="0">
+                <a:solidFill>
+                  <a:srgbClr val="00B050"/>
+                </a:solidFill>
+              </a:rPr>
+              <a:t>object</a:t>
+            </a:r>
+            <a:r>
+              <a:rPr lang="en-US" sz="1350" b="1" dirty="0"/>
+              <a:t>") { </a:t>
+            </a:r>
+          </a:p>
+          <a:p>
+            <a:r>
+              <a:rPr lang="en-US" sz="1350" b="1" dirty="0"/>
+              <a:t>                </a:t>
+            </a:r>
+            <a:r>
+              <a:rPr lang="en-US" sz="1350" b="1" dirty="0" err="1">
+                <a:solidFill>
+                  <a:srgbClr val="0070C0"/>
+                </a:solidFill>
+              </a:rPr>
+              <a:t>var</a:t>
+            </a:r>
+            <a:r>
+              <a:rPr lang="en-US" sz="1350" b="1" dirty="0"/>
+              <a:t> </a:t>
+            </a:r>
+            <a:r>
+              <a:rPr lang="en-US" sz="1350" b="1" dirty="0">
+                <a:solidFill>
+                  <a:schemeClr val="accent6">
+                    <a:lumMod val="75000"/>
+                  </a:schemeClr>
+                </a:solidFill>
+              </a:rPr>
+              <a:t>j</a:t>
+            </a:r>
+            <a:r>
+              <a:rPr lang="en-US" sz="1350" b="1" dirty="0"/>
+              <a:t> = </a:t>
+            </a:r>
+            <a:r>
+              <a:rPr lang="en-US" sz="1350" b="1" dirty="0">
+                <a:solidFill>
+                  <a:srgbClr val="00B050"/>
+                </a:solidFill>
+              </a:rPr>
+              <a:t>0</a:t>
+            </a:r>
+            <a:r>
+              <a:rPr lang="en-US" sz="1350" b="1" dirty="0"/>
+              <a:t>;     // j is defined everywhere, not just block </a:t>
+            </a:r>
+          </a:p>
+          <a:p>
+            <a:endParaRPr lang="en-US" sz="1350" b="1" dirty="0"/>
+          </a:p>
+          <a:p>
+            <a:r>
+              <a:rPr lang="en-US" sz="1350" b="1" dirty="0"/>
+              <a:t>                </a:t>
+            </a:r>
+            <a:r>
+              <a:rPr lang="en-US" sz="1350" b="1" dirty="0">
+                <a:solidFill>
+                  <a:srgbClr val="0070C0"/>
+                </a:solidFill>
+              </a:rPr>
+              <a:t>for(</a:t>
+            </a:r>
+            <a:r>
+              <a:rPr lang="en-US" sz="1350" b="1" dirty="0" err="1">
+                <a:solidFill>
+                  <a:srgbClr val="0070C0"/>
+                </a:solidFill>
+              </a:rPr>
+              <a:t>var</a:t>
+            </a:r>
+            <a:r>
+              <a:rPr lang="en-US" sz="1350" b="1" dirty="0"/>
+              <a:t> </a:t>
+            </a:r>
+            <a:r>
+              <a:rPr lang="en-US" sz="1350" b="1" dirty="0">
+                <a:solidFill>
+                  <a:schemeClr val="accent6">
+                    <a:lumMod val="75000"/>
+                  </a:schemeClr>
+                </a:solidFill>
+              </a:rPr>
+              <a:t>k</a:t>
+            </a:r>
+            <a:r>
+              <a:rPr lang="en-US" sz="1350" b="1" dirty="0"/>
+              <a:t>=</a:t>
+            </a:r>
+            <a:r>
+              <a:rPr lang="en-US" sz="1350" b="1" dirty="0">
+                <a:solidFill>
+                  <a:srgbClr val="00B050"/>
+                </a:solidFill>
+              </a:rPr>
+              <a:t>0</a:t>
+            </a:r>
+            <a:r>
+              <a:rPr lang="en-US" sz="1350" b="1" dirty="0"/>
+              <a:t>; </a:t>
+            </a:r>
+            <a:r>
+              <a:rPr lang="en-US" sz="1350" b="1" dirty="0">
+                <a:solidFill>
+                  <a:schemeClr val="accent6">
+                    <a:lumMod val="75000"/>
+                  </a:schemeClr>
+                </a:solidFill>
+              </a:rPr>
+              <a:t>k</a:t>
+            </a:r>
+            <a:r>
+              <a:rPr lang="en-US" sz="1350" b="1" dirty="0"/>
+              <a:t> &lt; </a:t>
+            </a:r>
+            <a:r>
+              <a:rPr lang="en-US" sz="1350" b="1" dirty="0">
+                <a:solidFill>
+                  <a:srgbClr val="00B050"/>
+                </a:solidFill>
+              </a:rPr>
+              <a:t>10</a:t>
+            </a:r>
+            <a:r>
+              <a:rPr lang="en-US" sz="1350" b="1" dirty="0"/>
+              <a:t>; </a:t>
+            </a:r>
+            <a:r>
+              <a:rPr lang="en-US" sz="1350" b="1" dirty="0">
+                <a:solidFill>
+                  <a:schemeClr val="accent6">
+                    <a:lumMod val="75000"/>
+                  </a:schemeClr>
+                </a:solidFill>
+              </a:rPr>
+              <a:t>k</a:t>
+            </a:r>
+            <a:r>
+              <a:rPr lang="en-US" sz="1350" b="1" dirty="0"/>
+              <a:t>++) {    // k is defined everywhere, not just loop </a:t>
+            </a:r>
+          </a:p>
+          <a:p>
+            <a:r>
+              <a:rPr lang="en-US" sz="1350" b="1" dirty="0"/>
+              <a:t>                      </a:t>
+            </a:r>
+            <a:r>
+              <a:rPr lang="en-US" sz="1350" b="1" dirty="0" err="1">
+                <a:solidFill>
+                  <a:schemeClr val="accent6">
+                    <a:lumMod val="75000"/>
+                  </a:schemeClr>
+                </a:solidFill>
+              </a:rPr>
+              <a:t>document</a:t>
+            </a:r>
+            <a:r>
+              <a:rPr lang="en-US" sz="1350" b="1" dirty="0" err="1"/>
+              <a:t>.</a:t>
+            </a:r>
+            <a:r>
+              <a:rPr lang="en-US" sz="1350" b="1" dirty="0" err="1">
+                <a:solidFill>
+                  <a:srgbClr val="0070C0"/>
+                </a:solidFill>
+              </a:rPr>
+              <a:t>write</a:t>
+            </a:r>
+            <a:r>
+              <a:rPr lang="en-US" sz="1350" b="1" dirty="0"/>
+              <a:t>(</a:t>
+            </a:r>
+            <a:r>
+              <a:rPr lang="en-US" sz="1350" b="1" dirty="0">
+                <a:solidFill>
+                  <a:schemeClr val="accent6">
+                    <a:lumMod val="75000"/>
+                  </a:schemeClr>
+                </a:solidFill>
+              </a:rPr>
+              <a:t>k</a:t>
+            </a:r>
+            <a:r>
+              <a:rPr lang="en-US" sz="1350" b="1" dirty="0"/>
+              <a:t>); </a:t>
+            </a:r>
+          </a:p>
+          <a:p>
+            <a:r>
+              <a:rPr lang="en-US" sz="1350" b="1" dirty="0"/>
+              <a:t>                } </a:t>
+            </a:r>
+          </a:p>
+          <a:p>
+            <a:endParaRPr lang="en-US" sz="1350" b="1" dirty="0"/>
+          </a:p>
+          <a:p>
+            <a:r>
+              <a:rPr lang="en-US" sz="1350" b="1" dirty="0"/>
+              <a:t>                </a:t>
+            </a:r>
+            <a:r>
+              <a:rPr lang="en-US" sz="1350" b="1" dirty="0" err="1">
+                <a:solidFill>
+                  <a:schemeClr val="accent6">
+                    <a:lumMod val="75000"/>
+                  </a:schemeClr>
+                </a:solidFill>
+              </a:rPr>
+              <a:t>document</a:t>
+            </a:r>
+            <a:r>
+              <a:rPr lang="en-US" sz="1350" b="1" dirty="0" err="1"/>
+              <a:t>.</a:t>
+            </a:r>
+            <a:r>
+              <a:rPr lang="en-US" sz="1350" b="1" dirty="0" err="1">
+                <a:solidFill>
+                  <a:srgbClr val="0070C0"/>
+                </a:solidFill>
+              </a:rPr>
+              <a:t>write</a:t>
+            </a:r>
+            <a:r>
+              <a:rPr lang="en-US" sz="1350" b="1" dirty="0"/>
+              <a:t>(</a:t>
+            </a:r>
+            <a:r>
+              <a:rPr lang="en-US" sz="1350" b="1" dirty="0">
+                <a:solidFill>
+                  <a:schemeClr val="accent6">
+                    <a:lumMod val="75000"/>
+                  </a:schemeClr>
+                </a:solidFill>
+              </a:rPr>
+              <a:t>k</a:t>
+            </a:r>
+            <a:r>
+              <a:rPr lang="en-US" sz="1350" b="1" dirty="0"/>
+              <a:t>);   // k is still defined: prints 10 </a:t>
+            </a:r>
+          </a:p>
+          <a:p>
+            <a:r>
+              <a:rPr lang="en-US" sz="1350" b="1" dirty="0"/>
+              <a:t>       } </a:t>
+            </a:r>
+          </a:p>
+          <a:p>
+            <a:r>
+              <a:rPr lang="en-US" sz="1350" b="1" dirty="0"/>
+              <a:t>       </a:t>
+            </a:r>
+            <a:r>
+              <a:rPr lang="en-US" sz="1350" b="1" dirty="0" err="1">
+                <a:solidFill>
+                  <a:schemeClr val="accent6">
+                    <a:lumMod val="75000"/>
+                  </a:schemeClr>
+                </a:solidFill>
+              </a:rPr>
+              <a:t>document</a:t>
+            </a:r>
+            <a:r>
+              <a:rPr lang="en-US" sz="1350" b="1" dirty="0" err="1"/>
+              <a:t>.</a:t>
+            </a:r>
+            <a:r>
+              <a:rPr lang="en-US" sz="1350" b="1" dirty="0" err="1">
+                <a:solidFill>
+                  <a:srgbClr val="0070C0"/>
+                </a:solidFill>
+              </a:rPr>
+              <a:t>write</a:t>
+            </a:r>
+            <a:r>
+              <a:rPr lang="en-US" sz="1350" b="1" dirty="0"/>
+              <a:t>(</a:t>
+            </a:r>
+            <a:r>
+              <a:rPr lang="en-US" sz="1350" b="1" dirty="0">
+                <a:solidFill>
+                  <a:schemeClr val="accent6">
+                    <a:lumMod val="75000"/>
+                  </a:schemeClr>
+                </a:solidFill>
+              </a:rPr>
+              <a:t>j</a:t>
+            </a:r>
+            <a:r>
+              <a:rPr lang="en-US" sz="1350" b="1" dirty="0"/>
+              <a:t>);    // j is defined, but may not be initialized </a:t>
+            </a:r>
+          </a:p>
+          <a:p>
+            <a:r>
+              <a:rPr lang="en-US" sz="1350" b="1" dirty="0"/>
+              <a:t>} </a:t>
+            </a:r>
+          </a:p>
+        </p:txBody>
+      </p:sp>
+      <p:sp>
+        <p:nvSpPr>
+          <p:cNvPr id="8" name="Title 1"/>
+          <p:cNvSpPr txBox="1">
+            <a:spLocks/>
+          </p:cNvSpPr>
+          <p:nvPr/>
+        </p:nvSpPr>
+        <p:spPr>
+          <a:xfrm>
+            <a:off x="457200" y="274638"/>
+            <a:ext cx="8229600" cy="1143000"/>
+          </a:xfrm>
+          <a:prstGeom prst="rect">
+            <a:avLst/>
+          </a:prstGeom>
+        </p:spPr>
+        <p:txBody>
+          <a:bodyPr vert="horz" lIns="91440" tIns="45720" rIns="91440" bIns="45720" rtlCol="0" anchor="ctr">
+            <a:normAutofit fontScale="97500"/>
+          </a:bodyPr>
+          <a:lstStyle>
+            <a:lvl1pPr algn="ctr" defTabSz="914400" rtl="0" eaLnBrk="1" latinLnBrk="0" hangingPunct="1">
+              <a:spcBef>
+                <a:spcPct val="0"/>
+              </a:spcBef>
+              <a:buNone/>
+              <a:defRPr sz="4400" kern="1200">
+                <a:solidFill>
+                  <a:schemeClr val="tx1"/>
+                </a:solidFill>
+                <a:latin typeface="+mj-lt"/>
+                <a:ea typeface="+mj-ea"/>
+                <a:cs typeface="+mj-cs"/>
+              </a:defRPr>
+            </a:lvl1pPr>
+          </a:lstStyle>
+          <a:p>
+            <a:r>
+              <a:rPr lang="en-US" dirty="0" smtClean="0"/>
+              <a:t>No block scope!</a:t>
+            </a:r>
+            <a:endParaRPr lang="en-US" dirty="0"/>
+          </a:p>
+        </p:txBody>
+      </p:sp>
+    </p:spTree>
+    <p:extLst>
+      <p:ext uri="{BB962C8B-B14F-4D97-AF65-F5344CB8AC3E}">
+        <p14:creationId xmlns:p14="http://schemas.microsoft.com/office/powerpoint/2010/main" val="4086197798"/>
+      </p:ext>
+    </p:extLst>
+  </p:cSld>
+  <p:clrMapOvr>
+    <a:masterClrMapping/>
+  </p:clrMapOvr>
+  <p:transition/>
+  <p:timing>
+    <p:tnLst>
+      <p:par>
+        <p:cTn id="1" dur="indefinite" restart="never" nodeType="tmRoot"/>
+      </p:par>
+    </p:tnLst>
+  </p:timing>
+</p:sld>
+</file>
+
+<file path=ppt/slides/slide22.xml><?xml version="1.0" encoding="utf-8"?>
+<p:sld xmlns:a="http://schemas.openxmlformats.org/drawingml/2006/main" xmlns:r="http://schemas.openxmlformats.org/officeDocument/2006/relationships" xmlns:p="http://schemas.openxmlformats.org/presentationml/2006/main">
+  <p:cSld>
+    <p:spTree>
+      <p:nvGrpSpPr>
+        <p:cNvPr id="1" name=""/>
+        <p:cNvGrpSpPr/>
+        <p:nvPr/>
+      </p:nvGrpSpPr>
+      <p:grpSpPr>
+        <a:xfrm>
+          <a:off x="0" y="0"/>
+          <a:ext cx="0" cy="0"/>
+          <a:chOff x="0" y="0"/>
+          <a:chExt cx="0" cy="0"/>
+        </a:xfrm>
+      </p:grpSpPr>
+      <p:sp>
+        <p:nvSpPr>
           <p:cNvPr id="5" name="Rectangle 4"/>
           <p:cNvSpPr/>
           <p:nvPr/>
@@ -10158,7 +10280,7 @@
 </p:sld>
 </file>
 
-<file path=ppt/slides/slide22.xml><?xml version="1.0" encoding="utf-8"?>
+<file path=ppt/slides/slide23.xml><?xml version="1.0" encoding="utf-8"?>
 <p:sld xmlns:a="http://schemas.openxmlformats.org/drawingml/2006/main" xmlns:r="http://schemas.openxmlformats.org/officeDocument/2006/relationships" xmlns:p="http://schemas.openxmlformats.org/presentationml/2006/main">
   <p:cSld>
     <p:spTree>
@@ -11291,7 +11413,7 @@
 </p:sld>
 </file>
 
-<file path=ppt/slides/slide23.xml><?xml version="1.0" encoding="utf-8"?>
+<file path=ppt/slides/slide24.xml><?xml version="1.0" encoding="utf-8"?>
 <p:sld xmlns:a="http://schemas.openxmlformats.org/drawingml/2006/main" xmlns:r="http://schemas.openxmlformats.org/officeDocument/2006/relationships" xmlns:p="http://schemas.openxmlformats.org/presentationml/2006/main">
   <p:cSld>
     <p:spTree>
@@ -11547,265 +11669,6 @@
     <a:masterClrMapping/>
   </p:clrMapOvr>
   <p:transition/>
-  <p:timing>
-    <p:tnLst>
-      <p:par>
-        <p:cTn id="1" dur="indefinite" restart="never" nodeType="tmRoot"/>
-      </p:par>
-    </p:tnLst>
-  </p:timing>
-</p:sld>
-</file>
-
-<file path=ppt/slides/slide24.xml><?xml version="1.0" encoding="utf-8"?>
-<p:sld xmlns:a="http://schemas.openxmlformats.org/drawingml/2006/main" xmlns:r="http://schemas.openxmlformats.org/officeDocument/2006/relationships" xmlns:p="http://schemas.openxmlformats.org/presentationml/2006/main">
-  <p:cSld>
-    <p:spTree>
-      <p:nvGrpSpPr>
-        <p:cNvPr id="1" name=""/>
-        <p:cNvGrpSpPr/>
-        <p:nvPr/>
-      </p:nvGrpSpPr>
-      <p:grpSpPr>
-        <a:xfrm>
-          <a:off x="0" y="0"/>
-          <a:ext cx="0" cy="0"/>
-          <a:chOff x="0" y="0"/>
-          <a:chExt cx="0" cy="0"/>
-        </a:xfrm>
-      </p:grpSpPr>
-      <p:sp>
-        <p:nvSpPr>
-          <p:cNvPr id="2" name="Title 1"/>
-          <p:cNvSpPr>
-            <a:spLocks noGrp="1"/>
-          </p:cNvSpPr>
-          <p:nvPr>
-            <p:ph type="title"/>
-          </p:nvPr>
-        </p:nvSpPr>
-        <p:spPr/>
-        <p:txBody>
-          <a:bodyPr/>
-          <a:lstStyle/>
-          <a:p>
-            <a:r>
-              <a:rPr lang="en-US" dirty="0" smtClean="0"/>
-              <a:t>Global object (WAT)</a:t>
-            </a:r>
-            <a:endParaRPr lang="en-US" dirty="0"/>
-          </a:p>
-        </p:txBody>
-      </p:sp>
-      <p:sp>
-        <p:nvSpPr>
-          <p:cNvPr id="6" name="Rectangle 5"/>
-          <p:cNvSpPr/>
-          <p:nvPr/>
-        </p:nvSpPr>
-        <p:spPr>
-          <a:xfrm>
-            <a:off x="481141" y="1548526"/>
-            <a:ext cx="7259211" cy="1754326"/>
-          </a:xfrm>
-          <a:prstGeom prst="rect">
-            <a:avLst/>
-          </a:prstGeom>
-        </p:spPr>
-        <p:style>
-          <a:lnRef idx="1">
-            <a:schemeClr val="dk1"/>
-          </a:lnRef>
-          <a:fillRef idx="1001">
-            <a:schemeClr val="lt2"/>
-          </a:fillRef>
-          <a:effectRef idx="1">
-            <a:schemeClr val="dk1"/>
-          </a:effectRef>
-          <a:fontRef idx="minor">
-            <a:schemeClr val="dk1"/>
-          </a:fontRef>
-        </p:style>
-        <p:txBody>
-          <a:bodyPr wrap="square">
-            <a:spAutoFit/>
-          </a:bodyPr>
-          <a:lstStyle/>
-          <a:p>
-            <a:r>
-              <a:rPr lang="en-US" b="1" dirty="0" smtClean="0">
-                <a:solidFill>
-                  <a:srgbClr val="0070C0"/>
-                </a:solidFill>
-              </a:rPr>
-              <a:t>function </a:t>
-            </a:r>
-            <a:r>
-              <a:rPr lang="en-US" b="1" dirty="0">
-                <a:solidFill>
-                  <a:schemeClr val="tx1"/>
-                </a:solidFill>
-              </a:rPr>
-              <a:t>f</a:t>
-            </a:r>
-            <a:r>
-              <a:rPr lang="en-US" b="1" dirty="0" smtClean="0"/>
-              <a:t>(){</a:t>
-            </a:r>
-            <a:endParaRPr lang="en-US" b="1" dirty="0"/>
-          </a:p>
-          <a:p>
-            <a:r>
-              <a:rPr lang="en-US" b="1" dirty="0" smtClean="0"/>
-              <a:t>     x = </a:t>
-            </a:r>
-            <a:r>
-              <a:rPr lang="en-US" b="1" dirty="0"/>
-              <a:t>“</a:t>
-            </a:r>
-            <a:r>
-              <a:rPr lang="en-US" b="1" dirty="0" smtClean="0"/>
-              <a:t>global variable</a:t>
-            </a:r>
-            <a:r>
-              <a:rPr lang="en-US" b="1" dirty="0"/>
-              <a:t>”; </a:t>
-            </a:r>
-            <a:r>
-              <a:rPr lang="en-US" b="1" dirty="0">
-                <a:solidFill>
-                  <a:schemeClr val="bg1">
-                    <a:lumMod val="50000"/>
-                  </a:schemeClr>
-                </a:solidFill>
-              </a:rPr>
-              <a:t>// </a:t>
-            </a:r>
-            <a:r>
-              <a:rPr lang="en-US" b="1" dirty="0" err="1">
-                <a:solidFill>
-                  <a:schemeClr val="bg1">
-                    <a:lumMod val="50000"/>
-                  </a:schemeClr>
-                </a:solidFill>
-              </a:rPr>
-              <a:t>var</a:t>
-            </a:r>
-            <a:r>
-              <a:rPr lang="en-US" b="1" dirty="0">
-                <a:solidFill>
-                  <a:schemeClr val="bg1">
-                    <a:lumMod val="50000"/>
-                  </a:schemeClr>
-                </a:solidFill>
-              </a:rPr>
-              <a:t> </a:t>
-            </a:r>
-            <a:r>
-              <a:rPr lang="en-US" b="1" dirty="0" smtClean="0">
-                <a:solidFill>
-                  <a:schemeClr val="bg1">
-                    <a:lumMod val="50000"/>
-                  </a:schemeClr>
-                </a:solidFill>
-              </a:rPr>
-              <a:t>is missed</a:t>
-            </a:r>
-            <a:endParaRPr lang="en-US" b="1" dirty="0">
-              <a:solidFill>
-                <a:schemeClr val="bg1">
-                  <a:lumMod val="50000"/>
-                </a:schemeClr>
-              </a:solidFill>
-            </a:endParaRPr>
-          </a:p>
-          <a:p>
-            <a:r>
-              <a:rPr lang="en-US" b="1" dirty="0"/>
-              <a:t>}</a:t>
-            </a:r>
-          </a:p>
-          <a:p>
-            <a:r>
-              <a:rPr lang="en-US" b="1" dirty="0">
-                <a:solidFill>
-                  <a:schemeClr val="tx1"/>
-                </a:solidFill>
-              </a:rPr>
-              <a:t>f</a:t>
-            </a:r>
-            <a:r>
-              <a:rPr lang="en-US" b="1" dirty="0" smtClean="0"/>
-              <a:t>();</a:t>
-            </a:r>
-          </a:p>
-          <a:p>
-            <a:r>
-              <a:rPr lang="en-US" b="1" dirty="0" err="1" smtClean="0">
-                <a:solidFill>
-                  <a:srgbClr val="FF0000"/>
-                </a:solidFill>
-              </a:rPr>
-              <a:t>this</a:t>
-            </a:r>
-            <a:r>
-              <a:rPr lang="en-US" b="1" dirty="0" err="1" smtClean="0"/>
-              <a:t>.x</a:t>
-            </a:r>
-            <a:r>
-              <a:rPr lang="en-US" b="1" dirty="0" smtClean="0"/>
-              <a:t> === “global variable”;</a:t>
-            </a:r>
-          </a:p>
-          <a:p>
-            <a:r>
-              <a:rPr lang="en-US" b="1" dirty="0" err="1" smtClean="0">
-                <a:solidFill>
-                  <a:srgbClr val="FF0000"/>
-                </a:solidFill>
-              </a:rPr>
-              <a:t>window</a:t>
-            </a:r>
-            <a:r>
-              <a:rPr lang="en-US" b="1" dirty="0" err="1" smtClean="0"/>
-              <a:t>.x</a:t>
-            </a:r>
-            <a:r>
-              <a:rPr lang="en-US" b="1" dirty="0" smtClean="0"/>
-              <a:t> </a:t>
-            </a:r>
-            <a:r>
-              <a:rPr lang="en-US" b="1" dirty="0"/>
-              <a:t>===  “global variable</a:t>
-            </a:r>
-            <a:r>
-              <a:rPr lang="en-US" b="1" dirty="0" smtClean="0"/>
-              <a:t>”; </a:t>
-            </a:r>
-            <a:r>
-              <a:rPr lang="en-US" dirty="0">
-                <a:solidFill>
-                  <a:schemeClr val="bg1">
-                    <a:lumMod val="50000"/>
-                  </a:schemeClr>
-                </a:solidFill>
-              </a:rPr>
-              <a:t>// true for browsers</a:t>
-            </a:r>
-            <a:endParaRPr lang="en-US" b="1" dirty="0"/>
-          </a:p>
-        </p:txBody>
-      </p:sp>
-    </p:spTree>
-    <p:extLst>
-      <p:ext uri="{BB962C8B-B14F-4D97-AF65-F5344CB8AC3E}">
-        <p14:creationId xmlns:p14="http://schemas.microsoft.com/office/powerpoint/2010/main" val="2973190636"/>
-      </p:ext>
-    </p:extLst>
-  </p:cSld>
-  <p:clrMapOvr>
-    <a:masterClrMapping/>
-  </p:clrMapOvr>
   <p:timing>
     <p:tnLst>
       <p:par>
@@ -11849,16 +11712,8 @@
           <a:lstStyle/>
           <a:p>
             <a:r>
-              <a:rPr lang="en-US"/>
-              <a:t>w</a:t>
-            </a:r>
-            <a:r>
-              <a:rPr lang="en-US" smtClean="0"/>
-              <a:t>indow </a:t>
-            </a:r>
-            <a:r>
               <a:rPr lang="en-US" dirty="0" smtClean="0"/>
-              <a:t>vs global</a:t>
+              <a:t>Global object (WAT)</a:t>
             </a:r>
             <a:endParaRPr lang="en-US" dirty="0"/>
           </a:p>
@@ -11866,473 +11721,220 @@
       </p:sp>
       <p:sp>
         <p:nvSpPr>
-          <p:cNvPr id="4" name="Rectangle 1"/>
-          <p:cNvSpPr>
-            <a:spLocks noGrp="1" noChangeArrowheads="1"/>
-          </p:cNvSpPr>
-          <p:nvPr>
-            <p:ph idx="1"/>
-          </p:nvPr>
-        </p:nvSpPr>
-        <p:spPr bwMode="auto">
+          <p:cNvPr id="6" name="Rectangle 5"/>
+          <p:cNvSpPr/>
+          <p:nvPr/>
+        </p:nvSpPr>
+        <p:spPr>
           <a:xfrm>
-            <a:off x="457200" y="1916832"/>
-            <a:ext cx="5346015" cy="830997"/>
+            <a:off x="481141" y="1548526"/>
+            <a:ext cx="7259211" cy="1754326"/>
           </a:xfrm>
           <a:prstGeom prst="rect">
             <a:avLst/>
           </a:prstGeom>
-          <a:noFill/>
-          <a:ln>
-            <a:noFill/>
-          </a:ln>
-          <a:effectLst/>
-          <a:extLst>
-            <a:ext uri="{909E8E84-426E-40DD-AFC4-6F175D3DCCD1}">
-              <a14:hiddenFill xmlns:a14="http://schemas.microsoft.com/office/drawing/2010/main">
-                <a:solidFill>
-                  <a:schemeClr val="accent1"/>
-                </a:solidFill>
-              </a14:hiddenFill>
-            </a:ext>
-            <a:ext uri="{91240B29-F687-4F45-9708-019B960494DF}">
-              <a14:hiddenLine xmlns:a14="http://schemas.microsoft.com/office/drawing/2010/main" w="9525">
-                <a:solidFill>
-                  <a:schemeClr val="tx1"/>
-                </a:solidFill>
-                <a:miter lim="800000"/>
-                <a:headEnd/>
-                <a:tailEnd/>
-              </a14:hiddenLine>
-            </a:ext>
-            <a:ext uri="{AF507438-7753-43E0-B8FC-AC1667EBCBE1}">
-              <a14:hiddenEffects xmlns:a14="http://schemas.microsoft.com/office/drawing/2010/main">
-                <a:effectLst>
-                  <a:outerShdw dist="35921" dir="2700000" algn="ctr" rotWithShape="0">
-                    <a:schemeClr val="bg2"/>
-                  </a:outerShdw>
-                </a:effectLst>
-              </a14:hiddenEffects>
-            </a:ext>
-          </a:extLst>
         </p:spPr>
-        <p:txBody>
-          <a:bodyPr vert="horz" wrap="none" lIns="0" tIns="0" rIns="0" bIns="0" numCol="1" anchor="ctr" anchorCtr="0" compatLnSpc="1">
-            <a:prstTxWarp prst="textNoShape">
-              <a:avLst/>
-            </a:prstTxWarp>
+        <p:style>
+          <a:lnRef idx="1">
+            <a:schemeClr val="dk1"/>
+          </a:lnRef>
+          <a:fillRef idx="1001">
+            <a:schemeClr val="lt2"/>
+          </a:fillRef>
+          <a:effectRef idx="1">
+            <a:schemeClr val="dk1"/>
+          </a:effectRef>
+          <a:fontRef idx="minor">
+            <a:schemeClr val="dk1"/>
+          </a:fontRef>
+        </p:style>
+        <p:txBody>
+          <a:bodyPr wrap="square">
             <a:spAutoFit/>
           </a:bodyPr>
           <a:lstStyle/>
           <a:p>
-            <a:pPr marL="0" marR="0" lvl="0" indent="0" algn="l" defTabSz="914400" rtl="0" eaLnBrk="0" fontAlgn="base" latinLnBrk="0" hangingPunct="0">
-              <a:lnSpc>
-                <a:spcPct val="100000"/>
-              </a:lnSpc>
-              <a:spcBef>
-                <a:spcPct val="0"/>
-              </a:spcBef>
-              <a:spcAft>
-                <a:spcPct val="0"/>
-              </a:spcAft>
-              <a:buClrTx/>
-              <a:buSzTx/>
-              <a:buFontTx/>
-              <a:buNone/>
-              <a:tabLst/>
-            </a:pPr>
-            <a:r>
-              <a:rPr kumimoji="0" lang="en-US" altLang="en-US" sz="1800" b="0" i="0" u="none" strike="noStrike" cap="none" normalizeH="0" baseline="0" dirty="0" smtClean="0">
-                <a:ln>
-                  <a:noFill/>
-                </a:ln>
-                <a:solidFill>
-                  <a:srgbClr val="000000"/>
-                </a:solidFill>
-                <a:effectLst/>
-                <a:latin typeface="Ubuntu Mono"/>
-              </a:rPr>
-              <a:t>(</a:t>
-            </a:r>
-            <a:r>
-              <a:rPr kumimoji="0" lang="en-US" altLang="en-US" sz="1800" b="1" i="0" u="none" strike="noStrike" cap="none" normalizeH="0" baseline="0" dirty="0" smtClean="0">
-                <a:ln>
-                  <a:noFill/>
-                </a:ln>
-                <a:solidFill>
-                  <a:srgbClr val="006699"/>
-                </a:solidFill>
-                <a:effectLst/>
-                <a:latin typeface="Ubuntu Mono"/>
-              </a:rPr>
-              <a:t>function</a:t>
-            </a:r>
-            <a:r>
-              <a:rPr kumimoji="0" lang="en-US" altLang="en-US" sz="1800" b="0" i="0" u="none" strike="noStrike" cap="none" normalizeH="0" baseline="0" dirty="0" smtClean="0">
-                <a:ln>
-                  <a:noFill/>
-                </a:ln>
-                <a:solidFill>
-                  <a:srgbClr val="000000"/>
-                </a:solidFill>
-                <a:effectLst/>
-                <a:latin typeface="Ubuntu Mono"/>
-              </a:rPr>
-              <a:t> (</a:t>
-            </a:r>
-            <a:r>
-              <a:rPr kumimoji="0" lang="en-US" altLang="en-US" sz="1800" b="0" i="0" u="none" strike="noStrike" cap="none" normalizeH="0" baseline="0" dirty="0" smtClean="0">
-                <a:ln>
-                  <a:noFill/>
-                </a:ln>
-                <a:solidFill>
-                  <a:srgbClr val="000088"/>
-                </a:solidFill>
-                <a:effectLst/>
-                <a:latin typeface="Ubuntu Mono"/>
-              </a:rPr>
-              <a:t>glob</a:t>
-            </a:r>
-            <a:r>
-              <a:rPr kumimoji="0" lang="en-US" altLang="en-US" sz="1800" b="0" i="0" u="none" strike="noStrike" cap="none" normalizeH="0" baseline="0" dirty="0" smtClean="0">
-                <a:ln>
-                  <a:noFill/>
-                </a:ln>
-                <a:solidFill>
-                  <a:srgbClr val="000000"/>
-                </a:solidFill>
-                <a:effectLst/>
-                <a:latin typeface="Ubuntu Mono"/>
-              </a:rPr>
-              <a:t>) { </a:t>
-            </a:r>
-          </a:p>
-          <a:p>
-            <a:pPr marL="0" marR="0" lvl="0" indent="0" algn="l" defTabSz="914400" rtl="0" eaLnBrk="0" fontAlgn="base" latinLnBrk="0" hangingPunct="0">
-              <a:lnSpc>
-                <a:spcPct val="100000"/>
-              </a:lnSpc>
-              <a:spcBef>
-                <a:spcPct val="0"/>
-              </a:spcBef>
-              <a:spcAft>
-                <a:spcPct val="0"/>
-              </a:spcAft>
-              <a:buClrTx/>
-              <a:buSzTx/>
-              <a:buFontTx/>
-              <a:buNone/>
-              <a:tabLst/>
-            </a:pPr>
-            <a:r>
-              <a:rPr lang="en-US" altLang="en-US" sz="1800" dirty="0">
-                <a:solidFill>
-                  <a:srgbClr val="000000"/>
-                </a:solidFill>
-                <a:latin typeface="Ubuntu Mono"/>
-              </a:rPr>
-              <a:t>	</a:t>
-            </a:r>
-            <a:r>
-              <a:rPr kumimoji="0" lang="en-US" altLang="en-US" sz="1800" b="0" i="1" u="none" strike="noStrike" cap="none" normalizeH="0" baseline="0" dirty="0" smtClean="0">
-                <a:ln>
-                  <a:noFill/>
-                </a:ln>
-                <a:solidFill>
-                  <a:srgbClr val="35586C"/>
-                </a:solidFill>
-                <a:effectLst/>
-                <a:latin typeface="Ubuntu Mono"/>
-              </a:rPr>
-              <a:t>// glob points to global object</a:t>
-            </a:r>
-            <a:r>
-              <a:rPr kumimoji="0" lang="en-US" altLang="en-US" sz="1800" b="0" i="0" u="none" strike="noStrike" cap="none" normalizeH="0" baseline="0" dirty="0" smtClean="0">
-                <a:ln>
-                  <a:noFill/>
-                </a:ln>
-                <a:solidFill>
-                  <a:srgbClr val="000000"/>
-                </a:solidFill>
-                <a:effectLst/>
-                <a:latin typeface="Ubuntu Mono"/>
+            <a:r>
+              <a:rPr lang="en-US" b="1" dirty="0" smtClean="0">
+                <a:solidFill>
+                  <a:srgbClr val="0070C0"/>
+                </a:solidFill>
+              </a:rPr>
+              <a:t>function </a:t>
+            </a:r>
+            <a:r>
+              <a:rPr lang="en-US" b="1" dirty="0">
+                <a:solidFill>
+                  <a:schemeClr val="tx1"/>
+                </a:solidFill>
+              </a:rPr>
+              <a:t>f</a:t>
+            </a:r>
+            <a:r>
+              <a:rPr lang="en-US" b="1" dirty="0" smtClean="0"/>
+              <a:t>(){</a:t>
+            </a:r>
+            <a:endParaRPr lang="en-US" b="1" dirty="0"/>
+          </a:p>
+          <a:p>
+            <a:r>
+              <a:rPr lang="en-US" b="1" dirty="0" smtClean="0"/>
+              <a:t>     x = </a:t>
+            </a:r>
+            <a:r>
+              <a:rPr lang="en-US" b="1" dirty="0"/>
+              <a:t>“</a:t>
+            </a:r>
+            <a:r>
+              <a:rPr lang="en-US" b="1" dirty="0" smtClean="0"/>
+              <a:t>global variable</a:t>
+            </a:r>
+            <a:r>
+              <a:rPr lang="en-US" b="1" dirty="0"/>
+              <a:t>”; </a:t>
+            </a:r>
+            <a:r>
+              <a:rPr lang="en-US" b="1" dirty="0">
+                <a:solidFill>
+                  <a:schemeClr val="bg1">
+                    <a:lumMod val="50000"/>
+                  </a:schemeClr>
+                </a:solidFill>
+              </a:rPr>
+              <a:t>// </a:t>
+            </a:r>
+            <a:r>
+              <a:rPr lang="en-US" b="1" dirty="0" err="1">
+                <a:solidFill>
+                  <a:schemeClr val="bg1">
+                    <a:lumMod val="50000"/>
+                  </a:schemeClr>
+                </a:solidFill>
+              </a:rPr>
+              <a:t>var</a:t>
+            </a:r>
+            <a:r>
+              <a:rPr lang="en-US" b="1" dirty="0">
+                <a:solidFill>
+                  <a:schemeClr val="bg1">
+                    <a:lumMod val="50000"/>
+                  </a:schemeClr>
+                </a:solidFill>
               </a:rPr>
               <a:t> </a:t>
             </a:r>
-          </a:p>
-          <a:p>
-            <a:pPr marL="0" marR="0" lvl="0" indent="0" algn="l" defTabSz="914400" rtl="0" eaLnBrk="0" fontAlgn="base" latinLnBrk="0" hangingPunct="0">
-              <a:lnSpc>
-                <a:spcPct val="100000"/>
-              </a:lnSpc>
-              <a:spcBef>
-                <a:spcPct val="0"/>
-              </a:spcBef>
-              <a:spcAft>
-                <a:spcPct val="0"/>
-              </a:spcAft>
-              <a:buClrTx/>
-              <a:buSzTx/>
-              <a:buFontTx/>
-              <a:buNone/>
-              <a:tabLst/>
-            </a:pPr>
-            <a:r>
-              <a:rPr kumimoji="0" lang="en-US" altLang="en-US" sz="1800" b="0" i="0" u="none" strike="noStrike" cap="none" normalizeH="0" baseline="0" dirty="0" smtClean="0">
-                <a:ln>
-                  <a:noFill/>
-                </a:ln>
-                <a:solidFill>
-                  <a:srgbClr val="000000"/>
-                </a:solidFill>
-                <a:effectLst/>
-                <a:latin typeface="Ubuntu Mono"/>
-              </a:rPr>
-              <a:t>}(</a:t>
-            </a:r>
-            <a:r>
-              <a:rPr kumimoji="0" lang="en-US" altLang="en-US" sz="1800" b="1" i="0" u="none" strike="noStrike" cap="none" normalizeH="0" baseline="0" dirty="0" err="1" smtClean="0">
-                <a:ln>
-                  <a:noFill/>
-                </a:ln>
-                <a:solidFill>
-                  <a:srgbClr val="006699"/>
-                </a:solidFill>
-                <a:effectLst/>
-                <a:latin typeface="Ubuntu Mono"/>
-              </a:rPr>
-              <a:t>typeof</a:t>
-            </a:r>
-            <a:r>
-              <a:rPr kumimoji="0" lang="en-US" altLang="en-US" sz="1800" b="0" i="0" u="none" strike="noStrike" cap="none" normalizeH="0" baseline="0" dirty="0" smtClean="0">
-                <a:ln>
-                  <a:noFill/>
-                </a:ln>
-                <a:solidFill>
-                  <a:srgbClr val="000000"/>
-                </a:solidFill>
-                <a:effectLst/>
-                <a:latin typeface="Ubuntu Mono"/>
-              </a:rPr>
+            <a:r>
+              <a:rPr lang="en-US" b="1" dirty="0" smtClean="0">
+                <a:solidFill>
+                  <a:schemeClr val="bg1">
+                    <a:lumMod val="50000"/>
+                  </a:schemeClr>
+                </a:solidFill>
+              </a:rPr>
+              <a:t>is missed</a:t>
+            </a:r>
+            <a:endParaRPr lang="en-US" b="1" dirty="0">
+              <a:solidFill>
+                <a:schemeClr val="bg1">
+                  <a:lumMod val="50000"/>
+                </a:schemeClr>
+              </a:solidFill>
+            </a:endParaRPr>
+          </a:p>
+          <a:p>
+            <a:r>
+              <a:rPr lang="en-US" b="1" dirty="0"/>
+              <a:t>}</a:t>
+            </a:r>
+          </a:p>
+          <a:p>
+            <a:r>
+              <a:rPr lang="en-US" b="1" dirty="0">
+                <a:solidFill>
+                  <a:schemeClr val="tx1"/>
+                </a:solidFill>
+              </a:rPr>
+              <a:t>f</a:t>
+            </a:r>
+            <a:r>
+              <a:rPr lang="en-US" b="1" dirty="0" smtClean="0"/>
+              <a:t>();</a:t>
+            </a:r>
+          </a:p>
+          <a:p>
+            <a:r>
+              <a:rPr lang="en-US" b="1" dirty="0" err="1" smtClean="0">
+                <a:solidFill>
+                  <a:srgbClr val="FF0000"/>
+                </a:solidFill>
+              </a:rPr>
+              <a:t>this</a:t>
+            </a:r>
+            <a:r>
+              <a:rPr lang="en-US" b="1" dirty="0" err="1" smtClean="0"/>
+              <a:t>.x</a:t>
+            </a:r>
+            <a:r>
+              <a:rPr lang="en-US" b="1" dirty="0" smtClean="0"/>
+              <a:t> === “global variable”;</a:t>
+            </a:r>
+          </a:p>
+          <a:p>
+            <a:r>
+              <a:rPr lang="en-US" b="1" dirty="0" err="1" smtClean="0">
+                <a:solidFill>
+                  <a:srgbClr val="FF0000"/>
+                </a:solidFill>
+              </a:rPr>
+              <a:t>window</a:t>
+            </a:r>
+            <a:r>
+              <a:rPr lang="en-US" b="1" dirty="0" err="1" smtClean="0"/>
+              <a:t>.x</a:t>
+            </a:r>
+            <a:r>
+              <a:rPr lang="en-US" b="1" dirty="0" smtClean="0"/>
               <a:t> </a:t>
             </a:r>
             <a:r>
-              <a:rPr kumimoji="0" lang="en-US" altLang="en-US" sz="1800" b="0" i="0" u="none" strike="noStrike" cap="none" normalizeH="0" baseline="0" dirty="0" smtClean="0">
-                <a:ln>
-                  <a:noFill/>
-                </a:ln>
-                <a:solidFill>
-                  <a:srgbClr val="336666"/>
-                </a:solidFill>
-                <a:effectLst/>
-                <a:latin typeface="Ubuntu Mono"/>
-              </a:rPr>
-              <a:t>window</a:t>
-            </a:r>
-            <a:r>
-              <a:rPr kumimoji="0" lang="en-US" altLang="en-US" sz="1800" b="0" i="0" u="none" strike="noStrike" cap="none" normalizeH="0" baseline="0" dirty="0" smtClean="0">
-                <a:ln>
-                  <a:noFill/>
-                </a:ln>
-                <a:solidFill>
-                  <a:srgbClr val="000000"/>
-                </a:solidFill>
-                <a:effectLst/>
-                <a:latin typeface="Ubuntu Mono"/>
-              </a:rPr>
-              <a:t> </a:t>
-            </a:r>
-            <a:r>
-              <a:rPr kumimoji="0" lang="en-US" altLang="en-US" sz="1800" b="0" i="0" u="none" strike="noStrike" cap="none" normalizeH="0" baseline="0" dirty="0" smtClean="0">
-                <a:ln>
-                  <a:noFill/>
-                </a:ln>
-                <a:solidFill>
-                  <a:srgbClr val="555555"/>
-                </a:solidFill>
-                <a:effectLst/>
-                <a:latin typeface="Ubuntu Mono"/>
-              </a:rPr>
-              <a:t>!==</a:t>
-            </a:r>
-            <a:r>
-              <a:rPr kumimoji="0" lang="en-US" altLang="en-US" sz="1800" b="0" i="0" u="none" strike="noStrike" cap="none" normalizeH="0" baseline="0" dirty="0" smtClean="0">
-                <a:ln>
-                  <a:noFill/>
-                </a:ln>
-                <a:solidFill>
-                  <a:srgbClr val="000000"/>
-                </a:solidFill>
-                <a:effectLst/>
-                <a:latin typeface="Ubuntu Mono"/>
-              </a:rPr>
-              <a:t> </a:t>
-            </a:r>
-            <a:r>
-              <a:rPr kumimoji="0" lang="en-US" altLang="en-US" sz="1800" b="0" i="0" u="none" strike="noStrike" cap="none" normalizeH="0" baseline="0" dirty="0" smtClean="0">
-                <a:ln>
-                  <a:noFill/>
-                </a:ln>
-                <a:solidFill>
-                  <a:srgbClr val="CC3300"/>
-                </a:solidFill>
-                <a:effectLst/>
-                <a:latin typeface="Ubuntu Mono"/>
-              </a:rPr>
-              <a:t>'undefined'</a:t>
-            </a:r>
-            <a:r>
-              <a:rPr kumimoji="0" lang="en-US" altLang="en-US" sz="1800" b="0" i="0" u="none" strike="noStrike" cap="none" normalizeH="0" baseline="0" dirty="0" smtClean="0">
-                <a:ln>
-                  <a:noFill/>
-                </a:ln>
-                <a:solidFill>
-                  <a:srgbClr val="000000"/>
-                </a:solidFill>
-                <a:effectLst/>
-                <a:latin typeface="Ubuntu Mono"/>
-              </a:rPr>
-              <a:t> </a:t>
-            </a:r>
-            <a:r>
-              <a:rPr kumimoji="0" lang="en-US" altLang="en-US" sz="1800" b="0" i="0" u="none" strike="noStrike" cap="none" normalizeH="0" baseline="0" dirty="0" smtClean="0">
-                <a:ln>
-                  <a:noFill/>
-                </a:ln>
-                <a:solidFill>
-                  <a:srgbClr val="555555"/>
-                </a:solidFill>
-                <a:effectLst/>
-                <a:latin typeface="Ubuntu Mono"/>
-              </a:rPr>
-              <a:t>?</a:t>
-            </a:r>
-            <a:r>
-              <a:rPr kumimoji="0" lang="en-US" altLang="en-US" sz="1800" b="0" i="0" u="none" strike="noStrike" cap="none" normalizeH="0" baseline="0" dirty="0" smtClean="0">
-                <a:ln>
-                  <a:noFill/>
-                </a:ln>
-                <a:solidFill>
-                  <a:srgbClr val="000000"/>
-                </a:solidFill>
-                <a:effectLst/>
-                <a:latin typeface="Ubuntu Mono"/>
-              </a:rPr>
-              <a:t> </a:t>
-            </a:r>
-            <a:r>
-              <a:rPr kumimoji="0" lang="en-US" altLang="en-US" sz="1800" b="0" i="0" u="none" strike="noStrike" cap="none" normalizeH="0" baseline="0" dirty="0" smtClean="0">
-                <a:ln>
-                  <a:noFill/>
-                </a:ln>
-                <a:solidFill>
-                  <a:srgbClr val="336666"/>
-                </a:solidFill>
-                <a:effectLst/>
-                <a:latin typeface="Ubuntu Mono"/>
-              </a:rPr>
-              <a:t>window</a:t>
-            </a:r>
-            <a:r>
-              <a:rPr kumimoji="0" lang="en-US" altLang="en-US" sz="1800" b="0" i="0" u="none" strike="noStrike" cap="none" normalizeH="0" baseline="0" dirty="0" smtClean="0">
-                <a:ln>
-                  <a:noFill/>
-                </a:ln>
-                <a:solidFill>
-                  <a:srgbClr val="000000"/>
-                </a:solidFill>
-                <a:effectLst/>
-                <a:latin typeface="Ubuntu Mono"/>
-              </a:rPr>
-              <a:t> </a:t>
-            </a:r>
-            <a:r>
-              <a:rPr kumimoji="0" lang="en-US" altLang="en-US" sz="1800" b="0" i="0" u="none" strike="noStrike" cap="none" normalizeH="0" baseline="0" dirty="0" smtClean="0">
-                <a:ln>
-                  <a:noFill/>
-                </a:ln>
-                <a:solidFill>
-                  <a:srgbClr val="555555"/>
-                </a:solidFill>
-                <a:effectLst/>
-                <a:latin typeface="Ubuntu Mono"/>
-              </a:rPr>
-              <a:t>:</a:t>
-            </a:r>
-            <a:r>
-              <a:rPr kumimoji="0" lang="en-US" altLang="en-US" sz="1800" b="0" i="0" u="none" strike="noStrike" cap="none" normalizeH="0" baseline="0" dirty="0" smtClean="0">
-                <a:ln>
-                  <a:noFill/>
-                </a:ln>
-                <a:solidFill>
-                  <a:srgbClr val="000000"/>
-                </a:solidFill>
-                <a:effectLst/>
-                <a:latin typeface="Ubuntu Mono"/>
-              </a:rPr>
-              <a:t> </a:t>
-            </a:r>
-            <a:r>
-              <a:rPr kumimoji="0" lang="en-US" altLang="en-US" sz="1800" b="0" i="0" u="none" strike="noStrike" cap="none" normalizeH="0" baseline="0" dirty="0" smtClean="0">
-                <a:ln>
-                  <a:noFill/>
-                </a:ln>
-                <a:solidFill>
-                  <a:srgbClr val="000088"/>
-                </a:solidFill>
-                <a:effectLst/>
-                <a:latin typeface="Ubuntu Mono"/>
-              </a:rPr>
-              <a:t>global</a:t>
-            </a:r>
-            <a:r>
-              <a:rPr kumimoji="0" lang="en-US" altLang="en-US" sz="1800" b="0" i="0" u="none" strike="noStrike" cap="none" normalizeH="0" baseline="0" dirty="0" smtClean="0">
-                <a:ln>
-                  <a:noFill/>
-                </a:ln>
-                <a:solidFill>
-                  <a:srgbClr val="000000"/>
-                </a:solidFill>
-                <a:effectLst/>
-                <a:latin typeface="Ubuntu Mono"/>
-              </a:rPr>
-              <a:t>));</a:t>
-            </a:r>
-            <a:r>
-              <a:rPr kumimoji="0" lang="en-US" altLang="en-US" sz="1800" b="0" i="0" u="none" strike="noStrike" cap="none" normalizeH="0" baseline="0" dirty="0" smtClean="0">
-                <a:ln>
-                  <a:noFill/>
-                </a:ln>
-                <a:solidFill>
-                  <a:schemeClr val="tx1"/>
-                </a:solidFill>
-                <a:effectLst/>
-              </a:rPr>
-              <a:t> </a:t>
-            </a:r>
-            <a:endParaRPr kumimoji="0" lang="en-US" altLang="en-US" sz="1800" b="0" i="0" u="none" strike="noStrike" cap="none" normalizeH="0" baseline="0" dirty="0" smtClean="0">
-              <a:ln>
-                <a:noFill/>
-              </a:ln>
-              <a:solidFill>
-                <a:schemeClr val="tx1"/>
-              </a:solidFill>
-              <a:effectLst/>
-              <a:latin typeface="Arial" panose="020B0604020202020204" pitchFamily="34" charset="0"/>
-            </a:endParaRPr>
+              <a:rPr lang="en-US" b="1" dirty="0"/>
+              <a:t>===  “global variable</a:t>
+            </a:r>
+            <a:r>
+              <a:rPr lang="en-US" b="1" dirty="0" smtClean="0"/>
+              <a:t>”; </a:t>
+            </a:r>
+            <a:r>
+              <a:rPr lang="en-US" dirty="0">
+                <a:solidFill>
+                  <a:schemeClr val="bg1">
+                    <a:lumMod val="50000"/>
+                  </a:schemeClr>
+                </a:solidFill>
+              </a:rPr>
+              <a:t>// true for browsers</a:t>
+            </a:r>
+            <a:endParaRPr lang="en-US" b="1" dirty="0"/>
           </a:p>
         </p:txBody>
       </p:sp>
     </p:spTree>
     <p:extLst>
       <p:ext uri="{BB962C8B-B14F-4D97-AF65-F5344CB8AC3E}">
-        <p14:creationId xmlns:p14="http://schemas.microsoft.com/office/powerpoint/2010/main" val="1897574044"/>
+        <p14:creationId xmlns:p14="http://schemas.microsoft.com/office/powerpoint/2010/main" val="2973190636"/>
       </p:ext>
     </p:extLst>
   </p:cSld>
   <p:clrMapOvr>
     <a:masterClrMapping/>
   </p:clrMapOvr>
+  <p:timing>
+    <p:tnLst>
+      <p:par>
+        <p:cTn id="1" dur="indefinite" restart="never" nodeType="tmRoot"/>
+      </p:par>
+    </p:tnLst>
+  </p:timing>
 </p:sld>
 </file>
 
@@ -12365,18 +11967,20 @@
         </p:nvSpPr>
         <p:spPr/>
         <p:txBody>
-          <a:bodyPr>
-            <a:normAutofit/>
-          </a:bodyPr>
+          <a:bodyPr/>
           <a:lstStyle/>
           <a:p>
             <a:r>
-              <a:rPr lang="en-US" b="1" dirty="0"/>
-              <a:t>Global variables are </a:t>
-            </a:r>
-            <a:r>
-              <a:rPr lang="en-US" b="1" dirty="0" smtClean="0"/>
-              <a:t>evil</a:t>
+              <a:rPr lang="en-US"/>
+              <a:t>w</a:t>
+            </a:r>
+            <a:r>
+              <a:rPr lang="en-US" smtClean="0"/>
+              <a:t>indow </a:t>
+            </a:r>
+            <a:r>
+              <a:rPr lang="en-US" dirty="0" smtClean="0"/>
+              <a:t>vs global</a:t>
             </a:r>
             <a:endParaRPr lang="en-US" dirty="0"/>
           </a:p>
@@ -12384,53 +11988,467 @@
       </p:sp>
       <p:sp>
         <p:nvSpPr>
-          <p:cNvPr id="3" name="Content Placeholder 2"/>
+          <p:cNvPr id="4" name="Rectangle 1"/>
           <p:cNvSpPr>
-            <a:spLocks noGrp="1"/>
+            <a:spLocks noGrp="1" noChangeArrowheads="1"/>
           </p:cNvSpPr>
           <p:nvPr>
             <p:ph idx="1"/>
           </p:nvPr>
         </p:nvSpPr>
-        <p:spPr/>
-        <p:txBody>
-          <a:bodyPr/>
+        <p:spPr bwMode="auto">
+          <a:xfrm>
+            <a:off x="457200" y="1916832"/>
+            <a:ext cx="5346015" cy="830997"/>
+          </a:xfrm>
+          <a:prstGeom prst="rect">
+            <a:avLst/>
+          </a:prstGeom>
+          <a:noFill/>
+          <a:ln>
+            <a:noFill/>
+          </a:ln>
+          <a:effectLst/>
+          <a:extLst>
+            <a:ext uri="{909E8E84-426E-40DD-AFC4-6F175D3DCCD1}">
+              <a14:hiddenFill xmlns:a14="http://schemas.microsoft.com/office/drawing/2010/main">
+                <a:solidFill>
+                  <a:schemeClr val="accent1"/>
+                </a:solidFill>
+              </a14:hiddenFill>
+            </a:ext>
+            <a:ext uri="{91240B29-F687-4F45-9708-019B960494DF}">
+              <a14:hiddenLine xmlns:a14="http://schemas.microsoft.com/office/drawing/2010/main" w="9525">
+                <a:solidFill>
+                  <a:schemeClr val="tx1"/>
+                </a:solidFill>
+                <a:miter lim="800000"/>
+                <a:headEnd/>
+                <a:tailEnd/>
+              </a14:hiddenLine>
+            </a:ext>
+            <a:ext uri="{AF507438-7753-43E0-B8FC-AC1667EBCBE1}">
+              <a14:hiddenEffects xmlns:a14="http://schemas.microsoft.com/office/drawing/2010/main">
+                <a:effectLst>
+                  <a:outerShdw dist="35921" dir="2700000" algn="ctr" rotWithShape="0">
+                    <a:schemeClr val="bg2"/>
+                  </a:outerShdw>
+                </a:effectLst>
+              </a14:hiddenEffects>
+            </a:ext>
+          </a:extLst>
+        </p:spPr>
+        <p:txBody>
+          <a:bodyPr vert="horz" wrap="none" lIns="0" tIns="0" rIns="0" bIns="0" numCol="1" anchor="ctr" anchorCtr="0" compatLnSpc="1">
+            <a:prstTxWarp prst="textNoShape">
+              <a:avLst/>
+            </a:prstTxWarp>
+            <a:spAutoFit/>
+          </a:bodyPr>
           <a:lstStyle/>
           <a:p>
-            <a:r>
-              <a:rPr lang="en-US" dirty="0" smtClean="0"/>
-              <a:t>They are less </a:t>
-            </a:r>
-            <a:r>
-              <a:rPr lang="en-US" dirty="0"/>
-              <a:t>robust, behave less predictably, and are less reusable</a:t>
-            </a:r>
-            <a:r>
-              <a:rPr lang="en-US" dirty="0" smtClean="0"/>
-              <a:t>.</a:t>
-            </a:r>
-          </a:p>
-          <a:p>
-            <a:r>
-              <a:rPr lang="en-US" dirty="0" smtClean="0"/>
-              <a:t>Name clashes. Your </a:t>
-            </a:r>
-            <a:r>
-              <a:rPr lang="en-US" dirty="0"/>
-              <a:t>code, built-ins, analytics code, social media </a:t>
-            </a:r>
-            <a:r>
-              <a:rPr lang="en-US" dirty="0" smtClean="0"/>
-              <a:t>buttons use the same global scope.</a:t>
-            </a:r>
-            <a:endParaRPr lang="en-US" dirty="0"/>
+            <a:pPr marL="0" marR="0" lvl="0" indent="0" algn="l" defTabSz="914400" rtl="0" eaLnBrk="0" fontAlgn="base" latinLnBrk="0" hangingPunct="0">
+              <a:lnSpc>
+                <a:spcPct val="100000"/>
+              </a:lnSpc>
+              <a:spcBef>
+                <a:spcPct val="0"/>
+              </a:spcBef>
+              <a:spcAft>
+                <a:spcPct val="0"/>
+              </a:spcAft>
+              <a:buClrTx/>
+              <a:buSzTx/>
+              <a:buFontTx/>
+              <a:buNone/>
+              <a:tabLst/>
+            </a:pPr>
+            <a:r>
+              <a:rPr kumimoji="0" lang="en-US" altLang="en-US" sz="1800" b="0" i="0" u="none" strike="noStrike" cap="none" normalizeH="0" baseline="0" dirty="0" smtClean="0">
+                <a:ln>
+                  <a:noFill/>
+                </a:ln>
+                <a:solidFill>
+                  <a:srgbClr val="000000"/>
+                </a:solidFill>
+                <a:effectLst/>
+                <a:latin typeface="Ubuntu Mono"/>
+              </a:rPr>
+              <a:t>(</a:t>
+            </a:r>
+            <a:r>
+              <a:rPr kumimoji="0" lang="en-US" altLang="en-US" sz="1800" b="1" i="0" u="none" strike="noStrike" cap="none" normalizeH="0" baseline="0" dirty="0" smtClean="0">
+                <a:ln>
+                  <a:noFill/>
+                </a:ln>
+                <a:solidFill>
+                  <a:srgbClr val="006699"/>
+                </a:solidFill>
+                <a:effectLst/>
+                <a:latin typeface="Ubuntu Mono"/>
+              </a:rPr>
+              <a:t>function</a:t>
+            </a:r>
+            <a:r>
+              <a:rPr kumimoji="0" lang="en-US" altLang="en-US" sz="1800" b="0" i="0" u="none" strike="noStrike" cap="none" normalizeH="0" baseline="0" dirty="0" smtClean="0">
+                <a:ln>
+                  <a:noFill/>
+                </a:ln>
+                <a:solidFill>
+                  <a:srgbClr val="000000"/>
+                </a:solidFill>
+                <a:effectLst/>
+                <a:latin typeface="Ubuntu Mono"/>
+              </a:rPr>
+              <a:t> (</a:t>
+            </a:r>
+            <a:r>
+              <a:rPr kumimoji="0" lang="en-US" altLang="en-US" sz="1800" b="0" i="0" u="none" strike="noStrike" cap="none" normalizeH="0" baseline="0" dirty="0" smtClean="0">
+                <a:ln>
+                  <a:noFill/>
+                </a:ln>
+                <a:solidFill>
+                  <a:srgbClr val="000088"/>
+                </a:solidFill>
+                <a:effectLst/>
+                <a:latin typeface="Ubuntu Mono"/>
+              </a:rPr>
+              <a:t>glob</a:t>
+            </a:r>
+            <a:r>
+              <a:rPr kumimoji="0" lang="en-US" altLang="en-US" sz="1800" b="0" i="0" u="none" strike="noStrike" cap="none" normalizeH="0" baseline="0" dirty="0" smtClean="0">
+                <a:ln>
+                  <a:noFill/>
+                </a:ln>
+                <a:solidFill>
+                  <a:srgbClr val="000000"/>
+                </a:solidFill>
+                <a:effectLst/>
+                <a:latin typeface="Ubuntu Mono"/>
+              </a:rPr>
+              <a:t>) { </a:t>
+            </a:r>
+          </a:p>
+          <a:p>
+            <a:pPr marL="0" marR="0" lvl="0" indent="0" algn="l" defTabSz="914400" rtl="0" eaLnBrk="0" fontAlgn="base" latinLnBrk="0" hangingPunct="0">
+              <a:lnSpc>
+                <a:spcPct val="100000"/>
+              </a:lnSpc>
+              <a:spcBef>
+                <a:spcPct val="0"/>
+              </a:spcBef>
+              <a:spcAft>
+                <a:spcPct val="0"/>
+              </a:spcAft>
+              <a:buClrTx/>
+              <a:buSzTx/>
+              <a:buFontTx/>
+              <a:buNone/>
+              <a:tabLst/>
+            </a:pPr>
+            <a:r>
+              <a:rPr lang="en-US" altLang="en-US" sz="1800" dirty="0">
+                <a:solidFill>
+                  <a:srgbClr val="000000"/>
+                </a:solidFill>
+                <a:latin typeface="Ubuntu Mono"/>
+              </a:rPr>
+              <a:t>	</a:t>
+            </a:r>
+            <a:r>
+              <a:rPr kumimoji="0" lang="en-US" altLang="en-US" sz="1800" b="0" i="1" u="none" strike="noStrike" cap="none" normalizeH="0" baseline="0" dirty="0" smtClean="0">
+                <a:ln>
+                  <a:noFill/>
+                </a:ln>
+                <a:solidFill>
+                  <a:srgbClr val="35586C"/>
+                </a:solidFill>
+                <a:effectLst/>
+                <a:latin typeface="Ubuntu Mono"/>
+              </a:rPr>
+              <a:t>// glob points to global object</a:t>
+            </a:r>
+            <a:r>
+              <a:rPr kumimoji="0" lang="en-US" altLang="en-US" sz="1800" b="0" i="0" u="none" strike="noStrike" cap="none" normalizeH="0" baseline="0" dirty="0" smtClean="0">
+                <a:ln>
+                  <a:noFill/>
+                </a:ln>
+                <a:solidFill>
+                  <a:srgbClr val="000000"/>
+                </a:solidFill>
+                <a:effectLst/>
+                <a:latin typeface="Ubuntu Mono"/>
+              </a:rPr>
+              <a:t> </a:t>
+            </a:r>
+          </a:p>
+          <a:p>
+            <a:pPr marL="0" marR="0" lvl="0" indent="0" algn="l" defTabSz="914400" rtl="0" eaLnBrk="0" fontAlgn="base" latinLnBrk="0" hangingPunct="0">
+              <a:lnSpc>
+                <a:spcPct val="100000"/>
+              </a:lnSpc>
+              <a:spcBef>
+                <a:spcPct val="0"/>
+              </a:spcBef>
+              <a:spcAft>
+                <a:spcPct val="0"/>
+              </a:spcAft>
+              <a:buClrTx/>
+              <a:buSzTx/>
+              <a:buFontTx/>
+              <a:buNone/>
+              <a:tabLst/>
+            </a:pPr>
+            <a:r>
+              <a:rPr kumimoji="0" lang="en-US" altLang="en-US" sz="1800" b="0" i="0" u="none" strike="noStrike" cap="none" normalizeH="0" baseline="0" dirty="0" smtClean="0">
+                <a:ln>
+                  <a:noFill/>
+                </a:ln>
+                <a:solidFill>
+                  <a:srgbClr val="000000"/>
+                </a:solidFill>
+                <a:effectLst/>
+                <a:latin typeface="Ubuntu Mono"/>
+              </a:rPr>
+              <a:t>}(</a:t>
+            </a:r>
+            <a:r>
+              <a:rPr kumimoji="0" lang="en-US" altLang="en-US" sz="1800" b="1" i="0" u="none" strike="noStrike" cap="none" normalizeH="0" baseline="0" dirty="0" err="1" smtClean="0">
+                <a:ln>
+                  <a:noFill/>
+                </a:ln>
+                <a:solidFill>
+                  <a:srgbClr val="006699"/>
+                </a:solidFill>
+                <a:effectLst/>
+                <a:latin typeface="Ubuntu Mono"/>
+              </a:rPr>
+              <a:t>typeof</a:t>
+            </a:r>
+            <a:r>
+              <a:rPr kumimoji="0" lang="en-US" altLang="en-US" sz="1800" b="0" i="0" u="none" strike="noStrike" cap="none" normalizeH="0" baseline="0" dirty="0" smtClean="0">
+                <a:ln>
+                  <a:noFill/>
+                </a:ln>
+                <a:solidFill>
+                  <a:srgbClr val="000000"/>
+                </a:solidFill>
+                <a:effectLst/>
+                <a:latin typeface="Ubuntu Mono"/>
+              </a:rPr>
+              <a:t> </a:t>
+            </a:r>
+            <a:r>
+              <a:rPr kumimoji="0" lang="en-US" altLang="en-US" sz="1800" b="0" i="0" u="none" strike="noStrike" cap="none" normalizeH="0" baseline="0" dirty="0" smtClean="0">
+                <a:ln>
+                  <a:noFill/>
+                </a:ln>
+                <a:solidFill>
+                  <a:srgbClr val="336666"/>
+                </a:solidFill>
+                <a:effectLst/>
+                <a:latin typeface="Ubuntu Mono"/>
+              </a:rPr>
+              <a:t>window</a:t>
+            </a:r>
+            <a:r>
+              <a:rPr kumimoji="0" lang="en-US" altLang="en-US" sz="1800" b="0" i="0" u="none" strike="noStrike" cap="none" normalizeH="0" baseline="0" dirty="0" smtClean="0">
+                <a:ln>
+                  <a:noFill/>
+                </a:ln>
+                <a:solidFill>
+                  <a:srgbClr val="000000"/>
+                </a:solidFill>
+                <a:effectLst/>
+                <a:latin typeface="Ubuntu Mono"/>
+              </a:rPr>
+              <a:t> </a:t>
+            </a:r>
+            <a:r>
+              <a:rPr kumimoji="0" lang="en-US" altLang="en-US" sz="1800" b="0" i="0" u="none" strike="noStrike" cap="none" normalizeH="0" baseline="0" dirty="0" smtClean="0">
+                <a:ln>
+                  <a:noFill/>
+                </a:ln>
+                <a:solidFill>
+                  <a:srgbClr val="555555"/>
+                </a:solidFill>
+                <a:effectLst/>
+                <a:latin typeface="Ubuntu Mono"/>
+              </a:rPr>
+              <a:t>!==</a:t>
+            </a:r>
+            <a:r>
+              <a:rPr kumimoji="0" lang="en-US" altLang="en-US" sz="1800" b="0" i="0" u="none" strike="noStrike" cap="none" normalizeH="0" baseline="0" dirty="0" smtClean="0">
+                <a:ln>
+                  <a:noFill/>
+                </a:ln>
+                <a:solidFill>
+                  <a:srgbClr val="000000"/>
+                </a:solidFill>
+                <a:effectLst/>
+                <a:latin typeface="Ubuntu Mono"/>
+              </a:rPr>
+              <a:t> </a:t>
+            </a:r>
+            <a:r>
+              <a:rPr kumimoji="0" lang="en-US" altLang="en-US" sz="1800" b="0" i="0" u="none" strike="noStrike" cap="none" normalizeH="0" baseline="0" dirty="0" smtClean="0">
+                <a:ln>
+                  <a:noFill/>
+                </a:ln>
+                <a:solidFill>
+                  <a:srgbClr val="CC3300"/>
+                </a:solidFill>
+                <a:effectLst/>
+                <a:latin typeface="Ubuntu Mono"/>
+              </a:rPr>
+              <a:t>'undefined'</a:t>
+            </a:r>
+            <a:r>
+              <a:rPr kumimoji="0" lang="en-US" altLang="en-US" sz="1800" b="0" i="0" u="none" strike="noStrike" cap="none" normalizeH="0" baseline="0" dirty="0" smtClean="0">
+                <a:ln>
+                  <a:noFill/>
+                </a:ln>
+                <a:solidFill>
+                  <a:srgbClr val="000000"/>
+                </a:solidFill>
+                <a:effectLst/>
+                <a:latin typeface="Ubuntu Mono"/>
+              </a:rPr>
+              <a:t> </a:t>
+            </a:r>
+            <a:r>
+              <a:rPr kumimoji="0" lang="en-US" altLang="en-US" sz="1800" b="0" i="0" u="none" strike="noStrike" cap="none" normalizeH="0" baseline="0" dirty="0" smtClean="0">
+                <a:ln>
+                  <a:noFill/>
+                </a:ln>
+                <a:solidFill>
+                  <a:srgbClr val="555555"/>
+                </a:solidFill>
+                <a:effectLst/>
+                <a:latin typeface="Ubuntu Mono"/>
+              </a:rPr>
+              <a:t>?</a:t>
+            </a:r>
+            <a:r>
+              <a:rPr kumimoji="0" lang="en-US" altLang="en-US" sz="1800" b="0" i="0" u="none" strike="noStrike" cap="none" normalizeH="0" baseline="0" dirty="0" smtClean="0">
+                <a:ln>
+                  <a:noFill/>
+                </a:ln>
+                <a:solidFill>
+                  <a:srgbClr val="000000"/>
+                </a:solidFill>
+                <a:effectLst/>
+                <a:latin typeface="Ubuntu Mono"/>
+              </a:rPr>
+              <a:t> </a:t>
+            </a:r>
+            <a:r>
+              <a:rPr kumimoji="0" lang="en-US" altLang="en-US" sz="1800" b="0" i="0" u="none" strike="noStrike" cap="none" normalizeH="0" baseline="0" dirty="0" smtClean="0">
+                <a:ln>
+                  <a:noFill/>
+                </a:ln>
+                <a:solidFill>
+                  <a:srgbClr val="336666"/>
+                </a:solidFill>
+                <a:effectLst/>
+                <a:latin typeface="Ubuntu Mono"/>
+              </a:rPr>
+              <a:t>window</a:t>
+            </a:r>
+            <a:r>
+              <a:rPr kumimoji="0" lang="en-US" altLang="en-US" sz="1800" b="0" i="0" u="none" strike="noStrike" cap="none" normalizeH="0" baseline="0" dirty="0" smtClean="0">
+                <a:ln>
+                  <a:noFill/>
+                </a:ln>
+                <a:solidFill>
+                  <a:srgbClr val="000000"/>
+                </a:solidFill>
+                <a:effectLst/>
+                <a:latin typeface="Ubuntu Mono"/>
+              </a:rPr>
+              <a:t> </a:t>
+            </a:r>
+            <a:r>
+              <a:rPr kumimoji="0" lang="en-US" altLang="en-US" sz="1800" b="0" i="0" u="none" strike="noStrike" cap="none" normalizeH="0" baseline="0" dirty="0" smtClean="0">
+                <a:ln>
+                  <a:noFill/>
+                </a:ln>
+                <a:solidFill>
+                  <a:srgbClr val="555555"/>
+                </a:solidFill>
+                <a:effectLst/>
+                <a:latin typeface="Ubuntu Mono"/>
+              </a:rPr>
+              <a:t>:</a:t>
+            </a:r>
+            <a:r>
+              <a:rPr kumimoji="0" lang="en-US" altLang="en-US" sz="1800" b="0" i="0" u="none" strike="noStrike" cap="none" normalizeH="0" baseline="0" dirty="0" smtClean="0">
+                <a:ln>
+                  <a:noFill/>
+                </a:ln>
+                <a:solidFill>
+                  <a:srgbClr val="000000"/>
+                </a:solidFill>
+                <a:effectLst/>
+                <a:latin typeface="Ubuntu Mono"/>
+              </a:rPr>
+              <a:t> </a:t>
+            </a:r>
+            <a:r>
+              <a:rPr kumimoji="0" lang="en-US" altLang="en-US" sz="1800" b="0" i="0" u="none" strike="noStrike" cap="none" normalizeH="0" baseline="0" dirty="0" smtClean="0">
+                <a:ln>
+                  <a:noFill/>
+                </a:ln>
+                <a:solidFill>
+                  <a:srgbClr val="000088"/>
+                </a:solidFill>
+                <a:effectLst/>
+                <a:latin typeface="Ubuntu Mono"/>
+              </a:rPr>
+              <a:t>global</a:t>
+            </a:r>
+            <a:r>
+              <a:rPr kumimoji="0" lang="en-US" altLang="en-US" sz="1800" b="0" i="0" u="none" strike="noStrike" cap="none" normalizeH="0" baseline="0" dirty="0" smtClean="0">
+                <a:ln>
+                  <a:noFill/>
+                </a:ln>
+                <a:solidFill>
+                  <a:srgbClr val="000000"/>
+                </a:solidFill>
+                <a:effectLst/>
+                <a:latin typeface="Ubuntu Mono"/>
+              </a:rPr>
+              <a:t>));</a:t>
+            </a:r>
+            <a:r>
+              <a:rPr kumimoji="0" lang="en-US" altLang="en-US" sz="1800" b="0" i="0" u="none" strike="noStrike" cap="none" normalizeH="0" baseline="0" dirty="0" smtClean="0">
+                <a:ln>
+                  <a:noFill/>
+                </a:ln>
+                <a:solidFill>
+                  <a:schemeClr val="tx1"/>
+                </a:solidFill>
+                <a:effectLst/>
+              </a:rPr>
+              <a:t> </a:t>
+            </a:r>
+            <a:endParaRPr kumimoji="0" lang="en-US" altLang="en-US" sz="1800" b="0" i="0" u="none" strike="noStrike" cap="none" normalizeH="0" baseline="0" dirty="0" smtClean="0">
+              <a:ln>
+                <a:noFill/>
+              </a:ln>
+              <a:solidFill>
+                <a:schemeClr val="tx1"/>
+              </a:solidFill>
+              <a:effectLst/>
+              <a:latin typeface="Arial" panose="020B0604020202020204" pitchFamily="34" charset="0"/>
+            </a:endParaRPr>
           </a:p>
         </p:txBody>
       </p:sp>
     </p:spTree>
     <p:extLst>
       <p:ext uri="{BB962C8B-B14F-4D97-AF65-F5344CB8AC3E}">
-        <p14:creationId xmlns:p14="http://schemas.microsoft.com/office/powerpoint/2010/main" val="704371220"/>
+        <p14:creationId xmlns:p14="http://schemas.microsoft.com/office/powerpoint/2010/main" val="1897574044"/>
       </p:ext>
     </p:extLst>
   </p:cSld>
@@ -12459,6 +12477,110 @@
       </p:grpSpPr>
       <p:sp>
         <p:nvSpPr>
+          <p:cNvPr id="2" name="Title 1"/>
+          <p:cNvSpPr>
+            <a:spLocks noGrp="1"/>
+          </p:cNvSpPr>
+          <p:nvPr>
+            <p:ph type="title"/>
+          </p:nvPr>
+        </p:nvSpPr>
+        <p:spPr/>
+        <p:txBody>
+          <a:bodyPr>
+            <a:normAutofit/>
+          </a:bodyPr>
+          <a:lstStyle/>
+          <a:p>
+            <a:r>
+              <a:rPr lang="en-US" b="1" dirty="0"/>
+              <a:t>Global variables are </a:t>
+            </a:r>
+            <a:r>
+              <a:rPr lang="en-US" b="1" dirty="0" smtClean="0"/>
+              <a:t>evil</a:t>
+            </a:r>
+            <a:endParaRPr lang="en-US" dirty="0"/>
+          </a:p>
+        </p:txBody>
+      </p:sp>
+      <p:sp>
+        <p:nvSpPr>
+          <p:cNvPr id="3" name="Content Placeholder 2"/>
+          <p:cNvSpPr>
+            <a:spLocks noGrp="1"/>
+          </p:cNvSpPr>
+          <p:nvPr>
+            <p:ph idx="1"/>
+          </p:nvPr>
+        </p:nvSpPr>
+        <p:spPr/>
+        <p:txBody>
+          <a:bodyPr/>
+          <a:lstStyle/>
+          <a:p>
+            <a:r>
+              <a:rPr lang="en-US" dirty="0" smtClean="0"/>
+              <a:t>They are less </a:t>
+            </a:r>
+            <a:r>
+              <a:rPr lang="en-US" dirty="0"/>
+              <a:t>robust, behave less predictably, and are less reusable</a:t>
+            </a:r>
+            <a:r>
+              <a:rPr lang="en-US" dirty="0" smtClean="0"/>
+              <a:t>.</a:t>
+            </a:r>
+          </a:p>
+          <a:p>
+            <a:r>
+              <a:rPr lang="en-US" dirty="0" smtClean="0"/>
+              <a:t>Name clashes. Your </a:t>
+            </a:r>
+            <a:r>
+              <a:rPr lang="en-US" dirty="0"/>
+              <a:t>code, built-ins, analytics code, social media </a:t>
+            </a:r>
+            <a:r>
+              <a:rPr lang="en-US" dirty="0" smtClean="0"/>
+              <a:t>buttons use the same global scope.</a:t>
+            </a:r>
+            <a:endParaRPr lang="en-US" dirty="0"/>
+          </a:p>
+        </p:txBody>
+      </p:sp>
+    </p:spTree>
+    <p:extLst>
+      <p:ext uri="{BB962C8B-B14F-4D97-AF65-F5344CB8AC3E}">
+        <p14:creationId xmlns:p14="http://schemas.microsoft.com/office/powerpoint/2010/main" val="704371220"/>
+      </p:ext>
+    </p:extLst>
+  </p:cSld>
+  <p:clrMapOvr>
+    <a:masterClrMapping/>
+  </p:clrMapOvr>
+</p:sld>
+</file>
+
+<file path=ppt/slides/slide28.xml><?xml version="1.0" encoding="utf-8"?>
+<p:sld xmlns:a="http://schemas.openxmlformats.org/drawingml/2006/main" xmlns:r="http://schemas.openxmlformats.org/officeDocument/2006/relationships" xmlns:p="http://schemas.openxmlformats.org/presentationml/2006/main">
+  <p:cSld>
+    <p:spTree>
+      <p:nvGrpSpPr>
+        <p:cNvPr id="1" name=""/>
+        <p:cNvGrpSpPr/>
+        <p:nvPr/>
+      </p:nvGrpSpPr>
+      <p:grpSpPr>
+        <a:xfrm>
+          <a:off x="0" y="0"/>
+          <a:ext cx="0" cy="0"/>
+          <a:chOff x="0" y="0"/>
+          <a:chExt cx="0" cy="0"/>
+        </a:xfrm>
+      </p:grpSpPr>
+      <p:sp>
+        <p:nvSpPr>
           <p:cNvPr id="2" name="Заголовок 1"/>
           <p:cNvSpPr>
             <a:spLocks noGrp="1"/>
@@ -12878,127 +13000,6 @@
     <p:extLst>
       <p:ext uri="{BB962C8B-B14F-4D97-AF65-F5344CB8AC3E}">
         <p14:creationId xmlns:p14="http://schemas.microsoft.com/office/powerpoint/2010/main" val="578045096"/>
-      </p:ext>
-    </p:extLst>
-  </p:cSld>
-  <p:clrMapOvr>
-    <a:masterClrMapping/>
-  </p:clrMapOvr>
-  <p:transition/>
-  <p:timing>
-    <p:tnLst>
-      <p:par>
-        <p:cTn id="1" dur="indefinite" restart="never" nodeType="tmRoot"/>
-      </p:par>
-    </p:tnLst>
-  </p:timing>
-</p:sld>
-</file>
-
-<file path=ppt/slides/slide28.xml><?xml version="1.0" encoding="utf-8"?>
-<p:sld xmlns:a="http://schemas.openxmlformats.org/drawingml/2006/main" xmlns:r="http://schemas.openxmlformats.org/officeDocument/2006/relationships" xmlns:p="http://schemas.openxmlformats.org/presentationml/2006/main">
-  <p:cSld>
-    <p:spTree>
-      <p:nvGrpSpPr>
-        <p:cNvPr id="1" name=""/>
-        <p:cNvGrpSpPr/>
-        <p:nvPr/>
-      </p:nvGrpSpPr>
-      <p:grpSpPr>
-        <a:xfrm>
-          <a:off x="0" y="0"/>
-          <a:ext cx="0" cy="0"/>
-          <a:chOff x="0" y="0"/>
-          <a:chExt cx="0" cy="0"/>
-        </a:xfrm>
-      </p:grpSpPr>
-      <p:sp>
-        <p:nvSpPr>
-          <p:cNvPr id="7" name="Rectangle 6"/>
-          <p:cNvSpPr/>
-          <p:nvPr/>
-        </p:nvSpPr>
-        <p:spPr>
-          <a:xfrm>
-            <a:off x="2357754" y="1714488"/>
-            <a:ext cx="4080516" cy="2031325"/>
-          </a:xfrm>
-          <a:prstGeom prst="rect">
-            <a:avLst/>
-          </a:prstGeom>
-        </p:spPr>
-        <p:txBody>
-          <a:bodyPr wrap="square">
-            <a:spAutoFit/>
-          </a:bodyPr>
-          <a:lstStyle/>
-          <a:p>
-            <a:r>
-              <a:rPr lang="en-US" sz="2100" b="1" dirty="0">
-                <a:solidFill>
-                  <a:schemeClr val="bg1">
-                    <a:lumMod val="50000"/>
-                  </a:schemeClr>
-                </a:solidFill>
-              </a:rPr>
-              <a:t>&lt;script&gt;</a:t>
-            </a:r>
-            <a:endParaRPr lang="en-US" sz="2100" b="1" dirty="0"/>
-          </a:p>
-          <a:p>
-            <a:pPr lvl="1"/>
-            <a:r>
-              <a:rPr lang="en-US" sz="2100" b="1" dirty="0"/>
-              <a:t>if (("a" in window) == false) {</a:t>
-            </a:r>
-          </a:p>
-          <a:p>
-            <a:pPr lvl="1"/>
-            <a:r>
-              <a:rPr lang="en-US" sz="2100" b="1" dirty="0"/>
-              <a:t>    </a:t>
-            </a:r>
-            <a:r>
-              <a:rPr lang="en-US" sz="2100" b="1" dirty="0" err="1"/>
-              <a:t>var</a:t>
-            </a:r>
-            <a:r>
-              <a:rPr lang="en-US" sz="2100" b="1" dirty="0"/>
-              <a:t> a = 1; </a:t>
-            </a:r>
-          </a:p>
-          <a:p>
-            <a:pPr lvl="1"/>
-            <a:r>
-              <a:rPr lang="en-US" sz="2100" b="1" dirty="0"/>
-              <a:t>}</a:t>
-            </a:r>
-          </a:p>
-          <a:p>
-            <a:pPr lvl="1"/>
-            <a:r>
-              <a:rPr lang="en-US" sz="2100" b="1" dirty="0"/>
-              <a:t>alert(a);</a:t>
-            </a:r>
-          </a:p>
-          <a:p>
-            <a:r>
-              <a:rPr lang="en-US" sz="2100" b="1" dirty="0">
-                <a:solidFill>
-                  <a:schemeClr val="bg1">
-                    <a:lumMod val="50000"/>
-                  </a:schemeClr>
-                </a:solidFill>
-              </a:rPr>
-              <a:t>&lt;/script&gt;</a:t>
-            </a:r>
-          </a:p>
-        </p:txBody>
-      </p:sp>
-    </p:spTree>
-    <p:extLst>
-      <p:ext uri="{BB962C8B-B14F-4D97-AF65-F5344CB8AC3E}">
-        <p14:creationId xmlns:p14="http://schemas.microsoft.com/office/powerpoint/2010/main" val="1403691241"/>
       </p:ext>
     </p:extLst>
   </p:cSld>
@@ -13035,387 +13036,98 @@
       </p:grpSpPr>
       <p:sp>
         <p:nvSpPr>
-          <p:cNvPr id="2" name="Title 1"/>
-          <p:cNvSpPr>
-            <a:spLocks noGrp="1"/>
-          </p:cNvSpPr>
-          <p:nvPr>
-            <p:ph type="title"/>
-          </p:nvPr>
-        </p:nvSpPr>
-        <p:spPr/>
-        <p:txBody>
-          <a:bodyPr/>
-          <a:lstStyle/>
-          <a:p>
-            <a:r>
-              <a:rPr lang="en-US" dirty="0" smtClean="0"/>
-              <a:t>Working with global</a:t>
-            </a:r>
-            <a:endParaRPr lang="en-US" dirty="0"/>
-          </a:p>
-        </p:txBody>
-      </p:sp>
-      <p:sp>
-        <p:nvSpPr>
-          <p:cNvPr id="4" name="Rectangle 1"/>
-          <p:cNvSpPr>
-            <a:spLocks noGrp="1" noChangeArrowheads="1"/>
-          </p:cNvSpPr>
-          <p:nvPr>
-            <p:ph idx="1"/>
-          </p:nvPr>
-        </p:nvSpPr>
-        <p:spPr bwMode="auto">
+          <p:cNvPr id="7" name="Rectangle 6"/>
+          <p:cNvSpPr/>
+          <p:nvPr/>
+        </p:nvSpPr>
+        <p:spPr>
           <a:xfrm>
-            <a:off x="251520" y="1556792"/>
-            <a:ext cx="4536504" cy="2769989"/>
+            <a:off x="2357754" y="1714488"/>
+            <a:ext cx="4080516" cy="2031325"/>
           </a:xfrm>
           <a:prstGeom prst="rect">
             <a:avLst/>
           </a:prstGeom>
-          <a:noFill/>
-          <a:ln>
-            <a:noFill/>
-          </a:ln>
-          <a:effectLst/>
-          <a:extLst>
-            <a:ext uri="{909E8E84-426E-40DD-AFC4-6F175D3DCCD1}">
-              <a14:hiddenFill xmlns:a14="http://schemas.microsoft.com/office/drawing/2010/main">
-                <a:solidFill>
-                  <a:schemeClr val="accent1"/>
-                </a:solidFill>
-              </a14:hiddenFill>
-            </a:ext>
-            <a:ext uri="{91240B29-F687-4F45-9708-019B960494DF}">
-              <a14:hiddenLine xmlns:a14="http://schemas.microsoft.com/office/drawing/2010/main" w="9525">
-                <a:solidFill>
-                  <a:schemeClr val="tx1"/>
-                </a:solidFill>
-                <a:miter lim="800000"/>
-                <a:headEnd/>
-                <a:tailEnd/>
-              </a14:hiddenLine>
-            </a:ext>
-            <a:ext uri="{AF507438-7753-43E0-B8FC-AC1667EBCBE1}">
-              <a14:hiddenEffects xmlns:a14="http://schemas.microsoft.com/office/drawing/2010/main">
-                <a:effectLst>
-                  <a:outerShdw dist="35921" dir="2700000" algn="ctr" rotWithShape="0">
-                    <a:schemeClr val="bg2"/>
-                  </a:outerShdw>
-                </a:effectLst>
-              </a14:hiddenEffects>
-            </a:ext>
-          </a:extLst>
         </p:spPr>
         <p:txBody>
-          <a:bodyPr vert="horz" wrap="square" lIns="0" tIns="0" rIns="0" bIns="0" numCol="1" anchor="ctr" anchorCtr="0" compatLnSpc="1">
-            <a:prstTxWarp prst="textNoShape">
-              <a:avLst/>
-            </a:prstTxWarp>
+          <a:bodyPr wrap="square">
             <a:spAutoFit/>
           </a:bodyPr>
           <a:lstStyle/>
           <a:p>
-            <a:pPr marL="0" marR="0" lvl="0" indent="0" algn="l" defTabSz="914400" rtl="0" eaLnBrk="0" fontAlgn="base" latinLnBrk="0" hangingPunct="0">
-              <a:lnSpc>
-                <a:spcPct val="100000"/>
-              </a:lnSpc>
-              <a:spcBef>
-                <a:spcPct val="0"/>
-              </a:spcBef>
-              <a:spcAft>
-                <a:spcPct val="0"/>
-              </a:spcAft>
-              <a:buClrTx/>
-              <a:buSzTx/>
-              <a:buFontTx/>
-              <a:buNone/>
-              <a:tabLst/>
-            </a:pPr>
-            <a:r>
-              <a:rPr kumimoji="0" lang="en-US" altLang="en-US" sz="2000" b="0" i="0" u="none" strike="noStrike" cap="none" normalizeH="0" baseline="0" dirty="0" err="1" smtClean="0">
-                <a:ln>
-                  <a:noFill/>
-                </a:ln>
-                <a:effectLst/>
-                <a:latin typeface="Ubuntu Mono"/>
-              </a:rPr>
-              <a:t>window.foo</a:t>
-            </a:r>
-            <a:endParaRPr kumimoji="0" lang="en-US" altLang="en-US" sz="2000" b="0" i="0" u="none" strike="noStrike" cap="none" normalizeH="0" baseline="0" dirty="0" smtClean="0">
-              <a:ln>
-                <a:noFill/>
-              </a:ln>
-              <a:effectLst/>
-              <a:latin typeface="Ubuntu Mono"/>
-            </a:endParaRPr>
-          </a:p>
-          <a:p>
-            <a:pPr marL="0" marR="0" lvl="0" indent="0" algn="l" defTabSz="914400" rtl="0" eaLnBrk="0" fontAlgn="base" latinLnBrk="0" hangingPunct="0">
-              <a:lnSpc>
-                <a:spcPct val="100000"/>
-              </a:lnSpc>
-              <a:spcBef>
-                <a:spcPct val="0"/>
-              </a:spcBef>
-              <a:spcAft>
-                <a:spcPct val="0"/>
-              </a:spcAft>
-              <a:buClrTx/>
-              <a:buSzTx/>
-              <a:buFontTx/>
-              <a:buNone/>
-              <a:tabLst/>
-            </a:pPr>
-            <a:endParaRPr lang="en-US" altLang="en-US" sz="2000" dirty="0">
-              <a:latin typeface="Ubuntu Mono"/>
-            </a:endParaRPr>
-          </a:p>
-          <a:p>
-            <a:pPr marL="0" marR="0" lvl="0" indent="0" algn="l" defTabSz="914400" rtl="0" eaLnBrk="0" fontAlgn="base" latinLnBrk="0" hangingPunct="0">
-              <a:lnSpc>
-                <a:spcPct val="100000"/>
-              </a:lnSpc>
-              <a:spcBef>
-                <a:spcPct val="0"/>
-              </a:spcBef>
-              <a:spcAft>
-                <a:spcPct val="0"/>
-              </a:spcAft>
-              <a:buClrTx/>
-              <a:buSzTx/>
-              <a:buFontTx/>
-              <a:buNone/>
-              <a:tabLst/>
-            </a:pPr>
-            <a:r>
-              <a:rPr lang="en-US" altLang="en-US" sz="2000" dirty="0">
-                <a:latin typeface="Ubuntu Mono"/>
-              </a:rPr>
-              <a:t>i</a:t>
-            </a:r>
-            <a:r>
-              <a:rPr kumimoji="0" lang="en-US" altLang="en-US" sz="2000" b="0" i="0" u="none" strike="noStrike" cap="none" normalizeH="0" baseline="0" dirty="0" smtClean="0">
-                <a:ln>
-                  <a:noFill/>
-                </a:ln>
-                <a:effectLst/>
-                <a:latin typeface="Ubuntu Mono"/>
-              </a:rPr>
-              <a:t>f (</a:t>
-            </a:r>
-            <a:r>
-              <a:rPr kumimoji="0" lang="en-US" altLang="en-US" sz="2000" b="0" i="0" u="none" strike="noStrike" cap="none" normalizeH="0" baseline="0" dirty="0" err="1" smtClean="0">
-                <a:ln>
-                  <a:noFill/>
-                </a:ln>
-                <a:effectLst/>
-                <a:latin typeface="Ubuntu Mono"/>
-              </a:rPr>
-              <a:t>window.foo</a:t>
-            </a:r>
-            <a:r>
-              <a:rPr kumimoji="0" lang="en-US" altLang="en-US" sz="2000" b="0" i="0" u="none" strike="noStrike" cap="none" normalizeH="0" baseline="0" dirty="0" smtClean="0">
-                <a:ln>
-                  <a:noFill/>
-                </a:ln>
-                <a:effectLst/>
-                <a:latin typeface="Ubuntu Mono"/>
-              </a:rPr>
-              <a:t>) { … }</a:t>
-            </a:r>
-          </a:p>
-          <a:p>
-            <a:pPr marL="0" indent="0" eaLnBrk="0" fontAlgn="base" hangingPunct="0">
-              <a:spcBef>
-                <a:spcPct val="0"/>
-              </a:spcBef>
-              <a:spcAft>
-                <a:spcPct val="0"/>
-              </a:spcAft>
-              <a:buNone/>
-            </a:pPr>
-            <a:r>
-              <a:rPr lang="en-US" altLang="en-US" sz="2000" dirty="0">
-                <a:latin typeface="Ubuntu Mono"/>
-              </a:rPr>
-              <a:t>if </a:t>
-            </a:r>
-            <a:r>
-              <a:rPr lang="en-US" altLang="en-US" sz="2000" dirty="0" smtClean="0">
-                <a:latin typeface="Ubuntu Mono"/>
-              </a:rPr>
-              <a:t>(“foo” in window) </a:t>
-            </a:r>
-            <a:r>
-              <a:rPr lang="en-US" altLang="en-US" sz="2000" dirty="0">
-                <a:latin typeface="Ubuntu Mono"/>
-              </a:rPr>
-              <a:t>{ … </a:t>
-            </a:r>
-            <a:r>
-              <a:rPr lang="en-US" altLang="en-US" sz="2000" dirty="0" smtClean="0">
-                <a:latin typeface="Ubuntu Mono"/>
-              </a:rPr>
+            <a:r>
+              <a:rPr lang="en-US" sz="2100" b="1" dirty="0">
+                <a:solidFill>
+                  <a:schemeClr val="bg1">
+                    <a:lumMod val="50000"/>
+                  </a:schemeClr>
+                </a:solidFill>
+              </a:rPr>
+              <a:t>&lt;script&gt;</a:t>
+            </a:r>
+            <a:endParaRPr lang="en-US" sz="2100" b="1" dirty="0"/>
+          </a:p>
+          <a:p>
+            <a:pPr lvl="1"/>
+            <a:r>
+              <a:rPr lang="en-US" sz="2100" b="1" dirty="0"/>
+              <a:t>if (("a" in window) == false) {</a:t>
+            </a:r>
+          </a:p>
+          <a:p>
+            <a:pPr lvl="1"/>
+            <a:r>
+              <a:rPr lang="en-US" sz="2100" b="1" dirty="0"/>
+              <a:t>    </a:t>
+            </a:r>
+            <a:r>
+              <a:rPr lang="en-US" sz="2100" b="1" dirty="0" err="1"/>
+              <a:t>var</a:t>
+            </a:r>
+            <a:r>
+              <a:rPr lang="en-US" sz="2100" b="1" dirty="0"/>
+              <a:t> a = 1; </a:t>
+            </a:r>
+          </a:p>
+          <a:p>
+            <a:pPr lvl="1"/>
+            <a:r>
+              <a:rPr lang="en-US" sz="2100" b="1" dirty="0"/>
               <a:t>}</a:t>
             </a:r>
           </a:p>
           <a:p>
-            <a:pPr marL="0" indent="0" eaLnBrk="0" fontAlgn="base" hangingPunct="0">
-              <a:spcBef>
-                <a:spcPct val="0"/>
-              </a:spcBef>
-              <a:spcAft>
-                <a:spcPct val="0"/>
-              </a:spcAft>
-              <a:buNone/>
-            </a:pPr>
-            <a:r>
-              <a:rPr lang="en-US" altLang="en-US" sz="2000" dirty="0">
-                <a:latin typeface="Ubuntu Mono"/>
-              </a:rPr>
-              <a:t>i</a:t>
-            </a:r>
-            <a:r>
-              <a:rPr lang="en-US" altLang="en-US" sz="2000" dirty="0" smtClean="0">
-                <a:latin typeface="Ubuntu Mono"/>
-              </a:rPr>
-              <a:t>f (</a:t>
-            </a:r>
-            <a:r>
-              <a:rPr lang="en-US" altLang="en-US" sz="2000" dirty="0" err="1" smtClean="0">
-                <a:latin typeface="Ubuntu Mono"/>
-              </a:rPr>
-              <a:t>typeof</a:t>
-            </a:r>
-            <a:r>
-              <a:rPr lang="en-US" altLang="en-US" sz="2000" dirty="0" smtClean="0">
-                <a:latin typeface="Ubuntu Mono"/>
-              </a:rPr>
-              <a:t> “foo” !== “undefined”) { … }</a:t>
-            </a:r>
-            <a:endParaRPr lang="en-US" altLang="en-US" sz="2000" dirty="0">
-              <a:latin typeface="Ubuntu Mono"/>
-            </a:endParaRPr>
-          </a:p>
-          <a:p>
-            <a:pPr marL="0" marR="0" lvl="0" indent="0" algn="l" defTabSz="914400" rtl="0" eaLnBrk="0" fontAlgn="base" latinLnBrk="0" hangingPunct="0">
-              <a:lnSpc>
-                <a:spcPct val="100000"/>
-              </a:lnSpc>
-              <a:spcBef>
-                <a:spcPct val="0"/>
-              </a:spcBef>
-              <a:spcAft>
-                <a:spcPct val="0"/>
-              </a:spcAft>
-              <a:buClrTx/>
-              <a:buSzTx/>
-              <a:buFontTx/>
-              <a:buNone/>
-              <a:tabLst/>
-            </a:pPr>
-            <a:endParaRPr kumimoji="0" lang="en-US" altLang="en-US" sz="2000" b="0" i="0" u="none" strike="noStrike" cap="none" normalizeH="0" baseline="0" dirty="0" smtClean="0">
-              <a:ln>
-                <a:noFill/>
-              </a:ln>
-              <a:effectLst/>
-              <a:latin typeface="Ubuntu Mono"/>
-            </a:endParaRPr>
-          </a:p>
-          <a:p>
-            <a:pPr marL="0" marR="0" lvl="0" indent="0" algn="l" defTabSz="914400" rtl="0" eaLnBrk="0" fontAlgn="base" latinLnBrk="0" hangingPunct="0">
-              <a:lnSpc>
-                <a:spcPct val="100000"/>
-              </a:lnSpc>
-              <a:spcBef>
-                <a:spcPct val="0"/>
-              </a:spcBef>
-              <a:spcAft>
-                <a:spcPct val="0"/>
-              </a:spcAft>
-              <a:buClrTx/>
-              <a:buSzTx/>
-              <a:buFontTx/>
-              <a:buNone/>
-              <a:tabLst/>
-            </a:pPr>
-            <a:endParaRPr kumimoji="0" lang="en-US" altLang="en-US" sz="2000" b="0" i="0" u="none" strike="noStrike" cap="none" normalizeH="0" baseline="0" dirty="0" smtClean="0">
-              <a:ln>
-                <a:noFill/>
-              </a:ln>
-              <a:effectLst/>
-              <a:latin typeface="Ubuntu Mono"/>
-            </a:endParaRPr>
-          </a:p>
-          <a:p>
-            <a:pPr marL="0" marR="0" lvl="0" indent="0" algn="l" defTabSz="914400" rtl="0" eaLnBrk="0" fontAlgn="base" latinLnBrk="0" hangingPunct="0">
-              <a:lnSpc>
-                <a:spcPct val="100000"/>
-              </a:lnSpc>
-              <a:spcBef>
-                <a:spcPct val="0"/>
-              </a:spcBef>
-              <a:spcAft>
-                <a:spcPct val="0"/>
-              </a:spcAft>
-              <a:buClrTx/>
-              <a:buSzTx/>
-              <a:buFontTx/>
-              <a:buNone/>
-              <a:tabLst/>
-            </a:pPr>
-            <a:endParaRPr lang="en-US" altLang="en-US" sz="2000" dirty="0">
-              <a:latin typeface="Ubuntu Mono"/>
-            </a:endParaRPr>
-          </a:p>
-          <a:p>
-            <a:pPr marL="0" marR="0" lvl="0" indent="0" algn="l" defTabSz="914400" rtl="0" eaLnBrk="0" fontAlgn="base" latinLnBrk="0" hangingPunct="0">
-              <a:lnSpc>
-                <a:spcPct val="100000"/>
-              </a:lnSpc>
-              <a:spcBef>
-                <a:spcPct val="0"/>
-              </a:spcBef>
-              <a:spcAft>
-                <a:spcPct val="0"/>
-              </a:spcAft>
-              <a:buClrTx/>
-              <a:buSzTx/>
-              <a:buFontTx/>
-              <a:buNone/>
-              <a:tabLst/>
-            </a:pPr>
-            <a:r>
-              <a:rPr kumimoji="0" lang="en-US" altLang="en-US" sz="2000" b="0" i="0" u="none" strike="noStrike" cap="none" normalizeH="0" baseline="0" dirty="0" smtClean="0">
-                <a:ln>
-                  <a:noFill/>
-                </a:ln>
-                <a:effectLst/>
-              </a:rPr>
-              <a:t> </a:t>
-            </a:r>
-            <a:endParaRPr kumimoji="0" lang="en-US" altLang="en-US" sz="2000" b="0" i="0" u="none" strike="noStrike" cap="none" normalizeH="0" baseline="0" dirty="0" smtClean="0">
-              <a:ln>
-                <a:noFill/>
-              </a:ln>
-              <a:effectLst/>
-              <a:latin typeface="Arial" panose="020B0604020202020204" pitchFamily="34" charset="0"/>
-            </a:endParaRPr>
+            <a:pPr lvl="1"/>
+            <a:r>
+              <a:rPr lang="en-US" sz="2100" b="1" dirty="0"/>
+              <a:t>alert(a);</a:t>
+            </a:r>
+          </a:p>
+          <a:p>
+            <a:r>
+              <a:rPr lang="en-US" sz="2100" b="1" dirty="0">
+                <a:solidFill>
+                  <a:schemeClr val="bg1">
+                    <a:lumMod val="50000"/>
+                  </a:schemeClr>
+                </a:solidFill>
+              </a:rPr>
+              <a:t>&lt;/script&gt;</a:t>
+            </a:r>
           </a:p>
         </p:txBody>
       </p:sp>
     </p:spTree>
     <p:extLst>
       <p:ext uri="{BB962C8B-B14F-4D97-AF65-F5344CB8AC3E}">
-        <p14:creationId xmlns:p14="http://schemas.microsoft.com/office/powerpoint/2010/main" val="91426937"/>
+        <p14:creationId xmlns:p14="http://schemas.microsoft.com/office/powerpoint/2010/main" val="1403691241"/>
       </p:ext>
     </p:extLst>
   </p:cSld>
   <p:clrMapOvr>
     <a:masterClrMapping/>
   </p:clrMapOvr>
+  <p:transition/>
   <p:timing>
     <p:tnLst>
       <p:par>
@@ -13530,305 +13242,387 @@
       </p:grpSpPr>
       <p:sp>
         <p:nvSpPr>
-          <p:cNvPr id="2" name="Заголовок 1"/>
+          <p:cNvPr id="2" name="Title 1"/>
           <p:cNvSpPr>
             <a:spLocks noGrp="1"/>
           </p:cNvSpPr>
           <p:nvPr>
-            <p:ph type="ctrTitle"/>
+            <p:ph type="title"/>
           </p:nvPr>
         </p:nvSpPr>
-        <p:spPr>
+        <p:spPr/>
+        <p:txBody>
+          <a:bodyPr/>
+          <a:lstStyle/>
+          <a:p>
+            <a:r>
+              <a:rPr lang="en-US" dirty="0" smtClean="0"/>
+              <a:t>Working with global</a:t>
+            </a:r>
+            <a:endParaRPr lang="en-US" dirty="0"/>
+          </a:p>
+        </p:txBody>
+      </p:sp>
+      <p:sp>
+        <p:nvSpPr>
+          <p:cNvPr id="4" name="Rectangle 1"/>
+          <p:cNvSpPr>
+            <a:spLocks noGrp="1" noChangeArrowheads="1"/>
+          </p:cNvSpPr>
+          <p:nvPr>
+            <p:ph idx="1"/>
+          </p:nvPr>
+        </p:nvSpPr>
+        <p:spPr bwMode="auto">
           <a:xfrm>
-            <a:off x="1625183" y="964389"/>
-            <a:ext cx="5829300" cy="396480"/>
-          </a:xfrm>
-        </p:spPr>
-        <p:txBody>
-          <a:bodyPr>
-            <a:normAutofit fontScale="90000"/>
-          </a:bodyPr>
-          <a:lstStyle/>
-          <a:p>
-            <a:r>
-              <a:rPr lang="en-US" b="1" dirty="0" smtClean="0">
-                <a:solidFill>
-                  <a:schemeClr val="tx1">
-                    <a:lumMod val="65000"/>
-                    <a:lumOff val="35000"/>
-                  </a:schemeClr>
-                </a:solidFill>
-              </a:rPr>
-              <a:t>Namespaces</a:t>
-            </a:r>
-            <a:endParaRPr lang="en-US" b="1" dirty="0">
-              <a:solidFill>
-                <a:schemeClr val="tx1">
-                  <a:lumMod val="65000"/>
-                  <a:lumOff val="35000"/>
-                </a:schemeClr>
-              </a:solidFill>
-            </a:endParaRPr>
-          </a:p>
-        </p:txBody>
-      </p:sp>
-      <p:sp>
-        <p:nvSpPr>
-          <p:cNvPr id="5" name="Заголовок 1"/>
-          <p:cNvSpPr txBox="1">
-            <a:spLocks/>
-          </p:cNvSpPr>
-          <p:nvPr/>
-        </p:nvSpPr>
-        <p:spPr>
-          <a:xfrm>
-            <a:off x="1571604" y="1821645"/>
-            <a:ext cx="5829300" cy="2839661"/>
+            <a:off x="251520" y="1556792"/>
+            <a:ext cx="4536504" cy="2769989"/>
           </a:xfrm>
           <a:prstGeom prst="rect">
             <a:avLst/>
           </a:prstGeom>
+          <a:noFill/>
+          <a:ln>
+            <a:noFill/>
+          </a:ln>
+          <a:effectLst/>
+          <a:extLst>
+            <a:ext uri="{909E8E84-426E-40DD-AFC4-6F175D3DCCD1}">
+              <a14:hiddenFill xmlns:a14="http://schemas.microsoft.com/office/drawing/2010/main">
+                <a:solidFill>
+                  <a:schemeClr val="accent1"/>
+                </a:solidFill>
+              </a14:hiddenFill>
+            </a:ext>
+            <a:ext uri="{91240B29-F687-4F45-9708-019B960494DF}">
+              <a14:hiddenLine xmlns:a14="http://schemas.microsoft.com/office/drawing/2010/main" w="9525">
+                <a:solidFill>
+                  <a:schemeClr val="tx1"/>
+                </a:solidFill>
+                <a:miter lim="800000"/>
+                <a:headEnd/>
+                <a:tailEnd/>
+              </a14:hiddenLine>
+            </a:ext>
+            <a:ext uri="{AF507438-7753-43E0-B8FC-AC1667EBCBE1}">
+              <a14:hiddenEffects xmlns:a14="http://schemas.microsoft.com/office/drawing/2010/main">
+                <a:effectLst>
+                  <a:outerShdw dist="35921" dir="2700000" algn="ctr" rotWithShape="0">
+                    <a:schemeClr val="bg2"/>
+                  </a:outerShdw>
+                </a:effectLst>
+              </a14:hiddenEffects>
+            </a:ext>
+          </a:extLst>
         </p:spPr>
         <p:txBody>
-          <a:bodyPr vert="horz" lIns="68580" tIns="34290" rIns="68580" bIns="34290" rtlCol="0" anchor="ctr">
-            <a:normAutofit/>
+          <a:bodyPr vert="horz" wrap="square" lIns="0" tIns="0" rIns="0" bIns="0" numCol="1" anchor="ctr" anchorCtr="0" compatLnSpc="1">
+            <a:prstTxWarp prst="textNoShape">
+              <a:avLst/>
+            </a:prstTxWarp>
+            <a:spAutoFit/>
           </a:bodyPr>
           <a:lstStyle/>
           <a:p>
-            <a:pPr>
+            <a:pPr marL="0" marR="0" lvl="0" indent="0" algn="l" defTabSz="914400" rtl="0" eaLnBrk="0" fontAlgn="base" latinLnBrk="0" hangingPunct="0">
+              <a:lnSpc>
+                <a:spcPct val="100000"/>
+              </a:lnSpc>
               <a:spcBef>
                 <a:spcPct val="0"/>
               </a:spcBef>
+              <a:spcAft>
+                <a:spcPct val="0"/>
+              </a:spcAft>
+              <a:buClrTx/>
+              <a:buSzTx/>
+              <a:buFontTx/>
+              <a:buNone/>
+              <a:tabLst/>
             </a:pPr>
-            <a:endParaRPr lang="be-BY" sz="1350"/>
-          </a:p>
-          <a:p>
-            <a:pPr>
+            <a:r>
+              <a:rPr kumimoji="0" lang="en-US" altLang="en-US" sz="2000" b="0" i="0" u="none" strike="noStrike" cap="none" normalizeH="0" baseline="0" dirty="0" err="1" smtClean="0">
+                <a:ln>
+                  <a:noFill/>
+                </a:ln>
+                <a:effectLst/>
+                <a:latin typeface="Ubuntu Mono"/>
+              </a:rPr>
+              <a:t>window.foo</a:t>
+            </a:r>
+            <a:endParaRPr kumimoji="0" lang="en-US" altLang="en-US" sz="2000" b="0" i="0" u="none" strike="noStrike" cap="none" normalizeH="0" baseline="0" dirty="0" smtClean="0">
+              <a:ln>
+                <a:noFill/>
+              </a:ln>
+              <a:effectLst/>
+              <a:latin typeface="Ubuntu Mono"/>
+            </a:endParaRPr>
+          </a:p>
+          <a:p>
+            <a:pPr marL="0" marR="0" lvl="0" indent="0" algn="l" defTabSz="914400" rtl="0" eaLnBrk="0" fontAlgn="base" latinLnBrk="0" hangingPunct="0">
+              <a:lnSpc>
+                <a:spcPct val="100000"/>
+              </a:lnSpc>
               <a:spcBef>
                 <a:spcPct val="0"/>
               </a:spcBef>
-              <a:defRPr/>
+              <a:spcAft>
+                <a:spcPct val="0"/>
+              </a:spcAft>
+              <a:buClrTx/>
+              <a:buSzTx/>
+              <a:buFontTx/>
+              <a:buNone/>
+              <a:tabLst/>
             </a:pPr>
-            <a:endParaRPr lang="be-BY" sz="3300" dirty="0">
-              <a:latin typeface="+mj-lt"/>
-              <a:ea typeface="+mj-ea"/>
-              <a:cs typeface="+mj-cs"/>
+            <a:endParaRPr lang="en-US" altLang="en-US" sz="2000" dirty="0">
+              <a:latin typeface="Ubuntu Mono"/>
             </a:endParaRPr>
           </a:p>
-        </p:txBody>
-      </p:sp>
-      <p:sp>
-        <p:nvSpPr>
-          <p:cNvPr id="10" name="Rectangle 9"/>
-          <p:cNvSpPr/>
-          <p:nvPr/>
-        </p:nvSpPr>
-        <p:spPr>
-          <a:xfrm>
-            <a:off x="1464447" y="1607332"/>
-            <a:ext cx="6375842" cy="1708160"/>
-          </a:xfrm>
-          <a:prstGeom prst="rect">
-            <a:avLst/>
-          </a:prstGeom>
-        </p:spPr>
-        <p:style>
-          <a:lnRef idx="1">
-            <a:schemeClr val="dk1"/>
-          </a:lnRef>
-          <a:fillRef idx="1001">
-            <a:schemeClr val="lt2"/>
-          </a:fillRef>
-          <a:effectRef idx="1">
-            <a:schemeClr val="dk1"/>
-          </a:effectRef>
-          <a:fontRef idx="minor">
-            <a:schemeClr val="dk1"/>
-          </a:fontRef>
-        </p:style>
-        <p:txBody>
-          <a:bodyPr wrap="square">
-            <a:spAutoFit/>
-          </a:bodyPr>
-          <a:lstStyle/>
-          <a:p>
-            <a:r>
-              <a:rPr lang="en-US" sz="1500" b="1" dirty="0"/>
-              <a:t>if (</a:t>
-            </a:r>
-            <a:r>
-              <a:rPr lang="en-US" sz="1500" b="1" dirty="0" err="1">
-                <a:solidFill>
-                  <a:srgbClr val="0070C0"/>
-                </a:solidFill>
-              </a:rPr>
-              <a:t>window</a:t>
-            </a:r>
-            <a:r>
-              <a:rPr lang="en-US" sz="1500" b="1" dirty="0" err="1"/>
-              <a:t>.</a:t>
-            </a:r>
-            <a:r>
-              <a:rPr lang="en-US" sz="1500" b="1" dirty="0" err="1">
-                <a:solidFill>
-                  <a:schemeClr val="accent6">
-                    <a:lumMod val="75000"/>
-                  </a:schemeClr>
-                </a:solidFill>
-              </a:rPr>
-              <a:t>myNamespace</a:t>
-            </a:r>
-            <a:r>
-              <a:rPr lang="en-US" sz="1500" b="1" dirty="0"/>
-              <a:t> == </a:t>
-            </a:r>
-            <a:r>
-              <a:rPr lang="en-US" sz="1500" b="1" dirty="0">
-                <a:solidFill>
-                  <a:srgbClr val="00B050"/>
-                </a:solidFill>
-              </a:rPr>
-              <a:t>null</a:t>
-            </a:r>
-            <a:r>
-              <a:rPr lang="en-US" sz="1500" b="1" dirty="0"/>
-              <a:t>){</a:t>
-            </a:r>
-          </a:p>
-          <a:p>
-            <a:r>
-              <a:rPr lang="en-US" sz="1500" b="1" dirty="0"/>
-              <a:t>	</a:t>
-            </a:r>
-            <a:r>
-              <a:rPr lang="en-US" sz="1500" b="1" dirty="0" err="1">
-                <a:solidFill>
-                  <a:srgbClr val="0070C0"/>
-                </a:solidFill>
-              </a:rPr>
-              <a:t>window</a:t>
-            </a:r>
-            <a:r>
-              <a:rPr lang="en-US" sz="1500" b="1" dirty="0" err="1"/>
-              <a:t>.</a:t>
-            </a:r>
-            <a:r>
-              <a:rPr lang="en-US" sz="1500" b="1" dirty="0" err="1">
-                <a:solidFill>
-                  <a:schemeClr val="accent6">
-                    <a:lumMod val="75000"/>
-                  </a:schemeClr>
-                </a:solidFill>
-              </a:rPr>
-              <a:t>myNamespace</a:t>
-            </a:r>
-            <a:r>
-              <a:rPr lang="en-US" sz="1500" b="1" dirty="0"/>
-              <a:t> = {}; 	</a:t>
-            </a:r>
-          </a:p>
-          <a:p>
-            <a:r>
-              <a:rPr lang="en-US" sz="1500" b="1" dirty="0"/>
+          <a:p>
+            <a:pPr marL="0" marR="0" lvl="0" indent="0" algn="l" defTabSz="914400" rtl="0" eaLnBrk="0" fontAlgn="base" latinLnBrk="0" hangingPunct="0">
+              <a:lnSpc>
+                <a:spcPct val="100000"/>
+              </a:lnSpc>
+              <a:spcBef>
+                <a:spcPct val="0"/>
+              </a:spcBef>
+              <a:spcAft>
+                <a:spcPct val="0"/>
+              </a:spcAft>
+              <a:buClrTx/>
+              <a:buSzTx/>
+              <a:buFontTx/>
+              <a:buNone/>
+              <a:tabLst/>
+            </a:pPr>
+            <a:r>
+              <a:rPr lang="en-US" altLang="en-US" sz="2000" dirty="0">
+                <a:latin typeface="Ubuntu Mono"/>
+              </a:rPr>
+              <a:t>i</a:t>
+            </a:r>
+            <a:r>
+              <a:rPr kumimoji="0" lang="en-US" altLang="en-US" sz="2000" b="0" i="0" u="none" strike="noStrike" cap="none" normalizeH="0" baseline="0" dirty="0" smtClean="0">
+                <a:ln>
+                  <a:noFill/>
+                </a:ln>
+                <a:effectLst/>
+                <a:latin typeface="Ubuntu Mono"/>
+              </a:rPr>
+              <a:t>f (</a:t>
+            </a:r>
+            <a:r>
+              <a:rPr kumimoji="0" lang="en-US" altLang="en-US" sz="2000" b="0" i="0" u="none" strike="noStrike" cap="none" normalizeH="0" baseline="0" dirty="0" err="1" smtClean="0">
+                <a:ln>
+                  <a:noFill/>
+                </a:ln>
+                <a:effectLst/>
+                <a:latin typeface="Ubuntu Mono"/>
+              </a:rPr>
+              <a:t>window.foo</a:t>
+            </a:r>
+            <a:r>
+              <a:rPr kumimoji="0" lang="en-US" altLang="en-US" sz="2000" b="0" i="0" u="none" strike="noStrike" cap="none" normalizeH="0" baseline="0" dirty="0" smtClean="0">
+                <a:ln>
+                  <a:noFill/>
+                </a:ln>
+                <a:effectLst/>
+                <a:latin typeface="Ubuntu Mono"/>
+              </a:rPr>
+              <a:t>) { … }</a:t>
+            </a:r>
+          </a:p>
+          <a:p>
+            <a:pPr marL="0" indent="0" eaLnBrk="0" fontAlgn="base" hangingPunct="0">
+              <a:spcBef>
+                <a:spcPct val="0"/>
+              </a:spcBef>
+              <a:spcAft>
+                <a:spcPct val="0"/>
+              </a:spcAft>
+              <a:buNone/>
+            </a:pPr>
+            <a:r>
+              <a:rPr lang="en-US" altLang="en-US" sz="2000" dirty="0">
+                <a:latin typeface="Ubuntu Mono"/>
+              </a:rPr>
+              <a:t>if </a:t>
+            </a:r>
+            <a:r>
+              <a:rPr lang="en-US" altLang="en-US" sz="2000" dirty="0" smtClean="0">
+                <a:latin typeface="Ubuntu Mono"/>
+              </a:rPr>
+              <a:t>(“foo” in window) </a:t>
+            </a:r>
+            <a:r>
+              <a:rPr lang="en-US" altLang="en-US" sz="2000" dirty="0">
+                <a:latin typeface="Ubuntu Mono"/>
+              </a:rPr>
+              <a:t>{ … </a:t>
+            </a:r>
+            <a:r>
+              <a:rPr lang="en-US" altLang="en-US" sz="2000" dirty="0" smtClean="0">
+                <a:latin typeface="Ubuntu Mono"/>
+              </a:rPr>
               <a:t>}</a:t>
             </a:r>
           </a:p>
           <a:p>
-            <a:endParaRPr lang="en-US" sz="1500" b="1" dirty="0"/>
-          </a:p>
-          <a:p>
-            <a:r>
-              <a:rPr lang="en-US" sz="1500" b="1" dirty="0" err="1">
-                <a:solidFill>
-                  <a:srgbClr val="0070C0"/>
-                </a:solidFill>
-              </a:rPr>
-              <a:t>window</a:t>
-            </a:r>
-            <a:r>
-              <a:rPr lang="en-US" sz="1500" b="1" dirty="0" err="1"/>
-              <a:t>.</a:t>
-            </a:r>
-            <a:r>
-              <a:rPr lang="en-US" sz="1500" b="1" dirty="0" err="1">
-                <a:solidFill>
-                  <a:schemeClr val="accent6">
-                    <a:lumMod val="75000"/>
-                  </a:schemeClr>
-                </a:solidFill>
-              </a:rPr>
-              <a:t>myNamespace</a:t>
-            </a:r>
-            <a:r>
-              <a:rPr lang="en-US" sz="1500" b="1" dirty="0" err="1"/>
-              <a:t>.</a:t>
-            </a:r>
-            <a:r>
-              <a:rPr lang="en-US" sz="1500" b="1" dirty="0" err="1">
-                <a:solidFill>
-                  <a:srgbClr val="0070C0"/>
-                </a:solidFill>
-              </a:rPr>
-              <a:t>myFunction</a:t>
-            </a:r>
-            <a:r>
-              <a:rPr lang="en-US" sz="1500" b="1" dirty="0">
-                <a:solidFill>
-                  <a:srgbClr val="0070C0"/>
-                </a:solidFill>
+            <a:pPr marL="0" indent="0" eaLnBrk="0" fontAlgn="base" hangingPunct="0">
+              <a:spcBef>
+                <a:spcPct val="0"/>
+              </a:spcBef>
+              <a:spcAft>
+                <a:spcPct val="0"/>
+              </a:spcAft>
+              <a:buNone/>
+            </a:pPr>
+            <a:r>
+              <a:rPr lang="en-US" altLang="en-US" sz="2000" dirty="0">
+                <a:latin typeface="Ubuntu Mono"/>
+              </a:rPr>
+              <a:t>i</a:t>
+            </a:r>
+            <a:r>
+              <a:rPr lang="en-US" altLang="en-US" sz="2000" dirty="0" smtClean="0">
+                <a:latin typeface="Ubuntu Mono"/>
+              </a:rPr>
+              <a:t>f (</a:t>
+            </a:r>
+            <a:r>
+              <a:rPr lang="en-US" altLang="en-US" sz="2000" dirty="0" err="1" smtClean="0">
+                <a:latin typeface="Ubuntu Mono"/>
+              </a:rPr>
+              <a:t>typeof</a:t>
+            </a:r>
+            <a:r>
+              <a:rPr lang="en-US" altLang="en-US" sz="2000" dirty="0" smtClean="0">
+                <a:latin typeface="Ubuntu Mono"/>
+              </a:rPr>
+              <a:t> “foo” !== “undefined”) { … }</a:t>
+            </a:r>
+            <a:endParaRPr lang="en-US" altLang="en-US" sz="2000" dirty="0">
+              <a:latin typeface="Ubuntu Mono"/>
+            </a:endParaRPr>
+          </a:p>
+          <a:p>
+            <a:pPr marL="0" marR="0" lvl="0" indent="0" algn="l" defTabSz="914400" rtl="0" eaLnBrk="0" fontAlgn="base" latinLnBrk="0" hangingPunct="0">
+              <a:lnSpc>
+                <a:spcPct val="100000"/>
+              </a:lnSpc>
+              <a:spcBef>
+                <a:spcPct val="0"/>
+              </a:spcBef>
+              <a:spcAft>
+                <a:spcPct val="0"/>
+              </a:spcAft>
+              <a:buClrTx/>
+              <a:buSzTx/>
+              <a:buFontTx/>
+              <a:buNone/>
+              <a:tabLst/>
+            </a:pPr>
+            <a:endParaRPr kumimoji="0" lang="en-US" altLang="en-US" sz="2000" b="0" i="0" u="none" strike="noStrike" cap="none" normalizeH="0" baseline="0" dirty="0" smtClean="0">
+              <a:ln>
+                <a:noFill/>
+              </a:ln>
+              <a:effectLst/>
+              <a:latin typeface="Ubuntu Mono"/>
+            </a:endParaRPr>
+          </a:p>
+          <a:p>
+            <a:pPr marL="0" marR="0" lvl="0" indent="0" algn="l" defTabSz="914400" rtl="0" eaLnBrk="0" fontAlgn="base" latinLnBrk="0" hangingPunct="0">
+              <a:lnSpc>
+                <a:spcPct val="100000"/>
+              </a:lnSpc>
+              <a:spcBef>
+                <a:spcPct val="0"/>
+              </a:spcBef>
+              <a:spcAft>
+                <a:spcPct val="0"/>
+              </a:spcAft>
+              <a:buClrTx/>
+              <a:buSzTx/>
+              <a:buFontTx/>
+              <a:buNone/>
+              <a:tabLst/>
+            </a:pPr>
+            <a:endParaRPr kumimoji="0" lang="en-US" altLang="en-US" sz="2000" b="0" i="0" u="none" strike="noStrike" cap="none" normalizeH="0" baseline="0" dirty="0" smtClean="0">
+              <a:ln>
+                <a:noFill/>
+              </a:ln>
+              <a:effectLst/>
+              <a:latin typeface="Ubuntu Mono"/>
+            </a:endParaRPr>
+          </a:p>
+          <a:p>
+            <a:pPr marL="0" marR="0" lvl="0" indent="0" algn="l" defTabSz="914400" rtl="0" eaLnBrk="0" fontAlgn="base" latinLnBrk="0" hangingPunct="0">
+              <a:lnSpc>
+                <a:spcPct val="100000"/>
+              </a:lnSpc>
+              <a:spcBef>
+                <a:spcPct val="0"/>
+              </a:spcBef>
+              <a:spcAft>
+                <a:spcPct val="0"/>
+              </a:spcAft>
+              <a:buClrTx/>
+              <a:buSzTx/>
+              <a:buFontTx/>
+              <a:buNone/>
+              <a:tabLst/>
+            </a:pPr>
+            <a:endParaRPr lang="en-US" altLang="en-US" sz="2000" dirty="0">
+              <a:latin typeface="Ubuntu Mono"/>
+            </a:endParaRPr>
+          </a:p>
+          <a:p>
+            <a:pPr marL="0" marR="0" lvl="0" indent="0" algn="l" defTabSz="914400" rtl="0" eaLnBrk="0" fontAlgn="base" latinLnBrk="0" hangingPunct="0">
+              <a:lnSpc>
+                <a:spcPct val="100000"/>
+              </a:lnSpc>
+              <a:spcBef>
+                <a:spcPct val="0"/>
+              </a:spcBef>
+              <a:spcAft>
+                <a:spcPct val="0"/>
+              </a:spcAft>
+              <a:buClrTx/>
+              <a:buSzTx/>
+              <a:buFontTx/>
+              <a:buNone/>
+              <a:tabLst/>
+            </a:pPr>
+            <a:r>
+              <a:rPr kumimoji="0" lang="en-US" altLang="en-US" sz="2000" b="0" i="0" u="none" strike="noStrike" cap="none" normalizeH="0" baseline="0" dirty="0" smtClean="0">
+                <a:ln>
+                  <a:noFill/>
+                </a:ln>
+                <a:effectLst/>
               </a:rPr>
               <a:t> </a:t>
             </a:r>
-            <a:r>
-              <a:rPr lang="en-US" sz="1500" b="1" dirty="0"/>
-              <a:t>= function(</a:t>
-            </a:r>
-            <a:r>
-              <a:rPr lang="en-US" sz="1500" dirty="0"/>
-              <a:t>/* </a:t>
-            </a:r>
-            <a:r>
-              <a:rPr lang="en-US" sz="1500" dirty="0" err="1"/>
-              <a:t>params</a:t>
-            </a:r>
-            <a:r>
-              <a:rPr lang="en-US" sz="1500" dirty="0"/>
-              <a:t>*/ </a:t>
-            </a:r>
-            <a:r>
-              <a:rPr lang="en-US" sz="1500" b="1" dirty="0"/>
-              <a:t>) {</a:t>
-            </a:r>
-          </a:p>
-          <a:p>
-            <a:r>
-              <a:rPr lang="en-US" sz="1500" b="1" dirty="0"/>
-              <a:t>	</a:t>
-            </a:r>
-            <a:r>
-              <a:rPr lang="en-US" sz="1500" dirty="0"/>
-              <a:t>/* code here */ </a:t>
-            </a:r>
-          </a:p>
-          <a:p>
-            <a:r>
-              <a:rPr lang="en-US" sz="1500" b="1" dirty="0"/>
-              <a:t>};</a:t>
-            </a:r>
+            <a:endParaRPr kumimoji="0" lang="en-US" altLang="en-US" sz="2000" b="0" i="0" u="none" strike="noStrike" cap="none" normalizeH="0" baseline="0" dirty="0" smtClean="0">
+              <a:ln>
+                <a:noFill/>
+              </a:ln>
+              <a:effectLst/>
+              <a:latin typeface="Arial" panose="020B0604020202020204" pitchFamily="34" charset="0"/>
+            </a:endParaRPr>
           </a:p>
         </p:txBody>
       </p:sp>
     </p:spTree>
     <p:extLst>
       <p:ext uri="{BB962C8B-B14F-4D97-AF65-F5344CB8AC3E}">
-        <p14:creationId xmlns:p14="http://schemas.microsoft.com/office/powerpoint/2010/main" val="3154139996"/>
+        <p14:creationId xmlns:p14="http://schemas.microsoft.com/office/powerpoint/2010/main" val="91426937"/>
       </p:ext>
     </p:extLst>
   </p:cSld>
   <p:clrMapOvr>
     <a:masterClrMapping/>
   </p:clrMapOvr>
-  <p:transition/>
   <p:timing>
     <p:tnLst>
       <p:par>
@@ -13858,6 +13652,334 @@
       </p:grpSpPr>
       <p:sp>
         <p:nvSpPr>
+          <p:cNvPr id="2" name="Заголовок 1"/>
+          <p:cNvSpPr>
+            <a:spLocks noGrp="1"/>
+          </p:cNvSpPr>
+          <p:nvPr>
+            <p:ph type="ctrTitle"/>
+          </p:nvPr>
+        </p:nvSpPr>
+        <p:spPr>
+          <a:xfrm>
+            <a:off x="1625183" y="964389"/>
+            <a:ext cx="5829300" cy="396480"/>
+          </a:xfrm>
+        </p:spPr>
+        <p:txBody>
+          <a:bodyPr>
+            <a:normAutofit fontScale="90000"/>
+          </a:bodyPr>
+          <a:lstStyle/>
+          <a:p>
+            <a:r>
+              <a:rPr lang="en-US" b="1" dirty="0" smtClean="0">
+                <a:solidFill>
+                  <a:schemeClr val="tx1">
+                    <a:lumMod val="65000"/>
+                    <a:lumOff val="35000"/>
+                  </a:schemeClr>
+                </a:solidFill>
+              </a:rPr>
+              <a:t>Namespaces</a:t>
+            </a:r>
+            <a:endParaRPr lang="en-US" b="1" dirty="0">
+              <a:solidFill>
+                <a:schemeClr val="tx1">
+                  <a:lumMod val="65000"/>
+                  <a:lumOff val="35000"/>
+                </a:schemeClr>
+              </a:solidFill>
+            </a:endParaRPr>
+          </a:p>
+        </p:txBody>
+      </p:sp>
+      <p:sp>
+        <p:nvSpPr>
+          <p:cNvPr id="5" name="Заголовок 1"/>
+          <p:cNvSpPr txBox="1">
+            <a:spLocks/>
+          </p:cNvSpPr>
+          <p:nvPr/>
+        </p:nvSpPr>
+        <p:spPr>
+          <a:xfrm>
+            <a:off x="1571604" y="1821645"/>
+            <a:ext cx="5829300" cy="2839661"/>
+          </a:xfrm>
+          <a:prstGeom prst="rect">
+            <a:avLst/>
+          </a:prstGeom>
+        </p:spPr>
+        <p:txBody>
+          <a:bodyPr vert="horz" lIns="68580" tIns="34290" rIns="68580" bIns="34290" rtlCol="0" anchor="ctr">
+            <a:normAutofit/>
+          </a:bodyPr>
+          <a:lstStyle/>
+          <a:p>
+            <a:pPr>
+              <a:spcBef>
+                <a:spcPct val="0"/>
+              </a:spcBef>
+            </a:pPr>
+            <a:endParaRPr lang="be-BY" sz="1350"/>
+          </a:p>
+          <a:p>
+            <a:pPr>
+              <a:spcBef>
+                <a:spcPct val="0"/>
+              </a:spcBef>
+              <a:defRPr/>
+            </a:pPr>
+            <a:endParaRPr lang="be-BY" sz="3300" dirty="0">
+              <a:latin typeface="+mj-lt"/>
+              <a:ea typeface="+mj-ea"/>
+              <a:cs typeface="+mj-cs"/>
+            </a:endParaRPr>
+          </a:p>
+        </p:txBody>
+      </p:sp>
+      <p:sp>
+        <p:nvSpPr>
+          <p:cNvPr id="10" name="Rectangle 9"/>
+          <p:cNvSpPr/>
+          <p:nvPr/>
+        </p:nvSpPr>
+        <p:spPr>
+          <a:xfrm>
+            <a:off x="1464447" y="1607332"/>
+            <a:ext cx="6375842" cy="1708160"/>
+          </a:xfrm>
+          <a:prstGeom prst="rect">
+            <a:avLst/>
+          </a:prstGeom>
+        </p:spPr>
+        <p:style>
+          <a:lnRef idx="1">
+            <a:schemeClr val="dk1"/>
+          </a:lnRef>
+          <a:fillRef idx="1001">
+            <a:schemeClr val="lt2"/>
+          </a:fillRef>
+          <a:effectRef idx="1">
+            <a:schemeClr val="dk1"/>
+          </a:effectRef>
+          <a:fontRef idx="minor">
+            <a:schemeClr val="dk1"/>
+          </a:fontRef>
+        </p:style>
+        <p:txBody>
+          <a:bodyPr wrap="square">
+            <a:spAutoFit/>
+          </a:bodyPr>
+          <a:lstStyle/>
+          <a:p>
+            <a:r>
+              <a:rPr lang="en-US" sz="1500" b="1" dirty="0"/>
+              <a:t>if (</a:t>
+            </a:r>
+            <a:r>
+              <a:rPr lang="en-US" sz="1500" b="1" dirty="0" err="1">
+                <a:solidFill>
+                  <a:srgbClr val="0070C0"/>
+                </a:solidFill>
+              </a:rPr>
+              <a:t>window</a:t>
+            </a:r>
+            <a:r>
+              <a:rPr lang="en-US" sz="1500" b="1" dirty="0" err="1"/>
+              <a:t>.</a:t>
+            </a:r>
+            <a:r>
+              <a:rPr lang="en-US" sz="1500" b="1" dirty="0" err="1">
+                <a:solidFill>
+                  <a:schemeClr val="accent6">
+                    <a:lumMod val="75000"/>
+                  </a:schemeClr>
+                </a:solidFill>
+              </a:rPr>
+              <a:t>myNamespace</a:t>
+            </a:r>
+            <a:r>
+              <a:rPr lang="en-US" sz="1500" b="1" dirty="0"/>
+              <a:t> == </a:t>
+            </a:r>
+            <a:r>
+              <a:rPr lang="en-US" sz="1500" b="1" dirty="0">
+                <a:solidFill>
+                  <a:srgbClr val="00B050"/>
+                </a:solidFill>
+              </a:rPr>
+              <a:t>null</a:t>
+            </a:r>
+            <a:r>
+              <a:rPr lang="en-US" sz="1500" b="1" dirty="0"/>
+              <a:t>){</a:t>
+            </a:r>
+          </a:p>
+          <a:p>
+            <a:r>
+              <a:rPr lang="en-US" sz="1500" b="1" dirty="0"/>
+              <a:t>	</a:t>
+            </a:r>
+            <a:r>
+              <a:rPr lang="en-US" sz="1500" b="1" dirty="0" err="1">
+                <a:solidFill>
+                  <a:srgbClr val="0070C0"/>
+                </a:solidFill>
+              </a:rPr>
+              <a:t>window</a:t>
+            </a:r>
+            <a:r>
+              <a:rPr lang="en-US" sz="1500" b="1" dirty="0" err="1"/>
+              <a:t>.</a:t>
+            </a:r>
+            <a:r>
+              <a:rPr lang="en-US" sz="1500" b="1" dirty="0" err="1">
+                <a:solidFill>
+                  <a:schemeClr val="accent6">
+                    <a:lumMod val="75000"/>
+                  </a:schemeClr>
+                </a:solidFill>
+              </a:rPr>
+              <a:t>myNamespace</a:t>
+            </a:r>
+            <a:r>
+              <a:rPr lang="en-US" sz="1500" b="1" dirty="0"/>
+              <a:t> = {}; 	</a:t>
+            </a:r>
+          </a:p>
+          <a:p>
+            <a:r>
+              <a:rPr lang="en-US" sz="1500" b="1" dirty="0"/>
+              <a:t>}</a:t>
+            </a:r>
+          </a:p>
+          <a:p>
+            <a:endParaRPr lang="en-US" sz="1500" b="1" dirty="0"/>
+          </a:p>
+          <a:p>
+            <a:r>
+              <a:rPr lang="en-US" sz="1500" b="1" dirty="0" err="1">
+                <a:solidFill>
+                  <a:srgbClr val="0070C0"/>
+                </a:solidFill>
+              </a:rPr>
+              <a:t>window</a:t>
+            </a:r>
+            <a:r>
+              <a:rPr lang="en-US" sz="1500" b="1" dirty="0" err="1"/>
+              <a:t>.</a:t>
+            </a:r>
+            <a:r>
+              <a:rPr lang="en-US" sz="1500" b="1" dirty="0" err="1">
+                <a:solidFill>
+                  <a:schemeClr val="accent6">
+                    <a:lumMod val="75000"/>
+                  </a:schemeClr>
+                </a:solidFill>
+              </a:rPr>
+              <a:t>myNamespace</a:t>
+            </a:r>
+            <a:r>
+              <a:rPr lang="en-US" sz="1500" b="1" dirty="0" err="1"/>
+              <a:t>.</a:t>
+            </a:r>
+            <a:r>
+              <a:rPr lang="en-US" sz="1500" b="1" dirty="0" err="1">
+                <a:solidFill>
+                  <a:srgbClr val="0070C0"/>
+                </a:solidFill>
+              </a:rPr>
+              <a:t>myFunction</a:t>
+            </a:r>
+            <a:r>
+              <a:rPr lang="en-US" sz="1500" b="1" dirty="0">
+                <a:solidFill>
+                  <a:srgbClr val="0070C0"/>
+                </a:solidFill>
+              </a:rPr>
+              <a:t> </a:t>
+            </a:r>
+            <a:r>
+              <a:rPr lang="en-US" sz="1500" b="1" dirty="0"/>
+              <a:t>= function(</a:t>
+            </a:r>
+            <a:r>
+              <a:rPr lang="en-US" sz="1500" dirty="0"/>
+              <a:t>/* </a:t>
+            </a:r>
+            <a:r>
+              <a:rPr lang="en-US" sz="1500" dirty="0" err="1"/>
+              <a:t>params</a:t>
+            </a:r>
+            <a:r>
+              <a:rPr lang="en-US" sz="1500" dirty="0"/>
+              <a:t>*/ </a:t>
+            </a:r>
+            <a:r>
+              <a:rPr lang="en-US" sz="1500" b="1" dirty="0"/>
+              <a:t>) {</a:t>
+            </a:r>
+          </a:p>
+          <a:p>
+            <a:r>
+              <a:rPr lang="en-US" sz="1500" b="1" dirty="0"/>
+              <a:t>	</a:t>
+            </a:r>
+            <a:r>
+              <a:rPr lang="en-US" sz="1500" dirty="0"/>
+              <a:t>/* code here */ </a:t>
+            </a:r>
+          </a:p>
+          <a:p>
+            <a:r>
+              <a:rPr lang="en-US" sz="1500" b="1" dirty="0"/>
+              <a:t>};</a:t>
+            </a:r>
+          </a:p>
+        </p:txBody>
+      </p:sp>
+    </p:spTree>
+    <p:extLst>
+      <p:ext uri="{BB962C8B-B14F-4D97-AF65-F5344CB8AC3E}">
+        <p14:creationId xmlns:p14="http://schemas.microsoft.com/office/powerpoint/2010/main" val="3154139996"/>
+      </p:ext>
+    </p:extLst>
+  </p:cSld>
+  <p:clrMapOvr>
+    <a:masterClrMapping/>
+  </p:clrMapOvr>
+  <p:transition/>
+  <p:timing>
+    <p:tnLst>
+      <p:par>
+        <p:cTn id="1" dur="indefinite" restart="never" nodeType="tmRoot"/>
+      </p:par>
+    </p:tnLst>
+  </p:timing>
+</p:sld>
+</file>
+
+<file path=ppt/slides/slide32.xml><?xml version="1.0" encoding="utf-8"?>
+<p:sld xmlns:a="http://schemas.openxmlformats.org/drawingml/2006/main" xmlns:r="http://schemas.openxmlformats.org/officeDocument/2006/relationships" xmlns:p="http://schemas.openxmlformats.org/presentationml/2006/main">
+  <p:cSld>
+    <p:spTree>
+      <p:nvGrpSpPr>
+        <p:cNvPr id="1" name=""/>
+        <p:cNvGrpSpPr/>
+        <p:nvPr/>
+      </p:nvGrpSpPr>
+      <p:grpSpPr>
+        <a:xfrm>
+          <a:off x="0" y="0"/>
+          <a:ext cx="0" cy="0"/>
+          <a:chOff x="0" y="0"/>
+          <a:chExt cx="0" cy="0"/>
+        </a:xfrm>
+      </p:grpSpPr>
+      <p:sp>
+        <p:nvSpPr>
           <p:cNvPr id="2" name="Title 1"/>
           <p:cNvSpPr>
             <a:spLocks noGrp="1"/>
@@ -13910,7 +14032,7 @@
 </p:sld>
 </file>
 
-<file path=ppt/slides/slide32.xml><?xml version="1.0" encoding="utf-8"?>
+<file path=ppt/slides/slide33.xml><?xml version="1.0" encoding="utf-8"?>
 <p:sld xmlns:a="http://schemas.openxmlformats.org/drawingml/2006/main" xmlns:r="http://schemas.openxmlformats.org/officeDocument/2006/relationships" xmlns:p="http://schemas.openxmlformats.org/presentationml/2006/main">
   <p:cSld>
     <p:spTree>
@@ -15009,28 +15131,7 @@
             </a:r>
             <a:r>
               <a:rPr lang="en-US" dirty="0"/>
-              <a:t>- is a logical boundaries in which a variable (or </a:t>
-            </a:r>
-            <a:r>
-              <a:rPr lang="en-US" dirty="0" smtClean="0"/>
-              <a:t>expression</a:t>
-            </a:r>
-            <a:r>
-              <a:rPr lang="en-US" dirty="0"/>
-              <a:t>) has its meaning. </a:t>
-            </a:r>
-          </a:p>
-          <a:p>
-            <a:pPr marL="0" indent="0">
-              <a:buNone/>
-            </a:pPr>
-            <a:r>
-              <a:rPr lang="en-US" dirty="0" smtClean="0"/>
-              <a:t>	For </a:t>
-            </a:r>
-            <a:r>
-              <a:rPr lang="en-US" dirty="0"/>
-              <a:t>example, a global variable, a local variable, </a:t>
+              <a:t>- is a logical boundaries in which a variable (or expression) has its meaning. For example, a global variable, a local variable, </a:t>
             </a:r>
             <a:r>
               <a:rPr lang="en-US" dirty="0" err="1"/>
@@ -15038,29 +15139,15 @@
             </a:r>
             <a:r>
               <a:rPr lang="en-US" dirty="0"/>
-              <a:t>, which generally reflects a logical range of a </a:t>
-            </a:r>
-            <a:r>
-              <a:rPr lang="en-US" dirty="0" smtClean="0"/>
-              <a:t>variable </a:t>
-            </a:r>
-            <a:r>
-              <a:rPr lang="en-US" dirty="0"/>
-              <a:t>lifetime.</a:t>
-            </a:r>
-          </a:p>
-          <a:p>
-            <a:pPr marL="0" indent="0">
-              <a:buNone/>
-            </a:pPr>
-            <a:endParaRPr lang="en-US" dirty="0"/>
+              <a:t>, which generally reflects a logical range of a variable lifetime.</a:t>
+            </a:r>
           </a:p>
         </p:txBody>
       </p:sp>
     </p:spTree>
     <p:extLst>
       <p:ext uri="{BB962C8B-B14F-4D97-AF65-F5344CB8AC3E}">
-        <p14:creationId xmlns:p14="http://schemas.microsoft.com/office/powerpoint/2010/main" val="915147315"/>
+        <p14:creationId xmlns:p14="http://schemas.microsoft.com/office/powerpoint/2010/main" val="2763282151"/>
       </p:ext>
     </p:extLst>
   </p:cSld>

--- a/lecture-3-recap-scope/scope.pptx
+++ b/lecture-3-recap-scope/scope.pptx
@@ -241,7 +241,7 @@
             <a:fld id="{83C55866-C109-46F5-A1A5-A583FE70736B}" type="datetimeFigureOut">
               <a:rPr lang="be-BY" smtClean="0"/>
               <a:pPr/>
-              <a:t>13.10.2015</a:t>
+              <a:t>15.10.2015</a:t>
             </a:fld>
             <a:endParaRPr lang="be-BY"/>
           </a:p>
@@ -1493,7 +1493,7 @@
             <a:fld id="{ADF9D30C-D1AE-43D8-9AC8-81DD3F555E58}" type="datetimeFigureOut">
               <a:rPr lang="be-BY" smtClean="0"/>
               <a:pPr/>
-              <a:t>13.10.2015</a:t>
+              <a:t>15.10.2015</a:t>
             </a:fld>
             <a:endParaRPr lang="be-BY"/>
           </a:p>
@@ -1660,7 +1660,7 @@
             <a:fld id="{ADF9D30C-D1AE-43D8-9AC8-81DD3F555E58}" type="datetimeFigureOut">
               <a:rPr lang="be-BY" smtClean="0"/>
               <a:pPr/>
-              <a:t>13.10.2015</a:t>
+              <a:t>15.10.2015</a:t>
             </a:fld>
             <a:endParaRPr lang="be-BY"/>
           </a:p>
@@ -1837,7 +1837,7 @@
             <a:fld id="{ADF9D30C-D1AE-43D8-9AC8-81DD3F555E58}" type="datetimeFigureOut">
               <a:rPr lang="be-BY" smtClean="0"/>
               <a:pPr/>
-              <a:t>13.10.2015</a:t>
+              <a:t>15.10.2015</a:t>
             </a:fld>
             <a:endParaRPr lang="be-BY"/>
           </a:p>
@@ -2004,7 +2004,7 @@
             <a:fld id="{ADF9D30C-D1AE-43D8-9AC8-81DD3F555E58}" type="datetimeFigureOut">
               <a:rPr lang="be-BY" smtClean="0"/>
               <a:pPr/>
-              <a:t>13.10.2015</a:t>
+              <a:t>15.10.2015</a:t>
             </a:fld>
             <a:endParaRPr lang="be-BY"/>
           </a:p>
@@ -2247,7 +2247,7 @@
             <a:fld id="{ADF9D30C-D1AE-43D8-9AC8-81DD3F555E58}" type="datetimeFigureOut">
               <a:rPr lang="be-BY" smtClean="0"/>
               <a:pPr/>
-              <a:t>13.10.2015</a:t>
+              <a:t>15.10.2015</a:t>
             </a:fld>
             <a:endParaRPr lang="be-BY"/>
           </a:p>
@@ -2532,7 +2532,7 @@
             <a:fld id="{ADF9D30C-D1AE-43D8-9AC8-81DD3F555E58}" type="datetimeFigureOut">
               <a:rPr lang="be-BY" smtClean="0"/>
               <a:pPr/>
-              <a:t>13.10.2015</a:t>
+              <a:t>15.10.2015</a:t>
             </a:fld>
             <a:endParaRPr lang="be-BY"/>
           </a:p>
@@ -2951,7 +2951,7 @@
             <a:fld id="{ADF9D30C-D1AE-43D8-9AC8-81DD3F555E58}" type="datetimeFigureOut">
               <a:rPr lang="be-BY" smtClean="0"/>
               <a:pPr/>
-              <a:t>13.10.2015</a:t>
+              <a:t>15.10.2015</a:t>
             </a:fld>
             <a:endParaRPr lang="be-BY"/>
           </a:p>
@@ -3066,7 +3066,7 @@
             <a:fld id="{ADF9D30C-D1AE-43D8-9AC8-81DD3F555E58}" type="datetimeFigureOut">
               <a:rPr lang="be-BY" smtClean="0"/>
               <a:pPr/>
-              <a:t>13.10.2015</a:t>
+              <a:t>15.10.2015</a:t>
             </a:fld>
             <a:endParaRPr lang="be-BY"/>
           </a:p>
@@ -3158,7 +3158,7 @@
             <a:fld id="{ADF9D30C-D1AE-43D8-9AC8-81DD3F555E58}" type="datetimeFigureOut">
               <a:rPr lang="be-BY" smtClean="0"/>
               <a:pPr/>
-              <a:t>13.10.2015</a:t>
+              <a:t>15.10.2015</a:t>
             </a:fld>
             <a:endParaRPr lang="be-BY"/>
           </a:p>
@@ -3432,7 +3432,7 @@
             <a:fld id="{ADF9D30C-D1AE-43D8-9AC8-81DD3F555E58}" type="datetimeFigureOut">
               <a:rPr lang="be-BY" smtClean="0"/>
               <a:pPr/>
-              <a:t>13.10.2015</a:t>
+              <a:t>15.10.2015</a:t>
             </a:fld>
             <a:endParaRPr lang="be-BY"/>
           </a:p>
@@ -3682,7 +3682,7 @@
             <a:fld id="{ADF9D30C-D1AE-43D8-9AC8-81DD3F555E58}" type="datetimeFigureOut">
               <a:rPr lang="be-BY" smtClean="0"/>
               <a:pPr/>
-              <a:t>13.10.2015</a:t>
+              <a:t>15.10.2015</a:t>
             </a:fld>
             <a:endParaRPr lang="be-BY"/>
           </a:p>
@@ -3892,7 +3892,7 @@
             <a:fld id="{ADF9D30C-D1AE-43D8-9AC8-81DD3F555E58}" type="datetimeFigureOut">
               <a:rPr lang="be-BY" smtClean="0"/>
               <a:pPr/>
-              <a:t>13.10.2015</a:t>
+              <a:t>15.10.2015</a:t>
             </a:fld>
             <a:endParaRPr lang="be-BY"/>
           </a:p>
@@ -4443,6 +4443,13 @@
   <p:clrMapOvr>
     <a:masterClrMapping/>
   </p:clrMapOvr>
+  <p:timing>
+    <p:tnLst>
+      <p:par>
+        <p:cTn id="1" dur="indefinite" restart="never" nodeType="tmRoot"/>
+      </p:par>
+    </p:tnLst>
+  </p:timing>
 </p:sld>
 </file>
 
@@ -9468,8 +9475,8 @@
         </p:nvSpPr>
         <p:spPr>
           <a:xfrm>
-            <a:off x="1410868" y="1700808"/>
-            <a:ext cx="6322263" cy="2793072"/>
+            <a:off x="457200" y="1628800"/>
+            <a:ext cx="8229600" cy="3693319"/>
           </a:xfrm>
           <a:prstGeom prst="rect">
             <a:avLst/>
@@ -9496,7 +9503,7 @@
           <a:lstStyle/>
           <a:p>
             <a:r>
-              <a:rPr lang="en-US" sz="1350" b="1" dirty="0">
+              <a:rPr lang="en-US" b="1" dirty="0">
                 <a:solidFill>
                   <a:srgbClr val="0070C0"/>
                 </a:solidFill>
@@ -9504,11 +9511,11 @@
               <a:t>function</a:t>
             </a:r>
             <a:r>
-              <a:rPr lang="en-US" sz="1350" b="1" dirty="0"/>
+              <a:rPr lang="en-US" b="1" dirty="0"/>
               <a:t> </a:t>
             </a:r>
             <a:r>
-              <a:rPr lang="en-US" sz="1350" b="1" dirty="0">
+              <a:rPr lang="en-US" b="1" dirty="0">
                 <a:solidFill>
                   <a:schemeClr val="accent6">
                     <a:lumMod val="75000"/>
@@ -9518,11 +9525,11 @@
               <a:t>test</a:t>
             </a:r>
             <a:r>
-              <a:rPr lang="en-US" sz="1350" b="1" dirty="0"/>
+              <a:rPr lang="en-US" b="1" dirty="0"/>
               <a:t>(</a:t>
             </a:r>
             <a:r>
-              <a:rPr lang="en-US" sz="1350" b="1" dirty="0">
+              <a:rPr lang="en-US" b="1" dirty="0">
                 <a:solidFill>
                   <a:schemeClr val="accent6">
                     <a:lumMod val="75000"/>
@@ -9532,17 +9539,17 @@
               <a:t>o</a:t>
             </a:r>
             <a:r>
-              <a:rPr lang="en-US" sz="1350" b="1" dirty="0"/>
+              <a:rPr lang="en-US" b="1" dirty="0"/>
               <a:t>) {</a:t>
             </a:r>
           </a:p>
           <a:p>
             <a:r>
-              <a:rPr lang="en-US" sz="1350" b="1" dirty="0"/>
+              <a:rPr lang="en-US" b="1" dirty="0"/>
               <a:t>        </a:t>
             </a:r>
             <a:r>
-              <a:rPr lang="en-US" sz="1350" b="1" dirty="0" err="1">
+              <a:rPr lang="en-US" b="1" dirty="0" err="1">
                 <a:solidFill>
                   <a:srgbClr val="0070C0"/>
                 </a:solidFill>
@@ -9550,11 +9557,11 @@
               <a:t>var</a:t>
             </a:r>
             <a:r>
-              <a:rPr lang="en-US" sz="1350" b="1" dirty="0"/>
+              <a:rPr lang="en-US" b="1" dirty="0"/>
               <a:t> </a:t>
             </a:r>
             <a:r>
-              <a:rPr lang="en-US" sz="1350" b="1" dirty="0" err="1">
+              <a:rPr lang="en-US" b="1" dirty="0" err="1">
                 <a:solidFill>
                   <a:schemeClr val="accent6">
                     <a:lumMod val="75000"/>
@@ -9564,11 +9571,11 @@
               <a:t>i</a:t>
             </a:r>
             <a:r>
-              <a:rPr lang="en-US" sz="1350" b="1" dirty="0"/>
+              <a:rPr lang="en-US" b="1" dirty="0"/>
               <a:t> = </a:t>
             </a:r>
             <a:r>
-              <a:rPr lang="en-US" sz="1350" b="1" dirty="0">
+              <a:rPr lang="en-US" b="1" dirty="0">
                 <a:solidFill>
                   <a:srgbClr val="00B050"/>
                 </a:solidFill>
@@ -9576,25 +9583,25 @@
               <a:t>0</a:t>
             </a:r>
             <a:r>
-              <a:rPr lang="en-US" sz="1350" b="1" dirty="0"/>
+              <a:rPr lang="en-US" b="1" dirty="0"/>
               <a:t>;       // </a:t>
             </a:r>
             <a:r>
-              <a:rPr lang="en-US" sz="1350" b="1" dirty="0" err="1"/>
+              <a:rPr lang="en-US" b="1" dirty="0" err="1"/>
               <a:t>i</a:t>
             </a:r>
             <a:r>
-              <a:rPr lang="en-US" sz="1350" b="1" dirty="0"/>
+              <a:rPr lang="en-US" b="1" dirty="0"/>
               <a:t> is defined throughout function </a:t>
             </a:r>
           </a:p>
           <a:p>
             <a:r>
-              <a:rPr lang="en-US" sz="1350" b="1" dirty="0"/>
+              <a:rPr lang="en-US" b="1" dirty="0"/>
               <a:t>        </a:t>
             </a:r>
             <a:r>
-              <a:rPr lang="en-US" sz="1350" b="1" dirty="0">
+              <a:rPr lang="en-US" b="1" dirty="0">
                 <a:solidFill>
                   <a:srgbClr val="0070C0"/>
                 </a:solidFill>
@@ -9602,11 +9609,11 @@
               <a:t>if</a:t>
             </a:r>
             <a:r>
-              <a:rPr lang="en-US" sz="1350" b="1" dirty="0"/>
+              <a:rPr lang="en-US" b="1" dirty="0"/>
               <a:t> (</a:t>
             </a:r>
             <a:r>
-              <a:rPr lang="en-US" sz="1350" b="1" dirty="0" err="1">
+              <a:rPr lang="en-US" b="1" dirty="0" err="1">
                 <a:solidFill>
                   <a:srgbClr val="0070C0"/>
                 </a:solidFill>
@@ -9614,11 +9621,11 @@
               <a:t>typeof</a:t>
             </a:r>
             <a:r>
-              <a:rPr lang="en-US" sz="1350" b="1" dirty="0"/>
+              <a:rPr lang="en-US" b="1" dirty="0"/>
               <a:t> </a:t>
             </a:r>
             <a:r>
-              <a:rPr lang="en-US" sz="1350" b="1" dirty="0">
+              <a:rPr lang="en-US" b="1" dirty="0">
                 <a:solidFill>
                   <a:schemeClr val="accent6">
                     <a:lumMod val="75000"/>
@@ -9628,11 +9635,11 @@
               <a:t>o</a:t>
             </a:r>
             <a:r>
-              <a:rPr lang="en-US" sz="1350" b="1" dirty="0"/>
+              <a:rPr lang="en-US" b="1" dirty="0"/>
               <a:t> == "</a:t>
             </a:r>
             <a:r>
-              <a:rPr lang="en-US" sz="1350" b="1" dirty="0">
+              <a:rPr lang="en-US" b="1" dirty="0">
                 <a:solidFill>
                   <a:srgbClr val="00B050"/>
                 </a:solidFill>
@@ -9640,17 +9647,17 @@
               <a:t>object</a:t>
             </a:r>
             <a:r>
-              <a:rPr lang="en-US" sz="1350" b="1" dirty="0"/>
+              <a:rPr lang="en-US" b="1" dirty="0"/>
               <a:t>") { </a:t>
             </a:r>
           </a:p>
           <a:p>
             <a:r>
-              <a:rPr lang="en-US" sz="1350" b="1" dirty="0"/>
+              <a:rPr lang="en-US" b="1" dirty="0"/>
               <a:t>                </a:t>
             </a:r>
             <a:r>
-              <a:rPr lang="en-US" sz="1350" b="1" dirty="0" err="1">
+              <a:rPr lang="en-US" b="1" dirty="0" err="1">
                 <a:solidFill>
                   <a:srgbClr val="0070C0"/>
                 </a:solidFill>
@@ -9658,11 +9665,11 @@
               <a:t>var</a:t>
             </a:r>
             <a:r>
-              <a:rPr lang="en-US" sz="1350" b="1" dirty="0"/>
+              <a:rPr lang="en-US" b="1" dirty="0"/>
               <a:t> </a:t>
             </a:r>
             <a:r>
-              <a:rPr lang="en-US" sz="1350" b="1" dirty="0">
+              <a:rPr lang="en-US" b="1" dirty="0">
                 <a:solidFill>
                   <a:schemeClr val="accent6">
                     <a:lumMod val="75000"/>
@@ -9672,11 +9679,11 @@
               <a:t>j</a:t>
             </a:r>
             <a:r>
-              <a:rPr lang="en-US" sz="1350" b="1" dirty="0"/>
+              <a:rPr lang="en-US" b="1" dirty="0"/>
               <a:t> = </a:t>
             </a:r>
             <a:r>
-              <a:rPr lang="en-US" sz="1350" b="1" dirty="0">
+              <a:rPr lang="en-US" b="1" dirty="0">
                 <a:solidFill>
                   <a:srgbClr val="00B050"/>
                 </a:solidFill>
@@ -9684,20 +9691,20 @@
               <a:t>0</a:t>
             </a:r>
             <a:r>
-              <a:rPr lang="en-US" sz="1350" b="1" dirty="0"/>
+              <a:rPr lang="en-US" b="1" dirty="0"/>
               <a:t>;     // j is defined everywhere, not just block </a:t>
             </a:r>
           </a:p>
           <a:p>
-            <a:endParaRPr lang="en-US" sz="1350" b="1" dirty="0"/>
-          </a:p>
-          <a:p>
-            <a:r>
-              <a:rPr lang="en-US" sz="1350" b="1" dirty="0"/>
+            <a:endParaRPr lang="en-US" b="1" dirty="0"/>
+          </a:p>
+          <a:p>
+            <a:r>
+              <a:rPr lang="en-US" b="1" dirty="0"/>
               <a:t>                </a:t>
             </a:r>
             <a:r>
-              <a:rPr lang="en-US" sz="1350" b="1" dirty="0">
+              <a:rPr lang="en-US" b="1" dirty="0">
                 <a:solidFill>
                   <a:srgbClr val="0070C0"/>
                 </a:solidFill>
@@ -9705,7 +9712,7 @@
               <a:t>for(</a:t>
             </a:r>
             <a:r>
-              <a:rPr lang="en-US" sz="1350" b="1" dirty="0" err="1">
+              <a:rPr lang="en-US" b="1" dirty="0" err="1">
                 <a:solidFill>
                   <a:srgbClr val="0070C0"/>
                 </a:solidFill>
@@ -9713,11 +9720,11 @@
               <a:t>var</a:t>
             </a:r>
             <a:r>
-              <a:rPr lang="en-US" sz="1350" b="1" dirty="0"/>
+              <a:rPr lang="en-US" b="1" dirty="0"/>
               <a:t> </a:t>
             </a:r>
             <a:r>
-              <a:rPr lang="en-US" sz="1350" b="1" dirty="0">
+              <a:rPr lang="en-US" b="1" dirty="0">
                 <a:solidFill>
                   <a:schemeClr val="accent6">
                     <a:lumMod val="75000"/>
@@ -9727,11 +9734,11 @@
               <a:t>k</a:t>
             </a:r>
             <a:r>
-              <a:rPr lang="en-US" sz="1350" b="1" dirty="0"/>
+              <a:rPr lang="en-US" b="1" dirty="0"/>
               <a:t>=</a:t>
             </a:r>
             <a:r>
-              <a:rPr lang="en-US" sz="1350" b="1" dirty="0">
+              <a:rPr lang="en-US" b="1" dirty="0">
                 <a:solidFill>
                   <a:srgbClr val="00B050"/>
                 </a:solidFill>
@@ -9739,11 +9746,11 @@
               <a:t>0</a:t>
             </a:r>
             <a:r>
-              <a:rPr lang="en-US" sz="1350" b="1" dirty="0"/>
+              <a:rPr lang="en-US" b="1" dirty="0"/>
               <a:t>; </a:t>
             </a:r>
             <a:r>
-              <a:rPr lang="en-US" sz="1350" b="1" dirty="0">
+              <a:rPr lang="en-US" b="1" dirty="0">
                 <a:solidFill>
                   <a:schemeClr val="accent6">
                     <a:lumMod val="75000"/>
@@ -9753,11 +9760,11 @@
               <a:t>k</a:t>
             </a:r>
             <a:r>
-              <a:rPr lang="en-US" sz="1350" b="1" dirty="0"/>
+              <a:rPr lang="en-US" b="1" dirty="0"/>
               <a:t> &lt; </a:t>
             </a:r>
             <a:r>
-              <a:rPr lang="en-US" sz="1350" b="1" dirty="0">
+              <a:rPr lang="en-US" b="1" dirty="0">
                 <a:solidFill>
                   <a:srgbClr val="00B050"/>
                 </a:solidFill>
@@ -9765,11 +9772,11 @@
               <a:t>10</a:t>
             </a:r>
             <a:r>
-              <a:rPr lang="en-US" sz="1350" b="1" dirty="0"/>
+              <a:rPr lang="en-US" b="1" dirty="0"/>
               <a:t>; </a:t>
             </a:r>
             <a:r>
-              <a:rPr lang="en-US" sz="1350" b="1" dirty="0">
+              <a:rPr lang="en-US" b="1" dirty="0">
                 <a:solidFill>
                   <a:schemeClr val="accent6">
                     <a:lumMod val="75000"/>
@@ -9779,17 +9786,17 @@
               <a:t>k</a:t>
             </a:r>
             <a:r>
-              <a:rPr lang="en-US" sz="1350" b="1" dirty="0"/>
+              <a:rPr lang="en-US" b="1" dirty="0"/>
               <a:t>++) {    // k is defined everywhere, not just loop </a:t>
             </a:r>
           </a:p>
           <a:p>
             <a:r>
-              <a:rPr lang="en-US" sz="1350" b="1" dirty="0"/>
+              <a:rPr lang="en-US" b="1" dirty="0"/>
               <a:t>                      </a:t>
             </a:r>
             <a:r>
-              <a:rPr lang="en-US" sz="1350" b="1" dirty="0" err="1">
+              <a:rPr lang="en-US" b="1" dirty="0" err="1">
                 <a:solidFill>
                   <a:schemeClr val="accent6">
                     <a:lumMod val="75000"/>
@@ -9799,11 +9806,11 @@
               <a:t>document</a:t>
             </a:r>
             <a:r>
-              <a:rPr lang="en-US" sz="1350" b="1" dirty="0" err="1"/>
+              <a:rPr lang="en-US" b="1" dirty="0" err="1"/>
               <a:t>.</a:t>
             </a:r>
             <a:r>
-              <a:rPr lang="en-US" sz="1350" b="1" dirty="0" err="1">
+              <a:rPr lang="en-US" b="1" dirty="0" err="1">
                 <a:solidFill>
                   <a:srgbClr val="0070C0"/>
                 </a:solidFill>
@@ -9811,11 +9818,11 @@
               <a:t>write</a:t>
             </a:r>
             <a:r>
-              <a:rPr lang="en-US" sz="1350" b="1" dirty="0"/>
+              <a:rPr lang="en-US" b="1" dirty="0"/>
               <a:t>(</a:t>
             </a:r>
             <a:r>
-              <a:rPr lang="en-US" sz="1350" b="1" dirty="0">
+              <a:rPr lang="en-US" b="1" dirty="0">
                 <a:solidFill>
                   <a:schemeClr val="accent6">
                     <a:lumMod val="75000"/>
@@ -9825,26 +9832,26 @@
               <a:t>k</a:t>
             </a:r>
             <a:r>
-              <a:rPr lang="en-US" sz="1350" b="1" dirty="0"/>
+              <a:rPr lang="en-US" b="1" dirty="0"/>
               <a:t>); </a:t>
             </a:r>
           </a:p>
           <a:p>
             <a:r>
-              <a:rPr lang="en-US" sz="1350" b="1" dirty="0"/>
+              <a:rPr lang="en-US" b="1" dirty="0"/>
               <a:t>                } </a:t>
             </a:r>
           </a:p>
           <a:p>
-            <a:endParaRPr lang="en-US" sz="1350" b="1" dirty="0"/>
-          </a:p>
-          <a:p>
-            <a:r>
-              <a:rPr lang="en-US" sz="1350" b="1" dirty="0"/>
+            <a:endParaRPr lang="en-US" b="1" dirty="0"/>
+          </a:p>
+          <a:p>
+            <a:r>
+              <a:rPr lang="en-US" b="1" dirty="0"/>
               <a:t>                </a:t>
             </a:r>
             <a:r>
-              <a:rPr lang="en-US" sz="1350" b="1" dirty="0" err="1">
+              <a:rPr lang="en-US" b="1" dirty="0" err="1">
                 <a:solidFill>
                   <a:schemeClr val="accent6">
                     <a:lumMod val="75000"/>
@@ -9854,11 +9861,11 @@
               <a:t>document</a:t>
             </a:r>
             <a:r>
-              <a:rPr lang="en-US" sz="1350" b="1" dirty="0" err="1"/>
+              <a:rPr lang="en-US" b="1" dirty="0" err="1"/>
               <a:t>.</a:t>
             </a:r>
             <a:r>
-              <a:rPr lang="en-US" sz="1350" b="1" dirty="0" err="1">
+              <a:rPr lang="en-US" b="1" dirty="0" err="1">
                 <a:solidFill>
                   <a:srgbClr val="0070C0"/>
                 </a:solidFill>
@@ -9866,11 +9873,11 @@
               <a:t>write</a:t>
             </a:r>
             <a:r>
-              <a:rPr lang="en-US" sz="1350" b="1" dirty="0"/>
+              <a:rPr lang="en-US" b="1" dirty="0"/>
               <a:t>(</a:t>
             </a:r>
             <a:r>
-              <a:rPr lang="en-US" sz="1350" b="1" dirty="0">
+              <a:rPr lang="en-US" b="1" dirty="0">
                 <a:solidFill>
                   <a:schemeClr val="accent6">
                     <a:lumMod val="75000"/>
@@ -9880,23 +9887,23 @@
               <a:t>k</a:t>
             </a:r>
             <a:r>
-              <a:rPr lang="en-US" sz="1350" b="1" dirty="0"/>
+              <a:rPr lang="en-US" b="1" dirty="0"/>
               <a:t>);   // k is still defined: prints 10 </a:t>
             </a:r>
           </a:p>
           <a:p>
             <a:r>
-              <a:rPr lang="en-US" sz="1350" b="1" dirty="0"/>
+              <a:rPr lang="en-US" b="1" dirty="0"/>
               <a:t>       } </a:t>
             </a:r>
           </a:p>
           <a:p>
             <a:r>
-              <a:rPr lang="en-US" sz="1350" b="1" dirty="0"/>
+              <a:rPr lang="en-US" b="1" dirty="0"/>
               <a:t>       </a:t>
             </a:r>
             <a:r>
-              <a:rPr lang="en-US" sz="1350" b="1" dirty="0" err="1">
+              <a:rPr lang="en-US" b="1" dirty="0" err="1">
                 <a:solidFill>
                   <a:schemeClr val="accent6">
                     <a:lumMod val="75000"/>
@@ -9906,11 +9913,11 @@
               <a:t>document</a:t>
             </a:r>
             <a:r>
-              <a:rPr lang="en-US" sz="1350" b="1" dirty="0" err="1"/>
+              <a:rPr lang="en-US" b="1" dirty="0" err="1"/>
               <a:t>.</a:t>
             </a:r>
             <a:r>
-              <a:rPr lang="en-US" sz="1350" b="1" dirty="0" err="1">
+              <a:rPr lang="en-US" b="1" dirty="0" err="1">
                 <a:solidFill>
                   <a:srgbClr val="0070C0"/>
                 </a:solidFill>
@@ -9918,11 +9925,11 @@
               <a:t>write</a:t>
             </a:r>
             <a:r>
-              <a:rPr lang="en-US" sz="1350" b="1" dirty="0"/>
+              <a:rPr lang="en-US" b="1" dirty="0"/>
               <a:t>(</a:t>
             </a:r>
             <a:r>
-              <a:rPr lang="en-US" sz="1350" b="1" dirty="0">
+              <a:rPr lang="en-US" b="1" dirty="0">
                 <a:solidFill>
                   <a:schemeClr val="accent6">
                     <a:lumMod val="75000"/>
@@ -9932,13 +9939,13 @@
               <a:t>j</a:t>
             </a:r>
             <a:r>
-              <a:rPr lang="en-US" sz="1350" b="1" dirty="0"/>
+              <a:rPr lang="en-US" b="1" dirty="0"/>
               <a:t>);    // j is defined, but may not be initialized </a:t>
             </a:r>
           </a:p>
           <a:p>
             <a:r>
-              <a:rPr lang="en-US" sz="1350" b="1" dirty="0"/>
+              <a:rPr lang="en-US" b="1" dirty="0"/>
               <a:t>} </a:t>
             </a:r>
           </a:p>
@@ -10309,7 +10316,7 @@
         </p:nvSpPr>
         <p:spPr>
           <a:xfrm>
-            <a:off x="1625183" y="964389"/>
+            <a:off x="1475656" y="175936"/>
             <a:ext cx="5829300" cy="396480"/>
           </a:xfrm>
         </p:spPr>
@@ -10342,8 +10349,8 @@
         </p:nvSpPr>
         <p:spPr>
           <a:xfrm>
-            <a:off x="1493658" y="1646802"/>
-            <a:ext cx="4320480" cy="3647152"/>
+            <a:off x="428278" y="614296"/>
+            <a:ext cx="8136904" cy="6186309"/>
           </a:xfrm>
           <a:prstGeom prst="rect">
             <a:avLst/>
@@ -10370,7 +10377,7 @@
           <a:lstStyle/>
           <a:p>
             <a:r>
-              <a:rPr lang="en-US" sz="1050" dirty="0">
+              <a:rPr lang="en-US" dirty="0">
                 <a:solidFill>
                   <a:srgbClr val="0000FF"/>
                 </a:solidFill>
@@ -10379,7 +10386,7 @@
               <a:t>&lt;!</a:t>
             </a:r>
             <a:r>
-              <a:rPr lang="en-US" sz="1050" dirty="0">
+              <a:rPr lang="en-US" dirty="0">
                 <a:solidFill>
                   <a:srgbClr val="800000"/>
                 </a:solidFill>
@@ -10388,7 +10395,7 @@
               <a:t>DOCTYPE</a:t>
             </a:r>
             <a:r>
-              <a:rPr lang="en-US" sz="1050" dirty="0">
+              <a:rPr lang="en-US" dirty="0">
                 <a:solidFill>
                   <a:prstClr val="black"/>
                 </a:solidFill>
@@ -10397,7 +10404,7 @@
               <a:t> </a:t>
             </a:r>
             <a:r>
-              <a:rPr lang="en-US" sz="1050" dirty="0">
+              <a:rPr lang="en-US" dirty="0">
                 <a:solidFill>
                   <a:srgbClr val="FF0000"/>
                 </a:solidFill>
@@ -10406,7 +10413,7 @@
               <a:t>html</a:t>
             </a:r>
             <a:r>
-              <a:rPr lang="en-US" sz="1050" dirty="0">
+              <a:rPr lang="en-US" dirty="0">
                 <a:solidFill>
                   <a:srgbClr val="0000FF"/>
                 </a:solidFill>
@@ -10414,7 +10421,7 @@
               </a:rPr>
               <a:t>&gt;</a:t>
             </a:r>
-            <a:endParaRPr lang="en-US" sz="1050" dirty="0">
+            <a:endParaRPr lang="en-US" dirty="0">
               <a:solidFill>
                 <a:prstClr val="black"/>
               </a:solidFill>
@@ -10423,7 +10430,7 @@
           </a:p>
           <a:p>
             <a:r>
-              <a:rPr lang="en-US" sz="1050" dirty="0">
+              <a:rPr lang="en-US" dirty="0">
                 <a:solidFill>
                   <a:srgbClr val="0000FF"/>
                 </a:solidFill>
@@ -10432,7 +10439,7 @@
               <a:t>&lt;</a:t>
             </a:r>
             <a:r>
-              <a:rPr lang="en-US" sz="1050" dirty="0">
+              <a:rPr lang="en-US" dirty="0">
                 <a:solidFill>
                   <a:srgbClr val="800000"/>
                 </a:solidFill>
@@ -10441,7 +10448,7 @@
               <a:t>html</a:t>
             </a:r>
             <a:r>
-              <a:rPr lang="en-US" sz="1050" dirty="0">
+              <a:rPr lang="en-US" dirty="0">
                 <a:solidFill>
                   <a:srgbClr val="0000FF"/>
                 </a:solidFill>
@@ -10449,7 +10456,7 @@
               </a:rPr>
               <a:t>&gt;</a:t>
             </a:r>
-            <a:endParaRPr lang="en-US" sz="1050" dirty="0">
+            <a:endParaRPr lang="en-US" dirty="0">
               <a:solidFill>
                 <a:prstClr val="black"/>
               </a:solidFill>
@@ -10458,7 +10465,7 @@
           </a:p>
           <a:p>
             <a:r>
-              <a:rPr lang="en-US" sz="1050" dirty="0">
+              <a:rPr lang="en-US" dirty="0">
                 <a:solidFill>
                   <a:srgbClr val="0000FF"/>
                 </a:solidFill>
@@ -10467,7 +10474,7 @@
               <a:t>&lt;</a:t>
             </a:r>
             <a:r>
-              <a:rPr lang="en-US" sz="1050" dirty="0">
+              <a:rPr lang="en-US" dirty="0">
                 <a:solidFill>
                   <a:srgbClr val="800000"/>
                 </a:solidFill>
@@ -10476,7 +10483,7 @@
               <a:t>head</a:t>
             </a:r>
             <a:r>
-              <a:rPr lang="en-US" sz="1050" dirty="0">
+              <a:rPr lang="en-US" dirty="0">
                 <a:solidFill>
                   <a:srgbClr val="0000FF"/>
                 </a:solidFill>
@@ -10484,7 +10491,7 @@
               </a:rPr>
               <a:t>&gt;</a:t>
             </a:r>
-            <a:endParaRPr lang="en-US" sz="1050" dirty="0">
+            <a:endParaRPr lang="en-US" dirty="0">
               <a:solidFill>
                 <a:prstClr val="black"/>
               </a:solidFill>
@@ -10493,7 +10500,7 @@
           </a:p>
           <a:p>
             <a:r>
-              <a:rPr lang="en-US" sz="1050" dirty="0">
+              <a:rPr lang="en-US" dirty="0">
                 <a:solidFill>
                   <a:prstClr val="black"/>
                 </a:solidFill>
@@ -10502,7 +10509,7 @@
               <a:t>    </a:t>
             </a:r>
             <a:r>
-              <a:rPr lang="en-US" sz="1050" dirty="0">
+              <a:rPr lang="en-US" dirty="0">
                 <a:solidFill>
                   <a:srgbClr val="0000FF"/>
                 </a:solidFill>
@@ -10511,7 +10518,7 @@
               <a:t>&lt;</a:t>
             </a:r>
             <a:r>
-              <a:rPr lang="en-US" sz="1050" dirty="0">
+              <a:rPr lang="en-US" dirty="0">
                 <a:solidFill>
                   <a:srgbClr val="800000"/>
                 </a:solidFill>
@@ -10520,7 +10527,7 @@
               <a:t>title</a:t>
             </a:r>
             <a:r>
-              <a:rPr lang="en-US" sz="1050" dirty="0">
+              <a:rPr lang="en-US" dirty="0">
                 <a:solidFill>
                   <a:srgbClr val="0000FF"/>
                 </a:solidFill>
@@ -10529,7 +10536,7 @@
               <a:t>&gt;</a:t>
             </a:r>
             <a:r>
-              <a:rPr lang="en-US" sz="1050" dirty="0">
+              <a:rPr lang="en-US" dirty="0">
                 <a:solidFill>
                   <a:prstClr val="black"/>
                 </a:solidFill>
@@ -10538,7 +10545,7 @@
               <a:t>Untitled Page</a:t>
             </a:r>
             <a:r>
-              <a:rPr lang="en-US" sz="1050" dirty="0">
+              <a:rPr lang="en-US" dirty="0">
                 <a:solidFill>
                   <a:srgbClr val="0000FF"/>
                 </a:solidFill>
@@ -10547,7 +10554,7 @@
               <a:t>&lt;/</a:t>
             </a:r>
             <a:r>
-              <a:rPr lang="en-US" sz="1050" dirty="0">
+              <a:rPr lang="en-US" dirty="0">
                 <a:solidFill>
                   <a:srgbClr val="800000"/>
                 </a:solidFill>
@@ -10556,7 +10563,7 @@
               <a:t>title</a:t>
             </a:r>
             <a:r>
-              <a:rPr lang="en-US" sz="1050" dirty="0">
+              <a:rPr lang="en-US" dirty="0">
                 <a:solidFill>
                   <a:srgbClr val="0000FF"/>
                 </a:solidFill>
@@ -10567,7 +10574,7 @@
           </a:p>
           <a:p>
             <a:r>
-              <a:rPr lang="en-US" sz="1050" dirty="0">
+              <a:rPr lang="en-US" dirty="0">
                 <a:solidFill>
                   <a:srgbClr val="0000FF"/>
                 </a:solidFill>
@@ -10576,7 +10583,7 @@
               <a:t>&lt;</a:t>
             </a:r>
             <a:r>
-              <a:rPr lang="en-US" sz="1050" dirty="0">
+              <a:rPr lang="en-US" dirty="0">
                 <a:solidFill>
                   <a:srgbClr val="800000"/>
                 </a:solidFill>
@@ -10585,7 +10592,7 @@
               <a:t>script</a:t>
             </a:r>
             <a:r>
-              <a:rPr lang="en-US" sz="1050" dirty="0">
+              <a:rPr lang="en-US" dirty="0">
                 <a:solidFill>
                   <a:prstClr val="black"/>
                 </a:solidFill>
@@ -10594,7 +10601,7 @@
               <a:t> </a:t>
             </a:r>
             <a:r>
-              <a:rPr lang="en-US" sz="1050" dirty="0">
+              <a:rPr lang="en-US" dirty="0">
                 <a:solidFill>
                   <a:srgbClr val="FF0000"/>
                 </a:solidFill>
@@ -10603,7 +10610,7 @@
               <a:t>type</a:t>
             </a:r>
             <a:r>
-              <a:rPr lang="en-US" sz="1050" dirty="0">
+              <a:rPr lang="en-US" dirty="0">
                 <a:solidFill>
                   <a:srgbClr val="0000FF"/>
                 </a:solidFill>
@@ -10612,7 +10619,7 @@
               <a:t>="text/</a:t>
             </a:r>
             <a:r>
-              <a:rPr lang="en-US" sz="1050" dirty="0" err="1">
+              <a:rPr lang="en-US" dirty="0" err="1">
                 <a:solidFill>
                   <a:srgbClr val="0000FF"/>
                 </a:solidFill>
@@ -10621,7 +10628,7 @@
               <a:t>javascript</a:t>
             </a:r>
             <a:r>
-              <a:rPr lang="en-US" sz="1050" dirty="0">
+              <a:rPr lang="en-US" dirty="0">
                 <a:solidFill>
                   <a:srgbClr val="0000FF"/>
                 </a:solidFill>
@@ -10630,7 +10637,7 @@
               <a:t>" </a:t>
             </a:r>
             <a:r>
-              <a:rPr lang="en-US" sz="1050" dirty="0" err="1">
+              <a:rPr lang="en-US" dirty="0" err="1">
                 <a:solidFill>
                   <a:srgbClr val="FF0000"/>
                 </a:solidFill>
@@ -10639,7 +10646,7 @@
               <a:t>src</a:t>
             </a:r>
             <a:r>
-              <a:rPr lang="en-US" sz="1050" dirty="0">
+              <a:rPr lang="en-US" dirty="0">
                 <a:solidFill>
                   <a:srgbClr val="0000FF"/>
                 </a:solidFill>
@@ -10648,7 +10655,7 @@
               <a:t>="script.js"&gt;&lt;/</a:t>
             </a:r>
             <a:r>
-              <a:rPr lang="en-US" sz="1050" dirty="0">
+              <a:rPr lang="en-US" dirty="0">
                 <a:solidFill>
                   <a:srgbClr val="800000"/>
                 </a:solidFill>
@@ -10657,7 +10664,7 @@
               <a:t>script</a:t>
             </a:r>
             <a:r>
-              <a:rPr lang="en-US" sz="1050" dirty="0">
+              <a:rPr lang="en-US" dirty="0">
                 <a:solidFill>
                   <a:srgbClr val="0000FF"/>
                 </a:solidFill>
@@ -10667,7 +10674,7 @@
             </a:r>
           </a:p>
           <a:p>
-            <a:endParaRPr lang="en-US" sz="1050" dirty="0">
+            <a:endParaRPr lang="en-US" dirty="0">
               <a:solidFill>
                 <a:prstClr val="black"/>
               </a:solidFill>
@@ -10676,7 +10683,7 @@
           </a:p>
           <a:p>
             <a:r>
-              <a:rPr lang="en-US" sz="1050" dirty="0">
+              <a:rPr lang="en-US" dirty="0">
                 <a:solidFill>
                   <a:srgbClr val="0000FF"/>
                 </a:solidFill>
@@ -10685,7 +10692,7 @@
               <a:t>&lt;/</a:t>
             </a:r>
             <a:r>
-              <a:rPr lang="en-US" sz="1050" dirty="0">
+              <a:rPr lang="en-US" dirty="0">
                 <a:solidFill>
                   <a:srgbClr val="800000"/>
                 </a:solidFill>
@@ -10694,7 +10701,7 @@
               <a:t>head</a:t>
             </a:r>
             <a:r>
-              <a:rPr lang="en-US" sz="1050" dirty="0">
+              <a:rPr lang="en-US" dirty="0">
                 <a:solidFill>
                   <a:srgbClr val="0000FF"/>
                 </a:solidFill>
@@ -10702,7 +10709,7 @@
               </a:rPr>
               <a:t>&gt;</a:t>
             </a:r>
-            <a:endParaRPr lang="en-US" sz="1050" dirty="0">
+            <a:endParaRPr lang="en-US" dirty="0">
               <a:solidFill>
                 <a:prstClr val="black"/>
               </a:solidFill>
@@ -10711,7 +10718,7 @@
           </a:p>
           <a:p>
             <a:r>
-              <a:rPr lang="en-US" sz="1050" dirty="0">
+              <a:rPr lang="en-US" dirty="0">
                 <a:solidFill>
                   <a:srgbClr val="0000FF"/>
                 </a:solidFill>
@@ -10720,7 +10727,7 @@
               <a:t>&lt;</a:t>
             </a:r>
             <a:r>
-              <a:rPr lang="en-US" sz="1050" dirty="0">
+              <a:rPr lang="en-US" dirty="0">
                 <a:solidFill>
                   <a:srgbClr val="800000"/>
                 </a:solidFill>
@@ -10729,7 +10736,7 @@
               <a:t>body</a:t>
             </a:r>
             <a:r>
-              <a:rPr lang="en-US" sz="1050" dirty="0">
+              <a:rPr lang="en-US" dirty="0">
                 <a:solidFill>
                   <a:srgbClr val="0000FF"/>
                 </a:solidFill>
@@ -10737,7 +10744,7 @@
               </a:rPr>
               <a:t>&gt;</a:t>
             </a:r>
-            <a:endParaRPr lang="en-US" sz="1050" dirty="0">
+            <a:endParaRPr lang="en-US" dirty="0">
               <a:solidFill>
                 <a:prstClr val="black"/>
               </a:solidFill>
@@ -10746,7 +10753,7 @@
           </a:p>
           <a:p>
             <a:r>
-              <a:rPr lang="en-US" sz="1050" dirty="0">
+              <a:rPr lang="en-US" dirty="0">
                 <a:solidFill>
                   <a:srgbClr val="0000FF"/>
                 </a:solidFill>
@@ -10755,7 +10762,7 @@
               <a:t>&lt;</a:t>
             </a:r>
             <a:r>
-              <a:rPr lang="en-US" sz="1050" dirty="0">
+              <a:rPr lang="en-US" dirty="0">
                 <a:solidFill>
                   <a:srgbClr val="800000"/>
                 </a:solidFill>
@@ -10764,7 +10771,7 @@
               <a:t>script</a:t>
             </a:r>
             <a:r>
-              <a:rPr lang="en-US" sz="1050" dirty="0">
+              <a:rPr lang="en-US" dirty="0">
                 <a:solidFill>
                   <a:prstClr val="black"/>
                 </a:solidFill>
@@ -10773,7 +10780,7 @@
               <a:t> </a:t>
             </a:r>
             <a:r>
-              <a:rPr lang="en-US" sz="1050" dirty="0">
+              <a:rPr lang="en-US" dirty="0">
                 <a:solidFill>
                   <a:srgbClr val="FF0000"/>
                 </a:solidFill>
@@ -10782,7 +10789,7 @@
               <a:t>type</a:t>
             </a:r>
             <a:r>
-              <a:rPr lang="en-US" sz="1050" dirty="0">
+              <a:rPr lang="en-US" dirty="0">
                 <a:solidFill>
                   <a:srgbClr val="0000FF"/>
                 </a:solidFill>
@@ -10791,7 +10798,7 @@
               <a:t>="text/</a:t>
             </a:r>
             <a:r>
-              <a:rPr lang="en-US" sz="1050" dirty="0" err="1">
+              <a:rPr lang="en-US" dirty="0" err="1">
                 <a:solidFill>
                   <a:srgbClr val="0000FF"/>
                 </a:solidFill>
@@ -10800,7 +10807,7 @@
               <a:t>javascript</a:t>
             </a:r>
             <a:r>
-              <a:rPr lang="en-US" sz="1050" dirty="0">
+              <a:rPr lang="en-US" dirty="0">
                 <a:solidFill>
                   <a:srgbClr val="0000FF"/>
                 </a:solidFill>
@@ -10808,7 +10815,7 @@
               </a:rPr>
               <a:t>"&gt;</a:t>
             </a:r>
-            <a:endParaRPr lang="en-US" sz="1050" dirty="0">
+            <a:endParaRPr lang="en-US" dirty="0">
               <a:solidFill>
                 <a:prstClr val="black"/>
               </a:solidFill>
@@ -10818,7 +10825,7 @@
           <a:p>
             <a:pPr lvl="1"/>
             <a:r>
-              <a:rPr lang="en-US" sz="1050" u="sng" dirty="0" err="1">
+              <a:rPr lang="en-US" u="sng" dirty="0" err="1">
                 <a:solidFill>
                   <a:srgbClr val="0000FF"/>
                 </a:solidFill>
@@ -10827,7 +10834,7 @@
               <a:t>var</a:t>
             </a:r>
             <a:r>
-              <a:rPr lang="en-US" sz="1050" u="sng" dirty="0">
+              <a:rPr lang="en-US" u="sng" dirty="0">
                 <a:solidFill>
                   <a:prstClr val="black"/>
                 </a:solidFill>
@@ -10839,7 +10846,7 @@
           <a:p>
             <a:pPr lvl="1"/>
             <a:r>
-              <a:rPr lang="en-US" sz="1050" u="sng" dirty="0" err="1">
+              <a:rPr lang="en-US" u="sng" dirty="0" err="1">
                 <a:solidFill>
                   <a:srgbClr val="0000FF"/>
                 </a:solidFill>
@@ -10848,7 +10855,7 @@
               <a:t>var</a:t>
             </a:r>
             <a:r>
-              <a:rPr lang="en-US" sz="1050" u="sng" dirty="0">
+              <a:rPr lang="en-US" u="sng" dirty="0">
                 <a:solidFill>
                   <a:prstClr val="black"/>
                 </a:solidFill>
@@ -10859,7 +10866,7 @@
           </a:p>
           <a:p>
             <a:pPr lvl="1"/>
-            <a:endParaRPr lang="en-US" sz="1050" dirty="0">
+            <a:endParaRPr lang="en-US" dirty="0">
               <a:solidFill>
                 <a:prstClr val="black"/>
               </a:solidFill>
@@ -10869,7 +10876,7 @@
           <a:p>
             <a:pPr lvl="1"/>
             <a:r>
-              <a:rPr lang="en-US" sz="1050" u="sng" dirty="0">
+              <a:rPr lang="en-US" u="sng" dirty="0">
                 <a:solidFill>
                   <a:srgbClr val="0000FF"/>
                 </a:solidFill>
@@ -10878,7 +10885,7 @@
               <a:t>function</a:t>
             </a:r>
             <a:r>
-              <a:rPr lang="en-US" sz="1050" u="sng" dirty="0">
+              <a:rPr lang="en-US" u="sng" dirty="0">
                 <a:solidFill>
                   <a:prstClr val="black"/>
                 </a:solidFill>
@@ -10887,7 +10894,7 @@
               <a:t> sum</a:t>
             </a:r>
             <a:r>
-              <a:rPr lang="en-US" sz="1050" dirty="0">
+              <a:rPr lang="en-US" dirty="0">
                 <a:solidFill>
                   <a:prstClr val="black"/>
                 </a:solidFill>
@@ -10899,7 +10906,7 @@
           <a:p>
             <a:pPr lvl="1"/>
             <a:r>
-              <a:rPr lang="en-US" sz="1050" dirty="0">
+              <a:rPr lang="en-US" dirty="0">
                 <a:solidFill>
                   <a:srgbClr val="0000FF"/>
                 </a:solidFill>
@@ -10908,7 +10915,7 @@
               <a:t>	return</a:t>
             </a:r>
             <a:r>
-              <a:rPr lang="en-US" sz="1050" dirty="0">
+              <a:rPr lang="en-US" dirty="0">
                 <a:solidFill>
                   <a:prstClr val="black"/>
                 </a:solidFill>
@@ -10920,7 +10927,7 @@
           <a:p>
             <a:pPr lvl="1"/>
             <a:r>
-              <a:rPr lang="en-US" sz="1050" dirty="0">
+              <a:rPr lang="en-US" dirty="0">
                 <a:solidFill>
                   <a:prstClr val="black"/>
                 </a:solidFill>
@@ -10931,7 +10938,7 @@
           </a:p>
           <a:p>
             <a:pPr lvl="1"/>
-            <a:endParaRPr lang="en-US" sz="1050" dirty="0">
+            <a:endParaRPr lang="en-US" dirty="0">
               <a:solidFill>
                 <a:prstClr val="black"/>
               </a:solidFill>
@@ -10941,7 +10948,7 @@
           <a:p>
             <a:pPr lvl="1"/>
             <a:r>
-              <a:rPr lang="en-US" sz="1050" u="sng" dirty="0">
+              <a:rPr lang="en-US" u="sng" dirty="0">
                 <a:solidFill>
                   <a:srgbClr val="0000FF"/>
                 </a:solidFill>
@@ -10950,7 +10957,7 @@
               <a:t>function</a:t>
             </a:r>
             <a:r>
-              <a:rPr lang="en-US" sz="1050" u="sng" dirty="0">
+              <a:rPr lang="en-US" u="sng" dirty="0">
                 <a:solidFill>
                   <a:prstClr val="black"/>
                 </a:solidFill>
@@ -10959,7 +10966,7 @@
               <a:t> </a:t>
             </a:r>
             <a:r>
-              <a:rPr lang="en-US" sz="1050" u="sng" dirty="0" err="1">
+              <a:rPr lang="en-US" u="sng" dirty="0" err="1">
                 <a:solidFill>
                   <a:prstClr val="black"/>
                 </a:solidFill>
@@ -10968,7 +10975,7 @@
               <a:t>mul</a:t>
             </a:r>
             <a:r>
-              <a:rPr lang="en-US" sz="1050" dirty="0">
+              <a:rPr lang="en-US" dirty="0">
                 <a:solidFill>
                   <a:prstClr val="black"/>
                 </a:solidFill>
@@ -10980,7 +10987,7 @@
           <a:p>
             <a:pPr lvl="1"/>
             <a:r>
-              <a:rPr lang="en-US" sz="1050" dirty="0">
+              <a:rPr lang="en-US" dirty="0">
                 <a:solidFill>
                   <a:srgbClr val="0000FF"/>
                 </a:solidFill>
@@ -10989,7 +10996,7 @@
               <a:t>	return</a:t>
             </a:r>
             <a:r>
-              <a:rPr lang="en-US" sz="1050" dirty="0">
+              <a:rPr lang="en-US" dirty="0">
                 <a:solidFill>
                   <a:prstClr val="black"/>
                 </a:solidFill>
@@ -11001,7 +11008,7 @@
           <a:p>
             <a:pPr lvl="1"/>
             <a:r>
-              <a:rPr lang="en-US" sz="1050" dirty="0">
+              <a:rPr lang="en-US" dirty="0">
                 <a:solidFill>
                   <a:prstClr val="black"/>
                 </a:solidFill>
@@ -11012,7 +11019,7 @@
           </a:p>
           <a:p>
             <a:r>
-              <a:rPr lang="en-US" sz="1050" dirty="0">
+              <a:rPr lang="en-US" dirty="0">
                 <a:solidFill>
                   <a:srgbClr val="0000FF"/>
                 </a:solidFill>
@@ -11021,7 +11028,7 @@
               <a:t>&lt;/</a:t>
             </a:r>
             <a:r>
-              <a:rPr lang="en-US" sz="1050" dirty="0">
+              <a:rPr lang="en-US" dirty="0">
                 <a:solidFill>
                   <a:srgbClr val="800000"/>
                 </a:solidFill>
@@ -11030,7 +11037,7 @@
               <a:t>script</a:t>
             </a:r>
             <a:r>
-              <a:rPr lang="en-US" sz="1050" dirty="0">
+              <a:rPr lang="en-US" dirty="0">
                 <a:solidFill>
                   <a:srgbClr val="0000FF"/>
                 </a:solidFill>
@@ -11038,7 +11045,7 @@
               </a:rPr>
               <a:t>&gt;</a:t>
             </a:r>
-            <a:endParaRPr lang="en-US" sz="1050" dirty="0">
+            <a:endParaRPr lang="en-US" dirty="0">
               <a:solidFill>
                 <a:prstClr val="black"/>
               </a:solidFill>
@@ -11047,7 +11054,7 @@
           </a:p>
           <a:p>
             <a:r>
-              <a:rPr lang="en-US" sz="1050" dirty="0">
+              <a:rPr lang="en-US" dirty="0">
                 <a:solidFill>
                   <a:srgbClr val="0000FF"/>
                 </a:solidFill>
@@ -11056,7 +11063,7 @@
               <a:t>&lt;/</a:t>
             </a:r>
             <a:r>
-              <a:rPr lang="en-US" sz="1050" dirty="0">
+              <a:rPr lang="en-US" dirty="0">
                 <a:solidFill>
                   <a:srgbClr val="800000"/>
                 </a:solidFill>
@@ -11065,7 +11072,7 @@
               <a:t>body</a:t>
             </a:r>
             <a:r>
-              <a:rPr lang="en-US" sz="1050" dirty="0">
+              <a:rPr lang="en-US" dirty="0">
                 <a:solidFill>
                   <a:srgbClr val="0000FF"/>
                 </a:solidFill>
@@ -11073,7 +11080,7 @@
               </a:rPr>
               <a:t>&gt;</a:t>
             </a:r>
-            <a:endParaRPr lang="en-US" sz="1050" dirty="0">
+            <a:endParaRPr lang="en-US" dirty="0">
               <a:solidFill>
                 <a:prstClr val="black"/>
               </a:solidFill>
@@ -11082,7 +11089,7 @@
           </a:p>
           <a:p>
             <a:r>
-              <a:rPr lang="en-US" sz="1050" dirty="0">
+              <a:rPr lang="en-US" dirty="0">
                 <a:solidFill>
                   <a:srgbClr val="0000FF"/>
                 </a:solidFill>
@@ -11091,7 +11098,7 @@
               <a:t>&lt;/</a:t>
             </a:r>
             <a:r>
-              <a:rPr lang="en-US" sz="1050" dirty="0">
+              <a:rPr lang="en-US" dirty="0">
                 <a:solidFill>
                   <a:srgbClr val="800000"/>
                 </a:solidFill>
@@ -11100,7 +11107,7 @@
               <a:t>html</a:t>
             </a:r>
             <a:r>
-              <a:rPr lang="en-US" sz="1050" dirty="0">
+              <a:rPr lang="en-US" dirty="0">
                 <a:solidFill>
                   <a:srgbClr val="0000FF"/>
                 </a:solidFill>
@@ -11119,8 +11126,8 @@
         </p:nvSpPr>
         <p:spPr>
           <a:xfrm>
-            <a:off x="4734018" y="1508302"/>
-            <a:ext cx="999111" cy="300082"/>
+            <a:off x="6924130" y="374176"/>
+            <a:ext cx="1464294" cy="400110"/>
           </a:xfrm>
           <a:prstGeom prst="rect">
             <a:avLst/>
@@ -11147,7 +11154,7 @@
           <a:lstStyle/>
           <a:p>
             <a:r>
-              <a:rPr lang="en-US" sz="1350" dirty="0"/>
+              <a:rPr lang="en-US" sz="2000" dirty="0"/>
               <a:t>Index.html</a:t>
             </a:r>
           </a:p>
@@ -11161,10 +11168,10 @@
         </p:nvGrpSpPr>
         <p:grpSpPr>
           <a:xfrm>
-            <a:off x="3977934" y="2510899"/>
-            <a:ext cx="3564396" cy="2327486"/>
+            <a:off x="3245337" y="1961983"/>
+            <a:ext cx="4410940" cy="3650925"/>
             <a:chOff x="3779912" y="2204864"/>
-            <a:chExt cx="4752528" cy="3103314"/>
+            <a:chExt cx="4752528" cy="4867899"/>
           </a:xfrm>
         </p:grpSpPr>
         <p:grpSp>
@@ -11176,9 +11183,9 @@
           <p:grpSpPr>
             <a:xfrm>
               <a:off x="3779912" y="2204864"/>
-              <a:ext cx="4752528" cy="3103314"/>
+              <a:ext cx="4752528" cy="4867899"/>
               <a:chOff x="3779912" y="2204864"/>
-              <a:chExt cx="4752528" cy="3103314"/>
+              <a:chExt cx="4752528" cy="4867899"/>
             </a:xfrm>
           </p:grpSpPr>
           <p:sp>
@@ -11190,7 +11197,7 @@
             <p:spPr>
               <a:xfrm>
                 <a:off x="4860032" y="4077072"/>
-                <a:ext cx="3672408" cy="1231106"/>
+                <a:ext cx="3672408" cy="2995691"/>
               </a:xfrm>
               <a:prstGeom prst="rect">
                 <a:avLst/>
@@ -11217,7 +11224,7 @@
               <a:lstStyle/>
               <a:p>
                 <a:r>
-                  <a:rPr lang="en-US" sz="1350" u="sng" dirty="0" err="1">
+                  <a:rPr lang="en-US" sz="2000" u="sng" dirty="0" err="1">
                     <a:solidFill>
                       <a:srgbClr val="0000FF"/>
                     </a:solidFill>
@@ -11226,7 +11233,7 @@
                   <a:t>var</a:t>
                 </a:r>
                 <a:r>
-                  <a:rPr lang="en-US" sz="1350" u="sng" dirty="0">
+                  <a:rPr lang="en-US" sz="2000" u="sng" dirty="0">
                     <a:solidFill>
                       <a:prstClr val="black"/>
                     </a:solidFill>
@@ -11235,7 +11242,7 @@
                   <a:t> </a:t>
                 </a:r>
                 <a:r>
-                  <a:rPr lang="en-US" sz="1350" u="sng" dirty="0" err="1">
+                  <a:rPr lang="en-US" sz="2000" u="sng" dirty="0" err="1">
                     <a:solidFill>
                       <a:prstClr val="black"/>
                     </a:solidFill>
@@ -11244,7 +11251,7 @@
                   <a:t>gloabalVar</a:t>
                 </a:r>
                 <a:r>
-                  <a:rPr lang="en-US" sz="1350" u="sng" dirty="0">
+                  <a:rPr lang="en-US" sz="2000" u="sng" dirty="0">
                     <a:solidFill>
                       <a:prstClr val="black"/>
                     </a:solidFill>
@@ -11255,7 +11262,7 @@
               </a:p>
               <a:p>
                 <a:r>
-                  <a:rPr lang="en-US" sz="1350" u="sng" dirty="0">
+                  <a:rPr lang="en-US" sz="2000" u="sng" dirty="0">
                     <a:solidFill>
                       <a:srgbClr val="0000FF"/>
                     </a:solidFill>
@@ -11264,7 +11271,7 @@
                   <a:t>function</a:t>
                 </a:r>
                 <a:r>
-                  <a:rPr lang="en-US" sz="1350" u="sng" dirty="0">
+                  <a:rPr lang="en-US" sz="2000" u="sng" dirty="0">
                     <a:solidFill>
                       <a:prstClr val="black"/>
                     </a:solidFill>
@@ -11273,7 +11280,7 @@
                   <a:t> square</a:t>
                 </a:r>
                 <a:r>
-                  <a:rPr lang="en-US" sz="1350" dirty="0">
+                  <a:rPr lang="en-US" sz="2000" dirty="0">
                     <a:solidFill>
                       <a:prstClr val="black"/>
                     </a:solidFill>
@@ -11284,7 +11291,7 @@
               </a:p>
               <a:p>
                 <a:r>
-                  <a:rPr lang="en-US" sz="1350" dirty="0">
+                  <a:rPr lang="en-US" sz="2000" dirty="0">
                     <a:solidFill>
                       <a:srgbClr val="0000FF"/>
                     </a:solidFill>
@@ -11293,7 +11300,7 @@
                   <a:t>	return</a:t>
                 </a:r>
                 <a:r>
-                  <a:rPr lang="en-US" sz="1350" dirty="0">
+                  <a:rPr lang="en-US" sz="2000" dirty="0">
                     <a:solidFill>
                       <a:prstClr val="black"/>
                     </a:solidFill>
@@ -11304,7 +11311,7 @@
               </a:p>
               <a:p>
                 <a:r>
-                  <a:rPr lang="en-US" sz="1350" dirty="0">
+                  <a:rPr lang="en-US" sz="2000" dirty="0">
                     <a:solidFill>
                       <a:prstClr val="black"/>
                     </a:solidFill>
@@ -11357,8 +11364,8 @@
           </p:nvSpPr>
           <p:spPr>
             <a:xfrm>
-              <a:off x="7380312" y="3779748"/>
-              <a:ext cx="1008112" cy="400109"/>
+              <a:off x="7380312" y="3647341"/>
+              <a:ext cx="1152128" cy="533480"/>
             </a:xfrm>
             <a:prstGeom prst="rect">
               <a:avLst/>
@@ -11385,7 +11392,7 @@
             <a:lstStyle/>
             <a:p>
               <a:r>
-                <a:rPr lang="en-US" sz="1350" dirty="0"/>
+                <a:rPr lang="en-US" sz="2000" dirty="0"/>
                 <a:t>script.js</a:t>
               </a:r>
             </a:p>
@@ -11572,7 +11579,7 @@
         <p:spPr>
           <a:xfrm>
             <a:off x="1547664" y="2456892"/>
-            <a:ext cx="3429000" cy="1200329"/>
+            <a:ext cx="7128792" cy="1815882"/>
           </a:xfrm>
           <a:prstGeom prst="rect">
             <a:avLst/>
@@ -11593,13 +11600,13 @@
           </a:fontRef>
         </p:style>
         <p:txBody>
-          <a:bodyPr>
+          <a:bodyPr wrap="square">
             <a:spAutoFit/>
           </a:bodyPr>
           <a:lstStyle/>
           <a:p>
             <a:r>
-              <a:rPr lang="en-US" b="1" dirty="0" smtClean="0">
+              <a:rPr lang="en-US" sz="2800" b="1" dirty="0" smtClean="0">
                 <a:solidFill>
                   <a:srgbClr val="0070C0"/>
                 </a:solidFill>
@@ -11607,7 +11614,7 @@
               <a:t>function </a:t>
             </a:r>
             <a:r>
-              <a:rPr lang="en-US" b="1" dirty="0">
+              <a:rPr lang="en-US" sz="2800" b="1" dirty="0">
                 <a:solidFill>
                   <a:schemeClr val="tx1"/>
                 </a:solidFill>
@@ -11615,35 +11622,35 @@
               <a:t>f</a:t>
             </a:r>
             <a:r>
-              <a:rPr lang="en-US" b="1" dirty="0" smtClean="0"/>
+              <a:rPr lang="en-US" sz="2800" b="1" dirty="0" smtClean="0"/>
               <a:t>(){</a:t>
             </a:r>
-            <a:endParaRPr lang="en-US" b="1" dirty="0"/>
-          </a:p>
-          <a:p>
-            <a:r>
-              <a:rPr lang="en-US" b="1" dirty="0" smtClean="0"/>
+            <a:endParaRPr lang="en-US" sz="2800" b="1" dirty="0"/>
+          </a:p>
+          <a:p>
+            <a:r>
+              <a:rPr lang="en-US" sz="2800" b="1" dirty="0" smtClean="0"/>
               <a:t>     x = </a:t>
             </a:r>
             <a:r>
-              <a:rPr lang="en-US" b="1" dirty="0"/>
+              <a:rPr lang="en-US" sz="2800" b="1" dirty="0"/>
               <a:t>“</a:t>
             </a:r>
             <a:r>
-              <a:rPr lang="en-US" b="1" dirty="0" smtClean="0"/>
+              <a:rPr lang="en-US" sz="2800" b="1" dirty="0" smtClean="0"/>
               <a:t>global variable”;</a:t>
             </a:r>
-            <a:endParaRPr lang="en-US" b="1" dirty="0"/>
-          </a:p>
-          <a:p>
-            <a:r>
-              <a:rPr lang="en-US" b="1" dirty="0"/>
+            <a:endParaRPr lang="en-US" sz="2800" b="1" dirty="0"/>
+          </a:p>
+          <a:p>
+            <a:r>
+              <a:rPr lang="en-US" sz="2800" b="1" dirty="0"/>
               <a:t>}</a:t>
             </a:r>
           </a:p>
           <a:p>
             <a:r>
-              <a:rPr lang="en-US" b="1" dirty="0">
+              <a:rPr lang="en-US" sz="2800" b="1" dirty="0">
                 <a:solidFill>
                   <a:schemeClr val="tx1"/>
                 </a:solidFill>
@@ -11651,10 +11658,10 @@
               <a:t>f</a:t>
             </a:r>
             <a:r>
-              <a:rPr lang="en-US" b="1" dirty="0" smtClean="0"/>
+              <a:rPr lang="en-US" sz="2800" b="1" dirty="0" smtClean="0"/>
               <a:t>();</a:t>
             </a:r>
-            <a:endParaRPr lang="en-US" b="1" dirty="0"/>
+            <a:endParaRPr lang="en-US" sz="2800" b="1" dirty="0"/>
           </a:p>
         </p:txBody>
       </p:sp>
@@ -12455,6 +12462,13 @@
   <p:clrMapOvr>
     <a:masterClrMapping/>
   </p:clrMapOvr>
+  <p:timing>
+    <p:tnLst>
+      <p:par>
+        <p:cTn id="1" dur="indefinite" restart="never" nodeType="tmRoot"/>
+      </p:par>
+    </p:tnLst>
+  </p:timing>
 </p:sld>
 </file>
 
@@ -12559,6 +12573,13 @@
   <p:clrMapOvr>
     <a:masterClrMapping/>
   </p:clrMapOvr>
+  <p:timing>
+    <p:tnLst>
+      <p:par>
+        <p:cTn id="1" dur="indefinite" restart="never" nodeType="tmRoot"/>
+      </p:par>
+    </p:tnLst>
+  </p:timing>
 </p:sld>
 </file>
 
@@ -13747,8 +13768,8 @@
         </p:nvSpPr>
         <p:spPr>
           <a:xfrm>
-            <a:off x="1464447" y="1607332"/>
-            <a:ext cx="6375842" cy="1708160"/>
+            <a:off x="467544" y="1607332"/>
+            <a:ext cx="8136904" cy="2677656"/>
           </a:xfrm>
           <a:prstGeom prst="rect">
             <a:avLst/>
@@ -13775,11 +13796,11 @@
           <a:lstStyle/>
           <a:p>
             <a:r>
-              <a:rPr lang="en-US" sz="1500" b="1" dirty="0"/>
+              <a:rPr lang="en-US" sz="2400" b="1" dirty="0"/>
               <a:t>if (</a:t>
             </a:r>
             <a:r>
-              <a:rPr lang="en-US" sz="1500" b="1" dirty="0" err="1">
+              <a:rPr lang="en-US" sz="2400" b="1" dirty="0" err="1">
                 <a:solidFill>
                   <a:srgbClr val="0070C0"/>
                 </a:solidFill>
@@ -13787,11 +13808,11 @@
               <a:t>window</a:t>
             </a:r>
             <a:r>
-              <a:rPr lang="en-US" sz="1500" b="1" dirty="0" err="1"/>
+              <a:rPr lang="en-US" sz="2400" b="1" dirty="0" err="1"/>
               <a:t>.</a:t>
             </a:r>
             <a:r>
-              <a:rPr lang="en-US" sz="1500" b="1" dirty="0" err="1">
+              <a:rPr lang="en-US" sz="2400" b="1" dirty="0" err="1">
                 <a:solidFill>
                   <a:schemeClr val="accent6">
                     <a:lumMod val="75000"/>
@@ -13801,11 +13822,11 @@
               <a:t>myNamespace</a:t>
             </a:r>
             <a:r>
-              <a:rPr lang="en-US" sz="1500" b="1" dirty="0"/>
+              <a:rPr lang="en-US" sz="2400" b="1" dirty="0"/>
               <a:t> == </a:t>
             </a:r>
             <a:r>
-              <a:rPr lang="en-US" sz="1500" b="1" dirty="0">
+              <a:rPr lang="en-US" sz="2400" b="1" dirty="0">
                 <a:solidFill>
                   <a:srgbClr val="00B050"/>
                 </a:solidFill>
@@ -13813,17 +13834,17 @@
               <a:t>null</a:t>
             </a:r>
             <a:r>
-              <a:rPr lang="en-US" sz="1500" b="1" dirty="0"/>
+              <a:rPr lang="en-US" sz="2400" b="1" dirty="0"/>
               <a:t>){</a:t>
             </a:r>
           </a:p>
           <a:p>
             <a:r>
-              <a:rPr lang="en-US" sz="1500" b="1" dirty="0"/>
+              <a:rPr lang="en-US" sz="2400" b="1" dirty="0"/>
               <a:t>	</a:t>
             </a:r>
             <a:r>
-              <a:rPr lang="en-US" sz="1500" b="1" dirty="0" err="1">
+              <a:rPr lang="en-US" sz="2400" b="1" dirty="0" err="1">
                 <a:solidFill>
                   <a:srgbClr val="0070C0"/>
                 </a:solidFill>
@@ -13831,11 +13852,11 @@
               <a:t>window</a:t>
             </a:r>
             <a:r>
-              <a:rPr lang="en-US" sz="1500" b="1" dirty="0" err="1"/>
+              <a:rPr lang="en-US" sz="2400" b="1" dirty="0" err="1"/>
               <a:t>.</a:t>
             </a:r>
             <a:r>
-              <a:rPr lang="en-US" sz="1500" b="1" dirty="0" err="1">
+              <a:rPr lang="en-US" sz="2400" b="1" dirty="0" err="1">
                 <a:solidFill>
                   <a:schemeClr val="accent6">
                     <a:lumMod val="75000"/>
@@ -13845,22 +13866,22 @@
               <a:t>myNamespace</a:t>
             </a:r>
             <a:r>
-              <a:rPr lang="en-US" sz="1500" b="1" dirty="0"/>
+              <a:rPr lang="en-US" sz="2400" b="1" dirty="0"/>
               <a:t> = {}; 	</a:t>
             </a:r>
           </a:p>
           <a:p>
             <a:r>
-              <a:rPr lang="en-US" sz="1500" b="1" dirty="0"/>
+              <a:rPr lang="en-US" sz="2400" b="1" dirty="0"/>
               <a:t>}</a:t>
             </a:r>
           </a:p>
           <a:p>
-            <a:endParaRPr lang="en-US" sz="1500" b="1" dirty="0"/>
-          </a:p>
-          <a:p>
-            <a:r>
-              <a:rPr lang="en-US" sz="1500" b="1" dirty="0" err="1">
+            <a:endParaRPr lang="en-US" sz="2400" b="1" dirty="0"/>
+          </a:p>
+          <a:p>
+            <a:r>
+              <a:rPr lang="en-US" sz="2400" b="1" dirty="0" err="1">
                 <a:solidFill>
                   <a:srgbClr val="0070C0"/>
                 </a:solidFill>
@@ -13868,11 +13889,11 @@
               <a:t>window</a:t>
             </a:r>
             <a:r>
-              <a:rPr lang="en-US" sz="1500" b="1" dirty="0" err="1"/>
+              <a:rPr lang="en-US" sz="2400" b="1" dirty="0" err="1"/>
               <a:t>.</a:t>
             </a:r>
             <a:r>
-              <a:rPr lang="en-US" sz="1500" b="1" dirty="0" err="1">
+              <a:rPr lang="en-US" sz="2400" b="1" dirty="0" err="1">
                 <a:solidFill>
                   <a:schemeClr val="accent6">
                     <a:lumMod val="75000"/>
@@ -13882,11 +13903,11 @@
               <a:t>myNamespace</a:t>
             </a:r>
             <a:r>
-              <a:rPr lang="en-US" sz="1500" b="1" dirty="0" err="1"/>
+              <a:rPr lang="en-US" sz="2400" b="1" dirty="0" err="1"/>
               <a:t>.</a:t>
             </a:r>
             <a:r>
-              <a:rPr lang="en-US" sz="1500" b="1" dirty="0" err="1">
+              <a:rPr lang="en-US" sz="2400" b="1" dirty="0" err="1">
                 <a:solidFill>
                   <a:srgbClr val="0070C0"/>
                 </a:solidFill>
@@ -13894,7 +13915,7 @@
               <a:t>myFunction</a:t>
             </a:r>
             <a:r>
-              <a:rPr lang="en-US" sz="1500" b="1" dirty="0">
+              <a:rPr lang="en-US" sz="2400" b="1" dirty="0">
                 <a:solidFill>
                   <a:srgbClr val="0070C0"/>
                 </a:solidFill>
@@ -13902,39 +13923,39 @@
               <a:t> </a:t>
             </a:r>
             <a:r>
-              <a:rPr lang="en-US" sz="1500" b="1" dirty="0"/>
+              <a:rPr lang="en-US" sz="2400" b="1" dirty="0"/>
               <a:t>= function(</a:t>
             </a:r>
             <a:r>
-              <a:rPr lang="en-US" sz="1500" dirty="0"/>
+              <a:rPr lang="en-US" sz="2400" dirty="0"/>
               <a:t>/* </a:t>
             </a:r>
             <a:r>
-              <a:rPr lang="en-US" sz="1500" dirty="0" err="1"/>
+              <a:rPr lang="en-US" sz="2400" dirty="0" err="1"/>
               <a:t>params</a:t>
             </a:r>
             <a:r>
-              <a:rPr lang="en-US" sz="1500" dirty="0"/>
+              <a:rPr lang="en-US" sz="2400" dirty="0"/>
               <a:t>*/ </a:t>
             </a:r>
             <a:r>
-              <a:rPr lang="en-US" sz="1500" b="1" dirty="0"/>
+              <a:rPr lang="en-US" sz="2400" b="1" dirty="0"/>
               <a:t>) {</a:t>
             </a:r>
           </a:p>
           <a:p>
             <a:r>
-              <a:rPr lang="en-US" sz="1500" b="1" dirty="0"/>
+              <a:rPr lang="en-US" sz="2400" b="1" dirty="0"/>
               <a:t>	</a:t>
             </a:r>
             <a:r>
-              <a:rPr lang="en-US" sz="1500" dirty="0"/>
+              <a:rPr lang="en-US" sz="2400" dirty="0"/>
               <a:t>/* code here */ </a:t>
             </a:r>
           </a:p>
           <a:p>
             <a:r>
-              <a:rPr lang="en-US" sz="1500" b="1" dirty="0"/>
+              <a:rPr lang="en-US" sz="2400" b="1" dirty="0"/>
               <a:t>};</a:t>
             </a:r>
           </a:p>
@@ -14029,6 +14050,13 @@
   <p:clrMapOvr>
     <a:masterClrMapping/>
   </p:clrMapOvr>
+  <p:timing>
+    <p:tnLst>
+      <p:par>
+        <p:cTn id="1" dur="indefinite" restart="never" nodeType="tmRoot"/>
+      </p:par>
+    </p:tnLst>
+  </p:timing>
 </p:sld>
 </file>
 
@@ -14615,6 +14643,13 @@
   <p:clrMapOvr>
     <a:masterClrMapping/>
   </p:clrMapOvr>
+  <p:timing>
+    <p:tnLst>
+      <p:par>
+        <p:cTn id="1" dur="indefinite" restart="never" nodeType="tmRoot"/>
+      </p:par>
+    </p:tnLst>
+  </p:timing>
 </p:sld>
 </file>
 
@@ -15154,6 +15189,13 @@
   <p:clrMapOvr>
     <a:masterClrMapping/>
   </p:clrMapOvr>
+  <p:timing>
+    <p:tnLst>
+      <p:par>
+        <p:cTn id="1" dur="indefinite" restart="never" nodeType="tmRoot"/>
+      </p:par>
+    </p:tnLst>
+  </p:timing>
 </p:sld>
 </file>
 

--- a/lecture-3-recap-scope/scope.pptx
+++ b/lecture-3-recap-scope/scope.pptx
@@ -5,42 +5,39 @@
     <p:sldMasterId id="2147483936" r:id="rId1"/>
   </p:sldMasterIdLst>
   <p:notesMasterIdLst>
-    <p:notesMasterId r:id="rId35"/>
+    <p:notesMasterId r:id="rId32"/>
   </p:notesMasterIdLst>
   <p:sldIdLst>
     <p:sldId id="442" r:id="rId2"/>
-    <p:sldId id="509" r:id="rId3"/>
-    <p:sldId id="510" r:id="rId4"/>
-    <p:sldId id="511" r:id="rId5"/>
-    <p:sldId id="512" r:id="rId6"/>
-    <p:sldId id="524" r:id="rId7"/>
-    <p:sldId id="514" r:id="rId8"/>
-    <p:sldId id="450" r:id="rId9"/>
-    <p:sldId id="526" r:id="rId10"/>
-    <p:sldId id="523" r:id="rId11"/>
-    <p:sldId id="454" r:id="rId12"/>
-    <p:sldId id="453" r:id="rId13"/>
-    <p:sldId id="455" r:id="rId14"/>
-    <p:sldId id="456" r:id="rId15"/>
-    <p:sldId id="457" r:id="rId16"/>
-    <p:sldId id="515" r:id="rId17"/>
-    <p:sldId id="465" r:id="rId18"/>
-    <p:sldId id="463" r:id="rId19"/>
-    <p:sldId id="464" r:id="rId20"/>
-    <p:sldId id="458" r:id="rId21"/>
-    <p:sldId id="466" r:id="rId22"/>
-    <p:sldId id="462" r:id="rId23"/>
-    <p:sldId id="484" r:id="rId24"/>
-    <p:sldId id="485" r:id="rId25"/>
-    <p:sldId id="497" r:id="rId26"/>
-    <p:sldId id="522" r:id="rId27"/>
-    <p:sldId id="520" r:id="rId28"/>
-    <p:sldId id="486" r:id="rId29"/>
-    <p:sldId id="461" r:id="rId30"/>
-    <p:sldId id="507" r:id="rId31"/>
-    <p:sldId id="513" r:id="rId32"/>
-    <p:sldId id="521" r:id="rId33"/>
-    <p:sldId id="305" r:id="rId34"/>
+    <p:sldId id="511" r:id="rId3"/>
+    <p:sldId id="512" r:id="rId4"/>
+    <p:sldId id="524" r:id="rId5"/>
+    <p:sldId id="514" r:id="rId6"/>
+    <p:sldId id="450" r:id="rId7"/>
+    <p:sldId id="523" r:id="rId8"/>
+    <p:sldId id="454" r:id="rId9"/>
+    <p:sldId id="453" r:id="rId10"/>
+    <p:sldId id="455" r:id="rId11"/>
+    <p:sldId id="456" r:id="rId12"/>
+    <p:sldId id="457" r:id="rId13"/>
+    <p:sldId id="515" r:id="rId14"/>
+    <p:sldId id="465" r:id="rId15"/>
+    <p:sldId id="463" r:id="rId16"/>
+    <p:sldId id="464" r:id="rId17"/>
+    <p:sldId id="458" r:id="rId18"/>
+    <p:sldId id="466" r:id="rId19"/>
+    <p:sldId id="462" r:id="rId20"/>
+    <p:sldId id="484" r:id="rId21"/>
+    <p:sldId id="485" r:id="rId22"/>
+    <p:sldId id="497" r:id="rId23"/>
+    <p:sldId id="522" r:id="rId24"/>
+    <p:sldId id="520" r:id="rId25"/>
+    <p:sldId id="486" r:id="rId26"/>
+    <p:sldId id="461" r:id="rId27"/>
+    <p:sldId id="507" r:id="rId28"/>
+    <p:sldId id="513" r:id="rId29"/>
+    <p:sldId id="521" r:id="rId30"/>
+    <p:sldId id="305" r:id="rId31"/>
   </p:sldIdLst>
   <p:sldSz cx="9144000" cy="6858000" type="screen4x3"/>
   <p:notesSz cx="6858000" cy="9144000"/>
@@ -241,7 +238,7 @@
             <a:fld id="{83C55866-C109-46F5-A1A5-A583FE70736B}" type="datetimeFigureOut">
               <a:rPr lang="be-BY" smtClean="0"/>
               <a:pPr/>
-              <a:t>15.10.2015</a:t>
+              <a:t>25.05.2016</a:t>
             </a:fld>
             <a:endParaRPr lang="be-BY"/>
           </a:p>
@@ -665,7 +662,7 @@
             <a:fld id="{B6DB43F0-FEFD-424B-AFAA-1D3C2B01CC9C}" type="slidenum">
               <a:rPr lang="be-BY" smtClean="0"/>
               <a:pPr/>
-              <a:t>21</a:t>
+              <a:t>18</a:t>
             </a:fld>
             <a:endParaRPr lang="be-BY"/>
           </a:p>
@@ -752,7 +749,7 @@
             <a:fld id="{B6DB43F0-FEFD-424B-AFAA-1D3C2B01CC9C}" type="slidenum">
               <a:rPr lang="be-BY" smtClean="0"/>
               <a:pPr/>
-              <a:t>22</a:t>
+              <a:t>19</a:t>
             </a:fld>
             <a:endParaRPr lang="be-BY"/>
           </a:p>
@@ -849,7 +846,7 @@
             <a:fld id="{B6DB43F0-FEFD-424B-AFAA-1D3C2B01CC9C}" type="slidenum">
               <a:rPr lang="be-BY" smtClean="0"/>
               <a:pPr/>
-              <a:t>23</a:t>
+              <a:t>20</a:t>
             </a:fld>
             <a:endParaRPr lang="be-BY"/>
           </a:p>
@@ -936,7 +933,7 @@
             <a:fld id="{B6DB43F0-FEFD-424B-AFAA-1D3C2B01CC9C}" type="slidenum">
               <a:rPr lang="be-BY" smtClean="0"/>
               <a:pPr/>
-              <a:t>24</a:t>
+              <a:t>21</a:t>
             </a:fld>
             <a:endParaRPr lang="be-BY"/>
           </a:p>
@@ -1023,7 +1020,7 @@
             <a:fld id="{B6DB43F0-FEFD-424B-AFAA-1D3C2B01CC9C}" type="slidenum">
               <a:rPr lang="be-BY" smtClean="0"/>
               <a:pPr/>
-              <a:t>28</a:t>
+              <a:t>25</a:t>
             </a:fld>
             <a:endParaRPr lang="be-BY"/>
           </a:p>
@@ -1120,7 +1117,7 @@
             <a:fld id="{B6DB43F0-FEFD-424B-AFAA-1D3C2B01CC9C}" type="slidenum">
               <a:rPr lang="be-BY" smtClean="0"/>
               <a:pPr/>
-              <a:t>29</a:t>
+              <a:t>26</a:t>
             </a:fld>
             <a:endParaRPr lang="be-BY"/>
           </a:p>
@@ -1207,7 +1204,7 @@
             <a:fld id="{B6DB43F0-FEFD-424B-AFAA-1D3C2B01CC9C}" type="slidenum">
               <a:rPr lang="be-BY" smtClean="0"/>
               <a:pPr/>
-              <a:t>31</a:t>
+              <a:t>28</a:t>
             </a:fld>
             <a:endParaRPr lang="be-BY"/>
           </a:p>
@@ -1292,7 +1289,7 @@
             <a:fld id="{B6DB43F0-FEFD-424B-AFAA-1D3C2B01CC9C}" type="slidenum">
               <a:rPr lang="be-BY" smtClean="0"/>
               <a:pPr/>
-              <a:t>33</a:t>
+              <a:t>30</a:t>
             </a:fld>
             <a:endParaRPr lang="be-BY"/>
           </a:p>
@@ -1493,7 +1490,7 @@
             <a:fld id="{ADF9D30C-D1AE-43D8-9AC8-81DD3F555E58}" type="datetimeFigureOut">
               <a:rPr lang="be-BY" smtClean="0"/>
               <a:pPr/>
-              <a:t>15.10.2015</a:t>
+              <a:t>25.05.2016</a:t>
             </a:fld>
             <a:endParaRPr lang="be-BY"/>
           </a:p>
@@ -1660,7 +1657,7 @@
             <a:fld id="{ADF9D30C-D1AE-43D8-9AC8-81DD3F555E58}" type="datetimeFigureOut">
               <a:rPr lang="be-BY" smtClean="0"/>
               <a:pPr/>
-              <a:t>15.10.2015</a:t>
+              <a:t>25.05.2016</a:t>
             </a:fld>
             <a:endParaRPr lang="be-BY"/>
           </a:p>
@@ -1837,7 +1834,7 @@
             <a:fld id="{ADF9D30C-D1AE-43D8-9AC8-81DD3F555E58}" type="datetimeFigureOut">
               <a:rPr lang="be-BY" smtClean="0"/>
               <a:pPr/>
-              <a:t>15.10.2015</a:t>
+              <a:t>25.05.2016</a:t>
             </a:fld>
             <a:endParaRPr lang="be-BY"/>
           </a:p>
@@ -2004,7 +2001,7 @@
             <a:fld id="{ADF9D30C-D1AE-43D8-9AC8-81DD3F555E58}" type="datetimeFigureOut">
               <a:rPr lang="be-BY" smtClean="0"/>
               <a:pPr/>
-              <a:t>15.10.2015</a:t>
+              <a:t>25.05.2016</a:t>
             </a:fld>
             <a:endParaRPr lang="be-BY"/>
           </a:p>
@@ -2247,7 +2244,7 @@
             <a:fld id="{ADF9D30C-D1AE-43D8-9AC8-81DD3F555E58}" type="datetimeFigureOut">
               <a:rPr lang="be-BY" smtClean="0"/>
               <a:pPr/>
-              <a:t>15.10.2015</a:t>
+              <a:t>25.05.2016</a:t>
             </a:fld>
             <a:endParaRPr lang="be-BY"/>
           </a:p>
@@ -2532,7 +2529,7 @@
             <a:fld id="{ADF9D30C-D1AE-43D8-9AC8-81DD3F555E58}" type="datetimeFigureOut">
               <a:rPr lang="be-BY" smtClean="0"/>
               <a:pPr/>
-              <a:t>15.10.2015</a:t>
+              <a:t>25.05.2016</a:t>
             </a:fld>
             <a:endParaRPr lang="be-BY"/>
           </a:p>
@@ -2951,7 +2948,7 @@
             <a:fld id="{ADF9D30C-D1AE-43D8-9AC8-81DD3F555E58}" type="datetimeFigureOut">
               <a:rPr lang="be-BY" smtClean="0"/>
               <a:pPr/>
-              <a:t>15.10.2015</a:t>
+              <a:t>25.05.2016</a:t>
             </a:fld>
             <a:endParaRPr lang="be-BY"/>
           </a:p>
@@ -3066,7 +3063,7 @@
             <a:fld id="{ADF9D30C-D1AE-43D8-9AC8-81DD3F555E58}" type="datetimeFigureOut">
               <a:rPr lang="be-BY" smtClean="0"/>
               <a:pPr/>
-              <a:t>15.10.2015</a:t>
+              <a:t>25.05.2016</a:t>
             </a:fld>
             <a:endParaRPr lang="be-BY"/>
           </a:p>
@@ -3158,7 +3155,7 @@
             <a:fld id="{ADF9D30C-D1AE-43D8-9AC8-81DD3F555E58}" type="datetimeFigureOut">
               <a:rPr lang="be-BY" smtClean="0"/>
               <a:pPr/>
-              <a:t>15.10.2015</a:t>
+              <a:t>25.05.2016</a:t>
             </a:fld>
             <a:endParaRPr lang="be-BY"/>
           </a:p>
@@ -3432,7 +3429,7 @@
             <a:fld id="{ADF9D30C-D1AE-43D8-9AC8-81DD3F555E58}" type="datetimeFigureOut">
               <a:rPr lang="be-BY" smtClean="0"/>
               <a:pPr/>
-              <a:t>15.10.2015</a:t>
+              <a:t>25.05.2016</a:t>
             </a:fld>
             <a:endParaRPr lang="be-BY"/>
           </a:p>
@@ -3682,7 +3679,7 @@
             <a:fld id="{ADF9D30C-D1AE-43D8-9AC8-81DD3F555E58}" type="datetimeFigureOut">
               <a:rPr lang="be-BY" smtClean="0"/>
               <a:pPr/>
-              <a:t>15.10.2015</a:t>
+              <a:t>25.05.2016</a:t>
             </a:fld>
             <a:endParaRPr lang="be-BY"/>
           </a:p>
@@ -3892,7 +3889,7 @@
             <a:fld id="{ADF9D30C-D1AE-43D8-9AC8-81DD3F555E58}" type="datetimeFigureOut">
               <a:rPr lang="be-BY" smtClean="0"/>
               <a:pPr/>
-              <a:t>15.10.2015</a:t>
+              <a:t>25.05.2016</a:t>
             </a:fld>
             <a:endParaRPr lang="be-BY"/>
           </a:p>
@@ -4357,86 +4354,349 @@
           <a:bodyPr/>
           <a:lstStyle/>
           <a:p>
-            <a:endParaRPr lang="en-US"/>
+            <a:r>
+              <a:rPr lang="en-US" dirty="0" smtClean="0"/>
+              <a:t>Shadowing</a:t>
+            </a:r>
+            <a:endParaRPr lang="en-US" dirty="0"/>
           </a:p>
         </p:txBody>
       </p:sp>
       <p:sp>
         <p:nvSpPr>
-          <p:cNvPr id="3" name="Content Placeholder 2"/>
-          <p:cNvSpPr>
-            <a:spLocks noGrp="1"/>
-          </p:cNvSpPr>
-          <p:nvPr>
-            <p:ph idx="1"/>
-          </p:nvPr>
-        </p:nvSpPr>
-        <p:spPr/>
+          <p:cNvPr id="4" name="Rectangle 3"/>
+          <p:cNvSpPr/>
+          <p:nvPr/>
+        </p:nvSpPr>
+        <p:spPr>
+          <a:xfrm>
+            <a:off x="457200" y="1556792"/>
+            <a:ext cx="8429684" cy="2862322"/>
+          </a:xfrm>
+          <a:prstGeom prst="rect">
+            <a:avLst/>
+          </a:prstGeom>
+        </p:spPr>
+        <p:style>
+          <a:lnRef idx="1">
+            <a:schemeClr val="dk1"/>
+          </a:lnRef>
+          <a:fillRef idx="1001">
+            <a:schemeClr val="lt2"/>
+          </a:fillRef>
+          <a:effectRef idx="1">
+            <a:schemeClr val="dk1"/>
+          </a:effectRef>
+          <a:fontRef idx="minor">
+            <a:schemeClr val="dk1"/>
+          </a:fontRef>
+        </p:style>
         <p:txBody>
-          <a:bodyPr/>
+          <a:bodyPr wrap="square">
+            <a:spAutoFit/>
+          </a:bodyPr>
           <a:lstStyle/>
           <a:p>
-            <a:pPr marL="0" indent="0">
-              <a:buNone/>
-            </a:pPr>
-            <a:r>
-              <a:rPr lang="en-US" dirty="0" smtClean="0"/>
-              <a:t>	Scope </a:t>
-            </a:r>
-            <a:r>
-              <a:rPr lang="en-US" dirty="0"/>
-              <a:t>- is a logical boundaries in which a variable (or </a:t>
-            </a:r>
-            <a:r>
-              <a:rPr lang="en-US" dirty="0" smtClean="0"/>
-              <a:t>expression</a:t>
-            </a:r>
-            <a:r>
-              <a:rPr lang="en-US" dirty="0"/>
-              <a:t>) has its meaning. </a:t>
-            </a:r>
-          </a:p>
-          <a:p>
-            <a:pPr marL="0" indent="0">
-              <a:buNone/>
-            </a:pPr>
-            <a:r>
-              <a:rPr lang="en-US" dirty="0" smtClean="0"/>
-              <a:t>	For </a:t>
-            </a:r>
-            <a:r>
-              <a:rPr lang="en-US" dirty="0"/>
-              <a:t>example, a global variable, a local variable, </a:t>
-            </a:r>
-            <a:r>
-              <a:rPr lang="en-US" dirty="0" err="1"/>
-              <a:t>etc</a:t>
-            </a:r>
-            <a:r>
-              <a:rPr lang="en-US" dirty="0"/>
-              <a:t>, which generally reflects a logical range of a </a:t>
-            </a:r>
-            <a:r>
-              <a:rPr lang="en-US" dirty="0" smtClean="0"/>
-              <a:t>variable </a:t>
-            </a:r>
-            <a:r>
-              <a:rPr lang="en-US" dirty="0"/>
-              <a:t>lifetime.</a:t>
-            </a:r>
-          </a:p>
-          <a:p>
-            <a:pPr marL="0" indent="0">
-              <a:buNone/>
-            </a:pPr>
-            <a:endParaRPr lang="en-US" dirty="0"/>
+            <a:r>
+              <a:rPr lang="en-US" b="1" dirty="0" err="1">
+                <a:solidFill>
+                  <a:srgbClr val="0070C0"/>
+                </a:solidFill>
+              </a:rPr>
+              <a:t>var</a:t>
+            </a:r>
+            <a:r>
+              <a:rPr lang="en-US" b="1" dirty="0"/>
+              <a:t> </a:t>
+            </a:r>
+            <a:r>
+              <a:rPr lang="en-US" b="1" dirty="0">
+                <a:solidFill>
+                  <a:schemeClr val="accent6">
+                    <a:lumMod val="75000"/>
+                  </a:schemeClr>
+                </a:solidFill>
+              </a:rPr>
+              <a:t>scope</a:t>
+            </a:r>
+            <a:r>
+              <a:rPr lang="en-US" b="1" dirty="0"/>
+              <a:t> = </a:t>
+            </a:r>
+            <a:r>
+              <a:rPr lang="en-US" b="1" dirty="0">
+                <a:solidFill>
+                  <a:srgbClr val="00B050"/>
+                </a:solidFill>
+              </a:rPr>
+              <a:t>"global "</a:t>
+            </a:r>
+            <a:r>
+              <a:rPr lang="en-US" b="1" dirty="0"/>
+              <a:t>;          // A global variable</a:t>
+            </a:r>
+          </a:p>
+          <a:p>
+            <a:r>
+              <a:rPr lang="en-US" b="1" dirty="0">
+                <a:solidFill>
+                  <a:srgbClr val="0070C0"/>
+                </a:solidFill>
+              </a:rPr>
+              <a:t>function</a:t>
+            </a:r>
+            <a:r>
+              <a:rPr lang="en-US" b="1" dirty="0"/>
+              <a:t> </a:t>
+            </a:r>
+            <a:r>
+              <a:rPr lang="en-US" b="1" dirty="0">
+                <a:solidFill>
+                  <a:schemeClr val="accent6">
+                    <a:lumMod val="75000"/>
+                  </a:schemeClr>
+                </a:solidFill>
+              </a:rPr>
+              <a:t>outer</a:t>
+            </a:r>
+            <a:r>
+              <a:rPr lang="en-US" b="1" dirty="0"/>
+              <a:t>() {</a:t>
+            </a:r>
+          </a:p>
+          <a:p>
+            <a:r>
+              <a:rPr lang="en-US" b="1" dirty="0"/>
+              <a:t>	</a:t>
+            </a:r>
+            <a:r>
+              <a:rPr lang="en-US" b="1" dirty="0" err="1">
+                <a:solidFill>
+                  <a:srgbClr val="0070C0"/>
+                </a:solidFill>
+              </a:rPr>
+              <a:t>var</a:t>
+            </a:r>
+            <a:r>
+              <a:rPr lang="en-US" b="1" dirty="0"/>
+              <a:t> </a:t>
+            </a:r>
+            <a:r>
+              <a:rPr lang="en-US" b="1" dirty="0">
+                <a:solidFill>
+                  <a:schemeClr val="accent6">
+                    <a:lumMod val="75000"/>
+                  </a:schemeClr>
+                </a:solidFill>
+              </a:rPr>
+              <a:t>scope</a:t>
+            </a:r>
+            <a:r>
+              <a:rPr lang="en-US" b="1" dirty="0"/>
+              <a:t> = </a:t>
+            </a:r>
+            <a:r>
+              <a:rPr lang="en-US" b="1" dirty="0" smtClean="0">
+                <a:solidFill>
+                  <a:srgbClr val="00B050"/>
+                </a:solidFill>
+              </a:rPr>
+              <a:t>“outer”</a:t>
+            </a:r>
+            <a:r>
+              <a:rPr lang="en-US" b="1" dirty="0" smtClean="0"/>
+              <a:t>;       </a:t>
+            </a:r>
+            <a:r>
+              <a:rPr lang="en-US" b="1" dirty="0"/>
+              <a:t>// A </a:t>
+            </a:r>
+            <a:r>
+              <a:rPr lang="en-US" b="1" dirty="0" smtClean="0"/>
+              <a:t>outer variable</a:t>
+            </a:r>
+            <a:endParaRPr lang="en-US" b="1" dirty="0"/>
+          </a:p>
+          <a:p>
+            <a:r>
+              <a:rPr lang="en-US" b="1" dirty="0"/>
+              <a:t>	</a:t>
+            </a:r>
+            <a:r>
+              <a:rPr lang="en-US" b="1" dirty="0">
+                <a:solidFill>
+                  <a:srgbClr val="0070C0"/>
+                </a:solidFill>
+              </a:rPr>
+              <a:t>function</a:t>
+            </a:r>
+            <a:r>
+              <a:rPr lang="en-US" b="1" dirty="0"/>
+              <a:t> </a:t>
+            </a:r>
+            <a:r>
+              <a:rPr lang="en-US" b="1" dirty="0">
+                <a:solidFill>
+                  <a:schemeClr val="accent6">
+                    <a:lumMod val="75000"/>
+                  </a:schemeClr>
+                </a:solidFill>
+              </a:rPr>
+              <a:t>inner</a:t>
+            </a:r>
+            <a:r>
+              <a:rPr lang="en-US" b="1" dirty="0"/>
+              <a:t>() {</a:t>
+            </a:r>
+          </a:p>
+          <a:p>
+            <a:r>
+              <a:rPr lang="en-US" b="1" dirty="0"/>
+              <a:t>		</a:t>
+            </a:r>
+            <a:r>
+              <a:rPr lang="en-US" b="1" dirty="0" err="1">
+                <a:solidFill>
+                  <a:srgbClr val="0070C0"/>
+                </a:solidFill>
+              </a:rPr>
+              <a:t>var</a:t>
+            </a:r>
+            <a:r>
+              <a:rPr lang="en-US" b="1" dirty="0"/>
+              <a:t> </a:t>
+            </a:r>
+            <a:r>
+              <a:rPr lang="en-US" b="1" dirty="0">
+                <a:solidFill>
+                  <a:schemeClr val="accent6">
+                    <a:lumMod val="75000"/>
+                  </a:schemeClr>
+                </a:solidFill>
+              </a:rPr>
+              <a:t>scope</a:t>
+            </a:r>
+            <a:r>
+              <a:rPr lang="en-US" b="1" dirty="0"/>
+              <a:t> = </a:t>
+            </a:r>
+            <a:r>
+              <a:rPr lang="en-US" b="1" dirty="0" smtClean="0">
+                <a:solidFill>
+                  <a:srgbClr val="00B050"/>
+                </a:solidFill>
+              </a:rPr>
+              <a:t>“inner"</a:t>
+            </a:r>
+            <a:r>
+              <a:rPr lang="en-US" b="1" dirty="0" smtClean="0"/>
+              <a:t>; </a:t>
+            </a:r>
+          </a:p>
+          <a:p>
+            <a:r>
+              <a:rPr lang="en-US" b="1" dirty="0" smtClean="0"/>
+              <a:t>		</a:t>
+            </a:r>
+            <a:r>
+              <a:rPr lang="en-US" b="1" dirty="0" err="1" smtClean="0">
+                <a:solidFill>
+                  <a:schemeClr val="accent6">
+                    <a:lumMod val="75000"/>
+                  </a:schemeClr>
+                </a:solidFill>
+              </a:rPr>
+              <a:t>document</a:t>
+            </a:r>
+            <a:r>
+              <a:rPr lang="en-US" b="1" dirty="0" err="1" smtClean="0"/>
+              <a:t>.</a:t>
+            </a:r>
+            <a:r>
+              <a:rPr lang="en-US" b="1" dirty="0" err="1" smtClean="0">
+                <a:solidFill>
+                  <a:srgbClr val="0070C0"/>
+                </a:solidFill>
+              </a:rPr>
+              <a:t>write</a:t>
+            </a:r>
+            <a:r>
+              <a:rPr lang="en-US" b="1" dirty="0" smtClean="0"/>
+              <a:t>(</a:t>
+            </a:r>
+            <a:r>
+              <a:rPr lang="en-US" b="1" dirty="0" smtClean="0">
+                <a:solidFill>
+                  <a:schemeClr val="accent6">
+                    <a:lumMod val="75000"/>
+                  </a:schemeClr>
+                </a:solidFill>
+              </a:rPr>
+              <a:t>scope</a:t>
+            </a:r>
+            <a:r>
+              <a:rPr lang="en-US" b="1" dirty="0" smtClean="0"/>
+              <a:t>);       // </a:t>
+            </a:r>
+            <a:r>
+              <a:rPr lang="en-US" b="1" dirty="0"/>
+              <a:t>Prints </a:t>
+            </a:r>
+            <a:r>
+              <a:rPr lang="en-US" b="1" dirty="0" smtClean="0"/>
+              <a:t>"inner"</a:t>
+            </a:r>
+          </a:p>
+          <a:p>
+            <a:r>
+              <a:rPr lang="en-US" b="1" dirty="0"/>
+              <a:t>	}</a:t>
+            </a:r>
+          </a:p>
+          <a:p>
+            <a:r>
+              <a:rPr lang="en-US" b="1" dirty="0"/>
+              <a:t>	</a:t>
+            </a:r>
+            <a:r>
+              <a:rPr lang="en-US" b="1" dirty="0">
+                <a:solidFill>
+                  <a:srgbClr val="0070C0"/>
+                </a:solidFill>
+              </a:rPr>
+              <a:t>inner</a:t>
+            </a:r>
+            <a:r>
+              <a:rPr lang="en-US" b="1" dirty="0"/>
+              <a:t>();</a:t>
+            </a:r>
+          </a:p>
+          <a:p>
+            <a:r>
+              <a:rPr lang="en-US" b="1" dirty="0"/>
+              <a:t>}</a:t>
+            </a:r>
+          </a:p>
+          <a:p>
+            <a:r>
+              <a:rPr lang="en-US" b="1" dirty="0">
+                <a:solidFill>
+                  <a:srgbClr val="0070C0"/>
+                </a:solidFill>
+              </a:rPr>
+              <a:t>outer</a:t>
+            </a:r>
+            <a:r>
+              <a:rPr lang="en-US" b="1" dirty="0"/>
+              <a:t>();</a:t>
+            </a:r>
           </a:p>
         </p:txBody>
       </p:sp>
     </p:spTree>
     <p:extLst>
       <p:ext uri="{BB962C8B-B14F-4D97-AF65-F5344CB8AC3E}">
-        <p14:creationId xmlns:p14="http://schemas.microsoft.com/office/powerpoint/2010/main" val="915147315"/>
+        <p14:creationId xmlns:p14="http://schemas.microsoft.com/office/powerpoint/2010/main" val="3390367152"/>
       </p:ext>
     </p:extLst>
   </p:cSld>
@@ -4486,488 +4746,304 @@
           <a:lstStyle/>
           <a:p>
             <a:r>
-              <a:rPr lang="en-US" dirty="0"/>
-              <a:t>Scope can be nested </a:t>
-            </a:r>
+              <a:rPr lang="en-US" dirty="0" smtClean="0"/>
+              <a:t>Shadowing</a:t>
+            </a:r>
+            <a:endParaRPr lang="en-US" dirty="0"/>
           </a:p>
         </p:txBody>
       </p:sp>
       <p:sp>
         <p:nvSpPr>
-          <p:cNvPr id="4" name="Rectangle 1"/>
-          <p:cNvSpPr>
-            <a:spLocks noChangeArrowheads="1"/>
-          </p:cNvSpPr>
+          <p:cNvPr id="4" name="Rectangle 3"/>
+          <p:cNvSpPr/>
           <p:nvPr/>
         </p:nvSpPr>
-        <p:spPr bwMode="auto">
+        <p:spPr>
           <a:xfrm>
-            <a:off x="3419872" y="1700808"/>
-            <a:ext cx="2220989" cy="2154436"/>
+            <a:off x="457200" y="1556792"/>
+            <a:ext cx="8429684" cy="2585323"/>
           </a:xfrm>
           <a:prstGeom prst="rect">
             <a:avLst/>
           </a:prstGeom>
-          <a:noFill/>
-          <a:ln>
-            <a:noFill/>
-          </a:ln>
-          <a:effectLst/>
-          <a:extLst>
-            <a:ext uri="{909E8E84-426E-40DD-AFC4-6F175D3DCCD1}">
-              <a14:hiddenFill xmlns:a14="http://schemas.microsoft.com/office/drawing/2010/main">
-                <a:solidFill>
-                  <a:schemeClr val="accent1"/>
-                </a:solidFill>
-              </a14:hiddenFill>
-            </a:ext>
-            <a:ext uri="{91240B29-F687-4F45-9708-019B960494DF}">
-              <a14:hiddenLine xmlns:a14="http://schemas.microsoft.com/office/drawing/2010/main" w="9525">
-                <a:solidFill>
-                  <a:schemeClr val="tx1"/>
-                </a:solidFill>
-                <a:miter lim="800000"/>
-                <a:headEnd/>
-                <a:tailEnd/>
-              </a14:hiddenLine>
-            </a:ext>
-            <a:ext uri="{AF507438-7753-43E0-B8FC-AC1667EBCBE1}">
-              <a14:hiddenEffects xmlns:a14="http://schemas.microsoft.com/office/drawing/2010/main">
-                <a:effectLst>
-                  <a:outerShdw dist="35921" dir="2700000" algn="ctr" rotWithShape="0">
-                    <a:schemeClr val="bg2"/>
-                  </a:outerShdw>
-                </a:effectLst>
-              </a14:hiddenEffects>
-            </a:ext>
-          </a:extLst>
         </p:spPr>
+        <p:style>
+          <a:lnRef idx="1">
+            <a:schemeClr val="dk1"/>
+          </a:lnRef>
+          <a:fillRef idx="1001">
+            <a:schemeClr val="lt2"/>
+          </a:fillRef>
+          <a:effectRef idx="1">
+            <a:schemeClr val="dk1"/>
+          </a:effectRef>
+          <a:fontRef idx="minor">
+            <a:schemeClr val="dk1"/>
+          </a:fontRef>
+        </p:style>
         <p:txBody>
-          <a:bodyPr vert="horz" wrap="square" lIns="0" tIns="0" rIns="0" bIns="0" numCol="1" anchor="ctr" anchorCtr="0" compatLnSpc="1">
-            <a:prstTxWarp prst="textNoShape">
-              <a:avLst/>
-            </a:prstTxWarp>
+          <a:bodyPr wrap="square">
             <a:spAutoFit/>
           </a:bodyPr>
           <a:lstStyle/>
           <a:p>
-            <a:pPr marL="0" marR="0" lvl="0" indent="0" algn="l" defTabSz="914400" rtl="0" eaLnBrk="0" fontAlgn="base" latinLnBrk="0" hangingPunct="0">
-              <a:lnSpc>
-                <a:spcPct val="100000"/>
-              </a:lnSpc>
-              <a:spcBef>
-                <a:spcPct val="0"/>
-              </a:spcBef>
-              <a:spcAft>
-                <a:spcPct val="0"/>
-              </a:spcAft>
-              <a:buClrTx/>
-              <a:buSzTx/>
-              <a:buFontTx/>
-              <a:buNone/>
-              <a:tabLst/>
-            </a:pPr>
-            <a:r>
-              <a:rPr kumimoji="0" lang="en-US" altLang="en-US" sz="2000" b="1" i="0" u="none" strike="noStrike" cap="none" normalizeH="0" baseline="0" dirty="0" smtClean="0">
-                <a:ln>
-                  <a:noFill/>
-                </a:ln>
-                <a:solidFill>
-                  <a:srgbClr val="006699"/>
-                </a:solidFill>
-                <a:effectLst/>
-                <a:latin typeface="Ubuntu Mono"/>
+            <a:r>
+              <a:rPr lang="en-US" b="1" dirty="0" err="1">
+                <a:solidFill>
+                  <a:srgbClr val="0070C0"/>
+                </a:solidFill>
+              </a:rPr>
+              <a:t>var</a:t>
+            </a:r>
+            <a:r>
+              <a:rPr lang="en-US" b="1" dirty="0"/>
+              <a:t> </a:t>
+            </a:r>
+            <a:r>
+              <a:rPr lang="en-US" b="1" dirty="0">
+                <a:solidFill>
+                  <a:schemeClr val="accent6">
+                    <a:lumMod val="75000"/>
+                  </a:schemeClr>
+                </a:solidFill>
+              </a:rPr>
+              <a:t>scope</a:t>
+            </a:r>
+            <a:r>
+              <a:rPr lang="en-US" b="1" dirty="0"/>
+              <a:t> = </a:t>
+            </a:r>
+            <a:r>
+              <a:rPr lang="en-US" b="1" dirty="0">
+                <a:solidFill>
+                  <a:srgbClr val="00B050"/>
+                </a:solidFill>
+              </a:rPr>
+              <a:t>"global "</a:t>
+            </a:r>
+            <a:r>
+              <a:rPr lang="en-US" b="1" dirty="0"/>
+              <a:t>;          // A global variable</a:t>
+            </a:r>
+          </a:p>
+          <a:p>
+            <a:r>
+              <a:rPr lang="en-US" b="1" dirty="0">
+                <a:solidFill>
+                  <a:srgbClr val="0070C0"/>
+                </a:solidFill>
               </a:rPr>
               <a:t>function</a:t>
             </a:r>
             <a:r>
-              <a:rPr kumimoji="0" lang="en-US" altLang="en-US" sz="2000" b="0" i="0" u="none" strike="noStrike" cap="none" normalizeH="0" baseline="0" dirty="0" smtClean="0">
-                <a:ln>
-                  <a:noFill/>
-                </a:ln>
-                <a:solidFill>
-                  <a:srgbClr val="000000"/>
-                </a:solidFill>
-                <a:effectLst/>
-                <a:latin typeface="Ubuntu Mono"/>
-              </a:rPr>
+              <a:rPr lang="en-US" b="1" dirty="0"/>
               <a:t> </a:t>
             </a:r>
             <a:r>
-              <a:rPr kumimoji="0" lang="en-US" altLang="en-US" sz="2000" b="0" i="0" u="none" strike="noStrike" cap="none" normalizeH="0" baseline="0" dirty="0" smtClean="0">
-                <a:ln>
-                  <a:noFill/>
-                </a:ln>
-                <a:solidFill>
-                  <a:srgbClr val="000088"/>
-                </a:solidFill>
-                <a:effectLst/>
-                <a:latin typeface="Ubuntu Mono"/>
-              </a:rPr>
-              <a:t>f</a:t>
-            </a:r>
-            <a:r>
-              <a:rPr kumimoji="0" lang="en-US" altLang="en-US" sz="2000" b="0" i="0" u="none" strike="noStrike" cap="none" normalizeH="0" baseline="0" dirty="0" smtClean="0">
-                <a:ln>
-                  <a:noFill/>
-                </a:ln>
-                <a:solidFill>
-                  <a:srgbClr val="000000"/>
-                </a:solidFill>
-                <a:effectLst/>
-                <a:latin typeface="Ubuntu Mono"/>
-              </a:rPr>
+              <a:rPr lang="en-US" b="1" dirty="0">
+                <a:solidFill>
+                  <a:schemeClr val="accent6">
+                    <a:lumMod val="75000"/>
+                  </a:schemeClr>
+                </a:solidFill>
+              </a:rPr>
+              <a:t>outer</a:t>
+            </a:r>
+            <a:r>
+              <a:rPr lang="en-US" b="1" dirty="0"/>
               <a:t>() {</a:t>
             </a:r>
           </a:p>
           <a:p>
-            <a:pPr marL="0" marR="0" lvl="0" indent="0" algn="l" defTabSz="914400" rtl="0" eaLnBrk="0" fontAlgn="base" latinLnBrk="0" hangingPunct="0">
-              <a:lnSpc>
-                <a:spcPct val="100000"/>
-              </a:lnSpc>
-              <a:spcBef>
-                <a:spcPct val="0"/>
-              </a:spcBef>
-              <a:spcAft>
-                <a:spcPct val="0"/>
-              </a:spcAft>
-              <a:buClrTx/>
-              <a:buSzTx/>
-              <a:buFontTx/>
-              <a:buNone/>
-              <a:tabLst/>
-            </a:pPr>
-            <a:r>
-              <a:rPr lang="en-US" altLang="en-US" sz="2000" dirty="0">
-                <a:solidFill>
-                  <a:srgbClr val="000000"/>
-                </a:solidFill>
-                <a:latin typeface="Ubuntu Mono"/>
-              </a:rPr>
+            <a:r>
+              <a:rPr lang="en-US" b="1" dirty="0"/>
+              <a:t>	</a:t>
+            </a:r>
+            <a:r>
+              <a:rPr lang="en-US" b="1" dirty="0" err="1">
+                <a:solidFill>
+                  <a:srgbClr val="0070C0"/>
+                </a:solidFill>
+              </a:rPr>
+              <a:t>var</a:t>
+            </a:r>
+            <a:r>
+              <a:rPr lang="en-US" b="1" dirty="0"/>
               <a:t> </a:t>
             </a:r>
             <a:r>
-              <a:rPr lang="en-US" altLang="en-US" sz="2000" dirty="0" smtClean="0">
-                <a:solidFill>
-                  <a:srgbClr val="000000"/>
-                </a:solidFill>
-                <a:latin typeface="Ubuntu Mono"/>
-              </a:rPr>
-              <a:t>   </a:t>
-            </a:r>
-            <a:r>
-              <a:rPr lang="en-US" altLang="en-US" sz="2000" dirty="0" err="1" smtClean="0">
-                <a:solidFill>
-                  <a:srgbClr val="000000"/>
-                </a:solidFill>
-                <a:latin typeface="Ubuntu Mono"/>
-              </a:rPr>
-              <a:t>var</a:t>
-            </a:r>
-            <a:r>
-              <a:rPr lang="en-US" altLang="en-US" sz="2000" dirty="0" smtClean="0">
-                <a:solidFill>
-                  <a:srgbClr val="000000"/>
-                </a:solidFill>
-                <a:latin typeface="Ubuntu Mono"/>
-              </a:rPr>
-              <a:t> x = 2;</a:t>
-            </a:r>
-            <a:r>
-              <a:rPr kumimoji="0" lang="en-US" altLang="en-US" sz="2000" b="0" i="0" u="none" strike="noStrike" cap="none" normalizeH="0" baseline="0" dirty="0" smtClean="0">
-                <a:ln>
-                  <a:noFill/>
-                </a:ln>
-                <a:solidFill>
-                  <a:srgbClr val="000000"/>
-                </a:solidFill>
-                <a:effectLst/>
-                <a:latin typeface="Ubuntu Mono"/>
-              </a:rPr>
+              <a:rPr lang="en-US" b="1" dirty="0">
+                <a:solidFill>
+                  <a:schemeClr val="accent6">
+                    <a:lumMod val="75000"/>
+                  </a:schemeClr>
+                </a:solidFill>
+              </a:rPr>
+              <a:t>scope</a:t>
+            </a:r>
+            <a:r>
+              <a:rPr lang="en-US" b="1" dirty="0"/>
+              <a:t> = </a:t>
+            </a:r>
+            <a:r>
+              <a:rPr lang="en-US" b="1" dirty="0" smtClean="0">
+                <a:solidFill>
+                  <a:srgbClr val="00B050"/>
+                </a:solidFill>
+              </a:rPr>
+              <a:t>“outer”</a:t>
+            </a:r>
+            <a:r>
+              <a:rPr lang="en-US" b="1" dirty="0" smtClean="0"/>
+              <a:t>;       </a:t>
+            </a:r>
+            <a:r>
+              <a:rPr lang="en-US" b="1" dirty="0"/>
+              <a:t>// A </a:t>
+            </a:r>
+            <a:r>
+              <a:rPr lang="en-US" b="1" dirty="0" smtClean="0"/>
+              <a:t>outer variable</a:t>
+            </a:r>
+            <a:endParaRPr lang="en-US" b="1" dirty="0"/>
+          </a:p>
+          <a:p>
+            <a:r>
+              <a:rPr lang="en-US" b="1" dirty="0"/>
+              <a:t>	</a:t>
+            </a:r>
+            <a:r>
+              <a:rPr lang="en-US" b="1" dirty="0">
+                <a:solidFill>
+                  <a:srgbClr val="0070C0"/>
+                </a:solidFill>
+              </a:rPr>
+              <a:t>function</a:t>
+            </a:r>
+            <a:r>
+              <a:rPr lang="en-US" b="1" dirty="0"/>
               <a:t> </a:t>
             </a:r>
-          </a:p>
-          <a:p>
-            <a:pPr marL="0" marR="0" lvl="0" indent="0" algn="l" defTabSz="914400" rtl="0" eaLnBrk="0" fontAlgn="base" latinLnBrk="0" hangingPunct="0">
-              <a:lnSpc>
-                <a:spcPct val="100000"/>
-              </a:lnSpc>
-              <a:spcBef>
-                <a:spcPct val="0"/>
-              </a:spcBef>
-              <a:spcAft>
-                <a:spcPct val="0"/>
-              </a:spcAft>
-              <a:buClrTx/>
-              <a:buSzTx/>
-              <a:buFontTx/>
-              <a:buNone/>
-              <a:tabLst/>
-            </a:pPr>
-            <a:r>
-              <a:rPr lang="en-US" altLang="en-US" sz="2000" dirty="0">
-                <a:solidFill>
-                  <a:srgbClr val="000000"/>
-                </a:solidFill>
-                <a:latin typeface="Ubuntu Mono"/>
-              </a:rPr>
-              <a:t> </a:t>
-            </a:r>
-            <a:r>
-              <a:rPr lang="en-US" altLang="en-US" sz="2000" dirty="0" smtClean="0">
-                <a:solidFill>
-                  <a:srgbClr val="000000"/>
-                </a:solidFill>
-                <a:latin typeface="Ubuntu Mono"/>
-              </a:rPr>
-              <a:t>   </a:t>
-            </a:r>
-            <a:r>
-              <a:rPr kumimoji="0" lang="en-US" altLang="en-US" sz="2000" b="1" i="0" u="none" strike="noStrike" cap="none" normalizeH="0" baseline="0" dirty="0" smtClean="0">
-                <a:ln>
-                  <a:noFill/>
-                </a:ln>
-                <a:solidFill>
-                  <a:srgbClr val="006699"/>
-                </a:solidFill>
-                <a:effectLst/>
-                <a:latin typeface="Ubuntu Mono"/>
-              </a:rPr>
-              <a:t>function</a:t>
-            </a:r>
-            <a:r>
-              <a:rPr kumimoji="0" lang="en-US" altLang="en-US" sz="2000" b="0" i="0" u="none" strike="noStrike" cap="none" normalizeH="0" baseline="0" dirty="0" smtClean="0">
-                <a:ln>
-                  <a:noFill/>
-                </a:ln>
-                <a:solidFill>
-                  <a:srgbClr val="000000"/>
-                </a:solidFill>
-                <a:effectLst/>
-                <a:latin typeface="Ubuntu Mono"/>
-              </a:rPr>
-              <a:t> </a:t>
-            </a:r>
-            <a:r>
-              <a:rPr kumimoji="0" lang="en-US" altLang="en-US" sz="2000" b="0" i="0" u="none" strike="noStrike" cap="none" normalizeH="0" baseline="0" dirty="0" smtClean="0">
-                <a:ln>
-                  <a:noFill/>
-                </a:ln>
-                <a:solidFill>
-                  <a:srgbClr val="000088"/>
-                </a:solidFill>
-                <a:effectLst/>
-                <a:latin typeface="Ubuntu Mono"/>
-              </a:rPr>
-              <a:t>g</a:t>
-            </a:r>
-            <a:r>
-              <a:rPr kumimoji="0" lang="en-US" altLang="en-US" sz="2000" b="0" i="0" u="none" strike="noStrike" cap="none" normalizeH="0" baseline="0" dirty="0" smtClean="0">
-                <a:ln>
-                  <a:noFill/>
-                </a:ln>
-                <a:solidFill>
-                  <a:srgbClr val="000000"/>
-                </a:solidFill>
-                <a:effectLst/>
-                <a:latin typeface="Ubuntu Mono"/>
-              </a:rPr>
+            <a:r>
+              <a:rPr lang="en-US" b="1" dirty="0">
+                <a:solidFill>
+                  <a:schemeClr val="accent6">
+                    <a:lumMod val="75000"/>
+                  </a:schemeClr>
+                </a:solidFill>
+              </a:rPr>
+              <a:t>inner</a:t>
+            </a:r>
+            <a:r>
+              <a:rPr lang="en-US" b="1" dirty="0"/>
               <a:t>() {</a:t>
             </a:r>
           </a:p>
           <a:p>
-            <a:pPr marL="0" marR="0" lvl="0" indent="0" algn="l" defTabSz="914400" rtl="0" eaLnBrk="0" fontAlgn="base" latinLnBrk="0" hangingPunct="0">
-              <a:lnSpc>
-                <a:spcPct val="100000"/>
-              </a:lnSpc>
-              <a:spcBef>
-                <a:spcPct val="0"/>
-              </a:spcBef>
-              <a:spcAft>
-                <a:spcPct val="0"/>
-              </a:spcAft>
-              <a:buClrTx/>
-              <a:buSzTx/>
-              <a:buFontTx/>
-              <a:buNone/>
-              <a:tabLst/>
-            </a:pPr>
-            <a:r>
-              <a:rPr lang="en-US" altLang="en-US" sz="2000" dirty="0">
-                <a:solidFill>
-                  <a:srgbClr val="000000"/>
-                </a:solidFill>
-                <a:latin typeface="Ubuntu Mono"/>
-              </a:rPr>
-              <a:t> </a:t>
-            </a:r>
-            <a:r>
-              <a:rPr lang="en-US" altLang="en-US" sz="2000" dirty="0" smtClean="0">
-                <a:solidFill>
-                  <a:srgbClr val="000000"/>
-                </a:solidFill>
-                <a:latin typeface="Ubuntu Mono"/>
-              </a:rPr>
-              <a:t>      </a:t>
-            </a:r>
-            <a:r>
-              <a:rPr lang="en-US" altLang="en-US" sz="2000" dirty="0" err="1" smtClean="0">
-                <a:solidFill>
-                  <a:srgbClr val="000000"/>
-                </a:solidFill>
-                <a:latin typeface="Ubuntu Mono"/>
-              </a:rPr>
-              <a:t>var</a:t>
-            </a:r>
-            <a:r>
-              <a:rPr lang="en-US" altLang="en-US" sz="2000" dirty="0" smtClean="0">
-                <a:solidFill>
-                  <a:srgbClr val="000000"/>
-                </a:solidFill>
-                <a:latin typeface="Ubuntu Mono"/>
-              </a:rPr>
-              <a:t> y = 3;</a:t>
-            </a:r>
-            <a:r>
-              <a:rPr kumimoji="0" lang="en-US" altLang="en-US" sz="2000" b="0" i="0" u="none" strike="noStrike" cap="none" normalizeH="0" baseline="0" dirty="0" smtClean="0">
-                <a:ln>
-                  <a:noFill/>
-                </a:ln>
-                <a:solidFill>
-                  <a:srgbClr val="000000"/>
-                </a:solidFill>
-                <a:effectLst/>
-                <a:latin typeface="Ubuntu Mono"/>
-              </a:rPr>
-              <a:t> </a:t>
-            </a:r>
-          </a:p>
-          <a:p>
-            <a:pPr marL="0" marR="0" lvl="0" indent="0" algn="l" defTabSz="914400" rtl="0" eaLnBrk="0" fontAlgn="base" latinLnBrk="0" hangingPunct="0">
-              <a:lnSpc>
-                <a:spcPct val="100000"/>
-              </a:lnSpc>
-              <a:spcBef>
-                <a:spcPct val="0"/>
-              </a:spcBef>
-              <a:spcAft>
-                <a:spcPct val="0"/>
-              </a:spcAft>
-              <a:buClrTx/>
-              <a:buSzTx/>
-              <a:buFontTx/>
-              <a:buNone/>
-              <a:tabLst/>
-            </a:pPr>
-            <a:r>
-              <a:rPr lang="en-US" altLang="en-US" sz="2000" dirty="0">
-                <a:solidFill>
-                  <a:srgbClr val="000000"/>
-                </a:solidFill>
-                <a:latin typeface="Ubuntu Mono"/>
-              </a:rPr>
-              <a:t> </a:t>
-            </a:r>
-            <a:r>
-              <a:rPr lang="en-US" altLang="en-US" sz="2000" dirty="0" smtClean="0">
-                <a:solidFill>
-                  <a:srgbClr val="000000"/>
-                </a:solidFill>
-                <a:latin typeface="Ubuntu Mono"/>
-              </a:rPr>
-              <a:t>      alert(x + y);</a:t>
-            </a:r>
-          </a:p>
-          <a:p>
-            <a:pPr marL="0" marR="0" lvl="0" indent="0" algn="l" defTabSz="914400" rtl="0" eaLnBrk="0" fontAlgn="base" latinLnBrk="0" hangingPunct="0">
-              <a:lnSpc>
-                <a:spcPct val="100000"/>
-              </a:lnSpc>
-              <a:spcBef>
-                <a:spcPct val="0"/>
-              </a:spcBef>
-              <a:spcAft>
-                <a:spcPct val="0"/>
-              </a:spcAft>
-              <a:buClrTx/>
-              <a:buSzTx/>
-              <a:buFontTx/>
-              <a:buNone/>
-              <a:tabLst/>
-            </a:pPr>
-            <a:r>
-              <a:rPr kumimoji="0" lang="en-US" altLang="en-US" sz="2000" b="0" i="0" u="none" strike="noStrike" cap="none" normalizeH="0" baseline="0" dirty="0" smtClean="0">
-                <a:ln>
-                  <a:noFill/>
-                </a:ln>
-                <a:solidFill>
-                  <a:srgbClr val="000000"/>
-                </a:solidFill>
-                <a:effectLst/>
-                <a:latin typeface="Ubuntu Mono"/>
-              </a:rPr>
-              <a:t>    } </a:t>
-            </a:r>
-          </a:p>
-          <a:p>
-            <a:pPr marL="0" marR="0" lvl="0" indent="0" algn="l" defTabSz="914400" rtl="0" eaLnBrk="0" fontAlgn="base" latinLnBrk="0" hangingPunct="0">
-              <a:lnSpc>
-                <a:spcPct val="100000"/>
-              </a:lnSpc>
-              <a:spcBef>
-                <a:spcPct val="0"/>
-              </a:spcBef>
-              <a:spcAft>
-                <a:spcPct val="0"/>
-              </a:spcAft>
-              <a:buClrTx/>
-              <a:buSzTx/>
-              <a:buFontTx/>
-              <a:buNone/>
-              <a:tabLst/>
-            </a:pPr>
-            <a:r>
-              <a:rPr kumimoji="0" lang="en-US" altLang="en-US" sz="2000" b="0" i="0" u="none" strike="noStrike" cap="none" normalizeH="0" baseline="0" dirty="0" smtClean="0">
-                <a:ln>
-                  <a:noFill/>
-                </a:ln>
-                <a:solidFill>
-                  <a:srgbClr val="000000"/>
-                </a:solidFill>
-                <a:effectLst/>
-                <a:latin typeface="Ubuntu Mono"/>
-              </a:rPr>
+            <a:r>
+              <a:rPr lang="en-US" b="1" dirty="0" smtClean="0"/>
+              <a:t>		</a:t>
+            </a:r>
+            <a:r>
+              <a:rPr lang="en-US" b="1" dirty="0" err="1" smtClean="0">
+                <a:solidFill>
+                  <a:schemeClr val="accent6">
+                    <a:lumMod val="75000"/>
+                  </a:schemeClr>
+                </a:solidFill>
+              </a:rPr>
+              <a:t>document</a:t>
+            </a:r>
+            <a:r>
+              <a:rPr lang="en-US" b="1" dirty="0" err="1" smtClean="0"/>
+              <a:t>.</a:t>
+            </a:r>
+            <a:r>
+              <a:rPr lang="en-US" b="1" dirty="0" err="1" smtClean="0">
+                <a:solidFill>
+                  <a:srgbClr val="0070C0"/>
+                </a:solidFill>
+              </a:rPr>
+              <a:t>write</a:t>
+            </a:r>
+            <a:r>
+              <a:rPr lang="en-US" b="1" dirty="0" smtClean="0"/>
+              <a:t>(</a:t>
+            </a:r>
+            <a:r>
+              <a:rPr lang="en-US" b="1" dirty="0" smtClean="0">
+                <a:solidFill>
+                  <a:schemeClr val="accent6">
+                    <a:lumMod val="75000"/>
+                  </a:schemeClr>
+                </a:solidFill>
+              </a:rPr>
+              <a:t>scope</a:t>
+            </a:r>
+            <a:r>
+              <a:rPr lang="en-US" b="1" dirty="0" smtClean="0"/>
+              <a:t>);       // </a:t>
+            </a:r>
+            <a:r>
+              <a:rPr lang="en-US" b="1" dirty="0"/>
+              <a:t>Prints </a:t>
+            </a:r>
+            <a:r>
+              <a:rPr lang="en-US" b="1" dirty="0" smtClean="0"/>
+              <a:t>"outer"</a:t>
+            </a:r>
+          </a:p>
+          <a:p>
+            <a:r>
+              <a:rPr lang="en-US" b="1" dirty="0"/>
+              <a:t>	}</a:t>
+            </a:r>
+          </a:p>
+          <a:p>
+            <a:r>
+              <a:rPr lang="en-US" b="1" dirty="0"/>
+              <a:t>	</a:t>
+            </a:r>
+            <a:r>
+              <a:rPr lang="en-US" b="1" dirty="0">
+                <a:solidFill>
+                  <a:srgbClr val="0070C0"/>
+                </a:solidFill>
+              </a:rPr>
+              <a:t>inner</a:t>
+            </a:r>
+            <a:r>
+              <a:rPr lang="en-US" b="1" dirty="0"/>
+              <a:t>();</a:t>
+            </a:r>
+          </a:p>
+          <a:p>
+            <a:r>
+              <a:rPr lang="en-US" b="1" dirty="0"/>
               <a:t>}</a:t>
             </a:r>
-            <a:r>
-              <a:rPr kumimoji="0" lang="en-US" altLang="en-US" sz="2000" b="0" i="0" u="none" strike="noStrike" cap="none" normalizeH="0" baseline="0" dirty="0" smtClean="0">
-                <a:ln>
-                  <a:noFill/>
-                </a:ln>
-                <a:solidFill>
-                  <a:schemeClr val="tx1"/>
-                </a:solidFill>
-                <a:effectLst/>
-              </a:rPr>
-              <a:t> </a:t>
-            </a:r>
-            <a:endParaRPr kumimoji="0" lang="en-US" altLang="en-US" sz="2000" b="0" i="0" u="none" strike="noStrike" cap="none" normalizeH="0" baseline="0" dirty="0" smtClean="0">
-              <a:ln>
-                <a:noFill/>
-              </a:ln>
-              <a:solidFill>
-                <a:schemeClr val="tx1"/>
-              </a:solidFill>
-              <a:effectLst/>
-              <a:latin typeface="Arial" panose="020B0604020202020204" pitchFamily="34" charset="0"/>
-            </a:endParaRPr>
+          </a:p>
+          <a:p>
+            <a:r>
+              <a:rPr lang="en-US" b="1" dirty="0">
+                <a:solidFill>
+                  <a:srgbClr val="0070C0"/>
+                </a:solidFill>
+              </a:rPr>
+              <a:t>outer</a:t>
+            </a:r>
+            <a:r>
+              <a:rPr lang="en-US" b="1" dirty="0"/>
+              <a:t>();</a:t>
+            </a:r>
           </a:p>
         </p:txBody>
       </p:sp>
     </p:spTree>
     <p:extLst>
       <p:ext uri="{BB962C8B-B14F-4D97-AF65-F5344CB8AC3E}">
-        <p14:creationId xmlns:p14="http://schemas.microsoft.com/office/powerpoint/2010/main" val="4153191648"/>
+        <p14:creationId xmlns:p14="http://schemas.microsoft.com/office/powerpoint/2010/main" val="1503776533"/>
       </p:ext>
     </p:extLst>
   </p:cSld>
@@ -5018,1426 +5094,6 @@
           <a:p>
             <a:r>
               <a:rPr lang="en-US" dirty="0" smtClean="0"/>
-              <a:t>Nested Scope</a:t>
-            </a:r>
-            <a:endParaRPr lang="en-US" dirty="0"/>
-          </a:p>
-        </p:txBody>
-      </p:sp>
-      <p:sp>
-        <p:nvSpPr>
-          <p:cNvPr id="4" name="Rectangle 1"/>
-          <p:cNvSpPr>
-            <a:spLocks noChangeArrowheads="1"/>
-          </p:cNvSpPr>
-          <p:nvPr/>
-        </p:nvSpPr>
-        <p:spPr bwMode="auto">
-          <a:xfrm>
-            <a:off x="3419872" y="1700808"/>
-            <a:ext cx="2220989" cy="2154436"/>
-          </a:xfrm>
-          <a:prstGeom prst="rect">
-            <a:avLst/>
-          </a:prstGeom>
-          <a:noFill/>
-          <a:ln>
-            <a:noFill/>
-          </a:ln>
-          <a:effectLst/>
-          <a:extLst>
-            <a:ext uri="{909E8E84-426E-40DD-AFC4-6F175D3DCCD1}">
-              <a14:hiddenFill xmlns:a14="http://schemas.microsoft.com/office/drawing/2010/main">
-                <a:solidFill>
-                  <a:schemeClr val="accent1"/>
-                </a:solidFill>
-              </a14:hiddenFill>
-            </a:ext>
-            <a:ext uri="{91240B29-F687-4F45-9708-019B960494DF}">
-              <a14:hiddenLine xmlns:a14="http://schemas.microsoft.com/office/drawing/2010/main" w="9525">
-                <a:solidFill>
-                  <a:schemeClr val="tx1"/>
-                </a:solidFill>
-                <a:miter lim="800000"/>
-                <a:headEnd/>
-                <a:tailEnd/>
-              </a14:hiddenLine>
-            </a:ext>
-            <a:ext uri="{AF507438-7753-43E0-B8FC-AC1667EBCBE1}">
-              <a14:hiddenEffects xmlns:a14="http://schemas.microsoft.com/office/drawing/2010/main">
-                <a:effectLst>
-                  <a:outerShdw dist="35921" dir="2700000" algn="ctr" rotWithShape="0">
-                    <a:schemeClr val="bg2"/>
-                  </a:outerShdw>
-                </a:effectLst>
-              </a14:hiddenEffects>
-            </a:ext>
-          </a:extLst>
-        </p:spPr>
-        <p:txBody>
-          <a:bodyPr vert="horz" wrap="square" lIns="0" tIns="0" rIns="0" bIns="0" numCol="1" anchor="ctr" anchorCtr="0" compatLnSpc="1">
-            <a:prstTxWarp prst="textNoShape">
-              <a:avLst/>
-            </a:prstTxWarp>
-            <a:spAutoFit/>
-          </a:bodyPr>
-          <a:lstStyle/>
-          <a:p>
-            <a:pPr marL="0" marR="0" lvl="0" indent="0" algn="l" defTabSz="914400" rtl="0" eaLnBrk="0" fontAlgn="base" latinLnBrk="0" hangingPunct="0">
-              <a:lnSpc>
-                <a:spcPct val="100000"/>
-              </a:lnSpc>
-              <a:spcBef>
-                <a:spcPct val="0"/>
-              </a:spcBef>
-              <a:spcAft>
-                <a:spcPct val="0"/>
-              </a:spcAft>
-              <a:buClrTx/>
-              <a:buSzTx/>
-              <a:buFontTx/>
-              <a:buNone/>
-              <a:tabLst/>
-            </a:pPr>
-            <a:r>
-              <a:rPr kumimoji="0" lang="en-US" altLang="en-US" sz="2000" b="1" i="0" u="none" strike="noStrike" cap="none" normalizeH="0" baseline="0" dirty="0" smtClean="0">
-                <a:ln>
-                  <a:noFill/>
-                </a:ln>
-                <a:solidFill>
-                  <a:srgbClr val="006699"/>
-                </a:solidFill>
-                <a:effectLst/>
-                <a:latin typeface="Ubuntu Mono"/>
-              </a:rPr>
-              <a:t>function</a:t>
-            </a:r>
-            <a:r>
-              <a:rPr kumimoji="0" lang="en-US" altLang="en-US" sz="2000" b="0" i="0" u="none" strike="noStrike" cap="none" normalizeH="0" baseline="0" dirty="0" smtClean="0">
-                <a:ln>
-                  <a:noFill/>
-                </a:ln>
-                <a:solidFill>
-                  <a:srgbClr val="000000"/>
-                </a:solidFill>
-                <a:effectLst/>
-                <a:latin typeface="Ubuntu Mono"/>
-              </a:rPr>
-              <a:t> </a:t>
-            </a:r>
-            <a:r>
-              <a:rPr kumimoji="0" lang="en-US" altLang="en-US" sz="2000" b="0" i="0" u="none" strike="noStrike" cap="none" normalizeH="0" baseline="0" dirty="0" smtClean="0">
-                <a:ln>
-                  <a:noFill/>
-                </a:ln>
-                <a:solidFill>
-                  <a:srgbClr val="000088"/>
-                </a:solidFill>
-                <a:effectLst/>
-                <a:latin typeface="Ubuntu Mono"/>
-              </a:rPr>
-              <a:t>f</a:t>
-            </a:r>
-            <a:r>
-              <a:rPr kumimoji="0" lang="en-US" altLang="en-US" sz="2000" b="0" i="0" u="none" strike="noStrike" cap="none" normalizeH="0" baseline="0" dirty="0" smtClean="0">
-                <a:ln>
-                  <a:noFill/>
-                </a:ln>
-                <a:solidFill>
-                  <a:srgbClr val="000000"/>
-                </a:solidFill>
-                <a:effectLst/>
-                <a:latin typeface="Ubuntu Mono"/>
-              </a:rPr>
-              <a:t>() {</a:t>
-            </a:r>
-          </a:p>
-          <a:p>
-            <a:pPr marL="0" marR="0" lvl="0" indent="0" algn="l" defTabSz="914400" rtl="0" eaLnBrk="0" fontAlgn="base" latinLnBrk="0" hangingPunct="0">
-              <a:lnSpc>
-                <a:spcPct val="100000"/>
-              </a:lnSpc>
-              <a:spcBef>
-                <a:spcPct val="0"/>
-              </a:spcBef>
-              <a:spcAft>
-                <a:spcPct val="0"/>
-              </a:spcAft>
-              <a:buClrTx/>
-              <a:buSzTx/>
-              <a:buFontTx/>
-              <a:buNone/>
-              <a:tabLst/>
-            </a:pPr>
-            <a:r>
-              <a:rPr lang="en-US" altLang="en-US" sz="2000" dirty="0">
-                <a:solidFill>
-                  <a:srgbClr val="000000"/>
-                </a:solidFill>
-                <a:latin typeface="Ubuntu Mono"/>
-              </a:rPr>
-              <a:t> </a:t>
-            </a:r>
-            <a:r>
-              <a:rPr lang="en-US" altLang="en-US" sz="2000" dirty="0" smtClean="0">
-                <a:solidFill>
-                  <a:srgbClr val="000000"/>
-                </a:solidFill>
-                <a:latin typeface="Ubuntu Mono"/>
-              </a:rPr>
-              <a:t>   </a:t>
-            </a:r>
-            <a:r>
-              <a:rPr lang="en-US" altLang="en-US" sz="2000" dirty="0" err="1" smtClean="0">
-                <a:solidFill>
-                  <a:srgbClr val="000000"/>
-                </a:solidFill>
-                <a:latin typeface="Ubuntu Mono"/>
-              </a:rPr>
-              <a:t>var</a:t>
-            </a:r>
-            <a:r>
-              <a:rPr lang="en-US" altLang="en-US" sz="2000" dirty="0" smtClean="0">
-                <a:solidFill>
-                  <a:srgbClr val="000000"/>
-                </a:solidFill>
-                <a:latin typeface="Ubuntu Mono"/>
-              </a:rPr>
-              <a:t> x = 2;</a:t>
-            </a:r>
-            <a:r>
-              <a:rPr kumimoji="0" lang="en-US" altLang="en-US" sz="2000" b="0" i="0" u="none" strike="noStrike" cap="none" normalizeH="0" baseline="0" dirty="0" smtClean="0">
-                <a:ln>
-                  <a:noFill/>
-                </a:ln>
-                <a:solidFill>
-                  <a:srgbClr val="000000"/>
-                </a:solidFill>
-                <a:effectLst/>
-                <a:latin typeface="Ubuntu Mono"/>
-              </a:rPr>
-              <a:t> </a:t>
-            </a:r>
-          </a:p>
-          <a:p>
-            <a:pPr marL="0" marR="0" lvl="0" indent="0" algn="l" defTabSz="914400" rtl="0" eaLnBrk="0" fontAlgn="base" latinLnBrk="0" hangingPunct="0">
-              <a:lnSpc>
-                <a:spcPct val="100000"/>
-              </a:lnSpc>
-              <a:spcBef>
-                <a:spcPct val="0"/>
-              </a:spcBef>
-              <a:spcAft>
-                <a:spcPct val="0"/>
-              </a:spcAft>
-              <a:buClrTx/>
-              <a:buSzTx/>
-              <a:buFontTx/>
-              <a:buNone/>
-              <a:tabLst/>
-            </a:pPr>
-            <a:r>
-              <a:rPr lang="en-US" altLang="en-US" sz="2000" dirty="0">
-                <a:solidFill>
-                  <a:srgbClr val="000000"/>
-                </a:solidFill>
-                <a:latin typeface="Ubuntu Mono"/>
-              </a:rPr>
-              <a:t> </a:t>
-            </a:r>
-            <a:r>
-              <a:rPr lang="en-US" altLang="en-US" sz="2000" dirty="0" smtClean="0">
-                <a:solidFill>
-                  <a:srgbClr val="000000"/>
-                </a:solidFill>
-                <a:latin typeface="Ubuntu Mono"/>
-              </a:rPr>
-              <a:t>   </a:t>
-            </a:r>
-            <a:r>
-              <a:rPr kumimoji="0" lang="en-US" altLang="en-US" sz="2000" b="1" i="0" u="none" strike="noStrike" cap="none" normalizeH="0" baseline="0" dirty="0" smtClean="0">
-                <a:ln>
-                  <a:noFill/>
-                </a:ln>
-                <a:solidFill>
-                  <a:srgbClr val="006699"/>
-                </a:solidFill>
-                <a:effectLst/>
-                <a:latin typeface="Ubuntu Mono"/>
-              </a:rPr>
-              <a:t>function</a:t>
-            </a:r>
-            <a:r>
-              <a:rPr kumimoji="0" lang="en-US" altLang="en-US" sz="2000" b="0" i="0" u="none" strike="noStrike" cap="none" normalizeH="0" baseline="0" dirty="0" smtClean="0">
-                <a:ln>
-                  <a:noFill/>
-                </a:ln>
-                <a:solidFill>
-                  <a:srgbClr val="000000"/>
-                </a:solidFill>
-                <a:effectLst/>
-                <a:latin typeface="Ubuntu Mono"/>
-              </a:rPr>
-              <a:t> </a:t>
-            </a:r>
-            <a:r>
-              <a:rPr kumimoji="0" lang="en-US" altLang="en-US" sz="2000" b="0" i="0" u="none" strike="noStrike" cap="none" normalizeH="0" baseline="0" dirty="0" smtClean="0">
-                <a:ln>
-                  <a:noFill/>
-                </a:ln>
-                <a:solidFill>
-                  <a:srgbClr val="000088"/>
-                </a:solidFill>
-                <a:effectLst/>
-                <a:latin typeface="Ubuntu Mono"/>
-              </a:rPr>
-              <a:t>g</a:t>
-            </a:r>
-            <a:r>
-              <a:rPr kumimoji="0" lang="en-US" altLang="en-US" sz="2000" b="0" i="0" u="none" strike="noStrike" cap="none" normalizeH="0" baseline="0" dirty="0" smtClean="0">
-                <a:ln>
-                  <a:noFill/>
-                </a:ln>
-                <a:solidFill>
-                  <a:srgbClr val="000000"/>
-                </a:solidFill>
-                <a:effectLst/>
-                <a:latin typeface="Ubuntu Mono"/>
-              </a:rPr>
-              <a:t>() {</a:t>
-            </a:r>
-          </a:p>
-          <a:p>
-            <a:pPr marL="0" marR="0" lvl="0" indent="0" algn="l" defTabSz="914400" rtl="0" eaLnBrk="0" fontAlgn="base" latinLnBrk="0" hangingPunct="0">
-              <a:lnSpc>
-                <a:spcPct val="100000"/>
-              </a:lnSpc>
-              <a:spcBef>
-                <a:spcPct val="0"/>
-              </a:spcBef>
-              <a:spcAft>
-                <a:spcPct val="0"/>
-              </a:spcAft>
-              <a:buClrTx/>
-              <a:buSzTx/>
-              <a:buFontTx/>
-              <a:buNone/>
-              <a:tabLst/>
-            </a:pPr>
-            <a:r>
-              <a:rPr lang="en-US" altLang="en-US" sz="2000" dirty="0">
-                <a:solidFill>
-                  <a:srgbClr val="000000"/>
-                </a:solidFill>
-                <a:latin typeface="Ubuntu Mono"/>
-              </a:rPr>
-              <a:t> </a:t>
-            </a:r>
-            <a:r>
-              <a:rPr lang="en-US" altLang="en-US" sz="2000" dirty="0" smtClean="0">
-                <a:solidFill>
-                  <a:srgbClr val="000000"/>
-                </a:solidFill>
-                <a:latin typeface="Ubuntu Mono"/>
-              </a:rPr>
-              <a:t>      </a:t>
-            </a:r>
-            <a:r>
-              <a:rPr lang="en-US" altLang="en-US" sz="2000" dirty="0" err="1" smtClean="0">
-                <a:solidFill>
-                  <a:srgbClr val="000000"/>
-                </a:solidFill>
-                <a:latin typeface="Ubuntu Mono"/>
-              </a:rPr>
-              <a:t>var</a:t>
-            </a:r>
-            <a:r>
-              <a:rPr lang="en-US" altLang="en-US" sz="2000" dirty="0" smtClean="0">
-                <a:solidFill>
-                  <a:srgbClr val="000000"/>
-                </a:solidFill>
-                <a:latin typeface="Ubuntu Mono"/>
-              </a:rPr>
-              <a:t> y = 3;</a:t>
-            </a:r>
-            <a:r>
-              <a:rPr kumimoji="0" lang="en-US" altLang="en-US" sz="2000" b="0" i="0" u="none" strike="noStrike" cap="none" normalizeH="0" baseline="0" dirty="0" smtClean="0">
-                <a:ln>
-                  <a:noFill/>
-                </a:ln>
-                <a:solidFill>
-                  <a:srgbClr val="000000"/>
-                </a:solidFill>
-                <a:effectLst/>
-                <a:latin typeface="Ubuntu Mono"/>
-              </a:rPr>
-              <a:t> </a:t>
-            </a:r>
-          </a:p>
-          <a:p>
-            <a:pPr marL="0" marR="0" lvl="0" indent="0" algn="l" defTabSz="914400" rtl="0" eaLnBrk="0" fontAlgn="base" latinLnBrk="0" hangingPunct="0">
-              <a:lnSpc>
-                <a:spcPct val="100000"/>
-              </a:lnSpc>
-              <a:spcBef>
-                <a:spcPct val="0"/>
-              </a:spcBef>
-              <a:spcAft>
-                <a:spcPct val="0"/>
-              </a:spcAft>
-              <a:buClrTx/>
-              <a:buSzTx/>
-              <a:buFontTx/>
-              <a:buNone/>
-              <a:tabLst/>
-            </a:pPr>
-            <a:r>
-              <a:rPr lang="en-US" altLang="en-US" sz="2000" dirty="0">
-                <a:solidFill>
-                  <a:srgbClr val="000000"/>
-                </a:solidFill>
-                <a:latin typeface="Ubuntu Mono"/>
-              </a:rPr>
-              <a:t> </a:t>
-            </a:r>
-            <a:r>
-              <a:rPr lang="en-US" altLang="en-US" sz="2000" dirty="0" smtClean="0">
-                <a:solidFill>
-                  <a:srgbClr val="000000"/>
-                </a:solidFill>
-                <a:latin typeface="Ubuntu Mono"/>
-              </a:rPr>
-              <a:t>      alert(x + y);</a:t>
-            </a:r>
-          </a:p>
-          <a:p>
-            <a:pPr marL="0" marR="0" lvl="0" indent="0" algn="l" defTabSz="914400" rtl="0" eaLnBrk="0" fontAlgn="base" latinLnBrk="0" hangingPunct="0">
-              <a:lnSpc>
-                <a:spcPct val="100000"/>
-              </a:lnSpc>
-              <a:spcBef>
-                <a:spcPct val="0"/>
-              </a:spcBef>
-              <a:spcAft>
-                <a:spcPct val="0"/>
-              </a:spcAft>
-              <a:buClrTx/>
-              <a:buSzTx/>
-              <a:buFontTx/>
-              <a:buNone/>
-              <a:tabLst/>
-            </a:pPr>
-            <a:r>
-              <a:rPr kumimoji="0" lang="en-US" altLang="en-US" sz="2000" b="0" i="0" u="none" strike="noStrike" cap="none" normalizeH="0" baseline="0" dirty="0" smtClean="0">
-                <a:ln>
-                  <a:noFill/>
-                </a:ln>
-                <a:solidFill>
-                  <a:srgbClr val="000000"/>
-                </a:solidFill>
-                <a:effectLst/>
-                <a:latin typeface="Ubuntu Mono"/>
-              </a:rPr>
-              <a:t>    } </a:t>
-            </a:r>
-          </a:p>
-          <a:p>
-            <a:pPr marL="0" marR="0" lvl="0" indent="0" algn="l" defTabSz="914400" rtl="0" eaLnBrk="0" fontAlgn="base" latinLnBrk="0" hangingPunct="0">
-              <a:lnSpc>
-                <a:spcPct val="100000"/>
-              </a:lnSpc>
-              <a:spcBef>
-                <a:spcPct val="0"/>
-              </a:spcBef>
-              <a:spcAft>
-                <a:spcPct val="0"/>
-              </a:spcAft>
-              <a:buClrTx/>
-              <a:buSzTx/>
-              <a:buFontTx/>
-              <a:buNone/>
-              <a:tabLst/>
-            </a:pPr>
-            <a:r>
-              <a:rPr kumimoji="0" lang="en-US" altLang="en-US" sz="2000" b="0" i="0" u="none" strike="noStrike" cap="none" normalizeH="0" baseline="0" dirty="0" smtClean="0">
-                <a:ln>
-                  <a:noFill/>
-                </a:ln>
-                <a:solidFill>
-                  <a:srgbClr val="000000"/>
-                </a:solidFill>
-                <a:effectLst/>
-                <a:latin typeface="Ubuntu Mono"/>
-              </a:rPr>
-              <a:t>}</a:t>
-            </a:r>
-            <a:r>
-              <a:rPr kumimoji="0" lang="en-US" altLang="en-US" sz="2000" b="0" i="0" u="none" strike="noStrike" cap="none" normalizeH="0" baseline="0" dirty="0" smtClean="0">
-                <a:ln>
-                  <a:noFill/>
-                </a:ln>
-                <a:solidFill>
-                  <a:schemeClr val="tx1"/>
-                </a:solidFill>
-                <a:effectLst/>
-              </a:rPr>
-              <a:t> </a:t>
-            </a:r>
-            <a:endParaRPr kumimoji="0" lang="en-US" altLang="en-US" sz="2000" b="0" i="0" u="none" strike="noStrike" cap="none" normalizeH="0" baseline="0" dirty="0" smtClean="0">
-              <a:ln>
-                <a:noFill/>
-              </a:ln>
-              <a:solidFill>
-                <a:schemeClr val="tx1"/>
-              </a:solidFill>
-              <a:effectLst/>
-              <a:latin typeface="Arial" panose="020B0604020202020204" pitchFamily="34" charset="0"/>
-            </a:endParaRPr>
-          </a:p>
-        </p:txBody>
-      </p:sp>
-      <p:sp>
-        <p:nvSpPr>
-          <p:cNvPr id="3" name="Right Brace 2"/>
-          <p:cNvSpPr/>
-          <p:nvPr/>
-        </p:nvSpPr>
-        <p:spPr>
-          <a:xfrm>
-            <a:off x="5411657" y="2449488"/>
-            <a:ext cx="365760" cy="1005840"/>
-          </a:xfrm>
-          <a:prstGeom prst="rightBrace">
-            <a:avLst/>
-          </a:prstGeom>
-          <a:ln w="22225">
-            <a:solidFill>
-              <a:schemeClr val="tx1"/>
-            </a:solidFill>
-          </a:ln>
-        </p:spPr>
-        <p:style>
-          <a:lnRef idx="1">
-            <a:schemeClr val="accent1"/>
-          </a:lnRef>
-          <a:fillRef idx="0">
-            <a:schemeClr val="accent1"/>
-          </a:fillRef>
-          <a:effectRef idx="0">
-            <a:schemeClr val="accent1"/>
-          </a:effectRef>
-          <a:fontRef idx="minor">
-            <a:schemeClr val="tx1"/>
-          </a:fontRef>
-        </p:style>
-        <p:txBody>
-          <a:bodyPr rtlCol="0" anchor="ctr"/>
-          <a:lstStyle/>
-          <a:p>
-            <a:pPr algn="ctr"/>
-            <a:endParaRPr lang="en-US"/>
-          </a:p>
-        </p:txBody>
-      </p:sp>
-      <p:sp>
-        <p:nvSpPr>
-          <p:cNvPr id="5" name="TextBox 4"/>
-          <p:cNvSpPr txBox="1"/>
-          <p:nvPr/>
-        </p:nvSpPr>
-        <p:spPr>
-          <a:xfrm>
-            <a:off x="5915713" y="2767662"/>
-            <a:ext cx="1274388" cy="369332"/>
-          </a:xfrm>
-          <a:prstGeom prst="rect">
-            <a:avLst/>
-          </a:prstGeom>
-          <a:noFill/>
-        </p:spPr>
-        <p:txBody>
-          <a:bodyPr wrap="none" rtlCol="0">
-            <a:spAutoFit/>
-          </a:bodyPr>
-          <a:lstStyle/>
-          <a:p>
-            <a:r>
-              <a:rPr lang="en-US" dirty="0" smtClean="0"/>
-              <a:t>inner scope</a:t>
-            </a:r>
-            <a:endParaRPr lang="en-US" dirty="0"/>
-          </a:p>
-        </p:txBody>
-      </p:sp>
-      <p:sp>
-        <p:nvSpPr>
-          <p:cNvPr id="7" name="Right Brace 6"/>
-          <p:cNvSpPr/>
-          <p:nvPr/>
-        </p:nvSpPr>
-        <p:spPr>
-          <a:xfrm rot="10800000">
-            <a:off x="2627784" y="1844824"/>
-            <a:ext cx="444322" cy="1965312"/>
-          </a:xfrm>
-          <a:prstGeom prst="rightBrace">
-            <a:avLst/>
-          </a:prstGeom>
-          <a:ln w="22225">
-            <a:solidFill>
-              <a:schemeClr val="tx1"/>
-            </a:solidFill>
-          </a:ln>
-        </p:spPr>
-        <p:style>
-          <a:lnRef idx="1">
-            <a:schemeClr val="accent1"/>
-          </a:lnRef>
-          <a:fillRef idx="0">
-            <a:schemeClr val="accent1"/>
-          </a:fillRef>
-          <a:effectRef idx="0">
-            <a:schemeClr val="accent1"/>
-          </a:effectRef>
-          <a:fontRef idx="minor">
-            <a:schemeClr val="tx1"/>
-          </a:fontRef>
-        </p:style>
-        <p:txBody>
-          <a:bodyPr rtlCol="0" anchor="ctr"/>
-          <a:lstStyle/>
-          <a:p>
-            <a:pPr algn="ctr"/>
-            <a:endParaRPr lang="en-US"/>
-          </a:p>
-        </p:txBody>
-      </p:sp>
-      <p:sp>
-        <p:nvSpPr>
-          <p:cNvPr id="8" name="TextBox 7"/>
-          <p:cNvSpPr txBox="1"/>
-          <p:nvPr/>
-        </p:nvSpPr>
-        <p:spPr>
-          <a:xfrm>
-            <a:off x="1214539" y="2642814"/>
-            <a:ext cx="1295932" cy="369332"/>
-          </a:xfrm>
-          <a:prstGeom prst="rect">
-            <a:avLst/>
-          </a:prstGeom>
-          <a:noFill/>
-        </p:spPr>
-        <p:txBody>
-          <a:bodyPr wrap="none" rtlCol="0">
-            <a:spAutoFit/>
-          </a:bodyPr>
-          <a:lstStyle/>
-          <a:p>
-            <a:r>
-              <a:rPr lang="en-US" dirty="0"/>
-              <a:t>o</a:t>
-            </a:r>
-            <a:r>
-              <a:rPr lang="en-US" dirty="0" smtClean="0"/>
-              <a:t>uter scope</a:t>
-            </a:r>
-            <a:endParaRPr lang="en-US" dirty="0"/>
-          </a:p>
-        </p:txBody>
-      </p:sp>
-    </p:spTree>
-    <p:extLst>
-      <p:ext uri="{BB962C8B-B14F-4D97-AF65-F5344CB8AC3E}">
-        <p14:creationId xmlns:p14="http://schemas.microsoft.com/office/powerpoint/2010/main" val="4069679040"/>
-      </p:ext>
-    </p:extLst>
-  </p:cSld>
-  <p:clrMapOvr>
-    <a:masterClrMapping/>
-  </p:clrMapOvr>
-  <p:timing>
-    <p:tnLst>
-      <p:par>
-        <p:cTn id="1" dur="indefinite" restart="never" nodeType="tmRoot"/>
-      </p:par>
-    </p:tnLst>
-  </p:timing>
-</p:sld>
-</file>
-
-<file path=ppt/slides/slide13.xml><?xml version="1.0" encoding="utf-8"?>
-<p:sld xmlns:a="http://schemas.openxmlformats.org/drawingml/2006/main" xmlns:r="http://schemas.openxmlformats.org/officeDocument/2006/relationships" xmlns:p="http://schemas.openxmlformats.org/presentationml/2006/main">
-  <p:cSld>
-    <p:spTree>
-      <p:nvGrpSpPr>
-        <p:cNvPr id="1" name=""/>
-        <p:cNvGrpSpPr/>
-        <p:nvPr/>
-      </p:nvGrpSpPr>
-      <p:grpSpPr>
-        <a:xfrm>
-          <a:off x="0" y="0"/>
-          <a:ext cx="0" cy="0"/>
-          <a:chOff x="0" y="0"/>
-          <a:chExt cx="0" cy="0"/>
-        </a:xfrm>
-      </p:grpSpPr>
-      <p:sp>
-        <p:nvSpPr>
-          <p:cNvPr id="2" name="Title 1"/>
-          <p:cNvSpPr>
-            <a:spLocks noGrp="1"/>
-          </p:cNvSpPr>
-          <p:nvPr>
-            <p:ph type="title"/>
-          </p:nvPr>
-        </p:nvSpPr>
-        <p:spPr/>
-        <p:txBody>
-          <a:bodyPr/>
-          <a:lstStyle/>
-          <a:p>
-            <a:r>
-              <a:rPr lang="en-US" dirty="0" smtClean="0"/>
-              <a:t>Shadowing</a:t>
-            </a:r>
-            <a:endParaRPr lang="en-US" dirty="0"/>
-          </a:p>
-        </p:txBody>
-      </p:sp>
-      <p:sp>
-        <p:nvSpPr>
-          <p:cNvPr id="4" name="Rectangle 3"/>
-          <p:cNvSpPr/>
-          <p:nvPr/>
-        </p:nvSpPr>
-        <p:spPr>
-          <a:xfrm>
-            <a:off x="457200" y="1556792"/>
-            <a:ext cx="8429684" cy="2862322"/>
-          </a:xfrm>
-          <a:prstGeom prst="rect">
-            <a:avLst/>
-          </a:prstGeom>
-        </p:spPr>
-        <p:style>
-          <a:lnRef idx="1">
-            <a:schemeClr val="dk1"/>
-          </a:lnRef>
-          <a:fillRef idx="1001">
-            <a:schemeClr val="lt2"/>
-          </a:fillRef>
-          <a:effectRef idx="1">
-            <a:schemeClr val="dk1"/>
-          </a:effectRef>
-          <a:fontRef idx="minor">
-            <a:schemeClr val="dk1"/>
-          </a:fontRef>
-        </p:style>
-        <p:txBody>
-          <a:bodyPr wrap="square">
-            <a:spAutoFit/>
-          </a:bodyPr>
-          <a:lstStyle/>
-          <a:p>
-            <a:r>
-              <a:rPr lang="en-US" b="1" dirty="0" err="1">
-                <a:solidFill>
-                  <a:srgbClr val="0070C0"/>
-                </a:solidFill>
-              </a:rPr>
-              <a:t>var</a:t>
-            </a:r>
-            <a:r>
-              <a:rPr lang="en-US" b="1" dirty="0"/>
-              <a:t> </a:t>
-            </a:r>
-            <a:r>
-              <a:rPr lang="en-US" b="1" dirty="0">
-                <a:solidFill>
-                  <a:schemeClr val="accent6">
-                    <a:lumMod val="75000"/>
-                  </a:schemeClr>
-                </a:solidFill>
-              </a:rPr>
-              <a:t>scope</a:t>
-            </a:r>
-            <a:r>
-              <a:rPr lang="en-US" b="1" dirty="0"/>
-              <a:t> = </a:t>
-            </a:r>
-            <a:r>
-              <a:rPr lang="en-US" b="1" dirty="0">
-                <a:solidFill>
-                  <a:srgbClr val="00B050"/>
-                </a:solidFill>
-              </a:rPr>
-              <a:t>"global "</a:t>
-            </a:r>
-            <a:r>
-              <a:rPr lang="en-US" b="1" dirty="0"/>
-              <a:t>;          // A global variable</a:t>
-            </a:r>
-          </a:p>
-          <a:p>
-            <a:r>
-              <a:rPr lang="en-US" b="1" dirty="0">
-                <a:solidFill>
-                  <a:srgbClr val="0070C0"/>
-                </a:solidFill>
-              </a:rPr>
-              <a:t>function</a:t>
-            </a:r>
-            <a:r>
-              <a:rPr lang="en-US" b="1" dirty="0"/>
-              <a:t> </a:t>
-            </a:r>
-            <a:r>
-              <a:rPr lang="en-US" b="1" dirty="0">
-                <a:solidFill>
-                  <a:schemeClr val="accent6">
-                    <a:lumMod val="75000"/>
-                  </a:schemeClr>
-                </a:solidFill>
-              </a:rPr>
-              <a:t>outer</a:t>
-            </a:r>
-            <a:r>
-              <a:rPr lang="en-US" b="1" dirty="0"/>
-              <a:t>() {</a:t>
-            </a:r>
-          </a:p>
-          <a:p>
-            <a:r>
-              <a:rPr lang="en-US" b="1" dirty="0"/>
-              <a:t>	</a:t>
-            </a:r>
-            <a:r>
-              <a:rPr lang="en-US" b="1" dirty="0" err="1">
-                <a:solidFill>
-                  <a:srgbClr val="0070C0"/>
-                </a:solidFill>
-              </a:rPr>
-              <a:t>var</a:t>
-            </a:r>
-            <a:r>
-              <a:rPr lang="en-US" b="1" dirty="0"/>
-              <a:t> </a:t>
-            </a:r>
-            <a:r>
-              <a:rPr lang="en-US" b="1" dirty="0">
-                <a:solidFill>
-                  <a:schemeClr val="accent6">
-                    <a:lumMod val="75000"/>
-                  </a:schemeClr>
-                </a:solidFill>
-              </a:rPr>
-              <a:t>scope</a:t>
-            </a:r>
-            <a:r>
-              <a:rPr lang="en-US" b="1" dirty="0"/>
-              <a:t> = </a:t>
-            </a:r>
-            <a:r>
-              <a:rPr lang="en-US" b="1" dirty="0" smtClean="0">
-                <a:solidFill>
-                  <a:srgbClr val="00B050"/>
-                </a:solidFill>
-              </a:rPr>
-              <a:t>“outer”</a:t>
-            </a:r>
-            <a:r>
-              <a:rPr lang="en-US" b="1" dirty="0" smtClean="0"/>
-              <a:t>;       </a:t>
-            </a:r>
-            <a:r>
-              <a:rPr lang="en-US" b="1" dirty="0"/>
-              <a:t>// A </a:t>
-            </a:r>
-            <a:r>
-              <a:rPr lang="en-US" b="1" dirty="0" smtClean="0"/>
-              <a:t>outer variable</a:t>
-            </a:r>
-            <a:endParaRPr lang="en-US" b="1" dirty="0"/>
-          </a:p>
-          <a:p>
-            <a:r>
-              <a:rPr lang="en-US" b="1" dirty="0"/>
-              <a:t>	</a:t>
-            </a:r>
-            <a:r>
-              <a:rPr lang="en-US" b="1" dirty="0">
-                <a:solidFill>
-                  <a:srgbClr val="0070C0"/>
-                </a:solidFill>
-              </a:rPr>
-              <a:t>function</a:t>
-            </a:r>
-            <a:r>
-              <a:rPr lang="en-US" b="1" dirty="0"/>
-              <a:t> </a:t>
-            </a:r>
-            <a:r>
-              <a:rPr lang="en-US" b="1" dirty="0">
-                <a:solidFill>
-                  <a:schemeClr val="accent6">
-                    <a:lumMod val="75000"/>
-                  </a:schemeClr>
-                </a:solidFill>
-              </a:rPr>
-              <a:t>inner</a:t>
-            </a:r>
-            <a:r>
-              <a:rPr lang="en-US" b="1" dirty="0"/>
-              <a:t>() {</a:t>
-            </a:r>
-          </a:p>
-          <a:p>
-            <a:r>
-              <a:rPr lang="en-US" b="1" dirty="0"/>
-              <a:t>		</a:t>
-            </a:r>
-            <a:r>
-              <a:rPr lang="en-US" b="1" dirty="0" err="1">
-                <a:solidFill>
-                  <a:srgbClr val="0070C0"/>
-                </a:solidFill>
-              </a:rPr>
-              <a:t>var</a:t>
-            </a:r>
-            <a:r>
-              <a:rPr lang="en-US" b="1" dirty="0"/>
-              <a:t> </a:t>
-            </a:r>
-            <a:r>
-              <a:rPr lang="en-US" b="1" dirty="0">
-                <a:solidFill>
-                  <a:schemeClr val="accent6">
-                    <a:lumMod val="75000"/>
-                  </a:schemeClr>
-                </a:solidFill>
-              </a:rPr>
-              <a:t>scope</a:t>
-            </a:r>
-            <a:r>
-              <a:rPr lang="en-US" b="1" dirty="0"/>
-              <a:t> = </a:t>
-            </a:r>
-            <a:r>
-              <a:rPr lang="en-US" b="1" dirty="0" smtClean="0">
-                <a:solidFill>
-                  <a:srgbClr val="00B050"/>
-                </a:solidFill>
-              </a:rPr>
-              <a:t>“inner"</a:t>
-            </a:r>
-            <a:r>
-              <a:rPr lang="en-US" b="1" dirty="0" smtClean="0"/>
-              <a:t>; </a:t>
-            </a:r>
-          </a:p>
-          <a:p>
-            <a:r>
-              <a:rPr lang="en-US" b="1" dirty="0" smtClean="0"/>
-              <a:t>		</a:t>
-            </a:r>
-            <a:r>
-              <a:rPr lang="en-US" b="1" dirty="0" err="1" smtClean="0">
-                <a:solidFill>
-                  <a:schemeClr val="accent6">
-                    <a:lumMod val="75000"/>
-                  </a:schemeClr>
-                </a:solidFill>
-              </a:rPr>
-              <a:t>document</a:t>
-            </a:r>
-            <a:r>
-              <a:rPr lang="en-US" b="1" dirty="0" err="1" smtClean="0"/>
-              <a:t>.</a:t>
-            </a:r>
-            <a:r>
-              <a:rPr lang="en-US" b="1" dirty="0" err="1" smtClean="0">
-                <a:solidFill>
-                  <a:srgbClr val="0070C0"/>
-                </a:solidFill>
-              </a:rPr>
-              <a:t>write</a:t>
-            </a:r>
-            <a:r>
-              <a:rPr lang="en-US" b="1" dirty="0" smtClean="0"/>
-              <a:t>(</a:t>
-            </a:r>
-            <a:r>
-              <a:rPr lang="en-US" b="1" dirty="0" smtClean="0">
-                <a:solidFill>
-                  <a:schemeClr val="accent6">
-                    <a:lumMod val="75000"/>
-                  </a:schemeClr>
-                </a:solidFill>
-              </a:rPr>
-              <a:t>scope</a:t>
-            </a:r>
-            <a:r>
-              <a:rPr lang="en-US" b="1" dirty="0" smtClean="0"/>
-              <a:t>);       // </a:t>
-            </a:r>
-            <a:r>
-              <a:rPr lang="en-US" b="1" dirty="0"/>
-              <a:t>Prints </a:t>
-            </a:r>
-            <a:r>
-              <a:rPr lang="en-US" b="1" dirty="0" smtClean="0"/>
-              <a:t>"inner"</a:t>
-            </a:r>
-          </a:p>
-          <a:p>
-            <a:r>
-              <a:rPr lang="en-US" b="1" dirty="0"/>
-              <a:t>	}</a:t>
-            </a:r>
-          </a:p>
-          <a:p>
-            <a:r>
-              <a:rPr lang="en-US" b="1" dirty="0"/>
-              <a:t>	</a:t>
-            </a:r>
-            <a:r>
-              <a:rPr lang="en-US" b="1" dirty="0">
-                <a:solidFill>
-                  <a:srgbClr val="0070C0"/>
-                </a:solidFill>
-              </a:rPr>
-              <a:t>inner</a:t>
-            </a:r>
-            <a:r>
-              <a:rPr lang="en-US" b="1" dirty="0"/>
-              <a:t>();</a:t>
-            </a:r>
-          </a:p>
-          <a:p>
-            <a:r>
-              <a:rPr lang="en-US" b="1" dirty="0"/>
-              <a:t>}</a:t>
-            </a:r>
-          </a:p>
-          <a:p>
-            <a:r>
-              <a:rPr lang="en-US" b="1" dirty="0">
-                <a:solidFill>
-                  <a:srgbClr val="0070C0"/>
-                </a:solidFill>
-              </a:rPr>
-              <a:t>outer</a:t>
-            </a:r>
-            <a:r>
-              <a:rPr lang="en-US" b="1" dirty="0"/>
-              <a:t>();</a:t>
-            </a:r>
-          </a:p>
-        </p:txBody>
-      </p:sp>
-    </p:spTree>
-    <p:extLst>
-      <p:ext uri="{BB962C8B-B14F-4D97-AF65-F5344CB8AC3E}">
-        <p14:creationId xmlns:p14="http://schemas.microsoft.com/office/powerpoint/2010/main" val="3390367152"/>
-      </p:ext>
-    </p:extLst>
-  </p:cSld>
-  <p:clrMapOvr>
-    <a:masterClrMapping/>
-  </p:clrMapOvr>
-  <p:timing>
-    <p:tnLst>
-      <p:par>
-        <p:cTn id="1" dur="indefinite" restart="never" nodeType="tmRoot"/>
-      </p:par>
-    </p:tnLst>
-  </p:timing>
-</p:sld>
-</file>
-
-<file path=ppt/slides/slide14.xml><?xml version="1.0" encoding="utf-8"?>
-<p:sld xmlns:a="http://schemas.openxmlformats.org/drawingml/2006/main" xmlns:r="http://schemas.openxmlformats.org/officeDocument/2006/relationships" xmlns:p="http://schemas.openxmlformats.org/presentationml/2006/main">
-  <p:cSld>
-    <p:spTree>
-      <p:nvGrpSpPr>
-        <p:cNvPr id="1" name=""/>
-        <p:cNvGrpSpPr/>
-        <p:nvPr/>
-      </p:nvGrpSpPr>
-      <p:grpSpPr>
-        <a:xfrm>
-          <a:off x="0" y="0"/>
-          <a:ext cx="0" cy="0"/>
-          <a:chOff x="0" y="0"/>
-          <a:chExt cx="0" cy="0"/>
-        </a:xfrm>
-      </p:grpSpPr>
-      <p:sp>
-        <p:nvSpPr>
-          <p:cNvPr id="2" name="Title 1"/>
-          <p:cNvSpPr>
-            <a:spLocks noGrp="1"/>
-          </p:cNvSpPr>
-          <p:nvPr>
-            <p:ph type="title"/>
-          </p:nvPr>
-        </p:nvSpPr>
-        <p:spPr/>
-        <p:txBody>
-          <a:bodyPr/>
-          <a:lstStyle/>
-          <a:p>
-            <a:r>
-              <a:rPr lang="en-US" dirty="0" smtClean="0"/>
-              <a:t>Shadowing</a:t>
-            </a:r>
-            <a:endParaRPr lang="en-US" dirty="0"/>
-          </a:p>
-        </p:txBody>
-      </p:sp>
-      <p:sp>
-        <p:nvSpPr>
-          <p:cNvPr id="4" name="Rectangle 3"/>
-          <p:cNvSpPr/>
-          <p:nvPr/>
-        </p:nvSpPr>
-        <p:spPr>
-          <a:xfrm>
-            <a:off x="457200" y="1556792"/>
-            <a:ext cx="8429684" cy="2585323"/>
-          </a:xfrm>
-          <a:prstGeom prst="rect">
-            <a:avLst/>
-          </a:prstGeom>
-        </p:spPr>
-        <p:style>
-          <a:lnRef idx="1">
-            <a:schemeClr val="dk1"/>
-          </a:lnRef>
-          <a:fillRef idx="1001">
-            <a:schemeClr val="lt2"/>
-          </a:fillRef>
-          <a:effectRef idx="1">
-            <a:schemeClr val="dk1"/>
-          </a:effectRef>
-          <a:fontRef idx="minor">
-            <a:schemeClr val="dk1"/>
-          </a:fontRef>
-        </p:style>
-        <p:txBody>
-          <a:bodyPr wrap="square">
-            <a:spAutoFit/>
-          </a:bodyPr>
-          <a:lstStyle/>
-          <a:p>
-            <a:r>
-              <a:rPr lang="en-US" b="1" dirty="0" err="1">
-                <a:solidFill>
-                  <a:srgbClr val="0070C0"/>
-                </a:solidFill>
-              </a:rPr>
-              <a:t>var</a:t>
-            </a:r>
-            <a:r>
-              <a:rPr lang="en-US" b="1" dirty="0"/>
-              <a:t> </a:t>
-            </a:r>
-            <a:r>
-              <a:rPr lang="en-US" b="1" dirty="0">
-                <a:solidFill>
-                  <a:schemeClr val="accent6">
-                    <a:lumMod val="75000"/>
-                  </a:schemeClr>
-                </a:solidFill>
-              </a:rPr>
-              <a:t>scope</a:t>
-            </a:r>
-            <a:r>
-              <a:rPr lang="en-US" b="1" dirty="0"/>
-              <a:t> = </a:t>
-            </a:r>
-            <a:r>
-              <a:rPr lang="en-US" b="1" dirty="0">
-                <a:solidFill>
-                  <a:srgbClr val="00B050"/>
-                </a:solidFill>
-              </a:rPr>
-              <a:t>"global "</a:t>
-            </a:r>
-            <a:r>
-              <a:rPr lang="en-US" b="1" dirty="0"/>
-              <a:t>;          // A global variable</a:t>
-            </a:r>
-          </a:p>
-          <a:p>
-            <a:r>
-              <a:rPr lang="en-US" b="1" dirty="0">
-                <a:solidFill>
-                  <a:srgbClr val="0070C0"/>
-                </a:solidFill>
-              </a:rPr>
-              <a:t>function</a:t>
-            </a:r>
-            <a:r>
-              <a:rPr lang="en-US" b="1" dirty="0"/>
-              <a:t> </a:t>
-            </a:r>
-            <a:r>
-              <a:rPr lang="en-US" b="1" dirty="0">
-                <a:solidFill>
-                  <a:schemeClr val="accent6">
-                    <a:lumMod val="75000"/>
-                  </a:schemeClr>
-                </a:solidFill>
-              </a:rPr>
-              <a:t>outer</a:t>
-            </a:r>
-            <a:r>
-              <a:rPr lang="en-US" b="1" dirty="0"/>
-              <a:t>() {</a:t>
-            </a:r>
-          </a:p>
-          <a:p>
-            <a:r>
-              <a:rPr lang="en-US" b="1" dirty="0"/>
-              <a:t>	</a:t>
-            </a:r>
-            <a:r>
-              <a:rPr lang="en-US" b="1" dirty="0" err="1">
-                <a:solidFill>
-                  <a:srgbClr val="0070C0"/>
-                </a:solidFill>
-              </a:rPr>
-              <a:t>var</a:t>
-            </a:r>
-            <a:r>
-              <a:rPr lang="en-US" b="1" dirty="0"/>
-              <a:t> </a:t>
-            </a:r>
-            <a:r>
-              <a:rPr lang="en-US" b="1" dirty="0">
-                <a:solidFill>
-                  <a:schemeClr val="accent6">
-                    <a:lumMod val="75000"/>
-                  </a:schemeClr>
-                </a:solidFill>
-              </a:rPr>
-              <a:t>scope</a:t>
-            </a:r>
-            <a:r>
-              <a:rPr lang="en-US" b="1" dirty="0"/>
-              <a:t> = </a:t>
-            </a:r>
-            <a:r>
-              <a:rPr lang="en-US" b="1" dirty="0" smtClean="0">
-                <a:solidFill>
-                  <a:srgbClr val="00B050"/>
-                </a:solidFill>
-              </a:rPr>
-              <a:t>“outer”</a:t>
-            </a:r>
-            <a:r>
-              <a:rPr lang="en-US" b="1" dirty="0" smtClean="0"/>
-              <a:t>;       </a:t>
-            </a:r>
-            <a:r>
-              <a:rPr lang="en-US" b="1" dirty="0"/>
-              <a:t>// A </a:t>
-            </a:r>
-            <a:r>
-              <a:rPr lang="en-US" b="1" dirty="0" smtClean="0"/>
-              <a:t>outer variable</a:t>
-            </a:r>
-            <a:endParaRPr lang="en-US" b="1" dirty="0"/>
-          </a:p>
-          <a:p>
-            <a:r>
-              <a:rPr lang="en-US" b="1" dirty="0"/>
-              <a:t>	</a:t>
-            </a:r>
-            <a:r>
-              <a:rPr lang="en-US" b="1" dirty="0">
-                <a:solidFill>
-                  <a:srgbClr val="0070C0"/>
-                </a:solidFill>
-              </a:rPr>
-              <a:t>function</a:t>
-            </a:r>
-            <a:r>
-              <a:rPr lang="en-US" b="1" dirty="0"/>
-              <a:t> </a:t>
-            </a:r>
-            <a:r>
-              <a:rPr lang="en-US" b="1" dirty="0">
-                <a:solidFill>
-                  <a:schemeClr val="accent6">
-                    <a:lumMod val="75000"/>
-                  </a:schemeClr>
-                </a:solidFill>
-              </a:rPr>
-              <a:t>inner</a:t>
-            </a:r>
-            <a:r>
-              <a:rPr lang="en-US" b="1" dirty="0"/>
-              <a:t>() {</a:t>
-            </a:r>
-          </a:p>
-          <a:p>
-            <a:r>
-              <a:rPr lang="en-US" b="1" dirty="0" smtClean="0"/>
-              <a:t>		</a:t>
-            </a:r>
-            <a:r>
-              <a:rPr lang="en-US" b="1" dirty="0" err="1" smtClean="0">
-                <a:solidFill>
-                  <a:schemeClr val="accent6">
-                    <a:lumMod val="75000"/>
-                  </a:schemeClr>
-                </a:solidFill>
-              </a:rPr>
-              <a:t>document</a:t>
-            </a:r>
-            <a:r>
-              <a:rPr lang="en-US" b="1" dirty="0" err="1" smtClean="0"/>
-              <a:t>.</a:t>
-            </a:r>
-            <a:r>
-              <a:rPr lang="en-US" b="1" dirty="0" err="1" smtClean="0">
-                <a:solidFill>
-                  <a:srgbClr val="0070C0"/>
-                </a:solidFill>
-              </a:rPr>
-              <a:t>write</a:t>
-            </a:r>
-            <a:r>
-              <a:rPr lang="en-US" b="1" dirty="0" smtClean="0"/>
-              <a:t>(</a:t>
-            </a:r>
-            <a:r>
-              <a:rPr lang="en-US" b="1" dirty="0" smtClean="0">
-                <a:solidFill>
-                  <a:schemeClr val="accent6">
-                    <a:lumMod val="75000"/>
-                  </a:schemeClr>
-                </a:solidFill>
-              </a:rPr>
-              <a:t>scope</a:t>
-            </a:r>
-            <a:r>
-              <a:rPr lang="en-US" b="1" dirty="0" smtClean="0"/>
-              <a:t>);       // </a:t>
-            </a:r>
-            <a:r>
-              <a:rPr lang="en-US" b="1" dirty="0"/>
-              <a:t>Prints </a:t>
-            </a:r>
-            <a:r>
-              <a:rPr lang="en-US" b="1" dirty="0" smtClean="0"/>
-              <a:t>"outer"</a:t>
-            </a:r>
-          </a:p>
-          <a:p>
-            <a:r>
-              <a:rPr lang="en-US" b="1" dirty="0"/>
-              <a:t>	}</a:t>
-            </a:r>
-          </a:p>
-          <a:p>
-            <a:r>
-              <a:rPr lang="en-US" b="1" dirty="0"/>
-              <a:t>	</a:t>
-            </a:r>
-            <a:r>
-              <a:rPr lang="en-US" b="1" dirty="0">
-                <a:solidFill>
-                  <a:srgbClr val="0070C0"/>
-                </a:solidFill>
-              </a:rPr>
-              <a:t>inner</a:t>
-            </a:r>
-            <a:r>
-              <a:rPr lang="en-US" b="1" dirty="0"/>
-              <a:t>();</a:t>
-            </a:r>
-          </a:p>
-          <a:p>
-            <a:r>
-              <a:rPr lang="en-US" b="1" dirty="0"/>
-              <a:t>}</a:t>
-            </a:r>
-          </a:p>
-          <a:p>
-            <a:r>
-              <a:rPr lang="en-US" b="1" dirty="0">
-                <a:solidFill>
-                  <a:srgbClr val="0070C0"/>
-                </a:solidFill>
-              </a:rPr>
-              <a:t>outer</a:t>
-            </a:r>
-            <a:r>
-              <a:rPr lang="en-US" b="1" dirty="0"/>
-              <a:t>();</a:t>
-            </a:r>
-          </a:p>
-        </p:txBody>
-      </p:sp>
-    </p:spTree>
-    <p:extLst>
-      <p:ext uri="{BB962C8B-B14F-4D97-AF65-F5344CB8AC3E}">
-        <p14:creationId xmlns:p14="http://schemas.microsoft.com/office/powerpoint/2010/main" val="1503776533"/>
-      </p:ext>
-    </p:extLst>
-  </p:cSld>
-  <p:clrMapOvr>
-    <a:masterClrMapping/>
-  </p:clrMapOvr>
-  <p:timing>
-    <p:tnLst>
-      <p:par>
-        <p:cTn id="1" dur="indefinite" restart="never" nodeType="tmRoot"/>
-      </p:par>
-    </p:tnLst>
-  </p:timing>
-</p:sld>
-</file>
-
-<file path=ppt/slides/slide15.xml><?xml version="1.0" encoding="utf-8"?>
-<p:sld xmlns:a="http://schemas.openxmlformats.org/drawingml/2006/main" xmlns:r="http://schemas.openxmlformats.org/officeDocument/2006/relationships" xmlns:p="http://schemas.openxmlformats.org/presentationml/2006/main">
-  <p:cSld>
-    <p:spTree>
-      <p:nvGrpSpPr>
-        <p:cNvPr id="1" name=""/>
-        <p:cNvGrpSpPr/>
-        <p:nvPr/>
-      </p:nvGrpSpPr>
-      <p:grpSpPr>
-        <a:xfrm>
-          <a:off x="0" y="0"/>
-          <a:ext cx="0" cy="0"/>
-          <a:chOff x="0" y="0"/>
-          <a:chExt cx="0" cy="0"/>
-        </a:xfrm>
-      </p:grpSpPr>
-      <p:sp>
-        <p:nvSpPr>
-          <p:cNvPr id="2" name="Title 1"/>
-          <p:cNvSpPr>
-            <a:spLocks noGrp="1"/>
-          </p:cNvSpPr>
-          <p:nvPr>
-            <p:ph type="title"/>
-          </p:nvPr>
-        </p:nvSpPr>
-        <p:spPr/>
-        <p:txBody>
-          <a:bodyPr/>
-          <a:lstStyle/>
-          <a:p>
-            <a:r>
-              <a:rPr lang="en-US" dirty="0" smtClean="0"/>
               <a:t>Shadowing</a:t>
             </a:r>
             <a:endParaRPr lang="en-US" dirty="0"/>
@@ -6698,7 +5354,7 @@
 </p:sld>
 </file>
 
-<file path=ppt/slides/slide16.xml><?xml version="1.0" encoding="utf-8"?>
+<file path=ppt/slides/slide13.xml><?xml version="1.0" encoding="utf-8"?>
 <p:sld xmlns:a="http://schemas.openxmlformats.org/drawingml/2006/main" xmlns:r="http://schemas.openxmlformats.org/officeDocument/2006/relationships" xmlns:p="http://schemas.openxmlformats.org/presentationml/2006/main">
   <p:cSld>
     <p:spTree>
@@ -7351,7 +6007,7 @@
 </p:sld>
 </file>
 
-<file path=ppt/slides/slide17.xml><?xml version="1.0" encoding="utf-8"?>
+<file path=ppt/slides/slide14.xml><?xml version="1.0" encoding="utf-8"?>
 <p:sld xmlns:a="http://schemas.openxmlformats.org/drawingml/2006/main" xmlns:r="http://schemas.openxmlformats.org/officeDocument/2006/relationships" xmlns:p="http://schemas.openxmlformats.org/presentationml/2006/main">
   <p:cSld>
     <p:spTree>
@@ -7444,7 +6100,7 @@
 </p:sld>
 </file>
 
-<file path=ppt/slides/slide18.xml><?xml version="1.0" encoding="utf-8"?>
+<file path=ppt/slides/slide15.xml><?xml version="1.0" encoding="utf-8"?>
 <p:sld xmlns:a="http://schemas.openxmlformats.org/drawingml/2006/main" xmlns:r="http://schemas.openxmlformats.org/officeDocument/2006/relationships" xmlns:p="http://schemas.openxmlformats.org/presentationml/2006/main">
   <p:cSld>
     <p:spTree>
@@ -8014,7 +6670,7 @@
 </p:sld>
 </file>
 
-<file path=ppt/slides/slide19.xml><?xml version="1.0" encoding="utf-8"?>
+<file path=ppt/slides/slide16.xml><?xml version="1.0" encoding="utf-8"?>
 <p:sld xmlns:a="http://schemas.openxmlformats.org/drawingml/2006/main" xmlns:r="http://schemas.openxmlformats.org/officeDocument/2006/relationships" xmlns:p="http://schemas.openxmlformats.org/presentationml/2006/main">
   <p:cSld>
     <p:spTree>
@@ -8653,92 +7309,7 @@
 </p:sld>
 </file>
 
-<file path=ppt/slides/slide2.xml><?xml version="1.0" encoding="utf-8"?>
-<p:sld xmlns:a="http://schemas.openxmlformats.org/drawingml/2006/main" xmlns:r="http://schemas.openxmlformats.org/officeDocument/2006/relationships" xmlns:p="http://schemas.openxmlformats.org/presentationml/2006/main">
-  <p:cSld>
-    <p:spTree>
-      <p:nvGrpSpPr>
-        <p:cNvPr id="1" name=""/>
-        <p:cNvGrpSpPr/>
-        <p:nvPr/>
-      </p:nvGrpSpPr>
-      <p:grpSpPr>
-        <a:xfrm>
-          <a:off x="0" y="0"/>
-          <a:ext cx="0" cy="0"/>
-          <a:chOff x="0" y="0"/>
-          <a:chExt cx="0" cy="0"/>
-        </a:xfrm>
-      </p:grpSpPr>
-      <p:sp>
-        <p:nvSpPr>
-          <p:cNvPr id="2" name="Title 1"/>
-          <p:cNvSpPr>
-            <a:spLocks noGrp="1"/>
-          </p:cNvSpPr>
-          <p:nvPr>
-            <p:ph type="title"/>
-          </p:nvPr>
-        </p:nvSpPr>
-        <p:spPr/>
-        <p:txBody>
-          <a:bodyPr/>
-          <a:lstStyle/>
-          <a:p>
-            <a:endParaRPr lang="en-US"/>
-          </a:p>
-        </p:txBody>
-      </p:sp>
-      <p:pic>
-        <p:nvPicPr>
-          <p:cNvPr id="4" name="Content Placeholder 3"/>
-          <p:cNvPicPr>
-            <a:picLocks noGrp="1" noChangeAspect="1"/>
-          </p:cNvPicPr>
-          <p:nvPr>
-            <p:ph idx="1"/>
-          </p:nvPr>
-        </p:nvPicPr>
-        <p:blipFill>
-          <a:blip r:embed="rId2" cstate="print">
-            <a:extLst>
-              <a:ext uri="{28A0092B-C50C-407E-A947-70E740481C1C}">
-                <a14:useLocalDpi xmlns:a14="http://schemas.microsoft.com/office/drawing/2010/main" val="0"/>
-              </a:ext>
-            </a:extLst>
-          </a:blip>
-          <a:stretch>
-            <a:fillRect/>
-          </a:stretch>
-        </p:blipFill>
-        <p:spPr>
-          <a:xfrm>
-            <a:off x="2555776" y="161255"/>
-            <a:ext cx="4464496" cy="6696745"/>
-          </a:xfrm>
-        </p:spPr>
-      </p:pic>
-    </p:spTree>
-    <p:extLst>
-      <p:ext uri="{BB962C8B-B14F-4D97-AF65-F5344CB8AC3E}">
-        <p14:creationId xmlns:p14="http://schemas.microsoft.com/office/powerpoint/2010/main" val="1870532998"/>
-      </p:ext>
-    </p:extLst>
-  </p:cSld>
-  <p:clrMapOvr>
-    <a:masterClrMapping/>
-  </p:clrMapOvr>
-  <p:timing>
-    <p:tnLst>
-      <p:par>
-        <p:cTn id="1" dur="indefinite" restart="never" nodeType="tmRoot"/>
-      </p:par>
-    </p:tnLst>
-  </p:timing>
-</p:sld>
-</file>
-
-<file path=ppt/slides/slide20.xml><?xml version="1.0" encoding="utf-8"?>
+<file path=ppt/slides/slide17.xml><?xml version="1.0" encoding="utf-8"?>
 <p:sld xmlns:a="http://schemas.openxmlformats.org/drawingml/2006/main" xmlns:r="http://schemas.openxmlformats.org/officeDocument/2006/relationships" xmlns:p="http://schemas.openxmlformats.org/presentationml/2006/main">
   <p:cSld>
     <p:spTree>
@@ -9450,7 +8021,7 @@
 </p:sld>
 </file>
 
-<file path=ppt/slides/slide21.xml><?xml version="1.0" encoding="utf-8"?>
+<file path=ppt/slides/slide18.xml><?xml version="1.0" encoding="utf-8"?>
 <p:sld xmlns:a="http://schemas.openxmlformats.org/drawingml/2006/main" xmlns:r="http://schemas.openxmlformats.org/officeDocument/2006/relationships" xmlns:p="http://schemas.openxmlformats.org/presentationml/2006/main">
   <p:cSld>
     <p:spTree>
@@ -10018,7 +8589,7 @@
 </p:sld>
 </file>
 
-<file path=ppt/slides/slide22.xml><?xml version="1.0" encoding="utf-8"?>
+<file path=ppt/slides/slide19.xml><?xml version="1.0" encoding="utf-8"?>
 <p:sld xmlns:a="http://schemas.openxmlformats.org/drawingml/2006/main" xmlns:r="http://schemas.openxmlformats.org/officeDocument/2006/relationships" xmlns:p="http://schemas.openxmlformats.org/presentationml/2006/main">
   <p:cSld>
     <p:spTree>
@@ -10287,7 +8858,92 @@
 </p:sld>
 </file>
 
-<file path=ppt/slides/slide23.xml><?xml version="1.0" encoding="utf-8"?>
+<file path=ppt/slides/slide2.xml><?xml version="1.0" encoding="utf-8"?>
+<p:sld xmlns:a="http://schemas.openxmlformats.org/drawingml/2006/main" xmlns:r="http://schemas.openxmlformats.org/officeDocument/2006/relationships" xmlns:p="http://schemas.openxmlformats.org/presentationml/2006/main">
+  <p:cSld>
+    <p:spTree>
+      <p:nvGrpSpPr>
+        <p:cNvPr id="1" name=""/>
+        <p:cNvGrpSpPr/>
+        <p:nvPr/>
+      </p:nvGrpSpPr>
+      <p:grpSpPr>
+        <a:xfrm>
+          <a:off x="0" y="0"/>
+          <a:ext cx="0" cy="0"/>
+          <a:chOff x="0" y="0"/>
+          <a:chExt cx="0" cy="0"/>
+        </a:xfrm>
+      </p:grpSpPr>
+      <p:sp>
+        <p:nvSpPr>
+          <p:cNvPr id="2" name="Title 1"/>
+          <p:cNvSpPr>
+            <a:spLocks noGrp="1"/>
+          </p:cNvSpPr>
+          <p:nvPr>
+            <p:ph type="title"/>
+          </p:nvPr>
+        </p:nvSpPr>
+        <p:spPr/>
+        <p:txBody>
+          <a:bodyPr/>
+          <a:lstStyle/>
+          <a:p>
+            <a:endParaRPr lang="en-US" dirty="0"/>
+          </a:p>
+        </p:txBody>
+      </p:sp>
+      <p:pic>
+        <p:nvPicPr>
+          <p:cNvPr id="4" name="Content Placeholder 3"/>
+          <p:cNvPicPr>
+            <a:picLocks noGrp="1" noChangeAspect="1"/>
+          </p:cNvPicPr>
+          <p:nvPr>
+            <p:ph idx="1"/>
+          </p:nvPr>
+        </p:nvPicPr>
+        <p:blipFill>
+          <a:blip r:embed="rId2">
+            <a:extLst>
+              <a:ext uri="{28A0092B-C50C-407E-A947-70E740481C1C}">
+                <a14:useLocalDpi xmlns:a14="http://schemas.microsoft.com/office/drawing/2010/main" val="0"/>
+              </a:ext>
+            </a:extLst>
+          </a:blip>
+          <a:stretch>
+            <a:fillRect/>
+          </a:stretch>
+        </p:blipFill>
+        <p:spPr>
+          <a:xfrm>
+            <a:off x="1691680" y="620688"/>
+            <a:ext cx="5616624" cy="4958888"/>
+          </a:xfrm>
+        </p:spPr>
+      </p:pic>
+    </p:spTree>
+    <p:extLst>
+      <p:ext uri="{BB962C8B-B14F-4D97-AF65-F5344CB8AC3E}">
+        <p14:creationId xmlns:p14="http://schemas.microsoft.com/office/powerpoint/2010/main" val="2966640607"/>
+      </p:ext>
+    </p:extLst>
+  </p:cSld>
+  <p:clrMapOvr>
+    <a:masterClrMapping/>
+  </p:clrMapOvr>
+  <p:timing>
+    <p:tnLst>
+      <p:par>
+        <p:cTn id="1" dur="indefinite" restart="never" nodeType="tmRoot"/>
+      </p:par>
+    </p:tnLst>
+  </p:timing>
+</p:sld>
+</file>
+
+<file path=ppt/slides/slide20.xml><?xml version="1.0" encoding="utf-8"?>
 <p:sld xmlns:a="http://schemas.openxmlformats.org/drawingml/2006/main" xmlns:r="http://schemas.openxmlformats.org/officeDocument/2006/relationships" xmlns:p="http://schemas.openxmlformats.org/presentationml/2006/main">
   <p:cSld>
     <p:spTree>
@@ -11420,7 +10076,7 @@
 </p:sld>
 </file>
 
-<file path=ppt/slides/slide24.xml><?xml version="1.0" encoding="utf-8"?>
+<file path=ppt/slides/slide21.xml><?xml version="1.0" encoding="utf-8"?>
 <p:sld xmlns:a="http://schemas.openxmlformats.org/drawingml/2006/main" xmlns:r="http://schemas.openxmlformats.org/officeDocument/2006/relationships" xmlns:p="http://schemas.openxmlformats.org/presentationml/2006/main">
   <p:cSld>
     <p:spTree>
@@ -11686,7 +10342,7 @@
 </p:sld>
 </file>
 
-<file path=ppt/slides/slide25.xml><?xml version="1.0" encoding="utf-8"?>
+<file path=ppt/slides/slide22.xml><?xml version="1.0" encoding="utf-8"?>
 <p:sld xmlns:a="http://schemas.openxmlformats.org/drawingml/2006/main" xmlns:r="http://schemas.openxmlformats.org/officeDocument/2006/relationships" xmlns:p="http://schemas.openxmlformats.org/presentationml/2006/main">
   <p:cSld>
     <p:spTree>
@@ -11945,7 +10601,7 @@
 </p:sld>
 </file>
 
-<file path=ppt/slides/slide26.xml><?xml version="1.0" encoding="utf-8"?>
+<file path=ppt/slides/slide23.xml><?xml version="1.0" encoding="utf-8"?>
 <p:sld xmlns:a="http://schemas.openxmlformats.org/drawingml/2006/main" xmlns:r="http://schemas.openxmlformats.org/officeDocument/2006/relationships" xmlns:p="http://schemas.openxmlformats.org/presentationml/2006/main">
   <p:cSld>
     <p:spTree>
@@ -12462,6 +11118,693 @@
   <p:clrMapOvr>
     <a:masterClrMapping/>
   </p:clrMapOvr>
+  <p:timing>
+    <p:tnLst>
+      <p:par>
+        <p:cTn id="1" dur="indefinite" restart="never" nodeType="tmRoot"/>
+      </p:par>
+    </p:tnLst>
+  </p:timing>
+</p:sld>
+</file>
+
+<file path=ppt/slides/slide24.xml><?xml version="1.0" encoding="utf-8"?>
+<p:sld xmlns:a="http://schemas.openxmlformats.org/drawingml/2006/main" xmlns:r="http://schemas.openxmlformats.org/officeDocument/2006/relationships" xmlns:p="http://schemas.openxmlformats.org/presentationml/2006/main">
+  <p:cSld>
+    <p:spTree>
+      <p:nvGrpSpPr>
+        <p:cNvPr id="1" name=""/>
+        <p:cNvGrpSpPr/>
+        <p:nvPr/>
+      </p:nvGrpSpPr>
+      <p:grpSpPr>
+        <a:xfrm>
+          <a:off x="0" y="0"/>
+          <a:ext cx="0" cy="0"/>
+          <a:chOff x="0" y="0"/>
+          <a:chExt cx="0" cy="0"/>
+        </a:xfrm>
+      </p:grpSpPr>
+      <p:sp>
+        <p:nvSpPr>
+          <p:cNvPr id="2" name="Title 1"/>
+          <p:cNvSpPr>
+            <a:spLocks noGrp="1"/>
+          </p:cNvSpPr>
+          <p:nvPr>
+            <p:ph type="title"/>
+          </p:nvPr>
+        </p:nvSpPr>
+        <p:spPr/>
+        <p:txBody>
+          <a:bodyPr>
+            <a:normAutofit/>
+          </a:bodyPr>
+          <a:lstStyle/>
+          <a:p>
+            <a:r>
+              <a:rPr lang="en-US" b="1" dirty="0"/>
+              <a:t>Global variables are </a:t>
+            </a:r>
+            <a:r>
+              <a:rPr lang="en-US" b="1" dirty="0" smtClean="0"/>
+              <a:t>evil</a:t>
+            </a:r>
+            <a:endParaRPr lang="en-US" dirty="0"/>
+          </a:p>
+        </p:txBody>
+      </p:sp>
+      <p:sp>
+        <p:nvSpPr>
+          <p:cNvPr id="3" name="Content Placeholder 2"/>
+          <p:cNvSpPr>
+            <a:spLocks noGrp="1"/>
+          </p:cNvSpPr>
+          <p:nvPr>
+            <p:ph idx="1"/>
+          </p:nvPr>
+        </p:nvSpPr>
+        <p:spPr/>
+        <p:txBody>
+          <a:bodyPr/>
+          <a:lstStyle/>
+          <a:p>
+            <a:r>
+              <a:rPr lang="en-US" dirty="0" smtClean="0"/>
+              <a:t>They are less </a:t>
+            </a:r>
+            <a:r>
+              <a:rPr lang="en-US" dirty="0"/>
+              <a:t>robust, behave less predictably, and are less reusable</a:t>
+            </a:r>
+            <a:r>
+              <a:rPr lang="en-US" dirty="0" smtClean="0"/>
+              <a:t>.</a:t>
+            </a:r>
+          </a:p>
+          <a:p>
+            <a:r>
+              <a:rPr lang="en-US" dirty="0" smtClean="0"/>
+              <a:t>Name clashes. Your </a:t>
+            </a:r>
+            <a:r>
+              <a:rPr lang="en-US" dirty="0"/>
+              <a:t>code, built-ins, analytics code, social media </a:t>
+            </a:r>
+            <a:r>
+              <a:rPr lang="en-US" dirty="0" smtClean="0"/>
+              <a:t>buttons use the same global scope.</a:t>
+            </a:r>
+            <a:endParaRPr lang="en-US" dirty="0"/>
+          </a:p>
+        </p:txBody>
+      </p:sp>
+    </p:spTree>
+    <p:extLst>
+      <p:ext uri="{BB962C8B-B14F-4D97-AF65-F5344CB8AC3E}">
+        <p14:creationId xmlns:p14="http://schemas.microsoft.com/office/powerpoint/2010/main" val="704371220"/>
+      </p:ext>
+    </p:extLst>
+  </p:cSld>
+  <p:clrMapOvr>
+    <a:masterClrMapping/>
+  </p:clrMapOvr>
+  <p:timing>
+    <p:tnLst>
+      <p:par>
+        <p:cTn id="1" dur="indefinite" restart="never" nodeType="tmRoot"/>
+      </p:par>
+    </p:tnLst>
+  </p:timing>
+</p:sld>
+</file>
+
+<file path=ppt/slides/slide25.xml><?xml version="1.0" encoding="utf-8"?>
+<p:sld xmlns:a="http://schemas.openxmlformats.org/drawingml/2006/main" xmlns:r="http://schemas.openxmlformats.org/officeDocument/2006/relationships" xmlns:p="http://schemas.openxmlformats.org/presentationml/2006/main">
+  <p:cSld>
+    <p:spTree>
+      <p:nvGrpSpPr>
+        <p:cNvPr id="1" name=""/>
+        <p:cNvGrpSpPr/>
+        <p:nvPr/>
+      </p:nvGrpSpPr>
+      <p:grpSpPr>
+        <a:xfrm>
+          <a:off x="0" y="0"/>
+          <a:ext cx="0" cy="0"/>
+          <a:chOff x="0" y="0"/>
+          <a:chExt cx="0" cy="0"/>
+        </a:xfrm>
+      </p:grpSpPr>
+      <p:sp>
+        <p:nvSpPr>
+          <p:cNvPr id="2" name="Заголовок 1"/>
+          <p:cNvSpPr>
+            <a:spLocks noGrp="1"/>
+          </p:cNvSpPr>
+          <p:nvPr>
+            <p:ph type="ctrTitle"/>
+          </p:nvPr>
+        </p:nvSpPr>
+        <p:spPr>
+          <a:xfrm>
+            <a:off x="1625183" y="964389"/>
+            <a:ext cx="5829300" cy="396480"/>
+          </a:xfrm>
+        </p:spPr>
+        <p:txBody>
+          <a:bodyPr>
+            <a:normAutofit fontScale="90000"/>
+          </a:bodyPr>
+          <a:lstStyle/>
+          <a:p>
+            <a:r>
+              <a:rPr lang="en-US" b="1" dirty="0" err="1" smtClean="0">
+                <a:ea typeface="ＭＳ Ｐゴシック" pitchFamily="34" charset="-128"/>
+              </a:rPr>
+              <a:t>Globals</a:t>
+            </a:r>
+            <a:endParaRPr lang="en-US" b="1" dirty="0">
+              <a:solidFill>
+                <a:schemeClr val="tx1">
+                  <a:lumMod val="65000"/>
+                  <a:lumOff val="35000"/>
+                </a:schemeClr>
+              </a:solidFill>
+            </a:endParaRPr>
+          </a:p>
+        </p:txBody>
+      </p:sp>
+      <p:sp>
+        <p:nvSpPr>
+          <p:cNvPr id="6" name="Rectangle 5"/>
+          <p:cNvSpPr/>
+          <p:nvPr/>
+        </p:nvSpPr>
+        <p:spPr>
+          <a:xfrm>
+            <a:off x="1439652" y="1538791"/>
+            <a:ext cx="5994666" cy="4247317"/>
+          </a:xfrm>
+          <a:prstGeom prst="rect">
+            <a:avLst/>
+          </a:prstGeom>
+        </p:spPr>
+        <p:style>
+          <a:lnRef idx="1">
+            <a:schemeClr val="dk1"/>
+          </a:lnRef>
+          <a:fillRef idx="2">
+            <a:schemeClr val="dk1"/>
+          </a:fillRef>
+          <a:effectRef idx="1">
+            <a:schemeClr val="dk1"/>
+          </a:effectRef>
+          <a:fontRef idx="minor">
+            <a:schemeClr val="dk1"/>
+          </a:fontRef>
+        </p:style>
+        <p:txBody>
+          <a:bodyPr wrap="square">
+            <a:spAutoFit/>
+          </a:bodyPr>
+          <a:lstStyle/>
+          <a:p>
+            <a:r>
+              <a:rPr lang="en-US" sz="1350" dirty="0">
+                <a:solidFill>
+                  <a:srgbClr val="006400"/>
+                </a:solidFill>
+                <a:latin typeface="Consolas"/>
+              </a:rPr>
+              <a:t>// </a:t>
+            </a:r>
+            <a:r>
+              <a:rPr lang="en-US" sz="1350" dirty="0" err="1">
+                <a:solidFill>
+                  <a:srgbClr val="006400"/>
+                </a:solidFill>
+                <a:latin typeface="Consolas"/>
+              </a:rPr>
+              <a:t>antipattern</a:t>
+            </a:r>
+            <a:endParaRPr lang="en-US" sz="1350" dirty="0">
+              <a:solidFill>
+                <a:srgbClr val="0000FF"/>
+              </a:solidFill>
+              <a:latin typeface="Consolas"/>
+            </a:endParaRPr>
+          </a:p>
+          <a:p>
+            <a:r>
+              <a:rPr lang="en-US" sz="1350" dirty="0">
+                <a:solidFill>
+                  <a:srgbClr val="0000FF"/>
+                </a:solidFill>
+                <a:latin typeface="Consolas"/>
+              </a:rPr>
+              <a:t>function</a:t>
+            </a:r>
+            <a:r>
+              <a:rPr lang="en-US" sz="1350" dirty="0">
+                <a:solidFill>
+                  <a:prstClr val="black"/>
+                </a:solidFill>
+                <a:latin typeface="Consolas"/>
+              </a:rPr>
+              <a:t> sum(x, y) {</a:t>
+            </a:r>
+          </a:p>
+          <a:p>
+            <a:pPr lvl="1"/>
+            <a:r>
+              <a:rPr lang="en-US" sz="1350" dirty="0">
+                <a:solidFill>
+                  <a:srgbClr val="006400"/>
+                </a:solidFill>
+                <a:latin typeface="Consolas"/>
+              </a:rPr>
+              <a:t>// implied global</a:t>
+            </a:r>
+            <a:endParaRPr lang="en-US" sz="1350" dirty="0">
+              <a:solidFill>
+                <a:prstClr val="black"/>
+              </a:solidFill>
+              <a:latin typeface="Consolas"/>
+            </a:endParaRPr>
+          </a:p>
+          <a:p>
+            <a:pPr lvl="1"/>
+            <a:r>
+              <a:rPr lang="en-US" sz="1350" dirty="0">
+                <a:solidFill>
+                  <a:prstClr val="black"/>
+                </a:solidFill>
+                <a:latin typeface="Consolas"/>
+              </a:rPr>
+              <a:t>result = x + y;</a:t>
+            </a:r>
+          </a:p>
+          <a:p>
+            <a:pPr lvl="1"/>
+            <a:r>
+              <a:rPr lang="en-US" sz="1350" dirty="0">
+                <a:solidFill>
+                  <a:srgbClr val="0000FF"/>
+                </a:solidFill>
+                <a:latin typeface="Consolas"/>
+              </a:rPr>
+              <a:t>return</a:t>
+            </a:r>
+            <a:r>
+              <a:rPr lang="en-US" sz="1350" dirty="0">
+                <a:solidFill>
+                  <a:prstClr val="black"/>
+                </a:solidFill>
+                <a:latin typeface="Consolas"/>
+              </a:rPr>
+              <a:t> result;</a:t>
+            </a:r>
+          </a:p>
+          <a:p>
+            <a:r>
+              <a:rPr lang="en-US" sz="1350" dirty="0">
+                <a:solidFill>
+                  <a:prstClr val="black"/>
+                </a:solidFill>
+                <a:latin typeface="Consolas"/>
+              </a:rPr>
+              <a:t>}</a:t>
+            </a:r>
+          </a:p>
+          <a:p>
+            <a:endParaRPr lang="en-US" sz="1350" dirty="0">
+              <a:solidFill>
+                <a:srgbClr val="006400"/>
+              </a:solidFill>
+              <a:latin typeface="Consolas"/>
+            </a:endParaRPr>
+          </a:p>
+          <a:p>
+            <a:endParaRPr lang="en-US" sz="1350" dirty="0">
+              <a:solidFill>
+                <a:srgbClr val="006400"/>
+              </a:solidFill>
+              <a:latin typeface="Consolas"/>
+            </a:endParaRPr>
+          </a:p>
+          <a:p>
+            <a:r>
+              <a:rPr lang="en-US" sz="1350" dirty="0">
+                <a:solidFill>
+                  <a:srgbClr val="006400"/>
+                </a:solidFill>
+                <a:latin typeface="Consolas"/>
+              </a:rPr>
+              <a:t>// </a:t>
+            </a:r>
+            <a:r>
+              <a:rPr lang="en-US" sz="1350" dirty="0" err="1">
+                <a:solidFill>
+                  <a:srgbClr val="006400"/>
+                </a:solidFill>
+                <a:latin typeface="Consolas"/>
+              </a:rPr>
+              <a:t>antipattern</a:t>
+            </a:r>
+            <a:endParaRPr lang="en-US" sz="1350" dirty="0">
+              <a:solidFill>
+                <a:prstClr val="black"/>
+              </a:solidFill>
+              <a:latin typeface="Consolas"/>
+            </a:endParaRPr>
+          </a:p>
+          <a:p>
+            <a:r>
+              <a:rPr lang="en-US" sz="1350" dirty="0">
+                <a:solidFill>
+                  <a:srgbClr val="0000FF"/>
+                </a:solidFill>
+                <a:latin typeface="Consolas"/>
+              </a:rPr>
+              <a:t>function</a:t>
+            </a:r>
+            <a:r>
+              <a:rPr lang="en-US" sz="1350" dirty="0">
+                <a:solidFill>
+                  <a:prstClr val="black"/>
+                </a:solidFill>
+                <a:latin typeface="Consolas"/>
+              </a:rPr>
+              <a:t> foo() {</a:t>
+            </a:r>
+          </a:p>
+          <a:p>
+            <a:pPr lvl="1"/>
+            <a:r>
+              <a:rPr lang="en-US" sz="1350" dirty="0" err="1">
+                <a:solidFill>
+                  <a:srgbClr val="0000FF"/>
+                </a:solidFill>
+                <a:latin typeface="Consolas"/>
+              </a:rPr>
+              <a:t>var</a:t>
+            </a:r>
+            <a:r>
+              <a:rPr lang="en-US" sz="1350" dirty="0">
+                <a:solidFill>
+                  <a:prstClr val="black"/>
+                </a:solidFill>
+                <a:latin typeface="Consolas"/>
+              </a:rPr>
+              <a:t> a = b = 0;</a:t>
+            </a:r>
+          </a:p>
+          <a:p>
+            <a:pPr lvl="1"/>
+            <a:r>
+              <a:rPr lang="en-US" sz="1350" dirty="0">
+                <a:solidFill>
+                  <a:srgbClr val="006400"/>
+                </a:solidFill>
+                <a:latin typeface="Consolas"/>
+              </a:rPr>
+              <a:t>// ...</a:t>
+            </a:r>
+            <a:endParaRPr lang="en-US" sz="1350" dirty="0">
+              <a:solidFill>
+                <a:prstClr val="black"/>
+              </a:solidFill>
+              <a:latin typeface="Consolas"/>
+            </a:endParaRPr>
+          </a:p>
+          <a:p>
+            <a:r>
+              <a:rPr lang="en-US" sz="1350" dirty="0">
+                <a:solidFill>
+                  <a:prstClr val="black"/>
+                </a:solidFill>
+                <a:latin typeface="Consolas"/>
+              </a:rPr>
+              <a:t>}</a:t>
+            </a:r>
+          </a:p>
+          <a:p>
+            <a:endParaRPr lang="en-US" sz="1350" dirty="0">
+              <a:solidFill>
+                <a:prstClr val="black"/>
+              </a:solidFill>
+              <a:latin typeface="Consolas"/>
+            </a:endParaRPr>
+          </a:p>
+          <a:p>
+            <a:r>
+              <a:rPr lang="en-US" sz="1350" dirty="0">
+                <a:solidFill>
+                  <a:srgbClr val="006400"/>
+                </a:solidFill>
+                <a:latin typeface="Consolas"/>
+              </a:rPr>
+              <a:t>// preferred</a:t>
+            </a:r>
+            <a:endParaRPr lang="en-US" sz="1350" dirty="0">
+              <a:solidFill>
+                <a:prstClr val="black"/>
+              </a:solidFill>
+              <a:latin typeface="Consolas"/>
+            </a:endParaRPr>
+          </a:p>
+          <a:p>
+            <a:r>
+              <a:rPr lang="en-US" sz="1350" dirty="0">
+                <a:solidFill>
+                  <a:srgbClr val="0000FF"/>
+                </a:solidFill>
+                <a:latin typeface="Consolas"/>
+              </a:rPr>
+              <a:t>function</a:t>
+            </a:r>
+            <a:r>
+              <a:rPr lang="en-US" sz="1350" dirty="0">
+                <a:solidFill>
+                  <a:prstClr val="black"/>
+                </a:solidFill>
+                <a:latin typeface="Consolas"/>
+              </a:rPr>
+              <a:t> foo() {</a:t>
+            </a:r>
+          </a:p>
+          <a:p>
+            <a:pPr lvl="1"/>
+            <a:r>
+              <a:rPr lang="en-US" sz="1350" dirty="0" err="1">
+                <a:solidFill>
+                  <a:srgbClr val="0000FF"/>
+                </a:solidFill>
+                <a:latin typeface="Consolas"/>
+              </a:rPr>
+              <a:t>var</a:t>
+            </a:r>
+            <a:r>
+              <a:rPr lang="en-US" sz="1350" dirty="0">
+                <a:solidFill>
+                  <a:prstClr val="black"/>
+                </a:solidFill>
+                <a:latin typeface="Consolas"/>
+              </a:rPr>
+              <a:t> a, b;</a:t>
+            </a:r>
+          </a:p>
+          <a:p>
+            <a:pPr lvl="1"/>
+            <a:r>
+              <a:rPr lang="en-US" sz="1350" dirty="0">
+                <a:solidFill>
+                  <a:srgbClr val="006400"/>
+                </a:solidFill>
+                <a:latin typeface="Consolas"/>
+              </a:rPr>
+              <a:t>// ...</a:t>
+            </a:r>
+            <a:endParaRPr lang="en-US" sz="1350" dirty="0">
+              <a:solidFill>
+                <a:prstClr val="black"/>
+              </a:solidFill>
+              <a:latin typeface="Consolas"/>
+            </a:endParaRPr>
+          </a:p>
+          <a:p>
+            <a:pPr lvl="1"/>
+            <a:r>
+              <a:rPr lang="en-US" sz="1350" dirty="0">
+                <a:solidFill>
+                  <a:prstClr val="black"/>
+                </a:solidFill>
+                <a:latin typeface="Consolas"/>
+              </a:rPr>
+              <a:t>a = b = 0; </a:t>
+            </a:r>
+            <a:r>
+              <a:rPr lang="en-US" sz="1350" dirty="0">
+                <a:solidFill>
+                  <a:srgbClr val="006400"/>
+                </a:solidFill>
+                <a:latin typeface="Consolas"/>
+              </a:rPr>
+              <a:t>// both local</a:t>
+            </a:r>
+            <a:endParaRPr lang="en-US" sz="1350" dirty="0">
+              <a:solidFill>
+                <a:prstClr val="black"/>
+              </a:solidFill>
+              <a:latin typeface="Consolas"/>
+            </a:endParaRPr>
+          </a:p>
+          <a:p>
+            <a:r>
+              <a:rPr lang="en-US" sz="1350" dirty="0">
+                <a:solidFill>
+                  <a:prstClr val="black"/>
+                </a:solidFill>
+                <a:latin typeface="Consolas"/>
+              </a:rPr>
+              <a:t>}</a:t>
+            </a:r>
+          </a:p>
+        </p:txBody>
+      </p:sp>
+    </p:spTree>
+    <p:extLst>
+      <p:ext uri="{BB962C8B-B14F-4D97-AF65-F5344CB8AC3E}">
+        <p14:creationId xmlns:p14="http://schemas.microsoft.com/office/powerpoint/2010/main" val="578045096"/>
+      </p:ext>
+    </p:extLst>
+  </p:cSld>
+  <p:clrMapOvr>
+    <a:masterClrMapping/>
+  </p:clrMapOvr>
+  <p:transition/>
+  <p:timing>
+    <p:tnLst>
+      <p:par>
+        <p:cTn id="1" dur="indefinite" restart="never" nodeType="tmRoot"/>
+      </p:par>
+    </p:tnLst>
+  </p:timing>
+</p:sld>
+</file>
+
+<file path=ppt/slides/slide26.xml><?xml version="1.0" encoding="utf-8"?>
+<p:sld xmlns:a="http://schemas.openxmlformats.org/drawingml/2006/main" xmlns:r="http://schemas.openxmlformats.org/officeDocument/2006/relationships" xmlns:p="http://schemas.openxmlformats.org/presentationml/2006/main">
+  <p:cSld>
+    <p:spTree>
+      <p:nvGrpSpPr>
+        <p:cNvPr id="1" name=""/>
+        <p:cNvGrpSpPr/>
+        <p:nvPr/>
+      </p:nvGrpSpPr>
+      <p:grpSpPr>
+        <a:xfrm>
+          <a:off x="0" y="0"/>
+          <a:ext cx="0" cy="0"/>
+          <a:chOff x="0" y="0"/>
+          <a:chExt cx="0" cy="0"/>
+        </a:xfrm>
+      </p:grpSpPr>
+      <p:sp>
+        <p:nvSpPr>
+          <p:cNvPr id="7" name="Rectangle 6"/>
+          <p:cNvSpPr/>
+          <p:nvPr/>
+        </p:nvSpPr>
+        <p:spPr>
+          <a:xfrm>
+            <a:off x="2357754" y="1714488"/>
+            <a:ext cx="4080516" cy="2031325"/>
+          </a:xfrm>
+          <a:prstGeom prst="rect">
+            <a:avLst/>
+          </a:prstGeom>
+        </p:spPr>
+        <p:txBody>
+          <a:bodyPr wrap="square">
+            <a:spAutoFit/>
+          </a:bodyPr>
+          <a:lstStyle/>
+          <a:p>
+            <a:r>
+              <a:rPr lang="en-US" sz="2100" b="1" dirty="0">
+                <a:solidFill>
+                  <a:schemeClr val="bg1">
+                    <a:lumMod val="50000"/>
+                  </a:schemeClr>
+                </a:solidFill>
+              </a:rPr>
+              <a:t>&lt;script&gt;</a:t>
+            </a:r>
+            <a:endParaRPr lang="en-US" sz="2100" b="1" dirty="0"/>
+          </a:p>
+          <a:p>
+            <a:pPr lvl="1"/>
+            <a:r>
+              <a:rPr lang="en-US" sz="2100" b="1" dirty="0"/>
+              <a:t>if (("a" in window) == false) {</a:t>
+            </a:r>
+          </a:p>
+          <a:p>
+            <a:pPr lvl="1"/>
+            <a:r>
+              <a:rPr lang="en-US" sz="2100" b="1" dirty="0"/>
+              <a:t>    </a:t>
+            </a:r>
+            <a:r>
+              <a:rPr lang="en-US" sz="2100" b="1" dirty="0" err="1"/>
+              <a:t>var</a:t>
+            </a:r>
+            <a:r>
+              <a:rPr lang="en-US" sz="2100" b="1" dirty="0"/>
+              <a:t> a = 1; </a:t>
+            </a:r>
+          </a:p>
+          <a:p>
+            <a:pPr lvl="1"/>
+            <a:r>
+              <a:rPr lang="en-US" sz="2100" b="1" dirty="0"/>
+              <a:t>}</a:t>
+            </a:r>
+          </a:p>
+          <a:p>
+            <a:pPr lvl="1"/>
+            <a:r>
+              <a:rPr lang="en-US" sz="2100" b="1" dirty="0"/>
+              <a:t>alert(a);</a:t>
+            </a:r>
+          </a:p>
+          <a:p>
+            <a:r>
+              <a:rPr lang="en-US" sz="2100" b="1" dirty="0">
+                <a:solidFill>
+                  <a:schemeClr val="bg1">
+                    <a:lumMod val="50000"/>
+                  </a:schemeClr>
+                </a:solidFill>
+              </a:rPr>
+              <a:t>&lt;/script&gt;</a:t>
+            </a:r>
+          </a:p>
+        </p:txBody>
+      </p:sp>
+    </p:spTree>
+    <p:extLst>
+      <p:ext uri="{BB962C8B-B14F-4D97-AF65-F5344CB8AC3E}">
+        <p14:creationId xmlns:p14="http://schemas.microsoft.com/office/powerpoint/2010/main" val="1403691241"/>
+      </p:ext>
+    </p:extLst>
+  </p:cSld>
+  <p:clrMapOvr>
+    <a:masterClrMapping/>
+  </p:clrMapOvr>
+  <p:transition/>
   <p:timing>
     <p:tnLst>
       <p:par>
@@ -12501,18 +11844,12 @@
         </p:nvSpPr>
         <p:spPr/>
         <p:txBody>
-          <a:bodyPr>
-            <a:normAutofit/>
-          </a:bodyPr>
+          <a:bodyPr/>
           <a:lstStyle/>
           <a:p>
             <a:r>
-              <a:rPr lang="en-US" b="1" dirty="0"/>
-              <a:t>Global variables are </a:t>
-            </a:r>
-            <a:r>
-              <a:rPr lang="en-US" b="1" dirty="0" smtClean="0"/>
-              <a:t>evil</a:t>
+              <a:rPr lang="en-US" dirty="0" smtClean="0"/>
+              <a:t>Working with global</a:t>
             </a:r>
             <a:endParaRPr lang="en-US" dirty="0"/>
           </a:p>
@@ -12520,53 +11857,358 @@
       </p:sp>
       <p:sp>
         <p:nvSpPr>
-          <p:cNvPr id="3" name="Content Placeholder 2"/>
+          <p:cNvPr id="4" name="Rectangle 1"/>
           <p:cNvSpPr>
-            <a:spLocks noGrp="1"/>
+            <a:spLocks noGrp="1" noChangeArrowheads="1"/>
           </p:cNvSpPr>
           <p:nvPr>
             <p:ph idx="1"/>
           </p:nvPr>
         </p:nvSpPr>
-        <p:spPr/>
+        <p:spPr bwMode="auto">
+          <a:xfrm>
+            <a:off x="251520" y="1556792"/>
+            <a:ext cx="4536504" cy="2769989"/>
+          </a:xfrm>
+          <a:prstGeom prst="rect">
+            <a:avLst/>
+          </a:prstGeom>
+          <a:noFill/>
+          <a:ln>
+            <a:noFill/>
+          </a:ln>
+          <a:effectLst/>
+          <a:extLst>
+            <a:ext uri="{909E8E84-426E-40DD-AFC4-6F175D3DCCD1}">
+              <a14:hiddenFill xmlns:a14="http://schemas.microsoft.com/office/drawing/2010/main">
+                <a:solidFill>
+                  <a:schemeClr val="accent1"/>
+                </a:solidFill>
+              </a14:hiddenFill>
+            </a:ext>
+            <a:ext uri="{91240B29-F687-4F45-9708-019B960494DF}">
+              <a14:hiddenLine xmlns:a14="http://schemas.microsoft.com/office/drawing/2010/main" w="9525">
+                <a:solidFill>
+                  <a:schemeClr val="tx1"/>
+                </a:solidFill>
+                <a:miter lim="800000"/>
+                <a:headEnd/>
+                <a:tailEnd/>
+              </a14:hiddenLine>
+            </a:ext>
+            <a:ext uri="{AF507438-7753-43E0-B8FC-AC1667EBCBE1}">
+              <a14:hiddenEffects xmlns:a14="http://schemas.microsoft.com/office/drawing/2010/main">
+                <a:effectLst>
+                  <a:outerShdw dist="35921" dir="2700000" algn="ctr" rotWithShape="0">
+                    <a:schemeClr val="bg2"/>
+                  </a:outerShdw>
+                </a:effectLst>
+              </a14:hiddenEffects>
+            </a:ext>
+          </a:extLst>
+        </p:spPr>
         <p:txBody>
-          <a:bodyPr/>
+          <a:bodyPr vert="horz" wrap="square" lIns="0" tIns="0" rIns="0" bIns="0" numCol="1" anchor="ctr" anchorCtr="0" compatLnSpc="1">
+            <a:prstTxWarp prst="textNoShape">
+              <a:avLst/>
+            </a:prstTxWarp>
+            <a:spAutoFit/>
+          </a:bodyPr>
           <a:lstStyle/>
           <a:p>
-            <a:r>
-              <a:rPr lang="en-US" dirty="0" smtClean="0"/>
-              <a:t>They are less </a:t>
-            </a:r>
-            <a:r>
-              <a:rPr lang="en-US" dirty="0"/>
-              <a:t>robust, behave less predictably, and are less reusable</a:t>
-            </a:r>
-            <a:r>
-              <a:rPr lang="en-US" dirty="0" smtClean="0"/>
-              <a:t>.</a:t>
-            </a:r>
-          </a:p>
-          <a:p>
-            <a:r>
-              <a:rPr lang="en-US" dirty="0" smtClean="0"/>
-              <a:t>Name clashes. Your </a:t>
-            </a:r>
-            <a:r>
-              <a:rPr lang="en-US" dirty="0"/>
-              <a:t>code, built-ins, analytics code, social media </a:t>
-            </a:r>
-            <a:r>
-              <a:rPr lang="en-US" dirty="0" smtClean="0"/>
-              <a:t>buttons use the same global scope.</a:t>
-            </a:r>
-            <a:endParaRPr lang="en-US" dirty="0"/>
+            <a:pPr marL="0" marR="0" lvl="0" indent="0" algn="l" defTabSz="914400" rtl="0" eaLnBrk="0" fontAlgn="base" latinLnBrk="0" hangingPunct="0">
+              <a:lnSpc>
+                <a:spcPct val="100000"/>
+              </a:lnSpc>
+              <a:spcBef>
+                <a:spcPct val="0"/>
+              </a:spcBef>
+              <a:spcAft>
+                <a:spcPct val="0"/>
+              </a:spcAft>
+              <a:buClrTx/>
+              <a:buSzTx/>
+              <a:buFontTx/>
+              <a:buNone/>
+              <a:tabLst/>
+            </a:pPr>
+            <a:r>
+              <a:rPr kumimoji="0" lang="en-US" altLang="en-US" sz="2000" b="0" i="0" u="none" strike="noStrike" cap="none" normalizeH="0" baseline="0" dirty="0" err="1" smtClean="0">
+                <a:ln>
+                  <a:noFill/>
+                </a:ln>
+                <a:effectLst/>
+                <a:latin typeface="Ubuntu Mono"/>
+              </a:rPr>
+              <a:t>window.foo</a:t>
+            </a:r>
+            <a:endParaRPr kumimoji="0" lang="en-US" altLang="en-US" sz="2000" b="0" i="0" u="none" strike="noStrike" cap="none" normalizeH="0" baseline="0" dirty="0" smtClean="0">
+              <a:ln>
+                <a:noFill/>
+              </a:ln>
+              <a:effectLst/>
+              <a:latin typeface="Ubuntu Mono"/>
+            </a:endParaRPr>
+          </a:p>
+          <a:p>
+            <a:pPr marL="0" marR="0" lvl="0" indent="0" algn="l" defTabSz="914400" rtl="0" eaLnBrk="0" fontAlgn="base" latinLnBrk="0" hangingPunct="0">
+              <a:lnSpc>
+                <a:spcPct val="100000"/>
+              </a:lnSpc>
+              <a:spcBef>
+                <a:spcPct val="0"/>
+              </a:spcBef>
+              <a:spcAft>
+                <a:spcPct val="0"/>
+              </a:spcAft>
+              <a:buClrTx/>
+              <a:buSzTx/>
+              <a:buFontTx/>
+              <a:buNone/>
+              <a:tabLst/>
+            </a:pPr>
+            <a:endParaRPr lang="en-US" altLang="en-US" sz="2000" dirty="0">
+              <a:latin typeface="Ubuntu Mono"/>
+            </a:endParaRPr>
+          </a:p>
+          <a:p>
+            <a:pPr marL="0" marR="0" lvl="0" indent="0" algn="l" defTabSz="914400" rtl="0" eaLnBrk="0" fontAlgn="base" latinLnBrk="0" hangingPunct="0">
+              <a:lnSpc>
+                <a:spcPct val="100000"/>
+              </a:lnSpc>
+              <a:spcBef>
+                <a:spcPct val="0"/>
+              </a:spcBef>
+              <a:spcAft>
+                <a:spcPct val="0"/>
+              </a:spcAft>
+              <a:buClrTx/>
+              <a:buSzTx/>
+              <a:buFontTx/>
+              <a:buNone/>
+              <a:tabLst/>
+            </a:pPr>
+            <a:r>
+              <a:rPr lang="en-US" altLang="en-US" sz="2000" dirty="0">
+                <a:latin typeface="Ubuntu Mono"/>
+              </a:rPr>
+              <a:t>i</a:t>
+            </a:r>
+            <a:r>
+              <a:rPr kumimoji="0" lang="en-US" altLang="en-US" sz="2000" b="0" i="0" u="none" strike="noStrike" cap="none" normalizeH="0" baseline="0" dirty="0" smtClean="0">
+                <a:ln>
+                  <a:noFill/>
+                </a:ln>
+                <a:effectLst/>
+                <a:latin typeface="Ubuntu Mono"/>
+              </a:rPr>
+              <a:t>f (</a:t>
+            </a:r>
+            <a:r>
+              <a:rPr kumimoji="0" lang="en-US" altLang="en-US" sz="2000" b="0" i="0" u="none" strike="noStrike" cap="none" normalizeH="0" baseline="0" dirty="0" err="1" smtClean="0">
+                <a:ln>
+                  <a:noFill/>
+                </a:ln>
+                <a:effectLst/>
+                <a:latin typeface="Ubuntu Mono"/>
+              </a:rPr>
+              <a:t>window.foo</a:t>
+            </a:r>
+            <a:r>
+              <a:rPr kumimoji="0" lang="en-US" altLang="en-US" sz="2000" b="0" i="0" u="none" strike="noStrike" cap="none" normalizeH="0" baseline="0" dirty="0" smtClean="0">
+                <a:ln>
+                  <a:noFill/>
+                </a:ln>
+                <a:effectLst/>
+                <a:latin typeface="Ubuntu Mono"/>
+              </a:rPr>
+              <a:t>) { … }</a:t>
+            </a:r>
+          </a:p>
+          <a:p>
+            <a:pPr marL="0" indent="0" eaLnBrk="0" fontAlgn="base" hangingPunct="0">
+              <a:spcBef>
+                <a:spcPct val="0"/>
+              </a:spcBef>
+              <a:spcAft>
+                <a:spcPct val="0"/>
+              </a:spcAft>
+              <a:buNone/>
+            </a:pPr>
+            <a:r>
+              <a:rPr lang="en-US" altLang="en-US" sz="2000" dirty="0">
+                <a:latin typeface="Ubuntu Mono"/>
+              </a:rPr>
+              <a:t>if </a:t>
+            </a:r>
+            <a:r>
+              <a:rPr lang="en-US" altLang="en-US" sz="2000" dirty="0" smtClean="0">
+                <a:latin typeface="Ubuntu Mono"/>
+              </a:rPr>
+              <a:t>(“foo” in window) </a:t>
+            </a:r>
+            <a:r>
+              <a:rPr lang="en-US" altLang="en-US" sz="2000" dirty="0">
+                <a:latin typeface="Ubuntu Mono"/>
+              </a:rPr>
+              <a:t>{ … </a:t>
+            </a:r>
+            <a:r>
+              <a:rPr lang="en-US" altLang="en-US" sz="2000" dirty="0" smtClean="0">
+                <a:latin typeface="Ubuntu Mono"/>
+              </a:rPr>
+              <a:t>}</a:t>
+            </a:r>
+          </a:p>
+          <a:p>
+            <a:pPr marL="0" indent="0" eaLnBrk="0" fontAlgn="base" hangingPunct="0">
+              <a:spcBef>
+                <a:spcPct val="0"/>
+              </a:spcBef>
+              <a:spcAft>
+                <a:spcPct val="0"/>
+              </a:spcAft>
+              <a:buNone/>
+            </a:pPr>
+            <a:r>
+              <a:rPr lang="en-US" altLang="en-US" sz="2000" dirty="0">
+                <a:latin typeface="Ubuntu Mono"/>
+              </a:rPr>
+              <a:t>i</a:t>
+            </a:r>
+            <a:r>
+              <a:rPr lang="en-US" altLang="en-US" sz="2000" dirty="0" smtClean="0">
+                <a:latin typeface="Ubuntu Mono"/>
+              </a:rPr>
+              <a:t>f (</a:t>
+            </a:r>
+            <a:r>
+              <a:rPr lang="en-US" altLang="en-US" sz="2000" dirty="0" err="1" smtClean="0">
+                <a:latin typeface="Ubuntu Mono"/>
+              </a:rPr>
+              <a:t>typeof</a:t>
+            </a:r>
+            <a:r>
+              <a:rPr lang="en-US" altLang="en-US" sz="2000" dirty="0" smtClean="0">
+                <a:latin typeface="Ubuntu Mono"/>
+              </a:rPr>
+              <a:t> “foo” !== “undefined”) { … }</a:t>
+            </a:r>
+            <a:endParaRPr lang="en-US" altLang="en-US" sz="2000" dirty="0">
+              <a:latin typeface="Ubuntu Mono"/>
+            </a:endParaRPr>
+          </a:p>
+          <a:p>
+            <a:pPr marL="0" marR="0" lvl="0" indent="0" algn="l" defTabSz="914400" rtl="0" eaLnBrk="0" fontAlgn="base" latinLnBrk="0" hangingPunct="0">
+              <a:lnSpc>
+                <a:spcPct val="100000"/>
+              </a:lnSpc>
+              <a:spcBef>
+                <a:spcPct val="0"/>
+              </a:spcBef>
+              <a:spcAft>
+                <a:spcPct val="0"/>
+              </a:spcAft>
+              <a:buClrTx/>
+              <a:buSzTx/>
+              <a:buFontTx/>
+              <a:buNone/>
+              <a:tabLst/>
+            </a:pPr>
+            <a:endParaRPr kumimoji="0" lang="en-US" altLang="en-US" sz="2000" b="0" i="0" u="none" strike="noStrike" cap="none" normalizeH="0" baseline="0" dirty="0" smtClean="0">
+              <a:ln>
+                <a:noFill/>
+              </a:ln>
+              <a:effectLst/>
+              <a:latin typeface="Ubuntu Mono"/>
+            </a:endParaRPr>
+          </a:p>
+          <a:p>
+            <a:pPr marL="0" marR="0" lvl="0" indent="0" algn="l" defTabSz="914400" rtl="0" eaLnBrk="0" fontAlgn="base" latinLnBrk="0" hangingPunct="0">
+              <a:lnSpc>
+                <a:spcPct val="100000"/>
+              </a:lnSpc>
+              <a:spcBef>
+                <a:spcPct val="0"/>
+              </a:spcBef>
+              <a:spcAft>
+                <a:spcPct val="0"/>
+              </a:spcAft>
+              <a:buClrTx/>
+              <a:buSzTx/>
+              <a:buFontTx/>
+              <a:buNone/>
+              <a:tabLst/>
+            </a:pPr>
+            <a:endParaRPr kumimoji="0" lang="en-US" altLang="en-US" sz="2000" b="0" i="0" u="none" strike="noStrike" cap="none" normalizeH="0" baseline="0" dirty="0" smtClean="0">
+              <a:ln>
+                <a:noFill/>
+              </a:ln>
+              <a:effectLst/>
+              <a:latin typeface="Ubuntu Mono"/>
+            </a:endParaRPr>
+          </a:p>
+          <a:p>
+            <a:pPr marL="0" marR="0" lvl="0" indent="0" algn="l" defTabSz="914400" rtl="0" eaLnBrk="0" fontAlgn="base" latinLnBrk="0" hangingPunct="0">
+              <a:lnSpc>
+                <a:spcPct val="100000"/>
+              </a:lnSpc>
+              <a:spcBef>
+                <a:spcPct val="0"/>
+              </a:spcBef>
+              <a:spcAft>
+                <a:spcPct val="0"/>
+              </a:spcAft>
+              <a:buClrTx/>
+              <a:buSzTx/>
+              <a:buFontTx/>
+              <a:buNone/>
+              <a:tabLst/>
+            </a:pPr>
+            <a:endParaRPr lang="en-US" altLang="en-US" sz="2000" dirty="0">
+              <a:latin typeface="Ubuntu Mono"/>
+            </a:endParaRPr>
+          </a:p>
+          <a:p>
+            <a:pPr marL="0" marR="0" lvl="0" indent="0" algn="l" defTabSz="914400" rtl="0" eaLnBrk="0" fontAlgn="base" latinLnBrk="0" hangingPunct="0">
+              <a:lnSpc>
+                <a:spcPct val="100000"/>
+              </a:lnSpc>
+              <a:spcBef>
+                <a:spcPct val="0"/>
+              </a:spcBef>
+              <a:spcAft>
+                <a:spcPct val="0"/>
+              </a:spcAft>
+              <a:buClrTx/>
+              <a:buSzTx/>
+              <a:buFontTx/>
+              <a:buNone/>
+              <a:tabLst/>
+            </a:pPr>
+            <a:r>
+              <a:rPr kumimoji="0" lang="en-US" altLang="en-US" sz="2000" b="0" i="0" u="none" strike="noStrike" cap="none" normalizeH="0" baseline="0" dirty="0" smtClean="0">
+                <a:ln>
+                  <a:noFill/>
+                </a:ln>
+                <a:effectLst/>
+              </a:rPr>
+              <a:t> </a:t>
+            </a:r>
+            <a:endParaRPr kumimoji="0" lang="en-US" altLang="en-US" sz="2000" b="0" i="0" u="none" strike="noStrike" cap="none" normalizeH="0" baseline="0" dirty="0" smtClean="0">
+              <a:ln>
+                <a:noFill/>
+              </a:ln>
+              <a:effectLst/>
+              <a:latin typeface="Arial" panose="020B0604020202020204" pitchFamily="34" charset="0"/>
+            </a:endParaRPr>
           </a:p>
         </p:txBody>
       </p:sp>
     </p:spTree>
     <p:extLst>
       <p:ext uri="{BB962C8B-B14F-4D97-AF65-F5344CB8AC3E}">
-        <p14:creationId xmlns:p14="http://schemas.microsoft.com/office/powerpoint/2010/main" val="704371220"/>
+        <p14:creationId xmlns:p14="http://schemas.microsoft.com/office/powerpoint/2010/main" val="91426937"/>
       </p:ext>
     </p:extLst>
   </p:cSld>
@@ -12623,10 +12265,15 @@
           <a:lstStyle/>
           <a:p>
             <a:r>
-              <a:rPr lang="en-US" b="1" dirty="0" err="1" smtClean="0">
-                <a:ea typeface="ＭＳ Ｐゴシック" pitchFamily="34" charset="-128"/>
-              </a:rPr>
-              <a:t>Globals</a:t>
+              <a:rPr lang="en-US" b="1" dirty="0" smtClean="0">
+                <a:solidFill>
+                  <a:schemeClr val="tx1">
+                    <a:lumMod val="65000"/>
+                    <a:lumOff val="35000"/>
+                  </a:schemeClr>
+                </a:solidFill>
+              </a:rPr>
+              <a:t>Namespaces</a:t>
             </a:r>
             <a:endParaRPr lang="en-US" b="1" dirty="0">
               <a:solidFill>
@@ -12641,14 +12288,59 @@
       </p:sp>
       <p:sp>
         <p:nvSpPr>
-          <p:cNvPr id="6" name="Rectangle 5"/>
+          <p:cNvPr id="5" name="Заголовок 1"/>
+          <p:cNvSpPr txBox="1">
+            <a:spLocks/>
+          </p:cNvSpPr>
+          <p:nvPr/>
+        </p:nvSpPr>
+        <p:spPr>
+          <a:xfrm>
+            <a:off x="1571604" y="1821645"/>
+            <a:ext cx="5829300" cy="2839661"/>
+          </a:xfrm>
+          <a:prstGeom prst="rect">
+            <a:avLst/>
+          </a:prstGeom>
+        </p:spPr>
+        <p:txBody>
+          <a:bodyPr vert="horz" lIns="68580" tIns="34290" rIns="68580" bIns="34290" rtlCol="0" anchor="ctr">
+            <a:normAutofit/>
+          </a:bodyPr>
+          <a:lstStyle/>
+          <a:p>
+            <a:pPr>
+              <a:spcBef>
+                <a:spcPct val="0"/>
+              </a:spcBef>
+            </a:pPr>
+            <a:endParaRPr lang="be-BY" sz="1350"/>
+          </a:p>
+          <a:p>
+            <a:pPr>
+              <a:spcBef>
+                <a:spcPct val="0"/>
+              </a:spcBef>
+              <a:defRPr/>
+            </a:pPr>
+            <a:endParaRPr lang="be-BY" sz="3300" dirty="0">
+              <a:latin typeface="+mj-lt"/>
+              <a:ea typeface="+mj-ea"/>
+              <a:cs typeface="+mj-cs"/>
+            </a:endParaRPr>
+          </a:p>
+        </p:txBody>
+      </p:sp>
+      <p:sp>
+        <p:nvSpPr>
+          <p:cNvPr id="10" name="Rectangle 9"/>
           <p:cNvSpPr/>
           <p:nvPr/>
         </p:nvSpPr>
         <p:spPr>
           <a:xfrm>
-            <a:off x="1439652" y="1538791"/>
-            <a:ext cx="5994666" cy="4247317"/>
+            <a:off x="467544" y="1607332"/>
+            <a:ext cx="8136904" cy="2677656"/>
           </a:xfrm>
           <a:prstGeom prst="rect">
             <a:avLst/>
@@ -12658,8 +12350,8 @@
           <a:lnRef idx="1">
             <a:schemeClr val="dk1"/>
           </a:lnRef>
-          <a:fillRef idx="2">
-            <a:schemeClr val="dk1"/>
+          <a:fillRef idx="1001">
+            <a:schemeClr val="lt2"/>
           </a:fillRef>
           <a:effectRef idx="1">
             <a:schemeClr val="dk1"/>
@@ -12675,344 +12367,167 @@
           <a:lstStyle/>
           <a:p>
             <a:r>
-              <a:rPr lang="en-US" sz="1350" dirty="0">
-                <a:solidFill>
-                  <a:srgbClr val="006400"/>
-                </a:solidFill>
-                <a:latin typeface="Consolas"/>
-              </a:rPr>
-              <a:t>// </a:t>
-            </a:r>
-            <a:r>
-              <a:rPr lang="en-US" sz="1350" dirty="0" err="1">
-                <a:solidFill>
-                  <a:srgbClr val="006400"/>
-                </a:solidFill>
-                <a:latin typeface="Consolas"/>
-              </a:rPr>
-              <a:t>antipattern</a:t>
-            </a:r>
-            <a:endParaRPr lang="en-US" sz="1350" dirty="0">
-              <a:solidFill>
-                <a:srgbClr val="0000FF"/>
-              </a:solidFill>
-              <a:latin typeface="Consolas"/>
-            </a:endParaRPr>
-          </a:p>
-          <a:p>
-            <a:r>
-              <a:rPr lang="en-US" sz="1350" dirty="0">
-                <a:solidFill>
-                  <a:srgbClr val="0000FF"/>
-                </a:solidFill>
-                <a:latin typeface="Consolas"/>
-              </a:rPr>
-              <a:t>function</a:t>
-            </a:r>
-            <a:r>
-              <a:rPr lang="en-US" sz="1350" dirty="0">
-                <a:solidFill>
-                  <a:prstClr val="black"/>
-                </a:solidFill>
-                <a:latin typeface="Consolas"/>
-              </a:rPr>
-              <a:t> sum(x, y) {</a:t>
-            </a:r>
-          </a:p>
-          <a:p>
-            <a:pPr lvl="1"/>
-            <a:r>
-              <a:rPr lang="en-US" sz="1350" dirty="0">
-                <a:solidFill>
-                  <a:srgbClr val="006400"/>
-                </a:solidFill>
-                <a:latin typeface="Consolas"/>
-              </a:rPr>
-              <a:t>// implied global</a:t>
-            </a:r>
-            <a:endParaRPr lang="en-US" sz="1350" dirty="0">
-              <a:solidFill>
-                <a:prstClr val="black"/>
-              </a:solidFill>
-              <a:latin typeface="Consolas"/>
-            </a:endParaRPr>
-          </a:p>
-          <a:p>
-            <a:pPr lvl="1"/>
-            <a:r>
-              <a:rPr lang="en-US" sz="1350" dirty="0">
-                <a:solidFill>
-                  <a:prstClr val="black"/>
-                </a:solidFill>
-                <a:latin typeface="Consolas"/>
-              </a:rPr>
-              <a:t>result = x + y;</a:t>
-            </a:r>
-          </a:p>
-          <a:p>
-            <a:pPr lvl="1"/>
-            <a:r>
-              <a:rPr lang="en-US" sz="1350" dirty="0">
-                <a:solidFill>
-                  <a:srgbClr val="0000FF"/>
-                </a:solidFill>
-                <a:latin typeface="Consolas"/>
-              </a:rPr>
-              <a:t>return</a:t>
-            </a:r>
-            <a:r>
-              <a:rPr lang="en-US" sz="1350" dirty="0">
-                <a:solidFill>
-                  <a:prstClr val="black"/>
-                </a:solidFill>
-                <a:latin typeface="Consolas"/>
-              </a:rPr>
-              <a:t> result;</a:t>
-            </a:r>
-          </a:p>
-          <a:p>
-            <a:r>
-              <a:rPr lang="en-US" sz="1350" dirty="0">
-                <a:solidFill>
-                  <a:prstClr val="black"/>
-                </a:solidFill>
-                <a:latin typeface="Consolas"/>
-              </a:rPr>
+              <a:rPr lang="en-US" sz="2400" b="1" dirty="0"/>
+              <a:t>if (</a:t>
+            </a:r>
+            <a:r>
+              <a:rPr lang="en-US" sz="2400" b="1" dirty="0" err="1">
+                <a:solidFill>
+                  <a:srgbClr val="0070C0"/>
+                </a:solidFill>
+              </a:rPr>
+              <a:t>window</a:t>
+            </a:r>
+            <a:r>
+              <a:rPr lang="en-US" sz="2400" b="1" dirty="0" err="1"/>
+              <a:t>.</a:t>
+            </a:r>
+            <a:r>
+              <a:rPr lang="en-US" sz="2400" b="1" dirty="0" err="1">
+                <a:solidFill>
+                  <a:schemeClr val="accent6">
+                    <a:lumMod val="75000"/>
+                  </a:schemeClr>
+                </a:solidFill>
+              </a:rPr>
+              <a:t>myNamespace</a:t>
+            </a:r>
+            <a:r>
+              <a:rPr lang="en-US" sz="2400" b="1" dirty="0"/>
+              <a:t> == </a:t>
+            </a:r>
+            <a:r>
+              <a:rPr lang="en-US" sz="2400" b="1" dirty="0">
+                <a:solidFill>
+                  <a:srgbClr val="00B050"/>
+                </a:solidFill>
+              </a:rPr>
+              <a:t>null</a:t>
+            </a:r>
+            <a:r>
+              <a:rPr lang="en-US" sz="2400" b="1" dirty="0"/>
+              <a:t>){</a:t>
+            </a:r>
+          </a:p>
+          <a:p>
+            <a:r>
+              <a:rPr lang="en-US" sz="2400" b="1" dirty="0"/>
+              <a:t>	</a:t>
+            </a:r>
+            <a:r>
+              <a:rPr lang="en-US" sz="2400" b="1" dirty="0" err="1">
+                <a:solidFill>
+                  <a:srgbClr val="0070C0"/>
+                </a:solidFill>
+              </a:rPr>
+              <a:t>window</a:t>
+            </a:r>
+            <a:r>
+              <a:rPr lang="en-US" sz="2400" b="1" dirty="0" err="1"/>
+              <a:t>.</a:t>
+            </a:r>
+            <a:r>
+              <a:rPr lang="en-US" sz="2400" b="1" dirty="0" err="1">
+                <a:solidFill>
+                  <a:schemeClr val="accent6">
+                    <a:lumMod val="75000"/>
+                  </a:schemeClr>
+                </a:solidFill>
+              </a:rPr>
+              <a:t>myNamespace</a:t>
+            </a:r>
+            <a:r>
+              <a:rPr lang="en-US" sz="2400" b="1" dirty="0"/>
+              <a:t> = {}; 	</a:t>
+            </a:r>
+          </a:p>
+          <a:p>
+            <a:r>
+              <a:rPr lang="en-US" sz="2400" b="1" dirty="0"/>
               <a:t>}</a:t>
             </a:r>
           </a:p>
           <a:p>
-            <a:endParaRPr lang="en-US" sz="1350" dirty="0">
-              <a:solidFill>
-                <a:srgbClr val="006400"/>
-              </a:solidFill>
-              <a:latin typeface="Consolas"/>
-            </a:endParaRPr>
-          </a:p>
-          <a:p>
-            <a:endParaRPr lang="en-US" sz="1350" dirty="0">
-              <a:solidFill>
-                <a:srgbClr val="006400"/>
-              </a:solidFill>
-              <a:latin typeface="Consolas"/>
-            </a:endParaRPr>
-          </a:p>
-          <a:p>
-            <a:r>
-              <a:rPr lang="en-US" sz="1350" dirty="0">
-                <a:solidFill>
-                  <a:srgbClr val="006400"/>
-                </a:solidFill>
-                <a:latin typeface="Consolas"/>
-              </a:rPr>
-              <a:t>// </a:t>
-            </a:r>
-            <a:r>
-              <a:rPr lang="en-US" sz="1350" dirty="0" err="1">
-                <a:solidFill>
-                  <a:srgbClr val="006400"/>
-                </a:solidFill>
-                <a:latin typeface="Consolas"/>
-              </a:rPr>
-              <a:t>antipattern</a:t>
-            </a:r>
-            <a:endParaRPr lang="en-US" sz="1350" dirty="0">
-              <a:solidFill>
-                <a:prstClr val="black"/>
-              </a:solidFill>
-              <a:latin typeface="Consolas"/>
-            </a:endParaRPr>
-          </a:p>
-          <a:p>
-            <a:r>
-              <a:rPr lang="en-US" sz="1350" dirty="0">
-                <a:solidFill>
-                  <a:srgbClr val="0000FF"/>
-                </a:solidFill>
-                <a:latin typeface="Consolas"/>
-              </a:rPr>
-              <a:t>function</a:t>
-            </a:r>
-            <a:r>
-              <a:rPr lang="en-US" sz="1350" dirty="0">
-                <a:solidFill>
-                  <a:prstClr val="black"/>
-                </a:solidFill>
-                <a:latin typeface="Consolas"/>
-              </a:rPr>
-              <a:t> foo() {</a:t>
-            </a:r>
-          </a:p>
-          <a:p>
-            <a:pPr lvl="1"/>
-            <a:r>
-              <a:rPr lang="en-US" sz="1350" dirty="0" err="1">
-                <a:solidFill>
-                  <a:srgbClr val="0000FF"/>
-                </a:solidFill>
-                <a:latin typeface="Consolas"/>
-              </a:rPr>
-              <a:t>var</a:t>
-            </a:r>
-            <a:r>
-              <a:rPr lang="en-US" sz="1350" dirty="0">
-                <a:solidFill>
-                  <a:prstClr val="black"/>
-                </a:solidFill>
-                <a:latin typeface="Consolas"/>
-              </a:rPr>
-              <a:t> a = b = 0;</a:t>
-            </a:r>
-          </a:p>
-          <a:p>
-            <a:pPr lvl="1"/>
-            <a:r>
-              <a:rPr lang="en-US" sz="1350" dirty="0">
-                <a:solidFill>
-                  <a:srgbClr val="006400"/>
-                </a:solidFill>
-                <a:latin typeface="Consolas"/>
-              </a:rPr>
-              <a:t>// ...</a:t>
-            </a:r>
-            <a:endParaRPr lang="en-US" sz="1350" dirty="0">
-              <a:solidFill>
-                <a:prstClr val="black"/>
-              </a:solidFill>
-              <a:latin typeface="Consolas"/>
-            </a:endParaRPr>
-          </a:p>
-          <a:p>
-            <a:r>
-              <a:rPr lang="en-US" sz="1350" dirty="0">
-                <a:solidFill>
-                  <a:prstClr val="black"/>
-                </a:solidFill>
-                <a:latin typeface="Consolas"/>
-              </a:rPr>
-              <a:t>}</a:t>
-            </a:r>
-          </a:p>
-          <a:p>
-            <a:endParaRPr lang="en-US" sz="1350" dirty="0">
-              <a:solidFill>
-                <a:prstClr val="black"/>
-              </a:solidFill>
-              <a:latin typeface="Consolas"/>
-            </a:endParaRPr>
-          </a:p>
-          <a:p>
-            <a:r>
-              <a:rPr lang="en-US" sz="1350" dirty="0">
-                <a:solidFill>
-                  <a:srgbClr val="006400"/>
-                </a:solidFill>
-                <a:latin typeface="Consolas"/>
-              </a:rPr>
-              <a:t>// preferred</a:t>
-            </a:r>
-            <a:endParaRPr lang="en-US" sz="1350" dirty="0">
-              <a:solidFill>
-                <a:prstClr val="black"/>
-              </a:solidFill>
-              <a:latin typeface="Consolas"/>
-            </a:endParaRPr>
-          </a:p>
-          <a:p>
-            <a:r>
-              <a:rPr lang="en-US" sz="1350" dirty="0">
-                <a:solidFill>
-                  <a:srgbClr val="0000FF"/>
-                </a:solidFill>
-                <a:latin typeface="Consolas"/>
-              </a:rPr>
-              <a:t>function</a:t>
-            </a:r>
-            <a:r>
-              <a:rPr lang="en-US" sz="1350" dirty="0">
-                <a:solidFill>
-                  <a:prstClr val="black"/>
-                </a:solidFill>
-                <a:latin typeface="Consolas"/>
-              </a:rPr>
-              <a:t> foo() {</a:t>
-            </a:r>
-          </a:p>
-          <a:p>
-            <a:pPr lvl="1"/>
-            <a:r>
-              <a:rPr lang="en-US" sz="1350" dirty="0" err="1">
-                <a:solidFill>
-                  <a:srgbClr val="0000FF"/>
-                </a:solidFill>
-                <a:latin typeface="Consolas"/>
-              </a:rPr>
-              <a:t>var</a:t>
-            </a:r>
-            <a:r>
-              <a:rPr lang="en-US" sz="1350" dirty="0">
-                <a:solidFill>
-                  <a:prstClr val="black"/>
-                </a:solidFill>
-                <a:latin typeface="Consolas"/>
-              </a:rPr>
-              <a:t> a, b;</a:t>
-            </a:r>
-          </a:p>
-          <a:p>
-            <a:pPr lvl="1"/>
-            <a:r>
-              <a:rPr lang="en-US" sz="1350" dirty="0">
-                <a:solidFill>
-                  <a:srgbClr val="006400"/>
-                </a:solidFill>
-                <a:latin typeface="Consolas"/>
-              </a:rPr>
-              <a:t>// ...</a:t>
-            </a:r>
-            <a:endParaRPr lang="en-US" sz="1350" dirty="0">
-              <a:solidFill>
-                <a:prstClr val="black"/>
-              </a:solidFill>
-              <a:latin typeface="Consolas"/>
-            </a:endParaRPr>
-          </a:p>
-          <a:p>
-            <a:pPr lvl="1"/>
-            <a:r>
-              <a:rPr lang="en-US" sz="1350" dirty="0">
-                <a:solidFill>
-                  <a:prstClr val="black"/>
-                </a:solidFill>
-                <a:latin typeface="Consolas"/>
-              </a:rPr>
-              <a:t>a = b = 0; </a:t>
-            </a:r>
-            <a:r>
-              <a:rPr lang="en-US" sz="1350" dirty="0">
-                <a:solidFill>
-                  <a:srgbClr val="006400"/>
-                </a:solidFill>
-                <a:latin typeface="Consolas"/>
-              </a:rPr>
-              <a:t>// both local</a:t>
-            </a:r>
-            <a:endParaRPr lang="en-US" sz="1350" dirty="0">
-              <a:solidFill>
-                <a:prstClr val="black"/>
-              </a:solidFill>
-              <a:latin typeface="Consolas"/>
-            </a:endParaRPr>
-          </a:p>
-          <a:p>
-            <a:r>
-              <a:rPr lang="en-US" sz="1350" dirty="0">
-                <a:solidFill>
-                  <a:prstClr val="black"/>
-                </a:solidFill>
-                <a:latin typeface="Consolas"/>
-              </a:rPr>
-              <a:t>}</a:t>
+            <a:endParaRPr lang="en-US" sz="2400" b="1" dirty="0"/>
+          </a:p>
+          <a:p>
+            <a:r>
+              <a:rPr lang="en-US" sz="2400" b="1" dirty="0" err="1">
+                <a:solidFill>
+                  <a:srgbClr val="0070C0"/>
+                </a:solidFill>
+              </a:rPr>
+              <a:t>window</a:t>
+            </a:r>
+            <a:r>
+              <a:rPr lang="en-US" sz="2400" b="1" dirty="0" err="1"/>
+              <a:t>.</a:t>
+            </a:r>
+            <a:r>
+              <a:rPr lang="en-US" sz="2400" b="1" dirty="0" err="1">
+                <a:solidFill>
+                  <a:schemeClr val="accent6">
+                    <a:lumMod val="75000"/>
+                  </a:schemeClr>
+                </a:solidFill>
+              </a:rPr>
+              <a:t>myNamespace</a:t>
+            </a:r>
+            <a:r>
+              <a:rPr lang="en-US" sz="2400" b="1" dirty="0" err="1"/>
+              <a:t>.</a:t>
+            </a:r>
+            <a:r>
+              <a:rPr lang="en-US" sz="2400" b="1" dirty="0" err="1">
+                <a:solidFill>
+                  <a:srgbClr val="0070C0"/>
+                </a:solidFill>
+              </a:rPr>
+              <a:t>myFunction</a:t>
+            </a:r>
+            <a:r>
+              <a:rPr lang="en-US" sz="2400" b="1" dirty="0">
+                <a:solidFill>
+                  <a:srgbClr val="0070C0"/>
+                </a:solidFill>
+              </a:rPr>
+              <a:t> </a:t>
+            </a:r>
+            <a:r>
+              <a:rPr lang="en-US" sz="2400" b="1" dirty="0"/>
+              <a:t>= function(</a:t>
+            </a:r>
+            <a:r>
+              <a:rPr lang="en-US" sz="2400" dirty="0"/>
+              <a:t>/* </a:t>
+            </a:r>
+            <a:r>
+              <a:rPr lang="en-US" sz="2400" dirty="0" err="1"/>
+              <a:t>params</a:t>
+            </a:r>
+            <a:r>
+              <a:rPr lang="en-US" sz="2400" dirty="0"/>
+              <a:t>*/ </a:t>
+            </a:r>
+            <a:r>
+              <a:rPr lang="en-US" sz="2400" b="1" dirty="0"/>
+              <a:t>) {</a:t>
+            </a:r>
+          </a:p>
+          <a:p>
+            <a:r>
+              <a:rPr lang="en-US" sz="2400" b="1" dirty="0"/>
+              <a:t>	</a:t>
+            </a:r>
+            <a:r>
+              <a:rPr lang="en-US" sz="2400" dirty="0"/>
+              <a:t>/* code here */ </a:t>
+            </a:r>
+          </a:p>
+          <a:p>
+            <a:r>
+              <a:rPr lang="en-US" sz="2400" b="1" dirty="0"/>
+              <a:t>};</a:t>
             </a:r>
           </a:p>
         </p:txBody>
@@ -13020,7 +12535,7 @@
     </p:spTree>
     <p:extLst>
       <p:ext uri="{BB962C8B-B14F-4D97-AF65-F5344CB8AC3E}">
-        <p14:creationId xmlns:p14="http://schemas.microsoft.com/office/powerpoint/2010/main" val="578045096"/>
+        <p14:creationId xmlns:p14="http://schemas.microsoft.com/office/powerpoint/2010/main" val="3154139996"/>
       </p:ext>
     </p:extLst>
   </p:cSld>
@@ -13057,98 +12572,63 @@
       </p:grpSpPr>
       <p:sp>
         <p:nvSpPr>
-          <p:cNvPr id="7" name="Rectangle 6"/>
-          <p:cNvSpPr/>
-          <p:nvPr/>
+          <p:cNvPr id="2" name="Title 1"/>
+          <p:cNvSpPr>
+            <a:spLocks noGrp="1"/>
+          </p:cNvSpPr>
+          <p:nvPr>
+            <p:ph type="title"/>
+          </p:nvPr>
         </p:nvSpPr>
         <p:spPr>
           <a:xfrm>
-            <a:off x="2357754" y="1714488"/>
-            <a:ext cx="4080516" cy="2031325"/>
+            <a:off x="251520" y="2348880"/>
+            <a:ext cx="8229600" cy="1143000"/>
           </a:xfrm>
-          <a:prstGeom prst="rect">
-            <a:avLst/>
-          </a:prstGeom>
         </p:spPr>
         <p:txBody>
-          <a:bodyPr wrap="square">
-            <a:spAutoFit/>
+          <a:bodyPr>
+            <a:normAutofit fontScale="90000"/>
           </a:bodyPr>
           <a:lstStyle/>
           <a:p>
             <a:r>
-              <a:rPr lang="en-US" sz="2100" b="1" dirty="0">
-                <a:solidFill>
-                  <a:schemeClr val="bg1">
-                    <a:lumMod val="50000"/>
-                  </a:schemeClr>
-                </a:solidFill>
-              </a:rPr>
-              <a:t>&lt;script&gt;</a:t>
-            </a:r>
-            <a:endParaRPr lang="en-US" sz="2100" b="1" dirty="0"/>
-          </a:p>
-          <a:p>
-            <a:pPr lvl="1"/>
-            <a:r>
-              <a:rPr lang="en-US" sz="2100" b="1" dirty="0"/>
-              <a:t>if (("a" in window) == false) {</a:t>
-            </a:r>
-          </a:p>
-          <a:p>
-            <a:pPr lvl="1"/>
-            <a:r>
-              <a:rPr lang="en-US" sz="2100" b="1" dirty="0"/>
-              <a:t>    </a:t>
-            </a:r>
-            <a:r>
-              <a:rPr lang="en-US" sz="2100" b="1" dirty="0" err="1"/>
-              <a:t>var</a:t>
-            </a:r>
-            <a:r>
-              <a:rPr lang="en-US" sz="2100" b="1" dirty="0"/>
-              <a:t> a = 1; </a:t>
-            </a:r>
-          </a:p>
-          <a:p>
-            <a:pPr lvl="1"/>
-            <a:r>
-              <a:rPr lang="en-US" sz="2100" b="1" dirty="0"/>
-              <a:t>}</a:t>
-            </a:r>
-          </a:p>
-          <a:p>
-            <a:pPr lvl="1"/>
-            <a:r>
-              <a:rPr lang="en-US" sz="2100" b="1" dirty="0"/>
-              <a:t>alert(a);</a:t>
-            </a:r>
-          </a:p>
-          <a:p>
-            <a:r>
-              <a:rPr lang="en-US" sz="2100" b="1" dirty="0">
-                <a:solidFill>
-                  <a:schemeClr val="bg1">
-                    <a:lumMod val="50000"/>
-                  </a:schemeClr>
-                </a:solidFill>
-              </a:rPr>
-              <a:t>&lt;/script&gt;</a:t>
-            </a:r>
+              <a:rPr lang="en-US" dirty="0"/>
+              <a:t>immediately invoked function </a:t>
+            </a:r>
+            <a:r>
+              <a:rPr lang="en-US" dirty="0" smtClean="0"/>
+              <a:t>expression and ES6 Modules</a:t>
+            </a:r>
+            <a:r>
+              <a:rPr lang="en-US" dirty="0" smtClean="0"/>
+              <a:t/>
+            </a:r>
+            <a:br>
+              <a:rPr lang="en-US" dirty="0" smtClean="0"/>
+            </a:br>
+            <a:r>
+              <a:rPr lang="en-US" dirty="0" smtClean="0"/>
+              <a:t>in next </a:t>
+            </a:r>
+            <a:r>
+              <a:rPr lang="en-US" dirty="0" smtClean="0"/>
+              <a:t>lectures</a:t>
+            </a:r>
+            <a:endParaRPr lang="en-US" dirty="0"/>
           </a:p>
         </p:txBody>
       </p:sp>
     </p:spTree>
     <p:extLst>
       <p:ext uri="{BB962C8B-B14F-4D97-AF65-F5344CB8AC3E}">
-        <p14:creationId xmlns:p14="http://schemas.microsoft.com/office/powerpoint/2010/main" val="1403691241"/>
+        <p14:creationId xmlns:p14="http://schemas.microsoft.com/office/powerpoint/2010/main" val="1119315124"/>
       </p:ext>
     </p:extLst>
   </p:cSld>
   <p:clrMapOvr>
     <a:masterClrMapping/>
   </p:clrMapOvr>
-  <p:transition/>
   <p:timing>
     <p:tnLst>
       <p:par>
@@ -13191,43 +12671,70 @@
           <a:bodyPr/>
           <a:lstStyle/>
           <a:p>
-            <a:endParaRPr lang="en-US"/>
+            <a:r>
+              <a:rPr lang="en-US" dirty="0" smtClean="0"/>
+              <a:t>Example</a:t>
+            </a:r>
+            <a:endParaRPr lang="en-US" dirty="0"/>
           </a:p>
         </p:txBody>
       </p:sp>
-      <p:pic>
-        <p:nvPicPr>
-          <p:cNvPr id="4" name="Content Placeholder 3"/>
-          <p:cNvPicPr>
-            <a:picLocks noGrp="1" noChangeAspect="1"/>
-          </p:cNvPicPr>
+      <p:sp>
+        <p:nvSpPr>
+          <p:cNvPr id="3" name="Content Placeholder 2"/>
+          <p:cNvSpPr>
+            <a:spLocks noGrp="1"/>
+          </p:cNvSpPr>
           <p:nvPr>
             <p:ph idx="1"/>
           </p:nvPr>
-        </p:nvPicPr>
-        <p:blipFill>
-          <a:blip r:embed="rId2">
-            <a:extLst>
-              <a:ext uri="{28A0092B-C50C-407E-A947-70E740481C1C}">
-                <a14:useLocalDpi xmlns:a14="http://schemas.microsoft.com/office/drawing/2010/main" val="0"/>
-              </a:ext>
-            </a:extLst>
-          </a:blip>
-          <a:stretch>
-            <a:fillRect/>
-          </a:stretch>
-        </p:blipFill>
-        <p:spPr>
-          <a:xfrm>
-            <a:off x="0" y="844325"/>
-            <a:ext cx="9144000" cy="5143500"/>
-          </a:xfrm>
-        </p:spPr>
-      </p:pic>
+        </p:nvSpPr>
+        <p:spPr/>
+        <p:txBody>
+          <a:bodyPr/>
+          <a:lstStyle/>
+          <a:p>
+            <a:pPr marL="0" indent="0">
+              <a:buNone/>
+            </a:pPr>
+            <a:r>
+              <a:rPr lang="en-US" dirty="0" err="1" smtClean="0"/>
+              <a:t>var</a:t>
+            </a:r>
+            <a:r>
+              <a:rPr lang="en-US" dirty="0" smtClean="0"/>
+              <a:t> a = 2;</a:t>
+            </a:r>
+          </a:p>
+          <a:p>
+            <a:pPr marL="0" indent="0">
+              <a:buNone/>
+            </a:pPr>
+            <a:r>
+              <a:rPr lang="en-US" dirty="0" err="1" smtClean="0"/>
+              <a:t>var</a:t>
+            </a:r>
+            <a:r>
+              <a:rPr lang="en-US" dirty="0" smtClean="0"/>
+              <a:t> b = 2;</a:t>
+            </a:r>
+          </a:p>
+          <a:p>
+            <a:pPr marL="0" indent="0">
+              <a:buNone/>
+            </a:pPr>
+            <a:r>
+              <a:rPr lang="en-US" smtClean="0"/>
+              <a:t>console.log(a + b);</a:t>
+            </a:r>
+            <a:endParaRPr lang="en-US" dirty="0"/>
+          </a:p>
+        </p:txBody>
+      </p:sp>
     </p:spTree>
     <p:extLst>
       <p:ext uri="{BB962C8B-B14F-4D97-AF65-F5344CB8AC3E}">
-        <p14:creationId xmlns:p14="http://schemas.microsoft.com/office/powerpoint/2010/main" val="2628927156"/>
+        <p14:creationId xmlns:p14="http://schemas.microsoft.com/office/powerpoint/2010/main" val="3039457878"/>
       </p:ext>
     </p:extLst>
   </p:cSld>
@@ -13263,822 +12770,6 @@
       </p:grpSpPr>
       <p:sp>
         <p:nvSpPr>
-          <p:cNvPr id="2" name="Title 1"/>
-          <p:cNvSpPr>
-            <a:spLocks noGrp="1"/>
-          </p:cNvSpPr>
-          <p:nvPr>
-            <p:ph type="title"/>
-          </p:nvPr>
-        </p:nvSpPr>
-        <p:spPr/>
-        <p:txBody>
-          <a:bodyPr/>
-          <a:lstStyle/>
-          <a:p>
-            <a:r>
-              <a:rPr lang="en-US" dirty="0" smtClean="0"/>
-              <a:t>Working with global</a:t>
-            </a:r>
-            <a:endParaRPr lang="en-US" dirty="0"/>
-          </a:p>
-        </p:txBody>
-      </p:sp>
-      <p:sp>
-        <p:nvSpPr>
-          <p:cNvPr id="4" name="Rectangle 1"/>
-          <p:cNvSpPr>
-            <a:spLocks noGrp="1" noChangeArrowheads="1"/>
-          </p:cNvSpPr>
-          <p:nvPr>
-            <p:ph idx="1"/>
-          </p:nvPr>
-        </p:nvSpPr>
-        <p:spPr bwMode="auto">
-          <a:xfrm>
-            <a:off x="251520" y="1556792"/>
-            <a:ext cx="4536504" cy="2769989"/>
-          </a:xfrm>
-          <a:prstGeom prst="rect">
-            <a:avLst/>
-          </a:prstGeom>
-          <a:noFill/>
-          <a:ln>
-            <a:noFill/>
-          </a:ln>
-          <a:effectLst/>
-          <a:extLst>
-            <a:ext uri="{909E8E84-426E-40DD-AFC4-6F175D3DCCD1}">
-              <a14:hiddenFill xmlns:a14="http://schemas.microsoft.com/office/drawing/2010/main">
-                <a:solidFill>
-                  <a:schemeClr val="accent1"/>
-                </a:solidFill>
-              </a14:hiddenFill>
-            </a:ext>
-            <a:ext uri="{91240B29-F687-4F45-9708-019B960494DF}">
-              <a14:hiddenLine xmlns:a14="http://schemas.microsoft.com/office/drawing/2010/main" w="9525">
-                <a:solidFill>
-                  <a:schemeClr val="tx1"/>
-                </a:solidFill>
-                <a:miter lim="800000"/>
-                <a:headEnd/>
-                <a:tailEnd/>
-              </a14:hiddenLine>
-            </a:ext>
-            <a:ext uri="{AF507438-7753-43E0-B8FC-AC1667EBCBE1}">
-              <a14:hiddenEffects xmlns:a14="http://schemas.microsoft.com/office/drawing/2010/main">
-                <a:effectLst>
-                  <a:outerShdw dist="35921" dir="2700000" algn="ctr" rotWithShape="0">
-                    <a:schemeClr val="bg2"/>
-                  </a:outerShdw>
-                </a:effectLst>
-              </a14:hiddenEffects>
-            </a:ext>
-          </a:extLst>
-        </p:spPr>
-        <p:txBody>
-          <a:bodyPr vert="horz" wrap="square" lIns="0" tIns="0" rIns="0" bIns="0" numCol="1" anchor="ctr" anchorCtr="0" compatLnSpc="1">
-            <a:prstTxWarp prst="textNoShape">
-              <a:avLst/>
-            </a:prstTxWarp>
-            <a:spAutoFit/>
-          </a:bodyPr>
-          <a:lstStyle/>
-          <a:p>
-            <a:pPr marL="0" marR="0" lvl="0" indent="0" algn="l" defTabSz="914400" rtl="0" eaLnBrk="0" fontAlgn="base" latinLnBrk="0" hangingPunct="0">
-              <a:lnSpc>
-                <a:spcPct val="100000"/>
-              </a:lnSpc>
-              <a:spcBef>
-                <a:spcPct val="0"/>
-              </a:spcBef>
-              <a:spcAft>
-                <a:spcPct val="0"/>
-              </a:spcAft>
-              <a:buClrTx/>
-              <a:buSzTx/>
-              <a:buFontTx/>
-              <a:buNone/>
-              <a:tabLst/>
-            </a:pPr>
-            <a:r>
-              <a:rPr kumimoji="0" lang="en-US" altLang="en-US" sz="2000" b="0" i="0" u="none" strike="noStrike" cap="none" normalizeH="0" baseline="0" dirty="0" err="1" smtClean="0">
-                <a:ln>
-                  <a:noFill/>
-                </a:ln>
-                <a:effectLst/>
-                <a:latin typeface="Ubuntu Mono"/>
-              </a:rPr>
-              <a:t>window.foo</a:t>
-            </a:r>
-            <a:endParaRPr kumimoji="0" lang="en-US" altLang="en-US" sz="2000" b="0" i="0" u="none" strike="noStrike" cap="none" normalizeH="0" baseline="0" dirty="0" smtClean="0">
-              <a:ln>
-                <a:noFill/>
-              </a:ln>
-              <a:effectLst/>
-              <a:latin typeface="Ubuntu Mono"/>
-            </a:endParaRPr>
-          </a:p>
-          <a:p>
-            <a:pPr marL="0" marR="0" lvl="0" indent="0" algn="l" defTabSz="914400" rtl="0" eaLnBrk="0" fontAlgn="base" latinLnBrk="0" hangingPunct="0">
-              <a:lnSpc>
-                <a:spcPct val="100000"/>
-              </a:lnSpc>
-              <a:spcBef>
-                <a:spcPct val="0"/>
-              </a:spcBef>
-              <a:spcAft>
-                <a:spcPct val="0"/>
-              </a:spcAft>
-              <a:buClrTx/>
-              <a:buSzTx/>
-              <a:buFontTx/>
-              <a:buNone/>
-              <a:tabLst/>
-            </a:pPr>
-            <a:endParaRPr lang="en-US" altLang="en-US" sz="2000" dirty="0">
-              <a:latin typeface="Ubuntu Mono"/>
-            </a:endParaRPr>
-          </a:p>
-          <a:p>
-            <a:pPr marL="0" marR="0" lvl="0" indent="0" algn="l" defTabSz="914400" rtl="0" eaLnBrk="0" fontAlgn="base" latinLnBrk="0" hangingPunct="0">
-              <a:lnSpc>
-                <a:spcPct val="100000"/>
-              </a:lnSpc>
-              <a:spcBef>
-                <a:spcPct val="0"/>
-              </a:spcBef>
-              <a:spcAft>
-                <a:spcPct val="0"/>
-              </a:spcAft>
-              <a:buClrTx/>
-              <a:buSzTx/>
-              <a:buFontTx/>
-              <a:buNone/>
-              <a:tabLst/>
-            </a:pPr>
-            <a:r>
-              <a:rPr lang="en-US" altLang="en-US" sz="2000" dirty="0">
-                <a:latin typeface="Ubuntu Mono"/>
-              </a:rPr>
-              <a:t>i</a:t>
-            </a:r>
-            <a:r>
-              <a:rPr kumimoji="0" lang="en-US" altLang="en-US" sz="2000" b="0" i="0" u="none" strike="noStrike" cap="none" normalizeH="0" baseline="0" dirty="0" smtClean="0">
-                <a:ln>
-                  <a:noFill/>
-                </a:ln>
-                <a:effectLst/>
-                <a:latin typeface="Ubuntu Mono"/>
-              </a:rPr>
-              <a:t>f (</a:t>
-            </a:r>
-            <a:r>
-              <a:rPr kumimoji="0" lang="en-US" altLang="en-US" sz="2000" b="0" i="0" u="none" strike="noStrike" cap="none" normalizeH="0" baseline="0" dirty="0" err="1" smtClean="0">
-                <a:ln>
-                  <a:noFill/>
-                </a:ln>
-                <a:effectLst/>
-                <a:latin typeface="Ubuntu Mono"/>
-              </a:rPr>
-              <a:t>window.foo</a:t>
-            </a:r>
-            <a:r>
-              <a:rPr kumimoji="0" lang="en-US" altLang="en-US" sz="2000" b="0" i="0" u="none" strike="noStrike" cap="none" normalizeH="0" baseline="0" dirty="0" smtClean="0">
-                <a:ln>
-                  <a:noFill/>
-                </a:ln>
-                <a:effectLst/>
-                <a:latin typeface="Ubuntu Mono"/>
-              </a:rPr>
-              <a:t>) { … }</a:t>
-            </a:r>
-          </a:p>
-          <a:p>
-            <a:pPr marL="0" indent="0" eaLnBrk="0" fontAlgn="base" hangingPunct="0">
-              <a:spcBef>
-                <a:spcPct val="0"/>
-              </a:spcBef>
-              <a:spcAft>
-                <a:spcPct val="0"/>
-              </a:spcAft>
-              <a:buNone/>
-            </a:pPr>
-            <a:r>
-              <a:rPr lang="en-US" altLang="en-US" sz="2000" dirty="0">
-                <a:latin typeface="Ubuntu Mono"/>
-              </a:rPr>
-              <a:t>if </a:t>
-            </a:r>
-            <a:r>
-              <a:rPr lang="en-US" altLang="en-US" sz="2000" dirty="0" smtClean="0">
-                <a:latin typeface="Ubuntu Mono"/>
-              </a:rPr>
-              <a:t>(“foo” in window) </a:t>
-            </a:r>
-            <a:r>
-              <a:rPr lang="en-US" altLang="en-US" sz="2000" dirty="0">
-                <a:latin typeface="Ubuntu Mono"/>
-              </a:rPr>
-              <a:t>{ … </a:t>
-            </a:r>
-            <a:r>
-              <a:rPr lang="en-US" altLang="en-US" sz="2000" dirty="0" smtClean="0">
-                <a:latin typeface="Ubuntu Mono"/>
-              </a:rPr>
-              <a:t>}</a:t>
-            </a:r>
-          </a:p>
-          <a:p>
-            <a:pPr marL="0" indent="0" eaLnBrk="0" fontAlgn="base" hangingPunct="0">
-              <a:spcBef>
-                <a:spcPct val="0"/>
-              </a:spcBef>
-              <a:spcAft>
-                <a:spcPct val="0"/>
-              </a:spcAft>
-              <a:buNone/>
-            </a:pPr>
-            <a:r>
-              <a:rPr lang="en-US" altLang="en-US" sz="2000" dirty="0">
-                <a:latin typeface="Ubuntu Mono"/>
-              </a:rPr>
-              <a:t>i</a:t>
-            </a:r>
-            <a:r>
-              <a:rPr lang="en-US" altLang="en-US" sz="2000" dirty="0" smtClean="0">
-                <a:latin typeface="Ubuntu Mono"/>
-              </a:rPr>
-              <a:t>f (</a:t>
-            </a:r>
-            <a:r>
-              <a:rPr lang="en-US" altLang="en-US" sz="2000" dirty="0" err="1" smtClean="0">
-                <a:latin typeface="Ubuntu Mono"/>
-              </a:rPr>
-              <a:t>typeof</a:t>
-            </a:r>
-            <a:r>
-              <a:rPr lang="en-US" altLang="en-US" sz="2000" dirty="0" smtClean="0">
-                <a:latin typeface="Ubuntu Mono"/>
-              </a:rPr>
-              <a:t> “foo” !== “undefined”) { … }</a:t>
-            </a:r>
-            <a:endParaRPr lang="en-US" altLang="en-US" sz="2000" dirty="0">
-              <a:latin typeface="Ubuntu Mono"/>
-            </a:endParaRPr>
-          </a:p>
-          <a:p>
-            <a:pPr marL="0" marR="0" lvl="0" indent="0" algn="l" defTabSz="914400" rtl="0" eaLnBrk="0" fontAlgn="base" latinLnBrk="0" hangingPunct="0">
-              <a:lnSpc>
-                <a:spcPct val="100000"/>
-              </a:lnSpc>
-              <a:spcBef>
-                <a:spcPct val="0"/>
-              </a:spcBef>
-              <a:spcAft>
-                <a:spcPct val="0"/>
-              </a:spcAft>
-              <a:buClrTx/>
-              <a:buSzTx/>
-              <a:buFontTx/>
-              <a:buNone/>
-              <a:tabLst/>
-            </a:pPr>
-            <a:endParaRPr kumimoji="0" lang="en-US" altLang="en-US" sz="2000" b="0" i="0" u="none" strike="noStrike" cap="none" normalizeH="0" baseline="0" dirty="0" smtClean="0">
-              <a:ln>
-                <a:noFill/>
-              </a:ln>
-              <a:effectLst/>
-              <a:latin typeface="Ubuntu Mono"/>
-            </a:endParaRPr>
-          </a:p>
-          <a:p>
-            <a:pPr marL="0" marR="0" lvl="0" indent="0" algn="l" defTabSz="914400" rtl="0" eaLnBrk="0" fontAlgn="base" latinLnBrk="0" hangingPunct="0">
-              <a:lnSpc>
-                <a:spcPct val="100000"/>
-              </a:lnSpc>
-              <a:spcBef>
-                <a:spcPct val="0"/>
-              </a:spcBef>
-              <a:spcAft>
-                <a:spcPct val="0"/>
-              </a:spcAft>
-              <a:buClrTx/>
-              <a:buSzTx/>
-              <a:buFontTx/>
-              <a:buNone/>
-              <a:tabLst/>
-            </a:pPr>
-            <a:endParaRPr kumimoji="0" lang="en-US" altLang="en-US" sz="2000" b="0" i="0" u="none" strike="noStrike" cap="none" normalizeH="0" baseline="0" dirty="0" smtClean="0">
-              <a:ln>
-                <a:noFill/>
-              </a:ln>
-              <a:effectLst/>
-              <a:latin typeface="Ubuntu Mono"/>
-            </a:endParaRPr>
-          </a:p>
-          <a:p>
-            <a:pPr marL="0" marR="0" lvl="0" indent="0" algn="l" defTabSz="914400" rtl="0" eaLnBrk="0" fontAlgn="base" latinLnBrk="0" hangingPunct="0">
-              <a:lnSpc>
-                <a:spcPct val="100000"/>
-              </a:lnSpc>
-              <a:spcBef>
-                <a:spcPct val="0"/>
-              </a:spcBef>
-              <a:spcAft>
-                <a:spcPct val="0"/>
-              </a:spcAft>
-              <a:buClrTx/>
-              <a:buSzTx/>
-              <a:buFontTx/>
-              <a:buNone/>
-              <a:tabLst/>
-            </a:pPr>
-            <a:endParaRPr lang="en-US" altLang="en-US" sz="2000" dirty="0">
-              <a:latin typeface="Ubuntu Mono"/>
-            </a:endParaRPr>
-          </a:p>
-          <a:p>
-            <a:pPr marL="0" marR="0" lvl="0" indent="0" algn="l" defTabSz="914400" rtl="0" eaLnBrk="0" fontAlgn="base" latinLnBrk="0" hangingPunct="0">
-              <a:lnSpc>
-                <a:spcPct val="100000"/>
-              </a:lnSpc>
-              <a:spcBef>
-                <a:spcPct val="0"/>
-              </a:spcBef>
-              <a:spcAft>
-                <a:spcPct val="0"/>
-              </a:spcAft>
-              <a:buClrTx/>
-              <a:buSzTx/>
-              <a:buFontTx/>
-              <a:buNone/>
-              <a:tabLst/>
-            </a:pPr>
-            <a:r>
-              <a:rPr kumimoji="0" lang="en-US" altLang="en-US" sz="2000" b="0" i="0" u="none" strike="noStrike" cap="none" normalizeH="0" baseline="0" dirty="0" smtClean="0">
-                <a:ln>
-                  <a:noFill/>
-                </a:ln>
-                <a:effectLst/>
-              </a:rPr>
-              <a:t> </a:t>
-            </a:r>
-            <a:endParaRPr kumimoji="0" lang="en-US" altLang="en-US" sz="2000" b="0" i="0" u="none" strike="noStrike" cap="none" normalizeH="0" baseline="0" dirty="0" smtClean="0">
-              <a:ln>
-                <a:noFill/>
-              </a:ln>
-              <a:effectLst/>
-              <a:latin typeface="Arial" panose="020B0604020202020204" pitchFamily="34" charset="0"/>
-            </a:endParaRPr>
-          </a:p>
-        </p:txBody>
-      </p:sp>
-    </p:spTree>
-    <p:extLst>
-      <p:ext uri="{BB962C8B-B14F-4D97-AF65-F5344CB8AC3E}">
-        <p14:creationId xmlns:p14="http://schemas.microsoft.com/office/powerpoint/2010/main" val="91426937"/>
-      </p:ext>
-    </p:extLst>
-  </p:cSld>
-  <p:clrMapOvr>
-    <a:masterClrMapping/>
-  </p:clrMapOvr>
-  <p:timing>
-    <p:tnLst>
-      <p:par>
-        <p:cTn id="1" dur="indefinite" restart="never" nodeType="tmRoot"/>
-      </p:par>
-    </p:tnLst>
-  </p:timing>
-</p:sld>
-</file>
-
-<file path=ppt/slides/slide31.xml><?xml version="1.0" encoding="utf-8"?>
-<p:sld xmlns:a="http://schemas.openxmlformats.org/drawingml/2006/main" xmlns:r="http://schemas.openxmlformats.org/officeDocument/2006/relationships" xmlns:p="http://schemas.openxmlformats.org/presentationml/2006/main">
-  <p:cSld>
-    <p:spTree>
-      <p:nvGrpSpPr>
-        <p:cNvPr id="1" name=""/>
-        <p:cNvGrpSpPr/>
-        <p:nvPr/>
-      </p:nvGrpSpPr>
-      <p:grpSpPr>
-        <a:xfrm>
-          <a:off x="0" y="0"/>
-          <a:ext cx="0" cy="0"/>
-          <a:chOff x="0" y="0"/>
-          <a:chExt cx="0" cy="0"/>
-        </a:xfrm>
-      </p:grpSpPr>
-      <p:sp>
-        <p:nvSpPr>
-          <p:cNvPr id="2" name="Заголовок 1"/>
-          <p:cNvSpPr>
-            <a:spLocks noGrp="1"/>
-          </p:cNvSpPr>
-          <p:nvPr>
-            <p:ph type="ctrTitle"/>
-          </p:nvPr>
-        </p:nvSpPr>
-        <p:spPr>
-          <a:xfrm>
-            <a:off x="1625183" y="964389"/>
-            <a:ext cx="5829300" cy="396480"/>
-          </a:xfrm>
-        </p:spPr>
-        <p:txBody>
-          <a:bodyPr>
-            <a:normAutofit fontScale="90000"/>
-          </a:bodyPr>
-          <a:lstStyle/>
-          <a:p>
-            <a:r>
-              <a:rPr lang="en-US" b="1" dirty="0" smtClean="0">
-                <a:solidFill>
-                  <a:schemeClr val="tx1">
-                    <a:lumMod val="65000"/>
-                    <a:lumOff val="35000"/>
-                  </a:schemeClr>
-                </a:solidFill>
-              </a:rPr>
-              <a:t>Namespaces</a:t>
-            </a:r>
-            <a:endParaRPr lang="en-US" b="1" dirty="0">
-              <a:solidFill>
-                <a:schemeClr val="tx1">
-                  <a:lumMod val="65000"/>
-                  <a:lumOff val="35000"/>
-                </a:schemeClr>
-              </a:solidFill>
-            </a:endParaRPr>
-          </a:p>
-        </p:txBody>
-      </p:sp>
-      <p:sp>
-        <p:nvSpPr>
-          <p:cNvPr id="5" name="Заголовок 1"/>
-          <p:cNvSpPr txBox="1">
-            <a:spLocks/>
-          </p:cNvSpPr>
-          <p:nvPr/>
-        </p:nvSpPr>
-        <p:spPr>
-          <a:xfrm>
-            <a:off x="1571604" y="1821645"/>
-            <a:ext cx="5829300" cy="2839661"/>
-          </a:xfrm>
-          <a:prstGeom prst="rect">
-            <a:avLst/>
-          </a:prstGeom>
-        </p:spPr>
-        <p:txBody>
-          <a:bodyPr vert="horz" lIns="68580" tIns="34290" rIns="68580" bIns="34290" rtlCol="0" anchor="ctr">
-            <a:normAutofit/>
-          </a:bodyPr>
-          <a:lstStyle/>
-          <a:p>
-            <a:pPr>
-              <a:spcBef>
-                <a:spcPct val="0"/>
-              </a:spcBef>
-            </a:pPr>
-            <a:endParaRPr lang="be-BY" sz="1350"/>
-          </a:p>
-          <a:p>
-            <a:pPr>
-              <a:spcBef>
-                <a:spcPct val="0"/>
-              </a:spcBef>
-              <a:defRPr/>
-            </a:pPr>
-            <a:endParaRPr lang="be-BY" sz="3300" dirty="0">
-              <a:latin typeface="+mj-lt"/>
-              <a:ea typeface="+mj-ea"/>
-              <a:cs typeface="+mj-cs"/>
-            </a:endParaRPr>
-          </a:p>
-        </p:txBody>
-      </p:sp>
-      <p:sp>
-        <p:nvSpPr>
-          <p:cNvPr id="10" name="Rectangle 9"/>
-          <p:cNvSpPr/>
-          <p:nvPr/>
-        </p:nvSpPr>
-        <p:spPr>
-          <a:xfrm>
-            <a:off x="467544" y="1607332"/>
-            <a:ext cx="8136904" cy="2677656"/>
-          </a:xfrm>
-          <a:prstGeom prst="rect">
-            <a:avLst/>
-          </a:prstGeom>
-        </p:spPr>
-        <p:style>
-          <a:lnRef idx="1">
-            <a:schemeClr val="dk1"/>
-          </a:lnRef>
-          <a:fillRef idx="1001">
-            <a:schemeClr val="lt2"/>
-          </a:fillRef>
-          <a:effectRef idx="1">
-            <a:schemeClr val="dk1"/>
-          </a:effectRef>
-          <a:fontRef idx="minor">
-            <a:schemeClr val="dk1"/>
-          </a:fontRef>
-        </p:style>
-        <p:txBody>
-          <a:bodyPr wrap="square">
-            <a:spAutoFit/>
-          </a:bodyPr>
-          <a:lstStyle/>
-          <a:p>
-            <a:r>
-              <a:rPr lang="en-US" sz="2400" b="1" dirty="0"/>
-              <a:t>if (</a:t>
-            </a:r>
-            <a:r>
-              <a:rPr lang="en-US" sz="2400" b="1" dirty="0" err="1">
-                <a:solidFill>
-                  <a:srgbClr val="0070C0"/>
-                </a:solidFill>
-              </a:rPr>
-              <a:t>window</a:t>
-            </a:r>
-            <a:r>
-              <a:rPr lang="en-US" sz="2400" b="1" dirty="0" err="1"/>
-              <a:t>.</a:t>
-            </a:r>
-            <a:r>
-              <a:rPr lang="en-US" sz="2400" b="1" dirty="0" err="1">
-                <a:solidFill>
-                  <a:schemeClr val="accent6">
-                    <a:lumMod val="75000"/>
-                  </a:schemeClr>
-                </a:solidFill>
-              </a:rPr>
-              <a:t>myNamespace</a:t>
-            </a:r>
-            <a:r>
-              <a:rPr lang="en-US" sz="2400" b="1" dirty="0"/>
-              <a:t> == </a:t>
-            </a:r>
-            <a:r>
-              <a:rPr lang="en-US" sz="2400" b="1" dirty="0">
-                <a:solidFill>
-                  <a:srgbClr val="00B050"/>
-                </a:solidFill>
-              </a:rPr>
-              <a:t>null</a:t>
-            </a:r>
-            <a:r>
-              <a:rPr lang="en-US" sz="2400" b="1" dirty="0"/>
-              <a:t>){</a:t>
-            </a:r>
-          </a:p>
-          <a:p>
-            <a:r>
-              <a:rPr lang="en-US" sz="2400" b="1" dirty="0"/>
-              <a:t>	</a:t>
-            </a:r>
-            <a:r>
-              <a:rPr lang="en-US" sz="2400" b="1" dirty="0" err="1">
-                <a:solidFill>
-                  <a:srgbClr val="0070C0"/>
-                </a:solidFill>
-              </a:rPr>
-              <a:t>window</a:t>
-            </a:r>
-            <a:r>
-              <a:rPr lang="en-US" sz="2400" b="1" dirty="0" err="1"/>
-              <a:t>.</a:t>
-            </a:r>
-            <a:r>
-              <a:rPr lang="en-US" sz="2400" b="1" dirty="0" err="1">
-                <a:solidFill>
-                  <a:schemeClr val="accent6">
-                    <a:lumMod val="75000"/>
-                  </a:schemeClr>
-                </a:solidFill>
-              </a:rPr>
-              <a:t>myNamespace</a:t>
-            </a:r>
-            <a:r>
-              <a:rPr lang="en-US" sz="2400" b="1" dirty="0"/>
-              <a:t> = {}; 	</a:t>
-            </a:r>
-          </a:p>
-          <a:p>
-            <a:r>
-              <a:rPr lang="en-US" sz="2400" b="1" dirty="0"/>
-              <a:t>}</a:t>
-            </a:r>
-          </a:p>
-          <a:p>
-            <a:endParaRPr lang="en-US" sz="2400" b="1" dirty="0"/>
-          </a:p>
-          <a:p>
-            <a:r>
-              <a:rPr lang="en-US" sz="2400" b="1" dirty="0" err="1">
-                <a:solidFill>
-                  <a:srgbClr val="0070C0"/>
-                </a:solidFill>
-              </a:rPr>
-              <a:t>window</a:t>
-            </a:r>
-            <a:r>
-              <a:rPr lang="en-US" sz="2400" b="1" dirty="0" err="1"/>
-              <a:t>.</a:t>
-            </a:r>
-            <a:r>
-              <a:rPr lang="en-US" sz="2400" b="1" dirty="0" err="1">
-                <a:solidFill>
-                  <a:schemeClr val="accent6">
-                    <a:lumMod val="75000"/>
-                  </a:schemeClr>
-                </a:solidFill>
-              </a:rPr>
-              <a:t>myNamespace</a:t>
-            </a:r>
-            <a:r>
-              <a:rPr lang="en-US" sz="2400" b="1" dirty="0" err="1"/>
-              <a:t>.</a:t>
-            </a:r>
-            <a:r>
-              <a:rPr lang="en-US" sz="2400" b="1" dirty="0" err="1">
-                <a:solidFill>
-                  <a:srgbClr val="0070C0"/>
-                </a:solidFill>
-              </a:rPr>
-              <a:t>myFunction</a:t>
-            </a:r>
-            <a:r>
-              <a:rPr lang="en-US" sz="2400" b="1" dirty="0">
-                <a:solidFill>
-                  <a:srgbClr val="0070C0"/>
-                </a:solidFill>
-              </a:rPr>
-              <a:t> </a:t>
-            </a:r>
-            <a:r>
-              <a:rPr lang="en-US" sz="2400" b="1" dirty="0"/>
-              <a:t>= function(</a:t>
-            </a:r>
-            <a:r>
-              <a:rPr lang="en-US" sz="2400" dirty="0"/>
-              <a:t>/* </a:t>
-            </a:r>
-            <a:r>
-              <a:rPr lang="en-US" sz="2400" dirty="0" err="1"/>
-              <a:t>params</a:t>
-            </a:r>
-            <a:r>
-              <a:rPr lang="en-US" sz="2400" dirty="0"/>
-              <a:t>*/ </a:t>
-            </a:r>
-            <a:r>
-              <a:rPr lang="en-US" sz="2400" b="1" dirty="0"/>
-              <a:t>) {</a:t>
-            </a:r>
-          </a:p>
-          <a:p>
-            <a:r>
-              <a:rPr lang="en-US" sz="2400" b="1" dirty="0"/>
-              <a:t>	</a:t>
-            </a:r>
-            <a:r>
-              <a:rPr lang="en-US" sz="2400" dirty="0"/>
-              <a:t>/* code here */ </a:t>
-            </a:r>
-          </a:p>
-          <a:p>
-            <a:r>
-              <a:rPr lang="en-US" sz="2400" b="1" dirty="0"/>
-              <a:t>};</a:t>
-            </a:r>
-          </a:p>
-        </p:txBody>
-      </p:sp>
-    </p:spTree>
-    <p:extLst>
-      <p:ext uri="{BB962C8B-B14F-4D97-AF65-F5344CB8AC3E}">
-        <p14:creationId xmlns:p14="http://schemas.microsoft.com/office/powerpoint/2010/main" val="3154139996"/>
-      </p:ext>
-    </p:extLst>
-  </p:cSld>
-  <p:clrMapOvr>
-    <a:masterClrMapping/>
-  </p:clrMapOvr>
-  <p:transition/>
-  <p:timing>
-    <p:tnLst>
-      <p:par>
-        <p:cTn id="1" dur="indefinite" restart="never" nodeType="tmRoot"/>
-      </p:par>
-    </p:tnLst>
-  </p:timing>
-</p:sld>
-</file>
-
-<file path=ppt/slides/slide32.xml><?xml version="1.0" encoding="utf-8"?>
-<p:sld xmlns:a="http://schemas.openxmlformats.org/drawingml/2006/main" xmlns:r="http://schemas.openxmlformats.org/officeDocument/2006/relationships" xmlns:p="http://schemas.openxmlformats.org/presentationml/2006/main">
-  <p:cSld>
-    <p:spTree>
-      <p:nvGrpSpPr>
-        <p:cNvPr id="1" name=""/>
-        <p:cNvGrpSpPr/>
-        <p:nvPr/>
-      </p:nvGrpSpPr>
-      <p:grpSpPr>
-        <a:xfrm>
-          <a:off x="0" y="0"/>
-          <a:ext cx="0" cy="0"/>
-          <a:chOff x="0" y="0"/>
-          <a:chExt cx="0" cy="0"/>
-        </a:xfrm>
-      </p:grpSpPr>
-      <p:sp>
-        <p:nvSpPr>
-          <p:cNvPr id="2" name="Title 1"/>
-          <p:cNvSpPr>
-            <a:spLocks noGrp="1"/>
-          </p:cNvSpPr>
-          <p:nvPr>
-            <p:ph type="title"/>
-          </p:nvPr>
-        </p:nvSpPr>
-        <p:spPr>
-          <a:xfrm>
-            <a:off x="251520" y="2348880"/>
-            <a:ext cx="8229600" cy="1143000"/>
-          </a:xfrm>
-        </p:spPr>
-        <p:txBody>
-          <a:bodyPr>
-            <a:normAutofit fontScale="90000"/>
-          </a:bodyPr>
-          <a:lstStyle/>
-          <a:p>
-            <a:r>
-              <a:rPr lang="en-US" dirty="0"/>
-              <a:t>immediately invoked function </a:t>
-            </a:r>
-            <a:r>
-              <a:rPr lang="en-US" dirty="0" smtClean="0"/>
-              <a:t>expression</a:t>
-            </a:r>
-            <a:br>
-              <a:rPr lang="en-US" dirty="0" smtClean="0"/>
-            </a:br>
-            <a:r>
-              <a:rPr lang="en-US" dirty="0" smtClean="0"/>
-              <a:t>in next lecture</a:t>
-            </a:r>
-            <a:endParaRPr lang="en-US" dirty="0"/>
-          </a:p>
-        </p:txBody>
-      </p:sp>
-    </p:spTree>
-    <p:extLst>
-      <p:ext uri="{BB962C8B-B14F-4D97-AF65-F5344CB8AC3E}">
-        <p14:creationId xmlns:p14="http://schemas.microsoft.com/office/powerpoint/2010/main" val="1119315124"/>
-      </p:ext>
-    </p:extLst>
-  </p:cSld>
-  <p:clrMapOvr>
-    <a:masterClrMapping/>
-  </p:clrMapOvr>
-  <p:timing>
-    <p:tnLst>
-      <p:par>
-        <p:cTn id="1" dur="indefinite" restart="never" nodeType="tmRoot"/>
-      </p:par>
-    </p:tnLst>
-  </p:timing>
-</p:sld>
-</file>
-
-<file path=ppt/slides/slide33.xml><?xml version="1.0" encoding="utf-8"?>
-<p:sld xmlns:a="http://schemas.openxmlformats.org/drawingml/2006/main" xmlns:r="http://schemas.openxmlformats.org/officeDocument/2006/relationships" xmlns:p="http://schemas.openxmlformats.org/presentationml/2006/main">
-  <p:cSld>
-    <p:spTree>
-      <p:nvGrpSpPr>
-        <p:cNvPr id="1" name=""/>
-        <p:cNvGrpSpPr/>
-        <p:nvPr/>
-      </p:nvGrpSpPr>
-      <p:grpSpPr>
-        <a:xfrm>
-          <a:off x="0" y="0"/>
-          <a:ext cx="0" cy="0"/>
-          <a:chOff x="0" y="0"/>
-          <a:chExt cx="0" cy="0"/>
-        </a:xfrm>
-      </p:grpSpPr>
-      <p:sp>
-        <p:nvSpPr>
           <p:cNvPr id="2" name="Заголовок 1"/>
           <p:cNvSpPr>
             <a:spLocks noGrp="1"/>
@@ -14410,43 +13101,36 @@
           <a:bodyPr/>
           <a:lstStyle/>
           <a:p>
-            <a:endParaRPr lang="en-US" dirty="0"/>
+            <a:r>
+              <a:rPr lang="en-US" dirty="0"/>
+              <a:t>Recap of the previous lecture</a:t>
+            </a:r>
           </a:p>
         </p:txBody>
       </p:sp>
-      <p:pic>
-        <p:nvPicPr>
-          <p:cNvPr id="4" name="Content Placeholder 3"/>
-          <p:cNvPicPr>
-            <a:picLocks noGrp="1" noChangeAspect="1"/>
-          </p:cNvPicPr>
+      <p:sp>
+        <p:nvSpPr>
+          <p:cNvPr id="3" name="Content Placeholder 2"/>
+          <p:cNvSpPr>
+            <a:spLocks noGrp="1"/>
+          </p:cNvSpPr>
           <p:nvPr>
             <p:ph idx="1"/>
           </p:nvPr>
-        </p:nvPicPr>
-        <p:blipFill>
-          <a:blip r:embed="rId2">
-            <a:extLst>
-              <a:ext uri="{28A0092B-C50C-407E-A947-70E740481C1C}">
-                <a14:useLocalDpi xmlns:a14="http://schemas.microsoft.com/office/drawing/2010/main" val="0"/>
-              </a:ext>
-            </a:extLst>
-          </a:blip>
-          <a:stretch>
-            <a:fillRect/>
-          </a:stretch>
-        </p:blipFill>
-        <p:spPr>
-          <a:xfrm>
-            <a:off x="1691680" y="620688"/>
-            <a:ext cx="5616624" cy="4958888"/>
-          </a:xfrm>
-        </p:spPr>
-      </p:pic>
+        </p:nvSpPr>
+        <p:spPr/>
+        <p:txBody>
+          <a:bodyPr/>
+          <a:lstStyle/>
+          <a:p>
+            <a:endParaRPr lang="en-US"/>
+          </a:p>
+        </p:txBody>
+      </p:sp>
     </p:spTree>
     <p:extLst>
       <p:ext uri="{BB962C8B-B14F-4D97-AF65-F5344CB8AC3E}">
-        <p14:creationId xmlns:p14="http://schemas.microsoft.com/office/powerpoint/2010/main" val="2966640607"/>
+        <p14:creationId xmlns:p14="http://schemas.microsoft.com/office/powerpoint/2010/main" val="2577566049"/>
       </p:ext>
     </p:extLst>
   </p:cSld>
@@ -14490,66 +13174,19 @@
             <p:ph type="title"/>
           </p:nvPr>
         </p:nvSpPr>
-        <p:spPr/>
+        <p:spPr>
+          <a:xfrm>
+            <a:off x="395536" y="2636912"/>
+            <a:ext cx="8229600" cy="1143000"/>
+          </a:xfrm>
+        </p:spPr>
         <p:txBody>
           <a:bodyPr/>
           <a:lstStyle/>
           <a:p>
             <a:r>
               <a:rPr lang="en-US" dirty="0" smtClean="0"/>
-              <a:t>Example</a:t>
-            </a:r>
-            <a:endParaRPr lang="en-US" dirty="0"/>
-          </a:p>
-        </p:txBody>
-      </p:sp>
-      <p:sp>
-        <p:nvSpPr>
-          <p:cNvPr id="3" name="Content Placeholder 2"/>
-          <p:cNvSpPr>
-            <a:spLocks noGrp="1"/>
-          </p:cNvSpPr>
-          <p:nvPr>
-            <p:ph idx="1"/>
-          </p:nvPr>
-        </p:nvSpPr>
-        <p:spPr/>
-        <p:txBody>
-          <a:bodyPr/>
-          <a:lstStyle/>
-          <a:p>
-            <a:pPr marL="0" indent="0">
-              <a:buNone/>
-            </a:pPr>
-            <a:r>
-              <a:rPr lang="en-US" dirty="0" err="1" smtClean="0"/>
-              <a:t>var</a:t>
-            </a:r>
-            <a:r>
-              <a:rPr lang="en-US" dirty="0" smtClean="0"/>
-              <a:t> a = 2;</a:t>
-            </a:r>
-          </a:p>
-          <a:p>
-            <a:pPr marL="0" indent="0">
-              <a:buNone/>
-            </a:pPr>
-            <a:r>
-              <a:rPr lang="en-US" dirty="0" err="1" smtClean="0"/>
-              <a:t>var</a:t>
-            </a:r>
-            <a:r>
-              <a:rPr lang="en-US" dirty="0" smtClean="0"/>
-              <a:t> b = 2;</a:t>
-            </a:r>
-          </a:p>
-          <a:p>
-            <a:pPr marL="0" indent="0">
-              <a:buNone/>
-            </a:pPr>
-            <a:r>
-              <a:rPr lang="en-US" smtClean="0"/>
-              <a:t>console.log(a + b);</a:t>
+              <a:t>Scope in ES3 World</a:t>
             </a:r>
             <a:endParaRPr lang="en-US" dirty="0"/>
           </a:p>
@@ -14558,7 +13195,7 @@
     </p:spTree>
     <p:extLst>
       <p:ext uri="{BB962C8B-B14F-4D97-AF65-F5344CB8AC3E}">
-        <p14:creationId xmlns:p14="http://schemas.microsoft.com/office/powerpoint/2010/main" val="3039457878"/>
+        <p14:creationId xmlns:p14="http://schemas.microsoft.com/office/powerpoint/2010/main" val="229889959"/>
       </p:ext>
     </p:extLst>
   </p:cSld>
@@ -14609,34 +13246,344 @@
           <a:p>
             <a:r>
               <a:rPr lang="en-US" dirty="0"/>
-              <a:t>Recap of the previous lecture</a:t>
-            </a:r>
+              <a:t>The Scope of a </a:t>
+            </a:r>
+            <a:r>
+              <a:rPr lang="en-US" dirty="0" smtClean="0"/>
+              <a:t>Variable</a:t>
+            </a:r>
+            <a:endParaRPr lang="en-US" dirty="0"/>
           </a:p>
         </p:txBody>
       </p:sp>
       <p:sp>
         <p:nvSpPr>
-          <p:cNvPr id="3" name="Content Placeholder 2"/>
+          <p:cNvPr id="4" name="Rectangle 1"/>
           <p:cNvSpPr>
-            <a:spLocks noGrp="1"/>
+            <a:spLocks noGrp="1" noChangeArrowheads="1"/>
           </p:cNvSpPr>
           <p:nvPr>
             <p:ph idx="1"/>
           </p:nvPr>
         </p:nvSpPr>
-        <p:spPr/>
+        <p:spPr bwMode="auto">
+          <a:xfrm>
+            <a:off x="484630" y="1196752"/>
+            <a:ext cx="6336704" cy="2708434"/>
+          </a:xfrm>
+          <a:prstGeom prst="rect">
+            <a:avLst/>
+          </a:prstGeom>
+          <a:noFill/>
+          <a:ln>
+            <a:noFill/>
+          </a:ln>
+          <a:effectLst/>
+          <a:extLst>
+            <a:ext uri="{909E8E84-426E-40DD-AFC4-6F175D3DCCD1}">
+              <a14:hiddenFill xmlns:a14="http://schemas.microsoft.com/office/drawing/2010/main">
+                <a:solidFill>
+                  <a:schemeClr val="accent1"/>
+                </a:solidFill>
+              </a14:hiddenFill>
+            </a:ext>
+            <a:ext uri="{91240B29-F687-4F45-9708-019B960494DF}">
+              <a14:hiddenLine xmlns:a14="http://schemas.microsoft.com/office/drawing/2010/main" w="9525">
+                <a:solidFill>
+                  <a:schemeClr val="tx1"/>
+                </a:solidFill>
+                <a:miter lim="800000"/>
+                <a:headEnd/>
+                <a:tailEnd/>
+              </a14:hiddenLine>
+            </a:ext>
+            <a:ext uri="{AF507438-7753-43E0-B8FC-AC1667EBCBE1}">
+              <a14:hiddenEffects xmlns:a14="http://schemas.microsoft.com/office/drawing/2010/main">
+                <a:effectLst>
+                  <a:outerShdw dist="35921" dir="2700000" algn="ctr" rotWithShape="0">
+                    <a:schemeClr val="bg2"/>
+                  </a:outerShdw>
+                </a:effectLst>
+              </a14:hiddenEffects>
+            </a:ext>
+          </a:extLst>
+        </p:spPr>
         <p:txBody>
-          <a:bodyPr/>
+          <a:bodyPr vert="horz" wrap="square" lIns="0" tIns="0" rIns="0" bIns="0" numCol="1" rtlCol="0" anchor="ctr" anchorCtr="0" compatLnSpc="1">
+            <a:prstTxWarp prst="textNoShape">
+              <a:avLst/>
+            </a:prstTxWarp>
+            <a:spAutoFit/>
+          </a:bodyPr>
           <a:lstStyle/>
           <a:p>
-            <a:endParaRPr lang="en-US"/>
+            <a:pPr marL="0" indent="0" defTabSz="685800" eaLnBrk="0" fontAlgn="base" hangingPunct="0">
+              <a:spcBef>
+                <a:spcPct val="0"/>
+              </a:spcBef>
+              <a:spcAft>
+                <a:spcPct val="0"/>
+              </a:spcAft>
+              <a:buNone/>
+            </a:pPr>
+            <a:r>
+              <a:rPr kumimoji="0" lang="en-US" altLang="en-US" sz="2400" b="0" i="0" u="none" strike="noStrike" cap="none" normalizeH="0" baseline="0" dirty="0" smtClean="0">
+                <a:ln>
+                  <a:noFill/>
+                </a:ln>
+                <a:solidFill>
+                  <a:srgbClr val="000000"/>
+                </a:solidFill>
+                <a:effectLst/>
+                <a:latin typeface="Arial" panose="020B0604020202020204" pitchFamily="34" charset="0"/>
+                <a:cs typeface="Arial" panose="020B0604020202020204" pitchFamily="34" charset="0"/>
+              </a:rPr>
+              <a:t>The scope of a variable are the locations </a:t>
+            </a:r>
+          </a:p>
+          <a:p>
+            <a:pPr marL="0" indent="0" defTabSz="685800" eaLnBrk="0" fontAlgn="base" hangingPunct="0">
+              <a:spcBef>
+                <a:spcPct val="0"/>
+              </a:spcBef>
+              <a:spcAft>
+                <a:spcPct val="0"/>
+              </a:spcAft>
+              <a:buNone/>
+            </a:pPr>
+            <a:r>
+              <a:rPr kumimoji="0" lang="en-US" altLang="en-US" sz="2400" b="0" i="0" u="none" strike="noStrike" cap="none" normalizeH="0" baseline="0" dirty="0" smtClean="0">
+                <a:ln>
+                  <a:noFill/>
+                </a:ln>
+                <a:solidFill>
+                  <a:srgbClr val="000000"/>
+                </a:solidFill>
+                <a:effectLst/>
+                <a:latin typeface="Arial" panose="020B0604020202020204" pitchFamily="34" charset="0"/>
+                <a:cs typeface="Arial" panose="020B0604020202020204" pitchFamily="34" charset="0"/>
+              </a:rPr>
+              <a:t>where it is accessible.</a:t>
+            </a:r>
+          </a:p>
+          <a:p>
+            <a:pPr marL="0" indent="0" defTabSz="685800" eaLnBrk="0" fontAlgn="base" hangingPunct="0">
+              <a:spcBef>
+                <a:spcPct val="0"/>
+              </a:spcBef>
+              <a:spcAft>
+                <a:spcPct val="0"/>
+              </a:spcAft>
+              <a:buNone/>
+            </a:pPr>
+            <a:r>
+              <a:rPr kumimoji="0" lang="en-US" altLang="en-US" sz="2400" b="0" i="0" u="none" strike="noStrike" cap="none" normalizeH="0" baseline="0" dirty="0" smtClean="0">
+                <a:ln>
+                  <a:noFill/>
+                </a:ln>
+                <a:solidFill>
+                  <a:srgbClr val="000000"/>
+                </a:solidFill>
+                <a:effectLst/>
+                <a:latin typeface="Arial" panose="020B0604020202020204" pitchFamily="34" charset="0"/>
+                <a:cs typeface="Arial" panose="020B0604020202020204" pitchFamily="34" charset="0"/>
+              </a:rPr>
+              <a:t> </a:t>
+            </a:r>
+          </a:p>
+          <a:p>
+            <a:pPr marL="0" indent="0" defTabSz="685800" eaLnBrk="0" fontAlgn="base" hangingPunct="0">
+              <a:spcBef>
+                <a:spcPct val="0"/>
+              </a:spcBef>
+              <a:spcAft>
+                <a:spcPct val="0"/>
+              </a:spcAft>
+              <a:buNone/>
+            </a:pPr>
+            <a:r>
+              <a:rPr kumimoji="0" lang="en-US" altLang="en-US" sz="2400" b="0" i="0" u="none" strike="noStrike" cap="none" normalizeH="0" baseline="0" dirty="0" smtClean="0">
+                <a:ln>
+                  <a:noFill/>
+                </a:ln>
+                <a:solidFill>
+                  <a:srgbClr val="000000"/>
+                </a:solidFill>
+                <a:effectLst/>
+                <a:latin typeface="Arial" panose="020B0604020202020204" pitchFamily="34" charset="0"/>
+                <a:cs typeface="Arial" panose="020B0604020202020204" pitchFamily="34" charset="0"/>
+              </a:rPr>
+              <a:t>For example:</a:t>
+            </a:r>
+          </a:p>
+          <a:p>
+            <a:pPr marL="0" indent="0" defTabSz="685800" eaLnBrk="0" fontAlgn="base" hangingPunct="0">
+              <a:spcBef>
+                <a:spcPct val="0"/>
+              </a:spcBef>
+              <a:spcAft>
+                <a:spcPct val="0"/>
+              </a:spcAft>
+              <a:buNone/>
+            </a:pPr>
+            <a:endParaRPr lang="en-US" altLang="en-US" sz="2000" b="1" dirty="0">
+              <a:solidFill>
+                <a:srgbClr val="006699"/>
+              </a:solidFill>
+              <a:latin typeface="Ubuntu Mono"/>
+            </a:endParaRPr>
+          </a:p>
+          <a:p>
+            <a:pPr marL="0" indent="0" defTabSz="685800" eaLnBrk="0" fontAlgn="base" hangingPunct="0">
+              <a:spcBef>
+                <a:spcPct val="0"/>
+              </a:spcBef>
+              <a:spcAft>
+                <a:spcPct val="0"/>
+              </a:spcAft>
+              <a:buNone/>
+            </a:pPr>
+            <a:r>
+              <a:rPr lang="en-US" altLang="en-US" sz="2000" b="1" dirty="0">
+                <a:solidFill>
+                  <a:srgbClr val="006699"/>
+                </a:solidFill>
+                <a:latin typeface="Ubuntu Mono"/>
+              </a:rPr>
+              <a:t>function</a:t>
+            </a:r>
+            <a:r>
+              <a:rPr lang="en-US" altLang="en-US" sz="2000" dirty="0">
+                <a:solidFill>
+                  <a:srgbClr val="000000"/>
+                </a:solidFill>
+                <a:latin typeface="Ubuntu Mono"/>
+              </a:rPr>
+              <a:t> </a:t>
+            </a:r>
+            <a:r>
+              <a:rPr lang="en-US" altLang="en-US" sz="2000" dirty="0">
+                <a:solidFill>
+                  <a:srgbClr val="000088"/>
+                </a:solidFill>
+                <a:latin typeface="Ubuntu Mono"/>
+              </a:rPr>
+              <a:t>foo</a:t>
+            </a:r>
+            <a:r>
+              <a:rPr lang="en-US" altLang="en-US" sz="2000" dirty="0">
+                <a:solidFill>
+                  <a:srgbClr val="000000"/>
+                </a:solidFill>
+                <a:latin typeface="Ubuntu Mono"/>
+              </a:rPr>
+              <a:t>() { </a:t>
+            </a:r>
+            <a:endParaRPr lang="en-US" altLang="en-US" sz="2000" dirty="0" smtClean="0">
+              <a:solidFill>
+                <a:srgbClr val="000000"/>
+              </a:solidFill>
+              <a:latin typeface="Ubuntu Mono"/>
+            </a:endParaRPr>
+          </a:p>
+          <a:p>
+            <a:pPr marL="0" indent="0" defTabSz="685800" eaLnBrk="0" fontAlgn="base" hangingPunct="0">
+              <a:spcBef>
+                <a:spcPct val="0"/>
+              </a:spcBef>
+              <a:spcAft>
+                <a:spcPct val="0"/>
+              </a:spcAft>
+              <a:buNone/>
+            </a:pPr>
+            <a:r>
+              <a:rPr lang="en-US" altLang="en-US" sz="2000" b="1" dirty="0">
+                <a:solidFill>
+                  <a:srgbClr val="000000"/>
+                </a:solidFill>
+                <a:latin typeface="Ubuntu Mono"/>
+              </a:rPr>
+              <a:t> </a:t>
+            </a:r>
+            <a:r>
+              <a:rPr lang="en-US" altLang="en-US" sz="2000" b="1" dirty="0" smtClean="0">
+                <a:solidFill>
+                  <a:srgbClr val="000000"/>
+                </a:solidFill>
+                <a:latin typeface="Ubuntu Mono"/>
+              </a:rPr>
+              <a:t>  </a:t>
+            </a:r>
+            <a:r>
+              <a:rPr lang="en-US" altLang="en-US" sz="2000" b="1" dirty="0" err="1" smtClean="0">
+                <a:solidFill>
+                  <a:srgbClr val="006699"/>
+                </a:solidFill>
+                <a:latin typeface="Ubuntu Mono"/>
+              </a:rPr>
+              <a:t>var</a:t>
+            </a:r>
+            <a:r>
+              <a:rPr lang="en-US" altLang="en-US" sz="2000" dirty="0" smtClean="0">
+                <a:solidFill>
+                  <a:srgbClr val="000000"/>
+                </a:solidFill>
+                <a:latin typeface="Ubuntu Mono"/>
+              </a:rPr>
+              <a:t> </a:t>
+            </a:r>
+            <a:r>
+              <a:rPr lang="en-US" altLang="en-US" sz="2000" dirty="0">
+                <a:solidFill>
+                  <a:srgbClr val="000088"/>
+                </a:solidFill>
+                <a:latin typeface="Ubuntu Mono"/>
+              </a:rPr>
+              <a:t>x</a:t>
+            </a:r>
+            <a:r>
+              <a:rPr lang="en-US" altLang="en-US" sz="2000" dirty="0" smtClean="0">
+                <a:solidFill>
+                  <a:srgbClr val="000000"/>
+                </a:solidFill>
+                <a:latin typeface="Ubuntu Mono"/>
+              </a:rPr>
+              <a:t>;</a:t>
+            </a:r>
+          </a:p>
+          <a:p>
+            <a:pPr marL="0" indent="0" defTabSz="685800" eaLnBrk="0" fontAlgn="base" hangingPunct="0">
+              <a:spcBef>
+                <a:spcPct val="0"/>
+              </a:spcBef>
+              <a:spcAft>
+                <a:spcPct val="0"/>
+              </a:spcAft>
+              <a:buNone/>
+            </a:pPr>
+            <a:r>
+              <a:rPr lang="en-US" altLang="en-US" sz="2000" dirty="0" smtClean="0">
+                <a:solidFill>
+                  <a:srgbClr val="000000"/>
+                </a:solidFill>
+                <a:latin typeface="Ubuntu Mono"/>
+              </a:rPr>
+              <a:t>}</a:t>
+            </a:r>
+            <a:r>
+              <a:rPr lang="en-US" altLang="en-US" sz="2000" dirty="0" smtClean="0"/>
+              <a:t> </a:t>
+            </a:r>
+            <a:endParaRPr lang="en-US" altLang="en-US" sz="2000" dirty="0">
+              <a:latin typeface="Arial" panose="020B0604020202020204" pitchFamily="34" charset="0"/>
+            </a:endParaRPr>
           </a:p>
         </p:txBody>
       </p:sp>
     </p:spTree>
     <p:extLst>
       <p:ext uri="{BB962C8B-B14F-4D97-AF65-F5344CB8AC3E}">
-        <p14:creationId xmlns:p14="http://schemas.microsoft.com/office/powerpoint/2010/main" val="2577566049"/>
+        <p14:creationId xmlns:p14="http://schemas.microsoft.com/office/powerpoint/2010/main" val="3487932277"/>
       </p:ext>
     </p:extLst>
   </p:cSld>
@@ -14680,20 +13627,83 @@
             <p:ph type="title"/>
           </p:nvPr>
         </p:nvSpPr>
-        <p:spPr>
-          <a:xfrm>
-            <a:off x="395536" y="2636912"/>
-            <a:ext cx="8229600" cy="1143000"/>
-          </a:xfrm>
-        </p:spPr>
+        <p:spPr/>
         <p:txBody>
           <a:bodyPr/>
           <a:lstStyle/>
           <a:p>
+            <a:endParaRPr lang="en-US"/>
+          </a:p>
+        </p:txBody>
+      </p:sp>
+      <p:sp>
+        <p:nvSpPr>
+          <p:cNvPr id="3" name="Content Placeholder 2"/>
+          <p:cNvSpPr>
+            <a:spLocks noGrp="1"/>
+          </p:cNvSpPr>
+          <p:nvPr>
+            <p:ph idx="1"/>
+          </p:nvPr>
+        </p:nvSpPr>
+        <p:spPr/>
+        <p:txBody>
+          <a:bodyPr/>
+          <a:lstStyle/>
+          <a:p>
+            <a:pPr marL="0" indent="0">
+              <a:buNone/>
+            </a:pPr>
             <a:r>
               <a:rPr lang="en-US" dirty="0" smtClean="0"/>
-              <a:t>Scope in ES3 World</a:t>
-            </a:r>
+              <a:t>	Scope </a:t>
+            </a:r>
+            <a:r>
+              <a:rPr lang="en-US" dirty="0"/>
+              <a:t>- is a logical boundaries in which a variable (or </a:t>
+            </a:r>
+            <a:r>
+              <a:rPr lang="en-US" dirty="0" smtClean="0"/>
+              <a:t>expression</a:t>
+            </a:r>
+            <a:r>
+              <a:rPr lang="en-US" dirty="0"/>
+              <a:t>) has its meaning. </a:t>
+            </a:r>
+          </a:p>
+          <a:p>
+            <a:pPr marL="0" indent="0">
+              <a:buNone/>
+            </a:pPr>
+            <a:r>
+              <a:rPr lang="en-US" dirty="0" smtClean="0"/>
+              <a:t>	For </a:t>
+            </a:r>
+            <a:r>
+              <a:rPr lang="en-US" dirty="0"/>
+              <a:t>example, a global variable, a local variable, </a:t>
+            </a:r>
+            <a:r>
+              <a:rPr lang="en-US" dirty="0" err="1"/>
+              <a:t>etc</a:t>
+            </a:r>
+            <a:r>
+              <a:rPr lang="en-US" dirty="0"/>
+              <a:t>, which generally reflects a logical range of a </a:t>
+            </a:r>
+            <a:r>
+              <a:rPr lang="en-US" dirty="0" smtClean="0"/>
+              <a:t>variable </a:t>
+            </a:r>
+            <a:r>
+              <a:rPr lang="en-US" dirty="0"/>
+              <a:t>lifetime.</a:t>
+            </a:r>
+          </a:p>
+          <a:p>
+            <a:pPr marL="0" indent="0">
+              <a:buNone/>
+            </a:pPr>
             <a:endParaRPr lang="en-US" dirty="0"/>
           </a:p>
         </p:txBody>
@@ -14701,7 +13711,7 @@
     </p:spTree>
     <p:extLst>
       <p:ext uri="{BB962C8B-B14F-4D97-AF65-F5344CB8AC3E}">
-        <p14:creationId xmlns:p14="http://schemas.microsoft.com/office/powerpoint/2010/main" val="229889959"/>
+        <p14:creationId xmlns:p14="http://schemas.microsoft.com/office/powerpoint/2010/main" val="915147315"/>
       </p:ext>
     </p:extLst>
   </p:cSld>
@@ -14752,13 +13762,8 @@
           <a:p>
             <a:r>
               <a:rPr lang="en-US" dirty="0"/>
-              <a:t>The Scope of a </a:t>
-            </a:r>
-            <a:r>
-              <a:rPr lang="en-US" dirty="0" smtClean="0"/>
-              <a:t>Variable</a:t>
-            </a:r>
-            <a:endParaRPr lang="en-US" dirty="0"/>
+              <a:t>Scope can be nested </a:t>
+            </a:r>
           </a:p>
         </p:txBody>
       </p:sp>
@@ -14766,16 +13771,14 @@
         <p:nvSpPr>
           <p:cNvPr id="4" name="Rectangle 1"/>
           <p:cNvSpPr>
-            <a:spLocks noGrp="1" noChangeArrowheads="1"/>
+            <a:spLocks noChangeArrowheads="1"/>
           </p:cNvSpPr>
-          <p:nvPr>
-            <p:ph idx="1"/>
-          </p:nvPr>
+          <p:nvPr/>
         </p:nvSpPr>
         <p:spPr bwMode="auto">
           <a:xfrm>
-            <a:off x="484630" y="1196752"/>
-            <a:ext cx="6336704" cy="2708434"/>
+            <a:off x="3419872" y="1700808"/>
+            <a:ext cx="2220989" cy="2154436"/>
           </a:xfrm>
           <a:prstGeom prst="rect">
             <a:avLst/>
@@ -14815,7 +13818,7 @@
           </a:extLst>
         </p:spPr>
         <p:txBody>
-          <a:bodyPr vert="horz" wrap="square" lIns="0" tIns="0" rIns="0" bIns="0" numCol="1" rtlCol="0" anchor="ctr" anchorCtr="0" compatLnSpc="1">
+          <a:bodyPr vert="horz" wrap="square" lIns="0" tIns="0" rIns="0" bIns="0" numCol="1" anchor="ctr" anchorCtr="0" compatLnSpc="1">
             <a:prstTxWarp prst="textNoShape">
               <a:avLst/>
             </a:prstTxWarp>
@@ -14823,42 +13826,130 @@
           </a:bodyPr>
           <a:lstStyle/>
           <a:p>
-            <a:pPr marL="0" indent="0" defTabSz="685800" eaLnBrk="0" fontAlgn="base" hangingPunct="0">
+            <a:pPr marL="0" marR="0" lvl="0" indent="0" algn="l" defTabSz="914400" rtl="0" eaLnBrk="0" fontAlgn="base" latinLnBrk="0" hangingPunct="0">
+              <a:lnSpc>
+                <a:spcPct val="100000"/>
+              </a:lnSpc>
               <a:spcBef>
                 <a:spcPct val="0"/>
               </a:spcBef>
               <a:spcAft>
                 <a:spcPct val="0"/>
               </a:spcAft>
+              <a:buClrTx/>
+              <a:buSzTx/>
+              <a:buFontTx/>
               <a:buNone/>
+              <a:tabLst/>
             </a:pPr>
             <a:r>
-              <a:rPr kumimoji="0" lang="en-US" altLang="en-US" sz="2400" b="0" i="0" u="none" strike="noStrike" cap="none" normalizeH="0" baseline="0" dirty="0" smtClean="0">
+              <a:rPr kumimoji="0" lang="en-US" altLang="en-US" sz="2000" b="1" i="0" u="none" strike="noStrike" cap="none" normalizeH="0" baseline="0" dirty="0" smtClean="0">
                 <a:ln>
                   <a:noFill/>
                 </a:ln>
                 <a:solidFill>
+                  <a:srgbClr val="006699"/>
+                </a:solidFill>
+                <a:effectLst/>
+                <a:latin typeface="Ubuntu Mono"/>
+              </a:rPr>
+              <a:t>function</a:t>
+            </a:r>
+            <a:r>
+              <a:rPr kumimoji="0" lang="en-US" altLang="en-US" sz="2000" b="0" i="0" u="none" strike="noStrike" cap="none" normalizeH="0" baseline="0" dirty="0" smtClean="0">
+                <a:ln>
+                  <a:noFill/>
+                </a:ln>
+                <a:solidFill>
                   <a:srgbClr val="000000"/>
                 </a:solidFill>
                 <a:effectLst/>
-                <a:latin typeface="Arial" panose="020B0604020202020204" pitchFamily="34" charset="0"/>
-                <a:cs typeface="Arial" panose="020B0604020202020204" pitchFamily="34" charset="0"/>
-              </a:rPr>
-              <a:t>The scope of a variable are the locations </a:t>
-            </a:r>
-          </a:p>
-          <a:p>
-            <a:pPr marL="0" indent="0" defTabSz="685800" eaLnBrk="0" fontAlgn="base" hangingPunct="0">
+                <a:latin typeface="Ubuntu Mono"/>
+              </a:rPr>
+              <a:t> </a:t>
+            </a:r>
+            <a:r>
+              <a:rPr kumimoji="0" lang="en-US" altLang="en-US" sz="2000" b="0" i="0" u="none" strike="noStrike" cap="none" normalizeH="0" baseline="0" dirty="0" smtClean="0">
+                <a:ln>
+                  <a:noFill/>
+                </a:ln>
+                <a:solidFill>
+                  <a:srgbClr val="000088"/>
+                </a:solidFill>
+                <a:effectLst/>
+                <a:latin typeface="Ubuntu Mono"/>
+              </a:rPr>
+              <a:t>f</a:t>
+            </a:r>
+            <a:r>
+              <a:rPr kumimoji="0" lang="en-US" altLang="en-US" sz="2000" b="0" i="0" u="none" strike="noStrike" cap="none" normalizeH="0" baseline="0" dirty="0" smtClean="0">
+                <a:ln>
+                  <a:noFill/>
+                </a:ln>
+                <a:solidFill>
+                  <a:srgbClr val="000000"/>
+                </a:solidFill>
+                <a:effectLst/>
+                <a:latin typeface="Ubuntu Mono"/>
+              </a:rPr>
+              <a:t>() {</a:t>
+            </a:r>
+          </a:p>
+          <a:p>
+            <a:pPr marL="0" marR="0" lvl="0" indent="0" algn="l" defTabSz="914400" rtl="0" eaLnBrk="0" fontAlgn="base" latinLnBrk="0" hangingPunct="0">
+              <a:lnSpc>
+                <a:spcPct val="100000"/>
+              </a:lnSpc>
               <a:spcBef>
                 <a:spcPct val="0"/>
               </a:spcBef>
               <a:spcAft>
                 <a:spcPct val="0"/>
               </a:spcAft>
+              <a:buClrTx/>
+              <a:buSzTx/>
+              <a:buFontTx/>
               <a:buNone/>
+              <a:tabLst/>
             </a:pPr>
             <a:r>
-              <a:rPr kumimoji="0" lang="en-US" altLang="en-US" sz="2400" b="0" i="0" u="none" strike="noStrike" cap="none" normalizeH="0" baseline="0" dirty="0" smtClean="0">
+              <a:rPr lang="en-US" altLang="en-US" sz="2000" dirty="0">
+                <a:solidFill>
+                  <a:srgbClr val="000000"/>
+                </a:solidFill>
+                <a:latin typeface="Ubuntu Mono"/>
+              </a:rPr>
+              <a:t> </a:t>
+            </a:r>
+            <a:r>
+              <a:rPr lang="en-US" altLang="en-US" sz="2000" dirty="0" smtClean="0">
+                <a:solidFill>
+                  <a:srgbClr val="000000"/>
+                </a:solidFill>
+                <a:latin typeface="Ubuntu Mono"/>
+              </a:rPr>
+              <a:t>   </a:t>
+            </a:r>
+            <a:r>
+              <a:rPr lang="en-US" altLang="en-US" sz="2000" dirty="0" err="1" smtClean="0">
+                <a:solidFill>
+                  <a:srgbClr val="000000"/>
+                </a:solidFill>
+                <a:latin typeface="Ubuntu Mono"/>
+              </a:rPr>
+              <a:t>var</a:t>
+            </a:r>
+            <a:r>
+              <a:rPr lang="en-US" altLang="en-US" sz="2000" dirty="0" smtClean="0">
+                <a:solidFill>
+                  <a:srgbClr val="000000"/>
+                </a:solidFill>
+                <a:latin typeface="Ubuntu Mono"/>
+              </a:rPr>
+              <a:t> x = 2;</a:t>
+            </a:r>
+            <a:r>
+              <a:rPr kumimoji="0" lang="en-US" altLang="en-US" sz="2000" b="0" i="0" u="none" strike="noStrike" cap="none" normalizeH="0" baseline="0" dirty="0" smtClean="0">
                 <a:ln>
                   <a:noFill/>
                 </a:ln>
@@ -14866,49 +13957,154 @@
                   <a:srgbClr val="000000"/>
                 </a:solidFill>
                 <a:effectLst/>
-                <a:latin typeface="Arial" panose="020B0604020202020204" pitchFamily="34" charset="0"/>
-                <a:cs typeface="Arial" panose="020B0604020202020204" pitchFamily="34" charset="0"/>
-              </a:rPr>
-              <a:t>where it is accessible.</a:t>
-            </a:r>
-          </a:p>
-          <a:p>
-            <a:pPr marL="0" indent="0" defTabSz="685800" eaLnBrk="0" fontAlgn="base" hangingPunct="0">
+                <a:latin typeface="Ubuntu Mono"/>
+              </a:rPr>
+              <a:t> </a:t>
+            </a:r>
+          </a:p>
+          <a:p>
+            <a:pPr marL="0" marR="0" lvl="0" indent="0" algn="l" defTabSz="914400" rtl="0" eaLnBrk="0" fontAlgn="base" latinLnBrk="0" hangingPunct="0">
+              <a:lnSpc>
+                <a:spcPct val="100000"/>
+              </a:lnSpc>
               <a:spcBef>
                 <a:spcPct val="0"/>
               </a:spcBef>
               <a:spcAft>
                 <a:spcPct val="0"/>
               </a:spcAft>
+              <a:buClrTx/>
+              <a:buSzTx/>
+              <a:buFontTx/>
               <a:buNone/>
+              <a:tabLst/>
             </a:pPr>
             <a:r>
-              <a:rPr kumimoji="0" lang="en-US" altLang="en-US" sz="2400" b="0" i="0" u="none" strike="noStrike" cap="none" normalizeH="0" baseline="0" dirty="0" smtClean="0">
+              <a:rPr lang="en-US" altLang="en-US" sz="2000" dirty="0">
+                <a:solidFill>
+                  <a:srgbClr val="000000"/>
+                </a:solidFill>
+                <a:latin typeface="Ubuntu Mono"/>
+              </a:rPr>
+              <a:t> </a:t>
+            </a:r>
+            <a:r>
+              <a:rPr lang="en-US" altLang="en-US" sz="2000" dirty="0" smtClean="0">
+                <a:solidFill>
+                  <a:srgbClr val="000000"/>
+                </a:solidFill>
+                <a:latin typeface="Ubuntu Mono"/>
+              </a:rPr>
+              <a:t>   </a:t>
+            </a:r>
+            <a:r>
+              <a:rPr kumimoji="0" lang="en-US" altLang="en-US" sz="2000" b="1" i="0" u="none" strike="noStrike" cap="none" normalizeH="0" baseline="0" dirty="0" smtClean="0">
                 <a:ln>
                   <a:noFill/>
                 </a:ln>
                 <a:solidFill>
+                  <a:srgbClr val="006699"/>
+                </a:solidFill>
+                <a:effectLst/>
+                <a:latin typeface="Ubuntu Mono"/>
+              </a:rPr>
+              <a:t>function</a:t>
+            </a:r>
+            <a:r>
+              <a:rPr kumimoji="0" lang="en-US" altLang="en-US" sz="2000" b="0" i="0" u="none" strike="noStrike" cap="none" normalizeH="0" baseline="0" dirty="0" smtClean="0">
+                <a:ln>
+                  <a:noFill/>
+                </a:ln>
+                <a:solidFill>
                   <a:srgbClr val="000000"/>
                 </a:solidFill>
                 <a:effectLst/>
-                <a:latin typeface="Arial" panose="020B0604020202020204" pitchFamily="34" charset="0"/>
-                <a:cs typeface="Arial" panose="020B0604020202020204" pitchFamily="34" charset="0"/>
+                <a:latin typeface="Ubuntu Mono"/>
               </a:rPr>
               <a:t> </a:t>
             </a:r>
-          </a:p>
-          <a:p>
-            <a:pPr marL="0" indent="0" defTabSz="685800" eaLnBrk="0" fontAlgn="base" hangingPunct="0">
+            <a:r>
+              <a:rPr kumimoji="0" lang="en-US" altLang="en-US" sz="2000" b="0" i="0" u="none" strike="noStrike" cap="none" normalizeH="0" baseline="0" dirty="0" smtClean="0">
+                <a:ln>
+                  <a:noFill/>
+                </a:ln>
+                <a:solidFill>
+                  <a:srgbClr val="000088"/>
+                </a:solidFill>
+                <a:effectLst/>
+                <a:latin typeface="Ubuntu Mono"/>
+              </a:rPr>
+              <a:t>g</a:t>
+            </a:r>
+            <a:r>
+              <a:rPr kumimoji="0" lang="en-US" altLang="en-US" sz="2000" b="0" i="0" u="none" strike="noStrike" cap="none" normalizeH="0" baseline="0" dirty="0" smtClean="0">
+                <a:ln>
+                  <a:noFill/>
+                </a:ln>
+                <a:solidFill>
+                  <a:srgbClr val="000000"/>
+                </a:solidFill>
+                <a:effectLst/>
+                <a:latin typeface="Ubuntu Mono"/>
+              </a:rPr>
+              <a:t>() {</a:t>
+            </a:r>
+          </a:p>
+          <a:p>
+            <a:pPr marL="0" marR="0" lvl="0" indent="0" algn="l" defTabSz="914400" rtl="0" eaLnBrk="0" fontAlgn="base" latinLnBrk="0" hangingPunct="0">
+              <a:lnSpc>
+                <a:spcPct val="100000"/>
+              </a:lnSpc>
               <a:spcBef>
                 <a:spcPct val="0"/>
               </a:spcBef>
               <a:spcAft>
                 <a:spcPct val="0"/>
               </a:spcAft>
+              <a:buClrTx/>
+              <a:buSzTx/>
+              <a:buFontTx/>
               <a:buNone/>
+              <a:tabLst/>
             </a:pPr>
             <a:r>
-              <a:rPr kumimoji="0" lang="en-US" altLang="en-US" sz="2400" b="0" i="0" u="none" strike="noStrike" cap="none" normalizeH="0" baseline="0" dirty="0" smtClean="0">
+              <a:rPr lang="en-US" altLang="en-US" sz="2000" dirty="0">
+                <a:solidFill>
+                  <a:srgbClr val="000000"/>
+                </a:solidFill>
+                <a:latin typeface="Ubuntu Mono"/>
+              </a:rPr>
+              <a:t> </a:t>
+            </a:r>
+            <a:r>
+              <a:rPr lang="en-US" altLang="en-US" sz="2000" dirty="0" smtClean="0">
+                <a:solidFill>
+                  <a:srgbClr val="000000"/>
+                </a:solidFill>
+                <a:latin typeface="Ubuntu Mono"/>
+              </a:rPr>
+              <a:t>      </a:t>
+            </a:r>
+            <a:r>
+              <a:rPr lang="en-US" altLang="en-US" sz="2000" dirty="0" err="1" smtClean="0">
+                <a:solidFill>
+                  <a:srgbClr val="000000"/>
+                </a:solidFill>
+                <a:latin typeface="Ubuntu Mono"/>
+              </a:rPr>
+              <a:t>var</a:t>
+            </a:r>
+            <a:r>
+              <a:rPr lang="en-US" altLang="en-US" sz="2000" dirty="0" smtClean="0">
+                <a:solidFill>
+                  <a:srgbClr val="000000"/>
+                </a:solidFill>
+                <a:latin typeface="Ubuntu Mono"/>
+              </a:rPr>
+              <a:t> y = 3;</a:t>
+            </a:r>
+            <a:r>
+              <a:rPr kumimoji="0" lang="en-US" altLang="en-US" sz="2000" b="0" i="0" u="none" strike="noStrike" cap="none" normalizeH="0" baseline="0" dirty="0" smtClean="0">
                 <a:ln>
                   <a:noFill/>
                 </a:ln>
@@ -14916,171 +14112,128 @@
                   <a:srgbClr val="000000"/>
                 </a:solidFill>
                 <a:effectLst/>
-                <a:latin typeface="Arial" panose="020B0604020202020204" pitchFamily="34" charset="0"/>
-                <a:cs typeface="Arial" panose="020B0604020202020204" pitchFamily="34" charset="0"/>
-              </a:rPr>
-              <a:t>For example:</a:t>
-            </a:r>
-          </a:p>
-          <a:p>
-            <a:pPr marL="0" indent="0" defTabSz="685800" eaLnBrk="0" fontAlgn="base" hangingPunct="0">
+                <a:latin typeface="Ubuntu Mono"/>
+              </a:rPr>
+              <a:t> </a:t>
+            </a:r>
+          </a:p>
+          <a:p>
+            <a:pPr marL="0" marR="0" lvl="0" indent="0" algn="l" defTabSz="914400" rtl="0" eaLnBrk="0" fontAlgn="base" latinLnBrk="0" hangingPunct="0">
+              <a:lnSpc>
+                <a:spcPct val="100000"/>
+              </a:lnSpc>
               <a:spcBef>
                 <a:spcPct val="0"/>
               </a:spcBef>
               <a:spcAft>
                 <a:spcPct val="0"/>
               </a:spcAft>
+              <a:buClrTx/>
+              <a:buSzTx/>
+              <a:buFontTx/>
               <a:buNone/>
+              <a:tabLst/>
             </a:pPr>
-            <a:endParaRPr lang="en-US" altLang="en-US" sz="2000" b="1" dirty="0">
-              <a:solidFill>
-                <a:srgbClr val="006699"/>
-              </a:solidFill>
-              <a:latin typeface="Ubuntu Mono"/>
-            </a:endParaRPr>
-          </a:p>
-          <a:p>
-            <a:pPr marL="0" indent="0" defTabSz="685800" eaLnBrk="0" fontAlgn="base" hangingPunct="0">
+            <a:r>
+              <a:rPr lang="en-US" altLang="en-US" sz="2000" dirty="0">
+                <a:solidFill>
+                  <a:srgbClr val="000000"/>
+                </a:solidFill>
+                <a:latin typeface="Ubuntu Mono"/>
+              </a:rPr>
+              <a:t> </a:t>
+            </a:r>
+            <a:r>
+              <a:rPr lang="en-US" altLang="en-US" sz="2000" dirty="0" smtClean="0">
+                <a:solidFill>
+                  <a:srgbClr val="000000"/>
+                </a:solidFill>
+                <a:latin typeface="Ubuntu Mono"/>
+              </a:rPr>
+              <a:t>      alert(x + y);</a:t>
+            </a:r>
+          </a:p>
+          <a:p>
+            <a:pPr marL="0" marR="0" lvl="0" indent="0" algn="l" defTabSz="914400" rtl="0" eaLnBrk="0" fontAlgn="base" latinLnBrk="0" hangingPunct="0">
+              <a:lnSpc>
+                <a:spcPct val="100000"/>
+              </a:lnSpc>
               <a:spcBef>
                 <a:spcPct val="0"/>
               </a:spcBef>
               <a:spcAft>
                 <a:spcPct val="0"/>
               </a:spcAft>
+              <a:buClrTx/>
+              <a:buSzTx/>
+              <a:buFontTx/>
               <a:buNone/>
+              <a:tabLst/>
             </a:pPr>
             <a:r>
-              <a:rPr lang="en-US" altLang="en-US" sz="2000" b="1" dirty="0">
-                <a:solidFill>
-                  <a:srgbClr val="006699"/>
-                </a:solidFill>
+              <a:rPr kumimoji="0" lang="en-US" altLang="en-US" sz="2000" b="0" i="0" u="none" strike="noStrike" cap="none" normalizeH="0" baseline="0" dirty="0" smtClean="0">
+                <a:ln>
+                  <a:noFill/>
+                </a:ln>
+                <a:solidFill>
+                  <a:srgbClr val="000000"/>
+                </a:solidFill>
+                <a:effectLst/>
                 <a:latin typeface="Ubuntu Mono"/>
               </a:rPr>
-              <a:t>function</a:t>
-            </a:r>
-            <a:r>
-              <a:rPr lang="en-US" altLang="en-US" sz="2000" dirty="0">
-                <a:solidFill>
-                  <a:srgbClr val="000000"/>
-                </a:solidFill>
-                <a:latin typeface="Ubuntu Mono"/>
-              </a:rPr>
-              <a:t> </a:t>
-            </a:r>
-            <a:r>
-              <a:rPr lang="en-US" altLang="en-US" sz="2000" dirty="0">
-                <a:solidFill>
-                  <a:srgbClr val="000088"/>
-                </a:solidFill>
-                <a:latin typeface="Ubuntu Mono"/>
-              </a:rPr>
-              <a:t>foo</a:t>
-            </a:r>
-            <a:r>
-              <a:rPr lang="en-US" altLang="en-US" sz="2000" dirty="0">
-                <a:solidFill>
-                  <a:srgbClr val="000000"/>
-                </a:solidFill>
-                <a:latin typeface="Ubuntu Mono"/>
-              </a:rPr>
-              <a:t>() { </a:t>
-            </a:r>
-            <a:endParaRPr lang="en-US" altLang="en-US" sz="2000" dirty="0" smtClean="0">
-              <a:solidFill>
-                <a:srgbClr val="000000"/>
-              </a:solidFill>
-              <a:latin typeface="Ubuntu Mono"/>
-            </a:endParaRPr>
-          </a:p>
-          <a:p>
-            <a:pPr marL="0" indent="0" defTabSz="685800" eaLnBrk="0" fontAlgn="base" hangingPunct="0">
+              <a:t>    } </a:t>
+            </a:r>
+          </a:p>
+          <a:p>
+            <a:pPr marL="0" marR="0" lvl="0" indent="0" algn="l" defTabSz="914400" rtl="0" eaLnBrk="0" fontAlgn="base" latinLnBrk="0" hangingPunct="0">
+              <a:lnSpc>
+                <a:spcPct val="100000"/>
+              </a:lnSpc>
               <a:spcBef>
                 <a:spcPct val="0"/>
               </a:spcBef>
               <a:spcAft>
                 <a:spcPct val="0"/>
               </a:spcAft>
+              <a:buClrTx/>
+              <a:buSzTx/>
+              <a:buFontTx/>
               <a:buNone/>
+              <a:tabLst/>
             </a:pPr>
             <a:r>
-              <a:rPr lang="en-US" altLang="en-US" sz="2000" b="1" dirty="0">
+              <a:rPr kumimoji="0" lang="en-US" altLang="en-US" sz="2000" b="0" i="0" u="none" strike="noStrike" cap="none" normalizeH="0" baseline="0" dirty="0" smtClean="0">
+                <a:ln>
+                  <a:noFill/>
+                </a:ln>
                 <a:solidFill>
                   <a:srgbClr val="000000"/>
                 </a:solidFill>
+                <a:effectLst/>
                 <a:latin typeface="Ubuntu Mono"/>
               </a:rPr>
+              <a:t>}</a:t>
+            </a:r>
+            <a:r>
+              <a:rPr kumimoji="0" lang="en-US" altLang="en-US" sz="2000" b="0" i="0" u="none" strike="noStrike" cap="none" normalizeH="0" baseline="0" dirty="0" smtClean="0">
+                <a:ln>
+                  <a:noFill/>
+                </a:ln>
+                <a:solidFill>
+                  <a:schemeClr val="tx1"/>
+                </a:solidFill>
+                <a:effectLst/>
+              </a:rPr>
               <a:t> </a:t>
             </a:r>
-            <a:r>
-              <a:rPr lang="en-US" altLang="en-US" sz="2000" b="1" dirty="0" smtClean="0">
-                <a:solidFill>
-                  <a:srgbClr val="000000"/>
-                </a:solidFill>
-                <a:latin typeface="Ubuntu Mono"/>
-              </a:rPr>
-              <a:t>  </a:t>
-            </a:r>
-            <a:r>
-              <a:rPr lang="en-US" altLang="en-US" sz="2000" b="1" dirty="0" err="1" smtClean="0">
-                <a:solidFill>
-                  <a:srgbClr val="006699"/>
-                </a:solidFill>
-                <a:latin typeface="Ubuntu Mono"/>
-              </a:rPr>
-              <a:t>var</a:t>
-            </a:r>
-            <a:r>
-              <a:rPr lang="en-US" altLang="en-US" sz="2000" dirty="0" smtClean="0">
-                <a:solidFill>
-                  <a:srgbClr val="000000"/>
-                </a:solidFill>
-                <a:latin typeface="Ubuntu Mono"/>
-              </a:rPr>
-              <a:t> </a:t>
-            </a:r>
-            <a:r>
-              <a:rPr lang="en-US" altLang="en-US" sz="2000" dirty="0">
-                <a:solidFill>
-                  <a:srgbClr val="000088"/>
-                </a:solidFill>
-                <a:latin typeface="Ubuntu Mono"/>
-              </a:rPr>
-              <a:t>x</a:t>
-            </a:r>
-            <a:r>
-              <a:rPr lang="en-US" altLang="en-US" sz="2000" dirty="0" smtClean="0">
-                <a:solidFill>
-                  <a:srgbClr val="000000"/>
-                </a:solidFill>
-                <a:latin typeface="Ubuntu Mono"/>
-              </a:rPr>
-              <a:t>;</a:t>
-            </a:r>
-          </a:p>
-          <a:p>
-            <a:pPr marL="0" indent="0" defTabSz="685800" eaLnBrk="0" fontAlgn="base" hangingPunct="0">
-              <a:spcBef>
-                <a:spcPct val="0"/>
-              </a:spcBef>
-              <a:spcAft>
-                <a:spcPct val="0"/>
-              </a:spcAft>
-              <a:buNone/>
-            </a:pPr>
-            <a:r>
-              <a:rPr lang="en-US" altLang="en-US" sz="2000" dirty="0" smtClean="0">
-                <a:solidFill>
-                  <a:srgbClr val="000000"/>
-                </a:solidFill>
-                <a:latin typeface="Ubuntu Mono"/>
-              </a:rPr>
-              <a:t>}</a:t>
-            </a:r>
-            <a:r>
-              <a:rPr lang="en-US" altLang="en-US" sz="2000" dirty="0" smtClean="0"/>
-              <a:t> </a:t>
-            </a:r>
-            <a:endParaRPr lang="en-US" altLang="en-US" sz="2000" dirty="0">
+            <a:endParaRPr kumimoji="0" lang="en-US" altLang="en-US" sz="2000" b="0" i="0" u="none" strike="noStrike" cap="none" normalizeH="0" baseline="0" dirty="0" smtClean="0">
+              <a:ln>
+                <a:noFill/>
+              </a:ln>
+              <a:solidFill>
+                <a:schemeClr val="tx1"/>
+              </a:solidFill>
+              <a:effectLst/>
               <a:latin typeface="Arial" panose="020B0604020202020204" pitchFamily="34" charset="0"/>
             </a:endParaRPr>
           </a:p>
@@ -15089,7 +14242,7 @@
     </p:spTree>
     <p:extLst>
       <p:ext uri="{BB962C8B-B14F-4D97-AF65-F5344CB8AC3E}">
-        <p14:creationId xmlns:p14="http://schemas.microsoft.com/office/powerpoint/2010/main" val="3487932277"/>
+        <p14:creationId xmlns:p14="http://schemas.microsoft.com/office/powerpoint/2010/main" val="4153191648"/>
       </p:ext>
     </p:extLst>
   </p:cSld>
@@ -15138,51 +14291,640 @@
           <a:bodyPr/>
           <a:lstStyle/>
           <a:p>
+            <a:r>
+              <a:rPr lang="en-US" dirty="0" smtClean="0"/>
+              <a:t>Nested Scope</a:t>
+            </a:r>
+            <a:endParaRPr lang="en-US" dirty="0"/>
+          </a:p>
+        </p:txBody>
+      </p:sp>
+      <p:sp>
+        <p:nvSpPr>
+          <p:cNvPr id="4" name="Rectangle 1"/>
+          <p:cNvSpPr>
+            <a:spLocks noChangeArrowheads="1"/>
+          </p:cNvSpPr>
+          <p:nvPr/>
+        </p:nvSpPr>
+        <p:spPr bwMode="auto">
+          <a:xfrm>
+            <a:off x="3419872" y="1700808"/>
+            <a:ext cx="2220989" cy="2154436"/>
+          </a:xfrm>
+          <a:prstGeom prst="rect">
+            <a:avLst/>
+          </a:prstGeom>
+          <a:noFill/>
+          <a:ln>
+            <a:noFill/>
+          </a:ln>
+          <a:effectLst/>
+          <a:extLst>
+            <a:ext uri="{909E8E84-426E-40DD-AFC4-6F175D3DCCD1}">
+              <a14:hiddenFill xmlns:a14="http://schemas.microsoft.com/office/drawing/2010/main">
+                <a:solidFill>
+                  <a:schemeClr val="accent1"/>
+                </a:solidFill>
+              </a14:hiddenFill>
+            </a:ext>
+            <a:ext uri="{91240B29-F687-4F45-9708-019B960494DF}">
+              <a14:hiddenLine xmlns:a14="http://schemas.microsoft.com/office/drawing/2010/main" w="9525">
+                <a:solidFill>
+                  <a:schemeClr val="tx1"/>
+                </a:solidFill>
+                <a:miter lim="800000"/>
+                <a:headEnd/>
+                <a:tailEnd/>
+              </a14:hiddenLine>
+            </a:ext>
+            <a:ext uri="{AF507438-7753-43E0-B8FC-AC1667EBCBE1}">
+              <a14:hiddenEffects xmlns:a14="http://schemas.microsoft.com/office/drawing/2010/main">
+                <a:effectLst>
+                  <a:outerShdw dist="35921" dir="2700000" algn="ctr" rotWithShape="0">
+                    <a:schemeClr val="bg2"/>
+                  </a:outerShdw>
+                </a:effectLst>
+              </a14:hiddenEffects>
+            </a:ext>
+          </a:extLst>
+        </p:spPr>
+        <p:txBody>
+          <a:bodyPr vert="horz" wrap="square" lIns="0" tIns="0" rIns="0" bIns="0" numCol="1" anchor="ctr" anchorCtr="0" compatLnSpc="1">
+            <a:prstTxWarp prst="textNoShape">
+              <a:avLst/>
+            </a:prstTxWarp>
+            <a:spAutoFit/>
+          </a:bodyPr>
+          <a:lstStyle/>
+          <a:p>
+            <a:pPr marL="0" marR="0" lvl="0" indent="0" algn="l" defTabSz="914400" rtl="0" eaLnBrk="0" fontAlgn="base" latinLnBrk="0" hangingPunct="0">
+              <a:lnSpc>
+                <a:spcPct val="100000"/>
+              </a:lnSpc>
+              <a:spcBef>
+                <a:spcPct val="0"/>
+              </a:spcBef>
+              <a:spcAft>
+                <a:spcPct val="0"/>
+              </a:spcAft>
+              <a:buClrTx/>
+              <a:buSzTx/>
+              <a:buFontTx/>
+              <a:buNone/>
+              <a:tabLst/>
+            </a:pPr>
+            <a:r>
+              <a:rPr kumimoji="0" lang="en-US" altLang="en-US" sz="2000" b="1" i="0" u="none" strike="noStrike" cap="none" normalizeH="0" baseline="0" dirty="0" smtClean="0">
+                <a:ln>
+                  <a:noFill/>
+                </a:ln>
+                <a:solidFill>
+                  <a:srgbClr val="006699"/>
+                </a:solidFill>
+                <a:effectLst/>
+                <a:latin typeface="Ubuntu Mono"/>
+              </a:rPr>
+              <a:t>function</a:t>
+            </a:r>
+            <a:r>
+              <a:rPr kumimoji="0" lang="en-US" altLang="en-US" sz="2000" b="0" i="0" u="none" strike="noStrike" cap="none" normalizeH="0" baseline="0" dirty="0" smtClean="0">
+                <a:ln>
+                  <a:noFill/>
+                </a:ln>
+                <a:solidFill>
+                  <a:srgbClr val="000000"/>
+                </a:solidFill>
+                <a:effectLst/>
+                <a:latin typeface="Ubuntu Mono"/>
+              </a:rPr>
+              <a:t> </a:t>
+            </a:r>
+            <a:r>
+              <a:rPr kumimoji="0" lang="en-US" altLang="en-US" sz="2000" b="0" i="0" u="none" strike="noStrike" cap="none" normalizeH="0" baseline="0" dirty="0" smtClean="0">
+                <a:ln>
+                  <a:noFill/>
+                </a:ln>
+                <a:solidFill>
+                  <a:srgbClr val="000088"/>
+                </a:solidFill>
+                <a:effectLst/>
+                <a:latin typeface="Ubuntu Mono"/>
+              </a:rPr>
+              <a:t>f</a:t>
+            </a:r>
+            <a:r>
+              <a:rPr kumimoji="0" lang="en-US" altLang="en-US" sz="2000" b="0" i="0" u="none" strike="noStrike" cap="none" normalizeH="0" baseline="0" dirty="0" smtClean="0">
+                <a:ln>
+                  <a:noFill/>
+                </a:ln>
+                <a:solidFill>
+                  <a:srgbClr val="000000"/>
+                </a:solidFill>
+                <a:effectLst/>
+                <a:latin typeface="Ubuntu Mono"/>
+              </a:rPr>
+              <a:t>() {</a:t>
+            </a:r>
+          </a:p>
+          <a:p>
+            <a:pPr marL="0" marR="0" lvl="0" indent="0" algn="l" defTabSz="914400" rtl="0" eaLnBrk="0" fontAlgn="base" latinLnBrk="0" hangingPunct="0">
+              <a:lnSpc>
+                <a:spcPct val="100000"/>
+              </a:lnSpc>
+              <a:spcBef>
+                <a:spcPct val="0"/>
+              </a:spcBef>
+              <a:spcAft>
+                <a:spcPct val="0"/>
+              </a:spcAft>
+              <a:buClrTx/>
+              <a:buSzTx/>
+              <a:buFontTx/>
+              <a:buNone/>
+              <a:tabLst/>
+            </a:pPr>
+            <a:r>
+              <a:rPr lang="en-US" altLang="en-US" sz="2000" dirty="0">
+                <a:solidFill>
+                  <a:srgbClr val="000000"/>
+                </a:solidFill>
+                <a:latin typeface="Ubuntu Mono"/>
+              </a:rPr>
+              <a:t> </a:t>
+            </a:r>
+            <a:r>
+              <a:rPr lang="en-US" altLang="en-US" sz="2000" dirty="0" smtClean="0">
+                <a:solidFill>
+                  <a:srgbClr val="000000"/>
+                </a:solidFill>
+                <a:latin typeface="Ubuntu Mono"/>
+              </a:rPr>
+              <a:t>   </a:t>
+            </a:r>
+            <a:r>
+              <a:rPr lang="en-US" altLang="en-US" sz="2000" dirty="0" err="1" smtClean="0">
+                <a:solidFill>
+                  <a:srgbClr val="000000"/>
+                </a:solidFill>
+                <a:latin typeface="Ubuntu Mono"/>
+              </a:rPr>
+              <a:t>var</a:t>
+            </a:r>
+            <a:r>
+              <a:rPr lang="en-US" altLang="en-US" sz="2000" dirty="0" smtClean="0">
+                <a:solidFill>
+                  <a:srgbClr val="000000"/>
+                </a:solidFill>
+                <a:latin typeface="Ubuntu Mono"/>
+              </a:rPr>
+              <a:t> x = 2;</a:t>
+            </a:r>
+            <a:r>
+              <a:rPr kumimoji="0" lang="en-US" altLang="en-US" sz="2000" b="0" i="0" u="none" strike="noStrike" cap="none" normalizeH="0" baseline="0" dirty="0" smtClean="0">
+                <a:ln>
+                  <a:noFill/>
+                </a:ln>
+                <a:solidFill>
+                  <a:srgbClr val="000000"/>
+                </a:solidFill>
+                <a:effectLst/>
+                <a:latin typeface="Ubuntu Mono"/>
+              </a:rPr>
+              <a:t> </a:t>
+            </a:r>
+          </a:p>
+          <a:p>
+            <a:pPr marL="0" marR="0" lvl="0" indent="0" algn="l" defTabSz="914400" rtl="0" eaLnBrk="0" fontAlgn="base" latinLnBrk="0" hangingPunct="0">
+              <a:lnSpc>
+                <a:spcPct val="100000"/>
+              </a:lnSpc>
+              <a:spcBef>
+                <a:spcPct val="0"/>
+              </a:spcBef>
+              <a:spcAft>
+                <a:spcPct val="0"/>
+              </a:spcAft>
+              <a:buClrTx/>
+              <a:buSzTx/>
+              <a:buFontTx/>
+              <a:buNone/>
+              <a:tabLst/>
+            </a:pPr>
+            <a:r>
+              <a:rPr lang="en-US" altLang="en-US" sz="2000" dirty="0">
+                <a:solidFill>
+                  <a:srgbClr val="000000"/>
+                </a:solidFill>
+                <a:latin typeface="Ubuntu Mono"/>
+              </a:rPr>
+              <a:t> </a:t>
+            </a:r>
+            <a:r>
+              <a:rPr lang="en-US" altLang="en-US" sz="2000" dirty="0" smtClean="0">
+                <a:solidFill>
+                  <a:srgbClr val="000000"/>
+                </a:solidFill>
+                <a:latin typeface="Ubuntu Mono"/>
+              </a:rPr>
+              <a:t>   </a:t>
+            </a:r>
+            <a:r>
+              <a:rPr kumimoji="0" lang="en-US" altLang="en-US" sz="2000" b="1" i="0" u="none" strike="noStrike" cap="none" normalizeH="0" baseline="0" dirty="0" smtClean="0">
+                <a:ln>
+                  <a:noFill/>
+                </a:ln>
+                <a:solidFill>
+                  <a:srgbClr val="006699"/>
+                </a:solidFill>
+                <a:effectLst/>
+                <a:latin typeface="Ubuntu Mono"/>
+              </a:rPr>
+              <a:t>function</a:t>
+            </a:r>
+            <a:r>
+              <a:rPr kumimoji="0" lang="en-US" altLang="en-US" sz="2000" b="0" i="0" u="none" strike="noStrike" cap="none" normalizeH="0" baseline="0" dirty="0" smtClean="0">
+                <a:ln>
+                  <a:noFill/>
+                </a:ln>
+                <a:solidFill>
+                  <a:srgbClr val="000000"/>
+                </a:solidFill>
+                <a:effectLst/>
+                <a:latin typeface="Ubuntu Mono"/>
+              </a:rPr>
+              <a:t> </a:t>
+            </a:r>
+            <a:r>
+              <a:rPr kumimoji="0" lang="en-US" altLang="en-US" sz="2000" b="0" i="0" u="none" strike="noStrike" cap="none" normalizeH="0" baseline="0" dirty="0" smtClean="0">
+                <a:ln>
+                  <a:noFill/>
+                </a:ln>
+                <a:solidFill>
+                  <a:srgbClr val="000088"/>
+                </a:solidFill>
+                <a:effectLst/>
+                <a:latin typeface="Ubuntu Mono"/>
+              </a:rPr>
+              <a:t>g</a:t>
+            </a:r>
+            <a:r>
+              <a:rPr kumimoji="0" lang="en-US" altLang="en-US" sz="2000" b="0" i="0" u="none" strike="noStrike" cap="none" normalizeH="0" baseline="0" dirty="0" smtClean="0">
+                <a:ln>
+                  <a:noFill/>
+                </a:ln>
+                <a:solidFill>
+                  <a:srgbClr val="000000"/>
+                </a:solidFill>
+                <a:effectLst/>
+                <a:latin typeface="Ubuntu Mono"/>
+              </a:rPr>
+              <a:t>() {</a:t>
+            </a:r>
+          </a:p>
+          <a:p>
+            <a:pPr marL="0" marR="0" lvl="0" indent="0" algn="l" defTabSz="914400" rtl="0" eaLnBrk="0" fontAlgn="base" latinLnBrk="0" hangingPunct="0">
+              <a:lnSpc>
+                <a:spcPct val="100000"/>
+              </a:lnSpc>
+              <a:spcBef>
+                <a:spcPct val="0"/>
+              </a:spcBef>
+              <a:spcAft>
+                <a:spcPct val="0"/>
+              </a:spcAft>
+              <a:buClrTx/>
+              <a:buSzTx/>
+              <a:buFontTx/>
+              <a:buNone/>
+              <a:tabLst/>
+            </a:pPr>
+            <a:r>
+              <a:rPr lang="en-US" altLang="en-US" sz="2000" dirty="0">
+                <a:solidFill>
+                  <a:srgbClr val="000000"/>
+                </a:solidFill>
+                <a:latin typeface="Ubuntu Mono"/>
+              </a:rPr>
+              <a:t> </a:t>
+            </a:r>
+            <a:r>
+              <a:rPr lang="en-US" altLang="en-US" sz="2000" dirty="0" smtClean="0">
+                <a:solidFill>
+                  <a:srgbClr val="000000"/>
+                </a:solidFill>
+                <a:latin typeface="Ubuntu Mono"/>
+              </a:rPr>
+              <a:t>      </a:t>
+            </a:r>
+            <a:r>
+              <a:rPr lang="en-US" altLang="en-US" sz="2000" dirty="0" err="1" smtClean="0">
+                <a:solidFill>
+                  <a:srgbClr val="000000"/>
+                </a:solidFill>
+                <a:latin typeface="Ubuntu Mono"/>
+              </a:rPr>
+              <a:t>var</a:t>
+            </a:r>
+            <a:r>
+              <a:rPr lang="en-US" altLang="en-US" sz="2000" dirty="0" smtClean="0">
+                <a:solidFill>
+                  <a:srgbClr val="000000"/>
+                </a:solidFill>
+                <a:latin typeface="Ubuntu Mono"/>
+              </a:rPr>
+              <a:t> y = 3;</a:t>
+            </a:r>
+            <a:r>
+              <a:rPr kumimoji="0" lang="en-US" altLang="en-US" sz="2000" b="0" i="0" u="none" strike="noStrike" cap="none" normalizeH="0" baseline="0" dirty="0" smtClean="0">
+                <a:ln>
+                  <a:noFill/>
+                </a:ln>
+                <a:solidFill>
+                  <a:srgbClr val="000000"/>
+                </a:solidFill>
+                <a:effectLst/>
+                <a:latin typeface="Ubuntu Mono"/>
+              </a:rPr>
+              <a:t> </a:t>
+            </a:r>
+          </a:p>
+          <a:p>
+            <a:pPr marL="0" marR="0" lvl="0" indent="0" algn="l" defTabSz="914400" rtl="0" eaLnBrk="0" fontAlgn="base" latinLnBrk="0" hangingPunct="0">
+              <a:lnSpc>
+                <a:spcPct val="100000"/>
+              </a:lnSpc>
+              <a:spcBef>
+                <a:spcPct val="0"/>
+              </a:spcBef>
+              <a:spcAft>
+                <a:spcPct val="0"/>
+              </a:spcAft>
+              <a:buClrTx/>
+              <a:buSzTx/>
+              <a:buFontTx/>
+              <a:buNone/>
+              <a:tabLst/>
+            </a:pPr>
+            <a:r>
+              <a:rPr lang="en-US" altLang="en-US" sz="2000" dirty="0">
+                <a:solidFill>
+                  <a:srgbClr val="000000"/>
+                </a:solidFill>
+                <a:latin typeface="Ubuntu Mono"/>
+              </a:rPr>
+              <a:t> </a:t>
+            </a:r>
+            <a:r>
+              <a:rPr lang="en-US" altLang="en-US" sz="2000" dirty="0" smtClean="0">
+                <a:solidFill>
+                  <a:srgbClr val="000000"/>
+                </a:solidFill>
+                <a:latin typeface="Ubuntu Mono"/>
+              </a:rPr>
+              <a:t>      alert(x + y);</a:t>
+            </a:r>
+          </a:p>
+          <a:p>
+            <a:pPr marL="0" marR="0" lvl="0" indent="0" algn="l" defTabSz="914400" rtl="0" eaLnBrk="0" fontAlgn="base" latinLnBrk="0" hangingPunct="0">
+              <a:lnSpc>
+                <a:spcPct val="100000"/>
+              </a:lnSpc>
+              <a:spcBef>
+                <a:spcPct val="0"/>
+              </a:spcBef>
+              <a:spcAft>
+                <a:spcPct val="0"/>
+              </a:spcAft>
+              <a:buClrTx/>
+              <a:buSzTx/>
+              <a:buFontTx/>
+              <a:buNone/>
+              <a:tabLst/>
+            </a:pPr>
+            <a:r>
+              <a:rPr kumimoji="0" lang="en-US" altLang="en-US" sz="2000" b="0" i="0" u="none" strike="noStrike" cap="none" normalizeH="0" baseline="0" dirty="0" smtClean="0">
+                <a:ln>
+                  <a:noFill/>
+                </a:ln>
+                <a:solidFill>
+                  <a:srgbClr val="000000"/>
+                </a:solidFill>
+                <a:effectLst/>
+                <a:latin typeface="Ubuntu Mono"/>
+              </a:rPr>
+              <a:t>    } </a:t>
+            </a:r>
+          </a:p>
+          <a:p>
+            <a:pPr marL="0" marR="0" lvl="0" indent="0" algn="l" defTabSz="914400" rtl="0" eaLnBrk="0" fontAlgn="base" latinLnBrk="0" hangingPunct="0">
+              <a:lnSpc>
+                <a:spcPct val="100000"/>
+              </a:lnSpc>
+              <a:spcBef>
+                <a:spcPct val="0"/>
+              </a:spcBef>
+              <a:spcAft>
+                <a:spcPct val="0"/>
+              </a:spcAft>
+              <a:buClrTx/>
+              <a:buSzTx/>
+              <a:buFontTx/>
+              <a:buNone/>
+              <a:tabLst/>
+            </a:pPr>
+            <a:r>
+              <a:rPr kumimoji="0" lang="en-US" altLang="en-US" sz="2000" b="0" i="0" u="none" strike="noStrike" cap="none" normalizeH="0" baseline="0" dirty="0" smtClean="0">
+                <a:ln>
+                  <a:noFill/>
+                </a:ln>
+                <a:solidFill>
+                  <a:srgbClr val="000000"/>
+                </a:solidFill>
+                <a:effectLst/>
+                <a:latin typeface="Ubuntu Mono"/>
+              </a:rPr>
+              <a:t>}</a:t>
+            </a:r>
+            <a:r>
+              <a:rPr kumimoji="0" lang="en-US" altLang="en-US" sz="2000" b="0" i="0" u="none" strike="noStrike" cap="none" normalizeH="0" baseline="0" dirty="0" smtClean="0">
+                <a:ln>
+                  <a:noFill/>
+                </a:ln>
+                <a:solidFill>
+                  <a:schemeClr val="tx1"/>
+                </a:solidFill>
+                <a:effectLst/>
+              </a:rPr>
+              <a:t> </a:t>
+            </a:r>
+            <a:endParaRPr kumimoji="0" lang="en-US" altLang="en-US" sz="2000" b="0" i="0" u="none" strike="noStrike" cap="none" normalizeH="0" baseline="0" dirty="0" smtClean="0">
+              <a:ln>
+                <a:noFill/>
+              </a:ln>
+              <a:solidFill>
+                <a:schemeClr val="tx1"/>
+              </a:solidFill>
+              <a:effectLst/>
+              <a:latin typeface="Arial" panose="020B0604020202020204" pitchFamily="34" charset="0"/>
+            </a:endParaRPr>
+          </a:p>
+        </p:txBody>
+      </p:sp>
+      <p:sp>
+        <p:nvSpPr>
+          <p:cNvPr id="3" name="Right Brace 2"/>
+          <p:cNvSpPr/>
+          <p:nvPr/>
+        </p:nvSpPr>
+        <p:spPr>
+          <a:xfrm>
+            <a:off x="5411657" y="2449488"/>
+            <a:ext cx="365760" cy="1005840"/>
+          </a:xfrm>
+          <a:prstGeom prst="rightBrace">
+            <a:avLst/>
+          </a:prstGeom>
+          <a:ln w="22225">
+            <a:solidFill>
+              <a:schemeClr val="tx1"/>
+            </a:solidFill>
+          </a:ln>
+        </p:spPr>
+        <p:style>
+          <a:lnRef idx="1">
+            <a:schemeClr val="accent1"/>
+          </a:lnRef>
+          <a:fillRef idx="0">
+            <a:schemeClr val="accent1"/>
+          </a:fillRef>
+          <a:effectRef idx="0">
+            <a:schemeClr val="accent1"/>
+          </a:effectRef>
+          <a:fontRef idx="minor">
+            <a:schemeClr val="tx1"/>
+          </a:fontRef>
+        </p:style>
+        <p:txBody>
+          <a:bodyPr rtlCol="0" anchor="ctr"/>
+          <a:lstStyle/>
+          <a:p>
+            <a:pPr algn="ctr"/>
             <a:endParaRPr lang="en-US"/>
           </a:p>
         </p:txBody>
       </p:sp>
       <p:sp>
         <p:nvSpPr>
-          <p:cNvPr id="3" name="Content Placeholder 2"/>
-          <p:cNvSpPr>
-            <a:spLocks noGrp="1"/>
-          </p:cNvSpPr>
-          <p:nvPr>
-            <p:ph idx="1"/>
-          </p:nvPr>
-        </p:nvSpPr>
-        <p:spPr/>
+          <p:cNvPr id="5" name="TextBox 4"/>
+          <p:cNvSpPr txBox="1"/>
+          <p:nvPr/>
+        </p:nvSpPr>
+        <p:spPr>
+          <a:xfrm>
+            <a:off x="5915713" y="2767662"/>
+            <a:ext cx="1274388" cy="369332"/>
+          </a:xfrm>
+          <a:prstGeom prst="rect">
+            <a:avLst/>
+          </a:prstGeom>
+          <a:noFill/>
+        </p:spPr>
         <p:txBody>
-          <a:bodyPr/>
+          <a:bodyPr wrap="none" rtlCol="0">
+            <a:spAutoFit/>
+          </a:bodyPr>
           <a:lstStyle/>
           <a:p>
-            <a:pPr marL="0" indent="0">
-              <a:buNone/>
-            </a:pPr>
             <a:r>
               <a:rPr lang="en-US" dirty="0" smtClean="0"/>
-              <a:t>	Scope </a:t>
-            </a:r>
+              <a:t>inner scope</a:t>
+            </a:r>
+            <a:endParaRPr lang="en-US" dirty="0"/>
+          </a:p>
+        </p:txBody>
+      </p:sp>
+      <p:sp>
+        <p:nvSpPr>
+          <p:cNvPr id="7" name="Right Brace 6"/>
+          <p:cNvSpPr/>
+          <p:nvPr/>
+        </p:nvSpPr>
+        <p:spPr>
+          <a:xfrm rot="10800000">
+            <a:off x="2627784" y="1844824"/>
+            <a:ext cx="444322" cy="1965312"/>
+          </a:xfrm>
+          <a:prstGeom prst="rightBrace">
+            <a:avLst/>
+          </a:prstGeom>
+          <a:ln w="22225">
+            <a:solidFill>
+              <a:schemeClr val="tx1"/>
+            </a:solidFill>
+          </a:ln>
+        </p:spPr>
+        <p:style>
+          <a:lnRef idx="1">
+            <a:schemeClr val="accent1"/>
+          </a:lnRef>
+          <a:fillRef idx="0">
+            <a:schemeClr val="accent1"/>
+          </a:fillRef>
+          <a:effectRef idx="0">
+            <a:schemeClr val="accent1"/>
+          </a:effectRef>
+          <a:fontRef idx="minor">
+            <a:schemeClr val="tx1"/>
+          </a:fontRef>
+        </p:style>
+        <p:txBody>
+          <a:bodyPr rtlCol="0" anchor="ctr"/>
+          <a:lstStyle/>
+          <a:p>
+            <a:pPr algn="ctr"/>
+            <a:endParaRPr lang="en-US"/>
+          </a:p>
+        </p:txBody>
+      </p:sp>
+      <p:sp>
+        <p:nvSpPr>
+          <p:cNvPr id="8" name="TextBox 7"/>
+          <p:cNvSpPr txBox="1"/>
+          <p:nvPr/>
+        </p:nvSpPr>
+        <p:spPr>
+          <a:xfrm>
+            <a:off x="1214539" y="2642814"/>
+            <a:ext cx="1295932" cy="369332"/>
+          </a:xfrm>
+          <a:prstGeom prst="rect">
+            <a:avLst/>
+          </a:prstGeom>
+          <a:noFill/>
+        </p:spPr>
+        <p:txBody>
+          <a:bodyPr wrap="none" rtlCol="0">
+            <a:spAutoFit/>
+          </a:bodyPr>
+          <a:lstStyle/>
+          <a:p>
             <a:r>
               <a:rPr lang="en-US" dirty="0"/>
-              <a:t>- is a logical boundaries in which a variable (or expression) has its meaning. For example, a global variable, a local variable, </a:t>
-            </a:r>
-            <a:r>
-              <a:rPr lang="en-US" dirty="0" err="1"/>
-              <a:t>etc</a:t>
-            </a:r>
-            <a:r>
-              <a:rPr lang="en-US" dirty="0"/>
-              <a:t>, which generally reflects a logical range of a variable lifetime.</a:t>
-            </a:r>
+              <a:t>o</a:t>
+            </a:r>
+            <a:r>
+              <a:rPr lang="en-US" dirty="0" smtClean="0"/>
+              <a:t>uter scope</a:t>
+            </a:r>
+            <a:endParaRPr lang="en-US" dirty="0"/>
           </a:p>
         </p:txBody>
       </p:sp>
     </p:spTree>
     <p:extLst>
       <p:ext uri="{BB962C8B-B14F-4D97-AF65-F5344CB8AC3E}">
-        <p14:creationId xmlns:p14="http://schemas.microsoft.com/office/powerpoint/2010/main" val="2763282151"/>
+        <p14:creationId xmlns:p14="http://schemas.microsoft.com/office/powerpoint/2010/main" val="4069679040"/>
       </p:ext>
     </p:extLst>
   </p:cSld>

--- a/lecture-3-recap-scope/scope.pptx
+++ b/lecture-3-recap-scope/scope.pptx
@@ -4555,7 +4555,7 @@
               <a:t>		</a:t>
             </a:r>
             <a:r>
-              <a:rPr lang="en-US" b="1" dirty="0" err="1">
+              <a:rPr lang="en-US" b="1" dirty="0" err="1" smtClean="0">
                 <a:solidFill>
                   <a:srgbClr val="0070C0"/>
                 </a:solidFill>
@@ -4563,11 +4563,11 @@
               <a:t>var</a:t>
             </a:r>
             <a:r>
-              <a:rPr lang="en-US" b="1" dirty="0"/>
+              <a:rPr lang="en-US" b="1" dirty="0" smtClean="0"/>
               <a:t> </a:t>
             </a:r>
             <a:r>
-              <a:rPr lang="en-US" b="1" dirty="0">
+              <a:rPr lang="en-US" b="1" dirty="0" smtClean="0">
                 <a:solidFill>
                   <a:schemeClr val="accent6">
                     <a:lumMod val="75000"/>
@@ -4577,7 +4577,7 @@
               <a:t>scope</a:t>
             </a:r>
             <a:r>
-              <a:rPr lang="en-US" b="1" dirty="0"/>
+              <a:rPr lang="en-US" b="1" dirty="0" smtClean="0"/>
               <a:t> = </a:t>
             </a:r>
             <a:r>
@@ -4592,6 +4592,7 @@
               <a:rPr lang="en-US" b="1" dirty="0" smtClean="0"/>
               <a:t>; </a:t>
             </a:r>
+            <a:endParaRPr lang="en-US" b="1" dirty="0" smtClean="0"/>
           </a:p>
           <a:p>
             <a:r>
@@ -8367,29 +8368,48 @@
               <a:t>                      </a:t>
             </a:r>
             <a:r>
-              <a:rPr lang="en-US" b="1" dirty="0" err="1">
+              <a:rPr lang="en-US" dirty="0"/>
+              <a:t>console.log </a:t>
+            </a:r>
+            <a:r>
+              <a:rPr lang="en-US" b="1" dirty="0" smtClean="0"/>
+              <a:t>(</a:t>
+            </a:r>
+            <a:r>
+              <a:rPr lang="en-US" b="1" dirty="0">
                 <a:solidFill>
                   <a:schemeClr val="accent6">
                     <a:lumMod val="75000"/>
                   </a:schemeClr>
                 </a:solidFill>
               </a:rPr>
-              <a:t>document</a:t>
-            </a:r>
-            <a:r>
-              <a:rPr lang="en-US" b="1" dirty="0" err="1"/>
-              <a:t>.</a:t>
-            </a:r>
-            <a:r>
-              <a:rPr lang="en-US" b="1" dirty="0" err="1">
-                <a:solidFill>
-                  <a:srgbClr val="0070C0"/>
-                </a:solidFill>
-              </a:rPr>
-              <a:t>write</a:t>
+              <a:t>k</a:t>
             </a:r>
             <a:r>
               <a:rPr lang="en-US" b="1" dirty="0"/>
+              <a:t>); </a:t>
+            </a:r>
+          </a:p>
+          <a:p>
+            <a:r>
+              <a:rPr lang="en-US" b="1" dirty="0"/>
+              <a:t>                } </a:t>
+            </a:r>
+          </a:p>
+          <a:p>
+            <a:endParaRPr lang="en-US" b="1" dirty="0"/>
+          </a:p>
+          <a:p>
+            <a:r>
+              <a:rPr lang="en-US" b="1" dirty="0"/>
+              <a:t>                </a:t>
+            </a:r>
+            <a:r>
+              <a:rPr lang="en-US" dirty="0"/>
+              <a:t>console.log </a:t>
+            </a:r>
+            <a:r>
+              <a:rPr lang="en-US" b="1" dirty="0" smtClean="0"/>
               <a:t>(</a:t>
             </a:r>
             <a:r>
@@ -8404,61 +8424,6 @@
             </a:r>
             <a:r>
               <a:rPr lang="en-US" b="1" dirty="0"/>
-              <a:t>); </a:t>
-            </a:r>
-          </a:p>
-          <a:p>
-            <a:r>
-              <a:rPr lang="en-US" b="1" dirty="0"/>
-              <a:t>                } </a:t>
-            </a:r>
-          </a:p>
-          <a:p>
-            <a:endParaRPr lang="en-US" b="1" dirty="0"/>
-          </a:p>
-          <a:p>
-            <a:r>
-              <a:rPr lang="en-US" b="1" dirty="0"/>
-              <a:t>                </a:t>
-            </a:r>
-            <a:r>
-              <a:rPr lang="en-US" b="1" dirty="0" err="1">
-                <a:solidFill>
-                  <a:schemeClr val="accent6">
-                    <a:lumMod val="75000"/>
-                  </a:schemeClr>
-                </a:solidFill>
-              </a:rPr>
-              <a:t>document</a:t>
-            </a:r>
-            <a:r>
-              <a:rPr lang="en-US" b="1" dirty="0" err="1"/>
-              <a:t>.</a:t>
-            </a:r>
-            <a:r>
-              <a:rPr lang="en-US" b="1" dirty="0" err="1">
-                <a:solidFill>
-                  <a:srgbClr val="0070C0"/>
-                </a:solidFill>
-              </a:rPr>
-              <a:t>write</a:t>
-            </a:r>
-            <a:r>
-              <a:rPr lang="en-US" b="1" dirty="0"/>
-              <a:t>(</a:t>
-            </a:r>
-            <a:r>
-              <a:rPr lang="en-US" b="1" dirty="0">
-                <a:solidFill>
-                  <a:schemeClr val="accent6">
-                    <a:lumMod val="75000"/>
-                  </a:schemeClr>
-                </a:solidFill>
-              </a:rPr>
-              <a:t>k</a:t>
-            </a:r>
-            <a:r>
-              <a:rPr lang="en-US" b="1" dirty="0"/>
               <a:t>);   // k is still defined: prints 10 </a:t>
             </a:r>
           </a:p>
@@ -8474,29 +8439,11 @@
               <a:t>       </a:t>
             </a:r>
             <a:r>
-              <a:rPr lang="en-US" b="1" dirty="0" err="1">
-                <a:solidFill>
-                  <a:schemeClr val="accent6">
-                    <a:lumMod val="75000"/>
-                  </a:schemeClr>
-                </a:solidFill>
-              </a:rPr>
-              <a:t>document</a:t>
-            </a:r>
-            <a:r>
-              <a:rPr lang="en-US" b="1" dirty="0" err="1"/>
-              <a:t>.</a:t>
-            </a:r>
-            <a:r>
-              <a:rPr lang="en-US" b="1" dirty="0" err="1">
-                <a:solidFill>
-                  <a:srgbClr val="0070C0"/>
-                </a:solidFill>
-              </a:rPr>
-              <a:t>write</a:t>
-            </a:r>
-            <a:r>
-              <a:rPr lang="en-US" b="1" dirty="0"/>
+              <a:rPr lang="en-US" dirty="0"/>
+              <a:t>console.log </a:t>
+            </a:r>
+            <a:r>
+              <a:rPr lang="en-US" b="1" dirty="0" smtClean="0"/>
               <a:t>(</a:t>
             </a:r>
             <a:r>
@@ -12600,20 +12547,12 @@
               <a:rPr lang="en-US" dirty="0" smtClean="0"/>
               <a:t>expression and ES6 Modules</a:t>
             </a:r>
-            <a:r>
-              <a:rPr lang="en-US" dirty="0" smtClean="0"/>
-              <a:t/>
-            </a:r>
             <a:br>
               <a:rPr lang="en-US" dirty="0" smtClean="0"/>
             </a:br>
             <a:r>
               <a:rPr lang="en-US" dirty="0" smtClean="0"/>
-              <a:t>in next </a:t>
-            </a:r>
-            <a:r>
-              <a:rPr lang="en-US" dirty="0" smtClean="0"/>
-              <a:t>lectures</a:t>
+              <a:t>in next lectures</a:t>
             </a:r>
             <a:endParaRPr lang="en-US" dirty="0"/>
           </a:p>
